--- a/2023/RU.pptx
+++ b/2023/RU.pptx
@@ -120,6 +120,11 @@
       </a:defRPr>
     </a:lvl9pPr>
   </p:defaultTextStyle>
+  <p:extLst>
+    <p:ext uri="{EFAFB233-063F-42B5-8137-9DF3F51BA10A}">
+      <p15:sldGuideLst xmlns:p15="http://schemas.microsoft.com/office/powerpoint/2012/main"/>
+    </p:ext>
+  </p:extLst>
 </p:presentation>
 </file>
 
@@ -270,7 +275,7 @@
           <a:p>
             <a:fld id="{689FC7A7-397F-48E4-A06C-F522986685D6}" type="datetimeFigureOut">
               <a:rPr lang="en-US" smtClean="0"/>
-              <a:t>4/9/2023</a:t>
+              <a:t>4/10/2023</a:t>
             </a:fld>
             <a:endParaRPr lang="en-US"/>
           </a:p>
@@ -468,7 +473,7 @@
           <a:p>
             <a:fld id="{689FC7A7-397F-48E4-A06C-F522986685D6}" type="datetimeFigureOut">
               <a:rPr lang="en-US" smtClean="0"/>
-              <a:t>4/9/2023</a:t>
+              <a:t>4/10/2023</a:t>
             </a:fld>
             <a:endParaRPr lang="en-US"/>
           </a:p>
@@ -676,7 +681,7 @@
           <a:p>
             <a:fld id="{689FC7A7-397F-48E4-A06C-F522986685D6}" type="datetimeFigureOut">
               <a:rPr lang="en-US" smtClean="0"/>
-              <a:t>4/9/2023</a:t>
+              <a:t>4/10/2023</a:t>
             </a:fld>
             <a:endParaRPr lang="en-US"/>
           </a:p>
@@ -874,7 +879,7 @@
           <a:p>
             <a:fld id="{689FC7A7-397F-48E4-A06C-F522986685D6}" type="datetimeFigureOut">
               <a:rPr lang="en-US" smtClean="0"/>
-              <a:t>4/9/2023</a:t>
+              <a:t>4/10/2023</a:t>
             </a:fld>
             <a:endParaRPr lang="en-US"/>
           </a:p>
@@ -1149,7 +1154,7 @@
           <a:p>
             <a:fld id="{689FC7A7-397F-48E4-A06C-F522986685D6}" type="datetimeFigureOut">
               <a:rPr lang="en-US" smtClean="0"/>
-              <a:t>4/9/2023</a:t>
+              <a:t>4/10/2023</a:t>
             </a:fld>
             <a:endParaRPr lang="en-US"/>
           </a:p>
@@ -1414,7 +1419,7 @@
           <a:p>
             <a:fld id="{689FC7A7-397F-48E4-A06C-F522986685D6}" type="datetimeFigureOut">
               <a:rPr lang="en-US" smtClean="0"/>
-              <a:t>4/9/2023</a:t>
+              <a:t>4/10/2023</a:t>
             </a:fld>
             <a:endParaRPr lang="en-US"/>
           </a:p>
@@ -1826,7 +1831,7 @@
           <a:p>
             <a:fld id="{689FC7A7-397F-48E4-A06C-F522986685D6}" type="datetimeFigureOut">
               <a:rPr lang="en-US" smtClean="0"/>
-              <a:t>4/9/2023</a:t>
+              <a:t>4/10/2023</a:t>
             </a:fld>
             <a:endParaRPr lang="en-US"/>
           </a:p>
@@ -1967,7 +1972,7 @@
           <a:p>
             <a:fld id="{689FC7A7-397F-48E4-A06C-F522986685D6}" type="datetimeFigureOut">
               <a:rPr lang="en-US" smtClean="0"/>
-              <a:t>4/9/2023</a:t>
+              <a:t>4/10/2023</a:t>
             </a:fld>
             <a:endParaRPr lang="en-US"/>
           </a:p>
@@ -2080,7 +2085,7 @@
           <a:p>
             <a:fld id="{689FC7A7-397F-48E4-A06C-F522986685D6}" type="datetimeFigureOut">
               <a:rPr lang="en-US" smtClean="0"/>
-              <a:t>4/9/2023</a:t>
+              <a:t>4/10/2023</a:t>
             </a:fld>
             <a:endParaRPr lang="en-US"/>
           </a:p>
@@ -2391,7 +2396,7 @@
           <a:p>
             <a:fld id="{689FC7A7-397F-48E4-A06C-F522986685D6}" type="datetimeFigureOut">
               <a:rPr lang="en-US" smtClean="0"/>
-              <a:t>4/9/2023</a:t>
+              <a:t>4/10/2023</a:t>
             </a:fld>
             <a:endParaRPr lang="en-US"/>
           </a:p>
@@ -2679,7 +2684,7 @@
           <a:p>
             <a:fld id="{689FC7A7-397F-48E4-A06C-F522986685D6}" type="datetimeFigureOut">
               <a:rPr lang="en-US" smtClean="0"/>
-              <a:t>4/9/2023</a:t>
+              <a:t>4/10/2023</a:t>
             </a:fld>
             <a:endParaRPr lang="en-US"/>
           </a:p>
@@ -2920,7 +2925,7 @@
           <a:p>
             <a:fld id="{689FC7A7-397F-48E4-A06C-F522986685D6}" type="datetimeFigureOut">
               <a:rPr lang="en-US" smtClean="0"/>
-              <a:t>4/9/2023</a:t>
+              <a:t>4/10/2023</a:t>
             </a:fld>
             <a:endParaRPr lang="en-US"/>
           </a:p>
@@ -4508,7 +4513,9 @@
         </p:nvSpPr>
         <p:spPr/>
         <p:txBody>
-          <a:bodyPr/>
+          <a:bodyPr>
+            <a:normAutofit lnSpcReduction="10000"/>
+          </a:bodyPr>
           <a:lstStyle/>
           <a:p>
             <a:r>
@@ -4520,6 +4527,63 @@
               <a:t> (strict weak ordering)</a:t>
             </a:r>
             <a:endParaRPr lang="ru-RU" dirty="0"/>
+          </a:p>
+          <a:p>
+            <a:r>
+              <a:rPr lang="ru-RU" dirty="0"/>
+              <a:t>Не всем алгоритмам требуется транзитивность эквивалентности</a:t>
+            </a:r>
+            <a:r>
+              <a:rPr lang="en-US" dirty="0"/>
+              <a:t>!</a:t>
+            </a:r>
+          </a:p>
+          <a:p>
+            <a:pPr lvl="1"/>
+            <a:r>
+              <a:rPr lang="ru-RU" dirty="0"/>
+              <a:t>Например</a:t>
+            </a:r>
+            <a:r>
+              <a:rPr lang="en-US" dirty="0"/>
+              <a:t> </a:t>
+            </a:r>
+            <a:r>
+              <a:rPr lang="ru-RU" dirty="0"/>
+              <a:t>для </a:t>
+            </a:r>
+            <a:r>
+              <a:rPr lang="en-US" dirty="0"/>
+              <a:t>std::min/</a:t>
+            </a:r>
+            <a:r>
+              <a:rPr lang="en-US" dirty="0" err="1"/>
+              <a:t>min_element</a:t>
+            </a:r>
+            <a:r>
+              <a:rPr lang="en-US" dirty="0"/>
+              <a:t> </a:t>
+            </a:r>
+            <a:r>
+              <a:rPr lang="ru-RU" dirty="0"/>
+              <a:t>достаточно частичного порядка</a:t>
+            </a:r>
+          </a:p>
+          <a:p>
+            <a:pPr lvl="1"/>
+            <a:r>
+              <a:rPr lang="ru-RU" dirty="0"/>
+              <a:t>Скорее всего </a:t>
+            </a:r>
+            <a:r>
+              <a:rPr lang="en-US" dirty="0"/>
+              <a:t>strict weak ordering </a:t>
+            </a:r>
+            <a:r>
+              <a:rPr lang="ru-RU" dirty="0"/>
+              <a:t>решили требовать для всех алгоритмов для упрощения Стандарта</a:t>
+            </a:r>
+            <a:endParaRPr lang="en-US" dirty="0"/>
           </a:p>
           <a:p>
             <a:r>
@@ -6307,7 +6371,7 @@
           <a:p>
             <a:r>
               <a:rPr lang="en-US" dirty="0"/>
-              <a:t>Buffer overflow</a:t>
+              <a:t>Buffer overflow!</a:t>
             </a:r>
           </a:p>
         </p:txBody>

--- a/2023/RU.pptx
+++ b/2023/RU.pptx
@@ -275,7 +275,7 @@
           <a:p>
             <a:fld id="{689FC7A7-397F-48E4-A06C-F522986685D6}" type="datetimeFigureOut">
               <a:rPr lang="en-US" smtClean="0"/>
-              <a:t>4/10/2023</a:t>
+              <a:t>4/11/2023</a:t>
             </a:fld>
             <a:endParaRPr lang="en-US"/>
           </a:p>
@@ -473,7 +473,7 @@
           <a:p>
             <a:fld id="{689FC7A7-397F-48E4-A06C-F522986685D6}" type="datetimeFigureOut">
               <a:rPr lang="en-US" smtClean="0"/>
-              <a:t>4/10/2023</a:t>
+              <a:t>4/11/2023</a:t>
             </a:fld>
             <a:endParaRPr lang="en-US"/>
           </a:p>
@@ -681,7 +681,7 @@
           <a:p>
             <a:fld id="{689FC7A7-397F-48E4-A06C-F522986685D6}" type="datetimeFigureOut">
               <a:rPr lang="en-US" smtClean="0"/>
-              <a:t>4/10/2023</a:t>
+              <a:t>4/11/2023</a:t>
             </a:fld>
             <a:endParaRPr lang="en-US"/>
           </a:p>
@@ -879,7 +879,7 @@
           <a:p>
             <a:fld id="{689FC7A7-397F-48E4-A06C-F522986685D6}" type="datetimeFigureOut">
               <a:rPr lang="en-US" smtClean="0"/>
-              <a:t>4/10/2023</a:t>
+              <a:t>4/11/2023</a:t>
             </a:fld>
             <a:endParaRPr lang="en-US"/>
           </a:p>
@@ -1154,7 +1154,7 @@
           <a:p>
             <a:fld id="{689FC7A7-397F-48E4-A06C-F522986685D6}" type="datetimeFigureOut">
               <a:rPr lang="en-US" smtClean="0"/>
-              <a:t>4/10/2023</a:t>
+              <a:t>4/11/2023</a:t>
             </a:fld>
             <a:endParaRPr lang="en-US"/>
           </a:p>
@@ -1419,7 +1419,7 @@
           <a:p>
             <a:fld id="{689FC7A7-397F-48E4-A06C-F522986685D6}" type="datetimeFigureOut">
               <a:rPr lang="en-US" smtClean="0"/>
-              <a:t>4/10/2023</a:t>
+              <a:t>4/11/2023</a:t>
             </a:fld>
             <a:endParaRPr lang="en-US"/>
           </a:p>
@@ -1831,7 +1831,7 @@
           <a:p>
             <a:fld id="{689FC7A7-397F-48E4-A06C-F522986685D6}" type="datetimeFigureOut">
               <a:rPr lang="en-US" smtClean="0"/>
-              <a:t>4/10/2023</a:t>
+              <a:t>4/11/2023</a:t>
             </a:fld>
             <a:endParaRPr lang="en-US"/>
           </a:p>
@@ -1972,7 +1972,7 @@
           <a:p>
             <a:fld id="{689FC7A7-397F-48E4-A06C-F522986685D6}" type="datetimeFigureOut">
               <a:rPr lang="en-US" smtClean="0"/>
-              <a:t>4/10/2023</a:t>
+              <a:t>4/11/2023</a:t>
             </a:fld>
             <a:endParaRPr lang="en-US"/>
           </a:p>
@@ -2085,7 +2085,7 @@
           <a:p>
             <a:fld id="{689FC7A7-397F-48E4-A06C-F522986685D6}" type="datetimeFigureOut">
               <a:rPr lang="en-US" smtClean="0"/>
-              <a:t>4/10/2023</a:t>
+              <a:t>4/11/2023</a:t>
             </a:fld>
             <a:endParaRPr lang="en-US"/>
           </a:p>
@@ -2396,7 +2396,7 @@
           <a:p>
             <a:fld id="{689FC7A7-397F-48E4-A06C-F522986685D6}" type="datetimeFigureOut">
               <a:rPr lang="en-US" smtClean="0"/>
-              <a:t>4/10/2023</a:t>
+              <a:t>4/11/2023</a:t>
             </a:fld>
             <a:endParaRPr lang="en-US"/>
           </a:p>
@@ -2684,7 +2684,7 @@
           <a:p>
             <a:fld id="{689FC7A7-397F-48E4-A06C-F522986685D6}" type="datetimeFigureOut">
               <a:rPr lang="en-US" smtClean="0"/>
-              <a:t>4/10/2023</a:t>
+              <a:t>4/11/2023</a:t>
             </a:fld>
             <a:endParaRPr lang="en-US"/>
           </a:p>
@@ -2925,7 +2925,7 @@
           <a:p>
             <a:fld id="{689FC7A7-397F-48E4-A06C-F522986685D6}" type="datetimeFigureOut">
               <a:rPr lang="en-US" smtClean="0"/>
-              <a:t>4/10/2023</a:t>
+              <a:t>4/11/2023</a:t>
             </a:fld>
             <a:endParaRPr lang="en-US"/>
           </a:p>
@@ -4328,7 +4328,9 @@
         </p:nvSpPr>
         <p:spPr/>
         <p:txBody>
-          <a:bodyPr/>
+          <a:bodyPr>
+            <a:normAutofit lnSpcReduction="10000"/>
+          </a:bodyPr>
           <a:lstStyle/>
           <a:p>
             <a:r>
@@ -4430,6 +4432,36 @@
             </a:r>
           </a:p>
           <a:p>
+            <a:r>
+              <a:rPr lang="ru-RU" dirty="0"/>
+              <a:t>Необходимое условие для всех </a:t>
+            </a:r>
+            <a:r>
+              <a:rPr lang="en-US" dirty="0"/>
+              <a:t>“</a:t>
+            </a:r>
+            <a:r>
+              <a:rPr lang="ru-RU" dirty="0"/>
+              <a:t>быстрых</a:t>
+            </a:r>
+            <a:r>
+              <a:rPr lang="en-US" dirty="0"/>
+              <a:t>” </a:t>
+            </a:r>
+            <a:r>
+              <a:rPr lang="ru-RU" dirty="0"/>
+              <a:t>алгоритмов сортировки (см. </a:t>
+            </a:r>
+            <a:r>
+              <a:rPr lang="en-US" dirty="0">
+                <a:hlinkClick r:id="rId2"/>
+              </a:rPr>
+              <a:t>Why do we need transitivity of equivalence</a:t>
+            </a:r>
+            <a:r>
+              <a:rPr lang="en-US" dirty="0"/>
+              <a:t>)</a:t>
+            </a:r>
             <a:endParaRPr lang="ru-RU" dirty="0"/>
           </a:p>
           <a:p>

--- a/2023/RU.pptx
+++ b/2023/RU.pptx
@@ -22,6 +22,22 @@
     <p:sldId id="270" r:id="rId16"/>
     <p:sldId id="271" r:id="rId17"/>
     <p:sldId id="272" r:id="rId18"/>
+    <p:sldId id="273" r:id="rId19"/>
+    <p:sldId id="274" r:id="rId20"/>
+    <p:sldId id="275" r:id="rId21"/>
+    <p:sldId id="276" r:id="rId22"/>
+    <p:sldId id="277" r:id="rId23"/>
+    <p:sldId id="278" r:id="rId24"/>
+    <p:sldId id="279" r:id="rId25"/>
+    <p:sldId id="288" r:id="rId26"/>
+    <p:sldId id="280" r:id="rId27"/>
+    <p:sldId id="281" r:id="rId28"/>
+    <p:sldId id="282" r:id="rId29"/>
+    <p:sldId id="283" r:id="rId30"/>
+    <p:sldId id="284" r:id="rId31"/>
+    <p:sldId id="285" r:id="rId32"/>
+    <p:sldId id="286" r:id="rId33"/>
+    <p:sldId id="287" r:id="rId34"/>
   </p:sldIdLst>
   <p:sldSz cx="12192000" cy="6858000"/>
   <p:notesSz cx="6858000" cy="9144000"/>
@@ -128,6 +144,18 @@
 </p:presentation>
 </file>
 
+<file path=ppt/commentAuthors.xml><?xml version="1.0" encoding="utf-8"?>
+<p:cmAuthorLst xmlns:a="http://schemas.openxmlformats.org/drawingml/2006/main" xmlns:r="http://schemas.openxmlformats.org/officeDocument/2006/relationships" xmlns:p="http://schemas.openxmlformats.org/presentationml/2006/main">
+  <p:cmAuthor id="1" name="Asus" initials="A" lastIdx="1" clrIdx="0">
+    <p:extLst>
+      <p:ext uri="{19B8F6BF-5375-455C-9EA6-DF929625EA0E}">
+        <p15:presenceInfo xmlns:p15="http://schemas.microsoft.com/office/powerpoint/2012/main" userId="Asus" providerId="None"/>
+      </p:ext>
+    </p:extLst>
+  </p:cmAuthor>
+</p:cmAuthorLst>
+</file>
+
 <file path=ppt/slideLayouts/slideLayout1.xml><?xml version="1.0" encoding="utf-8"?>
 <p:sldLayout xmlns:a="http://schemas.openxmlformats.org/drawingml/2006/main" xmlns:r="http://schemas.openxmlformats.org/officeDocument/2006/relationships" xmlns:p="http://schemas.openxmlformats.org/presentationml/2006/main" type="title" preserve="1">
   <p:cSld name="Title Slide">
@@ -275,7 +303,7 @@
           <a:p>
             <a:fld id="{689FC7A7-397F-48E4-A06C-F522986685D6}" type="datetimeFigureOut">
               <a:rPr lang="en-US" smtClean="0"/>
-              <a:t>4/11/2023</a:t>
+              <a:t>4/12/2023</a:t>
             </a:fld>
             <a:endParaRPr lang="en-US"/>
           </a:p>
@@ -473,7 +501,7 @@
           <a:p>
             <a:fld id="{689FC7A7-397F-48E4-A06C-F522986685D6}" type="datetimeFigureOut">
               <a:rPr lang="en-US" smtClean="0"/>
-              <a:t>4/11/2023</a:t>
+              <a:t>4/12/2023</a:t>
             </a:fld>
             <a:endParaRPr lang="en-US"/>
           </a:p>
@@ -681,7 +709,7 @@
           <a:p>
             <a:fld id="{689FC7A7-397F-48E4-A06C-F522986685D6}" type="datetimeFigureOut">
               <a:rPr lang="en-US" smtClean="0"/>
-              <a:t>4/11/2023</a:t>
+              <a:t>4/12/2023</a:t>
             </a:fld>
             <a:endParaRPr lang="en-US"/>
           </a:p>
@@ -879,7 +907,7 @@
           <a:p>
             <a:fld id="{689FC7A7-397F-48E4-A06C-F522986685D6}" type="datetimeFigureOut">
               <a:rPr lang="en-US" smtClean="0"/>
-              <a:t>4/11/2023</a:t>
+              <a:t>4/12/2023</a:t>
             </a:fld>
             <a:endParaRPr lang="en-US"/>
           </a:p>
@@ -1154,7 +1182,7 @@
           <a:p>
             <a:fld id="{689FC7A7-397F-48E4-A06C-F522986685D6}" type="datetimeFigureOut">
               <a:rPr lang="en-US" smtClean="0"/>
-              <a:t>4/11/2023</a:t>
+              <a:t>4/12/2023</a:t>
             </a:fld>
             <a:endParaRPr lang="en-US"/>
           </a:p>
@@ -1419,7 +1447,7 @@
           <a:p>
             <a:fld id="{689FC7A7-397F-48E4-A06C-F522986685D6}" type="datetimeFigureOut">
               <a:rPr lang="en-US" smtClean="0"/>
-              <a:t>4/11/2023</a:t>
+              <a:t>4/12/2023</a:t>
             </a:fld>
             <a:endParaRPr lang="en-US"/>
           </a:p>
@@ -1831,7 +1859,7 @@
           <a:p>
             <a:fld id="{689FC7A7-397F-48E4-A06C-F522986685D6}" type="datetimeFigureOut">
               <a:rPr lang="en-US" smtClean="0"/>
-              <a:t>4/11/2023</a:t>
+              <a:t>4/12/2023</a:t>
             </a:fld>
             <a:endParaRPr lang="en-US"/>
           </a:p>
@@ -1972,7 +2000,7 @@
           <a:p>
             <a:fld id="{689FC7A7-397F-48E4-A06C-F522986685D6}" type="datetimeFigureOut">
               <a:rPr lang="en-US" smtClean="0"/>
-              <a:t>4/11/2023</a:t>
+              <a:t>4/12/2023</a:t>
             </a:fld>
             <a:endParaRPr lang="en-US"/>
           </a:p>
@@ -2085,7 +2113,7 @@
           <a:p>
             <a:fld id="{689FC7A7-397F-48E4-A06C-F522986685D6}" type="datetimeFigureOut">
               <a:rPr lang="en-US" smtClean="0"/>
-              <a:t>4/11/2023</a:t>
+              <a:t>4/12/2023</a:t>
             </a:fld>
             <a:endParaRPr lang="en-US"/>
           </a:p>
@@ -2396,7 +2424,7 @@
           <a:p>
             <a:fld id="{689FC7A7-397F-48E4-A06C-F522986685D6}" type="datetimeFigureOut">
               <a:rPr lang="en-US" smtClean="0"/>
-              <a:t>4/11/2023</a:t>
+              <a:t>4/12/2023</a:t>
             </a:fld>
             <a:endParaRPr lang="en-US"/>
           </a:p>
@@ -2684,7 +2712,7 @@
           <a:p>
             <a:fld id="{689FC7A7-397F-48E4-A06C-F522986685D6}" type="datetimeFigureOut">
               <a:rPr lang="en-US" smtClean="0"/>
-              <a:t>4/11/2023</a:t>
+              <a:t>4/12/2023</a:t>
             </a:fld>
             <a:endParaRPr lang="en-US"/>
           </a:p>
@@ -2925,7 +2953,7 @@
           <a:p>
             <a:fld id="{689FC7A7-397F-48E4-A06C-F522986685D6}" type="datetimeFigureOut">
               <a:rPr lang="en-US" smtClean="0"/>
-              <a:t>4/11/2023</a:t>
+              <a:t>4/12/2023</a:t>
             </a:fld>
             <a:endParaRPr lang="en-US"/>
           </a:p>
@@ -5084,6 +5112,506 @@
 </p:sld>
 </file>
 
+<file path=ppt/slides/slide18.xml><?xml version="1.0" encoding="utf-8"?>
+<p:sld xmlns:a="http://schemas.openxmlformats.org/drawingml/2006/main" xmlns:r="http://schemas.openxmlformats.org/officeDocument/2006/relationships" xmlns:p="http://schemas.openxmlformats.org/presentationml/2006/main">
+  <p:cSld>
+    <p:spTree>
+      <p:nvGrpSpPr>
+        <p:cNvPr id="1" name=""/>
+        <p:cNvGrpSpPr/>
+        <p:nvPr/>
+      </p:nvGrpSpPr>
+      <p:grpSpPr>
+        <a:xfrm>
+          <a:off x="0" y="0"/>
+          <a:ext cx="0" cy="0"/>
+          <a:chOff x="0" y="0"/>
+          <a:chExt cx="0" cy="0"/>
+        </a:xfrm>
+      </p:grpSpPr>
+      <p:sp>
+        <p:nvSpPr>
+          <p:cNvPr id="2" name="Title 1">
+            <a:extLst>
+              <a:ext uri="{FF2B5EF4-FFF2-40B4-BE49-F238E27FC236}">
+                <a16:creationId xmlns:a16="http://schemas.microsoft.com/office/drawing/2014/main" id="{36405CAA-E95E-4454-B8C4-10163A2BFECD}"/>
+              </a:ext>
+            </a:extLst>
+          </p:cNvPr>
+          <p:cNvSpPr>
+            <a:spLocks noGrp="1"/>
+          </p:cNvSpPr>
+          <p:nvPr>
+            <p:ph type="title"/>
+          </p:nvPr>
+        </p:nvSpPr>
+        <p:spPr/>
+        <p:txBody>
+          <a:bodyPr/>
+          <a:lstStyle/>
+          <a:p>
+            <a:r>
+              <a:rPr lang="ru-RU" dirty="0"/>
+              <a:t>Частые ошибки</a:t>
+            </a:r>
+            <a:r>
+              <a:rPr lang="en-US" dirty="0"/>
+              <a:t>: </a:t>
+            </a:r>
+            <a:r>
+              <a:rPr lang="ru-RU" dirty="0"/>
+              <a:t>лексикографический порядок</a:t>
+            </a:r>
+            <a:endParaRPr lang="en-US" dirty="0"/>
+          </a:p>
+        </p:txBody>
+      </p:sp>
+      <p:sp>
+        <p:nvSpPr>
+          <p:cNvPr id="3" name="Content Placeholder 2">
+            <a:extLst>
+              <a:ext uri="{FF2B5EF4-FFF2-40B4-BE49-F238E27FC236}">
+                <a16:creationId xmlns:a16="http://schemas.microsoft.com/office/drawing/2014/main" id="{76990235-3787-491D-84B8-21FE4A61F86A}"/>
+              </a:ext>
+            </a:extLst>
+          </p:cNvPr>
+          <p:cNvSpPr>
+            <a:spLocks noGrp="1"/>
+          </p:cNvSpPr>
+          <p:nvPr>
+            <p:ph idx="1"/>
+          </p:nvPr>
+        </p:nvSpPr>
+        <p:spPr/>
+        <p:txBody>
+          <a:bodyPr>
+            <a:normAutofit/>
+          </a:bodyPr>
+          <a:lstStyle/>
+          <a:p>
+            <a:pPr marL="0" indent="0">
+              <a:buNone/>
+            </a:pPr>
+            <a:r>
+              <a:rPr lang="en-US" sz="2000" dirty="0">
+                <a:solidFill>
+                  <a:prstClr val="black"/>
+                </a:solidFill>
+                <a:latin typeface="Courier New" panose="02070309020205020404" pitchFamily="49" charset="0"/>
+                <a:cs typeface="Courier New" panose="02070309020205020404" pitchFamily="49" charset="0"/>
+              </a:rPr>
+              <a:t>bool operator&lt;(const </a:t>
+            </a:r>
+            <a:r>
+              <a:rPr lang="en-US" sz="2000" dirty="0" err="1">
+                <a:solidFill>
+                  <a:prstClr val="black"/>
+                </a:solidFill>
+                <a:latin typeface="Courier New" panose="02070309020205020404" pitchFamily="49" charset="0"/>
+                <a:cs typeface="Courier New" panose="02070309020205020404" pitchFamily="49" charset="0"/>
+              </a:rPr>
+              <a:t>SomeClass</a:t>
+            </a:r>
+            <a:r>
+              <a:rPr lang="en-US" sz="2000" dirty="0">
+                <a:solidFill>
+                  <a:prstClr val="black"/>
+                </a:solidFill>
+                <a:latin typeface="Courier New" panose="02070309020205020404" pitchFamily="49" charset="0"/>
+                <a:cs typeface="Courier New" panose="02070309020205020404" pitchFamily="49" charset="0"/>
+              </a:rPr>
+              <a:t> &amp;</a:t>
+            </a:r>
+            <a:r>
+              <a:rPr lang="en-US" sz="2000" dirty="0" err="1">
+                <a:solidFill>
+                  <a:prstClr val="black"/>
+                </a:solidFill>
+                <a:latin typeface="Courier New" panose="02070309020205020404" pitchFamily="49" charset="0"/>
+                <a:cs typeface="Courier New" panose="02070309020205020404" pitchFamily="49" charset="0"/>
+              </a:rPr>
+              <a:t>rhs</a:t>
+            </a:r>
+            <a:r>
+              <a:rPr lang="en-US" sz="2000" dirty="0">
+                <a:solidFill>
+                  <a:prstClr val="black"/>
+                </a:solidFill>
+                <a:latin typeface="Courier New" panose="02070309020205020404" pitchFamily="49" charset="0"/>
+                <a:cs typeface="Courier New" panose="02070309020205020404" pitchFamily="49" charset="0"/>
+              </a:rPr>
+              <a:t>) const {</a:t>
+            </a:r>
+          </a:p>
+          <a:p>
+            <a:pPr marL="0" indent="0">
+              <a:buNone/>
+            </a:pPr>
+            <a:r>
+              <a:rPr lang="en-US" sz="2000" dirty="0">
+                <a:solidFill>
+                  <a:prstClr val="black"/>
+                </a:solidFill>
+                <a:latin typeface="Courier New" panose="02070309020205020404" pitchFamily="49" charset="0"/>
+                <a:cs typeface="Courier New" panose="02070309020205020404" pitchFamily="49" charset="0"/>
+              </a:rPr>
+              <a:t>  if (first &lt; </a:t>
+            </a:r>
+            <a:r>
+              <a:rPr lang="en-US" sz="2000" dirty="0" err="1">
+                <a:solidFill>
+                  <a:prstClr val="black"/>
+                </a:solidFill>
+                <a:latin typeface="Courier New" panose="02070309020205020404" pitchFamily="49" charset="0"/>
+                <a:cs typeface="Courier New" panose="02070309020205020404" pitchFamily="49" charset="0"/>
+              </a:rPr>
+              <a:t>rhs.first</a:t>
+            </a:r>
+            <a:r>
+              <a:rPr lang="en-US" sz="2000" dirty="0">
+                <a:solidFill>
+                  <a:prstClr val="black"/>
+                </a:solidFill>
+                <a:latin typeface="Courier New" panose="02070309020205020404" pitchFamily="49" charset="0"/>
+                <a:cs typeface="Courier New" panose="02070309020205020404" pitchFamily="49" charset="0"/>
+              </a:rPr>
+              <a:t>)</a:t>
+            </a:r>
+          </a:p>
+          <a:p>
+            <a:pPr marL="0" indent="0">
+              <a:buNone/>
+            </a:pPr>
+            <a:r>
+              <a:rPr lang="en-US" sz="2000" dirty="0">
+                <a:solidFill>
+                  <a:prstClr val="black"/>
+                </a:solidFill>
+                <a:latin typeface="Courier New" panose="02070309020205020404" pitchFamily="49" charset="0"/>
+                <a:cs typeface="Courier New" panose="02070309020205020404" pitchFamily="49" charset="0"/>
+              </a:rPr>
+              <a:t>    return true;</a:t>
+            </a:r>
+          </a:p>
+          <a:p>
+            <a:pPr marL="0" indent="0">
+              <a:buNone/>
+            </a:pPr>
+            <a:r>
+              <a:rPr lang="en-US" sz="2000" dirty="0">
+                <a:solidFill>
+                  <a:prstClr val="black"/>
+                </a:solidFill>
+                <a:latin typeface="Courier New" panose="02070309020205020404" pitchFamily="49" charset="0"/>
+                <a:cs typeface="Courier New" panose="02070309020205020404" pitchFamily="49" charset="0"/>
+              </a:rPr>
+              <a:t>  else if (second &lt; </a:t>
+            </a:r>
+            <a:r>
+              <a:rPr lang="en-US" sz="2000" dirty="0" err="1">
+                <a:solidFill>
+                  <a:prstClr val="black"/>
+                </a:solidFill>
+                <a:latin typeface="Courier New" panose="02070309020205020404" pitchFamily="49" charset="0"/>
+                <a:cs typeface="Courier New" panose="02070309020205020404" pitchFamily="49" charset="0"/>
+              </a:rPr>
+              <a:t>rhs.second</a:t>
+            </a:r>
+            <a:r>
+              <a:rPr lang="en-US" sz="2000" dirty="0">
+                <a:solidFill>
+                  <a:prstClr val="black"/>
+                </a:solidFill>
+                <a:latin typeface="Courier New" panose="02070309020205020404" pitchFamily="49" charset="0"/>
+                <a:cs typeface="Courier New" panose="02070309020205020404" pitchFamily="49" charset="0"/>
+              </a:rPr>
+              <a:t>) </a:t>
+            </a:r>
+            <a:r>
+              <a:rPr lang="en-US" sz="2000" dirty="0">
+                <a:solidFill>
+                  <a:srgbClr val="FF0000"/>
+                </a:solidFill>
+                <a:latin typeface="Courier New" panose="02070309020205020404" pitchFamily="49" charset="0"/>
+                <a:cs typeface="Courier New" panose="02070309020205020404" pitchFamily="49" charset="0"/>
+              </a:rPr>
+              <a:t>// ЗАБЫЛИ "&amp;&amp; fist == </a:t>
+            </a:r>
+            <a:r>
+              <a:rPr lang="en-US" sz="2000" dirty="0" err="1">
+                <a:solidFill>
+                  <a:srgbClr val="FF0000"/>
+                </a:solidFill>
+                <a:latin typeface="Courier New" panose="02070309020205020404" pitchFamily="49" charset="0"/>
+                <a:cs typeface="Courier New" panose="02070309020205020404" pitchFamily="49" charset="0"/>
+              </a:rPr>
+              <a:t>rhs.first</a:t>
+            </a:r>
+            <a:r>
+              <a:rPr lang="en-US" sz="2000" dirty="0">
+                <a:solidFill>
+                  <a:srgbClr val="FF0000"/>
+                </a:solidFill>
+                <a:latin typeface="Courier New" panose="02070309020205020404" pitchFamily="49" charset="0"/>
+                <a:cs typeface="Courier New" panose="02070309020205020404" pitchFamily="49" charset="0"/>
+              </a:rPr>
+              <a:t>"</a:t>
+            </a:r>
+          </a:p>
+          <a:p>
+            <a:pPr marL="0" indent="0">
+              <a:buNone/>
+            </a:pPr>
+            <a:r>
+              <a:rPr lang="en-US" sz="2000" dirty="0">
+                <a:solidFill>
+                  <a:prstClr val="black"/>
+                </a:solidFill>
+                <a:latin typeface="Courier New" panose="02070309020205020404" pitchFamily="49" charset="0"/>
+                <a:cs typeface="Courier New" panose="02070309020205020404" pitchFamily="49" charset="0"/>
+              </a:rPr>
+              <a:t>    return true;</a:t>
+            </a:r>
+          </a:p>
+          <a:p>
+            <a:pPr marL="0" indent="0">
+              <a:buNone/>
+            </a:pPr>
+            <a:r>
+              <a:rPr lang="en-US" sz="2000" dirty="0">
+                <a:solidFill>
+                  <a:prstClr val="black"/>
+                </a:solidFill>
+                <a:latin typeface="Courier New" panose="02070309020205020404" pitchFamily="49" charset="0"/>
+                <a:cs typeface="Courier New" panose="02070309020205020404" pitchFamily="49" charset="0"/>
+              </a:rPr>
+              <a:t>  else</a:t>
+            </a:r>
+          </a:p>
+          <a:p>
+            <a:pPr marL="0" indent="0">
+              <a:buNone/>
+            </a:pPr>
+            <a:r>
+              <a:rPr lang="en-US" sz="2000" dirty="0">
+                <a:solidFill>
+                  <a:prstClr val="black"/>
+                </a:solidFill>
+                <a:latin typeface="Courier New" panose="02070309020205020404" pitchFamily="49" charset="0"/>
+                <a:cs typeface="Courier New" panose="02070309020205020404" pitchFamily="49" charset="0"/>
+              </a:rPr>
+              <a:t>    return false;</a:t>
+            </a:r>
+          </a:p>
+          <a:p>
+            <a:pPr marL="0" indent="0">
+              <a:buNone/>
+            </a:pPr>
+            <a:r>
+              <a:rPr lang="en-US" sz="2000" dirty="0">
+                <a:solidFill>
+                  <a:prstClr val="black"/>
+                </a:solidFill>
+                <a:latin typeface="Courier New" panose="02070309020205020404" pitchFamily="49" charset="0"/>
+                <a:cs typeface="Courier New" panose="02070309020205020404" pitchFamily="49" charset="0"/>
+              </a:rPr>
+              <a:t>}</a:t>
+            </a:r>
+          </a:p>
+          <a:p>
+            <a:pPr marL="0" indent="0">
+              <a:buNone/>
+            </a:pPr>
+            <a:endParaRPr lang="en-US" sz="3200" dirty="0">
+              <a:latin typeface="Courier New" panose="02070309020205020404" pitchFamily="49" charset="0"/>
+              <a:cs typeface="Courier New" panose="02070309020205020404" pitchFamily="49" charset="0"/>
+            </a:endParaRPr>
+          </a:p>
+        </p:txBody>
+      </p:sp>
+      <p:sp>
+        <p:nvSpPr>
+          <p:cNvPr id="4" name="TextBox 3">
+            <a:extLst>
+              <a:ext uri="{FF2B5EF4-FFF2-40B4-BE49-F238E27FC236}">
+                <a16:creationId xmlns:a16="http://schemas.microsoft.com/office/drawing/2014/main" id="{1A90D972-D758-4696-82BE-FBA97DE63466}"/>
+              </a:ext>
+            </a:extLst>
+          </p:cNvPr>
+          <p:cNvSpPr txBox="1"/>
+          <p:nvPr/>
+        </p:nvSpPr>
+        <p:spPr>
+          <a:xfrm>
+            <a:off x="6955971" y="4343400"/>
+            <a:ext cx="2612571" cy="923330"/>
+          </a:xfrm>
+          <a:prstGeom prst="rect">
+            <a:avLst/>
+          </a:prstGeom>
+          <a:noFill/>
+        </p:spPr>
+        <p:txBody>
+          <a:bodyPr wrap="square" rtlCol="0">
+            <a:spAutoFit/>
+          </a:bodyPr>
+          <a:lstStyle/>
+          <a:p>
+            <a:r>
+              <a:rPr lang="ru-RU" dirty="0">
+                <a:solidFill>
+                  <a:srgbClr val="FF0000"/>
+                </a:solidFill>
+              </a:rPr>
+              <a:t>Противоречие</a:t>
+            </a:r>
+            <a:r>
+              <a:rPr lang="en-US" dirty="0">
+                <a:solidFill>
+                  <a:srgbClr val="FF0000"/>
+                </a:solidFill>
+              </a:rPr>
+              <a:t>:</a:t>
+            </a:r>
+          </a:p>
+          <a:p>
+            <a:r>
+              <a:rPr lang="en-US" dirty="0">
+                <a:solidFill>
+                  <a:srgbClr val="FF0000"/>
+                </a:solidFill>
+              </a:rPr>
+              <a:t>  {1oo, 2} &lt; {200, 1}</a:t>
+            </a:r>
+          </a:p>
+          <a:p>
+            <a:r>
+              <a:rPr lang="en-US" dirty="0">
+                <a:solidFill>
+                  <a:srgbClr val="FF0000"/>
+                </a:solidFill>
+              </a:rPr>
+              <a:t>  {200, 1} &lt; {100, 2}</a:t>
+            </a:r>
+          </a:p>
+        </p:txBody>
+      </p:sp>
+    </p:spTree>
+    <p:extLst>
+      <p:ext uri="{BB962C8B-B14F-4D97-AF65-F5344CB8AC3E}">
+        <p14:creationId xmlns:p14="http://schemas.microsoft.com/office/powerpoint/2010/main" val="284998572"/>
+      </p:ext>
+    </p:extLst>
+  </p:cSld>
+  <p:clrMapOvr>
+    <a:masterClrMapping/>
+  </p:clrMapOvr>
+</p:sld>
+</file>
+
+<file path=ppt/slides/slide19.xml><?xml version="1.0" encoding="utf-8"?>
+<p:sld xmlns:a="http://schemas.openxmlformats.org/drawingml/2006/main" xmlns:r="http://schemas.openxmlformats.org/officeDocument/2006/relationships" xmlns:p="http://schemas.openxmlformats.org/presentationml/2006/main">
+  <p:cSld>
+    <p:spTree>
+      <p:nvGrpSpPr>
+        <p:cNvPr id="1" name=""/>
+        <p:cNvGrpSpPr/>
+        <p:nvPr/>
+      </p:nvGrpSpPr>
+      <p:grpSpPr>
+        <a:xfrm>
+          <a:off x="0" y="0"/>
+          <a:ext cx="0" cy="0"/>
+          <a:chOff x="0" y="0"/>
+          <a:chExt cx="0" cy="0"/>
+        </a:xfrm>
+      </p:grpSpPr>
+      <p:sp>
+        <p:nvSpPr>
+          <p:cNvPr id="2" name="Title 1">
+            <a:extLst>
+              <a:ext uri="{FF2B5EF4-FFF2-40B4-BE49-F238E27FC236}">
+                <a16:creationId xmlns:a16="http://schemas.microsoft.com/office/drawing/2014/main" id="{71AAADCC-D572-4183-8A43-D3D495367A46}"/>
+              </a:ext>
+            </a:extLst>
+          </p:cNvPr>
+          <p:cNvSpPr>
+            <a:spLocks noGrp="1"/>
+          </p:cNvSpPr>
+          <p:nvPr>
+            <p:ph type="title"/>
+          </p:nvPr>
+        </p:nvSpPr>
+        <p:spPr/>
+        <p:txBody>
+          <a:bodyPr/>
+          <a:lstStyle/>
+          <a:p>
+            <a:r>
+              <a:rPr lang="ru-RU" dirty="0"/>
+              <a:t>Частые ошибки</a:t>
+            </a:r>
+            <a:r>
+              <a:rPr lang="en-US" dirty="0"/>
+              <a:t>: </a:t>
+            </a:r>
+            <a:r>
+              <a:rPr lang="ru-RU" dirty="0"/>
+              <a:t>лексикографический порядок</a:t>
+            </a:r>
+            <a:endParaRPr lang="en-US" dirty="0"/>
+          </a:p>
+        </p:txBody>
+      </p:sp>
+      <p:sp>
+        <p:nvSpPr>
+          <p:cNvPr id="3" name="Content Placeholder 2">
+            <a:extLst>
+              <a:ext uri="{FF2B5EF4-FFF2-40B4-BE49-F238E27FC236}">
+                <a16:creationId xmlns:a16="http://schemas.microsoft.com/office/drawing/2014/main" id="{39F6D72D-A9F8-4237-805D-7AAE75897D10}"/>
+              </a:ext>
+            </a:extLst>
+          </p:cNvPr>
+          <p:cNvSpPr>
+            <a:spLocks noGrp="1"/>
+          </p:cNvSpPr>
+          <p:nvPr>
+            <p:ph idx="1"/>
+          </p:nvPr>
+        </p:nvSpPr>
+        <p:spPr/>
+        <p:txBody>
+          <a:bodyPr/>
+          <a:lstStyle/>
+          <a:p>
+            <a:r>
+              <a:rPr lang="ru-RU" dirty="0"/>
+              <a:t>Самая частая ошибка при написании компараторов</a:t>
+            </a:r>
+            <a:endParaRPr lang="en-US" dirty="0"/>
+          </a:p>
+          <a:p>
+            <a:r>
+              <a:rPr lang="ru-RU" dirty="0"/>
+              <a:t>Нарушена аксиома антисимметричности</a:t>
+            </a:r>
+            <a:endParaRPr lang="en-US" dirty="0"/>
+          </a:p>
+        </p:txBody>
+      </p:sp>
+    </p:spTree>
+    <p:extLst>
+      <p:ext uri="{BB962C8B-B14F-4D97-AF65-F5344CB8AC3E}">
+        <p14:creationId xmlns:p14="http://schemas.microsoft.com/office/powerpoint/2010/main" val="1470207012"/>
+      </p:ext>
+    </p:extLst>
+  </p:cSld>
+  <p:clrMapOvr>
+    <a:masterClrMapping/>
+  </p:clrMapOvr>
+</p:sld>
+</file>
+
 <file path=ppt/slides/slide2.xml><?xml version="1.0" encoding="utf-8"?>
 <p:sld xmlns:a="http://schemas.openxmlformats.org/drawingml/2006/main" xmlns:r="http://schemas.openxmlformats.org/officeDocument/2006/relationships" xmlns:p="http://schemas.openxmlformats.org/presentationml/2006/main">
   <p:cSld>
@@ -5251,6 +5779,2101 @@
     <p:extLst>
       <p:ext uri="{BB962C8B-B14F-4D97-AF65-F5344CB8AC3E}">
         <p14:creationId xmlns:p14="http://schemas.microsoft.com/office/powerpoint/2010/main" val="689987346"/>
+      </p:ext>
+    </p:extLst>
+  </p:cSld>
+  <p:clrMapOvr>
+    <a:masterClrMapping/>
+  </p:clrMapOvr>
+</p:sld>
+</file>
+
+<file path=ppt/slides/slide20.xml><?xml version="1.0" encoding="utf-8"?>
+<p:sld xmlns:a="http://schemas.openxmlformats.org/drawingml/2006/main" xmlns:r="http://schemas.openxmlformats.org/officeDocument/2006/relationships" xmlns:p="http://schemas.openxmlformats.org/presentationml/2006/main">
+  <p:cSld>
+    <p:spTree>
+      <p:nvGrpSpPr>
+        <p:cNvPr id="1" name=""/>
+        <p:cNvGrpSpPr/>
+        <p:nvPr/>
+      </p:nvGrpSpPr>
+      <p:grpSpPr>
+        <a:xfrm>
+          <a:off x="0" y="0"/>
+          <a:ext cx="0" cy="0"/>
+          <a:chOff x="0" y="0"/>
+          <a:chExt cx="0" cy="0"/>
+        </a:xfrm>
+      </p:grpSpPr>
+      <p:sp>
+        <p:nvSpPr>
+          <p:cNvPr id="2" name="Title 1">
+            <a:extLst>
+              <a:ext uri="{FF2B5EF4-FFF2-40B4-BE49-F238E27FC236}">
+                <a16:creationId xmlns:a16="http://schemas.microsoft.com/office/drawing/2014/main" id="{680D122F-8A3D-4D58-A0A5-9A5AC33760D9}"/>
+              </a:ext>
+            </a:extLst>
+          </p:cNvPr>
+          <p:cNvSpPr>
+            <a:spLocks noGrp="1"/>
+          </p:cNvSpPr>
+          <p:nvPr>
+            <p:ph type="title"/>
+          </p:nvPr>
+        </p:nvSpPr>
+        <p:spPr/>
+        <p:txBody>
+          <a:bodyPr/>
+          <a:lstStyle/>
+          <a:p>
+            <a:r>
+              <a:rPr lang="ru-RU" dirty="0"/>
+              <a:t>Частые ошибки</a:t>
+            </a:r>
+            <a:r>
+              <a:rPr lang="en-US" dirty="0"/>
+              <a:t>: </a:t>
+            </a:r>
+            <a:r>
+              <a:rPr lang="ru-RU" dirty="0"/>
+              <a:t>лексикографический порядок</a:t>
+            </a:r>
+            <a:endParaRPr lang="en-US" dirty="0"/>
+          </a:p>
+        </p:txBody>
+      </p:sp>
+      <p:sp>
+        <p:nvSpPr>
+          <p:cNvPr id="3" name="Content Placeholder 2">
+            <a:extLst>
+              <a:ext uri="{FF2B5EF4-FFF2-40B4-BE49-F238E27FC236}">
+                <a16:creationId xmlns:a16="http://schemas.microsoft.com/office/drawing/2014/main" id="{EF38A0C2-67EB-4D5D-A96E-FD883EF4688E}"/>
+              </a:ext>
+            </a:extLst>
+          </p:cNvPr>
+          <p:cNvSpPr>
+            <a:spLocks noGrp="1"/>
+          </p:cNvSpPr>
+          <p:nvPr>
+            <p:ph idx="1"/>
+          </p:nvPr>
+        </p:nvSpPr>
+        <p:spPr>
+          <a:xfrm>
+            <a:off x="838200" y="1825625"/>
+            <a:ext cx="10744200" cy="4667250"/>
+          </a:xfrm>
+        </p:spPr>
+        <p:txBody>
+          <a:bodyPr>
+            <a:normAutofit fontScale="70000" lnSpcReduction="20000"/>
+          </a:bodyPr>
+          <a:lstStyle/>
+          <a:p>
+            <a:r>
+              <a:rPr lang="ru-RU" dirty="0"/>
+              <a:t>Простое исправление</a:t>
+            </a:r>
+            <a:r>
+              <a:rPr lang="en-US" dirty="0"/>
+              <a:t>:</a:t>
+            </a:r>
+          </a:p>
+          <a:p>
+            <a:pPr marL="0" indent="0">
+              <a:buNone/>
+            </a:pPr>
+            <a:r>
+              <a:rPr lang="en-US" dirty="0">
+                <a:latin typeface="Courier New" panose="02070309020205020404" pitchFamily="49" charset="0"/>
+                <a:cs typeface="Courier New" panose="02070309020205020404" pitchFamily="49" charset="0"/>
+              </a:rPr>
+              <a:t> if (first &lt; </a:t>
+            </a:r>
+            <a:r>
+              <a:rPr lang="en-US" dirty="0" err="1">
+                <a:latin typeface="Courier New" panose="02070309020205020404" pitchFamily="49" charset="0"/>
+                <a:cs typeface="Courier New" panose="02070309020205020404" pitchFamily="49" charset="0"/>
+              </a:rPr>
+              <a:t>rhs.first</a:t>
+            </a:r>
+            <a:r>
+              <a:rPr lang="en-US" dirty="0">
+                <a:latin typeface="Courier New" panose="02070309020205020404" pitchFamily="49" charset="0"/>
+                <a:cs typeface="Courier New" panose="02070309020205020404" pitchFamily="49" charset="0"/>
+              </a:rPr>
+              <a:t>)</a:t>
+            </a:r>
+          </a:p>
+          <a:p>
+            <a:pPr marL="0" indent="0">
+              <a:buNone/>
+            </a:pPr>
+            <a:r>
+              <a:rPr lang="en-US" dirty="0">
+                <a:latin typeface="Courier New" panose="02070309020205020404" pitchFamily="49" charset="0"/>
+                <a:cs typeface="Courier New" panose="02070309020205020404" pitchFamily="49" charset="0"/>
+              </a:rPr>
+              <a:t>    return true;</a:t>
+            </a:r>
+          </a:p>
+          <a:p>
+            <a:pPr marL="0" indent="0">
+              <a:buNone/>
+            </a:pPr>
+            <a:r>
+              <a:rPr lang="en-US" dirty="0">
+                <a:latin typeface="Courier New" panose="02070309020205020404" pitchFamily="49" charset="0"/>
+                <a:cs typeface="Courier New" panose="02070309020205020404" pitchFamily="49" charset="0"/>
+              </a:rPr>
+              <a:t>  else if (first == </a:t>
+            </a:r>
+            <a:r>
+              <a:rPr lang="en-US" dirty="0" err="1">
+                <a:latin typeface="Courier New" panose="02070309020205020404" pitchFamily="49" charset="0"/>
+                <a:cs typeface="Courier New" panose="02070309020205020404" pitchFamily="49" charset="0"/>
+              </a:rPr>
+              <a:t>rhs.first</a:t>
+            </a:r>
+            <a:r>
+              <a:rPr lang="en-US" dirty="0">
+                <a:latin typeface="Courier New" panose="02070309020205020404" pitchFamily="49" charset="0"/>
+                <a:cs typeface="Courier New" panose="02070309020205020404" pitchFamily="49" charset="0"/>
+              </a:rPr>
+              <a:t>) {</a:t>
+            </a:r>
+          </a:p>
+          <a:p>
+            <a:pPr marL="0" indent="0">
+              <a:buNone/>
+            </a:pPr>
+            <a:r>
+              <a:rPr lang="en-US" dirty="0">
+                <a:latin typeface="Courier New" panose="02070309020205020404" pitchFamily="49" charset="0"/>
+                <a:cs typeface="Courier New" panose="02070309020205020404" pitchFamily="49" charset="0"/>
+              </a:rPr>
+              <a:t>    if (second &lt; </a:t>
+            </a:r>
+            <a:r>
+              <a:rPr lang="en-US" dirty="0" err="1">
+                <a:latin typeface="Courier New" panose="02070309020205020404" pitchFamily="49" charset="0"/>
+                <a:cs typeface="Courier New" panose="02070309020205020404" pitchFamily="49" charset="0"/>
+              </a:rPr>
+              <a:t>rhs.second</a:t>
+            </a:r>
+            <a:r>
+              <a:rPr lang="en-US" dirty="0">
+                <a:latin typeface="Courier New" panose="02070309020205020404" pitchFamily="49" charset="0"/>
+                <a:cs typeface="Courier New" panose="02070309020205020404" pitchFamily="49" charset="0"/>
+              </a:rPr>
+              <a:t>)</a:t>
+            </a:r>
+          </a:p>
+          <a:p>
+            <a:pPr marL="0" indent="0">
+              <a:buNone/>
+            </a:pPr>
+            <a:r>
+              <a:rPr lang="en-US" dirty="0">
+                <a:latin typeface="Courier New" panose="02070309020205020404" pitchFamily="49" charset="0"/>
+                <a:cs typeface="Courier New" panose="02070309020205020404" pitchFamily="49" charset="0"/>
+              </a:rPr>
+              <a:t>      return true;</a:t>
+            </a:r>
+          </a:p>
+          <a:p>
+            <a:pPr marL="0" indent="0">
+              <a:buNone/>
+            </a:pPr>
+            <a:r>
+              <a:rPr lang="en-US" dirty="0">
+                <a:latin typeface="Courier New" panose="02070309020205020404" pitchFamily="49" charset="0"/>
+                <a:cs typeface="Courier New" panose="02070309020205020404" pitchFamily="49" charset="0"/>
+              </a:rPr>
+              <a:t>    else</a:t>
+            </a:r>
+          </a:p>
+          <a:p>
+            <a:pPr marL="0" indent="0">
+              <a:buNone/>
+            </a:pPr>
+            <a:r>
+              <a:rPr lang="en-US" dirty="0">
+                <a:latin typeface="Courier New" panose="02070309020205020404" pitchFamily="49" charset="0"/>
+                <a:cs typeface="Courier New" panose="02070309020205020404" pitchFamily="49" charset="0"/>
+              </a:rPr>
+              <a:t>      return false;</a:t>
+            </a:r>
+          </a:p>
+          <a:p>
+            <a:pPr marL="0" indent="0">
+              <a:buNone/>
+            </a:pPr>
+            <a:r>
+              <a:rPr lang="en-US" dirty="0">
+                <a:latin typeface="Courier New" panose="02070309020205020404" pitchFamily="49" charset="0"/>
+                <a:cs typeface="Courier New" panose="02070309020205020404" pitchFamily="49" charset="0"/>
+              </a:rPr>
+              <a:t>  }</a:t>
+            </a:r>
+          </a:p>
+          <a:p>
+            <a:r>
+              <a:rPr lang="ru-RU" dirty="0"/>
+              <a:t>Но лучше</a:t>
+            </a:r>
+            <a:r>
+              <a:rPr lang="en-US" dirty="0"/>
+              <a:t>!</a:t>
+            </a:r>
+          </a:p>
+          <a:p>
+            <a:pPr lvl="1"/>
+            <a:r>
+              <a:rPr lang="ru-RU" dirty="0"/>
+              <a:t>использовать `std::tie` и встроенный оператор сравнения кортежей</a:t>
+            </a:r>
+            <a:r>
+              <a:rPr lang="en-US" dirty="0"/>
+              <a:t>:</a:t>
+            </a:r>
+          </a:p>
+          <a:p>
+            <a:pPr marL="0" indent="0">
+              <a:buNone/>
+            </a:pPr>
+            <a:r>
+              <a:rPr lang="en-US" dirty="0">
+                <a:latin typeface="Courier New" panose="02070309020205020404" pitchFamily="49" charset="0"/>
+                <a:cs typeface="Courier New" panose="02070309020205020404" pitchFamily="49" charset="0"/>
+              </a:rPr>
+              <a:t>return std::tie(</a:t>
+            </a:r>
+            <a:r>
+              <a:rPr lang="en-US" dirty="0" err="1">
+                <a:latin typeface="Courier New" panose="02070309020205020404" pitchFamily="49" charset="0"/>
+                <a:cs typeface="Courier New" panose="02070309020205020404" pitchFamily="49" charset="0"/>
+              </a:rPr>
+              <a:t>l.first</a:t>
+            </a:r>
+            <a:r>
+              <a:rPr lang="en-US" dirty="0">
+                <a:latin typeface="Courier New" panose="02070309020205020404" pitchFamily="49" charset="0"/>
+                <a:cs typeface="Courier New" panose="02070309020205020404" pitchFamily="49" charset="0"/>
+              </a:rPr>
+              <a:t>, </a:t>
+            </a:r>
+            <a:r>
+              <a:rPr lang="en-US" dirty="0" err="1">
+                <a:latin typeface="Courier New" panose="02070309020205020404" pitchFamily="49" charset="0"/>
+                <a:cs typeface="Courier New" panose="02070309020205020404" pitchFamily="49" charset="0"/>
+              </a:rPr>
+              <a:t>l.second</a:t>
+            </a:r>
+            <a:r>
+              <a:rPr lang="en-US" dirty="0">
+                <a:latin typeface="Courier New" panose="02070309020205020404" pitchFamily="49" charset="0"/>
+                <a:cs typeface="Courier New" panose="02070309020205020404" pitchFamily="49" charset="0"/>
+              </a:rPr>
+              <a:t>) &lt; std::tie(</a:t>
+            </a:r>
+            <a:r>
+              <a:rPr lang="en-US" dirty="0" err="1">
+                <a:latin typeface="Courier New" panose="02070309020205020404" pitchFamily="49" charset="0"/>
+                <a:cs typeface="Courier New" panose="02070309020205020404" pitchFamily="49" charset="0"/>
+              </a:rPr>
+              <a:t>r.first</a:t>
+            </a:r>
+            <a:r>
+              <a:rPr lang="en-US" dirty="0">
+                <a:latin typeface="Courier New" panose="02070309020205020404" pitchFamily="49" charset="0"/>
+                <a:cs typeface="Courier New" panose="02070309020205020404" pitchFamily="49" charset="0"/>
+              </a:rPr>
+              <a:t>, </a:t>
+            </a:r>
+            <a:r>
+              <a:rPr lang="en-US" dirty="0" err="1">
+                <a:latin typeface="Courier New" panose="02070309020205020404" pitchFamily="49" charset="0"/>
+                <a:cs typeface="Courier New" panose="02070309020205020404" pitchFamily="49" charset="0"/>
+              </a:rPr>
+              <a:t>r.second</a:t>
+            </a:r>
+            <a:r>
+              <a:rPr lang="en-US" dirty="0">
+                <a:latin typeface="Courier New" panose="02070309020205020404" pitchFamily="49" charset="0"/>
+                <a:cs typeface="Courier New" panose="02070309020205020404" pitchFamily="49" charset="0"/>
+              </a:rPr>
+              <a:t>);</a:t>
+            </a:r>
+          </a:p>
+          <a:p>
+            <a:pPr lvl="1"/>
+            <a:r>
+              <a:rPr lang="en-US" dirty="0"/>
+              <a:t>(</a:t>
+            </a:r>
+            <a:r>
+              <a:rPr lang="ru-RU" dirty="0"/>
+              <a:t>C++20</a:t>
+            </a:r>
+            <a:r>
+              <a:rPr lang="en-US" dirty="0"/>
+              <a:t>)</a:t>
+            </a:r>
+            <a:r>
+              <a:rPr lang="ru-RU" dirty="0"/>
+              <a:t> использовать реализацию `operator &lt;=&gt;` по умолчанию</a:t>
+            </a:r>
+            <a:r>
+              <a:rPr lang="en-US" dirty="0"/>
+              <a:t>:</a:t>
+            </a:r>
+          </a:p>
+          <a:p>
+            <a:pPr marL="0" indent="0">
+              <a:buNone/>
+            </a:pPr>
+            <a:r>
+              <a:rPr lang="en-US" dirty="0">
+                <a:latin typeface="Courier New" panose="02070309020205020404" pitchFamily="49" charset="0"/>
+                <a:cs typeface="Courier New" panose="02070309020205020404" pitchFamily="49" charset="0"/>
+              </a:rPr>
+              <a:t>auto operator &lt;=&gt;(const </a:t>
+            </a:r>
+            <a:r>
+              <a:rPr lang="en-US" dirty="0" err="1">
+                <a:latin typeface="Courier New" panose="02070309020205020404" pitchFamily="49" charset="0"/>
+                <a:cs typeface="Courier New" panose="02070309020205020404" pitchFamily="49" charset="0"/>
+              </a:rPr>
+              <a:t>SomeClass</a:t>
+            </a:r>
+            <a:r>
+              <a:rPr lang="en-US" dirty="0">
+                <a:latin typeface="Courier New" panose="02070309020205020404" pitchFamily="49" charset="0"/>
+                <a:cs typeface="Courier New" panose="02070309020205020404" pitchFamily="49" charset="0"/>
+              </a:rPr>
+              <a:t> &amp;) const = default;</a:t>
+            </a:r>
+          </a:p>
+        </p:txBody>
+      </p:sp>
+    </p:spTree>
+    <p:extLst>
+      <p:ext uri="{BB962C8B-B14F-4D97-AF65-F5344CB8AC3E}">
+        <p14:creationId xmlns:p14="http://schemas.microsoft.com/office/powerpoint/2010/main" val="1166501009"/>
+      </p:ext>
+    </p:extLst>
+  </p:cSld>
+  <p:clrMapOvr>
+    <a:masterClrMapping/>
+  </p:clrMapOvr>
+</p:sld>
+</file>
+
+<file path=ppt/slides/slide21.xml><?xml version="1.0" encoding="utf-8"?>
+<p:sld xmlns:a="http://schemas.openxmlformats.org/drawingml/2006/main" xmlns:r="http://schemas.openxmlformats.org/officeDocument/2006/relationships" xmlns:p="http://schemas.openxmlformats.org/presentationml/2006/main">
+  <p:cSld>
+    <p:spTree>
+      <p:nvGrpSpPr>
+        <p:cNvPr id="1" name=""/>
+        <p:cNvGrpSpPr/>
+        <p:nvPr/>
+      </p:nvGrpSpPr>
+      <p:grpSpPr>
+        <a:xfrm>
+          <a:off x="0" y="0"/>
+          <a:ext cx="0" cy="0"/>
+          <a:chOff x="0" y="0"/>
+          <a:chExt cx="0" cy="0"/>
+        </a:xfrm>
+      </p:grpSpPr>
+      <p:sp>
+        <p:nvSpPr>
+          <p:cNvPr id="2" name="Title 1">
+            <a:extLst>
+              <a:ext uri="{FF2B5EF4-FFF2-40B4-BE49-F238E27FC236}">
+                <a16:creationId xmlns:a16="http://schemas.microsoft.com/office/drawing/2014/main" id="{680D122F-8A3D-4D58-A0A5-9A5AC33760D9}"/>
+              </a:ext>
+            </a:extLst>
+          </p:cNvPr>
+          <p:cNvSpPr>
+            <a:spLocks noGrp="1"/>
+          </p:cNvSpPr>
+          <p:nvPr>
+            <p:ph type="title"/>
+          </p:nvPr>
+        </p:nvSpPr>
+        <p:spPr/>
+        <p:txBody>
+          <a:bodyPr/>
+          <a:lstStyle/>
+          <a:p>
+            <a:r>
+              <a:rPr lang="ru-RU" dirty="0"/>
+              <a:t>Частые ошибки</a:t>
+            </a:r>
+            <a:r>
+              <a:rPr lang="en-US" dirty="0"/>
+              <a:t>: </a:t>
+            </a:r>
+            <a:r>
+              <a:rPr lang="ru-RU" dirty="0"/>
+              <a:t>лексикографический порядок</a:t>
+            </a:r>
+            <a:endParaRPr lang="en-US" dirty="0"/>
+          </a:p>
+        </p:txBody>
+      </p:sp>
+      <p:sp>
+        <p:nvSpPr>
+          <p:cNvPr id="3" name="Content Placeholder 2">
+            <a:extLst>
+              <a:ext uri="{FF2B5EF4-FFF2-40B4-BE49-F238E27FC236}">
+                <a16:creationId xmlns:a16="http://schemas.microsoft.com/office/drawing/2014/main" id="{EF38A0C2-67EB-4D5D-A96E-FD883EF4688E}"/>
+              </a:ext>
+            </a:extLst>
+          </p:cNvPr>
+          <p:cNvSpPr>
+            <a:spLocks noGrp="1"/>
+          </p:cNvSpPr>
+          <p:nvPr>
+            <p:ph idx="1"/>
+          </p:nvPr>
+        </p:nvSpPr>
+        <p:spPr/>
+        <p:txBody>
+          <a:bodyPr>
+            <a:normAutofit/>
+          </a:bodyPr>
+          <a:lstStyle/>
+          <a:p>
+            <a:pPr marL="0" indent="0">
+              <a:buNone/>
+            </a:pPr>
+            <a:r>
+              <a:rPr lang="ru-RU" dirty="0"/>
+              <a:t>Примеры со stackoverflow:</a:t>
+            </a:r>
+          </a:p>
+          <a:p>
+            <a:pPr lvl="1"/>
+            <a:r>
+              <a:rPr lang="ru-RU" dirty="0">
+                <a:hlinkClick r:id="rId2"/>
+              </a:rPr>
+              <a:t>https://stackoverflow.com/questions/48455244/bug-in-stdsort</a:t>
+            </a:r>
+            <a:r>
+              <a:rPr lang="en-US" dirty="0"/>
+              <a:t> </a:t>
+            </a:r>
+            <a:endParaRPr lang="ru-RU" dirty="0"/>
+          </a:p>
+          <a:p>
+            <a:pPr lvl="1"/>
+            <a:r>
+              <a:rPr lang="ru-RU" dirty="0">
+                <a:hlinkClick r:id="rId3"/>
+              </a:rPr>
+              <a:t>https://stackoverflow.com/questions/53712873/sorting-a-vector-of-a-custom-class-with-stdsort-causes-a-segmentation-fault</a:t>
+            </a:r>
+            <a:r>
+              <a:rPr lang="en-US" dirty="0"/>
+              <a:t> </a:t>
+            </a:r>
+            <a:endParaRPr lang="ru-RU" dirty="0"/>
+          </a:p>
+          <a:p>
+            <a:pPr lvl="1"/>
+            <a:r>
+              <a:rPr lang="ru-RU" dirty="0">
+                <a:hlinkClick r:id="rId4"/>
+              </a:rPr>
+              <a:t>https://stackoverflow.com/questions/68225770/sorting-vector-of-pair-using-lambda-predicate-crashing-with-memory-corruption</a:t>
+            </a:r>
+            <a:r>
+              <a:rPr lang="en-US" dirty="0"/>
+              <a:t> </a:t>
+            </a:r>
+            <a:endParaRPr lang="ru-RU" dirty="0"/>
+          </a:p>
+          <a:p>
+            <a:pPr lvl="1"/>
+            <a:r>
+              <a:rPr lang="ru-RU" dirty="0">
+                <a:hlinkClick r:id="rId5"/>
+              </a:rPr>
+              <a:t>https://stackoverflow.com/questions/72737018/stdsort-results-in-a-segfault</a:t>
+            </a:r>
+            <a:r>
+              <a:rPr lang="en-US" dirty="0"/>
+              <a:t> </a:t>
+            </a:r>
+            <a:endParaRPr lang="ru-RU" dirty="0"/>
+          </a:p>
+          <a:p>
+            <a:pPr lvl="1"/>
+            <a:r>
+              <a:rPr lang="ru-RU" dirty="0">
+                <a:hlinkClick r:id="rId6"/>
+              </a:rPr>
+              <a:t>https://stackoverflow.com/questions/33547566/strict-weak-ordering-</a:t>
+            </a:r>
+            <a:r>
+              <a:rPr lang="en-US" dirty="0"/>
+              <a:t> </a:t>
+            </a:r>
+            <a:r>
+              <a:rPr lang="ru-RU" dirty="0"/>
+              <a:t>operator-in-c</a:t>
+            </a:r>
+          </a:p>
+        </p:txBody>
+      </p:sp>
+    </p:spTree>
+    <p:extLst>
+      <p:ext uri="{BB962C8B-B14F-4D97-AF65-F5344CB8AC3E}">
+        <p14:creationId xmlns:p14="http://schemas.microsoft.com/office/powerpoint/2010/main" val="3668881934"/>
+      </p:ext>
+    </p:extLst>
+  </p:cSld>
+  <p:clrMapOvr>
+    <a:masterClrMapping/>
+  </p:clrMapOvr>
+</p:sld>
+</file>
+
+<file path=ppt/slides/slide22.xml><?xml version="1.0" encoding="utf-8"?>
+<p:sld xmlns:a="http://schemas.openxmlformats.org/drawingml/2006/main" xmlns:r="http://schemas.openxmlformats.org/officeDocument/2006/relationships" xmlns:p="http://schemas.openxmlformats.org/presentationml/2006/main">
+  <p:cSld>
+    <p:spTree>
+      <p:nvGrpSpPr>
+        <p:cNvPr id="1" name=""/>
+        <p:cNvGrpSpPr/>
+        <p:nvPr/>
+      </p:nvGrpSpPr>
+      <p:grpSpPr>
+        <a:xfrm>
+          <a:off x="0" y="0"/>
+          <a:ext cx="0" cy="0"/>
+          <a:chOff x="0" y="0"/>
+          <a:chExt cx="0" cy="0"/>
+        </a:xfrm>
+      </p:grpSpPr>
+      <p:sp>
+        <p:nvSpPr>
+          <p:cNvPr id="2" name="Title 1">
+            <a:extLst>
+              <a:ext uri="{FF2B5EF4-FFF2-40B4-BE49-F238E27FC236}">
+                <a16:creationId xmlns:a16="http://schemas.microsoft.com/office/drawing/2014/main" id="{A9139C6D-A5F5-48C1-AE3E-FAC5A61742CF}"/>
+              </a:ext>
+            </a:extLst>
+          </p:cNvPr>
+          <p:cNvSpPr>
+            <a:spLocks noGrp="1"/>
+          </p:cNvSpPr>
+          <p:nvPr>
+            <p:ph type="title"/>
+          </p:nvPr>
+        </p:nvSpPr>
+        <p:spPr>
+          <a:xfrm>
+            <a:off x="838200" y="-87085"/>
+            <a:ext cx="10515600" cy="1325563"/>
+          </a:xfrm>
+        </p:spPr>
+        <p:txBody>
+          <a:bodyPr/>
+          <a:lstStyle/>
+          <a:p>
+            <a:r>
+              <a:rPr lang="ru-RU" dirty="0"/>
+              <a:t>Частые ошибки</a:t>
+            </a:r>
+            <a:r>
+              <a:rPr lang="en-US" dirty="0"/>
+              <a:t>: </a:t>
+            </a:r>
+            <a:r>
+              <a:rPr lang="ru-RU" dirty="0"/>
+              <a:t>нестрогий порядок</a:t>
+            </a:r>
+            <a:endParaRPr lang="en-US" dirty="0"/>
+          </a:p>
+        </p:txBody>
+      </p:sp>
+      <p:pic>
+        <p:nvPicPr>
+          <p:cNvPr id="7" name="Picture 6">
+            <a:extLst>
+              <a:ext uri="{FF2B5EF4-FFF2-40B4-BE49-F238E27FC236}">
+                <a16:creationId xmlns:a16="http://schemas.microsoft.com/office/drawing/2014/main" id="{06070F0E-5BE5-4EBA-B7C6-0319F6FE1FCA}"/>
+              </a:ext>
+            </a:extLst>
+          </p:cNvPr>
+          <p:cNvPicPr>
+            <a:picLocks noChangeAspect="1"/>
+          </p:cNvPicPr>
+          <p:nvPr/>
+        </p:nvPicPr>
+        <p:blipFill>
+          <a:blip r:embed="rId2"/>
+          <a:stretch>
+            <a:fillRect/>
+          </a:stretch>
+        </p:blipFill>
+        <p:spPr>
+          <a:xfrm>
+            <a:off x="1295394" y="1107849"/>
+            <a:ext cx="8196948" cy="5500586"/>
+          </a:xfrm>
+          <a:prstGeom prst="rect">
+            <a:avLst/>
+          </a:prstGeom>
+        </p:spPr>
+      </p:pic>
+      <p:sp>
+        <p:nvSpPr>
+          <p:cNvPr id="8" name="TextBox 7">
+            <a:extLst>
+              <a:ext uri="{FF2B5EF4-FFF2-40B4-BE49-F238E27FC236}">
+                <a16:creationId xmlns:a16="http://schemas.microsoft.com/office/drawing/2014/main" id="{C9278605-2454-4939-B5C0-9E78F9E47138}"/>
+              </a:ext>
+            </a:extLst>
+          </p:cNvPr>
+          <p:cNvSpPr txBox="1"/>
+          <p:nvPr/>
+        </p:nvSpPr>
+        <p:spPr>
+          <a:xfrm>
+            <a:off x="9579428" y="2612571"/>
+            <a:ext cx="2362200" cy="923330"/>
+          </a:xfrm>
+          <a:prstGeom prst="rect">
+            <a:avLst/>
+          </a:prstGeom>
+          <a:noFill/>
+        </p:spPr>
+        <p:txBody>
+          <a:bodyPr wrap="square" rtlCol="0">
+            <a:spAutoFit/>
+          </a:bodyPr>
+          <a:lstStyle/>
+          <a:p>
+            <a:r>
+              <a:rPr lang="ru-RU" dirty="0"/>
+              <a:t>Нарушена иррефлексивность и антисимметричность</a:t>
+            </a:r>
+            <a:endParaRPr lang="en-US" dirty="0"/>
+          </a:p>
+        </p:txBody>
+      </p:sp>
+    </p:spTree>
+    <p:extLst>
+      <p:ext uri="{BB962C8B-B14F-4D97-AF65-F5344CB8AC3E}">
+        <p14:creationId xmlns:p14="http://schemas.microsoft.com/office/powerpoint/2010/main" val="1852802426"/>
+      </p:ext>
+    </p:extLst>
+  </p:cSld>
+  <p:clrMapOvr>
+    <a:masterClrMapping/>
+  </p:clrMapOvr>
+</p:sld>
+</file>
+
+<file path=ppt/slides/slide23.xml><?xml version="1.0" encoding="utf-8"?>
+<p:sld xmlns:a="http://schemas.openxmlformats.org/drawingml/2006/main" xmlns:r="http://schemas.openxmlformats.org/officeDocument/2006/relationships" xmlns:p="http://schemas.openxmlformats.org/presentationml/2006/main">
+  <p:cSld>
+    <p:spTree>
+      <p:nvGrpSpPr>
+        <p:cNvPr id="1" name=""/>
+        <p:cNvGrpSpPr/>
+        <p:nvPr/>
+      </p:nvGrpSpPr>
+      <p:grpSpPr>
+        <a:xfrm>
+          <a:off x="0" y="0"/>
+          <a:ext cx="0" cy="0"/>
+          <a:chOff x="0" y="0"/>
+          <a:chExt cx="0" cy="0"/>
+        </a:xfrm>
+      </p:grpSpPr>
+      <p:sp>
+        <p:nvSpPr>
+          <p:cNvPr id="2" name="Title 1">
+            <a:extLst>
+              <a:ext uri="{FF2B5EF4-FFF2-40B4-BE49-F238E27FC236}">
+                <a16:creationId xmlns:a16="http://schemas.microsoft.com/office/drawing/2014/main" id="{092805D2-F357-4985-8786-1E96A3570DCA}"/>
+              </a:ext>
+            </a:extLst>
+          </p:cNvPr>
+          <p:cNvSpPr>
+            <a:spLocks noGrp="1"/>
+          </p:cNvSpPr>
+          <p:nvPr>
+            <p:ph type="title"/>
+          </p:nvPr>
+        </p:nvSpPr>
+        <p:spPr/>
+        <p:txBody>
+          <a:bodyPr/>
+          <a:lstStyle/>
+          <a:p>
+            <a:r>
+              <a:rPr lang="ru-RU" dirty="0"/>
+              <a:t>Частые ошибки</a:t>
+            </a:r>
+            <a:r>
+              <a:rPr lang="en-US" dirty="0"/>
+              <a:t>: </a:t>
+            </a:r>
+            <a:r>
+              <a:rPr lang="ru-RU" dirty="0"/>
+              <a:t>нестрогий порядок</a:t>
+            </a:r>
+            <a:endParaRPr lang="en-US" dirty="0"/>
+          </a:p>
+        </p:txBody>
+      </p:sp>
+      <p:sp>
+        <p:nvSpPr>
+          <p:cNvPr id="3" name="Content Placeholder 2">
+            <a:extLst>
+              <a:ext uri="{FF2B5EF4-FFF2-40B4-BE49-F238E27FC236}">
+                <a16:creationId xmlns:a16="http://schemas.microsoft.com/office/drawing/2014/main" id="{9F877387-845B-4121-913F-2FB574552C9A}"/>
+              </a:ext>
+            </a:extLst>
+          </p:cNvPr>
+          <p:cNvSpPr>
+            <a:spLocks noGrp="1"/>
+          </p:cNvSpPr>
+          <p:nvPr>
+            <p:ph idx="1"/>
+          </p:nvPr>
+        </p:nvSpPr>
+        <p:spPr/>
+        <p:txBody>
+          <a:bodyPr>
+            <a:normAutofit fontScale="85000" lnSpcReduction="20000"/>
+          </a:bodyPr>
+          <a:lstStyle/>
+          <a:p>
+            <a:r>
+              <a:rPr lang="en-US" dirty="0">
+                <a:hlinkClick r:id="rId2"/>
+              </a:rPr>
+              <a:t>https://stackoverflow.com/questions/40483971/program-crash-in-stdsort-sometimes-cant-reproduce</a:t>
+            </a:r>
+            <a:r>
+              <a:rPr lang="en-US" dirty="0"/>
+              <a:t> </a:t>
+            </a:r>
+          </a:p>
+          <a:p>
+            <a:r>
+              <a:rPr lang="en-US" dirty="0">
+                <a:hlinkClick r:id="rId3"/>
+              </a:rPr>
+              <a:t>https://stackoverflow.com/questions/65468629/stl-sort-debug-assertion-failed</a:t>
+            </a:r>
+            <a:r>
+              <a:rPr lang="en-US" dirty="0"/>
+              <a:t> </a:t>
+            </a:r>
+          </a:p>
+          <a:p>
+            <a:r>
+              <a:rPr lang="en-US" dirty="0">
+                <a:hlinkClick r:id="rId4"/>
+              </a:rPr>
+              <a:t>https://stackoverflow.com/questions/18291620/why-will-stdsort-crash-if-the-comparison-function-is-not-as-operator</a:t>
+            </a:r>
+            <a:r>
+              <a:rPr lang="en-US" dirty="0"/>
+              <a:t> </a:t>
+            </a:r>
+          </a:p>
+          <a:p>
+            <a:r>
+              <a:rPr lang="en-US" dirty="0">
+                <a:hlinkClick r:id="rId5"/>
+              </a:rPr>
+              <a:t>https://stackoverflow.com/questions/19757210/stdsort-from-algorithm-crashes</a:t>
+            </a:r>
+            <a:r>
+              <a:rPr lang="en-US" dirty="0"/>
+              <a:t> </a:t>
+            </a:r>
+          </a:p>
+          <a:p>
+            <a:r>
+              <a:rPr lang="en-US" dirty="0">
+                <a:hlinkClick r:id="rId6"/>
+              </a:rPr>
+              <a:t>https://stackoverflow.com/questions/64014782/c-program-crashes-when-trying-to-sort-a-vector-of-strings</a:t>
+            </a:r>
+            <a:r>
+              <a:rPr lang="en-US" dirty="0"/>
+              <a:t> </a:t>
+            </a:r>
+          </a:p>
+          <a:p>
+            <a:r>
+              <a:rPr lang="en-US" dirty="0">
+                <a:hlinkClick r:id="rId7"/>
+              </a:rPr>
+              <a:t>https://stackoverflow.com/questions/70869803/c-code-crashes-when-trying-to-sort-2d-vector</a:t>
+            </a:r>
+            <a:r>
+              <a:rPr lang="en-US" dirty="0"/>
+              <a:t> </a:t>
+            </a:r>
+          </a:p>
+          <a:p>
+            <a:r>
+              <a:rPr lang="en-US" dirty="0">
+                <a:hlinkClick r:id="rId8"/>
+              </a:rPr>
+              <a:t>https://stackoverflow.com/questions/67553073/std-sort-sometimes-throws-seqmention-fault</a:t>
+            </a:r>
+            <a:r>
+              <a:rPr lang="en-US" dirty="0"/>
+              <a:t> </a:t>
+            </a:r>
+          </a:p>
+          <a:p>
+            <a:endParaRPr lang="en-US" dirty="0"/>
+          </a:p>
+        </p:txBody>
+      </p:sp>
+    </p:spTree>
+    <p:extLst>
+      <p:ext uri="{BB962C8B-B14F-4D97-AF65-F5344CB8AC3E}">
+        <p14:creationId xmlns:p14="http://schemas.microsoft.com/office/powerpoint/2010/main" val="1970220755"/>
+      </p:ext>
+    </p:extLst>
+  </p:cSld>
+  <p:clrMapOvr>
+    <a:masterClrMapping/>
+  </p:clrMapOvr>
+</p:sld>
+</file>
+
+<file path=ppt/slides/slide24.xml><?xml version="1.0" encoding="utf-8"?>
+<p:sld xmlns:a="http://schemas.openxmlformats.org/drawingml/2006/main" xmlns:r="http://schemas.openxmlformats.org/officeDocument/2006/relationships" xmlns:p="http://schemas.openxmlformats.org/presentationml/2006/main">
+  <p:cSld>
+    <p:spTree>
+      <p:nvGrpSpPr>
+        <p:cNvPr id="1" name=""/>
+        <p:cNvGrpSpPr/>
+        <p:nvPr/>
+      </p:nvGrpSpPr>
+      <p:grpSpPr>
+        <a:xfrm>
+          <a:off x="0" y="0"/>
+          <a:ext cx="0" cy="0"/>
+          <a:chOff x="0" y="0"/>
+          <a:chExt cx="0" cy="0"/>
+        </a:xfrm>
+      </p:grpSpPr>
+      <p:sp>
+        <p:nvSpPr>
+          <p:cNvPr id="2" name="Title 1">
+            <a:extLst>
+              <a:ext uri="{FF2B5EF4-FFF2-40B4-BE49-F238E27FC236}">
+                <a16:creationId xmlns:a16="http://schemas.microsoft.com/office/drawing/2014/main" id="{9F591C08-CA5B-42F3-80D5-D9304DF004FB}"/>
+              </a:ext>
+            </a:extLst>
+          </p:cNvPr>
+          <p:cNvSpPr>
+            <a:spLocks noGrp="1"/>
+          </p:cNvSpPr>
+          <p:nvPr>
+            <p:ph type="title"/>
+          </p:nvPr>
+        </p:nvSpPr>
+        <p:spPr/>
+        <p:txBody>
+          <a:bodyPr/>
+          <a:lstStyle/>
+          <a:p>
+            <a:r>
+              <a:rPr lang="ru-RU" dirty="0"/>
+              <a:t>Частые ошибки</a:t>
+            </a:r>
+            <a:r>
+              <a:rPr lang="en-US" dirty="0"/>
+              <a:t>: </a:t>
+            </a:r>
+            <a:r>
+              <a:rPr lang="ru-RU" dirty="0"/>
+              <a:t>отрицание строгого порядка не является строгим порядком</a:t>
+            </a:r>
+            <a:endParaRPr lang="en-US" dirty="0"/>
+          </a:p>
+        </p:txBody>
+      </p:sp>
+      <p:sp>
+        <p:nvSpPr>
+          <p:cNvPr id="3" name="Content Placeholder 2">
+            <a:extLst>
+              <a:ext uri="{FF2B5EF4-FFF2-40B4-BE49-F238E27FC236}">
+                <a16:creationId xmlns:a16="http://schemas.microsoft.com/office/drawing/2014/main" id="{F61A2B2B-0BEB-433E-BBAB-80660C8B343F}"/>
+              </a:ext>
+            </a:extLst>
+          </p:cNvPr>
+          <p:cNvSpPr>
+            <a:spLocks noGrp="1"/>
+          </p:cNvSpPr>
+          <p:nvPr>
+            <p:ph idx="1"/>
+          </p:nvPr>
+        </p:nvSpPr>
+        <p:spPr/>
+        <p:txBody>
+          <a:bodyPr>
+            <a:normAutofit/>
+          </a:bodyPr>
+          <a:lstStyle/>
+          <a:p>
+            <a:r>
+              <a:rPr lang="ru-RU" dirty="0"/>
+              <a:t>Другая вариация той же ошибки:</a:t>
+            </a:r>
+          </a:p>
+          <a:p>
+            <a:pPr marL="457200" lvl="1" indent="0">
+              <a:buNone/>
+            </a:pPr>
+            <a:r>
+              <a:rPr lang="en-US" dirty="0">
+                <a:latin typeface="Courier New" panose="02070309020205020404" pitchFamily="49" charset="0"/>
+                <a:cs typeface="Courier New" panose="02070309020205020404" pitchFamily="49" charset="0"/>
+              </a:rPr>
+              <a:t>auto </a:t>
+            </a:r>
+            <a:r>
+              <a:rPr lang="en-US" dirty="0" err="1">
+                <a:latin typeface="Courier New" panose="02070309020205020404" pitchFamily="49" charset="0"/>
+                <a:cs typeface="Courier New" panose="02070309020205020404" pitchFamily="49" charset="0"/>
+              </a:rPr>
+              <a:t>lt</a:t>
+            </a:r>
+            <a:r>
+              <a:rPr lang="en-US" dirty="0">
+                <a:latin typeface="Courier New" panose="02070309020205020404" pitchFamily="49" charset="0"/>
+                <a:cs typeface="Courier New" panose="02070309020205020404" pitchFamily="49" charset="0"/>
+              </a:rPr>
+              <a:t> = std::less&lt;int&gt;();</a:t>
+            </a:r>
+          </a:p>
+          <a:p>
+            <a:pPr marL="457200" lvl="1" indent="0">
+              <a:buNone/>
+            </a:pPr>
+            <a:r>
+              <a:rPr lang="en-US" dirty="0">
+                <a:latin typeface="Courier New" panose="02070309020205020404" pitchFamily="49" charset="0"/>
+                <a:cs typeface="Courier New" panose="02070309020205020404" pitchFamily="49" charset="0"/>
+              </a:rPr>
+              <a:t>auto </a:t>
+            </a:r>
+            <a:r>
+              <a:rPr lang="en-US" dirty="0" err="1">
+                <a:latin typeface="Courier New" panose="02070309020205020404" pitchFamily="49" charset="0"/>
+                <a:cs typeface="Courier New" panose="02070309020205020404" pitchFamily="49" charset="0"/>
+              </a:rPr>
+              <a:t>inv_lt</a:t>
+            </a:r>
+            <a:r>
+              <a:rPr lang="en-US" dirty="0">
+                <a:latin typeface="Courier New" panose="02070309020205020404" pitchFamily="49" charset="0"/>
+                <a:cs typeface="Courier New" panose="02070309020205020404" pitchFamily="49" charset="0"/>
+              </a:rPr>
+              <a:t> = std::not2(</a:t>
+            </a:r>
+            <a:r>
+              <a:rPr lang="en-US" dirty="0" err="1">
+                <a:latin typeface="Courier New" panose="02070309020205020404" pitchFamily="49" charset="0"/>
+                <a:cs typeface="Courier New" panose="02070309020205020404" pitchFamily="49" charset="0"/>
+              </a:rPr>
+              <a:t>lt</a:t>
+            </a:r>
+            <a:r>
+              <a:rPr lang="en-US" dirty="0">
+                <a:latin typeface="Courier New" panose="02070309020205020404" pitchFamily="49" charset="0"/>
+                <a:cs typeface="Courier New" panose="02070309020205020404" pitchFamily="49" charset="0"/>
+              </a:rPr>
+              <a:t>);</a:t>
+            </a:r>
+          </a:p>
+          <a:p>
+            <a:pPr marL="457200" lvl="1" indent="0">
+              <a:buNone/>
+            </a:pPr>
+            <a:r>
+              <a:rPr lang="en-US" dirty="0">
+                <a:latin typeface="Courier New" panose="02070309020205020404" pitchFamily="49" charset="0"/>
+                <a:cs typeface="Courier New" panose="02070309020205020404" pitchFamily="49" charset="0"/>
+              </a:rPr>
+              <a:t>std::sort(..., ..., </a:t>
+            </a:r>
+            <a:r>
+              <a:rPr lang="en-US" dirty="0" err="1">
+                <a:latin typeface="Courier New" panose="02070309020205020404" pitchFamily="49" charset="0"/>
+                <a:cs typeface="Courier New" panose="02070309020205020404" pitchFamily="49" charset="0"/>
+              </a:rPr>
+              <a:t>inv_lt</a:t>
+            </a:r>
+            <a:r>
+              <a:rPr lang="en-US" dirty="0">
+                <a:latin typeface="Courier New" panose="02070309020205020404" pitchFamily="49" charset="0"/>
+                <a:cs typeface="Courier New" panose="02070309020205020404" pitchFamily="49" charset="0"/>
+              </a:rPr>
+              <a:t>);</a:t>
+            </a:r>
+          </a:p>
+          <a:p>
+            <a:r>
+              <a:rPr lang="ru-RU" dirty="0"/>
+              <a:t>Отрицание строгого порядка является нестрогим порядком</a:t>
+            </a:r>
+            <a:endParaRPr lang="en-US" dirty="0"/>
+          </a:p>
+          <a:p>
+            <a:r>
+              <a:rPr lang="ru-RU" dirty="0"/>
+              <a:t>Пример из жизни: </a:t>
+            </a:r>
+            <a:r>
+              <a:rPr lang="ru-RU" dirty="0">
+                <a:hlinkClick r:id="rId2"/>
+              </a:rPr>
+              <a:t>https://schneide.blog/2010/11/01/bug-hunting-fun-with-stdsort</a:t>
+            </a:r>
+            <a:r>
+              <a:rPr lang="en-US" dirty="0"/>
+              <a:t> </a:t>
+            </a:r>
+            <a:endParaRPr lang="ru-RU" dirty="0"/>
+          </a:p>
+          <a:p>
+            <a:endParaRPr lang="en-US" dirty="0"/>
+          </a:p>
+        </p:txBody>
+      </p:sp>
+    </p:spTree>
+    <p:extLst>
+      <p:ext uri="{BB962C8B-B14F-4D97-AF65-F5344CB8AC3E}">
+        <p14:creationId xmlns:p14="http://schemas.microsoft.com/office/powerpoint/2010/main" val="2626277977"/>
+      </p:ext>
+    </p:extLst>
+  </p:cSld>
+  <p:clrMapOvr>
+    <a:masterClrMapping/>
+  </p:clrMapOvr>
+</p:sld>
+</file>
+
+<file path=ppt/slides/slide25.xml><?xml version="1.0" encoding="utf-8"?>
+<p:sld xmlns:a="http://schemas.openxmlformats.org/drawingml/2006/main" xmlns:r="http://schemas.openxmlformats.org/officeDocument/2006/relationships" xmlns:p="http://schemas.openxmlformats.org/presentationml/2006/main">
+  <p:cSld>
+    <p:spTree>
+      <p:nvGrpSpPr>
+        <p:cNvPr id="1" name=""/>
+        <p:cNvGrpSpPr/>
+        <p:nvPr/>
+      </p:nvGrpSpPr>
+      <p:grpSpPr>
+        <a:xfrm>
+          <a:off x="0" y="0"/>
+          <a:ext cx="0" cy="0"/>
+          <a:chOff x="0" y="0"/>
+          <a:chExt cx="0" cy="0"/>
+        </a:xfrm>
+      </p:grpSpPr>
+      <p:sp>
+        <p:nvSpPr>
+          <p:cNvPr id="2" name="Title 1">
+            <a:extLst>
+              <a:ext uri="{FF2B5EF4-FFF2-40B4-BE49-F238E27FC236}">
+                <a16:creationId xmlns:a16="http://schemas.microsoft.com/office/drawing/2014/main" id="{429AD173-F98F-4113-8E49-154B89B75B60}"/>
+              </a:ext>
+            </a:extLst>
+          </p:cNvPr>
+          <p:cNvSpPr>
+            <a:spLocks noGrp="1"/>
+          </p:cNvSpPr>
+          <p:nvPr>
+            <p:ph type="title"/>
+          </p:nvPr>
+        </p:nvSpPr>
+        <p:spPr/>
+        <p:txBody>
+          <a:bodyPr/>
+          <a:lstStyle/>
+          <a:p>
+            <a:r>
+              <a:rPr lang="ru-RU" dirty="0"/>
+              <a:t>Частые ошибки</a:t>
+            </a:r>
+            <a:r>
+              <a:rPr lang="en-US" dirty="0"/>
+              <a:t>: </a:t>
+            </a:r>
+            <a:r>
+              <a:rPr lang="en-US" dirty="0" err="1"/>
+              <a:t>NaN</a:t>
+            </a:r>
+            <a:endParaRPr lang="en-US" dirty="0"/>
+          </a:p>
+        </p:txBody>
+      </p:sp>
+      <p:pic>
+        <p:nvPicPr>
+          <p:cNvPr id="5" name="Picture 4">
+            <a:extLst>
+              <a:ext uri="{FF2B5EF4-FFF2-40B4-BE49-F238E27FC236}">
+                <a16:creationId xmlns:a16="http://schemas.microsoft.com/office/drawing/2014/main" id="{A99C8BA8-7EFC-48FD-B45D-26D429518C43}"/>
+              </a:ext>
+            </a:extLst>
+          </p:cNvPr>
+          <p:cNvPicPr>
+            <a:picLocks noChangeAspect="1"/>
+          </p:cNvPicPr>
+          <p:nvPr/>
+        </p:nvPicPr>
+        <p:blipFill>
+          <a:blip r:embed="rId2"/>
+          <a:stretch>
+            <a:fillRect/>
+          </a:stretch>
+        </p:blipFill>
+        <p:spPr>
+          <a:xfrm>
+            <a:off x="1688646" y="1582509"/>
+            <a:ext cx="8762312" cy="4910365"/>
+          </a:xfrm>
+          <a:prstGeom prst="rect">
+            <a:avLst/>
+          </a:prstGeom>
+        </p:spPr>
+      </p:pic>
+    </p:spTree>
+    <p:extLst>
+      <p:ext uri="{BB962C8B-B14F-4D97-AF65-F5344CB8AC3E}">
+        <p14:creationId xmlns:p14="http://schemas.microsoft.com/office/powerpoint/2010/main" val="815457411"/>
+      </p:ext>
+    </p:extLst>
+  </p:cSld>
+  <p:clrMapOvr>
+    <a:masterClrMapping/>
+  </p:clrMapOvr>
+</p:sld>
+</file>
+
+<file path=ppt/slides/slide26.xml><?xml version="1.0" encoding="utf-8"?>
+<p:sld xmlns:a="http://schemas.openxmlformats.org/drawingml/2006/main" xmlns:r="http://schemas.openxmlformats.org/officeDocument/2006/relationships" xmlns:p="http://schemas.openxmlformats.org/presentationml/2006/main">
+  <p:cSld>
+    <p:spTree>
+      <p:nvGrpSpPr>
+        <p:cNvPr id="1" name=""/>
+        <p:cNvGrpSpPr/>
+        <p:nvPr/>
+      </p:nvGrpSpPr>
+      <p:grpSpPr>
+        <a:xfrm>
+          <a:off x="0" y="0"/>
+          <a:ext cx="0" cy="0"/>
+          <a:chOff x="0" y="0"/>
+          <a:chExt cx="0" cy="0"/>
+        </a:xfrm>
+      </p:grpSpPr>
+      <p:sp>
+        <p:nvSpPr>
+          <p:cNvPr id="2" name="Title 1">
+            <a:extLst>
+              <a:ext uri="{FF2B5EF4-FFF2-40B4-BE49-F238E27FC236}">
+                <a16:creationId xmlns:a16="http://schemas.microsoft.com/office/drawing/2014/main" id="{82E7115D-C3C8-4FC6-BCEE-397B3B1CA1D3}"/>
+              </a:ext>
+            </a:extLst>
+          </p:cNvPr>
+          <p:cNvSpPr>
+            <a:spLocks noGrp="1"/>
+          </p:cNvSpPr>
+          <p:nvPr>
+            <p:ph type="title"/>
+          </p:nvPr>
+        </p:nvSpPr>
+        <p:spPr/>
+        <p:txBody>
+          <a:bodyPr/>
+          <a:lstStyle/>
+          <a:p>
+            <a:r>
+              <a:rPr lang="ru-RU" dirty="0"/>
+              <a:t>Частые ошибки</a:t>
+            </a:r>
+            <a:r>
+              <a:rPr lang="en-US" dirty="0"/>
+              <a:t>: </a:t>
+            </a:r>
+            <a:r>
+              <a:rPr lang="en-US" dirty="0" err="1"/>
+              <a:t>NaN</a:t>
+            </a:r>
+            <a:endParaRPr lang="en-US" dirty="0"/>
+          </a:p>
+        </p:txBody>
+      </p:sp>
+      <p:sp>
+        <p:nvSpPr>
+          <p:cNvPr id="3" name="Content Placeholder 2">
+            <a:extLst>
+              <a:ext uri="{FF2B5EF4-FFF2-40B4-BE49-F238E27FC236}">
+                <a16:creationId xmlns:a16="http://schemas.microsoft.com/office/drawing/2014/main" id="{C04CBD31-895D-41BF-BEFF-948422E8643B}"/>
+              </a:ext>
+            </a:extLst>
+          </p:cNvPr>
+          <p:cNvSpPr>
+            <a:spLocks noGrp="1"/>
+          </p:cNvSpPr>
+          <p:nvPr>
+            <p:ph idx="1"/>
+          </p:nvPr>
+        </p:nvSpPr>
+        <p:spPr/>
+        <p:txBody>
+          <a:bodyPr>
+            <a:normAutofit fontScale="62500" lnSpcReduction="20000"/>
+          </a:bodyPr>
+          <a:lstStyle/>
+          <a:p>
+            <a:pPr marL="0" indent="0">
+              <a:buNone/>
+            </a:pPr>
+            <a:r>
+              <a:rPr lang="en-US" dirty="0">
+                <a:latin typeface="Courier New" panose="02070309020205020404" pitchFamily="49" charset="0"/>
+                <a:cs typeface="Courier New" panose="02070309020205020404" pitchFamily="49" charset="0"/>
+              </a:rPr>
+              <a:t>int main() {</a:t>
+            </a:r>
+          </a:p>
+          <a:p>
+            <a:pPr marL="0" indent="0">
+              <a:buNone/>
+            </a:pPr>
+            <a:r>
+              <a:rPr lang="en-US" dirty="0">
+                <a:latin typeface="Courier New" panose="02070309020205020404" pitchFamily="49" charset="0"/>
+                <a:cs typeface="Courier New" panose="02070309020205020404" pitchFamily="49" charset="0"/>
+              </a:rPr>
+              <a:t>  double a[] = {</a:t>
+            </a:r>
+          </a:p>
+          <a:p>
+            <a:pPr marL="0" indent="0">
+              <a:buNone/>
+            </a:pPr>
+            <a:r>
+              <a:rPr lang="en-US" dirty="0">
+                <a:latin typeface="Courier New" panose="02070309020205020404" pitchFamily="49" charset="0"/>
+                <a:cs typeface="Courier New" panose="02070309020205020404" pitchFamily="49" charset="0"/>
+              </a:rPr>
+              <a:t>    100,</a:t>
+            </a:r>
+          </a:p>
+          <a:p>
+            <a:pPr marL="0" indent="0">
+              <a:buNone/>
+            </a:pPr>
+            <a:r>
+              <a:rPr lang="en-US" dirty="0">
+                <a:latin typeface="Courier New" panose="02070309020205020404" pitchFamily="49" charset="0"/>
+                <a:cs typeface="Courier New" panose="02070309020205020404" pitchFamily="49" charset="0"/>
+              </a:rPr>
+              <a:t>    5,</a:t>
+            </a:r>
+          </a:p>
+          <a:p>
+            <a:pPr marL="0" indent="0">
+              <a:buNone/>
+            </a:pPr>
+            <a:r>
+              <a:rPr lang="en-US" dirty="0">
+                <a:latin typeface="Courier New" panose="02070309020205020404" pitchFamily="49" charset="0"/>
+                <a:cs typeface="Courier New" panose="02070309020205020404" pitchFamily="49" charset="0"/>
+              </a:rPr>
+              <a:t>    3,</a:t>
+            </a:r>
+          </a:p>
+          <a:p>
+            <a:pPr marL="0" indent="0">
+              <a:buNone/>
+            </a:pPr>
+            <a:r>
+              <a:rPr lang="en-US" dirty="0">
+                <a:latin typeface="Courier New" panose="02070309020205020404" pitchFamily="49" charset="0"/>
+                <a:cs typeface="Courier New" panose="02070309020205020404" pitchFamily="49" charset="0"/>
+              </a:rPr>
+              <a:t>    NAN,</a:t>
+            </a:r>
+          </a:p>
+          <a:p>
+            <a:pPr marL="0" indent="0">
+              <a:buNone/>
+            </a:pPr>
+            <a:r>
+              <a:rPr lang="en-US" dirty="0">
+                <a:latin typeface="Courier New" panose="02070309020205020404" pitchFamily="49" charset="0"/>
+                <a:cs typeface="Courier New" panose="02070309020205020404" pitchFamily="49" charset="0"/>
+              </a:rPr>
+              <a:t>    200,</a:t>
+            </a:r>
+          </a:p>
+          <a:p>
+            <a:pPr marL="0" indent="0">
+              <a:buNone/>
+            </a:pPr>
+            <a:r>
+              <a:rPr lang="en-US" dirty="0">
+                <a:latin typeface="Courier New" panose="02070309020205020404" pitchFamily="49" charset="0"/>
+                <a:cs typeface="Courier New" panose="02070309020205020404" pitchFamily="49" charset="0"/>
+              </a:rPr>
+              <a:t>    11</a:t>
+            </a:r>
+          </a:p>
+          <a:p>
+            <a:pPr marL="0" indent="0">
+              <a:buNone/>
+            </a:pPr>
+            <a:r>
+              <a:rPr lang="en-US" dirty="0">
+                <a:latin typeface="Courier New" panose="02070309020205020404" pitchFamily="49" charset="0"/>
+                <a:cs typeface="Courier New" panose="02070309020205020404" pitchFamily="49" charset="0"/>
+              </a:rPr>
+              <a:t>  };</a:t>
+            </a:r>
+          </a:p>
+          <a:p>
+            <a:pPr marL="0" indent="0">
+              <a:buNone/>
+            </a:pPr>
+            <a:r>
+              <a:rPr lang="en-US" dirty="0">
+                <a:latin typeface="Courier New" panose="02070309020205020404" pitchFamily="49" charset="0"/>
+                <a:cs typeface="Courier New" panose="02070309020205020404" pitchFamily="49" charset="0"/>
+              </a:rPr>
+              <a:t>  std::sort(&amp;a[0], &amp;a[</a:t>
+            </a:r>
+            <a:r>
+              <a:rPr lang="en-US" dirty="0" err="1">
+                <a:latin typeface="Courier New" panose="02070309020205020404" pitchFamily="49" charset="0"/>
+                <a:cs typeface="Courier New" panose="02070309020205020404" pitchFamily="49" charset="0"/>
+              </a:rPr>
+              <a:t>sizeof</a:t>
+            </a:r>
+            <a:r>
+              <a:rPr lang="en-US" dirty="0">
+                <a:latin typeface="Courier New" panose="02070309020205020404" pitchFamily="49" charset="0"/>
+                <a:cs typeface="Courier New" panose="02070309020205020404" pitchFamily="49" charset="0"/>
+              </a:rPr>
+              <a:t>(a)/</a:t>
+            </a:r>
+            <a:r>
+              <a:rPr lang="en-US" dirty="0" err="1">
+                <a:latin typeface="Courier New" panose="02070309020205020404" pitchFamily="49" charset="0"/>
+                <a:cs typeface="Courier New" panose="02070309020205020404" pitchFamily="49" charset="0"/>
+              </a:rPr>
+              <a:t>sizeof</a:t>
+            </a:r>
+            <a:r>
+              <a:rPr lang="en-US" dirty="0">
+                <a:latin typeface="Courier New" panose="02070309020205020404" pitchFamily="49" charset="0"/>
+                <a:cs typeface="Courier New" panose="02070309020205020404" pitchFamily="49" charset="0"/>
+              </a:rPr>
+              <a:t>(a[0])]);</a:t>
+            </a:r>
+          </a:p>
+          <a:p>
+            <a:pPr marL="0" indent="0">
+              <a:buNone/>
+            </a:pPr>
+            <a:r>
+              <a:rPr lang="en-US" dirty="0">
+                <a:latin typeface="Courier New" panose="02070309020205020404" pitchFamily="49" charset="0"/>
+                <a:cs typeface="Courier New" panose="02070309020205020404" pitchFamily="49" charset="0"/>
+              </a:rPr>
+              <a:t>  for (auto x : a) std::</a:t>
+            </a:r>
+            <a:r>
+              <a:rPr lang="en-US" dirty="0" err="1">
+                <a:latin typeface="Courier New" panose="02070309020205020404" pitchFamily="49" charset="0"/>
+                <a:cs typeface="Courier New" panose="02070309020205020404" pitchFamily="49" charset="0"/>
+              </a:rPr>
+              <a:t>cout</a:t>
+            </a:r>
+            <a:r>
+              <a:rPr lang="en-US" dirty="0">
+                <a:latin typeface="Courier New" panose="02070309020205020404" pitchFamily="49" charset="0"/>
+                <a:cs typeface="Courier New" panose="02070309020205020404" pitchFamily="49" charset="0"/>
+              </a:rPr>
+              <a:t> &lt;&lt; x &lt;&lt; "\n";</a:t>
+            </a:r>
+          </a:p>
+          <a:p>
+            <a:pPr marL="0" indent="0">
+              <a:buNone/>
+            </a:pPr>
+            <a:r>
+              <a:rPr lang="en-US" dirty="0">
+                <a:latin typeface="Courier New" panose="02070309020205020404" pitchFamily="49" charset="0"/>
+                <a:cs typeface="Courier New" panose="02070309020205020404" pitchFamily="49" charset="0"/>
+              </a:rPr>
+              <a:t>  return 0;</a:t>
+            </a:r>
+          </a:p>
+          <a:p>
+            <a:pPr marL="0" indent="0">
+              <a:buNone/>
+            </a:pPr>
+            <a:r>
+              <a:rPr lang="en-US" dirty="0">
+                <a:latin typeface="Courier New" panose="02070309020205020404" pitchFamily="49" charset="0"/>
+                <a:cs typeface="Courier New" panose="02070309020205020404" pitchFamily="49" charset="0"/>
+              </a:rPr>
+              <a:t>}</a:t>
+            </a:r>
+          </a:p>
+        </p:txBody>
+      </p:sp>
+    </p:spTree>
+    <p:extLst>
+      <p:ext uri="{BB962C8B-B14F-4D97-AF65-F5344CB8AC3E}">
+        <p14:creationId xmlns:p14="http://schemas.microsoft.com/office/powerpoint/2010/main" val="2320085877"/>
+      </p:ext>
+    </p:extLst>
+  </p:cSld>
+  <p:clrMapOvr>
+    <a:masterClrMapping/>
+  </p:clrMapOvr>
+</p:sld>
+</file>
+
+<file path=ppt/slides/slide27.xml><?xml version="1.0" encoding="utf-8"?>
+<p:sld xmlns:a="http://schemas.openxmlformats.org/drawingml/2006/main" xmlns:r="http://schemas.openxmlformats.org/officeDocument/2006/relationships" xmlns:p="http://schemas.openxmlformats.org/presentationml/2006/main">
+  <p:cSld>
+    <p:spTree>
+      <p:nvGrpSpPr>
+        <p:cNvPr id="1" name=""/>
+        <p:cNvGrpSpPr/>
+        <p:nvPr/>
+      </p:nvGrpSpPr>
+      <p:grpSpPr>
+        <a:xfrm>
+          <a:off x="0" y="0"/>
+          <a:ext cx="0" cy="0"/>
+          <a:chOff x="0" y="0"/>
+          <a:chExt cx="0" cy="0"/>
+        </a:xfrm>
+      </p:grpSpPr>
+      <p:sp>
+        <p:nvSpPr>
+          <p:cNvPr id="2" name="Title 1">
+            <a:extLst>
+              <a:ext uri="{FF2B5EF4-FFF2-40B4-BE49-F238E27FC236}">
+                <a16:creationId xmlns:a16="http://schemas.microsoft.com/office/drawing/2014/main" id="{82E7115D-C3C8-4FC6-BCEE-397B3B1CA1D3}"/>
+              </a:ext>
+            </a:extLst>
+          </p:cNvPr>
+          <p:cNvSpPr>
+            <a:spLocks noGrp="1"/>
+          </p:cNvSpPr>
+          <p:nvPr>
+            <p:ph type="title"/>
+          </p:nvPr>
+        </p:nvSpPr>
+        <p:spPr/>
+        <p:txBody>
+          <a:bodyPr/>
+          <a:lstStyle/>
+          <a:p>
+            <a:r>
+              <a:rPr lang="ru-RU" dirty="0"/>
+              <a:t>Частые ошибки</a:t>
+            </a:r>
+            <a:r>
+              <a:rPr lang="en-US" dirty="0"/>
+              <a:t>: </a:t>
+            </a:r>
+            <a:r>
+              <a:rPr lang="en-US" dirty="0" err="1"/>
+              <a:t>NaN</a:t>
+            </a:r>
+            <a:endParaRPr lang="en-US" dirty="0"/>
+          </a:p>
+        </p:txBody>
+      </p:sp>
+      <p:sp>
+        <p:nvSpPr>
+          <p:cNvPr id="3" name="Content Placeholder 2">
+            <a:extLst>
+              <a:ext uri="{FF2B5EF4-FFF2-40B4-BE49-F238E27FC236}">
+                <a16:creationId xmlns:a16="http://schemas.microsoft.com/office/drawing/2014/main" id="{C04CBD31-895D-41BF-BEFF-948422E8643B}"/>
+              </a:ext>
+            </a:extLst>
+          </p:cNvPr>
+          <p:cNvSpPr>
+            <a:spLocks noGrp="1"/>
+          </p:cNvSpPr>
+          <p:nvPr>
+            <p:ph idx="1"/>
+          </p:nvPr>
+        </p:nvSpPr>
+        <p:spPr/>
+        <p:txBody>
+          <a:bodyPr>
+            <a:normAutofit/>
+          </a:bodyPr>
+          <a:lstStyle/>
+          <a:p>
+            <a:pPr marL="0" indent="0">
+              <a:buNone/>
+            </a:pPr>
+            <a:r>
+              <a:rPr lang="en-US" dirty="0">
+                <a:latin typeface="Courier New" panose="02070309020205020404" pitchFamily="49" charset="0"/>
+                <a:cs typeface="Courier New" panose="02070309020205020404" pitchFamily="49" charset="0"/>
+              </a:rPr>
+              <a:t>$ g++ bad.cc &amp;&amp; ./</a:t>
+            </a:r>
+            <a:r>
+              <a:rPr lang="en-US" dirty="0" err="1">
+                <a:latin typeface="Courier New" panose="02070309020205020404" pitchFamily="49" charset="0"/>
+                <a:cs typeface="Courier New" panose="02070309020205020404" pitchFamily="49" charset="0"/>
+              </a:rPr>
+              <a:t>a.out</a:t>
+            </a:r>
+            <a:endParaRPr lang="en-US" dirty="0">
+              <a:latin typeface="Courier New" panose="02070309020205020404" pitchFamily="49" charset="0"/>
+              <a:cs typeface="Courier New" panose="02070309020205020404" pitchFamily="49" charset="0"/>
+            </a:endParaRPr>
+          </a:p>
+          <a:p>
+            <a:pPr marL="0" indent="0">
+              <a:buNone/>
+            </a:pPr>
+            <a:r>
+              <a:rPr lang="en-US" dirty="0">
+                <a:latin typeface="Courier New" panose="02070309020205020404" pitchFamily="49" charset="0"/>
+                <a:cs typeface="Courier New" panose="02070309020205020404" pitchFamily="49" charset="0"/>
+              </a:rPr>
+              <a:t>3</a:t>
+            </a:r>
+          </a:p>
+          <a:p>
+            <a:pPr marL="0" indent="0">
+              <a:buNone/>
+            </a:pPr>
+            <a:r>
+              <a:rPr lang="en-US" dirty="0">
+                <a:latin typeface="Courier New" panose="02070309020205020404" pitchFamily="49" charset="0"/>
+                <a:cs typeface="Courier New" panose="02070309020205020404" pitchFamily="49" charset="0"/>
+              </a:rPr>
+              <a:t>5</a:t>
+            </a:r>
+          </a:p>
+          <a:p>
+            <a:pPr marL="0" indent="0">
+              <a:buNone/>
+            </a:pPr>
+            <a:r>
+              <a:rPr lang="en-US" dirty="0">
+                <a:latin typeface="Courier New" panose="02070309020205020404" pitchFamily="49" charset="0"/>
+                <a:cs typeface="Courier New" panose="02070309020205020404" pitchFamily="49" charset="0"/>
+              </a:rPr>
+              <a:t>100</a:t>
+            </a:r>
+          </a:p>
+          <a:p>
+            <a:pPr marL="0" indent="0">
+              <a:buNone/>
+            </a:pPr>
+            <a:r>
+              <a:rPr lang="en-US" dirty="0">
+                <a:latin typeface="Courier New" panose="02070309020205020404" pitchFamily="49" charset="0"/>
+                <a:cs typeface="Courier New" panose="02070309020205020404" pitchFamily="49" charset="0"/>
+              </a:rPr>
+              <a:t>nan</a:t>
+            </a:r>
+          </a:p>
+          <a:p>
+            <a:pPr marL="0" indent="0">
+              <a:buNone/>
+            </a:pPr>
+            <a:r>
+              <a:rPr lang="en-US" dirty="0">
+                <a:latin typeface="Courier New" panose="02070309020205020404" pitchFamily="49" charset="0"/>
+                <a:cs typeface="Courier New" panose="02070309020205020404" pitchFamily="49" charset="0"/>
+              </a:rPr>
+              <a:t>11</a:t>
+            </a:r>
+          </a:p>
+          <a:p>
+            <a:pPr marL="0" indent="0">
+              <a:buNone/>
+            </a:pPr>
+            <a:r>
+              <a:rPr lang="en-US" dirty="0">
+                <a:latin typeface="Courier New" panose="02070309020205020404" pitchFamily="49" charset="0"/>
+                <a:cs typeface="Courier New" panose="02070309020205020404" pitchFamily="49" charset="0"/>
+              </a:rPr>
+              <a:t>200</a:t>
+            </a:r>
+          </a:p>
+        </p:txBody>
+      </p:sp>
+    </p:spTree>
+    <p:extLst>
+      <p:ext uri="{BB962C8B-B14F-4D97-AF65-F5344CB8AC3E}">
+        <p14:creationId xmlns:p14="http://schemas.microsoft.com/office/powerpoint/2010/main" val="1803112643"/>
+      </p:ext>
+    </p:extLst>
+  </p:cSld>
+  <p:clrMapOvr>
+    <a:masterClrMapping/>
+  </p:clrMapOvr>
+</p:sld>
+</file>
+
+<file path=ppt/slides/slide28.xml><?xml version="1.0" encoding="utf-8"?>
+<p:sld xmlns:a="http://schemas.openxmlformats.org/drawingml/2006/main" xmlns:r="http://schemas.openxmlformats.org/officeDocument/2006/relationships" xmlns:p="http://schemas.openxmlformats.org/presentationml/2006/main">
+  <p:cSld>
+    <p:spTree>
+      <p:nvGrpSpPr>
+        <p:cNvPr id="1" name=""/>
+        <p:cNvGrpSpPr/>
+        <p:nvPr/>
+      </p:nvGrpSpPr>
+      <p:grpSpPr>
+        <a:xfrm>
+          <a:off x="0" y="0"/>
+          <a:ext cx="0" cy="0"/>
+          <a:chOff x="0" y="0"/>
+          <a:chExt cx="0" cy="0"/>
+        </a:xfrm>
+      </p:grpSpPr>
+      <p:sp>
+        <p:nvSpPr>
+          <p:cNvPr id="2" name="Title 1">
+            <a:extLst>
+              <a:ext uri="{FF2B5EF4-FFF2-40B4-BE49-F238E27FC236}">
+                <a16:creationId xmlns:a16="http://schemas.microsoft.com/office/drawing/2014/main" id="{A83248B9-8DDB-40A9-BF39-EDB8DD846C55}"/>
+              </a:ext>
+            </a:extLst>
+          </p:cNvPr>
+          <p:cNvSpPr>
+            <a:spLocks noGrp="1"/>
+          </p:cNvSpPr>
+          <p:nvPr>
+            <p:ph type="title"/>
+          </p:nvPr>
+        </p:nvSpPr>
+        <p:spPr/>
+        <p:txBody>
+          <a:bodyPr/>
+          <a:lstStyle/>
+          <a:p>
+            <a:r>
+              <a:rPr lang="ru-RU" dirty="0"/>
+              <a:t>Частые ошибки</a:t>
+            </a:r>
+            <a:r>
+              <a:rPr lang="en-US" dirty="0"/>
+              <a:t>: </a:t>
+            </a:r>
+            <a:r>
+              <a:rPr lang="en-US" dirty="0" err="1"/>
+              <a:t>NaN</a:t>
+            </a:r>
+            <a:endParaRPr lang="en-US" dirty="0"/>
+          </a:p>
+        </p:txBody>
+      </p:sp>
+      <p:sp>
+        <p:nvSpPr>
+          <p:cNvPr id="3" name="Content Placeholder 2">
+            <a:extLst>
+              <a:ext uri="{FF2B5EF4-FFF2-40B4-BE49-F238E27FC236}">
+                <a16:creationId xmlns:a16="http://schemas.microsoft.com/office/drawing/2014/main" id="{B51FC803-85BE-40C9-9D30-E61AD605C56F}"/>
+              </a:ext>
+            </a:extLst>
+          </p:cNvPr>
+          <p:cNvSpPr>
+            <a:spLocks noGrp="1"/>
+          </p:cNvSpPr>
+          <p:nvPr>
+            <p:ph idx="1"/>
+          </p:nvPr>
+        </p:nvSpPr>
+        <p:spPr/>
+        <p:txBody>
+          <a:bodyPr>
+            <a:normAutofit fontScale="85000" lnSpcReduction="20000"/>
+          </a:bodyPr>
+          <a:lstStyle/>
+          <a:p>
+            <a:r>
+              <a:rPr lang="ru-RU" dirty="0"/>
+              <a:t>Типы с плавающей точкой поддерживают специальные значения NaN,</a:t>
+            </a:r>
+            <a:r>
+              <a:rPr lang="en-US" dirty="0"/>
+              <a:t> </a:t>
+            </a:r>
+            <a:r>
+              <a:rPr lang="ru-RU" dirty="0"/>
+              <a:t>которые возникают в результате некорректных вычислений</a:t>
+            </a:r>
+          </a:p>
+          <a:p>
+            <a:pPr lvl="1"/>
+            <a:r>
+              <a:rPr lang="ru-RU" dirty="0"/>
+              <a:t>например извлечения корня из отрицательного числа или деления </a:t>
+            </a:r>
+            <a:r>
+              <a:rPr lang="ru-RU" dirty="0">
+                <a:latin typeface="Courier New" panose="02070309020205020404" pitchFamily="49" charset="0"/>
+                <a:cs typeface="Courier New" panose="02070309020205020404" pitchFamily="49" charset="0"/>
+              </a:rPr>
+              <a:t>0/0</a:t>
+            </a:r>
+            <a:endParaRPr lang="ru-RU" dirty="0"/>
+          </a:p>
+          <a:p>
+            <a:r>
+              <a:rPr lang="ru-RU" dirty="0"/>
+              <a:t>Сравнение с NaN всегда возвращает false, поэтому NaN эквивалентен всем остальным числам</a:t>
+            </a:r>
+            <a:endParaRPr lang="en-US" dirty="0"/>
+          </a:p>
+          <a:p>
+            <a:r>
+              <a:rPr lang="ru-RU" dirty="0"/>
+              <a:t>Это приводит к нарушению транзитивности эквивалентности (4 аксиома):</a:t>
+            </a:r>
+          </a:p>
+          <a:p>
+            <a:pPr lvl="1"/>
+            <a:r>
+              <a:rPr lang="en-US" dirty="0">
+                <a:latin typeface="Courier New" panose="02070309020205020404" pitchFamily="49" charset="0"/>
+                <a:cs typeface="Courier New" panose="02070309020205020404" pitchFamily="49" charset="0"/>
+              </a:rPr>
+              <a:t>NAN ~ </a:t>
+            </a:r>
+            <a:r>
+              <a:rPr lang="ru-RU" dirty="0">
+                <a:latin typeface="Courier New" panose="02070309020205020404" pitchFamily="49" charset="0"/>
+                <a:cs typeface="Courier New" panose="02070309020205020404" pitchFamily="49" charset="0"/>
+              </a:rPr>
+              <a:t>1.</a:t>
+            </a:r>
+            <a:r>
+              <a:rPr lang="en-US" dirty="0">
+                <a:latin typeface="Courier New" panose="02070309020205020404" pitchFamily="49" charset="0"/>
+                <a:cs typeface="Courier New" panose="02070309020205020404" pitchFamily="49" charset="0"/>
+              </a:rPr>
+              <a:t>0</a:t>
+            </a:r>
+          </a:p>
+          <a:p>
+            <a:pPr lvl="1"/>
+            <a:r>
+              <a:rPr lang="ru-RU" dirty="0">
+                <a:latin typeface="Courier New" panose="02070309020205020404" pitchFamily="49" charset="0"/>
+                <a:cs typeface="Courier New" panose="02070309020205020404" pitchFamily="49" charset="0"/>
+              </a:rPr>
+              <a:t>NAN ~ 2.0</a:t>
+            </a:r>
+            <a:endParaRPr lang="en-US" dirty="0">
+              <a:latin typeface="Courier New" panose="02070309020205020404" pitchFamily="49" charset="0"/>
+              <a:cs typeface="Courier New" panose="02070309020205020404" pitchFamily="49" charset="0"/>
+            </a:endParaRPr>
+          </a:p>
+          <a:p>
+            <a:pPr lvl="1"/>
+            <a:r>
+              <a:rPr lang="ru-RU" dirty="0"/>
+              <a:t>Но НЕ </a:t>
+            </a:r>
+            <a:r>
+              <a:rPr lang="ru-RU" dirty="0">
+                <a:latin typeface="Courier New" panose="02070309020205020404" pitchFamily="49" charset="0"/>
+                <a:cs typeface="Courier New" panose="02070309020205020404" pitchFamily="49" charset="0"/>
+              </a:rPr>
+              <a:t>1.0 ~ 2.0</a:t>
+            </a:r>
+            <a:endParaRPr lang="ru-RU" dirty="0"/>
+          </a:p>
+          <a:p>
+            <a:r>
+              <a:rPr lang="ru-RU" dirty="0"/>
+              <a:t>На практике это приводит к неправильной сортировке массивов содержащих NaNs:</a:t>
+            </a:r>
+          </a:p>
+          <a:p>
+            <a:r>
+              <a:rPr lang="ru-RU" dirty="0"/>
+              <a:t>Пример из жизни: </a:t>
+            </a:r>
+            <a:r>
+              <a:rPr lang="ru-RU" dirty="0">
+                <a:hlinkClick r:id="rId2"/>
+              </a:rPr>
+              <a:t>https://stackoverflow.com/questions/9244243/strict-weak-ordering-and-stdsort</a:t>
+            </a:r>
+            <a:r>
+              <a:rPr lang="en-US" dirty="0"/>
+              <a:t> </a:t>
+            </a:r>
+            <a:endParaRPr lang="ru-RU" dirty="0"/>
+          </a:p>
+          <a:p>
+            <a:endParaRPr lang="en-US" dirty="0"/>
+          </a:p>
+        </p:txBody>
+      </p:sp>
+    </p:spTree>
+    <p:extLst>
+      <p:ext uri="{BB962C8B-B14F-4D97-AF65-F5344CB8AC3E}">
+        <p14:creationId xmlns:p14="http://schemas.microsoft.com/office/powerpoint/2010/main" val="4117246109"/>
+      </p:ext>
+    </p:extLst>
+  </p:cSld>
+  <p:clrMapOvr>
+    <a:masterClrMapping/>
+  </p:clrMapOvr>
+</p:sld>
+</file>
+
+<file path=ppt/slides/slide29.xml><?xml version="1.0" encoding="utf-8"?>
+<p:sld xmlns:a="http://schemas.openxmlformats.org/drawingml/2006/main" xmlns:r="http://schemas.openxmlformats.org/officeDocument/2006/relationships" xmlns:p="http://schemas.openxmlformats.org/presentationml/2006/main">
+  <p:cSld>
+    <p:spTree>
+      <p:nvGrpSpPr>
+        <p:cNvPr id="1" name=""/>
+        <p:cNvGrpSpPr/>
+        <p:nvPr/>
+      </p:nvGrpSpPr>
+      <p:grpSpPr>
+        <a:xfrm>
+          <a:off x="0" y="0"/>
+          <a:ext cx="0" cy="0"/>
+          <a:chOff x="0" y="0"/>
+          <a:chExt cx="0" cy="0"/>
+        </a:xfrm>
+      </p:grpSpPr>
+      <p:sp>
+        <p:nvSpPr>
+          <p:cNvPr id="2" name="Title 1">
+            <a:extLst>
+              <a:ext uri="{FF2B5EF4-FFF2-40B4-BE49-F238E27FC236}">
+                <a16:creationId xmlns:a16="http://schemas.microsoft.com/office/drawing/2014/main" id="{00DC1065-D907-484F-8EEF-614B38DC07E5}"/>
+              </a:ext>
+            </a:extLst>
+          </p:cNvPr>
+          <p:cNvSpPr>
+            <a:spLocks noGrp="1"/>
+          </p:cNvSpPr>
+          <p:nvPr>
+            <p:ph type="title"/>
+          </p:nvPr>
+        </p:nvSpPr>
+        <p:spPr/>
+        <p:txBody>
+          <a:bodyPr/>
+          <a:lstStyle/>
+          <a:p>
+            <a:r>
+              <a:rPr lang="ru-RU" dirty="0"/>
+              <a:t>Частые ошибки</a:t>
+            </a:r>
+            <a:r>
+              <a:rPr lang="en-US" dirty="0"/>
+              <a:t>: </a:t>
+            </a:r>
+            <a:r>
+              <a:rPr lang="en-US" dirty="0" err="1"/>
+              <a:t>NaN</a:t>
+            </a:r>
+            <a:endParaRPr lang="en-US" dirty="0"/>
+          </a:p>
+        </p:txBody>
+      </p:sp>
+      <p:sp>
+        <p:nvSpPr>
+          <p:cNvPr id="3" name="Content Placeholder 2">
+            <a:extLst>
+              <a:ext uri="{FF2B5EF4-FFF2-40B4-BE49-F238E27FC236}">
+                <a16:creationId xmlns:a16="http://schemas.microsoft.com/office/drawing/2014/main" id="{A2A5B613-811D-4BCF-B170-0BB119C2F796}"/>
+              </a:ext>
+            </a:extLst>
+          </p:cNvPr>
+          <p:cNvSpPr>
+            <a:spLocks noGrp="1"/>
+          </p:cNvSpPr>
+          <p:nvPr>
+            <p:ph idx="1"/>
+          </p:nvPr>
+        </p:nvSpPr>
+        <p:spPr/>
+        <p:txBody>
+          <a:bodyPr/>
+          <a:lstStyle/>
+          <a:p>
+            <a:r>
+              <a:rPr lang="ru-RU" dirty="0"/>
+              <a:t>Достаточно перед сортировкой</a:t>
+            </a:r>
+            <a:r>
+              <a:rPr lang="en-US" dirty="0"/>
+              <a:t> </a:t>
+            </a:r>
+            <a:r>
+              <a:rPr lang="ru-RU" dirty="0"/>
+              <a:t>избавиться от </a:t>
+            </a:r>
+            <a:r>
+              <a:rPr lang="en-US" dirty="0" err="1"/>
+              <a:t>NaN</a:t>
+            </a:r>
+            <a:r>
+              <a:rPr lang="en-US" dirty="0"/>
+              <a:t>'</a:t>
+            </a:r>
+            <a:r>
+              <a:rPr lang="ru-RU" dirty="0"/>
+              <a:t>ов с помощью </a:t>
+            </a:r>
+            <a:r>
+              <a:rPr lang="en-US" dirty="0"/>
+              <a:t>std::partition:</a:t>
+            </a:r>
+          </a:p>
+          <a:p>
+            <a:pPr marL="457200" lvl="1" indent="0">
+              <a:buNone/>
+            </a:pPr>
+            <a:r>
+              <a:rPr lang="en-US" dirty="0">
+                <a:latin typeface="Courier New" panose="02070309020205020404" pitchFamily="49" charset="0"/>
+                <a:cs typeface="Courier New" panose="02070309020205020404" pitchFamily="49" charset="0"/>
+              </a:rPr>
+              <a:t>auto end = std::partition(&amp;a[0],</a:t>
+            </a:r>
+          </a:p>
+          <a:p>
+            <a:pPr marL="457200" lvl="1" indent="0">
+              <a:buNone/>
+            </a:pPr>
+            <a:r>
+              <a:rPr lang="en-US" dirty="0">
+                <a:latin typeface="Courier New" panose="02070309020205020404" pitchFamily="49" charset="0"/>
+                <a:cs typeface="Courier New" panose="02070309020205020404" pitchFamily="49" charset="0"/>
+              </a:rPr>
+              <a:t>                          &amp;a[</a:t>
+            </a:r>
+            <a:r>
+              <a:rPr lang="en-US" dirty="0" err="1">
+                <a:latin typeface="Courier New" panose="02070309020205020404" pitchFamily="49" charset="0"/>
+                <a:cs typeface="Courier New" panose="02070309020205020404" pitchFamily="49" charset="0"/>
+              </a:rPr>
+              <a:t>sizeof</a:t>
+            </a:r>
+            <a:r>
+              <a:rPr lang="en-US" dirty="0">
+                <a:latin typeface="Courier New" panose="02070309020205020404" pitchFamily="49" charset="0"/>
+                <a:cs typeface="Courier New" panose="02070309020205020404" pitchFamily="49" charset="0"/>
+              </a:rPr>
+              <a:t>(a)/</a:t>
+            </a:r>
+            <a:r>
+              <a:rPr lang="en-US" dirty="0" err="1">
+                <a:latin typeface="Courier New" panose="02070309020205020404" pitchFamily="49" charset="0"/>
+                <a:cs typeface="Courier New" panose="02070309020205020404" pitchFamily="49" charset="0"/>
+              </a:rPr>
+              <a:t>sizeof</a:t>
+            </a:r>
+            <a:r>
+              <a:rPr lang="en-US" dirty="0">
+                <a:latin typeface="Courier New" panose="02070309020205020404" pitchFamily="49" charset="0"/>
+                <a:cs typeface="Courier New" panose="02070309020205020404" pitchFamily="49" charset="0"/>
+              </a:rPr>
+              <a:t>(a[0])],</a:t>
+            </a:r>
+          </a:p>
+          <a:p>
+            <a:pPr marL="457200" lvl="1" indent="0">
+              <a:buNone/>
+            </a:pPr>
+            <a:r>
+              <a:rPr lang="en-US" dirty="0">
+                <a:latin typeface="Courier New" panose="02070309020205020404" pitchFamily="49" charset="0"/>
+                <a:cs typeface="Courier New" panose="02070309020205020404" pitchFamily="49" charset="0"/>
+              </a:rPr>
+              <a:t>                          [](double x) {</a:t>
+            </a:r>
+          </a:p>
+          <a:p>
+            <a:pPr marL="457200" lvl="1" indent="0">
+              <a:buNone/>
+            </a:pPr>
+            <a:r>
+              <a:rPr lang="en-US" dirty="0">
+                <a:latin typeface="Courier New" panose="02070309020205020404" pitchFamily="49" charset="0"/>
+                <a:cs typeface="Courier New" panose="02070309020205020404" pitchFamily="49" charset="0"/>
+              </a:rPr>
+              <a:t>                            return !</a:t>
+            </a:r>
+            <a:r>
+              <a:rPr lang="en-US" dirty="0" err="1">
+                <a:latin typeface="Courier New" panose="02070309020205020404" pitchFamily="49" charset="0"/>
+                <a:cs typeface="Courier New" panose="02070309020205020404" pitchFamily="49" charset="0"/>
+              </a:rPr>
+              <a:t>isnan</a:t>
+            </a:r>
+            <a:r>
+              <a:rPr lang="en-US" dirty="0">
+                <a:latin typeface="Courier New" panose="02070309020205020404" pitchFamily="49" charset="0"/>
+                <a:cs typeface="Courier New" panose="02070309020205020404" pitchFamily="49" charset="0"/>
+              </a:rPr>
+              <a:t>(x); });</a:t>
+            </a:r>
+          </a:p>
+          <a:p>
+            <a:pPr marL="457200" lvl="1" indent="0">
+              <a:buNone/>
+            </a:pPr>
+            <a:r>
+              <a:rPr lang="en-US" dirty="0">
+                <a:latin typeface="Courier New" panose="02070309020205020404" pitchFamily="49" charset="0"/>
+                <a:cs typeface="Courier New" panose="02070309020205020404" pitchFamily="49" charset="0"/>
+              </a:rPr>
+              <a:t>std::sort(&amp;a[0], end);</a:t>
+            </a:r>
+          </a:p>
+          <a:p>
+            <a:endParaRPr lang="en-US" dirty="0"/>
+          </a:p>
+        </p:txBody>
+      </p:sp>
+    </p:spTree>
+    <p:extLst>
+      <p:ext uri="{BB962C8B-B14F-4D97-AF65-F5344CB8AC3E}">
+        <p14:creationId xmlns:p14="http://schemas.microsoft.com/office/powerpoint/2010/main" val="63913186"/>
       </p:ext>
     </p:extLst>
   </p:cSld>
@@ -5524,6 +8147,1087 @@
     <p:extLst>
       <p:ext uri="{BB962C8B-B14F-4D97-AF65-F5344CB8AC3E}">
         <p14:creationId xmlns:p14="http://schemas.microsoft.com/office/powerpoint/2010/main" val="2168601486"/>
+      </p:ext>
+    </p:extLst>
+  </p:cSld>
+  <p:clrMapOvr>
+    <a:masterClrMapping/>
+  </p:clrMapOvr>
+</p:sld>
+</file>
+
+<file path=ppt/slides/slide30.xml><?xml version="1.0" encoding="utf-8"?>
+<p:sld xmlns:a="http://schemas.openxmlformats.org/drawingml/2006/main" xmlns:r="http://schemas.openxmlformats.org/officeDocument/2006/relationships" xmlns:p="http://schemas.openxmlformats.org/presentationml/2006/main">
+  <p:cSld>
+    <p:spTree>
+      <p:nvGrpSpPr>
+        <p:cNvPr id="1" name=""/>
+        <p:cNvGrpSpPr/>
+        <p:nvPr/>
+      </p:nvGrpSpPr>
+      <p:grpSpPr>
+        <a:xfrm>
+          <a:off x="0" y="0"/>
+          <a:ext cx="0" cy="0"/>
+          <a:chOff x="0" y="0"/>
+          <a:chExt cx="0" cy="0"/>
+        </a:xfrm>
+      </p:grpSpPr>
+      <p:sp>
+        <p:nvSpPr>
+          <p:cNvPr id="2" name="Title 1">
+            <a:extLst>
+              <a:ext uri="{FF2B5EF4-FFF2-40B4-BE49-F238E27FC236}">
+                <a16:creationId xmlns:a16="http://schemas.microsoft.com/office/drawing/2014/main" id="{897E4EB9-3E73-4D16-A267-2453B3C7723C}"/>
+              </a:ext>
+            </a:extLst>
+          </p:cNvPr>
+          <p:cNvSpPr>
+            <a:spLocks noGrp="1"/>
+          </p:cNvSpPr>
+          <p:nvPr>
+            <p:ph type="title"/>
+          </p:nvPr>
+        </p:nvSpPr>
+        <p:spPr/>
+        <p:txBody>
+          <a:bodyPr/>
+          <a:lstStyle/>
+          <a:p>
+            <a:r>
+              <a:rPr lang="ru-RU" dirty="0"/>
+              <a:t>Частые ошибки</a:t>
+            </a:r>
+            <a:r>
+              <a:rPr lang="en-US" dirty="0"/>
+              <a:t>:</a:t>
+            </a:r>
+            <a:r>
+              <a:rPr lang="ru-RU" dirty="0"/>
+              <a:t> некорректная обработка специального случая</a:t>
+            </a:r>
+            <a:endParaRPr lang="en-US" dirty="0"/>
+          </a:p>
+        </p:txBody>
+      </p:sp>
+      <p:sp>
+        <p:nvSpPr>
+          <p:cNvPr id="3" name="Content Placeholder 2">
+            <a:extLst>
+              <a:ext uri="{FF2B5EF4-FFF2-40B4-BE49-F238E27FC236}">
+                <a16:creationId xmlns:a16="http://schemas.microsoft.com/office/drawing/2014/main" id="{1A1AB472-A844-4C1B-A37F-F4A1D7E62846}"/>
+              </a:ext>
+            </a:extLst>
+          </p:cNvPr>
+          <p:cNvSpPr>
+            <a:spLocks noGrp="1"/>
+          </p:cNvSpPr>
+          <p:nvPr>
+            <p:ph idx="1"/>
+          </p:nvPr>
+        </p:nvSpPr>
+        <p:spPr/>
+        <p:txBody>
+          <a:bodyPr>
+            <a:normAutofit fontScale="85000" lnSpcReduction="20000"/>
+          </a:bodyPr>
+          <a:lstStyle/>
+          <a:p>
+            <a:pPr marL="0" indent="0">
+              <a:buNone/>
+            </a:pPr>
+            <a:r>
+              <a:rPr lang="en-US" sz="2400" dirty="0">
+                <a:solidFill>
+                  <a:prstClr val="black"/>
+                </a:solidFill>
+                <a:latin typeface="Courier New" panose="02070309020205020404" pitchFamily="49" charset="0"/>
+                <a:cs typeface="Courier New" panose="02070309020205020404" pitchFamily="49" charset="0"/>
+              </a:rPr>
+              <a:t>[](std::</a:t>
+            </a:r>
+            <a:r>
+              <a:rPr lang="en-US" sz="2400" dirty="0" err="1">
+                <a:solidFill>
+                  <a:prstClr val="black"/>
+                </a:solidFill>
+                <a:latin typeface="Courier New" panose="02070309020205020404" pitchFamily="49" charset="0"/>
+                <a:cs typeface="Courier New" panose="02070309020205020404" pitchFamily="49" charset="0"/>
+              </a:rPr>
+              <a:t>uniq_ptr</a:t>
+            </a:r>
+            <a:r>
+              <a:rPr lang="en-US" sz="2400" dirty="0">
+                <a:solidFill>
+                  <a:prstClr val="black"/>
+                </a:solidFill>
+                <a:latin typeface="Courier New" panose="02070309020205020404" pitchFamily="49" charset="0"/>
+                <a:cs typeface="Courier New" panose="02070309020205020404" pitchFamily="49" charset="0"/>
+              </a:rPr>
+              <a:t>&lt;</a:t>
+            </a:r>
+            <a:r>
+              <a:rPr lang="en-US" sz="2400" dirty="0" err="1">
+                <a:solidFill>
+                  <a:prstClr val="black"/>
+                </a:solidFill>
+                <a:latin typeface="Courier New" panose="02070309020205020404" pitchFamily="49" charset="0"/>
+                <a:cs typeface="Courier New" panose="02070309020205020404" pitchFamily="49" charset="0"/>
+              </a:rPr>
+              <a:t>SomeClass</a:t>
+            </a:r>
+            <a:r>
+              <a:rPr lang="en-US" sz="2400" dirty="0">
+                <a:solidFill>
+                  <a:prstClr val="black"/>
+                </a:solidFill>
+                <a:latin typeface="Courier New" panose="02070309020205020404" pitchFamily="49" charset="0"/>
+                <a:cs typeface="Courier New" panose="02070309020205020404" pitchFamily="49" charset="0"/>
+              </a:rPr>
+              <a:t>&gt; l, std::</a:t>
+            </a:r>
+            <a:r>
+              <a:rPr lang="en-US" sz="2400" dirty="0" err="1">
+                <a:solidFill>
+                  <a:prstClr val="black"/>
+                </a:solidFill>
+                <a:latin typeface="Courier New" panose="02070309020205020404" pitchFamily="49" charset="0"/>
+                <a:cs typeface="Courier New" panose="02070309020205020404" pitchFamily="49" charset="0"/>
+              </a:rPr>
+              <a:t>uniq_ptr</a:t>
+            </a:r>
+            <a:r>
+              <a:rPr lang="en-US" sz="2400" dirty="0">
+                <a:solidFill>
+                  <a:prstClr val="black"/>
+                </a:solidFill>
+                <a:latin typeface="Courier New" panose="02070309020205020404" pitchFamily="49" charset="0"/>
+                <a:cs typeface="Courier New" panose="02070309020205020404" pitchFamily="49" charset="0"/>
+              </a:rPr>
+              <a:t>&lt;</a:t>
+            </a:r>
+            <a:r>
+              <a:rPr lang="en-US" sz="2400" dirty="0" err="1">
+                <a:solidFill>
+                  <a:prstClr val="black"/>
+                </a:solidFill>
+                <a:latin typeface="Courier New" panose="02070309020205020404" pitchFamily="49" charset="0"/>
+                <a:cs typeface="Courier New" panose="02070309020205020404" pitchFamily="49" charset="0"/>
+              </a:rPr>
+              <a:t>SomeClass</a:t>
+            </a:r>
+            <a:r>
+              <a:rPr lang="en-US" sz="2400" dirty="0">
+                <a:solidFill>
+                  <a:prstClr val="black"/>
+                </a:solidFill>
+                <a:latin typeface="Courier New" panose="02070309020205020404" pitchFamily="49" charset="0"/>
+                <a:cs typeface="Courier New" panose="02070309020205020404" pitchFamily="49" charset="0"/>
+              </a:rPr>
+              <a:t>&gt; r) {</a:t>
+            </a:r>
+          </a:p>
+          <a:p>
+            <a:pPr marL="0" indent="0">
+              <a:buNone/>
+            </a:pPr>
+            <a:r>
+              <a:rPr lang="en-US" sz="2400" dirty="0">
+                <a:solidFill>
+                  <a:prstClr val="black"/>
+                </a:solidFill>
+                <a:latin typeface="Courier New" panose="02070309020205020404" pitchFamily="49" charset="0"/>
+                <a:cs typeface="Courier New" panose="02070309020205020404" pitchFamily="49" charset="0"/>
+              </a:rPr>
+              <a:t>  if (!</a:t>
+            </a:r>
+            <a:r>
+              <a:rPr lang="en-US" sz="2400" dirty="0" err="1">
+                <a:solidFill>
+                  <a:prstClr val="black"/>
+                </a:solidFill>
+                <a:latin typeface="Courier New" panose="02070309020205020404" pitchFamily="49" charset="0"/>
+                <a:cs typeface="Courier New" panose="02070309020205020404" pitchFamily="49" charset="0"/>
+              </a:rPr>
+              <a:t>l.get</a:t>
+            </a:r>
+            <a:r>
+              <a:rPr lang="en-US" sz="2400" dirty="0">
+                <a:solidFill>
+                  <a:prstClr val="black"/>
+                </a:solidFill>
+                <a:latin typeface="Courier New" panose="02070309020205020404" pitchFamily="49" charset="0"/>
+                <a:cs typeface="Courier New" panose="02070309020205020404" pitchFamily="49" charset="0"/>
+              </a:rPr>
+              <a:t>())</a:t>
+            </a:r>
+          </a:p>
+          <a:p>
+            <a:pPr marL="0" indent="0">
+              <a:buNone/>
+            </a:pPr>
+            <a:r>
+              <a:rPr lang="en-US" sz="2400" dirty="0">
+                <a:solidFill>
+                  <a:prstClr val="black"/>
+                </a:solidFill>
+                <a:latin typeface="Courier New" panose="02070309020205020404" pitchFamily="49" charset="0"/>
+                <a:cs typeface="Courier New" panose="02070309020205020404" pitchFamily="49" charset="0"/>
+              </a:rPr>
+              <a:t>    return true;</a:t>
+            </a:r>
+          </a:p>
+          <a:p>
+            <a:pPr marL="0" indent="0">
+              <a:buNone/>
+            </a:pPr>
+            <a:r>
+              <a:rPr lang="en-US" sz="2400" dirty="0">
+                <a:solidFill>
+                  <a:prstClr val="black"/>
+                </a:solidFill>
+                <a:latin typeface="Courier New" panose="02070309020205020404" pitchFamily="49" charset="0"/>
+                <a:cs typeface="Courier New" panose="02070309020205020404" pitchFamily="49" charset="0"/>
+              </a:rPr>
+              <a:t>  else</a:t>
+            </a:r>
+          </a:p>
+          <a:p>
+            <a:pPr marL="0" indent="0">
+              <a:buNone/>
+            </a:pPr>
+            <a:r>
+              <a:rPr lang="en-US" sz="2400" dirty="0">
+                <a:solidFill>
+                  <a:prstClr val="black"/>
+                </a:solidFill>
+                <a:latin typeface="Courier New" panose="02070309020205020404" pitchFamily="49" charset="0"/>
+                <a:cs typeface="Courier New" panose="02070309020205020404" pitchFamily="49" charset="0"/>
+              </a:rPr>
+              <a:t>    ...</a:t>
+            </a:r>
+          </a:p>
+          <a:p>
+            <a:pPr marL="0" indent="0">
+              <a:buNone/>
+            </a:pPr>
+            <a:r>
+              <a:rPr lang="en-US" sz="2400" dirty="0">
+                <a:solidFill>
+                  <a:prstClr val="black"/>
+                </a:solidFill>
+                <a:latin typeface="Courier New" panose="02070309020205020404" pitchFamily="49" charset="0"/>
+                <a:cs typeface="Courier New" panose="02070309020205020404" pitchFamily="49" charset="0"/>
+              </a:rPr>
+              <a:t>}</a:t>
+            </a:r>
+            <a:endParaRPr lang="ru-RU" sz="2400" dirty="0">
+              <a:solidFill>
+                <a:prstClr val="black"/>
+              </a:solidFill>
+              <a:latin typeface="Courier New" panose="02070309020205020404" pitchFamily="49" charset="0"/>
+              <a:cs typeface="Courier New" panose="02070309020205020404" pitchFamily="49" charset="0"/>
+            </a:endParaRPr>
+          </a:p>
+          <a:p>
+            <a:r>
+              <a:rPr lang="ru-RU" dirty="0">
+                <a:solidFill>
+                  <a:prstClr val="black"/>
+                </a:solidFill>
+                <a:cs typeface="Courier New" panose="02070309020205020404" pitchFamily="49" charset="0"/>
+              </a:rPr>
+              <a:t>Нарушается иррефлексивность и антисимметричность если второй операнд тоже нулевой</a:t>
+            </a:r>
+            <a:endParaRPr lang="en-US" dirty="0">
+              <a:solidFill>
+                <a:prstClr val="black"/>
+              </a:solidFill>
+              <a:cs typeface="Courier New" panose="02070309020205020404" pitchFamily="49" charset="0"/>
+            </a:endParaRPr>
+          </a:p>
+          <a:p>
+            <a:r>
+              <a:rPr lang="ru-RU" dirty="0">
+                <a:solidFill>
+                  <a:prstClr val="black"/>
+                </a:solidFill>
+                <a:cs typeface="Courier New" panose="02070309020205020404" pitchFamily="49" charset="0"/>
+              </a:rPr>
+              <a:t>Примеры со stackoverflow:</a:t>
+            </a:r>
+          </a:p>
+          <a:p>
+            <a:pPr lvl="1"/>
+            <a:r>
+              <a:rPr lang="ru-RU" dirty="0">
+                <a:solidFill>
+                  <a:prstClr val="black"/>
+                </a:solidFill>
+                <a:cs typeface="Courier New" panose="02070309020205020404" pitchFamily="49" charset="0"/>
+                <a:hlinkClick r:id="rId2"/>
+              </a:rPr>
+              <a:t>https://stackoverflow.com/questions/55815423/stdsort-crashes-with-strict-weak-ordering-comparing-with-garbage-values</a:t>
+            </a:r>
+            <a:r>
+              <a:rPr lang="en-US" dirty="0">
+                <a:solidFill>
+                  <a:prstClr val="black"/>
+                </a:solidFill>
+                <a:cs typeface="Courier New" panose="02070309020205020404" pitchFamily="49" charset="0"/>
+              </a:rPr>
+              <a:t> </a:t>
+            </a:r>
+            <a:endParaRPr lang="ru-RU" dirty="0">
+              <a:solidFill>
+                <a:prstClr val="black"/>
+              </a:solidFill>
+              <a:cs typeface="Courier New" panose="02070309020205020404" pitchFamily="49" charset="0"/>
+            </a:endParaRPr>
+          </a:p>
+          <a:p>
+            <a:pPr lvl="1"/>
+            <a:r>
+              <a:rPr lang="ru-RU" dirty="0">
+                <a:solidFill>
+                  <a:prstClr val="black"/>
+                </a:solidFill>
+                <a:cs typeface="Courier New" panose="02070309020205020404" pitchFamily="49" charset="0"/>
+                <a:hlinkClick r:id="rId3"/>
+              </a:rPr>
+              <a:t>https://stackoverflow.com/questions/48972158/crash-in-stdsort-sorting-without-strict-weak-ordering</a:t>
+            </a:r>
+            <a:r>
+              <a:rPr lang="en-US" dirty="0">
+                <a:solidFill>
+                  <a:prstClr val="black"/>
+                </a:solidFill>
+                <a:cs typeface="Courier New" panose="02070309020205020404" pitchFamily="49" charset="0"/>
+              </a:rPr>
+              <a:t> </a:t>
+            </a:r>
+            <a:endParaRPr lang="ru-RU" dirty="0">
+              <a:solidFill>
+                <a:prstClr val="black"/>
+              </a:solidFill>
+              <a:cs typeface="Courier New" panose="02070309020205020404" pitchFamily="49" charset="0"/>
+            </a:endParaRPr>
+          </a:p>
+          <a:p>
+            <a:endParaRPr lang="en-US" dirty="0">
+              <a:solidFill>
+                <a:prstClr val="black"/>
+              </a:solidFill>
+              <a:cs typeface="Courier New" panose="02070309020205020404" pitchFamily="49" charset="0"/>
+            </a:endParaRPr>
+          </a:p>
+        </p:txBody>
+      </p:sp>
+    </p:spTree>
+    <p:extLst>
+      <p:ext uri="{BB962C8B-B14F-4D97-AF65-F5344CB8AC3E}">
+        <p14:creationId xmlns:p14="http://schemas.microsoft.com/office/powerpoint/2010/main" val="711564749"/>
+      </p:ext>
+    </p:extLst>
+  </p:cSld>
+  <p:clrMapOvr>
+    <a:masterClrMapping/>
+  </p:clrMapOvr>
+</p:sld>
+</file>
+
+<file path=ppt/slides/slide31.xml><?xml version="1.0" encoding="utf-8"?>
+<p:sld xmlns:a="http://schemas.openxmlformats.org/drawingml/2006/main" xmlns:r="http://schemas.openxmlformats.org/officeDocument/2006/relationships" xmlns:p="http://schemas.openxmlformats.org/presentationml/2006/main">
+  <p:cSld>
+    <p:spTree>
+      <p:nvGrpSpPr>
+        <p:cNvPr id="1" name=""/>
+        <p:cNvGrpSpPr/>
+        <p:nvPr/>
+      </p:nvGrpSpPr>
+      <p:grpSpPr>
+        <a:xfrm>
+          <a:off x="0" y="0"/>
+          <a:ext cx="0" cy="0"/>
+          <a:chOff x="0" y="0"/>
+          <a:chExt cx="0" cy="0"/>
+        </a:xfrm>
+      </p:grpSpPr>
+      <p:sp>
+        <p:nvSpPr>
+          <p:cNvPr id="2" name="Title 1">
+            <a:extLst>
+              <a:ext uri="{FF2B5EF4-FFF2-40B4-BE49-F238E27FC236}">
+                <a16:creationId xmlns:a16="http://schemas.microsoft.com/office/drawing/2014/main" id="{2A113B13-406F-410B-BFB5-9599BB8FA280}"/>
+              </a:ext>
+            </a:extLst>
+          </p:cNvPr>
+          <p:cNvSpPr>
+            <a:spLocks noGrp="1"/>
+          </p:cNvSpPr>
+          <p:nvPr>
+            <p:ph type="title"/>
+          </p:nvPr>
+        </p:nvSpPr>
+        <p:spPr/>
+        <p:txBody>
+          <a:bodyPr/>
+          <a:lstStyle/>
+          <a:p>
+            <a:r>
+              <a:rPr lang="ru-RU" dirty="0"/>
+              <a:t>Частые ошибки</a:t>
+            </a:r>
+            <a:r>
+              <a:rPr lang="en-US" dirty="0"/>
+              <a:t>:</a:t>
+            </a:r>
+            <a:r>
+              <a:rPr lang="ru-RU" dirty="0"/>
+              <a:t> приближенные сравнения</a:t>
+            </a:r>
+            <a:endParaRPr lang="en-US" dirty="0"/>
+          </a:p>
+        </p:txBody>
+      </p:sp>
+      <p:sp>
+        <p:nvSpPr>
+          <p:cNvPr id="3" name="Content Placeholder 2">
+            <a:extLst>
+              <a:ext uri="{FF2B5EF4-FFF2-40B4-BE49-F238E27FC236}">
+                <a16:creationId xmlns:a16="http://schemas.microsoft.com/office/drawing/2014/main" id="{92E789BC-A1A6-4768-97BD-DC69CFA3A8F6}"/>
+              </a:ext>
+            </a:extLst>
+          </p:cNvPr>
+          <p:cNvSpPr>
+            <a:spLocks noGrp="1"/>
+          </p:cNvSpPr>
+          <p:nvPr>
+            <p:ph idx="1"/>
+          </p:nvPr>
+        </p:nvSpPr>
+        <p:spPr/>
+        <p:txBody>
+          <a:bodyPr>
+            <a:normAutofit fontScale="85000" lnSpcReduction="20000"/>
+          </a:bodyPr>
+          <a:lstStyle/>
+          <a:p>
+            <a:pPr marL="0" indent="0">
+              <a:buNone/>
+            </a:pPr>
+            <a:r>
+              <a:rPr lang="en-US" sz="2600" dirty="0">
+                <a:solidFill>
+                  <a:prstClr val="black"/>
+                </a:solidFill>
+                <a:latin typeface="Courier New" panose="02070309020205020404" pitchFamily="49" charset="0"/>
+                <a:cs typeface="Courier New" panose="02070309020205020404" pitchFamily="49" charset="0"/>
+              </a:rPr>
+              <a:t>bool </a:t>
+            </a:r>
+            <a:r>
+              <a:rPr lang="en-US" sz="2600" dirty="0" err="1">
+                <a:solidFill>
+                  <a:prstClr val="black"/>
+                </a:solidFill>
+                <a:latin typeface="Courier New" panose="02070309020205020404" pitchFamily="49" charset="0"/>
+                <a:cs typeface="Courier New" panose="02070309020205020404" pitchFamily="49" charset="0"/>
+              </a:rPr>
+              <a:t>cmp</a:t>
+            </a:r>
+            <a:r>
+              <a:rPr lang="en-US" sz="2600" dirty="0">
+                <a:solidFill>
+                  <a:prstClr val="black"/>
+                </a:solidFill>
+                <a:latin typeface="Courier New" panose="02070309020205020404" pitchFamily="49" charset="0"/>
+                <a:cs typeface="Courier New" panose="02070309020205020404" pitchFamily="49" charset="0"/>
+              </a:rPr>
+              <a:t>(double a, double b) {</a:t>
+            </a:r>
+          </a:p>
+          <a:p>
+            <a:pPr marL="0" indent="0">
+              <a:buNone/>
+            </a:pPr>
+            <a:r>
+              <a:rPr lang="en-US" sz="2600" dirty="0">
+                <a:solidFill>
+                  <a:prstClr val="black"/>
+                </a:solidFill>
+                <a:latin typeface="Courier New" panose="02070309020205020404" pitchFamily="49" charset="0"/>
+                <a:cs typeface="Courier New" panose="02070309020205020404" pitchFamily="49" charset="0"/>
+              </a:rPr>
+              <a:t>    if (abs(a - b) &lt; eps) return false;</a:t>
+            </a:r>
+          </a:p>
+          <a:p>
+            <a:pPr marL="0" indent="0">
+              <a:buNone/>
+            </a:pPr>
+            <a:r>
+              <a:rPr lang="en-US" sz="2600" dirty="0">
+                <a:solidFill>
+                  <a:prstClr val="black"/>
+                </a:solidFill>
+                <a:latin typeface="Courier New" panose="02070309020205020404" pitchFamily="49" charset="0"/>
+                <a:cs typeface="Courier New" panose="02070309020205020404" pitchFamily="49" charset="0"/>
+              </a:rPr>
+              <a:t>    return a &lt; b;</a:t>
+            </a:r>
+          </a:p>
+          <a:p>
+            <a:pPr marL="0" indent="0">
+              <a:buNone/>
+            </a:pPr>
+            <a:r>
+              <a:rPr lang="en-US" sz="2600" dirty="0">
+                <a:solidFill>
+                  <a:prstClr val="black"/>
+                </a:solidFill>
+                <a:latin typeface="Courier New" panose="02070309020205020404" pitchFamily="49" charset="0"/>
+                <a:cs typeface="Courier New" panose="02070309020205020404" pitchFamily="49" charset="0"/>
+              </a:rPr>
+              <a:t>}</a:t>
+            </a:r>
+          </a:p>
+          <a:p>
+            <a:r>
+              <a:rPr lang="ru-RU" dirty="0"/>
+              <a:t>Программист хотел чтобы "близкие" элементы рассматривались как эквивалентные</a:t>
+            </a:r>
+          </a:p>
+          <a:p>
+            <a:r>
+              <a:rPr lang="ru-RU" dirty="0"/>
+              <a:t>Но при это нарушил аксиому транзитивности эквивалентности:</a:t>
+            </a:r>
+          </a:p>
+          <a:p>
+            <a:pPr marL="457200" lvl="1" indent="0">
+              <a:buNone/>
+            </a:pPr>
+            <a:r>
+              <a:rPr lang="ru-RU" dirty="0">
+                <a:latin typeface="Courier New" panose="02070309020205020404" pitchFamily="49" charset="0"/>
+                <a:cs typeface="Courier New" panose="02070309020205020404" pitchFamily="49" charset="0"/>
+              </a:rPr>
+              <a:t>equiv(0, 0.5 * eps) == true</a:t>
+            </a:r>
+            <a:endParaRPr lang="en-US" dirty="0">
+              <a:latin typeface="Courier New" panose="02070309020205020404" pitchFamily="49" charset="0"/>
+              <a:cs typeface="Courier New" panose="02070309020205020404" pitchFamily="49" charset="0"/>
+            </a:endParaRPr>
+          </a:p>
+          <a:p>
+            <a:pPr marL="457200" lvl="1" indent="0">
+              <a:buNone/>
+            </a:pPr>
+            <a:r>
+              <a:rPr lang="ru-RU" dirty="0">
+                <a:latin typeface="Courier New" panose="02070309020205020404" pitchFamily="49" charset="0"/>
+                <a:cs typeface="Courier New" panose="02070309020205020404" pitchFamily="49" charset="0"/>
+              </a:rPr>
+              <a:t>equiv(0.5 * eps, eps) == true</a:t>
+            </a:r>
+            <a:endParaRPr lang="en-US" dirty="0">
+              <a:latin typeface="Courier New" panose="02070309020205020404" pitchFamily="49" charset="0"/>
+              <a:cs typeface="Courier New" panose="02070309020205020404" pitchFamily="49" charset="0"/>
+            </a:endParaRPr>
+          </a:p>
+          <a:p>
+            <a:pPr marL="457200" lvl="1" indent="0">
+              <a:buNone/>
+            </a:pPr>
+            <a:r>
+              <a:rPr lang="ru-RU" dirty="0">
+                <a:latin typeface="Courier New" panose="02070309020205020404" pitchFamily="49" charset="0"/>
+                <a:cs typeface="Courier New" panose="02070309020205020404" pitchFamily="49" charset="0"/>
+              </a:rPr>
+              <a:t>cmp(0, eps) == false</a:t>
+            </a:r>
+          </a:p>
+          <a:p>
+            <a:r>
+              <a:rPr lang="ru-RU" dirty="0"/>
+              <a:t>Пример:</a:t>
+            </a:r>
+          </a:p>
+          <a:p>
+            <a:pPr lvl="1"/>
+            <a:r>
+              <a:rPr lang="ru-RU" dirty="0">
+                <a:hlinkClick r:id="rId2"/>
+              </a:rPr>
+              <a:t>https://stackoverflow.com/questions/68114060/does-using-epsilon-in-comparison-of-floating-point-break-strict-weak-ordering</a:t>
+            </a:r>
+            <a:r>
+              <a:rPr lang="en-US" dirty="0"/>
+              <a:t> </a:t>
+            </a:r>
+            <a:endParaRPr lang="ru-RU" dirty="0"/>
+          </a:p>
+          <a:p>
+            <a:endParaRPr lang="en-US" dirty="0"/>
+          </a:p>
+        </p:txBody>
+      </p:sp>
+    </p:spTree>
+    <p:extLst>
+      <p:ext uri="{BB962C8B-B14F-4D97-AF65-F5344CB8AC3E}">
+        <p14:creationId xmlns:p14="http://schemas.microsoft.com/office/powerpoint/2010/main" val="325765568"/>
+      </p:ext>
+    </p:extLst>
+  </p:cSld>
+  <p:clrMapOvr>
+    <a:masterClrMapping/>
+  </p:clrMapOvr>
+</p:sld>
+</file>
+
+<file path=ppt/slides/slide32.xml><?xml version="1.0" encoding="utf-8"?>
+<p:sld xmlns:a="http://schemas.openxmlformats.org/drawingml/2006/main" xmlns:r="http://schemas.openxmlformats.org/officeDocument/2006/relationships" xmlns:p="http://schemas.openxmlformats.org/presentationml/2006/main">
+  <p:cSld>
+    <p:spTree>
+      <p:nvGrpSpPr>
+        <p:cNvPr id="1" name=""/>
+        <p:cNvGrpSpPr/>
+        <p:nvPr/>
+      </p:nvGrpSpPr>
+      <p:grpSpPr>
+        <a:xfrm>
+          <a:off x="0" y="0"/>
+          <a:ext cx="0" cy="0"/>
+          <a:chOff x="0" y="0"/>
+          <a:chExt cx="0" cy="0"/>
+        </a:xfrm>
+      </p:grpSpPr>
+      <p:sp>
+        <p:nvSpPr>
+          <p:cNvPr id="2" name="Title 1">
+            <a:extLst>
+              <a:ext uri="{FF2B5EF4-FFF2-40B4-BE49-F238E27FC236}">
+                <a16:creationId xmlns:a16="http://schemas.microsoft.com/office/drawing/2014/main" id="{2A19E494-9936-451A-BF6D-29D50118093A}"/>
+              </a:ext>
+            </a:extLst>
+          </p:cNvPr>
+          <p:cNvSpPr>
+            <a:spLocks noGrp="1"/>
+          </p:cNvSpPr>
+          <p:nvPr>
+            <p:ph type="title"/>
+          </p:nvPr>
+        </p:nvSpPr>
+        <p:spPr/>
+        <p:txBody>
+          <a:bodyPr/>
+          <a:lstStyle/>
+          <a:p>
+            <a:r>
+              <a:rPr lang="ru-RU" dirty="0"/>
+              <a:t>Частые ошибки</a:t>
+            </a:r>
+            <a:r>
+              <a:rPr lang="en-US" dirty="0"/>
+              <a:t>:</a:t>
+            </a:r>
+            <a:r>
+              <a:rPr lang="ru-RU" dirty="0"/>
+              <a:t> сравнение особых объектов отдельным алгоритмом</a:t>
+            </a:r>
+            <a:endParaRPr lang="en-US" dirty="0"/>
+          </a:p>
+        </p:txBody>
+      </p:sp>
+      <p:sp>
+        <p:nvSpPr>
+          <p:cNvPr id="3" name="Content Placeholder 2">
+            <a:extLst>
+              <a:ext uri="{FF2B5EF4-FFF2-40B4-BE49-F238E27FC236}">
+                <a16:creationId xmlns:a16="http://schemas.microsoft.com/office/drawing/2014/main" id="{E34877F2-0E42-46CD-89A4-90C23BB090A5}"/>
+              </a:ext>
+            </a:extLst>
+          </p:cNvPr>
+          <p:cNvSpPr>
+            <a:spLocks noGrp="1"/>
+          </p:cNvSpPr>
+          <p:nvPr>
+            <p:ph idx="1"/>
+          </p:nvPr>
+        </p:nvSpPr>
+        <p:spPr/>
+        <p:txBody>
+          <a:bodyPr/>
+          <a:lstStyle/>
+          <a:p>
+            <a:pPr marL="0" indent="0">
+              <a:buNone/>
+            </a:pPr>
+            <a:r>
+              <a:rPr lang="en-US" sz="2400" dirty="0">
+                <a:solidFill>
+                  <a:prstClr val="black"/>
+                </a:solidFill>
+                <a:latin typeface="Courier New" panose="02070309020205020404" pitchFamily="49" charset="0"/>
+                <a:cs typeface="Courier New" panose="02070309020205020404" pitchFamily="49" charset="0"/>
+              </a:rPr>
+              <a:t>[](Object l, Object r) {</a:t>
+            </a:r>
+          </a:p>
+          <a:p>
+            <a:pPr marL="0" indent="0">
+              <a:buNone/>
+            </a:pPr>
+            <a:r>
+              <a:rPr lang="en-US" sz="2400" dirty="0">
+                <a:solidFill>
+                  <a:srgbClr val="FF0000"/>
+                </a:solidFill>
+                <a:latin typeface="Courier New" panose="02070309020205020404" pitchFamily="49" charset="0"/>
+                <a:cs typeface="Courier New" panose="02070309020205020404" pitchFamily="49" charset="0"/>
+              </a:rPr>
+              <a:t>  if (</a:t>
+            </a:r>
+            <a:r>
+              <a:rPr lang="en-US" sz="2400" dirty="0" err="1">
+                <a:solidFill>
+                  <a:srgbClr val="FF0000"/>
+                </a:solidFill>
+                <a:latin typeface="Courier New" panose="02070309020205020404" pitchFamily="49" charset="0"/>
+                <a:cs typeface="Courier New" panose="02070309020205020404" pitchFamily="49" charset="0"/>
+              </a:rPr>
+              <a:t>is_special</a:t>
+            </a:r>
+            <a:r>
+              <a:rPr lang="en-US" sz="2400" dirty="0">
+                <a:solidFill>
+                  <a:srgbClr val="FF0000"/>
+                </a:solidFill>
+                <a:latin typeface="Courier New" panose="02070309020205020404" pitchFamily="49" charset="0"/>
+                <a:cs typeface="Courier New" panose="02070309020205020404" pitchFamily="49" charset="0"/>
+              </a:rPr>
+              <a:t>(l) &amp;&amp; </a:t>
+            </a:r>
+            <a:r>
+              <a:rPr lang="en-US" sz="2400" dirty="0" err="1">
+                <a:solidFill>
+                  <a:srgbClr val="FF0000"/>
+                </a:solidFill>
+                <a:latin typeface="Courier New" panose="02070309020205020404" pitchFamily="49" charset="0"/>
+                <a:cs typeface="Courier New" panose="02070309020205020404" pitchFamily="49" charset="0"/>
+              </a:rPr>
+              <a:t>is_special</a:t>
+            </a:r>
+            <a:r>
+              <a:rPr lang="en-US" sz="2400" dirty="0">
+                <a:solidFill>
+                  <a:srgbClr val="FF0000"/>
+                </a:solidFill>
+                <a:latin typeface="Courier New" panose="02070309020205020404" pitchFamily="49" charset="0"/>
+                <a:cs typeface="Courier New" panose="02070309020205020404" pitchFamily="49" charset="0"/>
+              </a:rPr>
+              <a:t>(r))</a:t>
+            </a:r>
+          </a:p>
+          <a:p>
+            <a:pPr marL="0" indent="0">
+              <a:buNone/>
+            </a:pPr>
+            <a:r>
+              <a:rPr lang="en-US" sz="2400" dirty="0">
+                <a:solidFill>
+                  <a:srgbClr val="FF0000"/>
+                </a:solidFill>
+                <a:latin typeface="Courier New" panose="02070309020205020404" pitchFamily="49" charset="0"/>
+                <a:cs typeface="Courier New" panose="02070309020205020404" pitchFamily="49" charset="0"/>
+              </a:rPr>
+              <a:t>    return </a:t>
+            </a:r>
+            <a:r>
+              <a:rPr lang="en-US" sz="2400" dirty="0" err="1">
+                <a:solidFill>
+                  <a:srgbClr val="FF0000"/>
+                </a:solidFill>
+                <a:latin typeface="Courier New" panose="02070309020205020404" pitchFamily="49" charset="0"/>
+                <a:cs typeface="Courier New" panose="02070309020205020404" pitchFamily="49" charset="0"/>
+              </a:rPr>
+              <a:t>comp_special</a:t>
+            </a:r>
+            <a:r>
+              <a:rPr lang="en-US" sz="2400" dirty="0">
+                <a:solidFill>
+                  <a:srgbClr val="FF0000"/>
+                </a:solidFill>
+                <a:latin typeface="Courier New" panose="02070309020205020404" pitchFamily="49" charset="0"/>
+                <a:cs typeface="Courier New" panose="02070309020205020404" pitchFamily="49" charset="0"/>
+              </a:rPr>
+              <a:t>(l, r);</a:t>
+            </a:r>
+          </a:p>
+          <a:p>
+            <a:pPr marL="0" indent="0">
+              <a:buNone/>
+            </a:pPr>
+            <a:r>
+              <a:rPr lang="en-US" sz="2400" dirty="0">
+                <a:solidFill>
+                  <a:prstClr val="black"/>
+                </a:solidFill>
+                <a:latin typeface="Courier New" panose="02070309020205020404" pitchFamily="49" charset="0"/>
+                <a:cs typeface="Courier New" panose="02070309020205020404" pitchFamily="49" charset="0"/>
+              </a:rPr>
+              <a:t>  else</a:t>
+            </a:r>
+          </a:p>
+          <a:p>
+            <a:pPr marL="0" indent="0">
+              <a:buNone/>
+            </a:pPr>
+            <a:r>
+              <a:rPr lang="en-US" sz="2400" dirty="0">
+                <a:solidFill>
+                  <a:prstClr val="black"/>
+                </a:solidFill>
+                <a:latin typeface="Courier New" panose="02070309020205020404" pitchFamily="49" charset="0"/>
+                <a:cs typeface="Courier New" panose="02070309020205020404" pitchFamily="49" charset="0"/>
+              </a:rPr>
+              <a:t>    return </a:t>
+            </a:r>
+            <a:r>
+              <a:rPr lang="en-US" sz="2400" dirty="0" err="1">
+                <a:solidFill>
+                  <a:prstClr val="black"/>
+                </a:solidFill>
+                <a:latin typeface="Courier New" panose="02070309020205020404" pitchFamily="49" charset="0"/>
+                <a:cs typeface="Courier New" panose="02070309020205020404" pitchFamily="49" charset="0"/>
+              </a:rPr>
+              <a:t>comp_normal</a:t>
+            </a:r>
+            <a:r>
+              <a:rPr lang="en-US" sz="2400" dirty="0">
+                <a:solidFill>
+                  <a:prstClr val="black"/>
+                </a:solidFill>
+                <a:latin typeface="Courier New" panose="02070309020205020404" pitchFamily="49" charset="0"/>
+                <a:cs typeface="Courier New" panose="02070309020205020404" pitchFamily="49" charset="0"/>
+              </a:rPr>
+              <a:t>(l, r);</a:t>
+            </a:r>
+          </a:p>
+          <a:p>
+            <a:pPr marL="0" indent="0">
+              <a:buNone/>
+            </a:pPr>
+            <a:r>
+              <a:rPr lang="en-US" sz="2400" dirty="0">
+                <a:solidFill>
+                  <a:prstClr val="black"/>
+                </a:solidFill>
+                <a:latin typeface="Courier New" panose="02070309020205020404" pitchFamily="49" charset="0"/>
+                <a:cs typeface="Courier New" panose="02070309020205020404" pitchFamily="49" charset="0"/>
+              </a:rPr>
+              <a:t>}</a:t>
+            </a:r>
+          </a:p>
+          <a:p>
+            <a:endParaRPr lang="en-US" dirty="0"/>
+          </a:p>
+        </p:txBody>
+      </p:sp>
+    </p:spTree>
+    <p:extLst>
+      <p:ext uri="{BB962C8B-B14F-4D97-AF65-F5344CB8AC3E}">
+        <p14:creationId xmlns:p14="http://schemas.microsoft.com/office/powerpoint/2010/main" val="1171521156"/>
+      </p:ext>
+    </p:extLst>
+  </p:cSld>
+  <p:clrMapOvr>
+    <a:masterClrMapping/>
+  </p:clrMapOvr>
+</p:sld>
+</file>
+
+<file path=ppt/slides/slide33.xml><?xml version="1.0" encoding="utf-8"?>
+<p:sld xmlns:a="http://schemas.openxmlformats.org/drawingml/2006/main" xmlns:r="http://schemas.openxmlformats.org/officeDocument/2006/relationships" xmlns:p="http://schemas.openxmlformats.org/presentationml/2006/main">
+  <p:cSld>
+    <p:spTree>
+      <p:nvGrpSpPr>
+        <p:cNvPr id="1" name=""/>
+        <p:cNvGrpSpPr/>
+        <p:nvPr/>
+      </p:nvGrpSpPr>
+      <p:grpSpPr>
+        <a:xfrm>
+          <a:off x="0" y="0"/>
+          <a:ext cx="0" cy="0"/>
+          <a:chOff x="0" y="0"/>
+          <a:chExt cx="0" cy="0"/>
+        </a:xfrm>
+      </p:grpSpPr>
+      <p:sp>
+        <p:nvSpPr>
+          <p:cNvPr id="2" name="Title 1">
+            <a:extLst>
+              <a:ext uri="{FF2B5EF4-FFF2-40B4-BE49-F238E27FC236}">
+                <a16:creationId xmlns:a16="http://schemas.microsoft.com/office/drawing/2014/main" id="{F846F1BD-7FCB-4283-AEC4-931793609E60}"/>
+              </a:ext>
+            </a:extLst>
+          </p:cNvPr>
+          <p:cNvSpPr>
+            <a:spLocks noGrp="1"/>
+          </p:cNvSpPr>
+          <p:nvPr>
+            <p:ph type="title"/>
+          </p:nvPr>
+        </p:nvSpPr>
+        <p:spPr/>
+        <p:txBody>
+          <a:bodyPr/>
+          <a:lstStyle/>
+          <a:p>
+            <a:r>
+              <a:rPr lang="ru-RU" dirty="0"/>
+              <a:t>Частые ошибки</a:t>
+            </a:r>
+            <a:r>
+              <a:rPr lang="en-US" dirty="0"/>
+              <a:t>:</a:t>
+            </a:r>
+            <a:r>
+              <a:rPr lang="ru-RU" dirty="0"/>
+              <a:t> сравнение особых объектов отдельным алгоритмом</a:t>
+            </a:r>
+            <a:endParaRPr lang="en-US" dirty="0"/>
+          </a:p>
+        </p:txBody>
+      </p:sp>
+      <p:sp>
+        <p:nvSpPr>
+          <p:cNvPr id="3" name="Content Placeholder 2">
+            <a:extLst>
+              <a:ext uri="{FF2B5EF4-FFF2-40B4-BE49-F238E27FC236}">
+                <a16:creationId xmlns:a16="http://schemas.microsoft.com/office/drawing/2014/main" id="{B5919733-7359-4FCE-BBA6-CB2E1BB87C5E}"/>
+              </a:ext>
+            </a:extLst>
+          </p:cNvPr>
+          <p:cNvSpPr>
+            <a:spLocks noGrp="1"/>
+          </p:cNvSpPr>
+          <p:nvPr>
+            <p:ph idx="1"/>
+          </p:nvPr>
+        </p:nvSpPr>
+        <p:spPr/>
+        <p:txBody>
+          <a:bodyPr>
+            <a:normAutofit fontScale="92500" lnSpcReduction="10000"/>
+          </a:bodyPr>
+          <a:lstStyle/>
+          <a:p>
+            <a:r>
+              <a:rPr lang="ru-RU" dirty="0"/>
+              <a:t>Наиболее коварная ошибка</a:t>
+            </a:r>
+            <a:endParaRPr lang="en-US" dirty="0"/>
+          </a:p>
+          <a:p>
+            <a:r>
+              <a:rPr lang="ru-RU" dirty="0"/>
+              <a:t>Очень легко нарушить условия транзитивности</a:t>
+            </a:r>
+            <a:r>
+              <a:rPr lang="en-US" dirty="0"/>
+              <a:t>:</a:t>
+            </a:r>
+            <a:endParaRPr lang="ru-RU" dirty="0"/>
+          </a:p>
+          <a:p>
+            <a:pPr lvl="1"/>
+            <a:r>
+              <a:rPr lang="ru-RU" dirty="0"/>
+              <a:t>если</a:t>
+            </a:r>
+          </a:p>
+          <a:p>
+            <a:pPr marL="914400" lvl="2" indent="0">
+              <a:buNone/>
+            </a:pPr>
+            <a:r>
+              <a:rPr lang="ru-RU" dirty="0"/>
+              <a:t>comp_special(special_obj1, special_obj2) &amp;&amp; comp_normal(special_obj2, normal_obj)</a:t>
+            </a:r>
+          </a:p>
+          <a:p>
+            <a:pPr lvl="1"/>
+            <a:r>
+              <a:rPr lang="ru-RU" dirty="0"/>
+              <a:t>то должно быть</a:t>
+            </a:r>
+          </a:p>
+          <a:p>
+            <a:pPr marL="914400" lvl="2" indent="0">
+              <a:buNone/>
+            </a:pPr>
+            <a:r>
+              <a:rPr lang="ru-RU" dirty="0"/>
+              <a:t>comp_normal(special_obj1, normal_obj)</a:t>
+            </a:r>
+          </a:p>
+          <a:p>
+            <a:r>
+              <a:rPr lang="ru-RU" dirty="0"/>
+              <a:t>Но часто это не выполняется</a:t>
+            </a:r>
+            <a:r>
+              <a:rPr lang="en-US" dirty="0"/>
+              <a:t>:</a:t>
+            </a:r>
+          </a:p>
+          <a:p>
+            <a:pPr lvl="1"/>
+            <a:r>
+              <a:rPr lang="ru-RU" dirty="0"/>
+              <a:t>comp_special и comp_normal как правило логически (и алгоритмически) никак не связаны между собой</a:t>
+            </a:r>
+          </a:p>
+          <a:p>
+            <a:pPr lvl="1"/>
+            <a:r>
+              <a:rPr lang="ru-RU" dirty="0"/>
+              <a:t>обычно они сравнивают совершенно разные поля объектов</a:t>
+            </a:r>
+          </a:p>
+          <a:p>
+            <a:r>
+              <a:rPr lang="ru-RU" dirty="0"/>
+              <a:t>Пример из жизни:</a:t>
+            </a:r>
+            <a:endParaRPr lang="en-US" dirty="0"/>
+          </a:p>
+          <a:p>
+            <a:pPr lvl="1"/>
+            <a:r>
+              <a:rPr lang="ru-RU" dirty="0">
+                <a:hlinkClick r:id="rId2"/>
+              </a:rPr>
+              <a:t>https://gcc.gnu.org/bugzilla/show_bug.cgi?id=68988</a:t>
+            </a:r>
+            <a:r>
+              <a:rPr lang="en-US" dirty="0"/>
+              <a:t> </a:t>
+            </a:r>
+            <a:endParaRPr lang="ru-RU" dirty="0"/>
+          </a:p>
+          <a:p>
+            <a:endParaRPr lang="en-US" dirty="0"/>
+          </a:p>
+        </p:txBody>
+      </p:sp>
+    </p:spTree>
+    <p:extLst>
+      <p:ext uri="{BB962C8B-B14F-4D97-AF65-F5344CB8AC3E}">
+        <p14:creationId xmlns:p14="http://schemas.microsoft.com/office/powerpoint/2010/main" val="2158512306"/>
       </p:ext>
     </p:extLst>
   </p:cSld>

--- a/2023/RU.pptx
+++ b/2023/RU.pptx
@@ -38,6 +38,17 @@
     <p:sldId id="285" r:id="rId32"/>
     <p:sldId id="286" r:id="rId33"/>
     <p:sldId id="287" r:id="rId34"/>
+    <p:sldId id="289" r:id="rId35"/>
+    <p:sldId id="290" r:id="rId36"/>
+    <p:sldId id="291" r:id="rId37"/>
+    <p:sldId id="292" r:id="rId38"/>
+    <p:sldId id="293" r:id="rId39"/>
+    <p:sldId id="294" r:id="rId40"/>
+    <p:sldId id="295" r:id="rId41"/>
+    <p:sldId id="296" r:id="rId42"/>
+    <p:sldId id="298" r:id="rId43"/>
+    <p:sldId id="297" r:id="rId44"/>
+    <p:sldId id="299" r:id="rId45"/>
   </p:sldIdLst>
   <p:sldSz cx="12192000" cy="6858000"/>
   <p:notesSz cx="6858000" cy="9144000"/>
@@ -303,7 +314,7 @@
           <a:p>
             <a:fld id="{689FC7A7-397F-48E4-A06C-F522986685D6}" type="datetimeFigureOut">
               <a:rPr lang="en-US" smtClean="0"/>
-              <a:t>4/12/2023</a:t>
+              <a:t>4/13/2023</a:t>
             </a:fld>
             <a:endParaRPr lang="en-US"/>
           </a:p>
@@ -501,7 +512,7 @@
           <a:p>
             <a:fld id="{689FC7A7-397F-48E4-A06C-F522986685D6}" type="datetimeFigureOut">
               <a:rPr lang="en-US" smtClean="0"/>
-              <a:t>4/12/2023</a:t>
+              <a:t>4/13/2023</a:t>
             </a:fld>
             <a:endParaRPr lang="en-US"/>
           </a:p>
@@ -709,7 +720,7 @@
           <a:p>
             <a:fld id="{689FC7A7-397F-48E4-A06C-F522986685D6}" type="datetimeFigureOut">
               <a:rPr lang="en-US" smtClean="0"/>
-              <a:t>4/12/2023</a:t>
+              <a:t>4/13/2023</a:t>
             </a:fld>
             <a:endParaRPr lang="en-US"/>
           </a:p>
@@ -907,7 +918,7 @@
           <a:p>
             <a:fld id="{689FC7A7-397F-48E4-A06C-F522986685D6}" type="datetimeFigureOut">
               <a:rPr lang="en-US" smtClean="0"/>
-              <a:t>4/12/2023</a:t>
+              <a:t>4/13/2023</a:t>
             </a:fld>
             <a:endParaRPr lang="en-US"/>
           </a:p>
@@ -1182,7 +1193,7 @@
           <a:p>
             <a:fld id="{689FC7A7-397F-48E4-A06C-F522986685D6}" type="datetimeFigureOut">
               <a:rPr lang="en-US" smtClean="0"/>
-              <a:t>4/12/2023</a:t>
+              <a:t>4/13/2023</a:t>
             </a:fld>
             <a:endParaRPr lang="en-US"/>
           </a:p>
@@ -1447,7 +1458,7 @@
           <a:p>
             <a:fld id="{689FC7A7-397F-48E4-A06C-F522986685D6}" type="datetimeFigureOut">
               <a:rPr lang="en-US" smtClean="0"/>
-              <a:t>4/12/2023</a:t>
+              <a:t>4/13/2023</a:t>
             </a:fld>
             <a:endParaRPr lang="en-US"/>
           </a:p>
@@ -1859,7 +1870,7 @@
           <a:p>
             <a:fld id="{689FC7A7-397F-48E4-A06C-F522986685D6}" type="datetimeFigureOut">
               <a:rPr lang="en-US" smtClean="0"/>
-              <a:t>4/12/2023</a:t>
+              <a:t>4/13/2023</a:t>
             </a:fld>
             <a:endParaRPr lang="en-US"/>
           </a:p>
@@ -2000,7 +2011,7 @@
           <a:p>
             <a:fld id="{689FC7A7-397F-48E4-A06C-F522986685D6}" type="datetimeFigureOut">
               <a:rPr lang="en-US" smtClean="0"/>
-              <a:t>4/12/2023</a:t>
+              <a:t>4/13/2023</a:t>
             </a:fld>
             <a:endParaRPr lang="en-US"/>
           </a:p>
@@ -2113,7 +2124,7 @@
           <a:p>
             <a:fld id="{689FC7A7-397F-48E4-A06C-F522986685D6}" type="datetimeFigureOut">
               <a:rPr lang="en-US" smtClean="0"/>
-              <a:t>4/12/2023</a:t>
+              <a:t>4/13/2023</a:t>
             </a:fld>
             <a:endParaRPr lang="en-US"/>
           </a:p>
@@ -2424,7 +2435,7 @@
           <a:p>
             <a:fld id="{689FC7A7-397F-48E4-A06C-F522986685D6}" type="datetimeFigureOut">
               <a:rPr lang="en-US" smtClean="0"/>
-              <a:t>4/12/2023</a:t>
+              <a:t>4/13/2023</a:t>
             </a:fld>
             <a:endParaRPr lang="en-US"/>
           </a:p>
@@ -2712,7 +2723,7 @@
           <a:p>
             <a:fld id="{689FC7A7-397F-48E4-A06C-F522986685D6}" type="datetimeFigureOut">
               <a:rPr lang="en-US" smtClean="0"/>
-              <a:t>4/12/2023</a:t>
+              <a:t>4/13/2023</a:t>
             </a:fld>
             <a:endParaRPr lang="en-US"/>
           </a:p>
@@ -2953,7 +2964,7 @@
           <a:p>
             <a:fld id="{689FC7A7-397F-48E4-A06C-F522986685D6}" type="datetimeFigureOut">
               <a:rPr lang="en-US" smtClean="0"/>
-              <a:t>4/12/2023</a:t>
+              <a:t>4/13/2023</a:t>
             </a:fld>
             <a:endParaRPr lang="en-US"/>
           </a:p>
@@ -3420,6 +3431,10 @@
           <a:bodyPr/>
           <a:lstStyle/>
           <a:p>
+            <a:r>
+              <a:rPr lang="ru-RU" dirty="0"/>
+              <a:t>Юрий Грибов</a:t>
+            </a:r>
             <a:endParaRPr lang="en-US" dirty="0"/>
           </a:p>
         </p:txBody>
@@ -9237,6 +9252,1656 @@
 </p:sld>
 </file>
 
+<file path=ppt/slides/slide34.xml><?xml version="1.0" encoding="utf-8"?>
+<p:sld xmlns:a="http://schemas.openxmlformats.org/drawingml/2006/main" xmlns:r="http://schemas.openxmlformats.org/officeDocument/2006/relationships" xmlns:p="http://schemas.openxmlformats.org/presentationml/2006/main">
+  <p:cSld>
+    <p:spTree>
+      <p:nvGrpSpPr>
+        <p:cNvPr id="1" name=""/>
+        <p:cNvGrpSpPr/>
+        <p:nvPr/>
+      </p:nvGrpSpPr>
+      <p:grpSpPr>
+        <a:xfrm>
+          <a:off x="0" y="0"/>
+          <a:ext cx="0" cy="0"/>
+          <a:chOff x="0" y="0"/>
+          <a:chExt cx="0" cy="0"/>
+        </a:xfrm>
+      </p:grpSpPr>
+      <p:sp>
+        <p:nvSpPr>
+          <p:cNvPr id="2" name="Title 1">
+            <a:extLst>
+              <a:ext uri="{FF2B5EF4-FFF2-40B4-BE49-F238E27FC236}">
+                <a16:creationId xmlns:a16="http://schemas.microsoft.com/office/drawing/2014/main" id="{C572B7C5-26C8-417A-B322-BAD4ADCDD4BC}"/>
+              </a:ext>
+            </a:extLst>
+          </p:cNvPr>
+          <p:cNvSpPr>
+            <a:spLocks noGrp="1"/>
+          </p:cNvSpPr>
+          <p:nvPr>
+            <p:ph type="title"/>
+          </p:nvPr>
+        </p:nvSpPr>
+        <p:spPr/>
+        <p:txBody>
+          <a:bodyPr/>
+          <a:lstStyle/>
+          <a:p>
+            <a:r>
+              <a:rPr lang="ru-RU" dirty="0"/>
+              <a:t>Отладочные средства в тулчейнах</a:t>
+            </a:r>
+            <a:r>
+              <a:rPr lang="en-US" dirty="0"/>
+              <a:t>: </a:t>
+            </a:r>
+            <a:r>
+              <a:rPr lang="en-US" dirty="0" err="1"/>
+              <a:t>libstdc</a:t>
+            </a:r>
+            <a:r>
+              <a:rPr lang="en-US" dirty="0"/>
+              <a:t>++</a:t>
+            </a:r>
+          </a:p>
+        </p:txBody>
+      </p:sp>
+      <p:sp>
+        <p:nvSpPr>
+          <p:cNvPr id="3" name="Content Placeholder 2">
+            <a:extLst>
+              <a:ext uri="{FF2B5EF4-FFF2-40B4-BE49-F238E27FC236}">
+                <a16:creationId xmlns:a16="http://schemas.microsoft.com/office/drawing/2014/main" id="{8CB3EC1B-4E2F-4E54-9737-BE0C2AC98666}"/>
+              </a:ext>
+            </a:extLst>
+          </p:cNvPr>
+          <p:cNvSpPr>
+            <a:spLocks noGrp="1"/>
+          </p:cNvSpPr>
+          <p:nvPr>
+            <p:ph idx="1"/>
+          </p:nvPr>
+        </p:nvSpPr>
+        <p:spPr/>
+        <p:txBody>
+          <a:bodyPr>
+            <a:normAutofit fontScale="77500" lnSpcReduction="20000"/>
+          </a:bodyPr>
+          <a:lstStyle/>
+          <a:p>
+            <a:r>
+              <a:rPr lang="ru-RU" dirty="0"/>
+              <a:t>В </a:t>
+            </a:r>
+            <a:r>
+              <a:rPr lang="en-US" dirty="0" err="1"/>
+              <a:t>libstdc</a:t>
+            </a:r>
+            <a:r>
+              <a:rPr lang="en-US" dirty="0"/>
+              <a:t>++ </a:t>
+            </a:r>
+            <a:r>
+              <a:rPr lang="ru-RU" dirty="0"/>
+              <a:t>с помощью макроса </a:t>
+            </a:r>
+            <a:r>
+              <a:rPr lang="ru-RU" dirty="0">
+                <a:latin typeface="Courier New" panose="02070309020205020404" pitchFamily="49" charset="0"/>
+                <a:cs typeface="Courier New" panose="02070309020205020404" pitchFamily="49" charset="0"/>
+              </a:rPr>
+              <a:t>-</a:t>
+            </a:r>
+            <a:r>
+              <a:rPr lang="en-US" dirty="0">
+                <a:latin typeface="Courier New" panose="02070309020205020404" pitchFamily="49" charset="0"/>
+                <a:cs typeface="Courier New" panose="02070309020205020404" pitchFamily="49" charset="0"/>
+              </a:rPr>
+              <a:t>D_GLIBCXX_DEBUG</a:t>
+            </a:r>
+            <a:r>
+              <a:rPr lang="en-US" dirty="0"/>
+              <a:t> </a:t>
+            </a:r>
+            <a:r>
+              <a:rPr lang="ru-RU" dirty="0"/>
+              <a:t>можно включить дополнительную проверку</a:t>
+            </a:r>
+            <a:r>
+              <a:rPr lang="en-US" dirty="0"/>
+              <a:t> </a:t>
+            </a:r>
+            <a:r>
+              <a:rPr lang="ru-RU" dirty="0"/>
+              <a:t>иррефлексивности</a:t>
+            </a:r>
+          </a:p>
+          <a:p>
+            <a:r>
+              <a:rPr lang="ru-RU" dirty="0"/>
+              <a:t>Она бы нашла ошибку из начала презентации</a:t>
+            </a:r>
+            <a:endParaRPr lang="en-US" dirty="0"/>
+          </a:p>
+          <a:p>
+            <a:pPr marL="457200" lvl="1" indent="0">
+              <a:buNone/>
+            </a:pPr>
+            <a:r>
+              <a:rPr lang="ru-RU" dirty="0">
+                <a:latin typeface="Courier New" panose="02070309020205020404" pitchFamily="49" charset="0"/>
+                <a:cs typeface="Courier New" panose="02070309020205020404" pitchFamily="49" charset="0"/>
+              </a:rPr>
+              <a:t>$ </a:t>
+            </a:r>
+            <a:r>
+              <a:rPr lang="en-US" dirty="0">
+                <a:latin typeface="Courier New" panose="02070309020205020404" pitchFamily="49" charset="0"/>
+                <a:cs typeface="Courier New" panose="02070309020205020404" pitchFamily="49" charset="0"/>
+              </a:rPr>
+              <a:t>cat /</a:t>
+            </a:r>
+            <a:r>
+              <a:rPr lang="en-US" dirty="0" err="1">
+                <a:latin typeface="Courier New" panose="02070309020205020404" pitchFamily="49" charset="0"/>
+                <a:cs typeface="Courier New" panose="02070309020205020404" pitchFamily="49" charset="0"/>
+              </a:rPr>
+              <a:t>usr</a:t>
+            </a:r>
+            <a:r>
+              <a:rPr lang="en-US" dirty="0">
+                <a:latin typeface="Courier New" panose="02070309020205020404" pitchFamily="49" charset="0"/>
+                <a:cs typeface="Courier New" panose="02070309020205020404" pitchFamily="49" charset="0"/>
+              </a:rPr>
+              <a:t>/include/</a:t>
+            </a:r>
+            <a:r>
+              <a:rPr lang="en-US" dirty="0" err="1">
+                <a:latin typeface="Courier New" panose="02070309020205020404" pitchFamily="49" charset="0"/>
+                <a:cs typeface="Courier New" panose="02070309020205020404" pitchFamily="49" charset="0"/>
+              </a:rPr>
+              <a:t>c++</a:t>
+            </a:r>
+            <a:r>
+              <a:rPr lang="en-US" dirty="0">
+                <a:latin typeface="Courier New" panose="02070309020205020404" pitchFamily="49" charset="0"/>
+                <a:cs typeface="Courier New" panose="02070309020205020404" pitchFamily="49" charset="0"/>
+              </a:rPr>
+              <a:t>/10/bits/</a:t>
+            </a:r>
+            <a:r>
+              <a:rPr lang="en-US" dirty="0" err="1">
+                <a:latin typeface="Courier New" panose="02070309020205020404" pitchFamily="49" charset="0"/>
+                <a:cs typeface="Courier New" panose="02070309020205020404" pitchFamily="49" charset="0"/>
+              </a:rPr>
+              <a:t>stl_algo.h</a:t>
+            </a:r>
+            <a:endParaRPr lang="en-US" dirty="0">
+              <a:latin typeface="Courier New" panose="02070309020205020404" pitchFamily="49" charset="0"/>
+              <a:cs typeface="Courier New" panose="02070309020205020404" pitchFamily="49" charset="0"/>
+            </a:endParaRPr>
+          </a:p>
+          <a:p>
+            <a:pPr marL="457200" lvl="1" indent="0">
+              <a:buNone/>
+            </a:pPr>
+            <a:r>
+              <a:rPr lang="en-US" dirty="0">
+                <a:latin typeface="Courier New" panose="02070309020205020404" pitchFamily="49" charset="0"/>
+                <a:cs typeface="Courier New" panose="02070309020205020404" pitchFamily="49" charset="0"/>
+              </a:rPr>
+              <a:t>...</a:t>
+            </a:r>
+          </a:p>
+          <a:p>
+            <a:pPr marL="457200" lvl="1" indent="0">
+              <a:buNone/>
+            </a:pPr>
+            <a:r>
+              <a:rPr lang="en-US" dirty="0">
+                <a:latin typeface="Courier New" panose="02070309020205020404" pitchFamily="49" charset="0"/>
+                <a:cs typeface="Courier New" panose="02070309020205020404" pitchFamily="49" charset="0"/>
+              </a:rPr>
+              <a:t>inline void</a:t>
+            </a:r>
+          </a:p>
+          <a:p>
+            <a:pPr marL="457200" lvl="1" indent="0">
+              <a:buNone/>
+            </a:pPr>
+            <a:r>
+              <a:rPr lang="en-US" dirty="0">
+                <a:latin typeface="Courier New" panose="02070309020205020404" pitchFamily="49" charset="0"/>
+                <a:cs typeface="Courier New" panose="02070309020205020404" pitchFamily="49" charset="0"/>
+              </a:rPr>
+              <a:t>sort(_</a:t>
+            </a:r>
+            <a:r>
+              <a:rPr lang="en-US" dirty="0" err="1">
+                <a:latin typeface="Courier New" panose="02070309020205020404" pitchFamily="49" charset="0"/>
+                <a:cs typeface="Courier New" panose="02070309020205020404" pitchFamily="49" charset="0"/>
+              </a:rPr>
+              <a:t>RandomAccessIterator</a:t>
+            </a:r>
+            <a:r>
+              <a:rPr lang="en-US" dirty="0">
+                <a:latin typeface="Courier New" panose="02070309020205020404" pitchFamily="49" charset="0"/>
+                <a:cs typeface="Courier New" panose="02070309020205020404" pitchFamily="49" charset="0"/>
+              </a:rPr>
+              <a:t> __first, _</a:t>
+            </a:r>
+            <a:r>
+              <a:rPr lang="en-US" dirty="0" err="1">
+                <a:latin typeface="Courier New" panose="02070309020205020404" pitchFamily="49" charset="0"/>
+                <a:cs typeface="Courier New" panose="02070309020205020404" pitchFamily="49" charset="0"/>
+              </a:rPr>
+              <a:t>RandomAccessIterator</a:t>
+            </a:r>
+            <a:r>
+              <a:rPr lang="en-US" dirty="0">
+                <a:latin typeface="Courier New" panose="02070309020205020404" pitchFamily="49" charset="0"/>
+                <a:cs typeface="Courier New" panose="02070309020205020404" pitchFamily="49" charset="0"/>
+              </a:rPr>
+              <a:t> __last,</a:t>
+            </a:r>
+          </a:p>
+          <a:p>
+            <a:pPr marL="457200" lvl="1" indent="0">
+              <a:buNone/>
+            </a:pPr>
+            <a:r>
+              <a:rPr lang="en-US" dirty="0">
+                <a:latin typeface="Courier New" panose="02070309020205020404" pitchFamily="49" charset="0"/>
+                <a:cs typeface="Courier New" panose="02070309020205020404" pitchFamily="49" charset="0"/>
+              </a:rPr>
+              <a:t>     _Compare __comp)</a:t>
+            </a:r>
+          </a:p>
+          <a:p>
+            <a:pPr marL="457200" lvl="1" indent="0">
+              <a:buNone/>
+            </a:pPr>
+            <a:r>
+              <a:rPr lang="en-US" dirty="0">
+                <a:latin typeface="Courier New" panose="02070309020205020404" pitchFamily="49" charset="0"/>
+                <a:cs typeface="Courier New" panose="02070309020205020404" pitchFamily="49" charset="0"/>
+              </a:rPr>
+              <a:t>{</a:t>
+            </a:r>
+          </a:p>
+          <a:p>
+            <a:pPr marL="457200" lvl="1" indent="0">
+              <a:buNone/>
+            </a:pPr>
+            <a:r>
+              <a:rPr lang="en-US" dirty="0">
+                <a:latin typeface="Courier New" panose="02070309020205020404" pitchFamily="49" charset="0"/>
+                <a:cs typeface="Courier New" panose="02070309020205020404" pitchFamily="49" charset="0"/>
+              </a:rPr>
+              <a:t>  ...</a:t>
+            </a:r>
+          </a:p>
+          <a:p>
+            <a:pPr marL="457200" lvl="1" indent="0">
+              <a:buNone/>
+            </a:pPr>
+            <a:r>
+              <a:rPr lang="en-US" b="1" dirty="0">
+                <a:latin typeface="Courier New" panose="02070309020205020404" pitchFamily="49" charset="0"/>
+                <a:cs typeface="Courier New" panose="02070309020205020404" pitchFamily="49" charset="0"/>
+              </a:rPr>
+              <a:t>  __</a:t>
+            </a:r>
+            <a:r>
+              <a:rPr lang="en-US" b="1" dirty="0" err="1">
+                <a:latin typeface="Courier New" panose="02070309020205020404" pitchFamily="49" charset="0"/>
+                <a:cs typeface="Courier New" panose="02070309020205020404" pitchFamily="49" charset="0"/>
+              </a:rPr>
+              <a:t>glibcxx_requires_irreflexive_pred</a:t>
+            </a:r>
+            <a:r>
+              <a:rPr lang="en-US" b="1" dirty="0">
+                <a:latin typeface="Courier New" panose="02070309020205020404" pitchFamily="49" charset="0"/>
+                <a:cs typeface="Courier New" panose="02070309020205020404" pitchFamily="49" charset="0"/>
+              </a:rPr>
+              <a:t>(__first, __last, __comp);</a:t>
+            </a:r>
+          </a:p>
+          <a:p>
+            <a:pPr marL="457200" lvl="1" indent="0">
+              <a:buNone/>
+            </a:pPr>
+            <a:endParaRPr lang="en-US" dirty="0">
+              <a:latin typeface="Courier New" panose="02070309020205020404" pitchFamily="49" charset="0"/>
+              <a:cs typeface="Courier New" panose="02070309020205020404" pitchFamily="49" charset="0"/>
+            </a:endParaRPr>
+          </a:p>
+          <a:p>
+            <a:pPr marL="457200" lvl="1" indent="0">
+              <a:buNone/>
+            </a:pPr>
+            <a:r>
+              <a:rPr lang="en-US" dirty="0">
+                <a:latin typeface="Courier New" panose="02070309020205020404" pitchFamily="49" charset="0"/>
+                <a:cs typeface="Courier New" panose="02070309020205020404" pitchFamily="49" charset="0"/>
+              </a:rPr>
+              <a:t>  std::__sort(__first, __last, __</a:t>
+            </a:r>
+            <a:r>
+              <a:rPr lang="en-US" dirty="0" err="1">
+                <a:latin typeface="Courier New" panose="02070309020205020404" pitchFamily="49" charset="0"/>
+                <a:cs typeface="Courier New" panose="02070309020205020404" pitchFamily="49" charset="0"/>
+              </a:rPr>
+              <a:t>gnu_cxx</a:t>
+            </a:r>
+            <a:r>
+              <a:rPr lang="en-US" dirty="0">
+                <a:latin typeface="Courier New" panose="02070309020205020404" pitchFamily="49" charset="0"/>
+                <a:cs typeface="Courier New" panose="02070309020205020404" pitchFamily="49" charset="0"/>
+              </a:rPr>
+              <a:t>::__ops::__</a:t>
+            </a:r>
+            <a:r>
+              <a:rPr lang="en-US" dirty="0" err="1">
+                <a:latin typeface="Courier New" panose="02070309020205020404" pitchFamily="49" charset="0"/>
+                <a:cs typeface="Courier New" panose="02070309020205020404" pitchFamily="49" charset="0"/>
+              </a:rPr>
+              <a:t>iter_comp_iter</a:t>
+            </a:r>
+            <a:r>
+              <a:rPr lang="en-US" dirty="0">
+                <a:latin typeface="Courier New" panose="02070309020205020404" pitchFamily="49" charset="0"/>
+                <a:cs typeface="Courier New" panose="02070309020205020404" pitchFamily="49" charset="0"/>
+              </a:rPr>
+              <a:t>(__comp));</a:t>
+            </a:r>
+          </a:p>
+          <a:p>
+            <a:pPr marL="457200" lvl="1" indent="0">
+              <a:buNone/>
+            </a:pPr>
+            <a:r>
+              <a:rPr lang="en-US" dirty="0">
+                <a:latin typeface="Courier New" panose="02070309020205020404" pitchFamily="49" charset="0"/>
+                <a:cs typeface="Courier New" panose="02070309020205020404" pitchFamily="49" charset="0"/>
+              </a:rPr>
+              <a:t>}</a:t>
+            </a:r>
+          </a:p>
+          <a:p>
+            <a:pPr marL="457200" lvl="1" indent="0">
+              <a:buNone/>
+            </a:pPr>
+            <a:r>
+              <a:rPr lang="en-US" dirty="0">
+                <a:latin typeface="Courier New" panose="02070309020205020404" pitchFamily="49" charset="0"/>
+                <a:cs typeface="Courier New" panose="02070309020205020404" pitchFamily="49" charset="0"/>
+              </a:rPr>
+              <a:t>...</a:t>
+            </a:r>
+          </a:p>
+          <a:p>
+            <a:endParaRPr lang="en-US" dirty="0"/>
+          </a:p>
+        </p:txBody>
+      </p:sp>
+    </p:spTree>
+    <p:extLst>
+      <p:ext uri="{BB962C8B-B14F-4D97-AF65-F5344CB8AC3E}">
+        <p14:creationId xmlns:p14="http://schemas.microsoft.com/office/powerpoint/2010/main" val="940407668"/>
+      </p:ext>
+    </p:extLst>
+  </p:cSld>
+  <p:clrMapOvr>
+    <a:masterClrMapping/>
+  </p:clrMapOvr>
+</p:sld>
+</file>
+
+<file path=ppt/slides/slide35.xml><?xml version="1.0" encoding="utf-8"?>
+<p:sld xmlns:a="http://schemas.openxmlformats.org/drawingml/2006/main" xmlns:r="http://schemas.openxmlformats.org/officeDocument/2006/relationships" xmlns:p="http://schemas.openxmlformats.org/presentationml/2006/main">
+  <p:cSld>
+    <p:spTree>
+      <p:nvGrpSpPr>
+        <p:cNvPr id="1" name=""/>
+        <p:cNvGrpSpPr/>
+        <p:nvPr/>
+      </p:nvGrpSpPr>
+      <p:grpSpPr>
+        <a:xfrm>
+          <a:off x="0" y="0"/>
+          <a:ext cx="0" cy="0"/>
+          <a:chOff x="0" y="0"/>
+          <a:chExt cx="0" cy="0"/>
+        </a:xfrm>
+      </p:grpSpPr>
+      <p:sp>
+        <p:nvSpPr>
+          <p:cNvPr id="2" name="Title 1">
+            <a:extLst>
+              <a:ext uri="{FF2B5EF4-FFF2-40B4-BE49-F238E27FC236}">
+                <a16:creationId xmlns:a16="http://schemas.microsoft.com/office/drawing/2014/main" id="{90AF9C42-A8FB-49B7-B3E9-A85A270B270D}"/>
+              </a:ext>
+            </a:extLst>
+          </p:cNvPr>
+          <p:cNvSpPr>
+            <a:spLocks noGrp="1"/>
+          </p:cNvSpPr>
+          <p:nvPr>
+            <p:ph type="title"/>
+          </p:nvPr>
+        </p:nvSpPr>
+        <p:spPr/>
+        <p:txBody>
+          <a:bodyPr/>
+          <a:lstStyle/>
+          <a:p>
+            <a:r>
+              <a:rPr lang="ru-RU" dirty="0"/>
+              <a:t>Отладочные средства в тулчейнах</a:t>
+            </a:r>
+            <a:r>
+              <a:rPr lang="en-US" dirty="0"/>
+              <a:t>: </a:t>
+            </a:r>
+            <a:r>
+              <a:rPr lang="en-US" dirty="0" err="1"/>
+              <a:t>libc</a:t>
+            </a:r>
+            <a:r>
+              <a:rPr lang="en-US" dirty="0"/>
+              <a:t>++</a:t>
+            </a:r>
+          </a:p>
+        </p:txBody>
+      </p:sp>
+      <p:sp>
+        <p:nvSpPr>
+          <p:cNvPr id="3" name="Content Placeholder 2">
+            <a:extLst>
+              <a:ext uri="{FF2B5EF4-FFF2-40B4-BE49-F238E27FC236}">
+                <a16:creationId xmlns:a16="http://schemas.microsoft.com/office/drawing/2014/main" id="{60F45A8E-5784-4609-B17E-EC6BDA0B3092}"/>
+              </a:ext>
+            </a:extLst>
+          </p:cNvPr>
+          <p:cNvSpPr>
+            <a:spLocks noGrp="1"/>
+          </p:cNvSpPr>
+          <p:nvPr>
+            <p:ph idx="1"/>
+          </p:nvPr>
+        </p:nvSpPr>
+        <p:spPr/>
+        <p:txBody>
+          <a:bodyPr/>
+          <a:lstStyle/>
+          <a:p>
+            <a:r>
+              <a:rPr lang="ru-RU" dirty="0"/>
+              <a:t>В </a:t>
+            </a:r>
+            <a:r>
+              <a:rPr lang="en-US" dirty="0" err="1"/>
+              <a:t>libc</a:t>
+            </a:r>
+            <a:r>
+              <a:rPr lang="en-US" dirty="0"/>
+              <a:t>++ </a:t>
+            </a:r>
+            <a:r>
+              <a:rPr lang="ru-RU" dirty="0"/>
+              <a:t>с помощью макроса </a:t>
+            </a:r>
+            <a:r>
+              <a:rPr lang="en-US" dirty="0"/>
+              <a:t>-D_LIBCPP_ENABLE_DEBUG_MODE </a:t>
+            </a:r>
+            <a:r>
+              <a:rPr lang="ru-RU" dirty="0"/>
+              <a:t>можно включить проверку асимметричности</a:t>
+            </a:r>
+            <a:r>
+              <a:rPr lang="en-US" dirty="0"/>
+              <a:t>:</a:t>
+            </a:r>
+          </a:p>
+        </p:txBody>
+      </p:sp>
+      <p:pic>
+        <p:nvPicPr>
+          <p:cNvPr id="5" name="Picture 4">
+            <a:extLst>
+              <a:ext uri="{FF2B5EF4-FFF2-40B4-BE49-F238E27FC236}">
+                <a16:creationId xmlns:a16="http://schemas.microsoft.com/office/drawing/2014/main" id="{9CC0E61B-B82C-4D3F-96D4-FBDFFA514E4A}"/>
+              </a:ext>
+            </a:extLst>
+          </p:cNvPr>
+          <p:cNvPicPr>
+            <a:picLocks noChangeAspect="1"/>
+          </p:cNvPicPr>
+          <p:nvPr/>
+        </p:nvPicPr>
+        <p:blipFill>
+          <a:blip r:embed="rId2"/>
+          <a:stretch>
+            <a:fillRect/>
+          </a:stretch>
+        </p:blipFill>
+        <p:spPr>
+          <a:xfrm>
+            <a:off x="838200" y="2822814"/>
+            <a:ext cx="10363200" cy="1212372"/>
+          </a:xfrm>
+          <a:prstGeom prst="rect">
+            <a:avLst/>
+          </a:prstGeom>
+        </p:spPr>
+      </p:pic>
+    </p:spTree>
+    <p:extLst>
+      <p:ext uri="{BB962C8B-B14F-4D97-AF65-F5344CB8AC3E}">
+        <p14:creationId xmlns:p14="http://schemas.microsoft.com/office/powerpoint/2010/main" val="3928998900"/>
+      </p:ext>
+    </p:extLst>
+  </p:cSld>
+  <p:clrMapOvr>
+    <a:masterClrMapping/>
+  </p:clrMapOvr>
+</p:sld>
+</file>
+
+<file path=ppt/slides/slide36.xml><?xml version="1.0" encoding="utf-8"?>
+<p:sld xmlns:a="http://schemas.openxmlformats.org/drawingml/2006/main" xmlns:r="http://schemas.openxmlformats.org/officeDocument/2006/relationships" xmlns:p="http://schemas.openxmlformats.org/presentationml/2006/main">
+  <p:cSld>
+    <p:spTree>
+      <p:nvGrpSpPr>
+        <p:cNvPr id="1" name=""/>
+        <p:cNvGrpSpPr/>
+        <p:nvPr/>
+      </p:nvGrpSpPr>
+      <p:grpSpPr>
+        <a:xfrm>
+          <a:off x="0" y="0"/>
+          <a:ext cx="0" cy="0"/>
+          <a:chOff x="0" y="0"/>
+          <a:chExt cx="0" cy="0"/>
+        </a:xfrm>
+      </p:grpSpPr>
+      <p:sp>
+        <p:nvSpPr>
+          <p:cNvPr id="2" name="Title 1">
+            <a:extLst>
+              <a:ext uri="{FF2B5EF4-FFF2-40B4-BE49-F238E27FC236}">
+                <a16:creationId xmlns:a16="http://schemas.microsoft.com/office/drawing/2014/main" id="{4779B8ED-1F29-4D30-B331-C3400270FDF0}"/>
+              </a:ext>
+            </a:extLst>
+          </p:cNvPr>
+          <p:cNvSpPr>
+            <a:spLocks noGrp="1"/>
+          </p:cNvSpPr>
+          <p:nvPr>
+            <p:ph type="title"/>
+          </p:nvPr>
+        </p:nvSpPr>
+        <p:spPr/>
+        <p:txBody>
+          <a:bodyPr/>
+          <a:lstStyle/>
+          <a:p>
+            <a:r>
+              <a:rPr lang="ru-RU" dirty="0"/>
+              <a:t>Отладочные средства в тулчейнах</a:t>
+            </a:r>
+            <a:endParaRPr lang="en-US" dirty="0"/>
+          </a:p>
+        </p:txBody>
+      </p:sp>
+      <p:sp>
+        <p:nvSpPr>
+          <p:cNvPr id="3" name="Content Placeholder 2">
+            <a:extLst>
+              <a:ext uri="{FF2B5EF4-FFF2-40B4-BE49-F238E27FC236}">
+                <a16:creationId xmlns:a16="http://schemas.microsoft.com/office/drawing/2014/main" id="{58F9ABFF-6BB7-4FB9-989A-8FA4CD7D38CB}"/>
+              </a:ext>
+            </a:extLst>
+          </p:cNvPr>
+          <p:cNvSpPr>
+            <a:spLocks noGrp="1"/>
+          </p:cNvSpPr>
+          <p:nvPr>
+            <p:ph idx="1"/>
+          </p:nvPr>
+        </p:nvSpPr>
+        <p:spPr/>
+        <p:txBody>
+          <a:bodyPr/>
+          <a:lstStyle/>
+          <a:p>
+            <a:r>
+              <a:rPr lang="ru-RU" dirty="0"/>
+              <a:t>Обе опции имеют существенные (2</a:t>
+            </a:r>
+            <a:r>
+              <a:rPr lang="en-US" dirty="0"/>
+              <a:t>x) </a:t>
+            </a:r>
+            <a:r>
+              <a:rPr lang="ru-RU" dirty="0"/>
+              <a:t>накладные расходы</a:t>
+            </a:r>
+            <a:endParaRPr lang="en-US" dirty="0"/>
+          </a:p>
+          <a:p>
+            <a:r>
+              <a:rPr lang="ru-RU" dirty="0"/>
+              <a:t>Рекомендуется использовать только для тестирования</a:t>
+            </a:r>
+            <a:endParaRPr lang="en-US" dirty="0"/>
+          </a:p>
+          <a:p>
+            <a:r>
+              <a:rPr lang="ru-RU" dirty="0"/>
+              <a:t>Чекеры компараторов не должны менять алгоритмическую сложность алгоритма (O(N*logN)) и поэтому не могут провести полную проверку корректности</a:t>
+            </a:r>
+          </a:p>
+          <a:p>
+            <a:pPr lvl="1"/>
+            <a:r>
+              <a:rPr lang="ru-RU" dirty="0"/>
+              <a:t>Например проверку аксиом транзитивности</a:t>
+            </a:r>
+          </a:p>
+          <a:p>
+            <a:endParaRPr lang="en-US" dirty="0"/>
+          </a:p>
+        </p:txBody>
+      </p:sp>
+    </p:spTree>
+    <p:extLst>
+      <p:ext uri="{BB962C8B-B14F-4D97-AF65-F5344CB8AC3E}">
+        <p14:creationId xmlns:p14="http://schemas.microsoft.com/office/powerpoint/2010/main" val="2928624946"/>
+      </p:ext>
+    </p:extLst>
+  </p:cSld>
+  <p:clrMapOvr>
+    <a:masterClrMapping/>
+  </p:clrMapOvr>
+</p:sld>
+</file>
+
+<file path=ppt/slides/slide37.xml><?xml version="1.0" encoding="utf-8"?>
+<p:sld xmlns:a="http://schemas.openxmlformats.org/drawingml/2006/main" xmlns:r="http://schemas.openxmlformats.org/officeDocument/2006/relationships" xmlns:p="http://schemas.openxmlformats.org/presentationml/2006/main">
+  <p:cSld>
+    <p:spTree>
+      <p:nvGrpSpPr>
+        <p:cNvPr id="1" name=""/>
+        <p:cNvGrpSpPr/>
+        <p:nvPr/>
+      </p:nvGrpSpPr>
+      <p:grpSpPr>
+        <a:xfrm>
+          <a:off x="0" y="0"/>
+          <a:ext cx="0" cy="0"/>
+          <a:chOff x="0" y="0"/>
+          <a:chExt cx="0" cy="0"/>
+        </a:xfrm>
+      </p:grpSpPr>
+      <p:sp>
+        <p:nvSpPr>
+          <p:cNvPr id="2" name="Title 1">
+            <a:extLst>
+              <a:ext uri="{FF2B5EF4-FFF2-40B4-BE49-F238E27FC236}">
+                <a16:creationId xmlns:a16="http://schemas.microsoft.com/office/drawing/2014/main" id="{BC72424F-9AF5-45CD-9C91-874C6DC016AA}"/>
+              </a:ext>
+            </a:extLst>
+          </p:cNvPr>
+          <p:cNvSpPr>
+            <a:spLocks noGrp="1"/>
+          </p:cNvSpPr>
+          <p:nvPr>
+            <p:ph type="title"/>
+          </p:nvPr>
+        </p:nvSpPr>
+        <p:spPr/>
+        <p:txBody>
+          <a:bodyPr/>
+          <a:lstStyle/>
+          <a:p>
+            <a:r>
+              <a:rPr lang="en-US" dirty="0" err="1"/>
+              <a:t>SortChecker</a:t>
+            </a:r>
+            <a:endParaRPr lang="en-US" dirty="0"/>
+          </a:p>
+        </p:txBody>
+      </p:sp>
+      <p:sp>
+        <p:nvSpPr>
+          <p:cNvPr id="3" name="Content Placeholder 2">
+            <a:extLst>
+              <a:ext uri="{FF2B5EF4-FFF2-40B4-BE49-F238E27FC236}">
+                <a16:creationId xmlns:a16="http://schemas.microsoft.com/office/drawing/2014/main" id="{436AE089-C978-44EF-9D7D-E8AE6EA68157}"/>
+              </a:ext>
+            </a:extLst>
+          </p:cNvPr>
+          <p:cNvSpPr>
+            <a:spLocks noGrp="1"/>
+          </p:cNvSpPr>
+          <p:nvPr>
+            <p:ph idx="1"/>
+          </p:nvPr>
+        </p:nvSpPr>
+        <p:spPr>
+          <a:xfrm>
+            <a:off x="838200" y="1847396"/>
+            <a:ext cx="10515600" cy="4351338"/>
+          </a:xfrm>
+        </p:spPr>
+        <p:txBody>
+          <a:bodyPr>
+            <a:normAutofit fontScale="92500" lnSpcReduction="20000"/>
+          </a:bodyPr>
+          <a:lstStyle/>
+          <a:p>
+            <a:r>
+              <a:rPr lang="ru-RU" dirty="0"/>
+              <a:t>Два простых динамических чекера для проверки корректности в рантайме</a:t>
+            </a:r>
+            <a:endParaRPr lang="en-US" dirty="0"/>
+          </a:p>
+          <a:p>
+            <a:r>
+              <a:rPr lang="ru-RU" dirty="0"/>
+              <a:t>SortChecker (</a:t>
+            </a:r>
+            <a:r>
+              <a:rPr lang="ru-RU" dirty="0">
+                <a:hlinkClick r:id="rId2"/>
+              </a:rPr>
+              <a:t>https://github.com/yugr/sortcheck</a:t>
+            </a:r>
+            <a:r>
+              <a:rPr lang="ru-RU" dirty="0"/>
+              <a:t>)</a:t>
+            </a:r>
+          </a:p>
+          <a:p>
+            <a:pPr lvl="1"/>
+            <a:r>
+              <a:rPr lang="ru-RU" dirty="0"/>
+              <a:t>работает с программами на C</a:t>
+            </a:r>
+          </a:p>
+          <a:p>
+            <a:pPr lvl="1"/>
+            <a:r>
+              <a:rPr lang="ru-RU" dirty="0"/>
+              <a:t>перехватывает и проверяет API типа </a:t>
+            </a:r>
+            <a:r>
+              <a:rPr lang="ru-RU" dirty="0">
+                <a:latin typeface="Courier New" panose="02070309020205020404" pitchFamily="49" charset="0"/>
+                <a:cs typeface="Courier New" panose="02070309020205020404" pitchFamily="49" charset="0"/>
+              </a:rPr>
+              <a:t>qsort</a:t>
+            </a:r>
+            <a:r>
+              <a:rPr lang="ru-RU" dirty="0"/>
+              <a:t> и </a:t>
+            </a:r>
+            <a:r>
+              <a:rPr lang="ru-RU" dirty="0">
+                <a:latin typeface="Courier New" panose="02070309020205020404" pitchFamily="49" charset="0"/>
+                <a:cs typeface="Courier New" panose="02070309020205020404" pitchFamily="49" charset="0"/>
+              </a:rPr>
+              <a:t>bsearch</a:t>
+            </a:r>
+          </a:p>
+          <a:p>
+            <a:pPr lvl="1"/>
+            <a:r>
+              <a:rPr lang="ru-RU" dirty="0"/>
+              <a:t>основан на динамической инструментации (</a:t>
+            </a:r>
+            <a:r>
+              <a:rPr lang="ru-RU" dirty="0">
+                <a:latin typeface="Courier New" panose="02070309020205020404" pitchFamily="49" charset="0"/>
+                <a:cs typeface="Courier New" panose="02070309020205020404" pitchFamily="49" charset="0"/>
+              </a:rPr>
+              <a:t>LD_PRELOAD</a:t>
+            </a:r>
+            <a:r>
+              <a:rPr lang="ru-RU" dirty="0"/>
+              <a:t>)</a:t>
+            </a:r>
+          </a:p>
+          <a:p>
+            <a:pPr lvl="1"/>
+            <a:r>
+              <a:rPr lang="ru-RU" dirty="0"/>
+              <a:t>15 ошибок в различных OSS проектах (GCC, Harfbuzz, etc.)</a:t>
+            </a:r>
+          </a:p>
+          <a:p>
+            <a:r>
+              <a:rPr lang="ru-RU" dirty="0"/>
+              <a:t>SortChecker++ (</a:t>
+            </a:r>
+            <a:r>
+              <a:rPr lang="ru-RU" dirty="0">
+                <a:hlinkClick r:id="rId3"/>
+              </a:rPr>
+              <a:t>https://github.com/yugr/sortcheckxx</a:t>
+            </a:r>
+            <a:r>
+              <a:rPr lang="ru-RU" dirty="0"/>
+              <a:t>)</a:t>
+            </a:r>
+          </a:p>
+          <a:p>
+            <a:pPr lvl="1"/>
+            <a:r>
+              <a:rPr lang="ru-RU" dirty="0"/>
+              <a:t>работает с программами на C++</a:t>
+            </a:r>
+          </a:p>
+          <a:p>
+            <a:pPr lvl="1"/>
+            <a:r>
+              <a:rPr lang="ru-RU" dirty="0"/>
+              <a:t>перехватывает и проверяет API типа </a:t>
+            </a:r>
+            <a:r>
+              <a:rPr lang="ru-RU" dirty="0">
+                <a:latin typeface="Courier New" panose="02070309020205020404" pitchFamily="49" charset="0"/>
+                <a:cs typeface="Courier New" panose="02070309020205020404" pitchFamily="49" charset="0"/>
+              </a:rPr>
+              <a:t>std::sort</a:t>
+            </a:r>
+            <a:r>
+              <a:rPr lang="ru-RU" dirty="0"/>
+              <a:t> и контейнеры типа </a:t>
+            </a:r>
+            <a:r>
+              <a:rPr lang="ru-RU" dirty="0">
+                <a:latin typeface="Courier New" panose="02070309020205020404" pitchFamily="49" charset="0"/>
+                <a:cs typeface="Courier New" panose="02070309020205020404" pitchFamily="49" charset="0"/>
+              </a:rPr>
+              <a:t>std::map</a:t>
+            </a:r>
+          </a:p>
+          <a:p>
+            <a:pPr lvl="1"/>
+            <a:r>
+              <a:rPr lang="ru-RU" dirty="0"/>
+              <a:t>основан на source-to-source инструментации (Clang-based)</a:t>
+            </a:r>
+          </a:p>
+          <a:p>
+            <a:pPr lvl="1"/>
+            <a:r>
+              <a:rPr lang="ru-RU" dirty="0"/>
+              <a:t>5 ошибок в различных OSS проектах</a:t>
+            </a:r>
+          </a:p>
+          <a:p>
+            <a:pPr lvl="1"/>
+            <a:r>
+              <a:rPr lang="ru-RU" dirty="0"/>
+              <a:t>TODO: поддержать все релевантные алгоритмы (</a:t>
+            </a:r>
+            <a:r>
+              <a:rPr lang="ru-RU" dirty="0">
+                <a:latin typeface="Courier New" panose="02070309020205020404" pitchFamily="49" charset="0"/>
+                <a:cs typeface="Courier New" panose="02070309020205020404" pitchFamily="49" charset="0"/>
+              </a:rPr>
+              <a:t>nth_element</a:t>
+            </a:r>
+            <a:r>
+              <a:rPr lang="ru-RU" dirty="0"/>
+              <a:t>, etc.)</a:t>
+            </a:r>
+          </a:p>
+          <a:p>
+            <a:endParaRPr lang="en-US" dirty="0"/>
+          </a:p>
+        </p:txBody>
+      </p:sp>
+    </p:spTree>
+    <p:extLst>
+      <p:ext uri="{BB962C8B-B14F-4D97-AF65-F5344CB8AC3E}">
+        <p14:creationId xmlns:p14="http://schemas.microsoft.com/office/powerpoint/2010/main" val="2659528703"/>
+      </p:ext>
+    </p:extLst>
+  </p:cSld>
+  <p:clrMapOvr>
+    <a:masterClrMapping/>
+  </p:clrMapOvr>
+</p:sld>
+</file>
+
+<file path=ppt/slides/slide38.xml><?xml version="1.0" encoding="utf-8"?>
+<p:sld xmlns:a="http://schemas.openxmlformats.org/drawingml/2006/main" xmlns:r="http://schemas.openxmlformats.org/officeDocument/2006/relationships" xmlns:p="http://schemas.openxmlformats.org/presentationml/2006/main">
+  <p:cSld>
+    <p:spTree>
+      <p:nvGrpSpPr>
+        <p:cNvPr id="1" name=""/>
+        <p:cNvGrpSpPr/>
+        <p:nvPr/>
+      </p:nvGrpSpPr>
+      <p:grpSpPr>
+        <a:xfrm>
+          <a:off x="0" y="0"/>
+          <a:ext cx="0" cy="0"/>
+          <a:chOff x="0" y="0"/>
+          <a:chExt cx="0" cy="0"/>
+        </a:xfrm>
+      </p:grpSpPr>
+      <p:sp>
+        <p:nvSpPr>
+          <p:cNvPr id="2" name="Title 1">
+            <a:extLst>
+              <a:ext uri="{FF2B5EF4-FFF2-40B4-BE49-F238E27FC236}">
+                <a16:creationId xmlns:a16="http://schemas.microsoft.com/office/drawing/2014/main" id="{A6FDE828-D233-4535-B53B-9502F549DDB9}"/>
+              </a:ext>
+            </a:extLst>
+          </p:cNvPr>
+          <p:cNvSpPr>
+            <a:spLocks noGrp="1"/>
+          </p:cNvSpPr>
+          <p:nvPr>
+            <p:ph type="title"/>
+          </p:nvPr>
+        </p:nvSpPr>
+        <p:spPr/>
+        <p:txBody>
+          <a:bodyPr/>
+          <a:lstStyle/>
+          <a:p>
+            <a:r>
+              <a:rPr lang="ru-RU" dirty="0"/>
+              <a:t>Как использовать </a:t>
+            </a:r>
+            <a:r>
+              <a:rPr lang="en-US" dirty="0" err="1"/>
+              <a:t>SortChecker</a:t>
+            </a:r>
+            <a:endParaRPr lang="en-US" dirty="0"/>
+          </a:p>
+        </p:txBody>
+      </p:sp>
+      <p:sp>
+        <p:nvSpPr>
+          <p:cNvPr id="3" name="Content Placeholder 2">
+            <a:extLst>
+              <a:ext uri="{FF2B5EF4-FFF2-40B4-BE49-F238E27FC236}">
+                <a16:creationId xmlns:a16="http://schemas.microsoft.com/office/drawing/2014/main" id="{485A6619-1CBE-4348-961B-BD3FDC8FFEC4}"/>
+              </a:ext>
+            </a:extLst>
+          </p:cNvPr>
+          <p:cNvSpPr>
+            <a:spLocks noGrp="1"/>
+          </p:cNvSpPr>
+          <p:nvPr>
+            <p:ph idx="1"/>
+          </p:nvPr>
+        </p:nvSpPr>
+        <p:spPr/>
+        <p:txBody>
+          <a:bodyPr>
+            <a:normAutofit fontScale="92500" lnSpcReduction="20000"/>
+          </a:bodyPr>
+          <a:lstStyle/>
+          <a:p>
+            <a:r>
+              <a:rPr lang="ru-RU" dirty="0"/>
+              <a:t>Вначале инструментируем код:</a:t>
+            </a:r>
+          </a:p>
+          <a:p>
+            <a:pPr marL="457200" lvl="1" indent="0">
+              <a:buNone/>
+            </a:pPr>
+            <a:r>
+              <a:rPr lang="en-US" dirty="0">
+                <a:latin typeface="Courier New" panose="02070309020205020404" pitchFamily="49" charset="0"/>
+                <a:cs typeface="Courier New" panose="02070309020205020404" pitchFamily="49" charset="0"/>
+              </a:rPr>
+              <a:t>$ </a:t>
+            </a:r>
+            <a:r>
+              <a:rPr lang="en-US" dirty="0" err="1">
+                <a:latin typeface="Courier New" panose="02070309020205020404" pitchFamily="49" charset="0"/>
+                <a:cs typeface="Courier New" panose="02070309020205020404" pitchFamily="49" charset="0"/>
+              </a:rPr>
+              <a:t>sortcheckxx</a:t>
+            </a:r>
+            <a:r>
+              <a:rPr lang="en-US" dirty="0">
+                <a:latin typeface="Courier New" panose="02070309020205020404" pitchFamily="49" charset="0"/>
+                <a:cs typeface="Courier New" panose="02070309020205020404" pitchFamily="49" charset="0"/>
+              </a:rPr>
+              <a:t>/bin/</a:t>
+            </a:r>
+            <a:r>
+              <a:rPr lang="en-US" dirty="0" err="1">
+                <a:latin typeface="Courier New" panose="02070309020205020404" pitchFamily="49" charset="0"/>
+                <a:cs typeface="Courier New" panose="02070309020205020404" pitchFamily="49" charset="0"/>
+              </a:rPr>
+              <a:t>SortChecker</a:t>
+            </a:r>
+            <a:r>
+              <a:rPr lang="en-US" dirty="0">
+                <a:latin typeface="Courier New" panose="02070309020205020404" pitchFamily="49" charset="0"/>
+                <a:cs typeface="Courier New" panose="02070309020205020404" pitchFamily="49" charset="0"/>
+              </a:rPr>
+              <a:t> tmp.cc -- -DN=50</a:t>
+            </a:r>
+            <a:endParaRPr lang="en-US" dirty="0"/>
+          </a:p>
+          <a:p>
+            <a:r>
+              <a:rPr lang="ru-RU" dirty="0"/>
+              <a:t>По большому счёту вся инструментация сводится к замене</a:t>
+            </a:r>
+            <a:r>
+              <a:rPr lang="en-US" dirty="0"/>
+              <a:t> </a:t>
+            </a:r>
+            <a:r>
+              <a:rPr lang="ru-RU" dirty="0"/>
+              <a:t>вызова стандартной </a:t>
+            </a:r>
+            <a:r>
+              <a:rPr lang="en-US" dirty="0">
+                <a:latin typeface="Courier New" panose="02070309020205020404" pitchFamily="49" charset="0"/>
+                <a:cs typeface="Courier New" panose="02070309020205020404" pitchFamily="49" charset="0"/>
+              </a:rPr>
+              <a:t>std::sort</a:t>
+            </a:r>
+          </a:p>
+          <a:p>
+            <a:pPr marL="457200" lvl="1" indent="0">
+              <a:buNone/>
+            </a:pPr>
+            <a:r>
+              <a:rPr lang="en-US" dirty="0">
+                <a:latin typeface="Courier New" panose="02070309020205020404" pitchFamily="49" charset="0"/>
+                <a:cs typeface="Courier New" panose="02070309020205020404" pitchFamily="49" charset="0"/>
+              </a:rPr>
+              <a:t>std::sort(begin, end, </a:t>
+            </a:r>
+            <a:r>
+              <a:rPr lang="en-US" dirty="0" err="1">
+                <a:latin typeface="Courier New" panose="02070309020205020404" pitchFamily="49" charset="0"/>
+                <a:cs typeface="Courier New" panose="02070309020205020404" pitchFamily="49" charset="0"/>
+              </a:rPr>
+              <a:t>cmp</a:t>
+            </a:r>
+            <a:r>
+              <a:rPr lang="en-US" dirty="0">
+                <a:latin typeface="Courier New" panose="02070309020205020404" pitchFamily="49" charset="0"/>
+                <a:cs typeface="Courier New" panose="02070309020205020404" pitchFamily="49" charset="0"/>
+              </a:rPr>
+              <a:t>);</a:t>
+            </a:r>
+          </a:p>
+          <a:p>
+            <a:r>
+              <a:rPr lang="ru-RU" dirty="0"/>
+              <a:t>на отладочную обёртку</a:t>
+            </a:r>
+          </a:p>
+          <a:p>
+            <a:pPr marL="457200" lvl="1" indent="0">
+              <a:buNone/>
+            </a:pPr>
+            <a:r>
+              <a:rPr lang="en-US" dirty="0" err="1">
+                <a:latin typeface="Courier New" panose="02070309020205020404" pitchFamily="49" charset="0"/>
+                <a:cs typeface="Courier New" panose="02070309020205020404" pitchFamily="49" charset="0"/>
+              </a:rPr>
+              <a:t>sortcheck</a:t>
+            </a:r>
+            <a:r>
+              <a:rPr lang="en-US" dirty="0">
+                <a:latin typeface="Courier New" panose="02070309020205020404" pitchFamily="49" charset="0"/>
+                <a:cs typeface="Courier New" panose="02070309020205020404" pitchFamily="49" charset="0"/>
+              </a:rPr>
+              <a:t>::</a:t>
+            </a:r>
+            <a:r>
+              <a:rPr lang="en-US" dirty="0" err="1">
+                <a:latin typeface="Courier New" panose="02070309020205020404" pitchFamily="49" charset="0"/>
+                <a:cs typeface="Courier New" panose="02070309020205020404" pitchFamily="49" charset="0"/>
+              </a:rPr>
+              <a:t>sort_checked</a:t>
+            </a:r>
+            <a:r>
+              <a:rPr lang="en-US" dirty="0">
+                <a:latin typeface="Courier New" panose="02070309020205020404" pitchFamily="49" charset="0"/>
+                <a:cs typeface="Courier New" panose="02070309020205020404" pitchFamily="49" charset="0"/>
+              </a:rPr>
+              <a:t>(begin, end, </a:t>
+            </a:r>
+            <a:r>
+              <a:rPr lang="en-US" dirty="0" err="1">
+                <a:latin typeface="Courier New" panose="02070309020205020404" pitchFamily="49" charset="0"/>
+                <a:cs typeface="Courier New" panose="02070309020205020404" pitchFamily="49" charset="0"/>
+              </a:rPr>
+              <a:t>cmp</a:t>
+            </a:r>
+            <a:r>
+              <a:rPr lang="en-US" dirty="0">
+                <a:latin typeface="Courier New" panose="02070309020205020404" pitchFamily="49" charset="0"/>
+                <a:cs typeface="Courier New" panose="02070309020205020404" pitchFamily="49" charset="0"/>
+              </a:rPr>
+              <a:t>, __FILE__, __LINE__);</a:t>
+            </a:r>
+          </a:p>
+          <a:p>
+            <a:r>
+              <a:rPr lang="ru-RU" dirty="0"/>
+              <a:t>Скомпилируем и запустим инструментированный код из начала презентации</a:t>
+            </a:r>
+            <a:r>
+              <a:rPr lang="en-US" dirty="0"/>
+              <a:t>:</a:t>
+            </a:r>
+            <a:endParaRPr lang="ru-RU" dirty="0"/>
+          </a:p>
+          <a:p>
+            <a:pPr marL="457200" lvl="1" indent="0">
+              <a:buNone/>
+            </a:pPr>
+            <a:r>
+              <a:rPr lang="en-US" dirty="0">
+                <a:latin typeface="Courier New" panose="02070309020205020404" pitchFamily="49" charset="0"/>
+                <a:cs typeface="Courier New" panose="02070309020205020404" pitchFamily="49" charset="0"/>
+              </a:rPr>
+              <a:t>$ g++ -g -DN=50 -I </a:t>
+            </a:r>
+            <a:r>
+              <a:rPr lang="en-US" dirty="0" err="1">
+                <a:latin typeface="Courier New" panose="02070309020205020404" pitchFamily="49" charset="0"/>
+                <a:cs typeface="Courier New" panose="02070309020205020404" pitchFamily="49" charset="0"/>
+              </a:rPr>
+              <a:t>sortcheckxx</a:t>
+            </a:r>
+            <a:r>
+              <a:rPr lang="en-US" dirty="0">
+                <a:latin typeface="Courier New" panose="02070309020205020404" pitchFamily="49" charset="0"/>
+                <a:cs typeface="Courier New" panose="02070309020205020404" pitchFamily="49" charset="0"/>
+              </a:rPr>
+              <a:t>/include tmp.cc &amp;&amp; ./</a:t>
+            </a:r>
+            <a:r>
+              <a:rPr lang="en-US" dirty="0" err="1">
+                <a:latin typeface="Courier New" panose="02070309020205020404" pitchFamily="49" charset="0"/>
+                <a:cs typeface="Courier New" panose="02070309020205020404" pitchFamily="49" charset="0"/>
+              </a:rPr>
+              <a:t>a.out</a:t>
+            </a:r>
+            <a:endParaRPr lang="en-US" dirty="0">
+              <a:latin typeface="Courier New" panose="02070309020205020404" pitchFamily="49" charset="0"/>
+              <a:cs typeface="Courier New" panose="02070309020205020404" pitchFamily="49" charset="0"/>
+            </a:endParaRPr>
+          </a:p>
+          <a:p>
+            <a:pPr marL="457200" lvl="1" indent="0">
+              <a:buNone/>
+            </a:pPr>
+            <a:r>
+              <a:rPr lang="en-US" dirty="0" err="1">
+                <a:latin typeface="Courier New" panose="02070309020205020404" pitchFamily="49" charset="0"/>
+                <a:cs typeface="Courier New" panose="02070309020205020404" pitchFamily="49" charset="0"/>
+              </a:rPr>
+              <a:t>sortcheck</a:t>
+            </a:r>
+            <a:r>
+              <a:rPr lang="en-US" dirty="0">
+                <a:latin typeface="Courier New" panose="02070309020205020404" pitchFamily="49" charset="0"/>
+                <a:cs typeface="Courier New" panose="02070309020205020404" pitchFamily="49" charset="0"/>
+              </a:rPr>
+              <a:t>: tmp.cc:14: irreflexive comparator at position 0</a:t>
+            </a:r>
+          </a:p>
+          <a:p>
+            <a:pPr marL="457200" lvl="1" indent="0">
+              <a:buNone/>
+            </a:pPr>
+            <a:r>
+              <a:rPr lang="en-US" dirty="0">
+                <a:latin typeface="Courier New" panose="02070309020205020404" pitchFamily="49" charset="0"/>
+                <a:cs typeface="Courier New" panose="02070309020205020404" pitchFamily="49" charset="0"/>
+              </a:rPr>
+              <a:t>Aborted</a:t>
+            </a:r>
+          </a:p>
+          <a:p>
+            <a:endParaRPr lang="en-US" dirty="0"/>
+          </a:p>
+        </p:txBody>
+      </p:sp>
+    </p:spTree>
+    <p:extLst>
+      <p:ext uri="{BB962C8B-B14F-4D97-AF65-F5344CB8AC3E}">
+        <p14:creationId xmlns:p14="http://schemas.microsoft.com/office/powerpoint/2010/main" val="1487736242"/>
+      </p:ext>
+    </p:extLst>
+  </p:cSld>
+  <p:clrMapOvr>
+    <a:masterClrMapping/>
+  </p:clrMapOvr>
+</p:sld>
+</file>
+
+<file path=ppt/slides/slide39.xml><?xml version="1.0" encoding="utf-8"?>
+<p:sld xmlns:a="http://schemas.openxmlformats.org/drawingml/2006/main" xmlns:r="http://schemas.openxmlformats.org/officeDocument/2006/relationships" xmlns:p="http://schemas.openxmlformats.org/presentationml/2006/main">
+  <p:cSld>
+    <p:spTree>
+      <p:nvGrpSpPr>
+        <p:cNvPr id="1" name=""/>
+        <p:cNvGrpSpPr/>
+        <p:nvPr/>
+      </p:nvGrpSpPr>
+      <p:grpSpPr>
+        <a:xfrm>
+          <a:off x="0" y="0"/>
+          <a:ext cx="0" cy="0"/>
+          <a:chOff x="0" y="0"/>
+          <a:chExt cx="0" cy="0"/>
+        </a:xfrm>
+      </p:grpSpPr>
+      <p:sp>
+        <p:nvSpPr>
+          <p:cNvPr id="2" name="Title 1">
+            <a:extLst>
+              <a:ext uri="{FF2B5EF4-FFF2-40B4-BE49-F238E27FC236}">
+                <a16:creationId xmlns:a16="http://schemas.microsoft.com/office/drawing/2014/main" id="{B6884E62-A92A-47BA-9EF6-78B10084AB0B}"/>
+              </a:ext>
+            </a:extLst>
+          </p:cNvPr>
+          <p:cNvSpPr>
+            <a:spLocks noGrp="1"/>
+          </p:cNvSpPr>
+          <p:nvPr>
+            <p:ph type="title"/>
+          </p:nvPr>
+        </p:nvSpPr>
+        <p:spPr>
+          <a:xfrm>
+            <a:off x="838200" y="-81189"/>
+            <a:ext cx="10515600" cy="1325563"/>
+          </a:xfrm>
+        </p:spPr>
+        <p:txBody>
+          <a:bodyPr/>
+          <a:lstStyle/>
+          <a:p>
+            <a:r>
+              <a:rPr lang="ru-RU" dirty="0"/>
+              <a:t>Псевдокод</a:t>
+            </a:r>
+            <a:endParaRPr lang="en-US" dirty="0"/>
+          </a:p>
+        </p:txBody>
+      </p:sp>
+      <p:sp>
+        <p:nvSpPr>
+          <p:cNvPr id="3" name="Content Placeholder 2">
+            <a:extLst>
+              <a:ext uri="{FF2B5EF4-FFF2-40B4-BE49-F238E27FC236}">
+                <a16:creationId xmlns:a16="http://schemas.microsoft.com/office/drawing/2014/main" id="{AD260025-EBC3-45D0-9B0B-DAA951A03DCC}"/>
+              </a:ext>
+            </a:extLst>
+          </p:cNvPr>
+          <p:cNvSpPr>
+            <a:spLocks noGrp="1"/>
+          </p:cNvSpPr>
+          <p:nvPr>
+            <p:ph idx="1"/>
+          </p:nvPr>
+        </p:nvSpPr>
+        <p:spPr>
+          <a:xfrm>
+            <a:off x="636814" y="1004887"/>
+            <a:ext cx="11261272" cy="5450342"/>
+          </a:xfrm>
+        </p:spPr>
+        <p:txBody>
+          <a:bodyPr>
+            <a:normAutofit fontScale="77500" lnSpcReduction="20000"/>
+          </a:bodyPr>
+          <a:lstStyle/>
+          <a:p>
+            <a:r>
+              <a:rPr lang="ru-RU" dirty="0"/>
+              <a:t>Каждый запуск </a:t>
+            </a:r>
+            <a:r>
+              <a:rPr lang="en-US" dirty="0">
+                <a:latin typeface="Courier New" panose="02070309020205020404" pitchFamily="49" charset="0"/>
+                <a:cs typeface="Courier New" panose="02070309020205020404" pitchFamily="49" charset="0"/>
+              </a:rPr>
+              <a:t>std::sort</a:t>
+            </a:r>
+            <a:r>
+              <a:rPr lang="en-US" dirty="0"/>
+              <a:t> </a:t>
+            </a:r>
+            <a:r>
+              <a:rPr lang="ru-RU" dirty="0"/>
+              <a:t>и аналогичных </a:t>
+            </a:r>
+            <a:r>
+              <a:rPr lang="en-US" dirty="0"/>
+              <a:t>API </a:t>
+            </a:r>
+            <a:r>
+              <a:rPr lang="ru-RU" dirty="0"/>
+              <a:t>предваряется проверками:</a:t>
+            </a:r>
+          </a:p>
+          <a:p>
+            <a:pPr marL="457200" lvl="1" indent="0">
+              <a:buNone/>
+            </a:pPr>
+            <a:r>
+              <a:rPr lang="en-US" sz="2000" dirty="0">
+                <a:latin typeface="Courier New" panose="02070309020205020404" pitchFamily="49" charset="0"/>
+                <a:cs typeface="Courier New" panose="02070309020205020404" pitchFamily="49" charset="0"/>
+              </a:rPr>
+              <a:t>for x in array</a:t>
+            </a:r>
+          </a:p>
+          <a:p>
+            <a:pPr marL="457200" lvl="1" indent="0">
+              <a:buNone/>
+            </a:pPr>
+            <a:r>
+              <a:rPr lang="en-US" sz="2000" dirty="0">
+                <a:latin typeface="Courier New" panose="02070309020205020404" pitchFamily="49" charset="0"/>
+                <a:cs typeface="Courier New" panose="02070309020205020404" pitchFamily="49" charset="0"/>
+              </a:rPr>
+              <a:t>  if comp(x, x)</a:t>
+            </a:r>
+          </a:p>
+          <a:p>
+            <a:pPr marL="457200" lvl="1" indent="0">
+              <a:buNone/>
+            </a:pPr>
+            <a:r>
+              <a:rPr lang="en-US" sz="2000" dirty="0">
+                <a:latin typeface="Courier New" panose="02070309020205020404" pitchFamily="49" charset="0"/>
+                <a:cs typeface="Courier New" panose="02070309020205020404" pitchFamily="49" charset="0"/>
+              </a:rPr>
+              <a:t>    error</a:t>
+            </a:r>
+          </a:p>
+          <a:p>
+            <a:pPr marL="457200" lvl="1" indent="0">
+              <a:buNone/>
+            </a:pPr>
+            <a:endParaRPr lang="en-US" sz="2000" dirty="0">
+              <a:latin typeface="Courier New" panose="02070309020205020404" pitchFamily="49" charset="0"/>
+              <a:cs typeface="Courier New" panose="02070309020205020404" pitchFamily="49" charset="0"/>
+            </a:endParaRPr>
+          </a:p>
+          <a:p>
+            <a:pPr marL="457200" lvl="1" indent="0">
+              <a:buNone/>
+            </a:pPr>
+            <a:r>
+              <a:rPr lang="en-US" sz="2000" dirty="0">
+                <a:latin typeface="Courier New" panose="02070309020205020404" pitchFamily="49" charset="0"/>
+                <a:cs typeface="Courier New" panose="02070309020205020404" pitchFamily="49" charset="0"/>
+              </a:rPr>
+              <a:t>for x, y in array</a:t>
+            </a:r>
+          </a:p>
+          <a:p>
+            <a:pPr marL="457200" lvl="1" indent="0">
+              <a:buNone/>
+            </a:pPr>
+            <a:r>
+              <a:rPr lang="en-US" sz="2000" dirty="0">
+                <a:latin typeface="Courier New" panose="02070309020205020404" pitchFamily="49" charset="0"/>
+                <a:cs typeface="Courier New" panose="02070309020205020404" pitchFamily="49" charset="0"/>
+              </a:rPr>
+              <a:t>  if comp(x, y) != comp(y, x)</a:t>
+            </a:r>
+          </a:p>
+          <a:p>
+            <a:pPr marL="457200" lvl="1" indent="0">
+              <a:buNone/>
+            </a:pPr>
+            <a:r>
+              <a:rPr lang="en-US" sz="2000" dirty="0">
+                <a:latin typeface="Courier New" panose="02070309020205020404" pitchFamily="49" charset="0"/>
+                <a:cs typeface="Courier New" panose="02070309020205020404" pitchFamily="49" charset="0"/>
+              </a:rPr>
+              <a:t>    error</a:t>
+            </a:r>
+          </a:p>
+          <a:p>
+            <a:pPr marL="457200" lvl="1" indent="0">
+              <a:buNone/>
+            </a:pPr>
+            <a:endParaRPr lang="en-US" sz="2000" dirty="0">
+              <a:latin typeface="Courier New" panose="02070309020205020404" pitchFamily="49" charset="0"/>
+              <a:cs typeface="Courier New" panose="02070309020205020404" pitchFamily="49" charset="0"/>
+            </a:endParaRPr>
+          </a:p>
+          <a:p>
+            <a:pPr marL="457200" lvl="1" indent="0">
+              <a:buNone/>
+            </a:pPr>
+            <a:r>
+              <a:rPr lang="en-US" sz="2000" dirty="0">
+                <a:latin typeface="Courier New" panose="02070309020205020404" pitchFamily="49" charset="0"/>
+                <a:cs typeface="Courier New" panose="02070309020205020404" pitchFamily="49" charset="0"/>
+              </a:rPr>
+              <a:t>for x, y, z in array</a:t>
+            </a:r>
+          </a:p>
+          <a:p>
+            <a:pPr marL="457200" lvl="1" indent="0">
+              <a:buNone/>
+            </a:pPr>
+            <a:r>
+              <a:rPr lang="en-US" sz="2000" dirty="0">
+                <a:latin typeface="Courier New" panose="02070309020205020404" pitchFamily="49" charset="0"/>
+                <a:cs typeface="Courier New" panose="02070309020205020404" pitchFamily="49" charset="0"/>
+              </a:rPr>
+              <a:t>  if comp(x, y) &amp;&amp; comp(y, z) &amp;&amp; !comp(x, z)</a:t>
+            </a:r>
+          </a:p>
+          <a:p>
+            <a:pPr marL="457200" lvl="1" indent="0">
+              <a:buNone/>
+            </a:pPr>
+            <a:r>
+              <a:rPr lang="en-US" sz="2000" dirty="0">
+                <a:latin typeface="Courier New" panose="02070309020205020404" pitchFamily="49" charset="0"/>
+                <a:cs typeface="Courier New" panose="02070309020205020404" pitchFamily="49" charset="0"/>
+              </a:rPr>
+              <a:t>    error</a:t>
+            </a:r>
+          </a:p>
+          <a:p>
+            <a:pPr marL="457200" lvl="1" indent="0">
+              <a:buNone/>
+            </a:pPr>
+            <a:endParaRPr lang="en-US" sz="2000" dirty="0">
+              <a:latin typeface="Courier New" panose="02070309020205020404" pitchFamily="49" charset="0"/>
+              <a:cs typeface="Courier New" panose="02070309020205020404" pitchFamily="49" charset="0"/>
+            </a:endParaRPr>
+          </a:p>
+          <a:p>
+            <a:pPr marL="457200" lvl="1" indent="0">
+              <a:buNone/>
+            </a:pPr>
+            <a:r>
+              <a:rPr lang="en-US" sz="2000" dirty="0">
+                <a:latin typeface="Courier New" panose="02070309020205020404" pitchFamily="49" charset="0"/>
+                <a:cs typeface="Courier New" panose="02070309020205020404" pitchFamily="49" charset="0"/>
+              </a:rPr>
+              <a:t>for x, y, z in array</a:t>
+            </a:r>
+          </a:p>
+          <a:p>
+            <a:pPr marL="457200" lvl="1" indent="0">
+              <a:buNone/>
+            </a:pPr>
+            <a:r>
+              <a:rPr lang="en-US" sz="2000" dirty="0">
+                <a:latin typeface="Courier New" panose="02070309020205020404" pitchFamily="49" charset="0"/>
+                <a:cs typeface="Courier New" panose="02070309020205020404" pitchFamily="49" charset="0"/>
+              </a:rPr>
+              <a:t>  if </a:t>
+            </a:r>
+            <a:r>
+              <a:rPr lang="en-US" sz="2000" dirty="0" err="1">
+                <a:latin typeface="Courier New" panose="02070309020205020404" pitchFamily="49" charset="0"/>
+                <a:cs typeface="Courier New" panose="02070309020205020404" pitchFamily="49" charset="0"/>
+              </a:rPr>
+              <a:t>equiv</a:t>
+            </a:r>
+            <a:r>
+              <a:rPr lang="en-US" sz="2000" dirty="0">
+                <a:latin typeface="Courier New" panose="02070309020205020404" pitchFamily="49" charset="0"/>
+                <a:cs typeface="Courier New" panose="02070309020205020404" pitchFamily="49" charset="0"/>
+              </a:rPr>
+              <a:t>(x, y) &amp;&amp; </a:t>
+            </a:r>
+            <a:r>
+              <a:rPr lang="en-US" sz="2000" dirty="0" err="1">
+                <a:latin typeface="Courier New" panose="02070309020205020404" pitchFamily="49" charset="0"/>
+                <a:cs typeface="Courier New" panose="02070309020205020404" pitchFamily="49" charset="0"/>
+              </a:rPr>
+              <a:t>equiv</a:t>
+            </a:r>
+            <a:r>
+              <a:rPr lang="en-US" sz="2000" dirty="0">
+                <a:latin typeface="Courier New" panose="02070309020205020404" pitchFamily="49" charset="0"/>
+                <a:cs typeface="Courier New" panose="02070309020205020404" pitchFamily="49" charset="0"/>
+              </a:rPr>
+              <a:t>(y, z) &amp;&amp; !</a:t>
+            </a:r>
+            <a:r>
+              <a:rPr lang="en-US" sz="2000" dirty="0" err="1">
+                <a:latin typeface="Courier New" panose="02070309020205020404" pitchFamily="49" charset="0"/>
+                <a:cs typeface="Courier New" panose="02070309020205020404" pitchFamily="49" charset="0"/>
+              </a:rPr>
+              <a:t>equiv</a:t>
+            </a:r>
+            <a:r>
+              <a:rPr lang="en-US" sz="2000" dirty="0">
+                <a:latin typeface="Courier New" panose="02070309020205020404" pitchFamily="49" charset="0"/>
+                <a:cs typeface="Courier New" panose="02070309020205020404" pitchFamily="49" charset="0"/>
+              </a:rPr>
+              <a:t>(x, z)</a:t>
+            </a:r>
+          </a:p>
+          <a:p>
+            <a:pPr marL="457200" lvl="1" indent="0">
+              <a:buNone/>
+            </a:pPr>
+            <a:r>
+              <a:rPr lang="en-US" sz="2000" dirty="0">
+                <a:latin typeface="Courier New" panose="02070309020205020404" pitchFamily="49" charset="0"/>
+                <a:cs typeface="Courier New" panose="02070309020205020404" pitchFamily="49" charset="0"/>
+              </a:rPr>
+              <a:t>    error</a:t>
+            </a:r>
+            <a:endParaRPr lang="en-US" dirty="0">
+              <a:latin typeface="Courier New" panose="02070309020205020404" pitchFamily="49" charset="0"/>
+              <a:cs typeface="Courier New" panose="02070309020205020404" pitchFamily="49" charset="0"/>
+            </a:endParaRPr>
+          </a:p>
+          <a:p>
+            <a:r>
+              <a:rPr lang="ru-RU" dirty="0"/>
+              <a:t>Сложность проверок составляет </a:t>
+            </a:r>
+            <a:r>
+              <a:rPr lang="en-US" dirty="0"/>
+              <a:t>O(N^3)</a:t>
+            </a:r>
+            <a:endParaRPr lang="ru-RU" dirty="0"/>
+          </a:p>
+          <a:p>
+            <a:r>
+              <a:rPr lang="en-US" dirty="0"/>
+              <a:t>C</a:t>
+            </a:r>
+            <a:r>
+              <a:rPr lang="ru-RU" dirty="0"/>
+              <a:t>ущественно превосходит даже </a:t>
+            </a:r>
+            <a:r>
+              <a:rPr lang="en-US" dirty="0">
+                <a:latin typeface="Courier New" panose="02070309020205020404" pitchFamily="49" charset="0"/>
+                <a:cs typeface="Courier New" panose="02070309020205020404" pitchFamily="49" charset="0"/>
+              </a:rPr>
+              <a:t>std::sort</a:t>
+            </a:r>
+            <a:r>
+              <a:rPr lang="en-US" dirty="0"/>
+              <a:t>, </a:t>
+            </a:r>
+            <a:r>
+              <a:rPr lang="ru-RU" dirty="0"/>
+              <a:t>не говоря о более быстрых алгоритмах (</a:t>
+            </a:r>
+            <a:r>
+              <a:rPr lang="en-US" dirty="0">
+                <a:latin typeface="Courier New" panose="02070309020205020404" pitchFamily="49" charset="0"/>
+                <a:cs typeface="Courier New" panose="02070309020205020404" pitchFamily="49" charset="0"/>
+              </a:rPr>
+              <a:t>std::</a:t>
+            </a:r>
+            <a:r>
+              <a:rPr lang="en-US" dirty="0" err="1">
+                <a:latin typeface="Courier New" panose="02070309020205020404" pitchFamily="49" charset="0"/>
+                <a:cs typeface="Courier New" panose="02070309020205020404" pitchFamily="49" charset="0"/>
+              </a:rPr>
+              <a:t>max_element</a:t>
+            </a:r>
+            <a:r>
+              <a:rPr lang="en-US" dirty="0"/>
+              <a:t>, etc.)</a:t>
+            </a:r>
+          </a:p>
+          <a:p>
+            <a:r>
+              <a:rPr lang="ru-RU" dirty="0"/>
+              <a:t>На практике обходится не весь массив, а его небольшое подмножество (20-30 элементов)</a:t>
+            </a:r>
+            <a:endParaRPr lang="en-US" dirty="0"/>
+          </a:p>
+          <a:p>
+            <a:endParaRPr lang="en-US" dirty="0"/>
+          </a:p>
+        </p:txBody>
+      </p:sp>
+    </p:spTree>
+    <p:extLst>
+      <p:ext uri="{BB962C8B-B14F-4D97-AF65-F5344CB8AC3E}">
+        <p14:creationId xmlns:p14="http://schemas.microsoft.com/office/powerpoint/2010/main" val="312233099"/>
+      </p:ext>
+    </p:extLst>
+  </p:cSld>
+  <p:clrMapOvr>
+    <a:masterClrMapping/>
+  </p:clrMapOvr>
+</p:sld>
+</file>
+
 <file path=ppt/slides/slide4.xml><?xml version="1.0" encoding="utf-8"?>
 <p:sld xmlns:a="http://schemas.openxmlformats.org/drawingml/2006/main" xmlns:r="http://schemas.openxmlformats.org/officeDocument/2006/relationships" xmlns:p="http://schemas.openxmlformats.org/presentationml/2006/main">
   <p:cSld>
@@ -9598,6 +11263,744 @@
     <p:extLst>
       <p:ext uri="{BB962C8B-B14F-4D97-AF65-F5344CB8AC3E}">
         <p14:creationId xmlns:p14="http://schemas.microsoft.com/office/powerpoint/2010/main" val="2793121550"/>
+      </p:ext>
+    </p:extLst>
+  </p:cSld>
+  <p:clrMapOvr>
+    <a:masterClrMapping/>
+  </p:clrMapOvr>
+</p:sld>
+</file>
+
+<file path=ppt/slides/slide40.xml><?xml version="1.0" encoding="utf-8"?>
+<p:sld xmlns:a="http://schemas.openxmlformats.org/drawingml/2006/main" xmlns:r="http://schemas.openxmlformats.org/officeDocument/2006/relationships" xmlns:p="http://schemas.openxmlformats.org/presentationml/2006/main">
+  <p:cSld>
+    <p:spTree>
+      <p:nvGrpSpPr>
+        <p:cNvPr id="1" name=""/>
+        <p:cNvGrpSpPr/>
+        <p:nvPr/>
+      </p:nvGrpSpPr>
+      <p:grpSpPr>
+        <a:xfrm>
+          <a:off x="0" y="0"/>
+          <a:ext cx="0" cy="0"/>
+          <a:chOff x="0" y="0"/>
+          <a:chExt cx="0" cy="0"/>
+        </a:xfrm>
+      </p:grpSpPr>
+      <p:sp>
+        <p:nvSpPr>
+          <p:cNvPr id="2" name="Title 1">
+            <a:extLst>
+              <a:ext uri="{FF2B5EF4-FFF2-40B4-BE49-F238E27FC236}">
+                <a16:creationId xmlns:a16="http://schemas.microsoft.com/office/drawing/2014/main" id="{29796DE8-2F63-4ED5-8119-3DA4F4CD5511}"/>
+              </a:ext>
+            </a:extLst>
+          </p:cNvPr>
+          <p:cNvSpPr>
+            <a:spLocks noGrp="1"/>
+          </p:cNvSpPr>
+          <p:nvPr>
+            <p:ph type="title"/>
+          </p:nvPr>
+        </p:nvSpPr>
+        <p:spPr/>
+        <p:txBody>
+          <a:bodyPr/>
+          <a:lstStyle/>
+          <a:p>
+            <a:r>
+              <a:rPr lang="ru-RU" dirty="0"/>
+              <a:t>Быстрый алгоритм проверки</a:t>
+            </a:r>
+            <a:endParaRPr lang="en-US" dirty="0"/>
+          </a:p>
+        </p:txBody>
+      </p:sp>
+      <p:sp>
+        <p:nvSpPr>
+          <p:cNvPr id="3" name="Content Placeholder 2">
+            <a:extLst>
+              <a:ext uri="{FF2B5EF4-FFF2-40B4-BE49-F238E27FC236}">
+                <a16:creationId xmlns:a16="http://schemas.microsoft.com/office/drawing/2014/main" id="{A60B7B0C-7980-480B-978A-B65865533741}"/>
+              </a:ext>
+            </a:extLst>
+          </p:cNvPr>
+          <p:cNvSpPr>
+            <a:spLocks noGrp="1"/>
+          </p:cNvSpPr>
+          <p:nvPr>
+            <p:ph idx="1"/>
+          </p:nvPr>
+        </p:nvSpPr>
+        <p:spPr/>
+        <p:txBody>
+          <a:bodyPr>
+            <a:normAutofit/>
+          </a:bodyPr>
+          <a:lstStyle/>
+          <a:p>
+            <a:r>
+              <a:rPr lang="en-US" dirty="0">
+                <a:hlinkClick r:id="rId2"/>
+              </a:rPr>
+              <a:t>https://github.com/danlark1/quadratic_strict_weak_ordering</a:t>
+            </a:r>
+            <a:r>
+              <a:rPr lang="ru-RU" dirty="0"/>
+              <a:t> </a:t>
+            </a:r>
+          </a:p>
+          <a:p>
+            <a:r>
+              <a:rPr lang="ru-RU" dirty="0"/>
+              <a:t>Предложен Д. Кутениным в начале 2023 года</a:t>
+            </a:r>
+          </a:p>
+          <a:p>
+            <a:r>
+              <a:rPr lang="ru-RU" dirty="0"/>
+              <a:t>Идея алгоритма:</a:t>
+            </a:r>
+          </a:p>
+          <a:p>
+            <a:pPr lvl="1"/>
+            <a:r>
+              <a:rPr lang="ru-RU" dirty="0"/>
+              <a:t>Предварительно отсортировать массив устойчивым алгоритмом</a:t>
+            </a:r>
+          </a:p>
+          <a:p>
+            <a:pPr lvl="1"/>
+            <a:r>
+              <a:rPr lang="ru-RU" dirty="0"/>
+              <a:t>Выделять в отсортированном массиве префиксы эквивалентных элементов</a:t>
+            </a:r>
+          </a:p>
+          <a:p>
+            <a:pPr lvl="1"/>
+            <a:r>
+              <a:rPr lang="ru-RU" dirty="0"/>
+              <a:t>И проверять их на транзитивность с оставшейся частью массива</a:t>
+            </a:r>
+          </a:p>
+          <a:p>
+            <a:r>
+              <a:rPr lang="ru-RU" dirty="0"/>
+              <a:t>Снижает сложность до O(N^2) (по прежнему превосходит сложность проверяемых алгоритмов)</a:t>
+            </a:r>
+          </a:p>
+          <a:p>
+            <a:endParaRPr lang="en-US" dirty="0"/>
+          </a:p>
+        </p:txBody>
+      </p:sp>
+    </p:spTree>
+    <p:extLst>
+      <p:ext uri="{BB962C8B-B14F-4D97-AF65-F5344CB8AC3E}">
+        <p14:creationId xmlns:p14="http://schemas.microsoft.com/office/powerpoint/2010/main" val="886008562"/>
+      </p:ext>
+    </p:extLst>
+  </p:cSld>
+  <p:clrMapOvr>
+    <a:masterClrMapping/>
+  </p:clrMapOvr>
+</p:sld>
+</file>
+
+<file path=ppt/slides/slide41.xml><?xml version="1.0" encoding="utf-8"?>
+<p:sld xmlns:a="http://schemas.openxmlformats.org/drawingml/2006/main" xmlns:r="http://schemas.openxmlformats.org/officeDocument/2006/relationships" xmlns:p="http://schemas.openxmlformats.org/presentationml/2006/main">
+  <p:cSld>
+    <p:spTree>
+      <p:nvGrpSpPr>
+        <p:cNvPr id="1" name=""/>
+        <p:cNvGrpSpPr/>
+        <p:nvPr/>
+      </p:nvGrpSpPr>
+      <p:grpSpPr>
+        <a:xfrm>
+          <a:off x="0" y="0"/>
+          <a:ext cx="0" cy="0"/>
+          <a:chOff x="0" y="0"/>
+          <a:chExt cx="0" cy="0"/>
+        </a:xfrm>
+      </p:grpSpPr>
+      <p:sp>
+        <p:nvSpPr>
+          <p:cNvPr id="2" name="Title 1">
+            <a:extLst>
+              <a:ext uri="{FF2B5EF4-FFF2-40B4-BE49-F238E27FC236}">
+                <a16:creationId xmlns:a16="http://schemas.microsoft.com/office/drawing/2014/main" id="{98837C8A-F603-42F7-AC33-9EBA279193DF}"/>
+              </a:ext>
+            </a:extLst>
+          </p:cNvPr>
+          <p:cNvSpPr>
+            <a:spLocks noGrp="1"/>
+          </p:cNvSpPr>
+          <p:nvPr>
+            <p:ph type="title"/>
+          </p:nvPr>
+        </p:nvSpPr>
+        <p:spPr/>
+        <p:txBody>
+          <a:bodyPr/>
+          <a:lstStyle/>
+          <a:p>
+            <a:r>
+              <a:rPr lang="ru-RU" dirty="0"/>
+              <a:t>Что почитать</a:t>
+            </a:r>
+            <a:endParaRPr lang="en-US" dirty="0"/>
+          </a:p>
+        </p:txBody>
+      </p:sp>
+      <p:sp>
+        <p:nvSpPr>
+          <p:cNvPr id="3" name="Content Placeholder 2">
+            <a:extLst>
+              <a:ext uri="{FF2B5EF4-FFF2-40B4-BE49-F238E27FC236}">
+                <a16:creationId xmlns:a16="http://schemas.microsoft.com/office/drawing/2014/main" id="{6BEF2B0C-DEB6-403A-A327-A9DABD7F44CE}"/>
+              </a:ext>
+            </a:extLst>
+          </p:cNvPr>
+          <p:cNvSpPr>
+            <a:spLocks noGrp="1"/>
+          </p:cNvSpPr>
+          <p:nvPr>
+            <p:ph idx="1"/>
+          </p:nvPr>
+        </p:nvSpPr>
+        <p:spPr/>
+        <p:txBody>
+          <a:bodyPr/>
+          <a:lstStyle/>
+          <a:p>
+            <a:r>
+              <a:rPr lang="en-US" dirty="0"/>
+              <a:t>Danila </a:t>
+            </a:r>
+            <a:r>
+              <a:rPr lang="en-US" dirty="0" err="1"/>
+              <a:t>Kutenin</a:t>
+            </a:r>
+            <a:r>
+              <a:rPr lang="en-US" dirty="0"/>
+              <a:t> </a:t>
+            </a:r>
+            <a:r>
+              <a:rPr lang="en-US" dirty="0">
+                <a:hlinkClick r:id="rId2"/>
+              </a:rPr>
+              <a:t>Changing std::sort at Google’s Scale and Beyond</a:t>
+            </a:r>
+            <a:endParaRPr lang="en-US" dirty="0"/>
+          </a:p>
+          <a:p>
+            <a:r>
+              <a:rPr lang="en-US" dirty="0"/>
+              <a:t>Jonathan Müller </a:t>
+            </a:r>
+            <a:r>
+              <a:rPr lang="en-US" dirty="0">
+                <a:hlinkClick r:id="rId3"/>
+              </a:rPr>
+              <a:t>Mathematics behind Comparison</a:t>
+            </a:r>
+            <a:endParaRPr lang="en-US" dirty="0"/>
+          </a:p>
+          <a:p>
+            <a:endParaRPr lang="en-US" dirty="0"/>
+          </a:p>
+        </p:txBody>
+      </p:sp>
+    </p:spTree>
+    <p:extLst>
+      <p:ext uri="{BB962C8B-B14F-4D97-AF65-F5344CB8AC3E}">
+        <p14:creationId xmlns:p14="http://schemas.microsoft.com/office/powerpoint/2010/main" val="88266572"/>
+      </p:ext>
+    </p:extLst>
+  </p:cSld>
+  <p:clrMapOvr>
+    <a:masterClrMapping/>
+  </p:clrMapOvr>
+</p:sld>
+</file>
+
+<file path=ppt/slides/slide42.xml><?xml version="1.0" encoding="utf-8"?>
+<p:sld xmlns:a="http://schemas.openxmlformats.org/drawingml/2006/main" xmlns:r="http://schemas.openxmlformats.org/officeDocument/2006/relationships" xmlns:p="http://schemas.openxmlformats.org/presentationml/2006/main">
+  <p:cSld>
+    <p:spTree>
+      <p:nvGrpSpPr>
+        <p:cNvPr id="1" name=""/>
+        <p:cNvGrpSpPr/>
+        <p:nvPr/>
+      </p:nvGrpSpPr>
+      <p:grpSpPr>
+        <a:xfrm>
+          <a:off x="0" y="0"/>
+          <a:ext cx="0" cy="0"/>
+          <a:chOff x="0" y="0"/>
+          <a:chExt cx="0" cy="0"/>
+        </a:xfrm>
+      </p:grpSpPr>
+      <p:sp>
+        <p:nvSpPr>
+          <p:cNvPr id="2" name="Title 1">
+            <a:extLst>
+              <a:ext uri="{FF2B5EF4-FFF2-40B4-BE49-F238E27FC236}">
+                <a16:creationId xmlns:a16="http://schemas.microsoft.com/office/drawing/2014/main" id="{E3D5795D-7F53-4AE1-BCD3-E31732F4E19B}"/>
+              </a:ext>
+            </a:extLst>
+          </p:cNvPr>
+          <p:cNvSpPr>
+            <a:spLocks noGrp="1"/>
+          </p:cNvSpPr>
+          <p:nvPr>
+            <p:ph type="title"/>
+          </p:nvPr>
+        </p:nvSpPr>
+        <p:spPr/>
+        <p:txBody>
+          <a:bodyPr/>
+          <a:lstStyle/>
+          <a:p>
+            <a:r>
+              <a:rPr lang="ru-RU" dirty="0"/>
+              <a:t>Другие типы ошибок в компараторных API</a:t>
+            </a:r>
+            <a:endParaRPr lang="en-US" dirty="0"/>
+          </a:p>
+        </p:txBody>
+      </p:sp>
+      <p:sp>
+        <p:nvSpPr>
+          <p:cNvPr id="3" name="Content Placeholder 2">
+            <a:extLst>
+              <a:ext uri="{FF2B5EF4-FFF2-40B4-BE49-F238E27FC236}">
+                <a16:creationId xmlns:a16="http://schemas.microsoft.com/office/drawing/2014/main" id="{AA227CD4-DE96-4DD8-81A3-3E6458D822A6}"/>
+              </a:ext>
+            </a:extLst>
+          </p:cNvPr>
+          <p:cNvSpPr>
+            <a:spLocks noGrp="1"/>
+          </p:cNvSpPr>
+          <p:nvPr>
+            <p:ph idx="1"/>
+          </p:nvPr>
+        </p:nvSpPr>
+        <p:spPr/>
+        <p:txBody>
+          <a:bodyPr/>
+          <a:lstStyle/>
+          <a:p>
+            <a:r>
+              <a:rPr lang="ru-RU" dirty="0"/>
+              <a:t>Неотсортированные массивы в </a:t>
+            </a:r>
+            <a:r>
+              <a:rPr lang="en-US" dirty="0"/>
+              <a:t>API </a:t>
+            </a:r>
+            <a:r>
+              <a:rPr lang="ru-RU" dirty="0"/>
+              <a:t>типа </a:t>
+            </a:r>
+            <a:r>
+              <a:rPr lang="en-US" dirty="0">
+                <a:latin typeface="Courier New" panose="02070309020205020404" pitchFamily="49" charset="0"/>
+                <a:cs typeface="Courier New" panose="02070309020205020404" pitchFamily="49" charset="0"/>
+              </a:rPr>
+              <a:t>std::</a:t>
+            </a:r>
+            <a:r>
+              <a:rPr lang="en-US" dirty="0" err="1">
+                <a:latin typeface="Courier New" panose="02070309020205020404" pitchFamily="49" charset="0"/>
+                <a:cs typeface="Courier New" panose="02070309020205020404" pitchFamily="49" charset="0"/>
+              </a:rPr>
+              <a:t>binary_search</a:t>
+            </a:r>
+            <a:endParaRPr lang="en-US" dirty="0">
+              <a:latin typeface="Courier New" panose="02070309020205020404" pitchFamily="49" charset="0"/>
+              <a:cs typeface="Courier New" panose="02070309020205020404" pitchFamily="49" charset="0"/>
+            </a:endParaRPr>
+          </a:p>
+          <a:p>
+            <a:pPr lvl="1"/>
+            <a:r>
+              <a:rPr lang="ru-RU" dirty="0"/>
+              <a:t>поддерживается в </a:t>
+            </a:r>
+            <a:r>
+              <a:rPr lang="en-US" dirty="0" err="1"/>
+              <a:t>SortChecker</a:t>
+            </a:r>
+            <a:r>
+              <a:rPr lang="en-US" dirty="0"/>
+              <a:t>/</a:t>
+            </a:r>
+            <a:r>
+              <a:rPr lang="en-US" dirty="0" err="1"/>
+              <a:t>SortChecker</a:t>
+            </a:r>
+            <a:r>
+              <a:rPr lang="en-US" dirty="0"/>
+              <a:t>++</a:t>
+            </a:r>
+          </a:p>
+          <a:p>
+            <a:r>
+              <a:rPr lang="ru-RU" dirty="0"/>
+              <a:t>Неопределённый порядок сортировки эквивалентных элементов</a:t>
+            </a:r>
+          </a:p>
+          <a:p>
+            <a:pPr lvl="1"/>
+            <a:r>
+              <a:rPr lang="ru-RU" dirty="0"/>
+              <a:t>проверяется в </a:t>
+            </a:r>
+            <a:r>
+              <a:rPr lang="en-US" dirty="0" err="1"/>
+              <a:t>libc</a:t>
+            </a:r>
+            <a:r>
+              <a:rPr lang="en-US" dirty="0"/>
+              <a:t>++ </a:t>
+            </a:r>
+            <a:r>
+              <a:rPr lang="ru-RU" dirty="0"/>
+              <a:t>с помощью рандомизации</a:t>
+            </a:r>
+            <a:endParaRPr lang="en-US" dirty="0"/>
+          </a:p>
+          <a:p>
+            <a:pPr lvl="1"/>
+            <a:r>
+              <a:rPr lang="ru-RU" dirty="0">
+                <a:latin typeface="Courier New" panose="02070309020205020404" pitchFamily="49" charset="0"/>
+                <a:cs typeface="Courier New" panose="02070309020205020404" pitchFamily="49" charset="0"/>
+              </a:rPr>
+              <a:t>-</a:t>
+            </a:r>
+            <a:r>
+              <a:rPr lang="en-US" dirty="0">
+                <a:latin typeface="Courier New" panose="02070309020205020404" pitchFamily="49" charset="0"/>
+                <a:cs typeface="Courier New" panose="02070309020205020404" pitchFamily="49" charset="0"/>
+              </a:rPr>
+              <a:t>D_LIBCPP_DEBUG_RANDOMIZE_UNSPECIFIED_STABILITY_SEED</a:t>
+            </a:r>
+            <a:endParaRPr lang="en-US" dirty="0"/>
+          </a:p>
+        </p:txBody>
+      </p:sp>
+    </p:spTree>
+    <p:extLst>
+      <p:ext uri="{BB962C8B-B14F-4D97-AF65-F5344CB8AC3E}">
+        <p14:creationId xmlns:p14="http://schemas.microsoft.com/office/powerpoint/2010/main" val="453513218"/>
+      </p:ext>
+    </p:extLst>
+  </p:cSld>
+  <p:clrMapOvr>
+    <a:masterClrMapping/>
+  </p:clrMapOvr>
+</p:sld>
+</file>
+
+<file path=ppt/slides/slide43.xml><?xml version="1.0" encoding="utf-8"?>
+<p:sld xmlns:a="http://schemas.openxmlformats.org/drawingml/2006/main" xmlns:r="http://schemas.openxmlformats.org/officeDocument/2006/relationships" xmlns:p="http://schemas.openxmlformats.org/presentationml/2006/main">
+  <p:cSld>
+    <p:spTree>
+      <p:nvGrpSpPr>
+        <p:cNvPr id="1" name=""/>
+        <p:cNvGrpSpPr/>
+        <p:nvPr/>
+      </p:nvGrpSpPr>
+      <p:grpSpPr>
+        <a:xfrm>
+          <a:off x="0" y="0"/>
+          <a:ext cx="0" cy="0"/>
+          <a:chOff x="0" y="0"/>
+          <a:chExt cx="0" cy="0"/>
+        </a:xfrm>
+      </p:grpSpPr>
+      <p:sp>
+        <p:nvSpPr>
+          <p:cNvPr id="2" name="Title 1">
+            <a:extLst>
+              <a:ext uri="{FF2B5EF4-FFF2-40B4-BE49-F238E27FC236}">
+                <a16:creationId xmlns:a16="http://schemas.microsoft.com/office/drawing/2014/main" id="{FB27C366-F1FD-4880-B503-F75FA2AB3EA0}"/>
+              </a:ext>
+            </a:extLst>
+          </p:cNvPr>
+          <p:cNvSpPr>
+            <a:spLocks noGrp="1"/>
+          </p:cNvSpPr>
+          <p:nvPr>
+            <p:ph type="title"/>
+          </p:nvPr>
+        </p:nvSpPr>
+        <p:spPr/>
+        <p:txBody>
+          <a:bodyPr/>
+          <a:lstStyle/>
+          <a:p>
+            <a:r>
+              <a:rPr lang="ru-RU" dirty="0"/>
+              <a:t>Домашнее задание</a:t>
+            </a:r>
+            <a:endParaRPr lang="en-US" dirty="0"/>
+          </a:p>
+        </p:txBody>
+      </p:sp>
+      <p:sp>
+        <p:nvSpPr>
+          <p:cNvPr id="3" name="Content Placeholder 2">
+            <a:extLst>
+              <a:ext uri="{FF2B5EF4-FFF2-40B4-BE49-F238E27FC236}">
+                <a16:creationId xmlns:a16="http://schemas.microsoft.com/office/drawing/2014/main" id="{B6A123D4-600E-41B8-800A-B2AF29703F6B}"/>
+              </a:ext>
+            </a:extLst>
+          </p:cNvPr>
+          <p:cNvSpPr>
+            <a:spLocks noGrp="1"/>
+          </p:cNvSpPr>
+          <p:nvPr>
+            <p:ph idx="1"/>
+          </p:nvPr>
+        </p:nvSpPr>
+        <p:spPr/>
+        <p:txBody>
+          <a:bodyPr/>
+          <a:lstStyle/>
+          <a:p>
+            <a:r>
+              <a:rPr lang="ru-RU" dirty="0"/>
+              <a:t>Изучите типичные ошибки и не повторяйте их в работе</a:t>
+            </a:r>
+            <a:endParaRPr lang="en-US" dirty="0"/>
+          </a:p>
+          <a:p>
+            <a:r>
+              <a:rPr lang="ru-RU" dirty="0"/>
+              <a:t>Включите </a:t>
+            </a:r>
+            <a:r>
+              <a:rPr lang="en-US" dirty="0">
+                <a:latin typeface="Courier New" panose="02070309020205020404" pitchFamily="49" charset="0"/>
+                <a:cs typeface="Courier New" panose="02070309020205020404" pitchFamily="49" charset="0"/>
+              </a:rPr>
+              <a:t>_G</a:t>
+            </a:r>
+            <a:r>
+              <a:rPr lang="ru-RU" dirty="0">
+                <a:latin typeface="Courier New" panose="02070309020205020404" pitchFamily="49" charset="0"/>
+                <a:cs typeface="Courier New" panose="02070309020205020404" pitchFamily="49" charset="0"/>
+              </a:rPr>
+              <a:t>LIBCXX_DEBUG</a:t>
+            </a:r>
+            <a:r>
+              <a:rPr lang="ru-RU" dirty="0"/>
+              <a:t> и </a:t>
+            </a:r>
+            <a:r>
+              <a:rPr lang="ru-RU" dirty="0">
+                <a:latin typeface="Courier New" panose="02070309020205020404" pitchFamily="49" charset="0"/>
+                <a:cs typeface="Courier New" panose="02070309020205020404" pitchFamily="49" charset="0"/>
+              </a:rPr>
+              <a:t>_LIBCPP_ENABLE_DEBUG_MODE</a:t>
+            </a:r>
+            <a:r>
+              <a:rPr lang="ru-RU" dirty="0"/>
+              <a:t> в своём CI</a:t>
+            </a:r>
+          </a:p>
+          <a:p>
+            <a:r>
+              <a:rPr lang="ru-RU" dirty="0"/>
+              <a:t>Примените Sortchecker и Sortchecker++ к своему коду</a:t>
+            </a:r>
+          </a:p>
+          <a:p>
+            <a:pPr lvl="1"/>
+            <a:r>
+              <a:rPr lang="ru-RU" dirty="0"/>
+              <a:t>Сообщения об ошибках и дополнения приветствуются!</a:t>
+            </a:r>
+            <a:endParaRPr lang="en-US" dirty="0"/>
+          </a:p>
+        </p:txBody>
+      </p:sp>
+    </p:spTree>
+    <p:extLst>
+      <p:ext uri="{BB962C8B-B14F-4D97-AF65-F5344CB8AC3E}">
+        <p14:creationId xmlns:p14="http://schemas.microsoft.com/office/powerpoint/2010/main" val="1454724109"/>
+      </p:ext>
+    </p:extLst>
+  </p:cSld>
+  <p:clrMapOvr>
+    <a:masterClrMapping/>
+  </p:clrMapOvr>
+</p:sld>
+</file>
+
+<file path=ppt/slides/slide44.xml><?xml version="1.0" encoding="utf-8"?>
+<p:sld xmlns:a="http://schemas.openxmlformats.org/drawingml/2006/main" xmlns:r="http://schemas.openxmlformats.org/officeDocument/2006/relationships" xmlns:p="http://schemas.openxmlformats.org/presentationml/2006/main">
+  <p:cSld>
+    <p:spTree>
+      <p:nvGrpSpPr>
+        <p:cNvPr id="1" name=""/>
+        <p:cNvGrpSpPr/>
+        <p:nvPr/>
+      </p:nvGrpSpPr>
+      <p:grpSpPr>
+        <a:xfrm>
+          <a:off x="0" y="0"/>
+          <a:ext cx="0" cy="0"/>
+          <a:chOff x="0" y="0"/>
+          <a:chExt cx="0" cy="0"/>
+        </a:xfrm>
+      </p:grpSpPr>
+      <p:sp>
+        <p:nvSpPr>
+          <p:cNvPr id="2" name="Title 1">
+            <a:extLst>
+              <a:ext uri="{FF2B5EF4-FFF2-40B4-BE49-F238E27FC236}">
+                <a16:creationId xmlns:a16="http://schemas.microsoft.com/office/drawing/2014/main" id="{AE55B1BF-E6CB-4A61-A19B-EAB2E2F68128}"/>
+              </a:ext>
+            </a:extLst>
+          </p:cNvPr>
+          <p:cNvSpPr>
+            <a:spLocks noGrp="1"/>
+          </p:cNvSpPr>
+          <p:nvPr>
+            <p:ph type="title"/>
+          </p:nvPr>
+        </p:nvSpPr>
+        <p:spPr/>
+        <p:txBody>
+          <a:bodyPr/>
+          <a:lstStyle/>
+          <a:p>
+            <a:r>
+              <a:rPr lang="ru-RU" dirty="0"/>
+              <a:t>Спасибо за внимание</a:t>
+            </a:r>
+            <a:r>
+              <a:rPr lang="en-US" dirty="0"/>
+              <a:t>!</a:t>
+            </a:r>
+          </a:p>
+        </p:txBody>
+      </p:sp>
+      <p:sp>
+        <p:nvSpPr>
+          <p:cNvPr id="3" name="Content Placeholder 2">
+            <a:extLst>
+              <a:ext uri="{FF2B5EF4-FFF2-40B4-BE49-F238E27FC236}">
+                <a16:creationId xmlns:a16="http://schemas.microsoft.com/office/drawing/2014/main" id="{FDC23327-086B-41AB-AC13-CE5A75450C7E}"/>
+              </a:ext>
+            </a:extLst>
+          </p:cNvPr>
+          <p:cNvSpPr>
+            <a:spLocks noGrp="1"/>
+          </p:cNvSpPr>
+          <p:nvPr>
+            <p:ph idx="1"/>
+          </p:nvPr>
+        </p:nvSpPr>
+        <p:spPr/>
+        <p:txBody>
+          <a:bodyPr/>
+          <a:lstStyle/>
+          <a:p>
+            <a:r>
+              <a:rPr lang="ru-RU" dirty="0"/>
+              <a:t>Юрий Грибов</a:t>
+            </a:r>
+            <a:endParaRPr lang="en-US" dirty="0"/>
+          </a:p>
+          <a:p>
+            <a:r>
+              <a:rPr lang="en-US" dirty="0"/>
+              <a:t>Gmail: tetra2005</a:t>
+            </a:r>
+          </a:p>
+          <a:p>
+            <a:r>
+              <a:rPr lang="en-US" dirty="0"/>
+              <a:t>TG </a:t>
+            </a:r>
+            <a:r>
+              <a:rPr lang="en-US" dirty="0">
+                <a:hlinkClick r:id="rId2"/>
+              </a:rPr>
+              <a:t>@the_real_yugr</a:t>
+            </a:r>
+            <a:endParaRPr lang="en-US" dirty="0"/>
+          </a:p>
+          <a:p>
+            <a:r>
+              <a:rPr lang="en-US" dirty="0">
+                <a:hlinkClick r:id="rId3"/>
+              </a:rPr>
+              <a:t>https://github.com/yugr</a:t>
+            </a:r>
+            <a:endParaRPr lang="en-US" dirty="0">
+              <a:hlinkClick r:id="rId4"/>
+            </a:endParaRPr>
+          </a:p>
+          <a:p>
+            <a:r>
+              <a:rPr lang="en-US" dirty="0">
+                <a:hlinkClick r:id="rId4"/>
+              </a:rPr>
+              <a:t>https://www.linkedin.com/in/yugr/</a:t>
+            </a:r>
+            <a:endParaRPr lang="en-US" dirty="0"/>
+          </a:p>
+        </p:txBody>
+      </p:sp>
+      <p:pic>
+        <p:nvPicPr>
+          <p:cNvPr id="5" name="Picture 4">
+            <a:extLst>
+              <a:ext uri="{FF2B5EF4-FFF2-40B4-BE49-F238E27FC236}">
+                <a16:creationId xmlns:a16="http://schemas.microsoft.com/office/drawing/2014/main" id="{0540D9AE-4012-42E8-83D2-366080AEACCE}"/>
+              </a:ext>
+            </a:extLst>
+          </p:cNvPr>
+          <p:cNvPicPr>
+            <a:picLocks noChangeAspect="1"/>
+          </p:cNvPicPr>
+          <p:nvPr/>
+        </p:nvPicPr>
+        <p:blipFill>
+          <a:blip r:embed="rId5">
+            <a:extLst>
+              <a:ext uri="{28A0092B-C50C-407E-A947-70E740481C1C}">
+                <a14:useLocalDpi xmlns:a14="http://schemas.microsoft.com/office/drawing/2010/main" val="0"/>
+              </a:ext>
+            </a:extLst>
+          </a:blip>
+          <a:stretch>
+            <a:fillRect/>
+          </a:stretch>
+        </p:blipFill>
+        <p:spPr>
+          <a:xfrm>
+            <a:off x="8231640" y="1192552"/>
+            <a:ext cx="2904446" cy="2904446"/>
+          </a:xfrm>
+          <a:prstGeom prst="rect">
+            <a:avLst/>
+          </a:prstGeom>
+        </p:spPr>
+      </p:pic>
+    </p:spTree>
+    <p:extLst>
+      <p:ext uri="{BB962C8B-B14F-4D97-AF65-F5344CB8AC3E}">
+        <p14:creationId xmlns:p14="http://schemas.microsoft.com/office/powerpoint/2010/main" val="876813992"/>
       </p:ext>
     </p:extLst>
   </p:cSld>

--- a/2023/RU.pptx
+++ b/2023/RU.pptx
@@ -5,7 +5,7 @@
     <p:sldMasterId id="2147483648" r:id="rId1"/>
   </p:sldMasterIdLst>
   <p:notesMasterIdLst>
-    <p:notesMasterId r:id="rId48"/>
+    <p:notesMasterId r:id="rId49"/>
   </p:notesMasterIdLst>
   <p:sldIdLst>
     <p:sldId id="256" r:id="rId2"/>
@@ -30,30 +30,31 @@
     <p:sldId id="273" r:id="rId21"/>
     <p:sldId id="274" r:id="rId22"/>
     <p:sldId id="275" r:id="rId23"/>
-    <p:sldId id="276" r:id="rId24"/>
-    <p:sldId id="277" r:id="rId25"/>
-    <p:sldId id="278" r:id="rId26"/>
-    <p:sldId id="279" r:id="rId27"/>
-    <p:sldId id="288" r:id="rId28"/>
-    <p:sldId id="280" r:id="rId29"/>
-    <p:sldId id="281" r:id="rId30"/>
-    <p:sldId id="282" r:id="rId31"/>
-    <p:sldId id="283" r:id="rId32"/>
-    <p:sldId id="284" r:id="rId33"/>
-    <p:sldId id="285" r:id="rId34"/>
-    <p:sldId id="286" r:id="rId35"/>
-    <p:sldId id="287" r:id="rId36"/>
-    <p:sldId id="289" r:id="rId37"/>
-    <p:sldId id="290" r:id="rId38"/>
-    <p:sldId id="291" r:id="rId39"/>
-    <p:sldId id="292" r:id="rId40"/>
-    <p:sldId id="293" r:id="rId41"/>
-    <p:sldId id="294" r:id="rId42"/>
-    <p:sldId id="295" r:id="rId43"/>
-    <p:sldId id="296" r:id="rId44"/>
-    <p:sldId id="298" r:id="rId45"/>
-    <p:sldId id="297" r:id="rId46"/>
-    <p:sldId id="299" r:id="rId47"/>
+    <p:sldId id="302" r:id="rId24"/>
+    <p:sldId id="276" r:id="rId25"/>
+    <p:sldId id="277" r:id="rId26"/>
+    <p:sldId id="278" r:id="rId27"/>
+    <p:sldId id="279" r:id="rId28"/>
+    <p:sldId id="288" r:id="rId29"/>
+    <p:sldId id="280" r:id="rId30"/>
+    <p:sldId id="281" r:id="rId31"/>
+    <p:sldId id="282" r:id="rId32"/>
+    <p:sldId id="283" r:id="rId33"/>
+    <p:sldId id="284" r:id="rId34"/>
+    <p:sldId id="285" r:id="rId35"/>
+    <p:sldId id="286" r:id="rId36"/>
+    <p:sldId id="287" r:id="rId37"/>
+    <p:sldId id="289" r:id="rId38"/>
+    <p:sldId id="290" r:id="rId39"/>
+    <p:sldId id="291" r:id="rId40"/>
+    <p:sldId id="292" r:id="rId41"/>
+    <p:sldId id="293" r:id="rId42"/>
+    <p:sldId id="294" r:id="rId43"/>
+    <p:sldId id="295" r:id="rId44"/>
+    <p:sldId id="296" r:id="rId45"/>
+    <p:sldId id="298" r:id="rId46"/>
+    <p:sldId id="297" r:id="rId47"/>
+    <p:sldId id="299" r:id="rId48"/>
   </p:sldIdLst>
   <p:sldSz cx="12192000" cy="6858000"/>
   <p:notesSz cx="6858000" cy="9144000"/>
@@ -254,7 +255,7 @@
           <a:p>
             <a:fld id="{A36A2EB4-42A0-4A9F-94AC-04D10C1F231A}" type="datetimeFigureOut">
               <a:rPr lang="en-US" smtClean="0"/>
-              <a:t>4/13/2023</a:t>
+              <a:t>4/14/2023</a:t>
             </a:fld>
             <a:endParaRPr lang="en-US"/>
           </a:p>
@@ -668,7 +669,7 @@
           <a:p>
             <a:fld id="{83D30A23-1FB6-43A1-891F-95145083C4E9}" type="datetime1">
               <a:rPr lang="en-US" smtClean="0"/>
-              <a:t>4/13/2023</a:t>
+              <a:t>4/14/2023</a:t>
             </a:fld>
             <a:endParaRPr lang="en-US"/>
           </a:p>
@@ -866,7 +867,7 @@
           <a:p>
             <a:fld id="{A4B03399-60D8-4226-8AC7-3F159D57E860}" type="datetime1">
               <a:rPr lang="en-US" smtClean="0"/>
-              <a:t>4/13/2023</a:t>
+              <a:t>4/14/2023</a:t>
             </a:fld>
             <a:endParaRPr lang="en-US"/>
           </a:p>
@@ -1074,7 +1075,7 @@
           <a:p>
             <a:fld id="{1A646459-A066-416D-8E21-9D451FB1CBED}" type="datetime1">
               <a:rPr lang="en-US" smtClean="0"/>
-              <a:t>4/13/2023</a:t>
+              <a:t>4/14/2023</a:t>
             </a:fld>
             <a:endParaRPr lang="en-US"/>
           </a:p>
@@ -1272,7 +1273,7 @@
           <a:p>
             <a:fld id="{0636B939-1A2A-498F-9013-EEF28820D750}" type="datetime1">
               <a:rPr lang="en-US" smtClean="0"/>
-              <a:t>4/13/2023</a:t>
+              <a:t>4/14/2023</a:t>
             </a:fld>
             <a:endParaRPr lang="en-US"/>
           </a:p>
@@ -1366,8 +1367,13 @@
             </a:fld>
             <a:r>
               <a:rPr lang="en-US" dirty="0"/>
-              <a:t>/46</a:t>
-            </a:r>
+              <a:t>/4</a:t>
+            </a:r>
+            <a:r>
+              <a:rPr lang="ru-RU" dirty="0"/>
+              <a:t>7</a:t>
+            </a:r>
+            <a:endParaRPr lang="en-US" dirty="0"/>
           </a:p>
         </p:txBody>
       </p:sp>
@@ -1586,7 +1592,7 @@
           <a:p>
             <a:fld id="{97D3760A-E884-42F2-A44C-F32FAA030BF6}" type="datetime1">
               <a:rPr lang="en-US" smtClean="0"/>
-              <a:t>4/13/2023</a:t>
+              <a:t>4/14/2023</a:t>
             </a:fld>
             <a:endParaRPr lang="en-US"/>
           </a:p>
@@ -1851,7 +1857,7 @@
           <a:p>
             <a:fld id="{4FC7535E-ABF1-4A69-B09E-251EF8B13143}" type="datetime1">
               <a:rPr lang="en-US" smtClean="0"/>
-              <a:t>4/13/2023</a:t>
+              <a:t>4/14/2023</a:t>
             </a:fld>
             <a:endParaRPr lang="en-US"/>
           </a:p>
@@ -2263,7 +2269,7 @@
           <a:p>
             <a:fld id="{CE54BCFC-68A7-4C68-9600-D4AAA16CF9A6}" type="datetime1">
               <a:rPr lang="en-US" smtClean="0"/>
-              <a:t>4/13/2023</a:t>
+              <a:t>4/14/2023</a:t>
             </a:fld>
             <a:endParaRPr lang="en-US"/>
           </a:p>
@@ -2404,7 +2410,7 @@
           <a:p>
             <a:fld id="{0F981744-C4F3-4F58-9E0E-AF6C4E78D03B}" type="datetime1">
               <a:rPr lang="en-US" smtClean="0"/>
-              <a:t>4/13/2023</a:t>
+              <a:t>4/14/2023</a:t>
             </a:fld>
             <a:endParaRPr lang="en-US"/>
           </a:p>
@@ -2517,7 +2523,7 @@
           <a:p>
             <a:fld id="{98ED47E1-EA96-4683-9629-E838295B20BC}" type="datetime1">
               <a:rPr lang="en-US" smtClean="0"/>
-              <a:t>4/13/2023</a:t>
+              <a:t>4/14/2023</a:t>
             </a:fld>
             <a:endParaRPr lang="en-US"/>
           </a:p>
@@ -2828,7 +2834,7 @@
           <a:p>
             <a:fld id="{2F2A1627-B435-455B-A0CA-0808E5748D61}" type="datetime1">
               <a:rPr lang="en-US" smtClean="0"/>
-              <a:t>4/13/2023</a:t>
+              <a:t>4/14/2023</a:t>
             </a:fld>
             <a:endParaRPr lang="en-US"/>
           </a:p>
@@ -3116,7 +3122,7 @@
           <a:p>
             <a:fld id="{FE11CB43-EB9E-4C41-ACD2-0EC61FB429F2}" type="datetime1">
               <a:rPr lang="en-US" smtClean="0"/>
-              <a:t>4/13/2023</a:t>
+              <a:t>4/14/2023</a:t>
             </a:fld>
             <a:endParaRPr lang="en-US"/>
           </a:p>
@@ -3357,7 +3363,7 @@
           <a:p>
             <a:fld id="{CC0B8F92-0932-40E4-878B-3E2E4AAA6810}" type="datetime1">
               <a:rPr lang="en-US" smtClean="0"/>
-              <a:t>4/13/2023</a:t>
+              <a:t>4/14/2023</a:t>
             </a:fld>
             <a:endParaRPr lang="en-US"/>
           </a:p>
@@ -7044,7 +7050,7 @@
         </p:spPr>
         <p:txBody>
           <a:bodyPr>
-            <a:normAutofit fontScale="70000" lnSpcReduction="20000"/>
+            <a:normAutofit/>
           </a:bodyPr>
           <a:lstStyle/>
           <a:p>
@@ -7066,7 +7072,7 @@
                 <a:latin typeface="Courier New" panose="02070309020205020404" pitchFamily="49" charset="0"/>
                 <a:cs typeface="Courier New" panose="02070309020205020404" pitchFamily="49" charset="0"/>
               </a:rPr>
-              <a:t> if (first &lt; </a:t>
+              <a:t>  if (first &lt; </a:t>
             </a:r>
             <a:r>
               <a:rPr lang="en-US" dirty="0" err="1">
@@ -7193,144 +7199,6 @@
                 <a:cs typeface="Courier New" panose="02070309020205020404" pitchFamily="49" charset="0"/>
               </a:rPr>
               <a:t>  }</a:t>
-            </a:r>
-          </a:p>
-          <a:p>
-            <a:r>
-              <a:rPr lang="ru-RU" dirty="0"/>
-              <a:t>Но лучше</a:t>
-            </a:r>
-            <a:r>
-              <a:rPr lang="en-US" dirty="0"/>
-              <a:t>!</a:t>
-            </a:r>
-          </a:p>
-          <a:p>
-            <a:pPr lvl="1"/>
-            <a:r>
-              <a:rPr lang="ru-RU" dirty="0"/>
-              <a:t>использовать `std::tie` и встроенный оператор сравнения кортежей</a:t>
-            </a:r>
-            <a:r>
-              <a:rPr lang="en-US" dirty="0"/>
-              <a:t>:</a:t>
-            </a:r>
-          </a:p>
-          <a:p>
-            <a:pPr marL="0" indent="0">
-              <a:buNone/>
-            </a:pPr>
-            <a:r>
-              <a:rPr lang="en-US" dirty="0">
-                <a:latin typeface="Courier New" panose="02070309020205020404" pitchFamily="49" charset="0"/>
-                <a:cs typeface="Courier New" panose="02070309020205020404" pitchFamily="49" charset="0"/>
-              </a:rPr>
-              <a:t>return std::tie(</a:t>
-            </a:r>
-            <a:r>
-              <a:rPr lang="en-US" dirty="0" err="1">
-                <a:latin typeface="Courier New" panose="02070309020205020404" pitchFamily="49" charset="0"/>
-                <a:cs typeface="Courier New" panose="02070309020205020404" pitchFamily="49" charset="0"/>
-              </a:rPr>
-              <a:t>l.first</a:t>
-            </a:r>
-            <a:r>
-              <a:rPr lang="en-US" dirty="0">
-                <a:latin typeface="Courier New" panose="02070309020205020404" pitchFamily="49" charset="0"/>
-                <a:cs typeface="Courier New" panose="02070309020205020404" pitchFamily="49" charset="0"/>
-              </a:rPr>
-              <a:t>, </a:t>
-            </a:r>
-            <a:r>
-              <a:rPr lang="en-US" dirty="0" err="1">
-                <a:latin typeface="Courier New" panose="02070309020205020404" pitchFamily="49" charset="0"/>
-                <a:cs typeface="Courier New" panose="02070309020205020404" pitchFamily="49" charset="0"/>
-              </a:rPr>
-              <a:t>l.second</a:t>
-            </a:r>
-            <a:r>
-              <a:rPr lang="en-US" dirty="0">
-                <a:latin typeface="Courier New" panose="02070309020205020404" pitchFamily="49" charset="0"/>
-                <a:cs typeface="Courier New" panose="02070309020205020404" pitchFamily="49" charset="0"/>
-              </a:rPr>
-              <a:t>) &lt; std::tie(</a:t>
-            </a:r>
-            <a:r>
-              <a:rPr lang="en-US" dirty="0" err="1">
-                <a:latin typeface="Courier New" panose="02070309020205020404" pitchFamily="49" charset="0"/>
-                <a:cs typeface="Courier New" panose="02070309020205020404" pitchFamily="49" charset="0"/>
-              </a:rPr>
-              <a:t>r.first</a:t>
-            </a:r>
-            <a:r>
-              <a:rPr lang="en-US" dirty="0">
-                <a:latin typeface="Courier New" panose="02070309020205020404" pitchFamily="49" charset="0"/>
-                <a:cs typeface="Courier New" panose="02070309020205020404" pitchFamily="49" charset="0"/>
-              </a:rPr>
-              <a:t>, </a:t>
-            </a:r>
-            <a:r>
-              <a:rPr lang="en-US" dirty="0" err="1">
-                <a:latin typeface="Courier New" panose="02070309020205020404" pitchFamily="49" charset="0"/>
-                <a:cs typeface="Courier New" panose="02070309020205020404" pitchFamily="49" charset="0"/>
-              </a:rPr>
-              <a:t>r.second</a:t>
-            </a:r>
-            <a:r>
-              <a:rPr lang="en-US" dirty="0">
-                <a:latin typeface="Courier New" panose="02070309020205020404" pitchFamily="49" charset="0"/>
-                <a:cs typeface="Courier New" panose="02070309020205020404" pitchFamily="49" charset="0"/>
-              </a:rPr>
-              <a:t>);</a:t>
-            </a:r>
-          </a:p>
-          <a:p>
-            <a:pPr lvl="1"/>
-            <a:r>
-              <a:rPr lang="en-US" dirty="0"/>
-              <a:t>(</a:t>
-            </a:r>
-            <a:r>
-              <a:rPr lang="ru-RU" dirty="0"/>
-              <a:t>C++20</a:t>
-            </a:r>
-            <a:r>
-              <a:rPr lang="en-US" dirty="0"/>
-              <a:t>)</a:t>
-            </a:r>
-            <a:r>
-              <a:rPr lang="ru-RU" dirty="0"/>
-              <a:t> использовать реализацию `operator &lt;=&gt;` по умолчанию</a:t>
-            </a:r>
-            <a:r>
-              <a:rPr lang="en-US" dirty="0"/>
-              <a:t>:</a:t>
-            </a:r>
-          </a:p>
-          <a:p>
-            <a:pPr marL="0" indent="0">
-              <a:buNone/>
-            </a:pPr>
-            <a:r>
-              <a:rPr lang="en-US" dirty="0">
-                <a:latin typeface="Courier New" panose="02070309020205020404" pitchFamily="49" charset="0"/>
-                <a:cs typeface="Courier New" panose="02070309020205020404" pitchFamily="49" charset="0"/>
-              </a:rPr>
-              <a:t>auto operator &lt;=&gt;(const </a:t>
-            </a:r>
-            <a:r>
-              <a:rPr lang="en-US" dirty="0" err="1">
-                <a:latin typeface="Courier New" panose="02070309020205020404" pitchFamily="49" charset="0"/>
-                <a:cs typeface="Courier New" panose="02070309020205020404" pitchFamily="49" charset="0"/>
-              </a:rPr>
-              <a:t>SomeClass</a:t>
-            </a:r>
-            <a:r>
-              <a:rPr lang="en-US" dirty="0">
-                <a:latin typeface="Courier New" panose="02070309020205020404" pitchFamily="49" charset="0"/>
-                <a:cs typeface="Courier New" panose="02070309020205020404" pitchFamily="49" charset="0"/>
-              </a:rPr>
-              <a:t> &amp;) const = default;</a:t>
             </a:r>
           </a:p>
         </p:txBody>
@@ -7418,92 +7286,153 @@
             <p:ph idx="1"/>
           </p:nvPr>
         </p:nvSpPr>
-        <p:spPr/>
+        <p:spPr>
+          <a:xfrm>
+            <a:off x="838200" y="1825625"/>
+            <a:ext cx="10744200" cy="4667250"/>
+          </a:xfrm>
+        </p:spPr>
         <p:txBody>
           <a:bodyPr>
             <a:normAutofit/>
           </a:bodyPr>
           <a:lstStyle/>
           <a:p>
+            <a:r>
+              <a:rPr lang="ru-RU" dirty="0"/>
+              <a:t>Но лучше</a:t>
+            </a:r>
+            <a:r>
+              <a:rPr lang="en-US" dirty="0"/>
+              <a:t>:</a:t>
+            </a:r>
+          </a:p>
+          <a:p>
+            <a:pPr lvl="1"/>
+            <a:r>
+              <a:rPr lang="ru-RU" dirty="0"/>
+              <a:t>использовать `std::tie` и встроенный оператор сравнения кортежей</a:t>
+            </a:r>
+            <a:r>
+              <a:rPr lang="en-US" dirty="0"/>
+              <a:t>:</a:t>
+            </a:r>
+          </a:p>
+          <a:p>
             <a:pPr marL="0" indent="0">
               <a:buNone/>
             </a:pPr>
             <a:r>
-              <a:rPr lang="ru-RU" dirty="0"/>
-              <a:t>Примеры со stackoverflow:</a:t>
+              <a:rPr lang="en-US" dirty="0">
+                <a:latin typeface="Courier New" panose="02070309020205020404" pitchFamily="49" charset="0"/>
+                <a:cs typeface="Courier New" panose="02070309020205020404" pitchFamily="49" charset="0"/>
+              </a:rPr>
+              <a:t>return std::tie(</a:t>
+            </a:r>
+            <a:r>
+              <a:rPr lang="en-US" dirty="0" err="1">
+                <a:latin typeface="Courier New" panose="02070309020205020404" pitchFamily="49" charset="0"/>
+                <a:cs typeface="Courier New" panose="02070309020205020404" pitchFamily="49" charset="0"/>
+              </a:rPr>
+              <a:t>l.first</a:t>
+            </a:r>
+            <a:r>
+              <a:rPr lang="en-US" dirty="0">
+                <a:latin typeface="Courier New" panose="02070309020205020404" pitchFamily="49" charset="0"/>
+                <a:cs typeface="Courier New" panose="02070309020205020404" pitchFamily="49" charset="0"/>
+              </a:rPr>
+              <a:t>, </a:t>
+            </a:r>
+            <a:r>
+              <a:rPr lang="en-US" dirty="0" err="1">
+                <a:latin typeface="Courier New" panose="02070309020205020404" pitchFamily="49" charset="0"/>
+                <a:cs typeface="Courier New" panose="02070309020205020404" pitchFamily="49" charset="0"/>
+              </a:rPr>
+              <a:t>l.second</a:t>
+            </a:r>
+            <a:r>
+              <a:rPr lang="en-US" dirty="0">
+                <a:latin typeface="Courier New" panose="02070309020205020404" pitchFamily="49" charset="0"/>
+                <a:cs typeface="Courier New" panose="02070309020205020404" pitchFamily="49" charset="0"/>
+              </a:rPr>
+              <a:t>) &lt; std::tie(</a:t>
+            </a:r>
+            <a:r>
+              <a:rPr lang="en-US" dirty="0" err="1">
+                <a:latin typeface="Courier New" panose="02070309020205020404" pitchFamily="49" charset="0"/>
+                <a:cs typeface="Courier New" panose="02070309020205020404" pitchFamily="49" charset="0"/>
+              </a:rPr>
+              <a:t>r.first</a:t>
+            </a:r>
+            <a:r>
+              <a:rPr lang="en-US" dirty="0">
+                <a:latin typeface="Courier New" panose="02070309020205020404" pitchFamily="49" charset="0"/>
+                <a:cs typeface="Courier New" panose="02070309020205020404" pitchFamily="49" charset="0"/>
+              </a:rPr>
+              <a:t>, </a:t>
+            </a:r>
+            <a:r>
+              <a:rPr lang="en-US" dirty="0" err="1">
+                <a:latin typeface="Courier New" panose="02070309020205020404" pitchFamily="49" charset="0"/>
+                <a:cs typeface="Courier New" panose="02070309020205020404" pitchFamily="49" charset="0"/>
+              </a:rPr>
+              <a:t>r.second</a:t>
+            </a:r>
+            <a:r>
+              <a:rPr lang="en-US" dirty="0">
+                <a:latin typeface="Courier New" panose="02070309020205020404" pitchFamily="49" charset="0"/>
+                <a:cs typeface="Courier New" panose="02070309020205020404" pitchFamily="49" charset="0"/>
+              </a:rPr>
+              <a:t>);</a:t>
             </a:r>
           </a:p>
           <a:p>
             <a:pPr lvl="1"/>
             <a:r>
-              <a:rPr lang="ru-RU" dirty="0">
-                <a:hlinkClick r:id="rId2"/>
-              </a:rPr>
-              <a:t>https://stackoverflow.com/questions/48455244/bug-in-stdsort</a:t>
-            </a:r>
-            <a:r>
               <a:rPr lang="en-US" dirty="0"/>
-              <a:t> </a:t>
-            </a:r>
-            <a:endParaRPr lang="ru-RU" dirty="0"/>
-          </a:p>
-          <a:p>
-            <a:pPr lvl="1"/>
-            <a:r>
-              <a:rPr lang="ru-RU" dirty="0">
-                <a:hlinkClick r:id="rId3"/>
-              </a:rPr>
-              <a:t>https://stackoverflow.com/questions/53712873/sorting-a-vector-of-a-custom-class-with-stdsort-causes-a-segmentation-fault</a:t>
+              <a:t>(</a:t>
+            </a:r>
+            <a:r>
+              <a:rPr lang="ru-RU" dirty="0"/>
+              <a:t>C++20</a:t>
             </a:r>
             <a:r>
               <a:rPr lang="en-US" dirty="0"/>
-              <a:t> </a:t>
-            </a:r>
-            <a:endParaRPr lang="ru-RU" dirty="0"/>
-          </a:p>
-          <a:p>
-            <a:pPr lvl="1"/>
-            <a:r>
-              <a:rPr lang="ru-RU" dirty="0">
-                <a:hlinkClick r:id="rId4"/>
-              </a:rPr>
-              <a:t>https://stackoverflow.com/questions/68225770/sorting-vector-of-pair-using-lambda-predicate-crashing-with-memory-corruption</a:t>
+              <a:t>)</a:t>
+            </a:r>
+            <a:r>
+              <a:rPr lang="ru-RU" dirty="0"/>
+              <a:t> использовать реализацию `operator &lt;=&gt;` по умолчанию</a:t>
             </a:r>
             <a:r>
               <a:rPr lang="en-US" dirty="0"/>
-              <a:t> </a:t>
-            </a:r>
-            <a:endParaRPr lang="ru-RU" dirty="0"/>
-          </a:p>
-          <a:p>
-            <a:pPr lvl="1"/>
-            <a:r>
-              <a:rPr lang="ru-RU" dirty="0">
-                <a:hlinkClick r:id="rId5"/>
-              </a:rPr>
-              <a:t>https://stackoverflow.com/questions/72737018/stdsort-results-in-a-segfault</a:t>
-            </a:r>
-            <a:r>
-              <a:rPr lang="en-US" dirty="0"/>
-              <a:t> </a:t>
-            </a:r>
-            <a:endParaRPr lang="ru-RU" dirty="0"/>
-          </a:p>
-          <a:p>
-            <a:pPr lvl="1"/>
-            <a:r>
-              <a:rPr lang="ru-RU" dirty="0">
-                <a:hlinkClick r:id="rId6"/>
-              </a:rPr>
-              <a:t>https://stackoverflow.com/questions/33547566/strict-weak-ordering-</a:t>
-            </a:r>
-            <a:r>
-              <a:rPr lang="en-US" dirty="0"/>
-              <a:t> </a:t>
-            </a:r>
-            <a:r>
-              <a:rPr lang="ru-RU" dirty="0"/>
-              <a:t>operator-in-c</a:t>
+              <a:t>:</a:t>
+            </a:r>
+          </a:p>
+          <a:p>
+            <a:pPr marL="0" indent="0">
+              <a:buNone/>
+            </a:pPr>
+            <a:r>
+              <a:rPr lang="en-US" dirty="0">
+                <a:latin typeface="Courier New" panose="02070309020205020404" pitchFamily="49" charset="0"/>
+                <a:cs typeface="Courier New" panose="02070309020205020404" pitchFamily="49" charset="0"/>
+              </a:rPr>
+              <a:t>auto operator &lt;=&gt;(const </a:t>
+            </a:r>
+            <a:r>
+              <a:rPr lang="en-US" dirty="0" err="1">
+                <a:latin typeface="Courier New" panose="02070309020205020404" pitchFamily="49" charset="0"/>
+                <a:cs typeface="Courier New" panose="02070309020205020404" pitchFamily="49" charset="0"/>
+              </a:rPr>
+              <a:t>SomeClass</a:t>
+            </a:r>
+            <a:r>
+              <a:rPr lang="en-US" dirty="0">
+                <a:latin typeface="Courier New" panose="02070309020205020404" pitchFamily="49" charset="0"/>
+                <a:cs typeface="Courier New" panose="02070309020205020404" pitchFamily="49" charset="0"/>
+              </a:rPr>
+              <a:t> &amp;) const = default;</a:t>
             </a:r>
           </a:p>
         </p:txBody>
@@ -7511,7 +7440,7 @@
     </p:spTree>
     <p:extLst>
       <p:ext uri="{BB962C8B-B14F-4D97-AF65-F5344CB8AC3E}">
-        <p14:creationId xmlns:p14="http://schemas.microsoft.com/office/powerpoint/2010/main" val="3668881934"/>
+        <p14:creationId xmlns:p14="http://schemas.microsoft.com/office/powerpoint/2010/main" val="941950318"/>
       </p:ext>
     </p:extLst>
   </p:cSld>
@@ -7543,7 +7472,7 @@
           <p:cNvPr id="2" name="Title 1">
             <a:extLst>
               <a:ext uri="{FF2B5EF4-FFF2-40B4-BE49-F238E27FC236}">
-                <a16:creationId xmlns:a16="http://schemas.microsoft.com/office/drawing/2014/main" id="{A9139C6D-A5F5-48C1-AE3E-FAC5A61742CF}"/>
+                <a16:creationId xmlns:a16="http://schemas.microsoft.com/office/drawing/2014/main" id="{680D122F-8A3D-4D58-A0A5-9A5AC33760D9}"/>
               </a:ext>
             </a:extLst>
           </p:cNvPr>
@@ -7554,12 +7483,7 @@
             <p:ph type="title"/>
           </p:nvPr>
         </p:nvSpPr>
-        <p:spPr>
-          <a:xfrm>
-            <a:off x="838200" y="-87085"/>
-            <a:ext cx="10515600" cy="1325563"/>
-          </a:xfrm>
-        </p:spPr>
+        <p:spPr/>
         <p:txBody>
           <a:bodyPr/>
           <a:lstStyle/>
@@ -7574,82 +7498,122 @@
             </a:r>
             <a:r>
               <a:rPr lang="ru-RU" dirty="0"/>
-              <a:t>нестрогий порядок</a:t>
+              <a:t>лексикографический порядок</a:t>
             </a:r>
             <a:endParaRPr lang="en-US" dirty="0"/>
           </a:p>
         </p:txBody>
       </p:sp>
-      <p:pic>
-        <p:nvPicPr>
-          <p:cNvPr id="7" name="Picture 6">
-            <a:extLst>
-              <a:ext uri="{FF2B5EF4-FFF2-40B4-BE49-F238E27FC236}">
-                <a16:creationId xmlns:a16="http://schemas.microsoft.com/office/drawing/2014/main" id="{06070F0E-5BE5-4EBA-B7C6-0319F6FE1FCA}"/>
-              </a:ext>
-            </a:extLst>
-          </p:cNvPr>
-          <p:cNvPicPr>
-            <a:picLocks noChangeAspect="1"/>
-          </p:cNvPicPr>
-          <p:nvPr/>
-        </p:nvPicPr>
-        <p:blipFill>
-          <a:blip r:embed="rId2"/>
-          <a:stretch>
-            <a:fillRect/>
-          </a:stretch>
-        </p:blipFill>
-        <p:spPr>
-          <a:xfrm>
-            <a:off x="1295394" y="1107849"/>
-            <a:ext cx="8196948" cy="5500586"/>
-          </a:xfrm>
-          <a:prstGeom prst="rect">
-            <a:avLst/>
-          </a:prstGeom>
-        </p:spPr>
-      </p:pic>
-      <p:sp>
-        <p:nvSpPr>
-          <p:cNvPr id="8" name="TextBox 7">
-            <a:extLst>
-              <a:ext uri="{FF2B5EF4-FFF2-40B4-BE49-F238E27FC236}">
-                <a16:creationId xmlns:a16="http://schemas.microsoft.com/office/drawing/2014/main" id="{C9278605-2454-4939-B5C0-9E78F9E47138}"/>
-              </a:ext>
-            </a:extLst>
-          </p:cNvPr>
-          <p:cNvSpPr txBox="1"/>
-          <p:nvPr/>
-        </p:nvSpPr>
-        <p:spPr>
-          <a:xfrm>
-            <a:off x="9579428" y="2612571"/>
-            <a:ext cx="2362200" cy="923330"/>
-          </a:xfrm>
-          <a:prstGeom prst="rect">
-            <a:avLst/>
-          </a:prstGeom>
-          <a:noFill/>
-        </p:spPr>
-        <p:txBody>
-          <a:bodyPr wrap="square" rtlCol="0">
-            <a:spAutoFit/>
+      <p:sp>
+        <p:nvSpPr>
+          <p:cNvPr id="3" name="Content Placeholder 2">
+            <a:extLst>
+              <a:ext uri="{FF2B5EF4-FFF2-40B4-BE49-F238E27FC236}">
+                <a16:creationId xmlns:a16="http://schemas.microsoft.com/office/drawing/2014/main" id="{EF38A0C2-67EB-4D5D-A96E-FD883EF4688E}"/>
+              </a:ext>
+            </a:extLst>
+          </p:cNvPr>
+          <p:cNvSpPr>
+            <a:spLocks noGrp="1"/>
+          </p:cNvSpPr>
+          <p:nvPr>
+            <p:ph idx="1"/>
+          </p:nvPr>
+        </p:nvSpPr>
+        <p:spPr/>
+        <p:txBody>
+          <a:bodyPr>
+            <a:normAutofit/>
           </a:bodyPr>
           <a:lstStyle/>
           <a:p>
-            <a:r>
-              <a:rPr lang="ru-RU" dirty="0"/>
-              <a:t>Нарушена иррефлексивность и антисимметричность</a:t>
-            </a:r>
-            <a:endParaRPr lang="en-US" dirty="0"/>
+            <a:pPr marL="0" indent="0">
+              <a:buNone/>
+            </a:pPr>
+            <a:r>
+              <a:rPr lang="ru-RU" dirty="0"/>
+              <a:t>Примеры со stackoverflow:</a:t>
+            </a:r>
+          </a:p>
+          <a:p>
+            <a:pPr lvl="1"/>
+            <a:r>
+              <a:rPr lang="ru-RU" dirty="0">
+                <a:hlinkClick r:id="rId2"/>
+              </a:rPr>
+              <a:t>https://stackoverflow.com/questions/48455244/bug-in-stdsort</a:t>
+            </a:r>
+            <a:r>
+              <a:rPr lang="en-US" dirty="0"/>
+              <a:t> </a:t>
+            </a:r>
+            <a:endParaRPr lang="ru-RU" dirty="0"/>
+          </a:p>
+          <a:p>
+            <a:pPr lvl="1"/>
+            <a:r>
+              <a:rPr lang="ru-RU" dirty="0">
+                <a:hlinkClick r:id="rId3"/>
+              </a:rPr>
+              <a:t>https://stackoverflow.com/questions/53712873/sorting-a-vector-of-a-custom-class-with-stdsort-causes-a-segmentation-fault</a:t>
+            </a:r>
+            <a:r>
+              <a:rPr lang="en-US" dirty="0"/>
+              <a:t> </a:t>
+            </a:r>
+            <a:endParaRPr lang="ru-RU" dirty="0"/>
+          </a:p>
+          <a:p>
+            <a:pPr lvl="1"/>
+            <a:r>
+              <a:rPr lang="ru-RU" dirty="0">
+                <a:hlinkClick r:id="rId4"/>
+              </a:rPr>
+              <a:t>https://stackoverflow.com/questions/68225770/sorting-vector-of-pair-using-lambda-predicate-crashing-with-memory-corruption</a:t>
+            </a:r>
+            <a:r>
+              <a:rPr lang="en-US" dirty="0"/>
+              <a:t> </a:t>
+            </a:r>
+            <a:endParaRPr lang="ru-RU" dirty="0"/>
+          </a:p>
+          <a:p>
+            <a:pPr lvl="1"/>
+            <a:r>
+              <a:rPr lang="ru-RU" dirty="0">
+                <a:hlinkClick r:id="rId5"/>
+              </a:rPr>
+              <a:t>https://stackoverflow.com/questions/72737018/stdsort-results-in-a-segfault</a:t>
+            </a:r>
+            <a:r>
+              <a:rPr lang="en-US" dirty="0"/>
+              <a:t> </a:t>
+            </a:r>
+            <a:endParaRPr lang="ru-RU" dirty="0"/>
+          </a:p>
+          <a:p>
+            <a:pPr lvl="1"/>
+            <a:r>
+              <a:rPr lang="ru-RU" dirty="0">
+                <a:hlinkClick r:id="rId6"/>
+              </a:rPr>
+              <a:t>https://stackoverflow.com/questions/33547566/strict-weak-ordering-</a:t>
+            </a:r>
+            <a:r>
+              <a:rPr lang="en-US" dirty="0"/>
+              <a:t> </a:t>
+            </a:r>
+            <a:r>
+              <a:rPr lang="ru-RU" dirty="0"/>
+              <a:t>operator-in-c</a:t>
+            </a:r>
           </a:p>
         </p:txBody>
       </p:sp>
     </p:spTree>
     <p:extLst>
       <p:ext uri="{BB962C8B-B14F-4D97-AF65-F5344CB8AC3E}">
-        <p14:creationId xmlns:p14="http://schemas.microsoft.com/office/powerpoint/2010/main" val="1852802426"/>
+        <p14:creationId xmlns:p14="http://schemas.microsoft.com/office/powerpoint/2010/main" val="3668881934"/>
       </p:ext>
     </p:extLst>
   </p:cSld>
@@ -7681,7 +7645,7 @@
           <p:cNvPr id="2" name="Title 1">
             <a:extLst>
               <a:ext uri="{FF2B5EF4-FFF2-40B4-BE49-F238E27FC236}">
-                <a16:creationId xmlns:a16="http://schemas.microsoft.com/office/drawing/2014/main" id="{092805D2-F357-4985-8786-1E96A3570DCA}"/>
+                <a16:creationId xmlns:a16="http://schemas.microsoft.com/office/drawing/2014/main" id="{A9139C6D-A5F5-48C1-AE3E-FAC5A61742CF}"/>
               </a:ext>
             </a:extLst>
           </p:cNvPr>
@@ -7692,7 +7656,12 @@
             <p:ph type="title"/>
           </p:nvPr>
         </p:nvSpPr>
-        <p:spPr/>
+        <p:spPr>
+          <a:xfrm>
+            <a:off x="838200" y="-87085"/>
+            <a:ext cx="10515600" cy="1325563"/>
+          </a:xfrm>
+        </p:spPr>
         <p:txBody>
           <a:bodyPr/>
           <a:lstStyle/>
@@ -7713,113 +7682,68 @@
           </a:p>
         </p:txBody>
       </p:sp>
-      <p:sp>
-        <p:nvSpPr>
-          <p:cNvPr id="3" name="Content Placeholder 2">
-            <a:extLst>
-              <a:ext uri="{FF2B5EF4-FFF2-40B4-BE49-F238E27FC236}">
-                <a16:creationId xmlns:a16="http://schemas.microsoft.com/office/drawing/2014/main" id="{9F877387-845B-4121-913F-2FB574552C9A}"/>
-              </a:ext>
-            </a:extLst>
-          </p:cNvPr>
-          <p:cNvSpPr>
-            <a:spLocks noGrp="1"/>
-          </p:cNvSpPr>
-          <p:nvPr>
-            <p:ph idx="1"/>
-          </p:nvPr>
-        </p:nvSpPr>
-        <p:spPr/>
-        <p:txBody>
-          <a:bodyPr>
-            <a:normAutofit fontScale="85000" lnSpcReduction="20000"/>
+      <p:pic>
+        <p:nvPicPr>
+          <p:cNvPr id="7" name="Picture 6">
+            <a:extLst>
+              <a:ext uri="{FF2B5EF4-FFF2-40B4-BE49-F238E27FC236}">
+                <a16:creationId xmlns:a16="http://schemas.microsoft.com/office/drawing/2014/main" id="{06070F0E-5BE5-4EBA-B7C6-0319F6FE1FCA}"/>
+              </a:ext>
+            </a:extLst>
+          </p:cNvPr>
+          <p:cNvPicPr>
+            <a:picLocks noChangeAspect="1"/>
+          </p:cNvPicPr>
+          <p:nvPr/>
+        </p:nvPicPr>
+        <p:blipFill>
+          <a:blip r:embed="rId2"/>
+          <a:stretch>
+            <a:fillRect/>
+          </a:stretch>
+        </p:blipFill>
+        <p:spPr>
+          <a:xfrm>
+            <a:off x="1295394" y="1107849"/>
+            <a:ext cx="8196948" cy="5500586"/>
+          </a:xfrm>
+          <a:prstGeom prst="rect">
+            <a:avLst/>
+          </a:prstGeom>
+        </p:spPr>
+      </p:pic>
+      <p:sp>
+        <p:nvSpPr>
+          <p:cNvPr id="8" name="TextBox 7">
+            <a:extLst>
+              <a:ext uri="{FF2B5EF4-FFF2-40B4-BE49-F238E27FC236}">
+                <a16:creationId xmlns:a16="http://schemas.microsoft.com/office/drawing/2014/main" id="{C9278605-2454-4939-B5C0-9E78F9E47138}"/>
+              </a:ext>
+            </a:extLst>
+          </p:cNvPr>
+          <p:cNvSpPr txBox="1"/>
+          <p:nvPr/>
+        </p:nvSpPr>
+        <p:spPr>
+          <a:xfrm>
+            <a:off x="9579428" y="2612571"/>
+            <a:ext cx="2362200" cy="923330"/>
+          </a:xfrm>
+          <a:prstGeom prst="rect">
+            <a:avLst/>
+          </a:prstGeom>
+          <a:noFill/>
+        </p:spPr>
+        <p:txBody>
+          <a:bodyPr wrap="square" rtlCol="0">
+            <a:spAutoFit/>
           </a:bodyPr>
           <a:lstStyle/>
           <a:p>
             <a:r>
-              <a:rPr lang="en-US" dirty="0">
-                <a:hlinkClick r:id="rId2"/>
-              </a:rPr>
-              <a:t>https://stackoverflow.com/questions/40483971/program-crash-in-stdsort-sometimes-cant-reproduce</a:t>
-            </a:r>
-            <a:r>
-              <a:rPr lang="en-US" dirty="0"/>
-              <a:t> </a:t>
-            </a:r>
-          </a:p>
-          <a:p>
-            <a:r>
-              <a:rPr lang="en-US" dirty="0">
-                <a:hlinkClick r:id="rId3"/>
-              </a:rPr>
-              <a:t>https://stackoverflow.com/questions/65468629/stl-sort-debug-assertion-failed</a:t>
-            </a:r>
-            <a:r>
-              <a:rPr lang="en-US" dirty="0"/>
-              <a:t> </a:t>
-            </a:r>
-          </a:p>
-          <a:p>
-            <a:r>
-              <a:rPr lang="en-US" dirty="0">
-                <a:hlinkClick r:id="rId4"/>
-              </a:rPr>
-              <a:t>https://stackoverflow.com/questions/18291620/why-will-stdsort-crash-if-the-comparison-function-is-not-as-operator</a:t>
-            </a:r>
-            <a:r>
-              <a:rPr lang="en-US" dirty="0"/>
-              <a:t> </a:t>
-            </a:r>
-          </a:p>
-          <a:p>
-            <a:r>
-              <a:rPr lang="en-US" dirty="0">
-                <a:hlinkClick r:id="rId5"/>
-              </a:rPr>
-              <a:t>https://stackoverflow.com/questions/19757210/stdsort-from-algorithm-crashes</a:t>
-            </a:r>
-            <a:r>
-              <a:rPr lang="en-US" dirty="0"/>
-              <a:t> </a:t>
-            </a:r>
-          </a:p>
-          <a:p>
-            <a:r>
-              <a:rPr lang="en-US" dirty="0">
-                <a:hlinkClick r:id="rId6"/>
-              </a:rPr>
-              <a:t>https://stackoverflow.com/questions/64014782/c-program-crashes-when-trying-to-sort-a-vector-of-strings</a:t>
-            </a:r>
-            <a:r>
-              <a:rPr lang="en-US" dirty="0"/>
-              <a:t> </a:t>
-            </a:r>
-          </a:p>
-          <a:p>
-            <a:r>
-              <a:rPr lang="en-US" dirty="0">
-                <a:hlinkClick r:id="rId7"/>
-              </a:rPr>
-              <a:t>https://stackoverflow.com/questions/70869803/c-code-crashes-when-trying-to-sort-2d-vector</a:t>
-            </a:r>
-            <a:r>
-              <a:rPr lang="en-US" dirty="0"/>
-              <a:t> </a:t>
-            </a:r>
-          </a:p>
-          <a:p>
-            <a:r>
-              <a:rPr lang="en-US" dirty="0">
-                <a:hlinkClick r:id="rId8"/>
-              </a:rPr>
-              <a:t>https://stackoverflow.com/questions/67553073/std-sort-sometimes-throws-seqmention-fault</a:t>
-            </a:r>
-            <a:r>
-              <a:rPr lang="en-US" dirty="0"/>
-              <a:t> </a:t>
-            </a:r>
-          </a:p>
-          <a:p>
+              <a:rPr lang="ru-RU" dirty="0"/>
+              <a:t>Нарушена иррефлексивность и антисимметричность</a:t>
+            </a:r>
             <a:endParaRPr lang="en-US" dirty="0"/>
           </a:p>
         </p:txBody>
@@ -7827,7 +7751,7 @@
     </p:spTree>
     <p:extLst>
       <p:ext uri="{BB962C8B-B14F-4D97-AF65-F5344CB8AC3E}">
-        <p14:creationId xmlns:p14="http://schemas.microsoft.com/office/powerpoint/2010/main" val="1970220755"/>
+        <p14:creationId xmlns:p14="http://schemas.microsoft.com/office/powerpoint/2010/main" val="1852802426"/>
       </p:ext>
     </p:extLst>
   </p:cSld>
@@ -7859,6 +7783,184 @@
           <p:cNvPr id="2" name="Title 1">
             <a:extLst>
               <a:ext uri="{FF2B5EF4-FFF2-40B4-BE49-F238E27FC236}">
+                <a16:creationId xmlns:a16="http://schemas.microsoft.com/office/drawing/2014/main" id="{092805D2-F357-4985-8786-1E96A3570DCA}"/>
+              </a:ext>
+            </a:extLst>
+          </p:cNvPr>
+          <p:cNvSpPr>
+            <a:spLocks noGrp="1"/>
+          </p:cNvSpPr>
+          <p:nvPr>
+            <p:ph type="title"/>
+          </p:nvPr>
+        </p:nvSpPr>
+        <p:spPr/>
+        <p:txBody>
+          <a:bodyPr/>
+          <a:lstStyle/>
+          <a:p>
+            <a:r>
+              <a:rPr lang="ru-RU" dirty="0"/>
+              <a:t>Частые ошибки</a:t>
+            </a:r>
+            <a:r>
+              <a:rPr lang="en-US" dirty="0"/>
+              <a:t>: </a:t>
+            </a:r>
+            <a:r>
+              <a:rPr lang="ru-RU" dirty="0"/>
+              <a:t>нестрогий порядок</a:t>
+            </a:r>
+            <a:endParaRPr lang="en-US" dirty="0"/>
+          </a:p>
+        </p:txBody>
+      </p:sp>
+      <p:sp>
+        <p:nvSpPr>
+          <p:cNvPr id="3" name="Content Placeholder 2">
+            <a:extLst>
+              <a:ext uri="{FF2B5EF4-FFF2-40B4-BE49-F238E27FC236}">
+                <a16:creationId xmlns:a16="http://schemas.microsoft.com/office/drawing/2014/main" id="{9F877387-845B-4121-913F-2FB574552C9A}"/>
+              </a:ext>
+            </a:extLst>
+          </p:cNvPr>
+          <p:cNvSpPr>
+            <a:spLocks noGrp="1"/>
+          </p:cNvSpPr>
+          <p:nvPr>
+            <p:ph idx="1"/>
+          </p:nvPr>
+        </p:nvSpPr>
+        <p:spPr/>
+        <p:txBody>
+          <a:bodyPr>
+            <a:normAutofit fontScale="85000" lnSpcReduction="20000"/>
+          </a:bodyPr>
+          <a:lstStyle/>
+          <a:p>
+            <a:r>
+              <a:rPr lang="en-US" dirty="0">
+                <a:hlinkClick r:id="rId2"/>
+              </a:rPr>
+              <a:t>https://stackoverflow.com/questions/40483971/program-crash-in-stdsort-sometimes-cant-reproduce</a:t>
+            </a:r>
+            <a:r>
+              <a:rPr lang="en-US" dirty="0"/>
+              <a:t> </a:t>
+            </a:r>
+          </a:p>
+          <a:p>
+            <a:r>
+              <a:rPr lang="en-US" dirty="0">
+                <a:hlinkClick r:id="rId3"/>
+              </a:rPr>
+              <a:t>https://stackoverflow.com/questions/65468629/stl-sort-debug-assertion-failed</a:t>
+            </a:r>
+            <a:r>
+              <a:rPr lang="en-US" dirty="0"/>
+              <a:t> </a:t>
+            </a:r>
+          </a:p>
+          <a:p>
+            <a:r>
+              <a:rPr lang="en-US" dirty="0">
+                <a:hlinkClick r:id="rId4"/>
+              </a:rPr>
+              <a:t>https://stackoverflow.com/questions/18291620/why-will-stdsort-crash-if-the-comparison-function-is-not-as-operator</a:t>
+            </a:r>
+            <a:r>
+              <a:rPr lang="en-US" dirty="0"/>
+              <a:t> </a:t>
+            </a:r>
+          </a:p>
+          <a:p>
+            <a:r>
+              <a:rPr lang="en-US" dirty="0">
+                <a:hlinkClick r:id="rId5"/>
+              </a:rPr>
+              <a:t>https://stackoverflow.com/questions/19757210/stdsort-from-algorithm-crashes</a:t>
+            </a:r>
+            <a:r>
+              <a:rPr lang="en-US" dirty="0"/>
+              <a:t> </a:t>
+            </a:r>
+          </a:p>
+          <a:p>
+            <a:r>
+              <a:rPr lang="en-US" dirty="0">
+                <a:hlinkClick r:id="rId6"/>
+              </a:rPr>
+              <a:t>https://stackoverflow.com/questions/64014782/c-program-crashes-when-trying-to-sort-a-vector-of-strings</a:t>
+            </a:r>
+            <a:r>
+              <a:rPr lang="en-US" dirty="0"/>
+              <a:t> </a:t>
+            </a:r>
+          </a:p>
+          <a:p>
+            <a:r>
+              <a:rPr lang="en-US" dirty="0">
+                <a:hlinkClick r:id="rId7"/>
+              </a:rPr>
+              <a:t>https://stackoverflow.com/questions/70869803/c-code-crashes-when-trying-to-sort-2d-vector</a:t>
+            </a:r>
+            <a:r>
+              <a:rPr lang="en-US" dirty="0"/>
+              <a:t> </a:t>
+            </a:r>
+          </a:p>
+          <a:p>
+            <a:r>
+              <a:rPr lang="en-US" dirty="0">
+                <a:hlinkClick r:id="rId8"/>
+              </a:rPr>
+              <a:t>https://stackoverflow.com/questions/67553073/std-sort-sometimes-throws-seqmention-fault</a:t>
+            </a:r>
+            <a:r>
+              <a:rPr lang="en-US" dirty="0"/>
+              <a:t> </a:t>
+            </a:r>
+          </a:p>
+          <a:p>
+            <a:endParaRPr lang="en-US" dirty="0"/>
+          </a:p>
+        </p:txBody>
+      </p:sp>
+    </p:spTree>
+    <p:extLst>
+      <p:ext uri="{BB962C8B-B14F-4D97-AF65-F5344CB8AC3E}">
+        <p14:creationId xmlns:p14="http://schemas.microsoft.com/office/powerpoint/2010/main" val="1970220755"/>
+      </p:ext>
+    </p:extLst>
+  </p:cSld>
+  <p:clrMapOvr>
+    <a:masterClrMapping/>
+  </p:clrMapOvr>
+</p:sld>
+</file>
+
+<file path=ppt/slides/slide27.xml><?xml version="1.0" encoding="utf-8"?>
+<p:sld xmlns:a="http://schemas.openxmlformats.org/drawingml/2006/main" xmlns:r="http://schemas.openxmlformats.org/officeDocument/2006/relationships" xmlns:p="http://schemas.openxmlformats.org/presentationml/2006/main">
+  <p:cSld>
+    <p:spTree>
+      <p:nvGrpSpPr>
+        <p:cNvPr id="1" name=""/>
+        <p:cNvGrpSpPr/>
+        <p:nvPr/>
+      </p:nvGrpSpPr>
+      <p:grpSpPr>
+        <a:xfrm>
+          <a:off x="0" y="0"/>
+          <a:ext cx="0" cy="0"/>
+          <a:chOff x="0" y="0"/>
+          <a:chExt cx="0" cy="0"/>
+        </a:xfrm>
+      </p:grpSpPr>
+      <p:sp>
+        <p:nvSpPr>
+          <p:cNvPr id="2" name="Title 1">
+            <a:extLst>
+              <a:ext uri="{FF2B5EF4-FFF2-40B4-BE49-F238E27FC236}">
                 <a16:creationId xmlns:a16="http://schemas.microsoft.com/office/drawing/2014/main" id="{9F591C08-CA5B-42F3-80D5-D9304DF004FB}"/>
               </a:ext>
             </a:extLst>
@@ -8053,7 +8155,7 @@
 </p:sld>
 </file>
 
-<file path=ppt/slides/slide27.xml><?xml version="1.0" encoding="utf-8"?>
+<file path=ppt/slides/slide28.xml><?xml version="1.0" encoding="utf-8"?>
 <p:sld xmlns:a="http://schemas.openxmlformats.org/drawingml/2006/main" xmlns:r="http://schemas.openxmlformats.org/officeDocument/2006/relationships" xmlns:p="http://schemas.openxmlformats.org/presentationml/2006/main">
   <p:cSld>
     <p:spTree>
@@ -8150,295 +8252,6 @@
 </p:sld>
 </file>
 
-<file path=ppt/slides/slide28.xml><?xml version="1.0" encoding="utf-8"?>
-<p:sld xmlns:a="http://schemas.openxmlformats.org/drawingml/2006/main" xmlns:r="http://schemas.openxmlformats.org/officeDocument/2006/relationships" xmlns:p="http://schemas.openxmlformats.org/presentationml/2006/main">
-  <p:cSld>
-    <p:spTree>
-      <p:nvGrpSpPr>
-        <p:cNvPr id="1" name=""/>
-        <p:cNvGrpSpPr/>
-        <p:nvPr/>
-      </p:nvGrpSpPr>
-      <p:grpSpPr>
-        <a:xfrm>
-          <a:off x="0" y="0"/>
-          <a:ext cx="0" cy="0"/>
-          <a:chOff x="0" y="0"/>
-          <a:chExt cx="0" cy="0"/>
-        </a:xfrm>
-      </p:grpSpPr>
-      <p:sp>
-        <p:nvSpPr>
-          <p:cNvPr id="2" name="Title 1">
-            <a:extLst>
-              <a:ext uri="{FF2B5EF4-FFF2-40B4-BE49-F238E27FC236}">
-                <a16:creationId xmlns:a16="http://schemas.microsoft.com/office/drawing/2014/main" id="{82E7115D-C3C8-4FC6-BCEE-397B3B1CA1D3}"/>
-              </a:ext>
-            </a:extLst>
-          </p:cNvPr>
-          <p:cNvSpPr>
-            <a:spLocks noGrp="1"/>
-          </p:cNvSpPr>
-          <p:nvPr>
-            <p:ph type="title"/>
-          </p:nvPr>
-        </p:nvSpPr>
-        <p:spPr/>
-        <p:txBody>
-          <a:bodyPr/>
-          <a:lstStyle/>
-          <a:p>
-            <a:r>
-              <a:rPr lang="ru-RU" dirty="0"/>
-              <a:t>Частые ошибки</a:t>
-            </a:r>
-            <a:r>
-              <a:rPr lang="en-US" dirty="0"/>
-              <a:t>: </a:t>
-            </a:r>
-            <a:r>
-              <a:rPr lang="en-US" dirty="0" err="1"/>
-              <a:t>NaN</a:t>
-            </a:r>
-            <a:endParaRPr lang="en-US" dirty="0"/>
-          </a:p>
-        </p:txBody>
-      </p:sp>
-      <p:sp>
-        <p:nvSpPr>
-          <p:cNvPr id="3" name="Content Placeholder 2">
-            <a:extLst>
-              <a:ext uri="{FF2B5EF4-FFF2-40B4-BE49-F238E27FC236}">
-                <a16:creationId xmlns:a16="http://schemas.microsoft.com/office/drawing/2014/main" id="{C04CBD31-895D-41BF-BEFF-948422E8643B}"/>
-              </a:ext>
-            </a:extLst>
-          </p:cNvPr>
-          <p:cNvSpPr>
-            <a:spLocks noGrp="1"/>
-          </p:cNvSpPr>
-          <p:nvPr>
-            <p:ph idx="1"/>
-          </p:nvPr>
-        </p:nvSpPr>
-        <p:spPr/>
-        <p:txBody>
-          <a:bodyPr>
-            <a:normAutofit fontScale="62500" lnSpcReduction="20000"/>
-          </a:bodyPr>
-          <a:lstStyle/>
-          <a:p>
-            <a:pPr marL="0" indent="0">
-              <a:buNone/>
-            </a:pPr>
-            <a:r>
-              <a:rPr lang="en-US" dirty="0">
-                <a:latin typeface="Courier New" panose="02070309020205020404" pitchFamily="49" charset="0"/>
-                <a:cs typeface="Courier New" panose="02070309020205020404" pitchFamily="49" charset="0"/>
-              </a:rPr>
-              <a:t>int main() {</a:t>
-            </a:r>
-          </a:p>
-          <a:p>
-            <a:pPr marL="0" indent="0">
-              <a:buNone/>
-            </a:pPr>
-            <a:r>
-              <a:rPr lang="en-US" dirty="0">
-                <a:latin typeface="Courier New" panose="02070309020205020404" pitchFamily="49" charset="0"/>
-                <a:cs typeface="Courier New" panose="02070309020205020404" pitchFamily="49" charset="0"/>
-              </a:rPr>
-              <a:t>  double a[] = {</a:t>
-            </a:r>
-          </a:p>
-          <a:p>
-            <a:pPr marL="0" indent="0">
-              <a:buNone/>
-            </a:pPr>
-            <a:r>
-              <a:rPr lang="en-US" dirty="0">
-                <a:latin typeface="Courier New" panose="02070309020205020404" pitchFamily="49" charset="0"/>
-                <a:cs typeface="Courier New" panose="02070309020205020404" pitchFamily="49" charset="0"/>
-              </a:rPr>
-              <a:t>    100,</a:t>
-            </a:r>
-          </a:p>
-          <a:p>
-            <a:pPr marL="0" indent="0">
-              <a:buNone/>
-            </a:pPr>
-            <a:r>
-              <a:rPr lang="en-US" dirty="0">
-                <a:latin typeface="Courier New" panose="02070309020205020404" pitchFamily="49" charset="0"/>
-                <a:cs typeface="Courier New" panose="02070309020205020404" pitchFamily="49" charset="0"/>
-              </a:rPr>
-              <a:t>    5,</a:t>
-            </a:r>
-          </a:p>
-          <a:p>
-            <a:pPr marL="0" indent="0">
-              <a:buNone/>
-            </a:pPr>
-            <a:r>
-              <a:rPr lang="en-US" dirty="0">
-                <a:latin typeface="Courier New" panose="02070309020205020404" pitchFamily="49" charset="0"/>
-                <a:cs typeface="Courier New" panose="02070309020205020404" pitchFamily="49" charset="0"/>
-              </a:rPr>
-              <a:t>    3,</a:t>
-            </a:r>
-          </a:p>
-          <a:p>
-            <a:pPr marL="0" indent="0">
-              <a:buNone/>
-            </a:pPr>
-            <a:r>
-              <a:rPr lang="en-US" dirty="0">
-                <a:latin typeface="Courier New" panose="02070309020205020404" pitchFamily="49" charset="0"/>
-                <a:cs typeface="Courier New" panose="02070309020205020404" pitchFamily="49" charset="0"/>
-              </a:rPr>
-              <a:t>    NAN,</a:t>
-            </a:r>
-          </a:p>
-          <a:p>
-            <a:pPr marL="0" indent="0">
-              <a:buNone/>
-            </a:pPr>
-            <a:r>
-              <a:rPr lang="en-US" dirty="0">
-                <a:latin typeface="Courier New" panose="02070309020205020404" pitchFamily="49" charset="0"/>
-                <a:cs typeface="Courier New" panose="02070309020205020404" pitchFamily="49" charset="0"/>
-              </a:rPr>
-              <a:t>    200,</a:t>
-            </a:r>
-          </a:p>
-          <a:p>
-            <a:pPr marL="0" indent="0">
-              <a:buNone/>
-            </a:pPr>
-            <a:r>
-              <a:rPr lang="en-US" dirty="0">
-                <a:latin typeface="Courier New" panose="02070309020205020404" pitchFamily="49" charset="0"/>
-                <a:cs typeface="Courier New" panose="02070309020205020404" pitchFamily="49" charset="0"/>
-              </a:rPr>
-              <a:t>    11</a:t>
-            </a:r>
-          </a:p>
-          <a:p>
-            <a:pPr marL="0" indent="0">
-              <a:buNone/>
-            </a:pPr>
-            <a:r>
-              <a:rPr lang="en-US" dirty="0">
-                <a:latin typeface="Courier New" panose="02070309020205020404" pitchFamily="49" charset="0"/>
-                <a:cs typeface="Courier New" panose="02070309020205020404" pitchFamily="49" charset="0"/>
-              </a:rPr>
-              <a:t>  };</a:t>
-            </a:r>
-          </a:p>
-          <a:p>
-            <a:pPr marL="0" indent="0">
-              <a:buNone/>
-            </a:pPr>
-            <a:r>
-              <a:rPr lang="en-US" dirty="0">
-                <a:latin typeface="Courier New" panose="02070309020205020404" pitchFamily="49" charset="0"/>
-                <a:cs typeface="Courier New" panose="02070309020205020404" pitchFamily="49" charset="0"/>
-              </a:rPr>
-              <a:t>  std::sort(&amp;a[0], &amp;a[</a:t>
-            </a:r>
-            <a:r>
-              <a:rPr lang="en-US" dirty="0" err="1">
-                <a:latin typeface="Courier New" panose="02070309020205020404" pitchFamily="49" charset="0"/>
-                <a:cs typeface="Courier New" panose="02070309020205020404" pitchFamily="49" charset="0"/>
-              </a:rPr>
-              <a:t>sizeof</a:t>
-            </a:r>
-            <a:r>
-              <a:rPr lang="en-US" dirty="0">
-                <a:latin typeface="Courier New" panose="02070309020205020404" pitchFamily="49" charset="0"/>
-                <a:cs typeface="Courier New" panose="02070309020205020404" pitchFamily="49" charset="0"/>
-              </a:rPr>
-              <a:t>(a)/</a:t>
-            </a:r>
-            <a:r>
-              <a:rPr lang="en-US" dirty="0" err="1">
-                <a:latin typeface="Courier New" panose="02070309020205020404" pitchFamily="49" charset="0"/>
-                <a:cs typeface="Courier New" panose="02070309020205020404" pitchFamily="49" charset="0"/>
-              </a:rPr>
-              <a:t>sizeof</a:t>
-            </a:r>
-            <a:r>
-              <a:rPr lang="en-US" dirty="0">
-                <a:latin typeface="Courier New" panose="02070309020205020404" pitchFamily="49" charset="0"/>
-                <a:cs typeface="Courier New" panose="02070309020205020404" pitchFamily="49" charset="0"/>
-              </a:rPr>
-              <a:t>(a[0])]);</a:t>
-            </a:r>
-          </a:p>
-          <a:p>
-            <a:pPr marL="0" indent="0">
-              <a:buNone/>
-            </a:pPr>
-            <a:r>
-              <a:rPr lang="en-US" dirty="0">
-                <a:latin typeface="Courier New" panose="02070309020205020404" pitchFamily="49" charset="0"/>
-                <a:cs typeface="Courier New" panose="02070309020205020404" pitchFamily="49" charset="0"/>
-              </a:rPr>
-              <a:t>  for (auto x : a) std::</a:t>
-            </a:r>
-            <a:r>
-              <a:rPr lang="en-US" dirty="0" err="1">
-                <a:latin typeface="Courier New" panose="02070309020205020404" pitchFamily="49" charset="0"/>
-                <a:cs typeface="Courier New" panose="02070309020205020404" pitchFamily="49" charset="0"/>
-              </a:rPr>
-              <a:t>cout</a:t>
-            </a:r>
-            <a:r>
-              <a:rPr lang="en-US" dirty="0">
-                <a:latin typeface="Courier New" panose="02070309020205020404" pitchFamily="49" charset="0"/>
-                <a:cs typeface="Courier New" panose="02070309020205020404" pitchFamily="49" charset="0"/>
-              </a:rPr>
-              <a:t> &lt;&lt; x &lt;&lt; "\n";</a:t>
-            </a:r>
-          </a:p>
-          <a:p>
-            <a:pPr marL="0" indent="0">
-              <a:buNone/>
-            </a:pPr>
-            <a:r>
-              <a:rPr lang="en-US" dirty="0">
-                <a:latin typeface="Courier New" panose="02070309020205020404" pitchFamily="49" charset="0"/>
-                <a:cs typeface="Courier New" panose="02070309020205020404" pitchFamily="49" charset="0"/>
-              </a:rPr>
-              <a:t>  return 0;</a:t>
-            </a:r>
-          </a:p>
-          <a:p>
-            <a:pPr marL="0" indent="0">
-              <a:buNone/>
-            </a:pPr>
-            <a:r>
-              <a:rPr lang="en-US" dirty="0">
-                <a:latin typeface="Courier New" panose="02070309020205020404" pitchFamily="49" charset="0"/>
-                <a:cs typeface="Courier New" panose="02070309020205020404" pitchFamily="49" charset="0"/>
-              </a:rPr>
-              <a:t>}</a:t>
-            </a:r>
-          </a:p>
-        </p:txBody>
-      </p:sp>
-    </p:spTree>
-    <p:extLst>
-      <p:ext uri="{BB962C8B-B14F-4D97-AF65-F5344CB8AC3E}">
-        <p14:creationId xmlns:p14="http://schemas.microsoft.com/office/powerpoint/2010/main" val="2320085877"/>
-      </p:ext>
-    </p:extLst>
-  </p:cSld>
-  <p:clrMapOvr>
-    <a:masterClrMapping/>
-  </p:clrMapOvr>
-</p:sld>
-</file>
-
 <file path=ppt/slides/slide29.xml><?xml version="1.0" encoding="utf-8"?>
 <p:sld xmlns:a="http://schemas.openxmlformats.org/drawingml/2006/main" xmlns:r="http://schemas.openxmlformats.org/officeDocument/2006/relationships" xmlns:p="http://schemas.openxmlformats.org/presentationml/2006/main">
   <p:cSld>
@@ -8512,7 +8325,7 @@
         <p:spPr/>
         <p:txBody>
           <a:bodyPr>
-            <a:normAutofit/>
+            <a:normAutofit fontScale="62500" lnSpcReduction="20000"/>
           </a:bodyPr>
           <a:lstStyle/>
           <a:p>
@@ -8524,19 +8337,144 @@
                 <a:latin typeface="Courier New" panose="02070309020205020404" pitchFamily="49" charset="0"/>
                 <a:cs typeface="Courier New" panose="02070309020205020404" pitchFamily="49" charset="0"/>
               </a:rPr>
-              <a:t>$ g++ bad.cc &amp;&amp; ./</a:t>
+              <a:t>int main() {</a:t>
+            </a:r>
+          </a:p>
+          <a:p>
+            <a:pPr marL="0" indent="0">
+              <a:buNone/>
+            </a:pPr>
+            <a:r>
+              <a:rPr lang="en-US" dirty="0">
+                <a:latin typeface="Courier New" panose="02070309020205020404" pitchFamily="49" charset="0"/>
+                <a:cs typeface="Courier New" panose="02070309020205020404" pitchFamily="49" charset="0"/>
+              </a:rPr>
+              <a:t>  double a[] = {</a:t>
+            </a:r>
+          </a:p>
+          <a:p>
+            <a:pPr marL="0" indent="0">
+              <a:buNone/>
+            </a:pPr>
+            <a:r>
+              <a:rPr lang="en-US" dirty="0">
+                <a:latin typeface="Courier New" panose="02070309020205020404" pitchFamily="49" charset="0"/>
+                <a:cs typeface="Courier New" panose="02070309020205020404" pitchFamily="49" charset="0"/>
+              </a:rPr>
+              <a:t>    100,</a:t>
+            </a:r>
+          </a:p>
+          <a:p>
+            <a:pPr marL="0" indent="0">
+              <a:buNone/>
+            </a:pPr>
+            <a:r>
+              <a:rPr lang="en-US" dirty="0">
+                <a:latin typeface="Courier New" panose="02070309020205020404" pitchFamily="49" charset="0"/>
+                <a:cs typeface="Courier New" panose="02070309020205020404" pitchFamily="49" charset="0"/>
+              </a:rPr>
+              <a:t>    5,</a:t>
+            </a:r>
+          </a:p>
+          <a:p>
+            <a:pPr marL="0" indent="0">
+              <a:buNone/>
+            </a:pPr>
+            <a:r>
+              <a:rPr lang="en-US" dirty="0">
+                <a:latin typeface="Courier New" panose="02070309020205020404" pitchFamily="49" charset="0"/>
+                <a:cs typeface="Courier New" panose="02070309020205020404" pitchFamily="49" charset="0"/>
+              </a:rPr>
+              <a:t>    3,</a:t>
+            </a:r>
+          </a:p>
+          <a:p>
+            <a:pPr marL="0" indent="0">
+              <a:buNone/>
+            </a:pPr>
+            <a:r>
+              <a:rPr lang="en-US" dirty="0">
+                <a:latin typeface="Courier New" panose="02070309020205020404" pitchFamily="49" charset="0"/>
+                <a:cs typeface="Courier New" panose="02070309020205020404" pitchFamily="49" charset="0"/>
+              </a:rPr>
+              <a:t>    NAN,</a:t>
+            </a:r>
+          </a:p>
+          <a:p>
+            <a:pPr marL="0" indent="0">
+              <a:buNone/>
+            </a:pPr>
+            <a:r>
+              <a:rPr lang="en-US" dirty="0">
+                <a:latin typeface="Courier New" panose="02070309020205020404" pitchFamily="49" charset="0"/>
+                <a:cs typeface="Courier New" panose="02070309020205020404" pitchFamily="49" charset="0"/>
+              </a:rPr>
+              <a:t>    200,</a:t>
+            </a:r>
+          </a:p>
+          <a:p>
+            <a:pPr marL="0" indent="0">
+              <a:buNone/>
+            </a:pPr>
+            <a:r>
+              <a:rPr lang="en-US" dirty="0">
+                <a:latin typeface="Courier New" panose="02070309020205020404" pitchFamily="49" charset="0"/>
+                <a:cs typeface="Courier New" panose="02070309020205020404" pitchFamily="49" charset="0"/>
+              </a:rPr>
+              <a:t>    11</a:t>
+            </a:r>
+          </a:p>
+          <a:p>
+            <a:pPr marL="0" indent="0">
+              <a:buNone/>
+            </a:pPr>
+            <a:r>
+              <a:rPr lang="en-US" dirty="0">
+                <a:latin typeface="Courier New" panose="02070309020205020404" pitchFamily="49" charset="0"/>
+                <a:cs typeface="Courier New" panose="02070309020205020404" pitchFamily="49" charset="0"/>
+              </a:rPr>
+              <a:t>  };</a:t>
+            </a:r>
+          </a:p>
+          <a:p>
+            <a:pPr marL="0" indent="0">
+              <a:buNone/>
+            </a:pPr>
+            <a:r>
+              <a:rPr lang="en-US" dirty="0">
+                <a:latin typeface="Courier New" panose="02070309020205020404" pitchFamily="49" charset="0"/>
+                <a:cs typeface="Courier New" panose="02070309020205020404" pitchFamily="49" charset="0"/>
+              </a:rPr>
+              <a:t>  std::sort(&amp;a[0], &amp;a[</a:t>
             </a:r>
             <a:r>
               <a:rPr lang="en-US" dirty="0" err="1">
                 <a:latin typeface="Courier New" panose="02070309020205020404" pitchFamily="49" charset="0"/>
                 <a:cs typeface="Courier New" panose="02070309020205020404" pitchFamily="49" charset="0"/>
               </a:rPr>
-              <a:t>a.out</a:t>
-            </a:r>
-            <a:endParaRPr lang="en-US" dirty="0">
-              <a:latin typeface="Courier New" panose="02070309020205020404" pitchFamily="49" charset="0"/>
-              <a:cs typeface="Courier New" panose="02070309020205020404" pitchFamily="49" charset="0"/>
-            </a:endParaRPr>
+              <a:t>sizeof</a:t>
+            </a:r>
+            <a:r>
+              <a:rPr lang="en-US" dirty="0">
+                <a:latin typeface="Courier New" panose="02070309020205020404" pitchFamily="49" charset="0"/>
+                <a:cs typeface="Courier New" panose="02070309020205020404" pitchFamily="49" charset="0"/>
+              </a:rPr>
+              <a:t>(a)/</a:t>
+            </a:r>
+            <a:r>
+              <a:rPr lang="en-US" dirty="0" err="1">
+                <a:latin typeface="Courier New" panose="02070309020205020404" pitchFamily="49" charset="0"/>
+                <a:cs typeface="Courier New" panose="02070309020205020404" pitchFamily="49" charset="0"/>
+              </a:rPr>
+              <a:t>sizeof</a:t>
+            </a:r>
+            <a:r>
+              <a:rPr lang="en-US" dirty="0">
+                <a:latin typeface="Courier New" panose="02070309020205020404" pitchFamily="49" charset="0"/>
+                <a:cs typeface="Courier New" panose="02070309020205020404" pitchFamily="49" charset="0"/>
+              </a:rPr>
+              <a:t>(a[0])]);</a:t>
+            </a:r>
           </a:p>
           <a:p>
             <a:pPr marL="0" indent="0">
@@ -8547,7 +8485,21 @@
                 <a:latin typeface="Courier New" panose="02070309020205020404" pitchFamily="49" charset="0"/>
                 <a:cs typeface="Courier New" panose="02070309020205020404" pitchFamily="49" charset="0"/>
               </a:rPr>
-              <a:t>3</a:t>
+              <a:t>  for (auto x : a) std::</a:t>
+            </a:r>
+            <a:r>
+              <a:rPr lang="en-US" dirty="0" err="1">
+                <a:latin typeface="Courier New" panose="02070309020205020404" pitchFamily="49" charset="0"/>
+                <a:cs typeface="Courier New" panose="02070309020205020404" pitchFamily="49" charset="0"/>
+              </a:rPr>
+              <a:t>cout</a:t>
+            </a:r>
+            <a:r>
+              <a:rPr lang="en-US" dirty="0">
+                <a:latin typeface="Courier New" panose="02070309020205020404" pitchFamily="49" charset="0"/>
+                <a:cs typeface="Courier New" panose="02070309020205020404" pitchFamily="49" charset="0"/>
+              </a:rPr>
+              <a:t> &lt;&lt; x &lt;&lt; "\n";</a:t>
             </a:r>
           </a:p>
           <a:p>
@@ -8559,7 +8511,7 @@
                 <a:latin typeface="Courier New" panose="02070309020205020404" pitchFamily="49" charset="0"/>
                 <a:cs typeface="Courier New" panose="02070309020205020404" pitchFamily="49" charset="0"/>
               </a:rPr>
-              <a:t>5</a:t>
+              <a:t>  return 0;</a:t>
             </a:r>
           </a:p>
           <a:p>
@@ -8571,43 +8523,7 @@
                 <a:latin typeface="Courier New" panose="02070309020205020404" pitchFamily="49" charset="0"/>
                 <a:cs typeface="Courier New" panose="02070309020205020404" pitchFamily="49" charset="0"/>
               </a:rPr>
-              <a:t>100</a:t>
-            </a:r>
-          </a:p>
-          <a:p>
-            <a:pPr marL="0" indent="0">
-              <a:buNone/>
-            </a:pPr>
-            <a:r>
-              <a:rPr lang="en-US" dirty="0">
-                <a:latin typeface="Courier New" panose="02070309020205020404" pitchFamily="49" charset="0"/>
-                <a:cs typeface="Courier New" panose="02070309020205020404" pitchFamily="49" charset="0"/>
-              </a:rPr>
-              <a:t>nan</a:t>
-            </a:r>
-          </a:p>
-          <a:p>
-            <a:pPr marL="0" indent="0">
-              <a:buNone/>
-            </a:pPr>
-            <a:r>
-              <a:rPr lang="en-US" dirty="0">
-                <a:latin typeface="Courier New" panose="02070309020205020404" pitchFamily="49" charset="0"/>
-                <a:cs typeface="Courier New" panose="02070309020205020404" pitchFamily="49" charset="0"/>
-              </a:rPr>
-              <a:t>11</a:t>
-            </a:r>
-          </a:p>
-          <a:p>
-            <a:pPr marL="0" indent="0">
-              <a:buNone/>
-            </a:pPr>
-            <a:r>
-              <a:rPr lang="en-US" dirty="0">
-                <a:latin typeface="Courier New" panose="02070309020205020404" pitchFamily="49" charset="0"/>
-                <a:cs typeface="Courier New" panose="02070309020205020404" pitchFamily="49" charset="0"/>
-              </a:rPr>
-              <a:t>200</a:t>
+              <a:t>}</a:t>
             </a:r>
           </a:p>
         </p:txBody>
@@ -8615,7 +8531,7 @@
     </p:spTree>
     <p:extLst>
       <p:ext uri="{BB962C8B-B14F-4D97-AF65-F5344CB8AC3E}">
-        <p14:creationId xmlns:p14="http://schemas.microsoft.com/office/powerpoint/2010/main" val="1803112643"/>
+        <p14:creationId xmlns:p14="http://schemas.microsoft.com/office/powerpoint/2010/main" val="2320085877"/>
       </p:ext>
     </p:extLst>
   </p:cSld>
@@ -8759,7 +8675,7 @@
           <p:cNvPr id="2" name="Title 1">
             <a:extLst>
               <a:ext uri="{FF2B5EF4-FFF2-40B4-BE49-F238E27FC236}">
-                <a16:creationId xmlns:a16="http://schemas.microsoft.com/office/drawing/2014/main" id="{A83248B9-8DDB-40A9-BF39-EDB8DD846C55}"/>
+                <a16:creationId xmlns:a16="http://schemas.microsoft.com/office/drawing/2014/main" id="{82E7115D-C3C8-4FC6-BCEE-397B3B1CA1D3}"/>
               </a:ext>
             </a:extLst>
           </p:cNvPr>
@@ -8796,7 +8712,7 @@
           <p:cNvPr id="3" name="Content Placeholder 2">
             <a:extLst>
               <a:ext uri="{FF2B5EF4-FFF2-40B4-BE49-F238E27FC236}">
-                <a16:creationId xmlns:a16="http://schemas.microsoft.com/office/drawing/2014/main" id="{B51FC803-85BE-40C9-9D30-E61AD605C56F}"/>
+                <a16:creationId xmlns:a16="http://schemas.microsoft.com/office/drawing/2014/main" id="{C04CBD31-895D-41BF-BEFF-948422E8643B}"/>
               </a:ext>
             </a:extLst>
           </p:cNvPr>
@@ -8810,83 +8726,26 @@
         <p:spPr/>
         <p:txBody>
           <a:bodyPr>
-            <a:normAutofit fontScale="85000" lnSpcReduction="20000"/>
+            <a:normAutofit/>
           </a:bodyPr>
           <a:lstStyle/>
           <a:p>
-            <a:r>
-              <a:rPr lang="ru-RU" dirty="0"/>
-              <a:t>Типы с плавающей точкой поддерживают специальные значения NaN,</a:t>
-            </a:r>
-            <a:r>
-              <a:rPr lang="en-US" dirty="0"/>
-              <a:t> </a:t>
-            </a:r>
-            <a:r>
-              <a:rPr lang="ru-RU" dirty="0"/>
-              <a:t>которые возникают в результате некорректных вычислений</a:t>
-            </a:r>
-          </a:p>
-          <a:p>
-            <a:pPr lvl="1"/>
-            <a:r>
-              <a:rPr lang="ru-RU" dirty="0"/>
-              <a:t>например извлечения корня из отрицательного числа или деления </a:t>
-            </a:r>
-            <a:r>
-              <a:rPr lang="ru-RU" dirty="0">
-                <a:latin typeface="Courier New" panose="02070309020205020404" pitchFamily="49" charset="0"/>
-                <a:cs typeface="Courier New" panose="02070309020205020404" pitchFamily="49" charset="0"/>
-              </a:rPr>
-              <a:t>0/0</a:t>
-            </a:r>
-            <a:endParaRPr lang="ru-RU" dirty="0"/>
-          </a:p>
-          <a:p>
-            <a:r>
-              <a:rPr lang="ru-RU" dirty="0"/>
-              <a:t>Сравнение с NaN всегда возвращает false, поэтому NaN эквивалентен всем остальным числам</a:t>
-            </a:r>
-            <a:endParaRPr lang="en-US" dirty="0"/>
-          </a:p>
-          <a:p>
-            <a:r>
-              <a:rPr lang="ru-RU" dirty="0"/>
-              <a:t>Это приводит к нарушению транзитивности эквивалентности (4 аксиома):</a:t>
-            </a:r>
-          </a:p>
-          <a:p>
-            <a:pPr lvl="1"/>
-            <a:r>
-              <a:rPr lang="en-US" dirty="0">
-                <a:latin typeface="Courier New" panose="02070309020205020404" pitchFamily="49" charset="0"/>
-                <a:cs typeface="Courier New" panose="02070309020205020404" pitchFamily="49" charset="0"/>
-              </a:rPr>
-              <a:t>NAN ~ </a:t>
-            </a:r>
-            <a:r>
-              <a:rPr lang="ru-RU" dirty="0">
-                <a:latin typeface="Courier New" panose="02070309020205020404" pitchFamily="49" charset="0"/>
-                <a:cs typeface="Courier New" panose="02070309020205020404" pitchFamily="49" charset="0"/>
-              </a:rPr>
-              <a:t>1.</a:t>
-            </a:r>
-            <a:r>
-              <a:rPr lang="en-US" dirty="0">
-                <a:latin typeface="Courier New" panose="02070309020205020404" pitchFamily="49" charset="0"/>
-                <a:cs typeface="Courier New" panose="02070309020205020404" pitchFamily="49" charset="0"/>
-              </a:rPr>
-              <a:t>0</a:t>
-            </a:r>
-          </a:p>
-          <a:p>
-            <a:pPr lvl="1"/>
-            <a:r>
-              <a:rPr lang="ru-RU" dirty="0">
-                <a:latin typeface="Courier New" panose="02070309020205020404" pitchFamily="49" charset="0"/>
-                <a:cs typeface="Courier New" panose="02070309020205020404" pitchFamily="49" charset="0"/>
-              </a:rPr>
-              <a:t>NAN ~ 2.0</a:t>
+            <a:pPr marL="0" indent="0">
+              <a:buNone/>
+            </a:pPr>
+            <a:r>
+              <a:rPr lang="en-US" dirty="0">
+                <a:latin typeface="Courier New" panose="02070309020205020404" pitchFamily="49" charset="0"/>
+                <a:cs typeface="Courier New" panose="02070309020205020404" pitchFamily="49" charset="0"/>
+              </a:rPr>
+              <a:t>$ g++ bad.cc &amp;&amp; ./</a:t>
+            </a:r>
+            <a:r>
+              <a:rPr lang="en-US" dirty="0" err="1">
+                <a:latin typeface="Courier New" panose="02070309020205020404" pitchFamily="49" charset="0"/>
+                <a:cs typeface="Courier New" panose="02070309020205020404" pitchFamily="49" charset="0"/>
+              </a:rPr>
+              <a:t>a.out</a:t>
             </a:r>
             <a:endParaRPr lang="en-US" dirty="0">
               <a:latin typeface="Courier New" panose="02070309020205020404" pitchFamily="49" charset="0"/>
@@ -8894,52 +8753,83 @@
             </a:endParaRPr>
           </a:p>
           <a:p>
-            <a:pPr lvl="1"/>
-            <a:r>
-              <a:rPr lang="ru-RU" dirty="0"/>
-              <a:t>Но НЕ </a:t>
-            </a:r>
-            <a:r>
-              <a:rPr lang="ru-RU" dirty="0">
-                <a:latin typeface="Courier New" panose="02070309020205020404" pitchFamily="49" charset="0"/>
-                <a:cs typeface="Courier New" panose="02070309020205020404" pitchFamily="49" charset="0"/>
-              </a:rPr>
-              <a:t>1.0 ~ 2.0</a:t>
-            </a:r>
-            <a:endParaRPr lang="ru-RU" dirty="0"/>
-          </a:p>
-          <a:p>
-            <a:r>
-              <a:rPr lang="ru-RU" dirty="0"/>
-              <a:t>На практике это приводит к неправильной сортировке массивов содержащих NaNs:</a:t>
-            </a:r>
-          </a:p>
-          <a:p>
-            <a:r>
-              <a:rPr lang="ru-RU" dirty="0"/>
-              <a:t>Пример из жизни: </a:t>
-            </a:r>
-            <a:r>
-              <a:rPr lang="ru-RU" dirty="0">
-                <a:hlinkClick r:id="rId2"/>
-              </a:rPr>
-              <a:t>https://stackoverflow.com/questions/9244243/strict-weak-ordering-and-stdsort</a:t>
-            </a:r>
-            <a:r>
-              <a:rPr lang="en-US" dirty="0"/>
-              <a:t> </a:t>
-            </a:r>
-            <a:endParaRPr lang="ru-RU" dirty="0"/>
-          </a:p>
-          <a:p>
-            <a:endParaRPr lang="en-US" dirty="0"/>
+            <a:pPr marL="0" indent="0">
+              <a:buNone/>
+            </a:pPr>
+            <a:r>
+              <a:rPr lang="en-US" dirty="0">
+                <a:latin typeface="Courier New" panose="02070309020205020404" pitchFamily="49" charset="0"/>
+                <a:cs typeface="Courier New" panose="02070309020205020404" pitchFamily="49" charset="0"/>
+              </a:rPr>
+              <a:t>3</a:t>
+            </a:r>
+          </a:p>
+          <a:p>
+            <a:pPr marL="0" indent="0">
+              <a:buNone/>
+            </a:pPr>
+            <a:r>
+              <a:rPr lang="en-US" dirty="0">
+                <a:latin typeface="Courier New" panose="02070309020205020404" pitchFamily="49" charset="0"/>
+                <a:cs typeface="Courier New" panose="02070309020205020404" pitchFamily="49" charset="0"/>
+              </a:rPr>
+              <a:t>5</a:t>
+            </a:r>
+          </a:p>
+          <a:p>
+            <a:pPr marL="0" indent="0">
+              <a:buNone/>
+            </a:pPr>
+            <a:r>
+              <a:rPr lang="en-US" dirty="0">
+                <a:latin typeface="Courier New" panose="02070309020205020404" pitchFamily="49" charset="0"/>
+                <a:cs typeface="Courier New" panose="02070309020205020404" pitchFamily="49" charset="0"/>
+              </a:rPr>
+              <a:t>100</a:t>
+            </a:r>
+          </a:p>
+          <a:p>
+            <a:pPr marL="0" indent="0">
+              <a:buNone/>
+            </a:pPr>
+            <a:r>
+              <a:rPr lang="en-US" dirty="0">
+                <a:latin typeface="Courier New" panose="02070309020205020404" pitchFamily="49" charset="0"/>
+                <a:cs typeface="Courier New" panose="02070309020205020404" pitchFamily="49" charset="0"/>
+              </a:rPr>
+              <a:t>nan</a:t>
+            </a:r>
+          </a:p>
+          <a:p>
+            <a:pPr marL="0" indent="0">
+              <a:buNone/>
+            </a:pPr>
+            <a:r>
+              <a:rPr lang="en-US" dirty="0">
+                <a:latin typeface="Courier New" panose="02070309020205020404" pitchFamily="49" charset="0"/>
+                <a:cs typeface="Courier New" panose="02070309020205020404" pitchFamily="49" charset="0"/>
+              </a:rPr>
+              <a:t>11</a:t>
+            </a:r>
+          </a:p>
+          <a:p>
+            <a:pPr marL="0" indent="0">
+              <a:buNone/>
+            </a:pPr>
+            <a:r>
+              <a:rPr lang="en-US" dirty="0">
+                <a:latin typeface="Courier New" panose="02070309020205020404" pitchFamily="49" charset="0"/>
+                <a:cs typeface="Courier New" panose="02070309020205020404" pitchFamily="49" charset="0"/>
+              </a:rPr>
+              <a:t>200</a:t>
+            </a:r>
           </a:p>
         </p:txBody>
       </p:sp>
     </p:spTree>
     <p:extLst>
       <p:ext uri="{BB962C8B-B14F-4D97-AF65-F5344CB8AC3E}">
-        <p14:creationId xmlns:p14="http://schemas.microsoft.com/office/powerpoint/2010/main" val="4117246109"/>
+        <p14:creationId xmlns:p14="http://schemas.microsoft.com/office/powerpoint/2010/main" val="1803112643"/>
       </p:ext>
     </p:extLst>
   </p:cSld>
@@ -8971,7 +8861,7 @@
           <p:cNvPr id="2" name="Title 1">
             <a:extLst>
               <a:ext uri="{FF2B5EF4-FFF2-40B4-BE49-F238E27FC236}">
-                <a16:creationId xmlns:a16="http://schemas.microsoft.com/office/drawing/2014/main" id="{00DC1065-D907-484F-8EEF-614B38DC07E5}"/>
+                <a16:creationId xmlns:a16="http://schemas.microsoft.com/office/drawing/2014/main" id="{A83248B9-8DDB-40A9-BF39-EDB8DD846C55}"/>
               </a:ext>
             </a:extLst>
           </p:cNvPr>
@@ -9008,7 +8898,7 @@
           <p:cNvPr id="3" name="Content Placeholder 2">
             <a:extLst>
               <a:ext uri="{FF2B5EF4-FFF2-40B4-BE49-F238E27FC236}">
-                <a16:creationId xmlns:a16="http://schemas.microsoft.com/office/drawing/2014/main" id="{A2A5B613-811D-4BCF-B170-0BB119C2F796}"/>
+                <a16:creationId xmlns:a16="http://schemas.microsoft.com/office/drawing/2014/main" id="{B51FC803-85BE-40C9-9D30-E61AD605C56F}"/>
               </a:ext>
             </a:extLst>
           </p:cNvPr>
@@ -9021,12 +8911,14 @@
         </p:nvSpPr>
         <p:spPr/>
         <p:txBody>
-          <a:bodyPr/>
+          <a:bodyPr>
+            <a:normAutofit fontScale="85000" lnSpcReduction="20000"/>
+          </a:bodyPr>
           <a:lstStyle/>
           <a:p>
             <a:r>
               <a:rPr lang="ru-RU" dirty="0"/>
-              <a:t>Достаточно перед сортировкой</a:t>
+              <a:t>Типы с плавающей точкой поддерживают специальные значения NaN,</a:t>
             </a:r>
             <a:r>
               <a:rPr lang="en-US" dirty="0"/>
@@ -9034,126 +8926,112 @@
             </a:r>
             <a:r>
               <a:rPr lang="ru-RU" dirty="0"/>
-              <a:t>избавиться от </a:t>
-            </a:r>
-            <a:r>
-              <a:rPr lang="en-US" dirty="0" err="1"/>
-              <a:t>NaN</a:t>
+              <a:t>которые возникают в результате некорректных вычислений</a:t>
+            </a:r>
+          </a:p>
+          <a:p>
+            <a:pPr lvl="1"/>
+            <a:r>
+              <a:rPr lang="ru-RU" dirty="0"/>
+              <a:t>например извлечения корня из отрицательного числа или деления </a:t>
+            </a:r>
+            <a:r>
+              <a:rPr lang="ru-RU" dirty="0">
+                <a:latin typeface="Courier New" panose="02070309020205020404" pitchFamily="49" charset="0"/>
+                <a:cs typeface="Courier New" panose="02070309020205020404" pitchFamily="49" charset="0"/>
+              </a:rPr>
+              <a:t>0/0</a:t>
+            </a:r>
+            <a:endParaRPr lang="ru-RU" dirty="0"/>
+          </a:p>
+          <a:p>
+            <a:r>
+              <a:rPr lang="ru-RU" dirty="0"/>
+              <a:t>Сравнение с NaN всегда возвращает false, поэтому NaN эквивалентен всем остальным числам</a:t>
+            </a:r>
+            <a:endParaRPr lang="en-US" dirty="0"/>
+          </a:p>
+          <a:p>
+            <a:r>
+              <a:rPr lang="ru-RU" dirty="0"/>
+              <a:t>Это приводит к нарушению транзитивности эквивалентности (4 аксиома):</a:t>
+            </a:r>
+          </a:p>
+          <a:p>
+            <a:pPr lvl="1"/>
+            <a:r>
+              <a:rPr lang="en-US" dirty="0">
+                <a:latin typeface="Courier New" panose="02070309020205020404" pitchFamily="49" charset="0"/>
+                <a:cs typeface="Courier New" panose="02070309020205020404" pitchFamily="49" charset="0"/>
+              </a:rPr>
+              <a:t>NAN ~ </a:t>
+            </a:r>
+            <a:r>
+              <a:rPr lang="ru-RU" dirty="0">
+                <a:latin typeface="Courier New" panose="02070309020205020404" pitchFamily="49" charset="0"/>
+                <a:cs typeface="Courier New" panose="02070309020205020404" pitchFamily="49" charset="0"/>
+              </a:rPr>
+              <a:t>1.</a:t>
+            </a:r>
+            <a:r>
+              <a:rPr lang="en-US" dirty="0">
+                <a:latin typeface="Courier New" panose="02070309020205020404" pitchFamily="49" charset="0"/>
+                <a:cs typeface="Courier New" panose="02070309020205020404" pitchFamily="49" charset="0"/>
+              </a:rPr>
+              <a:t>0</a:t>
+            </a:r>
+          </a:p>
+          <a:p>
+            <a:pPr lvl="1"/>
+            <a:r>
+              <a:rPr lang="ru-RU" dirty="0">
+                <a:latin typeface="Courier New" panose="02070309020205020404" pitchFamily="49" charset="0"/>
+                <a:cs typeface="Courier New" panose="02070309020205020404" pitchFamily="49" charset="0"/>
+              </a:rPr>
+              <a:t>NAN ~ 2.0</a:t>
+            </a:r>
+            <a:endParaRPr lang="en-US" dirty="0">
+              <a:latin typeface="Courier New" panose="02070309020205020404" pitchFamily="49" charset="0"/>
+              <a:cs typeface="Courier New" panose="02070309020205020404" pitchFamily="49" charset="0"/>
+            </a:endParaRPr>
+          </a:p>
+          <a:p>
+            <a:pPr lvl="1"/>
+            <a:r>
+              <a:rPr lang="ru-RU" dirty="0"/>
+              <a:t>Но НЕ </a:t>
+            </a:r>
+            <a:r>
+              <a:rPr lang="ru-RU" dirty="0">
+                <a:latin typeface="Courier New" panose="02070309020205020404" pitchFamily="49" charset="0"/>
+                <a:cs typeface="Courier New" panose="02070309020205020404" pitchFamily="49" charset="0"/>
+              </a:rPr>
+              <a:t>1.0 ~ 2.0</a:t>
+            </a:r>
+            <a:endParaRPr lang="ru-RU" dirty="0"/>
+          </a:p>
+          <a:p>
+            <a:r>
+              <a:rPr lang="ru-RU" dirty="0"/>
+              <a:t>На практике это приводит к неправильной сортировке массивов содержащих NaNs:</a:t>
+            </a:r>
+          </a:p>
+          <a:p>
+            <a:r>
+              <a:rPr lang="ru-RU" dirty="0"/>
+              <a:t>Пример из жизни: </a:t>
+            </a:r>
+            <a:r>
+              <a:rPr lang="ru-RU" dirty="0">
+                <a:hlinkClick r:id="rId2"/>
+              </a:rPr>
+              <a:t>https://stackoverflow.com/questions/9244243/strict-weak-ordering-and-stdsort</a:t>
             </a:r>
             <a:r>
               <a:rPr lang="en-US" dirty="0"/>
-              <a:t>'</a:t>
-            </a:r>
-            <a:r>
-              <a:rPr lang="ru-RU" dirty="0"/>
-              <a:t>ов с помощью </a:t>
-            </a:r>
-            <a:r>
-              <a:rPr lang="en-US" dirty="0"/>
-              <a:t>std::partition:</a:t>
-            </a:r>
-          </a:p>
-          <a:p>
-            <a:pPr marL="457200" lvl="1" indent="0">
-              <a:buNone/>
-            </a:pPr>
-            <a:r>
-              <a:rPr lang="en-US" dirty="0">
-                <a:latin typeface="Courier New" panose="02070309020205020404" pitchFamily="49" charset="0"/>
-                <a:cs typeface="Courier New" panose="02070309020205020404" pitchFamily="49" charset="0"/>
-              </a:rPr>
-              <a:t>auto end = std::partition(&amp;a[0],</a:t>
-            </a:r>
-          </a:p>
-          <a:p>
-            <a:pPr marL="457200" lvl="1" indent="0">
-              <a:buNone/>
-            </a:pPr>
-            <a:r>
-              <a:rPr lang="en-US" dirty="0">
-                <a:latin typeface="Courier New" panose="02070309020205020404" pitchFamily="49" charset="0"/>
-                <a:cs typeface="Courier New" panose="02070309020205020404" pitchFamily="49" charset="0"/>
-              </a:rPr>
-              <a:t>                          &amp;a[</a:t>
-            </a:r>
-            <a:r>
-              <a:rPr lang="en-US" dirty="0" err="1">
-                <a:latin typeface="Courier New" panose="02070309020205020404" pitchFamily="49" charset="0"/>
-                <a:cs typeface="Courier New" panose="02070309020205020404" pitchFamily="49" charset="0"/>
-              </a:rPr>
-              <a:t>sizeof</a:t>
-            </a:r>
-            <a:r>
-              <a:rPr lang="en-US" dirty="0">
-                <a:latin typeface="Courier New" panose="02070309020205020404" pitchFamily="49" charset="0"/>
-                <a:cs typeface="Courier New" panose="02070309020205020404" pitchFamily="49" charset="0"/>
-              </a:rPr>
-              <a:t>(a)/</a:t>
-            </a:r>
-            <a:r>
-              <a:rPr lang="en-US" dirty="0" err="1">
-                <a:latin typeface="Courier New" panose="02070309020205020404" pitchFamily="49" charset="0"/>
-                <a:cs typeface="Courier New" panose="02070309020205020404" pitchFamily="49" charset="0"/>
-              </a:rPr>
-              <a:t>sizeof</a:t>
-            </a:r>
-            <a:r>
-              <a:rPr lang="en-US" dirty="0">
-                <a:latin typeface="Courier New" panose="02070309020205020404" pitchFamily="49" charset="0"/>
-                <a:cs typeface="Courier New" panose="02070309020205020404" pitchFamily="49" charset="0"/>
-              </a:rPr>
-              <a:t>(a[0])],</a:t>
-            </a:r>
-          </a:p>
-          <a:p>
-            <a:pPr marL="457200" lvl="1" indent="0">
-              <a:buNone/>
-            </a:pPr>
-            <a:r>
-              <a:rPr lang="en-US" dirty="0">
-                <a:latin typeface="Courier New" panose="02070309020205020404" pitchFamily="49" charset="0"/>
-                <a:cs typeface="Courier New" panose="02070309020205020404" pitchFamily="49" charset="0"/>
-              </a:rPr>
-              <a:t>                          [](double x) {</a:t>
-            </a:r>
-          </a:p>
-          <a:p>
-            <a:pPr marL="457200" lvl="1" indent="0">
-              <a:buNone/>
-            </a:pPr>
-            <a:r>
-              <a:rPr lang="en-US" dirty="0">
-                <a:latin typeface="Courier New" panose="02070309020205020404" pitchFamily="49" charset="0"/>
-                <a:cs typeface="Courier New" panose="02070309020205020404" pitchFamily="49" charset="0"/>
-              </a:rPr>
-              <a:t>                            return !</a:t>
-            </a:r>
-            <a:r>
-              <a:rPr lang="en-US" dirty="0" err="1">
-                <a:latin typeface="Courier New" panose="02070309020205020404" pitchFamily="49" charset="0"/>
-                <a:cs typeface="Courier New" panose="02070309020205020404" pitchFamily="49" charset="0"/>
-              </a:rPr>
-              <a:t>isnan</a:t>
-            </a:r>
-            <a:r>
-              <a:rPr lang="en-US" dirty="0">
-                <a:latin typeface="Courier New" panose="02070309020205020404" pitchFamily="49" charset="0"/>
-                <a:cs typeface="Courier New" panose="02070309020205020404" pitchFamily="49" charset="0"/>
-              </a:rPr>
-              <a:t>(x); });</a:t>
-            </a:r>
-          </a:p>
-          <a:p>
-            <a:pPr marL="457200" lvl="1" indent="0">
-              <a:buNone/>
-            </a:pPr>
-            <a:r>
-              <a:rPr lang="en-US" dirty="0">
-                <a:latin typeface="Courier New" panose="02070309020205020404" pitchFamily="49" charset="0"/>
-                <a:cs typeface="Courier New" panose="02070309020205020404" pitchFamily="49" charset="0"/>
-              </a:rPr>
-              <a:t>std::sort(&amp;a[0], end);</a:t>
-            </a:r>
+              <a:t> </a:t>
+            </a:r>
+            <a:endParaRPr lang="ru-RU" dirty="0"/>
           </a:p>
           <a:p>
             <a:endParaRPr lang="en-US" dirty="0"/>
@@ -9163,7 +9041,7 @@
     </p:spTree>
     <p:extLst>
       <p:ext uri="{BB962C8B-B14F-4D97-AF65-F5344CB8AC3E}">
-        <p14:creationId xmlns:p14="http://schemas.microsoft.com/office/powerpoint/2010/main" val="63913186"/>
+        <p14:creationId xmlns:p14="http://schemas.microsoft.com/office/powerpoint/2010/main" val="4117246109"/>
       </p:ext>
     </p:extLst>
   </p:cSld>
@@ -9195,7 +9073,7 @@
           <p:cNvPr id="2" name="Title 1">
             <a:extLst>
               <a:ext uri="{FF2B5EF4-FFF2-40B4-BE49-F238E27FC236}">
-                <a16:creationId xmlns:a16="http://schemas.microsoft.com/office/drawing/2014/main" id="{897E4EB9-3E73-4D16-A267-2453B3C7723C}"/>
+                <a16:creationId xmlns:a16="http://schemas.microsoft.com/office/drawing/2014/main" id="{00DC1065-D907-484F-8EEF-614B38DC07E5}"/>
               </a:ext>
             </a:extLst>
           </p:cNvPr>
@@ -9217,11 +9095,11 @@
             </a:r>
             <a:r>
               <a:rPr lang="en-US" dirty="0"/>
-              <a:t>:</a:t>
-            </a:r>
-            <a:r>
-              <a:rPr lang="ru-RU" dirty="0"/>
-              <a:t> некорректная обработка специального случая</a:t>
+              <a:t>: </a:t>
+            </a:r>
+            <a:r>
+              <a:rPr lang="en-US" dirty="0" err="1"/>
+              <a:t>NaN</a:t>
             </a:r>
             <a:endParaRPr lang="en-US" dirty="0"/>
           </a:p>
@@ -9232,7 +9110,7 @@
           <p:cNvPr id="3" name="Content Placeholder 2">
             <a:extLst>
               <a:ext uri="{FF2B5EF4-FFF2-40B4-BE49-F238E27FC236}">
-                <a16:creationId xmlns:a16="http://schemas.microsoft.com/office/drawing/2014/main" id="{1A1AB472-A844-4C1B-A37F-F4A1D7E62846}"/>
+                <a16:creationId xmlns:a16="http://schemas.microsoft.com/office/drawing/2014/main" id="{A2A5B613-811D-4BCF-B170-0BB119C2F796}"/>
               </a:ext>
             </a:extLst>
           </p:cNvPr>
@@ -9245,305 +9123,149 @@
         </p:nvSpPr>
         <p:spPr/>
         <p:txBody>
-          <a:bodyPr>
-            <a:normAutofit fontScale="85000" lnSpcReduction="20000"/>
-          </a:bodyPr>
+          <a:bodyPr/>
           <a:lstStyle/>
           <a:p>
-            <a:pPr marL="0" indent="0">
-              <a:buNone/>
-            </a:pPr>
-            <a:r>
-              <a:rPr lang="en-US" sz="2400" dirty="0">
-                <a:solidFill>
-                  <a:prstClr val="black"/>
-                </a:solidFill>
-                <a:latin typeface="Courier New" panose="02070309020205020404" pitchFamily="49" charset="0"/>
-                <a:cs typeface="Courier New" panose="02070309020205020404" pitchFamily="49" charset="0"/>
-              </a:rPr>
-              <a:t>[](std::</a:t>
-            </a:r>
-            <a:r>
-              <a:rPr lang="en-US" sz="2400" dirty="0" err="1">
-                <a:solidFill>
-                  <a:prstClr val="black"/>
-                </a:solidFill>
-                <a:latin typeface="Courier New" panose="02070309020205020404" pitchFamily="49" charset="0"/>
-                <a:cs typeface="Courier New" panose="02070309020205020404" pitchFamily="49" charset="0"/>
-              </a:rPr>
-              <a:t>uniq_ptr</a:t>
-            </a:r>
-            <a:r>
-              <a:rPr lang="en-US" sz="2400" dirty="0">
-                <a:solidFill>
-                  <a:prstClr val="black"/>
-                </a:solidFill>
-                <a:latin typeface="Courier New" panose="02070309020205020404" pitchFamily="49" charset="0"/>
-                <a:cs typeface="Courier New" panose="02070309020205020404" pitchFamily="49" charset="0"/>
-              </a:rPr>
-              <a:t>&lt;</a:t>
-            </a:r>
-            <a:r>
-              <a:rPr lang="en-US" sz="2400" dirty="0" err="1">
-                <a:solidFill>
-                  <a:prstClr val="black"/>
-                </a:solidFill>
-                <a:latin typeface="Courier New" panose="02070309020205020404" pitchFamily="49" charset="0"/>
-                <a:cs typeface="Courier New" panose="02070309020205020404" pitchFamily="49" charset="0"/>
-              </a:rPr>
-              <a:t>SomeClass</a:t>
-            </a:r>
-            <a:r>
-              <a:rPr lang="en-US" sz="2400" dirty="0">
-                <a:solidFill>
-                  <a:prstClr val="black"/>
-                </a:solidFill>
-                <a:latin typeface="Courier New" panose="02070309020205020404" pitchFamily="49" charset="0"/>
-                <a:cs typeface="Courier New" panose="02070309020205020404" pitchFamily="49" charset="0"/>
-              </a:rPr>
-              <a:t>&gt; l, std::</a:t>
-            </a:r>
-            <a:r>
-              <a:rPr lang="en-US" sz="2400" dirty="0" err="1">
-                <a:solidFill>
-                  <a:prstClr val="black"/>
-                </a:solidFill>
-                <a:latin typeface="Courier New" panose="02070309020205020404" pitchFamily="49" charset="0"/>
-                <a:cs typeface="Courier New" panose="02070309020205020404" pitchFamily="49" charset="0"/>
-              </a:rPr>
-              <a:t>uniq_ptr</a:t>
-            </a:r>
-            <a:r>
-              <a:rPr lang="en-US" sz="2400" dirty="0">
-                <a:solidFill>
-                  <a:prstClr val="black"/>
-                </a:solidFill>
-                <a:latin typeface="Courier New" panose="02070309020205020404" pitchFamily="49" charset="0"/>
-                <a:cs typeface="Courier New" panose="02070309020205020404" pitchFamily="49" charset="0"/>
-              </a:rPr>
-              <a:t>&lt;</a:t>
-            </a:r>
-            <a:r>
-              <a:rPr lang="en-US" sz="2400" dirty="0" err="1">
-                <a:solidFill>
-                  <a:prstClr val="black"/>
-                </a:solidFill>
-                <a:latin typeface="Courier New" panose="02070309020205020404" pitchFamily="49" charset="0"/>
-                <a:cs typeface="Courier New" panose="02070309020205020404" pitchFamily="49" charset="0"/>
-              </a:rPr>
-              <a:t>SomeClass</a:t>
-            </a:r>
-            <a:r>
-              <a:rPr lang="en-US" sz="2400" dirty="0">
-                <a:solidFill>
-                  <a:prstClr val="black"/>
-                </a:solidFill>
-                <a:latin typeface="Courier New" panose="02070309020205020404" pitchFamily="49" charset="0"/>
-                <a:cs typeface="Courier New" panose="02070309020205020404" pitchFamily="49" charset="0"/>
-              </a:rPr>
-              <a:t>&gt; r) {</a:t>
-            </a:r>
-          </a:p>
-          <a:p>
-            <a:pPr marL="0" indent="0">
-              <a:buNone/>
-            </a:pPr>
-            <a:r>
-              <a:rPr lang="en-US" sz="2400" dirty="0">
-                <a:solidFill>
-                  <a:prstClr val="black"/>
-                </a:solidFill>
-                <a:latin typeface="Courier New" panose="02070309020205020404" pitchFamily="49" charset="0"/>
-                <a:cs typeface="Courier New" panose="02070309020205020404" pitchFamily="49" charset="0"/>
-              </a:rPr>
-              <a:t>  if (!</a:t>
-            </a:r>
-            <a:r>
-              <a:rPr lang="en-US" sz="2400" dirty="0" err="1">
-                <a:solidFill>
-                  <a:prstClr val="black"/>
-                </a:solidFill>
-                <a:latin typeface="Courier New" panose="02070309020205020404" pitchFamily="49" charset="0"/>
-                <a:cs typeface="Courier New" panose="02070309020205020404" pitchFamily="49" charset="0"/>
-              </a:rPr>
-              <a:t>l.get</a:t>
-            </a:r>
-            <a:r>
-              <a:rPr lang="en-US" sz="2400" dirty="0">
-                <a:solidFill>
-                  <a:prstClr val="black"/>
-                </a:solidFill>
-                <a:latin typeface="Courier New" panose="02070309020205020404" pitchFamily="49" charset="0"/>
-                <a:cs typeface="Courier New" panose="02070309020205020404" pitchFamily="49" charset="0"/>
-              </a:rPr>
-              <a:t>())</a:t>
-            </a:r>
-          </a:p>
-          <a:p>
-            <a:pPr marL="0" indent="0">
-              <a:buNone/>
-            </a:pPr>
-            <a:r>
-              <a:rPr lang="en-US" sz="2400" dirty="0">
-                <a:solidFill>
-                  <a:prstClr val="black"/>
-                </a:solidFill>
-                <a:latin typeface="Courier New" panose="02070309020205020404" pitchFamily="49" charset="0"/>
-                <a:cs typeface="Courier New" panose="02070309020205020404" pitchFamily="49" charset="0"/>
-              </a:rPr>
-              <a:t>    return true;</a:t>
-            </a:r>
-          </a:p>
-          <a:p>
-            <a:pPr marL="0" indent="0">
-              <a:buNone/>
-            </a:pPr>
-            <a:r>
-              <a:rPr lang="en-US" sz="2400" dirty="0">
-                <a:solidFill>
-                  <a:prstClr val="black"/>
-                </a:solidFill>
-                <a:latin typeface="Courier New" panose="02070309020205020404" pitchFamily="49" charset="0"/>
-                <a:cs typeface="Courier New" panose="02070309020205020404" pitchFamily="49" charset="0"/>
-              </a:rPr>
-              <a:t>  else</a:t>
-            </a:r>
-          </a:p>
-          <a:p>
-            <a:pPr marL="0" indent="0">
-              <a:buNone/>
-            </a:pPr>
-            <a:r>
-              <a:rPr lang="en-US" sz="2400" dirty="0">
-                <a:solidFill>
-                  <a:prstClr val="black"/>
-                </a:solidFill>
-                <a:latin typeface="Courier New" panose="02070309020205020404" pitchFamily="49" charset="0"/>
-                <a:cs typeface="Courier New" panose="02070309020205020404" pitchFamily="49" charset="0"/>
-              </a:rPr>
-              <a:t>    ...</a:t>
-            </a:r>
-          </a:p>
-          <a:p>
-            <a:pPr marL="0" indent="0">
-              <a:buNone/>
-            </a:pPr>
-            <a:r>
-              <a:rPr lang="en-US" sz="2400" dirty="0">
-                <a:solidFill>
-                  <a:prstClr val="black"/>
-                </a:solidFill>
-                <a:latin typeface="Courier New" panose="02070309020205020404" pitchFamily="49" charset="0"/>
-                <a:cs typeface="Courier New" panose="02070309020205020404" pitchFamily="49" charset="0"/>
-              </a:rPr>
-              <a:t>}</a:t>
-            </a:r>
-            <a:endParaRPr lang="ru-RU" sz="2400" dirty="0">
-              <a:solidFill>
-                <a:prstClr val="black"/>
-              </a:solidFill>
-              <a:latin typeface="Courier New" panose="02070309020205020404" pitchFamily="49" charset="0"/>
-              <a:cs typeface="Courier New" panose="02070309020205020404" pitchFamily="49" charset="0"/>
-            </a:endParaRPr>
-          </a:p>
-          <a:p>
-            <a:r>
-              <a:rPr lang="ru-RU" dirty="0">
-                <a:solidFill>
-                  <a:prstClr val="black"/>
-                </a:solidFill>
-                <a:cs typeface="Courier New" panose="02070309020205020404" pitchFamily="49" charset="0"/>
-              </a:rPr>
-              <a:t>Нарушается иррефлексивность и антисимметричность если второй операнд тоже нулевой</a:t>
-            </a:r>
-            <a:endParaRPr lang="en-US" dirty="0">
-              <a:solidFill>
-                <a:prstClr val="black"/>
-              </a:solidFill>
-              <a:cs typeface="Courier New" panose="02070309020205020404" pitchFamily="49" charset="0"/>
-            </a:endParaRPr>
-          </a:p>
-          <a:p>
-            <a:r>
-              <a:rPr lang="ru-RU" dirty="0">
-                <a:solidFill>
-                  <a:prstClr val="black"/>
-                </a:solidFill>
-                <a:cs typeface="Courier New" panose="02070309020205020404" pitchFamily="49" charset="0"/>
-              </a:rPr>
-              <a:t>Примеры со stackoverflow:</a:t>
-            </a:r>
-          </a:p>
-          <a:p>
-            <a:pPr lvl="1"/>
-            <a:r>
-              <a:rPr lang="ru-RU" dirty="0">
-                <a:solidFill>
-                  <a:prstClr val="black"/>
-                </a:solidFill>
-                <a:cs typeface="Courier New" panose="02070309020205020404" pitchFamily="49" charset="0"/>
-                <a:hlinkClick r:id="rId2"/>
-              </a:rPr>
-              <a:t>https://stackoverflow.com/questions/55815423/stdsort-crashes-with-strict-weak-ordering-comparing-with-garbage-values</a:t>
-            </a:r>
-            <a:r>
-              <a:rPr lang="en-US" dirty="0">
-                <a:solidFill>
-                  <a:prstClr val="black"/>
-                </a:solidFill>
-                <a:cs typeface="Courier New" panose="02070309020205020404" pitchFamily="49" charset="0"/>
-              </a:rPr>
+            <a:r>
+              <a:rPr lang="ru-RU" dirty="0"/>
+              <a:t>Достаточно перед сортировкой</a:t>
+            </a:r>
+            <a:r>
+              <a:rPr lang="en-US" dirty="0"/>
               <a:t> </a:t>
             </a:r>
-            <a:endParaRPr lang="ru-RU" dirty="0">
-              <a:solidFill>
-                <a:prstClr val="black"/>
-              </a:solidFill>
-              <a:cs typeface="Courier New" panose="02070309020205020404" pitchFamily="49" charset="0"/>
-            </a:endParaRPr>
-          </a:p>
-          <a:p>
-            <a:pPr lvl="1"/>
-            <a:r>
-              <a:rPr lang="ru-RU" dirty="0">
-                <a:solidFill>
-                  <a:prstClr val="black"/>
-                </a:solidFill>
-                <a:cs typeface="Courier New" panose="02070309020205020404" pitchFamily="49" charset="0"/>
-                <a:hlinkClick r:id="rId3"/>
-              </a:rPr>
-              <a:t>https://stackoverflow.com/questions/48972158/crash-in-stdsort-sorting-without-strict-weak-ordering</a:t>
-            </a:r>
-            <a:r>
-              <a:rPr lang="en-US" dirty="0">
-                <a:solidFill>
-                  <a:prstClr val="black"/>
-                </a:solidFill>
-                <a:cs typeface="Courier New" panose="02070309020205020404" pitchFamily="49" charset="0"/>
-              </a:rPr>
-              <a:t> </a:t>
-            </a:r>
-            <a:endParaRPr lang="ru-RU" dirty="0">
-              <a:solidFill>
-                <a:prstClr val="black"/>
-              </a:solidFill>
-              <a:cs typeface="Courier New" panose="02070309020205020404" pitchFamily="49" charset="0"/>
-            </a:endParaRPr>
-          </a:p>
-          <a:p>
-            <a:endParaRPr lang="en-US" dirty="0">
-              <a:solidFill>
-                <a:prstClr val="black"/>
-              </a:solidFill>
-              <a:cs typeface="Courier New" panose="02070309020205020404" pitchFamily="49" charset="0"/>
-            </a:endParaRPr>
+            <a:r>
+              <a:rPr lang="ru-RU" dirty="0"/>
+              <a:t>избавиться от </a:t>
+            </a:r>
+            <a:r>
+              <a:rPr lang="en-US" dirty="0" err="1"/>
+              <a:t>NaN</a:t>
+            </a:r>
+            <a:r>
+              <a:rPr lang="en-US" dirty="0"/>
+              <a:t>'</a:t>
+            </a:r>
+            <a:r>
+              <a:rPr lang="ru-RU" dirty="0"/>
+              <a:t>ов с помощью </a:t>
+            </a:r>
+            <a:r>
+              <a:rPr lang="en-US" dirty="0"/>
+              <a:t>std::partition:</a:t>
+            </a:r>
+          </a:p>
+          <a:p>
+            <a:pPr marL="457200" lvl="1" indent="0">
+              <a:buNone/>
+            </a:pPr>
+            <a:r>
+              <a:rPr lang="en-US" dirty="0">
+                <a:latin typeface="Courier New" panose="02070309020205020404" pitchFamily="49" charset="0"/>
+                <a:cs typeface="Courier New" panose="02070309020205020404" pitchFamily="49" charset="0"/>
+              </a:rPr>
+              <a:t>auto end = std::partition(&amp;a[0],</a:t>
+            </a:r>
+          </a:p>
+          <a:p>
+            <a:pPr marL="457200" lvl="1" indent="0">
+              <a:buNone/>
+            </a:pPr>
+            <a:r>
+              <a:rPr lang="en-US" dirty="0">
+                <a:latin typeface="Courier New" panose="02070309020205020404" pitchFamily="49" charset="0"/>
+                <a:cs typeface="Courier New" panose="02070309020205020404" pitchFamily="49" charset="0"/>
+              </a:rPr>
+              <a:t>                          &amp;a[</a:t>
+            </a:r>
+            <a:r>
+              <a:rPr lang="en-US" dirty="0" err="1">
+                <a:latin typeface="Courier New" panose="02070309020205020404" pitchFamily="49" charset="0"/>
+                <a:cs typeface="Courier New" panose="02070309020205020404" pitchFamily="49" charset="0"/>
+              </a:rPr>
+              <a:t>sizeof</a:t>
+            </a:r>
+            <a:r>
+              <a:rPr lang="en-US" dirty="0">
+                <a:latin typeface="Courier New" panose="02070309020205020404" pitchFamily="49" charset="0"/>
+                <a:cs typeface="Courier New" panose="02070309020205020404" pitchFamily="49" charset="0"/>
+              </a:rPr>
+              <a:t>(a)/</a:t>
+            </a:r>
+            <a:r>
+              <a:rPr lang="en-US" dirty="0" err="1">
+                <a:latin typeface="Courier New" panose="02070309020205020404" pitchFamily="49" charset="0"/>
+                <a:cs typeface="Courier New" panose="02070309020205020404" pitchFamily="49" charset="0"/>
+              </a:rPr>
+              <a:t>sizeof</a:t>
+            </a:r>
+            <a:r>
+              <a:rPr lang="en-US" dirty="0">
+                <a:latin typeface="Courier New" panose="02070309020205020404" pitchFamily="49" charset="0"/>
+                <a:cs typeface="Courier New" panose="02070309020205020404" pitchFamily="49" charset="0"/>
+              </a:rPr>
+              <a:t>(a[0])],</a:t>
+            </a:r>
+          </a:p>
+          <a:p>
+            <a:pPr marL="457200" lvl="1" indent="0">
+              <a:buNone/>
+            </a:pPr>
+            <a:r>
+              <a:rPr lang="en-US" dirty="0">
+                <a:latin typeface="Courier New" panose="02070309020205020404" pitchFamily="49" charset="0"/>
+                <a:cs typeface="Courier New" panose="02070309020205020404" pitchFamily="49" charset="0"/>
+              </a:rPr>
+              <a:t>                          [](double x) {</a:t>
+            </a:r>
+          </a:p>
+          <a:p>
+            <a:pPr marL="457200" lvl="1" indent="0">
+              <a:buNone/>
+            </a:pPr>
+            <a:r>
+              <a:rPr lang="en-US" dirty="0">
+                <a:latin typeface="Courier New" panose="02070309020205020404" pitchFamily="49" charset="0"/>
+                <a:cs typeface="Courier New" panose="02070309020205020404" pitchFamily="49" charset="0"/>
+              </a:rPr>
+              <a:t>                            return !</a:t>
+            </a:r>
+            <a:r>
+              <a:rPr lang="en-US" dirty="0" err="1">
+                <a:latin typeface="Courier New" panose="02070309020205020404" pitchFamily="49" charset="0"/>
+                <a:cs typeface="Courier New" panose="02070309020205020404" pitchFamily="49" charset="0"/>
+              </a:rPr>
+              <a:t>isnan</a:t>
+            </a:r>
+            <a:r>
+              <a:rPr lang="en-US" dirty="0">
+                <a:latin typeface="Courier New" panose="02070309020205020404" pitchFamily="49" charset="0"/>
+                <a:cs typeface="Courier New" panose="02070309020205020404" pitchFamily="49" charset="0"/>
+              </a:rPr>
+              <a:t>(x); });</a:t>
+            </a:r>
+          </a:p>
+          <a:p>
+            <a:pPr marL="457200" lvl="1" indent="0">
+              <a:buNone/>
+            </a:pPr>
+            <a:r>
+              <a:rPr lang="en-US" dirty="0">
+                <a:latin typeface="Courier New" panose="02070309020205020404" pitchFamily="49" charset="0"/>
+                <a:cs typeface="Courier New" panose="02070309020205020404" pitchFamily="49" charset="0"/>
+              </a:rPr>
+              <a:t>std::sort(&amp;a[0], end);</a:t>
+            </a:r>
+          </a:p>
+          <a:p>
+            <a:endParaRPr lang="en-US" dirty="0"/>
           </a:p>
         </p:txBody>
       </p:sp>
     </p:spTree>
     <p:extLst>
       <p:ext uri="{BB962C8B-B14F-4D97-AF65-F5344CB8AC3E}">
-        <p14:creationId xmlns:p14="http://schemas.microsoft.com/office/powerpoint/2010/main" val="711564749"/>
+        <p14:creationId xmlns:p14="http://schemas.microsoft.com/office/powerpoint/2010/main" val="63913186"/>
       </p:ext>
     </p:extLst>
   </p:cSld>
@@ -9575,7 +9297,7 @@
           <p:cNvPr id="2" name="Title 1">
             <a:extLst>
               <a:ext uri="{FF2B5EF4-FFF2-40B4-BE49-F238E27FC236}">
-                <a16:creationId xmlns:a16="http://schemas.microsoft.com/office/drawing/2014/main" id="{2A113B13-406F-410B-BFB5-9599BB8FA280}"/>
+                <a16:creationId xmlns:a16="http://schemas.microsoft.com/office/drawing/2014/main" id="{897E4EB9-3E73-4D16-A267-2453B3C7723C}"/>
               </a:ext>
             </a:extLst>
           </p:cNvPr>
@@ -9601,7 +9323,7 @@
             </a:r>
             <a:r>
               <a:rPr lang="ru-RU" dirty="0"/>
-              <a:t> приближенные сравнения</a:t>
+              <a:t> некорректная обработка специального случая</a:t>
             </a:r>
             <a:endParaRPr lang="en-US" dirty="0"/>
           </a:p>
@@ -9612,7 +9334,7 @@
           <p:cNvPr id="3" name="Content Placeholder 2">
             <a:extLst>
               <a:ext uri="{FF2B5EF4-FFF2-40B4-BE49-F238E27FC236}">
-                <a16:creationId xmlns:a16="http://schemas.microsoft.com/office/drawing/2014/main" id="{92E789BC-A1A6-4768-97BD-DC69CFA3A8F6}"/>
+                <a16:creationId xmlns:a16="http://schemas.microsoft.com/office/drawing/2014/main" id="{1A1AB472-A844-4C1B-A37F-F4A1D7E62846}"/>
               </a:ext>
             </a:extLst>
           </p:cNvPr>
@@ -9634,166 +9356,296 @@
               <a:buNone/>
             </a:pPr>
             <a:r>
-              <a:rPr lang="en-US" sz="2600" dirty="0">
+              <a:rPr lang="en-US" sz="2400" dirty="0">
                 <a:solidFill>
                   <a:prstClr val="black"/>
                 </a:solidFill>
                 <a:latin typeface="Courier New" panose="02070309020205020404" pitchFamily="49" charset="0"/>
                 <a:cs typeface="Courier New" panose="02070309020205020404" pitchFamily="49" charset="0"/>
               </a:rPr>
-              <a:t>bool </a:t>
-            </a:r>
-            <a:r>
-              <a:rPr lang="en-US" sz="2600" dirty="0" err="1">
+              <a:t>[](std::</a:t>
+            </a:r>
+            <a:r>
+              <a:rPr lang="en-US" sz="2400" dirty="0" err="1">
                 <a:solidFill>
                   <a:prstClr val="black"/>
                 </a:solidFill>
                 <a:latin typeface="Courier New" panose="02070309020205020404" pitchFamily="49" charset="0"/>
                 <a:cs typeface="Courier New" panose="02070309020205020404" pitchFamily="49" charset="0"/>
               </a:rPr>
-              <a:t>cmp</a:t>
-            </a:r>
-            <a:r>
-              <a:rPr lang="en-US" sz="2600" dirty="0">
+              <a:t>uniq_ptr</a:t>
+            </a:r>
+            <a:r>
+              <a:rPr lang="en-US" sz="2400" dirty="0">
                 <a:solidFill>
                   <a:prstClr val="black"/>
                 </a:solidFill>
                 <a:latin typeface="Courier New" panose="02070309020205020404" pitchFamily="49" charset="0"/>
                 <a:cs typeface="Courier New" panose="02070309020205020404" pitchFamily="49" charset="0"/>
               </a:rPr>
-              <a:t>(double a, double b) {</a:t>
-            </a:r>
-          </a:p>
-          <a:p>
-            <a:pPr marL="0" indent="0">
-              <a:buNone/>
-            </a:pPr>
-            <a:r>
-              <a:rPr lang="en-US" sz="2600" dirty="0">
+              <a:t>&lt;</a:t>
+            </a:r>
+            <a:r>
+              <a:rPr lang="en-US" sz="2400" dirty="0" err="1">
                 <a:solidFill>
                   <a:prstClr val="black"/>
                 </a:solidFill>
                 <a:latin typeface="Courier New" panose="02070309020205020404" pitchFamily="49" charset="0"/>
                 <a:cs typeface="Courier New" panose="02070309020205020404" pitchFamily="49" charset="0"/>
               </a:rPr>
-              <a:t>    if (abs(a - b) &lt; eps) return false;</a:t>
-            </a:r>
-          </a:p>
-          <a:p>
-            <a:pPr marL="0" indent="0">
-              <a:buNone/>
-            </a:pPr>
-            <a:r>
-              <a:rPr lang="en-US" sz="2600" dirty="0">
+              <a:t>SomeClass</a:t>
+            </a:r>
+            <a:r>
+              <a:rPr lang="en-US" sz="2400" dirty="0">
                 <a:solidFill>
                   <a:prstClr val="black"/>
                 </a:solidFill>
                 <a:latin typeface="Courier New" panose="02070309020205020404" pitchFamily="49" charset="0"/>
                 <a:cs typeface="Courier New" panose="02070309020205020404" pitchFamily="49" charset="0"/>
               </a:rPr>
-              <a:t>    return a &lt; b;</a:t>
-            </a:r>
-          </a:p>
-          <a:p>
-            <a:pPr marL="0" indent="0">
-              <a:buNone/>
-            </a:pPr>
-            <a:r>
-              <a:rPr lang="en-US" sz="2600" dirty="0">
+              <a:t>&gt; l, std::</a:t>
+            </a:r>
+            <a:r>
+              <a:rPr lang="en-US" sz="2400" dirty="0" err="1">
                 <a:solidFill>
                   <a:prstClr val="black"/>
                 </a:solidFill>
                 <a:latin typeface="Courier New" panose="02070309020205020404" pitchFamily="49" charset="0"/>
                 <a:cs typeface="Courier New" panose="02070309020205020404" pitchFamily="49" charset="0"/>
               </a:rPr>
+              <a:t>uniq_ptr</a:t>
+            </a:r>
+            <a:r>
+              <a:rPr lang="en-US" sz="2400" dirty="0">
+                <a:solidFill>
+                  <a:prstClr val="black"/>
+                </a:solidFill>
+                <a:latin typeface="Courier New" panose="02070309020205020404" pitchFamily="49" charset="0"/>
+                <a:cs typeface="Courier New" panose="02070309020205020404" pitchFamily="49" charset="0"/>
+              </a:rPr>
+              <a:t>&lt;</a:t>
+            </a:r>
+            <a:r>
+              <a:rPr lang="en-US" sz="2400" dirty="0" err="1">
+                <a:solidFill>
+                  <a:prstClr val="black"/>
+                </a:solidFill>
+                <a:latin typeface="Courier New" panose="02070309020205020404" pitchFamily="49" charset="0"/>
+                <a:cs typeface="Courier New" panose="02070309020205020404" pitchFamily="49" charset="0"/>
+              </a:rPr>
+              <a:t>SomeClass</a:t>
+            </a:r>
+            <a:r>
+              <a:rPr lang="en-US" sz="2400" dirty="0">
+                <a:solidFill>
+                  <a:prstClr val="black"/>
+                </a:solidFill>
+                <a:latin typeface="Courier New" panose="02070309020205020404" pitchFamily="49" charset="0"/>
+                <a:cs typeface="Courier New" panose="02070309020205020404" pitchFamily="49" charset="0"/>
+              </a:rPr>
+              <a:t>&gt; r) {</a:t>
+            </a:r>
+          </a:p>
+          <a:p>
+            <a:pPr marL="0" indent="0">
+              <a:buNone/>
+            </a:pPr>
+            <a:r>
+              <a:rPr lang="en-US" sz="2400" dirty="0">
+                <a:solidFill>
+                  <a:prstClr val="black"/>
+                </a:solidFill>
+                <a:latin typeface="Courier New" panose="02070309020205020404" pitchFamily="49" charset="0"/>
+                <a:cs typeface="Courier New" panose="02070309020205020404" pitchFamily="49" charset="0"/>
+              </a:rPr>
+              <a:t>  if (!</a:t>
+            </a:r>
+            <a:r>
+              <a:rPr lang="en-US" sz="2400" dirty="0" err="1">
+                <a:solidFill>
+                  <a:prstClr val="black"/>
+                </a:solidFill>
+                <a:latin typeface="Courier New" panose="02070309020205020404" pitchFamily="49" charset="0"/>
+                <a:cs typeface="Courier New" panose="02070309020205020404" pitchFamily="49" charset="0"/>
+              </a:rPr>
+              <a:t>l.get</a:t>
+            </a:r>
+            <a:r>
+              <a:rPr lang="en-US" sz="2400" dirty="0">
+                <a:solidFill>
+                  <a:prstClr val="black"/>
+                </a:solidFill>
+                <a:latin typeface="Courier New" panose="02070309020205020404" pitchFamily="49" charset="0"/>
+                <a:cs typeface="Courier New" panose="02070309020205020404" pitchFamily="49" charset="0"/>
+              </a:rPr>
+              <a:t>())</a:t>
+            </a:r>
+          </a:p>
+          <a:p>
+            <a:pPr marL="0" indent="0">
+              <a:buNone/>
+            </a:pPr>
+            <a:r>
+              <a:rPr lang="en-US" sz="2400" dirty="0">
+                <a:solidFill>
+                  <a:prstClr val="black"/>
+                </a:solidFill>
+                <a:latin typeface="Courier New" panose="02070309020205020404" pitchFamily="49" charset="0"/>
+                <a:cs typeface="Courier New" panose="02070309020205020404" pitchFamily="49" charset="0"/>
+              </a:rPr>
+              <a:t>    return true;</a:t>
+            </a:r>
+          </a:p>
+          <a:p>
+            <a:pPr marL="0" indent="0">
+              <a:buNone/>
+            </a:pPr>
+            <a:r>
+              <a:rPr lang="en-US" sz="2400" dirty="0">
+                <a:solidFill>
+                  <a:prstClr val="black"/>
+                </a:solidFill>
+                <a:latin typeface="Courier New" panose="02070309020205020404" pitchFamily="49" charset="0"/>
+                <a:cs typeface="Courier New" panose="02070309020205020404" pitchFamily="49" charset="0"/>
+              </a:rPr>
+              <a:t>  else</a:t>
+            </a:r>
+          </a:p>
+          <a:p>
+            <a:pPr marL="0" indent="0">
+              <a:buNone/>
+            </a:pPr>
+            <a:r>
+              <a:rPr lang="en-US" sz="2400" dirty="0">
+                <a:solidFill>
+                  <a:prstClr val="black"/>
+                </a:solidFill>
+                <a:latin typeface="Courier New" panose="02070309020205020404" pitchFamily="49" charset="0"/>
+                <a:cs typeface="Courier New" panose="02070309020205020404" pitchFamily="49" charset="0"/>
+              </a:rPr>
+              <a:t>    ...</a:t>
+            </a:r>
+          </a:p>
+          <a:p>
+            <a:pPr marL="0" indent="0">
+              <a:buNone/>
+            </a:pPr>
+            <a:r>
+              <a:rPr lang="en-US" sz="2400" dirty="0">
+                <a:solidFill>
+                  <a:prstClr val="black"/>
+                </a:solidFill>
+                <a:latin typeface="Courier New" panose="02070309020205020404" pitchFamily="49" charset="0"/>
+                <a:cs typeface="Courier New" panose="02070309020205020404" pitchFamily="49" charset="0"/>
+              </a:rPr>
               <a:t>}</a:t>
             </a:r>
-          </a:p>
-          <a:p>
-            <a:r>
-              <a:rPr lang="ru-RU" dirty="0"/>
-              <a:t>Программист хотел чтобы "близкие" элементы рассматривались как эквивалентные</a:t>
-            </a:r>
-          </a:p>
-          <a:p>
-            <a:r>
-              <a:rPr lang="ru-RU" dirty="0"/>
-              <a:t>Но при это нарушил аксиому транзитивности эквивалентности:</a:t>
-            </a:r>
-          </a:p>
-          <a:p>
-            <a:pPr marL="457200" lvl="1" indent="0">
-              <a:buNone/>
-            </a:pPr>
-            <a:r>
-              <a:rPr lang="ru-RU" dirty="0">
-                <a:latin typeface="Courier New" panose="02070309020205020404" pitchFamily="49" charset="0"/>
-                <a:cs typeface="Courier New" panose="02070309020205020404" pitchFamily="49" charset="0"/>
-              </a:rPr>
-              <a:t>equiv(0, 0.5 * eps) == true</a:t>
-            </a:r>
-            <a:endParaRPr lang="en-US" dirty="0">
+            <a:endParaRPr lang="ru-RU" sz="2400" dirty="0">
+              <a:solidFill>
+                <a:prstClr val="black"/>
+              </a:solidFill>
               <a:latin typeface="Courier New" panose="02070309020205020404" pitchFamily="49" charset="0"/>
               <a:cs typeface="Courier New" panose="02070309020205020404" pitchFamily="49" charset="0"/>
             </a:endParaRPr>
           </a:p>
           <a:p>
-            <a:pPr marL="457200" lvl="1" indent="0">
-              <a:buNone/>
-            </a:pPr>
             <a:r>
               <a:rPr lang="ru-RU" dirty="0">
-                <a:latin typeface="Courier New" panose="02070309020205020404" pitchFamily="49" charset="0"/>
-                <a:cs typeface="Courier New" panose="02070309020205020404" pitchFamily="49" charset="0"/>
-              </a:rPr>
-              <a:t>equiv(0.5 * eps, eps) == true</a:t>
+                <a:solidFill>
+                  <a:prstClr val="black"/>
+                </a:solidFill>
+                <a:cs typeface="Courier New" panose="02070309020205020404" pitchFamily="49" charset="0"/>
+              </a:rPr>
+              <a:t>Нарушается иррефлексивность и антисимметричность если второй операнд тоже нулевой</a:t>
             </a:r>
             <a:endParaRPr lang="en-US" dirty="0">
-              <a:latin typeface="Courier New" panose="02070309020205020404" pitchFamily="49" charset="0"/>
+              <a:solidFill>
+                <a:prstClr val="black"/>
+              </a:solidFill>
               <a:cs typeface="Courier New" panose="02070309020205020404" pitchFamily="49" charset="0"/>
             </a:endParaRPr>
           </a:p>
           <a:p>
-            <a:pPr marL="457200" lvl="1" indent="0">
-              <a:buNone/>
-            </a:pPr>
             <a:r>
               <a:rPr lang="ru-RU" dirty="0">
-                <a:latin typeface="Courier New" panose="02070309020205020404" pitchFamily="49" charset="0"/>
-                <a:cs typeface="Courier New" panose="02070309020205020404" pitchFamily="49" charset="0"/>
-              </a:rPr>
-              <a:t>cmp(0, eps) == false</a:t>
-            </a:r>
-          </a:p>
-          <a:p>
-            <a:r>
-              <a:rPr lang="ru-RU" dirty="0"/>
-              <a:t>Пример:</a:t>
+                <a:solidFill>
+                  <a:prstClr val="black"/>
+                </a:solidFill>
+                <a:cs typeface="Courier New" panose="02070309020205020404" pitchFamily="49" charset="0"/>
+              </a:rPr>
+              <a:t>Примеры со stackoverflow:</a:t>
             </a:r>
           </a:p>
           <a:p>
             <a:pPr lvl="1"/>
             <a:r>
               <a:rPr lang="ru-RU" dirty="0">
+                <a:solidFill>
+                  <a:prstClr val="black"/>
+                </a:solidFill>
+                <a:cs typeface="Courier New" panose="02070309020205020404" pitchFamily="49" charset="0"/>
                 <a:hlinkClick r:id="rId2"/>
               </a:rPr>
-              <a:t>https://stackoverflow.com/questions/68114060/does-using-epsilon-in-comparison-of-floating-point-break-strict-weak-ordering</a:t>
-            </a:r>
-            <a:r>
-              <a:rPr lang="en-US" dirty="0"/>
+              <a:t>https://stackoverflow.com/questions/55815423/stdsort-crashes-with-strict-weak-ordering-comparing-with-garbage-values</a:t>
+            </a:r>
+            <a:r>
+              <a:rPr lang="en-US" dirty="0">
+                <a:solidFill>
+                  <a:prstClr val="black"/>
+                </a:solidFill>
+                <a:cs typeface="Courier New" panose="02070309020205020404" pitchFamily="49" charset="0"/>
+              </a:rPr>
               <a:t> </a:t>
             </a:r>
-            <a:endParaRPr lang="ru-RU" dirty="0"/>
-          </a:p>
-          <a:p>
-            <a:endParaRPr lang="en-US" dirty="0"/>
+            <a:endParaRPr lang="ru-RU" dirty="0">
+              <a:solidFill>
+                <a:prstClr val="black"/>
+              </a:solidFill>
+              <a:cs typeface="Courier New" panose="02070309020205020404" pitchFamily="49" charset="0"/>
+            </a:endParaRPr>
+          </a:p>
+          <a:p>
+            <a:pPr lvl="1"/>
+            <a:r>
+              <a:rPr lang="ru-RU" dirty="0">
+                <a:solidFill>
+                  <a:prstClr val="black"/>
+                </a:solidFill>
+                <a:cs typeface="Courier New" panose="02070309020205020404" pitchFamily="49" charset="0"/>
+                <a:hlinkClick r:id="rId3"/>
+              </a:rPr>
+              <a:t>https://stackoverflow.com/questions/48972158/crash-in-stdsort-sorting-without-strict-weak-ordering</a:t>
+            </a:r>
+            <a:r>
+              <a:rPr lang="en-US" dirty="0">
+                <a:solidFill>
+                  <a:prstClr val="black"/>
+                </a:solidFill>
+                <a:cs typeface="Courier New" panose="02070309020205020404" pitchFamily="49" charset="0"/>
+              </a:rPr>
+              <a:t> </a:t>
+            </a:r>
+            <a:endParaRPr lang="ru-RU" dirty="0">
+              <a:solidFill>
+                <a:prstClr val="black"/>
+              </a:solidFill>
+              <a:cs typeface="Courier New" panose="02070309020205020404" pitchFamily="49" charset="0"/>
+            </a:endParaRPr>
+          </a:p>
+          <a:p>
+            <a:endParaRPr lang="en-US" dirty="0">
+              <a:solidFill>
+                <a:prstClr val="black"/>
+              </a:solidFill>
+              <a:cs typeface="Courier New" panose="02070309020205020404" pitchFamily="49" charset="0"/>
+            </a:endParaRPr>
           </a:p>
         </p:txBody>
       </p:sp>
     </p:spTree>
     <p:extLst>
       <p:ext uri="{BB962C8B-B14F-4D97-AF65-F5344CB8AC3E}">
-        <p14:creationId xmlns:p14="http://schemas.microsoft.com/office/powerpoint/2010/main" val="325765568"/>
+        <p14:creationId xmlns:p14="http://schemas.microsoft.com/office/powerpoint/2010/main" val="711564749"/>
       </p:ext>
     </p:extLst>
   </p:cSld>
@@ -9825,7 +9677,7 @@
           <p:cNvPr id="2" name="Title 1">
             <a:extLst>
               <a:ext uri="{FF2B5EF4-FFF2-40B4-BE49-F238E27FC236}">
-                <a16:creationId xmlns:a16="http://schemas.microsoft.com/office/drawing/2014/main" id="{2A19E494-9936-451A-BF6D-29D50118093A}"/>
+                <a16:creationId xmlns:a16="http://schemas.microsoft.com/office/drawing/2014/main" id="{2A113B13-406F-410B-BFB5-9599BB8FA280}"/>
               </a:ext>
             </a:extLst>
           </p:cNvPr>
@@ -9851,7 +9703,7 @@
             </a:r>
             <a:r>
               <a:rPr lang="ru-RU" dirty="0"/>
-              <a:t> сравнение особых объектов отдельным алгоритмом</a:t>
+              <a:t> приближенные сравнения</a:t>
             </a:r>
             <a:endParaRPr lang="en-US" dirty="0"/>
           </a:p>
@@ -9862,7 +9714,7 @@
           <p:cNvPr id="3" name="Content Placeholder 2">
             <a:extLst>
               <a:ext uri="{FF2B5EF4-FFF2-40B4-BE49-F238E27FC236}">
-                <a16:creationId xmlns:a16="http://schemas.microsoft.com/office/drawing/2014/main" id="{E34877F2-0E42-46CD-89A4-90C23BB090A5}"/>
+                <a16:creationId xmlns:a16="http://schemas.microsoft.com/office/drawing/2014/main" id="{92E789BC-A1A6-4768-97BD-DC69CFA3A8F6}"/>
               </a:ext>
             </a:extLst>
           </p:cNvPr>
@@ -9875,161 +9727,73 @@
         </p:nvSpPr>
         <p:spPr/>
         <p:txBody>
-          <a:bodyPr/>
+          <a:bodyPr>
+            <a:normAutofit fontScale="85000" lnSpcReduction="20000"/>
+          </a:bodyPr>
           <a:lstStyle/>
           <a:p>
             <a:pPr marL="0" indent="0">
               <a:buNone/>
             </a:pPr>
             <a:r>
-              <a:rPr lang="en-US" sz="2400" dirty="0">
+              <a:rPr lang="en-US" sz="2600" dirty="0">
                 <a:solidFill>
                   <a:prstClr val="black"/>
                 </a:solidFill>
                 <a:latin typeface="Courier New" panose="02070309020205020404" pitchFamily="49" charset="0"/>
                 <a:cs typeface="Courier New" panose="02070309020205020404" pitchFamily="49" charset="0"/>
               </a:rPr>
-              <a:t>[](Object l, Object r) {</a:t>
-            </a:r>
-          </a:p>
-          <a:p>
-            <a:pPr marL="0" indent="0">
-              <a:buNone/>
-            </a:pPr>
-            <a:r>
-              <a:rPr lang="en-US" sz="2400" dirty="0">
-                <a:solidFill>
-                  <a:srgbClr val="FF0000"/>
-                </a:solidFill>
-                <a:latin typeface="Courier New" panose="02070309020205020404" pitchFamily="49" charset="0"/>
-                <a:cs typeface="Courier New" panose="02070309020205020404" pitchFamily="49" charset="0"/>
-              </a:rPr>
-              <a:t>  if (</a:t>
-            </a:r>
-            <a:r>
-              <a:rPr lang="en-US" sz="2400" dirty="0" err="1">
-                <a:solidFill>
-                  <a:srgbClr val="FF0000"/>
-                </a:solidFill>
-                <a:latin typeface="Courier New" panose="02070309020205020404" pitchFamily="49" charset="0"/>
-                <a:cs typeface="Courier New" panose="02070309020205020404" pitchFamily="49" charset="0"/>
-              </a:rPr>
-              <a:t>is_special</a:t>
-            </a:r>
-            <a:r>
-              <a:rPr lang="en-US" sz="2400" dirty="0">
-                <a:solidFill>
-                  <a:srgbClr val="FF0000"/>
-                </a:solidFill>
-                <a:latin typeface="Courier New" panose="02070309020205020404" pitchFamily="49" charset="0"/>
-                <a:cs typeface="Courier New" panose="02070309020205020404" pitchFamily="49" charset="0"/>
-              </a:rPr>
-              <a:t>(l) &amp;&amp; </a:t>
-            </a:r>
-            <a:r>
-              <a:rPr lang="en-US" sz="2400" dirty="0" err="1">
-                <a:solidFill>
-                  <a:srgbClr val="FF0000"/>
-                </a:solidFill>
-                <a:latin typeface="Courier New" panose="02070309020205020404" pitchFamily="49" charset="0"/>
-                <a:cs typeface="Courier New" panose="02070309020205020404" pitchFamily="49" charset="0"/>
-              </a:rPr>
-              <a:t>is_special</a:t>
-            </a:r>
-            <a:r>
-              <a:rPr lang="en-US" sz="2400" dirty="0">
-                <a:solidFill>
-                  <a:srgbClr val="FF0000"/>
-                </a:solidFill>
-                <a:latin typeface="Courier New" panose="02070309020205020404" pitchFamily="49" charset="0"/>
-                <a:cs typeface="Courier New" panose="02070309020205020404" pitchFamily="49" charset="0"/>
-              </a:rPr>
-              <a:t>(r))</a:t>
-            </a:r>
-          </a:p>
-          <a:p>
-            <a:pPr marL="0" indent="0">
-              <a:buNone/>
-            </a:pPr>
-            <a:r>
-              <a:rPr lang="en-US" sz="2400" dirty="0">
-                <a:solidFill>
-                  <a:srgbClr val="FF0000"/>
-                </a:solidFill>
-                <a:latin typeface="Courier New" panose="02070309020205020404" pitchFamily="49" charset="0"/>
-                <a:cs typeface="Courier New" panose="02070309020205020404" pitchFamily="49" charset="0"/>
-              </a:rPr>
-              <a:t>    return </a:t>
-            </a:r>
-            <a:r>
-              <a:rPr lang="en-US" sz="2400" dirty="0" err="1">
-                <a:solidFill>
-                  <a:srgbClr val="FF0000"/>
-                </a:solidFill>
-                <a:latin typeface="Courier New" panose="02070309020205020404" pitchFamily="49" charset="0"/>
-                <a:cs typeface="Courier New" panose="02070309020205020404" pitchFamily="49" charset="0"/>
-              </a:rPr>
-              <a:t>comp_special</a:t>
-            </a:r>
-            <a:r>
-              <a:rPr lang="en-US" sz="2400" dirty="0">
-                <a:solidFill>
-                  <a:srgbClr val="FF0000"/>
-                </a:solidFill>
-                <a:latin typeface="Courier New" panose="02070309020205020404" pitchFamily="49" charset="0"/>
-                <a:cs typeface="Courier New" panose="02070309020205020404" pitchFamily="49" charset="0"/>
-              </a:rPr>
-              <a:t>(l, r);</a:t>
-            </a:r>
-          </a:p>
-          <a:p>
-            <a:pPr marL="0" indent="0">
-              <a:buNone/>
-            </a:pPr>
-            <a:r>
-              <a:rPr lang="en-US" sz="2400" dirty="0">
+              <a:t>bool </a:t>
+            </a:r>
+            <a:r>
+              <a:rPr lang="en-US" sz="2600" dirty="0" err="1">
                 <a:solidFill>
                   <a:prstClr val="black"/>
                 </a:solidFill>
                 <a:latin typeface="Courier New" panose="02070309020205020404" pitchFamily="49" charset="0"/>
                 <a:cs typeface="Courier New" panose="02070309020205020404" pitchFamily="49" charset="0"/>
               </a:rPr>
-              <a:t>  else</a:t>
-            </a:r>
-          </a:p>
-          <a:p>
-            <a:pPr marL="0" indent="0">
-              <a:buNone/>
-            </a:pPr>
-            <a:r>
-              <a:rPr lang="en-US" sz="2400" dirty="0">
+              <a:t>cmp</a:t>
+            </a:r>
+            <a:r>
+              <a:rPr lang="en-US" sz="2600" dirty="0">
                 <a:solidFill>
                   <a:prstClr val="black"/>
                 </a:solidFill>
                 <a:latin typeface="Courier New" panose="02070309020205020404" pitchFamily="49" charset="0"/>
                 <a:cs typeface="Courier New" panose="02070309020205020404" pitchFamily="49" charset="0"/>
               </a:rPr>
-              <a:t>    return </a:t>
-            </a:r>
-            <a:r>
-              <a:rPr lang="en-US" sz="2400" dirty="0" err="1">
+              <a:t>(double a, double b) {</a:t>
+            </a:r>
+          </a:p>
+          <a:p>
+            <a:pPr marL="0" indent="0">
+              <a:buNone/>
+            </a:pPr>
+            <a:r>
+              <a:rPr lang="en-US" sz="2600" dirty="0">
                 <a:solidFill>
                   <a:prstClr val="black"/>
                 </a:solidFill>
                 <a:latin typeface="Courier New" panose="02070309020205020404" pitchFamily="49" charset="0"/>
                 <a:cs typeface="Courier New" panose="02070309020205020404" pitchFamily="49" charset="0"/>
               </a:rPr>
-              <a:t>comp_normal</a:t>
-            </a:r>
-            <a:r>
-              <a:rPr lang="en-US" sz="2400" dirty="0">
+              <a:t>    if (abs(a - b) &lt; eps) return false;</a:t>
+            </a:r>
+          </a:p>
+          <a:p>
+            <a:pPr marL="0" indent="0">
+              <a:buNone/>
+            </a:pPr>
+            <a:r>
+              <a:rPr lang="en-US" sz="2600" dirty="0">
                 <a:solidFill>
                   <a:prstClr val="black"/>
                 </a:solidFill>
                 <a:latin typeface="Courier New" panose="02070309020205020404" pitchFamily="49" charset="0"/>
                 <a:cs typeface="Courier New" panose="02070309020205020404" pitchFamily="49" charset="0"/>
               </a:rPr>
-              <a:t>(l, r);</a:t>
+              <a:t>    return a &lt; b;</a:t>
             </a:r>
           </a:p>
           <a:p>
@@ -10037,7 +9801,7 @@
               <a:buNone/>
             </a:pPr>
             <a:r>
-              <a:rPr lang="en-US" sz="2400" dirty="0">
+              <a:rPr lang="en-US" sz="2600" dirty="0">
                 <a:solidFill>
                   <a:prstClr val="black"/>
                 </a:solidFill>
@@ -10048,6 +9812,82 @@
             </a:r>
           </a:p>
           <a:p>
+            <a:r>
+              <a:rPr lang="ru-RU" dirty="0"/>
+              <a:t>Программист хотел чтобы "близкие" элементы рассматривались как эквивалентные</a:t>
+            </a:r>
+          </a:p>
+          <a:p>
+            <a:r>
+              <a:rPr lang="ru-RU" dirty="0"/>
+              <a:t>Но при этом нарушил аксиому транзитивности эквивалентности:</a:t>
+            </a:r>
+          </a:p>
+          <a:p>
+            <a:pPr marL="457200" lvl="1" indent="0">
+              <a:buNone/>
+            </a:pPr>
+            <a:r>
+              <a:rPr lang="ru-RU" dirty="0">
+                <a:latin typeface="Courier New" panose="02070309020205020404" pitchFamily="49" charset="0"/>
+                <a:cs typeface="Courier New" panose="02070309020205020404" pitchFamily="49" charset="0"/>
+              </a:rPr>
+              <a:t>equiv(0, 0.5 * eps) == true</a:t>
+            </a:r>
+            <a:endParaRPr lang="en-US" dirty="0">
+              <a:latin typeface="Courier New" panose="02070309020205020404" pitchFamily="49" charset="0"/>
+              <a:cs typeface="Courier New" panose="02070309020205020404" pitchFamily="49" charset="0"/>
+            </a:endParaRPr>
+          </a:p>
+          <a:p>
+            <a:pPr marL="457200" lvl="1" indent="0">
+              <a:buNone/>
+            </a:pPr>
+            <a:r>
+              <a:rPr lang="ru-RU" dirty="0">
+                <a:latin typeface="Courier New" panose="02070309020205020404" pitchFamily="49" charset="0"/>
+                <a:cs typeface="Courier New" panose="02070309020205020404" pitchFamily="49" charset="0"/>
+              </a:rPr>
+              <a:t>equiv(0.5 * eps, eps) == true</a:t>
+            </a:r>
+            <a:endParaRPr lang="en-US" dirty="0">
+              <a:latin typeface="Courier New" panose="02070309020205020404" pitchFamily="49" charset="0"/>
+              <a:cs typeface="Courier New" panose="02070309020205020404" pitchFamily="49" charset="0"/>
+            </a:endParaRPr>
+          </a:p>
+          <a:p>
+            <a:pPr marL="457200" lvl="1" indent="0">
+              <a:buNone/>
+            </a:pPr>
+            <a:r>
+              <a:rPr lang="ru-RU" dirty="0">
+                <a:latin typeface="Courier New" panose="02070309020205020404" pitchFamily="49" charset="0"/>
+                <a:cs typeface="Courier New" panose="02070309020205020404" pitchFamily="49" charset="0"/>
+              </a:rPr>
+              <a:t>cmp(0, eps) == false</a:t>
+            </a:r>
+          </a:p>
+          <a:p>
+            <a:r>
+              <a:rPr lang="ru-RU" dirty="0"/>
+              <a:t>Пример:</a:t>
+            </a:r>
+          </a:p>
+          <a:p>
+            <a:pPr lvl="1"/>
+            <a:r>
+              <a:rPr lang="ru-RU" dirty="0">
+                <a:hlinkClick r:id="rId2"/>
+              </a:rPr>
+              <a:t>https://stackoverflow.com/questions/68114060/does-using-epsilon-in-comparison-of-floating-point-break-strict-weak-ordering</a:t>
+            </a:r>
+            <a:r>
+              <a:rPr lang="en-US" dirty="0"/>
+              <a:t> </a:t>
+            </a:r>
+            <a:endParaRPr lang="ru-RU" dirty="0"/>
+          </a:p>
+          <a:p>
             <a:endParaRPr lang="en-US" dirty="0"/>
           </a:p>
         </p:txBody>
@@ -10055,7 +9895,7 @@
     </p:spTree>
     <p:extLst>
       <p:ext uri="{BB962C8B-B14F-4D97-AF65-F5344CB8AC3E}">
-        <p14:creationId xmlns:p14="http://schemas.microsoft.com/office/powerpoint/2010/main" val="1171521156"/>
+        <p14:creationId xmlns:p14="http://schemas.microsoft.com/office/powerpoint/2010/main" val="325765568"/>
       </p:ext>
     </p:extLst>
   </p:cSld>
@@ -10087,7 +9927,7 @@
           <p:cNvPr id="2" name="Title 1">
             <a:extLst>
               <a:ext uri="{FF2B5EF4-FFF2-40B4-BE49-F238E27FC236}">
-                <a16:creationId xmlns:a16="http://schemas.microsoft.com/office/drawing/2014/main" id="{F846F1BD-7FCB-4283-AEC4-931793609E60}"/>
+                <a16:creationId xmlns:a16="http://schemas.microsoft.com/office/drawing/2014/main" id="{2A19E494-9936-451A-BF6D-29D50118093A}"/>
               </a:ext>
             </a:extLst>
           </p:cNvPr>
@@ -10124,7 +9964,7 @@
           <p:cNvPr id="3" name="Content Placeholder 2">
             <a:extLst>
               <a:ext uri="{FF2B5EF4-FFF2-40B4-BE49-F238E27FC236}">
-                <a16:creationId xmlns:a16="http://schemas.microsoft.com/office/drawing/2014/main" id="{B5919733-7359-4FCE-BBA6-CB2E1BB87C5E}"/>
+                <a16:creationId xmlns:a16="http://schemas.microsoft.com/office/drawing/2014/main" id="{E34877F2-0E42-46CD-89A4-90C23BB090A5}"/>
               </a:ext>
             </a:extLst>
           </p:cNvPr>
@@ -10137,104 +9977,177 @@
         </p:nvSpPr>
         <p:spPr/>
         <p:txBody>
-          <a:bodyPr>
-            <a:normAutofit fontScale="92500" lnSpcReduction="10000"/>
-          </a:bodyPr>
+          <a:bodyPr/>
           <a:lstStyle/>
           <a:p>
-            <a:r>
-              <a:rPr lang="ru-RU" dirty="0"/>
-              <a:t>Наиболее коварная ошибка</a:t>
-            </a:r>
-            <a:endParaRPr lang="en-US" dirty="0"/>
-          </a:p>
-          <a:p>
-            <a:r>
-              <a:rPr lang="ru-RU" dirty="0"/>
-              <a:t>Очень легко нарушить условия транзитивности</a:t>
-            </a:r>
-            <a:r>
-              <a:rPr lang="en-US" dirty="0"/>
-              <a:t>:</a:t>
-            </a:r>
-            <a:endParaRPr lang="ru-RU" dirty="0"/>
-          </a:p>
-          <a:p>
-            <a:pPr lvl="1"/>
-            <a:r>
-              <a:rPr lang="ru-RU" dirty="0"/>
-              <a:t>если</a:t>
-            </a:r>
-          </a:p>
-          <a:p>
-            <a:pPr marL="914400" lvl="2" indent="0">
-              <a:buNone/>
-            </a:pPr>
-            <a:r>
-              <a:rPr lang="ru-RU" dirty="0"/>
-              <a:t>comp_special(special_obj1, special_obj2) &amp;&amp; comp_normal(special_obj2, normal_obj)</a:t>
-            </a:r>
-          </a:p>
-          <a:p>
-            <a:pPr lvl="1"/>
-            <a:r>
-              <a:rPr lang="ru-RU" dirty="0"/>
-              <a:t>то должно быть</a:t>
-            </a:r>
-          </a:p>
-          <a:p>
-            <a:pPr marL="914400" lvl="2" indent="0">
-              <a:buNone/>
-            </a:pPr>
-            <a:r>
-              <a:rPr lang="ru-RU" dirty="0"/>
-              <a:t>comp_normal(special_obj1, normal_obj)</a:t>
-            </a:r>
-          </a:p>
-          <a:p>
-            <a:r>
-              <a:rPr lang="ru-RU" dirty="0"/>
-              <a:t>Но часто это не выполняется</a:t>
-            </a:r>
-            <a:r>
-              <a:rPr lang="en-US" dirty="0"/>
-              <a:t>:</a:t>
-            </a:r>
-          </a:p>
-          <a:p>
-            <a:pPr lvl="1"/>
-            <a:r>
-              <a:rPr lang="ru-RU" dirty="0"/>
-              <a:t>comp_special и comp_normal как правило логически (и алгоритмически) никак не связаны между собой</a:t>
-            </a:r>
-          </a:p>
-          <a:p>
-            <a:pPr lvl="1"/>
-            <a:r>
-              <a:rPr lang="ru-RU" dirty="0"/>
-              <a:t>обычно они сравнивают совершенно разные поля объектов</a:t>
-            </a:r>
-          </a:p>
-          <a:p>
-            <a:r>
-              <a:rPr lang="ru-RU" dirty="0"/>
-              <a:t>Пример из жизни:</a:t>
-            </a:r>
-            <a:endParaRPr lang="en-US" dirty="0"/>
-          </a:p>
-          <a:p>
-            <a:pPr lvl="1"/>
-            <a:r>
-              <a:rPr lang="ru-RU" dirty="0">
-                <a:hlinkClick r:id="rId2"/>
-              </a:rPr>
-              <a:t>https://gcc.gnu.org/bugzilla/show_bug.cgi?id=68988</a:t>
-            </a:r>
-            <a:r>
-              <a:rPr lang="en-US" dirty="0"/>
-              <a:t> </a:t>
-            </a:r>
-            <a:endParaRPr lang="ru-RU" dirty="0"/>
+            <a:pPr marL="0" indent="0">
+              <a:buNone/>
+            </a:pPr>
+            <a:r>
+              <a:rPr lang="en-US" sz="2400" dirty="0">
+                <a:solidFill>
+                  <a:prstClr val="black"/>
+                </a:solidFill>
+                <a:latin typeface="Courier New" panose="02070309020205020404" pitchFamily="49" charset="0"/>
+                <a:cs typeface="Courier New" panose="02070309020205020404" pitchFamily="49" charset="0"/>
+              </a:rPr>
+              <a:t>[](Object l, Object r) {</a:t>
+            </a:r>
+          </a:p>
+          <a:p>
+            <a:pPr marL="0" indent="0">
+              <a:buNone/>
+            </a:pPr>
+            <a:r>
+              <a:rPr lang="en-US" sz="2400" dirty="0">
+                <a:solidFill>
+                  <a:srgbClr val="FF0000"/>
+                </a:solidFill>
+                <a:latin typeface="Courier New" panose="02070309020205020404" pitchFamily="49" charset="0"/>
+                <a:cs typeface="Courier New" panose="02070309020205020404" pitchFamily="49" charset="0"/>
+              </a:rPr>
+              <a:t>  if (</a:t>
+            </a:r>
+            <a:r>
+              <a:rPr lang="en-US" sz="2400" dirty="0" err="1">
+                <a:solidFill>
+                  <a:srgbClr val="FF0000"/>
+                </a:solidFill>
+                <a:latin typeface="Courier New" panose="02070309020205020404" pitchFamily="49" charset="0"/>
+                <a:cs typeface="Courier New" panose="02070309020205020404" pitchFamily="49" charset="0"/>
+              </a:rPr>
+              <a:t>is_special</a:t>
+            </a:r>
+            <a:r>
+              <a:rPr lang="en-US" sz="2400" dirty="0">
+                <a:solidFill>
+                  <a:srgbClr val="FF0000"/>
+                </a:solidFill>
+                <a:latin typeface="Courier New" panose="02070309020205020404" pitchFamily="49" charset="0"/>
+                <a:cs typeface="Courier New" panose="02070309020205020404" pitchFamily="49" charset="0"/>
+              </a:rPr>
+              <a:t>(l) &amp;&amp; </a:t>
+            </a:r>
+            <a:r>
+              <a:rPr lang="en-US" sz="2400" dirty="0" err="1">
+                <a:solidFill>
+                  <a:srgbClr val="FF0000"/>
+                </a:solidFill>
+                <a:latin typeface="Courier New" panose="02070309020205020404" pitchFamily="49" charset="0"/>
+                <a:cs typeface="Courier New" panose="02070309020205020404" pitchFamily="49" charset="0"/>
+              </a:rPr>
+              <a:t>is_special</a:t>
+            </a:r>
+            <a:r>
+              <a:rPr lang="en-US" sz="2400" dirty="0">
+                <a:solidFill>
+                  <a:srgbClr val="FF0000"/>
+                </a:solidFill>
+                <a:latin typeface="Courier New" panose="02070309020205020404" pitchFamily="49" charset="0"/>
+                <a:cs typeface="Courier New" panose="02070309020205020404" pitchFamily="49" charset="0"/>
+              </a:rPr>
+              <a:t>(r))</a:t>
+            </a:r>
+          </a:p>
+          <a:p>
+            <a:pPr marL="0" indent="0">
+              <a:buNone/>
+            </a:pPr>
+            <a:r>
+              <a:rPr lang="en-US" sz="2400" dirty="0">
+                <a:solidFill>
+                  <a:srgbClr val="FF0000"/>
+                </a:solidFill>
+                <a:latin typeface="Courier New" panose="02070309020205020404" pitchFamily="49" charset="0"/>
+                <a:cs typeface="Courier New" panose="02070309020205020404" pitchFamily="49" charset="0"/>
+              </a:rPr>
+              <a:t>    return </a:t>
+            </a:r>
+            <a:r>
+              <a:rPr lang="en-US" sz="2400" dirty="0" err="1">
+                <a:solidFill>
+                  <a:srgbClr val="FF0000"/>
+                </a:solidFill>
+                <a:latin typeface="Courier New" panose="02070309020205020404" pitchFamily="49" charset="0"/>
+                <a:cs typeface="Courier New" panose="02070309020205020404" pitchFamily="49" charset="0"/>
+              </a:rPr>
+              <a:t>comp_special</a:t>
+            </a:r>
+            <a:r>
+              <a:rPr lang="en-US" sz="2400" dirty="0">
+                <a:solidFill>
+                  <a:srgbClr val="FF0000"/>
+                </a:solidFill>
+                <a:latin typeface="Courier New" panose="02070309020205020404" pitchFamily="49" charset="0"/>
+                <a:cs typeface="Courier New" panose="02070309020205020404" pitchFamily="49" charset="0"/>
+              </a:rPr>
+              <a:t>(l, r);</a:t>
+            </a:r>
+          </a:p>
+          <a:p>
+            <a:pPr marL="0" indent="0">
+              <a:buNone/>
+            </a:pPr>
+            <a:r>
+              <a:rPr lang="en-US" sz="2400" dirty="0">
+                <a:solidFill>
+                  <a:prstClr val="black"/>
+                </a:solidFill>
+                <a:latin typeface="Courier New" panose="02070309020205020404" pitchFamily="49" charset="0"/>
+                <a:cs typeface="Courier New" panose="02070309020205020404" pitchFamily="49" charset="0"/>
+              </a:rPr>
+              <a:t>  else</a:t>
+            </a:r>
+          </a:p>
+          <a:p>
+            <a:pPr marL="0" indent="0">
+              <a:buNone/>
+            </a:pPr>
+            <a:r>
+              <a:rPr lang="en-US" sz="2400" dirty="0">
+                <a:solidFill>
+                  <a:prstClr val="black"/>
+                </a:solidFill>
+                <a:latin typeface="Courier New" panose="02070309020205020404" pitchFamily="49" charset="0"/>
+                <a:cs typeface="Courier New" panose="02070309020205020404" pitchFamily="49" charset="0"/>
+              </a:rPr>
+              <a:t>    return </a:t>
+            </a:r>
+            <a:r>
+              <a:rPr lang="en-US" sz="2400" dirty="0" err="1">
+                <a:solidFill>
+                  <a:prstClr val="black"/>
+                </a:solidFill>
+                <a:latin typeface="Courier New" panose="02070309020205020404" pitchFamily="49" charset="0"/>
+                <a:cs typeface="Courier New" panose="02070309020205020404" pitchFamily="49" charset="0"/>
+              </a:rPr>
+              <a:t>comp_normal</a:t>
+            </a:r>
+            <a:r>
+              <a:rPr lang="en-US" sz="2400" dirty="0">
+                <a:solidFill>
+                  <a:prstClr val="black"/>
+                </a:solidFill>
+                <a:latin typeface="Courier New" panose="02070309020205020404" pitchFamily="49" charset="0"/>
+                <a:cs typeface="Courier New" panose="02070309020205020404" pitchFamily="49" charset="0"/>
+              </a:rPr>
+              <a:t>(l, r);</a:t>
+            </a:r>
+          </a:p>
+          <a:p>
+            <a:pPr marL="0" indent="0">
+              <a:buNone/>
+            </a:pPr>
+            <a:r>
+              <a:rPr lang="en-US" sz="2400" dirty="0">
+                <a:solidFill>
+                  <a:prstClr val="black"/>
+                </a:solidFill>
+                <a:latin typeface="Courier New" panose="02070309020205020404" pitchFamily="49" charset="0"/>
+                <a:cs typeface="Courier New" panose="02070309020205020404" pitchFamily="49" charset="0"/>
+              </a:rPr>
+              <a:t>}</a:t>
+            </a:r>
           </a:p>
           <a:p>
             <a:endParaRPr lang="en-US" dirty="0"/>
@@ -10244,7 +10157,7 @@
     </p:spTree>
     <p:extLst>
       <p:ext uri="{BB962C8B-B14F-4D97-AF65-F5344CB8AC3E}">
-        <p14:creationId xmlns:p14="http://schemas.microsoft.com/office/powerpoint/2010/main" val="2158512306"/>
+        <p14:creationId xmlns:p14="http://schemas.microsoft.com/office/powerpoint/2010/main" val="1171521156"/>
       </p:ext>
     </p:extLst>
   </p:cSld>
@@ -10276,6 +10189,195 @@
           <p:cNvPr id="2" name="Title 1">
             <a:extLst>
               <a:ext uri="{FF2B5EF4-FFF2-40B4-BE49-F238E27FC236}">
+                <a16:creationId xmlns:a16="http://schemas.microsoft.com/office/drawing/2014/main" id="{F846F1BD-7FCB-4283-AEC4-931793609E60}"/>
+              </a:ext>
+            </a:extLst>
+          </p:cNvPr>
+          <p:cNvSpPr>
+            <a:spLocks noGrp="1"/>
+          </p:cNvSpPr>
+          <p:nvPr>
+            <p:ph type="title"/>
+          </p:nvPr>
+        </p:nvSpPr>
+        <p:spPr/>
+        <p:txBody>
+          <a:bodyPr/>
+          <a:lstStyle/>
+          <a:p>
+            <a:r>
+              <a:rPr lang="ru-RU" dirty="0"/>
+              <a:t>Частые ошибки</a:t>
+            </a:r>
+            <a:r>
+              <a:rPr lang="en-US" dirty="0"/>
+              <a:t>:</a:t>
+            </a:r>
+            <a:r>
+              <a:rPr lang="ru-RU" dirty="0"/>
+              <a:t> сравнение особых объектов отдельным алгоритмом</a:t>
+            </a:r>
+            <a:endParaRPr lang="en-US" dirty="0"/>
+          </a:p>
+        </p:txBody>
+      </p:sp>
+      <p:sp>
+        <p:nvSpPr>
+          <p:cNvPr id="3" name="Content Placeholder 2">
+            <a:extLst>
+              <a:ext uri="{FF2B5EF4-FFF2-40B4-BE49-F238E27FC236}">
+                <a16:creationId xmlns:a16="http://schemas.microsoft.com/office/drawing/2014/main" id="{B5919733-7359-4FCE-BBA6-CB2E1BB87C5E}"/>
+              </a:ext>
+            </a:extLst>
+          </p:cNvPr>
+          <p:cNvSpPr>
+            <a:spLocks noGrp="1"/>
+          </p:cNvSpPr>
+          <p:nvPr>
+            <p:ph idx="1"/>
+          </p:nvPr>
+        </p:nvSpPr>
+        <p:spPr/>
+        <p:txBody>
+          <a:bodyPr>
+            <a:normAutofit fontScale="92500" lnSpcReduction="10000"/>
+          </a:bodyPr>
+          <a:lstStyle/>
+          <a:p>
+            <a:r>
+              <a:rPr lang="ru-RU" dirty="0"/>
+              <a:t>Наиболее коварная ошибка</a:t>
+            </a:r>
+            <a:endParaRPr lang="en-US" dirty="0"/>
+          </a:p>
+          <a:p>
+            <a:r>
+              <a:rPr lang="ru-RU" dirty="0"/>
+              <a:t>Очень легко нарушить условия транзитивности</a:t>
+            </a:r>
+            <a:r>
+              <a:rPr lang="en-US" dirty="0"/>
+              <a:t>:</a:t>
+            </a:r>
+            <a:endParaRPr lang="ru-RU" dirty="0"/>
+          </a:p>
+          <a:p>
+            <a:pPr lvl="1"/>
+            <a:r>
+              <a:rPr lang="ru-RU" dirty="0"/>
+              <a:t>если</a:t>
+            </a:r>
+          </a:p>
+          <a:p>
+            <a:pPr marL="914400" lvl="2" indent="0">
+              <a:buNone/>
+            </a:pPr>
+            <a:r>
+              <a:rPr lang="ru-RU" dirty="0"/>
+              <a:t>comp_special(special_obj1, special_obj2) &amp;&amp; comp_normal(special_obj2, normal_obj)</a:t>
+            </a:r>
+          </a:p>
+          <a:p>
+            <a:pPr lvl="1"/>
+            <a:r>
+              <a:rPr lang="ru-RU" dirty="0"/>
+              <a:t>то должно быть</a:t>
+            </a:r>
+          </a:p>
+          <a:p>
+            <a:pPr marL="914400" lvl="2" indent="0">
+              <a:buNone/>
+            </a:pPr>
+            <a:r>
+              <a:rPr lang="ru-RU" dirty="0"/>
+              <a:t>comp_normal(special_obj1, normal_obj)</a:t>
+            </a:r>
+          </a:p>
+          <a:p>
+            <a:r>
+              <a:rPr lang="ru-RU" dirty="0"/>
+              <a:t>Но часто это не выполняется</a:t>
+            </a:r>
+            <a:r>
+              <a:rPr lang="en-US" dirty="0"/>
+              <a:t>:</a:t>
+            </a:r>
+          </a:p>
+          <a:p>
+            <a:pPr lvl="1"/>
+            <a:r>
+              <a:rPr lang="ru-RU" dirty="0"/>
+              <a:t>comp_special и comp_normal как правило логически (и алгоритмически) никак не связаны между собой</a:t>
+            </a:r>
+          </a:p>
+          <a:p>
+            <a:pPr lvl="1"/>
+            <a:r>
+              <a:rPr lang="ru-RU" dirty="0"/>
+              <a:t>обычно они сравнивают совершенно разные поля объектов</a:t>
+            </a:r>
+          </a:p>
+          <a:p>
+            <a:r>
+              <a:rPr lang="ru-RU" dirty="0"/>
+              <a:t>Пример из жизни:</a:t>
+            </a:r>
+            <a:endParaRPr lang="en-US" dirty="0"/>
+          </a:p>
+          <a:p>
+            <a:pPr lvl="1"/>
+            <a:r>
+              <a:rPr lang="ru-RU" dirty="0">
+                <a:hlinkClick r:id="rId2"/>
+              </a:rPr>
+              <a:t>https://gcc.gnu.org/bugzilla/show_bug.cgi?id=68988</a:t>
+            </a:r>
+            <a:r>
+              <a:rPr lang="en-US" dirty="0"/>
+              <a:t> </a:t>
+            </a:r>
+            <a:endParaRPr lang="ru-RU" dirty="0"/>
+          </a:p>
+          <a:p>
+            <a:endParaRPr lang="en-US" dirty="0"/>
+          </a:p>
+        </p:txBody>
+      </p:sp>
+    </p:spTree>
+    <p:extLst>
+      <p:ext uri="{BB962C8B-B14F-4D97-AF65-F5344CB8AC3E}">
+        <p14:creationId xmlns:p14="http://schemas.microsoft.com/office/powerpoint/2010/main" val="2158512306"/>
+      </p:ext>
+    </p:extLst>
+  </p:cSld>
+  <p:clrMapOvr>
+    <a:masterClrMapping/>
+  </p:clrMapOvr>
+</p:sld>
+</file>
+
+<file path=ppt/slides/slide37.xml><?xml version="1.0" encoding="utf-8"?>
+<p:sld xmlns:a="http://schemas.openxmlformats.org/drawingml/2006/main" xmlns:r="http://schemas.openxmlformats.org/officeDocument/2006/relationships" xmlns:p="http://schemas.openxmlformats.org/presentationml/2006/main">
+  <p:cSld>
+    <p:spTree>
+      <p:nvGrpSpPr>
+        <p:cNvPr id="1" name=""/>
+        <p:cNvGrpSpPr/>
+        <p:nvPr/>
+      </p:nvGrpSpPr>
+      <p:grpSpPr>
+        <a:xfrm>
+          <a:off x="0" y="0"/>
+          <a:ext cx="0" cy="0"/>
+          <a:chOff x="0" y="0"/>
+          <a:chExt cx="0" cy="0"/>
+        </a:xfrm>
+      </p:grpSpPr>
+      <p:sp>
+        <p:nvSpPr>
+          <p:cNvPr id="2" name="Title 1">
+            <a:extLst>
+              <a:ext uri="{FF2B5EF4-FFF2-40B4-BE49-F238E27FC236}">
                 <a16:creationId xmlns:a16="http://schemas.microsoft.com/office/drawing/2014/main" id="{C572B7C5-26C8-417A-B322-BAD4ADCDD4BC}"/>
               </a:ext>
             </a:extLst>
@@ -10663,7 +10765,7 @@
 </p:sld>
 </file>
 
-<file path=ppt/slides/slide37.xml><?xml version="1.0" encoding="utf-8"?>
+<file path=ppt/slides/slide38.xml><?xml version="1.0" encoding="utf-8"?>
 <p:sld xmlns:a="http://schemas.openxmlformats.org/drawingml/2006/main" xmlns:r="http://schemas.openxmlformats.org/officeDocument/2006/relationships" xmlns:p="http://schemas.openxmlformats.org/presentationml/2006/main">
   <p:cSld>
     <p:spTree>
@@ -10815,125 +10917,6 @@
 </p:sld>
 </file>
 
-<file path=ppt/slides/slide38.xml><?xml version="1.0" encoding="utf-8"?>
-<p:sld xmlns:a="http://schemas.openxmlformats.org/drawingml/2006/main" xmlns:r="http://schemas.openxmlformats.org/officeDocument/2006/relationships" xmlns:p="http://schemas.openxmlformats.org/presentationml/2006/main">
-  <p:cSld>
-    <p:spTree>
-      <p:nvGrpSpPr>
-        <p:cNvPr id="1" name=""/>
-        <p:cNvGrpSpPr/>
-        <p:nvPr/>
-      </p:nvGrpSpPr>
-      <p:grpSpPr>
-        <a:xfrm>
-          <a:off x="0" y="0"/>
-          <a:ext cx="0" cy="0"/>
-          <a:chOff x="0" y="0"/>
-          <a:chExt cx="0" cy="0"/>
-        </a:xfrm>
-      </p:grpSpPr>
-      <p:sp>
-        <p:nvSpPr>
-          <p:cNvPr id="2" name="Title 1">
-            <a:extLst>
-              <a:ext uri="{FF2B5EF4-FFF2-40B4-BE49-F238E27FC236}">
-                <a16:creationId xmlns:a16="http://schemas.microsoft.com/office/drawing/2014/main" id="{4779B8ED-1F29-4D30-B331-C3400270FDF0}"/>
-              </a:ext>
-            </a:extLst>
-          </p:cNvPr>
-          <p:cNvSpPr>
-            <a:spLocks noGrp="1"/>
-          </p:cNvSpPr>
-          <p:nvPr>
-            <p:ph type="title"/>
-          </p:nvPr>
-        </p:nvSpPr>
-        <p:spPr/>
-        <p:txBody>
-          <a:bodyPr/>
-          <a:lstStyle/>
-          <a:p>
-            <a:r>
-              <a:rPr lang="ru-RU" dirty="0"/>
-              <a:t>Отладочные средства в тулчейнах</a:t>
-            </a:r>
-            <a:endParaRPr lang="en-US" dirty="0"/>
-          </a:p>
-        </p:txBody>
-      </p:sp>
-      <p:sp>
-        <p:nvSpPr>
-          <p:cNvPr id="3" name="Content Placeholder 2">
-            <a:extLst>
-              <a:ext uri="{FF2B5EF4-FFF2-40B4-BE49-F238E27FC236}">
-                <a16:creationId xmlns:a16="http://schemas.microsoft.com/office/drawing/2014/main" id="{58F9ABFF-6BB7-4FB9-989A-8FA4CD7D38CB}"/>
-              </a:ext>
-            </a:extLst>
-          </p:cNvPr>
-          <p:cNvSpPr>
-            <a:spLocks noGrp="1"/>
-          </p:cNvSpPr>
-          <p:nvPr>
-            <p:ph idx="1"/>
-          </p:nvPr>
-        </p:nvSpPr>
-        <p:spPr/>
-        <p:txBody>
-          <a:bodyPr/>
-          <a:lstStyle/>
-          <a:p>
-            <a:r>
-              <a:rPr lang="ru-RU" dirty="0"/>
-              <a:t>Обе опции имеют существенные (2</a:t>
-            </a:r>
-            <a:r>
-              <a:rPr lang="en-US" dirty="0"/>
-              <a:t>x) </a:t>
-            </a:r>
-            <a:r>
-              <a:rPr lang="ru-RU" dirty="0"/>
-              <a:t>накладные расходы</a:t>
-            </a:r>
-            <a:endParaRPr lang="en-US" dirty="0"/>
-          </a:p>
-          <a:p>
-            <a:r>
-              <a:rPr lang="ru-RU" dirty="0"/>
-              <a:t>Рекомендуется использовать только для тестирования</a:t>
-            </a:r>
-            <a:endParaRPr lang="en-US" dirty="0"/>
-          </a:p>
-          <a:p>
-            <a:r>
-              <a:rPr lang="ru-RU" dirty="0"/>
-              <a:t>Чекеры компараторов не должны менять алгоритмическую сложность алгоритма (O(N*logN)) и поэтому не могут провести полную проверку корректности</a:t>
-            </a:r>
-          </a:p>
-          <a:p>
-            <a:pPr lvl="1"/>
-            <a:r>
-              <a:rPr lang="ru-RU" dirty="0"/>
-              <a:t>Например проверку аксиом транзитивности</a:t>
-            </a:r>
-          </a:p>
-          <a:p>
-            <a:endParaRPr lang="en-US" dirty="0"/>
-          </a:p>
-        </p:txBody>
-      </p:sp>
-    </p:spTree>
-    <p:extLst>
-      <p:ext uri="{BB962C8B-B14F-4D97-AF65-F5344CB8AC3E}">
-        <p14:creationId xmlns:p14="http://schemas.microsoft.com/office/powerpoint/2010/main" val="2928624946"/>
-      </p:ext>
-    </p:extLst>
-  </p:cSld>
-  <p:clrMapOvr>
-    <a:masterClrMapping/>
-  </p:clrMapOvr>
-</p:sld>
-</file>
-
 <file path=ppt/slides/slide39.xml><?xml version="1.0" encoding="utf-8"?>
 <p:sld xmlns:a="http://schemas.openxmlformats.org/drawingml/2006/main" xmlns:r="http://schemas.openxmlformats.org/officeDocument/2006/relationships" xmlns:p="http://schemas.openxmlformats.org/presentationml/2006/main">
   <p:cSld>
@@ -10956,7 +10939,7 @@
           <p:cNvPr id="2" name="Title 1">
             <a:extLst>
               <a:ext uri="{FF2B5EF4-FFF2-40B4-BE49-F238E27FC236}">
-                <a16:creationId xmlns:a16="http://schemas.microsoft.com/office/drawing/2014/main" id="{BC72424F-9AF5-45CD-9C91-874C6DC016AA}"/>
+                <a16:creationId xmlns:a16="http://schemas.microsoft.com/office/drawing/2014/main" id="{4779B8ED-1F29-4D30-B331-C3400270FDF0}"/>
               </a:ext>
             </a:extLst>
           </p:cNvPr>
@@ -10973,8 +10956,8 @@
           <a:lstStyle/>
           <a:p>
             <a:r>
-              <a:rPr lang="en-US" dirty="0" err="1"/>
-              <a:t>SortChecker</a:t>
+              <a:rPr lang="ru-RU" dirty="0"/>
+              <a:t>Отладочные средства в тулчейнах</a:t>
             </a:r>
             <a:endParaRPr lang="en-US" dirty="0"/>
           </a:p>
@@ -10985,7 +10968,7 @@
           <p:cNvPr id="3" name="Content Placeholder 2">
             <a:extLst>
               <a:ext uri="{FF2B5EF4-FFF2-40B4-BE49-F238E27FC236}">
-                <a16:creationId xmlns:a16="http://schemas.microsoft.com/office/drawing/2014/main" id="{436AE089-C978-44EF-9D7D-E8AE6EA68157}"/>
+                <a16:creationId xmlns:a16="http://schemas.microsoft.com/office/drawing/2014/main" id="{58F9ABFF-6BB7-4FB9-989A-8FA4CD7D38CB}"/>
               </a:ext>
             </a:extLst>
           </p:cNvPr>
@@ -10996,175 +10979,43 @@
             <p:ph idx="1"/>
           </p:nvPr>
         </p:nvSpPr>
-        <p:spPr>
-          <a:xfrm>
-            <a:off x="838200" y="1847396"/>
-            <a:ext cx="10515600" cy="4351338"/>
-          </a:xfrm>
-        </p:spPr>
-        <p:txBody>
-          <a:bodyPr>
-            <a:normAutofit fontScale="92500" lnSpcReduction="20000"/>
-          </a:bodyPr>
+        <p:spPr/>
+        <p:txBody>
+          <a:bodyPr/>
           <a:lstStyle/>
           <a:p>
             <a:r>
               <a:rPr lang="ru-RU" dirty="0"/>
-              <a:t>Два простых динамических чекера для проверки корректности в рантайме</a:t>
+              <a:t>Обе опции имеют существенные (2</a:t>
+            </a:r>
+            <a:r>
+              <a:rPr lang="en-US" dirty="0"/>
+              <a:t>x) </a:t>
+            </a:r>
+            <a:r>
+              <a:rPr lang="ru-RU" dirty="0"/>
+              <a:t>накладные расходы</a:t>
             </a:r>
             <a:endParaRPr lang="en-US" dirty="0"/>
           </a:p>
           <a:p>
             <a:r>
               <a:rPr lang="ru-RU" dirty="0"/>
-              <a:t>SortChecker (</a:t>
-            </a:r>
-            <a:r>
-              <a:rPr lang="ru-RU" dirty="0">
-                <a:hlinkClick r:id="rId2"/>
-              </a:rPr>
-              <a:t>https://github.com/yugr/sortcheck</a:t>
-            </a:r>
-            <a:r>
-              <a:rPr lang="ru-RU" dirty="0"/>
-              <a:t>)</a:t>
+              <a:t>Рекомендуется использовать только для тестирования</a:t>
+            </a:r>
+            <a:endParaRPr lang="en-US" dirty="0"/>
+          </a:p>
+          <a:p>
+            <a:r>
+              <a:rPr lang="ru-RU" dirty="0"/>
+              <a:t>Чекеры компараторов не должны менять алгоритмическую сложность алгоритма (O(N*logN)) и поэтому не могут провести полную проверку корректности</a:t>
             </a:r>
           </a:p>
           <a:p>
             <a:pPr lvl="1"/>
             <a:r>
               <a:rPr lang="ru-RU" dirty="0"/>
-              <a:t>работает с программами на C</a:t>
-            </a:r>
-          </a:p>
-          <a:p>
-            <a:pPr lvl="1"/>
-            <a:r>
-              <a:rPr lang="ru-RU" dirty="0"/>
-              <a:t>перехватывает и проверяет API типа </a:t>
-            </a:r>
-            <a:r>
-              <a:rPr lang="ru-RU" dirty="0">
-                <a:latin typeface="Courier New" panose="02070309020205020404" pitchFamily="49" charset="0"/>
-                <a:cs typeface="Courier New" panose="02070309020205020404" pitchFamily="49" charset="0"/>
-              </a:rPr>
-              <a:t>qsort</a:t>
-            </a:r>
-            <a:r>
-              <a:rPr lang="ru-RU" dirty="0"/>
-              <a:t> и </a:t>
-            </a:r>
-            <a:r>
-              <a:rPr lang="ru-RU" dirty="0">
-                <a:latin typeface="Courier New" panose="02070309020205020404" pitchFamily="49" charset="0"/>
-                <a:cs typeface="Courier New" panose="02070309020205020404" pitchFamily="49" charset="0"/>
-              </a:rPr>
-              <a:t>bsearch</a:t>
-            </a:r>
-          </a:p>
-          <a:p>
-            <a:pPr lvl="1"/>
-            <a:r>
-              <a:rPr lang="ru-RU" dirty="0"/>
-              <a:t>основан на динамической инструментации (</a:t>
-            </a:r>
-            <a:r>
-              <a:rPr lang="ru-RU" dirty="0">
-                <a:latin typeface="Courier New" panose="02070309020205020404" pitchFamily="49" charset="0"/>
-                <a:cs typeface="Courier New" panose="02070309020205020404" pitchFamily="49" charset="0"/>
-              </a:rPr>
-              <a:t>LD_PRELOAD</a:t>
-            </a:r>
-            <a:r>
-              <a:rPr lang="ru-RU" dirty="0"/>
-              <a:t>)</a:t>
-            </a:r>
-          </a:p>
-          <a:p>
-            <a:pPr lvl="1"/>
-            <a:r>
-              <a:rPr lang="ru-RU" dirty="0"/>
-              <a:t>15 ошибок в различных OSS проектах (GCC, Harfbuzz, etc.)</a:t>
-            </a:r>
-          </a:p>
-          <a:p>
-            <a:r>
-              <a:rPr lang="ru-RU" dirty="0"/>
-              <a:t>SortChecker++ (</a:t>
-            </a:r>
-            <a:r>
-              <a:rPr lang="ru-RU" dirty="0">
-                <a:hlinkClick r:id="rId3"/>
-              </a:rPr>
-              <a:t>https://github.com/yugr/sortcheckxx</a:t>
-            </a:r>
-            <a:r>
-              <a:rPr lang="ru-RU" dirty="0"/>
-              <a:t>)</a:t>
-            </a:r>
-          </a:p>
-          <a:p>
-            <a:pPr lvl="1"/>
-            <a:r>
-              <a:rPr lang="ru-RU" dirty="0"/>
-              <a:t>работает с программами на C++</a:t>
-            </a:r>
-          </a:p>
-          <a:p>
-            <a:pPr lvl="1"/>
-            <a:r>
-              <a:rPr lang="ru-RU" dirty="0"/>
-              <a:t>перехватывает и проверяет API типа </a:t>
-            </a:r>
-            <a:r>
-              <a:rPr lang="ru-RU" dirty="0">
-                <a:latin typeface="Courier New" panose="02070309020205020404" pitchFamily="49" charset="0"/>
-                <a:cs typeface="Courier New" panose="02070309020205020404" pitchFamily="49" charset="0"/>
-              </a:rPr>
-              <a:t>std::sort</a:t>
-            </a:r>
-            <a:r>
-              <a:rPr lang="ru-RU" dirty="0"/>
-              <a:t> и контейнеры типа </a:t>
-            </a:r>
-            <a:r>
-              <a:rPr lang="ru-RU" dirty="0">
-                <a:latin typeface="Courier New" panose="02070309020205020404" pitchFamily="49" charset="0"/>
-                <a:cs typeface="Courier New" panose="02070309020205020404" pitchFamily="49" charset="0"/>
-              </a:rPr>
-              <a:t>std::map</a:t>
-            </a:r>
-          </a:p>
-          <a:p>
-            <a:pPr lvl="1"/>
-            <a:r>
-              <a:rPr lang="ru-RU" dirty="0"/>
-              <a:t>основан на source-to-source инструментации (Clang-based)</a:t>
-            </a:r>
-          </a:p>
-          <a:p>
-            <a:pPr lvl="1"/>
-            <a:r>
-              <a:rPr lang="ru-RU" dirty="0"/>
-              <a:t>5 ошибок в различных OSS проектах</a:t>
-            </a:r>
-          </a:p>
-          <a:p>
-            <a:pPr lvl="1"/>
-            <a:r>
-              <a:rPr lang="ru-RU" dirty="0"/>
-              <a:t>TODO: поддержать все релевантные алгоритмы (</a:t>
-            </a:r>
-            <a:r>
-              <a:rPr lang="ru-RU" dirty="0">
-                <a:latin typeface="Courier New" panose="02070309020205020404" pitchFamily="49" charset="0"/>
-                <a:cs typeface="Courier New" panose="02070309020205020404" pitchFamily="49" charset="0"/>
-              </a:rPr>
-              <a:t>nth_element</a:t>
-            </a:r>
-            <a:r>
-              <a:rPr lang="ru-RU" dirty="0"/>
-              <a:t>, etc.)</a:t>
+              <a:t>Например проверку аксиом транзитивности</a:t>
             </a:r>
           </a:p>
           <a:p>
@@ -11175,7 +11026,7 @@
     </p:spTree>
     <p:extLst>
       <p:ext uri="{BB962C8B-B14F-4D97-AF65-F5344CB8AC3E}">
-        <p14:creationId xmlns:p14="http://schemas.microsoft.com/office/powerpoint/2010/main" val="2659528703"/>
+        <p14:creationId xmlns:p14="http://schemas.microsoft.com/office/powerpoint/2010/main" val="2928624946"/>
       </p:ext>
     </p:extLst>
   </p:cSld>
@@ -11383,7 +11234,7 @@
           <p:cNvPr id="2" name="Title 1">
             <a:extLst>
               <a:ext uri="{FF2B5EF4-FFF2-40B4-BE49-F238E27FC236}">
-                <a16:creationId xmlns:a16="http://schemas.microsoft.com/office/drawing/2014/main" id="{A6FDE828-D233-4535-B53B-9502F549DDB9}"/>
+                <a16:creationId xmlns:a16="http://schemas.microsoft.com/office/drawing/2014/main" id="{BC72424F-9AF5-45CD-9C91-874C6DC016AA}"/>
               </a:ext>
             </a:extLst>
           </p:cNvPr>
@@ -11400,10 +11251,6 @@
           <a:lstStyle/>
           <a:p>
             <a:r>
-              <a:rPr lang="ru-RU" dirty="0"/>
-              <a:t>Как использовать </a:t>
-            </a:r>
-            <a:r>
               <a:rPr lang="en-US" dirty="0" err="1"/>
               <a:t>SortChecker</a:t>
             </a:r>
@@ -11416,7 +11263,7 @@
           <p:cNvPr id="3" name="Content Placeholder 2">
             <a:extLst>
               <a:ext uri="{FF2B5EF4-FFF2-40B4-BE49-F238E27FC236}">
-                <a16:creationId xmlns:a16="http://schemas.microsoft.com/office/drawing/2014/main" id="{485A6619-1CBE-4348-961B-BD3FDC8FFEC4}"/>
+                <a16:creationId xmlns:a16="http://schemas.microsoft.com/office/drawing/2014/main" id="{436AE089-C978-44EF-9D7D-E8AE6EA68157}"/>
               </a:ext>
             </a:extLst>
           </p:cNvPr>
@@ -11427,7 +11274,12 @@
             <p:ph idx="1"/>
           </p:nvPr>
         </p:nvSpPr>
-        <p:spPr/>
+        <p:spPr>
+          <a:xfrm>
+            <a:off x="838200" y="1847396"/>
+            <a:ext cx="10515600" cy="4351338"/>
+          </a:xfrm>
+        </p:spPr>
         <p:txBody>
           <a:bodyPr>
             <a:normAutofit fontScale="92500" lnSpcReduction="20000"/>
@@ -11436,227 +11288,161 @@
           <a:p>
             <a:r>
               <a:rPr lang="ru-RU" dirty="0"/>
-              <a:t>Вначале инструментируем код:</a:t>
-            </a:r>
-          </a:p>
-          <a:p>
-            <a:pPr marL="457200" lvl="1" indent="0">
-              <a:buNone/>
-            </a:pPr>
-            <a:r>
-              <a:rPr lang="en-US" dirty="0">
-                <a:latin typeface="Courier New" panose="02070309020205020404" pitchFamily="49" charset="0"/>
-                <a:cs typeface="Courier New" panose="02070309020205020404" pitchFamily="49" charset="0"/>
-              </a:rPr>
-              <a:t>$ </a:t>
-            </a:r>
-            <a:r>
-              <a:rPr lang="en-US" dirty="0" err="1">
-                <a:latin typeface="Courier New" panose="02070309020205020404" pitchFamily="49" charset="0"/>
-                <a:cs typeface="Courier New" panose="02070309020205020404" pitchFamily="49" charset="0"/>
-              </a:rPr>
-              <a:t>sortcheckxx</a:t>
-            </a:r>
-            <a:r>
-              <a:rPr lang="en-US" dirty="0">
-                <a:latin typeface="Courier New" panose="02070309020205020404" pitchFamily="49" charset="0"/>
-                <a:cs typeface="Courier New" panose="02070309020205020404" pitchFamily="49" charset="0"/>
-              </a:rPr>
-              <a:t>/bin/</a:t>
-            </a:r>
-            <a:r>
-              <a:rPr lang="en-US" dirty="0" err="1">
-                <a:latin typeface="Courier New" panose="02070309020205020404" pitchFamily="49" charset="0"/>
-                <a:cs typeface="Courier New" panose="02070309020205020404" pitchFamily="49" charset="0"/>
-              </a:rPr>
-              <a:t>SortChecker</a:t>
-            </a:r>
-            <a:r>
-              <a:rPr lang="en-US" dirty="0">
-                <a:latin typeface="Courier New" panose="02070309020205020404" pitchFamily="49" charset="0"/>
-                <a:cs typeface="Courier New" panose="02070309020205020404" pitchFamily="49" charset="0"/>
-              </a:rPr>
-              <a:t> tmp.cc -- -DN=50</a:t>
+              <a:t>Два простых динамических чекера для проверки корректности в рантайме</a:t>
             </a:r>
             <a:endParaRPr lang="en-US" dirty="0"/>
           </a:p>
           <a:p>
             <a:r>
               <a:rPr lang="ru-RU" dirty="0"/>
-              <a:t>По большому счёту вся инструментация сводится к замене</a:t>
-            </a:r>
-            <a:r>
-              <a:rPr lang="en-US" dirty="0"/>
-              <a:t> </a:t>
-            </a:r>
-            <a:r>
-              <a:rPr lang="ru-RU" dirty="0"/>
-              <a:t>вызова стандартной </a:t>
-            </a:r>
-            <a:r>
-              <a:rPr lang="en-US" dirty="0">
+              <a:t>SortChecker (</a:t>
+            </a:r>
+            <a:r>
+              <a:rPr lang="ru-RU" dirty="0">
+                <a:hlinkClick r:id="rId2"/>
+              </a:rPr>
+              <a:t>https://github.com/yugr/sortcheck</a:t>
+            </a:r>
+            <a:r>
+              <a:rPr lang="ru-RU" dirty="0"/>
+              <a:t>)</a:t>
+            </a:r>
+          </a:p>
+          <a:p>
+            <a:pPr lvl="1"/>
+            <a:r>
+              <a:rPr lang="ru-RU" dirty="0"/>
+              <a:t>работает с программами на C</a:t>
+            </a:r>
+          </a:p>
+          <a:p>
+            <a:pPr lvl="1"/>
+            <a:r>
+              <a:rPr lang="ru-RU" dirty="0"/>
+              <a:t>перехватывает и проверяет API типа </a:t>
+            </a:r>
+            <a:r>
+              <a:rPr lang="ru-RU" dirty="0">
+                <a:latin typeface="Courier New" panose="02070309020205020404" pitchFamily="49" charset="0"/>
+                <a:cs typeface="Courier New" panose="02070309020205020404" pitchFamily="49" charset="0"/>
+              </a:rPr>
+              <a:t>qsort</a:t>
+            </a:r>
+            <a:r>
+              <a:rPr lang="ru-RU" dirty="0"/>
+              <a:t> и </a:t>
+            </a:r>
+            <a:r>
+              <a:rPr lang="ru-RU" dirty="0">
+                <a:latin typeface="Courier New" panose="02070309020205020404" pitchFamily="49" charset="0"/>
+                <a:cs typeface="Courier New" panose="02070309020205020404" pitchFamily="49" charset="0"/>
+              </a:rPr>
+              <a:t>bsearch</a:t>
+            </a:r>
+          </a:p>
+          <a:p>
+            <a:pPr lvl="1"/>
+            <a:r>
+              <a:rPr lang="ru-RU" dirty="0"/>
+              <a:t>основан на динамической инструментации (</a:t>
+            </a:r>
+            <a:r>
+              <a:rPr lang="ru-RU" dirty="0">
+                <a:latin typeface="Courier New" panose="02070309020205020404" pitchFamily="49" charset="0"/>
+                <a:cs typeface="Courier New" panose="02070309020205020404" pitchFamily="49" charset="0"/>
+              </a:rPr>
+              <a:t>LD_PRELOAD</a:t>
+            </a:r>
+            <a:r>
+              <a:rPr lang="ru-RU" dirty="0"/>
+              <a:t>)</a:t>
+            </a:r>
+          </a:p>
+          <a:p>
+            <a:pPr lvl="1"/>
+            <a:r>
+              <a:rPr lang="ru-RU" dirty="0"/>
+              <a:t>15 ошибок в различных OSS проектах (GCC, Harfbuzz, etc.)</a:t>
+            </a:r>
+          </a:p>
+          <a:p>
+            <a:r>
+              <a:rPr lang="ru-RU" dirty="0"/>
+              <a:t>SortChecker++ (</a:t>
+            </a:r>
+            <a:r>
+              <a:rPr lang="ru-RU" dirty="0">
+                <a:hlinkClick r:id="rId3"/>
+              </a:rPr>
+              <a:t>https://github.com/yugr/sortcheckxx</a:t>
+            </a:r>
+            <a:r>
+              <a:rPr lang="ru-RU" dirty="0"/>
+              <a:t>)</a:t>
+            </a:r>
+          </a:p>
+          <a:p>
+            <a:pPr lvl="1"/>
+            <a:r>
+              <a:rPr lang="ru-RU" dirty="0"/>
+              <a:t>работает с программами на C++</a:t>
+            </a:r>
+          </a:p>
+          <a:p>
+            <a:pPr lvl="1"/>
+            <a:r>
+              <a:rPr lang="ru-RU" dirty="0"/>
+              <a:t>перехватывает и проверяет API типа </a:t>
+            </a:r>
+            <a:r>
+              <a:rPr lang="ru-RU" dirty="0">
                 <a:latin typeface="Courier New" panose="02070309020205020404" pitchFamily="49" charset="0"/>
                 <a:cs typeface="Courier New" panose="02070309020205020404" pitchFamily="49" charset="0"/>
               </a:rPr>
               <a:t>std::sort</a:t>
             </a:r>
-          </a:p>
-          <a:p>
-            <a:pPr marL="457200" lvl="1" indent="0">
-              <a:buNone/>
-            </a:pPr>
-            <a:r>
-              <a:rPr lang="en-US" dirty="0">
-                <a:latin typeface="Courier New" panose="02070309020205020404" pitchFamily="49" charset="0"/>
-                <a:cs typeface="Courier New" panose="02070309020205020404" pitchFamily="49" charset="0"/>
-              </a:rPr>
-              <a:t>std::sort(begin, end, </a:t>
-            </a:r>
-            <a:r>
-              <a:rPr lang="en-US" dirty="0" err="1">
-                <a:latin typeface="Courier New" panose="02070309020205020404" pitchFamily="49" charset="0"/>
-                <a:cs typeface="Courier New" panose="02070309020205020404" pitchFamily="49" charset="0"/>
-              </a:rPr>
-              <a:t>cmp</a:t>
-            </a:r>
-            <a:r>
-              <a:rPr lang="en-US" dirty="0">
-                <a:latin typeface="Courier New" panose="02070309020205020404" pitchFamily="49" charset="0"/>
-                <a:cs typeface="Courier New" panose="02070309020205020404" pitchFamily="49" charset="0"/>
-              </a:rPr>
-              <a:t>);</a:t>
-            </a:r>
-          </a:p>
-          <a:p>
-            <a:r>
-              <a:rPr lang="ru-RU" dirty="0"/>
-              <a:t>на отладочную обёртку</a:t>
-            </a:r>
-          </a:p>
-          <a:p>
-            <a:pPr marL="457200" lvl="1" indent="0">
-              <a:buNone/>
-            </a:pPr>
-            <a:r>
-              <a:rPr lang="en-US" dirty="0" err="1">
-                <a:latin typeface="Courier New" panose="02070309020205020404" pitchFamily="49" charset="0"/>
-                <a:cs typeface="Courier New" panose="02070309020205020404" pitchFamily="49" charset="0"/>
-              </a:rPr>
-              <a:t>sortcheck</a:t>
-            </a:r>
-            <a:r>
-              <a:rPr lang="en-US" dirty="0">
-                <a:latin typeface="Courier New" panose="02070309020205020404" pitchFamily="49" charset="0"/>
-                <a:cs typeface="Courier New" panose="02070309020205020404" pitchFamily="49" charset="0"/>
-              </a:rPr>
-              <a:t>::</a:t>
-            </a:r>
-            <a:r>
-              <a:rPr lang="en-US" dirty="0" err="1">
-                <a:latin typeface="Courier New" panose="02070309020205020404" pitchFamily="49" charset="0"/>
-                <a:cs typeface="Courier New" panose="02070309020205020404" pitchFamily="49" charset="0"/>
-              </a:rPr>
-              <a:t>sort_checked</a:t>
-            </a:r>
-            <a:r>
-              <a:rPr lang="en-US" dirty="0">
-                <a:latin typeface="Courier New" panose="02070309020205020404" pitchFamily="49" charset="0"/>
-                <a:cs typeface="Courier New" panose="02070309020205020404" pitchFamily="49" charset="0"/>
-              </a:rPr>
-              <a:t>(begin, end, </a:t>
-            </a:r>
-            <a:r>
-              <a:rPr lang="en-US" dirty="0" err="1">
-                <a:latin typeface="Courier New" panose="02070309020205020404" pitchFamily="49" charset="0"/>
-                <a:cs typeface="Courier New" panose="02070309020205020404" pitchFamily="49" charset="0"/>
-              </a:rPr>
-              <a:t>cmp</a:t>
-            </a:r>
-            <a:r>
-              <a:rPr lang="en-US" dirty="0">
-                <a:latin typeface="Courier New" panose="02070309020205020404" pitchFamily="49" charset="0"/>
-                <a:cs typeface="Courier New" panose="02070309020205020404" pitchFamily="49" charset="0"/>
-              </a:rPr>
-              <a:t>, __FILE__, __LINE__);</a:t>
-            </a:r>
-          </a:p>
-          <a:p>
-            <a:r>
-              <a:rPr lang="ru-RU" dirty="0"/>
-              <a:t>Скомпилируем и запустим инструментированный код из начала презентации</a:t>
-            </a:r>
-            <a:r>
-              <a:rPr lang="en-US" dirty="0"/>
-              <a:t>:</a:t>
-            </a:r>
-            <a:endParaRPr lang="ru-RU" dirty="0"/>
-          </a:p>
-          <a:p>
-            <a:pPr marL="457200" lvl="1" indent="0">
-              <a:buNone/>
-            </a:pPr>
-            <a:r>
-              <a:rPr lang="en-US" dirty="0">
-                <a:latin typeface="Courier New" panose="02070309020205020404" pitchFamily="49" charset="0"/>
-                <a:cs typeface="Courier New" panose="02070309020205020404" pitchFamily="49" charset="0"/>
-              </a:rPr>
-              <a:t>$ g++ -g -DN=50 -I </a:t>
-            </a:r>
-            <a:r>
-              <a:rPr lang="en-US" dirty="0" err="1">
-                <a:latin typeface="Courier New" panose="02070309020205020404" pitchFamily="49" charset="0"/>
-                <a:cs typeface="Courier New" panose="02070309020205020404" pitchFamily="49" charset="0"/>
-              </a:rPr>
-              <a:t>sortcheckxx</a:t>
-            </a:r>
-            <a:r>
-              <a:rPr lang="en-US" dirty="0">
-                <a:latin typeface="Courier New" panose="02070309020205020404" pitchFamily="49" charset="0"/>
-                <a:cs typeface="Courier New" panose="02070309020205020404" pitchFamily="49" charset="0"/>
-              </a:rPr>
-              <a:t>/include tmp.cc &amp;&amp; ./</a:t>
-            </a:r>
-            <a:r>
-              <a:rPr lang="en-US" dirty="0" err="1">
-                <a:latin typeface="Courier New" panose="02070309020205020404" pitchFamily="49" charset="0"/>
-                <a:cs typeface="Courier New" panose="02070309020205020404" pitchFamily="49" charset="0"/>
-              </a:rPr>
-              <a:t>a.out</a:t>
-            </a:r>
-            <a:endParaRPr lang="en-US" dirty="0">
-              <a:latin typeface="Courier New" panose="02070309020205020404" pitchFamily="49" charset="0"/>
-              <a:cs typeface="Courier New" panose="02070309020205020404" pitchFamily="49" charset="0"/>
-            </a:endParaRPr>
-          </a:p>
-          <a:p>
-            <a:pPr marL="457200" lvl="1" indent="0">
-              <a:buNone/>
-            </a:pPr>
-            <a:r>
-              <a:rPr lang="en-US" dirty="0" err="1">
-                <a:latin typeface="Courier New" panose="02070309020205020404" pitchFamily="49" charset="0"/>
-                <a:cs typeface="Courier New" panose="02070309020205020404" pitchFamily="49" charset="0"/>
-              </a:rPr>
-              <a:t>sortcheck</a:t>
-            </a:r>
-            <a:r>
-              <a:rPr lang="en-US" dirty="0">
-                <a:latin typeface="Courier New" panose="02070309020205020404" pitchFamily="49" charset="0"/>
-                <a:cs typeface="Courier New" panose="02070309020205020404" pitchFamily="49" charset="0"/>
-              </a:rPr>
-              <a:t>: tmp.cc:14: irreflexive comparator at position 0</a:t>
-            </a:r>
-          </a:p>
-          <a:p>
-            <a:pPr marL="457200" lvl="1" indent="0">
-              <a:buNone/>
-            </a:pPr>
-            <a:r>
-              <a:rPr lang="en-US" dirty="0">
-                <a:latin typeface="Courier New" panose="02070309020205020404" pitchFamily="49" charset="0"/>
-                <a:cs typeface="Courier New" panose="02070309020205020404" pitchFamily="49" charset="0"/>
-              </a:rPr>
-              <a:t>Aborted</a:t>
+            <a:r>
+              <a:rPr lang="ru-RU" dirty="0"/>
+              <a:t> и контейнеры типа </a:t>
+            </a:r>
+            <a:r>
+              <a:rPr lang="ru-RU" dirty="0">
+                <a:latin typeface="Courier New" panose="02070309020205020404" pitchFamily="49" charset="0"/>
+                <a:cs typeface="Courier New" panose="02070309020205020404" pitchFamily="49" charset="0"/>
+              </a:rPr>
+              <a:t>std::map</a:t>
+            </a:r>
+          </a:p>
+          <a:p>
+            <a:pPr lvl="1"/>
+            <a:r>
+              <a:rPr lang="ru-RU" dirty="0"/>
+              <a:t>основан на source-to-source инструментации (Clang-based)</a:t>
+            </a:r>
+          </a:p>
+          <a:p>
+            <a:pPr lvl="1"/>
+            <a:r>
+              <a:rPr lang="ru-RU" dirty="0"/>
+              <a:t>5 ошибок в различных OSS проектах</a:t>
+            </a:r>
+          </a:p>
+          <a:p>
+            <a:pPr lvl="1"/>
+            <a:r>
+              <a:rPr lang="ru-RU" dirty="0"/>
+              <a:t>TODO: поддержать все релевантные алгоритмы (</a:t>
+            </a:r>
+            <a:r>
+              <a:rPr lang="ru-RU" dirty="0">
+                <a:latin typeface="Courier New" panose="02070309020205020404" pitchFamily="49" charset="0"/>
+                <a:cs typeface="Courier New" panose="02070309020205020404" pitchFamily="49" charset="0"/>
+              </a:rPr>
+              <a:t>nth_element</a:t>
+            </a:r>
+            <a:r>
+              <a:rPr lang="ru-RU" dirty="0"/>
+              <a:t>, etc.)</a:t>
             </a:r>
           </a:p>
           <a:p>
@@ -11667,7 +11453,7 @@
     </p:spTree>
     <p:extLst>
       <p:ext uri="{BB962C8B-B14F-4D97-AF65-F5344CB8AC3E}">
-        <p14:creationId xmlns:p14="http://schemas.microsoft.com/office/powerpoint/2010/main" val="1487736242"/>
+        <p14:creationId xmlns:p14="http://schemas.microsoft.com/office/powerpoint/2010/main" val="2659528703"/>
       </p:ext>
     </p:extLst>
   </p:cSld>
@@ -11699,7 +11485,7 @@
           <p:cNvPr id="2" name="Title 1">
             <a:extLst>
               <a:ext uri="{FF2B5EF4-FFF2-40B4-BE49-F238E27FC236}">
-                <a16:creationId xmlns:a16="http://schemas.microsoft.com/office/drawing/2014/main" id="{B6884E62-A92A-47BA-9EF6-78B10084AB0B}"/>
+                <a16:creationId xmlns:a16="http://schemas.microsoft.com/office/drawing/2014/main" id="{A6FDE828-D233-4535-B53B-9502F549DDB9}"/>
               </a:ext>
             </a:extLst>
           </p:cNvPr>
@@ -11710,19 +11496,18 @@
             <p:ph type="title"/>
           </p:nvPr>
         </p:nvSpPr>
-        <p:spPr>
-          <a:xfrm>
-            <a:off x="838200" y="-81189"/>
-            <a:ext cx="10515600" cy="1325563"/>
-          </a:xfrm>
-        </p:spPr>
+        <p:spPr/>
         <p:txBody>
           <a:bodyPr/>
           <a:lstStyle/>
           <a:p>
             <a:r>
               <a:rPr lang="ru-RU" dirty="0"/>
-              <a:t>Псевдокод</a:t>
+              <a:t>Как использовать </a:t>
+            </a:r>
+            <a:r>
+              <a:rPr lang="en-US" dirty="0" err="1"/>
+              <a:t>SortChecker</a:t>
             </a:r>
             <a:endParaRPr lang="en-US" dirty="0"/>
           </a:p>
@@ -11733,7 +11518,7 @@
           <p:cNvPr id="3" name="Content Placeholder 2">
             <a:extLst>
               <a:ext uri="{FF2B5EF4-FFF2-40B4-BE49-F238E27FC236}">
-                <a16:creationId xmlns:a16="http://schemas.microsoft.com/office/drawing/2014/main" id="{AD260025-EBC3-45D0-9B0B-DAA951A03DCC}"/>
+                <a16:creationId xmlns:a16="http://schemas.microsoft.com/office/drawing/2014/main" id="{485A6619-1CBE-4348-961B-BD3FDC8FFEC4}"/>
               </a:ext>
             </a:extLst>
           </p:cNvPr>
@@ -11744,28 +11529,63 @@
             <p:ph idx="1"/>
           </p:nvPr>
         </p:nvSpPr>
-        <p:spPr>
-          <a:xfrm>
-            <a:off x="636814" y="1004887"/>
-            <a:ext cx="11261272" cy="5450342"/>
-          </a:xfrm>
-        </p:spPr>
+        <p:spPr/>
         <p:txBody>
           <a:bodyPr>
-            <a:normAutofit fontScale="77500" lnSpcReduction="20000"/>
+            <a:normAutofit fontScale="92500" lnSpcReduction="20000"/>
           </a:bodyPr>
           <a:lstStyle/>
           <a:p>
             <a:r>
               <a:rPr lang="ru-RU" dirty="0"/>
-              <a:t>Каждый запуск </a:t>
-            </a:r>
-            <a:r>
-              <a:rPr lang="en-US" dirty="0">
-                <a:latin typeface="Courier New" panose="02070309020205020404" pitchFamily="49" charset="0"/>
-                <a:cs typeface="Courier New" panose="02070309020205020404" pitchFamily="49" charset="0"/>
-              </a:rPr>
-              <a:t>std::sort</a:t>
+              <a:t>Вначале инструментируем код:</a:t>
+            </a:r>
+          </a:p>
+          <a:p>
+            <a:pPr marL="457200" lvl="1" indent="0">
+              <a:buNone/>
+            </a:pPr>
+            <a:r>
+              <a:rPr lang="en-US" dirty="0">
+                <a:latin typeface="Courier New" panose="02070309020205020404" pitchFamily="49" charset="0"/>
+                <a:cs typeface="Courier New" panose="02070309020205020404" pitchFamily="49" charset="0"/>
+              </a:rPr>
+              <a:t>$ </a:t>
+            </a:r>
+            <a:r>
+              <a:rPr lang="en-US" dirty="0" err="1">
+                <a:latin typeface="Courier New" panose="02070309020205020404" pitchFamily="49" charset="0"/>
+                <a:cs typeface="Courier New" panose="02070309020205020404" pitchFamily="49" charset="0"/>
+              </a:rPr>
+              <a:t>sortcheckxx</a:t>
+            </a:r>
+            <a:r>
+              <a:rPr lang="en-US" dirty="0">
+                <a:latin typeface="Courier New" panose="02070309020205020404" pitchFamily="49" charset="0"/>
+                <a:cs typeface="Courier New" panose="02070309020205020404" pitchFamily="49" charset="0"/>
+              </a:rPr>
+              <a:t>/bin/</a:t>
+            </a:r>
+            <a:r>
+              <a:rPr lang="en-US" dirty="0" err="1">
+                <a:latin typeface="Courier New" panose="02070309020205020404" pitchFamily="49" charset="0"/>
+                <a:cs typeface="Courier New" panose="02070309020205020404" pitchFamily="49" charset="0"/>
+              </a:rPr>
+              <a:t>SortChecker</a:t>
+            </a:r>
+            <a:r>
+              <a:rPr lang="en-US" dirty="0">
+                <a:latin typeface="Courier New" panose="02070309020205020404" pitchFamily="49" charset="0"/>
+                <a:cs typeface="Courier New" panose="02070309020205020404" pitchFamily="49" charset="0"/>
+              </a:rPr>
+              <a:t> tmp.cc -- -DN=50</a:t>
+            </a:r>
+            <a:endParaRPr lang="en-US" dirty="0"/>
+          </a:p>
+          <a:p>
+            <a:r>
+              <a:rPr lang="ru-RU" dirty="0"/>
+              <a:t>По большому счёту вся инструментация сводится к замене</a:t>
             </a:r>
             <a:r>
               <a:rPr lang="en-US" dirty="0"/>
@@ -11773,228 +11593,137 @@
             </a:r>
             <a:r>
               <a:rPr lang="ru-RU" dirty="0"/>
-              <a:t>и аналогичных </a:t>
+              <a:t>вызова стандартной </a:t>
+            </a:r>
+            <a:r>
+              <a:rPr lang="en-US" dirty="0">
+                <a:latin typeface="Courier New" panose="02070309020205020404" pitchFamily="49" charset="0"/>
+                <a:cs typeface="Courier New" panose="02070309020205020404" pitchFamily="49" charset="0"/>
+              </a:rPr>
+              <a:t>std::sort</a:t>
+            </a:r>
+          </a:p>
+          <a:p>
+            <a:pPr marL="457200" lvl="1" indent="0">
+              <a:buNone/>
+            </a:pPr>
+            <a:r>
+              <a:rPr lang="en-US" dirty="0">
+                <a:latin typeface="Courier New" panose="02070309020205020404" pitchFamily="49" charset="0"/>
+                <a:cs typeface="Courier New" panose="02070309020205020404" pitchFamily="49" charset="0"/>
+              </a:rPr>
+              <a:t>std::sort(begin, end, </a:t>
+            </a:r>
+            <a:r>
+              <a:rPr lang="en-US" dirty="0" err="1">
+                <a:latin typeface="Courier New" panose="02070309020205020404" pitchFamily="49" charset="0"/>
+                <a:cs typeface="Courier New" panose="02070309020205020404" pitchFamily="49" charset="0"/>
+              </a:rPr>
+              <a:t>cmp</a:t>
+            </a:r>
+            <a:r>
+              <a:rPr lang="en-US" dirty="0">
+                <a:latin typeface="Courier New" panose="02070309020205020404" pitchFamily="49" charset="0"/>
+                <a:cs typeface="Courier New" panose="02070309020205020404" pitchFamily="49" charset="0"/>
+              </a:rPr>
+              <a:t>);</a:t>
+            </a:r>
+          </a:p>
+          <a:p>
+            <a:r>
+              <a:rPr lang="ru-RU" dirty="0"/>
+              <a:t>на отладочную обёртку</a:t>
+            </a:r>
+          </a:p>
+          <a:p>
+            <a:pPr marL="457200" lvl="1" indent="0">
+              <a:buNone/>
+            </a:pPr>
+            <a:r>
+              <a:rPr lang="en-US" dirty="0" err="1">
+                <a:latin typeface="Courier New" panose="02070309020205020404" pitchFamily="49" charset="0"/>
+                <a:cs typeface="Courier New" panose="02070309020205020404" pitchFamily="49" charset="0"/>
+              </a:rPr>
+              <a:t>sortcheck</a:t>
+            </a:r>
+            <a:r>
+              <a:rPr lang="en-US" dirty="0">
+                <a:latin typeface="Courier New" panose="02070309020205020404" pitchFamily="49" charset="0"/>
+                <a:cs typeface="Courier New" panose="02070309020205020404" pitchFamily="49" charset="0"/>
+              </a:rPr>
+              <a:t>::</a:t>
+            </a:r>
+            <a:r>
+              <a:rPr lang="en-US" dirty="0" err="1">
+                <a:latin typeface="Courier New" panose="02070309020205020404" pitchFamily="49" charset="0"/>
+                <a:cs typeface="Courier New" panose="02070309020205020404" pitchFamily="49" charset="0"/>
+              </a:rPr>
+              <a:t>sort_checked</a:t>
+            </a:r>
+            <a:r>
+              <a:rPr lang="en-US" dirty="0">
+                <a:latin typeface="Courier New" panose="02070309020205020404" pitchFamily="49" charset="0"/>
+                <a:cs typeface="Courier New" panose="02070309020205020404" pitchFamily="49" charset="0"/>
+              </a:rPr>
+              <a:t>(begin, end, </a:t>
+            </a:r>
+            <a:r>
+              <a:rPr lang="en-US" dirty="0" err="1">
+                <a:latin typeface="Courier New" panose="02070309020205020404" pitchFamily="49" charset="0"/>
+                <a:cs typeface="Courier New" panose="02070309020205020404" pitchFamily="49" charset="0"/>
+              </a:rPr>
+              <a:t>cmp</a:t>
+            </a:r>
+            <a:r>
+              <a:rPr lang="en-US" dirty="0">
+                <a:latin typeface="Courier New" panose="02070309020205020404" pitchFamily="49" charset="0"/>
+                <a:cs typeface="Courier New" panose="02070309020205020404" pitchFamily="49" charset="0"/>
+              </a:rPr>
+              <a:t>, __FILE__, __LINE__);</a:t>
+            </a:r>
+          </a:p>
+          <a:p>
+            <a:r>
+              <a:rPr lang="ru-RU" dirty="0"/>
+              <a:t>Скомпилируем и запустим инструментированный код из начала презентации</a:t>
             </a:r>
             <a:r>
               <a:rPr lang="en-US" dirty="0"/>
-              <a:t>API </a:t>
-            </a:r>
-            <a:r>
-              <a:rPr lang="ru-RU" dirty="0"/>
-              <a:t>предваряется проверками:</a:t>
-            </a:r>
+              <a:t>:</a:t>
+            </a:r>
+            <a:endParaRPr lang="ru-RU" dirty="0"/>
           </a:p>
           <a:p>
             <a:pPr marL="457200" lvl="1" indent="0">
               <a:buNone/>
             </a:pPr>
             <a:r>
-              <a:rPr lang="en-US" sz="2000" dirty="0">
-                <a:latin typeface="Courier New" panose="02070309020205020404" pitchFamily="49" charset="0"/>
-                <a:cs typeface="Courier New" panose="02070309020205020404" pitchFamily="49" charset="0"/>
-              </a:rPr>
-              <a:t>for x in array</a:t>
-            </a:r>
-          </a:p>
-          <a:p>
-            <a:pPr marL="457200" lvl="1" indent="0">
-              <a:buNone/>
-            </a:pPr>
-            <a:r>
-              <a:rPr lang="en-US" sz="2000" dirty="0">
-                <a:latin typeface="Courier New" panose="02070309020205020404" pitchFamily="49" charset="0"/>
-                <a:cs typeface="Courier New" panose="02070309020205020404" pitchFamily="49" charset="0"/>
-              </a:rPr>
-              <a:t>  if comp(x, x)</a:t>
-            </a:r>
-          </a:p>
-          <a:p>
-            <a:pPr marL="457200" lvl="1" indent="0">
-              <a:buNone/>
-            </a:pPr>
-            <a:r>
-              <a:rPr lang="en-US" sz="2000" dirty="0">
-                <a:latin typeface="Courier New" panose="02070309020205020404" pitchFamily="49" charset="0"/>
-                <a:cs typeface="Courier New" panose="02070309020205020404" pitchFamily="49" charset="0"/>
-              </a:rPr>
-              <a:t>    error</a:t>
-            </a:r>
-          </a:p>
-          <a:p>
-            <a:pPr marL="457200" lvl="1" indent="0">
-              <a:buNone/>
-            </a:pPr>
-            <a:endParaRPr lang="en-US" sz="2000" dirty="0">
-              <a:latin typeface="Courier New" panose="02070309020205020404" pitchFamily="49" charset="0"/>
-              <a:cs typeface="Courier New" panose="02070309020205020404" pitchFamily="49" charset="0"/>
-            </a:endParaRPr>
-          </a:p>
-          <a:p>
-            <a:pPr marL="457200" lvl="1" indent="0">
-              <a:buNone/>
-            </a:pPr>
-            <a:r>
-              <a:rPr lang="en-US" sz="2000" dirty="0">
-                <a:latin typeface="Courier New" panose="02070309020205020404" pitchFamily="49" charset="0"/>
-                <a:cs typeface="Courier New" panose="02070309020205020404" pitchFamily="49" charset="0"/>
-              </a:rPr>
-              <a:t>for x, y in array</a:t>
-            </a:r>
-          </a:p>
-          <a:p>
-            <a:pPr marL="457200" lvl="1" indent="0">
-              <a:buNone/>
-            </a:pPr>
-            <a:r>
-              <a:rPr lang="en-US" sz="2000" dirty="0">
-                <a:latin typeface="Courier New" panose="02070309020205020404" pitchFamily="49" charset="0"/>
-                <a:cs typeface="Courier New" panose="02070309020205020404" pitchFamily="49" charset="0"/>
-              </a:rPr>
-              <a:t>  if comp(x, y) != comp(y, x)</a:t>
-            </a:r>
-          </a:p>
-          <a:p>
-            <a:pPr marL="457200" lvl="1" indent="0">
-              <a:buNone/>
-            </a:pPr>
-            <a:r>
-              <a:rPr lang="en-US" sz="2000" dirty="0">
-                <a:latin typeface="Courier New" panose="02070309020205020404" pitchFamily="49" charset="0"/>
-                <a:cs typeface="Courier New" panose="02070309020205020404" pitchFamily="49" charset="0"/>
-              </a:rPr>
-              <a:t>    error</a:t>
-            </a:r>
-          </a:p>
-          <a:p>
-            <a:pPr marL="457200" lvl="1" indent="0">
-              <a:buNone/>
-            </a:pPr>
-            <a:endParaRPr lang="en-US" sz="2000" dirty="0">
-              <a:latin typeface="Courier New" panose="02070309020205020404" pitchFamily="49" charset="0"/>
-              <a:cs typeface="Courier New" panose="02070309020205020404" pitchFamily="49" charset="0"/>
-            </a:endParaRPr>
-          </a:p>
-          <a:p>
-            <a:pPr marL="457200" lvl="1" indent="0">
-              <a:buNone/>
-            </a:pPr>
-            <a:r>
-              <a:rPr lang="en-US" sz="2000" dirty="0">
-                <a:latin typeface="Courier New" panose="02070309020205020404" pitchFamily="49" charset="0"/>
-                <a:cs typeface="Courier New" panose="02070309020205020404" pitchFamily="49" charset="0"/>
-              </a:rPr>
-              <a:t>for x, y, z in array</a:t>
-            </a:r>
-          </a:p>
-          <a:p>
-            <a:pPr marL="457200" lvl="1" indent="0">
-              <a:buNone/>
-            </a:pPr>
-            <a:r>
-              <a:rPr lang="en-US" sz="2000" dirty="0">
-                <a:latin typeface="Courier New" panose="02070309020205020404" pitchFamily="49" charset="0"/>
-                <a:cs typeface="Courier New" panose="02070309020205020404" pitchFamily="49" charset="0"/>
-              </a:rPr>
-              <a:t>  if comp(x, y) &amp;&amp; comp(y, z) &amp;&amp; !comp(x, z)</a:t>
-            </a:r>
-          </a:p>
-          <a:p>
-            <a:pPr marL="457200" lvl="1" indent="0">
-              <a:buNone/>
-            </a:pPr>
-            <a:r>
-              <a:rPr lang="en-US" sz="2000" dirty="0">
-                <a:latin typeface="Courier New" panose="02070309020205020404" pitchFamily="49" charset="0"/>
-                <a:cs typeface="Courier New" panose="02070309020205020404" pitchFamily="49" charset="0"/>
-              </a:rPr>
-              <a:t>    error</a:t>
-            </a:r>
-          </a:p>
-          <a:p>
-            <a:pPr marL="457200" lvl="1" indent="0">
-              <a:buNone/>
-            </a:pPr>
-            <a:endParaRPr lang="en-US" sz="2000" dirty="0">
-              <a:latin typeface="Courier New" panose="02070309020205020404" pitchFamily="49" charset="0"/>
-              <a:cs typeface="Courier New" panose="02070309020205020404" pitchFamily="49" charset="0"/>
-            </a:endParaRPr>
-          </a:p>
-          <a:p>
-            <a:pPr marL="457200" lvl="1" indent="0">
-              <a:buNone/>
-            </a:pPr>
-            <a:r>
-              <a:rPr lang="en-US" sz="2000" dirty="0">
-                <a:latin typeface="Courier New" panose="02070309020205020404" pitchFamily="49" charset="0"/>
-                <a:cs typeface="Courier New" panose="02070309020205020404" pitchFamily="49" charset="0"/>
-              </a:rPr>
-              <a:t>for x, y, z in array</a:t>
-            </a:r>
-          </a:p>
-          <a:p>
-            <a:pPr marL="457200" lvl="1" indent="0">
-              <a:buNone/>
-            </a:pPr>
-            <a:r>
-              <a:rPr lang="en-US" sz="2000" dirty="0">
-                <a:latin typeface="Courier New" panose="02070309020205020404" pitchFamily="49" charset="0"/>
-                <a:cs typeface="Courier New" panose="02070309020205020404" pitchFamily="49" charset="0"/>
-              </a:rPr>
-              <a:t>  if </a:t>
-            </a:r>
-            <a:r>
-              <a:rPr lang="en-US" sz="2000" dirty="0" err="1">
-                <a:latin typeface="Courier New" panose="02070309020205020404" pitchFamily="49" charset="0"/>
-                <a:cs typeface="Courier New" panose="02070309020205020404" pitchFamily="49" charset="0"/>
-              </a:rPr>
-              <a:t>equiv</a:t>
-            </a:r>
-            <a:r>
-              <a:rPr lang="en-US" sz="2000" dirty="0">
-                <a:latin typeface="Courier New" panose="02070309020205020404" pitchFamily="49" charset="0"/>
-                <a:cs typeface="Courier New" panose="02070309020205020404" pitchFamily="49" charset="0"/>
-              </a:rPr>
-              <a:t>(x, y) &amp;&amp; </a:t>
-            </a:r>
-            <a:r>
-              <a:rPr lang="en-US" sz="2000" dirty="0" err="1">
-                <a:latin typeface="Courier New" panose="02070309020205020404" pitchFamily="49" charset="0"/>
-                <a:cs typeface="Courier New" panose="02070309020205020404" pitchFamily="49" charset="0"/>
-              </a:rPr>
-              <a:t>equiv</a:t>
-            </a:r>
-            <a:r>
-              <a:rPr lang="en-US" sz="2000" dirty="0">
-                <a:latin typeface="Courier New" panose="02070309020205020404" pitchFamily="49" charset="0"/>
-                <a:cs typeface="Courier New" panose="02070309020205020404" pitchFamily="49" charset="0"/>
-              </a:rPr>
-              <a:t>(y, z) &amp;&amp; !</a:t>
-            </a:r>
-            <a:r>
-              <a:rPr lang="en-US" sz="2000" dirty="0" err="1">
-                <a:latin typeface="Courier New" panose="02070309020205020404" pitchFamily="49" charset="0"/>
-                <a:cs typeface="Courier New" panose="02070309020205020404" pitchFamily="49" charset="0"/>
-              </a:rPr>
-              <a:t>equiv</a:t>
-            </a:r>
-            <a:r>
-              <a:rPr lang="en-US" sz="2000" dirty="0">
-                <a:latin typeface="Courier New" panose="02070309020205020404" pitchFamily="49" charset="0"/>
-                <a:cs typeface="Courier New" panose="02070309020205020404" pitchFamily="49" charset="0"/>
-              </a:rPr>
-              <a:t>(x, z)</a:t>
-            </a:r>
-          </a:p>
-          <a:p>
-            <a:pPr marL="457200" lvl="1" indent="0">
-              <a:buNone/>
-            </a:pPr>
-            <a:r>
-              <a:rPr lang="en-US" sz="2000" dirty="0">
-                <a:latin typeface="Courier New" panose="02070309020205020404" pitchFamily="49" charset="0"/>
-                <a:cs typeface="Courier New" panose="02070309020205020404" pitchFamily="49" charset="0"/>
-              </a:rPr>
-              <a:t>    error</a:t>
+              <a:rPr lang="en-US" dirty="0">
+                <a:latin typeface="Courier New" panose="02070309020205020404" pitchFamily="49" charset="0"/>
+                <a:cs typeface="Courier New" panose="02070309020205020404" pitchFamily="49" charset="0"/>
+              </a:rPr>
+              <a:t>$ g++ -g -DN=50 -I </a:t>
+            </a:r>
+            <a:r>
+              <a:rPr lang="en-US" dirty="0" err="1">
+                <a:latin typeface="Courier New" panose="02070309020205020404" pitchFamily="49" charset="0"/>
+                <a:cs typeface="Courier New" panose="02070309020205020404" pitchFamily="49" charset="0"/>
+              </a:rPr>
+              <a:t>sortcheckxx</a:t>
+            </a:r>
+            <a:r>
+              <a:rPr lang="en-US" dirty="0">
+                <a:latin typeface="Courier New" panose="02070309020205020404" pitchFamily="49" charset="0"/>
+                <a:cs typeface="Courier New" panose="02070309020205020404" pitchFamily="49" charset="0"/>
+              </a:rPr>
+              <a:t>/include tmp.cc &amp;&amp; ./</a:t>
+            </a:r>
+            <a:r>
+              <a:rPr lang="en-US" dirty="0" err="1">
+                <a:latin typeface="Courier New" panose="02070309020205020404" pitchFamily="49" charset="0"/>
+                <a:cs typeface="Courier New" panose="02070309020205020404" pitchFamily="49" charset="0"/>
+              </a:rPr>
+              <a:t>a.out</a:t>
             </a:r>
             <a:endParaRPr lang="en-US" dirty="0">
               <a:latin typeface="Courier New" panose="02070309020205020404" pitchFamily="49" charset="0"/>
@@ -12002,65 +11731,35 @@
             </a:endParaRPr>
           </a:p>
           <a:p>
-            <a:r>
-              <a:rPr lang="ru-RU" dirty="0"/>
-              <a:t>Сложность проверок составляет </a:t>
-            </a:r>
-            <a:r>
-              <a:rPr lang="en-US" dirty="0"/>
-              <a:t>O(N^3)</a:t>
-            </a:r>
-            <a:endParaRPr lang="ru-RU" dirty="0"/>
-          </a:p>
-          <a:p>
-            <a:r>
-              <a:rPr lang="en-US" dirty="0"/>
-              <a:t>C</a:t>
-            </a:r>
-            <a:r>
-              <a:rPr lang="ru-RU" dirty="0"/>
-              <a:t>ущественно превосходит даже </a:t>
-            </a:r>
-            <a:r>
-              <a:rPr lang="en-US" dirty="0">
-                <a:latin typeface="Courier New" panose="02070309020205020404" pitchFamily="49" charset="0"/>
-                <a:cs typeface="Courier New" panose="02070309020205020404" pitchFamily="49" charset="0"/>
-              </a:rPr>
-              <a:t>std::sort</a:t>
-            </a:r>
-            <a:r>
-              <a:rPr lang="en-US" dirty="0"/>
-              <a:t>, </a:t>
-            </a:r>
-            <a:r>
-              <a:rPr lang="ru-RU" dirty="0"/>
-              <a:t>не говоря о более быстрых алгоритмах (</a:t>
-            </a:r>
-            <a:r>
-              <a:rPr lang="en-US" dirty="0">
-                <a:latin typeface="Courier New" panose="02070309020205020404" pitchFamily="49" charset="0"/>
-                <a:cs typeface="Courier New" panose="02070309020205020404" pitchFamily="49" charset="0"/>
-              </a:rPr>
-              <a:t>std::</a:t>
-            </a:r>
+            <a:pPr marL="457200" lvl="1" indent="0">
+              <a:buNone/>
+            </a:pPr>
             <a:r>
               <a:rPr lang="en-US" dirty="0" err="1">
                 <a:latin typeface="Courier New" panose="02070309020205020404" pitchFamily="49" charset="0"/>
                 <a:cs typeface="Courier New" panose="02070309020205020404" pitchFamily="49" charset="0"/>
               </a:rPr>
-              <a:t>max_element</a:t>
-            </a:r>
-            <a:r>
-              <a:rPr lang="en-US" dirty="0"/>
-              <a:t>, etc.)</a:t>
-            </a:r>
-          </a:p>
-          <a:p>
-            <a:r>
-              <a:rPr lang="ru-RU" dirty="0"/>
-              <a:t>На практике обходится не весь массив, а его небольшое подмножество (20-30 элементов)</a:t>
-            </a:r>
-            <a:endParaRPr lang="en-US" dirty="0"/>
+              <a:t>sortcheck</a:t>
+            </a:r>
+            <a:r>
+              <a:rPr lang="en-US" dirty="0">
+                <a:latin typeface="Courier New" panose="02070309020205020404" pitchFamily="49" charset="0"/>
+                <a:cs typeface="Courier New" panose="02070309020205020404" pitchFamily="49" charset="0"/>
+              </a:rPr>
+              <a:t>: tmp.cc:14: irreflexive comparator at position 0</a:t>
+            </a:r>
+          </a:p>
+          <a:p>
+            <a:pPr marL="457200" lvl="1" indent="0">
+              <a:buNone/>
+            </a:pPr>
+            <a:r>
+              <a:rPr lang="en-US" dirty="0">
+                <a:latin typeface="Courier New" panose="02070309020205020404" pitchFamily="49" charset="0"/>
+                <a:cs typeface="Courier New" panose="02070309020205020404" pitchFamily="49" charset="0"/>
+              </a:rPr>
+              <a:t>Aborted</a:t>
+            </a:r>
           </a:p>
           <a:p>
             <a:endParaRPr lang="en-US" dirty="0"/>
@@ -12070,7 +11769,7 @@
     </p:spTree>
     <p:extLst>
       <p:ext uri="{BB962C8B-B14F-4D97-AF65-F5344CB8AC3E}">
-        <p14:creationId xmlns:p14="http://schemas.microsoft.com/office/powerpoint/2010/main" val="312233099"/>
+        <p14:creationId xmlns:p14="http://schemas.microsoft.com/office/powerpoint/2010/main" val="1487736242"/>
       </p:ext>
     </p:extLst>
   </p:cSld>
@@ -12102,7 +11801,7 @@
           <p:cNvPr id="2" name="Title 1">
             <a:extLst>
               <a:ext uri="{FF2B5EF4-FFF2-40B4-BE49-F238E27FC236}">
-                <a16:creationId xmlns:a16="http://schemas.microsoft.com/office/drawing/2014/main" id="{29796DE8-2F63-4ED5-8119-3DA4F4CD5511}"/>
+                <a16:creationId xmlns:a16="http://schemas.microsoft.com/office/drawing/2014/main" id="{B6884E62-A92A-47BA-9EF6-78B10084AB0B}"/>
               </a:ext>
             </a:extLst>
           </p:cNvPr>
@@ -12113,14 +11812,19 @@
             <p:ph type="title"/>
           </p:nvPr>
         </p:nvSpPr>
-        <p:spPr/>
+        <p:spPr>
+          <a:xfrm>
+            <a:off x="838200" y="-81189"/>
+            <a:ext cx="10515600" cy="1325563"/>
+          </a:xfrm>
+        </p:spPr>
         <p:txBody>
           <a:bodyPr/>
           <a:lstStyle/>
           <a:p>
             <a:r>
               <a:rPr lang="ru-RU" dirty="0"/>
-              <a:t>Быстрый алгоритм проверки</a:t>
+              <a:t>Псевдокод</a:t>
             </a:r>
             <a:endParaRPr lang="en-US" dirty="0"/>
           </a:p>
@@ -12131,7 +11835,7 @@
           <p:cNvPr id="3" name="Content Placeholder 2">
             <a:extLst>
               <a:ext uri="{FF2B5EF4-FFF2-40B4-BE49-F238E27FC236}">
-                <a16:creationId xmlns:a16="http://schemas.microsoft.com/office/drawing/2014/main" id="{A60B7B0C-7980-480B-978A-B65865533741}"/>
+                <a16:creationId xmlns:a16="http://schemas.microsoft.com/office/drawing/2014/main" id="{AD260025-EBC3-45D0-9B0B-DAA951A03DCC}"/>
               </a:ext>
             </a:extLst>
           </p:cNvPr>
@@ -12142,74 +11846,323 @@
             <p:ph idx="1"/>
           </p:nvPr>
         </p:nvSpPr>
-        <p:spPr/>
+        <p:spPr>
+          <a:xfrm>
+            <a:off x="636814" y="1004887"/>
+            <a:ext cx="11261272" cy="5450342"/>
+          </a:xfrm>
+        </p:spPr>
         <p:txBody>
           <a:bodyPr>
-            <a:normAutofit lnSpcReduction="10000"/>
+            <a:normAutofit fontScale="77500" lnSpcReduction="20000"/>
           </a:bodyPr>
           <a:lstStyle/>
           <a:p>
             <a:r>
-              <a:rPr lang="en-US" dirty="0">
-                <a:hlinkClick r:id="rId2"/>
-              </a:rPr>
-              <a:t>https://github.com/danlark1/quadratic_strict_weak_ordering</a:t>
-            </a:r>
-            <a:r>
-              <a:rPr lang="ru-RU" dirty="0"/>
+              <a:rPr lang="ru-RU" dirty="0"/>
+              <a:t>Каждый запуск </a:t>
+            </a:r>
+            <a:r>
+              <a:rPr lang="en-US" dirty="0">
+                <a:latin typeface="Courier New" panose="02070309020205020404" pitchFamily="49" charset="0"/>
+                <a:cs typeface="Courier New" panose="02070309020205020404" pitchFamily="49" charset="0"/>
+              </a:rPr>
+              <a:t>std::sort</a:t>
+            </a:r>
+            <a:r>
+              <a:rPr lang="en-US" dirty="0"/>
               <a:t> </a:t>
             </a:r>
-          </a:p>
-          <a:p>
-            <a:r>
-              <a:rPr lang="ru-RU" dirty="0"/>
-              <a:t>Предложен Д. Кутениным в начале 2023 года</a:t>
-            </a:r>
-          </a:p>
-          <a:p>
-            <a:r>
-              <a:rPr lang="ru-RU" dirty="0"/>
-              <a:t>Идея алгоритма:</a:t>
-            </a:r>
-          </a:p>
-          <a:p>
-            <a:pPr lvl="1"/>
-            <a:r>
-              <a:rPr lang="ru-RU" dirty="0"/>
-              <a:t>Предварительно отсортировать массив устойчивым алгоритмом</a:t>
-            </a:r>
-          </a:p>
-          <a:p>
-            <a:pPr lvl="1"/>
-            <a:r>
-              <a:rPr lang="ru-RU" dirty="0"/>
-              <a:t>Выделять в отсортированном массиве префиксы эквивалентных элементов</a:t>
-            </a:r>
-          </a:p>
-          <a:p>
-            <a:pPr lvl="1"/>
-            <a:r>
-              <a:rPr lang="ru-RU" dirty="0"/>
-              <a:t>И проверять их на транзитивность с оставшейся частью массива</a:t>
-            </a:r>
-          </a:p>
-          <a:p>
-            <a:r>
-              <a:rPr lang="ru-RU" dirty="0"/>
-              <a:t>Снижает сложность до O(N^2) (по прежнему превосходит сложность проверяемых алгоритмов)</a:t>
+            <a:r>
+              <a:rPr lang="ru-RU" dirty="0"/>
+              <a:t>и аналогичных </a:t>
+            </a:r>
+            <a:r>
+              <a:rPr lang="en-US" dirty="0"/>
+              <a:t>API </a:t>
+            </a:r>
+            <a:r>
+              <a:rPr lang="ru-RU" dirty="0"/>
+              <a:t>предваряется проверками:</a:t>
+            </a:r>
+          </a:p>
+          <a:p>
+            <a:pPr marL="457200" lvl="1" indent="0">
+              <a:buNone/>
+            </a:pPr>
+            <a:r>
+              <a:rPr lang="en-US" sz="2000" dirty="0">
+                <a:latin typeface="Courier New" panose="02070309020205020404" pitchFamily="49" charset="0"/>
+                <a:cs typeface="Courier New" panose="02070309020205020404" pitchFamily="49" charset="0"/>
+              </a:rPr>
+              <a:t>for x in array</a:t>
+            </a:r>
+          </a:p>
+          <a:p>
+            <a:pPr marL="457200" lvl="1" indent="0">
+              <a:buNone/>
+            </a:pPr>
+            <a:r>
+              <a:rPr lang="en-US" sz="2000" dirty="0">
+                <a:latin typeface="Courier New" panose="02070309020205020404" pitchFamily="49" charset="0"/>
+                <a:cs typeface="Courier New" panose="02070309020205020404" pitchFamily="49" charset="0"/>
+              </a:rPr>
+              <a:t>  if comp(x, x)</a:t>
+            </a:r>
+          </a:p>
+          <a:p>
+            <a:pPr marL="457200" lvl="1" indent="0">
+              <a:buNone/>
+            </a:pPr>
+            <a:r>
+              <a:rPr lang="en-US" sz="2000" dirty="0">
+                <a:latin typeface="Courier New" panose="02070309020205020404" pitchFamily="49" charset="0"/>
+                <a:cs typeface="Courier New" panose="02070309020205020404" pitchFamily="49" charset="0"/>
+              </a:rPr>
+              <a:t>    error</a:t>
+            </a:r>
+          </a:p>
+          <a:p>
+            <a:pPr marL="457200" lvl="1" indent="0">
+              <a:buNone/>
+            </a:pPr>
+            <a:endParaRPr lang="en-US" sz="2000" dirty="0">
+              <a:latin typeface="Courier New" panose="02070309020205020404" pitchFamily="49" charset="0"/>
+              <a:cs typeface="Courier New" panose="02070309020205020404" pitchFamily="49" charset="0"/>
+            </a:endParaRPr>
+          </a:p>
+          <a:p>
+            <a:pPr marL="457200" lvl="1" indent="0">
+              <a:buNone/>
+            </a:pPr>
+            <a:r>
+              <a:rPr lang="en-US" sz="2000" dirty="0">
+                <a:latin typeface="Courier New" panose="02070309020205020404" pitchFamily="49" charset="0"/>
+                <a:cs typeface="Courier New" panose="02070309020205020404" pitchFamily="49" charset="0"/>
+              </a:rPr>
+              <a:t>for x, y in array</a:t>
+            </a:r>
+          </a:p>
+          <a:p>
+            <a:pPr marL="457200" lvl="1" indent="0">
+              <a:buNone/>
+            </a:pPr>
+            <a:r>
+              <a:rPr lang="en-US" sz="2000" dirty="0">
+                <a:latin typeface="Courier New" panose="02070309020205020404" pitchFamily="49" charset="0"/>
+                <a:cs typeface="Courier New" panose="02070309020205020404" pitchFamily="49" charset="0"/>
+              </a:rPr>
+              <a:t>  if comp(x, y) != comp(y, x)</a:t>
+            </a:r>
+          </a:p>
+          <a:p>
+            <a:pPr marL="457200" lvl="1" indent="0">
+              <a:buNone/>
+            </a:pPr>
+            <a:r>
+              <a:rPr lang="en-US" sz="2000" dirty="0">
+                <a:latin typeface="Courier New" panose="02070309020205020404" pitchFamily="49" charset="0"/>
+                <a:cs typeface="Courier New" panose="02070309020205020404" pitchFamily="49" charset="0"/>
+              </a:rPr>
+              <a:t>    error</a:t>
+            </a:r>
+          </a:p>
+          <a:p>
+            <a:pPr marL="457200" lvl="1" indent="0">
+              <a:buNone/>
+            </a:pPr>
+            <a:endParaRPr lang="en-US" sz="2000" dirty="0">
+              <a:latin typeface="Courier New" panose="02070309020205020404" pitchFamily="49" charset="0"/>
+              <a:cs typeface="Courier New" panose="02070309020205020404" pitchFamily="49" charset="0"/>
+            </a:endParaRPr>
+          </a:p>
+          <a:p>
+            <a:pPr marL="457200" lvl="1" indent="0">
+              <a:buNone/>
+            </a:pPr>
+            <a:r>
+              <a:rPr lang="en-US" sz="2000" dirty="0">
+                <a:latin typeface="Courier New" panose="02070309020205020404" pitchFamily="49" charset="0"/>
+                <a:cs typeface="Courier New" panose="02070309020205020404" pitchFamily="49" charset="0"/>
+              </a:rPr>
+              <a:t>for x, y, z in array</a:t>
+            </a:r>
+          </a:p>
+          <a:p>
+            <a:pPr marL="457200" lvl="1" indent="0">
+              <a:buNone/>
+            </a:pPr>
+            <a:r>
+              <a:rPr lang="en-US" sz="2000" dirty="0">
+                <a:latin typeface="Courier New" panose="02070309020205020404" pitchFamily="49" charset="0"/>
+                <a:cs typeface="Courier New" panose="02070309020205020404" pitchFamily="49" charset="0"/>
+              </a:rPr>
+              <a:t>  if comp(x, y) &amp;&amp; comp(y, z) &amp;&amp; !comp(x, z)</a:t>
+            </a:r>
+          </a:p>
+          <a:p>
+            <a:pPr marL="457200" lvl="1" indent="0">
+              <a:buNone/>
+            </a:pPr>
+            <a:r>
+              <a:rPr lang="en-US" sz="2000" dirty="0">
+                <a:latin typeface="Courier New" panose="02070309020205020404" pitchFamily="49" charset="0"/>
+                <a:cs typeface="Courier New" panose="02070309020205020404" pitchFamily="49" charset="0"/>
+              </a:rPr>
+              <a:t>    error</a:t>
+            </a:r>
+          </a:p>
+          <a:p>
+            <a:pPr marL="457200" lvl="1" indent="0">
+              <a:buNone/>
+            </a:pPr>
+            <a:endParaRPr lang="en-US" sz="2000" dirty="0">
+              <a:latin typeface="Courier New" panose="02070309020205020404" pitchFamily="49" charset="0"/>
+              <a:cs typeface="Courier New" panose="02070309020205020404" pitchFamily="49" charset="0"/>
+            </a:endParaRPr>
+          </a:p>
+          <a:p>
+            <a:pPr marL="457200" lvl="1" indent="0">
+              <a:buNone/>
+            </a:pPr>
+            <a:r>
+              <a:rPr lang="en-US" sz="2000" dirty="0">
+                <a:latin typeface="Courier New" panose="02070309020205020404" pitchFamily="49" charset="0"/>
+                <a:cs typeface="Courier New" panose="02070309020205020404" pitchFamily="49" charset="0"/>
+              </a:rPr>
+              <a:t>for x, y, z in array</a:t>
+            </a:r>
+          </a:p>
+          <a:p>
+            <a:pPr marL="457200" lvl="1" indent="0">
+              <a:buNone/>
+            </a:pPr>
+            <a:r>
+              <a:rPr lang="en-US" sz="2000" dirty="0">
+                <a:latin typeface="Courier New" panose="02070309020205020404" pitchFamily="49" charset="0"/>
+                <a:cs typeface="Courier New" panose="02070309020205020404" pitchFamily="49" charset="0"/>
+              </a:rPr>
+              <a:t>  if </a:t>
+            </a:r>
+            <a:r>
+              <a:rPr lang="en-US" sz="2000" dirty="0" err="1">
+                <a:latin typeface="Courier New" panose="02070309020205020404" pitchFamily="49" charset="0"/>
+                <a:cs typeface="Courier New" panose="02070309020205020404" pitchFamily="49" charset="0"/>
+              </a:rPr>
+              <a:t>equiv</a:t>
+            </a:r>
+            <a:r>
+              <a:rPr lang="en-US" sz="2000" dirty="0">
+                <a:latin typeface="Courier New" panose="02070309020205020404" pitchFamily="49" charset="0"/>
+                <a:cs typeface="Courier New" panose="02070309020205020404" pitchFamily="49" charset="0"/>
+              </a:rPr>
+              <a:t>(x, y) &amp;&amp; </a:t>
+            </a:r>
+            <a:r>
+              <a:rPr lang="en-US" sz="2000" dirty="0" err="1">
+                <a:latin typeface="Courier New" panose="02070309020205020404" pitchFamily="49" charset="0"/>
+                <a:cs typeface="Courier New" panose="02070309020205020404" pitchFamily="49" charset="0"/>
+              </a:rPr>
+              <a:t>equiv</a:t>
+            </a:r>
+            <a:r>
+              <a:rPr lang="en-US" sz="2000" dirty="0">
+                <a:latin typeface="Courier New" panose="02070309020205020404" pitchFamily="49" charset="0"/>
+                <a:cs typeface="Courier New" panose="02070309020205020404" pitchFamily="49" charset="0"/>
+              </a:rPr>
+              <a:t>(y, z) &amp;&amp; !</a:t>
+            </a:r>
+            <a:r>
+              <a:rPr lang="en-US" sz="2000" dirty="0" err="1">
+                <a:latin typeface="Courier New" panose="02070309020205020404" pitchFamily="49" charset="0"/>
+                <a:cs typeface="Courier New" panose="02070309020205020404" pitchFamily="49" charset="0"/>
+              </a:rPr>
+              <a:t>equiv</a:t>
+            </a:r>
+            <a:r>
+              <a:rPr lang="en-US" sz="2000" dirty="0">
+                <a:latin typeface="Courier New" panose="02070309020205020404" pitchFamily="49" charset="0"/>
+                <a:cs typeface="Courier New" panose="02070309020205020404" pitchFamily="49" charset="0"/>
+              </a:rPr>
+              <a:t>(x, z)</a:t>
+            </a:r>
+          </a:p>
+          <a:p>
+            <a:pPr marL="457200" lvl="1" indent="0">
+              <a:buNone/>
+            </a:pPr>
+            <a:r>
+              <a:rPr lang="en-US" sz="2000" dirty="0">
+                <a:latin typeface="Courier New" panose="02070309020205020404" pitchFamily="49" charset="0"/>
+                <a:cs typeface="Courier New" panose="02070309020205020404" pitchFamily="49" charset="0"/>
+              </a:rPr>
+              <a:t>    error</a:t>
+            </a:r>
+            <a:endParaRPr lang="en-US" dirty="0">
+              <a:latin typeface="Courier New" panose="02070309020205020404" pitchFamily="49" charset="0"/>
+              <a:cs typeface="Courier New" panose="02070309020205020404" pitchFamily="49" charset="0"/>
+            </a:endParaRPr>
+          </a:p>
+          <a:p>
+            <a:r>
+              <a:rPr lang="ru-RU" dirty="0"/>
+              <a:t>Сложность проверок составляет </a:t>
+            </a:r>
+            <a:r>
+              <a:rPr lang="en-US" dirty="0"/>
+              <a:t>O(N^3)</a:t>
+            </a:r>
+            <a:endParaRPr lang="ru-RU" dirty="0"/>
+          </a:p>
+          <a:p>
+            <a:r>
+              <a:rPr lang="en-US" dirty="0"/>
+              <a:t>C</a:t>
+            </a:r>
+            <a:r>
+              <a:rPr lang="ru-RU" dirty="0"/>
+              <a:t>ущественно превосходит даже </a:t>
+            </a:r>
+            <a:r>
+              <a:rPr lang="en-US" dirty="0">
+                <a:latin typeface="Courier New" panose="02070309020205020404" pitchFamily="49" charset="0"/>
+                <a:cs typeface="Courier New" panose="02070309020205020404" pitchFamily="49" charset="0"/>
+              </a:rPr>
+              <a:t>std::sort</a:t>
+            </a:r>
+            <a:r>
+              <a:rPr lang="en-US" dirty="0"/>
+              <a:t>, </a:t>
+            </a:r>
+            <a:r>
+              <a:rPr lang="ru-RU" dirty="0"/>
+              <a:t>не говоря о более быстрых алгоритмах (</a:t>
+            </a:r>
+            <a:r>
+              <a:rPr lang="en-US" dirty="0">
+                <a:latin typeface="Courier New" panose="02070309020205020404" pitchFamily="49" charset="0"/>
+                <a:cs typeface="Courier New" panose="02070309020205020404" pitchFamily="49" charset="0"/>
+              </a:rPr>
+              <a:t>std::</a:t>
+            </a:r>
+            <a:r>
+              <a:rPr lang="en-US" dirty="0" err="1">
+                <a:latin typeface="Courier New" panose="02070309020205020404" pitchFamily="49" charset="0"/>
+                <a:cs typeface="Courier New" panose="02070309020205020404" pitchFamily="49" charset="0"/>
+              </a:rPr>
+              <a:t>max_element</a:t>
+            </a:r>
+            <a:r>
+              <a:rPr lang="en-US" dirty="0"/>
+              <a:t>, etc.)</a:t>
+            </a:r>
+          </a:p>
+          <a:p>
+            <a:r>
+              <a:rPr lang="ru-RU" dirty="0"/>
+              <a:t>На практике обходится не весь массив, а его небольшое подмножество (20-30 элементов)</a:t>
             </a:r>
             <a:endParaRPr lang="en-US" dirty="0"/>
-          </a:p>
-          <a:p>
-            <a:r>
-              <a:rPr lang="ru-RU" dirty="0"/>
-              <a:t>Пока не интегрирован в </a:t>
-            </a:r>
-            <a:r>
-              <a:rPr lang="en-US" dirty="0" err="1"/>
-              <a:t>SortChecker</a:t>
-            </a:r>
-            <a:endParaRPr lang="ru-RU" dirty="0"/>
           </a:p>
           <a:p>
             <a:endParaRPr lang="en-US" dirty="0"/>
@@ -12219,7 +12172,7 @@
     </p:spTree>
     <p:extLst>
       <p:ext uri="{BB962C8B-B14F-4D97-AF65-F5344CB8AC3E}">
-        <p14:creationId xmlns:p14="http://schemas.microsoft.com/office/powerpoint/2010/main" val="886008562"/>
+        <p14:creationId xmlns:p14="http://schemas.microsoft.com/office/powerpoint/2010/main" val="312233099"/>
       </p:ext>
     </p:extLst>
   </p:cSld>
@@ -12251,7 +12204,7 @@
           <p:cNvPr id="2" name="Title 1">
             <a:extLst>
               <a:ext uri="{FF2B5EF4-FFF2-40B4-BE49-F238E27FC236}">
-                <a16:creationId xmlns:a16="http://schemas.microsoft.com/office/drawing/2014/main" id="{98837C8A-F603-42F7-AC33-9EBA279193DF}"/>
+                <a16:creationId xmlns:a16="http://schemas.microsoft.com/office/drawing/2014/main" id="{29796DE8-2F63-4ED5-8119-3DA4F4CD5511}"/>
               </a:ext>
             </a:extLst>
           </p:cNvPr>
@@ -12269,7 +12222,7 @@
           <a:p>
             <a:r>
               <a:rPr lang="ru-RU" dirty="0"/>
-              <a:t>Что почитать</a:t>
+              <a:t>Быстрый алгоритм проверки</a:t>
             </a:r>
             <a:endParaRPr lang="en-US" dirty="0"/>
           </a:p>
@@ -12280,7 +12233,7 @@
           <p:cNvPr id="3" name="Content Placeholder 2">
             <a:extLst>
               <a:ext uri="{FF2B5EF4-FFF2-40B4-BE49-F238E27FC236}">
-                <a16:creationId xmlns:a16="http://schemas.microsoft.com/office/drawing/2014/main" id="{6BEF2B0C-DEB6-403A-A327-A9DABD7F44CE}"/>
+                <a16:creationId xmlns:a16="http://schemas.microsoft.com/office/drawing/2014/main" id="{A60B7B0C-7980-480B-978A-B65865533741}"/>
               </a:ext>
             </a:extLst>
           </p:cNvPr>
@@ -12293,41 +12246,72 @@
         </p:nvSpPr>
         <p:spPr/>
         <p:txBody>
-          <a:bodyPr/>
+          <a:bodyPr>
+            <a:normAutofit lnSpcReduction="10000"/>
+          </a:bodyPr>
           <a:lstStyle/>
           <a:p>
             <a:r>
-              <a:rPr lang="en-US" dirty="0"/>
-              <a:t>Danila </a:t>
+              <a:rPr lang="en-US" dirty="0">
+                <a:hlinkClick r:id="rId2"/>
+              </a:rPr>
+              <a:t>https://github.com/danlark1/quadratic_strict_weak_ordering</a:t>
+            </a:r>
+            <a:r>
+              <a:rPr lang="ru-RU" dirty="0"/>
+              <a:t> </a:t>
+            </a:r>
+          </a:p>
+          <a:p>
+            <a:r>
+              <a:rPr lang="ru-RU" dirty="0"/>
+              <a:t>Предложен Д. Кутениным в начале 2023 года</a:t>
+            </a:r>
+          </a:p>
+          <a:p>
+            <a:r>
+              <a:rPr lang="ru-RU" dirty="0"/>
+              <a:t>Идея алгоритма:</a:t>
+            </a:r>
+          </a:p>
+          <a:p>
+            <a:pPr lvl="1"/>
+            <a:r>
+              <a:rPr lang="ru-RU" dirty="0"/>
+              <a:t>Предварительно отсортировать массив устойчивым алгоритмом</a:t>
+            </a:r>
+          </a:p>
+          <a:p>
+            <a:pPr lvl="1"/>
+            <a:r>
+              <a:rPr lang="ru-RU" dirty="0"/>
+              <a:t>Выделять в отсортированном массиве префиксы эквивалентных элементов</a:t>
+            </a:r>
+          </a:p>
+          <a:p>
+            <a:pPr lvl="1"/>
+            <a:r>
+              <a:rPr lang="ru-RU" dirty="0"/>
+              <a:t>И проверять их на транзитивность с оставшейся частью массива</a:t>
+            </a:r>
+          </a:p>
+          <a:p>
+            <a:r>
+              <a:rPr lang="ru-RU" dirty="0"/>
+              <a:t>Снижает сложность до O(N^2) (по прежнему превосходит сложность проверяемых алгоритмов)</a:t>
+            </a:r>
+            <a:endParaRPr lang="en-US" dirty="0"/>
+          </a:p>
+          <a:p>
+            <a:r>
+              <a:rPr lang="ru-RU" dirty="0"/>
+              <a:t>Пока не интегрирован в </a:t>
             </a:r>
             <a:r>
               <a:rPr lang="en-US" dirty="0" err="1"/>
-              <a:t>Kutenin</a:t>
-            </a:r>
-            <a:r>
-              <a:rPr lang="en-US" dirty="0"/>
-              <a:t> </a:t>
-            </a:r>
-            <a:r>
-              <a:rPr lang="en-US" dirty="0">
-                <a:hlinkClick r:id="rId2"/>
-              </a:rPr>
-              <a:t>Changing std::sort at Google’s Scale and Beyond</a:t>
-            </a:r>
-            <a:endParaRPr lang="en-US" dirty="0"/>
-          </a:p>
-          <a:p>
-            <a:r>
-              <a:rPr lang="en-US" dirty="0"/>
-              <a:t>Jonathan Müller </a:t>
-            </a:r>
-            <a:r>
-              <a:rPr lang="en-US" dirty="0">
-                <a:hlinkClick r:id="rId3"/>
-              </a:rPr>
-              <a:t>Mathematics behind Comparison</a:t>
-            </a:r>
-            <a:endParaRPr lang="en-US" dirty="0"/>
+              <a:t>SortChecker</a:t>
+            </a:r>
+            <a:endParaRPr lang="ru-RU" dirty="0"/>
           </a:p>
           <a:p>
             <a:endParaRPr lang="en-US" dirty="0"/>
@@ -12337,7 +12321,7 @@
     </p:spTree>
     <p:extLst>
       <p:ext uri="{BB962C8B-B14F-4D97-AF65-F5344CB8AC3E}">
-        <p14:creationId xmlns:p14="http://schemas.microsoft.com/office/powerpoint/2010/main" val="88266572"/>
+        <p14:creationId xmlns:p14="http://schemas.microsoft.com/office/powerpoint/2010/main" val="886008562"/>
       </p:ext>
     </p:extLst>
   </p:cSld>
@@ -12369,7 +12353,7 @@
           <p:cNvPr id="2" name="Title 1">
             <a:extLst>
               <a:ext uri="{FF2B5EF4-FFF2-40B4-BE49-F238E27FC236}">
-                <a16:creationId xmlns:a16="http://schemas.microsoft.com/office/drawing/2014/main" id="{E3D5795D-7F53-4AE1-BCD3-E31732F4E19B}"/>
+                <a16:creationId xmlns:a16="http://schemas.microsoft.com/office/drawing/2014/main" id="{98837C8A-F603-42F7-AC33-9EBA279193DF}"/>
               </a:ext>
             </a:extLst>
           </p:cNvPr>
@@ -12387,7 +12371,7 @@
           <a:p>
             <a:r>
               <a:rPr lang="ru-RU" dirty="0"/>
-              <a:t>Другие типы ошибок в компараторных API</a:t>
+              <a:t>Что почитать</a:t>
             </a:r>
             <a:endParaRPr lang="en-US" dirty="0"/>
           </a:p>
@@ -12398,7 +12382,7 @@
           <p:cNvPr id="3" name="Content Placeholder 2">
             <a:extLst>
               <a:ext uri="{FF2B5EF4-FFF2-40B4-BE49-F238E27FC236}">
-                <a16:creationId xmlns:a16="http://schemas.microsoft.com/office/drawing/2014/main" id="{AA227CD4-DE96-4DD8-81A3-3E6458D822A6}"/>
+                <a16:creationId xmlns:a16="http://schemas.microsoft.com/office/drawing/2014/main" id="{6BEF2B0C-DEB6-403A-A327-A9DABD7F44CE}"/>
               </a:ext>
             </a:extLst>
           </p:cNvPr>
@@ -12415,101 +12399,39 @@
           <a:lstStyle/>
           <a:p>
             <a:r>
-              <a:rPr lang="ru-RU" dirty="0"/>
-              <a:t>Неотсортированные массивы в </a:t>
-            </a:r>
-            <a:r>
               <a:rPr lang="en-US" dirty="0"/>
-              <a:t>API </a:t>
-            </a:r>
-            <a:r>
-              <a:rPr lang="ru-RU" dirty="0"/>
-              <a:t>типа </a:t>
-            </a:r>
-            <a:r>
-              <a:rPr lang="en-US" dirty="0">
-                <a:latin typeface="Courier New" panose="02070309020205020404" pitchFamily="49" charset="0"/>
-                <a:cs typeface="Courier New" panose="02070309020205020404" pitchFamily="49" charset="0"/>
-              </a:rPr>
-              <a:t>std::</a:t>
-            </a:r>
-            <a:r>
-              <a:rPr lang="en-US" dirty="0" err="1">
-                <a:latin typeface="Courier New" panose="02070309020205020404" pitchFamily="49" charset="0"/>
-                <a:cs typeface="Courier New" panose="02070309020205020404" pitchFamily="49" charset="0"/>
-              </a:rPr>
-              <a:t>binary_search</a:t>
-            </a:r>
-            <a:endParaRPr lang="en-US" dirty="0">
-              <a:latin typeface="Courier New" panose="02070309020205020404" pitchFamily="49" charset="0"/>
-              <a:cs typeface="Courier New" panose="02070309020205020404" pitchFamily="49" charset="0"/>
-            </a:endParaRPr>
-          </a:p>
-          <a:p>
-            <a:pPr lvl="1"/>
-            <a:r>
-              <a:rPr lang="ru-RU" dirty="0"/>
-              <a:t>поддерживается в </a:t>
+              <a:t>Danila </a:t>
             </a:r>
             <a:r>
               <a:rPr lang="en-US" dirty="0" err="1"/>
-              <a:t>SortChecker</a:t>
+              <a:t>Kutenin</a:t>
             </a:r>
             <a:r>
               <a:rPr lang="en-US" dirty="0"/>
-              <a:t>/</a:t>
-            </a:r>
-            <a:r>
-              <a:rPr lang="en-US" dirty="0" err="1"/>
-              <a:t>SortChecker</a:t>
-            </a:r>
+              <a:t> </a:t>
+            </a:r>
+            <a:r>
+              <a:rPr lang="en-US" dirty="0">
+                <a:hlinkClick r:id="rId2"/>
+              </a:rPr>
+              <a:t>Changing std::sort at Google’s Scale and Beyond</a:t>
+            </a:r>
+            <a:endParaRPr lang="en-US" dirty="0"/>
+          </a:p>
+          <a:p>
             <a:r>
               <a:rPr lang="en-US" dirty="0"/>
-              <a:t>++</a:t>
-            </a:r>
-          </a:p>
-          <a:p>
-            <a:r>
-              <a:rPr lang="ru-RU" dirty="0"/>
-              <a:t>Неопределённый порядок сортировки эквивалентных элементов</a:t>
-            </a:r>
-          </a:p>
-          <a:p>
-            <a:pPr lvl="1"/>
-            <a:r>
-              <a:rPr lang="ru-RU" dirty="0"/>
-              <a:t>проверяется в </a:t>
-            </a:r>
-            <a:r>
-              <a:rPr lang="en-US" dirty="0" err="1"/>
-              <a:t>libc</a:t>
-            </a:r>
-            <a:r>
-              <a:rPr lang="en-US" dirty="0"/>
-              <a:t>++ </a:t>
-            </a:r>
-            <a:r>
-              <a:rPr lang="ru-RU" dirty="0"/>
-              <a:t>с помощью рандомизации</a:t>
+              <a:t>Jonathan Müller </a:t>
+            </a:r>
+            <a:r>
+              <a:rPr lang="en-US" dirty="0">
+                <a:hlinkClick r:id="rId3"/>
+              </a:rPr>
+              <a:t>Mathematics behind Comparison</a:t>
             </a:r>
             <a:endParaRPr lang="en-US" dirty="0"/>
           </a:p>
           <a:p>
-            <a:pPr lvl="1"/>
-            <a:r>
-              <a:rPr lang="ru-RU" dirty="0">
-                <a:latin typeface="Courier New" panose="02070309020205020404" pitchFamily="49" charset="0"/>
-                <a:cs typeface="Courier New" panose="02070309020205020404" pitchFamily="49" charset="0"/>
-              </a:rPr>
-              <a:t>-</a:t>
-            </a:r>
-            <a:r>
-              <a:rPr lang="en-US" dirty="0">
-                <a:latin typeface="Courier New" panose="02070309020205020404" pitchFamily="49" charset="0"/>
-                <a:cs typeface="Courier New" panose="02070309020205020404" pitchFamily="49" charset="0"/>
-              </a:rPr>
-              <a:t>D_LIBCPP_DEBUG_RANDOMIZE_UNSPECIFIED_STABILITY_SEED</a:t>
-            </a:r>
             <a:endParaRPr lang="en-US" dirty="0"/>
           </a:p>
         </p:txBody>
@@ -12517,7 +12439,7 @@
     </p:spTree>
     <p:extLst>
       <p:ext uri="{BB962C8B-B14F-4D97-AF65-F5344CB8AC3E}">
-        <p14:creationId xmlns:p14="http://schemas.microsoft.com/office/powerpoint/2010/main" val="453513218"/>
+        <p14:creationId xmlns:p14="http://schemas.microsoft.com/office/powerpoint/2010/main" val="88266572"/>
       </p:ext>
     </p:extLst>
   </p:cSld>
@@ -12549,6 +12471,186 @@
           <p:cNvPr id="2" name="Title 1">
             <a:extLst>
               <a:ext uri="{FF2B5EF4-FFF2-40B4-BE49-F238E27FC236}">
+                <a16:creationId xmlns:a16="http://schemas.microsoft.com/office/drawing/2014/main" id="{E3D5795D-7F53-4AE1-BCD3-E31732F4E19B}"/>
+              </a:ext>
+            </a:extLst>
+          </p:cNvPr>
+          <p:cNvSpPr>
+            <a:spLocks noGrp="1"/>
+          </p:cNvSpPr>
+          <p:nvPr>
+            <p:ph type="title"/>
+          </p:nvPr>
+        </p:nvSpPr>
+        <p:spPr/>
+        <p:txBody>
+          <a:bodyPr/>
+          <a:lstStyle/>
+          <a:p>
+            <a:r>
+              <a:rPr lang="ru-RU" dirty="0"/>
+              <a:t>Другие типы ошибок в компараторных API</a:t>
+            </a:r>
+            <a:endParaRPr lang="en-US" dirty="0"/>
+          </a:p>
+        </p:txBody>
+      </p:sp>
+      <p:sp>
+        <p:nvSpPr>
+          <p:cNvPr id="3" name="Content Placeholder 2">
+            <a:extLst>
+              <a:ext uri="{FF2B5EF4-FFF2-40B4-BE49-F238E27FC236}">
+                <a16:creationId xmlns:a16="http://schemas.microsoft.com/office/drawing/2014/main" id="{AA227CD4-DE96-4DD8-81A3-3E6458D822A6}"/>
+              </a:ext>
+            </a:extLst>
+          </p:cNvPr>
+          <p:cNvSpPr>
+            <a:spLocks noGrp="1"/>
+          </p:cNvSpPr>
+          <p:nvPr>
+            <p:ph idx="1"/>
+          </p:nvPr>
+        </p:nvSpPr>
+        <p:spPr/>
+        <p:txBody>
+          <a:bodyPr/>
+          <a:lstStyle/>
+          <a:p>
+            <a:r>
+              <a:rPr lang="ru-RU" dirty="0"/>
+              <a:t>Неотсортированные массивы в </a:t>
+            </a:r>
+            <a:r>
+              <a:rPr lang="en-US" dirty="0"/>
+              <a:t>API </a:t>
+            </a:r>
+            <a:r>
+              <a:rPr lang="ru-RU" dirty="0"/>
+              <a:t>типа </a:t>
+            </a:r>
+            <a:r>
+              <a:rPr lang="en-US" dirty="0">
+                <a:latin typeface="Courier New" panose="02070309020205020404" pitchFamily="49" charset="0"/>
+                <a:cs typeface="Courier New" panose="02070309020205020404" pitchFamily="49" charset="0"/>
+              </a:rPr>
+              <a:t>std::</a:t>
+            </a:r>
+            <a:r>
+              <a:rPr lang="en-US" dirty="0" err="1">
+                <a:latin typeface="Courier New" panose="02070309020205020404" pitchFamily="49" charset="0"/>
+                <a:cs typeface="Courier New" panose="02070309020205020404" pitchFamily="49" charset="0"/>
+              </a:rPr>
+              <a:t>binary_search</a:t>
+            </a:r>
+            <a:endParaRPr lang="en-US" dirty="0">
+              <a:latin typeface="Courier New" panose="02070309020205020404" pitchFamily="49" charset="0"/>
+              <a:cs typeface="Courier New" panose="02070309020205020404" pitchFamily="49" charset="0"/>
+            </a:endParaRPr>
+          </a:p>
+          <a:p>
+            <a:pPr lvl="1"/>
+            <a:r>
+              <a:rPr lang="ru-RU" dirty="0"/>
+              <a:t>поддерживается в </a:t>
+            </a:r>
+            <a:r>
+              <a:rPr lang="en-US" dirty="0" err="1"/>
+              <a:t>SortChecker</a:t>
+            </a:r>
+            <a:r>
+              <a:rPr lang="en-US" dirty="0"/>
+              <a:t>/</a:t>
+            </a:r>
+            <a:r>
+              <a:rPr lang="en-US" dirty="0" err="1"/>
+              <a:t>SortChecker</a:t>
+            </a:r>
+            <a:r>
+              <a:rPr lang="en-US" dirty="0"/>
+              <a:t>++</a:t>
+            </a:r>
+          </a:p>
+          <a:p>
+            <a:r>
+              <a:rPr lang="ru-RU" dirty="0"/>
+              <a:t>Неопределённый порядок сортировки эквивалентных элементов</a:t>
+            </a:r>
+          </a:p>
+          <a:p>
+            <a:pPr lvl="1"/>
+            <a:r>
+              <a:rPr lang="ru-RU" dirty="0"/>
+              <a:t>проверяется в </a:t>
+            </a:r>
+            <a:r>
+              <a:rPr lang="en-US" dirty="0" err="1"/>
+              <a:t>libc</a:t>
+            </a:r>
+            <a:r>
+              <a:rPr lang="en-US" dirty="0"/>
+              <a:t>++ </a:t>
+            </a:r>
+            <a:r>
+              <a:rPr lang="ru-RU" dirty="0"/>
+              <a:t>с помощью рандомизации</a:t>
+            </a:r>
+            <a:endParaRPr lang="en-US" dirty="0"/>
+          </a:p>
+          <a:p>
+            <a:pPr lvl="1"/>
+            <a:r>
+              <a:rPr lang="ru-RU" dirty="0">
+                <a:latin typeface="Courier New" panose="02070309020205020404" pitchFamily="49" charset="0"/>
+                <a:cs typeface="Courier New" panose="02070309020205020404" pitchFamily="49" charset="0"/>
+              </a:rPr>
+              <a:t>-</a:t>
+            </a:r>
+            <a:r>
+              <a:rPr lang="en-US" dirty="0">
+                <a:latin typeface="Courier New" panose="02070309020205020404" pitchFamily="49" charset="0"/>
+                <a:cs typeface="Courier New" panose="02070309020205020404" pitchFamily="49" charset="0"/>
+              </a:rPr>
+              <a:t>D_LIBCPP_DEBUG_RANDOMIZE_UNSPECIFIED_STABILITY_SEED</a:t>
+            </a:r>
+            <a:endParaRPr lang="en-US" dirty="0"/>
+          </a:p>
+        </p:txBody>
+      </p:sp>
+    </p:spTree>
+    <p:extLst>
+      <p:ext uri="{BB962C8B-B14F-4D97-AF65-F5344CB8AC3E}">
+        <p14:creationId xmlns:p14="http://schemas.microsoft.com/office/powerpoint/2010/main" val="453513218"/>
+      </p:ext>
+    </p:extLst>
+  </p:cSld>
+  <p:clrMapOvr>
+    <a:masterClrMapping/>
+  </p:clrMapOvr>
+</p:sld>
+</file>
+
+<file path=ppt/slides/slide46.xml><?xml version="1.0" encoding="utf-8"?>
+<p:sld xmlns:a="http://schemas.openxmlformats.org/drawingml/2006/main" xmlns:r="http://schemas.openxmlformats.org/officeDocument/2006/relationships" xmlns:p="http://schemas.openxmlformats.org/presentationml/2006/main">
+  <p:cSld>
+    <p:spTree>
+      <p:nvGrpSpPr>
+        <p:cNvPr id="1" name=""/>
+        <p:cNvGrpSpPr/>
+        <p:nvPr/>
+      </p:nvGrpSpPr>
+      <p:grpSpPr>
+        <a:xfrm>
+          <a:off x="0" y="0"/>
+          <a:ext cx="0" cy="0"/>
+          <a:chOff x="0" y="0"/>
+          <a:chExt cx="0" cy="0"/>
+        </a:xfrm>
+      </p:grpSpPr>
+      <p:sp>
+        <p:nvSpPr>
+          <p:cNvPr id="2" name="Title 1">
+            <a:extLst>
+              <a:ext uri="{FF2B5EF4-FFF2-40B4-BE49-F238E27FC236}">
                 <a16:creationId xmlns:a16="http://schemas.microsoft.com/office/drawing/2014/main" id="{FB27C366-F1FD-4880-B503-F75FA2AB3EA0}"/>
               </a:ext>
             </a:extLst>
@@ -12664,7 +12766,7 @@
 </p:sld>
 </file>
 
-<file path=ppt/slides/slide46.xml><?xml version="1.0" encoding="utf-8"?>
+<file path=ppt/slides/slide47.xml><?xml version="1.0" encoding="utf-8"?>
 <p:sld xmlns:a="http://schemas.openxmlformats.org/drawingml/2006/main" xmlns:r="http://schemas.openxmlformats.org/officeDocument/2006/relationships" xmlns:p="http://schemas.openxmlformats.org/presentationml/2006/main">
   <p:cSld>
     <p:spTree>

--- a/2023/RU.pptx
+++ b/2023/RU.pptx
@@ -255,7 +255,7 @@
           <a:p>
             <a:fld id="{A36A2EB4-42A0-4A9F-94AC-04D10C1F231A}" type="datetimeFigureOut">
               <a:rPr lang="en-US" smtClean="0"/>
-              <a:t>4/14/2023</a:t>
+              <a:t>4/15/2023</a:t>
             </a:fld>
             <a:endParaRPr lang="en-US"/>
           </a:p>
@@ -669,7 +669,7 @@
           <a:p>
             <a:fld id="{83D30A23-1FB6-43A1-891F-95145083C4E9}" type="datetime1">
               <a:rPr lang="en-US" smtClean="0"/>
-              <a:t>4/14/2023</a:t>
+              <a:t>4/15/2023</a:t>
             </a:fld>
             <a:endParaRPr lang="en-US"/>
           </a:p>
@@ -867,7 +867,7 @@
           <a:p>
             <a:fld id="{A4B03399-60D8-4226-8AC7-3F159D57E860}" type="datetime1">
               <a:rPr lang="en-US" smtClean="0"/>
-              <a:t>4/14/2023</a:t>
+              <a:t>4/15/2023</a:t>
             </a:fld>
             <a:endParaRPr lang="en-US"/>
           </a:p>
@@ -1075,7 +1075,7 @@
           <a:p>
             <a:fld id="{1A646459-A066-416D-8E21-9D451FB1CBED}" type="datetime1">
               <a:rPr lang="en-US" smtClean="0"/>
-              <a:t>4/14/2023</a:t>
+              <a:t>4/15/2023</a:t>
             </a:fld>
             <a:endParaRPr lang="en-US"/>
           </a:p>
@@ -1273,7 +1273,7 @@
           <a:p>
             <a:fld id="{0636B939-1A2A-498F-9013-EEF28820D750}" type="datetime1">
               <a:rPr lang="en-US" smtClean="0"/>
-              <a:t>4/14/2023</a:t>
+              <a:t>4/15/2023</a:t>
             </a:fld>
             <a:endParaRPr lang="en-US"/>
           </a:p>
@@ -1592,7 +1592,7 @@
           <a:p>
             <a:fld id="{97D3760A-E884-42F2-A44C-F32FAA030BF6}" type="datetime1">
               <a:rPr lang="en-US" smtClean="0"/>
-              <a:t>4/14/2023</a:t>
+              <a:t>4/15/2023</a:t>
             </a:fld>
             <a:endParaRPr lang="en-US"/>
           </a:p>
@@ -1857,7 +1857,7 @@
           <a:p>
             <a:fld id="{4FC7535E-ABF1-4A69-B09E-251EF8B13143}" type="datetime1">
               <a:rPr lang="en-US" smtClean="0"/>
-              <a:t>4/14/2023</a:t>
+              <a:t>4/15/2023</a:t>
             </a:fld>
             <a:endParaRPr lang="en-US"/>
           </a:p>
@@ -2269,7 +2269,7 @@
           <a:p>
             <a:fld id="{CE54BCFC-68A7-4C68-9600-D4AAA16CF9A6}" type="datetime1">
               <a:rPr lang="en-US" smtClean="0"/>
-              <a:t>4/14/2023</a:t>
+              <a:t>4/15/2023</a:t>
             </a:fld>
             <a:endParaRPr lang="en-US"/>
           </a:p>
@@ -2410,7 +2410,7 @@
           <a:p>
             <a:fld id="{0F981744-C4F3-4F58-9E0E-AF6C4E78D03B}" type="datetime1">
               <a:rPr lang="en-US" smtClean="0"/>
-              <a:t>4/14/2023</a:t>
+              <a:t>4/15/2023</a:t>
             </a:fld>
             <a:endParaRPr lang="en-US"/>
           </a:p>
@@ -2523,7 +2523,7 @@
           <a:p>
             <a:fld id="{98ED47E1-EA96-4683-9629-E838295B20BC}" type="datetime1">
               <a:rPr lang="en-US" smtClean="0"/>
-              <a:t>4/14/2023</a:t>
+              <a:t>4/15/2023</a:t>
             </a:fld>
             <a:endParaRPr lang="en-US"/>
           </a:p>
@@ -2834,7 +2834,7 @@
           <a:p>
             <a:fld id="{2F2A1627-B435-455B-A0CA-0808E5748D61}" type="datetime1">
               <a:rPr lang="en-US" smtClean="0"/>
-              <a:t>4/14/2023</a:t>
+              <a:t>4/15/2023</a:t>
             </a:fld>
             <a:endParaRPr lang="en-US"/>
           </a:p>
@@ -3122,7 +3122,7 @@
           <a:p>
             <a:fld id="{FE11CB43-EB9E-4C41-ACD2-0EC61FB429F2}" type="datetime1">
               <a:rPr lang="en-US" smtClean="0"/>
-              <a:t>4/14/2023</a:t>
+              <a:t>4/15/2023</a:t>
             </a:fld>
             <a:endParaRPr lang="en-US"/>
           </a:p>
@@ -3363,7 +3363,7 @@
           <a:p>
             <a:fld id="{CC0B8F92-0932-40E4-878B-3E2E4AAA6810}" type="datetime1">
               <a:rPr lang="en-US" smtClean="0"/>
-              <a:t>4/14/2023</a:t>
+              <a:t>4/15/2023</a:t>
             </a:fld>
             <a:endParaRPr lang="en-US"/>
           </a:p>
@@ -4888,12 +4888,14 @@
         </p:nvSpPr>
         <p:spPr/>
         <p:txBody>
-          <a:bodyPr/>
+          <a:bodyPr>
+            <a:normAutofit lnSpcReduction="10000"/>
+          </a:bodyPr>
           <a:lstStyle/>
           <a:p>
             <a:r>
               <a:rPr lang="ru-RU" dirty="0"/>
-              <a:t>Для избежания ошибок в работе алгоритмов сортировки компараторы должны удовлятворять набору аксиом (правил)</a:t>
+              <a:t>Для избежания ошибок в работе алгоритмов сортировки компараторы должны удовлятворять набору правил (аксиом)</a:t>
             </a:r>
             <a:endParaRPr lang="en-US" dirty="0"/>
           </a:p>
@@ -4913,6 +4915,24 @@
               <a:t>https://en.cppreference.com/w/cpp/named_req/Compare</a:t>
             </a:r>
             <a:endParaRPr lang="ru-RU" dirty="0"/>
+          </a:p>
+          <a:p>
+            <a:r>
+              <a:rPr lang="ru-RU" dirty="0"/>
+              <a:t>Их невыполнение приводит к </a:t>
+            </a:r>
+            <a:r>
+              <a:rPr lang="en-US" dirty="0"/>
+              <a:t>Undefined Behavior</a:t>
+            </a:r>
+          </a:p>
+          <a:p>
+            <a:pPr lvl="1"/>
+            <a:r>
+              <a:rPr lang="ru-RU" dirty="0"/>
+              <a:t>Аварийные завершения, некорректные результаты, зависания</a:t>
+            </a:r>
+            <a:endParaRPr lang="en-US" dirty="0"/>
           </a:p>
           <a:p>
             <a:r>

--- a/2023/RU.pptx
+++ b/2023/RU.pptx
@@ -5,7 +5,7 @@
     <p:sldMasterId id="2147483648" r:id="rId1"/>
   </p:sldMasterIdLst>
   <p:notesMasterIdLst>
-    <p:notesMasterId r:id="rId49"/>
+    <p:notesMasterId r:id="rId52"/>
   </p:notesMasterIdLst>
   <p:sldIdLst>
     <p:sldId id="256" r:id="rId2"/>
@@ -31,30 +31,33 @@
     <p:sldId id="274" r:id="rId22"/>
     <p:sldId id="275" r:id="rId23"/>
     <p:sldId id="302" r:id="rId24"/>
-    <p:sldId id="276" r:id="rId25"/>
-    <p:sldId id="277" r:id="rId26"/>
-    <p:sldId id="278" r:id="rId27"/>
-    <p:sldId id="279" r:id="rId28"/>
-    <p:sldId id="288" r:id="rId29"/>
-    <p:sldId id="280" r:id="rId30"/>
-    <p:sldId id="281" r:id="rId31"/>
-    <p:sldId id="282" r:id="rId32"/>
-    <p:sldId id="283" r:id="rId33"/>
-    <p:sldId id="284" r:id="rId34"/>
-    <p:sldId id="285" r:id="rId35"/>
-    <p:sldId id="286" r:id="rId36"/>
-    <p:sldId id="287" r:id="rId37"/>
-    <p:sldId id="289" r:id="rId38"/>
-    <p:sldId id="290" r:id="rId39"/>
-    <p:sldId id="291" r:id="rId40"/>
-    <p:sldId id="292" r:id="rId41"/>
-    <p:sldId id="293" r:id="rId42"/>
-    <p:sldId id="294" r:id="rId43"/>
-    <p:sldId id="295" r:id="rId44"/>
-    <p:sldId id="296" r:id="rId45"/>
-    <p:sldId id="298" r:id="rId46"/>
-    <p:sldId id="297" r:id="rId47"/>
-    <p:sldId id="299" r:id="rId48"/>
+    <p:sldId id="277" r:id="rId25"/>
+    <p:sldId id="279" r:id="rId26"/>
+    <p:sldId id="288" r:id="rId27"/>
+    <p:sldId id="280" r:id="rId28"/>
+    <p:sldId id="281" r:id="rId29"/>
+    <p:sldId id="282" r:id="rId30"/>
+    <p:sldId id="283" r:id="rId31"/>
+    <p:sldId id="284" r:id="rId32"/>
+    <p:sldId id="285" r:id="rId33"/>
+    <p:sldId id="286" r:id="rId34"/>
+    <p:sldId id="287" r:id="rId35"/>
+    <p:sldId id="289" r:id="rId36"/>
+    <p:sldId id="290" r:id="rId37"/>
+    <p:sldId id="291" r:id="rId38"/>
+    <p:sldId id="292" r:id="rId39"/>
+    <p:sldId id="293" r:id="rId40"/>
+    <p:sldId id="294" r:id="rId41"/>
+    <p:sldId id="295" r:id="rId42"/>
+    <p:sldId id="296" r:id="rId43"/>
+    <p:sldId id="298" r:id="rId44"/>
+    <p:sldId id="297" r:id="rId45"/>
+    <p:sldId id="299" r:id="rId46"/>
+    <p:sldId id="276" r:id="rId47"/>
+    <p:sldId id="278" r:id="rId48"/>
+    <p:sldId id="303" r:id="rId49"/>
+    <p:sldId id="305" r:id="rId50"/>
+    <p:sldId id="304" r:id="rId51"/>
   </p:sldIdLst>
   <p:sldSz cx="12192000" cy="6858000"/>
   <p:notesSz cx="6858000" cy="9144000"/>
@@ -255,7 +258,7 @@
           <a:p>
             <a:fld id="{A36A2EB4-42A0-4A9F-94AC-04D10C1F231A}" type="datetimeFigureOut">
               <a:rPr lang="en-US" smtClean="0"/>
-              <a:t>4/15/2023</a:t>
+              <a:t>4/23/2023</a:t>
             </a:fld>
             <a:endParaRPr lang="en-US"/>
           </a:p>
@@ -522,6 +525,1319 @@
 </p:notesMaster>
 </file>
 
+<file path=ppt/notesSlides/notesSlide1.xml><?xml version="1.0" encoding="utf-8"?>
+<p:notes xmlns:a="http://schemas.openxmlformats.org/drawingml/2006/main" xmlns:r="http://schemas.openxmlformats.org/officeDocument/2006/relationships" xmlns:p="http://schemas.openxmlformats.org/presentationml/2006/main">
+  <p:cSld>
+    <p:spTree>
+      <p:nvGrpSpPr>
+        <p:cNvPr id="1" name=""/>
+        <p:cNvGrpSpPr/>
+        <p:nvPr/>
+      </p:nvGrpSpPr>
+      <p:grpSpPr>
+        <a:xfrm>
+          <a:off x="0" y="0"/>
+          <a:ext cx="0" cy="0"/>
+          <a:chOff x="0" y="0"/>
+          <a:chExt cx="0" cy="0"/>
+        </a:xfrm>
+      </p:grpSpPr>
+      <p:sp>
+        <p:nvSpPr>
+          <p:cNvPr id="2" name="Slide Image Placeholder 1"/>
+          <p:cNvSpPr>
+            <a:spLocks noGrp="1" noRot="1" noChangeAspect="1"/>
+          </p:cNvSpPr>
+          <p:nvPr>
+            <p:ph type="sldImg"/>
+          </p:nvPr>
+        </p:nvSpPr>
+        <p:spPr/>
+      </p:sp>
+      <p:sp>
+        <p:nvSpPr>
+          <p:cNvPr id="3" name="Notes Placeholder 2"/>
+          <p:cNvSpPr>
+            <a:spLocks noGrp="1"/>
+          </p:cNvSpPr>
+          <p:nvPr>
+            <p:ph type="body" idx="1"/>
+          </p:nvPr>
+        </p:nvSpPr>
+        <p:spPr/>
+        <p:txBody>
+          <a:bodyPr/>
+          <a:lstStyle/>
+          <a:p>
+            <a:r>
+              <a:rPr lang="ru-RU" dirty="0"/>
+              <a:t>Наш доклад посвящен тому как правильно писать компараторы</a:t>
+            </a:r>
+            <a:r>
+              <a:rPr lang="en-US" dirty="0"/>
+              <a:t>: </a:t>
+            </a:r>
+            <a:r>
+              <a:rPr lang="ru-RU" dirty="0"/>
+              <a:t>как не допускать в них ошибок и быстро находить их и исправлять.</a:t>
+            </a:r>
+            <a:endParaRPr lang="en-US" dirty="0"/>
+          </a:p>
+        </p:txBody>
+      </p:sp>
+      <p:sp>
+        <p:nvSpPr>
+          <p:cNvPr id="4" name="Slide Number Placeholder 3"/>
+          <p:cNvSpPr>
+            <a:spLocks noGrp="1"/>
+          </p:cNvSpPr>
+          <p:nvPr>
+            <p:ph type="sldNum" sz="quarter" idx="5"/>
+          </p:nvPr>
+        </p:nvSpPr>
+        <p:spPr/>
+        <p:txBody>
+          <a:bodyPr/>
+          <a:lstStyle/>
+          <a:p>
+            <a:fld id="{3AC94D10-082F-46D7-A834-266F9222130F}" type="slidenum">
+              <a:rPr lang="en-US" smtClean="0"/>
+              <a:t>1</a:t>
+            </a:fld>
+            <a:endParaRPr lang="en-US"/>
+          </a:p>
+        </p:txBody>
+      </p:sp>
+    </p:spTree>
+    <p:extLst>
+      <p:ext uri="{BB962C8B-B14F-4D97-AF65-F5344CB8AC3E}">
+        <p14:creationId xmlns:p14="http://schemas.microsoft.com/office/powerpoint/2010/main" val="2785949678"/>
+      </p:ext>
+    </p:extLst>
+  </p:cSld>
+  <p:clrMapOvr>
+    <a:masterClrMapping/>
+  </p:clrMapOvr>
+</p:notes>
+</file>
+
+<file path=ppt/notesSlides/notesSlide10.xml><?xml version="1.0" encoding="utf-8"?>
+<p:notes xmlns:a="http://schemas.openxmlformats.org/drawingml/2006/main" xmlns:r="http://schemas.openxmlformats.org/officeDocument/2006/relationships" xmlns:p="http://schemas.openxmlformats.org/presentationml/2006/main">
+  <p:cSld>
+    <p:spTree>
+      <p:nvGrpSpPr>
+        <p:cNvPr id="1" name=""/>
+        <p:cNvGrpSpPr/>
+        <p:nvPr/>
+      </p:nvGrpSpPr>
+      <p:grpSpPr>
+        <a:xfrm>
+          <a:off x="0" y="0"/>
+          <a:ext cx="0" cy="0"/>
+          <a:chOff x="0" y="0"/>
+          <a:chExt cx="0" cy="0"/>
+        </a:xfrm>
+      </p:grpSpPr>
+      <p:sp>
+        <p:nvSpPr>
+          <p:cNvPr id="2" name="Slide Image Placeholder 1"/>
+          <p:cNvSpPr>
+            <a:spLocks noGrp="1" noRot="1" noChangeAspect="1"/>
+          </p:cNvSpPr>
+          <p:nvPr>
+            <p:ph type="sldImg"/>
+          </p:nvPr>
+        </p:nvSpPr>
+        <p:spPr/>
+      </p:sp>
+      <p:sp>
+        <p:nvSpPr>
+          <p:cNvPr id="3" name="Notes Placeholder 2"/>
+          <p:cNvSpPr>
+            <a:spLocks noGrp="1"/>
+          </p:cNvSpPr>
+          <p:nvPr>
+            <p:ph type="body" idx="1"/>
+          </p:nvPr>
+        </p:nvSpPr>
+        <p:spPr/>
+        <p:txBody>
+          <a:bodyPr/>
+          <a:lstStyle/>
+          <a:p>
+            <a:r>
+              <a:rPr lang="ru-RU" dirty="0"/>
+              <a:t>С функцией </a:t>
+            </a:r>
+            <a:r>
+              <a:rPr lang="en-US" dirty="0" err="1">
+                <a:latin typeface="Courier New" panose="02070309020205020404" pitchFamily="49" charset="0"/>
+                <a:cs typeface="Courier New" panose="02070309020205020404" pitchFamily="49" charset="0"/>
+              </a:rPr>
+              <a:t>equiv</a:t>
+            </a:r>
+            <a:r>
+              <a:rPr lang="en-US" dirty="0"/>
+              <a:t> </a:t>
+            </a:r>
+            <a:r>
+              <a:rPr lang="ru-RU" dirty="0"/>
+              <a:t>связана последняя, четвертая аксиома</a:t>
+            </a:r>
+            <a:endParaRPr lang="en-US" dirty="0"/>
+          </a:p>
+          <a:p>
+            <a:endParaRPr lang="en-US" dirty="0"/>
+          </a:p>
+          <a:p>
+            <a:r>
+              <a:rPr lang="en-US" dirty="0"/>
+              <a:t>https://stackoverflow.com/questions/75970396/why-do-we-need-transitivity-of-equivalence</a:t>
+            </a:r>
+          </a:p>
+        </p:txBody>
+      </p:sp>
+      <p:sp>
+        <p:nvSpPr>
+          <p:cNvPr id="4" name="Slide Number Placeholder 3"/>
+          <p:cNvSpPr>
+            <a:spLocks noGrp="1"/>
+          </p:cNvSpPr>
+          <p:nvPr>
+            <p:ph type="sldNum" sz="quarter" idx="5"/>
+          </p:nvPr>
+        </p:nvSpPr>
+        <p:spPr/>
+        <p:txBody>
+          <a:bodyPr/>
+          <a:lstStyle/>
+          <a:p>
+            <a:fld id="{3AC94D10-082F-46D7-A834-266F9222130F}" type="slidenum">
+              <a:rPr lang="en-US" smtClean="0"/>
+              <a:t>16</a:t>
+            </a:fld>
+            <a:endParaRPr lang="en-US"/>
+          </a:p>
+        </p:txBody>
+      </p:sp>
+    </p:spTree>
+    <p:extLst>
+      <p:ext uri="{BB962C8B-B14F-4D97-AF65-F5344CB8AC3E}">
+        <p14:creationId xmlns:p14="http://schemas.microsoft.com/office/powerpoint/2010/main" val="1829174851"/>
+      </p:ext>
+    </p:extLst>
+  </p:cSld>
+  <p:clrMapOvr>
+    <a:masterClrMapping/>
+  </p:clrMapOvr>
+</p:notes>
+</file>
+
+<file path=ppt/notesSlides/notesSlide11.xml><?xml version="1.0" encoding="utf-8"?>
+<p:notes xmlns:a="http://schemas.openxmlformats.org/drawingml/2006/main" xmlns:r="http://schemas.openxmlformats.org/officeDocument/2006/relationships" xmlns:p="http://schemas.openxmlformats.org/presentationml/2006/main">
+  <p:cSld>
+    <p:spTree>
+      <p:nvGrpSpPr>
+        <p:cNvPr id="1" name=""/>
+        <p:cNvGrpSpPr/>
+        <p:nvPr/>
+      </p:nvGrpSpPr>
+      <p:grpSpPr>
+        <a:xfrm>
+          <a:off x="0" y="0"/>
+          <a:ext cx="0" cy="0"/>
+          <a:chOff x="0" y="0"/>
+          <a:chExt cx="0" cy="0"/>
+        </a:xfrm>
+      </p:grpSpPr>
+      <p:sp>
+        <p:nvSpPr>
+          <p:cNvPr id="2" name="Slide Image Placeholder 1"/>
+          <p:cNvSpPr>
+            <a:spLocks noGrp="1" noRot="1" noChangeAspect="1"/>
+          </p:cNvSpPr>
+          <p:nvPr>
+            <p:ph type="sldImg"/>
+          </p:nvPr>
+        </p:nvSpPr>
+        <p:spPr/>
+      </p:sp>
+      <p:sp>
+        <p:nvSpPr>
+          <p:cNvPr id="3" name="Notes Placeholder 2"/>
+          <p:cNvSpPr>
+            <a:spLocks noGrp="1"/>
+          </p:cNvSpPr>
+          <p:nvPr>
+            <p:ph type="body" idx="1"/>
+          </p:nvPr>
+        </p:nvSpPr>
+        <p:spPr/>
+        <p:txBody>
+          <a:bodyPr/>
+          <a:lstStyle/>
+          <a:p>
+            <a:r>
+              <a:rPr lang="en-US" dirty="0"/>
+              <a:t>https://stackoverflow.com/questions/75770367/implied-meaning-of-ordering-types-in-c20</a:t>
+            </a:r>
+          </a:p>
+        </p:txBody>
+      </p:sp>
+      <p:sp>
+        <p:nvSpPr>
+          <p:cNvPr id="4" name="Slide Number Placeholder 3"/>
+          <p:cNvSpPr>
+            <a:spLocks noGrp="1"/>
+          </p:cNvSpPr>
+          <p:nvPr>
+            <p:ph type="sldNum" sz="quarter" idx="5"/>
+          </p:nvPr>
+        </p:nvSpPr>
+        <p:spPr/>
+        <p:txBody>
+          <a:bodyPr/>
+          <a:lstStyle/>
+          <a:p>
+            <a:fld id="{3AC94D10-082F-46D7-A834-266F9222130F}" type="slidenum">
+              <a:rPr lang="en-US" smtClean="0"/>
+              <a:t>19</a:t>
+            </a:fld>
+            <a:endParaRPr lang="en-US"/>
+          </a:p>
+        </p:txBody>
+      </p:sp>
+    </p:spTree>
+    <p:extLst>
+      <p:ext uri="{BB962C8B-B14F-4D97-AF65-F5344CB8AC3E}">
+        <p14:creationId xmlns:p14="http://schemas.microsoft.com/office/powerpoint/2010/main" val="4281307461"/>
+      </p:ext>
+    </p:extLst>
+  </p:cSld>
+  <p:clrMapOvr>
+    <a:masterClrMapping/>
+  </p:clrMapOvr>
+</p:notes>
+</file>
+
+<file path=ppt/notesSlides/notesSlide2.xml><?xml version="1.0" encoding="utf-8"?>
+<p:notes xmlns:a="http://schemas.openxmlformats.org/drawingml/2006/main" xmlns:r="http://schemas.openxmlformats.org/officeDocument/2006/relationships" xmlns:p="http://schemas.openxmlformats.org/presentationml/2006/main">
+  <p:cSld>
+    <p:spTree>
+      <p:nvGrpSpPr>
+        <p:cNvPr id="1" name=""/>
+        <p:cNvGrpSpPr/>
+        <p:nvPr/>
+      </p:nvGrpSpPr>
+      <p:grpSpPr>
+        <a:xfrm>
+          <a:off x="0" y="0"/>
+          <a:ext cx="0" cy="0"/>
+          <a:chOff x="0" y="0"/>
+          <a:chExt cx="0" cy="0"/>
+        </a:xfrm>
+      </p:grpSpPr>
+      <p:sp>
+        <p:nvSpPr>
+          <p:cNvPr id="2" name="Slide Image Placeholder 1"/>
+          <p:cNvSpPr>
+            <a:spLocks noGrp="1" noRot="1" noChangeAspect="1"/>
+          </p:cNvSpPr>
+          <p:nvPr>
+            <p:ph type="sldImg"/>
+          </p:nvPr>
+        </p:nvSpPr>
+        <p:spPr/>
+      </p:sp>
+      <p:sp>
+        <p:nvSpPr>
+          <p:cNvPr id="3" name="Notes Placeholder 2"/>
+          <p:cNvSpPr>
+            <a:spLocks noGrp="1"/>
+          </p:cNvSpPr>
+          <p:nvPr>
+            <p:ph type="body" idx="1"/>
+          </p:nvPr>
+        </p:nvSpPr>
+        <p:spPr/>
+        <p:txBody>
+          <a:bodyPr/>
+          <a:lstStyle/>
+          <a:p>
+            <a:r>
+              <a:rPr lang="ru-RU" dirty="0"/>
+              <a:t>О чём мы будет говорить в этом докладе</a:t>
+            </a:r>
+            <a:r>
+              <a:rPr lang="en-US" dirty="0"/>
+              <a:t>:</a:t>
+            </a:r>
+          </a:p>
+          <a:p>
+            <a:pPr marL="171450" indent="-171450">
+              <a:buFontTx/>
+              <a:buChar char="-"/>
+            </a:pPr>
+            <a:r>
+              <a:rPr lang="ru-RU" dirty="0"/>
+              <a:t>Вспомним что такое компаратор</a:t>
+            </a:r>
+          </a:p>
+          <a:p>
+            <a:pPr marL="171450" indent="-171450">
+              <a:buFontTx/>
+              <a:buChar char="-"/>
+            </a:pPr>
+            <a:r>
+              <a:rPr lang="ru-RU" dirty="0"/>
+              <a:t>Разберём пример типичной ошибки</a:t>
+            </a:r>
+          </a:p>
+          <a:p>
+            <a:pPr marL="171450" indent="-171450">
+              <a:buFontTx/>
+              <a:buChar char="-"/>
+            </a:pPr>
+            <a:r>
+              <a:rPr lang="ru-RU" dirty="0"/>
+              <a:t>Разберём аксиомы которым должны удовлетворять корректные компараторов</a:t>
+            </a:r>
+          </a:p>
+          <a:p>
+            <a:pPr marL="171450" indent="-171450">
+              <a:buFontTx/>
+              <a:buChar char="-"/>
+            </a:pPr>
+            <a:r>
+              <a:rPr lang="ru-RU" dirty="0"/>
+              <a:t>Посмотрим на типичные нарушения этих аксиом</a:t>
+            </a:r>
+            <a:r>
+              <a:rPr lang="en-US" dirty="0"/>
+              <a:t>, </a:t>
+            </a:r>
+            <a:r>
+              <a:rPr lang="ru-RU" dirty="0"/>
+              <a:t>встречающиеся в реальном коде</a:t>
+            </a:r>
+          </a:p>
+          <a:p>
+            <a:pPr marL="171450" indent="-171450">
+              <a:buFontTx/>
+              <a:buChar char="-"/>
+            </a:pPr>
+            <a:r>
+              <a:rPr lang="ru-RU" dirty="0"/>
+              <a:t>Коснёмся способов обнаружения этих нарушений</a:t>
+            </a:r>
+            <a:endParaRPr lang="en-US" dirty="0"/>
+          </a:p>
+        </p:txBody>
+      </p:sp>
+      <p:sp>
+        <p:nvSpPr>
+          <p:cNvPr id="4" name="Slide Number Placeholder 3"/>
+          <p:cNvSpPr>
+            <a:spLocks noGrp="1"/>
+          </p:cNvSpPr>
+          <p:nvPr>
+            <p:ph type="sldNum" sz="quarter" idx="5"/>
+          </p:nvPr>
+        </p:nvSpPr>
+        <p:spPr/>
+        <p:txBody>
+          <a:bodyPr/>
+          <a:lstStyle/>
+          <a:p>
+            <a:fld id="{3AC94D10-082F-46D7-A834-266F9222130F}" type="slidenum">
+              <a:rPr lang="en-US" smtClean="0"/>
+              <a:t>3</a:t>
+            </a:fld>
+            <a:endParaRPr lang="en-US"/>
+          </a:p>
+        </p:txBody>
+      </p:sp>
+    </p:spTree>
+    <p:extLst>
+      <p:ext uri="{BB962C8B-B14F-4D97-AF65-F5344CB8AC3E}">
+        <p14:creationId xmlns:p14="http://schemas.microsoft.com/office/powerpoint/2010/main" val="1370706223"/>
+      </p:ext>
+    </p:extLst>
+  </p:cSld>
+  <p:clrMapOvr>
+    <a:masterClrMapping/>
+  </p:clrMapOvr>
+</p:notes>
+</file>
+
+<file path=ppt/notesSlides/notesSlide3.xml><?xml version="1.0" encoding="utf-8"?>
+<p:notes xmlns:a="http://schemas.openxmlformats.org/drawingml/2006/main" xmlns:r="http://schemas.openxmlformats.org/officeDocument/2006/relationships" xmlns:p="http://schemas.openxmlformats.org/presentationml/2006/main">
+  <p:cSld>
+    <p:spTree>
+      <p:nvGrpSpPr>
+        <p:cNvPr id="1" name=""/>
+        <p:cNvGrpSpPr/>
+        <p:nvPr/>
+      </p:nvGrpSpPr>
+      <p:grpSpPr>
+        <a:xfrm>
+          <a:off x="0" y="0"/>
+          <a:ext cx="0" cy="0"/>
+          <a:chOff x="0" y="0"/>
+          <a:chExt cx="0" cy="0"/>
+        </a:xfrm>
+      </p:grpSpPr>
+      <p:sp>
+        <p:nvSpPr>
+          <p:cNvPr id="2" name="Slide Image Placeholder 1"/>
+          <p:cNvSpPr>
+            <a:spLocks noGrp="1" noRot="1" noChangeAspect="1"/>
+          </p:cNvSpPr>
+          <p:nvPr>
+            <p:ph type="sldImg"/>
+          </p:nvPr>
+        </p:nvSpPr>
+        <p:spPr/>
+      </p:sp>
+      <p:sp>
+        <p:nvSpPr>
+          <p:cNvPr id="3" name="Notes Placeholder 2"/>
+          <p:cNvSpPr>
+            <a:spLocks noGrp="1"/>
+          </p:cNvSpPr>
+          <p:nvPr>
+            <p:ph type="body" idx="1"/>
+          </p:nvPr>
+        </p:nvSpPr>
+        <p:spPr/>
+        <p:txBody>
+          <a:bodyPr/>
+          <a:lstStyle/>
+          <a:p>
+            <a:r>
+              <a:rPr lang="ru-RU" dirty="0"/>
+              <a:t>Итак что же такое компаратор</a:t>
+            </a:r>
+            <a:r>
+              <a:rPr lang="en-US" dirty="0"/>
+              <a:t>? </a:t>
+            </a:r>
+            <a:r>
+              <a:rPr lang="ru-RU" dirty="0"/>
+              <a:t>Это обобщение </a:t>
+            </a:r>
+            <a:r>
+              <a:rPr lang="en-US" dirty="0"/>
+              <a:t>operator&lt;, </a:t>
+            </a:r>
+            <a:r>
+              <a:rPr lang="ru-RU" dirty="0"/>
+              <a:t>т.е. некоторая функция, позволяющая сравнивать объекты классов.</a:t>
+            </a:r>
+          </a:p>
+          <a:p>
+            <a:endParaRPr lang="ru-RU" dirty="0"/>
+          </a:p>
+          <a:p>
+            <a:r>
+              <a:rPr lang="ru-RU" dirty="0"/>
+              <a:t>Компараторы используются алгоритмами и контейнерами </a:t>
+            </a:r>
+            <a:r>
+              <a:rPr lang="en-US" dirty="0"/>
+              <a:t>STL </a:t>
+            </a:r>
+            <a:r>
+              <a:rPr lang="ru-RU" dirty="0"/>
+              <a:t>для сортировки и поиска.</a:t>
+            </a:r>
+            <a:endParaRPr lang="en-US" dirty="0"/>
+          </a:p>
+        </p:txBody>
+      </p:sp>
+      <p:sp>
+        <p:nvSpPr>
+          <p:cNvPr id="4" name="Slide Number Placeholder 3"/>
+          <p:cNvSpPr>
+            <a:spLocks noGrp="1"/>
+          </p:cNvSpPr>
+          <p:nvPr>
+            <p:ph type="sldNum" sz="quarter" idx="5"/>
+          </p:nvPr>
+        </p:nvSpPr>
+        <p:spPr/>
+        <p:txBody>
+          <a:bodyPr/>
+          <a:lstStyle/>
+          <a:p>
+            <a:fld id="{3AC94D10-082F-46D7-A834-266F9222130F}" type="slidenum">
+              <a:rPr lang="en-US" smtClean="0"/>
+              <a:t>4</a:t>
+            </a:fld>
+            <a:endParaRPr lang="en-US"/>
+          </a:p>
+        </p:txBody>
+      </p:sp>
+    </p:spTree>
+    <p:extLst>
+      <p:ext uri="{BB962C8B-B14F-4D97-AF65-F5344CB8AC3E}">
+        <p14:creationId xmlns:p14="http://schemas.microsoft.com/office/powerpoint/2010/main" val="2560391056"/>
+      </p:ext>
+    </p:extLst>
+  </p:cSld>
+  <p:clrMapOvr>
+    <a:masterClrMapping/>
+  </p:clrMapOvr>
+</p:notes>
+</file>
+
+<file path=ppt/notesSlides/notesSlide4.xml><?xml version="1.0" encoding="utf-8"?>
+<p:notes xmlns:a="http://schemas.openxmlformats.org/drawingml/2006/main" xmlns:r="http://schemas.openxmlformats.org/officeDocument/2006/relationships" xmlns:p="http://schemas.openxmlformats.org/presentationml/2006/main">
+  <p:cSld>
+    <p:spTree>
+      <p:nvGrpSpPr>
+        <p:cNvPr id="1" name=""/>
+        <p:cNvGrpSpPr/>
+        <p:nvPr/>
+      </p:nvGrpSpPr>
+      <p:grpSpPr>
+        <a:xfrm>
+          <a:off x="0" y="0"/>
+          <a:ext cx="0" cy="0"/>
+          <a:chOff x="0" y="0"/>
+          <a:chExt cx="0" cy="0"/>
+        </a:xfrm>
+      </p:grpSpPr>
+      <p:sp>
+        <p:nvSpPr>
+          <p:cNvPr id="2" name="Slide Image Placeholder 1"/>
+          <p:cNvSpPr>
+            <a:spLocks noGrp="1" noRot="1" noChangeAspect="1"/>
+          </p:cNvSpPr>
+          <p:nvPr>
+            <p:ph type="sldImg"/>
+          </p:nvPr>
+        </p:nvSpPr>
+        <p:spPr/>
+      </p:sp>
+      <p:sp>
+        <p:nvSpPr>
+          <p:cNvPr id="3" name="Notes Placeholder 2"/>
+          <p:cNvSpPr>
+            <a:spLocks noGrp="1"/>
+          </p:cNvSpPr>
+          <p:nvPr>
+            <p:ph type="body" idx="1"/>
+          </p:nvPr>
+        </p:nvSpPr>
+        <p:spPr/>
+        <p:txBody>
+          <a:bodyPr/>
+          <a:lstStyle/>
+          <a:p>
+            <a:r>
+              <a:rPr lang="ru-RU" dirty="0"/>
+              <a:t>Рассмотрим простую программу. Может быть кто-то заметил ошибку</a:t>
+            </a:r>
+            <a:r>
+              <a:rPr lang="en-US" dirty="0"/>
+              <a:t>?</a:t>
+            </a:r>
+          </a:p>
+          <a:p>
+            <a:endParaRPr lang="en-US" dirty="0"/>
+          </a:p>
+          <a:p>
+            <a:r>
+              <a:rPr lang="ru-RU" dirty="0"/>
+              <a:t>Только не говорите, что использовать </a:t>
+            </a:r>
+            <a:r>
+              <a:rPr lang="en-US" dirty="0"/>
+              <a:t>rand </a:t>
+            </a:r>
+            <a:r>
+              <a:rPr lang="ru-RU" dirty="0"/>
+              <a:t>небезопасно, это правда, но доклад не об этом.</a:t>
+            </a:r>
+            <a:endParaRPr lang="en-US" dirty="0"/>
+          </a:p>
+        </p:txBody>
+      </p:sp>
+      <p:sp>
+        <p:nvSpPr>
+          <p:cNvPr id="4" name="Slide Number Placeholder 3"/>
+          <p:cNvSpPr>
+            <a:spLocks noGrp="1"/>
+          </p:cNvSpPr>
+          <p:nvPr>
+            <p:ph type="sldNum" sz="quarter" idx="5"/>
+          </p:nvPr>
+        </p:nvSpPr>
+        <p:spPr/>
+        <p:txBody>
+          <a:bodyPr/>
+          <a:lstStyle/>
+          <a:p>
+            <a:fld id="{3AC94D10-082F-46D7-A834-266F9222130F}" type="slidenum">
+              <a:rPr lang="en-US" smtClean="0"/>
+              <a:t>6</a:t>
+            </a:fld>
+            <a:endParaRPr lang="en-US"/>
+          </a:p>
+        </p:txBody>
+      </p:sp>
+    </p:spTree>
+    <p:extLst>
+      <p:ext uri="{BB962C8B-B14F-4D97-AF65-F5344CB8AC3E}">
+        <p14:creationId xmlns:p14="http://schemas.microsoft.com/office/powerpoint/2010/main" val="3331518901"/>
+      </p:ext>
+    </p:extLst>
+  </p:cSld>
+  <p:clrMapOvr>
+    <a:masterClrMapping/>
+  </p:clrMapOvr>
+</p:notes>
+</file>
+
+<file path=ppt/notesSlides/notesSlide5.xml><?xml version="1.0" encoding="utf-8"?>
+<p:notes xmlns:a="http://schemas.openxmlformats.org/drawingml/2006/main" xmlns:r="http://schemas.openxmlformats.org/officeDocument/2006/relationships" xmlns:p="http://schemas.openxmlformats.org/presentationml/2006/main">
+  <p:cSld>
+    <p:spTree>
+      <p:nvGrpSpPr>
+        <p:cNvPr id="1" name=""/>
+        <p:cNvGrpSpPr/>
+        <p:nvPr/>
+      </p:nvGrpSpPr>
+      <p:grpSpPr>
+        <a:xfrm>
+          <a:off x="0" y="0"/>
+          <a:ext cx="0" cy="0"/>
+          <a:chOff x="0" y="0"/>
+          <a:chExt cx="0" cy="0"/>
+        </a:xfrm>
+      </p:grpSpPr>
+      <p:sp>
+        <p:nvSpPr>
+          <p:cNvPr id="2" name="Slide Image Placeholder 1"/>
+          <p:cNvSpPr>
+            <a:spLocks noGrp="1" noRot="1" noChangeAspect="1"/>
+          </p:cNvSpPr>
+          <p:nvPr>
+            <p:ph type="sldImg"/>
+          </p:nvPr>
+        </p:nvSpPr>
+        <p:spPr/>
+      </p:sp>
+      <p:sp>
+        <p:nvSpPr>
+          <p:cNvPr id="3" name="Notes Placeholder 2"/>
+          <p:cNvSpPr>
+            <a:spLocks noGrp="1"/>
+          </p:cNvSpPr>
+          <p:nvPr>
+            <p:ph type="body" idx="1"/>
+          </p:nvPr>
+        </p:nvSpPr>
+        <p:spPr/>
+        <p:txBody>
+          <a:bodyPr/>
+          <a:lstStyle/>
+          <a:p>
+            <a:r>
+              <a:rPr lang="ru-RU" dirty="0"/>
+              <a:t>И если мы запустим программу по санитайзером, то обнаружим источник проблемы – функцию </a:t>
+            </a:r>
+            <a:r>
+              <a:rPr lang="en-US" dirty="0" err="1"/>
+              <a:t>unguarded_paritition</a:t>
+            </a:r>
+            <a:r>
+              <a:rPr lang="en-US" dirty="0"/>
+              <a:t> </a:t>
+            </a:r>
+            <a:r>
+              <a:rPr lang="ru-RU" dirty="0"/>
+              <a:t>в недрах </a:t>
+            </a:r>
+            <a:r>
+              <a:rPr lang="en-US" dirty="0"/>
+              <a:t>std::sort.</a:t>
+            </a:r>
+          </a:p>
+        </p:txBody>
+      </p:sp>
+      <p:sp>
+        <p:nvSpPr>
+          <p:cNvPr id="4" name="Slide Number Placeholder 3"/>
+          <p:cNvSpPr>
+            <a:spLocks noGrp="1"/>
+          </p:cNvSpPr>
+          <p:nvPr>
+            <p:ph type="sldNum" sz="quarter" idx="5"/>
+          </p:nvPr>
+        </p:nvSpPr>
+        <p:spPr/>
+        <p:txBody>
+          <a:bodyPr/>
+          <a:lstStyle/>
+          <a:p>
+            <a:fld id="{3AC94D10-082F-46D7-A834-266F9222130F}" type="slidenum">
+              <a:rPr lang="en-US" smtClean="0"/>
+              <a:t>9</a:t>
+            </a:fld>
+            <a:endParaRPr lang="en-US"/>
+          </a:p>
+        </p:txBody>
+      </p:sp>
+    </p:spTree>
+    <p:extLst>
+      <p:ext uri="{BB962C8B-B14F-4D97-AF65-F5344CB8AC3E}">
+        <p14:creationId xmlns:p14="http://schemas.microsoft.com/office/powerpoint/2010/main" val="1425117268"/>
+      </p:ext>
+    </p:extLst>
+  </p:cSld>
+  <p:clrMapOvr>
+    <a:masterClrMapping/>
+  </p:clrMapOvr>
+</p:notes>
+</file>
+
+<file path=ppt/notesSlides/notesSlide6.xml><?xml version="1.0" encoding="utf-8"?>
+<p:notes xmlns:a="http://schemas.openxmlformats.org/drawingml/2006/main" xmlns:r="http://schemas.openxmlformats.org/officeDocument/2006/relationships" xmlns:p="http://schemas.openxmlformats.org/presentationml/2006/main">
+  <p:cSld>
+    <p:spTree>
+      <p:nvGrpSpPr>
+        <p:cNvPr id="1" name=""/>
+        <p:cNvGrpSpPr/>
+        <p:nvPr/>
+      </p:nvGrpSpPr>
+      <p:grpSpPr>
+        <a:xfrm>
+          <a:off x="0" y="0"/>
+          <a:ext cx="0" cy="0"/>
+          <a:chOff x="0" y="0"/>
+          <a:chExt cx="0" cy="0"/>
+        </a:xfrm>
+      </p:grpSpPr>
+      <p:sp>
+        <p:nvSpPr>
+          <p:cNvPr id="2" name="Slide Image Placeholder 1"/>
+          <p:cNvSpPr>
+            <a:spLocks noGrp="1" noRot="1" noChangeAspect="1"/>
+          </p:cNvSpPr>
+          <p:nvPr>
+            <p:ph type="sldImg"/>
+          </p:nvPr>
+        </p:nvSpPr>
+        <p:spPr/>
+      </p:sp>
+      <p:sp>
+        <p:nvSpPr>
+          <p:cNvPr id="3" name="Notes Placeholder 2"/>
+          <p:cNvSpPr>
+            <a:spLocks noGrp="1"/>
+          </p:cNvSpPr>
+          <p:nvPr>
+            <p:ph type="body" idx="1"/>
+          </p:nvPr>
+        </p:nvSpPr>
+        <p:spPr/>
+        <p:txBody>
+          <a:bodyPr/>
+          <a:lstStyle/>
+          <a:p>
+            <a:r>
+              <a:rPr lang="ru-RU" dirty="0"/>
+              <a:t>Упавший код выполняет основной шаг быстрой сортировки</a:t>
+            </a:r>
+            <a:r>
+              <a:rPr lang="en-US" dirty="0"/>
+              <a:t> – </a:t>
+            </a:r>
+            <a:r>
+              <a:rPr lang="ru-RU" dirty="0"/>
+              <a:t>разбиение по опорному элементу </a:t>
+            </a:r>
+            <a:r>
+              <a:rPr lang="en-US" dirty="0"/>
+              <a:t>pivot.</a:t>
+            </a:r>
+          </a:p>
+          <a:p>
+            <a:endParaRPr lang="en-US" dirty="0"/>
+          </a:p>
+          <a:p>
+            <a:r>
+              <a:rPr lang="ru-RU" dirty="0"/>
+              <a:t>Проблема в красном цикле – он корректно завершается только если найдётся элемент массива, не меньший опорного</a:t>
+            </a:r>
+            <a:r>
+              <a:rPr lang="en-US" dirty="0"/>
+              <a:t>.</a:t>
+            </a:r>
+            <a:endParaRPr lang="ru-RU" dirty="0"/>
+          </a:p>
+          <a:p>
+            <a:endParaRPr lang="ru-RU" dirty="0"/>
+          </a:p>
+          <a:p>
+            <a:r>
+              <a:rPr lang="ru-RU" dirty="0"/>
+              <a:t>Если такого элемента на найдётся, то произойдёт переполнение буфера.</a:t>
+            </a:r>
+            <a:endParaRPr lang="en-US" dirty="0"/>
+          </a:p>
+        </p:txBody>
+      </p:sp>
+      <p:sp>
+        <p:nvSpPr>
+          <p:cNvPr id="4" name="Slide Number Placeholder 3"/>
+          <p:cNvSpPr>
+            <a:spLocks noGrp="1"/>
+          </p:cNvSpPr>
+          <p:nvPr>
+            <p:ph type="sldNum" sz="quarter" idx="5"/>
+          </p:nvPr>
+        </p:nvSpPr>
+        <p:spPr/>
+        <p:txBody>
+          <a:bodyPr/>
+          <a:lstStyle/>
+          <a:p>
+            <a:fld id="{3AC94D10-082F-46D7-A834-266F9222130F}" type="slidenum">
+              <a:rPr lang="en-US" smtClean="0"/>
+              <a:t>10</a:t>
+            </a:fld>
+            <a:endParaRPr lang="en-US"/>
+          </a:p>
+        </p:txBody>
+      </p:sp>
+    </p:spTree>
+    <p:extLst>
+      <p:ext uri="{BB962C8B-B14F-4D97-AF65-F5344CB8AC3E}">
+        <p14:creationId xmlns:p14="http://schemas.microsoft.com/office/powerpoint/2010/main" val="3478420013"/>
+      </p:ext>
+    </p:extLst>
+  </p:cSld>
+  <p:clrMapOvr>
+    <a:masterClrMapping/>
+  </p:clrMapOvr>
+</p:notes>
+</file>
+
+<file path=ppt/notesSlides/notesSlide7.xml><?xml version="1.0" encoding="utf-8"?>
+<p:notes xmlns:a="http://schemas.openxmlformats.org/drawingml/2006/main" xmlns:r="http://schemas.openxmlformats.org/officeDocument/2006/relationships" xmlns:p="http://schemas.openxmlformats.org/presentationml/2006/main">
+  <p:cSld>
+    <p:spTree>
+      <p:nvGrpSpPr>
+        <p:cNvPr id="1" name=""/>
+        <p:cNvGrpSpPr/>
+        <p:nvPr/>
+      </p:nvGrpSpPr>
+      <p:grpSpPr>
+        <a:xfrm>
+          <a:off x="0" y="0"/>
+          <a:ext cx="0" cy="0"/>
+          <a:chOff x="0" y="0"/>
+          <a:chExt cx="0" cy="0"/>
+        </a:xfrm>
+      </p:grpSpPr>
+      <p:sp>
+        <p:nvSpPr>
+          <p:cNvPr id="2" name="Slide Image Placeholder 1"/>
+          <p:cNvSpPr>
+            <a:spLocks noGrp="1" noRot="1" noChangeAspect="1"/>
+          </p:cNvSpPr>
+          <p:nvPr>
+            <p:ph type="sldImg"/>
+          </p:nvPr>
+        </p:nvSpPr>
+        <p:spPr/>
+      </p:sp>
+      <p:sp>
+        <p:nvSpPr>
+          <p:cNvPr id="3" name="Notes Placeholder 2"/>
+          <p:cNvSpPr>
+            <a:spLocks noGrp="1"/>
+          </p:cNvSpPr>
+          <p:nvPr>
+            <p:ph type="body" idx="1"/>
+          </p:nvPr>
+        </p:nvSpPr>
+        <p:spPr/>
+        <p:txBody>
+          <a:bodyPr/>
+          <a:lstStyle/>
+          <a:p>
+            <a:r>
+              <a:rPr lang="ru-RU" dirty="0"/>
+              <a:t>Почему же цикл должен отработать корректно</a:t>
+            </a:r>
+            <a:r>
+              <a:rPr lang="en-US" dirty="0"/>
+              <a:t> </a:t>
+            </a:r>
+            <a:r>
+              <a:rPr lang="ru-RU" dirty="0"/>
+              <a:t>т.е. такой элемент должен найтись</a:t>
+            </a:r>
+            <a:r>
+              <a:rPr lang="en-US" dirty="0"/>
+              <a:t>? </a:t>
+            </a:r>
+            <a:r>
+              <a:rPr lang="ru-RU" dirty="0"/>
+              <a:t>Дело в том что опорный элемент выбирается как среднее трех элементов массива</a:t>
+            </a:r>
+            <a:r>
+              <a:rPr lang="en-US" dirty="0"/>
+              <a:t>.</a:t>
+            </a:r>
+          </a:p>
+          <a:p>
+            <a:endParaRPr lang="en-US" dirty="0"/>
+          </a:p>
+          <a:p>
+            <a:r>
+              <a:rPr lang="ru-RU" dirty="0"/>
+              <a:t>Поэтому на входе и в процессе выполнения функции всегда выполняется указанное условие.</a:t>
+            </a:r>
+            <a:endParaRPr lang="en-US" dirty="0"/>
+          </a:p>
+          <a:p>
+            <a:endParaRPr lang="en-US" dirty="0"/>
+          </a:p>
+          <a:p>
+            <a:r>
+              <a:rPr lang="ru-RU" dirty="0"/>
+              <a:t>Из него по идее должно следовать ещё одно вспомогательное условие, которое и позволит гарантировать корректность цикла из предыдущего слайда.</a:t>
+            </a:r>
+            <a:endParaRPr lang="en-US" dirty="0"/>
+          </a:p>
+        </p:txBody>
+      </p:sp>
+      <p:sp>
+        <p:nvSpPr>
+          <p:cNvPr id="4" name="Slide Number Placeholder 3"/>
+          <p:cNvSpPr>
+            <a:spLocks noGrp="1"/>
+          </p:cNvSpPr>
+          <p:nvPr>
+            <p:ph type="sldNum" sz="quarter" idx="5"/>
+          </p:nvPr>
+        </p:nvSpPr>
+        <p:spPr/>
+        <p:txBody>
+          <a:bodyPr/>
+          <a:lstStyle/>
+          <a:p>
+            <a:fld id="{3AC94D10-082F-46D7-A834-266F9222130F}" type="slidenum">
+              <a:rPr lang="en-US" smtClean="0"/>
+              <a:t>11</a:t>
+            </a:fld>
+            <a:endParaRPr lang="en-US"/>
+          </a:p>
+        </p:txBody>
+      </p:sp>
+    </p:spTree>
+    <p:extLst>
+      <p:ext uri="{BB962C8B-B14F-4D97-AF65-F5344CB8AC3E}">
+        <p14:creationId xmlns:p14="http://schemas.microsoft.com/office/powerpoint/2010/main" val="23751334"/>
+      </p:ext>
+    </p:extLst>
+  </p:cSld>
+  <p:clrMapOvr>
+    <a:masterClrMapping/>
+  </p:clrMapOvr>
+</p:notes>
+</file>
+
+<file path=ppt/notesSlides/notesSlide8.xml><?xml version="1.0" encoding="utf-8"?>
+<p:notes xmlns:a="http://schemas.openxmlformats.org/drawingml/2006/main" xmlns:r="http://schemas.openxmlformats.org/officeDocument/2006/relationships" xmlns:p="http://schemas.openxmlformats.org/presentationml/2006/main">
+  <p:cSld>
+    <p:spTree>
+      <p:nvGrpSpPr>
+        <p:cNvPr id="1" name=""/>
+        <p:cNvGrpSpPr/>
+        <p:nvPr/>
+      </p:nvGrpSpPr>
+      <p:grpSpPr>
+        <a:xfrm>
+          <a:off x="0" y="0"/>
+          <a:ext cx="0" cy="0"/>
+          <a:chOff x="0" y="0"/>
+          <a:chExt cx="0" cy="0"/>
+        </a:xfrm>
+      </p:grpSpPr>
+      <p:sp>
+        <p:nvSpPr>
+          <p:cNvPr id="2" name="Slide Image Placeholder 1"/>
+          <p:cNvSpPr>
+            <a:spLocks noGrp="1" noRot="1" noChangeAspect="1"/>
+          </p:cNvSpPr>
+          <p:nvPr>
+            <p:ph type="sldImg"/>
+          </p:nvPr>
+        </p:nvSpPr>
+        <p:spPr/>
+      </p:sp>
+      <p:sp>
+        <p:nvSpPr>
+          <p:cNvPr id="3" name="Notes Placeholder 2"/>
+          <p:cNvSpPr>
+            <a:spLocks noGrp="1"/>
+          </p:cNvSpPr>
+          <p:nvPr>
+            <p:ph type="body" idx="1"/>
+          </p:nvPr>
+        </p:nvSpPr>
+        <p:spPr/>
+        <p:txBody>
+          <a:bodyPr/>
+          <a:lstStyle/>
+          <a:p>
+            <a:r>
+              <a:rPr lang="ru-RU" dirty="0"/>
+              <a:t>Для избежания подобных ошибок компараторы должны удовлетворять набору правил, называемых аксиомами.</a:t>
+            </a:r>
+            <a:endParaRPr lang="en-US" dirty="0"/>
+          </a:p>
+          <a:p>
+            <a:endParaRPr lang="en-US" dirty="0"/>
+          </a:p>
+          <a:p>
+            <a:r>
+              <a:rPr lang="ru-RU" dirty="0"/>
+              <a:t>По сути эти правила задают минимальные требования, при которых можно непротиворечиво и эффективно упорядочить элементы множества</a:t>
+            </a:r>
+            <a:endParaRPr lang="en-US" dirty="0"/>
+          </a:p>
+          <a:p>
+            <a:endParaRPr lang="en-US" dirty="0"/>
+          </a:p>
+          <a:p>
+            <a:pPr marL="0" marR="0" lvl="0" indent="0" algn="l" defTabSz="914400" rtl="0" eaLnBrk="1" fontAlgn="auto" latinLnBrk="0" hangingPunct="1">
+              <a:lnSpc>
+                <a:spcPct val="100000"/>
+              </a:lnSpc>
+              <a:spcBef>
+                <a:spcPts val="0"/>
+              </a:spcBef>
+              <a:spcAft>
+                <a:spcPts val="0"/>
+              </a:spcAft>
+              <a:buClrTx/>
+              <a:buSzTx/>
+              <a:buFontTx/>
+              <a:buNone/>
+              <a:tabLst/>
+              <a:defRPr/>
+            </a:pPr>
+            <a:r>
+              <a:rPr lang="en-US" dirty="0">
+                <a:hlinkClick r:id="rId3"/>
+              </a:rPr>
+              <a:t>https://en.cppreference.com/w/cpp/named_req/Compare</a:t>
+            </a:r>
+            <a:endParaRPr lang="ru-RU" dirty="0"/>
+          </a:p>
+          <a:p>
+            <a:endParaRPr lang="en-US" dirty="0"/>
+          </a:p>
+        </p:txBody>
+      </p:sp>
+      <p:sp>
+        <p:nvSpPr>
+          <p:cNvPr id="4" name="Slide Number Placeholder 3"/>
+          <p:cNvSpPr>
+            <a:spLocks noGrp="1"/>
+          </p:cNvSpPr>
+          <p:nvPr>
+            <p:ph type="sldNum" sz="quarter" idx="5"/>
+          </p:nvPr>
+        </p:nvSpPr>
+        <p:spPr/>
+        <p:txBody>
+          <a:bodyPr/>
+          <a:lstStyle/>
+          <a:p>
+            <a:fld id="{3AC94D10-082F-46D7-A834-266F9222130F}" type="slidenum">
+              <a:rPr lang="en-US" smtClean="0"/>
+              <a:t>13</a:t>
+            </a:fld>
+            <a:endParaRPr lang="en-US"/>
+          </a:p>
+        </p:txBody>
+      </p:sp>
+    </p:spTree>
+    <p:extLst>
+      <p:ext uri="{BB962C8B-B14F-4D97-AF65-F5344CB8AC3E}">
+        <p14:creationId xmlns:p14="http://schemas.microsoft.com/office/powerpoint/2010/main" val="3647935431"/>
+      </p:ext>
+    </p:extLst>
+  </p:cSld>
+  <p:clrMapOvr>
+    <a:masterClrMapping/>
+  </p:clrMapOvr>
+</p:notes>
+</file>
+
+<file path=ppt/notesSlides/notesSlide9.xml><?xml version="1.0" encoding="utf-8"?>
+<p:notes xmlns:a="http://schemas.openxmlformats.org/drawingml/2006/main" xmlns:r="http://schemas.openxmlformats.org/officeDocument/2006/relationships" xmlns:p="http://schemas.openxmlformats.org/presentationml/2006/main">
+  <p:cSld>
+    <p:spTree>
+      <p:nvGrpSpPr>
+        <p:cNvPr id="1" name=""/>
+        <p:cNvGrpSpPr/>
+        <p:nvPr/>
+      </p:nvGrpSpPr>
+      <p:grpSpPr>
+        <a:xfrm>
+          <a:off x="0" y="0"/>
+          <a:ext cx="0" cy="0"/>
+          <a:chOff x="0" y="0"/>
+          <a:chExt cx="0" cy="0"/>
+        </a:xfrm>
+      </p:grpSpPr>
+      <p:sp>
+        <p:nvSpPr>
+          <p:cNvPr id="2" name="Slide Image Placeholder 1"/>
+          <p:cNvSpPr>
+            <a:spLocks noGrp="1" noRot="1" noChangeAspect="1"/>
+          </p:cNvSpPr>
+          <p:nvPr>
+            <p:ph type="sldImg"/>
+          </p:nvPr>
+        </p:nvSpPr>
+        <p:spPr/>
+      </p:sp>
+      <p:sp>
+        <p:nvSpPr>
+          <p:cNvPr id="3" name="Notes Placeholder 2"/>
+          <p:cNvSpPr>
+            <a:spLocks noGrp="1"/>
+          </p:cNvSpPr>
+          <p:nvPr>
+            <p:ph type="body" idx="1"/>
+          </p:nvPr>
+        </p:nvSpPr>
+        <p:spPr/>
+        <p:txBody>
+          <a:bodyPr/>
+          <a:lstStyle/>
+          <a:p>
+            <a:r>
+              <a:rPr lang="ru-RU" dirty="0"/>
+              <a:t>Кратко</a:t>
+            </a:r>
+            <a:r>
+              <a:rPr lang="en-US" dirty="0"/>
+              <a:t>: </a:t>
+            </a:r>
+            <a:r>
+              <a:rPr lang="ru-RU" dirty="0"/>
+              <a:t>компаратор ведёт себя как </a:t>
+            </a:r>
+            <a:r>
+              <a:rPr lang="en-US" dirty="0"/>
+              <a:t>“</a:t>
+            </a:r>
+            <a:r>
+              <a:rPr lang="ru-RU" dirty="0"/>
+              <a:t>нормальный</a:t>
+            </a:r>
+            <a:r>
+              <a:rPr lang="en-US" dirty="0"/>
+              <a:t>”</a:t>
+            </a:r>
+            <a:r>
+              <a:rPr lang="ru-RU" dirty="0"/>
+              <a:t> </a:t>
+            </a:r>
+            <a:r>
+              <a:rPr lang="en-US" dirty="0">
+                <a:latin typeface="Courier New" panose="02070309020205020404" pitchFamily="49" charset="0"/>
+                <a:cs typeface="Courier New" panose="02070309020205020404" pitchFamily="49" charset="0"/>
+              </a:rPr>
+              <a:t>operator&lt;.</a:t>
+            </a:r>
+          </a:p>
+          <a:p>
+            <a:endParaRPr lang="en-US" dirty="0">
+              <a:latin typeface="Courier New" panose="02070309020205020404" pitchFamily="49" charset="0"/>
+              <a:cs typeface="Courier New" panose="02070309020205020404" pitchFamily="49" charset="0"/>
+            </a:endParaRPr>
+          </a:p>
+          <a:p>
+            <a:r>
+              <a:rPr lang="ru-RU" dirty="0"/>
+              <a:t>Можно обойтись двумя аксиомами, но обычно выписывают все три</a:t>
+            </a:r>
+            <a:r>
+              <a:rPr lang="en-US" dirty="0"/>
+              <a:t>.</a:t>
+            </a:r>
+          </a:p>
+          <a:p>
+            <a:endParaRPr lang="en-US" dirty="0"/>
+          </a:p>
+          <a:p>
+            <a:r>
+              <a:rPr lang="ru-RU" dirty="0"/>
+              <a:t>Каждая аксиома имеет довольно естественную интерпретацию в реальном мире. Например третья аксиома говорит что нельзя отсортировать элементы в игре камень-ножницы-бумага</a:t>
+            </a:r>
+            <a:r>
+              <a:rPr lang="en-US" dirty="0"/>
+              <a:t> (</a:t>
+            </a:r>
+            <a:r>
+              <a:rPr lang="ru-RU" dirty="0"/>
+              <a:t>там невозможно сформировать возрастающую последовательность элементов)</a:t>
+            </a:r>
+            <a:r>
+              <a:rPr lang="en-US" dirty="0"/>
+              <a:t>.</a:t>
+            </a:r>
+          </a:p>
+        </p:txBody>
+      </p:sp>
+      <p:sp>
+        <p:nvSpPr>
+          <p:cNvPr id="4" name="Slide Number Placeholder 3"/>
+          <p:cNvSpPr>
+            <a:spLocks noGrp="1"/>
+          </p:cNvSpPr>
+          <p:nvPr>
+            <p:ph type="sldNum" sz="quarter" idx="5"/>
+          </p:nvPr>
+        </p:nvSpPr>
+        <p:spPr/>
+        <p:txBody>
+          <a:bodyPr/>
+          <a:lstStyle/>
+          <a:p>
+            <a:fld id="{3AC94D10-082F-46D7-A834-266F9222130F}" type="slidenum">
+              <a:rPr lang="en-US" smtClean="0"/>
+              <a:t>14</a:t>
+            </a:fld>
+            <a:endParaRPr lang="en-US"/>
+          </a:p>
+        </p:txBody>
+      </p:sp>
+    </p:spTree>
+    <p:extLst>
+      <p:ext uri="{BB962C8B-B14F-4D97-AF65-F5344CB8AC3E}">
+        <p14:creationId xmlns:p14="http://schemas.microsoft.com/office/powerpoint/2010/main" val="2917169910"/>
+      </p:ext>
+    </p:extLst>
+  </p:cSld>
+  <p:clrMapOvr>
+    <a:masterClrMapping/>
+  </p:clrMapOvr>
+</p:notes>
+</file>
+
 <file path=ppt/slideLayouts/slideLayout1.xml><?xml version="1.0" encoding="utf-8"?>
 <p:sldLayout xmlns:a="http://schemas.openxmlformats.org/drawingml/2006/main" xmlns:r="http://schemas.openxmlformats.org/officeDocument/2006/relationships" xmlns:p="http://schemas.openxmlformats.org/presentationml/2006/main" type="title" preserve="1">
   <p:cSld name="Title Slide">
@@ -669,7 +1985,7 @@
           <a:p>
             <a:fld id="{83D30A23-1FB6-43A1-891F-95145083C4E9}" type="datetime1">
               <a:rPr lang="en-US" smtClean="0"/>
-              <a:t>4/15/2023</a:t>
+              <a:t>4/23/2023</a:t>
             </a:fld>
             <a:endParaRPr lang="en-US"/>
           </a:p>
@@ -867,7 +2183,7 @@
           <a:p>
             <a:fld id="{A4B03399-60D8-4226-8AC7-3F159D57E860}" type="datetime1">
               <a:rPr lang="en-US" smtClean="0"/>
-              <a:t>4/15/2023</a:t>
+              <a:t>4/23/2023</a:t>
             </a:fld>
             <a:endParaRPr lang="en-US"/>
           </a:p>
@@ -1075,7 +2391,7 @@
           <a:p>
             <a:fld id="{1A646459-A066-416D-8E21-9D451FB1CBED}" type="datetime1">
               <a:rPr lang="en-US" smtClean="0"/>
-              <a:t>4/15/2023</a:t>
+              <a:t>4/23/2023</a:t>
             </a:fld>
             <a:endParaRPr lang="en-US"/>
           </a:p>
@@ -1273,7 +2589,7 @@
           <a:p>
             <a:fld id="{0636B939-1A2A-498F-9013-EEF28820D750}" type="datetime1">
               <a:rPr lang="en-US" smtClean="0"/>
-              <a:t>4/15/2023</a:t>
+              <a:t>4/23/2023</a:t>
             </a:fld>
             <a:endParaRPr lang="en-US"/>
           </a:p>
@@ -1592,7 +2908,7 @@
           <a:p>
             <a:fld id="{97D3760A-E884-42F2-A44C-F32FAA030BF6}" type="datetime1">
               <a:rPr lang="en-US" smtClean="0"/>
-              <a:t>4/15/2023</a:t>
+              <a:t>4/23/2023</a:t>
             </a:fld>
             <a:endParaRPr lang="en-US"/>
           </a:p>
@@ -1857,7 +3173,7 @@
           <a:p>
             <a:fld id="{4FC7535E-ABF1-4A69-B09E-251EF8B13143}" type="datetime1">
               <a:rPr lang="en-US" smtClean="0"/>
-              <a:t>4/15/2023</a:t>
+              <a:t>4/23/2023</a:t>
             </a:fld>
             <a:endParaRPr lang="en-US"/>
           </a:p>
@@ -2269,7 +3585,7 @@
           <a:p>
             <a:fld id="{CE54BCFC-68A7-4C68-9600-D4AAA16CF9A6}" type="datetime1">
               <a:rPr lang="en-US" smtClean="0"/>
-              <a:t>4/15/2023</a:t>
+              <a:t>4/23/2023</a:t>
             </a:fld>
             <a:endParaRPr lang="en-US"/>
           </a:p>
@@ -2410,7 +3726,7 @@
           <a:p>
             <a:fld id="{0F981744-C4F3-4F58-9E0E-AF6C4E78D03B}" type="datetime1">
               <a:rPr lang="en-US" smtClean="0"/>
-              <a:t>4/15/2023</a:t>
+              <a:t>4/23/2023</a:t>
             </a:fld>
             <a:endParaRPr lang="en-US"/>
           </a:p>
@@ -2523,7 +3839,7 @@
           <a:p>
             <a:fld id="{98ED47E1-EA96-4683-9629-E838295B20BC}" type="datetime1">
               <a:rPr lang="en-US" smtClean="0"/>
-              <a:t>4/15/2023</a:t>
+              <a:t>4/23/2023</a:t>
             </a:fld>
             <a:endParaRPr lang="en-US"/>
           </a:p>
@@ -2834,7 +4150,7 @@
           <a:p>
             <a:fld id="{2F2A1627-B435-455B-A0CA-0808E5748D61}" type="datetime1">
               <a:rPr lang="en-US" smtClean="0"/>
-              <a:t>4/15/2023</a:t>
+              <a:t>4/23/2023</a:t>
             </a:fld>
             <a:endParaRPr lang="en-US"/>
           </a:p>
@@ -3122,7 +4438,7 @@
           <a:p>
             <a:fld id="{FE11CB43-EB9E-4C41-ACD2-0EC61FB429F2}" type="datetime1">
               <a:rPr lang="en-US" smtClean="0"/>
-              <a:t>4/15/2023</a:t>
+              <a:t>4/23/2023</a:t>
             </a:fld>
             <a:endParaRPr lang="en-US"/>
           </a:p>
@@ -3363,7 +4679,7 @@
           <a:p>
             <a:fld id="{CC0B8F92-0932-40E4-878B-3E2E4AAA6810}" type="datetime1">
               <a:rPr lang="en-US" smtClean="0"/>
-              <a:t>4/15/2023</a:t>
+              <a:t>4/23/2023</a:t>
             </a:fld>
             <a:endParaRPr lang="en-US"/>
           </a:p>
@@ -3929,28 +5245,29 @@
           <a:p>
             <a:r>
               <a:rPr lang="ru-RU" dirty="0"/>
-              <a:t>Упавший код выполняет основной шаг быстрой сортировки</a:t>
+              <a:t>Разбиение массива по опорному элементу </a:t>
             </a:r>
             <a:r>
               <a:rPr lang="en-US" dirty="0"/>
-              <a:t>:</a:t>
-            </a:r>
-          </a:p>
-          <a:p>
-            <a:pPr lvl="1"/>
-            <a:r>
-              <a:rPr lang="ru-RU" dirty="0"/>
-              <a:t>Разбиение массива по опорному элементу </a:t>
+              <a:t>(</a:t>
+            </a:r>
+            <a:r>
+              <a:rPr lang="ru-RU" dirty="0"/>
+              <a:t>основной шаг быстрой сортировки</a:t>
             </a:r>
             <a:r>
               <a:rPr lang="en-US" dirty="0"/>
-              <a:t>__pivot</a:t>
+              <a:t>)</a:t>
             </a:r>
           </a:p>
           <a:p>
             <a:pPr lvl="1"/>
             <a:endParaRPr lang="en-US" dirty="0"/>
           </a:p>
+          <a:p>
+            <a:pPr lvl="1"/>
+            <a:endParaRPr lang="en-US" dirty="0"/>
+          </a:p>
         </p:txBody>
       </p:sp>
       <p:sp>
@@ -3967,8 +5284,8 @@
         </p:nvSpPr>
         <p:spPr>
           <a:xfrm>
-            <a:off x="636494" y="1606472"/>
-            <a:ext cx="10309412" cy="5632311"/>
+            <a:off x="636494" y="1715332"/>
+            <a:ext cx="10309412" cy="5078313"/>
           </a:xfrm>
           <a:prstGeom prst="rect">
             <a:avLst/>
@@ -4078,31 +5395,7 @@
                 <a:latin typeface="Courier New" panose="02070309020205020404" pitchFamily="49" charset="0"/>
                 <a:cs typeface="Courier New" panose="02070309020205020404" pitchFamily="49" charset="0"/>
               </a:rPr>
-              <a:t>                      T __pivot,</a:t>
-            </a:r>
-          </a:p>
-          <a:p>
-            <a:pPr marL="0" indent="0">
-              <a:buNone/>
-            </a:pPr>
-            <a:r>
-              <a:rPr lang="en-US" dirty="0">
-                <a:latin typeface="Courier New" panose="02070309020205020404" pitchFamily="49" charset="0"/>
-                <a:cs typeface="Courier New" panose="02070309020205020404" pitchFamily="49" charset="0"/>
-              </a:rPr>
-              <a:t>                      _Compare __comp)</a:t>
-            </a:r>
-          </a:p>
-          <a:p>
-            <a:pPr marL="0" indent="0">
-              <a:buNone/>
-            </a:pPr>
-            <a:r>
-              <a:rPr lang="en-US" dirty="0">
-                <a:latin typeface="Courier New" panose="02070309020205020404" pitchFamily="49" charset="0"/>
-                <a:cs typeface="Courier New" panose="02070309020205020404" pitchFamily="49" charset="0"/>
-              </a:rPr>
-              <a:t>{</a:t>
+              <a:t>                      T __pivot, _Compare __comp) {</a:t>
             </a:r>
           </a:p>
           <a:p>
@@ -4432,7 +5725,7 @@
           <a:p>
             <a:r>
               <a:rPr lang="ru-RU" dirty="0"/>
-              <a:t>Следовательно при входе в цикл всегда существуют </a:t>
+              <a:t>Поэтому при входе в цикл всегда существуют </a:t>
             </a:r>
             <a:r>
               <a:rPr lang="en-US" dirty="0">
@@ -4543,7 +5836,7 @@
         </p:nvSpPr>
         <p:spPr>
           <a:xfrm>
-            <a:off x="11206843" y="2960914"/>
+            <a:off x="11209565" y="2778578"/>
             <a:ext cx="293914" cy="947057"/>
           </a:xfrm>
           <a:prstGeom prst="rightBrace">
@@ -4587,7 +5880,7 @@
         </p:nvSpPr>
         <p:spPr>
           <a:xfrm rot="-5400000">
-            <a:off x="10738072" y="2928942"/>
+            <a:off x="10740794" y="2678570"/>
             <a:ext cx="2171701" cy="646331"/>
           </a:xfrm>
           <a:prstGeom prst="rect">
@@ -4713,7 +6006,7 @@
                 <a:latin typeface="Courier New" panose="02070309020205020404" pitchFamily="49" charset="0"/>
                 <a:cs typeface="Courier New" panose="02070309020205020404" pitchFamily="49" charset="0"/>
               </a:rPr>
-              <a:t>auto __comp = [](int l, int r) { return l &lt;= r; }</a:t>
+              <a:t>auto comp = [](int l, int r) { return l &lt;= r; }</a:t>
             </a:r>
             <a:endParaRPr lang="ru-RU" dirty="0"/>
           </a:p>
@@ -4736,7 +6029,7 @@
                 <a:latin typeface="Courier New" panose="02070309020205020404" pitchFamily="49" charset="0"/>
                 <a:cs typeface="Courier New" panose="02070309020205020404" pitchFamily="49" charset="0"/>
               </a:rPr>
-              <a:t>__comp(__pivot, b) ⇒</a:t>
+              <a:t>comp(__pivot, b) ⇒</a:t>
             </a:r>
             <a:r>
               <a:rPr lang="en-US" dirty="0">
@@ -4744,7 +6037,7 @@
                 <a:cs typeface="Courier New" panose="02070309020205020404" pitchFamily="49" charset="0"/>
                 <a:sym typeface="Wingdings" panose="05000000000000000000" pitchFamily="2" charset="2"/>
               </a:rPr>
-              <a:t> !__comp(b, __pivot)</a:t>
+              <a:t> !comp(b, __pivot)</a:t>
             </a:r>
           </a:p>
           <a:p>
@@ -4794,7 +6087,7 @@
               <a:rPr lang="ru-RU" dirty="0">
                 <a:sym typeface="Wingdings" panose="05000000000000000000" pitchFamily="2" charset="2"/>
               </a:rPr>
-              <a:t>Не выполняется необходимый инвариант цикла</a:t>
+              <a:t>Нарушается необходимый инвариант цикла</a:t>
             </a:r>
             <a:r>
               <a:rPr lang="en-US" dirty="0">
@@ -4906,14 +6199,16 @@
             </a:r>
             <a:r>
               <a:rPr lang="en-US" dirty="0"/>
-              <a:t>: </a:t>
-            </a:r>
-            <a:r>
-              <a:rPr lang="en-US" dirty="0">
-                <a:hlinkClick r:id="rId2"/>
-              </a:rPr>
-              <a:t>https://en.cppreference.com/w/cpp/named_req/Compare</a:t>
-            </a:r>
+              <a:t>:</a:t>
+            </a:r>
+          </a:p>
+          <a:p>
+            <a:endParaRPr lang="en-US" dirty="0"/>
+          </a:p>
+          <a:p>
+            <a:endParaRPr lang="en-US" dirty="0"/>
+          </a:p>
+          <a:p>
             <a:endParaRPr lang="ru-RU" dirty="0"/>
           </a:p>
           <a:p>
@@ -4923,7 +6218,7 @@
             </a:r>
             <a:r>
               <a:rPr lang="en-US" dirty="0"/>
-              <a:t>Undefined Behavior</a:t>
+              <a:t>Undefined Behavior:</a:t>
             </a:r>
           </a:p>
           <a:p>
@@ -5017,15 +6312,44 @@
             </a:r>
             <a:endParaRPr lang="en-US" dirty="0"/>
           </a:p>
-          <a:p>
-            <a:r>
-              <a:rPr lang="ru-RU" dirty="0"/>
-              <a:t>Задают минимальные требования, при которых можно непротиворечиво упорядочить элементы множества</a:t>
-            </a:r>
-            <a:endParaRPr lang="en-US" dirty="0"/>
-          </a:p>
-        </p:txBody>
-      </p:sp>
+        </p:txBody>
+      </p:sp>
+      <p:pic>
+        <p:nvPicPr>
+          <p:cNvPr id="5" name="Picture 4">
+            <a:extLst>
+              <a:ext uri="{FF2B5EF4-FFF2-40B4-BE49-F238E27FC236}">
+                <a16:creationId xmlns:a16="http://schemas.microsoft.com/office/drawing/2014/main" id="{DC6A1178-A429-488E-B8D9-2338DDCD57D8}"/>
+              </a:ext>
+            </a:extLst>
+          </p:cNvPr>
+          <p:cNvPicPr>
+            <a:picLocks noChangeAspect="1"/>
+          </p:cNvPicPr>
+          <p:nvPr/>
+        </p:nvPicPr>
+        <p:blipFill>
+          <a:blip r:embed="rId9">
+            <a:extLst>
+              <a:ext uri="{28A0092B-C50C-407E-A947-70E740481C1C}">
+                <a14:useLocalDpi xmlns:a14="http://schemas.microsoft.com/office/drawing/2010/main" val="0"/>
+              </a:ext>
+            </a:extLst>
+          </a:blip>
+          <a:stretch>
+            <a:fillRect/>
+          </a:stretch>
+        </p:blipFill>
+        <p:spPr>
+          <a:xfrm>
+            <a:off x="4906737" y="3061380"/>
+            <a:ext cx="1497239" cy="1497239"/>
+          </a:xfrm>
+          <a:prstGeom prst="rect">
+            <a:avLst/>
+          </a:prstGeom>
+        </p:spPr>
+      </p:pic>
     </p:spTree>
     <p:extLst>
       <p:ext uri="{BB962C8B-B14F-4D97-AF65-F5344CB8AC3E}">
@@ -5079,7 +6403,7 @@
           <a:p>
             <a:r>
               <a:rPr lang="ru-RU" dirty="0"/>
-              <a:t>Аксиомы частичного порядка</a:t>
+              <a:t>Аксиомы строгого частичного порядка</a:t>
             </a:r>
             <a:endParaRPr lang="en-US" dirty="0"/>
           </a:p>
@@ -5104,7 +6428,7 @@
         <p:spPr/>
         <p:txBody>
           <a:bodyPr>
-            <a:normAutofit fontScale="92500" lnSpcReduction="20000"/>
+            <a:normAutofit/>
           </a:bodyPr>
           <a:lstStyle/>
           <a:p>
@@ -5126,7 +6450,7 @@
                 <a:latin typeface="Courier New" panose="02070309020205020404" pitchFamily="49" charset="0"/>
                 <a:cs typeface="Courier New" panose="02070309020205020404" pitchFamily="49" charset="0"/>
               </a:rPr>
-              <a:t>comp(a, a) == false</a:t>
+              <a:t>!comp(a, a)</a:t>
             </a:r>
             <a:endParaRPr lang="ru-RU" dirty="0">
               <a:latin typeface="Courier New" panose="02070309020205020404" pitchFamily="49" charset="0"/>
@@ -5152,7 +6476,7 @@
                 <a:latin typeface="Courier New" panose="02070309020205020404" pitchFamily="49" charset="0"/>
                 <a:cs typeface="Courier New" panose="02070309020205020404" pitchFamily="49" charset="0"/>
               </a:rPr>
-              <a:t>comp(a, b) == true ⇒ comp(b, a) == false</a:t>
+              <a:t>comp(a, b) ⇒ !comp(b, a)</a:t>
             </a:r>
             <a:endParaRPr lang="ru-RU" dirty="0">
               <a:latin typeface="Courier New" panose="02070309020205020404" pitchFamily="49" charset="0"/>
@@ -5178,19 +6502,7 @@
                 <a:latin typeface="Courier New" panose="02070309020205020404" pitchFamily="49" charset="0"/>
                 <a:cs typeface="Courier New" panose="02070309020205020404" pitchFamily="49" charset="0"/>
               </a:rPr>
-              <a:t>comp(a, b) == true &amp;&amp; comp(b, c) == true</a:t>
-            </a:r>
-          </a:p>
-          <a:p>
-            <a:pPr marL="457200" lvl="1" indent="0">
-              <a:buNone/>
-            </a:pPr>
-            <a:r>
-              <a:rPr lang="en-US" dirty="0">
-                <a:latin typeface="Courier New" panose="02070309020205020404" pitchFamily="49" charset="0"/>
-                <a:cs typeface="Courier New" panose="02070309020205020404" pitchFamily="49" charset="0"/>
-              </a:rPr>
-              <a:t>  ⇒ comp(a, c) == true</a:t>
+              <a:t>comp(a, b) &amp;&amp; comp(b, c) ⇒ comp(a, c)</a:t>
             </a:r>
             <a:endParaRPr lang="ru-RU" dirty="0">
               <a:latin typeface="Courier New" panose="02070309020205020404" pitchFamily="49" charset="0"/>
@@ -5200,51 +6512,11 @@
           <a:p>
             <a:r>
               <a:rPr lang="ru-RU" dirty="0"/>
-              <a:t>Кратко</a:t>
-            </a:r>
-            <a:r>
-              <a:rPr lang="en-US" dirty="0"/>
-              <a:t>: </a:t>
-            </a:r>
-            <a:r>
-              <a:rPr lang="ru-RU" dirty="0"/>
-              <a:t>компаратор ведёт себя как </a:t>
-            </a:r>
-            <a:r>
-              <a:rPr lang="en-US" dirty="0"/>
-              <a:t>“</a:t>
-            </a:r>
-            <a:r>
-              <a:rPr lang="ru-RU" dirty="0"/>
-              <a:t>нормальный</a:t>
-            </a:r>
-            <a:r>
-              <a:rPr lang="en-US" dirty="0"/>
-              <a:t>”</a:t>
-            </a:r>
-            <a:r>
-              <a:rPr lang="ru-RU" dirty="0"/>
-              <a:t> </a:t>
-            </a:r>
-            <a:r>
-              <a:rPr lang="en-US" dirty="0">
-                <a:latin typeface="Courier New" panose="02070309020205020404" pitchFamily="49" charset="0"/>
-                <a:cs typeface="Courier New" panose="02070309020205020404" pitchFamily="49" charset="0"/>
-              </a:rPr>
-              <a:t>operator &lt;</a:t>
-            </a:r>
-          </a:p>
-          <a:p>
-            <a:r>
-              <a:rPr lang="ru-RU" dirty="0"/>
-              <a:t>Можно обойтись двумя аксиомами, но обычно выписывают все три</a:t>
-            </a:r>
-            <a:endParaRPr lang="en-US" dirty="0"/>
-          </a:p>
-          <a:p>
-            <a:r>
-              <a:rPr lang="ru-RU" dirty="0"/>
-              <a:t>В алгебре такие компараторы называют строгими частичными порядками</a:t>
+              <a:t>В алгебре такие компараторы называют </a:t>
+            </a:r>
+            <a:r>
+              <a:rPr lang="ru-RU" i="1" dirty="0"/>
+              <a:t>строгими частичными порядками</a:t>
             </a:r>
             <a:r>
               <a:rPr lang="en-US" dirty="0"/>
@@ -5252,35 +6524,15 @@
             </a:r>
             <a:r>
               <a:rPr lang="ru-RU" dirty="0"/>
-              <a:t>а соответствующие множества – частично упорядоченными </a:t>
+              <a:t>а соответствующие множества – </a:t>
+            </a:r>
+            <a:r>
+              <a:rPr lang="ru-RU" i="1" dirty="0"/>
+              <a:t>частично упорядоченными </a:t>
             </a:r>
             <a:r>
               <a:rPr lang="en-US" dirty="0"/>
-              <a:t>(partially ordered, </a:t>
-            </a:r>
-            <a:r>
-              <a:rPr lang="ru-RU" dirty="0"/>
-              <a:t>ЧУМ</a:t>
-            </a:r>
-            <a:r>
-              <a:rPr lang="en-US" dirty="0"/>
-              <a:t> </a:t>
-            </a:r>
-            <a:r>
-              <a:rPr lang="ru-RU" dirty="0"/>
-              <a:t>или</a:t>
-            </a:r>
-            <a:r>
-              <a:rPr lang="en-US" dirty="0"/>
-              <a:t> </a:t>
-            </a:r>
-            <a:r>
-              <a:rPr lang="en-US" dirty="0" err="1"/>
-              <a:t>poset</a:t>
-            </a:r>
-            <a:r>
-              <a:rPr lang="en-US" dirty="0"/>
-              <a:t>)</a:t>
+              <a:t>(partially ordered)</a:t>
             </a:r>
           </a:p>
         </p:txBody>
@@ -5425,7 +6677,7 @@
                 <a:latin typeface="Courier New" panose="02070309020205020404" pitchFamily="49" charset="0"/>
                 <a:cs typeface="Courier New" panose="02070309020205020404" pitchFamily="49" charset="0"/>
               </a:rPr>
-              <a:t>  return comp(a, b) == false &amp;&amp; comp(b, a) == false;</a:t>
+              <a:t>  return !comp(a, b) &amp;&amp; !comp(b, a);</a:t>
             </a:r>
           </a:p>
           <a:p>
@@ -5482,7 +6734,7 @@
                 <a:latin typeface="Courier New" panose="02070309020205020404" pitchFamily="49" charset="0"/>
                 <a:cs typeface="Courier New" panose="02070309020205020404" pitchFamily="49" charset="0"/>
               </a:rPr>
-              <a:t>operator ==</a:t>
+              <a:t>operator==</a:t>
             </a:r>
           </a:p>
           <a:p>
@@ -5568,31 +6820,9 @@
         <p:spPr/>
         <p:txBody>
           <a:bodyPr>
-            <a:normAutofit lnSpcReduction="10000"/>
+            <a:normAutofit/>
           </a:bodyPr>
           <a:lstStyle/>
-          <a:p>
-            <a:r>
-              <a:rPr lang="ru-RU" dirty="0"/>
-              <a:t>С функцией </a:t>
-            </a:r>
-            <a:r>
-              <a:rPr lang="en-US" dirty="0" err="1">
-                <a:latin typeface="Courier New" panose="02070309020205020404" pitchFamily="49" charset="0"/>
-                <a:cs typeface="Courier New" panose="02070309020205020404" pitchFamily="49" charset="0"/>
-              </a:rPr>
-              <a:t>equiv</a:t>
-            </a:r>
-            <a:r>
-              <a:rPr lang="en-US" dirty="0"/>
-              <a:t> </a:t>
-            </a:r>
-            <a:r>
-              <a:rPr lang="ru-RU" dirty="0"/>
-              <a:t>связана последняя, четвертая аксиома</a:t>
-            </a:r>
-            <a:endParaRPr lang="en-US" dirty="0"/>
-          </a:p>
           <a:p>
             <a:r>
               <a:rPr lang="ru-RU" dirty="0"/>
@@ -5689,25 +6919,50 @@
             </a:r>
             <a:r>
               <a:rPr lang="ru-RU" dirty="0"/>
-              <a:t>алгоритмов сортировки (см. </a:t>
-            </a:r>
-            <a:r>
-              <a:rPr lang="en-US" dirty="0">
-                <a:hlinkClick r:id="rId2"/>
-              </a:rPr>
-              <a:t>Why do we need transitivity of equivalence</a:t>
-            </a:r>
-            <a:r>
-              <a:rPr lang="en-US" dirty="0"/>
-              <a:t>)</a:t>
-            </a:r>
-            <a:endParaRPr lang="ru-RU" dirty="0"/>
+              <a:t>алгоритмов сортировки</a:t>
+            </a:r>
           </a:p>
           <a:p>
             <a:endParaRPr lang="en-US" dirty="0"/>
           </a:p>
         </p:txBody>
       </p:sp>
+      <p:pic>
+        <p:nvPicPr>
+          <p:cNvPr id="5" name="Picture 4">
+            <a:extLst>
+              <a:ext uri="{FF2B5EF4-FFF2-40B4-BE49-F238E27FC236}">
+                <a16:creationId xmlns:a16="http://schemas.microsoft.com/office/drawing/2014/main" id="{36B3EEAF-DC78-4E4F-9C73-DA32980F752F}"/>
+              </a:ext>
+            </a:extLst>
+          </p:cNvPr>
+          <p:cNvPicPr>
+            <a:picLocks noChangeAspect="1"/>
+          </p:cNvPicPr>
+          <p:nvPr/>
+        </p:nvPicPr>
+        <p:blipFill>
+          <a:blip r:embed="rId3">
+            <a:extLst>
+              <a:ext uri="{28A0092B-C50C-407E-A947-70E740481C1C}">
+                <a14:useLocalDpi xmlns:a14="http://schemas.microsoft.com/office/drawing/2010/main" val="0"/>
+              </a:ext>
+            </a:extLst>
+          </a:blip>
+          <a:stretch>
+            <a:fillRect/>
+          </a:stretch>
+        </p:blipFill>
+        <p:spPr>
+          <a:xfrm>
+            <a:off x="9565821" y="4732564"/>
+            <a:ext cx="1673225" cy="1673225"/>
+          </a:xfrm>
+          <a:prstGeom prst="rect">
+            <a:avLst/>
+          </a:prstGeom>
+        </p:spPr>
+      </p:pic>
     </p:spTree>
     <p:extLst>
       <p:ext uri="{BB962C8B-B14F-4D97-AF65-F5344CB8AC3E}">
@@ -6021,14 +7276,14 @@
             </a:r>
             <a:r>
               <a:rPr lang="en-US" dirty="0"/>
-              <a:t>: operator </a:t>
-            </a:r>
-            <a:r>
-              <a:rPr lang="en-US" dirty="0">
-                <a:latin typeface="Courier New" panose="02070309020205020404" pitchFamily="49" charset="0"/>
-                <a:cs typeface="Courier New" panose="02070309020205020404" pitchFamily="49" charset="0"/>
-              </a:rPr>
-              <a:t>&lt;=&gt;</a:t>
+              <a:t>: </a:t>
+            </a:r>
+            <a:r>
+              <a:rPr lang="en-US" dirty="0">
+                <a:latin typeface="Courier New" panose="02070309020205020404" pitchFamily="49" charset="0"/>
+                <a:cs typeface="Courier New" panose="02070309020205020404" pitchFamily="49" charset="0"/>
+              </a:rPr>
+              <a:t>operator&lt;=&gt;</a:t>
             </a:r>
           </a:p>
           <a:p>
@@ -6063,52 +7318,91 @@
           <a:p>
             <a:pPr lvl="1"/>
             <a:r>
+              <a:rPr lang="en-US" dirty="0">
+                <a:latin typeface="Courier New" panose="02070309020205020404" pitchFamily="49" charset="0"/>
+                <a:cs typeface="Courier New" panose="02070309020205020404" pitchFamily="49" charset="0"/>
+              </a:rPr>
+              <a:t>std::</a:t>
+            </a:r>
+            <a:r>
+              <a:rPr lang="en-US" dirty="0" err="1">
+                <a:latin typeface="Courier New" panose="02070309020205020404" pitchFamily="49" charset="0"/>
+                <a:cs typeface="Courier New" panose="02070309020205020404" pitchFamily="49" charset="0"/>
+              </a:rPr>
+              <a:t>partial_ordering</a:t>
+            </a:r>
+            <a:r>
+              <a:rPr lang="en-US" dirty="0">
+                <a:latin typeface="Courier New" panose="02070309020205020404" pitchFamily="49" charset="0"/>
+                <a:cs typeface="Courier New" panose="02070309020205020404" pitchFamily="49" charset="0"/>
+              </a:rPr>
+              <a:t> </a:t>
+            </a:r>
+            <a:r>
               <a:rPr lang="en-US" dirty="0"/>
+              <a:t>(</a:t>
+            </a:r>
+            <a:r>
+              <a:rPr lang="ru-RU" dirty="0"/>
+              <a:t>первые три аксиомы)</a:t>
+            </a:r>
+            <a:endParaRPr lang="en-US" dirty="0"/>
+          </a:p>
+          <a:p>
+            <a:pPr lvl="1"/>
+            <a:r>
+              <a:rPr lang="en-US" dirty="0">
+                <a:latin typeface="Courier New" panose="02070309020205020404" pitchFamily="49" charset="0"/>
+                <a:cs typeface="Courier New" panose="02070309020205020404" pitchFamily="49" charset="0"/>
+              </a:rPr>
               <a:t>std::</a:t>
             </a:r>
             <a:r>
-              <a:rPr lang="en-US" dirty="0" err="1"/>
-              <a:t>partial_ordering</a:t>
-            </a:r>
-            <a:r>
-              <a:rPr lang="en-US" dirty="0"/>
-              <a:t> (</a:t>
-            </a:r>
-            <a:r>
-              <a:rPr lang="ru-RU" dirty="0"/>
-              <a:t>первые три аксиомы)</a:t>
+              <a:rPr lang="en-US" dirty="0" err="1">
+                <a:latin typeface="Courier New" panose="02070309020205020404" pitchFamily="49" charset="0"/>
+                <a:cs typeface="Courier New" panose="02070309020205020404" pitchFamily="49" charset="0"/>
+              </a:rPr>
+              <a:t>weak_ordering</a:t>
+            </a:r>
+            <a:r>
+              <a:rPr lang="ru-RU" dirty="0">
+                <a:latin typeface="Courier New" panose="02070309020205020404" pitchFamily="49" charset="0"/>
+                <a:cs typeface="Courier New" panose="02070309020205020404" pitchFamily="49" charset="0"/>
+              </a:rPr>
+              <a:t> </a:t>
+            </a:r>
+            <a:r>
+              <a:rPr lang="ru-RU" dirty="0"/>
+              <a:t>(то же + транзитивность эквивалентности)</a:t>
             </a:r>
             <a:endParaRPr lang="en-US" dirty="0"/>
           </a:p>
           <a:p>
             <a:pPr lvl="1"/>
             <a:r>
-              <a:rPr lang="en-US" dirty="0"/>
+              <a:rPr lang="en-US" dirty="0">
+                <a:latin typeface="Courier New" panose="02070309020205020404" pitchFamily="49" charset="0"/>
+                <a:cs typeface="Courier New" panose="02070309020205020404" pitchFamily="49" charset="0"/>
+              </a:rPr>
               <a:t>std::</a:t>
             </a:r>
             <a:r>
-              <a:rPr lang="en-US" dirty="0" err="1"/>
-              <a:t>weak_ordering</a:t>
-            </a:r>
-            <a:r>
-              <a:rPr lang="ru-RU" dirty="0"/>
-              <a:t> (то же + транзитивность эквивалентности)</a:t>
-            </a:r>
-            <a:endParaRPr lang="en-US" dirty="0"/>
-          </a:p>
-          <a:p>
-            <a:pPr lvl="1"/>
-            <a:r>
-              <a:rPr lang="en-US" dirty="0"/>
-              <a:t>std::</a:t>
-            </a:r>
-            <a:r>
-              <a:rPr lang="en-US" dirty="0" err="1"/>
+              <a:rPr lang="en-US" dirty="0" err="1">
+                <a:latin typeface="Courier New" panose="02070309020205020404" pitchFamily="49" charset="0"/>
+                <a:cs typeface="Courier New" panose="02070309020205020404" pitchFamily="49" charset="0"/>
+              </a:rPr>
               <a:t>strong_ordering</a:t>
             </a:r>
             <a:r>
-              <a:rPr lang="ru-RU" dirty="0"/>
-              <a:t> (то же + подстановка </a:t>
+              <a:rPr lang="ru-RU" dirty="0">
+                <a:latin typeface="Courier New" panose="02070309020205020404" pitchFamily="49" charset="0"/>
+                <a:cs typeface="Courier New" panose="02070309020205020404" pitchFamily="49" charset="0"/>
+              </a:rPr>
+              <a:t> </a:t>
+            </a:r>
+            <a:r>
+              <a:rPr lang="ru-RU" dirty="0"/>
+              <a:t>(то же + подстановка </a:t>
             </a:r>
             <a:r>
               <a:rPr lang="en-US" dirty="0"/>
@@ -6225,11 +7519,17 @@
           <a:p>
             <a:pPr lvl="1"/>
             <a:r>
-              <a:rPr lang="en-US" dirty="0"/>
+              <a:rPr lang="en-US" dirty="0">
+                <a:latin typeface="Courier New" panose="02070309020205020404" pitchFamily="49" charset="0"/>
+                <a:cs typeface="Courier New" panose="02070309020205020404" pitchFamily="49" charset="0"/>
+              </a:rPr>
               <a:t>std::</a:t>
             </a:r>
             <a:r>
-              <a:rPr lang="en-US" dirty="0" err="1"/>
+              <a:rPr lang="en-US" dirty="0" err="1">
+                <a:latin typeface="Courier New" panose="02070309020205020404" pitchFamily="49" charset="0"/>
+                <a:cs typeface="Courier New" panose="02070309020205020404" pitchFamily="49" charset="0"/>
+              </a:rPr>
               <a:t>partial_ordering</a:t>
             </a:r>
             <a:r>
@@ -6245,11 +7545,17 @@
           <a:p>
             <a:pPr lvl="1"/>
             <a:r>
-              <a:rPr lang="en-US" dirty="0"/>
+              <a:rPr lang="en-US" dirty="0">
+                <a:latin typeface="Courier New" panose="02070309020205020404" pitchFamily="49" charset="0"/>
+                <a:cs typeface="Courier New" panose="02070309020205020404" pitchFamily="49" charset="0"/>
+              </a:rPr>
               <a:t>std::</a:t>
             </a:r>
             <a:r>
-              <a:rPr lang="en-US" dirty="0" err="1"/>
+              <a:rPr lang="en-US" dirty="0" err="1">
+                <a:latin typeface="Courier New" panose="02070309020205020404" pitchFamily="49" charset="0"/>
+                <a:cs typeface="Courier New" panose="02070309020205020404" pitchFamily="49" charset="0"/>
+              </a:rPr>
               <a:t>weak_ordering</a:t>
             </a:r>
             <a:r>
@@ -6283,33 +7589,44 @@
             </a:r>
             <a:endParaRPr lang="en-US" dirty="0"/>
           </a:p>
-          <a:p>
-            <a:r>
-              <a:rPr lang="ru-RU" dirty="0"/>
-              <a:t>Детали в дискуссии </a:t>
-            </a:r>
-            <a:r>
-              <a:rPr lang="en-US" dirty="0">
-                <a:hlinkClick r:id="rId2"/>
-              </a:rPr>
-              <a:t>Implied meaning of ordering types in C++20</a:t>
-            </a:r>
-            <a:r>
-              <a:rPr lang="en-US" dirty="0"/>
-              <a:t> </a:t>
-            </a:r>
-            <a:r>
-              <a:rPr lang="ru-RU" dirty="0"/>
-              <a:t>на </a:t>
-            </a:r>
-            <a:r>
-              <a:rPr lang="en-US" dirty="0" err="1"/>
-              <a:t>stackoverflow</a:t>
-            </a:r>
-            <a:endParaRPr lang="en-US" dirty="0"/>
-          </a:p>
-        </p:txBody>
-      </p:sp>
+        </p:txBody>
+      </p:sp>
+      <p:pic>
+        <p:nvPicPr>
+          <p:cNvPr id="5" name="Picture 4">
+            <a:extLst>
+              <a:ext uri="{FF2B5EF4-FFF2-40B4-BE49-F238E27FC236}">
+                <a16:creationId xmlns:a16="http://schemas.microsoft.com/office/drawing/2014/main" id="{4F961B51-C166-4DA1-A4D3-7A6BB001EA3A}"/>
+              </a:ext>
+            </a:extLst>
+          </p:cNvPr>
+          <p:cNvPicPr>
+            <a:picLocks noChangeAspect="1"/>
+          </p:cNvPicPr>
+          <p:nvPr/>
+        </p:nvPicPr>
+        <p:blipFill>
+          <a:blip r:embed="rId3">
+            <a:extLst>
+              <a:ext uri="{28A0092B-C50C-407E-A947-70E740481C1C}">
+                <a14:useLocalDpi xmlns:a14="http://schemas.microsoft.com/office/drawing/2010/main" val="0"/>
+              </a:ext>
+            </a:extLst>
+          </a:blip>
+          <a:stretch>
+            <a:fillRect/>
+          </a:stretch>
+        </p:blipFill>
+        <p:spPr>
+          <a:xfrm>
+            <a:off x="4906735" y="4813980"/>
+            <a:ext cx="1798865" cy="1798865"/>
+          </a:xfrm>
+          <a:prstGeom prst="rect">
+            <a:avLst/>
+          </a:prstGeom>
+        </p:spPr>
+      </p:pic>
     </p:spTree>
     <p:extLst>
       <p:ext uri="{BB962C8B-B14F-4D97-AF65-F5344CB8AC3E}">
@@ -7492,7 +8809,7 @@
           <p:cNvPr id="2" name="Title 1">
             <a:extLst>
               <a:ext uri="{FF2B5EF4-FFF2-40B4-BE49-F238E27FC236}">
-                <a16:creationId xmlns:a16="http://schemas.microsoft.com/office/drawing/2014/main" id="{680D122F-8A3D-4D58-A0A5-9A5AC33760D9}"/>
+                <a16:creationId xmlns:a16="http://schemas.microsoft.com/office/drawing/2014/main" id="{A9139C6D-A5F5-48C1-AE3E-FAC5A61742CF}"/>
               </a:ext>
             </a:extLst>
           </p:cNvPr>
@@ -7503,7 +8820,12 @@
             <p:ph type="title"/>
           </p:nvPr>
         </p:nvSpPr>
-        <p:spPr/>
+        <p:spPr>
+          <a:xfrm>
+            <a:off x="838200" y="-87085"/>
+            <a:ext cx="10515600" cy="1325563"/>
+          </a:xfrm>
+        </p:spPr>
         <p:txBody>
           <a:bodyPr/>
           <a:lstStyle/>
@@ -7518,122 +8840,82 @@
             </a:r>
             <a:r>
               <a:rPr lang="ru-RU" dirty="0"/>
-              <a:t>лексикографический порядок</a:t>
+              <a:t>нестрогий порядок</a:t>
             </a:r>
             <a:endParaRPr lang="en-US" dirty="0"/>
           </a:p>
         </p:txBody>
       </p:sp>
-      <p:sp>
-        <p:nvSpPr>
-          <p:cNvPr id="3" name="Content Placeholder 2">
-            <a:extLst>
-              <a:ext uri="{FF2B5EF4-FFF2-40B4-BE49-F238E27FC236}">
-                <a16:creationId xmlns:a16="http://schemas.microsoft.com/office/drawing/2014/main" id="{EF38A0C2-67EB-4D5D-A96E-FD883EF4688E}"/>
-              </a:ext>
-            </a:extLst>
-          </p:cNvPr>
-          <p:cNvSpPr>
-            <a:spLocks noGrp="1"/>
-          </p:cNvSpPr>
-          <p:nvPr>
-            <p:ph idx="1"/>
-          </p:nvPr>
-        </p:nvSpPr>
-        <p:spPr/>
-        <p:txBody>
-          <a:bodyPr>
-            <a:normAutofit/>
+      <p:pic>
+        <p:nvPicPr>
+          <p:cNvPr id="7" name="Picture 6">
+            <a:extLst>
+              <a:ext uri="{FF2B5EF4-FFF2-40B4-BE49-F238E27FC236}">
+                <a16:creationId xmlns:a16="http://schemas.microsoft.com/office/drawing/2014/main" id="{06070F0E-5BE5-4EBA-B7C6-0319F6FE1FCA}"/>
+              </a:ext>
+            </a:extLst>
+          </p:cNvPr>
+          <p:cNvPicPr>
+            <a:picLocks noChangeAspect="1"/>
+          </p:cNvPicPr>
+          <p:nvPr/>
+        </p:nvPicPr>
+        <p:blipFill>
+          <a:blip r:embed="rId2"/>
+          <a:stretch>
+            <a:fillRect/>
+          </a:stretch>
+        </p:blipFill>
+        <p:spPr>
+          <a:xfrm>
+            <a:off x="1295394" y="1107849"/>
+            <a:ext cx="8196948" cy="5500586"/>
+          </a:xfrm>
+          <a:prstGeom prst="rect">
+            <a:avLst/>
+          </a:prstGeom>
+        </p:spPr>
+      </p:pic>
+      <p:sp>
+        <p:nvSpPr>
+          <p:cNvPr id="8" name="TextBox 7">
+            <a:extLst>
+              <a:ext uri="{FF2B5EF4-FFF2-40B4-BE49-F238E27FC236}">
+                <a16:creationId xmlns:a16="http://schemas.microsoft.com/office/drawing/2014/main" id="{C9278605-2454-4939-B5C0-9E78F9E47138}"/>
+              </a:ext>
+            </a:extLst>
+          </p:cNvPr>
+          <p:cNvSpPr txBox="1"/>
+          <p:nvPr/>
+        </p:nvSpPr>
+        <p:spPr>
+          <a:xfrm>
+            <a:off x="9579428" y="2612571"/>
+            <a:ext cx="2362200" cy="923330"/>
+          </a:xfrm>
+          <a:prstGeom prst="rect">
+            <a:avLst/>
+          </a:prstGeom>
+          <a:noFill/>
+        </p:spPr>
+        <p:txBody>
+          <a:bodyPr wrap="square" rtlCol="0">
+            <a:spAutoFit/>
           </a:bodyPr>
           <a:lstStyle/>
           <a:p>
-            <a:pPr marL="0" indent="0">
-              <a:buNone/>
-            </a:pPr>
-            <a:r>
-              <a:rPr lang="ru-RU" dirty="0"/>
-              <a:t>Примеры со stackoverflow:</a:t>
-            </a:r>
-          </a:p>
-          <a:p>
-            <a:pPr lvl="1"/>
-            <a:r>
-              <a:rPr lang="ru-RU" dirty="0">
-                <a:hlinkClick r:id="rId2"/>
-              </a:rPr>
-              <a:t>https://stackoverflow.com/questions/48455244/bug-in-stdsort</a:t>
-            </a:r>
-            <a:r>
-              <a:rPr lang="en-US" dirty="0"/>
-              <a:t> </a:t>
-            </a:r>
-            <a:endParaRPr lang="ru-RU" dirty="0"/>
-          </a:p>
-          <a:p>
-            <a:pPr lvl="1"/>
-            <a:r>
-              <a:rPr lang="ru-RU" dirty="0">
-                <a:hlinkClick r:id="rId3"/>
-              </a:rPr>
-              <a:t>https://stackoverflow.com/questions/53712873/sorting-a-vector-of-a-custom-class-with-stdsort-causes-a-segmentation-fault</a:t>
-            </a:r>
-            <a:r>
-              <a:rPr lang="en-US" dirty="0"/>
-              <a:t> </a:t>
-            </a:r>
-            <a:endParaRPr lang="ru-RU" dirty="0"/>
-          </a:p>
-          <a:p>
-            <a:pPr lvl="1"/>
-            <a:r>
-              <a:rPr lang="ru-RU" dirty="0">
-                <a:hlinkClick r:id="rId4"/>
-              </a:rPr>
-              <a:t>https://stackoverflow.com/questions/68225770/sorting-vector-of-pair-using-lambda-predicate-crashing-with-memory-corruption</a:t>
-            </a:r>
-            <a:r>
-              <a:rPr lang="en-US" dirty="0"/>
-              <a:t> </a:t>
-            </a:r>
-            <a:endParaRPr lang="ru-RU" dirty="0"/>
-          </a:p>
-          <a:p>
-            <a:pPr lvl="1"/>
-            <a:r>
-              <a:rPr lang="ru-RU" dirty="0">
-                <a:hlinkClick r:id="rId5"/>
-              </a:rPr>
-              <a:t>https://stackoverflow.com/questions/72737018/stdsort-results-in-a-segfault</a:t>
-            </a:r>
-            <a:r>
-              <a:rPr lang="en-US" dirty="0"/>
-              <a:t> </a:t>
-            </a:r>
-            <a:endParaRPr lang="ru-RU" dirty="0"/>
-          </a:p>
-          <a:p>
-            <a:pPr lvl="1"/>
-            <a:r>
-              <a:rPr lang="ru-RU" dirty="0">
-                <a:hlinkClick r:id="rId6"/>
-              </a:rPr>
-              <a:t>https://stackoverflow.com/questions/33547566/strict-weak-ordering-</a:t>
-            </a:r>
-            <a:r>
-              <a:rPr lang="en-US" dirty="0"/>
-              <a:t> </a:t>
-            </a:r>
-            <a:r>
-              <a:rPr lang="ru-RU" dirty="0"/>
-              <a:t>operator-in-c</a:t>
-            </a:r>
+            <a:r>
+              <a:rPr lang="ru-RU" dirty="0"/>
+              <a:t>Нарушена иррефлексивность и антисимметричность</a:t>
+            </a:r>
+            <a:endParaRPr lang="en-US" dirty="0"/>
           </a:p>
         </p:txBody>
       </p:sp>
     </p:spTree>
     <p:extLst>
       <p:ext uri="{BB962C8B-B14F-4D97-AF65-F5344CB8AC3E}">
-        <p14:creationId xmlns:p14="http://schemas.microsoft.com/office/powerpoint/2010/main" val="3668881934"/>
+        <p14:creationId xmlns:p14="http://schemas.microsoft.com/office/powerpoint/2010/main" val="1852802426"/>
       </p:ext>
     </p:extLst>
   </p:cSld>
@@ -7665,322 +8947,6 @@
           <p:cNvPr id="2" name="Title 1">
             <a:extLst>
               <a:ext uri="{FF2B5EF4-FFF2-40B4-BE49-F238E27FC236}">
-                <a16:creationId xmlns:a16="http://schemas.microsoft.com/office/drawing/2014/main" id="{A9139C6D-A5F5-48C1-AE3E-FAC5A61742CF}"/>
-              </a:ext>
-            </a:extLst>
-          </p:cNvPr>
-          <p:cNvSpPr>
-            <a:spLocks noGrp="1"/>
-          </p:cNvSpPr>
-          <p:nvPr>
-            <p:ph type="title"/>
-          </p:nvPr>
-        </p:nvSpPr>
-        <p:spPr>
-          <a:xfrm>
-            <a:off x="838200" y="-87085"/>
-            <a:ext cx="10515600" cy="1325563"/>
-          </a:xfrm>
-        </p:spPr>
-        <p:txBody>
-          <a:bodyPr/>
-          <a:lstStyle/>
-          <a:p>
-            <a:r>
-              <a:rPr lang="ru-RU" dirty="0"/>
-              <a:t>Частые ошибки</a:t>
-            </a:r>
-            <a:r>
-              <a:rPr lang="en-US" dirty="0"/>
-              <a:t>: </a:t>
-            </a:r>
-            <a:r>
-              <a:rPr lang="ru-RU" dirty="0"/>
-              <a:t>нестрогий порядок</a:t>
-            </a:r>
-            <a:endParaRPr lang="en-US" dirty="0"/>
-          </a:p>
-        </p:txBody>
-      </p:sp>
-      <p:pic>
-        <p:nvPicPr>
-          <p:cNvPr id="7" name="Picture 6">
-            <a:extLst>
-              <a:ext uri="{FF2B5EF4-FFF2-40B4-BE49-F238E27FC236}">
-                <a16:creationId xmlns:a16="http://schemas.microsoft.com/office/drawing/2014/main" id="{06070F0E-5BE5-4EBA-B7C6-0319F6FE1FCA}"/>
-              </a:ext>
-            </a:extLst>
-          </p:cNvPr>
-          <p:cNvPicPr>
-            <a:picLocks noChangeAspect="1"/>
-          </p:cNvPicPr>
-          <p:nvPr/>
-        </p:nvPicPr>
-        <p:blipFill>
-          <a:blip r:embed="rId2"/>
-          <a:stretch>
-            <a:fillRect/>
-          </a:stretch>
-        </p:blipFill>
-        <p:spPr>
-          <a:xfrm>
-            <a:off x="1295394" y="1107849"/>
-            <a:ext cx="8196948" cy="5500586"/>
-          </a:xfrm>
-          <a:prstGeom prst="rect">
-            <a:avLst/>
-          </a:prstGeom>
-        </p:spPr>
-      </p:pic>
-      <p:sp>
-        <p:nvSpPr>
-          <p:cNvPr id="8" name="TextBox 7">
-            <a:extLst>
-              <a:ext uri="{FF2B5EF4-FFF2-40B4-BE49-F238E27FC236}">
-                <a16:creationId xmlns:a16="http://schemas.microsoft.com/office/drawing/2014/main" id="{C9278605-2454-4939-B5C0-9E78F9E47138}"/>
-              </a:ext>
-            </a:extLst>
-          </p:cNvPr>
-          <p:cNvSpPr txBox="1"/>
-          <p:nvPr/>
-        </p:nvSpPr>
-        <p:spPr>
-          <a:xfrm>
-            <a:off x="9579428" y="2612571"/>
-            <a:ext cx="2362200" cy="923330"/>
-          </a:xfrm>
-          <a:prstGeom prst="rect">
-            <a:avLst/>
-          </a:prstGeom>
-          <a:noFill/>
-        </p:spPr>
-        <p:txBody>
-          <a:bodyPr wrap="square" rtlCol="0">
-            <a:spAutoFit/>
-          </a:bodyPr>
-          <a:lstStyle/>
-          <a:p>
-            <a:r>
-              <a:rPr lang="ru-RU" dirty="0"/>
-              <a:t>Нарушена иррефлексивность и антисимметричность</a:t>
-            </a:r>
-            <a:endParaRPr lang="en-US" dirty="0"/>
-          </a:p>
-        </p:txBody>
-      </p:sp>
-    </p:spTree>
-    <p:extLst>
-      <p:ext uri="{BB962C8B-B14F-4D97-AF65-F5344CB8AC3E}">
-        <p14:creationId xmlns:p14="http://schemas.microsoft.com/office/powerpoint/2010/main" val="1852802426"/>
-      </p:ext>
-    </p:extLst>
-  </p:cSld>
-  <p:clrMapOvr>
-    <a:masterClrMapping/>
-  </p:clrMapOvr>
-</p:sld>
-</file>
-
-<file path=ppt/slides/slide26.xml><?xml version="1.0" encoding="utf-8"?>
-<p:sld xmlns:a="http://schemas.openxmlformats.org/drawingml/2006/main" xmlns:r="http://schemas.openxmlformats.org/officeDocument/2006/relationships" xmlns:p="http://schemas.openxmlformats.org/presentationml/2006/main">
-  <p:cSld>
-    <p:spTree>
-      <p:nvGrpSpPr>
-        <p:cNvPr id="1" name=""/>
-        <p:cNvGrpSpPr/>
-        <p:nvPr/>
-      </p:nvGrpSpPr>
-      <p:grpSpPr>
-        <a:xfrm>
-          <a:off x="0" y="0"/>
-          <a:ext cx="0" cy="0"/>
-          <a:chOff x="0" y="0"/>
-          <a:chExt cx="0" cy="0"/>
-        </a:xfrm>
-      </p:grpSpPr>
-      <p:sp>
-        <p:nvSpPr>
-          <p:cNvPr id="2" name="Title 1">
-            <a:extLst>
-              <a:ext uri="{FF2B5EF4-FFF2-40B4-BE49-F238E27FC236}">
-                <a16:creationId xmlns:a16="http://schemas.microsoft.com/office/drawing/2014/main" id="{092805D2-F357-4985-8786-1E96A3570DCA}"/>
-              </a:ext>
-            </a:extLst>
-          </p:cNvPr>
-          <p:cNvSpPr>
-            <a:spLocks noGrp="1"/>
-          </p:cNvSpPr>
-          <p:nvPr>
-            <p:ph type="title"/>
-          </p:nvPr>
-        </p:nvSpPr>
-        <p:spPr/>
-        <p:txBody>
-          <a:bodyPr/>
-          <a:lstStyle/>
-          <a:p>
-            <a:r>
-              <a:rPr lang="ru-RU" dirty="0"/>
-              <a:t>Частые ошибки</a:t>
-            </a:r>
-            <a:r>
-              <a:rPr lang="en-US" dirty="0"/>
-              <a:t>: </a:t>
-            </a:r>
-            <a:r>
-              <a:rPr lang="ru-RU" dirty="0"/>
-              <a:t>нестрогий порядок</a:t>
-            </a:r>
-            <a:endParaRPr lang="en-US" dirty="0"/>
-          </a:p>
-        </p:txBody>
-      </p:sp>
-      <p:sp>
-        <p:nvSpPr>
-          <p:cNvPr id="3" name="Content Placeholder 2">
-            <a:extLst>
-              <a:ext uri="{FF2B5EF4-FFF2-40B4-BE49-F238E27FC236}">
-                <a16:creationId xmlns:a16="http://schemas.microsoft.com/office/drawing/2014/main" id="{9F877387-845B-4121-913F-2FB574552C9A}"/>
-              </a:ext>
-            </a:extLst>
-          </p:cNvPr>
-          <p:cNvSpPr>
-            <a:spLocks noGrp="1"/>
-          </p:cNvSpPr>
-          <p:nvPr>
-            <p:ph idx="1"/>
-          </p:nvPr>
-        </p:nvSpPr>
-        <p:spPr/>
-        <p:txBody>
-          <a:bodyPr>
-            <a:normAutofit fontScale="85000" lnSpcReduction="20000"/>
-          </a:bodyPr>
-          <a:lstStyle/>
-          <a:p>
-            <a:r>
-              <a:rPr lang="en-US" dirty="0">
-                <a:hlinkClick r:id="rId2"/>
-              </a:rPr>
-              <a:t>https://stackoverflow.com/questions/40483971/program-crash-in-stdsort-sometimes-cant-reproduce</a:t>
-            </a:r>
-            <a:r>
-              <a:rPr lang="en-US" dirty="0"/>
-              <a:t> </a:t>
-            </a:r>
-          </a:p>
-          <a:p>
-            <a:r>
-              <a:rPr lang="en-US" dirty="0">
-                <a:hlinkClick r:id="rId3"/>
-              </a:rPr>
-              <a:t>https://stackoverflow.com/questions/65468629/stl-sort-debug-assertion-failed</a:t>
-            </a:r>
-            <a:r>
-              <a:rPr lang="en-US" dirty="0"/>
-              <a:t> </a:t>
-            </a:r>
-          </a:p>
-          <a:p>
-            <a:r>
-              <a:rPr lang="en-US" dirty="0">
-                <a:hlinkClick r:id="rId4"/>
-              </a:rPr>
-              <a:t>https://stackoverflow.com/questions/18291620/why-will-stdsort-crash-if-the-comparison-function-is-not-as-operator</a:t>
-            </a:r>
-            <a:r>
-              <a:rPr lang="en-US" dirty="0"/>
-              <a:t> </a:t>
-            </a:r>
-          </a:p>
-          <a:p>
-            <a:r>
-              <a:rPr lang="en-US" dirty="0">
-                <a:hlinkClick r:id="rId5"/>
-              </a:rPr>
-              <a:t>https://stackoverflow.com/questions/19757210/stdsort-from-algorithm-crashes</a:t>
-            </a:r>
-            <a:r>
-              <a:rPr lang="en-US" dirty="0"/>
-              <a:t> </a:t>
-            </a:r>
-          </a:p>
-          <a:p>
-            <a:r>
-              <a:rPr lang="en-US" dirty="0">
-                <a:hlinkClick r:id="rId6"/>
-              </a:rPr>
-              <a:t>https://stackoverflow.com/questions/64014782/c-program-crashes-when-trying-to-sort-a-vector-of-strings</a:t>
-            </a:r>
-            <a:r>
-              <a:rPr lang="en-US" dirty="0"/>
-              <a:t> </a:t>
-            </a:r>
-          </a:p>
-          <a:p>
-            <a:r>
-              <a:rPr lang="en-US" dirty="0">
-                <a:hlinkClick r:id="rId7"/>
-              </a:rPr>
-              <a:t>https://stackoverflow.com/questions/70869803/c-code-crashes-when-trying-to-sort-2d-vector</a:t>
-            </a:r>
-            <a:r>
-              <a:rPr lang="en-US" dirty="0"/>
-              <a:t> </a:t>
-            </a:r>
-          </a:p>
-          <a:p>
-            <a:r>
-              <a:rPr lang="en-US" dirty="0">
-                <a:hlinkClick r:id="rId8"/>
-              </a:rPr>
-              <a:t>https://stackoverflow.com/questions/67553073/std-sort-sometimes-throws-seqmention-fault</a:t>
-            </a:r>
-            <a:r>
-              <a:rPr lang="en-US" dirty="0"/>
-              <a:t> </a:t>
-            </a:r>
-          </a:p>
-          <a:p>
-            <a:endParaRPr lang="en-US" dirty="0"/>
-          </a:p>
-        </p:txBody>
-      </p:sp>
-    </p:spTree>
-    <p:extLst>
-      <p:ext uri="{BB962C8B-B14F-4D97-AF65-F5344CB8AC3E}">
-        <p14:creationId xmlns:p14="http://schemas.microsoft.com/office/powerpoint/2010/main" val="1970220755"/>
-      </p:ext>
-    </p:extLst>
-  </p:cSld>
-  <p:clrMapOvr>
-    <a:masterClrMapping/>
-  </p:clrMapOvr>
-</p:sld>
-</file>
-
-<file path=ppt/slides/slide27.xml><?xml version="1.0" encoding="utf-8"?>
-<p:sld xmlns:a="http://schemas.openxmlformats.org/drawingml/2006/main" xmlns:r="http://schemas.openxmlformats.org/officeDocument/2006/relationships" xmlns:p="http://schemas.openxmlformats.org/presentationml/2006/main">
-  <p:cSld>
-    <p:spTree>
-      <p:nvGrpSpPr>
-        <p:cNvPr id="1" name=""/>
-        <p:cNvGrpSpPr/>
-        <p:nvPr/>
-      </p:nvGrpSpPr>
-      <p:grpSpPr>
-        <a:xfrm>
-          <a:off x="0" y="0"/>
-          <a:ext cx="0" cy="0"/>
-          <a:chOff x="0" y="0"/>
-          <a:chExt cx="0" cy="0"/>
-        </a:xfrm>
-      </p:grpSpPr>
-      <p:sp>
-        <p:nvSpPr>
-          <p:cNvPr id="2" name="Title 1">
-            <a:extLst>
-              <a:ext uri="{FF2B5EF4-FFF2-40B4-BE49-F238E27FC236}">
                 <a16:creationId xmlns:a16="http://schemas.microsoft.com/office/drawing/2014/main" id="{9F591C08-CA5B-42F3-80D5-D9304DF004FB}"/>
               </a:ext>
             </a:extLst>
@@ -8175,7 +9141,7 @@
 </p:sld>
 </file>
 
-<file path=ppt/slides/slide28.xml><?xml version="1.0" encoding="utf-8"?>
+<file path=ppt/slides/slide26.xml><?xml version="1.0" encoding="utf-8"?>
 <p:sld xmlns:a="http://schemas.openxmlformats.org/drawingml/2006/main" xmlns:r="http://schemas.openxmlformats.org/officeDocument/2006/relationships" xmlns:p="http://schemas.openxmlformats.org/presentationml/2006/main">
   <p:cSld>
     <p:spTree>
@@ -8272,6 +9238,481 @@
 </p:sld>
 </file>
 
+<file path=ppt/slides/slide27.xml><?xml version="1.0" encoding="utf-8"?>
+<p:sld xmlns:a="http://schemas.openxmlformats.org/drawingml/2006/main" xmlns:r="http://schemas.openxmlformats.org/officeDocument/2006/relationships" xmlns:p="http://schemas.openxmlformats.org/presentationml/2006/main">
+  <p:cSld>
+    <p:spTree>
+      <p:nvGrpSpPr>
+        <p:cNvPr id="1" name=""/>
+        <p:cNvGrpSpPr/>
+        <p:nvPr/>
+      </p:nvGrpSpPr>
+      <p:grpSpPr>
+        <a:xfrm>
+          <a:off x="0" y="0"/>
+          <a:ext cx="0" cy="0"/>
+          <a:chOff x="0" y="0"/>
+          <a:chExt cx="0" cy="0"/>
+        </a:xfrm>
+      </p:grpSpPr>
+      <p:sp>
+        <p:nvSpPr>
+          <p:cNvPr id="2" name="Title 1">
+            <a:extLst>
+              <a:ext uri="{FF2B5EF4-FFF2-40B4-BE49-F238E27FC236}">
+                <a16:creationId xmlns:a16="http://schemas.microsoft.com/office/drawing/2014/main" id="{82E7115D-C3C8-4FC6-BCEE-397B3B1CA1D3}"/>
+              </a:ext>
+            </a:extLst>
+          </p:cNvPr>
+          <p:cNvSpPr>
+            <a:spLocks noGrp="1"/>
+          </p:cNvSpPr>
+          <p:nvPr>
+            <p:ph type="title"/>
+          </p:nvPr>
+        </p:nvSpPr>
+        <p:spPr/>
+        <p:txBody>
+          <a:bodyPr/>
+          <a:lstStyle/>
+          <a:p>
+            <a:r>
+              <a:rPr lang="ru-RU" dirty="0"/>
+              <a:t>Частые ошибки</a:t>
+            </a:r>
+            <a:r>
+              <a:rPr lang="en-US" dirty="0"/>
+              <a:t>: </a:t>
+            </a:r>
+            <a:r>
+              <a:rPr lang="en-US" dirty="0" err="1"/>
+              <a:t>NaN</a:t>
+            </a:r>
+            <a:endParaRPr lang="en-US" dirty="0"/>
+          </a:p>
+        </p:txBody>
+      </p:sp>
+      <p:sp>
+        <p:nvSpPr>
+          <p:cNvPr id="3" name="Content Placeholder 2">
+            <a:extLst>
+              <a:ext uri="{FF2B5EF4-FFF2-40B4-BE49-F238E27FC236}">
+                <a16:creationId xmlns:a16="http://schemas.microsoft.com/office/drawing/2014/main" id="{C04CBD31-895D-41BF-BEFF-948422E8643B}"/>
+              </a:ext>
+            </a:extLst>
+          </p:cNvPr>
+          <p:cNvSpPr>
+            <a:spLocks noGrp="1"/>
+          </p:cNvSpPr>
+          <p:nvPr>
+            <p:ph idx="1"/>
+          </p:nvPr>
+        </p:nvSpPr>
+        <p:spPr/>
+        <p:txBody>
+          <a:bodyPr>
+            <a:normAutofit fontScale="62500" lnSpcReduction="20000"/>
+          </a:bodyPr>
+          <a:lstStyle/>
+          <a:p>
+            <a:pPr marL="0" indent="0">
+              <a:buNone/>
+            </a:pPr>
+            <a:r>
+              <a:rPr lang="en-US" dirty="0">
+                <a:latin typeface="Courier New" panose="02070309020205020404" pitchFamily="49" charset="0"/>
+                <a:cs typeface="Courier New" panose="02070309020205020404" pitchFamily="49" charset="0"/>
+              </a:rPr>
+              <a:t>int main() {</a:t>
+            </a:r>
+          </a:p>
+          <a:p>
+            <a:pPr marL="0" indent="0">
+              <a:buNone/>
+            </a:pPr>
+            <a:r>
+              <a:rPr lang="en-US" dirty="0">
+                <a:latin typeface="Courier New" panose="02070309020205020404" pitchFamily="49" charset="0"/>
+                <a:cs typeface="Courier New" panose="02070309020205020404" pitchFamily="49" charset="0"/>
+              </a:rPr>
+              <a:t>  double a[] = {</a:t>
+            </a:r>
+          </a:p>
+          <a:p>
+            <a:pPr marL="0" indent="0">
+              <a:buNone/>
+            </a:pPr>
+            <a:r>
+              <a:rPr lang="en-US" dirty="0">
+                <a:latin typeface="Courier New" panose="02070309020205020404" pitchFamily="49" charset="0"/>
+                <a:cs typeface="Courier New" panose="02070309020205020404" pitchFamily="49" charset="0"/>
+              </a:rPr>
+              <a:t>    100,</a:t>
+            </a:r>
+          </a:p>
+          <a:p>
+            <a:pPr marL="0" indent="0">
+              <a:buNone/>
+            </a:pPr>
+            <a:r>
+              <a:rPr lang="en-US" dirty="0">
+                <a:latin typeface="Courier New" panose="02070309020205020404" pitchFamily="49" charset="0"/>
+                <a:cs typeface="Courier New" panose="02070309020205020404" pitchFamily="49" charset="0"/>
+              </a:rPr>
+              <a:t>    5,</a:t>
+            </a:r>
+          </a:p>
+          <a:p>
+            <a:pPr marL="0" indent="0">
+              <a:buNone/>
+            </a:pPr>
+            <a:r>
+              <a:rPr lang="en-US" dirty="0">
+                <a:latin typeface="Courier New" panose="02070309020205020404" pitchFamily="49" charset="0"/>
+                <a:cs typeface="Courier New" panose="02070309020205020404" pitchFamily="49" charset="0"/>
+              </a:rPr>
+              <a:t>    3,</a:t>
+            </a:r>
+          </a:p>
+          <a:p>
+            <a:pPr marL="0" indent="0">
+              <a:buNone/>
+            </a:pPr>
+            <a:r>
+              <a:rPr lang="en-US" dirty="0">
+                <a:latin typeface="Courier New" panose="02070309020205020404" pitchFamily="49" charset="0"/>
+                <a:cs typeface="Courier New" panose="02070309020205020404" pitchFamily="49" charset="0"/>
+              </a:rPr>
+              <a:t>    NAN,</a:t>
+            </a:r>
+          </a:p>
+          <a:p>
+            <a:pPr marL="0" indent="0">
+              <a:buNone/>
+            </a:pPr>
+            <a:r>
+              <a:rPr lang="en-US" dirty="0">
+                <a:latin typeface="Courier New" panose="02070309020205020404" pitchFamily="49" charset="0"/>
+                <a:cs typeface="Courier New" panose="02070309020205020404" pitchFamily="49" charset="0"/>
+              </a:rPr>
+              <a:t>    200,</a:t>
+            </a:r>
+          </a:p>
+          <a:p>
+            <a:pPr marL="0" indent="0">
+              <a:buNone/>
+            </a:pPr>
+            <a:r>
+              <a:rPr lang="en-US" dirty="0">
+                <a:latin typeface="Courier New" panose="02070309020205020404" pitchFamily="49" charset="0"/>
+                <a:cs typeface="Courier New" panose="02070309020205020404" pitchFamily="49" charset="0"/>
+              </a:rPr>
+              <a:t>    11</a:t>
+            </a:r>
+          </a:p>
+          <a:p>
+            <a:pPr marL="0" indent="0">
+              <a:buNone/>
+            </a:pPr>
+            <a:r>
+              <a:rPr lang="en-US" dirty="0">
+                <a:latin typeface="Courier New" panose="02070309020205020404" pitchFamily="49" charset="0"/>
+                <a:cs typeface="Courier New" panose="02070309020205020404" pitchFamily="49" charset="0"/>
+              </a:rPr>
+              <a:t>  };</a:t>
+            </a:r>
+          </a:p>
+          <a:p>
+            <a:pPr marL="0" indent="0">
+              <a:buNone/>
+            </a:pPr>
+            <a:r>
+              <a:rPr lang="en-US" dirty="0">
+                <a:latin typeface="Courier New" panose="02070309020205020404" pitchFamily="49" charset="0"/>
+                <a:cs typeface="Courier New" panose="02070309020205020404" pitchFamily="49" charset="0"/>
+              </a:rPr>
+              <a:t>  std::sort(&amp;a[0], &amp;a[</a:t>
+            </a:r>
+            <a:r>
+              <a:rPr lang="en-US" dirty="0" err="1">
+                <a:latin typeface="Courier New" panose="02070309020205020404" pitchFamily="49" charset="0"/>
+                <a:cs typeface="Courier New" panose="02070309020205020404" pitchFamily="49" charset="0"/>
+              </a:rPr>
+              <a:t>sizeof</a:t>
+            </a:r>
+            <a:r>
+              <a:rPr lang="en-US" dirty="0">
+                <a:latin typeface="Courier New" panose="02070309020205020404" pitchFamily="49" charset="0"/>
+                <a:cs typeface="Courier New" panose="02070309020205020404" pitchFamily="49" charset="0"/>
+              </a:rPr>
+              <a:t>(a)/</a:t>
+            </a:r>
+            <a:r>
+              <a:rPr lang="en-US" dirty="0" err="1">
+                <a:latin typeface="Courier New" panose="02070309020205020404" pitchFamily="49" charset="0"/>
+                <a:cs typeface="Courier New" panose="02070309020205020404" pitchFamily="49" charset="0"/>
+              </a:rPr>
+              <a:t>sizeof</a:t>
+            </a:r>
+            <a:r>
+              <a:rPr lang="en-US" dirty="0">
+                <a:latin typeface="Courier New" panose="02070309020205020404" pitchFamily="49" charset="0"/>
+                <a:cs typeface="Courier New" panose="02070309020205020404" pitchFamily="49" charset="0"/>
+              </a:rPr>
+              <a:t>(a[0])]);</a:t>
+            </a:r>
+          </a:p>
+          <a:p>
+            <a:pPr marL="0" indent="0">
+              <a:buNone/>
+            </a:pPr>
+            <a:r>
+              <a:rPr lang="en-US" dirty="0">
+                <a:latin typeface="Courier New" panose="02070309020205020404" pitchFamily="49" charset="0"/>
+                <a:cs typeface="Courier New" panose="02070309020205020404" pitchFamily="49" charset="0"/>
+              </a:rPr>
+              <a:t>  for (auto x : a) std::</a:t>
+            </a:r>
+            <a:r>
+              <a:rPr lang="en-US" dirty="0" err="1">
+                <a:latin typeface="Courier New" panose="02070309020205020404" pitchFamily="49" charset="0"/>
+                <a:cs typeface="Courier New" panose="02070309020205020404" pitchFamily="49" charset="0"/>
+              </a:rPr>
+              <a:t>cout</a:t>
+            </a:r>
+            <a:r>
+              <a:rPr lang="en-US" dirty="0">
+                <a:latin typeface="Courier New" panose="02070309020205020404" pitchFamily="49" charset="0"/>
+                <a:cs typeface="Courier New" panose="02070309020205020404" pitchFamily="49" charset="0"/>
+              </a:rPr>
+              <a:t> &lt;&lt; x &lt;&lt; "\n";</a:t>
+            </a:r>
+          </a:p>
+          <a:p>
+            <a:pPr marL="0" indent="0">
+              <a:buNone/>
+            </a:pPr>
+            <a:r>
+              <a:rPr lang="en-US" dirty="0">
+                <a:latin typeface="Courier New" panose="02070309020205020404" pitchFamily="49" charset="0"/>
+                <a:cs typeface="Courier New" panose="02070309020205020404" pitchFamily="49" charset="0"/>
+              </a:rPr>
+              <a:t>  return 0;</a:t>
+            </a:r>
+          </a:p>
+          <a:p>
+            <a:pPr marL="0" indent="0">
+              <a:buNone/>
+            </a:pPr>
+            <a:r>
+              <a:rPr lang="en-US" dirty="0">
+                <a:latin typeface="Courier New" panose="02070309020205020404" pitchFamily="49" charset="0"/>
+                <a:cs typeface="Courier New" panose="02070309020205020404" pitchFamily="49" charset="0"/>
+              </a:rPr>
+              <a:t>}</a:t>
+            </a:r>
+          </a:p>
+        </p:txBody>
+      </p:sp>
+    </p:spTree>
+    <p:extLst>
+      <p:ext uri="{BB962C8B-B14F-4D97-AF65-F5344CB8AC3E}">
+        <p14:creationId xmlns:p14="http://schemas.microsoft.com/office/powerpoint/2010/main" val="2320085877"/>
+      </p:ext>
+    </p:extLst>
+  </p:cSld>
+  <p:clrMapOvr>
+    <a:masterClrMapping/>
+  </p:clrMapOvr>
+</p:sld>
+</file>
+
+<file path=ppt/slides/slide28.xml><?xml version="1.0" encoding="utf-8"?>
+<p:sld xmlns:a="http://schemas.openxmlformats.org/drawingml/2006/main" xmlns:r="http://schemas.openxmlformats.org/officeDocument/2006/relationships" xmlns:p="http://schemas.openxmlformats.org/presentationml/2006/main">
+  <p:cSld>
+    <p:spTree>
+      <p:nvGrpSpPr>
+        <p:cNvPr id="1" name=""/>
+        <p:cNvGrpSpPr/>
+        <p:nvPr/>
+      </p:nvGrpSpPr>
+      <p:grpSpPr>
+        <a:xfrm>
+          <a:off x="0" y="0"/>
+          <a:ext cx="0" cy="0"/>
+          <a:chOff x="0" y="0"/>
+          <a:chExt cx="0" cy="0"/>
+        </a:xfrm>
+      </p:grpSpPr>
+      <p:sp>
+        <p:nvSpPr>
+          <p:cNvPr id="2" name="Title 1">
+            <a:extLst>
+              <a:ext uri="{FF2B5EF4-FFF2-40B4-BE49-F238E27FC236}">
+                <a16:creationId xmlns:a16="http://schemas.microsoft.com/office/drawing/2014/main" id="{82E7115D-C3C8-4FC6-BCEE-397B3B1CA1D3}"/>
+              </a:ext>
+            </a:extLst>
+          </p:cNvPr>
+          <p:cNvSpPr>
+            <a:spLocks noGrp="1"/>
+          </p:cNvSpPr>
+          <p:nvPr>
+            <p:ph type="title"/>
+          </p:nvPr>
+        </p:nvSpPr>
+        <p:spPr/>
+        <p:txBody>
+          <a:bodyPr/>
+          <a:lstStyle/>
+          <a:p>
+            <a:r>
+              <a:rPr lang="ru-RU" dirty="0"/>
+              <a:t>Частые ошибки</a:t>
+            </a:r>
+            <a:r>
+              <a:rPr lang="en-US" dirty="0"/>
+              <a:t>: </a:t>
+            </a:r>
+            <a:r>
+              <a:rPr lang="en-US" dirty="0" err="1"/>
+              <a:t>NaN</a:t>
+            </a:r>
+            <a:endParaRPr lang="en-US" dirty="0"/>
+          </a:p>
+        </p:txBody>
+      </p:sp>
+      <p:sp>
+        <p:nvSpPr>
+          <p:cNvPr id="3" name="Content Placeholder 2">
+            <a:extLst>
+              <a:ext uri="{FF2B5EF4-FFF2-40B4-BE49-F238E27FC236}">
+                <a16:creationId xmlns:a16="http://schemas.microsoft.com/office/drawing/2014/main" id="{C04CBD31-895D-41BF-BEFF-948422E8643B}"/>
+              </a:ext>
+            </a:extLst>
+          </p:cNvPr>
+          <p:cNvSpPr>
+            <a:spLocks noGrp="1"/>
+          </p:cNvSpPr>
+          <p:nvPr>
+            <p:ph idx="1"/>
+          </p:nvPr>
+        </p:nvSpPr>
+        <p:spPr/>
+        <p:txBody>
+          <a:bodyPr>
+            <a:normAutofit/>
+          </a:bodyPr>
+          <a:lstStyle/>
+          <a:p>
+            <a:pPr marL="0" indent="0">
+              <a:buNone/>
+            </a:pPr>
+            <a:r>
+              <a:rPr lang="en-US" dirty="0">
+                <a:latin typeface="Courier New" panose="02070309020205020404" pitchFamily="49" charset="0"/>
+                <a:cs typeface="Courier New" panose="02070309020205020404" pitchFamily="49" charset="0"/>
+              </a:rPr>
+              <a:t>$ g++ bad.cc &amp;&amp; ./</a:t>
+            </a:r>
+            <a:r>
+              <a:rPr lang="en-US" dirty="0" err="1">
+                <a:latin typeface="Courier New" panose="02070309020205020404" pitchFamily="49" charset="0"/>
+                <a:cs typeface="Courier New" panose="02070309020205020404" pitchFamily="49" charset="0"/>
+              </a:rPr>
+              <a:t>a.out</a:t>
+            </a:r>
+            <a:endParaRPr lang="en-US" dirty="0">
+              <a:latin typeface="Courier New" panose="02070309020205020404" pitchFamily="49" charset="0"/>
+              <a:cs typeface="Courier New" panose="02070309020205020404" pitchFamily="49" charset="0"/>
+            </a:endParaRPr>
+          </a:p>
+          <a:p>
+            <a:pPr marL="0" indent="0">
+              <a:buNone/>
+            </a:pPr>
+            <a:r>
+              <a:rPr lang="en-US" dirty="0">
+                <a:latin typeface="Courier New" panose="02070309020205020404" pitchFamily="49" charset="0"/>
+                <a:cs typeface="Courier New" panose="02070309020205020404" pitchFamily="49" charset="0"/>
+              </a:rPr>
+              <a:t>3</a:t>
+            </a:r>
+          </a:p>
+          <a:p>
+            <a:pPr marL="0" indent="0">
+              <a:buNone/>
+            </a:pPr>
+            <a:r>
+              <a:rPr lang="en-US" dirty="0">
+                <a:latin typeface="Courier New" panose="02070309020205020404" pitchFamily="49" charset="0"/>
+                <a:cs typeface="Courier New" panose="02070309020205020404" pitchFamily="49" charset="0"/>
+              </a:rPr>
+              <a:t>5</a:t>
+            </a:r>
+          </a:p>
+          <a:p>
+            <a:pPr marL="0" indent="0">
+              <a:buNone/>
+            </a:pPr>
+            <a:r>
+              <a:rPr lang="en-US" dirty="0">
+                <a:latin typeface="Courier New" panose="02070309020205020404" pitchFamily="49" charset="0"/>
+                <a:cs typeface="Courier New" panose="02070309020205020404" pitchFamily="49" charset="0"/>
+              </a:rPr>
+              <a:t>100</a:t>
+            </a:r>
+          </a:p>
+          <a:p>
+            <a:pPr marL="0" indent="0">
+              <a:buNone/>
+            </a:pPr>
+            <a:r>
+              <a:rPr lang="en-US" dirty="0">
+                <a:latin typeface="Courier New" panose="02070309020205020404" pitchFamily="49" charset="0"/>
+                <a:cs typeface="Courier New" panose="02070309020205020404" pitchFamily="49" charset="0"/>
+              </a:rPr>
+              <a:t>nan</a:t>
+            </a:r>
+          </a:p>
+          <a:p>
+            <a:pPr marL="0" indent="0">
+              <a:buNone/>
+            </a:pPr>
+            <a:r>
+              <a:rPr lang="en-US" dirty="0">
+                <a:latin typeface="Courier New" panose="02070309020205020404" pitchFamily="49" charset="0"/>
+                <a:cs typeface="Courier New" panose="02070309020205020404" pitchFamily="49" charset="0"/>
+              </a:rPr>
+              <a:t>11</a:t>
+            </a:r>
+          </a:p>
+          <a:p>
+            <a:pPr marL="0" indent="0">
+              <a:buNone/>
+            </a:pPr>
+            <a:r>
+              <a:rPr lang="en-US" dirty="0">
+                <a:latin typeface="Courier New" panose="02070309020205020404" pitchFamily="49" charset="0"/>
+                <a:cs typeface="Courier New" panose="02070309020205020404" pitchFamily="49" charset="0"/>
+              </a:rPr>
+              <a:t>200</a:t>
+            </a:r>
+          </a:p>
+        </p:txBody>
+      </p:sp>
+    </p:spTree>
+    <p:extLst>
+      <p:ext uri="{BB962C8B-B14F-4D97-AF65-F5344CB8AC3E}">
+        <p14:creationId xmlns:p14="http://schemas.microsoft.com/office/powerpoint/2010/main" val="1803112643"/>
+      </p:ext>
+    </p:extLst>
+  </p:cSld>
+  <p:clrMapOvr>
+    <a:masterClrMapping/>
+  </p:clrMapOvr>
+</p:sld>
+</file>
+
 <file path=ppt/slides/slide29.xml><?xml version="1.0" encoding="utf-8"?>
 <p:sld xmlns:a="http://schemas.openxmlformats.org/drawingml/2006/main" xmlns:r="http://schemas.openxmlformats.org/officeDocument/2006/relationships" xmlns:p="http://schemas.openxmlformats.org/presentationml/2006/main">
   <p:cSld>
@@ -8294,7 +9735,7 @@
           <p:cNvPr id="2" name="Title 1">
             <a:extLst>
               <a:ext uri="{FF2B5EF4-FFF2-40B4-BE49-F238E27FC236}">
-                <a16:creationId xmlns:a16="http://schemas.microsoft.com/office/drawing/2014/main" id="{82E7115D-C3C8-4FC6-BCEE-397B3B1CA1D3}"/>
+                <a16:creationId xmlns:a16="http://schemas.microsoft.com/office/drawing/2014/main" id="{A83248B9-8DDB-40A9-BF39-EDB8DD846C55}"/>
               </a:ext>
             </a:extLst>
           </p:cNvPr>
@@ -8331,7 +9772,7 @@
           <p:cNvPr id="3" name="Content Placeholder 2">
             <a:extLst>
               <a:ext uri="{FF2B5EF4-FFF2-40B4-BE49-F238E27FC236}">
-                <a16:creationId xmlns:a16="http://schemas.microsoft.com/office/drawing/2014/main" id="{C04CBD31-895D-41BF-BEFF-948422E8643B}"/>
+                <a16:creationId xmlns:a16="http://schemas.microsoft.com/office/drawing/2014/main" id="{B51FC803-85BE-40C9-9D30-E61AD605C56F}"/>
               </a:ext>
             </a:extLst>
           </p:cNvPr>
@@ -8345,213 +9786,119 @@
         <p:spPr/>
         <p:txBody>
           <a:bodyPr>
-            <a:normAutofit fontScale="62500" lnSpcReduction="20000"/>
+            <a:normAutofit fontScale="92500" lnSpcReduction="10000"/>
           </a:bodyPr>
           <a:lstStyle/>
           <a:p>
-            <a:pPr marL="0" indent="0">
-              <a:buNone/>
-            </a:pPr>
-            <a:r>
-              <a:rPr lang="en-US" dirty="0">
-                <a:latin typeface="Courier New" panose="02070309020205020404" pitchFamily="49" charset="0"/>
-                <a:cs typeface="Courier New" panose="02070309020205020404" pitchFamily="49" charset="0"/>
-              </a:rPr>
-              <a:t>int main() {</a:t>
-            </a:r>
-          </a:p>
-          <a:p>
-            <a:pPr marL="0" indent="0">
-              <a:buNone/>
-            </a:pPr>
-            <a:r>
-              <a:rPr lang="en-US" dirty="0">
-                <a:latin typeface="Courier New" panose="02070309020205020404" pitchFamily="49" charset="0"/>
-                <a:cs typeface="Courier New" panose="02070309020205020404" pitchFamily="49" charset="0"/>
-              </a:rPr>
-              <a:t>  double a[] = {</a:t>
-            </a:r>
-          </a:p>
-          <a:p>
-            <a:pPr marL="0" indent="0">
-              <a:buNone/>
-            </a:pPr>
-            <a:r>
-              <a:rPr lang="en-US" dirty="0">
-                <a:latin typeface="Courier New" panose="02070309020205020404" pitchFamily="49" charset="0"/>
-                <a:cs typeface="Courier New" panose="02070309020205020404" pitchFamily="49" charset="0"/>
-              </a:rPr>
-              <a:t>    100,</a:t>
-            </a:r>
-          </a:p>
-          <a:p>
-            <a:pPr marL="0" indent="0">
-              <a:buNone/>
-            </a:pPr>
-            <a:r>
-              <a:rPr lang="en-US" dirty="0">
-                <a:latin typeface="Courier New" panose="02070309020205020404" pitchFamily="49" charset="0"/>
-                <a:cs typeface="Courier New" panose="02070309020205020404" pitchFamily="49" charset="0"/>
-              </a:rPr>
-              <a:t>    5,</a:t>
-            </a:r>
-          </a:p>
-          <a:p>
-            <a:pPr marL="0" indent="0">
-              <a:buNone/>
-            </a:pPr>
-            <a:r>
-              <a:rPr lang="en-US" dirty="0">
-                <a:latin typeface="Courier New" panose="02070309020205020404" pitchFamily="49" charset="0"/>
-                <a:cs typeface="Courier New" panose="02070309020205020404" pitchFamily="49" charset="0"/>
-              </a:rPr>
-              <a:t>    3,</a:t>
-            </a:r>
-          </a:p>
-          <a:p>
-            <a:pPr marL="0" indent="0">
-              <a:buNone/>
-            </a:pPr>
-            <a:r>
-              <a:rPr lang="en-US" dirty="0">
-                <a:latin typeface="Courier New" panose="02070309020205020404" pitchFamily="49" charset="0"/>
-                <a:cs typeface="Courier New" panose="02070309020205020404" pitchFamily="49" charset="0"/>
-              </a:rPr>
-              <a:t>    NAN,</a:t>
-            </a:r>
-          </a:p>
-          <a:p>
-            <a:pPr marL="0" indent="0">
-              <a:buNone/>
-            </a:pPr>
-            <a:r>
-              <a:rPr lang="en-US" dirty="0">
-                <a:latin typeface="Courier New" panose="02070309020205020404" pitchFamily="49" charset="0"/>
-                <a:cs typeface="Courier New" panose="02070309020205020404" pitchFamily="49" charset="0"/>
-              </a:rPr>
-              <a:t>    200,</a:t>
-            </a:r>
-          </a:p>
-          <a:p>
-            <a:pPr marL="0" indent="0">
-              <a:buNone/>
-            </a:pPr>
-            <a:r>
-              <a:rPr lang="en-US" dirty="0">
-                <a:latin typeface="Courier New" panose="02070309020205020404" pitchFamily="49" charset="0"/>
-                <a:cs typeface="Courier New" panose="02070309020205020404" pitchFamily="49" charset="0"/>
-              </a:rPr>
-              <a:t>    11</a:t>
-            </a:r>
-          </a:p>
-          <a:p>
-            <a:pPr marL="0" indent="0">
-              <a:buNone/>
-            </a:pPr>
-            <a:r>
-              <a:rPr lang="en-US" dirty="0">
-                <a:latin typeface="Courier New" panose="02070309020205020404" pitchFamily="49" charset="0"/>
-                <a:cs typeface="Courier New" panose="02070309020205020404" pitchFamily="49" charset="0"/>
-              </a:rPr>
-              <a:t>  };</a:t>
-            </a:r>
-          </a:p>
-          <a:p>
-            <a:pPr marL="0" indent="0">
-              <a:buNone/>
-            </a:pPr>
-            <a:r>
-              <a:rPr lang="en-US" dirty="0">
-                <a:latin typeface="Courier New" panose="02070309020205020404" pitchFamily="49" charset="0"/>
-                <a:cs typeface="Courier New" panose="02070309020205020404" pitchFamily="49" charset="0"/>
-              </a:rPr>
-              <a:t>  std::sort(&amp;a[0], &amp;a[</a:t>
-            </a:r>
-            <a:r>
-              <a:rPr lang="en-US" dirty="0" err="1">
-                <a:latin typeface="Courier New" panose="02070309020205020404" pitchFamily="49" charset="0"/>
-                <a:cs typeface="Courier New" panose="02070309020205020404" pitchFamily="49" charset="0"/>
-              </a:rPr>
-              <a:t>sizeof</a:t>
-            </a:r>
-            <a:r>
-              <a:rPr lang="en-US" dirty="0">
-                <a:latin typeface="Courier New" panose="02070309020205020404" pitchFamily="49" charset="0"/>
-                <a:cs typeface="Courier New" panose="02070309020205020404" pitchFamily="49" charset="0"/>
-              </a:rPr>
-              <a:t>(a)/</a:t>
-            </a:r>
-            <a:r>
-              <a:rPr lang="en-US" dirty="0" err="1">
-                <a:latin typeface="Courier New" panose="02070309020205020404" pitchFamily="49" charset="0"/>
-                <a:cs typeface="Courier New" panose="02070309020205020404" pitchFamily="49" charset="0"/>
-              </a:rPr>
-              <a:t>sizeof</a:t>
-            </a:r>
-            <a:r>
-              <a:rPr lang="en-US" dirty="0">
-                <a:latin typeface="Courier New" panose="02070309020205020404" pitchFamily="49" charset="0"/>
-                <a:cs typeface="Courier New" panose="02070309020205020404" pitchFamily="49" charset="0"/>
-              </a:rPr>
-              <a:t>(a[0])]);</a:t>
-            </a:r>
-          </a:p>
-          <a:p>
-            <a:pPr marL="0" indent="0">
-              <a:buNone/>
-            </a:pPr>
-            <a:r>
-              <a:rPr lang="en-US" dirty="0">
-                <a:latin typeface="Courier New" panose="02070309020205020404" pitchFamily="49" charset="0"/>
-                <a:cs typeface="Courier New" panose="02070309020205020404" pitchFamily="49" charset="0"/>
-              </a:rPr>
-              <a:t>  for (auto x : a) std::</a:t>
-            </a:r>
-            <a:r>
-              <a:rPr lang="en-US" dirty="0" err="1">
-                <a:latin typeface="Courier New" panose="02070309020205020404" pitchFamily="49" charset="0"/>
-                <a:cs typeface="Courier New" panose="02070309020205020404" pitchFamily="49" charset="0"/>
-              </a:rPr>
-              <a:t>cout</a:t>
-            </a:r>
-            <a:r>
-              <a:rPr lang="en-US" dirty="0">
-                <a:latin typeface="Courier New" panose="02070309020205020404" pitchFamily="49" charset="0"/>
-                <a:cs typeface="Courier New" panose="02070309020205020404" pitchFamily="49" charset="0"/>
-              </a:rPr>
-              <a:t> &lt;&lt; x &lt;&lt; "\n";</a:t>
-            </a:r>
-          </a:p>
-          <a:p>
-            <a:pPr marL="0" indent="0">
-              <a:buNone/>
-            </a:pPr>
-            <a:r>
-              <a:rPr lang="en-US" dirty="0">
-                <a:latin typeface="Courier New" panose="02070309020205020404" pitchFamily="49" charset="0"/>
-                <a:cs typeface="Courier New" panose="02070309020205020404" pitchFamily="49" charset="0"/>
-              </a:rPr>
-              <a:t>  return 0;</a:t>
-            </a:r>
-          </a:p>
-          <a:p>
-            <a:pPr marL="0" indent="0">
-              <a:buNone/>
-            </a:pPr>
-            <a:r>
-              <a:rPr lang="en-US" dirty="0">
-                <a:latin typeface="Courier New" panose="02070309020205020404" pitchFamily="49" charset="0"/>
-                <a:cs typeface="Courier New" panose="02070309020205020404" pitchFamily="49" charset="0"/>
-              </a:rPr>
-              <a:t>}</a:t>
-            </a:r>
+            <a:r>
+              <a:rPr lang="ru-RU" dirty="0"/>
+              <a:t>Типы с плавающей точкой поддерживают специальные значения NaN,</a:t>
+            </a:r>
+            <a:r>
+              <a:rPr lang="en-US" dirty="0"/>
+              <a:t> </a:t>
+            </a:r>
+            <a:r>
+              <a:rPr lang="ru-RU" dirty="0"/>
+              <a:t>которые возникают в результате некорректных вычислений</a:t>
+            </a:r>
+          </a:p>
+          <a:p>
+            <a:pPr lvl="1"/>
+            <a:r>
+              <a:rPr lang="ru-RU" dirty="0"/>
+              <a:t>например извлечения корня из отрицательного числа или деления </a:t>
+            </a:r>
+            <a:r>
+              <a:rPr lang="ru-RU" dirty="0">
+                <a:latin typeface="Courier New" panose="02070309020205020404" pitchFamily="49" charset="0"/>
+                <a:cs typeface="Courier New" panose="02070309020205020404" pitchFamily="49" charset="0"/>
+              </a:rPr>
+              <a:t>0/0</a:t>
+            </a:r>
+            <a:endParaRPr lang="ru-RU" dirty="0"/>
+          </a:p>
+          <a:p>
+            <a:r>
+              <a:rPr lang="ru-RU" dirty="0"/>
+              <a:t>Сравнение с NaN всегда возвращает false, поэтому NaN эквивалентен всем остальным числам</a:t>
+            </a:r>
+            <a:endParaRPr lang="en-US" dirty="0"/>
+          </a:p>
+          <a:p>
+            <a:r>
+              <a:rPr lang="ru-RU" dirty="0"/>
+              <a:t>Это приводит к нарушению транзитивности эквивалентности (4 аксиома):</a:t>
+            </a:r>
+          </a:p>
+          <a:p>
+            <a:pPr lvl="1"/>
+            <a:r>
+              <a:rPr lang="en-US" dirty="0">
+                <a:latin typeface="Courier New" panose="02070309020205020404" pitchFamily="49" charset="0"/>
+                <a:cs typeface="Courier New" panose="02070309020205020404" pitchFamily="49" charset="0"/>
+              </a:rPr>
+              <a:t>NAN ~ </a:t>
+            </a:r>
+            <a:r>
+              <a:rPr lang="ru-RU" dirty="0">
+                <a:latin typeface="Courier New" panose="02070309020205020404" pitchFamily="49" charset="0"/>
+                <a:cs typeface="Courier New" panose="02070309020205020404" pitchFamily="49" charset="0"/>
+              </a:rPr>
+              <a:t>1.</a:t>
+            </a:r>
+            <a:r>
+              <a:rPr lang="en-US" dirty="0">
+                <a:latin typeface="Courier New" panose="02070309020205020404" pitchFamily="49" charset="0"/>
+                <a:cs typeface="Courier New" panose="02070309020205020404" pitchFamily="49" charset="0"/>
+              </a:rPr>
+              <a:t>0</a:t>
+            </a:r>
+          </a:p>
+          <a:p>
+            <a:pPr lvl="1"/>
+            <a:r>
+              <a:rPr lang="ru-RU" dirty="0">
+                <a:latin typeface="Courier New" panose="02070309020205020404" pitchFamily="49" charset="0"/>
+                <a:cs typeface="Courier New" panose="02070309020205020404" pitchFamily="49" charset="0"/>
+              </a:rPr>
+              <a:t>NAN ~ 2.0</a:t>
+            </a:r>
+            <a:endParaRPr lang="en-US" dirty="0">
+              <a:latin typeface="Courier New" panose="02070309020205020404" pitchFamily="49" charset="0"/>
+              <a:cs typeface="Courier New" panose="02070309020205020404" pitchFamily="49" charset="0"/>
+            </a:endParaRPr>
+          </a:p>
+          <a:p>
+            <a:pPr lvl="1"/>
+            <a:r>
+              <a:rPr lang="ru-RU" dirty="0"/>
+              <a:t>Но НЕ </a:t>
+            </a:r>
+            <a:r>
+              <a:rPr lang="ru-RU" dirty="0">
+                <a:latin typeface="Courier New" panose="02070309020205020404" pitchFamily="49" charset="0"/>
+                <a:cs typeface="Courier New" panose="02070309020205020404" pitchFamily="49" charset="0"/>
+              </a:rPr>
+              <a:t>1.0 ~ 2.0</a:t>
+            </a:r>
+            <a:endParaRPr lang="ru-RU" dirty="0"/>
+          </a:p>
+          <a:p>
+            <a:r>
+              <a:rPr lang="ru-RU" dirty="0"/>
+              <a:t>На практике это приводит к неправильной сортировке массивов содержащих NaNs</a:t>
+            </a:r>
+          </a:p>
+          <a:p>
+            <a:endParaRPr lang="en-US" dirty="0"/>
           </a:p>
         </p:txBody>
       </p:sp>
     </p:spTree>
     <p:extLst>
       <p:ext uri="{BB962C8B-B14F-4D97-AF65-F5344CB8AC3E}">
-        <p14:creationId xmlns:p14="http://schemas.microsoft.com/office/powerpoint/2010/main" val="2320085877"/>
+        <p14:creationId xmlns:p14="http://schemas.microsoft.com/office/powerpoint/2010/main" val="4117246109"/>
       </p:ext>
     </p:extLst>
   </p:cSld>
@@ -8695,7 +10042,7 @@
           <p:cNvPr id="2" name="Title 1">
             <a:extLst>
               <a:ext uri="{FF2B5EF4-FFF2-40B4-BE49-F238E27FC236}">
-                <a16:creationId xmlns:a16="http://schemas.microsoft.com/office/drawing/2014/main" id="{82E7115D-C3C8-4FC6-BCEE-397B3B1CA1D3}"/>
+                <a16:creationId xmlns:a16="http://schemas.microsoft.com/office/drawing/2014/main" id="{00DC1065-D907-484F-8EEF-614B38DC07E5}"/>
               </a:ext>
             </a:extLst>
           </p:cNvPr>
@@ -8732,7 +10079,7 @@
           <p:cNvPr id="3" name="Content Placeholder 2">
             <a:extLst>
               <a:ext uri="{FF2B5EF4-FFF2-40B4-BE49-F238E27FC236}">
-                <a16:creationId xmlns:a16="http://schemas.microsoft.com/office/drawing/2014/main" id="{C04CBD31-895D-41BF-BEFF-948422E8643B}"/>
+                <a16:creationId xmlns:a16="http://schemas.microsoft.com/office/drawing/2014/main" id="{A2A5B613-811D-4BCF-B170-0BB119C2F796}"/>
               </a:ext>
             </a:extLst>
           </p:cNvPr>
@@ -8745,111 +10092,149 @@
         </p:nvSpPr>
         <p:spPr/>
         <p:txBody>
-          <a:bodyPr>
-            <a:normAutofit/>
-          </a:bodyPr>
-          <a:lstStyle/>
-          <a:p>
-            <a:pPr marL="0" indent="0">
-              <a:buNone/>
-            </a:pPr>
-            <a:r>
-              <a:rPr lang="en-US" dirty="0">
-                <a:latin typeface="Courier New" panose="02070309020205020404" pitchFamily="49" charset="0"/>
-                <a:cs typeface="Courier New" panose="02070309020205020404" pitchFamily="49" charset="0"/>
-              </a:rPr>
-              <a:t>$ g++ bad.cc &amp;&amp; ./</a:t>
+          <a:bodyPr/>
+          <a:lstStyle/>
+          <a:p>
+            <a:r>
+              <a:rPr lang="ru-RU" dirty="0"/>
+              <a:t>Достаточно перед сортировкой</a:t>
+            </a:r>
+            <a:r>
+              <a:rPr lang="en-US" dirty="0"/>
+              <a:t> </a:t>
+            </a:r>
+            <a:r>
+              <a:rPr lang="ru-RU" dirty="0"/>
+              <a:t>избавиться от </a:t>
+            </a:r>
+            <a:r>
+              <a:rPr lang="en-US" dirty="0" err="1"/>
+              <a:t>NaN</a:t>
+            </a:r>
+            <a:r>
+              <a:rPr lang="en-US" dirty="0"/>
+              <a:t>'</a:t>
+            </a:r>
+            <a:r>
+              <a:rPr lang="ru-RU" dirty="0"/>
+              <a:t>ов с помощью </a:t>
+            </a:r>
+            <a:r>
+              <a:rPr lang="en-US" dirty="0"/>
+              <a:t>std::partition:</a:t>
+            </a:r>
+          </a:p>
+          <a:p>
+            <a:pPr marL="457200" lvl="1" indent="0">
+              <a:buNone/>
+            </a:pPr>
+            <a:r>
+              <a:rPr lang="en-US" dirty="0">
+                <a:latin typeface="Courier New" panose="02070309020205020404" pitchFamily="49" charset="0"/>
+                <a:cs typeface="Courier New" panose="02070309020205020404" pitchFamily="49" charset="0"/>
+              </a:rPr>
+              <a:t>auto end = std::partition(&amp;a[0],</a:t>
+            </a:r>
+          </a:p>
+          <a:p>
+            <a:pPr marL="457200" lvl="1" indent="0">
+              <a:buNone/>
+            </a:pPr>
+            <a:r>
+              <a:rPr lang="en-US" dirty="0">
+                <a:latin typeface="Courier New" panose="02070309020205020404" pitchFamily="49" charset="0"/>
+                <a:cs typeface="Courier New" panose="02070309020205020404" pitchFamily="49" charset="0"/>
+              </a:rPr>
+              <a:t>                          &amp;a[</a:t>
             </a:r>
             <a:r>
               <a:rPr lang="en-US" dirty="0" err="1">
                 <a:latin typeface="Courier New" panose="02070309020205020404" pitchFamily="49" charset="0"/>
                 <a:cs typeface="Courier New" panose="02070309020205020404" pitchFamily="49" charset="0"/>
               </a:rPr>
-              <a:t>a.out</a:t>
-            </a:r>
-            <a:endParaRPr lang="en-US" dirty="0">
-              <a:latin typeface="Courier New" panose="02070309020205020404" pitchFamily="49" charset="0"/>
-              <a:cs typeface="Courier New" panose="02070309020205020404" pitchFamily="49" charset="0"/>
-            </a:endParaRPr>
-          </a:p>
-          <a:p>
-            <a:pPr marL="0" indent="0">
-              <a:buNone/>
-            </a:pPr>
-            <a:r>
-              <a:rPr lang="en-US" dirty="0">
-                <a:latin typeface="Courier New" panose="02070309020205020404" pitchFamily="49" charset="0"/>
-                <a:cs typeface="Courier New" panose="02070309020205020404" pitchFamily="49" charset="0"/>
-              </a:rPr>
-              <a:t>3</a:t>
-            </a:r>
-          </a:p>
-          <a:p>
-            <a:pPr marL="0" indent="0">
-              <a:buNone/>
-            </a:pPr>
-            <a:r>
-              <a:rPr lang="en-US" dirty="0">
-                <a:latin typeface="Courier New" panose="02070309020205020404" pitchFamily="49" charset="0"/>
-                <a:cs typeface="Courier New" panose="02070309020205020404" pitchFamily="49" charset="0"/>
-              </a:rPr>
-              <a:t>5</a:t>
-            </a:r>
-          </a:p>
-          <a:p>
-            <a:pPr marL="0" indent="0">
-              <a:buNone/>
-            </a:pPr>
-            <a:r>
-              <a:rPr lang="en-US" dirty="0">
-                <a:latin typeface="Courier New" panose="02070309020205020404" pitchFamily="49" charset="0"/>
-                <a:cs typeface="Courier New" panose="02070309020205020404" pitchFamily="49" charset="0"/>
-              </a:rPr>
-              <a:t>100</a:t>
-            </a:r>
-          </a:p>
-          <a:p>
-            <a:pPr marL="0" indent="0">
-              <a:buNone/>
-            </a:pPr>
-            <a:r>
-              <a:rPr lang="en-US" dirty="0">
-                <a:latin typeface="Courier New" panose="02070309020205020404" pitchFamily="49" charset="0"/>
-                <a:cs typeface="Courier New" panose="02070309020205020404" pitchFamily="49" charset="0"/>
-              </a:rPr>
-              <a:t>nan</a:t>
-            </a:r>
-          </a:p>
-          <a:p>
-            <a:pPr marL="0" indent="0">
-              <a:buNone/>
-            </a:pPr>
-            <a:r>
-              <a:rPr lang="en-US" dirty="0">
-                <a:latin typeface="Courier New" panose="02070309020205020404" pitchFamily="49" charset="0"/>
-                <a:cs typeface="Courier New" panose="02070309020205020404" pitchFamily="49" charset="0"/>
-              </a:rPr>
-              <a:t>11</a:t>
-            </a:r>
-          </a:p>
-          <a:p>
-            <a:pPr marL="0" indent="0">
-              <a:buNone/>
-            </a:pPr>
-            <a:r>
-              <a:rPr lang="en-US" dirty="0">
-                <a:latin typeface="Courier New" panose="02070309020205020404" pitchFamily="49" charset="0"/>
-                <a:cs typeface="Courier New" panose="02070309020205020404" pitchFamily="49" charset="0"/>
-              </a:rPr>
-              <a:t>200</a:t>
-            </a:r>
+              <a:t>sizeof</a:t>
+            </a:r>
+            <a:r>
+              <a:rPr lang="en-US" dirty="0">
+                <a:latin typeface="Courier New" panose="02070309020205020404" pitchFamily="49" charset="0"/>
+                <a:cs typeface="Courier New" panose="02070309020205020404" pitchFamily="49" charset="0"/>
+              </a:rPr>
+              <a:t>(a)/</a:t>
+            </a:r>
+            <a:r>
+              <a:rPr lang="en-US" dirty="0" err="1">
+                <a:latin typeface="Courier New" panose="02070309020205020404" pitchFamily="49" charset="0"/>
+                <a:cs typeface="Courier New" panose="02070309020205020404" pitchFamily="49" charset="0"/>
+              </a:rPr>
+              <a:t>sizeof</a:t>
+            </a:r>
+            <a:r>
+              <a:rPr lang="en-US" dirty="0">
+                <a:latin typeface="Courier New" panose="02070309020205020404" pitchFamily="49" charset="0"/>
+                <a:cs typeface="Courier New" panose="02070309020205020404" pitchFamily="49" charset="0"/>
+              </a:rPr>
+              <a:t>(a[0])],</a:t>
+            </a:r>
+          </a:p>
+          <a:p>
+            <a:pPr marL="457200" lvl="1" indent="0">
+              <a:buNone/>
+            </a:pPr>
+            <a:r>
+              <a:rPr lang="en-US" dirty="0">
+                <a:latin typeface="Courier New" panose="02070309020205020404" pitchFamily="49" charset="0"/>
+                <a:cs typeface="Courier New" panose="02070309020205020404" pitchFamily="49" charset="0"/>
+              </a:rPr>
+              <a:t>                          [](double x) {</a:t>
+            </a:r>
+          </a:p>
+          <a:p>
+            <a:pPr marL="457200" lvl="1" indent="0">
+              <a:buNone/>
+            </a:pPr>
+            <a:r>
+              <a:rPr lang="en-US" dirty="0">
+                <a:latin typeface="Courier New" panose="02070309020205020404" pitchFamily="49" charset="0"/>
+                <a:cs typeface="Courier New" panose="02070309020205020404" pitchFamily="49" charset="0"/>
+              </a:rPr>
+              <a:t>                            return !</a:t>
+            </a:r>
+            <a:r>
+              <a:rPr lang="en-US" dirty="0" err="1">
+                <a:latin typeface="Courier New" panose="02070309020205020404" pitchFamily="49" charset="0"/>
+                <a:cs typeface="Courier New" panose="02070309020205020404" pitchFamily="49" charset="0"/>
+              </a:rPr>
+              <a:t>isnan</a:t>
+            </a:r>
+            <a:r>
+              <a:rPr lang="en-US" dirty="0">
+                <a:latin typeface="Courier New" panose="02070309020205020404" pitchFamily="49" charset="0"/>
+                <a:cs typeface="Courier New" panose="02070309020205020404" pitchFamily="49" charset="0"/>
+              </a:rPr>
+              <a:t>(x); });</a:t>
+            </a:r>
+          </a:p>
+          <a:p>
+            <a:pPr marL="457200" lvl="1" indent="0">
+              <a:buNone/>
+            </a:pPr>
+            <a:r>
+              <a:rPr lang="en-US" dirty="0">
+                <a:latin typeface="Courier New" panose="02070309020205020404" pitchFamily="49" charset="0"/>
+                <a:cs typeface="Courier New" panose="02070309020205020404" pitchFamily="49" charset="0"/>
+              </a:rPr>
+              <a:t>std::sort(&amp;a[0], end);</a:t>
+            </a:r>
+          </a:p>
+          <a:p>
+            <a:endParaRPr lang="en-US" dirty="0"/>
           </a:p>
         </p:txBody>
       </p:sp>
     </p:spTree>
     <p:extLst>
       <p:ext uri="{BB962C8B-B14F-4D97-AF65-F5344CB8AC3E}">
-        <p14:creationId xmlns:p14="http://schemas.microsoft.com/office/powerpoint/2010/main" val="1803112643"/>
+        <p14:creationId xmlns:p14="http://schemas.microsoft.com/office/powerpoint/2010/main" val="63913186"/>
       </p:ext>
     </p:extLst>
   </p:cSld>
@@ -8881,7 +10266,7 @@
           <p:cNvPr id="2" name="Title 1">
             <a:extLst>
               <a:ext uri="{FF2B5EF4-FFF2-40B4-BE49-F238E27FC236}">
-                <a16:creationId xmlns:a16="http://schemas.microsoft.com/office/drawing/2014/main" id="{A83248B9-8DDB-40A9-BF39-EDB8DD846C55}"/>
+                <a16:creationId xmlns:a16="http://schemas.microsoft.com/office/drawing/2014/main" id="{897E4EB9-3E73-4D16-A267-2453B3C7723C}"/>
               </a:ext>
             </a:extLst>
           </p:cNvPr>
@@ -8903,11 +10288,11 @@
             </a:r>
             <a:r>
               <a:rPr lang="en-US" dirty="0"/>
-              <a:t>: </a:t>
-            </a:r>
-            <a:r>
-              <a:rPr lang="en-US" dirty="0" err="1"/>
-              <a:t>NaN</a:t>
+              <a:t>:</a:t>
+            </a:r>
+            <a:r>
+              <a:rPr lang="ru-RU" dirty="0"/>
+              <a:t> некорректная обработка специального случая</a:t>
             </a:r>
             <a:endParaRPr lang="en-US" dirty="0"/>
           </a:p>
@@ -8918,7 +10303,7 @@
           <p:cNvPr id="3" name="Content Placeholder 2">
             <a:extLst>
               <a:ext uri="{FF2B5EF4-FFF2-40B4-BE49-F238E27FC236}">
-                <a16:creationId xmlns:a16="http://schemas.microsoft.com/office/drawing/2014/main" id="{B51FC803-85BE-40C9-9D30-E61AD605C56F}"/>
+                <a16:creationId xmlns:a16="http://schemas.microsoft.com/office/drawing/2014/main" id="{1A1AB472-A844-4C1B-A37F-F4A1D7E62846}"/>
               </a:ext>
             </a:extLst>
           </p:cNvPr>
@@ -8932,136 +10317,237 @@
         <p:spPr/>
         <p:txBody>
           <a:bodyPr>
-            <a:normAutofit fontScale="85000" lnSpcReduction="20000"/>
+            <a:normAutofit/>
           </a:bodyPr>
           <a:lstStyle/>
           <a:p>
-            <a:r>
-              <a:rPr lang="ru-RU" dirty="0"/>
-              <a:t>Типы с плавающей точкой поддерживают специальные значения NaN,</a:t>
-            </a:r>
-            <a:r>
-              <a:rPr lang="en-US" dirty="0"/>
-              <a:t> </a:t>
-            </a:r>
-            <a:r>
-              <a:rPr lang="ru-RU" dirty="0"/>
-              <a:t>которые возникают в результате некорректных вычислений</a:t>
-            </a:r>
-          </a:p>
-          <a:p>
-            <a:pPr lvl="1"/>
-            <a:r>
-              <a:rPr lang="ru-RU" dirty="0"/>
-              <a:t>например извлечения корня из отрицательного числа или деления </a:t>
-            </a:r>
-            <a:r>
-              <a:rPr lang="ru-RU" dirty="0">
-                <a:latin typeface="Courier New" panose="02070309020205020404" pitchFamily="49" charset="0"/>
-                <a:cs typeface="Courier New" panose="02070309020205020404" pitchFamily="49" charset="0"/>
-              </a:rPr>
-              <a:t>0/0</a:t>
-            </a:r>
-            <a:endParaRPr lang="ru-RU" dirty="0"/>
-          </a:p>
-          <a:p>
-            <a:r>
-              <a:rPr lang="ru-RU" dirty="0"/>
-              <a:t>Сравнение с NaN всегда возвращает false, поэтому NaN эквивалентен всем остальным числам</a:t>
-            </a:r>
-            <a:endParaRPr lang="en-US" dirty="0"/>
-          </a:p>
-          <a:p>
-            <a:r>
-              <a:rPr lang="ru-RU" dirty="0"/>
-              <a:t>Это приводит к нарушению транзитивности эквивалентности (4 аксиома):</a:t>
-            </a:r>
-          </a:p>
-          <a:p>
-            <a:pPr lvl="1"/>
-            <a:r>
-              <a:rPr lang="en-US" dirty="0">
-                <a:latin typeface="Courier New" panose="02070309020205020404" pitchFamily="49" charset="0"/>
-                <a:cs typeface="Courier New" panose="02070309020205020404" pitchFamily="49" charset="0"/>
-              </a:rPr>
-              <a:t>NAN ~ </a:t>
-            </a:r>
-            <a:r>
-              <a:rPr lang="ru-RU" dirty="0">
-                <a:latin typeface="Courier New" panose="02070309020205020404" pitchFamily="49" charset="0"/>
-                <a:cs typeface="Courier New" panose="02070309020205020404" pitchFamily="49" charset="0"/>
-              </a:rPr>
-              <a:t>1.</a:t>
-            </a:r>
-            <a:r>
-              <a:rPr lang="en-US" dirty="0">
-                <a:latin typeface="Courier New" panose="02070309020205020404" pitchFamily="49" charset="0"/>
-                <a:cs typeface="Courier New" panose="02070309020205020404" pitchFamily="49" charset="0"/>
-              </a:rPr>
-              <a:t>0</a:t>
-            </a:r>
-          </a:p>
-          <a:p>
-            <a:pPr lvl="1"/>
-            <a:r>
-              <a:rPr lang="ru-RU" dirty="0">
-                <a:latin typeface="Courier New" panose="02070309020205020404" pitchFamily="49" charset="0"/>
-                <a:cs typeface="Courier New" panose="02070309020205020404" pitchFamily="49" charset="0"/>
-              </a:rPr>
-              <a:t>NAN ~ 2.0</a:t>
-            </a:r>
-            <a:endParaRPr lang="en-US" dirty="0">
+            <a:pPr marL="0" indent="0">
+              <a:buNone/>
+            </a:pPr>
+            <a:r>
+              <a:rPr lang="en-US" sz="2400" dirty="0">
+                <a:solidFill>
+                  <a:prstClr val="black"/>
+                </a:solidFill>
+                <a:latin typeface="Courier New" panose="02070309020205020404" pitchFamily="49" charset="0"/>
+                <a:cs typeface="Courier New" panose="02070309020205020404" pitchFamily="49" charset="0"/>
+              </a:rPr>
+              <a:t>[](std::</a:t>
+            </a:r>
+            <a:r>
+              <a:rPr lang="en-US" sz="2400" dirty="0" err="1">
+                <a:solidFill>
+                  <a:prstClr val="black"/>
+                </a:solidFill>
+                <a:latin typeface="Courier New" panose="02070309020205020404" pitchFamily="49" charset="0"/>
+                <a:cs typeface="Courier New" panose="02070309020205020404" pitchFamily="49" charset="0"/>
+              </a:rPr>
+              <a:t>uniq_ptr</a:t>
+            </a:r>
+            <a:r>
+              <a:rPr lang="en-US" sz="2400" dirty="0">
+                <a:solidFill>
+                  <a:prstClr val="black"/>
+                </a:solidFill>
+                <a:latin typeface="Courier New" panose="02070309020205020404" pitchFamily="49" charset="0"/>
+                <a:cs typeface="Courier New" panose="02070309020205020404" pitchFamily="49" charset="0"/>
+              </a:rPr>
+              <a:t>&lt;</a:t>
+            </a:r>
+            <a:r>
+              <a:rPr lang="en-US" sz="2400" dirty="0" err="1">
+                <a:solidFill>
+                  <a:prstClr val="black"/>
+                </a:solidFill>
+                <a:latin typeface="Courier New" panose="02070309020205020404" pitchFamily="49" charset="0"/>
+                <a:cs typeface="Courier New" panose="02070309020205020404" pitchFamily="49" charset="0"/>
+              </a:rPr>
+              <a:t>SomeClass</a:t>
+            </a:r>
+            <a:r>
+              <a:rPr lang="en-US" sz="2400" dirty="0">
+                <a:solidFill>
+                  <a:prstClr val="black"/>
+                </a:solidFill>
+                <a:latin typeface="Courier New" panose="02070309020205020404" pitchFamily="49" charset="0"/>
+                <a:cs typeface="Courier New" panose="02070309020205020404" pitchFamily="49" charset="0"/>
+              </a:rPr>
+              <a:t>&gt; l, std::</a:t>
+            </a:r>
+            <a:r>
+              <a:rPr lang="en-US" sz="2400" dirty="0" err="1">
+                <a:solidFill>
+                  <a:prstClr val="black"/>
+                </a:solidFill>
+                <a:latin typeface="Courier New" panose="02070309020205020404" pitchFamily="49" charset="0"/>
+                <a:cs typeface="Courier New" panose="02070309020205020404" pitchFamily="49" charset="0"/>
+              </a:rPr>
+              <a:t>uniq_ptr</a:t>
+            </a:r>
+            <a:r>
+              <a:rPr lang="en-US" sz="2400" dirty="0">
+                <a:solidFill>
+                  <a:prstClr val="black"/>
+                </a:solidFill>
+                <a:latin typeface="Courier New" panose="02070309020205020404" pitchFamily="49" charset="0"/>
+                <a:cs typeface="Courier New" panose="02070309020205020404" pitchFamily="49" charset="0"/>
+              </a:rPr>
+              <a:t>&lt;</a:t>
+            </a:r>
+            <a:r>
+              <a:rPr lang="en-US" sz="2400" dirty="0" err="1">
+                <a:solidFill>
+                  <a:prstClr val="black"/>
+                </a:solidFill>
+                <a:latin typeface="Courier New" panose="02070309020205020404" pitchFamily="49" charset="0"/>
+                <a:cs typeface="Courier New" panose="02070309020205020404" pitchFamily="49" charset="0"/>
+              </a:rPr>
+              <a:t>SomeClass</a:t>
+            </a:r>
+            <a:r>
+              <a:rPr lang="en-US" sz="2400" dirty="0">
+                <a:solidFill>
+                  <a:prstClr val="black"/>
+                </a:solidFill>
+                <a:latin typeface="Courier New" panose="02070309020205020404" pitchFamily="49" charset="0"/>
+                <a:cs typeface="Courier New" panose="02070309020205020404" pitchFamily="49" charset="0"/>
+              </a:rPr>
+              <a:t>&gt; r) {</a:t>
+            </a:r>
+          </a:p>
+          <a:p>
+            <a:pPr marL="0" indent="0">
+              <a:buNone/>
+            </a:pPr>
+            <a:r>
+              <a:rPr lang="en-US" sz="2400" dirty="0">
+                <a:solidFill>
+                  <a:prstClr val="black"/>
+                </a:solidFill>
+                <a:latin typeface="Courier New" panose="02070309020205020404" pitchFamily="49" charset="0"/>
+                <a:cs typeface="Courier New" panose="02070309020205020404" pitchFamily="49" charset="0"/>
+              </a:rPr>
+              <a:t>  if (!</a:t>
+            </a:r>
+            <a:r>
+              <a:rPr lang="en-US" sz="2400" dirty="0" err="1">
+                <a:solidFill>
+                  <a:prstClr val="black"/>
+                </a:solidFill>
+                <a:latin typeface="Courier New" panose="02070309020205020404" pitchFamily="49" charset="0"/>
+                <a:cs typeface="Courier New" panose="02070309020205020404" pitchFamily="49" charset="0"/>
+              </a:rPr>
+              <a:t>l.get</a:t>
+            </a:r>
+            <a:r>
+              <a:rPr lang="en-US" sz="2400" dirty="0">
+                <a:solidFill>
+                  <a:prstClr val="black"/>
+                </a:solidFill>
+                <a:latin typeface="Courier New" panose="02070309020205020404" pitchFamily="49" charset="0"/>
+                <a:cs typeface="Courier New" panose="02070309020205020404" pitchFamily="49" charset="0"/>
+              </a:rPr>
+              <a:t>())</a:t>
+            </a:r>
+          </a:p>
+          <a:p>
+            <a:pPr marL="0" indent="0">
+              <a:buNone/>
+            </a:pPr>
+            <a:r>
+              <a:rPr lang="en-US" sz="2400" dirty="0">
+                <a:solidFill>
+                  <a:prstClr val="black"/>
+                </a:solidFill>
+                <a:latin typeface="Courier New" panose="02070309020205020404" pitchFamily="49" charset="0"/>
+                <a:cs typeface="Courier New" panose="02070309020205020404" pitchFamily="49" charset="0"/>
+              </a:rPr>
+              <a:t>    return true;</a:t>
+            </a:r>
+          </a:p>
+          <a:p>
+            <a:pPr marL="0" indent="0">
+              <a:buNone/>
+            </a:pPr>
+            <a:r>
+              <a:rPr lang="en-US" sz="2400" dirty="0">
+                <a:solidFill>
+                  <a:prstClr val="black"/>
+                </a:solidFill>
+                <a:latin typeface="Courier New" panose="02070309020205020404" pitchFamily="49" charset="0"/>
+                <a:cs typeface="Courier New" panose="02070309020205020404" pitchFamily="49" charset="0"/>
+              </a:rPr>
+              <a:t>  else</a:t>
+            </a:r>
+          </a:p>
+          <a:p>
+            <a:pPr marL="0" indent="0">
+              <a:buNone/>
+            </a:pPr>
+            <a:r>
+              <a:rPr lang="en-US" sz="2400" dirty="0">
+                <a:solidFill>
+                  <a:prstClr val="black"/>
+                </a:solidFill>
+                <a:latin typeface="Courier New" panose="02070309020205020404" pitchFamily="49" charset="0"/>
+                <a:cs typeface="Courier New" panose="02070309020205020404" pitchFamily="49" charset="0"/>
+              </a:rPr>
+              <a:t>    ...</a:t>
+            </a:r>
+          </a:p>
+          <a:p>
+            <a:pPr marL="0" indent="0">
+              <a:buNone/>
+            </a:pPr>
+            <a:r>
+              <a:rPr lang="en-US" sz="2400" dirty="0">
+                <a:solidFill>
+                  <a:prstClr val="black"/>
+                </a:solidFill>
+                <a:latin typeface="Courier New" panose="02070309020205020404" pitchFamily="49" charset="0"/>
+                <a:cs typeface="Courier New" panose="02070309020205020404" pitchFamily="49" charset="0"/>
+              </a:rPr>
+              <a:t>}</a:t>
+            </a:r>
+            <a:endParaRPr lang="ru-RU" sz="2400" dirty="0">
+              <a:solidFill>
+                <a:prstClr val="black"/>
+              </a:solidFill>
               <a:latin typeface="Courier New" panose="02070309020205020404" pitchFamily="49" charset="0"/>
               <a:cs typeface="Courier New" panose="02070309020205020404" pitchFamily="49" charset="0"/>
             </a:endParaRPr>
           </a:p>
           <a:p>
-            <a:pPr lvl="1"/>
-            <a:r>
-              <a:rPr lang="ru-RU" dirty="0"/>
-              <a:t>Но НЕ </a:t>
-            </a:r>
             <a:r>
               <a:rPr lang="ru-RU" dirty="0">
-                <a:latin typeface="Courier New" panose="02070309020205020404" pitchFamily="49" charset="0"/>
-                <a:cs typeface="Courier New" panose="02070309020205020404" pitchFamily="49" charset="0"/>
-              </a:rPr>
-              <a:t>1.0 ~ 2.0</a:t>
-            </a:r>
-            <a:endParaRPr lang="ru-RU" dirty="0"/>
-          </a:p>
-          <a:p>
-            <a:r>
-              <a:rPr lang="ru-RU" dirty="0"/>
-              <a:t>На практике это приводит к неправильной сортировке массивов содержащих NaNs:</a:t>
-            </a:r>
-          </a:p>
-          <a:p>
-            <a:r>
-              <a:rPr lang="ru-RU" dirty="0"/>
-              <a:t>Пример из жизни: </a:t>
-            </a:r>
-            <a:r>
-              <a:rPr lang="ru-RU" dirty="0">
-                <a:hlinkClick r:id="rId2"/>
-              </a:rPr>
-              <a:t>https://stackoverflow.com/questions/9244243/strict-weak-ordering-and-stdsort</a:t>
-            </a:r>
-            <a:r>
-              <a:rPr lang="en-US" dirty="0"/>
-              <a:t> </a:t>
-            </a:r>
-            <a:endParaRPr lang="ru-RU" dirty="0"/>
-          </a:p>
-          <a:p>
-            <a:endParaRPr lang="en-US" dirty="0"/>
+                <a:solidFill>
+                  <a:prstClr val="black"/>
+                </a:solidFill>
+                <a:cs typeface="Courier New" panose="02070309020205020404" pitchFamily="49" charset="0"/>
+              </a:rPr>
+              <a:t>Нарушается иррефлексивность и антисимметричность если второй операнд тоже нулевой</a:t>
+            </a:r>
+            <a:endParaRPr lang="en-US" dirty="0">
+              <a:solidFill>
+                <a:prstClr val="black"/>
+              </a:solidFill>
+              <a:cs typeface="Courier New" panose="02070309020205020404" pitchFamily="49" charset="0"/>
+            </a:endParaRPr>
+          </a:p>
+          <a:p>
+            <a:endParaRPr lang="en-US" dirty="0">
+              <a:solidFill>
+                <a:prstClr val="black"/>
+              </a:solidFill>
+              <a:cs typeface="Courier New" panose="02070309020205020404" pitchFamily="49" charset="0"/>
+            </a:endParaRPr>
           </a:p>
         </p:txBody>
       </p:sp>
     </p:spTree>
     <p:extLst>
       <p:ext uri="{BB962C8B-B14F-4D97-AF65-F5344CB8AC3E}">
-        <p14:creationId xmlns:p14="http://schemas.microsoft.com/office/powerpoint/2010/main" val="4117246109"/>
+        <p14:creationId xmlns:p14="http://schemas.microsoft.com/office/powerpoint/2010/main" val="711564749"/>
       </p:ext>
     </p:extLst>
   </p:cSld>
@@ -9093,7 +10579,7 @@
           <p:cNvPr id="2" name="Title 1">
             <a:extLst>
               <a:ext uri="{FF2B5EF4-FFF2-40B4-BE49-F238E27FC236}">
-                <a16:creationId xmlns:a16="http://schemas.microsoft.com/office/drawing/2014/main" id="{00DC1065-D907-484F-8EEF-614B38DC07E5}"/>
+                <a16:creationId xmlns:a16="http://schemas.microsoft.com/office/drawing/2014/main" id="{2A113B13-406F-410B-BFB5-9599BB8FA280}"/>
               </a:ext>
             </a:extLst>
           </p:cNvPr>
@@ -9115,11 +10601,11 @@
             </a:r>
             <a:r>
               <a:rPr lang="en-US" dirty="0"/>
-              <a:t>: </a:t>
-            </a:r>
-            <a:r>
-              <a:rPr lang="en-US" dirty="0" err="1"/>
-              <a:t>NaN</a:t>
+              <a:t>:</a:t>
+            </a:r>
+            <a:r>
+              <a:rPr lang="ru-RU" dirty="0"/>
+              <a:t> приближенные сравнения</a:t>
             </a:r>
             <a:endParaRPr lang="en-US" dirty="0"/>
           </a:p>
@@ -9130,7 +10616,7 @@
           <p:cNvPr id="3" name="Content Placeholder 2">
             <a:extLst>
               <a:ext uri="{FF2B5EF4-FFF2-40B4-BE49-F238E27FC236}">
-                <a16:creationId xmlns:a16="http://schemas.microsoft.com/office/drawing/2014/main" id="{A2A5B613-811D-4BCF-B170-0BB119C2F796}"/>
+                <a16:creationId xmlns:a16="http://schemas.microsoft.com/office/drawing/2014/main" id="{92E789BC-A1A6-4768-97BD-DC69CFA3A8F6}"/>
               </a:ext>
             </a:extLst>
           </p:cNvPr>
@@ -9143,36 +10629,100 @@
         </p:nvSpPr>
         <p:spPr/>
         <p:txBody>
-          <a:bodyPr/>
-          <a:lstStyle/>
-          <a:p>
-            <a:r>
-              <a:rPr lang="ru-RU" dirty="0"/>
-              <a:t>Достаточно перед сортировкой</a:t>
-            </a:r>
-            <a:r>
-              <a:rPr lang="en-US" dirty="0"/>
-              <a:t> </a:t>
-            </a:r>
-            <a:r>
-              <a:rPr lang="ru-RU" dirty="0"/>
-              <a:t>избавиться от </a:t>
-            </a:r>
-            <a:r>
-              <a:rPr lang="en-US" dirty="0" err="1"/>
-              <a:t>NaN</a:t>
-            </a:r>
-            <a:r>
-              <a:rPr lang="en-US" dirty="0"/>
-              <a:t>'</a:t>
-            </a:r>
-            <a:r>
-              <a:rPr lang="ru-RU" dirty="0"/>
-              <a:t>ов с помощью </a:t>
-            </a:r>
-            <a:r>
-              <a:rPr lang="en-US" dirty="0"/>
-              <a:t>std::partition:</a:t>
+          <a:bodyPr>
+            <a:normAutofit lnSpcReduction="10000"/>
+          </a:bodyPr>
+          <a:lstStyle/>
+          <a:p>
+            <a:pPr marL="0" indent="0">
+              <a:buNone/>
+            </a:pPr>
+            <a:r>
+              <a:rPr lang="en-US" sz="2600" dirty="0">
+                <a:solidFill>
+                  <a:prstClr val="black"/>
+                </a:solidFill>
+                <a:latin typeface="Courier New" panose="02070309020205020404" pitchFamily="49" charset="0"/>
+                <a:cs typeface="Courier New" panose="02070309020205020404" pitchFamily="49" charset="0"/>
+              </a:rPr>
+              <a:t>bool </a:t>
+            </a:r>
+            <a:r>
+              <a:rPr lang="en-US" sz="2600" dirty="0" err="1">
+                <a:solidFill>
+                  <a:prstClr val="black"/>
+                </a:solidFill>
+                <a:latin typeface="Courier New" panose="02070309020205020404" pitchFamily="49" charset="0"/>
+                <a:cs typeface="Courier New" panose="02070309020205020404" pitchFamily="49" charset="0"/>
+              </a:rPr>
+              <a:t>cmp</a:t>
+            </a:r>
+            <a:r>
+              <a:rPr lang="en-US" sz="2600" dirty="0">
+                <a:solidFill>
+                  <a:prstClr val="black"/>
+                </a:solidFill>
+                <a:latin typeface="Courier New" panose="02070309020205020404" pitchFamily="49" charset="0"/>
+                <a:cs typeface="Courier New" panose="02070309020205020404" pitchFamily="49" charset="0"/>
+              </a:rPr>
+              <a:t>(double a, double b) {</a:t>
+            </a:r>
+          </a:p>
+          <a:p>
+            <a:pPr marL="0" indent="0">
+              <a:buNone/>
+            </a:pPr>
+            <a:r>
+              <a:rPr lang="en-US" sz="2600" dirty="0">
+                <a:solidFill>
+                  <a:prstClr val="black"/>
+                </a:solidFill>
+                <a:latin typeface="Courier New" panose="02070309020205020404" pitchFamily="49" charset="0"/>
+                <a:cs typeface="Courier New" panose="02070309020205020404" pitchFamily="49" charset="0"/>
+              </a:rPr>
+              <a:t>    if (abs(a - b) &lt; eps) return false;</a:t>
+            </a:r>
+          </a:p>
+          <a:p>
+            <a:pPr marL="0" indent="0">
+              <a:buNone/>
+            </a:pPr>
+            <a:r>
+              <a:rPr lang="en-US" sz="2600" dirty="0">
+                <a:solidFill>
+                  <a:prstClr val="black"/>
+                </a:solidFill>
+                <a:latin typeface="Courier New" panose="02070309020205020404" pitchFamily="49" charset="0"/>
+                <a:cs typeface="Courier New" panose="02070309020205020404" pitchFamily="49" charset="0"/>
+              </a:rPr>
+              <a:t>    return a &lt; b;</a:t>
+            </a:r>
+          </a:p>
+          <a:p>
+            <a:pPr marL="0" indent="0">
+              <a:buNone/>
+            </a:pPr>
+            <a:r>
+              <a:rPr lang="en-US" sz="2600" dirty="0">
+                <a:solidFill>
+                  <a:prstClr val="black"/>
+                </a:solidFill>
+                <a:latin typeface="Courier New" panose="02070309020205020404" pitchFamily="49" charset="0"/>
+                <a:cs typeface="Courier New" panose="02070309020205020404" pitchFamily="49" charset="0"/>
+              </a:rPr>
+              <a:t>}</a:t>
+            </a:r>
+          </a:p>
+          <a:p>
+            <a:r>
+              <a:rPr lang="ru-RU" dirty="0"/>
+              <a:t>Программист хотел чтобы "близкие" элементы рассматривались как эквивалентные</a:t>
+            </a:r>
+          </a:p>
+          <a:p>
+            <a:r>
+              <a:rPr lang="ru-RU" dirty="0"/>
+              <a:t>Но при этом нарушил аксиому транзитивности эквивалентности:</a:t>
             </a:r>
           </a:p>
           <a:p>
@@ -9180,101 +10730,43 @@
               <a:buNone/>
             </a:pPr>
             <a:r>
-              <a:rPr lang="en-US" dirty="0">
-                <a:latin typeface="Courier New" panose="02070309020205020404" pitchFamily="49" charset="0"/>
-                <a:cs typeface="Courier New" panose="02070309020205020404" pitchFamily="49" charset="0"/>
-              </a:rPr>
-              <a:t>auto end = std::partition(&amp;a[0],</a:t>
-            </a:r>
+              <a:rPr lang="ru-RU" dirty="0">
+                <a:latin typeface="Courier New" panose="02070309020205020404" pitchFamily="49" charset="0"/>
+                <a:cs typeface="Courier New" panose="02070309020205020404" pitchFamily="49" charset="0"/>
+              </a:rPr>
+              <a:t>equiv(0, 0.5 * eps) == true</a:t>
+            </a:r>
+            <a:endParaRPr lang="en-US" dirty="0">
+              <a:latin typeface="Courier New" panose="02070309020205020404" pitchFamily="49" charset="0"/>
+              <a:cs typeface="Courier New" panose="02070309020205020404" pitchFamily="49" charset="0"/>
+            </a:endParaRPr>
           </a:p>
           <a:p>
             <a:pPr marL="457200" lvl="1" indent="0">
               <a:buNone/>
             </a:pPr>
             <a:r>
-              <a:rPr lang="en-US" dirty="0">
-                <a:latin typeface="Courier New" panose="02070309020205020404" pitchFamily="49" charset="0"/>
-                <a:cs typeface="Courier New" panose="02070309020205020404" pitchFamily="49" charset="0"/>
-              </a:rPr>
-              <a:t>                          &amp;a[</a:t>
-            </a:r>
-            <a:r>
-              <a:rPr lang="en-US" dirty="0" err="1">
-                <a:latin typeface="Courier New" panose="02070309020205020404" pitchFamily="49" charset="0"/>
-                <a:cs typeface="Courier New" panose="02070309020205020404" pitchFamily="49" charset="0"/>
-              </a:rPr>
-              <a:t>sizeof</a:t>
-            </a:r>
-            <a:r>
-              <a:rPr lang="en-US" dirty="0">
-                <a:latin typeface="Courier New" panose="02070309020205020404" pitchFamily="49" charset="0"/>
-                <a:cs typeface="Courier New" panose="02070309020205020404" pitchFamily="49" charset="0"/>
-              </a:rPr>
-              <a:t>(a)/</a:t>
-            </a:r>
-            <a:r>
-              <a:rPr lang="en-US" dirty="0" err="1">
-                <a:latin typeface="Courier New" panose="02070309020205020404" pitchFamily="49" charset="0"/>
-                <a:cs typeface="Courier New" panose="02070309020205020404" pitchFamily="49" charset="0"/>
-              </a:rPr>
-              <a:t>sizeof</a:t>
-            </a:r>
-            <a:r>
-              <a:rPr lang="en-US" dirty="0">
-                <a:latin typeface="Courier New" panose="02070309020205020404" pitchFamily="49" charset="0"/>
-                <a:cs typeface="Courier New" panose="02070309020205020404" pitchFamily="49" charset="0"/>
-              </a:rPr>
-              <a:t>(a[0])],</a:t>
-            </a:r>
+              <a:rPr lang="ru-RU" dirty="0">
+                <a:latin typeface="Courier New" panose="02070309020205020404" pitchFamily="49" charset="0"/>
+                <a:cs typeface="Courier New" panose="02070309020205020404" pitchFamily="49" charset="0"/>
+              </a:rPr>
+              <a:t>equiv(0.5 * eps, eps) == true</a:t>
+            </a:r>
+            <a:endParaRPr lang="en-US" dirty="0">
+              <a:latin typeface="Courier New" panose="02070309020205020404" pitchFamily="49" charset="0"/>
+              <a:cs typeface="Courier New" panose="02070309020205020404" pitchFamily="49" charset="0"/>
+            </a:endParaRPr>
           </a:p>
           <a:p>
             <a:pPr marL="457200" lvl="1" indent="0">
               <a:buNone/>
             </a:pPr>
             <a:r>
-              <a:rPr lang="en-US" dirty="0">
-                <a:latin typeface="Courier New" panose="02070309020205020404" pitchFamily="49" charset="0"/>
-                <a:cs typeface="Courier New" panose="02070309020205020404" pitchFamily="49" charset="0"/>
-              </a:rPr>
-              <a:t>                          [](double x) {</a:t>
-            </a:r>
-          </a:p>
-          <a:p>
-            <a:pPr marL="457200" lvl="1" indent="0">
-              <a:buNone/>
-            </a:pPr>
-            <a:r>
-              <a:rPr lang="en-US" dirty="0">
-                <a:latin typeface="Courier New" panose="02070309020205020404" pitchFamily="49" charset="0"/>
-                <a:cs typeface="Courier New" panose="02070309020205020404" pitchFamily="49" charset="0"/>
-              </a:rPr>
-              <a:t>                            return !</a:t>
-            </a:r>
-            <a:r>
-              <a:rPr lang="en-US" dirty="0" err="1">
-                <a:latin typeface="Courier New" panose="02070309020205020404" pitchFamily="49" charset="0"/>
-                <a:cs typeface="Courier New" panose="02070309020205020404" pitchFamily="49" charset="0"/>
-              </a:rPr>
-              <a:t>isnan</a:t>
-            </a:r>
-            <a:r>
-              <a:rPr lang="en-US" dirty="0">
-                <a:latin typeface="Courier New" panose="02070309020205020404" pitchFamily="49" charset="0"/>
-                <a:cs typeface="Courier New" panose="02070309020205020404" pitchFamily="49" charset="0"/>
-              </a:rPr>
-              <a:t>(x); });</a:t>
-            </a:r>
-          </a:p>
-          <a:p>
-            <a:pPr marL="457200" lvl="1" indent="0">
-              <a:buNone/>
-            </a:pPr>
-            <a:r>
-              <a:rPr lang="en-US" dirty="0">
-                <a:latin typeface="Courier New" panose="02070309020205020404" pitchFamily="49" charset="0"/>
-                <a:cs typeface="Courier New" panose="02070309020205020404" pitchFamily="49" charset="0"/>
-              </a:rPr>
-              <a:t>std::sort(&amp;a[0], end);</a:t>
+              <a:rPr lang="ru-RU" dirty="0">
+                <a:latin typeface="Courier New" panose="02070309020205020404" pitchFamily="49" charset="0"/>
+                <a:cs typeface="Courier New" panose="02070309020205020404" pitchFamily="49" charset="0"/>
+              </a:rPr>
+              <a:t>cmp(0, eps) == false</a:t>
             </a:r>
           </a:p>
           <a:p>
@@ -9285,7 +10777,7 @@
     </p:spTree>
     <p:extLst>
       <p:ext uri="{BB962C8B-B14F-4D97-AF65-F5344CB8AC3E}">
-        <p14:creationId xmlns:p14="http://schemas.microsoft.com/office/powerpoint/2010/main" val="63913186"/>
+        <p14:creationId xmlns:p14="http://schemas.microsoft.com/office/powerpoint/2010/main" val="325765568"/>
       </p:ext>
     </p:extLst>
   </p:cSld>
@@ -9317,7 +10809,7 @@
           <p:cNvPr id="2" name="Title 1">
             <a:extLst>
               <a:ext uri="{FF2B5EF4-FFF2-40B4-BE49-F238E27FC236}">
-                <a16:creationId xmlns:a16="http://schemas.microsoft.com/office/drawing/2014/main" id="{897E4EB9-3E73-4D16-A267-2453B3C7723C}"/>
+                <a16:creationId xmlns:a16="http://schemas.microsoft.com/office/drawing/2014/main" id="{2A19E494-9936-451A-BF6D-29D50118093A}"/>
               </a:ext>
             </a:extLst>
           </p:cNvPr>
@@ -9343,7 +10835,7 @@
             </a:r>
             <a:r>
               <a:rPr lang="ru-RU" dirty="0"/>
-              <a:t> некорректная обработка специального случая</a:t>
+              <a:t> сравнение особых объектов отдельным алгоритмом</a:t>
             </a:r>
             <a:endParaRPr lang="en-US" dirty="0"/>
           </a:p>
@@ -9354,7 +10846,7 @@
           <p:cNvPr id="3" name="Content Placeholder 2">
             <a:extLst>
               <a:ext uri="{FF2B5EF4-FFF2-40B4-BE49-F238E27FC236}">
-                <a16:creationId xmlns:a16="http://schemas.microsoft.com/office/drawing/2014/main" id="{1A1AB472-A844-4C1B-A37F-F4A1D7E62846}"/>
+                <a16:creationId xmlns:a16="http://schemas.microsoft.com/office/drawing/2014/main" id="{E34877F2-0E42-46CD-89A4-90C23BB090A5}"/>
               </a:ext>
             </a:extLst>
           </p:cNvPr>
@@ -9367,9 +10859,7 @@
         </p:nvSpPr>
         <p:spPr/>
         <p:txBody>
-          <a:bodyPr>
-            <a:normAutofit fontScale="85000" lnSpcReduction="20000"/>
-          </a:bodyPr>
+          <a:bodyPr/>
           <a:lstStyle/>
           <a:p>
             <a:pPr marL="0" indent="0">
@@ -9383,7 +10873,127 @@
                 <a:latin typeface="Courier New" panose="02070309020205020404" pitchFamily="49" charset="0"/>
                 <a:cs typeface="Courier New" panose="02070309020205020404" pitchFamily="49" charset="0"/>
               </a:rPr>
-              <a:t>[](std::</a:t>
+              <a:t>[](Object l, Object r) {</a:t>
+            </a:r>
+          </a:p>
+          <a:p>
+            <a:pPr marL="0" indent="0">
+              <a:buNone/>
+            </a:pPr>
+            <a:r>
+              <a:rPr lang="en-US" sz="2400" dirty="0">
+                <a:solidFill>
+                  <a:srgbClr val="FF0000"/>
+                </a:solidFill>
+                <a:latin typeface="Courier New" panose="02070309020205020404" pitchFamily="49" charset="0"/>
+                <a:cs typeface="Courier New" panose="02070309020205020404" pitchFamily="49" charset="0"/>
+              </a:rPr>
+              <a:t>  if (</a:t>
+            </a:r>
+            <a:r>
+              <a:rPr lang="en-US" sz="2400" dirty="0" err="1">
+                <a:solidFill>
+                  <a:srgbClr val="FF0000"/>
+                </a:solidFill>
+                <a:latin typeface="Courier New" panose="02070309020205020404" pitchFamily="49" charset="0"/>
+                <a:cs typeface="Courier New" panose="02070309020205020404" pitchFamily="49" charset="0"/>
+              </a:rPr>
+              <a:t>is_special</a:t>
+            </a:r>
+            <a:r>
+              <a:rPr lang="en-US" sz="2400" dirty="0">
+                <a:solidFill>
+                  <a:srgbClr val="FF0000"/>
+                </a:solidFill>
+                <a:latin typeface="Courier New" panose="02070309020205020404" pitchFamily="49" charset="0"/>
+                <a:cs typeface="Courier New" panose="02070309020205020404" pitchFamily="49" charset="0"/>
+              </a:rPr>
+              <a:t>(l) &amp;&amp; </a:t>
+            </a:r>
+            <a:r>
+              <a:rPr lang="en-US" sz="2400" dirty="0" err="1">
+                <a:solidFill>
+                  <a:srgbClr val="FF0000"/>
+                </a:solidFill>
+                <a:latin typeface="Courier New" panose="02070309020205020404" pitchFamily="49" charset="0"/>
+                <a:cs typeface="Courier New" panose="02070309020205020404" pitchFamily="49" charset="0"/>
+              </a:rPr>
+              <a:t>is_special</a:t>
+            </a:r>
+            <a:r>
+              <a:rPr lang="en-US" sz="2400" dirty="0">
+                <a:solidFill>
+                  <a:srgbClr val="FF0000"/>
+                </a:solidFill>
+                <a:latin typeface="Courier New" panose="02070309020205020404" pitchFamily="49" charset="0"/>
+                <a:cs typeface="Courier New" panose="02070309020205020404" pitchFamily="49" charset="0"/>
+              </a:rPr>
+              <a:t>(r))</a:t>
+            </a:r>
+          </a:p>
+          <a:p>
+            <a:pPr marL="0" indent="0">
+              <a:buNone/>
+            </a:pPr>
+            <a:r>
+              <a:rPr lang="en-US" sz="2400" dirty="0">
+                <a:solidFill>
+                  <a:srgbClr val="FF0000"/>
+                </a:solidFill>
+                <a:latin typeface="Courier New" panose="02070309020205020404" pitchFamily="49" charset="0"/>
+                <a:cs typeface="Courier New" panose="02070309020205020404" pitchFamily="49" charset="0"/>
+              </a:rPr>
+              <a:t>    return </a:t>
+            </a:r>
+            <a:r>
+              <a:rPr lang="en-US" sz="2400" dirty="0" err="1">
+                <a:solidFill>
+                  <a:srgbClr val="FF0000"/>
+                </a:solidFill>
+                <a:latin typeface="Courier New" panose="02070309020205020404" pitchFamily="49" charset="0"/>
+                <a:cs typeface="Courier New" panose="02070309020205020404" pitchFamily="49" charset="0"/>
+              </a:rPr>
+              <a:t>comp_special</a:t>
+            </a:r>
+            <a:r>
+              <a:rPr lang="en-US" sz="2400" dirty="0">
+                <a:solidFill>
+                  <a:srgbClr val="FF0000"/>
+                </a:solidFill>
+                <a:latin typeface="Courier New" panose="02070309020205020404" pitchFamily="49" charset="0"/>
+                <a:cs typeface="Courier New" panose="02070309020205020404" pitchFamily="49" charset="0"/>
+              </a:rPr>
+              <a:t>(l, r);</a:t>
+            </a:r>
+          </a:p>
+          <a:p>
+            <a:pPr marL="0" indent="0">
+              <a:buNone/>
+            </a:pPr>
+            <a:r>
+              <a:rPr lang="en-US" sz="2400" dirty="0">
+                <a:solidFill>
+                  <a:prstClr val="black"/>
+                </a:solidFill>
+                <a:latin typeface="Courier New" panose="02070309020205020404" pitchFamily="49" charset="0"/>
+                <a:cs typeface="Courier New" panose="02070309020205020404" pitchFamily="49" charset="0"/>
+              </a:rPr>
+              <a:t>  else</a:t>
+            </a:r>
+          </a:p>
+          <a:p>
+            <a:pPr marL="0" indent="0">
+              <a:buNone/>
+            </a:pPr>
+            <a:r>
+              <a:rPr lang="en-US" sz="2400" dirty="0">
+                <a:solidFill>
+                  <a:prstClr val="black"/>
+                </a:solidFill>
+                <a:latin typeface="Courier New" panose="02070309020205020404" pitchFamily="49" charset="0"/>
+                <a:cs typeface="Courier New" panose="02070309020205020404" pitchFamily="49" charset="0"/>
+              </a:rPr>
+              <a:t>    return </a:t>
             </a:r>
             <a:r>
               <a:rPr lang="en-US" sz="2400" dirty="0" err="1">
@@ -9393,7 +11003,7 @@
                 <a:latin typeface="Courier New" panose="02070309020205020404" pitchFamily="49" charset="0"/>
                 <a:cs typeface="Courier New" panose="02070309020205020404" pitchFamily="49" charset="0"/>
               </a:rPr>
-              <a:t>uniq_ptr</a:t>
+              <a:t>comp_normal</a:t>
             </a:r>
             <a:r>
               <a:rPr lang="en-US" sz="2400" dirty="0">
@@ -9403,18 +11013,13 @@
                 <a:latin typeface="Courier New" panose="02070309020205020404" pitchFamily="49" charset="0"/>
                 <a:cs typeface="Courier New" panose="02070309020205020404" pitchFamily="49" charset="0"/>
               </a:rPr>
-              <a:t>&lt;</a:t>
-            </a:r>
-            <a:r>
-              <a:rPr lang="en-US" sz="2400" dirty="0" err="1">
-                <a:solidFill>
-                  <a:prstClr val="black"/>
-                </a:solidFill>
-                <a:latin typeface="Courier New" panose="02070309020205020404" pitchFamily="49" charset="0"/>
-                <a:cs typeface="Courier New" panose="02070309020205020404" pitchFamily="49" charset="0"/>
-              </a:rPr>
-              <a:t>SomeClass</a:t>
-            </a:r>
+              <a:t>(l, r);</a:t>
+            </a:r>
+          </a:p>
+          <a:p>
+            <a:pPr marL="0" indent="0">
+              <a:buNone/>
+            </a:pPr>
             <a:r>
               <a:rPr lang="en-US" sz="2400" dirty="0">
                 <a:solidFill>
@@ -9423,249 +11028,18 @@
                 <a:latin typeface="Courier New" panose="02070309020205020404" pitchFamily="49" charset="0"/>
                 <a:cs typeface="Courier New" panose="02070309020205020404" pitchFamily="49" charset="0"/>
               </a:rPr>
-              <a:t>&gt; l, std::</a:t>
-            </a:r>
-            <a:r>
-              <a:rPr lang="en-US" sz="2400" dirty="0" err="1">
-                <a:solidFill>
-                  <a:prstClr val="black"/>
-                </a:solidFill>
-                <a:latin typeface="Courier New" panose="02070309020205020404" pitchFamily="49" charset="0"/>
-                <a:cs typeface="Courier New" panose="02070309020205020404" pitchFamily="49" charset="0"/>
-              </a:rPr>
-              <a:t>uniq_ptr</a:t>
-            </a:r>
-            <a:r>
-              <a:rPr lang="en-US" sz="2400" dirty="0">
-                <a:solidFill>
-                  <a:prstClr val="black"/>
-                </a:solidFill>
-                <a:latin typeface="Courier New" panose="02070309020205020404" pitchFamily="49" charset="0"/>
-                <a:cs typeface="Courier New" panose="02070309020205020404" pitchFamily="49" charset="0"/>
-              </a:rPr>
-              <a:t>&lt;</a:t>
-            </a:r>
-            <a:r>
-              <a:rPr lang="en-US" sz="2400" dirty="0" err="1">
-                <a:solidFill>
-                  <a:prstClr val="black"/>
-                </a:solidFill>
-                <a:latin typeface="Courier New" panose="02070309020205020404" pitchFamily="49" charset="0"/>
-                <a:cs typeface="Courier New" panose="02070309020205020404" pitchFamily="49" charset="0"/>
-              </a:rPr>
-              <a:t>SomeClass</a:t>
-            </a:r>
-            <a:r>
-              <a:rPr lang="en-US" sz="2400" dirty="0">
-                <a:solidFill>
-                  <a:prstClr val="black"/>
-                </a:solidFill>
-                <a:latin typeface="Courier New" panose="02070309020205020404" pitchFamily="49" charset="0"/>
-                <a:cs typeface="Courier New" panose="02070309020205020404" pitchFamily="49" charset="0"/>
-              </a:rPr>
-              <a:t>&gt; r) {</a:t>
-            </a:r>
-          </a:p>
-          <a:p>
-            <a:pPr marL="0" indent="0">
-              <a:buNone/>
-            </a:pPr>
-            <a:r>
-              <a:rPr lang="en-US" sz="2400" dirty="0">
-                <a:solidFill>
-                  <a:prstClr val="black"/>
-                </a:solidFill>
-                <a:latin typeface="Courier New" panose="02070309020205020404" pitchFamily="49" charset="0"/>
-                <a:cs typeface="Courier New" panose="02070309020205020404" pitchFamily="49" charset="0"/>
-              </a:rPr>
-              <a:t>  if (!</a:t>
-            </a:r>
-            <a:r>
-              <a:rPr lang="en-US" sz="2400" dirty="0" err="1">
-                <a:solidFill>
-                  <a:prstClr val="black"/>
-                </a:solidFill>
-                <a:latin typeface="Courier New" panose="02070309020205020404" pitchFamily="49" charset="0"/>
-                <a:cs typeface="Courier New" panose="02070309020205020404" pitchFamily="49" charset="0"/>
-              </a:rPr>
-              <a:t>l.get</a:t>
-            </a:r>
-            <a:r>
-              <a:rPr lang="en-US" sz="2400" dirty="0">
-                <a:solidFill>
-                  <a:prstClr val="black"/>
-                </a:solidFill>
-                <a:latin typeface="Courier New" panose="02070309020205020404" pitchFamily="49" charset="0"/>
-                <a:cs typeface="Courier New" panose="02070309020205020404" pitchFamily="49" charset="0"/>
-              </a:rPr>
-              <a:t>())</a:t>
-            </a:r>
-          </a:p>
-          <a:p>
-            <a:pPr marL="0" indent="0">
-              <a:buNone/>
-            </a:pPr>
-            <a:r>
-              <a:rPr lang="en-US" sz="2400" dirty="0">
-                <a:solidFill>
-                  <a:prstClr val="black"/>
-                </a:solidFill>
-                <a:latin typeface="Courier New" panose="02070309020205020404" pitchFamily="49" charset="0"/>
-                <a:cs typeface="Courier New" panose="02070309020205020404" pitchFamily="49" charset="0"/>
-              </a:rPr>
-              <a:t>    return true;</a:t>
-            </a:r>
-          </a:p>
-          <a:p>
-            <a:pPr marL="0" indent="0">
-              <a:buNone/>
-            </a:pPr>
-            <a:r>
-              <a:rPr lang="en-US" sz="2400" dirty="0">
-                <a:solidFill>
-                  <a:prstClr val="black"/>
-                </a:solidFill>
-                <a:latin typeface="Courier New" panose="02070309020205020404" pitchFamily="49" charset="0"/>
-                <a:cs typeface="Courier New" panose="02070309020205020404" pitchFamily="49" charset="0"/>
-              </a:rPr>
-              <a:t>  else</a:t>
-            </a:r>
-          </a:p>
-          <a:p>
-            <a:pPr marL="0" indent="0">
-              <a:buNone/>
-            </a:pPr>
-            <a:r>
-              <a:rPr lang="en-US" sz="2400" dirty="0">
-                <a:solidFill>
-                  <a:prstClr val="black"/>
-                </a:solidFill>
-                <a:latin typeface="Courier New" panose="02070309020205020404" pitchFamily="49" charset="0"/>
-                <a:cs typeface="Courier New" panose="02070309020205020404" pitchFamily="49" charset="0"/>
-              </a:rPr>
-              <a:t>    ...</a:t>
-            </a:r>
-          </a:p>
-          <a:p>
-            <a:pPr marL="0" indent="0">
-              <a:buNone/>
-            </a:pPr>
-            <a:r>
-              <a:rPr lang="en-US" sz="2400" dirty="0">
-                <a:solidFill>
-                  <a:prstClr val="black"/>
-                </a:solidFill>
-                <a:latin typeface="Courier New" panose="02070309020205020404" pitchFamily="49" charset="0"/>
-                <a:cs typeface="Courier New" panose="02070309020205020404" pitchFamily="49" charset="0"/>
-              </a:rPr>
               <a:t>}</a:t>
             </a:r>
-            <a:endParaRPr lang="ru-RU" sz="2400" dirty="0">
-              <a:solidFill>
-                <a:prstClr val="black"/>
-              </a:solidFill>
-              <a:latin typeface="Courier New" panose="02070309020205020404" pitchFamily="49" charset="0"/>
-              <a:cs typeface="Courier New" panose="02070309020205020404" pitchFamily="49" charset="0"/>
-            </a:endParaRPr>
-          </a:p>
-          <a:p>
-            <a:r>
-              <a:rPr lang="ru-RU" dirty="0">
-                <a:solidFill>
-                  <a:prstClr val="black"/>
-                </a:solidFill>
-                <a:cs typeface="Courier New" panose="02070309020205020404" pitchFamily="49" charset="0"/>
-              </a:rPr>
-              <a:t>Нарушается иррефлексивность и антисимметричность если второй операнд тоже нулевой</a:t>
-            </a:r>
-            <a:endParaRPr lang="en-US" dirty="0">
-              <a:solidFill>
-                <a:prstClr val="black"/>
-              </a:solidFill>
-              <a:cs typeface="Courier New" panose="02070309020205020404" pitchFamily="49" charset="0"/>
-            </a:endParaRPr>
-          </a:p>
-          <a:p>
-            <a:r>
-              <a:rPr lang="ru-RU" dirty="0">
-                <a:solidFill>
-                  <a:prstClr val="black"/>
-                </a:solidFill>
-                <a:cs typeface="Courier New" panose="02070309020205020404" pitchFamily="49" charset="0"/>
-              </a:rPr>
-              <a:t>Примеры со stackoverflow:</a:t>
-            </a:r>
-          </a:p>
-          <a:p>
-            <a:pPr lvl="1"/>
-            <a:r>
-              <a:rPr lang="ru-RU" dirty="0">
-                <a:solidFill>
-                  <a:prstClr val="black"/>
-                </a:solidFill>
-                <a:cs typeface="Courier New" panose="02070309020205020404" pitchFamily="49" charset="0"/>
-                <a:hlinkClick r:id="rId2"/>
-              </a:rPr>
-              <a:t>https://stackoverflow.com/questions/55815423/stdsort-crashes-with-strict-weak-ordering-comparing-with-garbage-values</a:t>
-            </a:r>
-            <a:r>
-              <a:rPr lang="en-US" dirty="0">
-                <a:solidFill>
-                  <a:prstClr val="black"/>
-                </a:solidFill>
-                <a:cs typeface="Courier New" panose="02070309020205020404" pitchFamily="49" charset="0"/>
-              </a:rPr>
-              <a:t> </a:t>
-            </a:r>
-            <a:endParaRPr lang="ru-RU" dirty="0">
-              <a:solidFill>
-                <a:prstClr val="black"/>
-              </a:solidFill>
-              <a:cs typeface="Courier New" panose="02070309020205020404" pitchFamily="49" charset="0"/>
-            </a:endParaRPr>
-          </a:p>
-          <a:p>
-            <a:pPr lvl="1"/>
-            <a:r>
-              <a:rPr lang="ru-RU" dirty="0">
-                <a:solidFill>
-                  <a:prstClr val="black"/>
-                </a:solidFill>
-                <a:cs typeface="Courier New" panose="02070309020205020404" pitchFamily="49" charset="0"/>
-                <a:hlinkClick r:id="rId3"/>
-              </a:rPr>
-              <a:t>https://stackoverflow.com/questions/48972158/crash-in-stdsort-sorting-without-strict-weak-ordering</a:t>
-            </a:r>
-            <a:r>
-              <a:rPr lang="en-US" dirty="0">
-                <a:solidFill>
-                  <a:prstClr val="black"/>
-                </a:solidFill>
-                <a:cs typeface="Courier New" panose="02070309020205020404" pitchFamily="49" charset="0"/>
-              </a:rPr>
-              <a:t> </a:t>
-            </a:r>
-            <a:endParaRPr lang="ru-RU" dirty="0">
-              <a:solidFill>
-                <a:prstClr val="black"/>
-              </a:solidFill>
-              <a:cs typeface="Courier New" panose="02070309020205020404" pitchFamily="49" charset="0"/>
-            </a:endParaRPr>
-          </a:p>
-          <a:p>
-            <a:endParaRPr lang="en-US" dirty="0">
-              <a:solidFill>
-                <a:prstClr val="black"/>
-              </a:solidFill>
-              <a:cs typeface="Courier New" panose="02070309020205020404" pitchFamily="49" charset="0"/>
-            </a:endParaRPr>
+          </a:p>
+          <a:p>
+            <a:endParaRPr lang="en-US" dirty="0"/>
           </a:p>
         </p:txBody>
       </p:sp>
     </p:spTree>
     <p:extLst>
       <p:ext uri="{BB962C8B-B14F-4D97-AF65-F5344CB8AC3E}">
-        <p14:creationId xmlns:p14="http://schemas.microsoft.com/office/powerpoint/2010/main" val="711564749"/>
+        <p14:creationId xmlns:p14="http://schemas.microsoft.com/office/powerpoint/2010/main" val="1171521156"/>
       </p:ext>
     </p:extLst>
   </p:cSld>
@@ -9697,7 +11071,7 @@
           <p:cNvPr id="2" name="Title 1">
             <a:extLst>
               <a:ext uri="{FF2B5EF4-FFF2-40B4-BE49-F238E27FC236}">
-                <a16:creationId xmlns:a16="http://schemas.microsoft.com/office/drawing/2014/main" id="{2A113B13-406F-410B-BFB5-9599BB8FA280}"/>
+                <a16:creationId xmlns:a16="http://schemas.microsoft.com/office/drawing/2014/main" id="{F846F1BD-7FCB-4283-AEC4-931793609E60}"/>
               </a:ext>
             </a:extLst>
           </p:cNvPr>
@@ -9723,7 +11097,7 @@
             </a:r>
             <a:r>
               <a:rPr lang="ru-RU" dirty="0"/>
-              <a:t> приближенные сравнения</a:t>
+              <a:t> сравнение особых объектов отдельным алгоритмом</a:t>
             </a:r>
             <a:endParaRPr lang="en-US" dirty="0"/>
           </a:p>
@@ -9734,7 +11108,7 @@
           <p:cNvPr id="3" name="Content Placeholder 2">
             <a:extLst>
               <a:ext uri="{FF2B5EF4-FFF2-40B4-BE49-F238E27FC236}">
-                <a16:creationId xmlns:a16="http://schemas.microsoft.com/office/drawing/2014/main" id="{92E789BC-A1A6-4768-97BD-DC69CFA3A8F6}"/>
+                <a16:creationId xmlns:a16="http://schemas.microsoft.com/office/drawing/2014/main" id="{B5919733-7359-4FCE-BBA6-CB2E1BB87C5E}"/>
               </a:ext>
             </a:extLst>
           </p:cNvPr>
@@ -9748,150 +11122,89 @@
         <p:spPr/>
         <p:txBody>
           <a:bodyPr>
-            <a:normAutofit fontScale="85000" lnSpcReduction="20000"/>
+            <a:normAutofit fontScale="92500" lnSpcReduction="10000"/>
           </a:bodyPr>
           <a:lstStyle/>
           <a:p>
-            <a:pPr marL="0" indent="0">
-              <a:buNone/>
-            </a:pPr>
-            <a:r>
-              <a:rPr lang="en-US" sz="2600" dirty="0">
-                <a:solidFill>
-                  <a:prstClr val="black"/>
-                </a:solidFill>
-                <a:latin typeface="Courier New" panose="02070309020205020404" pitchFamily="49" charset="0"/>
-                <a:cs typeface="Courier New" panose="02070309020205020404" pitchFamily="49" charset="0"/>
-              </a:rPr>
-              <a:t>bool </a:t>
-            </a:r>
-            <a:r>
-              <a:rPr lang="en-US" sz="2600" dirty="0" err="1">
-                <a:solidFill>
-                  <a:prstClr val="black"/>
-                </a:solidFill>
-                <a:latin typeface="Courier New" panose="02070309020205020404" pitchFamily="49" charset="0"/>
-                <a:cs typeface="Courier New" panose="02070309020205020404" pitchFamily="49" charset="0"/>
-              </a:rPr>
-              <a:t>cmp</a:t>
-            </a:r>
-            <a:r>
-              <a:rPr lang="en-US" sz="2600" dirty="0">
-                <a:solidFill>
-                  <a:prstClr val="black"/>
-                </a:solidFill>
-                <a:latin typeface="Courier New" panose="02070309020205020404" pitchFamily="49" charset="0"/>
-                <a:cs typeface="Courier New" panose="02070309020205020404" pitchFamily="49" charset="0"/>
-              </a:rPr>
-              <a:t>(double a, double b) {</a:t>
-            </a:r>
-          </a:p>
-          <a:p>
-            <a:pPr marL="0" indent="0">
-              <a:buNone/>
-            </a:pPr>
-            <a:r>
-              <a:rPr lang="en-US" sz="2600" dirty="0">
-                <a:solidFill>
-                  <a:prstClr val="black"/>
-                </a:solidFill>
-                <a:latin typeface="Courier New" panose="02070309020205020404" pitchFamily="49" charset="0"/>
-                <a:cs typeface="Courier New" panose="02070309020205020404" pitchFamily="49" charset="0"/>
-              </a:rPr>
-              <a:t>    if (abs(a - b) &lt; eps) return false;</a:t>
-            </a:r>
-          </a:p>
-          <a:p>
-            <a:pPr marL="0" indent="0">
-              <a:buNone/>
-            </a:pPr>
-            <a:r>
-              <a:rPr lang="en-US" sz="2600" dirty="0">
-                <a:solidFill>
-                  <a:prstClr val="black"/>
-                </a:solidFill>
-                <a:latin typeface="Courier New" panose="02070309020205020404" pitchFamily="49" charset="0"/>
-                <a:cs typeface="Courier New" panose="02070309020205020404" pitchFamily="49" charset="0"/>
-              </a:rPr>
-              <a:t>    return a &lt; b;</a:t>
-            </a:r>
-          </a:p>
-          <a:p>
-            <a:pPr marL="0" indent="0">
-              <a:buNone/>
-            </a:pPr>
-            <a:r>
-              <a:rPr lang="en-US" sz="2600" dirty="0">
-                <a:solidFill>
-                  <a:prstClr val="black"/>
-                </a:solidFill>
-                <a:latin typeface="Courier New" panose="02070309020205020404" pitchFamily="49" charset="0"/>
-                <a:cs typeface="Courier New" panose="02070309020205020404" pitchFamily="49" charset="0"/>
-              </a:rPr>
-              <a:t>}</a:t>
-            </a:r>
-          </a:p>
-          <a:p>
-            <a:r>
-              <a:rPr lang="ru-RU" dirty="0"/>
-              <a:t>Программист хотел чтобы "близкие" элементы рассматривались как эквивалентные</a:t>
-            </a:r>
-          </a:p>
-          <a:p>
-            <a:r>
-              <a:rPr lang="ru-RU" dirty="0"/>
-              <a:t>Но при этом нарушил аксиому транзитивности эквивалентности:</a:t>
-            </a:r>
-          </a:p>
-          <a:p>
-            <a:pPr marL="457200" lvl="1" indent="0">
-              <a:buNone/>
-            </a:pPr>
-            <a:r>
-              <a:rPr lang="ru-RU" dirty="0">
-                <a:latin typeface="Courier New" panose="02070309020205020404" pitchFamily="49" charset="0"/>
-                <a:cs typeface="Courier New" panose="02070309020205020404" pitchFamily="49" charset="0"/>
-              </a:rPr>
-              <a:t>equiv(0, 0.5 * eps) == true</a:t>
-            </a:r>
-            <a:endParaRPr lang="en-US" dirty="0">
-              <a:latin typeface="Courier New" panose="02070309020205020404" pitchFamily="49" charset="0"/>
-              <a:cs typeface="Courier New" panose="02070309020205020404" pitchFamily="49" charset="0"/>
-            </a:endParaRPr>
-          </a:p>
-          <a:p>
-            <a:pPr marL="457200" lvl="1" indent="0">
-              <a:buNone/>
-            </a:pPr>
-            <a:r>
-              <a:rPr lang="ru-RU" dirty="0">
-                <a:latin typeface="Courier New" panose="02070309020205020404" pitchFamily="49" charset="0"/>
-                <a:cs typeface="Courier New" panose="02070309020205020404" pitchFamily="49" charset="0"/>
-              </a:rPr>
-              <a:t>equiv(0.5 * eps, eps) == true</a:t>
-            </a:r>
-            <a:endParaRPr lang="en-US" dirty="0">
-              <a:latin typeface="Courier New" panose="02070309020205020404" pitchFamily="49" charset="0"/>
-              <a:cs typeface="Courier New" panose="02070309020205020404" pitchFamily="49" charset="0"/>
-            </a:endParaRPr>
-          </a:p>
-          <a:p>
-            <a:pPr marL="457200" lvl="1" indent="0">
-              <a:buNone/>
-            </a:pPr>
-            <a:r>
-              <a:rPr lang="ru-RU" dirty="0">
-                <a:latin typeface="Courier New" panose="02070309020205020404" pitchFamily="49" charset="0"/>
-                <a:cs typeface="Courier New" panose="02070309020205020404" pitchFamily="49" charset="0"/>
-              </a:rPr>
-              <a:t>cmp(0, eps) == false</a:t>
-            </a:r>
-          </a:p>
-          <a:p>
-            <a:r>
-              <a:rPr lang="ru-RU" dirty="0"/>
-              <a:t>Пример:</a:t>
-            </a:r>
+            <a:r>
+              <a:rPr lang="ru-RU" dirty="0"/>
+              <a:t>Наиболее коварная ошибка</a:t>
+            </a:r>
+            <a:endParaRPr lang="en-US" dirty="0"/>
+          </a:p>
+          <a:p>
+            <a:r>
+              <a:rPr lang="ru-RU" dirty="0"/>
+              <a:t>Очень легко нарушить условия транзитивности</a:t>
+            </a:r>
+            <a:r>
+              <a:rPr lang="en-US" dirty="0"/>
+              <a:t>:</a:t>
+            </a:r>
+            <a:endParaRPr lang="ru-RU" dirty="0"/>
+          </a:p>
+          <a:p>
+            <a:pPr lvl="1"/>
+            <a:r>
+              <a:rPr lang="ru-RU" dirty="0"/>
+              <a:t>если</a:t>
+            </a:r>
+          </a:p>
+          <a:p>
+            <a:pPr marL="914400" lvl="2" indent="0">
+              <a:buNone/>
+            </a:pPr>
+            <a:r>
+              <a:rPr lang="ru-RU" dirty="0"/>
+              <a:t>comp_special(special_obj1, special_obj2) &amp;&amp; comp_normal(special_obj2, normal_obj)</a:t>
+            </a:r>
+          </a:p>
+          <a:p>
+            <a:pPr lvl="1"/>
+            <a:r>
+              <a:rPr lang="ru-RU" dirty="0"/>
+              <a:t>то должно быть</a:t>
+            </a:r>
+          </a:p>
+          <a:p>
+            <a:pPr marL="914400" lvl="2" indent="0">
+              <a:buNone/>
+            </a:pPr>
+            <a:r>
+              <a:rPr lang="ru-RU" dirty="0"/>
+              <a:t>comp_normal(special_obj1, normal_obj)</a:t>
+            </a:r>
+          </a:p>
+          <a:p>
+            <a:r>
+              <a:rPr lang="ru-RU" dirty="0"/>
+              <a:t>Но часто это не выполняется</a:t>
+            </a:r>
+            <a:r>
+              <a:rPr lang="en-US" dirty="0"/>
+              <a:t>:</a:t>
+            </a:r>
+          </a:p>
+          <a:p>
+            <a:pPr lvl="1"/>
+            <a:r>
+              <a:rPr lang="ru-RU" dirty="0"/>
+              <a:t>comp_special и comp_normal как правило логически (и алгоритмически) никак не связаны между собой</a:t>
+            </a:r>
+          </a:p>
+          <a:p>
+            <a:pPr lvl="1"/>
+            <a:r>
+              <a:rPr lang="ru-RU" dirty="0"/>
+              <a:t>обычно они сравнивают совершенно разные поля объектов</a:t>
+            </a:r>
+          </a:p>
+          <a:p>
+            <a:r>
+              <a:rPr lang="ru-RU" dirty="0"/>
+              <a:t>Пример из жизни:</a:t>
+            </a:r>
+            <a:endParaRPr lang="en-US" dirty="0"/>
           </a:p>
           <a:p>
             <a:pPr lvl="1"/>
@@ -9899,7 +11212,7 @@
               <a:rPr lang="ru-RU" dirty="0">
                 <a:hlinkClick r:id="rId2"/>
               </a:rPr>
-              <a:t>https://stackoverflow.com/questions/68114060/does-using-epsilon-in-comparison-of-floating-point-break-strict-weak-ordering</a:t>
+              <a:t>https://gcc.gnu.org/bugzilla/show_bug.cgi?id=68988</a:t>
             </a:r>
             <a:r>
               <a:rPr lang="en-US" dirty="0"/>
@@ -9915,7 +11228,7 @@
     </p:spTree>
     <p:extLst>
       <p:ext uri="{BB962C8B-B14F-4D97-AF65-F5344CB8AC3E}">
-        <p14:creationId xmlns:p14="http://schemas.microsoft.com/office/powerpoint/2010/main" val="325765568"/>
+        <p14:creationId xmlns:p14="http://schemas.microsoft.com/office/powerpoint/2010/main" val="2158512306"/>
       </p:ext>
     </p:extLst>
   </p:cSld>
@@ -9947,457 +11260,6 @@
           <p:cNvPr id="2" name="Title 1">
             <a:extLst>
               <a:ext uri="{FF2B5EF4-FFF2-40B4-BE49-F238E27FC236}">
-                <a16:creationId xmlns:a16="http://schemas.microsoft.com/office/drawing/2014/main" id="{2A19E494-9936-451A-BF6D-29D50118093A}"/>
-              </a:ext>
-            </a:extLst>
-          </p:cNvPr>
-          <p:cNvSpPr>
-            <a:spLocks noGrp="1"/>
-          </p:cNvSpPr>
-          <p:nvPr>
-            <p:ph type="title"/>
-          </p:nvPr>
-        </p:nvSpPr>
-        <p:spPr/>
-        <p:txBody>
-          <a:bodyPr/>
-          <a:lstStyle/>
-          <a:p>
-            <a:r>
-              <a:rPr lang="ru-RU" dirty="0"/>
-              <a:t>Частые ошибки</a:t>
-            </a:r>
-            <a:r>
-              <a:rPr lang="en-US" dirty="0"/>
-              <a:t>:</a:t>
-            </a:r>
-            <a:r>
-              <a:rPr lang="ru-RU" dirty="0"/>
-              <a:t> сравнение особых объектов отдельным алгоритмом</a:t>
-            </a:r>
-            <a:endParaRPr lang="en-US" dirty="0"/>
-          </a:p>
-        </p:txBody>
-      </p:sp>
-      <p:sp>
-        <p:nvSpPr>
-          <p:cNvPr id="3" name="Content Placeholder 2">
-            <a:extLst>
-              <a:ext uri="{FF2B5EF4-FFF2-40B4-BE49-F238E27FC236}">
-                <a16:creationId xmlns:a16="http://schemas.microsoft.com/office/drawing/2014/main" id="{E34877F2-0E42-46CD-89A4-90C23BB090A5}"/>
-              </a:ext>
-            </a:extLst>
-          </p:cNvPr>
-          <p:cNvSpPr>
-            <a:spLocks noGrp="1"/>
-          </p:cNvSpPr>
-          <p:nvPr>
-            <p:ph idx="1"/>
-          </p:nvPr>
-        </p:nvSpPr>
-        <p:spPr/>
-        <p:txBody>
-          <a:bodyPr/>
-          <a:lstStyle/>
-          <a:p>
-            <a:pPr marL="0" indent="0">
-              <a:buNone/>
-            </a:pPr>
-            <a:r>
-              <a:rPr lang="en-US" sz="2400" dirty="0">
-                <a:solidFill>
-                  <a:prstClr val="black"/>
-                </a:solidFill>
-                <a:latin typeface="Courier New" panose="02070309020205020404" pitchFamily="49" charset="0"/>
-                <a:cs typeface="Courier New" panose="02070309020205020404" pitchFamily="49" charset="0"/>
-              </a:rPr>
-              <a:t>[](Object l, Object r) {</a:t>
-            </a:r>
-          </a:p>
-          <a:p>
-            <a:pPr marL="0" indent="0">
-              <a:buNone/>
-            </a:pPr>
-            <a:r>
-              <a:rPr lang="en-US" sz="2400" dirty="0">
-                <a:solidFill>
-                  <a:srgbClr val="FF0000"/>
-                </a:solidFill>
-                <a:latin typeface="Courier New" panose="02070309020205020404" pitchFamily="49" charset="0"/>
-                <a:cs typeface="Courier New" panose="02070309020205020404" pitchFamily="49" charset="0"/>
-              </a:rPr>
-              <a:t>  if (</a:t>
-            </a:r>
-            <a:r>
-              <a:rPr lang="en-US" sz="2400" dirty="0" err="1">
-                <a:solidFill>
-                  <a:srgbClr val="FF0000"/>
-                </a:solidFill>
-                <a:latin typeface="Courier New" panose="02070309020205020404" pitchFamily="49" charset="0"/>
-                <a:cs typeface="Courier New" panose="02070309020205020404" pitchFamily="49" charset="0"/>
-              </a:rPr>
-              <a:t>is_special</a:t>
-            </a:r>
-            <a:r>
-              <a:rPr lang="en-US" sz="2400" dirty="0">
-                <a:solidFill>
-                  <a:srgbClr val="FF0000"/>
-                </a:solidFill>
-                <a:latin typeface="Courier New" panose="02070309020205020404" pitchFamily="49" charset="0"/>
-                <a:cs typeface="Courier New" panose="02070309020205020404" pitchFamily="49" charset="0"/>
-              </a:rPr>
-              <a:t>(l) &amp;&amp; </a:t>
-            </a:r>
-            <a:r>
-              <a:rPr lang="en-US" sz="2400" dirty="0" err="1">
-                <a:solidFill>
-                  <a:srgbClr val="FF0000"/>
-                </a:solidFill>
-                <a:latin typeface="Courier New" panose="02070309020205020404" pitchFamily="49" charset="0"/>
-                <a:cs typeface="Courier New" panose="02070309020205020404" pitchFamily="49" charset="0"/>
-              </a:rPr>
-              <a:t>is_special</a:t>
-            </a:r>
-            <a:r>
-              <a:rPr lang="en-US" sz="2400" dirty="0">
-                <a:solidFill>
-                  <a:srgbClr val="FF0000"/>
-                </a:solidFill>
-                <a:latin typeface="Courier New" panose="02070309020205020404" pitchFamily="49" charset="0"/>
-                <a:cs typeface="Courier New" panose="02070309020205020404" pitchFamily="49" charset="0"/>
-              </a:rPr>
-              <a:t>(r))</a:t>
-            </a:r>
-          </a:p>
-          <a:p>
-            <a:pPr marL="0" indent="0">
-              <a:buNone/>
-            </a:pPr>
-            <a:r>
-              <a:rPr lang="en-US" sz="2400" dirty="0">
-                <a:solidFill>
-                  <a:srgbClr val="FF0000"/>
-                </a:solidFill>
-                <a:latin typeface="Courier New" panose="02070309020205020404" pitchFamily="49" charset="0"/>
-                <a:cs typeface="Courier New" panose="02070309020205020404" pitchFamily="49" charset="0"/>
-              </a:rPr>
-              <a:t>    return </a:t>
-            </a:r>
-            <a:r>
-              <a:rPr lang="en-US" sz="2400" dirty="0" err="1">
-                <a:solidFill>
-                  <a:srgbClr val="FF0000"/>
-                </a:solidFill>
-                <a:latin typeface="Courier New" panose="02070309020205020404" pitchFamily="49" charset="0"/>
-                <a:cs typeface="Courier New" panose="02070309020205020404" pitchFamily="49" charset="0"/>
-              </a:rPr>
-              <a:t>comp_special</a:t>
-            </a:r>
-            <a:r>
-              <a:rPr lang="en-US" sz="2400" dirty="0">
-                <a:solidFill>
-                  <a:srgbClr val="FF0000"/>
-                </a:solidFill>
-                <a:latin typeface="Courier New" panose="02070309020205020404" pitchFamily="49" charset="0"/>
-                <a:cs typeface="Courier New" panose="02070309020205020404" pitchFamily="49" charset="0"/>
-              </a:rPr>
-              <a:t>(l, r);</a:t>
-            </a:r>
-          </a:p>
-          <a:p>
-            <a:pPr marL="0" indent="0">
-              <a:buNone/>
-            </a:pPr>
-            <a:r>
-              <a:rPr lang="en-US" sz="2400" dirty="0">
-                <a:solidFill>
-                  <a:prstClr val="black"/>
-                </a:solidFill>
-                <a:latin typeface="Courier New" panose="02070309020205020404" pitchFamily="49" charset="0"/>
-                <a:cs typeface="Courier New" panose="02070309020205020404" pitchFamily="49" charset="0"/>
-              </a:rPr>
-              <a:t>  else</a:t>
-            </a:r>
-          </a:p>
-          <a:p>
-            <a:pPr marL="0" indent="0">
-              <a:buNone/>
-            </a:pPr>
-            <a:r>
-              <a:rPr lang="en-US" sz="2400" dirty="0">
-                <a:solidFill>
-                  <a:prstClr val="black"/>
-                </a:solidFill>
-                <a:latin typeface="Courier New" panose="02070309020205020404" pitchFamily="49" charset="0"/>
-                <a:cs typeface="Courier New" panose="02070309020205020404" pitchFamily="49" charset="0"/>
-              </a:rPr>
-              <a:t>    return </a:t>
-            </a:r>
-            <a:r>
-              <a:rPr lang="en-US" sz="2400" dirty="0" err="1">
-                <a:solidFill>
-                  <a:prstClr val="black"/>
-                </a:solidFill>
-                <a:latin typeface="Courier New" panose="02070309020205020404" pitchFamily="49" charset="0"/>
-                <a:cs typeface="Courier New" panose="02070309020205020404" pitchFamily="49" charset="0"/>
-              </a:rPr>
-              <a:t>comp_normal</a:t>
-            </a:r>
-            <a:r>
-              <a:rPr lang="en-US" sz="2400" dirty="0">
-                <a:solidFill>
-                  <a:prstClr val="black"/>
-                </a:solidFill>
-                <a:latin typeface="Courier New" panose="02070309020205020404" pitchFamily="49" charset="0"/>
-                <a:cs typeface="Courier New" panose="02070309020205020404" pitchFamily="49" charset="0"/>
-              </a:rPr>
-              <a:t>(l, r);</a:t>
-            </a:r>
-          </a:p>
-          <a:p>
-            <a:pPr marL="0" indent="0">
-              <a:buNone/>
-            </a:pPr>
-            <a:r>
-              <a:rPr lang="en-US" sz="2400" dirty="0">
-                <a:solidFill>
-                  <a:prstClr val="black"/>
-                </a:solidFill>
-                <a:latin typeface="Courier New" panose="02070309020205020404" pitchFamily="49" charset="0"/>
-                <a:cs typeface="Courier New" panose="02070309020205020404" pitchFamily="49" charset="0"/>
-              </a:rPr>
-              <a:t>}</a:t>
-            </a:r>
-          </a:p>
-          <a:p>
-            <a:endParaRPr lang="en-US" dirty="0"/>
-          </a:p>
-        </p:txBody>
-      </p:sp>
-    </p:spTree>
-    <p:extLst>
-      <p:ext uri="{BB962C8B-B14F-4D97-AF65-F5344CB8AC3E}">
-        <p14:creationId xmlns:p14="http://schemas.microsoft.com/office/powerpoint/2010/main" val="1171521156"/>
-      </p:ext>
-    </p:extLst>
-  </p:cSld>
-  <p:clrMapOvr>
-    <a:masterClrMapping/>
-  </p:clrMapOvr>
-</p:sld>
-</file>
-
-<file path=ppt/slides/slide36.xml><?xml version="1.0" encoding="utf-8"?>
-<p:sld xmlns:a="http://schemas.openxmlformats.org/drawingml/2006/main" xmlns:r="http://schemas.openxmlformats.org/officeDocument/2006/relationships" xmlns:p="http://schemas.openxmlformats.org/presentationml/2006/main">
-  <p:cSld>
-    <p:spTree>
-      <p:nvGrpSpPr>
-        <p:cNvPr id="1" name=""/>
-        <p:cNvGrpSpPr/>
-        <p:nvPr/>
-      </p:nvGrpSpPr>
-      <p:grpSpPr>
-        <a:xfrm>
-          <a:off x="0" y="0"/>
-          <a:ext cx="0" cy="0"/>
-          <a:chOff x="0" y="0"/>
-          <a:chExt cx="0" cy="0"/>
-        </a:xfrm>
-      </p:grpSpPr>
-      <p:sp>
-        <p:nvSpPr>
-          <p:cNvPr id="2" name="Title 1">
-            <a:extLst>
-              <a:ext uri="{FF2B5EF4-FFF2-40B4-BE49-F238E27FC236}">
-                <a16:creationId xmlns:a16="http://schemas.microsoft.com/office/drawing/2014/main" id="{F846F1BD-7FCB-4283-AEC4-931793609E60}"/>
-              </a:ext>
-            </a:extLst>
-          </p:cNvPr>
-          <p:cNvSpPr>
-            <a:spLocks noGrp="1"/>
-          </p:cNvSpPr>
-          <p:nvPr>
-            <p:ph type="title"/>
-          </p:nvPr>
-        </p:nvSpPr>
-        <p:spPr/>
-        <p:txBody>
-          <a:bodyPr/>
-          <a:lstStyle/>
-          <a:p>
-            <a:r>
-              <a:rPr lang="ru-RU" dirty="0"/>
-              <a:t>Частые ошибки</a:t>
-            </a:r>
-            <a:r>
-              <a:rPr lang="en-US" dirty="0"/>
-              <a:t>:</a:t>
-            </a:r>
-            <a:r>
-              <a:rPr lang="ru-RU" dirty="0"/>
-              <a:t> сравнение особых объектов отдельным алгоритмом</a:t>
-            </a:r>
-            <a:endParaRPr lang="en-US" dirty="0"/>
-          </a:p>
-        </p:txBody>
-      </p:sp>
-      <p:sp>
-        <p:nvSpPr>
-          <p:cNvPr id="3" name="Content Placeholder 2">
-            <a:extLst>
-              <a:ext uri="{FF2B5EF4-FFF2-40B4-BE49-F238E27FC236}">
-                <a16:creationId xmlns:a16="http://schemas.microsoft.com/office/drawing/2014/main" id="{B5919733-7359-4FCE-BBA6-CB2E1BB87C5E}"/>
-              </a:ext>
-            </a:extLst>
-          </p:cNvPr>
-          <p:cNvSpPr>
-            <a:spLocks noGrp="1"/>
-          </p:cNvSpPr>
-          <p:nvPr>
-            <p:ph idx="1"/>
-          </p:nvPr>
-        </p:nvSpPr>
-        <p:spPr/>
-        <p:txBody>
-          <a:bodyPr>
-            <a:normAutofit fontScale="92500" lnSpcReduction="10000"/>
-          </a:bodyPr>
-          <a:lstStyle/>
-          <a:p>
-            <a:r>
-              <a:rPr lang="ru-RU" dirty="0"/>
-              <a:t>Наиболее коварная ошибка</a:t>
-            </a:r>
-            <a:endParaRPr lang="en-US" dirty="0"/>
-          </a:p>
-          <a:p>
-            <a:r>
-              <a:rPr lang="ru-RU" dirty="0"/>
-              <a:t>Очень легко нарушить условия транзитивности</a:t>
-            </a:r>
-            <a:r>
-              <a:rPr lang="en-US" dirty="0"/>
-              <a:t>:</a:t>
-            </a:r>
-            <a:endParaRPr lang="ru-RU" dirty="0"/>
-          </a:p>
-          <a:p>
-            <a:pPr lvl="1"/>
-            <a:r>
-              <a:rPr lang="ru-RU" dirty="0"/>
-              <a:t>если</a:t>
-            </a:r>
-          </a:p>
-          <a:p>
-            <a:pPr marL="914400" lvl="2" indent="0">
-              <a:buNone/>
-            </a:pPr>
-            <a:r>
-              <a:rPr lang="ru-RU" dirty="0"/>
-              <a:t>comp_special(special_obj1, special_obj2) &amp;&amp; comp_normal(special_obj2, normal_obj)</a:t>
-            </a:r>
-          </a:p>
-          <a:p>
-            <a:pPr lvl="1"/>
-            <a:r>
-              <a:rPr lang="ru-RU" dirty="0"/>
-              <a:t>то должно быть</a:t>
-            </a:r>
-          </a:p>
-          <a:p>
-            <a:pPr marL="914400" lvl="2" indent="0">
-              <a:buNone/>
-            </a:pPr>
-            <a:r>
-              <a:rPr lang="ru-RU" dirty="0"/>
-              <a:t>comp_normal(special_obj1, normal_obj)</a:t>
-            </a:r>
-          </a:p>
-          <a:p>
-            <a:r>
-              <a:rPr lang="ru-RU" dirty="0"/>
-              <a:t>Но часто это не выполняется</a:t>
-            </a:r>
-            <a:r>
-              <a:rPr lang="en-US" dirty="0"/>
-              <a:t>:</a:t>
-            </a:r>
-          </a:p>
-          <a:p>
-            <a:pPr lvl="1"/>
-            <a:r>
-              <a:rPr lang="ru-RU" dirty="0"/>
-              <a:t>comp_special и comp_normal как правило логически (и алгоритмически) никак не связаны между собой</a:t>
-            </a:r>
-          </a:p>
-          <a:p>
-            <a:pPr lvl="1"/>
-            <a:r>
-              <a:rPr lang="ru-RU" dirty="0"/>
-              <a:t>обычно они сравнивают совершенно разные поля объектов</a:t>
-            </a:r>
-          </a:p>
-          <a:p>
-            <a:r>
-              <a:rPr lang="ru-RU" dirty="0"/>
-              <a:t>Пример из жизни:</a:t>
-            </a:r>
-            <a:endParaRPr lang="en-US" dirty="0"/>
-          </a:p>
-          <a:p>
-            <a:pPr lvl="1"/>
-            <a:r>
-              <a:rPr lang="ru-RU" dirty="0">
-                <a:hlinkClick r:id="rId2"/>
-              </a:rPr>
-              <a:t>https://gcc.gnu.org/bugzilla/show_bug.cgi?id=68988</a:t>
-            </a:r>
-            <a:r>
-              <a:rPr lang="en-US" dirty="0"/>
-              <a:t> </a:t>
-            </a:r>
-            <a:endParaRPr lang="ru-RU" dirty="0"/>
-          </a:p>
-          <a:p>
-            <a:endParaRPr lang="en-US" dirty="0"/>
-          </a:p>
-        </p:txBody>
-      </p:sp>
-    </p:spTree>
-    <p:extLst>
-      <p:ext uri="{BB962C8B-B14F-4D97-AF65-F5344CB8AC3E}">
-        <p14:creationId xmlns:p14="http://schemas.microsoft.com/office/powerpoint/2010/main" val="2158512306"/>
-      </p:ext>
-    </p:extLst>
-  </p:cSld>
-  <p:clrMapOvr>
-    <a:masterClrMapping/>
-  </p:clrMapOvr>
-</p:sld>
-</file>
-
-<file path=ppt/slides/slide37.xml><?xml version="1.0" encoding="utf-8"?>
-<p:sld xmlns:a="http://schemas.openxmlformats.org/drawingml/2006/main" xmlns:r="http://schemas.openxmlformats.org/officeDocument/2006/relationships" xmlns:p="http://schemas.openxmlformats.org/presentationml/2006/main">
-  <p:cSld>
-    <p:spTree>
-      <p:nvGrpSpPr>
-        <p:cNvPr id="1" name=""/>
-        <p:cNvGrpSpPr/>
-        <p:nvPr/>
-      </p:nvGrpSpPr>
-      <p:grpSpPr>
-        <a:xfrm>
-          <a:off x="0" y="0"/>
-          <a:ext cx="0" cy="0"/>
-          <a:chOff x="0" y="0"/>
-          <a:chExt cx="0" cy="0"/>
-        </a:xfrm>
-      </p:grpSpPr>
-      <p:sp>
-        <p:nvSpPr>
-          <p:cNvPr id="2" name="Title 1">
-            <a:extLst>
-              <a:ext uri="{FF2B5EF4-FFF2-40B4-BE49-F238E27FC236}">
                 <a16:creationId xmlns:a16="http://schemas.microsoft.com/office/drawing/2014/main" id="{C572B7C5-26C8-417A-B322-BAD4ADCDD4BC}"/>
               </a:ext>
             </a:extLst>
@@ -10785,7 +11647,7 @@
 </p:sld>
 </file>
 
-<file path=ppt/slides/slide38.xml><?xml version="1.0" encoding="utf-8"?>
+<file path=ppt/slides/slide36.xml><?xml version="1.0" encoding="utf-8"?>
 <p:sld xmlns:a="http://schemas.openxmlformats.org/drawingml/2006/main" xmlns:r="http://schemas.openxmlformats.org/officeDocument/2006/relationships" xmlns:p="http://schemas.openxmlformats.org/presentationml/2006/main">
   <p:cSld>
     <p:spTree>
@@ -10937,6 +11799,376 @@
 </p:sld>
 </file>
 
+<file path=ppt/slides/slide37.xml><?xml version="1.0" encoding="utf-8"?>
+<p:sld xmlns:a="http://schemas.openxmlformats.org/drawingml/2006/main" xmlns:r="http://schemas.openxmlformats.org/officeDocument/2006/relationships" xmlns:p="http://schemas.openxmlformats.org/presentationml/2006/main">
+  <p:cSld>
+    <p:spTree>
+      <p:nvGrpSpPr>
+        <p:cNvPr id="1" name=""/>
+        <p:cNvGrpSpPr/>
+        <p:nvPr/>
+      </p:nvGrpSpPr>
+      <p:grpSpPr>
+        <a:xfrm>
+          <a:off x="0" y="0"/>
+          <a:ext cx="0" cy="0"/>
+          <a:chOff x="0" y="0"/>
+          <a:chExt cx="0" cy="0"/>
+        </a:xfrm>
+      </p:grpSpPr>
+      <p:sp>
+        <p:nvSpPr>
+          <p:cNvPr id="2" name="Title 1">
+            <a:extLst>
+              <a:ext uri="{FF2B5EF4-FFF2-40B4-BE49-F238E27FC236}">
+                <a16:creationId xmlns:a16="http://schemas.microsoft.com/office/drawing/2014/main" id="{4779B8ED-1F29-4D30-B331-C3400270FDF0}"/>
+              </a:ext>
+            </a:extLst>
+          </p:cNvPr>
+          <p:cNvSpPr>
+            <a:spLocks noGrp="1"/>
+          </p:cNvSpPr>
+          <p:nvPr>
+            <p:ph type="title"/>
+          </p:nvPr>
+        </p:nvSpPr>
+        <p:spPr/>
+        <p:txBody>
+          <a:bodyPr/>
+          <a:lstStyle/>
+          <a:p>
+            <a:r>
+              <a:rPr lang="ru-RU" dirty="0"/>
+              <a:t>Отладочные средства в тулчейнах</a:t>
+            </a:r>
+            <a:endParaRPr lang="en-US" dirty="0"/>
+          </a:p>
+        </p:txBody>
+      </p:sp>
+      <p:sp>
+        <p:nvSpPr>
+          <p:cNvPr id="3" name="Content Placeholder 2">
+            <a:extLst>
+              <a:ext uri="{FF2B5EF4-FFF2-40B4-BE49-F238E27FC236}">
+                <a16:creationId xmlns:a16="http://schemas.microsoft.com/office/drawing/2014/main" id="{58F9ABFF-6BB7-4FB9-989A-8FA4CD7D38CB}"/>
+              </a:ext>
+            </a:extLst>
+          </p:cNvPr>
+          <p:cNvSpPr>
+            <a:spLocks noGrp="1"/>
+          </p:cNvSpPr>
+          <p:nvPr>
+            <p:ph idx="1"/>
+          </p:nvPr>
+        </p:nvSpPr>
+        <p:spPr/>
+        <p:txBody>
+          <a:bodyPr/>
+          <a:lstStyle/>
+          <a:p>
+            <a:r>
+              <a:rPr lang="ru-RU" dirty="0"/>
+              <a:t>Обе опции имеют существенные (2</a:t>
+            </a:r>
+            <a:r>
+              <a:rPr lang="en-US" dirty="0"/>
+              <a:t>x) </a:t>
+            </a:r>
+            <a:r>
+              <a:rPr lang="ru-RU" dirty="0"/>
+              <a:t>накладные расходы</a:t>
+            </a:r>
+            <a:endParaRPr lang="en-US" dirty="0"/>
+          </a:p>
+          <a:p>
+            <a:r>
+              <a:rPr lang="ru-RU" dirty="0"/>
+              <a:t>Рекомендуется использовать только для тестирования</a:t>
+            </a:r>
+            <a:endParaRPr lang="en-US" dirty="0"/>
+          </a:p>
+          <a:p>
+            <a:r>
+              <a:rPr lang="ru-RU" dirty="0"/>
+              <a:t>Чекеры компараторов не должны менять алгоритмическую сложность алгоритма (O(N*logN)) и поэтому не могут провести полную проверку корректности</a:t>
+            </a:r>
+          </a:p>
+          <a:p>
+            <a:pPr lvl="1"/>
+            <a:r>
+              <a:rPr lang="ru-RU" dirty="0"/>
+              <a:t>Например проверку аксиом транзитивности</a:t>
+            </a:r>
+          </a:p>
+          <a:p>
+            <a:endParaRPr lang="en-US" dirty="0"/>
+          </a:p>
+        </p:txBody>
+      </p:sp>
+    </p:spTree>
+    <p:extLst>
+      <p:ext uri="{BB962C8B-B14F-4D97-AF65-F5344CB8AC3E}">
+        <p14:creationId xmlns:p14="http://schemas.microsoft.com/office/powerpoint/2010/main" val="2928624946"/>
+      </p:ext>
+    </p:extLst>
+  </p:cSld>
+  <p:clrMapOvr>
+    <a:masterClrMapping/>
+  </p:clrMapOvr>
+</p:sld>
+</file>
+
+<file path=ppt/slides/slide38.xml><?xml version="1.0" encoding="utf-8"?>
+<p:sld xmlns:a="http://schemas.openxmlformats.org/drawingml/2006/main" xmlns:r="http://schemas.openxmlformats.org/officeDocument/2006/relationships" xmlns:p="http://schemas.openxmlformats.org/presentationml/2006/main">
+  <p:cSld>
+    <p:spTree>
+      <p:nvGrpSpPr>
+        <p:cNvPr id="1" name=""/>
+        <p:cNvGrpSpPr/>
+        <p:nvPr/>
+      </p:nvGrpSpPr>
+      <p:grpSpPr>
+        <a:xfrm>
+          <a:off x="0" y="0"/>
+          <a:ext cx="0" cy="0"/>
+          <a:chOff x="0" y="0"/>
+          <a:chExt cx="0" cy="0"/>
+        </a:xfrm>
+      </p:grpSpPr>
+      <p:sp>
+        <p:nvSpPr>
+          <p:cNvPr id="2" name="Title 1">
+            <a:extLst>
+              <a:ext uri="{FF2B5EF4-FFF2-40B4-BE49-F238E27FC236}">
+                <a16:creationId xmlns:a16="http://schemas.microsoft.com/office/drawing/2014/main" id="{BC72424F-9AF5-45CD-9C91-874C6DC016AA}"/>
+              </a:ext>
+            </a:extLst>
+          </p:cNvPr>
+          <p:cNvSpPr>
+            <a:spLocks noGrp="1"/>
+          </p:cNvSpPr>
+          <p:nvPr>
+            <p:ph type="title"/>
+          </p:nvPr>
+        </p:nvSpPr>
+        <p:spPr/>
+        <p:txBody>
+          <a:bodyPr/>
+          <a:lstStyle/>
+          <a:p>
+            <a:r>
+              <a:rPr lang="en-US" dirty="0" err="1"/>
+              <a:t>SortChecker</a:t>
+            </a:r>
+            <a:endParaRPr lang="en-US" dirty="0"/>
+          </a:p>
+        </p:txBody>
+      </p:sp>
+      <p:sp>
+        <p:nvSpPr>
+          <p:cNvPr id="3" name="Content Placeholder 2">
+            <a:extLst>
+              <a:ext uri="{FF2B5EF4-FFF2-40B4-BE49-F238E27FC236}">
+                <a16:creationId xmlns:a16="http://schemas.microsoft.com/office/drawing/2014/main" id="{436AE089-C978-44EF-9D7D-E8AE6EA68157}"/>
+              </a:ext>
+            </a:extLst>
+          </p:cNvPr>
+          <p:cNvSpPr>
+            <a:spLocks noGrp="1"/>
+          </p:cNvSpPr>
+          <p:nvPr>
+            <p:ph idx="1"/>
+          </p:nvPr>
+        </p:nvSpPr>
+        <p:spPr>
+          <a:xfrm>
+            <a:off x="838200" y="1847396"/>
+            <a:ext cx="10515600" cy="4351338"/>
+          </a:xfrm>
+        </p:spPr>
+        <p:txBody>
+          <a:bodyPr>
+            <a:normAutofit fontScale="92500" lnSpcReduction="20000"/>
+          </a:bodyPr>
+          <a:lstStyle/>
+          <a:p>
+            <a:r>
+              <a:rPr lang="ru-RU" dirty="0"/>
+              <a:t>Два простых динамических чекера для проверки корректности в рантайме</a:t>
+            </a:r>
+            <a:endParaRPr lang="en-US" dirty="0"/>
+          </a:p>
+          <a:p>
+            <a:r>
+              <a:rPr lang="ru-RU" dirty="0"/>
+              <a:t>SortChecker (</a:t>
+            </a:r>
+            <a:r>
+              <a:rPr lang="ru-RU" dirty="0">
+                <a:hlinkClick r:id="rId2"/>
+              </a:rPr>
+              <a:t>https://github.com/yugr/sortcheck</a:t>
+            </a:r>
+            <a:r>
+              <a:rPr lang="ru-RU" dirty="0"/>
+              <a:t>)</a:t>
+            </a:r>
+          </a:p>
+          <a:p>
+            <a:pPr lvl="1"/>
+            <a:r>
+              <a:rPr lang="ru-RU" dirty="0"/>
+              <a:t>работает с программами на C</a:t>
+            </a:r>
+          </a:p>
+          <a:p>
+            <a:pPr lvl="1"/>
+            <a:r>
+              <a:rPr lang="ru-RU" dirty="0"/>
+              <a:t>перехватывает и проверяет API типа </a:t>
+            </a:r>
+            <a:r>
+              <a:rPr lang="ru-RU" dirty="0">
+                <a:latin typeface="Courier New" panose="02070309020205020404" pitchFamily="49" charset="0"/>
+                <a:cs typeface="Courier New" panose="02070309020205020404" pitchFamily="49" charset="0"/>
+              </a:rPr>
+              <a:t>qsort</a:t>
+            </a:r>
+            <a:r>
+              <a:rPr lang="ru-RU" dirty="0"/>
+              <a:t> и </a:t>
+            </a:r>
+            <a:r>
+              <a:rPr lang="ru-RU" dirty="0">
+                <a:latin typeface="Courier New" panose="02070309020205020404" pitchFamily="49" charset="0"/>
+                <a:cs typeface="Courier New" panose="02070309020205020404" pitchFamily="49" charset="0"/>
+              </a:rPr>
+              <a:t>bsearch</a:t>
+            </a:r>
+          </a:p>
+          <a:p>
+            <a:pPr lvl="1"/>
+            <a:r>
+              <a:rPr lang="ru-RU" dirty="0"/>
+              <a:t>основан на динамической инструментации (</a:t>
+            </a:r>
+            <a:r>
+              <a:rPr lang="ru-RU" dirty="0">
+                <a:latin typeface="Courier New" panose="02070309020205020404" pitchFamily="49" charset="0"/>
+                <a:cs typeface="Courier New" panose="02070309020205020404" pitchFamily="49" charset="0"/>
+              </a:rPr>
+              <a:t>LD_PRELOAD</a:t>
+            </a:r>
+            <a:r>
+              <a:rPr lang="ru-RU" dirty="0"/>
+              <a:t>)</a:t>
+            </a:r>
+          </a:p>
+          <a:p>
+            <a:pPr lvl="1"/>
+            <a:r>
+              <a:rPr lang="ru-RU" dirty="0"/>
+              <a:t>15 ошибок в различных OSS проектах (GCC, Harfbuzz, etc.)</a:t>
+            </a:r>
+          </a:p>
+          <a:p>
+            <a:r>
+              <a:rPr lang="ru-RU" dirty="0"/>
+              <a:t>SortChecker++ (</a:t>
+            </a:r>
+            <a:r>
+              <a:rPr lang="ru-RU" dirty="0">
+                <a:hlinkClick r:id="rId3"/>
+              </a:rPr>
+              <a:t>https://github.com/yugr/sortcheckxx</a:t>
+            </a:r>
+            <a:r>
+              <a:rPr lang="ru-RU" dirty="0"/>
+              <a:t>)</a:t>
+            </a:r>
+          </a:p>
+          <a:p>
+            <a:pPr lvl="1"/>
+            <a:r>
+              <a:rPr lang="ru-RU" dirty="0"/>
+              <a:t>работает с программами на C++</a:t>
+            </a:r>
+          </a:p>
+          <a:p>
+            <a:pPr lvl="1"/>
+            <a:r>
+              <a:rPr lang="ru-RU" dirty="0"/>
+              <a:t>перехватывает и проверяет API типа </a:t>
+            </a:r>
+            <a:r>
+              <a:rPr lang="ru-RU" dirty="0">
+                <a:latin typeface="Courier New" panose="02070309020205020404" pitchFamily="49" charset="0"/>
+                <a:cs typeface="Courier New" panose="02070309020205020404" pitchFamily="49" charset="0"/>
+              </a:rPr>
+              <a:t>std::sort</a:t>
+            </a:r>
+            <a:r>
+              <a:rPr lang="ru-RU" dirty="0"/>
+              <a:t> и контейнеры типа </a:t>
+            </a:r>
+            <a:r>
+              <a:rPr lang="ru-RU" dirty="0">
+                <a:latin typeface="Courier New" panose="02070309020205020404" pitchFamily="49" charset="0"/>
+                <a:cs typeface="Courier New" panose="02070309020205020404" pitchFamily="49" charset="0"/>
+              </a:rPr>
+              <a:t>std::map</a:t>
+            </a:r>
+          </a:p>
+          <a:p>
+            <a:pPr lvl="1"/>
+            <a:r>
+              <a:rPr lang="ru-RU" dirty="0"/>
+              <a:t>основан на source-to-source инструментации (Clang-based)</a:t>
+            </a:r>
+          </a:p>
+          <a:p>
+            <a:pPr lvl="1"/>
+            <a:r>
+              <a:rPr lang="ru-RU" dirty="0"/>
+              <a:t>5 ошибок в различных OSS проектах</a:t>
+            </a:r>
+          </a:p>
+          <a:p>
+            <a:pPr lvl="1"/>
+            <a:r>
+              <a:rPr lang="ru-RU" dirty="0"/>
+              <a:t>TODO: поддержать все релевантные алгоритмы (</a:t>
+            </a:r>
+            <a:r>
+              <a:rPr lang="ru-RU" dirty="0">
+                <a:latin typeface="Courier New" panose="02070309020205020404" pitchFamily="49" charset="0"/>
+                <a:cs typeface="Courier New" panose="02070309020205020404" pitchFamily="49" charset="0"/>
+              </a:rPr>
+              <a:t>nth_element</a:t>
+            </a:r>
+            <a:r>
+              <a:rPr lang="ru-RU" dirty="0"/>
+              <a:t>, etc.)</a:t>
+            </a:r>
+          </a:p>
+          <a:p>
+            <a:endParaRPr lang="en-US" dirty="0"/>
+          </a:p>
+        </p:txBody>
+      </p:sp>
+    </p:spTree>
+    <p:extLst>
+      <p:ext uri="{BB962C8B-B14F-4D97-AF65-F5344CB8AC3E}">
+        <p14:creationId xmlns:p14="http://schemas.microsoft.com/office/powerpoint/2010/main" val="2659528703"/>
+      </p:ext>
+    </p:extLst>
+  </p:cSld>
+  <p:clrMapOvr>
+    <a:masterClrMapping/>
+  </p:clrMapOvr>
+</p:sld>
+</file>
+
 <file path=ppt/slides/slide39.xml><?xml version="1.0" encoding="utf-8"?>
 <p:sld xmlns:a="http://schemas.openxmlformats.org/drawingml/2006/main" xmlns:r="http://schemas.openxmlformats.org/officeDocument/2006/relationships" xmlns:p="http://schemas.openxmlformats.org/presentationml/2006/main">
   <p:cSld>
@@ -10959,7 +12191,7 @@
           <p:cNvPr id="2" name="Title 1">
             <a:extLst>
               <a:ext uri="{FF2B5EF4-FFF2-40B4-BE49-F238E27FC236}">
-                <a16:creationId xmlns:a16="http://schemas.microsoft.com/office/drawing/2014/main" id="{4779B8ED-1F29-4D30-B331-C3400270FDF0}"/>
+                <a16:creationId xmlns:a16="http://schemas.microsoft.com/office/drawing/2014/main" id="{A6FDE828-D233-4535-B53B-9502F549DDB9}"/>
               </a:ext>
             </a:extLst>
           </p:cNvPr>
@@ -10977,7 +12209,11 @@
           <a:p>
             <a:r>
               <a:rPr lang="ru-RU" dirty="0"/>
-              <a:t>Отладочные средства в тулчейнах</a:t>
+              <a:t>Как использовать </a:t>
+            </a:r>
+            <a:r>
+              <a:rPr lang="en-US" dirty="0" err="1"/>
+              <a:t>SortChecker</a:t>
             </a:r>
             <a:endParaRPr lang="en-US" dirty="0"/>
           </a:p>
@@ -10988,7 +12224,7 @@
           <p:cNvPr id="3" name="Content Placeholder 2">
             <a:extLst>
               <a:ext uri="{FF2B5EF4-FFF2-40B4-BE49-F238E27FC236}">
-                <a16:creationId xmlns:a16="http://schemas.microsoft.com/office/drawing/2014/main" id="{58F9ABFF-6BB7-4FB9-989A-8FA4CD7D38CB}"/>
+                <a16:creationId xmlns:a16="http://schemas.microsoft.com/office/drawing/2014/main" id="{485A6619-1CBE-4348-961B-BD3FDC8FFEC4}"/>
               </a:ext>
             </a:extLst>
           </p:cNvPr>
@@ -11001,52 +12237,346 @@
         </p:nvSpPr>
         <p:spPr/>
         <p:txBody>
-          <a:bodyPr/>
-          <a:lstStyle/>
-          <a:p>
-            <a:r>
-              <a:rPr lang="ru-RU" dirty="0"/>
-              <a:t>Обе опции имеют существенные (2</a:t>
+          <a:bodyPr>
+            <a:normAutofit lnSpcReduction="10000"/>
+          </a:bodyPr>
+          <a:lstStyle/>
+          <a:p>
+            <a:r>
+              <a:rPr lang="ru-RU" dirty="0"/>
+              <a:t>Вначале инструментируем код:</a:t>
+            </a:r>
+          </a:p>
+          <a:p>
+            <a:pPr marL="457200" lvl="1" indent="0">
+              <a:buNone/>
+            </a:pPr>
+            <a:r>
+              <a:rPr lang="en-US" dirty="0">
+                <a:latin typeface="Courier New" panose="02070309020205020404" pitchFamily="49" charset="0"/>
+                <a:cs typeface="Courier New" panose="02070309020205020404" pitchFamily="49" charset="0"/>
+              </a:rPr>
+              <a:t>$ </a:t>
+            </a:r>
+            <a:r>
+              <a:rPr lang="en-US" dirty="0" err="1">
+                <a:latin typeface="Courier New" panose="02070309020205020404" pitchFamily="49" charset="0"/>
+                <a:cs typeface="Courier New" panose="02070309020205020404" pitchFamily="49" charset="0"/>
+              </a:rPr>
+              <a:t>sortcheckxx</a:t>
+            </a:r>
+            <a:r>
+              <a:rPr lang="en-US" dirty="0">
+                <a:latin typeface="Courier New" panose="02070309020205020404" pitchFamily="49" charset="0"/>
+                <a:cs typeface="Courier New" panose="02070309020205020404" pitchFamily="49" charset="0"/>
+              </a:rPr>
+              <a:t>/bin/</a:t>
+            </a:r>
+            <a:r>
+              <a:rPr lang="en-US" dirty="0" err="1">
+                <a:latin typeface="Courier New" panose="02070309020205020404" pitchFamily="49" charset="0"/>
+                <a:cs typeface="Courier New" panose="02070309020205020404" pitchFamily="49" charset="0"/>
+              </a:rPr>
+              <a:t>SortChecker</a:t>
+            </a:r>
+            <a:r>
+              <a:rPr lang="en-US" dirty="0">
+                <a:latin typeface="Courier New" panose="02070309020205020404" pitchFamily="49" charset="0"/>
+                <a:cs typeface="Courier New" panose="02070309020205020404" pitchFamily="49" charset="0"/>
+              </a:rPr>
+              <a:t> tmp.cc -- -DN=50</a:t>
+            </a:r>
+            <a:endParaRPr lang="en-US" dirty="0"/>
+          </a:p>
+          <a:p>
+            <a:endParaRPr lang="en-US" dirty="0"/>
+          </a:p>
+          <a:p>
+            <a:pPr marL="0" indent="0">
+              <a:buNone/>
+            </a:pPr>
+            <a:endParaRPr lang="en-US" dirty="0"/>
+          </a:p>
+          <a:p>
+            <a:r>
+              <a:rPr lang="ru-RU" dirty="0"/>
+              <a:t>Скомпилируем и запустим инструментированный код из начала презентации</a:t>
             </a:r>
             <a:r>
               <a:rPr lang="en-US" dirty="0"/>
-              <a:t>x) </a:t>
-            </a:r>
-            <a:r>
-              <a:rPr lang="ru-RU" dirty="0"/>
-              <a:t>накладные расходы</a:t>
-            </a:r>
+              <a:t>:</a:t>
+            </a:r>
+            <a:endParaRPr lang="ru-RU" dirty="0"/>
+          </a:p>
+          <a:p>
+            <a:pPr marL="457200" lvl="1" indent="0">
+              <a:buNone/>
+            </a:pPr>
+            <a:r>
+              <a:rPr lang="en-US" dirty="0">
+                <a:latin typeface="Courier New" panose="02070309020205020404" pitchFamily="49" charset="0"/>
+                <a:cs typeface="Courier New" panose="02070309020205020404" pitchFamily="49" charset="0"/>
+              </a:rPr>
+              <a:t>$ g++ -g -DN=50 -I </a:t>
+            </a:r>
+            <a:r>
+              <a:rPr lang="en-US" dirty="0" err="1">
+                <a:latin typeface="Courier New" panose="02070309020205020404" pitchFamily="49" charset="0"/>
+                <a:cs typeface="Courier New" panose="02070309020205020404" pitchFamily="49" charset="0"/>
+              </a:rPr>
+              <a:t>sortcheckxx</a:t>
+            </a:r>
+            <a:r>
+              <a:rPr lang="en-US" dirty="0">
+                <a:latin typeface="Courier New" panose="02070309020205020404" pitchFamily="49" charset="0"/>
+                <a:cs typeface="Courier New" panose="02070309020205020404" pitchFamily="49" charset="0"/>
+              </a:rPr>
+              <a:t>/include tmp.cc &amp;&amp; ./</a:t>
+            </a:r>
+            <a:r>
+              <a:rPr lang="en-US" dirty="0" err="1">
+                <a:latin typeface="Courier New" panose="02070309020205020404" pitchFamily="49" charset="0"/>
+                <a:cs typeface="Courier New" panose="02070309020205020404" pitchFamily="49" charset="0"/>
+              </a:rPr>
+              <a:t>a.out</a:t>
+            </a:r>
+            <a:endParaRPr lang="en-US" dirty="0">
+              <a:latin typeface="Courier New" panose="02070309020205020404" pitchFamily="49" charset="0"/>
+              <a:cs typeface="Courier New" panose="02070309020205020404" pitchFamily="49" charset="0"/>
+            </a:endParaRPr>
+          </a:p>
+          <a:p>
+            <a:pPr marL="457200" lvl="1" indent="0">
+              <a:buNone/>
+            </a:pPr>
+            <a:r>
+              <a:rPr lang="en-US" dirty="0" err="1">
+                <a:latin typeface="Courier New" panose="02070309020205020404" pitchFamily="49" charset="0"/>
+                <a:cs typeface="Courier New" panose="02070309020205020404" pitchFamily="49" charset="0"/>
+              </a:rPr>
+              <a:t>sortcheck</a:t>
+            </a:r>
+            <a:r>
+              <a:rPr lang="en-US" dirty="0">
+                <a:latin typeface="Courier New" panose="02070309020205020404" pitchFamily="49" charset="0"/>
+                <a:cs typeface="Courier New" panose="02070309020205020404" pitchFamily="49" charset="0"/>
+              </a:rPr>
+              <a:t>: tmp.cc:14: irreflexive comparator at position 0</a:t>
+            </a:r>
+          </a:p>
+          <a:p>
+            <a:pPr marL="457200" lvl="1" indent="0">
+              <a:buNone/>
+            </a:pPr>
+            <a:r>
+              <a:rPr lang="en-US" dirty="0">
+                <a:latin typeface="Courier New" panose="02070309020205020404" pitchFamily="49" charset="0"/>
+                <a:cs typeface="Courier New" panose="02070309020205020404" pitchFamily="49" charset="0"/>
+              </a:rPr>
+              <a:t>Aborted</a:t>
+            </a:r>
+          </a:p>
+          <a:p>
             <a:endParaRPr lang="en-US" dirty="0"/>
           </a:p>
-          <a:p>
-            <a:r>
-              <a:rPr lang="ru-RU" dirty="0"/>
-              <a:t>Рекомендуется использовать только для тестирования</a:t>
-            </a:r>
+        </p:txBody>
+      </p:sp>
+      <p:sp>
+        <p:nvSpPr>
+          <p:cNvPr id="7" name="TextBox 6">
+            <a:extLst>
+              <a:ext uri="{FF2B5EF4-FFF2-40B4-BE49-F238E27FC236}">
+                <a16:creationId xmlns:a16="http://schemas.microsoft.com/office/drawing/2014/main" id="{11123AAB-C400-4176-BD21-92E392527EA3}"/>
+              </a:ext>
+            </a:extLst>
+          </p:cNvPr>
+          <p:cNvSpPr txBox="1"/>
+          <p:nvPr/>
+        </p:nvSpPr>
+        <p:spPr>
+          <a:xfrm flipH="1">
+            <a:off x="655319" y="2847987"/>
+            <a:ext cx="4156167" cy="646331"/>
+          </a:xfrm>
+          <a:prstGeom prst="rect">
+            <a:avLst/>
+          </a:prstGeom>
+          <a:noFill/>
+        </p:spPr>
+        <p:txBody>
+          <a:bodyPr wrap="square" rtlCol="0">
+            <a:spAutoFit/>
+          </a:bodyPr>
+          <a:lstStyle/>
+          <a:p>
+            <a:r>
+              <a:rPr lang="en-US" dirty="0">
+                <a:latin typeface="Courier New" panose="02070309020205020404" pitchFamily="49" charset="0"/>
+                <a:cs typeface="Courier New" panose="02070309020205020404" pitchFamily="49" charset="0"/>
+              </a:rPr>
+              <a:t>std::sort(begin, end, </a:t>
+            </a:r>
+            <a:r>
+              <a:rPr lang="en-US" dirty="0" err="1">
+                <a:latin typeface="Courier New" panose="02070309020205020404" pitchFamily="49" charset="0"/>
+                <a:cs typeface="Courier New" panose="02070309020205020404" pitchFamily="49" charset="0"/>
+              </a:rPr>
+              <a:t>cmp</a:t>
+            </a:r>
+            <a:r>
+              <a:rPr lang="en-US" dirty="0">
+                <a:latin typeface="Courier New" panose="02070309020205020404" pitchFamily="49" charset="0"/>
+                <a:cs typeface="Courier New" panose="02070309020205020404" pitchFamily="49" charset="0"/>
+              </a:rPr>
+              <a:t>);</a:t>
+            </a:r>
+          </a:p>
+          <a:p>
             <a:endParaRPr lang="en-US" dirty="0"/>
           </a:p>
-          <a:p>
-            <a:r>
-              <a:rPr lang="ru-RU" dirty="0"/>
-              <a:t>Чекеры компараторов не должны менять алгоритмическую сложность алгоритма (O(N*logN)) и поэтому не могут провести полную проверку корректности</a:t>
-            </a:r>
-          </a:p>
-          <a:p>
-            <a:pPr lvl="1"/>
-            <a:r>
-              <a:rPr lang="ru-RU" dirty="0"/>
-              <a:t>Например проверку аксиом транзитивности</a:t>
+        </p:txBody>
+      </p:sp>
+      <p:sp>
+        <p:nvSpPr>
+          <p:cNvPr id="8" name="TextBox 7">
+            <a:extLst>
+              <a:ext uri="{FF2B5EF4-FFF2-40B4-BE49-F238E27FC236}">
+                <a16:creationId xmlns:a16="http://schemas.microsoft.com/office/drawing/2014/main" id="{9278FD20-2DDE-44DA-87D2-6696BE10DA53}"/>
+              </a:ext>
+            </a:extLst>
+          </p:cNvPr>
+          <p:cNvSpPr txBox="1"/>
+          <p:nvPr/>
+        </p:nvSpPr>
+        <p:spPr>
+          <a:xfrm>
+            <a:off x="6235342" y="2709487"/>
+            <a:ext cx="6128657" cy="923330"/>
+          </a:xfrm>
+          <a:prstGeom prst="rect">
+            <a:avLst/>
+          </a:prstGeom>
+          <a:noFill/>
+        </p:spPr>
+        <p:txBody>
+          <a:bodyPr wrap="square" rtlCol="0">
+            <a:spAutoFit/>
+          </a:bodyPr>
+          <a:lstStyle/>
+          <a:p>
+            <a:pPr marL="457200" lvl="1" indent="0">
+              <a:buNone/>
+            </a:pPr>
+            <a:r>
+              <a:rPr lang="en-US" dirty="0" err="1">
+                <a:latin typeface="Courier New" panose="02070309020205020404" pitchFamily="49" charset="0"/>
+                <a:cs typeface="Courier New" panose="02070309020205020404" pitchFamily="49" charset="0"/>
+              </a:rPr>
+              <a:t>sortcheck</a:t>
+            </a:r>
+            <a:r>
+              <a:rPr lang="en-US" dirty="0">
+                <a:latin typeface="Courier New" panose="02070309020205020404" pitchFamily="49" charset="0"/>
+                <a:cs typeface="Courier New" panose="02070309020205020404" pitchFamily="49" charset="0"/>
+              </a:rPr>
+              <a:t>::</a:t>
+            </a:r>
+            <a:r>
+              <a:rPr lang="en-US" dirty="0" err="1">
+                <a:latin typeface="Courier New" panose="02070309020205020404" pitchFamily="49" charset="0"/>
+                <a:cs typeface="Courier New" panose="02070309020205020404" pitchFamily="49" charset="0"/>
+              </a:rPr>
+              <a:t>sort_checked</a:t>
+            </a:r>
+            <a:r>
+              <a:rPr lang="en-US" dirty="0">
+                <a:latin typeface="Courier New" panose="02070309020205020404" pitchFamily="49" charset="0"/>
+                <a:cs typeface="Courier New" panose="02070309020205020404" pitchFamily="49" charset="0"/>
+              </a:rPr>
+              <a:t>(begin, end,</a:t>
+            </a:r>
+          </a:p>
+          <a:p>
+            <a:pPr marL="457200" lvl="1" indent="0">
+              <a:buNone/>
+            </a:pPr>
+            <a:r>
+              <a:rPr lang="en-US" dirty="0">
+                <a:latin typeface="Courier New" panose="02070309020205020404" pitchFamily="49" charset="0"/>
+                <a:cs typeface="Courier New" panose="02070309020205020404" pitchFamily="49" charset="0"/>
+              </a:rPr>
+              <a:t>  </a:t>
+            </a:r>
+            <a:r>
+              <a:rPr lang="en-US" dirty="0" err="1">
+                <a:latin typeface="Courier New" panose="02070309020205020404" pitchFamily="49" charset="0"/>
+                <a:cs typeface="Courier New" panose="02070309020205020404" pitchFamily="49" charset="0"/>
+              </a:rPr>
+              <a:t>cmp</a:t>
+            </a:r>
+            <a:r>
+              <a:rPr lang="en-US" dirty="0">
+                <a:latin typeface="Courier New" panose="02070309020205020404" pitchFamily="49" charset="0"/>
+                <a:cs typeface="Courier New" panose="02070309020205020404" pitchFamily="49" charset="0"/>
+              </a:rPr>
+              <a:t>, __FILE__, __LINE__);</a:t>
             </a:r>
           </a:p>
           <a:p>
             <a:endParaRPr lang="en-US" dirty="0"/>
+          </a:p>
+        </p:txBody>
+      </p:sp>
+      <p:sp>
+        <p:nvSpPr>
+          <p:cNvPr id="9" name="Arrow: Right 8">
+            <a:extLst>
+              <a:ext uri="{FF2B5EF4-FFF2-40B4-BE49-F238E27FC236}">
+                <a16:creationId xmlns:a16="http://schemas.microsoft.com/office/drawing/2014/main" id="{A27634EB-80E1-4865-ABAC-777D70A2C39D}"/>
+              </a:ext>
+            </a:extLst>
+          </p:cNvPr>
+          <p:cNvSpPr/>
+          <p:nvPr/>
+        </p:nvSpPr>
+        <p:spPr>
+          <a:xfrm>
+            <a:off x="5181602" y="2955475"/>
+            <a:ext cx="914398" cy="223158"/>
+          </a:xfrm>
+          <a:prstGeom prst="rightArrow">
+            <a:avLst/>
+          </a:prstGeom>
+        </p:spPr>
+        <p:style>
+          <a:lnRef idx="2">
+            <a:schemeClr val="accent1">
+              <a:shade val="50000"/>
+            </a:schemeClr>
+          </a:lnRef>
+          <a:fillRef idx="1">
+            <a:schemeClr val="accent1"/>
+          </a:fillRef>
+          <a:effectRef idx="0">
+            <a:schemeClr val="accent1"/>
+          </a:effectRef>
+          <a:fontRef idx="minor">
+            <a:schemeClr val="lt1"/>
+          </a:fontRef>
+        </p:style>
+        <p:txBody>
+          <a:bodyPr rtlCol="0" anchor="ctr"/>
+          <a:lstStyle/>
+          <a:p>
+            <a:pPr algn="ctr"/>
+            <a:endParaRPr lang="en-US"/>
           </a:p>
         </p:txBody>
       </p:sp>
     </p:spTree>
     <p:extLst>
       <p:ext uri="{BB962C8B-B14F-4D97-AF65-F5344CB8AC3E}">
-        <p14:creationId xmlns:p14="http://schemas.microsoft.com/office/powerpoint/2010/main" val="2928624946"/>
+        <p14:creationId xmlns:p14="http://schemas.microsoft.com/office/powerpoint/2010/main" val="1487736242"/>
       </p:ext>
     </p:extLst>
   </p:cSld>
@@ -11125,13 +12655,6 @@
           <a:p>
             <a:r>
               <a:rPr lang="ru-RU" dirty="0"/>
-              <a:t>Функции-предикаты для сравнения элементов какого-либо типа</a:t>
-            </a:r>
-            <a:endParaRPr lang="en-US" dirty="0"/>
-          </a:p>
-          <a:p>
-            <a:r>
-              <a:rPr lang="ru-RU" dirty="0"/>
               <a:t>Обобщение </a:t>
             </a:r>
             <a:r>
@@ -11139,7 +12662,7 @@
                 <a:latin typeface="Courier New" panose="02070309020205020404" pitchFamily="49" charset="0"/>
                 <a:cs typeface="Courier New" panose="02070309020205020404" pitchFamily="49" charset="0"/>
               </a:rPr>
-              <a:t>operator &lt;</a:t>
+              <a:t>operator&lt;</a:t>
             </a:r>
             <a:endParaRPr lang="ru-RU" dirty="0">
               <a:latin typeface="Courier New" panose="02070309020205020404" pitchFamily="49" charset="0"/>
@@ -11149,29 +12672,19 @@
           <a:p>
             <a:r>
               <a:rPr lang="ru-RU" dirty="0"/>
+              <a:t>Функции-предикаты для сравнения элементов какого-либо типа</a:t>
+            </a:r>
+            <a:endParaRPr lang="en-US" dirty="0"/>
+          </a:p>
+          <a:p>
+            <a:r>
+              <a:rPr lang="ru-RU" dirty="0"/>
               <a:t>Используются различными алгоритмами и контейнерами стандартной библиотеки для упорядочения объектов типа</a:t>
             </a:r>
             <a:endParaRPr lang="en-US" dirty="0"/>
           </a:p>
           <a:p>
-            <a:r>
-              <a:rPr lang="ru-RU" dirty="0"/>
-              <a:t>Могут быть указаны явно или по умолчанию реализовываться</a:t>
-            </a:r>
-            <a:r>
-              <a:rPr lang="en-US" dirty="0"/>
-              <a:t> </a:t>
-            </a:r>
-            <a:r>
-              <a:rPr lang="en-US" dirty="0">
-                <a:latin typeface="Courier New" panose="02070309020205020404" pitchFamily="49" charset="0"/>
-                <a:cs typeface="Courier New" panose="02070309020205020404" pitchFamily="49" charset="0"/>
-              </a:rPr>
-              <a:t>operator &lt;</a:t>
-            </a:r>
-          </a:p>
-          <a:p>
-            <a:endParaRPr lang="ru-RU" dirty="0"/>
+            <a:endParaRPr lang="ru-RU" sz="1200" dirty="0"/>
           </a:p>
           <a:p>
             <a:pPr marL="457200" lvl="1" indent="0">
@@ -11208,7 +12721,7 @@
                 <a:latin typeface="Courier New" panose="02070309020205020404" pitchFamily="49" charset="0"/>
                 <a:cs typeface="Courier New" panose="02070309020205020404" pitchFamily="49" charset="0"/>
               </a:rPr>
-              <a:t>operator &lt;</a:t>
+              <a:t>operator&lt;</a:t>
             </a:r>
           </a:p>
           <a:p>
@@ -11254,7 +12767,7 @@
           <p:cNvPr id="2" name="Title 1">
             <a:extLst>
               <a:ext uri="{FF2B5EF4-FFF2-40B4-BE49-F238E27FC236}">
-                <a16:creationId xmlns:a16="http://schemas.microsoft.com/office/drawing/2014/main" id="{BC72424F-9AF5-45CD-9C91-874C6DC016AA}"/>
+                <a16:creationId xmlns:a16="http://schemas.microsoft.com/office/drawing/2014/main" id="{B6884E62-A92A-47BA-9EF6-78B10084AB0B}"/>
               </a:ext>
             </a:extLst>
           </p:cNvPr>
@@ -11263,207 +12776,359 @@
           </p:cNvSpPr>
           <p:nvPr>
             <p:ph type="title"/>
-          </p:nvPr>
-        </p:nvSpPr>
-        <p:spPr/>
-        <p:txBody>
-          <a:bodyPr/>
-          <a:lstStyle/>
-          <a:p>
-            <a:r>
-              <a:rPr lang="en-US" dirty="0" err="1"/>
-              <a:t>SortChecker</a:t>
-            </a:r>
-            <a:endParaRPr lang="en-US" dirty="0"/>
-          </a:p>
-        </p:txBody>
-      </p:sp>
-      <p:sp>
-        <p:nvSpPr>
-          <p:cNvPr id="3" name="Content Placeholder 2">
-            <a:extLst>
-              <a:ext uri="{FF2B5EF4-FFF2-40B4-BE49-F238E27FC236}">
-                <a16:creationId xmlns:a16="http://schemas.microsoft.com/office/drawing/2014/main" id="{436AE089-C978-44EF-9D7D-E8AE6EA68157}"/>
-              </a:ext>
-            </a:extLst>
-          </p:cNvPr>
-          <p:cNvSpPr>
-            <a:spLocks noGrp="1"/>
-          </p:cNvSpPr>
-          <p:nvPr>
-            <p:ph idx="1"/>
           </p:nvPr>
         </p:nvSpPr>
         <p:spPr>
           <a:xfrm>
-            <a:off x="838200" y="1847396"/>
-            <a:ext cx="10515600" cy="4351338"/>
+            <a:off x="838200" y="-81189"/>
+            <a:ext cx="10515600" cy="1325563"/>
           </a:xfrm>
         </p:spPr>
         <p:txBody>
+          <a:bodyPr/>
+          <a:lstStyle/>
+          <a:p>
+            <a:r>
+              <a:rPr lang="ru-RU" dirty="0"/>
+              <a:t>Псевдокод</a:t>
+            </a:r>
+            <a:endParaRPr lang="en-US" dirty="0"/>
+          </a:p>
+        </p:txBody>
+      </p:sp>
+      <p:sp>
+        <p:nvSpPr>
+          <p:cNvPr id="3" name="Content Placeholder 2">
+            <a:extLst>
+              <a:ext uri="{FF2B5EF4-FFF2-40B4-BE49-F238E27FC236}">
+                <a16:creationId xmlns:a16="http://schemas.microsoft.com/office/drawing/2014/main" id="{AD260025-EBC3-45D0-9B0B-DAA951A03DCC}"/>
+              </a:ext>
+            </a:extLst>
+          </p:cNvPr>
+          <p:cNvSpPr>
+            <a:spLocks noGrp="1"/>
+          </p:cNvSpPr>
+          <p:nvPr>
+            <p:ph idx="1"/>
+          </p:nvPr>
+        </p:nvSpPr>
+        <p:spPr>
+          <a:xfrm>
+            <a:off x="636814" y="1004887"/>
+            <a:ext cx="11261272" cy="5450342"/>
+          </a:xfrm>
+        </p:spPr>
+        <p:txBody>
           <a:bodyPr>
-            <a:normAutofit fontScale="92500" lnSpcReduction="20000"/>
+            <a:normAutofit fontScale="77500" lnSpcReduction="20000"/>
           </a:bodyPr>
           <a:lstStyle/>
           <a:p>
             <a:r>
               <a:rPr lang="ru-RU" dirty="0"/>
-              <a:t>Два простых динамических чекера для проверки корректности в рантайме</a:t>
+              <a:t>Каждый запуск </a:t>
+            </a:r>
+            <a:r>
+              <a:rPr lang="en-US" dirty="0">
+                <a:latin typeface="Courier New" panose="02070309020205020404" pitchFamily="49" charset="0"/>
+                <a:cs typeface="Courier New" panose="02070309020205020404" pitchFamily="49" charset="0"/>
+              </a:rPr>
+              <a:t>std::sort</a:t>
+            </a:r>
+            <a:r>
+              <a:rPr lang="en-US" dirty="0"/>
+              <a:t> </a:t>
+            </a:r>
+            <a:r>
+              <a:rPr lang="ru-RU" dirty="0"/>
+              <a:t>и аналогичных </a:t>
+            </a:r>
+            <a:r>
+              <a:rPr lang="en-US" dirty="0"/>
+              <a:t>API </a:t>
+            </a:r>
+            <a:r>
+              <a:rPr lang="ru-RU" dirty="0"/>
+              <a:t>предваряется проверками:</a:t>
+            </a:r>
+          </a:p>
+          <a:p>
+            <a:pPr marL="457200" lvl="1" indent="0">
+              <a:buNone/>
+            </a:pPr>
+            <a:r>
+              <a:rPr lang="en-US" sz="2000" dirty="0">
+                <a:latin typeface="Courier New" panose="02070309020205020404" pitchFamily="49" charset="0"/>
+                <a:cs typeface="Courier New" panose="02070309020205020404" pitchFamily="49" charset="0"/>
+              </a:rPr>
+              <a:t>for x in array</a:t>
+            </a:r>
+          </a:p>
+          <a:p>
+            <a:pPr marL="457200" lvl="1" indent="0">
+              <a:buNone/>
+            </a:pPr>
+            <a:r>
+              <a:rPr lang="en-US" sz="2000" dirty="0">
+                <a:latin typeface="Courier New" panose="02070309020205020404" pitchFamily="49" charset="0"/>
+                <a:cs typeface="Courier New" panose="02070309020205020404" pitchFamily="49" charset="0"/>
+              </a:rPr>
+              <a:t>  if comp(x, x)</a:t>
+            </a:r>
+          </a:p>
+          <a:p>
+            <a:pPr marL="457200" lvl="1" indent="0">
+              <a:buNone/>
+            </a:pPr>
+            <a:r>
+              <a:rPr lang="en-US" sz="2000" dirty="0">
+                <a:latin typeface="Courier New" panose="02070309020205020404" pitchFamily="49" charset="0"/>
+                <a:cs typeface="Courier New" panose="02070309020205020404" pitchFamily="49" charset="0"/>
+              </a:rPr>
+              <a:t>    error</a:t>
+            </a:r>
+          </a:p>
+          <a:p>
+            <a:pPr marL="457200" lvl="1" indent="0">
+              <a:buNone/>
+            </a:pPr>
+            <a:endParaRPr lang="en-US" sz="2000" dirty="0">
+              <a:latin typeface="Courier New" panose="02070309020205020404" pitchFamily="49" charset="0"/>
+              <a:cs typeface="Courier New" panose="02070309020205020404" pitchFamily="49" charset="0"/>
+            </a:endParaRPr>
+          </a:p>
+          <a:p>
+            <a:pPr marL="457200" lvl="1" indent="0">
+              <a:buNone/>
+            </a:pPr>
+            <a:r>
+              <a:rPr lang="en-US" sz="2000" dirty="0">
+                <a:latin typeface="Courier New" panose="02070309020205020404" pitchFamily="49" charset="0"/>
+                <a:cs typeface="Courier New" panose="02070309020205020404" pitchFamily="49" charset="0"/>
+              </a:rPr>
+              <a:t>for x, y in array</a:t>
+            </a:r>
+          </a:p>
+          <a:p>
+            <a:pPr marL="457200" lvl="1" indent="0">
+              <a:buNone/>
+            </a:pPr>
+            <a:r>
+              <a:rPr lang="en-US" sz="2000" dirty="0">
+                <a:latin typeface="Courier New" panose="02070309020205020404" pitchFamily="49" charset="0"/>
+                <a:cs typeface="Courier New" panose="02070309020205020404" pitchFamily="49" charset="0"/>
+              </a:rPr>
+              <a:t>  if comp(x, y) != comp(y, x)</a:t>
+            </a:r>
+          </a:p>
+          <a:p>
+            <a:pPr marL="457200" lvl="1" indent="0">
+              <a:buNone/>
+            </a:pPr>
+            <a:r>
+              <a:rPr lang="en-US" sz="2000" dirty="0">
+                <a:latin typeface="Courier New" panose="02070309020205020404" pitchFamily="49" charset="0"/>
+                <a:cs typeface="Courier New" panose="02070309020205020404" pitchFamily="49" charset="0"/>
+              </a:rPr>
+              <a:t>    error</a:t>
+            </a:r>
+          </a:p>
+          <a:p>
+            <a:pPr marL="457200" lvl="1" indent="0">
+              <a:buNone/>
+            </a:pPr>
+            <a:endParaRPr lang="en-US" sz="2000" dirty="0">
+              <a:latin typeface="Courier New" panose="02070309020205020404" pitchFamily="49" charset="0"/>
+              <a:cs typeface="Courier New" panose="02070309020205020404" pitchFamily="49" charset="0"/>
+            </a:endParaRPr>
+          </a:p>
+          <a:p>
+            <a:pPr marL="457200" lvl="1" indent="0">
+              <a:buNone/>
+            </a:pPr>
+            <a:r>
+              <a:rPr lang="en-US" sz="2000" dirty="0">
+                <a:latin typeface="Courier New" panose="02070309020205020404" pitchFamily="49" charset="0"/>
+                <a:cs typeface="Courier New" panose="02070309020205020404" pitchFamily="49" charset="0"/>
+              </a:rPr>
+              <a:t>for x, y, z in array</a:t>
+            </a:r>
+          </a:p>
+          <a:p>
+            <a:pPr marL="457200" lvl="1" indent="0">
+              <a:buNone/>
+            </a:pPr>
+            <a:r>
+              <a:rPr lang="en-US" sz="2000" dirty="0">
+                <a:latin typeface="Courier New" panose="02070309020205020404" pitchFamily="49" charset="0"/>
+                <a:cs typeface="Courier New" panose="02070309020205020404" pitchFamily="49" charset="0"/>
+              </a:rPr>
+              <a:t>  if comp(x, y) &amp;&amp; comp(y, z) &amp;&amp; !comp(x, z)</a:t>
+            </a:r>
+          </a:p>
+          <a:p>
+            <a:pPr marL="457200" lvl="1" indent="0">
+              <a:buNone/>
+            </a:pPr>
+            <a:r>
+              <a:rPr lang="en-US" sz="2000" dirty="0">
+                <a:latin typeface="Courier New" panose="02070309020205020404" pitchFamily="49" charset="0"/>
+                <a:cs typeface="Courier New" panose="02070309020205020404" pitchFamily="49" charset="0"/>
+              </a:rPr>
+              <a:t>    error</a:t>
+            </a:r>
+          </a:p>
+          <a:p>
+            <a:pPr marL="457200" lvl="1" indent="0">
+              <a:buNone/>
+            </a:pPr>
+            <a:endParaRPr lang="en-US" sz="2000" dirty="0">
+              <a:latin typeface="Courier New" panose="02070309020205020404" pitchFamily="49" charset="0"/>
+              <a:cs typeface="Courier New" panose="02070309020205020404" pitchFamily="49" charset="0"/>
+            </a:endParaRPr>
+          </a:p>
+          <a:p>
+            <a:pPr marL="457200" lvl="1" indent="0">
+              <a:buNone/>
+            </a:pPr>
+            <a:r>
+              <a:rPr lang="en-US" sz="2000" dirty="0">
+                <a:latin typeface="Courier New" panose="02070309020205020404" pitchFamily="49" charset="0"/>
+                <a:cs typeface="Courier New" panose="02070309020205020404" pitchFamily="49" charset="0"/>
+              </a:rPr>
+              <a:t>for x, y, z in array</a:t>
+            </a:r>
+          </a:p>
+          <a:p>
+            <a:pPr marL="457200" lvl="1" indent="0">
+              <a:buNone/>
+            </a:pPr>
+            <a:r>
+              <a:rPr lang="en-US" sz="2000" dirty="0">
+                <a:latin typeface="Courier New" panose="02070309020205020404" pitchFamily="49" charset="0"/>
+                <a:cs typeface="Courier New" panose="02070309020205020404" pitchFamily="49" charset="0"/>
+              </a:rPr>
+              <a:t>  if </a:t>
+            </a:r>
+            <a:r>
+              <a:rPr lang="en-US" sz="2000" dirty="0" err="1">
+                <a:latin typeface="Courier New" panose="02070309020205020404" pitchFamily="49" charset="0"/>
+                <a:cs typeface="Courier New" panose="02070309020205020404" pitchFamily="49" charset="0"/>
+              </a:rPr>
+              <a:t>equiv</a:t>
+            </a:r>
+            <a:r>
+              <a:rPr lang="en-US" sz="2000" dirty="0">
+                <a:latin typeface="Courier New" panose="02070309020205020404" pitchFamily="49" charset="0"/>
+                <a:cs typeface="Courier New" panose="02070309020205020404" pitchFamily="49" charset="0"/>
+              </a:rPr>
+              <a:t>(x, y) &amp;&amp; </a:t>
+            </a:r>
+            <a:r>
+              <a:rPr lang="en-US" sz="2000" dirty="0" err="1">
+                <a:latin typeface="Courier New" panose="02070309020205020404" pitchFamily="49" charset="0"/>
+                <a:cs typeface="Courier New" panose="02070309020205020404" pitchFamily="49" charset="0"/>
+              </a:rPr>
+              <a:t>equiv</a:t>
+            </a:r>
+            <a:r>
+              <a:rPr lang="en-US" sz="2000" dirty="0">
+                <a:latin typeface="Courier New" panose="02070309020205020404" pitchFamily="49" charset="0"/>
+                <a:cs typeface="Courier New" panose="02070309020205020404" pitchFamily="49" charset="0"/>
+              </a:rPr>
+              <a:t>(y, z) &amp;&amp; !</a:t>
+            </a:r>
+            <a:r>
+              <a:rPr lang="en-US" sz="2000" dirty="0" err="1">
+                <a:latin typeface="Courier New" panose="02070309020205020404" pitchFamily="49" charset="0"/>
+                <a:cs typeface="Courier New" panose="02070309020205020404" pitchFamily="49" charset="0"/>
+              </a:rPr>
+              <a:t>equiv</a:t>
+            </a:r>
+            <a:r>
+              <a:rPr lang="en-US" sz="2000" dirty="0">
+                <a:latin typeface="Courier New" panose="02070309020205020404" pitchFamily="49" charset="0"/>
+                <a:cs typeface="Courier New" panose="02070309020205020404" pitchFamily="49" charset="0"/>
+              </a:rPr>
+              <a:t>(x, z)</a:t>
+            </a:r>
+          </a:p>
+          <a:p>
+            <a:pPr marL="457200" lvl="1" indent="0">
+              <a:buNone/>
+            </a:pPr>
+            <a:r>
+              <a:rPr lang="en-US" sz="2000" dirty="0">
+                <a:latin typeface="Courier New" panose="02070309020205020404" pitchFamily="49" charset="0"/>
+                <a:cs typeface="Courier New" panose="02070309020205020404" pitchFamily="49" charset="0"/>
+              </a:rPr>
+              <a:t>    error</a:t>
+            </a:r>
+            <a:endParaRPr lang="en-US" dirty="0">
+              <a:latin typeface="Courier New" panose="02070309020205020404" pitchFamily="49" charset="0"/>
+              <a:cs typeface="Courier New" panose="02070309020205020404" pitchFamily="49" charset="0"/>
+            </a:endParaRPr>
+          </a:p>
+          <a:p>
+            <a:r>
+              <a:rPr lang="ru-RU" dirty="0"/>
+              <a:t>Сложность проверок составляет </a:t>
+            </a:r>
+            <a:r>
+              <a:rPr lang="en-US" dirty="0"/>
+              <a:t>O(N^3)</a:t>
+            </a:r>
+            <a:endParaRPr lang="ru-RU" dirty="0"/>
+          </a:p>
+          <a:p>
+            <a:r>
+              <a:rPr lang="en-US" dirty="0"/>
+              <a:t>C</a:t>
+            </a:r>
+            <a:r>
+              <a:rPr lang="ru-RU" dirty="0"/>
+              <a:t>ущественно превосходит даже </a:t>
+            </a:r>
+            <a:r>
+              <a:rPr lang="en-US" dirty="0">
+                <a:latin typeface="Courier New" panose="02070309020205020404" pitchFamily="49" charset="0"/>
+                <a:cs typeface="Courier New" panose="02070309020205020404" pitchFamily="49" charset="0"/>
+              </a:rPr>
+              <a:t>std::sort</a:t>
+            </a:r>
+            <a:r>
+              <a:rPr lang="en-US" dirty="0"/>
+              <a:t>, </a:t>
+            </a:r>
+            <a:r>
+              <a:rPr lang="ru-RU" dirty="0"/>
+              <a:t>не говоря о более быстрых алгоритмах (</a:t>
+            </a:r>
+            <a:r>
+              <a:rPr lang="en-US" dirty="0">
+                <a:latin typeface="Courier New" panose="02070309020205020404" pitchFamily="49" charset="0"/>
+                <a:cs typeface="Courier New" panose="02070309020205020404" pitchFamily="49" charset="0"/>
+              </a:rPr>
+              <a:t>std::</a:t>
+            </a:r>
+            <a:r>
+              <a:rPr lang="en-US" dirty="0" err="1">
+                <a:latin typeface="Courier New" panose="02070309020205020404" pitchFamily="49" charset="0"/>
+                <a:cs typeface="Courier New" panose="02070309020205020404" pitchFamily="49" charset="0"/>
+              </a:rPr>
+              <a:t>max_element</a:t>
+            </a:r>
+            <a:r>
+              <a:rPr lang="en-US" dirty="0"/>
+              <a:t>, etc.)</a:t>
+            </a:r>
+          </a:p>
+          <a:p>
+            <a:r>
+              <a:rPr lang="ru-RU" dirty="0"/>
+              <a:t>На практике обходится не весь массив, а его небольшое подмножество (20-30 элементов)</a:t>
             </a:r>
             <a:endParaRPr lang="en-US" dirty="0"/>
-          </a:p>
-          <a:p>
-            <a:r>
-              <a:rPr lang="ru-RU" dirty="0"/>
-              <a:t>SortChecker (</a:t>
-            </a:r>
-            <a:r>
-              <a:rPr lang="ru-RU" dirty="0">
-                <a:hlinkClick r:id="rId2"/>
-              </a:rPr>
-              <a:t>https://github.com/yugr/sortcheck</a:t>
-            </a:r>
-            <a:r>
-              <a:rPr lang="ru-RU" dirty="0"/>
-              <a:t>)</a:t>
-            </a:r>
-          </a:p>
-          <a:p>
-            <a:pPr lvl="1"/>
-            <a:r>
-              <a:rPr lang="ru-RU" dirty="0"/>
-              <a:t>работает с программами на C</a:t>
-            </a:r>
-          </a:p>
-          <a:p>
-            <a:pPr lvl="1"/>
-            <a:r>
-              <a:rPr lang="ru-RU" dirty="0"/>
-              <a:t>перехватывает и проверяет API типа </a:t>
-            </a:r>
-            <a:r>
-              <a:rPr lang="ru-RU" dirty="0">
-                <a:latin typeface="Courier New" panose="02070309020205020404" pitchFamily="49" charset="0"/>
-                <a:cs typeface="Courier New" panose="02070309020205020404" pitchFamily="49" charset="0"/>
-              </a:rPr>
-              <a:t>qsort</a:t>
-            </a:r>
-            <a:r>
-              <a:rPr lang="ru-RU" dirty="0"/>
-              <a:t> и </a:t>
-            </a:r>
-            <a:r>
-              <a:rPr lang="ru-RU" dirty="0">
-                <a:latin typeface="Courier New" panose="02070309020205020404" pitchFamily="49" charset="0"/>
-                <a:cs typeface="Courier New" panose="02070309020205020404" pitchFamily="49" charset="0"/>
-              </a:rPr>
-              <a:t>bsearch</a:t>
-            </a:r>
-          </a:p>
-          <a:p>
-            <a:pPr lvl="1"/>
-            <a:r>
-              <a:rPr lang="ru-RU" dirty="0"/>
-              <a:t>основан на динамической инструментации (</a:t>
-            </a:r>
-            <a:r>
-              <a:rPr lang="ru-RU" dirty="0">
-                <a:latin typeface="Courier New" panose="02070309020205020404" pitchFamily="49" charset="0"/>
-                <a:cs typeface="Courier New" panose="02070309020205020404" pitchFamily="49" charset="0"/>
-              </a:rPr>
-              <a:t>LD_PRELOAD</a:t>
-            </a:r>
-            <a:r>
-              <a:rPr lang="ru-RU" dirty="0"/>
-              <a:t>)</a:t>
-            </a:r>
-          </a:p>
-          <a:p>
-            <a:pPr lvl="1"/>
-            <a:r>
-              <a:rPr lang="ru-RU" dirty="0"/>
-              <a:t>15 ошибок в различных OSS проектах (GCC, Harfbuzz, etc.)</a:t>
-            </a:r>
-          </a:p>
-          <a:p>
-            <a:r>
-              <a:rPr lang="ru-RU" dirty="0"/>
-              <a:t>SortChecker++ (</a:t>
-            </a:r>
-            <a:r>
-              <a:rPr lang="ru-RU" dirty="0">
-                <a:hlinkClick r:id="rId3"/>
-              </a:rPr>
-              <a:t>https://github.com/yugr/sortcheckxx</a:t>
-            </a:r>
-            <a:r>
-              <a:rPr lang="ru-RU" dirty="0"/>
-              <a:t>)</a:t>
-            </a:r>
-          </a:p>
-          <a:p>
-            <a:pPr lvl="1"/>
-            <a:r>
-              <a:rPr lang="ru-RU" dirty="0"/>
-              <a:t>работает с программами на C++</a:t>
-            </a:r>
-          </a:p>
-          <a:p>
-            <a:pPr lvl="1"/>
-            <a:r>
-              <a:rPr lang="ru-RU" dirty="0"/>
-              <a:t>перехватывает и проверяет API типа </a:t>
-            </a:r>
-            <a:r>
-              <a:rPr lang="ru-RU" dirty="0">
-                <a:latin typeface="Courier New" panose="02070309020205020404" pitchFamily="49" charset="0"/>
-                <a:cs typeface="Courier New" panose="02070309020205020404" pitchFamily="49" charset="0"/>
-              </a:rPr>
-              <a:t>std::sort</a:t>
-            </a:r>
-            <a:r>
-              <a:rPr lang="ru-RU" dirty="0"/>
-              <a:t> и контейнеры типа </a:t>
-            </a:r>
-            <a:r>
-              <a:rPr lang="ru-RU" dirty="0">
-                <a:latin typeface="Courier New" panose="02070309020205020404" pitchFamily="49" charset="0"/>
-                <a:cs typeface="Courier New" panose="02070309020205020404" pitchFamily="49" charset="0"/>
-              </a:rPr>
-              <a:t>std::map</a:t>
-            </a:r>
-          </a:p>
-          <a:p>
-            <a:pPr lvl="1"/>
-            <a:r>
-              <a:rPr lang="ru-RU" dirty="0"/>
-              <a:t>основан на source-to-source инструментации (Clang-based)</a:t>
-            </a:r>
-          </a:p>
-          <a:p>
-            <a:pPr lvl="1"/>
-            <a:r>
-              <a:rPr lang="ru-RU" dirty="0"/>
-              <a:t>5 ошибок в различных OSS проектах</a:t>
-            </a:r>
-          </a:p>
-          <a:p>
-            <a:pPr lvl="1"/>
-            <a:r>
-              <a:rPr lang="ru-RU" dirty="0"/>
-              <a:t>TODO: поддержать все релевантные алгоритмы (</a:t>
-            </a:r>
-            <a:r>
-              <a:rPr lang="ru-RU" dirty="0">
-                <a:latin typeface="Courier New" panose="02070309020205020404" pitchFamily="49" charset="0"/>
-                <a:cs typeface="Courier New" panose="02070309020205020404" pitchFamily="49" charset="0"/>
-              </a:rPr>
-              <a:t>nth_element</a:t>
-            </a:r>
-            <a:r>
-              <a:rPr lang="ru-RU" dirty="0"/>
-              <a:t>, etc.)</a:t>
-            </a:r>
           </a:p>
           <a:p>
             <a:endParaRPr lang="en-US" dirty="0"/>
@@ -11473,7 +13138,7 @@
     </p:spTree>
     <p:extLst>
       <p:ext uri="{BB962C8B-B14F-4D97-AF65-F5344CB8AC3E}">
-        <p14:creationId xmlns:p14="http://schemas.microsoft.com/office/powerpoint/2010/main" val="2659528703"/>
+        <p14:creationId xmlns:p14="http://schemas.microsoft.com/office/powerpoint/2010/main" val="312233099"/>
       </p:ext>
     </p:extLst>
   </p:cSld>
@@ -11505,7 +13170,7 @@
           <p:cNvPr id="2" name="Title 1">
             <a:extLst>
               <a:ext uri="{FF2B5EF4-FFF2-40B4-BE49-F238E27FC236}">
-                <a16:creationId xmlns:a16="http://schemas.microsoft.com/office/drawing/2014/main" id="{A6FDE828-D233-4535-B53B-9502F549DDB9}"/>
+                <a16:creationId xmlns:a16="http://schemas.microsoft.com/office/drawing/2014/main" id="{29796DE8-2F63-4ED5-8119-3DA4F4CD5511}"/>
               </a:ext>
             </a:extLst>
           </p:cNvPr>
@@ -11523,263 +13188,96 @@
           <a:p>
             <a:r>
               <a:rPr lang="ru-RU" dirty="0"/>
-              <a:t>Как использовать </a:t>
+              <a:t>Быстрый алгоритм проверки</a:t>
+            </a:r>
+            <a:endParaRPr lang="en-US" dirty="0"/>
+          </a:p>
+        </p:txBody>
+      </p:sp>
+      <p:sp>
+        <p:nvSpPr>
+          <p:cNvPr id="3" name="Content Placeholder 2">
+            <a:extLst>
+              <a:ext uri="{FF2B5EF4-FFF2-40B4-BE49-F238E27FC236}">
+                <a16:creationId xmlns:a16="http://schemas.microsoft.com/office/drawing/2014/main" id="{A60B7B0C-7980-480B-978A-B65865533741}"/>
+              </a:ext>
+            </a:extLst>
+          </p:cNvPr>
+          <p:cNvSpPr>
+            <a:spLocks noGrp="1"/>
+          </p:cNvSpPr>
+          <p:nvPr>
+            <p:ph idx="1"/>
+          </p:nvPr>
+        </p:nvSpPr>
+        <p:spPr/>
+        <p:txBody>
+          <a:bodyPr>
+            <a:normAutofit lnSpcReduction="10000"/>
+          </a:bodyPr>
+          <a:lstStyle/>
+          <a:p>
+            <a:r>
+              <a:rPr lang="en-US" dirty="0">
+                <a:hlinkClick r:id="rId2"/>
+              </a:rPr>
+              <a:t>https://github.com/danlark1/quadratic_strict_weak_ordering</a:t>
+            </a:r>
+            <a:r>
+              <a:rPr lang="ru-RU" dirty="0"/>
+              <a:t> </a:t>
+            </a:r>
+          </a:p>
+          <a:p>
+            <a:r>
+              <a:rPr lang="ru-RU" dirty="0"/>
+              <a:t>Предложен Д. Кутениным в начале 2023 года</a:t>
+            </a:r>
+          </a:p>
+          <a:p>
+            <a:r>
+              <a:rPr lang="ru-RU" dirty="0"/>
+              <a:t>Идея алгоритма:</a:t>
+            </a:r>
+          </a:p>
+          <a:p>
+            <a:pPr lvl="1"/>
+            <a:r>
+              <a:rPr lang="ru-RU" dirty="0"/>
+              <a:t>Предварительно отсортировать массив устойчивым алгоритмом</a:t>
+            </a:r>
+          </a:p>
+          <a:p>
+            <a:pPr lvl="1"/>
+            <a:r>
+              <a:rPr lang="ru-RU" dirty="0"/>
+              <a:t>Выделять в отсортированном массиве префиксы эквивалентных элементов</a:t>
+            </a:r>
+          </a:p>
+          <a:p>
+            <a:pPr lvl="1"/>
+            <a:r>
+              <a:rPr lang="ru-RU" dirty="0"/>
+              <a:t>И проверять их на транзитивность с оставшейся частью массива</a:t>
+            </a:r>
+          </a:p>
+          <a:p>
+            <a:r>
+              <a:rPr lang="ru-RU" dirty="0"/>
+              <a:t>Снижает сложность до O(N^2) (по прежнему превосходит сложность проверяемых алгоритмов)</a:t>
+            </a:r>
+            <a:endParaRPr lang="en-US" dirty="0"/>
+          </a:p>
+          <a:p>
+            <a:r>
+              <a:rPr lang="ru-RU" dirty="0"/>
+              <a:t>Пока не интегрирован в </a:t>
             </a:r>
             <a:r>
               <a:rPr lang="en-US" dirty="0" err="1"/>
               <a:t>SortChecker</a:t>
             </a:r>
-            <a:endParaRPr lang="en-US" dirty="0"/>
-          </a:p>
-        </p:txBody>
-      </p:sp>
-      <p:sp>
-        <p:nvSpPr>
-          <p:cNvPr id="3" name="Content Placeholder 2">
-            <a:extLst>
-              <a:ext uri="{FF2B5EF4-FFF2-40B4-BE49-F238E27FC236}">
-                <a16:creationId xmlns:a16="http://schemas.microsoft.com/office/drawing/2014/main" id="{485A6619-1CBE-4348-961B-BD3FDC8FFEC4}"/>
-              </a:ext>
-            </a:extLst>
-          </p:cNvPr>
-          <p:cNvSpPr>
-            <a:spLocks noGrp="1"/>
-          </p:cNvSpPr>
-          <p:nvPr>
-            <p:ph idx="1"/>
-          </p:nvPr>
-        </p:nvSpPr>
-        <p:spPr/>
-        <p:txBody>
-          <a:bodyPr>
-            <a:normAutofit fontScale="92500" lnSpcReduction="20000"/>
-          </a:bodyPr>
-          <a:lstStyle/>
-          <a:p>
-            <a:r>
-              <a:rPr lang="ru-RU" dirty="0"/>
-              <a:t>Вначале инструментируем код:</a:t>
-            </a:r>
-          </a:p>
-          <a:p>
-            <a:pPr marL="457200" lvl="1" indent="0">
-              <a:buNone/>
-            </a:pPr>
-            <a:r>
-              <a:rPr lang="en-US" dirty="0">
-                <a:latin typeface="Courier New" panose="02070309020205020404" pitchFamily="49" charset="0"/>
-                <a:cs typeface="Courier New" panose="02070309020205020404" pitchFamily="49" charset="0"/>
-              </a:rPr>
-              <a:t>$ </a:t>
-            </a:r>
-            <a:r>
-              <a:rPr lang="en-US" dirty="0" err="1">
-                <a:latin typeface="Courier New" panose="02070309020205020404" pitchFamily="49" charset="0"/>
-                <a:cs typeface="Courier New" panose="02070309020205020404" pitchFamily="49" charset="0"/>
-              </a:rPr>
-              <a:t>sortcheckxx</a:t>
-            </a:r>
-            <a:r>
-              <a:rPr lang="en-US" dirty="0">
-                <a:latin typeface="Courier New" panose="02070309020205020404" pitchFamily="49" charset="0"/>
-                <a:cs typeface="Courier New" panose="02070309020205020404" pitchFamily="49" charset="0"/>
-              </a:rPr>
-              <a:t>/bin/</a:t>
-            </a:r>
-            <a:r>
-              <a:rPr lang="en-US" dirty="0" err="1">
-                <a:latin typeface="Courier New" panose="02070309020205020404" pitchFamily="49" charset="0"/>
-                <a:cs typeface="Courier New" panose="02070309020205020404" pitchFamily="49" charset="0"/>
-              </a:rPr>
-              <a:t>SortChecker</a:t>
-            </a:r>
-            <a:r>
-              <a:rPr lang="en-US" dirty="0">
-                <a:latin typeface="Courier New" panose="02070309020205020404" pitchFamily="49" charset="0"/>
-                <a:cs typeface="Courier New" panose="02070309020205020404" pitchFamily="49" charset="0"/>
-              </a:rPr>
-              <a:t> tmp.cc -- -DN=50</a:t>
-            </a:r>
-            <a:endParaRPr lang="en-US" dirty="0"/>
-          </a:p>
-          <a:p>
-            <a:r>
-              <a:rPr lang="ru-RU" dirty="0"/>
-              <a:t>По большому счёту вся инструментация сводится к замене</a:t>
-            </a:r>
-            <a:r>
-              <a:rPr lang="en-US" dirty="0"/>
-              <a:t> </a:t>
-            </a:r>
-            <a:r>
-              <a:rPr lang="ru-RU" dirty="0"/>
-              <a:t>вызова стандартной </a:t>
-            </a:r>
-            <a:r>
-              <a:rPr lang="en-US" dirty="0">
-                <a:latin typeface="Courier New" panose="02070309020205020404" pitchFamily="49" charset="0"/>
-                <a:cs typeface="Courier New" panose="02070309020205020404" pitchFamily="49" charset="0"/>
-              </a:rPr>
-              <a:t>std::sort</a:t>
-            </a:r>
-          </a:p>
-          <a:p>
-            <a:pPr marL="457200" lvl="1" indent="0">
-              <a:buNone/>
-            </a:pPr>
-            <a:r>
-              <a:rPr lang="en-US" dirty="0">
-                <a:latin typeface="Courier New" panose="02070309020205020404" pitchFamily="49" charset="0"/>
-                <a:cs typeface="Courier New" panose="02070309020205020404" pitchFamily="49" charset="0"/>
-              </a:rPr>
-              <a:t>std::sort(begin, end, </a:t>
-            </a:r>
-            <a:r>
-              <a:rPr lang="en-US" dirty="0" err="1">
-                <a:latin typeface="Courier New" panose="02070309020205020404" pitchFamily="49" charset="0"/>
-                <a:cs typeface="Courier New" panose="02070309020205020404" pitchFamily="49" charset="0"/>
-              </a:rPr>
-              <a:t>cmp</a:t>
-            </a:r>
-            <a:r>
-              <a:rPr lang="en-US" dirty="0">
-                <a:latin typeface="Courier New" panose="02070309020205020404" pitchFamily="49" charset="0"/>
-                <a:cs typeface="Courier New" panose="02070309020205020404" pitchFamily="49" charset="0"/>
-              </a:rPr>
-              <a:t>);</a:t>
-            </a:r>
-          </a:p>
-          <a:p>
-            <a:r>
-              <a:rPr lang="ru-RU" dirty="0"/>
-              <a:t>на отладочную обёртку</a:t>
-            </a:r>
-          </a:p>
-          <a:p>
-            <a:pPr marL="457200" lvl="1" indent="0">
-              <a:buNone/>
-            </a:pPr>
-            <a:r>
-              <a:rPr lang="en-US" dirty="0" err="1">
-                <a:latin typeface="Courier New" panose="02070309020205020404" pitchFamily="49" charset="0"/>
-                <a:cs typeface="Courier New" panose="02070309020205020404" pitchFamily="49" charset="0"/>
-              </a:rPr>
-              <a:t>sortcheck</a:t>
-            </a:r>
-            <a:r>
-              <a:rPr lang="en-US" dirty="0">
-                <a:latin typeface="Courier New" panose="02070309020205020404" pitchFamily="49" charset="0"/>
-                <a:cs typeface="Courier New" panose="02070309020205020404" pitchFamily="49" charset="0"/>
-              </a:rPr>
-              <a:t>::</a:t>
-            </a:r>
-            <a:r>
-              <a:rPr lang="en-US" dirty="0" err="1">
-                <a:latin typeface="Courier New" panose="02070309020205020404" pitchFamily="49" charset="0"/>
-                <a:cs typeface="Courier New" panose="02070309020205020404" pitchFamily="49" charset="0"/>
-              </a:rPr>
-              <a:t>sort_checked</a:t>
-            </a:r>
-            <a:r>
-              <a:rPr lang="en-US" dirty="0">
-                <a:latin typeface="Courier New" panose="02070309020205020404" pitchFamily="49" charset="0"/>
-                <a:cs typeface="Courier New" panose="02070309020205020404" pitchFamily="49" charset="0"/>
-              </a:rPr>
-              <a:t>(begin, end, </a:t>
-            </a:r>
-            <a:r>
-              <a:rPr lang="en-US" dirty="0" err="1">
-                <a:latin typeface="Courier New" panose="02070309020205020404" pitchFamily="49" charset="0"/>
-                <a:cs typeface="Courier New" panose="02070309020205020404" pitchFamily="49" charset="0"/>
-              </a:rPr>
-              <a:t>cmp</a:t>
-            </a:r>
-            <a:r>
-              <a:rPr lang="en-US" dirty="0">
-                <a:latin typeface="Courier New" panose="02070309020205020404" pitchFamily="49" charset="0"/>
-                <a:cs typeface="Courier New" panose="02070309020205020404" pitchFamily="49" charset="0"/>
-              </a:rPr>
-              <a:t>, __FILE__, __LINE__);</a:t>
-            </a:r>
-          </a:p>
-          <a:p>
-            <a:r>
-              <a:rPr lang="ru-RU" dirty="0"/>
-              <a:t>Скомпилируем и запустим инструментированный код из начала презентации</a:t>
-            </a:r>
-            <a:r>
-              <a:rPr lang="en-US" dirty="0"/>
-              <a:t>:</a:t>
-            </a:r>
             <a:endParaRPr lang="ru-RU" dirty="0"/>
-          </a:p>
-          <a:p>
-            <a:pPr marL="457200" lvl="1" indent="0">
-              <a:buNone/>
-            </a:pPr>
-            <a:r>
-              <a:rPr lang="en-US" dirty="0">
-                <a:latin typeface="Courier New" panose="02070309020205020404" pitchFamily="49" charset="0"/>
-                <a:cs typeface="Courier New" panose="02070309020205020404" pitchFamily="49" charset="0"/>
-              </a:rPr>
-              <a:t>$ g++ -g -DN=50 -I </a:t>
-            </a:r>
-            <a:r>
-              <a:rPr lang="en-US" dirty="0" err="1">
-                <a:latin typeface="Courier New" panose="02070309020205020404" pitchFamily="49" charset="0"/>
-                <a:cs typeface="Courier New" panose="02070309020205020404" pitchFamily="49" charset="0"/>
-              </a:rPr>
-              <a:t>sortcheckxx</a:t>
-            </a:r>
-            <a:r>
-              <a:rPr lang="en-US" dirty="0">
-                <a:latin typeface="Courier New" panose="02070309020205020404" pitchFamily="49" charset="0"/>
-                <a:cs typeface="Courier New" panose="02070309020205020404" pitchFamily="49" charset="0"/>
-              </a:rPr>
-              <a:t>/include tmp.cc &amp;&amp; ./</a:t>
-            </a:r>
-            <a:r>
-              <a:rPr lang="en-US" dirty="0" err="1">
-                <a:latin typeface="Courier New" panose="02070309020205020404" pitchFamily="49" charset="0"/>
-                <a:cs typeface="Courier New" panose="02070309020205020404" pitchFamily="49" charset="0"/>
-              </a:rPr>
-              <a:t>a.out</a:t>
-            </a:r>
-            <a:endParaRPr lang="en-US" dirty="0">
-              <a:latin typeface="Courier New" panose="02070309020205020404" pitchFamily="49" charset="0"/>
-              <a:cs typeface="Courier New" panose="02070309020205020404" pitchFamily="49" charset="0"/>
-            </a:endParaRPr>
-          </a:p>
-          <a:p>
-            <a:pPr marL="457200" lvl="1" indent="0">
-              <a:buNone/>
-            </a:pPr>
-            <a:r>
-              <a:rPr lang="en-US" dirty="0" err="1">
-                <a:latin typeface="Courier New" panose="02070309020205020404" pitchFamily="49" charset="0"/>
-                <a:cs typeface="Courier New" panose="02070309020205020404" pitchFamily="49" charset="0"/>
-              </a:rPr>
-              <a:t>sortcheck</a:t>
-            </a:r>
-            <a:r>
-              <a:rPr lang="en-US" dirty="0">
-                <a:latin typeface="Courier New" panose="02070309020205020404" pitchFamily="49" charset="0"/>
-                <a:cs typeface="Courier New" panose="02070309020205020404" pitchFamily="49" charset="0"/>
-              </a:rPr>
-              <a:t>: tmp.cc:14: irreflexive comparator at position 0</a:t>
-            </a:r>
-          </a:p>
-          <a:p>
-            <a:pPr marL="457200" lvl="1" indent="0">
-              <a:buNone/>
-            </a:pPr>
-            <a:r>
-              <a:rPr lang="en-US" dirty="0">
-                <a:latin typeface="Courier New" panose="02070309020205020404" pitchFamily="49" charset="0"/>
-                <a:cs typeface="Courier New" panose="02070309020205020404" pitchFamily="49" charset="0"/>
-              </a:rPr>
-              <a:t>Aborted</a:t>
-            </a:r>
           </a:p>
           <a:p>
             <a:endParaRPr lang="en-US" dirty="0"/>
@@ -11789,7 +13287,7 @@
     </p:spTree>
     <p:extLst>
       <p:ext uri="{BB962C8B-B14F-4D97-AF65-F5344CB8AC3E}">
-        <p14:creationId xmlns:p14="http://schemas.microsoft.com/office/powerpoint/2010/main" val="1487736242"/>
+        <p14:creationId xmlns:p14="http://schemas.microsoft.com/office/powerpoint/2010/main" val="886008562"/>
       </p:ext>
     </p:extLst>
   </p:cSld>
@@ -11821,7 +13319,7 @@
           <p:cNvPr id="2" name="Title 1">
             <a:extLst>
               <a:ext uri="{FF2B5EF4-FFF2-40B4-BE49-F238E27FC236}">
-                <a16:creationId xmlns:a16="http://schemas.microsoft.com/office/drawing/2014/main" id="{B6884E62-A92A-47BA-9EF6-78B10084AB0B}"/>
+                <a16:creationId xmlns:a16="http://schemas.microsoft.com/office/drawing/2014/main" id="{98837C8A-F603-42F7-AC33-9EBA279193DF}"/>
               </a:ext>
             </a:extLst>
           </p:cNvPr>
@@ -11832,19 +13330,14 @@
             <p:ph type="title"/>
           </p:nvPr>
         </p:nvSpPr>
-        <p:spPr>
-          <a:xfrm>
-            <a:off x="838200" y="-81189"/>
-            <a:ext cx="10515600" cy="1325563"/>
-          </a:xfrm>
-        </p:spPr>
+        <p:spPr/>
         <p:txBody>
           <a:bodyPr/>
           <a:lstStyle/>
           <a:p>
             <a:r>
               <a:rPr lang="ru-RU" dirty="0"/>
-              <a:t>Псевдокод</a:t>
+              <a:t>Что почитать</a:t>
             </a:r>
             <a:endParaRPr lang="en-US" dirty="0"/>
           </a:p>
@@ -11855,7 +13348,7 @@
           <p:cNvPr id="3" name="Content Placeholder 2">
             <a:extLst>
               <a:ext uri="{FF2B5EF4-FFF2-40B4-BE49-F238E27FC236}">
-                <a16:creationId xmlns:a16="http://schemas.microsoft.com/office/drawing/2014/main" id="{AD260025-EBC3-45D0-9B0B-DAA951A03DCC}"/>
+                <a16:creationId xmlns:a16="http://schemas.microsoft.com/office/drawing/2014/main" id="{6BEF2B0C-DEB6-403A-A327-A9DABD7F44CE}"/>
               </a:ext>
             </a:extLst>
           </p:cNvPr>
@@ -11866,321 +13359,41 @@
             <p:ph idx="1"/>
           </p:nvPr>
         </p:nvSpPr>
-        <p:spPr>
-          <a:xfrm>
-            <a:off x="636814" y="1004887"/>
-            <a:ext cx="11261272" cy="5450342"/>
-          </a:xfrm>
-        </p:spPr>
-        <p:txBody>
-          <a:bodyPr>
-            <a:normAutofit fontScale="77500" lnSpcReduction="20000"/>
-          </a:bodyPr>
-          <a:lstStyle/>
-          <a:p>
-            <a:r>
-              <a:rPr lang="ru-RU" dirty="0"/>
-              <a:t>Каждый запуск </a:t>
-            </a:r>
-            <a:r>
-              <a:rPr lang="en-US" dirty="0">
-                <a:latin typeface="Courier New" panose="02070309020205020404" pitchFamily="49" charset="0"/>
-                <a:cs typeface="Courier New" panose="02070309020205020404" pitchFamily="49" charset="0"/>
-              </a:rPr>
-              <a:t>std::sort</a:t>
+        <p:spPr/>
+        <p:txBody>
+          <a:bodyPr/>
+          <a:lstStyle/>
+          <a:p>
+            <a:r>
+              <a:rPr lang="en-US" dirty="0"/>
+              <a:t>Danila </a:t>
+            </a:r>
+            <a:r>
+              <a:rPr lang="en-US" dirty="0" err="1"/>
+              <a:t>Kutenin</a:t>
             </a:r>
             <a:r>
               <a:rPr lang="en-US" dirty="0"/>
               <a:t> </a:t>
             </a:r>
             <a:r>
-              <a:rPr lang="ru-RU" dirty="0"/>
-              <a:t>и аналогичных </a:t>
-            </a:r>
+              <a:rPr lang="en-US" dirty="0">
+                <a:hlinkClick r:id="rId2"/>
+              </a:rPr>
+              <a:t>Changing std::sort at Google’s Scale and Beyond</a:t>
+            </a:r>
+            <a:endParaRPr lang="en-US" dirty="0"/>
+          </a:p>
+          <a:p>
             <a:r>
               <a:rPr lang="en-US" dirty="0"/>
-              <a:t>API </a:t>
-            </a:r>
-            <a:r>
-              <a:rPr lang="ru-RU" dirty="0"/>
-              <a:t>предваряется проверками:</a:t>
-            </a:r>
-          </a:p>
-          <a:p>
-            <a:pPr marL="457200" lvl="1" indent="0">
-              <a:buNone/>
-            </a:pPr>
-            <a:r>
-              <a:rPr lang="en-US" sz="2000" dirty="0">
-                <a:latin typeface="Courier New" panose="02070309020205020404" pitchFamily="49" charset="0"/>
-                <a:cs typeface="Courier New" panose="02070309020205020404" pitchFamily="49" charset="0"/>
-              </a:rPr>
-              <a:t>for x in array</a:t>
-            </a:r>
-          </a:p>
-          <a:p>
-            <a:pPr marL="457200" lvl="1" indent="0">
-              <a:buNone/>
-            </a:pPr>
-            <a:r>
-              <a:rPr lang="en-US" sz="2000" dirty="0">
-                <a:latin typeface="Courier New" panose="02070309020205020404" pitchFamily="49" charset="0"/>
-                <a:cs typeface="Courier New" panose="02070309020205020404" pitchFamily="49" charset="0"/>
-              </a:rPr>
-              <a:t>  if comp(x, x)</a:t>
-            </a:r>
-          </a:p>
-          <a:p>
-            <a:pPr marL="457200" lvl="1" indent="0">
-              <a:buNone/>
-            </a:pPr>
-            <a:r>
-              <a:rPr lang="en-US" sz="2000" dirty="0">
-                <a:latin typeface="Courier New" panose="02070309020205020404" pitchFamily="49" charset="0"/>
-                <a:cs typeface="Courier New" panose="02070309020205020404" pitchFamily="49" charset="0"/>
-              </a:rPr>
-              <a:t>    error</a:t>
-            </a:r>
-          </a:p>
-          <a:p>
-            <a:pPr marL="457200" lvl="1" indent="0">
-              <a:buNone/>
-            </a:pPr>
-            <a:endParaRPr lang="en-US" sz="2000" dirty="0">
-              <a:latin typeface="Courier New" panose="02070309020205020404" pitchFamily="49" charset="0"/>
-              <a:cs typeface="Courier New" panose="02070309020205020404" pitchFamily="49" charset="0"/>
-            </a:endParaRPr>
-          </a:p>
-          <a:p>
-            <a:pPr marL="457200" lvl="1" indent="0">
-              <a:buNone/>
-            </a:pPr>
-            <a:r>
-              <a:rPr lang="en-US" sz="2000" dirty="0">
-                <a:latin typeface="Courier New" panose="02070309020205020404" pitchFamily="49" charset="0"/>
-                <a:cs typeface="Courier New" panose="02070309020205020404" pitchFamily="49" charset="0"/>
-              </a:rPr>
-              <a:t>for x, y in array</a:t>
-            </a:r>
-          </a:p>
-          <a:p>
-            <a:pPr marL="457200" lvl="1" indent="0">
-              <a:buNone/>
-            </a:pPr>
-            <a:r>
-              <a:rPr lang="en-US" sz="2000" dirty="0">
-                <a:latin typeface="Courier New" panose="02070309020205020404" pitchFamily="49" charset="0"/>
-                <a:cs typeface="Courier New" panose="02070309020205020404" pitchFamily="49" charset="0"/>
-              </a:rPr>
-              <a:t>  if comp(x, y) != comp(y, x)</a:t>
-            </a:r>
-          </a:p>
-          <a:p>
-            <a:pPr marL="457200" lvl="1" indent="0">
-              <a:buNone/>
-            </a:pPr>
-            <a:r>
-              <a:rPr lang="en-US" sz="2000" dirty="0">
-                <a:latin typeface="Courier New" panose="02070309020205020404" pitchFamily="49" charset="0"/>
-                <a:cs typeface="Courier New" panose="02070309020205020404" pitchFamily="49" charset="0"/>
-              </a:rPr>
-              <a:t>    error</a:t>
-            </a:r>
-          </a:p>
-          <a:p>
-            <a:pPr marL="457200" lvl="1" indent="0">
-              <a:buNone/>
-            </a:pPr>
-            <a:endParaRPr lang="en-US" sz="2000" dirty="0">
-              <a:latin typeface="Courier New" panose="02070309020205020404" pitchFamily="49" charset="0"/>
-              <a:cs typeface="Courier New" panose="02070309020205020404" pitchFamily="49" charset="0"/>
-            </a:endParaRPr>
-          </a:p>
-          <a:p>
-            <a:pPr marL="457200" lvl="1" indent="0">
-              <a:buNone/>
-            </a:pPr>
-            <a:r>
-              <a:rPr lang="en-US" sz="2000" dirty="0">
-                <a:latin typeface="Courier New" panose="02070309020205020404" pitchFamily="49" charset="0"/>
-                <a:cs typeface="Courier New" panose="02070309020205020404" pitchFamily="49" charset="0"/>
-              </a:rPr>
-              <a:t>for x, y, z in array</a:t>
-            </a:r>
-          </a:p>
-          <a:p>
-            <a:pPr marL="457200" lvl="1" indent="0">
-              <a:buNone/>
-            </a:pPr>
-            <a:r>
-              <a:rPr lang="en-US" sz="2000" dirty="0">
-                <a:latin typeface="Courier New" panose="02070309020205020404" pitchFamily="49" charset="0"/>
-                <a:cs typeface="Courier New" panose="02070309020205020404" pitchFamily="49" charset="0"/>
-              </a:rPr>
-              <a:t>  if comp(x, y) &amp;&amp; comp(y, z) &amp;&amp; !comp(x, z)</a:t>
-            </a:r>
-          </a:p>
-          <a:p>
-            <a:pPr marL="457200" lvl="1" indent="0">
-              <a:buNone/>
-            </a:pPr>
-            <a:r>
-              <a:rPr lang="en-US" sz="2000" dirty="0">
-                <a:latin typeface="Courier New" panose="02070309020205020404" pitchFamily="49" charset="0"/>
-                <a:cs typeface="Courier New" panose="02070309020205020404" pitchFamily="49" charset="0"/>
-              </a:rPr>
-              <a:t>    error</a:t>
-            </a:r>
-          </a:p>
-          <a:p>
-            <a:pPr marL="457200" lvl="1" indent="0">
-              <a:buNone/>
-            </a:pPr>
-            <a:endParaRPr lang="en-US" sz="2000" dirty="0">
-              <a:latin typeface="Courier New" panose="02070309020205020404" pitchFamily="49" charset="0"/>
-              <a:cs typeface="Courier New" panose="02070309020205020404" pitchFamily="49" charset="0"/>
-            </a:endParaRPr>
-          </a:p>
-          <a:p>
-            <a:pPr marL="457200" lvl="1" indent="0">
-              <a:buNone/>
-            </a:pPr>
-            <a:r>
-              <a:rPr lang="en-US" sz="2000" dirty="0">
-                <a:latin typeface="Courier New" panose="02070309020205020404" pitchFamily="49" charset="0"/>
-                <a:cs typeface="Courier New" panose="02070309020205020404" pitchFamily="49" charset="0"/>
-              </a:rPr>
-              <a:t>for x, y, z in array</a:t>
-            </a:r>
-          </a:p>
-          <a:p>
-            <a:pPr marL="457200" lvl="1" indent="0">
-              <a:buNone/>
-            </a:pPr>
-            <a:r>
-              <a:rPr lang="en-US" sz="2000" dirty="0">
-                <a:latin typeface="Courier New" panose="02070309020205020404" pitchFamily="49" charset="0"/>
-                <a:cs typeface="Courier New" panose="02070309020205020404" pitchFamily="49" charset="0"/>
-              </a:rPr>
-              <a:t>  if </a:t>
-            </a:r>
-            <a:r>
-              <a:rPr lang="en-US" sz="2000" dirty="0" err="1">
-                <a:latin typeface="Courier New" panose="02070309020205020404" pitchFamily="49" charset="0"/>
-                <a:cs typeface="Courier New" panose="02070309020205020404" pitchFamily="49" charset="0"/>
-              </a:rPr>
-              <a:t>equiv</a:t>
-            </a:r>
-            <a:r>
-              <a:rPr lang="en-US" sz="2000" dirty="0">
-                <a:latin typeface="Courier New" panose="02070309020205020404" pitchFamily="49" charset="0"/>
-                <a:cs typeface="Courier New" panose="02070309020205020404" pitchFamily="49" charset="0"/>
-              </a:rPr>
-              <a:t>(x, y) &amp;&amp; </a:t>
-            </a:r>
-            <a:r>
-              <a:rPr lang="en-US" sz="2000" dirty="0" err="1">
-                <a:latin typeface="Courier New" panose="02070309020205020404" pitchFamily="49" charset="0"/>
-                <a:cs typeface="Courier New" panose="02070309020205020404" pitchFamily="49" charset="0"/>
-              </a:rPr>
-              <a:t>equiv</a:t>
-            </a:r>
-            <a:r>
-              <a:rPr lang="en-US" sz="2000" dirty="0">
-                <a:latin typeface="Courier New" panose="02070309020205020404" pitchFamily="49" charset="0"/>
-                <a:cs typeface="Courier New" panose="02070309020205020404" pitchFamily="49" charset="0"/>
-              </a:rPr>
-              <a:t>(y, z) &amp;&amp; !</a:t>
-            </a:r>
-            <a:r>
-              <a:rPr lang="en-US" sz="2000" dirty="0" err="1">
-                <a:latin typeface="Courier New" panose="02070309020205020404" pitchFamily="49" charset="0"/>
-                <a:cs typeface="Courier New" panose="02070309020205020404" pitchFamily="49" charset="0"/>
-              </a:rPr>
-              <a:t>equiv</a:t>
-            </a:r>
-            <a:r>
-              <a:rPr lang="en-US" sz="2000" dirty="0">
-                <a:latin typeface="Courier New" panose="02070309020205020404" pitchFamily="49" charset="0"/>
-                <a:cs typeface="Courier New" panose="02070309020205020404" pitchFamily="49" charset="0"/>
-              </a:rPr>
-              <a:t>(x, z)</a:t>
-            </a:r>
-          </a:p>
-          <a:p>
-            <a:pPr marL="457200" lvl="1" indent="0">
-              <a:buNone/>
-            </a:pPr>
-            <a:r>
-              <a:rPr lang="en-US" sz="2000" dirty="0">
-                <a:latin typeface="Courier New" panose="02070309020205020404" pitchFamily="49" charset="0"/>
-                <a:cs typeface="Courier New" panose="02070309020205020404" pitchFamily="49" charset="0"/>
-              </a:rPr>
-              <a:t>    error</a:t>
-            </a:r>
-            <a:endParaRPr lang="en-US" dirty="0">
-              <a:latin typeface="Courier New" panose="02070309020205020404" pitchFamily="49" charset="0"/>
-              <a:cs typeface="Courier New" panose="02070309020205020404" pitchFamily="49" charset="0"/>
-            </a:endParaRPr>
-          </a:p>
-          <a:p>
-            <a:r>
-              <a:rPr lang="ru-RU" dirty="0"/>
-              <a:t>Сложность проверок составляет </a:t>
-            </a:r>
-            <a:r>
-              <a:rPr lang="en-US" dirty="0"/>
-              <a:t>O(N^3)</a:t>
-            </a:r>
-            <a:endParaRPr lang="ru-RU" dirty="0"/>
-          </a:p>
-          <a:p>
-            <a:r>
-              <a:rPr lang="en-US" dirty="0"/>
-              <a:t>C</a:t>
-            </a:r>
-            <a:r>
-              <a:rPr lang="ru-RU" dirty="0"/>
-              <a:t>ущественно превосходит даже </a:t>
-            </a:r>
-            <a:r>
-              <a:rPr lang="en-US" dirty="0">
-                <a:latin typeface="Courier New" panose="02070309020205020404" pitchFamily="49" charset="0"/>
-                <a:cs typeface="Courier New" panose="02070309020205020404" pitchFamily="49" charset="0"/>
-              </a:rPr>
-              <a:t>std::sort</a:t>
-            </a:r>
-            <a:r>
-              <a:rPr lang="en-US" dirty="0"/>
-              <a:t>, </a:t>
-            </a:r>
-            <a:r>
-              <a:rPr lang="ru-RU" dirty="0"/>
-              <a:t>не говоря о более быстрых алгоритмах (</a:t>
-            </a:r>
-            <a:r>
-              <a:rPr lang="en-US" dirty="0">
-                <a:latin typeface="Courier New" panose="02070309020205020404" pitchFamily="49" charset="0"/>
-                <a:cs typeface="Courier New" panose="02070309020205020404" pitchFamily="49" charset="0"/>
-              </a:rPr>
-              <a:t>std::</a:t>
-            </a:r>
-            <a:r>
-              <a:rPr lang="en-US" dirty="0" err="1">
-                <a:latin typeface="Courier New" panose="02070309020205020404" pitchFamily="49" charset="0"/>
-                <a:cs typeface="Courier New" panose="02070309020205020404" pitchFamily="49" charset="0"/>
-              </a:rPr>
-              <a:t>max_element</a:t>
-            </a:r>
-            <a:r>
-              <a:rPr lang="en-US" dirty="0"/>
-              <a:t>, etc.)</a:t>
-            </a:r>
-          </a:p>
-          <a:p>
-            <a:r>
-              <a:rPr lang="ru-RU" dirty="0"/>
-              <a:t>На практике обходится не весь массив, а его небольшое подмножество (20-30 элементов)</a:t>
+              <a:t>Jonathan Müller </a:t>
+            </a:r>
+            <a:r>
+              <a:rPr lang="en-US" dirty="0">
+                <a:hlinkClick r:id="rId3"/>
+              </a:rPr>
+              <a:t>Mathematics behind Comparison</a:t>
             </a:r>
             <a:endParaRPr lang="en-US" dirty="0"/>
           </a:p>
@@ -12192,7 +13405,7 @@
     </p:spTree>
     <p:extLst>
       <p:ext uri="{BB962C8B-B14F-4D97-AF65-F5344CB8AC3E}">
-        <p14:creationId xmlns:p14="http://schemas.microsoft.com/office/powerpoint/2010/main" val="312233099"/>
+        <p14:creationId xmlns:p14="http://schemas.microsoft.com/office/powerpoint/2010/main" val="88266572"/>
       </p:ext>
     </p:extLst>
   </p:cSld>
@@ -12224,7 +13437,7 @@
           <p:cNvPr id="2" name="Title 1">
             <a:extLst>
               <a:ext uri="{FF2B5EF4-FFF2-40B4-BE49-F238E27FC236}">
-                <a16:creationId xmlns:a16="http://schemas.microsoft.com/office/drawing/2014/main" id="{29796DE8-2F63-4ED5-8119-3DA4F4CD5511}"/>
+                <a16:creationId xmlns:a16="http://schemas.microsoft.com/office/drawing/2014/main" id="{E3D5795D-7F53-4AE1-BCD3-E31732F4E19B}"/>
               </a:ext>
             </a:extLst>
           </p:cNvPr>
@@ -12242,7 +13455,7 @@
           <a:p>
             <a:r>
               <a:rPr lang="ru-RU" dirty="0"/>
-              <a:t>Быстрый алгоритм проверки</a:t>
+              <a:t>Другие типы ошибок в компараторных API</a:t>
             </a:r>
             <a:endParaRPr lang="en-US" dirty="0"/>
           </a:p>
@@ -12253,7 +13466,7 @@
           <p:cNvPr id="3" name="Content Placeholder 2">
             <a:extLst>
               <a:ext uri="{FF2B5EF4-FFF2-40B4-BE49-F238E27FC236}">
-                <a16:creationId xmlns:a16="http://schemas.microsoft.com/office/drawing/2014/main" id="{A60B7B0C-7980-480B-978A-B65865533741}"/>
+                <a16:creationId xmlns:a16="http://schemas.microsoft.com/office/drawing/2014/main" id="{AA227CD4-DE96-4DD8-81A3-3E6458D822A6}"/>
               </a:ext>
             </a:extLst>
           </p:cNvPr>
@@ -12266,74 +13479,105 @@
         </p:nvSpPr>
         <p:spPr/>
         <p:txBody>
-          <a:bodyPr>
-            <a:normAutofit lnSpcReduction="10000"/>
-          </a:bodyPr>
-          <a:lstStyle/>
-          <a:p>
-            <a:r>
-              <a:rPr lang="en-US" dirty="0">
-                <a:hlinkClick r:id="rId2"/>
-              </a:rPr>
-              <a:t>https://github.com/danlark1/quadratic_strict_weak_ordering</a:t>
-            </a:r>
-            <a:r>
-              <a:rPr lang="ru-RU" dirty="0"/>
-              <a:t> </a:t>
-            </a:r>
-          </a:p>
-          <a:p>
-            <a:r>
-              <a:rPr lang="ru-RU" dirty="0"/>
-              <a:t>Предложен Д. Кутениным в начале 2023 года</a:t>
-            </a:r>
-          </a:p>
-          <a:p>
-            <a:r>
-              <a:rPr lang="ru-RU" dirty="0"/>
-              <a:t>Идея алгоритма:</a:t>
-            </a:r>
+          <a:bodyPr/>
+          <a:lstStyle/>
+          <a:p>
+            <a:r>
+              <a:rPr lang="ru-RU" dirty="0"/>
+              <a:t>Неотсортированные массивы в </a:t>
+            </a:r>
+            <a:r>
+              <a:rPr lang="en-US" dirty="0"/>
+              <a:t>API </a:t>
+            </a:r>
+            <a:r>
+              <a:rPr lang="ru-RU" dirty="0"/>
+              <a:t>типа </a:t>
+            </a:r>
+            <a:r>
+              <a:rPr lang="en-US" dirty="0">
+                <a:latin typeface="Courier New" panose="02070309020205020404" pitchFamily="49" charset="0"/>
+                <a:cs typeface="Courier New" panose="02070309020205020404" pitchFamily="49" charset="0"/>
+              </a:rPr>
+              <a:t>std::</a:t>
+            </a:r>
+            <a:r>
+              <a:rPr lang="en-US" dirty="0" err="1">
+                <a:latin typeface="Courier New" panose="02070309020205020404" pitchFamily="49" charset="0"/>
+                <a:cs typeface="Courier New" panose="02070309020205020404" pitchFamily="49" charset="0"/>
+              </a:rPr>
+              <a:t>binary_search</a:t>
+            </a:r>
+            <a:endParaRPr lang="en-US" dirty="0">
+              <a:latin typeface="Courier New" panose="02070309020205020404" pitchFamily="49" charset="0"/>
+              <a:cs typeface="Courier New" panose="02070309020205020404" pitchFamily="49" charset="0"/>
+            </a:endParaRPr>
           </a:p>
           <a:p>
             <a:pPr lvl="1"/>
             <a:r>
               <a:rPr lang="ru-RU" dirty="0"/>
-              <a:t>Предварительно отсортировать массив устойчивым алгоритмом</a:t>
-            </a:r>
-          </a:p>
-          <a:p>
-            <a:pPr lvl="1"/>
-            <a:r>
-              <a:rPr lang="ru-RU" dirty="0"/>
-              <a:t>Выделять в отсортированном массиве префиксы эквивалентных элементов</a:t>
-            </a:r>
-          </a:p>
-          <a:p>
-            <a:pPr lvl="1"/>
-            <a:r>
-              <a:rPr lang="ru-RU" dirty="0"/>
-              <a:t>И проверять их на транзитивность с оставшейся частью массива</a:t>
-            </a:r>
-          </a:p>
-          <a:p>
-            <a:r>
-              <a:rPr lang="ru-RU" dirty="0"/>
-              <a:t>Снижает сложность до O(N^2) (по прежнему превосходит сложность проверяемых алгоритмов)</a:t>
-            </a:r>
-            <a:endParaRPr lang="en-US" dirty="0"/>
-          </a:p>
-          <a:p>
-            <a:r>
-              <a:rPr lang="ru-RU" dirty="0"/>
-              <a:t>Пока не интегрирован в </a:t>
+              <a:t>поддерживается в </a:t>
             </a:r>
             <a:r>
               <a:rPr lang="en-US" dirty="0" err="1"/>
               <a:t>SortChecker</a:t>
             </a:r>
-            <a:endParaRPr lang="ru-RU" dirty="0"/>
-          </a:p>
-          <a:p>
+            <a:r>
+              <a:rPr lang="en-US" dirty="0"/>
+              <a:t>/</a:t>
+            </a:r>
+            <a:r>
+              <a:rPr lang="en-US" dirty="0" err="1"/>
+              <a:t>SortChecker</a:t>
+            </a:r>
+            <a:r>
+              <a:rPr lang="en-US" dirty="0"/>
+              <a:t>++</a:t>
+            </a:r>
+          </a:p>
+          <a:p>
+            <a:r>
+              <a:rPr lang="ru-RU" dirty="0"/>
+              <a:t>Неопределённый порядок сортировки эквивалентных элементов</a:t>
+            </a:r>
+          </a:p>
+          <a:p>
+            <a:pPr lvl="1"/>
+            <a:r>
+              <a:rPr lang="ru-RU" dirty="0"/>
+              <a:t>проверяется в </a:t>
+            </a:r>
+            <a:r>
+              <a:rPr lang="en-US" dirty="0" err="1"/>
+              <a:t>libc</a:t>
+            </a:r>
+            <a:r>
+              <a:rPr lang="en-US" dirty="0"/>
+              <a:t>++ </a:t>
+            </a:r>
+            <a:r>
+              <a:rPr lang="ru-RU" dirty="0"/>
+              <a:t>с помощью рандомизации</a:t>
+            </a:r>
+            <a:endParaRPr lang="en-US" dirty="0"/>
+          </a:p>
+          <a:p>
+            <a:pPr lvl="1"/>
+            <a:r>
+              <a:rPr lang="ru-RU" dirty="0">
+                <a:latin typeface="Courier New" panose="02070309020205020404" pitchFamily="49" charset="0"/>
+                <a:cs typeface="Courier New" panose="02070309020205020404" pitchFamily="49" charset="0"/>
+              </a:rPr>
+              <a:t>-</a:t>
+            </a:r>
+            <a:r>
+              <a:rPr lang="en-US" dirty="0">
+                <a:latin typeface="Courier New" panose="02070309020205020404" pitchFamily="49" charset="0"/>
+                <a:cs typeface="Courier New" panose="02070309020205020404" pitchFamily="49" charset="0"/>
+              </a:rPr>
+              <a:t>D_LIBCPP_DEBUG_RANDOMIZE_UNSPECIFIED_STABILITY_SEED</a:t>
+            </a:r>
             <a:endParaRPr lang="en-US" dirty="0"/>
           </a:p>
         </p:txBody>
@@ -12341,7 +13585,7 @@
     </p:spTree>
     <p:extLst>
       <p:ext uri="{BB962C8B-B14F-4D97-AF65-F5344CB8AC3E}">
-        <p14:creationId xmlns:p14="http://schemas.microsoft.com/office/powerpoint/2010/main" val="886008562"/>
+        <p14:creationId xmlns:p14="http://schemas.microsoft.com/office/powerpoint/2010/main" val="453513218"/>
       </p:ext>
     </p:extLst>
   </p:cSld>
@@ -12373,7 +13617,7 @@
           <p:cNvPr id="2" name="Title 1">
             <a:extLst>
               <a:ext uri="{FF2B5EF4-FFF2-40B4-BE49-F238E27FC236}">
-                <a16:creationId xmlns:a16="http://schemas.microsoft.com/office/drawing/2014/main" id="{98837C8A-F603-42F7-AC33-9EBA279193DF}"/>
+                <a16:creationId xmlns:a16="http://schemas.microsoft.com/office/drawing/2014/main" id="{FB27C366-F1FD-4880-B503-F75FA2AB3EA0}"/>
               </a:ext>
             </a:extLst>
           </p:cNvPr>
@@ -12391,7 +13635,7 @@
           <a:p>
             <a:r>
               <a:rPr lang="ru-RU" dirty="0"/>
-              <a:t>Что почитать</a:t>
+              <a:t>Рекомендации</a:t>
             </a:r>
             <a:endParaRPr lang="en-US" dirty="0"/>
           </a:p>
@@ -12402,7 +13646,7 @@
           <p:cNvPr id="3" name="Content Placeholder 2">
             <a:extLst>
               <a:ext uri="{FF2B5EF4-FFF2-40B4-BE49-F238E27FC236}">
-                <a16:creationId xmlns:a16="http://schemas.microsoft.com/office/drawing/2014/main" id="{6BEF2B0C-DEB6-403A-A327-A9DABD7F44CE}"/>
+                <a16:creationId xmlns:a16="http://schemas.microsoft.com/office/drawing/2014/main" id="{B6A123D4-600E-41B8-800A-B2AF29703F6B}"/>
               </a:ext>
             </a:extLst>
           </p:cNvPr>
@@ -12419,39 +13663,58 @@
           <a:lstStyle/>
           <a:p>
             <a:r>
-              <a:rPr lang="en-US" dirty="0"/>
-              <a:t>Danila </a:t>
-            </a:r>
-            <a:r>
-              <a:rPr lang="en-US" dirty="0" err="1"/>
-              <a:t>Kutenin</a:t>
-            </a:r>
-            <a:r>
-              <a:rPr lang="en-US" dirty="0"/>
-              <a:t> </a:t>
-            </a:r>
-            <a:r>
-              <a:rPr lang="en-US" dirty="0">
-                <a:hlinkClick r:id="rId2"/>
-              </a:rPr>
-              <a:t>Changing std::sort at Google’s Scale and Beyond</a:t>
+              <a:rPr lang="ru-RU" dirty="0"/>
+              <a:t>Избегайте типичных ошибок в работе</a:t>
             </a:r>
             <a:endParaRPr lang="en-US" dirty="0"/>
           </a:p>
           <a:p>
             <a:r>
-              <a:rPr lang="en-US" dirty="0"/>
-              <a:t>Jonathan Müller </a:t>
-            </a:r>
-            <a:r>
-              <a:rPr lang="en-US" dirty="0">
-                <a:hlinkClick r:id="rId3"/>
-              </a:rPr>
-              <a:t>Mathematics behind Comparison</a:t>
-            </a:r>
-            <a:endParaRPr lang="en-US" dirty="0"/>
-          </a:p>
-          <a:p>
+              <a:rPr lang="ru-RU" dirty="0"/>
+              <a:t>Включите </a:t>
+            </a:r>
+            <a:r>
+              <a:rPr lang="en-US" dirty="0">
+                <a:latin typeface="Courier New" panose="02070309020205020404" pitchFamily="49" charset="0"/>
+                <a:cs typeface="Courier New" panose="02070309020205020404" pitchFamily="49" charset="0"/>
+              </a:rPr>
+              <a:t>_G</a:t>
+            </a:r>
+            <a:r>
+              <a:rPr lang="ru-RU" dirty="0">
+                <a:latin typeface="Courier New" panose="02070309020205020404" pitchFamily="49" charset="0"/>
+                <a:cs typeface="Courier New" panose="02070309020205020404" pitchFamily="49" charset="0"/>
+              </a:rPr>
+              <a:t>LIBCXX_DEBUG</a:t>
+            </a:r>
+            <a:r>
+              <a:rPr lang="ru-RU" dirty="0"/>
+              <a:t> и </a:t>
+            </a:r>
+            <a:r>
+              <a:rPr lang="ru-RU" dirty="0">
+                <a:latin typeface="Courier New" panose="02070309020205020404" pitchFamily="49" charset="0"/>
+                <a:cs typeface="Courier New" panose="02070309020205020404" pitchFamily="49" charset="0"/>
+              </a:rPr>
+              <a:t>_LIBCPP_ENABLE_DEBUG_MODE</a:t>
+            </a:r>
+            <a:r>
+              <a:rPr lang="ru-RU" dirty="0"/>
+              <a:t> в своём CI</a:t>
+            </a:r>
+          </a:p>
+          <a:p>
+            <a:r>
+              <a:rPr lang="ru-RU" dirty="0"/>
+              <a:t>Примените Sortchecker и Sortchecker++ к своему коду</a:t>
+            </a:r>
+          </a:p>
+          <a:p>
+            <a:pPr lvl="1"/>
+            <a:r>
+              <a:rPr lang="ru-RU" dirty="0"/>
+              <a:t>Сообщения об ошибках и дополнения приветствуются!</a:t>
+            </a:r>
             <a:endParaRPr lang="en-US" dirty="0"/>
           </a:p>
         </p:txBody>
@@ -12459,7 +13722,7 @@
     </p:spTree>
     <p:extLst>
       <p:ext uri="{BB962C8B-B14F-4D97-AF65-F5344CB8AC3E}">
-        <p14:creationId xmlns:p14="http://schemas.microsoft.com/office/powerpoint/2010/main" val="88266572"/>
+        <p14:creationId xmlns:p14="http://schemas.microsoft.com/office/powerpoint/2010/main" val="1454724109"/>
       </p:ext>
     </p:extLst>
   </p:cSld>
@@ -12491,7 +13754,7 @@
           <p:cNvPr id="2" name="Title 1">
             <a:extLst>
               <a:ext uri="{FF2B5EF4-FFF2-40B4-BE49-F238E27FC236}">
-                <a16:creationId xmlns:a16="http://schemas.microsoft.com/office/drawing/2014/main" id="{E3D5795D-7F53-4AE1-BCD3-E31732F4E19B}"/>
+                <a16:creationId xmlns:a16="http://schemas.microsoft.com/office/drawing/2014/main" id="{AE55B1BF-E6CB-4A61-A19B-EAB2E2F68128}"/>
               </a:ext>
             </a:extLst>
           </p:cNvPr>
@@ -12509,9 +13772,12 @@
           <a:p>
             <a:r>
               <a:rPr lang="ru-RU" dirty="0"/>
-              <a:t>Другие типы ошибок в компараторных API</a:t>
-            </a:r>
-            <a:endParaRPr lang="en-US" dirty="0"/>
+              <a:t>Спасибо за внимание</a:t>
+            </a:r>
+            <a:r>
+              <a:rPr lang="en-US" dirty="0"/>
+              <a:t>!</a:t>
+            </a:r>
           </a:p>
         </p:txBody>
       </p:sp>
@@ -12520,7 +13786,7 @@
           <p:cNvPr id="3" name="Content Placeholder 2">
             <a:extLst>
               <a:ext uri="{FF2B5EF4-FFF2-40B4-BE49-F238E27FC236}">
-                <a16:creationId xmlns:a16="http://schemas.microsoft.com/office/drawing/2014/main" id="{AA227CD4-DE96-4DD8-81A3-3E6458D822A6}"/>
+                <a16:creationId xmlns:a16="http://schemas.microsoft.com/office/drawing/2014/main" id="{FDC23327-086B-41AB-AC13-CE5A75450C7E}"/>
               </a:ext>
             </a:extLst>
           </p:cNvPr>
@@ -12536,102 +13802,6 @@
           <a:bodyPr/>
           <a:lstStyle/>
           <a:p>
-            <a:r>
-              <a:rPr lang="ru-RU" dirty="0"/>
-              <a:t>Неотсортированные массивы в </a:t>
-            </a:r>
-            <a:r>
-              <a:rPr lang="en-US" dirty="0"/>
-              <a:t>API </a:t>
-            </a:r>
-            <a:r>
-              <a:rPr lang="ru-RU" dirty="0"/>
-              <a:t>типа </a:t>
-            </a:r>
-            <a:r>
-              <a:rPr lang="en-US" dirty="0">
-                <a:latin typeface="Courier New" panose="02070309020205020404" pitchFamily="49" charset="0"/>
-                <a:cs typeface="Courier New" panose="02070309020205020404" pitchFamily="49" charset="0"/>
-              </a:rPr>
-              <a:t>std::</a:t>
-            </a:r>
-            <a:r>
-              <a:rPr lang="en-US" dirty="0" err="1">
-                <a:latin typeface="Courier New" panose="02070309020205020404" pitchFamily="49" charset="0"/>
-                <a:cs typeface="Courier New" panose="02070309020205020404" pitchFamily="49" charset="0"/>
-              </a:rPr>
-              <a:t>binary_search</a:t>
-            </a:r>
-            <a:endParaRPr lang="en-US" dirty="0">
-              <a:latin typeface="Courier New" panose="02070309020205020404" pitchFamily="49" charset="0"/>
-              <a:cs typeface="Courier New" panose="02070309020205020404" pitchFamily="49" charset="0"/>
-            </a:endParaRPr>
-          </a:p>
-          <a:p>
-            <a:pPr lvl="1"/>
-            <a:r>
-              <a:rPr lang="ru-RU" dirty="0"/>
-              <a:t>поддерживается в </a:t>
-            </a:r>
-            <a:r>
-              <a:rPr lang="en-US" dirty="0" err="1"/>
-              <a:t>SortChecker</a:t>
-            </a:r>
-            <a:r>
-              <a:rPr lang="en-US" dirty="0"/>
-              <a:t>/</a:t>
-            </a:r>
-            <a:r>
-              <a:rPr lang="en-US" dirty="0" err="1"/>
-              <a:t>SortChecker</a:t>
-            </a:r>
-            <a:r>
-              <a:rPr lang="en-US" dirty="0"/>
-              <a:t>++</a:t>
-            </a:r>
-          </a:p>
-          <a:p>
-            <a:r>
-              <a:rPr lang="ru-RU" dirty="0"/>
-              <a:t>Неопределённый порядок сортировки эквивалентных элементов</a:t>
-            </a:r>
-          </a:p>
-          <a:p>
-            <a:pPr lvl="1"/>
-            <a:r>
-              <a:rPr lang="ru-RU" dirty="0"/>
-              <a:t>проверяется в </a:t>
-            </a:r>
-            <a:r>
-              <a:rPr lang="en-US" dirty="0" err="1"/>
-              <a:t>libc</a:t>
-            </a:r>
-            <a:r>
-              <a:rPr lang="en-US" dirty="0"/>
-              <a:t>++ </a:t>
-            </a:r>
-            <a:r>
-              <a:rPr lang="ru-RU" dirty="0"/>
-              <a:t>с помощью рандомизации</a:t>
-            </a:r>
-            <a:endParaRPr lang="en-US" dirty="0"/>
-          </a:p>
-          <a:p>
-            <a:pPr lvl="1"/>
-            <a:r>
-              <a:rPr lang="ru-RU" dirty="0">
-                <a:latin typeface="Courier New" panose="02070309020205020404" pitchFamily="49" charset="0"/>
-                <a:cs typeface="Courier New" panose="02070309020205020404" pitchFamily="49" charset="0"/>
-              </a:rPr>
-              <a:t>-</a:t>
-            </a:r>
-            <a:r>
-              <a:rPr lang="en-US" dirty="0">
-                <a:latin typeface="Courier New" panose="02070309020205020404" pitchFamily="49" charset="0"/>
-                <a:cs typeface="Courier New" panose="02070309020205020404" pitchFamily="49" charset="0"/>
-              </a:rPr>
-              <a:t>D_LIBCPP_DEBUG_RANDOMIZE_UNSPECIFIED_STABILITY_SEED</a:t>
-            </a:r>
             <a:endParaRPr lang="en-US" dirty="0"/>
           </a:p>
         </p:txBody>
@@ -12639,7 +13809,7 @@
     </p:spTree>
     <p:extLst>
       <p:ext uri="{BB962C8B-B14F-4D97-AF65-F5344CB8AC3E}">
-        <p14:creationId xmlns:p14="http://schemas.microsoft.com/office/powerpoint/2010/main" val="453513218"/>
+        <p14:creationId xmlns:p14="http://schemas.microsoft.com/office/powerpoint/2010/main" val="876813992"/>
       </p:ext>
     </p:extLst>
   </p:cSld>
@@ -12671,7 +13841,7 @@
           <p:cNvPr id="2" name="Title 1">
             <a:extLst>
               <a:ext uri="{FF2B5EF4-FFF2-40B4-BE49-F238E27FC236}">
-                <a16:creationId xmlns:a16="http://schemas.microsoft.com/office/drawing/2014/main" id="{FB27C366-F1FD-4880-B503-F75FA2AB3EA0}"/>
+                <a16:creationId xmlns:a16="http://schemas.microsoft.com/office/drawing/2014/main" id="{680D122F-8A3D-4D58-A0A5-9A5AC33760D9}"/>
               </a:ext>
             </a:extLst>
           </p:cNvPr>
@@ -12689,7 +13859,15 @@
           <a:p>
             <a:r>
               <a:rPr lang="ru-RU" dirty="0"/>
-              <a:t>Домашнее задание</a:t>
+              <a:t>Частые ошибки</a:t>
+            </a:r>
+            <a:r>
+              <a:rPr lang="en-US" dirty="0"/>
+              <a:t>: </a:t>
+            </a:r>
+            <a:r>
+              <a:rPr lang="ru-RU" dirty="0"/>
+              <a:t>лексикографический порядок</a:t>
             </a:r>
             <a:endParaRPr lang="en-US" dirty="0"/>
           </a:p>
@@ -12700,7 +13878,7 @@
           <p:cNvPr id="3" name="Content Placeholder 2">
             <a:extLst>
               <a:ext uri="{FF2B5EF4-FFF2-40B4-BE49-F238E27FC236}">
-                <a16:creationId xmlns:a16="http://schemas.microsoft.com/office/drawing/2014/main" id="{B6A123D4-600E-41B8-800A-B2AF29703F6B}"/>
+                <a16:creationId xmlns:a16="http://schemas.microsoft.com/office/drawing/2014/main" id="{EF38A0C2-67EB-4D5D-A96E-FD883EF4688E}"/>
               </a:ext>
             </a:extLst>
           </p:cNvPr>
@@ -12713,70 +13891,91 @@
         </p:nvSpPr>
         <p:spPr/>
         <p:txBody>
-          <a:bodyPr/>
-          <a:lstStyle/>
-          <a:p>
-            <a:r>
-              <a:rPr lang="ru-RU" dirty="0"/>
-              <a:t>Изучите типичные ошибки и не повторяйте их в работе</a:t>
-            </a:r>
-            <a:endParaRPr lang="en-US" dirty="0"/>
-          </a:p>
-          <a:p>
-            <a:r>
-              <a:rPr lang="ru-RU" dirty="0"/>
-              <a:t>Включите </a:t>
-            </a:r>
-            <a:r>
-              <a:rPr lang="en-US" dirty="0">
-                <a:latin typeface="Courier New" panose="02070309020205020404" pitchFamily="49" charset="0"/>
-                <a:cs typeface="Courier New" panose="02070309020205020404" pitchFamily="49" charset="0"/>
-              </a:rPr>
-              <a:t>_G</a:t>
-            </a:r>
+          <a:bodyPr>
+            <a:normAutofit/>
+          </a:bodyPr>
+          <a:lstStyle/>
+          <a:p>
+            <a:pPr marL="0" indent="0">
+              <a:buNone/>
+            </a:pPr>
+            <a:r>
+              <a:rPr lang="ru-RU" dirty="0"/>
+              <a:t>Примеры со stackoverflow:</a:t>
+            </a:r>
+          </a:p>
+          <a:p>
+            <a:pPr lvl="1"/>
             <a:r>
               <a:rPr lang="ru-RU" dirty="0">
-                <a:latin typeface="Courier New" panose="02070309020205020404" pitchFamily="49" charset="0"/>
-                <a:cs typeface="Courier New" panose="02070309020205020404" pitchFamily="49" charset="0"/>
-              </a:rPr>
-              <a:t>LIBCXX_DEBUG</a:t>
-            </a:r>
-            <a:r>
-              <a:rPr lang="ru-RU" dirty="0"/>
-              <a:t> и </a:t>
-            </a:r>
+                <a:hlinkClick r:id="rId2"/>
+              </a:rPr>
+              <a:t>https://stackoverflow.com/questions/48455244/bug-in-stdsort</a:t>
+            </a:r>
+            <a:r>
+              <a:rPr lang="en-US" dirty="0"/>
+              <a:t> </a:t>
+            </a:r>
+            <a:endParaRPr lang="ru-RU" dirty="0"/>
+          </a:p>
+          <a:p>
+            <a:pPr lvl="1"/>
             <a:r>
               <a:rPr lang="ru-RU" dirty="0">
-                <a:latin typeface="Courier New" panose="02070309020205020404" pitchFamily="49" charset="0"/>
-                <a:cs typeface="Courier New" panose="02070309020205020404" pitchFamily="49" charset="0"/>
-              </a:rPr>
-              <a:t>_LIBCPP_ENABLE_DEBUG_MODE</a:t>
-            </a:r>
-            <a:r>
-              <a:rPr lang="ru-RU" dirty="0"/>
-              <a:t> в своём CI</a:t>
-            </a:r>
-          </a:p>
-          <a:p>
-            <a:r>
-              <a:rPr lang="ru-RU" dirty="0"/>
-              <a:t>Примените Sortchecker и Sortchecker++ к своему коду</a:t>
-            </a:r>
+                <a:hlinkClick r:id="rId3"/>
+              </a:rPr>
+              <a:t>https://stackoverflow.com/questions/53712873/sorting-a-vector-of-a-custom-class-with-stdsort-causes-a-segmentation-fault</a:t>
+            </a:r>
+            <a:r>
+              <a:rPr lang="en-US" dirty="0"/>
+              <a:t> </a:t>
+            </a:r>
+            <a:endParaRPr lang="ru-RU" dirty="0"/>
           </a:p>
           <a:p>
             <a:pPr lvl="1"/>
             <a:r>
-              <a:rPr lang="ru-RU" dirty="0"/>
-              <a:t>Сообщения об ошибках и дополнения приветствуются!</a:t>
-            </a:r>
-            <a:endParaRPr lang="en-US" dirty="0"/>
+              <a:rPr lang="ru-RU" dirty="0">
+                <a:hlinkClick r:id="rId4"/>
+              </a:rPr>
+              <a:t>https://stackoverflow.com/questions/68225770/sorting-vector-of-pair-using-lambda-predicate-crashing-with-memory-corruption</a:t>
+            </a:r>
+            <a:r>
+              <a:rPr lang="en-US" dirty="0"/>
+              <a:t> </a:t>
+            </a:r>
+            <a:endParaRPr lang="ru-RU" dirty="0"/>
+          </a:p>
+          <a:p>
+            <a:pPr lvl="1"/>
+            <a:r>
+              <a:rPr lang="ru-RU" dirty="0">
+                <a:hlinkClick r:id="rId5"/>
+              </a:rPr>
+              <a:t>https://stackoverflow.com/questions/72737018/stdsort-results-in-a-segfault</a:t>
+            </a:r>
+            <a:r>
+              <a:rPr lang="en-US" dirty="0"/>
+              <a:t> </a:t>
+            </a:r>
+            <a:endParaRPr lang="ru-RU" dirty="0"/>
+          </a:p>
+          <a:p>
+            <a:pPr lvl="1"/>
+            <a:r>
+              <a:rPr lang="en-US" dirty="0">
+                <a:hlinkClick r:id="rId6"/>
+              </a:rPr>
+              <a:t>https://stackoverflow.com/questions/33547566/strict-weak-ordering-operator-in-c</a:t>
+            </a:r>
+            <a:endParaRPr lang="ru-RU" dirty="0"/>
           </a:p>
         </p:txBody>
       </p:sp>
     </p:spTree>
     <p:extLst>
       <p:ext uri="{BB962C8B-B14F-4D97-AF65-F5344CB8AC3E}">
-        <p14:creationId xmlns:p14="http://schemas.microsoft.com/office/powerpoint/2010/main" val="1454724109"/>
+        <p14:creationId xmlns:p14="http://schemas.microsoft.com/office/powerpoint/2010/main" val="3668881934"/>
       </p:ext>
     </p:extLst>
   </p:cSld>
@@ -12808,7 +14007,7 @@
           <p:cNvPr id="2" name="Title 1">
             <a:extLst>
               <a:ext uri="{FF2B5EF4-FFF2-40B4-BE49-F238E27FC236}">
-                <a16:creationId xmlns:a16="http://schemas.microsoft.com/office/drawing/2014/main" id="{AE55B1BF-E6CB-4A61-A19B-EAB2E2F68128}"/>
+                <a16:creationId xmlns:a16="http://schemas.microsoft.com/office/drawing/2014/main" id="{092805D2-F357-4985-8786-1E96A3570DCA}"/>
               </a:ext>
             </a:extLst>
           </p:cNvPr>
@@ -12826,12 +14025,17 @@
           <a:p>
             <a:r>
               <a:rPr lang="ru-RU" dirty="0"/>
-              <a:t>Спасибо за внимание</a:t>
+              <a:t>Частые ошибки</a:t>
             </a:r>
             <a:r>
               <a:rPr lang="en-US" dirty="0"/>
-              <a:t>!</a:t>
-            </a:r>
+              <a:t>: </a:t>
+            </a:r>
+            <a:r>
+              <a:rPr lang="ru-RU" dirty="0"/>
+              <a:t>нестрогий порядок</a:t>
+            </a:r>
+            <a:endParaRPr lang="en-US" dirty="0"/>
           </a:p>
         </p:txBody>
       </p:sp>
@@ -12840,7 +14044,7 @@
           <p:cNvPr id="3" name="Content Placeholder 2">
             <a:extLst>
               <a:ext uri="{FF2B5EF4-FFF2-40B4-BE49-F238E27FC236}">
-                <a16:creationId xmlns:a16="http://schemas.microsoft.com/office/drawing/2014/main" id="{FDC23327-086B-41AB-AC13-CE5A75450C7E}"/>
+                <a16:creationId xmlns:a16="http://schemas.microsoft.com/office/drawing/2014/main" id="{9F877387-845B-4121-913F-2FB574552C9A}"/>
               </a:ext>
             </a:extLst>
           </p:cNvPr>
@@ -12853,8 +14057,94 @@
         </p:nvSpPr>
         <p:spPr/>
         <p:txBody>
-          <a:bodyPr/>
-          <a:lstStyle/>
+          <a:bodyPr>
+            <a:normAutofit fontScale="85000" lnSpcReduction="20000"/>
+          </a:bodyPr>
+          <a:lstStyle/>
+          <a:p>
+            <a:r>
+              <a:rPr lang="en-US" dirty="0">
+                <a:hlinkClick r:id="rId2"/>
+              </a:rPr>
+              <a:t>https://stackoverflow.com/questions/40483971/program-crash-in-stdsort-sometimes-cant-reproduce</a:t>
+            </a:r>
+            <a:r>
+              <a:rPr lang="en-US" dirty="0"/>
+              <a:t> </a:t>
+            </a:r>
+          </a:p>
+          <a:p>
+            <a:r>
+              <a:rPr lang="en-US" dirty="0">
+                <a:hlinkClick r:id="rId3"/>
+              </a:rPr>
+              <a:t>https://stackoverflow.com/questions/65468629/stl-sort-debug-assertion-failed</a:t>
+            </a:r>
+            <a:r>
+              <a:rPr lang="en-US" dirty="0"/>
+              <a:t> </a:t>
+            </a:r>
+          </a:p>
+          <a:p>
+            <a:r>
+              <a:rPr lang="en-US" dirty="0">
+                <a:hlinkClick r:id="rId4"/>
+              </a:rPr>
+              <a:t>https://stackoverflow.com/questions/18291620/why-will-stdsort-crash-if-the-comparison-function-is-not-as-operator</a:t>
+            </a:r>
+            <a:r>
+              <a:rPr lang="en-US" dirty="0"/>
+              <a:t> </a:t>
+            </a:r>
+          </a:p>
+          <a:p>
+            <a:r>
+              <a:rPr lang="en-US" dirty="0">
+                <a:hlinkClick r:id="rId5"/>
+              </a:rPr>
+              <a:t>https://stackoverflow.com/questions/19757210/stdsort-from-algorithm-crashes</a:t>
+            </a:r>
+            <a:r>
+              <a:rPr lang="en-US" dirty="0"/>
+              <a:t> </a:t>
+            </a:r>
+          </a:p>
+          <a:p>
+            <a:r>
+              <a:rPr lang="en-US" dirty="0">
+                <a:hlinkClick r:id="rId6"/>
+              </a:rPr>
+              <a:t>https://stackoverflow.com/questions/64014782/c-program-crashes-when-trying-to-sort-a-vector-of-strings</a:t>
+            </a:r>
+            <a:r>
+              <a:rPr lang="en-US" dirty="0"/>
+              <a:t> </a:t>
+            </a:r>
+          </a:p>
+          <a:p>
+            <a:r>
+              <a:rPr lang="en-US" dirty="0">
+                <a:hlinkClick r:id="rId7"/>
+              </a:rPr>
+              <a:t>https://stackoverflow.com/questions/70869803/c-code-crashes-when-trying-to-sort-2d-vector</a:t>
+            </a:r>
+            <a:r>
+              <a:rPr lang="en-US" dirty="0"/>
+              <a:t> </a:t>
+            </a:r>
+          </a:p>
+          <a:p>
+            <a:r>
+              <a:rPr lang="en-US" dirty="0">
+                <a:hlinkClick r:id="rId8"/>
+              </a:rPr>
+              <a:t>https://stackoverflow.com/questions/67553073/std-sort-sometimes-throws-seqmention-fault</a:t>
+            </a:r>
+            <a:r>
+              <a:rPr lang="en-US" dirty="0"/>
+              <a:t> </a:t>
+            </a:r>
+          </a:p>
           <a:p>
             <a:endParaRPr lang="en-US" dirty="0"/>
           </a:p>
@@ -12863,7 +14153,275 @@
     </p:spTree>
     <p:extLst>
       <p:ext uri="{BB962C8B-B14F-4D97-AF65-F5344CB8AC3E}">
-        <p14:creationId xmlns:p14="http://schemas.microsoft.com/office/powerpoint/2010/main" val="876813992"/>
+        <p14:creationId xmlns:p14="http://schemas.microsoft.com/office/powerpoint/2010/main" val="1970220755"/>
+      </p:ext>
+    </p:extLst>
+  </p:cSld>
+  <p:clrMapOvr>
+    <a:masterClrMapping/>
+  </p:clrMapOvr>
+</p:sld>
+</file>
+
+<file path=ppt/slides/slide48.xml><?xml version="1.0" encoding="utf-8"?>
+<p:sld xmlns:a="http://schemas.openxmlformats.org/drawingml/2006/main" xmlns:r="http://schemas.openxmlformats.org/officeDocument/2006/relationships" xmlns:p="http://schemas.openxmlformats.org/presentationml/2006/main">
+  <p:cSld>
+    <p:spTree>
+      <p:nvGrpSpPr>
+        <p:cNvPr id="1" name=""/>
+        <p:cNvGrpSpPr/>
+        <p:nvPr/>
+      </p:nvGrpSpPr>
+      <p:grpSpPr>
+        <a:xfrm>
+          <a:off x="0" y="0"/>
+          <a:ext cx="0" cy="0"/>
+          <a:chOff x="0" y="0"/>
+          <a:chExt cx="0" cy="0"/>
+        </a:xfrm>
+      </p:grpSpPr>
+      <p:sp>
+        <p:nvSpPr>
+          <p:cNvPr id="2" name="Title 1">
+            <a:extLst>
+              <a:ext uri="{FF2B5EF4-FFF2-40B4-BE49-F238E27FC236}">
+                <a16:creationId xmlns:a16="http://schemas.microsoft.com/office/drawing/2014/main" id="{5B934954-6504-41DD-8948-DC3D99FD6E34}"/>
+              </a:ext>
+            </a:extLst>
+          </p:cNvPr>
+          <p:cNvSpPr>
+            <a:spLocks noGrp="1"/>
+          </p:cNvSpPr>
+          <p:nvPr>
+            <p:ph type="title"/>
+          </p:nvPr>
+        </p:nvSpPr>
+        <p:spPr/>
+        <p:txBody>
+          <a:bodyPr/>
+          <a:lstStyle/>
+          <a:p>
+            <a:r>
+              <a:rPr lang="ru-RU" dirty="0"/>
+              <a:t>Частые ошибки</a:t>
+            </a:r>
+            <a:r>
+              <a:rPr lang="en-US" dirty="0"/>
+              <a:t>:</a:t>
+            </a:r>
+            <a:r>
+              <a:rPr lang="ru-RU" dirty="0"/>
+              <a:t> некорректная обработка специального случая</a:t>
+            </a:r>
+            <a:endParaRPr lang="en-US" dirty="0"/>
+          </a:p>
+        </p:txBody>
+      </p:sp>
+      <p:sp>
+        <p:nvSpPr>
+          <p:cNvPr id="3" name="Content Placeholder 2">
+            <a:extLst>
+              <a:ext uri="{FF2B5EF4-FFF2-40B4-BE49-F238E27FC236}">
+                <a16:creationId xmlns:a16="http://schemas.microsoft.com/office/drawing/2014/main" id="{B70B7E1B-CF95-4F6A-94BA-64AE9895C4A5}"/>
+              </a:ext>
+            </a:extLst>
+          </p:cNvPr>
+          <p:cNvSpPr>
+            <a:spLocks noGrp="1"/>
+          </p:cNvSpPr>
+          <p:nvPr>
+            <p:ph idx="1"/>
+          </p:nvPr>
+        </p:nvSpPr>
+        <p:spPr/>
+        <p:txBody>
+          <a:bodyPr/>
+          <a:lstStyle/>
+          <a:p>
+            <a:r>
+              <a:rPr lang="ru-RU" dirty="0">
+                <a:solidFill>
+                  <a:prstClr val="black"/>
+                </a:solidFill>
+                <a:cs typeface="Courier New" panose="02070309020205020404" pitchFamily="49" charset="0"/>
+              </a:rPr>
+              <a:t>Примеры со stackoverflow:</a:t>
+            </a:r>
+          </a:p>
+          <a:p>
+            <a:pPr lvl="1"/>
+            <a:r>
+              <a:rPr lang="ru-RU" dirty="0">
+                <a:solidFill>
+                  <a:prstClr val="black"/>
+                </a:solidFill>
+                <a:cs typeface="Courier New" panose="02070309020205020404" pitchFamily="49" charset="0"/>
+                <a:hlinkClick r:id="rId2"/>
+              </a:rPr>
+              <a:t>https://stackoverflow.com/questions/55815423/stdsort-crashes-with-strict-weak-ordering-comparing-with-garbage-values</a:t>
+            </a:r>
+            <a:r>
+              <a:rPr lang="en-US" dirty="0">
+                <a:solidFill>
+                  <a:prstClr val="black"/>
+                </a:solidFill>
+                <a:cs typeface="Courier New" panose="02070309020205020404" pitchFamily="49" charset="0"/>
+              </a:rPr>
+              <a:t> </a:t>
+            </a:r>
+            <a:endParaRPr lang="ru-RU" dirty="0">
+              <a:solidFill>
+                <a:prstClr val="black"/>
+              </a:solidFill>
+              <a:cs typeface="Courier New" panose="02070309020205020404" pitchFamily="49" charset="0"/>
+            </a:endParaRPr>
+          </a:p>
+          <a:p>
+            <a:pPr lvl="1"/>
+            <a:r>
+              <a:rPr lang="ru-RU" dirty="0">
+                <a:solidFill>
+                  <a:prstClr val="black"/>
+                </a:solidFill>
+                <a:cs typeface="Courier New" panose="02070309020205020404" pitchFamily="49" charset="0"/>
+                <a:hlinkClick r:id="rId3"/>
+              </a:rPr>
+              <a:t>https://stackoverflow.com/questions/48972158/crash-in-stdsort-sorting-without-strict-weak-ordering</a:t>
+            </a:r>
+            <a:r>
+              <a:rPr lang="en-US" dirty="0">
+                <a:solidFill>
+                  <a:prstClr val="black"/>
+                </a:solidFill>
+                <a:cs typeface="Courier New" panose="02070309020205020404" pitchFamily="49" charset="0"/>
+              </a:rPr>
+              <a:t> </a:t>
+            </a:r>
+            <a:endParaRPr lang="ru-RU" dirty="0">
+              <a:solidFill>
+                <a:prstClr val="black"/>
+              </a:solidFill>
+              <a:cs typeface="Courier New" panose="02070309020205020404" pitchFamily="49" charset="0"/>
+            </a:endParaRPr>
+          </a:p>
+          <a:p>
+            <a:endParaRPr lang="en-US" dirty="0"/>
+          </a:p>
+        </p:txBody>
+      </p:sp>
+    </p:spTree>
+    <p:extLst>
+      <p:ext uri="{BB962C8B-B14F-4D97-AF65-F5344CB8AC3E}">
+        <p14:creationId xmlns:p14="http://schemas.microsoft.com/office/powerpoint/2010/main" val="1385981339"/>
+      </p:ext>
+    </p:extLst>
+  </p:cSld>
+  <p:clrMapOvr>
+    <a:masterClrMapping/>
+  </p:clrMapOvr>
+</p:sld>
+</file>
+
+<file path=ppt/slides/slide49.xml><?xml version="1.0" encoding="utf-8"?>
+<p:sld xmlns:a="http://schemas.openxmlformats.org/drawingml/2006/main" xmlns:r="http://schemas.openxmlformats.org/officeDocument/2006/relationships" xmlns:p="http://schemas.openxmlformats.org/presentationml/2006/main">
+  <p:cSld>
+    <p:spTree>
+      <p:nvGrpSpPr>
+        <p:cNvPr id="1" name=""/>
+        <p:cNvGrpSpPr/>
+        <p:nvPr/>
+      </p:nvGrpSpPr>
+      <p:grpSpPr>
+        <a:xfrm>
+          <a:off x="0" y="0"/>
+          <a:ext cx="0" cy="0"/>
+          <a:chOff x="0" y="0"/>
+          <a:chExt cx="0" cy="0"/>
+        </a:xfrm>
+      </p:grpSpPr>
+      <p:sp>
+        <p:nvSpPr>
+          <p:cNvPr id="2" name="Title 1">
+            <a:extLst>
+              <a:ext uri="{FF2B5EF4-FFF2-40B4-BE49-F238E27FC236}">
+                <a16:creationId xmlns:a16="http://schemas.microsoft.com/office/drawing/2014/main" id="{7FAC9331-FB0D-46E1-97C7-91D2F53B1F37}"/>
+              </a:ext>
+            </a:extLst>
+          </p:cNvPr>
+          <p:cNvSpPr>
+            <a:spLocks noGrp="1"/>
+          </p:cNvSpPr>
+          <p:nvPr>
+            <p:ph type="title"/>
+          </p:nvPr>
+        </p:nvSpPr>
+        <p:spPr/>
+        <p:txBody>
+          <a:bodyPr/>
+          <a:lstStyle/>
+          <a:p>
+            <a:r>
+              <a:rPr lang="ru-RU" dirty="0"/>
+              <a:t>Частые ошибки</a:t>
+            </a:r>
+            <a:r>
+              <a:rPr lang="en-US" dirty="0"/>
+              <a:t>: </a:t>
+            </a:r>
+            <a:r>
+              <a:rPr lang="en-US" dirty="0" err="1"/>
+              <a:t>NaN</a:t>
+            </a:r>
+            <a:endParaRPr lang="en-US" dirty="0"/>
+          </a:p>
+        </p:txBody>
+      </p:sp>
+      <p:sp>
+        <p:nvSpPr>
+          <p:cNvPr id="3" name="Content Placeholder 2">
+            <a:extLst>
+              <a:ext uri="{FF2B5EF4-FFF2-40B4-BE49-F238E27FC236}">
+                <a16:creationId xmlns:a16="http://schemas.microsoft.com/office/drawing/2014/main" id="{ACB98A3B-A71D-4E65-8E79-44C3B3EC4169}"/>
+              </a:ext>
+            </a:extLst>
+          </p:cNvPr>
+          <p:cNvSpPr>
+            <a:spLocks noGrp="1"/>
+          </p:cNvSpPr>
+          <p:nvPr>
+            <p:ph idx="1"/>
+          </p:nvPr>
+        </p:nvSpPr>
+        <p:spPr/>
+        <p:txBody>
+          <a:bodyPr/>
+          <a:lstStyle/>
+          <a:p>
+            <a:r>
+              <a:rPr lang="ru-RU" dirty="0"/>
+              <a:t>Пример из жизни: </a:t>
+            </a:r>
+            <a:r>
+              <a:rPr lang="ru-RU" dirty="0">
+                <a:hlinkClick r:id="rId2"/>
+              </a:rPr>
+              <a:t>https://stackoverflow.com/questions/9244243/strict-weak-ordering-and-stdsort</a:t>
+            </a:r>
+            <a:r>
+              <a:rPr lang="en-US" dirty="0"/>
+              <a:t> </a:t>
+            </a:r>
+            <a:endParaRPr lang="ru-RU" dirty="0"/>
+          </a:p>
+          <a:p>
+            <a:endParaRPr lang="en-US" dirty="0"/>
+          </a:p>
+        </p:txBody>
+      </p:sp>
+    </p:spTree>
+    <p:extLst>
+      <p:ext uri="{BB962C8B-B14F-4D97-AF65-F5344CB8AC3E}">
+        <p14:creationId xmlns:p14="http://schemas.microsoft.com/office/powerpoint/2010/main" val="577564382"/>
       </p:ext>
     </p:extLst>
   </p:cSld>
@@ -13128,7 +14686,7 @@
                 <a:latin typeface="Courier New" panose="02070309020205020404" pitchFamily="49" charset="0"/>
                 <a:cs typeface="Courier New" panose="02070309020205020404" pitchFamily="49" charset="0"/>
               </a:rPr>
-              <a:t>Etc.</a:t>
+              <a:t>etc.</a:t>
             </a:r>
           </a:p>
         </p:txBody>
@@ -13137,6 +14695,118 @@
     <p:extLst>
       <p:ext uri="{BB962C8B-B14F-4D97-AF65-F5344CB8AC3E}">
         <p14:creationId xmlns:p14="http://schemas.microsoft.com/office/powerpoint/2010/main" val="2168601486"/>
+      </p:ext>
+    </p:extLst>
+  </p:cSld>
+  <p:clrMapOvr>
+    <a:masterClrMapping/>
+  </p:clrMapOvr>
+</p:sld>
+</file>
+
+<file path=ppt/slides/slide50.xml><?xml version="1.0" encoding="utf-8"?>
+<p:sld xmlns:a="http://schemas.openxmlformats.org/drawingml/2006/main" xmlns:r="http://schemas.openxmlformats.org/officeDocument/2006/relationships" xmlns:p="http://schemas.openxmlformats.org/presentationml/2006/main">
+  <p:cSld>
+    <p:spTree>
+      <p:nvGrpSpPr>
+        <p:cNvPr id="1" name=""/>
+        <p:cNvGrpSpPr/>
+        <p:nvPr/>
+      </p:nvGrpSpPr>
+      <p:grpSpPr>
+        <a:xfrm>
+          <a:off x="0" y="0"/>
+          <a:ext cx="0" cy="0"/>
+          <a:chOff x="0" y="0"/>
+          <a:chExt cx="0" cy="0"/>
+        </a:xfrm>
+      </p:grpSpPr>
+      <p:sp>
+        <p:nvSpPr>
+          <p:cNvPr id="2" name="Title 1">
+            <a:extLst>
+              <a:ext uri="{FF2B5EF4-FFF2-40B4-BE49-F238E27FC236}">
+                <a16:creationId xmlns:a16="http://schemas.microsoft.com/office/drawing/2014/main" id="{34DCC08D-3506-4563-9DEB-5C4F9628879E}"/>
+              </a:ext>
+            </a:extLst>
+          </p:cNvPr>
+          <p:cNvSpPr>
+            <a:spLocks noGrp="1"/>
+          </p:cNvSpPr>
+          <p:nvPr>
+            <p:ph type="title"/>
+          </p:nvPr>
+        </p:nvSpPr>
+        <p:spPr/>
+        <p:txBody>
+          <a:bodyPr/>
+          <a:lstStyle/>
+          <a:p>
+            <a:r>
+              <a:rPr lang="ru-RU" dirty="0"/>
+              <a:t>Частые ошибки</a:t>
+            </a:r>
+            <a:r>
+              <a:rPr lang="en-US" dirty="0"/>
+              <a:t>:</a:t>
+            </a:r>
+            <a:r>
+              <a:rPr lang="ru-RU" dirty="0"/>
+              <a:t> приближенные сравнения</a:t>
+            </a:r>
+            <a:endParaRPr lang="en-US" dirty="0"/>
+          </a:p>
+        </p:txBody>
+      </p:sp>
+      <p:sp>
+        <p:nvSpPr>
+          <p:cNvPr id="3" name="Content Placeholder 2">
+            <a:extLst>
+              <a:ext uri="{FF2B5EF4-FFF2-40B4-BE49-F238E27FC236}">
+                <a16:creationId xmlns:a16="http://schemas.microsoft.com/office/drawing/2014/main" id="{484CB051-C0E7-4698-9BFE-6554AC069805}"/>
+              </a:ext>
+            </a:extLst>
+          </p:cNvPr>
+          <p:cNvSpPr>
+            <a:spLocks noGrp="1"/>
+          </p:cNvSpPr>
+          <p:nvPr>
+            <p:ph idx="1"/>
+          </p:nvPr>
+        </p:nvSpPr>
+        <p:spPr/>
+        <p:txBody>
+          <a:bodyPr/>
+          <a:lstStyle/>
+          <a:p>
+            <a:r>
+              <a:rPr lang="ru-RU" dirty="0"/>
+              <a:t>Пример:</a:t>
+            </a:r>
+          </a:p>
+          <a:p>
+            <a:pPr lvl="1"/>
+            <a:r>
+              <a:rPr lang="ru-RU" dirty="0">
+                <a:hlinkClick r:id="rId2"/>
+              </a:rPr>
+              <a:t>https://stackoverflow.com/questions/68114060/does-using-epsilon-in-comparison-of-floating-point-break-strict-weak-ordering</a:t>
+            </a:r>
+            <a:r>
+              <a:rPr lang="en-US" dirty="0"/>
+              <a:t> </a:t>
+            </a:r>
+            <a:endParaRPr lang="ru-RU" dirty="0"/>
+          </a:p>
+          <a:p>
+            <a:endParaRPr lang="en-US" dirty="0"/>
+          </a:p>
+        </p:txBody>
+      </p:sp>
+    </p:spTree>
+    <p:extLst>
+      <p:ext uri="{BB962C8B-B14F-4D97-AF65-F5344CB8AC3E}">
+        <p14:creationId xmlns:p14="http://schemas.microsoft.com/office/powerpoint/2010/main" val="2849835240"/>
       </p:ext>
     </p:extLst>
   </p:cSld>
@@ -13186,7 +14856,7 @@
           <a:p>
             <a:r>
               <a:rPr lang="ru-RU" dirty="0"/>
-              <a:t>Пример ошибки при создании компаратора</a:t>
+              <a:t>Пример ошибки в компараторе</a:t>
             </a:r>
             <a:endParaRPr lang="en-US" dirty="0"/>
           </a:p>
@@ -13211,19 +14881,9 @@
         <p:spPr/>
         <p:txBody>
           <a:bodyPr>
-            <a:normAutofit fontScale="77500" lnSpcReduction="20000"/>
+            <a:normAutofit fontScale="85000" lnSpcReduction="20000"/>
           </a:bodyPr>
           <a:lstStyle/>
-          <a:p>
-            <a:r>
-              <a:rPr lang="ru-RU" dirty="0"/>
-              <a:t>Рассмотрим простую программу</a:t>
-            </a:r>
-            <a:r>
-              <a:rPr lang="en-US" dirty="0"/>
-              <a:t>:</a:t>
-            </a:r>
-          </a:p>
           <a:p>
             <a:endParaRPr lang="en-US" dirty="0"/>
           </a:p>

--- a/2023/RU.pptx
+++ b/2023/RU.pptx
@@ -5,7 +5,7 @@
     <p:sldMasterId id="2147483648" r:id="rId1"/>
   </p:sldMasterIdLst>
   <p:notesMasterIdLst>
-    <p:notesMasterId r:id="rId52"/>
+    <p:notesMasterId r:id="rId54"/>
   </p:notesMasterIdLst>
   <p:sldIdLst>
     <p:sldId id="256" r:id="rId2"/>
@@ -24,40 +24,42 @@
     <p:sldId id="267" r:id="rId15"/>
     <p:sldId id="268" r:id="rId16"/>
     <p:sldId id="269" r:id="rId17"/>
-    <p:sldId id="270" r:id="rId18"/>
-    <p:sldId id="271" r:id="rId19"/>
-    <p:sldId id="272" r:id="rId20"/>
-    <p:sldId id="273" r:id="rId21"/>
-    <p:sldId id="274" r:id="rId22"/>
-    <p:sldId id="275" r:id="rId23"/>
-    <p:sldId id="302" r:id="rId24"/>
-    <p:sldId id="277" r:id="rId25"/>
-    <p:sldId id="279" r:id="rId26"/>
-    <p:sldId id="288" r:id="rId27"/>
-    <p:sldId id="280" r:id="rId28"/>
-    <p:sldId id="281" r:id="rId29"/>
-    <p:sldId id="282" r:id="rId30"/>
-    <p:sldId id="283" r:id="rId31"/>
-    <p:sldId id="284" r:id="rId32"/>
-    <p:sldId id="285" r:id="rId33"/>
-    <p:sldId id="286" r:id="rId34"/>
-    <p:sldId id="287" r:id="rId35"/>
-    <p:sldId id="289" r:id="rId36"/>
-    <p:sldId id="290" r:id="rId37"/>
-    <p:sldId id="291" r:id="rId38"/>
-    <p:sldId id="292" r:id="rId39"/>
-    <p:sldId id="293" r:id="rId40"/>
-    <p:sldId id="294" r:id="rId41"/>
-    <p:sldId id="295" r:id="rId42"/>
-    <p:sldId id="296" r:id="rId43"/>
-    <p:sldId id="298" r:id="rId44"/>
-    <p:sldId id="297" r:id="rId45"/>
-    <p:sldId id="299" r:id="rId46"/>
-    <p:sldId id="276" r:id="rId47"/>
-    <p:sldId id="278" r:id="rId48"/>
-    <p:sldId id="303" r:id="rId49"/>
-    <p:sldId id="305" r:id="rId50"/>
-    <p:sldId id="304" r:id="rId51"/>
+    <p:sldId id="306" r:id="rId18"/>
+    <p:sldId id="270" r:id="rId19"/>
+    <p:sldId id="271" r:id="rId20"/>
+    <p:sldId id="272" r:id="rId21"/>
+    <p:sldId id="273" r:id="rId22"/>
+    <p:sldId id="274" r:id="rId23"/>
+    <p:sldId id="275" r:id="rId24"/>
+    <p:sldId id="302" r:id="rId25"/>
+    <p:sldId id="277" r:id="rId26"/>
+    <p:sldId id="279" r:id="rId27"/>
+    <p:sldId id="288" r:id="rId28"/>
+    <p:sldId id="280" r:id="rId29"/>
+    <p:sldId id="281" r:id="rId30"/>
+    <p:sldId id="282" r:id="rId31"/>
+    <p:sldId id="283" r:id="rId32"/>
+    <p:sldId id="284" r:id="rId33"/>
+    <p:sldId id="285" r:id="rId34"/>
+    <p:sldId id="286" r:id="rId35"/>
+    <p:sldId id="287" r:id="rId36"/>
+    <p:sldId id="289" r:id="rId37"/>
+    <p:sldId id="290" r:id="rId38"/>
+    <p:sldId id="291" r:id="rId39"/>
+    <p:sldId id="292" r:id="rId40"/>
+    <p:sldId id="307" r:id="rId41"/>
+    <p:sldId id="293" r:id="rId42"/>
+    <p:sldId id="294" r:id="rId43"/>
+    <p:sldId id="295" r:id="rId44"/>
+    <p:sldId id="296" r:id="rId45"/>
+    <p:sldId id="298" r:id="rId46"/>
+    <p:sldId id="297" r:id="rId47"/>
+    <p:sldId id="299" r:id="rId48"/>
+    <p:sldId id="276" r:id="rId49"/>
+    <p:sldId id="278" r:id="rId50"/>
+    <p:sldId id="303" r:id="rId51"/>
+    <p:sldId id="305" r:id="rId52"/>
+    <p:sldId id="304" r:id="rId53"/>
   </p:sldIdLst>
   <p:sldSz cx="12192000" cy="6858000"/>
   <p:notesSz cx="6858000" cy="9144000"/>
@@ -778,6 +780,102 @@
           <a:lstStyle/>
           <a:p>
             <a:r>
+              <a:rPr lang="ru-RU" dirty="0"/>
+              <a:t>Объединение всех четырех аксиом называется строгим слабым порядком</a:t>
+            </a:r>
+            <a:r>
+              <a:rPr lang="en-US" dirty="0"/>
+              <a:t>.</a:t>
+            </a:r>
+            <a:r>
+              <a:rPr lang="ru-RU" dirty="0"/>
+              <a:t> На него и даются ссылки в стандарте языка при описании требований к компараторам.</a:t>
+            </a:r>
+            <a:endParaRPr lang="en-US" dirty="0"/>
+          </a:p>
+        </p:txBody>
+      </p:sp>
+      <p:sp>
+        <p:nvSpPr>
+          <p:cNvPr id="4" name="Slide Number Placeholder 3"/>
+          <p:cNvSpPr>
+            <a:spLocks noGrp="1"/>
+          </p:cNvSpPr>
+          <p:nvPr>
+            <p:ph type="sldNum" sz="quarter" idx="5"/>
+          </p:nvPr>
+        </p:nvSpPr>
+        <p:spPr/>
+        <p:txBody>
+          <a:bodyPr/>
+          <a:lstStyle/>
+          <a:p>
+            <a:fld id="{3AC94D10-082F-46D7-A834-266F9222130F}" type="slidenum">
+              <a:rPr lang="en-US" smtClean="0"/>
+              <a:t>18</a:t>
+            </a:fld>
+            <a:endParaRPr lang="en-US"/>
+          </a:p>
+        </p:txBody>
+      </p:sp>
+    </p:spTree>
+    <p:extLst>
+      <p:ext uri="{BB962C8B-B14F-4D97-AF65-F5344CB8AC3E}">
+        <p14:creationId xmlns:p14="http://schemas.microsoft.com/office/powerpoint/2010/main" val="637534043"/>
+      </p:ext>
+    </p:extLst>
+  </p:cSld>
+  <p:clrMapOvr>
+    <a:masterClrMapping/>
+  </p:clrMapOvr>
+</p:notes>
+</file>
+
+<file path=ppt/notesSlides/notesSlide12.xml><?xml version="1.0" encoding="utf-8"?>
+<p:notes xmlns:a="http://schemas.openxmlformats.org/drawingml/2006/main" xmlns:r="http://schemas.openxmlformats.org/officeDocument/2006/relationships" xmlns:p="http://schemas.openxmlformats.org/presentationml/2006/main">
+  <p:cSld>
+    <p:spTree>
+      <p:nvGrpSpPr>
+        <p:cNvPr id="1" name=""/>
+        <p:cNvGrpSpPr/>
+        <p:nvPr/>
+      </p:nvGrpSpPr>
+      <p:grpSpPr>
+        <a:xfrm>
+          <a:off x="0" y="0"/>
+          <a:ext cx="0" cy="0"/>
+          <a:chOff x="0" y="0"/>
+          <a:chExt cx="0" cy="0"/>
+        </a:xfrm>
+      </p:grpSpPr>
+      <p:sp>
+        <p:nvSpPr>
+          <p:cNvPr id="2" name="Slide Image Placeholder 1"/>
+          <p:cNvSpPr>
+            <a:spLocks noGrp="1" noRot="1" noChangeAspect="1"/>
+          </p:cNvSpPr>
+          <p:nvPr>
+            <p:ph type="sldImg"/>
+          </p:nvPr>
+        </p:nvSpPr>
+        <p:spPr/>
+      </p:sp>
+      <p:sp>
+        <p:nvSpPr>
+          <p:cNvPr id="3" name="Notes Placeholder 2"/>
+          <p:cNvSpPr>
+            <a:spLocks noGrp="1"/>
+          </p:cNvSpPr>
+          <p:nvPr>
+            <p:ph type="body" idx="1"/>
+          </p:nvPr>
+        </p:nvSpPr>
+        <p:spPr/>
+        <p:txBody>
+          <a:bodyPr/>
+          <a:lstStyle/>
+          <a:p>
+            <a:r>
               <a:rPr lang="en-US" dirty="0"/>
               <a:t>https://stackoverflow.com/questions/75770367/implied-meaning-of-ordering-types-in-c20</a:t>
             </a:r>
@@ -801,7 +899,7 @@
           <a:p>
             <a:fld id="{3AC94D10-082F-46D7-A834-266F9222130F}" type="slidenum">
               <a:rPr lang="en-US" smtClean="0"/>
-              <a:t>19</a:t>
+              <a:t>20</a:t>
             </a:fld>
             <a:endParaRPr lang="en-US"/>
           </a:p>
@@ -811,6 +909,99 @@
     <p:extLst>
       <p:ext uri="{BB962C8B-B14F-4D97-AF65-F5344CB8AC3E}">
         <p14:creationId xmlns:p14="http://schemas.microsoft.com/office/powerpoint/2010/main" val="4281307461"/>
+      </p:ext>
+    </p:extLst>
+  </p:cSld>
+  <p:clrMapOvr>
+    <a:masterClrMapping/>
+  </p:clrMapOvr>
+</p:notes>
+</file>
+
+<file path=ppt/notesSlides/notesSlide13.xml><?xml version="1.0" encoding="utf-8"?>
+<p:notes xmlns:a="http://schemas.openxmlformats.org/drawingml/2006/main" xmlns:r="http://schemas.openxmlformats.org/officeDocument/2006/relationships" xmlns:p="http://schemas.openxmlformats.org/presentationml/2006/main">
+  <p:cSld>
+    <p:spTree>
+      <p:nvGrpSpPr>
+        <p:cNvPr id="1" name=""/>
+        <p:cNvGrpSpPr/>
+        <p:nvPr/>
+      </p:nvGrpSpPr>
+      <p:grpSpPr>
+        <a:xfrm>
+          <a:off x="0" y="0"/>
+          <a:ext cx="0" cy="0"/>
+          <a:chOff x="0" y="0"/>
+          <a:chExt cx="0" cy="0"/>
+        </a:xfrm>
+      </p:grpSpPr>
+      <p:sp>
+        <p:nvSpPr>
+          <p:cNvPr id="2" name="Slide Image Placeholder 1"/>
+          <p:cNvSpPr>
+            <a:spLocks noGrp="1" noRot="1" noChangeAspect="1"/>
+          </p:cNvSpPr>
+          <p:nvPr>
+            <p:ph type="sldImg"/>
+          </p:nvPr>
+        </p:nvSpPr>
+        <p:spPr/>
+      </p:sp>
+      <p:sp>
+        <p:nvSpPr>
+          <p:cNvPr id="3" name="Notes Placeholder 2"/>
+          <p:cNvSpPr>
+            <a:spLocks noGrp="1"/>
+          </p:cNvSpPr>
+          <p:nvPr>
+            <p:ph type="body" idx="1"/>
+          </p:nvPr>
+        </p:nvSpPr>
+        <p:spPr/>
+        <p:txBody>
+          <a:bodyPr/>
+          <a:lstStyle/>
+          <a:p>
+            <a:r>
+              <a:rPr lang="ru-RU" dirty="0">
+                <a:hlinkClick r:id="rId3"/>
+              </a:rPr>
+              <a:t>https://schneide.blog/2010/11/01/bug-hunting-fun-with-stdsort</a:t>
+            </a:r>
+            <a:r>
+              <a:rPr lang="en-US" dirty="0"/>
+              <a:t> </a:t>
+            </a:r>
+          </a:p>
+        </p:txBody>
+      </p:sp>
+      <p:sp>
+        <p:nvSpPr>
+          <p:cNvPr id="4" name="Slide Number Placeholder 3"/>
+          <p:cNvSpPr>
+            <a:spLocks noGrp="1"/>
+          </p:cNvSpPr>
+          <p:nvPr>
+            <p:ph type="sldNum" sz="quarter" idx="5"/>
+          </p:nvPr>
+        </p:nvSpPr>
+        <p:spPr/>
+        <p:txBody>
+          <a:bodyPr/>
+          <a:lstStyle/>
+          <a:p>
+            <a:fld id="{3AC94D10-082F-46D7-A834-266F9222130F}" type="slidenum">
+              <a:rPr lang="en-US" smtClean="0"/>
+              <a:t>26</a:t>
+            </a:fld>
+            <a:endParaRPr lang="en-US"/>
+          </a:p>
+        </p:txBody>
+      </p:sp>
+    </p:spTree>
+    <p:extLst>
+      <p:ext uri="{BB962C8B-B14F-4D97-AF65-F5344CB8AC3E}">
+        <p14:creationId xmlns:p14="http://schemas.microsoft.com/office/powerpoint/2010/main" val="3243504475"/>
       </p:ext>
     </p:extLst>
   </p:cSld>
@@ -1729,6 +1920,19 @@
           <a:p>
             <a:r>
               <a:rPr lang="ru-RU" dirty="0"/>
+              <a:t>Что же это за правила</a:t>
+            </a:r>
+            <a:r>
+              <a:rPr lang="en-US" dirty="0"/>
+              <a:t>?</a:t>
+            </a:r>
+          </a:p>
+          <a:p>
+            <a:endParaRPr lang="en-US" dirty="0"/>
+          </a:p>
+          <a:p>
+            <a:r>
+              <a:rPr lang="ru-RU" dirty="0"/>
               <a:t>Кратко</a:t>
             </a:r>
             <a:r>
@@ -1772,7 +1976,7 @@
           <a:p>
             <a:r>
               <a:rPr lang="ru-RU" dirty="0"/>
-              <a:t>Можно обойтись двумя аксиомами, но обычно выписывают все три</a:t>
+              <a:t>Можно обойтись двумя аксиомами, но обычно для ясности выписывают все три</a:t>
             </a:r>
             <a:r>
               <a:rPr lang="en-US" dirty="0"/>
@@ -6182,7 +6386,7 @@
         <p:spPr/>
         <p:txBody>
           <a:bodyPr>
-            <a:normAutofit lnSpcReduction="10000"/>
+            <a:normAutofit/>
           </a:bodyPr>
           <a:lstStyle/>
           <a:p>
@@ -6199,33 +6403,37 @@
             </a:r>
             <a:r>
               <a:rPr lang="en-US" dirty="0"/>
-              <a:t>:</a:t>
-            </a:r>
-          </a:p>
-          <a:p>
+              <a:t>: </a:t>
+            </a:r>
+            <a:r>
+              <a:rPr lang="en-US" dirty="0">
+                <a:hlinkClick r:id="rId3"/>
+              </a:rPr>
+              <a:t>bit.ly/3LpH5Nc</a:t>
+            </a:r>
             <a:endParaRPr lang="en-US" dirty="0"/>
           </a:p>
           <a:p>
             <a:endParaRPr lang="en-US" dirty="0"/>
           </a:p>
           <a:p>
+            <a:endParaRPr lang="en-US" dirty="0"/>
+          </a:p>
+          <a:p>
             <a:endParaRPr lang="ru-RU" dirty="0"/>
           </a:p>
           <a:p>
             <a:r>
               <a:rPr lang="ru-RU" dirty="0"/>
-              <a:t>Их невыполнение приводит к </a:t>
+              <a:t>Нарушение аксиом приводит к </a:t>
             </a:r>
             <a:r>
               <a:rPr lang="en-US" dirty="0"/>
-              <a:t>Undefined Behavior:</a:t>
-            </a:r>
-          </a:p>
-          <a:p>
-            <a:pPr lvl="1"/>
-            <a:r>
-              <a:rPr lang="ru-RU" dirty="0"/>
-              <a:t>Аварийные завершения, некорректные результаты, зависания</a:t>
+              <a:t>Undefined Behavior (</a:t>
+            </a:r>
+            <a:r>
+              <a:rPr lang="ru-RU" dirty="0"/>
+              <a:t>аварийные завершения, некорректные результаты, зависания)</a:t>
             </a:r>
             <a:endParaRPr lang="en-US" dirty="0"/>
           </a:p>
@@ -6247,12 +6455,8 @@
               <a:t>C++: </a:t>
             </a:r>
             <a:r>
-              <a:rPr lang="ru-RU" dirty="0"/>
-              <a:t>также встречаются в </a:t>
-            </a:r>
-            <a:r>
-              <a:rPr lang="en-US" dirty="0">
-                <a:hlinkClick r:id="rId3"/>
+              <a:rPr lang="en-US" dirty="0">
+                <a:hlinkClick r:id="rId4"/>
               </a:rPr>
               <a:t>C</a:t>
             </a:r>
@@ -6262,7 +6466,7 @@
             </a:r>
             <a:r>
               <a:rPr lang="en-US" dirty="0">
-                <a:hlinkClick r:id="rId4"/>
+                <a:hlinkClick r:id="rId5"/>
               </a:rPr>
               <a:t>Java</a:t>
             </a:r>
@@ -6272,7 +6476,7 @@
             </a:r>
             <a:r>
               <a:rPr lang="en-US" dirty="0">
-                <a:hlinkClick r:id="rId5"/>
+                <a:hlinkClick r:id="rId6"/>
               </a:rPr>
               <a:t>Lua</a:t>
             </a:r>
@@ -6282,7 +6486,7 @@
             </a:r>
             <a:r>
               <a:rPr lang="en-US" dirty="0">
-                <a:hlinkClick r:id="rId6"/>
+                <a:hlinkClick r:id="rId7"/>
               </a:rPr>
               <a:t>Swift</a:t>
             </a:r>
@@ -6292,7 +6496,7 @@
             </a:r>
             <a:r>
               <a:rPr lang="en-US" dirty="0">
-                <a:hlinkClick r:id="rId7"/>
+                <a:hlinkClick r:id="rId8"/>
               </a:rPr>
               <a:t>JavaScript</a:t>
             </a:r>
@@ -6306,7 +6510,7 @@
             </a:r>
             <a:r>
               <a:rPr lang="en-US" dirty="0">
-                <a:hlinkClick r:id="rId8"/>
+                <a:hlinkClick r:id="rId9"/>
               </a:rPr>
               <a:t>Rust</a:t>
             </a:r>
@@ -6316,10 +6520,10 @@
       </p:sp>
       <p:pic>
         <p:nvPicPr>
-          <p:cNvPr id="5" name="Picture 4">
-            <a:extLst>
-              <a:ext uri="{FF2B5EF4-FFF2-40B4-BE49-F238E27FC236}">
-                <a16:creationId xmlns:a16="http://schemas.microsoft.com/office/drawing/2014/main" id="{DC6A1178-A429-488E-B8D9-2338DDCD57D8}"/>
+          <p:cNvPr id="6" name="Picture 5">
+            <a:extLst>
+              <a:ext uri="{FF2B5EF4-FFF2-40B4-BE49-F238E27FC236}">
+                <a16:creationId xmlns:a16="http://schemas.microsoft.com/office/drawing/2014/main" id="{523761EF-3819-47CF-B425-7BE5691E91AA}"/>
               </a:ext>
             </a:extLst>
           </p:cNvPr>
@@ -6329,7 +6533,7 @@
           <p:nvPr/>
         </p:nvPicPr>
         <p:blipFill>
-          <a:blip r:embed="rId9">
+          <a:blip r:embed="rId10">
             <a:extLst>
               <a:ext uri="{28A0092B-C50C-407E-A947-70E740481C1C}">
                 <a14:useLocalDpi xmlns:a14="http://schemas.microsoft.com/office/drawing/2010/main" val="0"/>
@@ -6342,8 +6546,8 @@
         </p:blipFill>
         <p:spPr>
           <a:xfrm>
-            <a:off x="4906737" y="3061380"/>
-            <a:ext cx="1497239" cy="1497239"/>
+            <a:off x="4615543" y="3135085"/>
+            <a:ext cx="1709057" cy="1709057"/>
           </a:xfrm>
           <a:prstGeom prst="rect">
             <a:avLst/>
@@ -6535,6 +6739,26 @@
               <a:t>(partially ordered)</a:t>
             </a:r>
           </a:p>
+          <a:p>
+            <a:pPr lvl="1"/>
+            <a:r>
+              <a:rPr lang="ru-RU" dirty="0"/>
+              <a:t>Кратко</a:t>
+            </a:r>
+            <a:r>
+              <a:rPr lang="en-US" dirty="0"/>
+              <a:t>: </a:t>
+            </a:r>
+            <a:r>
+              <a:rPr lang="ru-RU" dirty="0"/>
+              <a:t>ЧУМ или </a:t>
+            </a:r>
+            <a:r>
+              <a:rPr lang="en-US" dirty="0" err="1"/>
+              <a:t>poset</a:t>
+            </a:r>
+            <a:endParaRPr lang="en-US" dirty="0"/>
+          </a:p>
         </p:txBody>
       </p:sp>
     </p:spTree>
@@ -6795,7 +7019,7 @@
           <a:p>
             <a:r>
               <a:rPr lang="ru-RU" dirty="0"/>
-              <a:t>Аксиома эквивалентности</a:t>
+              <a:t>Транзитивность эквивалентности</a:t>
             </a:r>
             <a:endParaRPr lang="en-US" dirty="0"/>
           </a:p>
@@ -6901,68 +7125,10 @@
             </a:r>
           </a:p>
           <a:p>
-            <a:r>
-              <a:rPr lang="ru-RU" dirty="0"/>
-              <a:t>Необходимое условие для всех </a:t>
-            </a:r>
-            <a:r>
-              <a:rPr lang="en-US" dirty="0"/>
-              <a:t>“</a:t>
-            </a:r>
-            <a:r>
-              <a:rPr lang="ru-RU" dirty="0"/>
-              <a:t>быстрых</a:t>
-            </a:r>
-            <a:r>
-              <a:rPr lang="en-US" dirty="0"/>
-              <a:t>” </a:t>
-            </a:r>
-            <a:r>
-              <a:rPr lang="ru-RU" dirty="0"/>
-              <a:t>алгоритмов сортировки</a:t>
-            </a:r>
-          </a:p>
-          <a:p>
             <a:endParaRPr lang="en-US" dirty="0"/>
           </a:p>
         </p:txBody>
       </p:sp>
-      <p:pic>
-        <p:nvPicPr>
-          <p:cNvPr id="5" name="Picture 4">
-            <a:extLst>
-              <a:ext uri="{FF2B5EF4-FFF2-40B4-BE49-F238E27FC236}">
-                <a16:creationId xmlns:a16="http://schemas.microsoft.com/office/drawing/2014/main" id="{36B3EEAF-DC78-4E4F-9C73-DA32980F752F}"/>
-              </a:ext>
-            </a:extLst>
-          </p:cNvPr>
-          <p:cNvPicPr>
-            <a:picLocks noChangeAspect="1"/>
-          </p:cNvPicPr>
-          <p:nvPr/>
-        </p:nvPicPr>
-        <p:blipFill>
-          <a:blip r:embed="rId3">
-            <a:extLst>
-              <a:ext uri="{28A0092B-C50C-407E-A947-70E740481C1C}">
-                <a14:useLocalDpi xmlns:a14="http://schemas.microsoft.com/office/drawing/2010/main" val="0"/>
-              </a:ext>
-            </a:extLst>
-          </a:blip>
-          <a:stretch>
-            <a:fillRect/>
-          </a:stretch>
-        </p:blipFill>
-        <p:spPr>
-          <a:xfrm>
-            <a:off x="9565821" y="4732564"/>
-            <a:ext cx="1673225" cy="1673225"/>
-          </a:xfrm>
-          <a:prstGeom prst="rect">
-            <a:avLst/>
-          </a:prstGeom>
-        </p:spPr>
-      </p:pic>
     </p:spTree>
     <p:extLst>
       <p:ext uri="{BB962C8B-B14F-4D97-AF65-F5344CB8AC3E}">
@@ -6998,7 +7164,7 @@
           <p:cNvPr id="2" name="Title 1">
             <a:extLst>
               <a:ext uri="{FF2B5EF4-FFF2-40B4-BE49-F238E27FC236}">
-                <a16:creationId xmlns:a16="http://schemas.microsoft.com/office/drawing/2014/main" id="{4BA97619-DDC6-4F74-B99B-C800912CE105}"/>
+                <a16:creationId xmlns:a16="http://schemas.microsoft.com/office/drawing/2014/main" id="{66D2E04B-F955-47DB-A675-08249B7295C7}"/>
               </a:ext>
             </a:extLst>
           </p:cNvPr>
@@ -7015,44 +7181,73 @@
           <a:lstStyle/>
           <a:p>
             <a:r>
+              <a:rPr lang="ru-RU" dirty="0"/>
+              <a:t>Транзитивность эквивалентности</a:t>
+            </a:r>
+            <a:endParaRPr lang="en-US" dirty="0"/>
+          </a:p>
+        </p:txBody>
+      </p:sp>
+      <p:sp>
+        <p:nvSpPr>
+          <p:cNvPr id="3" name="Content Placeholder 2">
+            <a:extLst>
+              <a:ext uri="{FF2B5EF4-FFF2-40B4-BE49-F238E27FC236}">
+                <a16:creationId xmlns:a16="http://schemas.microsoft.com/office/drawing/2014/main" id="{DADECC59-B00F-466A-9C3E-4B35362C9C7D}"/>
+              </a:ext>
+            </a:extLst>
+          </p:cNvPr>
+          <p:cNvSpPr>
+            <a:spLocks noGrp="1"/>
+          </p:cNvSpPr>
+          <p:nvPr>
+            <p:ph idx="1"/>
+          </p:nvPr>
+        </p:nvSpPr>
+        <p:spPr>
+          <a:xfrm>
+            <a:off x="838200" y="1825625"/>
+            <a:ext cx="9100457" cy="4351338"/>
+          </a:xfrm>
+        </p:spPr>
+        <p:txBody>
+          <a:bodyPr/>
+          <a:lstStyle/>
+          <a:p>
+            <a:r>
+              <a:rPr lang="ru-RU" dirty="0"/>
+              <a:t>Необходимое условие для всех </a:t>
+            </a:r>
+            <a:r>
               <a:rPr lang="en-US" dirty="0"/>
-              <a:t>Strict weak ordering</a:t>
-            </a:r>
-          </a:p>
-        </p:txBody>
-      </p:sp>
-      <p:sp>
-        <p:nvSpPr>
-          <p:cNvPr id="3" name="Content Placeholder 2">
-            <a:extLst>
-              <a:ext uri="{FF2B5EF4-FFF2-40B4-BE49-F238E27FC236}">
-                <a16:creationId xmlns:a16="http://schemas.microsoft.com/office/drawing/2014/main" id="{1071FC44-D3D9-40D7-B761-835BFC04994F}"/>
-              </a:ext>
-            </a:extLst>
-          </p:cNvPr>
-          <p:cNvSpPr>
-            <a:spLocks noGrp="1"/>
-          </p:cNvSpPr>
-          <p:nvPr>
-            <p:ph idx="1"/>
-          </p:nvPr>
-        </p:nvSpPr>
-        <p:spPr/>
-        <p:txBody>
-          <a:bodyPr>
-            <a:normAutofit lnSpcReduction="10000"/>
-          </a:bodyPr>
-          <a:lstStyle/>
-          <a:p>
-            <a:r>
-              <a:rPr lang="ru-RU" dirty="0"/>
-              <a:t>Частичный порядок + транзитивность эквивалентности = строгий слабый порядок</a:t>
+              <a:t>“</a:t>
+            </a:r>
+            <a:r>
+              <a:rPr lang="ru-RU" dirty="0"/>
+              <a:t>быстрых</a:t>
             </a:r>
             <a:r>
               <a:rPr lang="en-US" dirty="0"/>
-              <a:t> (strict weak ordering)</a:t>
-            </a:r>
-            <a:endParaRPr lang="ru-RU" dirty="0"/>
+              <a:t>” </a:t>
+            </a:r>
+            <a:r>
+              <a:rPr lang="ru-RU" dirty="0"/>
+              <a:t>алгоритмов сортировки</a:t>
+            </a:r>
+            <a:r>
+              <a:rPr lang="en-US" dirty="0"/>
+              <a:t> (</a:t>
+            </a:r>
+            <a:r>
+              <a:rPr lang="en-US" dirty="0">
+                <a:hlinkClick r:id="rId2"/>
+              </a:rPr>
+              <a:t>bit.ly/41VN01X</a:t>
+            </a:r>
+            <a:r>
+              <a:rPr lang="en-US" dirty="0"/>
+              <a:t>)</a:t>
+            </a:r>
           </a:p>
           <a:p>
             <a:r>
@@ -7099,78 +7294,58 @@
             <a:pPr lvl="1"/>
             <a:r>
               <a:rPr lang="ru-RU" dirty="0"/>
-              <a:t>Скорее всего </a:t>
+              <a:t>Но Стандарт требует выполнения четырёх аксиом для всех алгоритмов (вероятно для упрощения</a:t>
             </a:r>
             <a:r>
               <a:rPr lang="en-US" dirty="0"/>
-              <a:t>strict weak ordering </a:t>
-            </a:r>
-            <a:r>
-              <a:rPr lang="ru-RU" dirty="0"/>
-              <a:t>решили требовать для всех алгоритмов для упрощения Стандарта</a:t>
-            </a:r>
+              <a:t>)</a:t>
+            </a:r>
+          </a:p>
+          <a:p>
             <a:endParaRPr lang="en-US" dirty="0"/>
           </a:p>
-          <a:p>
-            <a:r>
-              <a:rPr lang="ru-RU" dirty="0"/>
-              <a:t>Выдержки из </a:t>
-            </a:r>
-            <a:r>
-              <a:rPr lang="en-US" dirty="0"/>
-              <a:t>n4868:</a:t>
-            </a:r>
-          </a:p>
-          <a:p>
-            <a:pPr lvl="1"/>
-            <a:r>
-              <a:rPr lang="en-US" dirty="0" err="1"/>
-              <a:t>alg.sorting</a:t>
-            </a:r>
-            <a:r>
-              <a:rPr lang="en-US" dirty="0"/>
-              <a:t>:</a:t>
-            </a:r>
-          </a:p>
-          <a:p>
-            <a:pPr lvl="2"/>
-            <a:r>
-              <a:rPr lang="en-US" dirty="0"/>
-              <a:t>For algorithms other than those described in [</a:t>
-            </a:r>
-            <a:r>
-              <a:rPr lang="en-US" dirty="0" err="1"/>
-              <a:t>alg.binary.search</a:t>
-            </a:r>
-            <a:r>
-              <a:rPr lang="en-US" dirty="0"/>
-              <a:t>], comp shall induce a strict weak ordering on the values.</a:t>
-            </a:r>
-          </a:p>
-          <a:p>
-            <a:pPr lvl="1"/>
-            <a:r>
-              <a:rPr lang="en-US" dirty="0" err="1"/>
-              <a:t>utility.arg.requirements</a:t>
-            </a:r>
-            <a:r>
-              <a:rPr lang="en-US" dirty="0"/>
-              <a:t> (Cpp17LessThanComparable):</a:t>
-            </a:r>
-          </a:p>
-          <a:p>
-            <a:pPr lvl="2"/>
-            <a:r>
-              <a:rPr lang="en-US" dirty="0"/>
-              <a:t>&lt; is a strict weak ordering relation</a:t>
-            </a:r>
-          </a:p>
-        </p:txBody>
-      </p:sp>
+        </p:txBody>
+      </p:sp>
+      <p:pic>
+        <p:nvPicPr>
+          <p:cNvPr id="4" name="Picture 3">
+            <a:extLst>
+              <a:ext uri="{FF2B5EF4-FFF2-40B4-BE49-F238E27FC236}">
+                <a16:creationId xmlns:a16="http://schemas.microsoft.com/office/drawing/2014/main" id="{B88AEB1A-5122-4471-9B5C-4F7B3E4761C6}"/>
+              </a:ext>
+            </a:extLst>
+          </p:cNvPr>
+          <p:cNvPicPr>
+            <a:picLocks noChangeAspect="1"/>
+          </p:cNvPicPr>
+          <p:nvPr/>
+        </p:nvPicPr>
+        <p:blipFill>
+          <a:blip r:embed="rId3">
+            <a:extLst>
+              <a:ext uri="{28A0092B-C50C-407E-A947-70E740481C1C}">
+                <a14:useLocalDpi xmlns:a14="http://schemas.microsoft.com/office/drawing/2010/main" val="0"/>
+              </a:ext>
+            </a:extLst>
+          </a:blip>
+          <a:stretch>
+            <a:fillRect/>
+          </a:stretch>
+        </p:blipFill>
+        <p:spPr>
+          <a:xfrm>
+            <a:off x="9938657" y="1462088"/>
+            <a:ext cx="1578429" cy="1578429"/>
+          </a:xfrm>
+          <a:prstGeom prst="rect">
+            <a:avLst/>
+          </a:prstGeom>
+        </p:spPr>
+      </p:pic>
     </p:spTree>
     <p:extLst>
       <p:ext uri="{BB962C8B-B14F-4D97-AF65-F5344CB8AC3E}">
-        <p14:creationId xmlns:p14="http://schemas.microsoft.com/office/powerpoint/2010/main" val="1531263686"/>
+        <p14:creationId xmlns:p14="http://schemas.microsoft.com/office/powerpoint/2010/main" val="842528784"/>
       </p:ext>
     </p:extLst>
   </p:cSld>
@@ -7202,7 +7377,7 @@
           <p:cNvPr id="2" name="Title 1">
             <a:extLst>
               <a:ext uri="{FF2B5EF4-FFF2-40B4-BE49-F238E27FC236}">
-                <a16:creationId xmlns:a16="http://schemas.microsoft.com/office/drawing/2014/main" id="{8688857A-E774-4509-90D8-4A071F2E5E9A}"/>
+                <a16:creationId xmlns:a16="http://schemas.microsoft.com/office/drawing/2014/main" id="{4BA97619-DDC6-4F74-B99B-C800912CE105}"/>
               </a:ext>
             </a:extLst>
           </p:cNvPr>
@@ -7220,95 +7395,59 @@
           <a:p>
             <a:r>
               <a:rPr lang="en-US" dirty="0"/>
-              <a:t>Spaceship-</a:t>
-            </a:r>
-            <a:r>
-              <a:rPr lang="ru-RU" dirty="0"/>
-              <a:t>оператор и другие виды порядков в </a:t>
+              <a:t>Strict weak ordering</a:t>
+            </a:r>
+          </a:p>
+        </p:txBody>
+      </p:sp>
+      <p:sp>
+        <p:nvSpPr>
+          <p:cNvPr id="3" name="Content Placeholder 2">
+            <a:extLst>
+              <a:ext uri="{FF2B5EF4-FFF2-40B4-BE49-F238E27FC236}">
+                <a16:creationId xmlns:a16="http://schemas.microsoft.com/office/drawing/2014/main" id="{1071FC44-D3D9-40D7-B761-835BFC04994F}"/>
+              </a:ext>
+            </a:extLst>
+          </p:cNvPr>
+          <p:cNvSpPr>
+            <a:spLocks noGrp="1"/>
+          </p:cNvSpPr>
+          <p:nvPr>
+            <p:ph idx="1"/>
+          </p:nvPr>
+        </p:nvSpPr>
+        <p:spPr/>
+        <p:txBody>
+          <a:bodyPr>
+            <a:normAutofit/>
+          </a:bodyPr>
+          <a:lstStyle/>
+          <a:p>
+            <a:r>
+              <a:rPr lang="ru-RU" dirty="0"/>
+              <a:t>Частичный порядок + транзитивность эквивалентности = строгий слабый порядок</a:t>
             </a:r>
             <a:r>
               <a:rPr lang="en-US" dirty="0"/>
-              <a:t>C++20</a:t>
-            </a:r>
-          </a:p>
-        </p:txBody>
-      </p:sp>
-      <p:sp>
-        <p:nvSpPr>
-          <p:cNvPr id="3" name="Content Placeholder 2">
-            <a:extLst>
-              <a:ext uri="{FF2B5EF4-FFF2-40B4-BE49-F238E27FC236}">
-                <a16:creationId xmlns:a16="http://schemas.microsoft.com/office/drawing/2014/main" id="{307FF75E-2822-418C-8FC5-721C16E8F14E}"/>
-              </a:ext>
-            </a:extLst>
-          </p:cNvPr>
-          <p:cNvSpPr>
-            <a:spLocks noGrp="1"/>
-          </p:cNvSpPr>
-          <p:nvPr>
-            <p:ph idx="1"/>
-          </p:nvPr>
-        </p:nvSpPr>
-        <p:spPr/>
-        <p:txBody>
-          <a:bodyPr>
-            <a:normAutofit lnSpcReduction="10000"/>
-          </a:bodyPr>
-          <a:lstStyle/>
-          <a:p>
-            <a:r>
-              <a:rPr lang="ru-RU" dirty="0"/>
-              <a:t>Стандарт движется в сторону явного представления понятия порядка в языке</a:t>
-            </a:r>
-          </a:p>
-          <a:p>
-            <a:r>
-              <a:rPr lang="ru-RU" dirty="0"/>
-              <a:t>В </a:t>
+              <a:t> (strict weak ordering)</a:t>
+            </a:r>
+            <a:endParaRPr lang="ru-RU" dirty="0"/>
+          </a:p>
+          <a:p>
+            <a:r>
+              <a:rPr lang="ru-RU" dirty="0"/>
+              <a:t>Выдержки из </a:t>
             </a:r>
             <a:r>
               <a:rPr lang="en-US" dirty="0"/>
-              <a:t>C++20 </a:t>
-            </a:r>
-            <a:r>
-              <a:rPr lang="ru-RU" dirty="0"/>
-              <a:t>введён новый тип оператор сравнения</a:t>
-            </a:r>
-            <a:r>
-              <a:rPr lang="en-US" dirty="0"/>
-              <a:t>: </a:t>
-            </a:r>
-            <a:r>
-              <a:rPr lang="en-US" dirty="0">
-                <a:latin typeface="Courier New" panose="02070309020205020404" pitchFamily="49" charset="0"/>
-                <a:cs typeface="Courier New" panose="02070309020205020404" pitchFamily="49" charset="0"/>
-              </a:rPr>
-              <a:t>operator&lt;=&gt;</a:t>
+              <a:t>n4868:</a:t>
             </a:r>
           </a:p>
           <a:p>
             <a:pPr lvl="1"/>
             <a:r>
-              <a:rPr lang="ru-RU" dirty="0"/>
-              <a:t>Сокращает объём кода для реализации всех операторов сравнения (</a:t>
-            </a:r>
-            <a:r>
-              <a:rPr lang="en-US" dirty="0"/>
-              <a:t>==, !=, &lt;, &gt;, &lt;=, &gt;=)</a:t>
-            </a:r>
-          </a:p>
-          <a:p>
-            <a:r>
-              <a:rPr lang="ru-RU" dirty="0"/>
-              <a:t>Может возвращать значение одного из 3 типов</a:t>
-            </a:r>
-            <a:r>
-              <a:rPr lang="en-US" dirty="0"/>
-              <a:t> (comparison categories)</a:t>
-            </a:r>
-            <a:r>
-              <a:rPr lang="ru-RU" dirty="0"/>
-              <a:t> в зависимости от вида порядка, реализуемого классом</a:t>
+              <a:rPr lang="en-US" dirty="0" err="1"/>
+              <a:t>alg.sorting</a:t>
             </a:r>
             <a:r>
               <a:rPr lang="en-US" dirty="0"/>
@@ -7316,121 +7455,44 @@
             </a:r>
           </a:p>
           <a:p>
+            <a:pPr lvl="2"/>
+            <a:r>
+              <a:rPr lang="en-US" dirty="0"/>
+              <a:t>For algorithms other than those described in [</a:t>
+            </a:r>
+            <a:r>
+              <a:rPr lang="en-US" dirty="0" err="1"/>
+              <a:t>alg.binary.search</a:t>
+            </a:r>
+            <a:r>
+              <a:rPr lang="en-US" dirty="0"/>
+              <a:t>], comp shall induce a strict weak ordering on the values.</a:t>
+            </a:r>
+          </a:p>
+          <a:p>
             <a:pPr lvl="1"/>
             <a:r>
-              <a:rPr lang="en-US" dirty="0">
-                <a:latin typeface="Courier New" panose="02070309020205020404" pitchFamily="49" charset="0"/>
-                <a:cs typeface="Courier New" panose="02070309020205020404" pitchFamily="49" charset="0"/>
-              </a:rPr>
-              <a:t>std::</a:t>
-            </a:r>
-            <a:r>
-              <a:rPr lang="en-US" dirty="0" err="1">
-                <a:latin typeface="Courier New" panose="02070309020205020404" pitchFamily="49" charset="0"/>
-                <a:cs typeface="Courier New" panose="02070309020205020404" pitchFamily="49" charset="0"/>
-              </a:rPr>
-              <a:t>partial_ordering</a:t>
-            </a:r>
-            <a:r>
-              <a:rPr lang="en-US" dirty="0">
-                <a:latin typeface="Courier New" panose="02070309020205020404" pitchFamily="49" charset="0"/>
-                <a:cs typeface="Courier New" panose="02070309020205020404" pitchFamily="49" charset="0"/>
-              </a:rPr>
-              <a:t> </a:t>
+              <a:rPr lang="en-US" dirty="0" err="1"/>
+              <a:t>utility.arg.requirements</a:t>
             </a:r>
             <a:r>
               <a:rPr lang="en-US" dirty="0"/>
-              <a:t>(</a:t>
-            </a:r>
-            <a:r>
-              <a:rPr lang="ru-RU" dirty="0"/>
-              <a:t>первые три аксиомы)</a:t>
-            </a:r>
-            <a:endParaRPr lang="en-US" dirty="0"/>
-          </a:p>
-          <a:p>
-            <a:pPr lvl="1"/>
-            <a:r>
-              <a:rPr lang="en-US" dirty="0">
-                <a:latin typeface="Courier New" panose="02070309020205020404" pitchFamily="49" charset="0"/>
-                <a:cs typeface="Courier New" panose="02070309020205020404" pitchFamily="49" charset="0"/>
-              </a:rPr>
-              <a:t>std::</a:t>
-            </a:r>
-            <a:r>
-              <a:rPr lang="en-US" dirty="0" err="1">
-                <a:latin typeface="Courier New" panose="02070309020205020404" pitchFamily="49" charset="0"/>
-                <a:cs typeface="Courier New" panose="02070309020205020404" pitchFamily="49" charset="0"/>
-              </a:rPr>
-              <a:t>weak_ordering</a:t>
-            </a:r>
-            <a:r>
-              <a:rPr lang="ru-RU" dirty="0">
-                <a:latin typeface="Courier New" panose="02070309020205020404" pitchFamily="49" charset="0"/>
-                <a:cs typeface="Courier New" panose="02070309020205020404" pitchFamily="49" charset="0"/>
-              </a:rPr>
-              <a:t> </a:t>
-            </a:r>
-            <a:r>
-              <a:rPr lang="ru-RU" dirty="0"/>
-              <a:t>(то же + транзитивность эквивалентности)</a:t>
-            </a:r>
-            <a:endParaRPr lang="en-US" dirty="0"/>
-          </a:p>
-          <a:p>
-            <a:pPr lvl="1"/>
-            <a:r>
-              <a:rPr lang="en-US" dirty="0">
-                <a:latin typeface="Courier New" panose="02070309020205020404" pitchFamily="49" charset="0"/>
-                <a:cs typeface="Courier New" panose="02070309020205020404" pitchFamily="49" charset="0"/>
-              </a:rPr>
-              <a:t>std::</a:t>
-            </a:r>
-            <a:r>
-              <a:rPr lang="en-US" dirty="0" err="1">
-                <a:latin typeface="Courier New" panose="02070309020205020404" pitchFamily="49" charset="0"/>
-                <a:cs typeface="Courier New" panose="02070309020205020404" pitchFamily="49" charset="0"/>
-              </a:rPr>
-              <a:t>strong_ordering</a:t>
-            </a:r>
-            <a:r>
-              <a:rPr lang="ru-RU" dirty="0">
-                <a:latin typeface="Courier New" panose="02070309020205020404" pitchFamily="49" charset="0"/>
-                <a:cs typeface="Courier New" panose="02070309020205020404" pitchFamily="49" charset="0"/>
-              </a:rPr>
-              <a:t> </a:t>
-            </a:r>
-            <a:r>
-              <a:rPr lang="ru-RU" dirty="0"/>
-              <a:t>(то же + подстановка </a:t>
-            </a:r>
+              <a:t> (Cpp17LessThanComparable):</a:t>
+            </a:r>
+          </a:p>
+          <a:p>
+            <a:pPr lvl="2"/>
             <a:r>
               <a:rPr lang="en-US" dirty="0"/>
-              <a:t>“</a:t>
-            </a:r>
-            <a:r>
-              <a:rPr lang="ru-RU" dirty="0"/>
-              <a:t>равных</a:t>
-            </a:r>
-            <a:r>
-              <a:rPr lang="en-US" dirty="0"/>
-              <a:t>”</a:t>
-            </a:r>
-            <a:r>
-              <a:rPr lang="ru-RU" dirty="0"/>
-              <a:t> элементов)</a:t>
-            </a:r>
-            <a:endParaRPr lang="en-US" dirty="0"/>
-          </a:p>
-          <a:p>
-            <a:endParaRPr lang="en-US" dirty="0"/>
+              <a:t>&lt; is a strict weak ordering relation</a:t>
+            </a:r>
           </a:p>
         </p:txBody>
       </p:sp>
     </p:spTree>
     <p:extLst>
       <p:ext uri="{BB962C8B-B14F-4D97-AF65-F5344CB8AC3E}">
-        <p14:creationId xmlns:p14="http://schemas.microsoft.com/office/powerpoint/2010/main" val="630358958"/>
+        <p14:creationId xmlns:p14="http://schemas.microsoft.com/office/powerpoint/2010/main" val="1531263686"/>
       </p:ext>
     </p:extLst>
   </p:cSld>
@@ -7462,7 +7524,7 @@
           <p:cNvPr id="2" name="Title 1">
             <a:extLst>
               <a:ext uri="{FF2B5EF4-FFF2-40B4-BE49-F238E27FC236}">
-                <a16:creationId xmlns:a16="http://schemas.microsoft.com/office/drawing/2014/main" id="{949B772E-C0CA-4FD0-AD07-ABE3720E0CD1}"/>
+                <a16:creationId xmlns:a16="http://schemas.microsoft.com/office/drawing/2014/main" id="{8688857A-E774-4509-90D8-4A071F2E5E9A}"/>
               </a:ext>
             </a:extLst>
           </p:cNvPr>
@@ -7479,12 +7541,16 @@
           <a:lstStyle/>
           <a:p>
             <a:r>
-              <a:rPr lang="ru-RU" dirty="0"/>
-              <a:t>Семантика </a:t>
-            </a:r>
-            <a:r>
               <a:rPr lang="en-US" dirty="0"/>
-              <a:t>comparison categories?</a:t>
+              <a:t>Spaceship-</a:t>
+            </a:r>
+            <a:r>
+              <a:rPr lang="ru-RU" dirty="0"/>
+              <a:t>оператор и другие виды порядков в </a:t>
+            </a:r>
+            <a:r>
+              <a:rPr lang="en-US" dirty="0"/>
+              <a:t>C++20</a:t>
             </a:r>
           </a:p>
         </p:txBody>
@@ -7494,7 +7560,7 @@
           <p:cNvPr id="3" name="Content Placeholder 2">
             <a:extLst>
               <a:ext uri="{FF2B5EF4-FFF2-40B4-BE49-F238E27FC236}">
-                <a16:creationId xmlns:a16="http://schemas.microsoft.com/office/drawing/2014/main" id="{3671CE29-3026-4439-9FB4-544335ACCDF6}"/>
+                <a16:creationId xmlns:a16="http://schemas.microsoft.com/office/drawing/2014/main" id="{307FF75E-2822-418C-8FC5-721C16E8F14E}"/>
               </a:ext>
             </a:extLst>
           </p:cNvPr>
@@ -7507,38 +7573,100 @@
         </p:nvSpPr>
         <p:spPr/>
         <p:txBody>
-          <a:bodyPr/>
-          <a:lstStyle/>
-          <a:p>
-            <a:r>
-              <a:rPr lang="ru-RU" dirty="0"/>
-              <a:t>Можно было бы предположить что наличие категории даёт гарантии о поведении класса, например</a:t>
-            </a:r>
-            <a:endParaRPr lang="en-US" dirty="0"/>
-          </a:p>
-          <a:p>
-            <a:pPr lvl="1"/>
-            <a:r>
-              <a:rPr lang="en-US" dirty="0">
-                <a:latin typeface="Courier New" panose="02070309020205020404" pitchFamily="49" charset="0"/>
-                <a:cs typeface="Courier New" panose="02070309020205020404" pitchFamily="49" charset="0"/>
-              </a:rPr>
-              <a:t>std::</a:t>
-            </a:r>
-            <a:r>
-              <a:rPr lang="en-US" dirty="0" err="1">
-                <a:latin typeface="Courier New" panose="02070309020205020404" pitchFamily="49" charset="0"/>
-                <a:cs typeface="Courier New" panose="02070309020205020404" pitchFamily="49" charset="0"/>
-              </a:rPr>
-              <a:t>partial_ordering</a:t>
+          <a:bodyPr>
+            <a:normAutofit lnSpcReduction="10000"/>
+          </a:bodyPr>
+          <a:lstStyle/>
+          <a:p>
+            <a:r>
+              <a:rPr lang="ru-RU" dirty="0"/>
+              <a:t>Стандарт движется в сторону явного представления понятия порядка в языке</a:t>
+            </a:r>
+          </a:p>
+          <a:p>
+            <a:r>
+              <a:rPr lang="ru-RU" dirty="0"/>
+              <a:t>В </a:t>
+            </a:r>
+            <a:r>
+              <a:rPr lang="en-US" dirty="0"/>
+              <a:t>C++20 </a:t>
+            </a:r>
+            <a:r>
+              <a:rPr lang="ru-RU" dirty="0"/>
+              <a:t>введён новый тип оператор сравнения</a:t>
             </a:r>
             <a:r>
               <a:rPr lang="en-US" dirty="0"/>
               <a:t>: </a:t>
             </a:r>
             <a:r>
-              <a:rPr lang="ru-RU" dirty="0"/>
-              <a:t>класс является ЧУМ</a:t>
+              <a:rPr lang="en-US" dirty="0">
+                <a:latin typeface="Courier New" panose="02070309020205020404" pitchFamily="49" charset="0"/>
+                <a:cs typeface="Courier New" panose="02070309020205020404" pitchFamily="49" charset="0"/>
+              </a:rPr>
+              <a:t>operator&lt;=&gt;</a:t>
+            </a:r>
+          </a:p>
+          <a:p>
+            <a:pPr lvl="1"/>
+            <a:r>
+              <a:rPr lang="ru-RU" dirty="0"/>
+              <a:t>Сокращает объём кода для реализации всех операторов сравнения (</a:t>
+            </a:r>
+            <a:r>
+              <a:rPr lang="en-US" dirty="0"/>
+              <a:t>==, !=, &lt;, &gt;, &lt;=, &gt;=)</a:t>
+            </a:r>
+          </a:p>
+          <a:p>
+            <a:r>
+              <a:rPr lang="ru-RU" dirty="0"/>
+              <a:t>Может возвращать значение одного из 3 типов</a:t>
+            </a:r>
+            <a:r>
+              <a:rPr lang="en-US" dirty="0"/>
+              <a:t> (comparison categories)</a:t>
+            </a:r>
+            <a:r>
+              <a:rPr lang="ru-RU" dirty="0"/>
+              <a:t> в зависимости от вида порядка, реализуемого классом</a:t>
+            </a:r>
+            <a:r>
+              <a:rPr lang="en-US" dirty="0"/>
+              <a:t>:</a:t>
+            </a:r>
+          </a:p>
+          <a:p>
+            <a:pPr lvl="1"/>
+            <a:r>
+              <a:rPr lang="en-US" dirty="0">
+                <a:latin typeface="Courier New" panose="02070309020205020404" pitchFamily="49" charset="0"/>
+                <a:cs typeface="Courier New" panose="02070309020205020404" pitchFamily="49" charset="0"/>
+              </a:rPr>
+              <a:t>std::</a:t>
+            </a:r>
+            <a:r>
+              <a:rPr lang="en-US" dirty="0" err="1">
+                <a:latin typeface="Courier New" panose="02070309020205020404" pitchFamily="49" charset="0"/>
+                <a:cs typeface="Courier New" panose="02070309020205020404" pitchFamily="49" charset="0"/>
+              </a:rPr>
+              <a:t>partial_ordering</a:t>
+            </a:r>
+            <a:r>
+              <a:rPr lang="en-US" dirty="0">
+                <a:latin typeface="Courier New" panose="02070309020205020404" pitchFamily="49" charset="0"/>
+                <a:cs typeface="Courier New" panose="02070309020205020404" pitchFamily="49" charset="0"/>
+              </a:rPr>
+              <a:t> </a:t>
+            </a:r>
+            <a:r>
+              <a:rPr lang="en-US" dirty="0"/>
+              <a:t>(</a:t>
+            </a:r>
+            <a:r>
+              <a:rPr lang="ru-RU" dirty="0"/>
+              <a:t>первые три аксиомы)</a:t>
             </a:r>
             <a:endParaRPr lang="en-US" dirty="0"/>
           </a:p>
@@ -7559,78 +7687,72 @@
               <a:t>weak_ordering</a:t>
             </a:r>
             <a:r>
+              <a:rPr lang="ru-RU" dirty="0">
+                <a:latin typeface="Courier New" panose="02070309020205020404" pitchFamily="49" charset="0"/>
+                <a:cs typeface="Courier New" panose="02070309020205020404" pitchFamily="49" charset="0"/>
+              </a:rPr>
+              <a:t> </a:t>
+            </a:r>
+            <a:r>
+              <a:rPr lang="ru-RU" dirty="0"/>
+              <a:t>(то же + транзитивность эквивалентности)</a:t>
+            </a:r>
+            <a:endParaRPr lang="en-US" dirty="0"/>
+          </a:p>
+          <a:p>
+            <a:pPr lvl="1"/>
+            <a:r>
+              <a:rPr lang="en-US" dirty="0">
+                <a:latin typeface="Courier New" panose="02070309020205020404" pitchFamily="49" charset="0"/>
+                <a:cs typeface="Courier New" panose="02070309020205020404" pitchFamily="49" charset="0"/>
+              </a:rPr>
+              <a:t>std::</a:t>
+            </a:r>
+            <a:r>
+              <a:rPr lang="en-US" dirty="0" err="1">
+                <a:latin typeface="Courier New" panose="02070309020205020404" pitchFamily="49" charset="0"/>
+                <a:cs typeface="Courier New" panose="02070309020205020404" pitchFamily="49" charset="0"/>
+              </a:rPr>
+              <a:t>strong_ordering</a:t>
+            </a:r>
+            <a:r>
+              <a:rPr lang="ru-RU" dirty="0">
+                <a:latin typeface="Courier New" panose="02070309020205020404" pitchFamily="49" charset="0"/>
+                <a:cs typeface="Courier New" panose="02070309020205020404" pitchFamily="49" charset="0"/>
+              </a:rPr>
+              <a:t> </a:t>
+            </a:r>
+            <a:r>
+              <a:rPr lang="ru-RU" dirty="0"/>
+              <a:t>(то же + подстановка </a:t>
+            </a:r>
+            <a:r>
               <a:rPr lang="en-US" dirty="0"/>
-              <a:t>: </a:t>
-            </a:r>
-            <a:r>
-              <a:rPr lang="ru-RU" dirty="0"/>
-              <a:t>то же + транзитивность эквивалентности</a:t>
+              <a:t>“</a:t>
+            </a:r>
+            <a:r>
+              <a:rPr lang="ru-RU" dirty="0"/>
+              <a:t>равных</a:t>
+            </a:r>
+            <a:r>
+              <a:rPr lang="en-US" dirty="0"/>
+              <a:t>”</a:t>
+            </a:r>
+            <a:r>
+              <a:rPr lang="ru-RU" dirty="0"/>
+              <a:t> элементов)</a:t>
             </a:r>
             <a:endParaRPr lang="en-US" dirty="0"/>
           </a:p>
           <a:p>
-            <a:r>
-              <a:rPr lang="ru-RU" dirty="0"/>
-              <a:t>Но на данный момент это не гарантируется Стандартом</a:t>
-            </a:r>
-          </a:p>
-          <a:p>
-            <a:r>
-              <a:rPr lang="ru-RU" dirty="0"/>
-              <a:t>Выбор той или иной категории не даёт </a:t>
-            </a:r>
-            <a:r>
-              <a:rPr lang="ru-RU" i="1" dirty="0"/>
-              <a:t>никаких</a:t>
-            </a:r>
-            <a:r>
-              <a:rPr lang="ru-RU" dirty="0"/>
-              <a:t> гарантий поведения и служит скорее для документирования</a:t>
-            </a:r>
             <a:endParaRPr lang="en-US" dirty="0"/>
           </a:p>
         </p:txBody>
       </p:sp>
-      <p:pic>
-        <p:nvPicPr>
-          <p:cNvPr id="5" name="Picture 4">
-            <a:extLst>
-              <a:ext uri="{FF2B5EF4-FFF2-40B4-BE49-F238E27FC236}">
-                <a16:creationId xmlns:a16="http://schemas.microsoft.com/office/drawing/2014/main" id="{4F961B51-C166-4DA1-A4D3-7A6BB001EA3A}"/>
-              </a:ext>
-            </a:extLst>
-          </p:cNvPr>
-          <p:cNvPicPr>
-            <a:picLocks noChangeAspect="1"/>
-          </p:cNvPicPr>
-          <p:nvPr/>
-        </p:nvPicPr>
-        <p:blipFill>
-          <a:blip r:embed="rId3">
-            <a:extLst>
-              <a:ext uri="{28A0092B-C50C-407E-A947-70E740481C1C}">
-                <a14:useLocalDpi xmlns:a14="http://schemas.microsoft.com/office/drawing/2010/main" val="0"/>
-              </a:ext>
-            </a:extLst>
-          </a:blip>
-          <a:stretch>
-            <a:fillRect/>
-          </a:stretch>
-        </p:blipFill>
-        <p:spPr>
-          <a:xfrm>
-            <a:off x="4906735" y="4813980"/>
-            <a:ext cx="1798865" cy="1798865"/>
-          </a:xfrm>
-          <a:prstGeom prst="rect">
-            <a:avLst/>
-          </a:prstGeom>
-        </p:spPr>
-      </p:pic>
     </p:spTree>
     <p:extLst>
       <p:ext uri="{BB962C8B-B14F-4D97-AF65-F5344CB8AC3E}">
-        <p14:creationId xmlns:p14="http://schemas.microsoft.com/office/powerpoint/2010/main" val="1298728288"/>
+        <p14:creationId xmlns:p14="http://schemas.microsoft.com/office/powerpoint/2010/main" val="630358958"/>
       </p:ext>
     </p:extLst>
   </p:cSld>
@@ -7831,7 +7953,7 @@
           <p:cNvPr id="2" name="Title 1">
             <a:extLst>
               <a:ext uri="{FF2B5EF4-FFF2-40B4-BE49-F238E27FC236}">
-                <a16:creationId xmlns:a16="http://schemas.microsoft.com/office/drawing/2014/main" id="{36405CAA-E95E-4454-B8C4-10163A2BFECD}"/>
+                <a16:creationId xmlns:a16="http://schemas.microsoft.com/office/drawing/2014/main" id="{949B772E-C0CA-4FD0-AD07-ABE3720E0CD1}"/>
               </a:ext>
             </a:extLst>
           </p:cNvPr>
@@ -7849,354 +7971,166 @@
           <a:p>
             <a:r>
               <a:rPr lang="ru-RU" dirty="0"/>
-              <a:t>Частые ошибки</a:t>
+              <a:t>Семантика </a:t>
             </a:r>
             <a:r>
               <a:rPr lang="en-US" dirty="0"/>
-              <a:t>: </a:t>
-            </a:r>
-            <a:r>
-              <a:rPr lang="ru-RU" dirty="0"/>
-              <a:t>лексикографический порядок</a:t>
+              <a:t>comparison categories?</a:t>
+            </a:r>
+          </a:p>
+        </p:txBody>
+      </p:sp>
+      <p:sp>
+        <p:nvSpPr>
+          <p:cNvPr id="3" name="Content Placeholder 2">
+            <a:extLst>
+              <a:ext uri="{FF2B5EF4-FFF2-40B4-BE49-F238E27FC236}">
+                <a16:creationId xmlns:a16="http://schemas.microsoft.com/office/drawing/2014/main" id="{3671CE29-3026-4439-9FB4-544335ACCDF6}"/>
+              </a:ext>
+            </a:extLst>
+          </p:cNvPr>
+          <p:cNvSpPr>
+            <a:spLocks noGrp="1"/>
+          </p:cNvSpPr>
+          <p:nvPr>
+            <p:ph idx="1"/>
+          </p:nvPr>
+        </p:nvSpPr>
+        <p:spPr/>
+        <p:txBody>
+          <a:bodyPr/>
+          <a:lstStyle/>
+          <a:p>
+            <a:r>
+              <a:rPr lang="ru-RU" dirty="0"/>
+              <a:t>Можно было бы предположить что наличие категории даёт гарантии о поведении класса, например</a:t>
             </a:r>
             <a:endParaRPr lang="en-US" dirty="0"/>
           </a:p>
-        </p:txBody>
-      </p:sp>
-      <p:sp>
-        <p:nvSpPr>
-          <p:cNvPr id="3" name="Content Placeholder 2">
-            <a:extLst>
-              <a:ext uri="{FF2B5EF4-FFF2-40B4-BE49-F238E27FC236}">
-                <a16:creationId xmlns:a16="http://schemas.microsoft.com/office/drawing/2014/main" id="{76990235-3787-491D-84B8-21FE4A61F86A}"/>
-              </a:ext>
-            </a:extLst>
-          </p:cNvPr>
-          <p:cNvSpPr>
-            <a:spLocks noGrp="1"/>
-          </p:cNvSpPr>
-          <p:nvPr>
-            <p:ph idx="1"/>
-          </p:nvPr>
-        </p:nvSpPr>
-        <p:spPr/>
-        <p:txBody>
-          <a:bodyPr>
-            <a:normAutofit/>
-          </a:bodyPr>
-          <a:lstStyle/>
-          <a:p>
-            <a:pPr marL="0" indent="0">
-              <a:buNone/>
-            </a:pPr>
-            <a:r>
-              <a:rPr lang="en-US" sz="2000" dirty="0">
-                <a:solidFill>
-                  <a:prstClr val="black"/>
-                </a:solidFill>
-                <a:latin typeface="Courier New" panose="02070309020205020404" pitchFamily="49" charset="0"/>
-                <a:cs typeface="Courier New" panose="02070309020205020404" pitchFamily="49" charset="0"/>
-              </a:rPr>
-              <a:t>bool operator&lt;(const </a:t>
-            </a:r>
-            <a:r>
-              <a:rPr lang="en-US" sz="2000" dirty="0" err="1">
-                <a:solidFill>
-                  <a:prstClr val="black"/>
-                </a:solidFill>
-                <a:latin typeface="Courier New" panose="02070309020205020404" pitchFamily="49" charset="0"/>
-                <a:cs typeface="Courier New" panose="02070309020205020404" pitchFamily="49" charset="0"/>
-              </a:rPr>
-              <a:t>SomeClass</a:t>
-            </a:r>
-            <a:r>
-              <a:rPr lang="en-US" sz="2000" dirty="0">
-                <a:solidFill>
-                  <a:prstClr val="black"/>
-                </a:solidFill>
-                <a:latin typeface="Courier New" panose="02070309020205020404" pitchFamily="49" charset="0"/>
-                <a:cs typeface="Courier New" panose="02070309020205020404" pitchFamily="49" charset="0"/>
-              </a:rPr>
-              <a:t> &amp;</a:t>
-            </a:r>
-            <a:r>
-              <a:rPr lang="en-US" sz="2000" dirty="0" err="1">
-                <a:solidFill>
-                  <a:prstClr val="black"/>
-                </a:solidFill>
-                <a:latin typeface="Courier New" panose="02070309020205020404" pitchFamily="49" charset="0"/>
-                <a:cs typeface="Courier New" panose="02070309020205020404" pitchFamily="49" charset="0"/>
-              </a:rPr>
-              <a:t>rhs</a:t>
-            </a:r>
-            <a:r>
-              <a:rPr lang="en-US" sz="2000" dirty="0">
-                <a:solidFill>
-                  <a:prstClr val="black"/>
-                </a:solidFill>
-                <a:latin typeface="Courier New" panose="02070309020205020404" pitchFamily="49" charset="0"/>
-                <a:cs typeface="Courier New" panose="02070309020205020404" pitchFamily="49" charset="0"/>
-              </a:rPr>
-              <a:t>) const {</a:t>
-            </a:r>
-          </a:p>
-          <a:p>
-            <a:pPr marL="0" indent="0">
-              <a:buNone/>
-            </a:pPr>
-            <a:r>
-              <a:rPr lang="en-US" sz="2000" dirty="0">
-                <a:solidFill>
-                  <a:prstClr val="black"/>
-                </a:solidFill>
-                <a:latin typeface="Courier New" panose="02070309020205020404" pitchFamily="49" charset="0"/>
-                <a:cs typeface="Courier New" panose="02070309020205020404" pitchFamily="49" charset="0"/>
-              </a:rPr>
-              <a:t>  if (first &lt; </a:t>
-            </a:r>
-            <a:r>
-              <a:rPr lang="en-US" sz="2000" dirty="0" err="1">
-                <a:solidFill>
-                  <a:prstClr val="black"/>
-                </a:solidFill>
-                <a:latin typeface="Courier New" panose="02070309020205020404" pitchFamily="49" charset="0"/>
-                <a:cs typeface="Courier New" panose="02070309020205020404" pitchFamily="49" charset="0"/>
-              </a:rPr>
-              <a:t>rhs.first</a:t>
-            </a:r>
-            <a:r>
-              <a:rPr lang="en-US" sz="2000" dirty="0">
-                <a:solidFill>
-                  <a:prstClr val="black"/>
-                </a:solidFill>
-                <a:latin typeface="Courier New" panose="02070309020205020404" pitchFamily="49" charset="0"/>
-                <a:cs typeface="Courier New" panose="02070309020205020404" pitchFamily="49" charset="0"/>
-              </a:rPr>
-              <a:t>)</a:t>
-            </a:r>
-          </a:p>
-          <a:p>
-            <a:pPr marL="0" indent="0">
-              <a:buNone/>
-            </a:pPr>
-            <a:r>
-              <a:rPr lang="en-US" sz="2000" dirty="0">
-                <a:solidFill>
-                  <a:prstClr val="black"/>
-                </a:solidFill>
-                <a:latin typeface="Courier New" panose="02070309020205020404" pitchFamily="49" charset="0"/>
-                <a:cs typeface="Courier New" panose="02070309020205020404" pitchFamily="49" charset="0"/>
-              </a:rPr>
-              <a:t>    return true;</a:t>
-            </a:r>
-          </a:p>
-          <a:p>
-            <a:pPr marL="0" indent="0">
-              <a:buNone/>
-            </a:pPr>
-            <a:r>
-              <a:rPr lang="en-US" sz="2000" dirty="0">
-                <a:solidFill>
-                  <a:prstClr val="black"/>
-                </a:solidFill>
-                <a:latin typeface="Courier New" panose="02070309020205020404" pitchFamily="49" charset="0"/>
-                <a:cs typeface="Courier New" panose="02070309020205020404" pitchFamily="49" charset="0"/>
-              </a:rPr>
-              <a:t>  else if (second &lt; </a:t>
-            </a:r>
-            <a:r>
-              <a:rPr lang="en-US" sz="2000" dirty="0" err="1">
-                <a:solidFill>
-                  <a:prstClr val="black"/>
-                </a:solidFill>
-                <a:latin typeface="Courier New" panose="02070309020205020404" pitchFamily="49" charset="0"/>
-                <a:cs typeface="Courier New" panose="02070309020205020404" pitchFamily="49" charset="0"/>
-              </a:rPr>
-              <a:t>rhs.second</a:t>
-            </a:r>
-            <a:r>
-              <a:rPr lang="en-US" sz="2000" dirty="0">
-                <a:solidFill>
-                  <a:prstClr val="black"/>
-                </a:solidFill>
-                <a:latin typeface="Courier New" panose="02070309020205020404" pitchFamily="49" charset="0"/>
-                <a:cs typeface="Courier New" panose="02070309020205020404" pitchFamily="49" charset="0"/>
-              </a:rPr>
-              <a:t>) </a:t>
-            </a:r>
-            <a:r>
-              <a:rPr lang="en-US" sz="2000" dirty="0">
-                <a:solidFill>
-                  <a:srgbClr val="FF0000"/>
-                </a:solidFill>
-                <a:latin typeface="Courier New" panose="02070309020205020404" pitchFamily="49" charset="0"/>
-                <a:cs typeface="Courier New" panose="02070309020205020404" pitchFamily="49" charset="0"/>
-              </a:rPr>
-              <a:t>// ЗАБЫЛИ "&amp;&amp; fist == </a:t>
-            </a:r>
-            <a:r>
-              <a:rPr lang="en-US" sz="2000" dirty="0" err="1">
-                <a:solidFill>
-                  <a:srgbClr val="FF0000"/>
-                </a:solidFill>
-                <a:latin typeface="Courier New" panose="02070309020205020404" pitchFamily="49" charset="0"/>
-                <a:cs typeface="Courier New" panose="02070309020205020404" pitchFamily="49" charset="0"/>
-              </a:rPr>
-              <a:t>rhs.first</a:t>
-            </a:r>
-            <a:r>
-              <a:rPr lang="en-US" sz="2000" dirty="0">
-                <a:solidFill>
-                  <a:srgbClr val="FF0000"/>
-                </a:solidFill>
-                <a:latin typeface="Courier New" panose="02070309020205020404" pitchFamily="49" charset="0"/>
-                <a:cs typeface="Courier New" panose="02070309020205020404" pitchFamily="49" charset="0"/>
-              </a:rPr>
-              <a:t>"</a:t>
-            </a:r>
-          </a:p>
-          <a:p>
-            <a:pPr marL="0" indent="0">
-              <a:buNone/>
-            </a:pPr>
-            <a:r>
-              <a:rPr lang="en-US" sz="2000" dirty="0">
-                <a:solidFill>
-                  <a:prstClr val="black"/>
-                </a:solidFill>
-                <a:latin typeface="Courier New" panose="02070309020205020404" pitchFamily="49" charset="0"/>
-                <a:cs typeface="Courier New" panose="02070309020205020404" pitchFamily="49" charset="0"/>
-              </a:rPr>
-              <a:t>    return true;</a:t>
-            </a:r>
-          </a:p>
-          <a:p>
-            <a:pPr marL="0" indent="0">
-              <a:buNone/>
-            </a:pPr>
-            <a:r>
-              <a:rPr lang="en-US" sz="2000" dirty="0">
-                <a:solidFill>
-                  <a:prstClr val="black"/>
-                </a:solidFill>
-                <a:latin typeface="Courier New" panose="02070309020205020404" pitchFamily="49" charset="0"/>
-                <a:cs typeface="Courier New" panose="02070309020205020404" pitchFamily="49" charset="0"/>
-              </a:rPr>
-              <a:t>  else</a:t>
-            </a:r>
-          </a:p>
-          <a:p>
-            <a:pPr marL="0" indent="0">
-              <a:buNone/>
-            </a:pPr>
-            <a:r>
-              <a:rPr lang="en-US" sz="2000" dirty="0">
-                <a:solidFill>
-                  <a:prstClr val="black"/>
-                </a:solidFill>
-                <a:latin typeface="Courier New" panose="02070309020205020404" pitchFamily="49" charset="0"/>
-                <a:cs typeface="Courier New" panose="02070309020205020404" pitchFamily="49" charset="0"/>
-              </a:rPr>
-              <a:t>    return false;</a:t>
-            </a:r>
-          </a:p>
-          <a:p>
-            <a:pPr marL="0" indent="0">
-              <a:buNone/>
-            </a:pPr>
-            <a:r>
-              <a:rPr lang="en-US" sz="2000" dirty="0">
-                <a:solidFill>
-                  <a:prstClr val="black"/>
-                </a:solidFill>
-                <a:latin typeface="Courier New" panose="02070309020205020404" pitchFamily="49" charset="0"/>
-                <a:cs typeface="Courier New" panose="02070309020205020404" pitchFamily="49" charset="0"/>
-              </a:rPr>
-              <a:t>}</a:t>
-            </a:r>
-          </a:p>
-          <a:p>
-            <a:pPr marL="0" indent="0">
-              <a:buNone/>
-            </a:pPr>
-            <a:endParaRPr lang="en-US" sz="3200" dirty="0">
-              <a:latin typeface="Courier New" panose="02070309020205020404" pitchFamily="49" charset="0"/>
-              <a:cs typeface="Courier New" panose="02070309020205020404" pitchFamily="49" charset="0"/>
-            </a:endParaRPr>
-          </a:p>
-        </p:txBody>
-      </p:sp>
-      <p:sp>
-        <p:nvSpPr>
-          <p:cNvPr id="4" name="TextBox 3">
-            <a:extLst>
-              <a:ext uri="{FF2B5EF4-FFF2-40B4-BE49-F238E27FC236}">
-                <a16:creationId xmlns:a16="http://schemas.microsoft.com/office/drawing/2014/main" id="{1A90D972-D758-4696-82BE-FBA97DE63466}"/>
-              </a:ext>
-            </a:extLst>
-          </p:cNvPr>
-          <p:cNvSpPr txBox="1"/>
+          <a:p>
+            <a:pPr lvl="1"/>
+            <a:r>
+              <a:rPr lang="en-US" dirty="0">
+                <a:latin typeface="Courier New" panose="02070309020205020404" pitchFamily="49" charset="0"/>
+                <a:cs typeface="Courier New" panose="02070309020205020404" pitchFamily="49" charset="0"/>
+              </a:rPr>
+              <a:t>std::</a:t>
+            </a:r>
+            <a:r>
+              <a:rPr lang="en-US" dirty="0" err="1">
+                <a:latin typeface="Courier New" panose="02070309020205020404" pitchFamily="49" charset="0"/>
+                <a:cs typeface="Courier New" panose="02070309020205020404" pitchFamily="49" charset="0"/>
+              </a:rPr>
+              <a:t>partial_ordering</a:t>
+            </a:r>
+            <a:r>
+              <a:rPr lang="en-US" dirty="0"/>
+              <a:t> </a:t>
+            </a:r>
+            <a:r>
+              <a:rPr lang="ru-RU" dirty="0"/>
+              <a:t>– класс является ЧУМ</a:t>
+            </a:r>
+            <a:endParaRPr lang="en-US" dirty="0"/>
+          </a:p>
+          <a:p>
+            <a:pPr lvl="1"/>
+            <a:r>
+              <a:rPr lang="en-US" dirty="0">
+                <a:latin typeface="Courier New" panose="02070309020205020404" pitchFamily="49" charset="0"/>
+                <a:cs typeface="Courier New" panose="02070309020205020404" pitchFamily="49" charset="0"/>
+              </a:rPr>
+              <a:t>std::</a:t>
+            </a:r>
+            <a:r>
+              <a:rPr lang="en-US" dirty="0" err="1">
+                <a:latin typeface="Courier New" panose="02070309020205020404" pitchFamily="49" charset="0"/>
+                <a:cs typeface="Courier New" panose="02070309020205020404" pitchFamily="49" charset="0"/>
+              </a:rPr>
+              <a:t>weak_ordering</a:t>
+            </a:r>
+            <a:r>
+              <a:rPr lang="en-US" dirty="0"/>
+              <a:t> </a:t>
+            </a:r>
+            <a:r>
+              <a:rPr lang="ru-RU" dirty="0"/>
+              <a:t>– то же + транзитивность эквивалентности</a:t>
+            </a:r>
+            <a:endParaRPr lang="en-US" dirty="0"/>
+          </a:p>
+          <a:p>
+            <a:r>
+              <a:rPr lang="ru-RU" dirty="0"/>
+              <a:t>Но на данный момент это не гарантируется Стандартом</a:t>
+            </a:r>
+          </a:p>
+          <a:p>
+            <a:r>
+              <a:rPr lang="ru-RU" dirty="0"/>
+              <a:t>Выбор той или иной категории не даёт </a:t>
+            </a:r>
+            <a:r>
+              <a:rPr lang="ru-RU" i="1" dirty="0"/>
+              <a:t>никаких</a:t>
+            </a:r>
+            <a:r>
+              <a:rPr lang="ru-RU" dirty="0"/>
+              <a:t> гарантий поведения и служит скорее для документирования</a:t>
+            </a:r>
+            <a:endParaRPr lang="en-US" dirty="0"/>
+          </a:p>
+          <a:p>
+            <a:r>
+              <a:rPr lang="en-US" dirty="0">
+                <a:hlinkClick r:id="rId3"/>
+              </a:rPr>
+              <a:t>bit.ly/40z4tMv</a:t>
+            </a:r>
+            <a:endParaRPr lang="en-US" dirty="0"/>
+          </a:p>
+        </p:txBody>
+      </p:sp>
+      <p:pic>
+        <p:nvPicPr>
+          <p:cNvPr id="6" name="Picture 5">
+            <a:extLst>
+              <a:ext uri="{FF2B5EF4-FFF2-40B4-BE49-F238E27FC236}">
+                <a16:creationId xmlns:a16="http://schemas.microsoft.com/office/drawing/2014/main" id="{8222B069-EE32-47BF-9374-63FB21A48153}"/>
+              </a:ext>
+            </a:extLst>
+          </p:cNvPr>
+          <p:cNvPicPr>
+            <a:picLocks noChangeAspect="1"/>
+          </p:cNvPicPr>
           <p:nvPr/>
-        </p:nvSpPr>
+        </p:nvPicPr>
+        <p:blipFill>
+          <a:blip r:embed="rId4">
+            <a:extLst>
+              <a:ext uri="{28A0092B-C50C-407E-A947-70E740481C1C}">
+                <a14:useLocalDpi xmlns:a14="http://schemas.microsoft.com/office/drawing/2010/main" val="0"/>
+              </a:ext>
+            </a:extLst>
+          </a:blip>
+          <a:stretch>
+            <a:fillRect/>
+          </a:stretch>
+        </p:blipFill>
         <p:spPr>
           <a:xfrm>
-            <a:off x="6955971" y="4343400"/>
-            <a:ext cx="2612571" cy="923330"/>
+            <a:off x="4299858" y="4963885"/>
+            <a:ext cx="1698172" cy="1698172"/>
           </a:xfrm>
           <a:prstGeom prst="rect">
             <a:avLst/>
           </a:prstGeom>
-          <a:noFill/>
         </p:spPr>
-        <p:txBody>
-          <a:bodyPr wrap="square" rtlCol="0">
-            <a:spAutoFit/>
-          </a:bodyPr>
-          <a:lstStyle/>
-          <a:p>
-            <a:r>
-              <a:rPr lang="ru-RU" dirty="0">
-                <a:solidFill>
-                  <a:srgbClr val="FF0000"/>
-                </a:solidFill>
-              </a:rPr>
-              <a:t>Противоречие</a:t>
-            </a:r>
-            <a:r>
-              <a:rPr lang="en-US" dirty="0">
-                <a:solidFill>
-                  <a:srgbClr val="FF0000"/>
-                </a:solidFill>
-              </a:rPr>
-              <a:t>:</a:t>
-            </a:r>
-          </a:p>
-          <a:p>
-            <a:r>
-              <a:rPr lang="en-US" dirty="0">
-                <a:solidFill>
-                  <a:srgbClr val="FF0000"/>
-                </a:solidFill>
-              </a:rPr>
-              <a:t>  {1oo, 2} &lt; {200, 1}</a:t>
-            </a:r>
-          </a:p>
-          <a:p>
-            <a:r>
-              <a:rPr lang="en-US" dirty="0">
-                <a:solidFill>
-                  <a:srgbClr val="FF0000"/>
-                </a:solidFill>
-              </a:rPr>
-              <a:t>  {200, 1} &lt; {100, 2}</a:t>
-            </a:r>
-          </a:p>
-        </p:txBody>
-      </p:sp>
+      </p:pic>
     </p:spTree>
     <p:extLst>
       <p:ext uri="{BB962C8B-B14F-4D97-AF65-F5344CB8AC3E}">
-        <p14:creationId xmlns:p14="http://schemas.microsoft.com/office/powerpoint/2010/main" val="284998572"/>
+        <p14:creationId xmlns:p14="http://schemas.microsoft.com/office/powerpoint/2010/main" val="1298728288"/>
       </p:ext>
     </p:extLst>
   </p:cSld>
@@ -8228,7 +8162,7 @@
           <p:cNvPr id="2" name="Title 1">
             <a:extLst>
               <a:ext uri="{FF2B5EF4-FFF2-40B4-BE49-F238E27FC236}">
-                <a16:creationId xmlns:a16="http://schemas.microsoft.com/office/drawing/2014/main" id="{71AAADCC-D572-4183-8A43-D3D495367A46}"/>
+                <a16:creationId xmlns:a16="http://schemas.microsoft.com/office/drawing/2014/main" id="{36405CAA-E95E-4454-B8C4-10163A2BFECD}"/>
               </a:ext>
             </a:extLst>
           </p:cNvPr>
@@ -8265,7 +8199,7 @@
           <p:cNvPr id="3" name="Content Placeholder 2">
             <a:extLst>
               <a:ext uri="{FF2B5EF4-FFF2-40B4-BE49-F238E27FC236}">
-                <a16:creationId xmlns:a16="http://schemas.microsoft.com/office/drawing/2014/main" id="{39F6D72D-A9F8-4237-805D-7AAE75897D10}"/>
+                <a16:creationId xmlns:a16="http://schemas.microsoft.com/office/drawing/2014/main" id="{76990235-3787-491D-84B8-21FE4A61F86A}"/>
               </a:ext>
             </a:extLst>
           </p:cNvPr>
@@ -8278,28 +8212,322 @@
         </p:nvSpPr>
         <p:spPr/>
         <p:txBody>
-          <a:bodyPr/>
-          <a:lstStyle/>
-          <a:p>
-            <a:r>
-              <a:rPr lang="ru-RU" dirty="0"/>
-              <a:t>Самая частая ошибка при написании компараторов</a:t>
-            </a:r>
-            <a:endParaRPr lang="en-US" dirty="0"/>
-          </a:p>
-          <a:p>
-            <a:r>
-              <a:rPr lang="ru-RU" dirty="0"/>
-              <a:t>Нарушена аксиома антисимметричности</a:t>
-            </a:r>
-            <a:endParaRPr lang="en-US" dirty="0"/>
+          <a:bodyPr>
+            <a:normAutofit/>
+          </a:bodyPr>
+          <a:lstStyle/>
+          <a:p>
+            <a:pPr marL="0" indent="0">
+              <a:buNone/>
+            </a:pPr>
+            <a:r>
+              <a:rPr lang="en-US" sz="2000" dirty="0">
+                <a:solidFill>
+                  <a:prstClr val="black"/>
+                </a:solidFill>
+                <a:latin typeface="Courier New" panose="02070309020205020404" pitchFamily="49" charset="0"/>
+                <a:cs typeface="Courier New" panose="02070309020205020404" pitchFamily="49" charset="0"/>
+              </a:rPr>
+              <a:t>bool operator&lt;(const </a:t>
+            </a:r>
+            <a:r>
+              <a:rPr lang="en-US" sz="2000" dirty="0" err="1">
+                <a:solidFill>
+                  <a:prstClr val="black"/>
+                </a:solidFill>
+                <a:latin typeface="Courier New" panose="02070309020205020404" pitchFamily="49" charset="0"/>
+                <a:cs typeface="Courier New" panose="02070309020205020404" pitchFamily="49" charset="0"/>
+              </a:rPr>
+              <a:t>SomeClass</a:t>
+            </a:r>
+            <a:r>
+              <a:rPr lang="en-US" sz="2000" dirty="0">
+                <a:solidFill>
+                  <a:prstClr val="black"/>
+                </a:solidFill>
+                <a:latin typeface="Courier New" panose="02070309020205020404" pitchFamily="49" charset="0"/>
+                <a:cs typeface="Courier New" panose="02070309020205020404" pitchFamily="49" charset="0"/>
+              </a:rPr>
+              <a:t> &amp;</a:t>
+            </a:r>
+            <a:r>
+              <a:rPr lang="en-US" sz="2000" dirty="0" err="1">
+                <a:solidFill>
+                  <a:prstClr val="black"/>
+                </a:solidFill>
+                <a:latin typeface="Courier New" panose="02070309020205020404" pitchFamily="49" charset="0"/>
+                <a:cs typeface="Courier New" panose="02070309020205020404" pitchFamily="49" charset="0"/>
+              </a:rPr>
+              <a:t>rhs</a:t>
+            </a:r>
+            <a:r>
+              <a:rPr lang="en-US" sz="2000" dirty="0">
+                <a:solidFill>
+                  <a:prstClr val="black"/>
+                </a:solidFill>
+                <a:latin typeface="Courier New" panose="02070309020205020404" pitchFamily="49" charset="0"/>
+                <a:cs typeface="Courier New" panose="02070309020205020404" pitchFamily="49" charset="0"/>
+              </a:rPr>
+              <a:t>) const {</a:t>
+            </a:r>
+          </a:p>
+          <a:p>
+            <a:pPr marL="0" indent="0">
+              <a:buNone/>
+            </a:pPr>
+            <a:r>
+              <a:rPr lang="en-US" sz="2000" dirty="0">
+                <a:solidFill>
+                  <a:prstClr val="black"/>
+                </a:solidFill>
+                <a:latin typeface="Courier New" panose="02070309020205020404" pitchFamily="49" charset="0"/>
+                <a:cs typeface="Courier New" panose="02070309020205020404" pitchFamily="49" charset="0"/>
+              </a:rPr>
+              <a:t>  if (first &lt; </a:t>
+            </a:r>
+            <a:r>
+              <a:rPr lang="en-US" sz="2000" dirty="0" err="1">
+                <a:solidFill>
+                  <a:prstClr val="black"/>
+                </a:solidFill>
+                <a:latin typeface="Courier New" panose="02070309020205020404" pitchFamily="49" charset="0"/>
+                <a:cs typeface="Courier New" panose="02070309020205020404" pitchFamily="49" charset="0"/>
+              </a:rPr>
+              <a:t>rhs.first</a:t>
+            </a:r>
+            <a:r>
+              <a:rPr lang="en-US" sz="2000" dirty="0">
+                <a:solidFill>
+                  <a:prstClr val="black"/>
+                </a:solidFill>
+                <a:latin typeface="Courier New" panose="02070309020205020404" pitchFamily="49" charset="0"/>
+                <a:cs typeface="Courier New" panose="02070309020205020404" pitchFamily="49" charset="0"/>
+              </a:rPr>
+              <a:t>)</a:t>
+            </a:r>
+          </a:p>
+          <a:p>
+            <a:pPr marL="0" indent="0">
+              <a:buNone/>
+            </a:pPr>
+            <a:r>
+              <a:rPr lang="en-US" sz="2000" dirty="0">
+                <a:solidFill>
+                  <a:prstClr val="black"/>
+                </a:solidFill>
+                <a:latin typeface="Courier New" panose="02070309020205020404" pitchFamily="49" charset="0"/>
+                <a:cs typeface="Courier New" panose="02070309020205020404" pitchFamily="49" charset="0"/>
+              </a:rPr>
+              <a:t>    return true;</a:t>
+            </a:r>
+          </a:p>
+          <a:p>
+            <a:pPr marL="0" indent="0">
+              <a:buNone/>
+            </a:pPr>
+            <a:r>
+              <a:rPr lang="en-US" sz="2000" dirty="0">
+                <a:solidFill>
+                  <a:prstClr val="black"/>
+                </a:solidFill>
+                <a:latin typeface="Courier New" panose="02070309020205020404" pitchFamily="49" charset="0"/>
+                <a:cs typeface="Courier New" panose="02070309020205020404" pitchFamily="49" charset="0"/>
+              </a:rPr>
+              <a:t>  else if (second &lt; </a:t>
+            </a:r>
+            <a:r>
+              <a:rPr lang="en-US" sz="2000" dirty="0" err="1">
+                <a:solidFill>
+                  <a:prstClr val="black"/>
+                </a:solidFill>
+                <a:latin typeface="Courier New" panose="02070309020205020404" pitchFamily="49" charset="0"/>
+                <a:cs typeface="Courier New" panose="02070309020205020404" pitchFamily="49" charset="0"/>
+              </a:rPr>
+              <a:t>rhs.second</a:t>
+            </a:r>
+            <a:r>
+              <a:rPr lang="en-US" sz="2000" dirty="0">
+                <a:solidFill>
+                  <a:prstClr val="black"/>
+                </a:solidFill>
+                <a:latin typeface="Courier New" panose="02070309020205020404" pitchFamily="49" charset="0"/>
+                <a:cs typeface="Courier New" panose="02070309020205020404" pitchFamily="49" charset="0"/>
+              </a:rPr>
+              <a:t>) </a:t>
+            </a:r>
+            <a:r>
+              <a:rPr lang="en-US" sz="2000" dirty="0">
+                <a:solidFill>
+                  <a:srgbClr val="FF0000"/>
+                </a:solidFill>
+                <a:latin typeface="Courier New" panose="02070309020205020404" pitchFamily="49" charset="0"/>
+                <a:cs typeface="Courier New" panose="02070309020205020404" pitchFamily="49" charset="0"/>
+              </a:rPr>
+              <a:t>// ЗАБЫЛИ "&amp;&amp; fist == </a:t>
+            </a:r>
+            <a:r>
+              <a:rPr lang="en-US" sz="2000" dirty="0" err="1">
+                <a:solidFill>
+                  <a:srgbClr val="FF0000"/>
+                </a:solidFill>
+                <a:latin typeface="Courier New" panose="02070309020205020404" pitchFamily="49" charset="0"/>
+                <a:cs typeface="Courier New" panose="02070309020205020404" pitchFamily="49" charset="0"/>
+              </a:rPr>
+              <a:t>rhs.first</a:t>
+            </a:r>
+            <a:r>
+              <a:rPr lang="en-US" sz="2000" dirty="0">
+                <a:solidFill>
+                  <a:srgbClr val="FF0000"/>
+                </a:solidFill>
+                <a:latin typeface="Courier New" panose="02070309020205020404" pitchFamily="49" charset="0"/>
+                <a:cs typeface="Courier New" panose="02070309020205020404" pitchFamily="49" charset="0"/>
+              </a:rPr>
+              <a:t>"</a:t>
+            </a:r>
+          </a:p>
+          <a:p>
+            <a:pPr marL="0" indent="0">
+              <a:buNone/>
+            </a:pPr>
+            <a:r>
+              <a:rPr lang="en-US" sz="2000" dirty="0">
+                <a:solidFill>
+                  <a:prstClr val="black"/>
+                </a:solidFill>
+                <a:latin typeface="Courier New" panose="02070309020205020404" pitchFamily="49" charset="0"/>
+                <a:cs typeface="Courier New" panose="02070309020205020404" pitchFamily="49" charset="0"/>
+              </a:rPr>
+              <a:t>    return true;</a:t>
+            </a:r>
+          </a:p>
+          <a:p>
+            <a:pPr marL="0" indent="0">
+              <a:buNone/>
+            </a:pPr>
+            <a:r>
+              <a:rPr lang="en-US" sz="2000" dirty="0">
+                <a:solidFill>
+                  <a:prstClr val="black"/>
+                </a:solidFill>
+                <a:latin typeface="Courier New" panose="02070309020205020404" pitchFamily="49" charset="0"/>
+                <a:cs typeface="Courier New" panose="02070309020205020404" pitchFamily="49" charset="0"/>
+              </a:rPr>
+              <a:t>  else</a:t>
+            </a:r>
+          </a:p>
+          <a:p>
+            <a:pPr marL="0" indent="0">
+              <a:buNone/>
+            </a:pPr>
+            <a:r>
+              <a:rPr lang="en-US" sz="2000" dirty="0">
+                <a:solidFill>
+                  <a:prstClr val="black"/>
+                </a:solidFill>
+                <a:latin typeface="Courier New" panose="02070309020205020404" pitchFamily="49" charset="0"/>
+                <a:cs typeface="Courier New" panose="02070309020205020404" pitchFamily="49" charset="0"/>
+              </a:rPr>
+              <a:t>    return false;</a:t>
+            </a:r>
+          </a:p>
+          <a:p>
+            <a:pPr marL="0" indent="0">
+              <a:buNone/>
+            </a:pPr>
+            <a:r>
+              <a:rPr lang="en-US" sz="2000" dirty="0">
+                <a:solidFill>
+                  <a:prstClr val="black"/>
+                </a:solidFill>
+                <a:latin typeface="Courier New" panose="02070309020205020404" pitchFamily="49" charset="0"/>
+                <a:cs typeface="Courier New" panose="02070309020205020404" pitchFamily="49" charset="0"/>
+              </a:rPr>
+              <a:t>}</a:t>
+            </a:r>
+          </a:p>
+          <a:p>
+            <a:pPr marL="0" indent="0">
+              <a:buNone/>
+            </a:pPr>
+            <a:endParaRPr lang="en-US" sz="3200" dirty="0">
+              <a:latin typeface="Courier New" panose="02070309020205020404" pitchFamily="49" charset="0"/>
+              <a:cs typeface="Courier New" panose="02070309020205020404" pitchFamily="49" charset="0"/>
+            </a:endParaRPr>
+          </a:p>
+        </p:txBody>
+      </p:sp>
+      <p:sp>
+        <p:nvSpPr>
+          <p:cNvPr id="4" name="TextBox 3">
+            <a:extLst>
+              <a:ext uri="{FF2B5EF4-FFF2-40B4-BE49-F238E27FC236}">
+                <a16:creationId xmlns:a16="http://schemas.microsoft.com/office/drawing/2014/main" id="{1A90D972-D758-4696-82BE-FBA97DE63466}"/>
+              </a:ext>
+            </a:extLst>
+          </p:cNvPr>
+          <p:cNvSpPr txBox="1"/>
+          <p:nvPr/>
+        </p:nvSpPr>
+        <p:spPr>
+          <a:xfrm>
+            <a:off x="6955971" y="4343400"/>
+            <a:ext cx="2612571" cy="923330"/>
+          </a:xfrm>
+          <a:prstGeom prst="rect">
+            <a:avLst/>
+          </a:prstGeom>
+          <a:noFill/>
+        </p:spPr>
+        <p:txBody>
+          <a:bodyPr wrap="square" rtlCol="0">
+            <a:spAutoFit/>
+          </a:bodyPr>
+          <a:lstStyle/>
+          <a:p>
+            <a:r>
+              <a:rPr lang="ru-RU" dirty="0">
+                <a:solidFill>
+                  <a:srgbClr val="FF0000"/>
+                </a:solidFill>
+              </a:rPr>
+              <a:t>Противоречие</a:t>
+            </a:r>
+            <a:r>
+              <a:rPr lang="en-US" dirty="0">
+                <a:solidFill>
+                  <a:srgbClr val="FF0000"/>
+                </a:solidFill>
+              </a:rPr>
+              <a:t>:</a:t>
+            </a:r>
+          </a:p>
+          <a:p>
+            <a:r>
+              <a:rPr lang="en-US" dirty="0">
+                <a:solidFill>
+                  <a:srgbClr val="FF0000"/>
+                </a:solidFill>
+              </a:rPr>
+              <a:t>  {1oo, 2} &lt; {200, 1}</a:t>
+            </a:r>
+          </a:p>
+          <a:p>
+            <a:r>
+              <a:rPr lang="en-US" dirty="0">
+                <a:solidFill>
+                  <a:srgbClr val="FF0000"/>
+                </a:solidFill>
+              </a:rPr>
+              <a:t>  {200, 1} &lt; {100, 2}</a:t>
+            </a:r>
           </a:p>
         </p:txBody>
       </p:sp>
     </p:spTree>
     <p:extLst>
       <p:ext uri="{BB962C8B-B14F-4D97-AF65-F5344CB8AC3E}">
-        <p14:creationId xmlns:p14="http://schemas.microsoft.com/office/powerpoint/2010/main" val="1470207012"/>
+        <p14:creationId xmlns:p14="http://schemas.microsoft.com/office/powerpoint/2010/main" val="284998572"/>
       </p:ext>
     </p:extLst>
   </p:cSld>
@@ -8331,7 +8559,7 @@
           <p:cNvPr id="2" name="Title 1">
             <a:extLst>
               <a:ext uri="{FF2B5EF4-FFF2-40B4-BE49-F238E27FC236}">
-                <a16:creationId xmlns:a16="http://schemas.microsoft.com/office/drawing/2014/main" id="{680D122F-8A3D-4D58-A0A5-9A5AC33760D9}"/>
+                <a16:creationId xmlns:a16="http://schemas.microsoft.com/office/drawing/2014/main" id="{71AAADCC-D572-4183-8A43-D3D495367A46}"/>
               </a:ext>
             </a:extLst>
           </p:cNvPr>
@@ -8368,7 +8596,7 @@
           <p:cNvPr id="3" name="Content Placeholder 2">
             <a:extLst>
               <a:ext uri="{FF2B5EF4-FFF2-40B4-BE49-F238E27FC236}">
-                <a16:creationId xmlns:a16="http://schemas.microsoft.com/office/drawing/2014/main" id="{EF38A0C2-67EB-4D5D-A96E-FD883EF4688E}"/>
+                <a16:creationId xmlns:a16="http://schemas.microsoft.com/office/drawing/2014/main" id="{39F6D72D-A9F8-4237-805D-7AAE75897D10}"/>
               </a:ext>
             </a:extLst>
           </p:cNvPr>
@@ -8379,171 +8607,30 @@
             <p:ph idx="1"/>
           </p:nvPr>
         </p:nvSpPr>
-        <p:spPr>
-          <a:xfrm>
-            <a:off x="838200" y="1825625"/>
-            <a:ext cx="10744200" cy="4667250"/>
-          </a:xfrm>
-        </p:spPr>
-        <p:txBody>
-          <a:bodyPr>
-            <a:normAutofit/>
-          </a:bodyPr>
-          <a:lstStyle/>
-          <a:p>
-            <a:r>
-              <a:rPr lang="ru-RU" dirty="0"/>
-              <a:t>Простое исправление</a:t>
-            </a:r>
-            <a:r>
-              <a:rPr lang="en-US" dirty="0"/>
-              <a:t>:</a:t>
-            </a:r>
-          </a:p>
-          <a:p>
-            <a:pPr marL="0" indent="0">
-              <a:buNone/>
-            </a:pPr>
-            <a:r>
-              <a:rPr lang="en-US" dirty="0">
-                <a:latin typeface="Courier New" panose="02070309020205020404" pitchFamily="49" charset="0"/>
-                <a:cs typeface="Courier New" panose="02070309020205020404" pitchFamily="49" charset="0"/>
-              </a:rPr>
-              <a:t>  if (first &lt; </a:t>
-            </a:r>
-            <a:r>
-              <a:rPr lang="en-US" dirty="0" err="1">
-                <a:latin typeface="Courier New" panose="02070309020205020404" pitchFamily="49" charset="0"/>
-                <a:cs typeface="Courier New" panose="02070309020205020404" pitchFamily="49" charset="0"/>
-              </a:rPr>
-              <a:t>rhs.first</a:t>
-            </a:r>
-            <a:r>
-              <a:rPr lang="en-US" dirty="0">
-                <a:latin typeface="Courier New" panose="02070309020205020404" pitchFamily="49" charset="0"/>
-                <a:cs typeface="Courier New" panose="02070309020205020404" pitchFamily="49" charset="0"/>
-              </a:rPr>
-              <a:t>)</a:t>
-            </a:r>
-          </a:p>
-          <a:p>
-            <a:pPr marL="0" indent="0">
-              <a:buNone/>
-            </a:pPr>
-            <a:r>
-              <a:rPr lang="en-US" dirty="0">
-                <a:latin typeface="Courier New" panose="02070309020205020404" pitchFamily="49" charset="0"/>
-                <a:cs typeface="Courier New" panose="02070309020205020404" pitchFamily="49" charset="0"/>
-              </a:rPr>
-              <a:t>    return true;</a:t>
-            </a:r>
-          </a:p>
-          <a:p>
-            <a:pPr marL="0" indent="0">
-              <a:buNone/>
-            </a:pPr>
-            <a:r>
-              <a:rPr lang="en-US" dirty="0">
-                <a:latin typeface="Courier New" panose="02070309020205020404" pitchFamily="49" charset="0"/>
-                <a:cs typeface="Courier New" panose="02070309020205020404" pitchFamily="49" charset="0"/>
-              </a:rPr>
-              <a:t>  else if (first == </a:t>
-            </a:r>
-            <a:r>
-              <a:rPr lang="en-US" dirty="0" err="1">
-                <a:latin typeface="Courier New" panose="02070309020205020404" pitchFamily="49" charset="0"/>
-                <a:cs typeface="Courier New" panose="02070309020205020404" pitchFamily="49" charset="0"/>
-              </a:rPr>
-              <a:t>rhs.first</a:t>
-            </a:r>
-            <a:r>
-              <a:rPr lang="en-US" dirty="0">
-                <a:latin typeface="Courier New" panose="02070309020205020404" pitchFamily="49" charset="0"/>
-                <a:cs typeface="Courier New" panose="02070309020205020404" pitchFamily="49" charset="0"/>
-              </a:rPr>
-              <a:t>) {</a:t>
-            </a:r>
-          </a:p>
-          <a:p>
-            <a:pPr marL="0" indent="0">
-              <a:buNone/>
-            </a:pPr>
-            <a:r>
-              <a:rPr lang="en-US" dirty="0">
-                <a:latin typeface="Courier New" panose="02070309020205020404" pitchFamily="49" charset="0"/>
-                <a:cs typeface="Courier New" panose="02070309020205020404" pitchFamily="49" charset="0"/>
-              </a:rPr>
-              <a:t>    if (second &lt; </a:t>
-            </a:r>
-            <a:r>
-              <a:rPr lang="en-US" dirty="0" err="1">
-                <a:latin typeface="Courier New" panose="02070309020205020404" pitchFamily="49" charset="0"/>
-                <a:cs typeface="Courier New" panose="02070309020205020404" pitchFamily="49" charset="0"/>
-              </a:rPr>
-              <a:t>rhs.second</a:t>
-            </a:r>
-            <a:r>
-              <a:rPr lang="en-US" dirty="0">
-                <a:latin typeface="Courier New" panose="02070309020205020404" pitchFamily="49" charset="0"/>
-                <a:cs typeface="Courier New" panose="02070309020205020404" pitchFamily="49" charset="0"/>
-              </a:rPr>
-              <a:t>)</a:t>
-            </a:r>
-          </a:p>
-          <a:p>
-            <a:pPr marL="0" indent="0">
-              <a:buNone/>
-            </a:pPr>
-            <a:r>
-              <a:rPr lang="en-US" dirty="0">
-                <a:latin typeface="Courier New" panose="02070309020205020404" pitchFamily="49" charset="0"/>
-                <a:cs typeface="Courier New" panose="02070309020205020404" pitchFamily="49" charset="0"/>
-              </a:rPr>
-              <a:t>      return true;</a:t>
-            </a:r>
-          </a:p>
-          <a:p>
-            <a:pPr marL="0" indent="0">
-              <a:buNone/>
-            </a:pPr>
-            <a:r>
-              <a:rPr lang="en-US" dirty="0">
-                <a:latin typeface="Courier New" panose="02070309020205020404" pitchFamily="49" charset="0"/>
-                <a:cs typeface="Courier New" panose="02070309020205020404" pitchFamily="49" charset="0"/>
-              </a:rPr>
-              <a:t>    else</a:t>
-            </a:r>
-          </a:p>
-          <a:p>
-            <a:pPr marL="0" indent="0">
-              <a:buNone/>
-            </a:pPr>
-            <a:r>
-              <a:rPr lang="en-US" dirty="0">
-                <a:latin typeface="Courier New" panose="02070309020205020404" pitchFamily="49" charset="0"/>
-                <a:cs typeface="Courier New" panose="02070309020205020404" pitchFamily="49" charset="0"/>
-              </a:rPr>
-              <a:t>      return false;</a:t>
-            </a:r>
-          </a:p>
-          <a:p>
-            <a:pPr marL="0" indent="0">
-              <a:buNone/>
-            </a:pPr>
-            <a:r>
-              <a:rPr lang="en-US" dirty="0">
-                <a:latin typeface="Courier New" panose="02070309020205020404" pitchFamily="49" charset="0"/>
-                <a:cs typeface="Courier New" panose="02070309020205020404" pitchFamily="49" charset="0"/>
-              </a:rPr>
-              <a:t>  }</a:t>
-            </a:r>
+        <p:spPr/>
+        <p:txBody>
+          <a:bodyPr/>
+          <a:lstStyle/>
+          <a:p>
+            <a:r>
+              <a:rPr lang="ru-RU" dirty="0"/>
+              <a:t>Самая частая ошибка при написании компараторов</a:t>
+            </a:r>
+            <a:endParaRPr lang="en-US" dirty="0"/>
+          </a:p>
+          <a:p>
+            <a:r>
+              <a:rPr lang="ru-RU" dirty="0"/>
+              <a:t>Нарушена аксиома антисимметричности</a:t>
+            </a:r>
+            <a:endParaRPr lang="en-US" dirty="0"/>
           </a:p>
         </p:txBody>
       </p:sp>
     </p:spTree>
     <p:extLst>
       <p:ext uri="{BB962C8B-B14F-4D97-AF65-F5344CB8AC3E}">
-        <p14:creationId xmlns:p14="http://schemas.microsoft.com/office/powerpoint/2010/main" val="1166501009"/>
+        <p14:creationId xmlns:p14="http://schemas.microsoft.com/office/powerpoint/2010/main" val="1470207012"/>
       </p:ext>
     </p:extLst>
   </p:cSld>
@@ -8637,7 +8724,7 @@
           <a:p>
             <a:r>
               <a:rPr lang="ru-RU" dirty="0"/>
-              <a:t>Но лучше</a:t>
+              <a:t>Простое исправление</a:t>
             </a:r>
             <a:r>
               <a:rPr lang="en-US" dirty="0"/>
@@ -8645,131 +8732,160 @@
             </a:r>
           </a:p>
           <a:p>
-            <a:pPr lvl="1"/>
-            <a:r>
-              <a:rPr lang="ru-RU" dirty="0"/>
-              <a:t>использовать `std::tie` и встроенный оператор сравнения кортежей</a:t>
-            </a:r>
-            <a:r>
-              <a:rPr lang="en-US" dirty="0"/>
-              <a:t>:</a:t>
-            </a:r>
-          </a:p>
-          <a:p>
-            <a:pPr marL="0" indent="0">
-              <a:buNone/>
-            </a:pPr>
-            <a:r>
-              <a:rPr lang="en-US" dirty="0">
-                <a:latin typeface="Courier New" panose="02070309020205020404" pitchFamily="49" charset="0"/>
-                <a:cs typeface="Courier New" panose="02070309020205020404" pitchFamily="49" charset="0"/>
-              </a:rPr>
-              <a:t>return std::tie(</a:t>
+            <a:endParaRPr lang="en-US" sz="200" dirty="0"/>
+          </a:p>
+          <a:p>
+            <a:pPr marL="457200" lvl="1" indent="0">
+              <a:buNone/>
+            </a:pPr>
+            <a:r>
+              <a:rPr lang="en-US" dirty="0">
+                <a:latin typeface="Courier New" panose="02070309020205020404" pitchFamily="49" charset="0"/>
+                <a:cs typeface="Courier New" panose="02070309020205020404" pitchFamily="49" charset="0"/>
+              </a:rPr>
+              <a:t>if (first &lt; </a:t>
             </a:r>
             <a:r>
               <a:rPr lang="en-US" dirty="0" err="1">
                 <a:latin typeface="Courier New" panose="02070309020205020404" pitchFamily="49" charset="0"/>
                 <a:cs typeface="Courier New" panose="02070309020205020404" pitchFamily="49" charset="0"/>
               </a:rPr>
-              <a:t>l.first</a:t>
-            </a:r>
-            <a:r>
-              <a:rPr lang="en-US" dirty="0">
-                <a:latin typeface="Courier New" panose="02070309020205020404" pitchFamily="49" charset="0"/>
-                <a:cs typeface="Courier New" panose="02070309020205020404" pitchFamily="49" charset="0"/>
-              </a:rPr>
-              <a:t>, </a:t>
+              <a:t>rhs.first</a:t>
+            </a:r>
+            <a:r>
+              <a:rPr lang="en-US" dirty="0">
+                <a:latin typeface="Courier New" panose="02070309020205020404" pitchFamily="49" charset="0"/>
+                <a:cs typeface="Courier New" panose="02070309020205020404" pitchFamily="49" charset="0"/>
+              </a:rPr>
+              <a:t>)</a:t>
+            </a:r>
+          </a:p>
+          <a:p>
+            <a:pPr marL="457200" lvl="1" indent="0">
+              <a:buNone/>
+            </a:pPr>
+            <a:r>
+              <a:rPr lang="en-US" dirty="0">
+                <a:latin typeface="Courier New" panose="02070309020205020404" pitchFamily="49" charset="0"/>
+                <a:cs typeface="Courier New" panose="02070309020205020404" pitchFamily="49" charset="0"/>
+              </a:rPr>
+              <a:t>  return true;</a:t>
+            </a:r>
+          </a:p>
+          <a:p>
+            <a:pPr marL="457200" lvl="1" indent="0">
+              <a:buNone/>
+            </a:pPr>
+            <a:r>
+              <a:rPr lang="en-US" dirty="0">
+                <a:latin typeface="Courier New" panose="02070309020205020404" pitchFamily="49" charset="0"/>
+                <a:cs typeface="Courier New" panose="02070309020205020404" pitchFamily="49" charset="0"/>
+              </a:rPr>
+              <a:t>else if (first == </a:t>
             </a:r>
             <a:r>
               <a:rPr lang="en-US" dirty="0" err="1">
                 <a:latin typeface="Courier New" panose="02070309020205020404" pitchFamily="49" charset="0"/>
                 <a:cs typeface="Courier New" panose="02070309020205020404" pitchFamily="49" charset="0"/>
               </a:rPr>
-              <a:t>l.second</a:t>
-            </a:r>
-            <a:r>
-              <a:rPr lang="en-US" dirty="0">
-                <a:latin typeface="Courier New" panose="02070309020205020404" pitchFamily="49" charset="0"/>
-                <a:cs typeface="Courier New" panose="02070309020205020404" pitchFamily="49" charset="0"/>
-              </a:rPr>
-              <a:t>) &lt; std::tie(</a:t>
+              <a:t>rhs.first</a:t>
+            </a:r>
+            <a:r>
+              <a:rPr lang="en-US" dirty="0">
+                <a:latin typeface="Courier New" panose="02070309020205020404" pitchFamily="49" charset="0"/>
+                <a:cs typeface="Courier New" panose="02070309020205020404" pitchFamily="49" charset="0"/>
+              </a:rPr>
+              <a:t>) {</a:t>
+            </a:r>
+          </a:p>
+          <a:p>
+            <a:pPr marL="457200" lvl="1" indent="0">
+              <a:buNone/>
+            </a:pPr>
+            <a:r>
+              <a:rPr lang="en-US" dirty="0">
+                <a:latin typeface="Courier New" panose="02070309020205020404" pitchFamily="49" charset="0"/>
+                <a:cs typeface="Courier New" panose="02070309020205020404" pitchFamily="49" charset="0"/>
+              </a:rPr>
+              <a:t>  if (second &lt; </a:t>
             </a:r>
             <a:r>
               <a:rPr lang="en-US" dirty="0" err="1">
                 <a:latin typeface="Courier New" panose="02070309020205020404" pitchFamily="49" charset="0"/>
                 <a:cs typeface="Courier New" panose="02070309020205020404" pitchFamily="49" charset="0"/>
               </a:rPr>
-              <a:t>r.first</a:t>
-            </a:r>
-            <a:r>
-              <a:rPr lang="en-US" dirty="0">
-                <a:latin typeface="Courier New" panose="02070309020205020404" pitchFamily="49" charset="0"/>
-                <a:cs typeface="Courier New" panose="02070309020205020404" pitchFamily="49" charset="0"/>
-              </a:rPr>
-              <a:t>, </a:t>
-            </a:r>
-            <a:r>
-              <a:rPr lang="en-US" dirty="0" err="1">
-                <a:latin typeface="Courier New" panose="02070309020205020404" pitchFamily="49" charset="0"/>
-                <a:cs typeface="Courier New" panose="02070309020205020404" pitchFamily="49" charset="0"/>
-              </a:rPr>
-              <a:t>r.second</a:t>
-            </a:r>
-            <a:r>
-              <a:rPr lang="en-US" dirty="0">
-                <a:latin typeface="Courier New" panose="02070309020205020404" pitchFamily="49" charset="0"/>
-                <a:cs typeface="Courier New" panose="02070309020205020404" pitchFamily="49" charset="0"/>
-              </a:rPr>
-              <a:t>);</a:t>
-            </a:r>
-          </a:p>
-          <a:p>
-            <a:pPr lvl="1"/>
-            <a:r>
-              <a:rPr lang="en-US" dirty="0"/>
-              <a:t>(</a:t>
-            </a:r>
-            <a:r>
-              <a:rPr lang="ru-RU" dirty="0"/>
-              <a:t>C++20</a:t>
-            </a:r>
-            <a:r>
-              <a:rPr lang="en-US" dirty="0"/>
+              <a:t>rhs.second</a:t>
+            </a:r>
+            <a:r>
+              <a:rPr lang="en-US" dirty="0">
+                <a:latin typeface="Courier New" panose="02070309020205020404" pitchFamily="49" charset="0"/>
+                <a:cs typeface="Courier New" panose="02070309020205020404" pitchFamily="49" charset="0"/>
+              </a:rPr>
               <a:t>)</a:t>
             </a:r>
-            <a:r>
-              <a:rPr lang="ru-RU" dirty="0"/>
-              <a:t> использовать реализацию `operator &lt;=&gt;` по умолчанию</a:t>
-            </a:r>
-            <a:r>
-              <a:rPr lang="en-US" dirty="0"/>
-              <a:t>:</a:t>
-            </a:r>
-          </a:p>
-          <a:p>
-            <a:pPr marL="0" indent="0">
-              <a:buNone/>
-            </a:pPr>
-            <a:r>
-              <a:rPr lang="en-US" dirty="0">
-                <a:latin typeface="Courier New" panose="02070309020205020404" pitchFamily="49" charset="0"/>
-                <a:cs typeface="Courier New" panose="02070309020205020404" pitchFamily="49" charset="0"/>
-              </a:rPr>
-              <a:t>auto operator &lt;=&gt;(const </a:t>
-            </a:r>
-            <a:r>
-              <a:rPr lang="en-US" dirty="0" err="1">
-                <a:latin typeface="Courier New" panose="02070309020205020404" pitchFamily="49" charset="0"/>
-                <a:cs typeface="Courier New" panose="02070309020205020404" pitchFamily="49" charset="0"/>
-              </a:rPr>
-              <a:t>SomeClass</a:t>
-            </a:r>
-            <a:r>
-              <a:rPr lang="en-US" dirty="0">
-                <a:latin typeface="Courier New" panose="02070309020205020404" pitchFamily="49" charset="0"/>
-                <a:cs typeface="Courier New" panose="02070309020205020404" pitchFamily="49" charset="0"/>
-              </a:rPr>
-              <a:t> &amp;) const = default;</a:t>
+          </a:p>
+          <a:p>
+            <a:pPr marL="457200" lvl="1" indent="0">
+              <a:buNone/>
+            </a:pPr>
+            <a:r>
+              <a:rPr lang="en-US" dirty="0">
+                <a:latin typeface="Courier New" panose="02070309020205020404" pitchFamily="49" charset="0"/>
+                <a:cs typeface="Courier New" panose="02070309020205020404" pitchFamily="49" charset="0"/>
+              </a:rPr>
+              <a:t>    return true;</a:t>
+            </a:r>
+          </a:p>
+          <a:p>
+            <a:pPr marL="457200" lvl="1" indent="0">
+              <a:buNone/>
+            </a:pPr>
+            <a:r>
+              <a:rPr lang="en-US" dirty="0">
+                <a:latin typeface="Courier New" panose="02070309020205020404" pitchFamily="49" charset="0"/>
+                <a:cs typeface="Courier New" panose="02070309020205020404" pitchFamily="49" charset="0"/>
+              </a:rPr>
+              <a:t>  else</a:t>
+            </a:r>
+          </a:p>
+          <a:p>
+            <a:pPr marL="457200" lvl="1" indent="0">
+              <a:buNone/>
+            </a:pPr>
+            <a:r>
+              <a:rPr lang="en-US" dirty="0">
+                <a:latin typeface="Courier New" panose="02070309020205020404" pitchFamily="49" charset="0"/>
+                <a:cs typeface="Courier New" panose="02070309020205020404" pitchFamily="49" charset="0"/>
+              </a:rPr>
+              <a:t>    return false;</a:t>
+            </a:r>
+          </a:p>
+          <a:p>
+            <a:pPr marL="457200" lvl="1" indent="0">
+              <a:buNone/>
+            </a:pPr>
+            <a:r>
+              <a:rPr lang="en-US" dirty="0">
+                <a:latin typeface="Courier New" panose="02070309020205020404" pitchFamily="49" charset="0"/>
+                <a:cs typeface="Courier New" panose="02070309020205020404" pitchFamily="49" charset="0"/>
+              </a:rPr>
+              <a:t>}</a:t>
+            </a:r>
+            <a:endParaRPr lang="ru-RU" dirty="0">
+              <a:latin typeface="Courier New" panose="02070309020205020404" pitchFamily="49" charset="0"/>
+              <a:cs typeface="Courier New" panose="02070309020205020404" pitchFamily="49" charset="0"/>
+            </a:endParaRPr>
+          </a:p>
+          <a:p>
+            <a:pPr marL="457200" lvl="1" indent="0">
+              <a:buNone/>
+            </a:pPr>
+            <a:r>
+              <a:rPr lang="en-US" dirty="0">
+                <a:latin typeface="Courier New" panose="02070309020205020404" pitchFamily="49" charset="0"/>
+                <a:cs typeface="Courier New" panose="02070309020205020404" pitchFamily="49" charset="0"/>
+              </a:rPr>
+              <a:t>return false;</a:t>
             </a:r>
           </a:p>
         </p:txBody>
@@ -8777,7 +8893,7 @@
     </p:spTree>
     <p:extLst>
       <p:ext uri="{BB962C8B-B14F-4D97-AF65-F5344CB8AC3E}">
-        <p14:creationId xmlns:p14="http://schemas.microsoft.com/office/powerpoint/2010/main" val="941950318"/>
+        <p14:creationId xmlns:p14="http://schemas.microsoft.com/office/powerpoint/2010/main" val="1166501009"/>
       </p:ext>
     </p:extLst>
   </p:cSld>
@@ -8809,7 +8925,7 @@
           <p:cNvPr id="2" name="Title 1">
             <a:extLst>
               <a:ext uri="{FF2B5EF4-FFF2-40B4-BE49-F238E27FC236}">
-                <a16:creationId xmlns:a16="http://schemas.microsoft.com/office/drawing/2014/main" id="{A9139C6D-A5F5-48C1-AE3E-FAC5A61742CF}"/>
+                <a16:creationId xmlns:a16="http://schemas.microsoft.com/office/drawing/2014/main" id="{680D122F-8A3D-4D58-A0A5-9A5AC33760D9}"/>
               </a:ext>
             </a:extLst>
           </p:cNvPr>
@@ -8818,104 +8934,200 @@
           </p:cNvSpPr>
           <p:nvPr>
             <p:ph type="title"/>
+          </p:nvPr>
+        </p:nvSpPr>
+        <p:spPr/>
+        <p:txBody>
+          <a:bodyPr/>
+          <a:lstStyle/>
+          <a:p>
+            <a:r>
+              <a:rPr lang="ru-RU" dirty="0"/>
+              <a:t>Частые ошибки</a:t>
+            </a:r>
+            <a:r>
+              <a:rPr lang="en-US" dirty="0"/>
+              <a:t>: </a:t>
+            </a:r>
+            <a:r>
+              <a:rPr lang="ru-RU" dirty="0"/>
+              <a:t>лексикографический порядок</a:t>
+            </a:r>
+            <a:endParaRPr lang="en-US" dirty="0"/>
+          </a:p>
+        </p:txBody>
+      </p:sp>
+      <p:sp>
+        <p:nvSpPr>
+          <p:cNvPr id="3" name="Content Placeholder 2">
+            <a:extLst>
+              <a:ext uri="{FF2B5EF4-FFF2-40B4-BE49-F238E27FC236}">
+                <a16:creationId xmlns:a16="http://schemas.microsoft.com/office/drawing/2014/main" id="{EF38A0C2-67EB-4D5D-A96E-FD883EF4688E}"/>
+              </a:ext>
+            </a:extLst>
+          </p:cNvPr>
+          <p:cNvSpPr>
+            <a:spLocks noGrp="1"/>
+          </p:cNvSpPr>
+          <p:nvPr>
+            <p:ph idx="1"/>
           </p:nvPr>
         </p:nvSpPr>
         <p:spPr>
           <a:xfrm>
-            <a:off x="838200" y="-87085"/>
-            <a:ext cx="10515600" cy="1325563"/>
+            <a:off x="838200" y="1825625"/>
+            <a:ext cx="10744200" cy="4667250"/>
           </a:xfrm>
         </p:spPr>
         <p:txBody>
-          <a:bodyPr/>
-          <a:lstStyle/>
-          <a:p>
-            <a:r>
-              <a:rPr lang="ru-RU" dirty="0"/>
-              <a:t>Частые ошибки</a:t>
+          <a:bodyPr>
+            <a:normAutofit/>
+          </a:bodyPr>
+          <a:lstStyle/>
+          <a:p>
+            <a:r>
+              <a:rPr lang="ru-RU" dirty="0"/>
+              <a:t>Но лучше</a:t>
             </a:r>
             <a:r>
               <a:rPr lang="en-US" dirty="0"/>
-              <a:t>: </a:t>
-            </a:r>
-            <a:r>
-              <a:rPr lang="ru-RU" dirty="0"/>
-              <a:t>нестрогий порядок</a:t>
-            </a:r>
-            <a:endParaRPr lang="en-US" dirty="0"/>
-          </a:p>
-        </p:txBody>
-      </p:sp>
-      <p:pic>
-        <p:nvPicPr>
-          <p:cNvPr id="7" name="Picture 6">
-            <a:extLst>
-              <a:ext uri="{FF2B5EF4-FFF2-40B4-BE49-F238E27FC236}">
-                <a16:creationId xmlns:a16="http://schemas.microsoft.com/office/drawing/2014/main" id="{06070F0E-5BE5-4EBA-B7C6-0319F6FE1FCA}"/>
-              </a:ext>
-            </a:extLst>
-          </p:cNvPr>
-          <p:cNvPicPr>
-            <a:picLocks noChangeAspect="1"/>
-          </p:cNvPicPr>
-          <p:nvPr/>
-        </p:nvPicPr>
-        <p:blipFill>
-          <a:blip r:embed="rId2"/>
-          <a:stretch>
-            <a:fillRect/>
-          </a:stretch>
-        </p:blipFill>
-        <p:spPr>
-          <a:xfrm>
-            <a:off x="1295394" y="1107849"/>
-            <a:ext cx="8196948" cy="5500586"/>
-          </a:xfrm>
-          <a:prstGeom prst="rect">
-            <a:avLst/>
-          </a:prstGeom>
-        </p:spPr>
-      </p:pic>
-      <p:sp>
-        <p:nvSpPr>
-          <p:cNvPr id="8" name="TextBox 7">
-            <a:extLst>
-              <a:ext uri="{FF2B5EF4-FFF2-40B4-BE49-F238E27FC236}">
-                <a16:creationId xmlns:a16="http://schemas.microsoft.com/office/drawing/2014/main" id="{C9278605-2454-4939-B5C0-9E78F9E47138}"/>
-              </a:ext>
-            </a:extLst>
-          </p:cNvPr>
-          <p:cNvSpPr txBox="1"/>
-          <p:nvPr/>
-        </p:nvSpPr>
-        <p:spPr>
-          <a:xfrm>
-            <a:off x="9579428" y="2612571"/>
-            <a:ext cx="2362200" cy="923330"/>
-          </a:xfrm>
-          <a:prstGeom prst="rect">
-            <a:avLst/>
-          </a:prstGeom>
-          <a:noFill/>
-        </p:spPr>
-        <p:txBody>
-          <a:bodyPr wrap="square" rtlCol="0">
-            <a:spAutoFit/>
-          </a:bodyPr>
-          <a:lstStyle/>
-          <a:p>
-            <a:r>
-              <a:rPr lang="ru-RU" dirty="0"/>
-              <a:t>Нарушена иррефлексивность и антисимметричность</a:t>
-            </a:r>
-            <a:endParaRPr lang="en-US" dirty="0"/>
+              <a:t>:</a:t>
+            </a:r>
+          </a:p>
+          <a:p>
+            <a:pPr lvl="1"/>
+            <a:r>
+              <a:rPr lang="ru-RU" dirty="0"/>
+              <a:t>использовать `std::tie` и встроенный оператор сравнения кортежей</a:t>
+            </a:r>
+            <a:r>
+              <a:rPr lang="en-US" dirty="0"/>
+              <a:t>:</a:t>
+            </a:r>
+          </a:p>
+          <a:p>
+            <a:pPr marL="0" indent="0">
+              <a:buNone/>
+            </a:pPr>
+            <a:r>
+              <a:rPr lang="en-US" dirty="0">
+                <a:latin typeface="Courier New" panose="02070309020205020404" pitchFamily="49" charset="0"/>
+                <a:cs typeface="Courier New" panose="02070309020205020404" pitchFamily="49" charset="0"/>
+              </a:rPr>
+              <a:t>return std::tie(</a:t>
+            </a:r>
+            <a:r>
+              <a:rPr lang="en-US" dirty="0" err="1">
+                <a:latin typeface="Courier New" panose="02070309020205020404" pitchFamily="49" charset="0"/>
+                <a:cs typeface="Courier New" panose="02070309020205020404" pitchFamily="49" charset="0"/>
+              </a:rPr>
+              <a:t>l.first</a:t>
+            </a:r>
+            <a:r>
+              <a:rPr lang="en-US" dirty="0">
+                <a:latin typeface="Courier New" panose="02070309020205020404" pitchFamily="49" charset="0"/>
+                <a:cs typeface="Courier New" panose="02070309020205020404" pitchFamily="49" charset="0"/>
+              </a:rPr>
+              <a:t>, </a:t>
+            </a:r>
+            <a:r>
+              <a:rPr lang="en-US" dirty="0" err="1">
+                <a:latin typeface="Courier New" panose="02070309020205020404" pitchFamily="49" charset="0"/>
+                <a:cs typeface="Courier New" panose="02070309020205020404" pitchFamily="49" charset="0"/>
+              </a:rPr>
+              <a:t>l.second</a:t>
+            </a:r>
+            <a:r>
+              <a:rPr lang="en-US" dirty="0">
+                <a:latin typeface="Courier New" panose="02070309020205020404" pitchFamily="49" charset="0"/>
+                <a:cs typeface="Courier New" panose="02070309020205020404" pitchFamily="49" charset="0"/>
+              </a:rPr>
+              <a:t>) &lt; std::tie(</a:t>
+            </a:r>
+            <a:r>
+              <a:rPr lang="en-US" dirty="0" err="1">
+                <a:latin typeface="Courier New" panose="02070309020205020404" pitchFamily="49" charset="0"/>
+                <a:cs typeface="Courier New" panose="02070309020205020404" pitchFamily="49" charset="0"/>
+              </a:rPr>
+              <a:t>r.first</a:t>
+            </a:r>
+            <a:r>
+              <a:rPr lang="en-US" dirty="0">
+                <a:latin typeface="Courier New" panose="02070309020205020404" pitchFamily="49" charset="0"/>
+                <a:cs typeface="Courier New" panose="02070309020205020404" pitchFamily="49" charset="0"/>
+              </a:rPr>
+              <a:t>, </a:t>
+            </a:r>
+            <a:r>
+              <a:rPr lang="en-US" dirty="0" err="1">
+                <a:latin typeface="Courier New" panose="02070309020205020404" pitchFamily="49" charset="0"/>
+                <a:cs typeface="Courier New" panose="02070309020205020404" pitchFamily="49" charset="0"/>
+              </a:rPr>
+              <a:t>r.second</a:t>
+            </a:r>
+            <a:r>
+              <a:rPr lang="en-US" dirty="0">
+                <a:latin typeface="Courier New" panose="02070309020205020404" pitchFamily="49" charset="0"/>
+                <a:cs typeface="Courier New" panose="02070309020205020404" pitchFamily="49" charset="0"/>
+              </a:rPr>
+              <a:t>);</a:t>
+            </a:r>
+          </a:p>
+          <a:p>
+            <a:pPr lvl="1"/>
+            <a:r>
+              <a:rPr lang="en-US" dirty="0"/>
+              <a:t>(</a:t>
+            </a:r>
+            <a:r>
+              <a:rPr lang="ru-RU" dirty="0"/>
+              <a:t>C++20</a:t>
+            </a:r>
+            <a:r>
+              <a:rPr lang="en-US" dirty="0"/>
+              <a:t>)</a:t>
+            </a:r>
+            <a:r>
+              <a:rPr lang="ru-RU" dirty="0"/>
+              <a:t> использовать реализацию `operator &lt;=&gt;` по умолчанию</a:t>
+            </a:r>
+            <a:r>
+              <a:rPr lang="en-US" dirty="0"/>
+              <a:t>:</a:t>
+            </a:r>
+          </a:p>
+          <a:p>
+            <a:pPr marL="0" indent="0">
+              <a:buNone/>
+            </a:pPr>
+            <a:r>
+              <a:rPr lang="en-US" dirty="0">
+                <a:latin typeface="Courier New" panose="02070309020205020404" pitchFamily="49" charset="0"/>
+                <a:cs typeface="Courier New" panose="02070309020205020404" pitchFamily="49" charset="0"/>
+              </a:rPr>
+              <a:t>auto operator &lt;=&gt;(const </a:t>
+            </a:r>
+            <a:r>
+              <a:rPr lang="en-US" dirty="0" err="1">
+                <a:latin typeface="Courier New" panose="02070309020205020404" pitchFamily="49" charset="0"/>
+                <a:cs typeface="Courier New" panose="02070309020205020404" pitchFamily="49" charset="0"/>
+              </a:rPr>
+              <a:t>SomeClass</a:t>
+            </a:r>
+            <a:r>
+              <a:rPr lang="en-US" dirty="0">
+                <a:latin typeface="Courier New" panose="02070309020205020404" pitchFamily="49" charset="0"/>
+                <a:cs typeface="Courier New" panose="02070309020205020404" pitchFamily="49" charset="0"/>
+              </a:rPr>
+              <a:t> &amp;) const = default;</a:t>
+            </a:r>
           </a:p>
         </p:txBody>
       </p:sp>
     </p:spTree>
     <p:extLst>
       <p:ext uri="{BB962C8B-B14F-4D97-AF65-F5344CB8AC3E}">
-        <p14:creationId xmlns:p14="http://schemas.microsoft.com/office/powerpoint/2010/main" val="1852802426"/>
+        <p14:creationId xmlns:p14="http://schemas.microsoft.com/office/powerpoint/2010/main" val="941950318"/>
       </p:ext>
     </p:extLst>
   </p:cSld>
@@ -8947,6 +9159,144 @@
           <p:cNvPr id="2" name="Title 1">
             <a:extLst>
               <a:ext uri="{FF2B5EF4-FFF2-40B4-BE49-F238E27FC236}">
+                <a16:creationId xmlns:a16="http://schemas.microsoft.com/office/drawing/2014/main" id="{A9139C6D-A5F5-48C1-AE3E-FAC5A61742CF}"/>
+              </a:ext>
+            </a:extLst>
+          </p:cNvPr>
+          <p:cNvSpPr>
+            <a:spLocks noGrp="1"/>
+          </p:cNvSpPr>
+          <p:nvPr>
+            <p:ph type="title"/>
+          </p:nvPr>
+        </p:nvSpPr>
+        <p:spPr>
+          <a:xfrm>
+            <a:off x="838200" y="-87085"/>
+            <a:ext cx="10515600" cy="1325563"/>
+          </a:xfrm>
+        </p:spPr>
+        <p:txBody>
+          <a:bodyPr/>
+          <a:lstStyle/>
+          <a:p>
+            <a:r>
+              <a:rPr lang="ru-RU" dirty="0"/>
+              <a:t>Частые ошибки</a:t>
+            </a:r>
+            <a:r>
+              <a:rPr lang="en-US" dirty="0"/>
+              <a:t>: </a:t>
+            </a:r>
+            <a:r>
+              <a:rPr lang="ru-RU" dirty="0"/>
+              <a:t>нестрогий порядок</a:t>
+            </a:r>
+            <a:endParaRPr lang="en-US" dirty="0"/>
+          </a:p>
+        </p:txBody>
+      </p:sp>
+      <p:pic>
+        <p:nvPicPr>
+          <p:cNvPr id="7" name="Picture 6">
+            <a:extLst>
+              <a:ext uri="{FF2B5EF4-FFF2-40B4-BE49-F238E27FC236}">
+                <a16:creationId xmlns:a16="http://schemas.microsoft.com/office/drawing/2014/main" id="{06070F0E-5BE5-4EBA-B7C6-0319F6FE1FCA}"/>
+              </a:ext>
+            </a:extLst>
+          </p:cNvPr>
+          <p:cNvPicPr>
+            <a:picLocks noChangeAspect="1"/>
+          </p:cNvPicPr>
+          <p:nvPr/>
+        </p:nvPicPr>
+        <p:blipFill>
+          <a:blip r:embed="rId2"/>
+          <a:stretch>
+            <a:fillRect/>
+          </a:stretch>
+        </p:blipFill>
+        <p:spPr>
+          <a:xfrm>
+            <a:off x="1295394" y="1107849"/>
+            <a:ext cx="8196948" cy="5500586"/>
+          </a:xfrm>
+          <a:prstGeom prst="rect">
+            <a:avLst/>
+          </a:prstGeom>
+        </p:spPr>
+      </p:pic>
+      <p:sp>
+        <p:nvSpPr>
+          <p:cNvPr id="8" name="TextBox 7">
+            <a:extLst>
+              <a:ext uri="{FF2B5EF4-FFF2-40B4-BE49-F238E27FC236}">
+                <a16:creationId xmlns:a16="http://schemas.microsoft.com/office/drawing/2014/main" id="{C9278605-2454-4939-B5C0-9E78F9E47138}"/>
+              </a:ext>
+            </a:extLst>
+          </p:cNvPr>
+          <p:cNvSpPr txBox="1"/>
+          <p:nvPr/>
+        </p:nvSpPr>
+        <p:spPr>
+          <a:xfrm>
+            <a:off x="9579428" y="2612571"/>
+            <a:ext cx="2362200" cy="923330"/>
+          </a:xfrm>
+          <a:prstGeom prst="rect">
+            <a:avLst/>
+          </a:prstGeom>
+          <a:noFill/>
+        </p:spPr>
+        <p:txBody>
+          <a:bodyPr wrap="square" rtlCol="0">
+            <a:spAutoFit/>
+          </a:bodyPr>
+          <a:lstStyle/>
+          <a:p>
+            <a:r>
+              <a:rPr lang="ru-RU" dirty="0"/>
+              <a:t>Нарушена иррефлексивность и антисимметричность</a:t>
+            </a:r>
+            <a:endParaRPr lang="en-US" dirty="0"/>
+          </a:p>
+        </p:txBody>
+      </p:sp>
+    </p:spTree>
+    <p:extLst>
+      <p:ext uri="{BB962C8B-B14F-4D97-AF65-F5344CB8AC3E}">
+        <p14:creationId xmlns:p14="http://schemas.microsoft.com/office/powerpoint/2010/main" val="1852802426"/>
+      </p:ext>
+    </p:extLst>
+  </p:cSld>
+  <p:clrMapOvr>
+    <a:masterClrMapping/>
+  </p:clrMapOvr>
+</p:sld>
+</file>
+
+<file path=ppt/slides/slide26.xml><?xml version="1.0" encoding="utf-8"?>
+<p:sld xmlns:a="http://schemas.openxmlformats.org/drawingml/2006/main" xmlns:r="http://schemas.openxmlformats.org/officeDocument/2006/relationships" xmlns:p="http://schemas.openxmlformats.org/presentationml/2006/main">
+  <p:cSld>
+    <p:spTree>
+      <p:nvGrpSpPr>
+        <p:cNvPr id="1" name=""/>
+        <p:cNvGrpSpPr/>
+        <p:nvPr/>
+      </p:nvGrpSpPr>
+      <p:grpSpPr>
+        <a:xfrm>
+          <a:off x="0" y="0"/>
+          <a:ext cx="0" cy="0"/>
+          <a:chOff x="0" y="0"/>
+          <a:chExt cx="0" cy="0"/>
+        </a:xfrm>
+      </p:grpSpPr>
+      <p:sp>
+        <p:nvSpPr>
+          <p:cNvPr id="2" name="Title 1">
+            <a:extLst>
+              <a:ext uri="{FF2B5EF4-FFF2-40B4-BE49-F238E27FC236}">
                 <a16:creationId xmlns:a16="http://schemas.microsoft.com/office/drawing/2014/main" id="{9F591C08-CA5B-42F3-80D5-D9304DF004FB}"/>
               </a:ext>
             </a:extLst>
@@ -9102,32 +9452,83 @@
           <a:p>
             <a:r>
               <a:rPr lang="ru-RU" dirty="0"/>
-              <a:t>Отрицание строгого порядка является нестрогим порядком</a:t>
-            </a:r>
+              <a:t>Отрицание строгого порядка является </a:t>
+            </a:r>
+            <a:r>
+              <a:rPr lang="ru-RU" i="1" dirty="0"/>
+              <a:t>нестрогим</a:t>
+            </a:r>
+            <a:r>
+              <a:rPr lang="ru-RU" dirty="0"/>
+              <a:t> порядком</a:t>
+            </a:r>
+            <a:r>
+              <a:rPr lang="en-US" dirty="0"/>
+              <a:t> (</a:t>
+            </a:r>
+            <a:r>
+              <a:rPr lang="ru-RU" dirty="0"/>
+              <a:t>и нарушает аксиому антисимметричности</a:t>
+            </a:r>
+            <a:r>
+              <a:rPr lang="en-US" dirty="0"/>
+              <a:t>)</a:t>
+            </a:r>
+          </a:p>
+          <a:p>
+            <a:r>
+              <a:rPr lang="ru-RU" dirty="0"/>
+              <a:t>Пример из жизни: </a:t>
+            </a:r>
+            <a:r>
+              <a:rPr lang="en-US" dirty="0">
+                <a:hlinkClick r:id="rId3"/>
+              </a:rPr>
+              <a:t>bit.ly/3NpcO2v</a:t>
+            </a:r>
+            <a:endParaRPr lang="ru-RU" dirty="0"/>
+          </a:p>
+          <a:p>
             <a:endParaRPr lang="en-US" dirty="0"/>
           </a:p>
-          <a:p>
-            <a:r>
-              <a:rPr lang="ru-RU" dirty="0"/>
-              <a:t>Пример из жизни: </a:t>
-            </a:r>
-            <a:r>
-              <a:rPr lang="ru-RU" dirty="0">
-                <a:hlinkClick r:id="rId2"/>
-              </a:rPr>
-              <a:t>https://schneide.blog/2010/11/01/bug-hunting-fun-with-stdsort</a:t>
-            </a:r>
-            <a:r>
-              <a:rPr lang="en-US" dirty="0"/>
-              <a:t> </a:t>
-            </a:r>
-            <a:endParaRPr lang="ru-RU" dirty="0"/>
-          </a:p>
-          <a:p>
-            <a:endParaRPr lang="en-US" dirty="0"/>
-          </a:p>
-        </p:txBody>
-      </p:sp>
+        </p:txBody>
+      </p:sp>
+      <p:pic>
+        <p:nvPicPr>
+          <p:cNvPr id="5" name="Picture 4">
+            <a:extLst>
+              <a:ext uri="{FF2B5EF4-FFF2-40B4-BE49-F238E27FC236}">
+                <a16:creationId xmlns:a16="http://schemas.microsoft.com/office/drawing/2014/main" id="{DED219CD-F64C-4D44-B480-4823C65199E2}"/>
+              </a:ext>
+            </a:extLst>
+          </p:cNvPr>
+          <p:cNvPicPr>
+            <a:picLocks noChangeAspect="1"/>
+          </p:cNvPicPr>
+          <p:nvPr/>
+        </p:nvPicPr>
+        <p:blipFill>
+          <a:blip r:embed="rId4">
+            <a:extLst>
+              <a:ext uri="{28A0092B-C50C-407E-A947-70E740481C1C}">
+                <a14:useLocalDpi xmlns:a14="http://schemas.microsoft.com/office/drawing/2010/main" val="0"/>
+              </a:ext>
+            </a:extLst>
+          </a:blip>
+          <a:stretch>
+            <a:fillRect/>
+          </a:stretch>
+        </p:blipFill>
+        <p:spPr>
+          <a:xfrm>
+            <a:off x="8033657" y="3918857"/>
+            <a:ext cx="1959429" cy="1959429"/>
+          </a:xfrm>
+          <a:prstGeom prst="rect">
+            <a:avLst/>
+          </a:prstGeom>
+        </p:spPr>
+      </p:pic>
     </p:spTree>
     <p:extLst>
       <p:ext uri="{BB962C8B-B14F-4D97-AF65-F5344CB8AC3E}">
@@ -9141,7 +9542,7 @@
 </p:sld>
 </file>
 
-<file path=ppt/slides/slide26.xml><?xml version="1.0" encoding="utf-8"?>
+<file path=ppt/slides/slide27.xml><?xml version="1.0" encoding="utf-8"?>
 <p:sld xmlns:a="http://schemas.openxmlformats.org/drawingml/2006/main" xmlns:r="http://schemas.openxmlformats.org/officeDocument/2006/relationships" xmlns:p="http://schemas.openxmlformats.org/presentationml/2006/main">
   <p:cSld>
     <p:spTree>
@@ -9238,295 +9639,6 @@
 </p:sld>
 </file>
 
-<file path=ppt/slides/slide27.xml><?xml version="1.0" encoding="utf-8"?>
-<p:sld xmlns:a="http://schemas.openxmlformats.org/drawingml/2006/main" xmlns:r="http://schemas.openxmlformats.org/officeDocument/2006/relationships" xmlns:p="http://schemas.openxmlformats.org/presentationml/2006/main">
-  <p:cSld>
-    <p:spTree>
-      <p:nvGrpSpPr>
-        <p:cNvPr id="1" name=""/>
-        <p:cNvGrpSpPr/>
-        <p:nvPr/>
-      </p:nvGrpSpPr>
-      <p:grpSpPr>
-        <a:xfrm>
-          <a:off x="0" y="0"/>
-          <a:ext cx="0" cy="0"/>
-          <a:chOff x="0" y="0"/>
-          <a:chExt cx="0" cy="0"/>
-        </a:xfrm>
-      </p:grpSpPr>
-      <p:sp>
-        <p:nvSpPr>
-          <p:cNvPr id="2" name="Title 1">
-            <a:extLst>
-              <a:ext uri="{FF2B5EF4-FFF2-40B4-BE49-F238E27FC236}">
-                <a16:creationId xmlns:a16="http://schemas.microsoft.com/office/drawing/2014/main" id="{82E7115D-C3C8-4FC6-BCEE-397B3B1CA1D3}"/>
-              </a:ext>
-            </a:extLst>
-          </p:cNvPr>
-          <p:cNvSpPr>
-            <a:spLocks noGrp="1"/>
-          </p:cNvSpPr>
-          <p:nvPr>
-            <p:ph type="title"/>
-          </p:nvPr>
-        </p:nvSpPr>
-        <p:spPr/>
-        <p:txBody>
-          <a:bodyPr/>
-          <a:lstStyle/>
-          <a:p>
-            <a:r>
-              <a:rPr lang="ru-RU" dirty="0"/>
-              <a:t>Частые ошибки</a:t>
-            </a:r>
-            <a:r>
-              <a:rPr lang="en-US" dirty="0"/>
-              <a:t>: </a:t>
-            </a:r>
-            <a:r>
-              <a:rPr lang="en-US" dirty="0" err="1"/>
-              <a:t>NaN</a:t>
-            </a:r>
-            <a:endParaRPr lang="en-US" dirty="0"/>
-          </a:p>
-        </p:txBody>
-      </p:sp>
-      <p:sp>
-        <p:nvSpPr>
-          <p:cNvPr id="3" name="Content Placeholder 2">
-            <a:extLst>
-              <a:ext uri="{FF2B5EF4-FFF2-40B4-BE49-F238E27FC236}">
-                <a16:creationId xmlns:a16="http://schemas.microsoft.com/office/drawing/2014/main" id="{C04CBD31-895D-41BF-BEFF-948422E8643B}"/>
-              </a:ext>
-            </a:extLst>
-          </p:cNvPr>
-          <p:cNvSpPr>
-            <a:spLocks noGrp="1"/>
-          </p:cNvSpPr>
-          <p:nvPr>
-            <p:ph idx="1"/>
-          </p:nvPr>
-        </p:nvSpPr>
-        <p:spPr/>
-        <p:txBody>
-          <a:bodyPr>
-            <a:normAutofit fontScale="62500" lnSpcReduction="20000"/>
-          </a:bodyPr>
-          <a:lstStyle/>
-          <a:p>
-            <a:pPr marL="0" indent="0">
-              <a:buNone/>
-            </a:pPr>
-            <a:r>
-              <a:rPr lang="en-US" dirty="0">
-                <a:latin typeface="Courier New" panose="02070309020205020404" pitchFamily="49" charset="0"/>
-                <a:cs typeface="Courier New" panose="02070309020205020404" pitchFamily="49" charset="0"/>
-              </a:rPr>
-              <a:t>int main() {</a:t>
-            </a:r>
-          </a:p>
-          <a:p>
-            <a:pPr marL="0" indent="0">
-              <a:buNone/>
-            </a:pPr>
-            <a:r>
-              <a:rPr lang="en-US" dirty="0">
-                <a:latin typeface="Courier New" panose="02070309020205020404" pitchFamily="49" charset="0"/>
-                <a:cs typeface="Courier New" panose="02070309020205020404" pitchFamily="49" charset="0"/>
-              </a:rPr>
-              <a:t>  double a[] = {</a:t>
-            </a:r>
-          </a:p>
-          <a:p>
-            <a:pPr marL="0" indent="0">
-              <a:buNone/>
-            </a:pPr>
-            <a:r>
-              <a:rPr lang="en-US" dirty="0">
-                <a:latin typeface="Courier New" panose="02070309020205020404" pitchFamily="49" charset="0"/>
-                <a:cs typeface="Courier New" panose="02070309020205020404" pitchFamily="49" charset="0"/>
-              </a:rPr>
-              <a:t>    100,</a:t>
-            </a:r>
-          </a:p>
-          <a:p>
-            <a:pPr marL="0" indent="0">
-              <a:buNone/>
-            </a:pPr>
-            <a:r>
-              <a:rPr lang="en-US" dirty="0">
-                <a:latin typeface="Courier New" panose="02070309020205020404" pitchFamily="49" charset="0"/>
-                <a:cs typeface="Courier New" panose="02070309020205020404" pitchFamily="49" charset="0"/>
-              </a:rPr>
-              <a:t>    5,</a:t>
-            </a:r>
-          </a:p>
-          <a:p>
-            <a:pPr marL="0" indent="0">
-              <a:buNone/>
-            </a:pPr>
-            <a:r>
-              <a:rPr lang="en-US" dirty="0">
-                <a:latin typeface="Courier New" panose="02070309020205020404" pitchFamily="49" charset="0"/>
-                <a:cs typeface="Courier New" panose="02070309020205020404" pitchFamily="49" charset="0"/>
-              </a:rPr>
-              <a:t>    3,</a:t>
-            </a:r>
-          </a:p>
-          <a:p>
-            <a:pPr marL="0" indent="0">
-              <a:buNone/>
-            </a:pPr>
-            <a:r>
-              <a:rPr lang="en-US" dirty="0">
-                <a:latin typeface="Courier New" panose="02070309020205020404" pitchFamily="49" charset="0"/>
-                <a:cs typeface="Courier New" panose="02070309020205020404" pitchFamily="49" charset="0"/>
-              </a:rPr>
-              <a:t>    NAN,</a:t>
-            </a:r>
-          </a:p>
-          <a:p>
-            <a:pPr marL="0" indent="0">
-              <a:buNone/>
-            </a:pPr>
-            <a:r>
-              <a:rPr lang="en-US" dirty="0">
-                <a:latin typeface="Courier New" panose="02070309020205020404" pitchFamily="49" charset="0"/>
-                <a:cs typeface="Courier New" panose="02070309020205020404" pitchFamily="49" charset="0"/>
-              </a:rPr>
-              <a:t>    200,</a:t>
-            </a:r>
-          </a:p>
-          <a:p>
-            <a:pPr marL="0" indent="0">
-              <a:buNone/>
-            </a:pPr>
-            <a:r>
-              <a:rPr lang="en-US" dirty="0">
-                <a:latin typeface="Courier New" panose="02070309020205020404" pitchFamily="49" charset="0"/>
-                <a:cs typeface="Courier New" panose="02070309020205020404" pitchFamily="49" charset="0"/>
-              </a:rPr>
-              <a:t>    11</a:t>
-            </a:r>
-          </a:p>
-          <a:p>
-            <a:pPr marL="0" indent="0">
-              <a:buNone/>
-            </a:pPr>
-            <a:r>
-              <a:rPr lang="en-US" dirty="0">
-                <a:latin typeface="Courier New" panose="02070309020205020404" pitchFamily="49" charset="0"/>
-                <a:cs typeface="Courier New" panose="02070309020205020404" pitchFamily="49" charset="0"/>
-              </a:rPr>
-              <a:t>  };</a:t>
-            </a:r>
-          </a:p>
-          <a:p>
-            <a:pPr marL="0" indent="0">
-              <a:buNone/>
-            </a:pPr>
-            <a:r>
-              <a:rPr lang="en-US" dirty="0">
-                <a:latin typeface="Courier New" panose="02070309020205020404" pitchFamily="49" charset="0"/>
-                <a:cs typeface="Courier New" panose="02070309020205020404" pitchFamily="49" charset="0"/>
-              </a:rPr>
-              <a:t>  std::sort(&amp;a[0], &amp;a[</a:t>
-            </a:r>
-            <a:r>
-              <a:rPr lang="en-US" dirty="0" err="1">
-                <a:latin typeface="Courier New" panose="02070309020205020404" pitchFamily="49" charset="0"/>
-                <a:cs typeface="Courier New" panose="02070309020205020404" pitchFamily="49" charset="0"/>
-              </a:rPr>
-              <a:t>sizeof</a:t>
-            </a:r>
-            <a:r>
-              <a:rPr lang="en-US" dirty="0">
-                <a:latin typeface="Courier New" panose="02070309020205020404" pitchFamily="49" charset="0"/>
-                <a:cs typeface="Courier New" panose="02070309020205020404" pitchFamily="49" charset="0"/>
-              </a:rPr>
-              <a:t>(a)/</a:t>
-            </a:r>
-            <a:r>
-              <a:rPr lang="en-US" dirty="0" err="1">
-                <a:latin typeface="Courier New" panose="02070309020205020404" pitchFamily="49" charset="0"/>
-                <a:cs typeface="Courier New" panose="02070309020205020404" pitchFamily="49" charset="0"/>
-              </a:rPr>
-              <a:t>sizeof</a:t>
-            </a:r>
-            <a:r>
-              <a:rPr lang="en-US" dirty="0">
-                <a:latin typeface="Courier New" panose="02070309020205020404" pitchFamily="49" charset="0"/>
-                <a:cs typeface="Courier New" panose="02070309020205020404" pitchFamily="49" charset="0"/>
-              </a:rPr>
-              <a:t>(a[0])]);</a:t>
-            </a:r>
-          </a:p>
-          <a:p>
-            <a:pPr marL="0" indent="0">
-              <a:buNone/>
-            </a:pPr>
-            <a:r>
-              <a:rPr lang="en-US" dirty="0">
-                <a:latin typeface="Courier New" panose="02070309020205020404" pitchFamily="49" charset="0"/>
-                <a:cs typeface="Courier New" panose="02070309020205020404" pitchFamily="49" charset="0"/>
-              </a:rPr>
-              <a:t>  for (auto x : a) std::</a:t>
-            </a:r>
-            <a:r>
-              <a:rPr lang="en-US" dirty="0" err="1">
-                <a:latin typeface="Courier New" panose="02070309020205020404" pitchFamily="49" charset="0"/>
-                <a:cs typeface="Courier New" panose="02070309020205020404" pitchFamily="49" charset="0"/>
-              </a:rPr>
-              <a:t>cout</a:t>
-            </a:r>
-            <a:r>
-              <a:rPr lang="en-US" dirty="0">
-                <a:latin typeface="Courier New" panose="02070309020205020404" pitchFamily="49" charset="0"/>
-                <a:cs typeface="Courier New" panose="02070309020205020404" pitchFamily="49" charset="0"/>
-              </a:rPr>
-              <a:t> &lt;&lt; x &lt;&lt; "\n";</a:t>
-            </a:r>
-          </a:p>
-          <a:p>
-            <a:pPr marL="0" indent="0">
-              <a:buNone/>
-            </a:pPr>
-            <a:r>
-              <a:rPr lang="en-US" dirty="0">
-                <a:latin typeface="Courier New" panose="02070309020205020404" pitchFamily="49" charset="0"/>
-                <a:cs typeface="Courier New" panose="02070309020205020404" pitchFamily="49" charset="0"/>
-              </a:rPr>
-              <a:t>  return 0;</a:t>
-            </a:r>
-          </a:p>
-          <a:p>
-            <a:pPr marL="0" indent="0">
-              <a:buNone/>
-            </a:pPr>
-            <a:r>
-              <a:rPr lang="en-US" dirty="0">
-                <a:latin typeface="Courier New" panose="02070309020205020404" pitchFamily="49" charset="0"/>
-                <a:cs typeface="Courier New" panose="02070309020205020404" pitchFamily="49" charset="0"/>
-              </a:rPr>
-              <a:t>}</a:t>
-            </a:r>
-          </a:p>
-        </p:txBody>
-      </p:sp>
-    </p:spTree>
-    <p:extLst>
-      <p:ext uri="{BB962C8B-B14F-4D97-AF65-F5344CB8AC3E}">
-        <p14:creationId xmlns:p14="http://schemas.microsoft.com/office/powerpoint/2010/main" val="2320085877"/>
-      </p:ext>
-    </p:extLst>
-  </p:cSld>
-  <p:clrMapOvr>
-    <a:masterClrMapping/>
-  </p:clrMapOvr>
-</p:sld>
-</file>
-
 <file path=ppt/slides/slide28.xml><?xml version="1.0" encoding="utf-8"?>
 <p:sld xmlns:a="http://schemas.openxmlformats.org/drawingml/2006/main" xmlns:r="http://schemas.openxmlformats.org/officeDocument/2006/relationships" xmlns:p="http://schemas.openxmlformats.org/presentationml/2006/main">
   <p:cSld>
@@ -9600,7 +9712,7 @@
         <p:spPr/>
         <p:txBody>
           <a:bodyPr>
-            <a:normAutofit/>
+            <a:normAutofit fontScale="62500" lnSpcReduction="20000"/>
           </a:bodyPr>
           <a:lstStyle/>
           <a:p>
@@ -9612,19 +9724,144 @@
                 <a:latin typeface="Courier New" panose="02070309020205020404" pitchFamily="49" charset="0"/>
                 <a:cs typeface="Courier New" panose="02070309020205020404" pitchFamily="49" charset="0"/>
               </a:rPr>
-              <a:t>$ g++ bad.cc &amp;&amp; ./</a:t>
+              <a:t>int main() {</a:t>
+            </a:r>
+          </a:p>
+          <a:p>
+            <a:pPr marL="0" indent="0">
+              <a:buNone/>
+            </a:pPr>
+            <a:r>
+              <a:rPr lang="en-US" dirty="0">
+                <a:latin typeface="Courier New" panose="02070309020205020404" pitchFamily="49" charset="0"/>
+                <a:cs typeface="Courier New" panose="02070309020205020404" pitchFamily="49" charset="0"/>
+              </a:rPr>
+              <a:t>  double a[] = {</a:t>
+            </a:r>
+          </a:p>
+          <a:p>
+            <a:pPr marL="0" indent="0">
+              <a:buNone/>
+            </a:pPr>
+            <a:r>
+              <a:rPr lang="en-US" dirty="0">
+                <a:latin typeface="Courier New" panose="02070309020205020404" pitchFamily="49" charset="0"/>
+                <a:cs typeface="Courier New" panose="02070309020205020404" pitchFamily="49" charset="0"/>
+              </a:rPr>
+              <a:t>    100,</a:t>
+            </a:r>
+          </a:p>
+          <a:p>
+            <a:pPr marL="0" indent="0">
+              <a:buNone/>
+            </a:pPr>
+            <a:r>
+              <a:rPr lang="en-US" dirty="0">
+                <a:latin typeface="Courier New" panose="02070309020205020404" pitchFamily="49" charset="0"/>
+                <a:cs typeface="Courier New" panose="02070309020205020404" pitchFamily="49" charset="0"/>
+              </a:rPr>
+              <a:t>    5,</a:t>
+            </a:r>
+          </a:p>
+          <a:p>
+            <a:pPr marL="0" indent="0">
+              <a:buNone/>
+            </a:pPr>
+            <a:r>
+              <a:rPr lang="en-US" dirty="0">
+                <a:latin typeface="Courier New" panose="02070309020205020404" pitchFamily="49" charset="0"/>
+                <a:cs typeface="Courier New" panose="02070309020205020404" pitchFamily="49" charset="0"/>
+              </a:rPr>
+              <a:t>    3,</a:t>
+            </a:r>
+          </a:p>
+          <a:p>
+            <a:pPr marL="0" indent="0">
+              <a:buNone/>
+            </a:pPr>
+            <a:r>
+              <a:rPr lang="en-US" dirty="0">
+                <a:latin typeface="Courier New" panose="02070309020205020404" pitchFamily="49" charset="0"/>
+                <a:cs typeface="Courier New" panose="02070309020205020404" pitchFamily="49" charset="0"/>
+              </a:rPr>
+              <a:t>    NAN,</a:t>
+            </a:r>
+          </a:p>
+          <a:p>
+            <a:pPr marL="0" indent="0">
+              <a:buNone/>
+            </a:pPr>
+            <a:r>
+              <a:rPr lang="en-US" dirty="0">
+                <a:latin typeface="Courier New" panose="02070309020205020404" pitchFamily="49" charset="0"/>
+                <a:cs typeface="Courier New" panose="02070309020205020404" pitchFamily="49" charset="0"/>
+              </a:rPr>
+              <a:t>    200,</a:t>
+            </a:r>
+          </a:p>
+          <a:p>
+            <a:pPr marL="0" indent="0">
+              <a:buNone/>
+            </a:pPr>
+            <a:r>
+              <a:rPr lang="en-US" dirty="0">
+                <a:latin typeface="Courier New" panose="02070309020205020404" pitchFamily="49" charset="0"/>
+                <a:cs typeface="Courier New" panose="02070309020205020404" pitchFamily="49" charset="0"/>
+              </a:rPr>
+              <a:t>    11</a:t>
+            </a:r>
+          </a:p>
+          <a:p>
+            <a:pPr marL="0" indent="0">
+              <a:buNone/>
+            </a:pPr>
+            <a:r>
+              <a:rPr lang="en-US" dirty="0">
+                <a:latin typeface="Courier New" panose="02070309020205020404" pitchFamily="49" charset="0"/>
+                <a:cs typeface="Courier New" panose="02070309020205020404" pitchFamily="49" charset="0"/>
+              </a:rPr>
+              <a:t>  };</a:t>
+            </a:r>
+          </a:p>
+          <a:p>
+            <a:pPr marL="0" indent="0">
+              <a:buNone/>
+            </a:pPr>
+            <a:r>
+              <a:rPr lang="en-US" dirty="0">
+                <a:latin typeface="Courier New" panose="02070309020205020404" pitchFamily="49" charset="0"/>
+                <a:cs typeface="Courier New" panose="02070309020205020404" pitchFamily="49" charset="0"/>
+              </a:rPr>
+              <a:t>  std::sort(&amp;a[0], &amp;a[</a:t>
             </a:r>
             <a:r>
               <a:rPr lang="en-US" dirty="0" err="1">
                 <a:latin typeface="Courier New" panose="02070309020205020404" pitchFamily="49" charset="0"/>
                 <a:cs typeface="Courier New" panose="02070309020205020404" pitchFamily="49" charset="0"/>
               </a:rPr>
-              <a:t>a.out</a:t>
-            </a:r>
-            <a:endParaRPr lang="en-US" dirty="0">
-              <a:latin typeface="Courier New" panose="02070309020205020404" pitchFamily="49" charset="0"/>
-              <a:cs typeface="Courier New" panose="02070309020205020404" pitchFamily="49" charset="0"/>
-            </a:endParaRPr>
+              <a:t>sizeof</a:t>
+            </a:r>
+            <a:r>
+              <a:rPr lang="en-US" dirty="0">
+                <a:latin typeface="Courier New" panose="02070309020205020404" pitchFamily="49" charset="0"/>
+                <a:cs typeface="Courier New" panose="02070309020205020404" pitchFamily="49" charset="0"/>
+              </a:rPr>
+              <a:t>(a)/</a:t>
+            </a:r>
+            <a:r>
+              <a:rPr lang="en-US" dirty="0" err="1">
+                <a:latin typeface="Courier New" panose="02070309020205020404" pitchFamily="49" charset="0"/>
+                <a:cs typeface="Courier New" panose="02070309020205020404" pitchFamily="49" charset="0"/>
+              </a:rPr>
+              <a:t>sizeof</a:t>
+            </a:r>
+            <a:r>
+              <a:rPr lang="en-US" dirty="0">
+                <a:latin typeface="Courier New" panose="02070309020205020404" pitchFamily="49" charset="0"/>
+                <a:cs typeface="Courier New" panose="02070309020205020404" pitchFamily="49" charset="0"/>
+              </a:rPr>
+              <a:t>(a[0])]);</a:t>
+            </a:r>
           </a:p>
           <a:p>
             <a:pPr marL="0" indent="0">
@@ -9635,7 +9872,21 @@
                 <a:latin typeface="Courier New" panose="02070309020205020404" pitchFamily="49" charset="0"/>
                 <a:cs typeface="Courier New" panose="02070309020205020404" pitchFamily="49" charset="0"/>
               </a:rPr>
-              <a:t>3</a:t>
+              <a:t>  for (auto x : a) std::</a:t>
+            </a:r>
+            <a:r>
+              <a:rPr lang="en-US" dirty="0" err="1">
+                <a:latin typeface="Courier New" panose="02070309020205020404" pitchFamily="49" charset="0"/>
+                <a:cs typeface="Courier New" panose="02070309020205020404" pitchFamily="49" charset="0"/>
+              </a:rPr>
+              <a:t>cout</a:t>
+            </a:r>
+            <a:r>
+              <a:rPr lang="en-US" dirty="0">
+                <a:latin typeface="Courier New" panose="02070309020205020404" pitchFamily="49" charset="0"/>
+                <a:cs typeface="Courier New" panose="02070309020205020404" pitchFamily="49" charset="0"/>
+              </a:rPr>
+              <a:t> &lt;&lt; x &lt;&lt; "\n";</a:t>
             </a:r>
           </a:p>
           <a:p>
@@ -9647,7 +9898,7 @@
                 <a:latin typeface="Courier New" panose="02070309020205020404" pitchFamily="49" charset="0"/>
                 <a:cs typeface="Courier New" panose="02070309020205020404" pitchFamily="49" charset="0"/>
               </a:rPr>
-              <a:t>5</a:t>
+              <a:t>  return 0;</a:t>
             </a:r>
           </a:p>
           <a:p>
@@ -9659,43 +9910,7 @@
                 <a:latin typeface="Courier New" panose="02070309020205020404" pitchFamily="49" charset="0"/>
                 <a:cs typeface="Courier New" panose="02070309020205020404" pitchFamily="49" charset="0"/>
               </a:rPr>
-              <a:t>100</a:t>
-            </a:r>
-          </a:p>
-          <a:p>
-            <a:pPr marL="0" indent="0">
-              <a:buNone/>
-            </a:pPr>
-            <a:r>
-              <a:rPr lang="en-US" dirty="0">
-                <a:latin typeface="Courier New" panose="02070309020205020404" pitchFamily="49" charset="0"/>
-                <a:cs typeface="Courier New" panose="02070309020205020404" pitchFamily="49" charset="0"/>
-              </a:rPr>
-              <a:t>nan</a:t>
-            </a:r>
-          </a:p>
-          <a:p>
-            <a:pPr marL="0" indent="0">
-              <a:buNone/>
-            </a:pPr>
-            <a:r>
-              <a:rPr lang="en-US" dirty="0">
-                <a:latin typeface="Courier New" panose="02070309020205020404" pitchFamily="49" charset="0"/>
-                <a:cs typeface="Courier New" panose="02070309020205020404" pitchFamily="49" charset="0"/>
-              </a:rPr>
-              <a:t>11</a:t>
-            </a:r>
-          </a:p>
-          <a:p>
-            <a:pPr marL="0" indent="0">
-              <a:buNone/>
-            </a:pPr>
-            <a:r>
-              <a:rPr lang="en-US" dirty="0">
-                <a:latin typeface="Courier New" panose="02070309020205020404" pitchFamily="49" charset="0"/>
-                <a:cs typeface="Courier New" panose="02070309020205020404" pitchFamily="49" charset="0"/>
-              </a:rPr>
-              <a:t>200</a:t>
+              <a:t>}</a:t>
             </a:r>
           </a:p>
         </p:txBody>
@@ -9703,7 +9918,7 @@
     </p:spTree>
     <p:extLst>
       <p:ext uri="{BB962C8B-B14F-4D97-AF65-F5344CB8AC3E}">
-        <p14:creationId xmlns:p14="http://schemas.microsoft.com/office/powerpoint/2010/main" val="1803112643"/>
+        <p14:creationId xmlns:p14="http://schemas.microsoft.com/office/powerpoint/2010/main" val="2320085877"/>
       </p:ext>
     </p:extLst>
   </p:cSld>
@@ -9735,7 +9950,7 @@
           <p:cNvPr id="2" name="Title 1">
             <a:extLst>
               <a:ext uri="{FF2B5EF4-FFF2-40B4-BE49-F238E27FC236}">
-                <a16:creationId xmlns:a16="http://schemas.microsoft.com/office/drawing/2014/main" id="{A83248B9-8DDB-40A9-BF39-EDB8DD846C55}"/>
+                <a16:creationId xmlns:a16="http://schemas.microsoft.com/office/drawing/2014/main" id="{82E7115D-C3C8-4FC6-BCEE-397B3B1CA1D3}"/>
               </a:ext>
             </a:extLst>
           </p:cNvPr>
@@ -9772,7 +9987,7 @@
           <p:cNvPr id="3" name="Content Placeholder 2">
             <a:extLst>
               <a:ext uri="{FF2B5EF4-FFF2-40B4-BE49-F238E27FC236}">
-                <a16:creationId xmlns:a16="http://schemas.microsoft.com/office/drawing/2014/main" id="{B51FC803-85BE-40C9-9D30-E61AD605C56F}"/>
+                <a16:creationId xmlns:a16="http://schemas.microsoft.com/office/drawing/2014/main" id="{C04CBD31-895D-41BF-BEFF-948422E8643B}"/>
               </a:ext>
             </a:extLst>
           </p:cNvPr>
@@ -9786,83 +10001,26 @@
         <p:spPr/>
         <p:txBody>
           <a:bodyPr>
-            <a:normAutofit fontScale="92500" lnSpcReduction="10000"/>
+            <a:normAutofit/>
           </a:bodyPr>
           <a:lstStyle/>
           <a:p>
-            <a:r>
-              <a:rPr lang="ru-RU" dirty="0"/>
-              <a:t>Типы с плавающей точкой поддерживают специальные значения NaN,</a:t>
-            </a:r>
-            <a:r>
-              <a:rPr lang="en-US" dirty="0"/>
-              <a:t> </a:t>
-            </a:r>
-            <a:r>
-              <a:rPr lang="ru-RU" dirty="0"/>
-              <a:t>которые возникают в результате некорректных вычислений</a:t>
-            </a:r>
-          </a:p>
-          <a:p>
-            <a:pPr lvl="1"/>
-            <a:r>
-              <a:rPr lang="ru-RU" dirty="0"/>
-              <a:t>например извлечения корня из отрицательного числа или деления </a:t>
-            </a:r>
-            <a:r>
-              <a:rPr lang="ru-RU" dirty="0">
-                <a:latin typeface="Courier New" panose="02070309020205020404" pitchFamily="49" charset="0"/>
-                <a:cs typeface="Courier New" panose="02070309020205020404" pitchFamily="49" charset="0"/>
-              </a:rPr>
-              <a:t>0/0</a:t>
-            </a:r>
-            <a:endParaRPr lang="ru-RU" dirty="0"/>
-          </a:p>
-          <a:p>
-            <a:r>
-              <a:rPr lang="ru-RU" dirty="0"/>
-              <a:t>Сравнение с NaN всегда возвращает false, поэтому NaN эквивалентен всем остальным числам</a:t>
-            </a:r>
-            <a:endParaRPr lang="en-US" dirty="0"/>
-          </a:p>
-          <a:p>
-            <a:r>
-              <a:rPr lang="ru-RU" dirty="0"/>
-              <a:t>Это приводит к нарушению транзитивности эквивалентности (4 аксиома):</a:t>
-            </a:r>
-          </a:p>
-          <a:p>
-            <a:pPr lvl="1"/>
-            <a:r>
-              <a:rPr lang="en-US" dirty="0">
-                <a:latin typeface="Courier New" panose="02070309020205020404" pitchFamily="49" charset="0"/>
-                <a:cs typeface="Courier New" panose="02070309020205020404" pitchFamily="49" charset="0"/>
-              </a:rPr>
-              <a:t>NAN ~ </a:t>
-            </a:r>
-            <a:r>
-              <a:rPr lang="ru-RU" dirty="0">
-                <a:latin typeface="Courier New" panose="02070309020205020404" pitchFamily="49" charset="0"/>
-                <a:cs typeface="Courier New" panose="02070309020205020404" pitchFamily="49" charset="0"/>
-              </a:rPr>
-              <a:t>1.</a:t>
-            </a:r>
-            <a:r>
-              <a:rPr lang="en-US" dirty="0">
-                <a:latin typeface="Courier New" panose="02070309020205020404" pitchFamily="49" charset="0"/>
-                <a:cs typeface="Courier New" panose="02070309020205020404" pitchFamily="49" charset="0"/>
-              </a:rPr>
-              <a:t>0</a:t>
-            </a:r>
-          </a:p>
-          <a:p>
-            <a:pPr lvl="1"/>
-            <a:r>
-              <a:rPr lang="ru-RU" dirty="0">
-                <a:latin typeface="Courier New" panose="02070309020205020404" pitchFamily="49" charset="0"/>
-                <a:cs typeface="Courier New" panose="02070309020205020404" pitchFamily="49" charset="0"/>
-              </a:rPr>
-              <a:t>NAN ~ 2.0</a:t>
+            <a:pPr marL="0" indent="0">
+              <a:buNone/>
+            </a:pPr>
+            <a:r>
+              <a:rPr lang="en-US" dirty="0">
+                <a:latin typeface="Courier New" panose="02070309020205020404" pitchFamily="49" charset="0"/>
+                <a:cs typeface="Courier New" panose="02070309020205020404" pitchFamily="49" charset="0"/>
+              </a:rPr>
+              <a:t>$ g++ bad.cc &amp;&amp; ./</a:t>
+            </a:r>
+            <a:r>
+              <a:rPr lang="en-US" dirty="0" err="1">
+                <a:latin typeface="Courier New" panose="02070309020205020404" pitchFamily="49" charset="0"/>
+                <a:cs typeface="Courier New" panose="02070309020205020404" pitchFamily="49" charset="0"/>
+              </a:rPr>
+              <a:t>a.out</a:t>
             </a:r>
             <a:endParaRPr lang="en-US" dirty="0">
               <a:latin typeface="Courier New" panose="02070309020205020404" pitchFamily="49" charset="0"/>
@@ -9870,35 +10028,83 @@
             </a:endParaRPr>
           </a:p>
           <a:p>
-            <a:pPr lvl="1"/>
-            <a:r>
-              <a:rPr lang="ru-RU" dirty="0"/>
-              <a:t>Но НЕ </a:t>
-            </a:r>
-            <a:r>
-              <a:rPr lang="ru-RU" dirty="0">
-                <a:latin typeface="Courier New" panose="02070309020205020404" pitchFamily="49" charset="0"/>
-                <a:cs typeface="Courier New" panose="02070309020205020404" pitchFamily="49" charset="0"/>
-              </a:rPr>
-              <a:t>1.0 ~ 2.0</a:t>
-            </a:r>
-            <a:endParaRPr lang="ru-RU" dirty="0"/>
-          </a:p>
-          <a:p>
-            <a:r>
-              <a:rPr lang="ru-RU" dirty="0"/>
-              <a:t>На практике это приводит к неправильной сортировке массивов содержащих NaNs</a:t>
-            </a:r>
-          </a:p>
-          <a:p>
-            <a:endParaRPr lang="en-US" dirty="0"/>
+            <a:pPr marL="0" indent="0">
+              <a:buNone/>
+            </a:pPr>
+            <a:r>
+              <a:rPr lang="en-US" dirty="0">
+                <a:latin typeface="Courier New" panose="02070309020205020404" pitchFamily="49" charset="0"/>
+                <a:cs typeface="Courier New" panose="02070309020205020404" pitchFamily="49" charset="0"/>
+              </a:rPr>
+              <a:t>3</a:t>
+            </a:r>
+          </a:p>
+          <a:p>
+            <a:pPr marL="0" indent="0">
+              <a:buNone/>
+            </a:pPr>
+            <a:r>
+              <a:rPr lang="en-US" dirty="0">
+                <a:latin typeface="Courier New" panose="02070309020205020404" pitchFamily="49" charset="0"/>
+                <a:cs typeface="Courier New" panose="02070309020205020404" pitchFamily="49" charset="0"/>
+              </a:rPr>
+              <a:t>5</a:t>
+            </a:r>
+          </a:p>
+          <a:p>
+            <a:pPr marL="0" indent="0">
+              <a:buNone/>
+            </a:pPr>
+            <a:r>
+              <a:rPr lang="en-US" dirty="0">
+                <a:latin typeface="Courier New" panose="02070309020205020404" pitchFamily="49" charset="0"/>
+                <a:cs typeface="Courier New" panose="02070309020205020404" pitchFamily="49" charset="0"/>
+              </a:rPr>
+              <a:t>100</a:t>
+            </a:r>
+          </a:p>
+          <a:p>
+            <a:pPr marL="0" indent="0">
+              <a:buNone/>
+            </a:pPr>
+            <a:r>
+              <a:rPr lang="en-US" dirty="0">
+                <a:latin typeface="Courier New" panose="02070309020205020404" pitchFamily="49" charset="0"/>
+                <a:cs typeface="Courier New" panose="02070309020205020404" pitchFamily="49" charset="0"/>
+              </a:rPr>
+              <a:t>nan</a:t>
+            </a:r>
+          </a:p>
+          <a:p>
+            <a:pPr marL="0" indent="0">
+              <a:buNone/>
+            </a:pPr>
+            <a:r>
+              <a:rPr lang="en-US" dirty="0">
+                <a:latin typeface="Courier New" panose="02070309020205020404" pitchFamily="49" charset="0"/>
+                <a:cs typeface="Courier New" panose="02070309020205020404" pitchFamily="49" charset="0"/>
+              </a:rPr>
+              <a:t>11</a:t>
+            </a:r>
+          </a:p>
+          <a:p>
+            <a:pPr marL="0" indent="0">
+              <a:buNone/>
+            </a:pPr>
+            <a:r>
+              <a:rPr lang="en-US" dirty="0">
+                <a:latin typeface="Courier New" panose="02070309020205020404" pitchFamily="49" charset="0"/>
+                <a:cs typeface="Courier New" panose="02070309020205020404" pitchFamily="49" charset="0"/>
+              </a:rPr>
+              <a:t>200</a:t>
+            </a:r>
           </a:p>
         </p:txBody>
       </p:sp>
     </p:spTree>
     <p:extLst>
       <p:ext uri="{BB962C8B-B14F-4D97-AF65-F5344CB8AC3E}">
-        <p14:creationId xmlns:p14="http://schemas.microsoft.com/office/powerpoint/2010/main" val="4117246109"/>
+        <p14:creationId xmlns:p14="http://schemas.microsoft.com/office/powerpoint/2010/main" val="1803112643"/>
       </p:ext>
     </p:extLst>
   </p:cSld>
@@ -10042,7 +10248,7 @@
           <p:cNvPr id="2" name="Title 1">
             <a:extLst>
               <a:ext uri="{FF2B5EF4-FFF2-40B4-BE49-F238E27FC236}">
-                <a16:creationId xmlns:a16="http://schemas.microsoft.com/office/drawing/2014/main" id="{00DC1065-D907-484F-8EEF-614B38DC07E5}"/>
+                <a16:creationId xmlns:a16="http://schemas.microsoft.com/office/drawing/2014/main" id="{A83248B9-8DDB-40A9-BF39-EDB8DD846C55}"/>
               </a:ext>
             </a:extLst>
           </p:cNvPr>
@@ -10079,7 +10285,7 @@
           <p:cNvPr id="3" name="Content Placeholder 2">
             <a:extLst>
               <a:ext uri="{FF2B5EF4-FFF2-40B4-BE49-F238E27FC236}">
-                <a16:creationId xmlns:a16="http://schemas.microsoft.com/office/drawing/2014/main" id="{A2A5B613-811D-4BCF-B170-0BB119C2F796}"/>
+                <a16:creationId xmlns:a16="http://schemas.microsoft.com/office/drawing/2014/main" id="{B51FC803-85BE-40C9-9D30-E61AD605C56F}"/>
               </a:ext>
             </a:extLst>
           </p:cNvPr>
@@ -10092,12 +10298,14 @@
         </p:nvSpPr>
         <p:spPr/>
         <p:txBody>
-          <a:bodyPr/>
-          <a:lstStyle/>
-          <a:p>
-            <a:r>
-              <a:rPr lang="ru-RU" dirty="0"/>
-              <a:t>Достаточно перед сортировкой</a:t>
+          <a:bodyPr>
+            <a:normAutofit fontScale="92500" lnSpcReduction="10000"/>
+          </a:bodyPr>
+          <a:lstStyle/>
+          <a:p>
+            <a:r>
+              <a:rPr lang="ru-RU" dirty="0"/>
+              <a:t>Типы с плавающей точкой поддерживают специальные значения NaN,</a:t>
             </a:r>
             <a:r>
               <a:rPr lang="en-US" dirty="0"/>
@@ -10105,125 +10313,94 @@
             </a:r>
             <a:r>
               <a:rPr lang="ru-RU" dirty="0"/>
-              <a:t>избавиться от </a:t>
-            </a:r>
-            <a:r>
-              <a:rPr lang="en-US" dirty="0" err="1"/>
-              <a:t>NaN</a:t>
-            </a:r>
-            <a:r>
-              <a:rPr lang="en-US" dirty="0"/>
-              <a:t>'</a:t>
-            </a:r>
-            <a:r>
-              <a:rPr lang="ru-RU" dirty="0"/>
-              <a:t>ов с помощью </a:t>
-            </a:r>
-            <a:r>
-              <a:rPr lang="en-US" dirty="0"/>
-              <a:t>std::partition:</a:t>
-            </a:r>
-          </a:p>
-          <a:p>
-            <a:pPr marL="457200" lvl="1" indent="0">
-              <a:buNone/>
-            </a:pPr>
-            <a:r>
-              <a:rPr lang="en-US" dirty="0">
-                <a:latin typeface="Courier New" panose="02070309020205020404" pitchFamily="49" charset="0"/>
-                <a:cs typeface="Courier New" panose="02070309020205020404" pitchFamily="49" charset="0"/>
-              </a:rPr>
-              <a:t>auto end = std::partition(&amp;a[0],</a:t>
-            </a:r>
-          </a:p>
-          <a:p>
-            <a:pPr marL="457200" lvl="1" indent="0">
-              <a:buNone/>
-            </a:pPr>
-            <a:r>
-              <a:rPr lang="en-US" dirty="0">
-                <a:latin typeface="Courier New" panose="02070309020205020404" pitchFamily="49" charset="0"/>
-                <a:cs typeface="Courier New" panose="02070309020205020404" pitchFamily="49" charset="0"/>
-              </a:rPr>
-              <a:t>                          &amp;a[</a:t>
-            </a:r>
-            <a:r>
-              <a:rPr lang="en-US" dirty="0" err="1">
-                <a:latin typeface="Courier New" panose="02070309020205020404" pitchFamily="49" charset="0"/>
-                <a:cs typeface="Courier New" panose="02070309020205020404" pitchFamily="49" charset="0"/>
-              </a:rPr>
-              <a:t>sizeof</a:t>
-            </a:r>
-            <a:r>
-              <a:rPr lang="en-US" dirty="0">
-                <a:latin typeface="Courier New" panose="02070309020205020404" pitchFamily="49" charset="0"/>
-                <a:cs typeface="Courier New" panose="02070309020205020404" pitchFamily="49" charset="0"/>
-              </a:rPr>
-              <a:t>(a)/</a:t>
-            </a:r>
-            <a:r>
-              <a:rPr lang="en-US" dirty="0" err="1">
-                <a:latin typeface="Courier New" panose="02070309020205020404" pitchFamily="49" charset="0"/>
-                <a:cs typeface="Courier New" panose="02070309020205020404" pitchFamily="49" charset="0"/>
-              </a:rPr>
-              <a:t>sizeof</a:t>
-            </a:r>
-            <a:r>
-              <a:rPr lang="en-US" dirty="0">
-                <a:latin typeface="Courier New" panose="02070309020205020404" pitchFamily="49" charset="0"/>
-                <a:cs typeface="Courier New" panose="02070309020205020404" pitchFamily="49" charset="0"/>
-              </a:rPr>
-              <a:t>(a[0])],</a:t>
-            </a:r>
-          </a:p>
-          <a:p>
-            <a:pPr marL="457200" lvl="1" indent="0">
-              <a:buNone/>
-            </a:pPr>
-            <a:r>
-              <a:rPr lang="en-US" dirty="0">
-                <a:latin typeface="Courier New" panose="02070309020205020404" pitchFamily="49" charset="0"/>
-                <a:cs typeface="Courier New" panose="02070309020205020404" pitchFamily="49" charset="0"/>
-              </a:rPr>
-              <a:t>                          [](double x) {</a:t>
-            </a:r>
-          </a:p>
-          <a:p>
-            <a:pPr marL="457200" lvl="1" indent="0">
-              <a:buNone/>
-            </a:pPr>
-            <a:r>
-              <a:rPr lang="en-US" dirty="0">
-                <a:latin typeface="Courier New" panose="02070309020205020404" pitchFamily="49" charset="0"/>
-                <a:cs typeface="Courier New" panose="02070309020205020404" pitchFamily="49" charset="0"/>
-              </a:rPr>
-              <a:t>                            return !</a:t>
-            </a:r>
-            <a:r>
-              <a:rPr lang="en-US" dirty="0" err="1">
-                <a:latin typeface="Courier New" panose="02070309020205020404" pitchFamily="49" charset="0"/>
-                <a:cs typeface="Courier New" panose="02070309020205020404" pitchFamily="49" charset="0"/>
-              </a:rPr>
-              <a:t>isnan</a:t>
-            </a:r>
-            <a:r>
-              <a:rPr lang="en-US" dirty="0">
-                <a:latin typeface="Courier New" panose="02070309020205020404" pitchFamily="49" charset="0"/>
-                <a:cs typeface="Courier New" panose="02070309020205020404" pitchFamily="49" charset="0"/>
-              </a:rPr>
-              <a:t>(x); });</a:t>
-            </a:r>
-          </a:p>
-          <a:p>
-            <a:pPr marL="457200" lvl="1" indent="0">
-              <a:buNone/>
-            </a:pPr>
-            <a:r>
-              <a:rPr lang="en-US" dirty="0">
-                <a:latin typeface="Courier New" panose="02070309020205020404" pitchFamily="49" charset="0"/>
-                <a:cs typeface="Courier New" panose="02070309020205020404" pitchFamily="49" charset="0"/>
-              </a:rPr>
-              <a:t>std::sort(&amp;a[0], end);</a:t>
+              <a:t>которые возникают в результате некорректных вычислений</a:t>
+            </a:r>
+          </a:p>
+          <a:p>
+            <a:pPr lvl="1"/>
+            <a:r>
+              <a:rPr lang="ru-RU" dirty="0"/>
+              <a:t>например извлечения корня из отрицательного числа или деления </a:t>
+            </a:r>
+            <a:r>
+              <a:rPr lang="ru-RU" dirty="0">
+                <a:latin typeface="Courier New" panose="02070309020205020404" pitchFamily="49" charset="0"/>
+                <a:cs typeface="Courier New" panose="02070309020205020404" pitchFamily="49" charset="0"/>
+              </a:rPr>
+              <a:t>0/0</a:t>
+            </a:r>
+            <a:endParaRPr lang="ru-RU" dirty="0"/>
+          </a:p>
+          <a:p>
+            <a:r>
+              <a:rPr lang="ru-RU" dirty="0"/>
+              <a:t>Сравнение с NaN всегда возвращает false, поэтому NaN эквивалентен всем остальным числам</a:t>
+            </a:r>
+            <a:endParaRPr lang="en-US" dirty="0"/>
+          </a:p>
+          <a:p>
+            <a:r>
+              <a:rPr lang="ru-RU" dirty="0"/>
+              <a:t>Это приводит к нарушению транзитивности эквивалентности (4 аксиома):</a:t>
+            </a:r>
+          </a:p>
+          <a:p>
+            <a:pPr lvl="1"/>
+            <a:r>
+              <a:rPr lang="en-US" dirty="0">
+                <a:latin typeface="Courier New" panose="02070309020205020404" pitchFamily="49" charset="0"/>
+                <a:cs typeface="Courier New" panose="02070309020205020404" pitchFamily="49" charset="0"/>
+              </a:rPr>
+              <a:t>NAN ~ </a:t>
+            </a:r>
+            <a:r>
+              <a:rPr lang="ru-RU" dirty="0">
+                <a:latin typeface="Courier New" panose="02070309020205020404" pitchFamily="49" charset="0"/>
+                <a:cs typeface="Courier New" panose="02070309020205020404" pitchFamily="49" charset="0"/>
+              </a:rPr>
+              <a:t>1.</a:t>
+            </a:r>
+            <a:r>
+              <a:rPr lang="en-US" dirty="0">
+                <a:latin typeface="Courier New" panose="02070309020205020404" pitchFamily="49" charset="0"/>
+                <a:cs typeface="Courier New" panose="02070309020205020404" pitchFamily="49" charset="0"/>
+              </a:rPr>
+              <a:t>0</a:t>
+            </a:r>
+          </a:p>
+          <a:p>
+            <a:pPr lvl="1"/>
+            <a:r>
+              <a:rPr lang="ru-RU" dirty="0">
+                <a:latin typeface="Courier New" panose="02070309020205020404" pitchFamily="49" charset="0"/>
+                <a:cs typeface="Courier New" panose="02070309020205020404" pitchFamily="49" charset="0"/>
+              </a:rPr>
+              <a:t>NAN ~ 2.0</a:t>
+            </a:r>
+            <a:endParaRPr lang="en-US" dirty="0">
+              <a:latin typeface="Courier New" panose="02070309020205020404" pitchFamily="49" charset="0"/>
+              <a:cs typeface="Courier New" panose="02070309020205020404" pitchFamily="49" charset="0"/>
+            </a:endParaRPr>
+          </a:p>
+          <a:p>
+            <a:pPr lvl="1"/>
+            <a:r>
+              <a:rPr lang="ru-RU" dirty="0"/>
+              <a:t>Но НЕ </a:t>
+            </a:r>
+            <a:r>
+              <a:rPr lang="ru-RU" dirty="0">
+                <a:latin typeface="Courier New" panose="02070309020205020404" pitchFamily="49" charset="0"/>
+                <a:cs typeface="Courier New" panose="02070309020205020404" pitchFamily="49" charset="0"/>
+              </a:rPr>
+              <a:t>1.0 ~ 2.0</a:t>
+            </a:r>
+            <a:endParaRPr lang="ru-RU" dirty="0"/>
+          </a:p>
+          <a:p>
+            <a:r>
+              <a:rPr lang="ru-RU" dirty="0"/>
+              <a:t>На практике это приводит к неправильной сортировке массивов содержащих NaNs</a:t>
             </a:r>
           </a:p>
           <a:p>
@@ -10234,7 +10411,7 @@
     </p:spTree>
     <p:extLst>
       <p:ext uri="{BB962C8B-B14F-4D97-AF65-F5344CB8AC3E}">
-        <p14:creationId xmlns:p14="http://schemas.microsoft.com/office/powerpoint/2010/main" val="63913186"/>
+        <p14:creationId xmlns:p14="http://schemas.microsoft.com/office/powerpoint/2010/main" val="4117246109"/>
       </p:ext>
     </p:extLst>
   </p:cSld>
@@ -10266,7 +10443,7 @@
           <p:cNvPr id="2" name="Title 1">
             <a:extLst>
               <a:ext uri="{FF2B5EF4-FFF2-40B4-BE49-F238E27FC236}">
-                <a16:creationId xmlns:a16="http://schemas.microsoft.com/office/drawing/2014/main" id="{897E4EB9-3E73-4D16-A267-2453B3C7723C}"/>
+                <a16:creationId xmlns:a16="http://schemas.microsoft.com/office/drawing/2014/main" id="{00DC1065-D907-484F-8EEF-614B38DC07E5}"/>
               </a:ext>
             </a:extLst>
           </p:cNvPr>
@@ -10288,11 +10465,11 @@
             </a:r>
             <a:r>
               <a:rPr lang="en-US" dirty="0"/>
-              <a:t>:</a:t>
-            </a:r>
-            <a:r>
-              <a:rPr lang="ru-RU" dirty="0"/>
-              <a:t> некорректная обработка специального случая</a:t>
+              <a:t>: </a:t>
+            </a:r>
+            <a:r>
+              <a:rPr lang="en-US" dirty="0" err="1"/>
+              <a:t>NaN</a:t>
             </a:r>
             <a:endParaRPr lang="en-US" dirty="0"/>
           </a:p>
@@ -10303,7 +10480,7 @@
           <p:cNvPr id="3" name="Content Placeholder 2">
             <a:extLst>
               <a:ext uri="{FF2B5EF4-FFF2-40B4-BE49-F238E27FC236}">
-                <a16:creationId xmlns:a16="http://schemas.microsoft.com/office/drawing/2014/main" id="{1A1AB472-A844-4C1B-A37F-F4A1D7E62846}"/>
+                <a16:creationId xmlns:a16="http://schemas.microsoft.com/office/drawing/2014/main" id="{A2A5B613-811D-4BCF-B170-0BB119C2F796}"/>
               </a:ext>
             </a:extLst>
           </p:cNvPr>
@@ -10316,238 +10493,149 @@
         </p:nvSpPr>
         <p:spPr/>
         <p:txBody>
-          <a:bodyPr>
-            <a:normAutofit/>
-          </a:bodyPr>
-          <a:lstStyle/>
-          <a:p>
-            <a:pPr marL="0" indent="0">
-              <a:buNone/>
-            </a:pPr>
-            <a:r>
-              <a:rPr lang="en-US" sz="2400" dirty="0">
-                <a:solidFill>
-                  <a:prstClr val="black"/>
-                </a:solidFill>
-                <a:latin typeface="Courier New" panose="02070309020205020404" pitchFamily="49" charset="0"/>
-                <a:cs typeface="Courier New" panose="02070309020205020404" pitchFamily="49" charset="0"/>
-              </a:rPr>
-              <a:t>[](std::</a:t>
-            </a:r>
-            <a:r>
-              <a:rPr lang="en-US" sz="2400" dirty="0" err="1">
-                <a:solidFill>
-                  <a:prstClr val="black"/>
-                </a:solidFill>
-                <a:latin typeface="Courier New" panose="02070309020205020404" pitchFamily="49" charset="0"/>
-                <a:cs typeface="Courier New" panose="02070309020205020404" pitchFamily="49" charset="0"/>
-              </a:rPr>
-              <a:t>uniq_ptr</a:t>
-            </a:r>
-            <a:r>
-              <a:rPr lang="en-US" sz="2400" dirty="0">
-                <a:solidFill>
-                  <a:prstClr val="black"/>
-                </a:solidFill>
-                <a:latin typeface="Courier New" panose="02070309020205020404" pitchFamily="49" charset="0"/>
-                <a:cs typeface="Courier New" panose="02070309020205020404" pitchFamily="49" charset="0"/>
-              </a:rPr>
-              <a:t>&lt;</a:t>
-            </a:r>
-            <a:r>
-              <a:rPr lang="en-US" sz="2400" dirty="0" err="1">
-                <a:solidFill>
-                  <a:prstClr val="black"/>
-                </a:solidFill>
-                <a:latin typeface="Courier New" panose="02070309020205020404" pitchFamily="49" charset="0"/>
-                <a:cs typeface="Courier New" panose="02070309020205020404" pitchFamily="49" charset="0"/>
-              </a:rPr>
-              <a:t>SomeClass</a:t>
-            </a:r>
-            <a:r>
-              <a:rPr lang="en-US" sz="2400" dirty="0">
-                <a:solidFill>
-                  <a:prstClr val="black"/>
-                </a:solidFill>
-                <a:latin typeface="Courier New" panose="02070309020205020404" pitchFamily="49" charset="0"/>
-                <a:cs typeface="Courier New" panose="02070309020205020404" pitchFamily="49" charset="0"/>
-              </a:rPr>
-              <a:t>&gt; l, std::</a:t>
-            </a:r>
-            <a:r>
-              <a:rPr lang="en-US" sz="2400" dirty="0" err="1">
-                <a:solidFill>
-                  <a:prstClr val="black"/>
-                </a:solidFill>
-                <a:latin typeface="Courier New" panose="02070309020205020404" pitchFamily="49" charset="0"/>
-                <a:cs typeface="Courier New" panose="02070309020205020404" pitchFamily="49" charset="0"/>
-              </a:rPr>
-              <a:t>uniq_ptr</a:t>
-            </a:r>
-            <a:r>
-              <a:rPr lang="en-US" sz="2400" dirty="0">
-                <a:solidFill>
-                  <a:prstClr val="black"/>
-                </a:solidFill>
-                <a:latin typeface="Courier New" panose="02070309020205020404" pitchFamily="49" charset="0"/>
-                <a:cs typeface="Courier New" panose="02070309020205020404" pitchFamily="49" charset="0"/>
-              </a:rPr>
-              <a:t>&lt;</a:t>
-            </a:r>
-            <a:r>
-              <a:rPr lang="en-US" sz="2400" dirty="0" err="1">
-                <a:solidFill>
-                  <a:prstClr val="black"/>
-                </a:solidFill>
-                <a:latin typeface="Courier New" panose="02070309020205020404" pitchFamily="49" charset="0"/>
-                <a:cs typeface="Courier New" panose="02070309020205020404" pitchFamily="49" charset="0"/>
-              </a:rPr>
-              <a:t>SomeClass</a:t>
-            </a:r>
-            <a:r>
-              <a:rPr lang="en-US" sz="2400" dirty="0">
-                <a:solidFill>
-                  <a:prstClr val="black"/>
-                </a:solidFill>
-                <a:latin typeface="Courier New" panose="02070309020205020404" pitchFamily="49" charset="0"/>
-                <a:cs typeface="Courier New" panose="02070309020205020404" pitchFamily="49" charset="0"/>
-              </a:rPr>
-              <a:t>&gt; r) {</a:t>
-            </a:r>
-          </a:p>
-          <a:p>
-            <a:pPr marL="0" indent="0">
-              <a:buNone/>
-            </a:pPr>
-            <a:r>
-              <a:rPr lang="en-US" sz="2400" dirty="0">
-                <a:solidFill>
-                  <a:prstClr val="black"/>
-                </a:solidFill>
-                <a:latin typeface="Courier New" panose="02070309020205020404" pitchFamily="49" charset="0"/>
-                <a:cs typeface="Courier New" panose="02070309020205020404" pitchFamily="49" charset="0"/>
-              </a:rPr>
-              <a:t>  if (!</a:t>
-            </a:r>
-            <a:r>
-              <a:rPr lang="en-US" sz="2400" dirty="0" err="1">
-                <a:solidFill>
-                  <a:prstClr val="black"/>
-                </a:solidFill>
-                <a:latin typeface="Courier New" panose="02070309020205020404" pitchFamily="49" charset="0"/>
-                <a:cs typeface="Courier New" panose="02070309020205020404" pitchFamily="49" charset="0"/>
-              </a:rPr>
-              <a:t>l.get</a:t>
-            </a:r>
-            <a:r>
-              <a:rPr lang="en-US" sz="2400" dirty="0">
-                <a:solidFill>
-                  <a:prstClr val="black"/>
-                </a:solidFill>
-                <a:latin typeface="Courier New" panose="02070309020205020404" pitchFamily="49" charset="0"/>
-                <a:cs typeface="Courier New" panose="02070309020205020404" pitchFamily="49" charset="0"/>
-              </a:rPr>
-              <a:t>())</a:t>
-            </a:r>
-          </a:p>
-          <a:p>
-            <a:pPr marL="0" indent="0">
-              <a:buNone/>
-            </a:pPr>
-            <a:r>
-              <a:rPr lang="en-US" sz="2400" dirty="0">
-                <a:solidFill>
-                  <a:prstClr val="black"/>
-                </a:solidFill>
-                <a:latin typeface="Courier New" panose="02070309020205020404" pitchFamily="49" charset="0"/>
-                <a:cs typeface="Courier New" panose="02070309020205020404" pitchFamily="49" charset="0"/>
-              </a:rPr>
-              <a:t>    return true;</a:t>
-            </a:r>
-          </a:p>
-          <a:p>
-            <a:pPr marL="0" indent="0">
-              <a:buNone/>
-            </a:pPr>
-            <a:r>
-              <a:rPr lang="en-US" sz="2400" dirty="0">
-                <a:solidFill>
-                  <a:prstClr val="black"/>
-                </a:solidFill>
-                <a:latin typeface="Courier New" panose="02070309020205020404" pitchFamily="49" charset="0"/>
-                <a:cs typeface="Courier New" panose="02070309020205020404" pitchFamily="49" charset="0"/>
-              </a:rPr>
-              <a:t>  else</a:t>
-            </a:r>
-          </a:p>
-          <a:p>
-            <a:pPr marL="0" indent="0">
-              <a:buNone/>
-            </a:pPr>
-            <a:r>
-              <a:rPr lang="en-US" sz="2400" dirty="0">
-                <a:solidFill>
-                  <a:prstClr val="black"/>
-                </a:solidFill>
-                <a:latin typeface="Courier New" panose="02070309020205020404" pitchFamily="49" charset="0"/>
-                <a:cs typeface="Courier New" panose="02070309020205020404" pitchFamily="49" charset="0"/>
-              </a:rPr>
-              <a:t>    ...</a:t>
-            </a:r>
-          </a:p>
-          <a:p>
-            <a:pPr marL="0" indent="0">
-              <a:buNone/>
-            </a:pPr>
-            <a:r>
-              <a:rPr lang="en-US" sz="2400" dirty="0">
-                <a:solidFill>
-                  <a:prstClr val="black"/>
-                </a:solidFill>
-                <a:latin typeface="Courier New" panose="02070309020205020404" pitchFamily="49" charset="0"/>
-                <a:cs typeface="Courier New" panose="02070309020205020404" pitchFamily="49" charset="0"/>
-              </a:rPr>
-              <a:t>}</a:t>
-            </a:r>
-            <a:endParaRPr lang="ru-RU" sz="2400" dirty="0">
-              <a:solidFill>
-                <a:prstClr val="black"/>
-              </a:solidFill>
-              <a:latin typeface="Courier New" panose="02070309020205020404" pitchFamily="49" charset="0"/>
-              <a:cs typeface="Courier New" panose="02070309020205020404" pitchFamily="49" charset="0"/>
-            </a:endParaRPr>
-          </a:p>
-          <a:p>
-            <a:r>
-              <a:rPr lang="ru-RU" dirty="0">
-                <a:solidFill>
-                  <a:prstClr val="black"/>
-                </a:solidFill>
-                <a:cs typeface="Courier New" panose="02070309020205020404" pitchFamily="49" charset="0"/>
-              </a:rPr>
-              <a:t>Нарушается иррефлексивность и антисимметричность если второй операнд тоже нулевой</a:t>
-            </a:r>
-            <a:endParaRPr lang="en-US" dirty="0">
-              <a:solidFill>
-                <a:prstClr val="black"/>
-              </a:solidFill>
-              <a:cs typeface="Courier New" panose="02070309020205020404" pitchFamily="49" charset="0"/>
-            </a:endParaRPr>
-          </a:p>
-          <a:p>
-            <a:endParaRPr lang="en-US" dirty="0">
-              <a:solidFill>
-                <a:prstClr val="black"/>
-              </a:solidFill>
-              <a:cs typeface="Courier New" panose="02070309020205020404" pitchFamily="49" charset="0"/>
-            </a:endParaRPr>
+          <a:bodyPr/>
+          <a:lstStyle/>
+          <a:p>
+            <a:r>
+              <a:rPr lang="ru-RU" dirty="0"/>
+              <a:t>Достаточно перед сортировкой</a:t>
+            </a:r>
+            <a:r>
+              <a:rPr lang="en-US" dirty="0"/>
+              <a:t> </a:t>
+            </a:r>
+            <a:r>
+              <a:rPr lang="ru-RU" dirty="0"/>
+              <a:t>избавиться от </a:t>
+            </a:r>
+            <a:r>
+              <a:rPr lang="en-US" dirty="0" err="1"/>
+              <a:t>NaN</a:t>
+            </a:r>
+            <a:r>
+              <a:rPr lang="en-US" dirty="0"/>
+              <a:t>'</a:t>
+            </a:r>
+            <a:r>
+              <a:rPr lang="ru-RU" dirty="0"/>
+              <a:t>ов с помощью </a:t>
+            </a:r>
+            <a:r>
+              <a:rPr lang="en-US" dirty="0"/>
+              <a:t>std::partition:</a:t>
+            </a:r>
+          </a:p>
+          <a:p>
+            <a:pPr marL="457200" lvl="1" indent="0">
+              <a:buNone/>
+            </a:pPr>
+            <a:r>
+              <a:rPr lang="en-US" dirty="0">
+                <a:latin typeface="Courier New" panose="02070309020205020404" pitchFamily="49" charset="0"/>
+                <a:cs typeface="Courier New" panose="02070309020205020404" pitchFamily="49" charset="0"/>
+              </a:rPr>
+              <a:t>auto end = std::partition(&amp;a[0],</a:t>
+            </a:r>
+          </a:p>
+          <a:p>
+            <a:pPr marL="457200" lvl="1" indent="0">
+              <a:buNone/>
+            </a:pPr>
+            <a:r>
+              <a:rPr lang="en-US" dirty="0">
+                <a:latin typeface="Courier New" panose="02070309020205020404" pitchFamily="49" charset="0"/>
+                <a:cs typeface="Courier New" panose="02070309020205020404" pitchFamily="49" charset="0"/>
+              </a:rPr>
+              <a:t>                          &amp;a[</a:t>
+            </a:r>
+            <a:r>
+              <a:rPr lang="en-US" dirty="0" err="1">
+                <a:latin typeface="Courier New" panose="02070309020205020404" pitchFamily="49" charset="0"/>
+                <a:cs typeface="Courier New" panose="02070309020205020404" pitchFamily="49" charset="0"/>
+              </a:rPr>
+              <a:t>sizeof</a:t>
+            </a:r>
+            <a:r>
+              <a:rPr lang="en-US" dirty="0">
+                <a:latin typeface="Courier New" panose="02070309020205020404" pitchFamily="49" charset="0"/>
+                <a:cs typeface="Courier New" panose="02070309020205020404" pitchFamily="49" charset="0"/>
+              </a:rPr>
+              <a:t>(a)/</a:t>
+            </a:r>
+            <a:r>
+              <a:rPr lang="en-US" dirty="0" err="1">
+                <a:latin typeface="Courier New" panose="02070309020205020404" pitchFamily="49" charset="0"/>
+                <a:cs typeface="Courier New" panose="02070309020205020404" pitchFamily="49" charset="0"/>
+              </a:rPr>
+              <a:t>sizeof</a:t>
+            </a:r>
+            <a:r>
+              <a:rPr lang="en-US" dirty="0">
+                <a:latin typeface="Courier New" panose="02070309020205020404" pitchFamily="49" charset="0"/>
+                <a:cs typeface="Courier New" panose="02070309020205020404" pitchFamily="49" charset="0"/>
+              </a:rPr>
+              <a:t>(a[0])],</a:t>
+            </a:r>
+          </a:p>
+          <a:p>
+            <a:pPr marL="457200" lvl="1" indent="0">
+              <a:buNone/>
+            </a:pPr>
+            <a:r>
+              <a:rPr lang="en-US" dirty="0">
+                <a:latin typeface="Courier New" panose="02070309020205020404" pitchFamily="49" charset="0"/>
+                <a:cs typeface="Courier New" panose="02070309020205020404" pitchFamily="49" charset="0"/>
+              </a:rPr>
+              <a:t>                          [](double x) {</a:t>
+            </a:r>
+          </a:p>
+          <a:p>
+            <a:pPr marL="457200" lvl="1" indent="0">
+              <a:buNone/>
+            </a:pPr>
+            <a:r>
+              <a:rPr lang="en-US" dirty="0">
+                <a:latin typeface="Courier New" panose="02070309020205020404" pitchFamily="49" charset="0"/>
+                <a:cs typeface="Courier New" panose="02070309020205020404" pitchFamily="49" charset="0"/>
+              </a:rPr>
+              <a:t>                            return !</a:t>
+            </a:r>
+            <a:r>
+              <a:rPr lang="en-US" dirty="0" err="1">
+                <a:latin typeface="Courier New" panose="02070309020205020404" pitchFamily="49" charset="0"/>
+                <a:cs typeface="Courier New" panose="02070309020205020404" pitchFamily="49" charset="0"/>
+              </a:rPr>
+              <a:t>isnan</a:t>
+            </a:r>
+            <a:r>
+              <a:rPr lang="en-US" dirty="0">
+                <a:latin typeface="Courier New" panose="02070309020205020404" pitchFamily="49" charset="0"/>
+                <a:cs typeface="Courier New" panose="02070309020205020404" pitchFamily="49" charset="0"/>
+              </a:rPr>
+              <a:t>(x); });</a:t>
+            </a:r>
+          </a:p>
+          <a:p>
+            <a:pPr marL="457200" lvl="1" indent="0">
+              <a:buNone/>
+            </a:pPr>
+            <a:r>
+              <a:rPr lang="en-US" dirty="0">
+                <a:latin typeface="Courier New" panose="02070309020205020404" pitchFamily="49" charset="0"/>
+                <a:cs typeface="Courier New" panose="02070309020205020404" pitchFamily="49" charset="0"/>
+              </a:rPr>
+              <a:t>std::sort(&amp;a[0], end);</a:t>
+            </a:r>
+          </a:p>
+          <a:p>
+            <a:endParaRPr lang="en-US" dirty="0"/>
           </a:p>
         </p:txBody>
       </p:sp>
     </p:spTree>
     <p:extLst>
       <p:ext uri="{BB962C8B-B14F-4D97-AF65-F5344CB8AC3E}">
-        <p14:creationId xmlns:p14="http://schemas.microsoft.com/office/powerpoint/2010/main" val="711564749"/>
+        <p14:creationId xmlns:p14="http://schemas.microsoft.com/office/powerpoint/2010/main" val="63913186"/>
       </p:ext>
     </p:extLst>
   </p:cSld>
@@ -10579,7 +10667,7 @@
           <p:cNvPr id="2" name="Title 1">
             <a:extLst>
               <a:ext uri="{FF2B5EF4-FFF2-40B4-BE49-F238E27FC236}">
-                <a16:creationId xmlns:a16="http://schemas.microsoft.com/office/drawing/2014/main" id="{2A113B13-406F-410B-BFB5-9599BB8FA280}"/>
+                <a16:creationId xmlns:a16="http://schemas.microsoft.com/office/drawing/2014/main" id="{897E4EB9-3E73-4D16-A267-2453B3C7723C}"/>
               </a:ext>
             </a:extLst>
           </p:cNvPr>
@@ -10605,7 +10693,7 @@
             </a:r>
             <a:r>
               <a:rPr lang="ru-RU" dirty="0"/>
-              <a:t> приближенные сравнения</a:t>
+              <a:t> некорректная обработка специального случая</a:t>
             </a:r>
             <a:endParaRPr lang="en-US" dirty="0"/>
           </a:p>
@@ -10616,7 +10704,7 @@
           <p:cNvPr id="3" name="Content Placeholder 2">
             <a:extLst>
               <a:ext uri="{FF2B5EF4-FFF2-40B4-BE49-F238E27FC236}">
-                <a16:creationId xmlns:a16="http://schemas.microsoft.com/office/drawing/2014/main" id="{92E789BC-A1A6-4768-97BD-DC69CFA3A8F6}"/>
+                <a16:creationId xmlns:a16="http://schemas.microsoft.com/office/drawing/2014/main" id="{1A1AB472-A844-4C1B-A37F-F4A1D7E62846}"/>
               </a:ext>
             </a:extLst>
           </p:cNvPr>
@@ -10630,7 +10718,7 @@
         <p:spPr/>
         <p:txBody>
           <a:bodyPr>
-            <a:normAutofit lnSpcReduction="10000"/>
+            <a:normAutofit/>
           </a:bodyPr>
           <a:lstStyle/>
           <a:p>
@@ -10638,146 +10726,229 @@
               <a:buNone/>
             </a:pPr>
             <a:r>
-              <a:rPr lang="en-US" sz="2600" dirty="0">
+              <a:rPr lang="en-US" sz="2400" dirty="0">
                 <a:solidFill>
                   <a:prstClr val="black"/>
                 </a:solidFill>
                 <a:latin typeface="Courier New" panose="02070309020205020404" pitchFamily="49" charset="0"/>
                 <a:cs typeface="Courier New" panose="02070309020205020404" pitchFamily="49" charset="0"/>
               </a:rPr>
-              <a:t>bool </a:t>
-            </a:r>
-            <a:r>
-              <a:rPr lang="en-US" sz="2600" dirty="0" err="1">
+              <a:t>[](std::</a:t>
+            </a:r>
+            <a:r>
+              <a:rPr lang="en-US" sz="2400" dirty="0" err="1">
                 <a:solidFill>
                   <a:prstClr val="black"/>
                 </a:solidFill>
                 <a:latin typeface="Courier New" panose="02070309020205020404" pitchFamily="49" charset="0"/>
                 <a:cs typeface="Courier New" panose="02070309020205020404" pitchFamily="49" charset="0"/>
               </a:rPr>
-              <a:t>cmp</a:t>
-            </a:r>
-            <a:r>
-              <a:rPr lang="en-US" sz="2600" dirty="0">
+              <a:t>uniq_ptr</a:t>
+            </a:r>
+            <a:r>
+              <a:rPr lang="en-US" sz="2400" dirty="0">
                 <a:solidFill>
                   <a:prstClr val="black"/>
                 </a:solidFill>
                 <a:latin typeface="Courier New" panose="02070309020205020404" pitchFamily="49" charset="0"/>
                 <a:cs typeface="Courier New" panose="02070309020205020404" pitchFamily="49" charset="0"/>
               </a:rPr>
-              <a:t>(double a, double b) {</a:t>
-            </a:r>
-          </a:p>
-          <a:p>
-            <a:pPr marL="0" indent="0">
-              <a:buNone/>
-            </a:pPr>
-            <a:r>
-              <a:rPr lang="en-US" sz="2600" dirty="0">
+              <a:t>&lt;</a:t>
+            </a:r>
+            <a:r>
+              <a:rPr lang="en-US" sz="2400" dirty="0" err="1">
                 <a:solidFill>
                   <a:prstClr val="black"/>
                 </a:solidFill>
                 <a:latin typeface="Courier New" panose="02070309020205020404" pitchFamily="49" charset="0"/>
                 <a:cs typeface="Courier New" panose="02070309020205020404" pitchFamily="49" charset="0"/>
               </a:rPr>
-              <a:t>    if (abs(a - b) &lt; eps) return false;</a:t>
-            </a:r>
-          </a:p>
-          <a:p>
-            <a:pPr marL="0" indent="0">
-              <a:buNone/>
-            </a:pPr>
-            <a:r>
-              <a:rPr lang="en-US" sz="2600" dirty="0">
+              <a:t>SomeClass</a:t>
+            </a:r>
+            <a:r>
+              <a:rPr lang="en-US" sz="2400" dirty="0">
                 <a:solidFill>
                   <a:prstClr val="black"/>
                 </a:solidFill>
                 <a:latin typeface="Courier New" panose="02070309020205020404" pitchFamily="49" charset="0"/>
                 <a:cs typeface="Courier New" panose="02070309020205020404" pitchFamily="49" charset="0"/>
               </a:rPr>
-              <a:t>    return a &lt; b;</a:t>
-            </a:r>
-          </a:p>
-          <a:p>
-            <a:pPr marL="0" indent="0">
-              <a:buNone/>
-            </a:pPr>
-            <a:r>
-              <a:rPr lang="en-US" sz="2600" dirty="0">
+              <a:t>&gt; l, std::</a:t>
+            </a:r>
+            <a:r>
+              <a:rPr lang="en-US" sz="2400" dirty="0" err="1">
                 <a:solidFill>
                   <a:prstClr val="black"/>
                 </a:solidFill>
                 <a:latin typeface="Courier New" panose="02070309020205020404" pitchFamily="49" charset="0"/>
                 <a:cs typeface="Courier New" panose="02070309020205020404" pitchFamily="49" charset="0"/>
               </a:rPr>
+              <a:t>uniq_ptr</a:t>
+            </a:r>
+            <a:r>
+              <a:rPr lang="en-US" sz="2400" dirty="0">
+                <a:solidFill>
+                  <a:prstClr val="black"/>
+                </a:solidFill>
+                <a:latin typeface="Courier New" panose="02070309020205020404" pitchFamily="49" charset="0"/>
+                <a:cs typeface="Courier New" panose="02070309020205020404" pitchFamily="49" charset="0"/>
+              </a:rPr>
+              <a:t>&lt;</a:t>
+            </a:r>
+            <a:r>
+              <a:rPr lang="en-US" sz="2400" dirty="0" err="1">
+                <a:solidFill>
+                  <a:prstClr val="black"/>
+                </a:solidFill>
+                <a:latin typeface="Courier New" panose="02070309020205020404" pitchFamily="49" charset="0"/>
+                <a:cs typeface="Courier New" panose="02070309020205020404" pitchFamily="49" charset="0"/>
+              </a:rPr>
+              <a:t>SomeClass</a:t>
+            </a:r>
+            <a:r>
+              <a:rPr lang="en-US" sz="2400" dirty="0">
+                <a:solidFill>
+                  <a:prstClr val="black"/>
+                </a:solidFill>
+                <a:latin typeface="Courier New" panose="02070309020205020404" pitchFamily="49" charset="0"/>
+                <a:cs typeface="Courier New" panose="02070309020205020404" pitchFamily="49" charset="0"/>
+              </a:rPr>
+              <a:t>&gt; r) {</a:t>
+            </a:r>
+          </a:p>
+          <a:p>
+            <a:pPr marL="0" indent="0">
+              <a:buNone/>
+            </a:pPr>
+            <a:r>
+              <a:rPr lang="en-US" sz="2400" dirty="0">
+                <a:solidFill>
+                  <a:prstClr val="black"/>
+                </a:solidFill>
+                <a:latin typeface="Courier New" panose="02070309020205020404" pitchFamily="49" charset="0"/>
+                <a:cs typeface="Courier New" panose="02070309020205020404" pitchFamily="49" charset="0"/>
+              </a:rPr>
+              <a:t>  if (!</a:t>
+            </a:r>
+            <a:r>
+              <a:rPr lang="en-US" sz="2400" dirty="0" err="1">
+                <a:solidFill>
+                  <a:prstClr val="black"/>
+                </a:solidFill>
+                <a:latin typeface="Courier New" panose="02070309020205020404" pitchFamily="49" charset="0"/>
+                <a:cs typeface="Courier New" panose="02070309020205020404" pitchFamily="49" charset="0"/>
+              </a:rPr>
+              <a:t>l.get</a:t>
+            </a:r>
+            <a:r>
+              <a:rPr lang="en-US" sz="2400" dirty="0">
+                <a:solidFill>
+                  <a:prstClr val="black"/>
+                </a:solidFill>
+                <a:latin typeface="Courier New" panose="02070309020205020404" pitchFamily="49" charset="0"/>
+                <a:cs typeface="Courier New" panose="02070309020205020404" pitchFamily="49" charset="0"/>
+              </a:rPr>
+              <a:t>())</a:t>
+            </a:r>
+          </a:p>
+          <a:p>
+            <a:pPr marL="0" indent="0">
+              <a:buNone/>
+            </a:pPr>
+            <a:r>
+              <a:rPr lang="en-US" sz="2400" dirty="0">
+                <a:solidFill>
+                  <a:prstClr val="black"/>
+                </a:solidFill>
+                <a:latin typeface="Courier New" panose="02070309020205020404" pitchFamily="49" charset="0"/>
+                <a:cs typeface="Courier New" panose="02070309020205020404" pitchFamily="49" charset="0"/>
+              </a:rPr>
+              <a:t>    return true;</a:t>
+            </a:r>
+          </a:p>
+          <a:p>
+            <a:pPr marL="0" indent="0">
+              <a:buNone/>
+            </a:pPr>
+            <a:r>
+              <a:rPr lang="en-US" sz="2400" dirty="0">
+                <a:solidFill>
+                  <a:prstClr val="black"/>
+                </a:solidFill>
+                <a:latin typeface="Courier New" panose="02070309020205020404" pitchFamily="49" charset="0"/>
+                <a:cs typeface="Courier New" panose="02070309020205020404" pitchFamily="49" charset="0"/>
+              </a:rPr>
+              <a:t>  else</a:t>
+            </a:r>
+          </a:p>
+          <a:p>
+            <a:pPr marL="0" indent="0">
+              <a:buNone/>
+            </a:pPr>
+            <a:r>
+              <a:rPr lang="en-US" sz="2400" dirty="0">
+                <a:solidFill>
+                  <a:prstClr val="black"/>
+                </a:solidFill>
+                <a:latin typeface="Courier New" panose="02070309020205020404" pitchFamily="49" charset="0"/>
+                <a:cs typeface="Courier New" panose="02070309020205020404" pitchFamily="49" charset="0"/>
+              </a:rPr>
+              <a:t>    ...</a:t>
+            </a:r>
+          </a:p>
+          <a:p>
+            <a:pPr marL="0" indent="0">
+              <a:buNone/>
+            </a:pPr>
+            <a:r>
+              <a:rPr lang="en-US" sz="2400" dirty="0">
+                <a:solidFill>
+                  <a:prstClr val="black"/>
+                </a:solidFill>
+                <a:latin typeface="Courier New" panose="02070309020205020404" pitchFamily="49" charset="0"/>
+                <a:cs typeface="Courier New" panose="02070309020205020404" pitchFamily="49" charset="0"/>
+              </a:rPr>
               <a:t>}</a:t>
             </a:r>
-          </a:p>
-          <a:p>
-            <a:r>
-              <a:rPr lang="ru-RU" dirty="0"/>
-              <a:t>Программист хотел чтобы "близкие" элементы рассматривались как эквивалентные</a:t>
-            </a:r>
-          </a:p>
-          <a:p>
-            <a:r>
-              <a:rPr lang="ru-RU" dirty="0"/>
-              <a:t>Но при этом нарушил аксиому транзитивности эквивалентности:</a:t>
-            </a:r>
-          </a:p>
-          <a:p>
-            <a:pPr marL="457200" lvl="1" indent="0">
-              <a:buNone/>
-            </a:pPr>
-            <a:r>
-              <a:rPr lang="ru-RU" dirty="0">
-                <a:latin typeface="Courier New" panose="02070309020205020404" pitchFamily="49" charset="0"/>
-                <a:cs typeface="Courier New" panose="02070309020205020404" pitchFamily="49" charset="0"/>
-              </a:rPr>
-              <a:t>equiv(0, 0.5 * eps) == true</a:t>
-            </a:r>
-            <a:endParaRPr lang="en-US" dirty="0">
+            <a:endParaRPr lang="ru-RU" sz="2400" dirty="0">
+              <a:solidFill>
+                <a:prstClr val="black"/>
+              </a:solidFill>
               <a:latin typeface="Courier New" panose="02070309020205020404" pitchFamily="49" charset="0"/>
               <a:cs typeface="Courier New" panose="02070309020205020404" pitchFamily="49" charset="0"/>
             </a:endParaRPr>
           </a:p>
           <a:p>
-            <a:pPr marL="457200" lvl="1" indent="0">
-              <a:buNone/>
-            </a:pPr>
             <a:r>
               <a:rPr lang="ru-RU" dirty="0">
-                <a:latin typeface="Courier New" panose="02070309020205020404" pitchFamily="49" charset="0"/>
-                <a:cs typeface="Courier New" panose="02070309020205020404" pitchFamily="49" charset="0"/>
-              </a:rPr>
-              <a:t>equiv(0.5 * eps, eps) == true</a:t>
+                <a:solidFill>
+                  <a:prstClr val="black"/>
+                </a:solidFill>
+                <a:cs typeface="Courier New" panose="02070309020205020404" pitchFamily="49" charset="0"/>
+              </a:rPr>
+              <a:t>Нарушается иррефлексивность и антисимметричность если второй операнд тоже нулевой</a:t>
             </a:r>
             <a:endParaRPr lang="en-US" dirty="0">
-              <a:latin typeface="Courier New" panose="02070309020205020404" pitchFamily="49" charset="0"/>
+              <a:solidFill>
+                <a:prstClr val="black"/>
+              </a:solidFill>
               <a:cs typeface="Courier New" panose="02070309020205020404" pitchFamily="49" charset="0"/>
             </a:endParaRPr>
           </a:p>
           <a:p>
-            <a:pPr marL="457200" lvl="1" indent="0">
-              <a:buNone/>
-            </a:pPr>
-            <a:r>
-              <a:rPr lang="ru-RU" dirty="0">
-                <a:latin typeface="Courier New" panose="02070309020205020404" pitchFamily="49" charset="0"/>
-                <a:cs typeface="Courier New" panose="02070309020205020404" pitchFamily="49" charset="0"/>
-              </a:rPr>
-              <a:t>cmp(0, eps) == false</a:t>
-            </a:r>
-          </a:p>
-          <a:p>
-            <a:endParaRPr lang="en-US" dirty="0"/>
+            <a:endParaRPr lang="en-US" dirty="0">
+              <a:solidFill>
+                <a:prstClr val="black"/>
+              </a:solidFill>
+              <a:cs typeface="Courier New" panose="02070309020205020404" pitchFamily="49" charset="0"/>
+            </a:endParaRPr>
           </a:p>
         </p:txBody>
       </p:sp>
     </p:spTree>
     <p:extLst>
       <p:ext uri="{BB962C8B-B14F-4D97-AF65-F5344CB8AC3E}">
-        <p14:creationId xmlns:p14="http://schemas.microsoft.com/office/powerpoint/2010/main" val="325765568"/>
+        <p14:creationId xmlns:p14="http://schemas.microsoft.com/office/powerpoint/2010/main" val="711564749"/>
       </p:ext>
     </p:extLst>
   </p:cSld>
@@ -10809,7 +10980,7 @@
           <p:cNvPr id="2" name="Title 1">
             <a:extLst>
               <a:ext uri="{FF2B5EF4-FFF2-40B4-BE49-F238E27FC236}">
-                <a16:creationId xmlns:a16="http://schemas.microsoft.com/office/drawing/2014/main" id="{2A19E494-9936-451A-BF6D-29D50118093A}"/>
+                <a16:creationId xmlns:a16="http://schemas.microsoft.com/office/drawing/2014/main" id="{2A113B13-406F-410B-BFB5-9599BB8FA280}"/>
               </a:ext>
             </a:extLst>
           </p:cNvPr>
@@ -10835,7 +11006,7 @@
             </a:r>
             <a:r>
               <a:rPr lang="ru-RU" dirty="0"/>
-              <a:t> сравнение особых объектов отдельным алгоритмом</a:t>
+              <a:t> приближенные сравнения</a:t>
             </a:r>
             <a:endParaRPr lang="en-US" dirty="0"/>
           </a:p>
@@ -10846,7 +11017,7 @@
           <p:cNvPr id="3" name="Content Placeholder 2">
             <a:extLst>
               <a:ext uri="{FF2B5EF4-FFF2-40B4-BE49-F238E27FC236}">
-                <a16:creationId xmlns:a16="http://schemas.microsoft.com/office/drawing/2014/main" id="{E34877F2-0E42-46CD-89A4-90C23BB090A5}"/>
+                <a16:creationId xmlns:a16="http://schemas.microsoft.com/office/drawing/2014/main" id="{92E789BC-A1A6-4768-97BD-DC69CFA3A8F6}"/>
               </a:ext>
             </a:extLst>
           </p:cNvPr>
@@ -10859,161 +11030,73 @@
         </p:nvSpPr>
         <p:spPr/>
         <p:txBody>
-          <a:bodyPr/>
+          <a:bodyPr>
+            <a:normAutofit lnSpcReduction="10000"/>
+          </a:bodyPr>
           <a:lstStyle/>
           <a:p>
             <a:pPr marL="0" indent="0">
               <a:buNone/>
             </a:pPr>
             <a:r>
-              <a:rPr lang="en-US" sz="2400" dirty="0">
+              <a:rPr lang="en-US" sz="2600" dirty="0">
                 <a:solidFill>
                   <a:prstClr val="black"/>
                 </a:solidFill>
                 <a:latin typeface="Courier New" panose="02070309020205020404" pitchFamily="49" charset="0"/>
                 <a:cs typeface="Courier New" panose="02070309020205020404" pitchFamily="49" charset="0"/>
               </a:rPr>
-              <a:t>[](Object l, Object r) {</a:t>
-            </a:r>
-          </a:p>
-          <a:p>
-            <a:pPr marL="0" indent="0">
-              <a:buNone/>
-            </a:pPr>
-            <a:r>
-              <a:rPr lang="en-US" sz="2400" dirty="0">
-                <a:solidFill>
-                  <a:srgbClr val="FF0000"/>
-                </a:solidFill>
-                <a:latin typeface="Courier New" panose="02070309020205020404" pitchFamily="49" charset="0"/>
-                <a:cs typeface="Courier New" panose="02070309020205020404" pitchFamily="49" charset="0"/>
-              </a:rPr>
-              <a:t>  if (</a:t>
-            </a:r>
-            <a:r>
-              <a:rPr lang="en-US" sz="2400" dirty="0" err="1">
-                <a:solidFill>
-                  <a:srgbClr val="FF0000"/>
-                </a:solidFill>
-                <a:latin typeface="Courier New" panose="02070309020205020404" pitchFamily="49" charset="0"/>
-                <a:cs typeface="Courier New" panose="02070309020205020404" pitchFamily="49" charset="0"/>
-              </a:rPr>
-              <a:t>is_special</a:t>
-            </a:r>
-            <a:r>
-              <a:rPr lang="en-US" sz="2400" dirty="0">
-                <a:solidFill>
-                  <a:srgbClr val="FF0000"/>
-                </a:solidFill>
-                <a:latin typeface="Courier New" panose="02070309020205020404" pitchFamily="49" charset="0"/>
-                <a:cs typeface="Courier New" panose="02070309020205020404" pitchFamily="49" charset="0"/>
-              </a:rPr>
-              <a:t>(l) &amp;&amp; </a:t>
-            </a:r>
-            <a:r>
-              <a:rPr lang="en-US" sz="2400" dirty="0" err="1">
-                <a:solidFill>
-                  <a:srgbClr val="FF0000"/>
-                </a:solidFill>
-                <a:latin typeface="Courier New" panose="02070309020205020404" pitchFamily="49" charset="0"/>
-                <a:cs typeface="Courier New" panose="02070309020205020404" pitchFamily="49" charset="0"/>
-              </a:rPr>
-              <a:t>is_special</a:t>
-            </a:r>
-            <a:r>
-              <a:rPr lang="en-US" sz="2400" dirty="0">
-                <a:solidFill>
-                  <a:srgbClr val="FF0000"/>
-                </a:solidFill>
-                <a:latin typeface="Courier New" panose="02070309020205020404" pitchFamily="49" charset="0"/>
-                <a:cs typeface="Courier New" panose="02070309020205020404" pitchFamily="49" charset="0"/>
-              </a:rPr>
-              <a:t>(r))</a:t>
-            </a:r>
-          </a:p>
-          <a:p>
-            <a:pPr marL="0" indent="0">
-              <a:buNone/>
-            </a:pPr>
-            <a:r>
-              <a:rPr lang="en-US" sz="2400" dirty="0">
-                <a:solidFill>
-                  <a:srgbClr val="FF0000"/>
-                </a:solidFill>
-                <a:latin typeface="Courier New" panose="02070309020205020404" pitchFamily="49" charset="0"/>
-                <a:cs typeface="Courier New" panose="02070309020205020404" pitchFamily="49" charset="0"/>
-              </a:rPr>
-              <a:t>    return </a:t>
-            </a:r>
-            <a:r>
-              <a:rPr lang="en-US" sz="2400" dirty="0" err="1">
-                <a:solidFill>
-                  <a:srgbClr val="FF0000"/>
-                </a:solidFill>
-                <a:latin typeface="Courier New" panose="02070309020205020404" pitchFamily="49" charset="0"/>
-                <a:cs typeface="Courier New" panose="02070309020205020404" pitchFamily="49" charset="0"/>
-              </a:rPr>
-              <a:t>comp_special</a:t>
-            </a:r>
-            <a:r>
-              <a:rPr lang="en-US" sz="2400" dirty="0">
-                <a:solidFill>
-                  <a:srgbClr val="FF0000"/>
-                </a:solidFill>
-                <a:latin typeface="Courier New" panose="02070309020205020404" pitchFamily="49" charset="0"/>
-                <a:cs typeface="Courier New" panose="02070309020205020404" pitchFamily="49" charset="0"/>
-              </a:rPr>
-              <a:t>(l, r);</a:t>
-            </a:r>
-          </a:p>
-          <a:p>
-            <a:pPr marL="0" indent="0">
-              <a:buNone/>
-            </a:pPr>
-            <a:r>
-              <a:rPr lang="en-US" sz="2400" dirty="0">
+              <a:t>bool </a:t>
+            </a:r>
+            <a:r>
+              <a:rPr lang="en-US" sz="2600" dirty="0" err="1">
                 <a:solidFill>
                   <a:prstClr val="black"/>
                 </a:solidFill>
                 <a:latin typeface="Courier New" panose="02070309020205020404" pitchFamily="49" charset="0"/>
                 <a:cs typeface="Courier New" panose="02070309020205020404" pitchFamily="49" charset="0"/>
               </a:rPr>
-              <a:t>  else</a:t>
-            </a:r>
-          </a:p>
-          <a:p>
-            <a:pPr marL="0" indent="0">
-              <a:buNone/>
-            </a:pPr>
-            <a:r>
-              <a:rPr lang="en-US" sz="2400" dirty="0">
+              <a:t>cmp</a:t>
+            </a:r>
+            <a:r>
+              <a:rPr lang="en-US" sz="2600" dirty="0">
                 <a:solidFill>
                   <a:prstClr val="black"/>
                 </a:solidFill>
                 <a:latin typeface="Courier New" panose="02070309020205020404" pitchFamily="49" charset="0"/>
                 <a:cs typeface="Courier New" panose="02070309020205020404" pitchFamily="49" charset="0"/>
               </a:rPr>
-              <a:t>    return </a:t>
-            </a:r>
-            <a:r>
-              <a:rPr lang="en-US" sz="2400" dirty="0" err="1">
+              <a:t>(double a, double b) {</a:t>
+            </a:r>
+          </a:p>
+          <a:p>
+            <a:pPr marL="0" indent="0">
+              <a:buNone/>
+            </a:pPr>
+            <a:r>
+              <a:rPr lang="en-US" sz="2600" dirty="0">
                 <a:solidFill>
                   <a:prstClr val="black"/>
                 </a:solidFill>
                 <a:latin typeface="Courier New" panose="02070309020205020404" pitchFamily="49" charset="0"/>
                 <a:cs typeface="Courier New" panose="02070309020205020404" pitchFamily="49" charset="0"/>
               </a:rPr>
-              <a:t>comp_normal</a:t>
-            </a:r>
-            <a:r>
-              <a:rPr lang="en-US" sz="2400" dirty="0">
+              <a:t>    if (abs(a - b) &lt; eps) return false;</a:t>
+            </a:r>
+          </a:p>
+          <a:p>
+            <a:pPr marL="0" indent="0">
+              <a:buNone/>
+            </a:pPr>
+            <a:r>
+              <a:rPr lang="en-US" sz="2600" dirty="0">
                 <a:solidFill>
                   <a:prstClr val="black"/>
                 </a:solidFill>
                 <a:latin typeface="Courier New" panose="02070309020205020404" pitchFamily="49" charset="0"/>
                 <a:cs typeface="Courier New" panose="02070309020205020404" pitchFamily="49" charset="0"/>
               </a:rPr>
-              <a:t>(l, r);</a:t>
+              <a:t>    return a &lt; b;</a:t>
             </a:r>
           </a:p>
           <a:p>
@@ -11021,7 +11104,7 @@
               <a:buNone/>
             </a:pPr>
             <a:r>
-              <a:rPr lang="en-US" sz="2400" dirty="0">
+              <a:rPr lang="en-US" sz="2600" dirty="0">
                 <a:solidFill>
                   <a:prstClr val="black"/>
                 </a:solidFill>
@@ -11032,6 +11115,62 @@
             </a:r>
           </a:p>
           <a:p>
+            <a:r>
+              <a:rPr lang="ru-RU" dirty="0"/>
+              <a:t>Программист хотел чтобы "близкие" элементы рассматривались как эквивалентные</a:t>
+            </a:r>
+          </a:p>
+          <a:p>
+            <a:r>
+              <a:rPr lang="ru-RU" dirty="0"/>
+              <a:t>Но при этом нарушил аксиому транзитивности эквивалентности:</a:t>
+            </a:r>
+          </a:p>
+          <a:p>
+            <a:pPr marL="457200" lvl="1" indent="0">
+              <a:buNone/>
+            </a:pPr>
+            <a:r>
+              <a:rPr lang="ru-RU" dirty="0">
+                <a:latin typeface="Courier New" panose="02070309020205020404" pitchFamily="49" charset="0"/>
+                <a:cs typeface="Courier New" panose="02070309020205020404" pitchFamily="49" charset="0"/>
+              </a:rPr>
+              <a:t>equiv(0, 0.5 * eps) == true</a:t>
+            </a:r>
+            <a:endParaRPr lang="en-US" dirty="0">
+              <a:latin typeface="Courier New" panose="02070309020205020404" pitchFamily="49" charset="0"/>
+              <a:cs typeface="Courier New" panose="02070309020205020404" pitchFamily="49" charset="0"/>
+            </a:endParaRPr>
+          </a:p>
+          <a:p>
+            <a:pPr marL="457200" lvl="1" indent="0">
+              <a:buNone/>
+            </a:pPr>
+            <a:r>
+              <a:rPr lang="ru-RU" dirty="0">
+                <a:latin typeface="Courier New" panose="02070309020205020404" pitchFamily="49" charset="0"/>
+                <a:cs typeface="Courier New" panose="02070309020205020404" pitchFamily="49" charset="0"/>
+              </a:rPr>
+              <a:t>equiv(0.5 * eps, eps) == true</a:t>
+            </a:r>
+            <a:endParaRPr lang="en-US" dirty="0">
+              <a:latin typeface="Courier New" panose="02070309020205020404" pitchFamily="49" charset="0"/>
+              <a:cs typeface="Courier New" panose="02070309020205020404" pitchFamily="49" charset="0"/>
+            </a:endParaRPr>
+          </a:p>
+          <a:p>
+            <a:pPr marL="457200" lvl="1" indent="0">
+              <a:buNone/>
+            </a:pPr>
+            <a:r>
+              <a:rPr lang="ru-RU" dirty="0">
+                <a:latin typeface="Courier New" panose="02070309020205020404" pitchFamily="49" charset="0"/>
+                <a:cs typeface="Courier New" panose="02070309020205020404" pitchFamily="49" charset="0"/>
+              </a:rPr>
+              <a:t>cmp(0, eps) == false</a:t>
+            </a:r>
+          </a:p>
+          <a:p>
             <a:endParaRPr lang="en-US" dirty="0"/>
           </a:p>
         </p:txBody>
@@ -11039,7 +11178,7 @@
     </p:spTree>
     <p:extLst>
       <p:ext uri="{BB962C8B-B14F-4D97-AF65-F5344CB8AC3E}">
-        <p14:creationId xmlns:p14="http://schemas.microsoft.com/office/powerpoint/2010/main" val="1171521156"/>
+        <p14:creationId xmlns:p14="http://schemas.microsoft.com/office/powerpoint/2010/main" val="325765568"/>
       </p:ext>
     </p:extLst>
   </p:cSld>
@@ -11071,7 +11210,7 @@
           <p:cNvPr id="2" name="Title 1">
             <a:extLst>
               <a:ext uri="{FF2B5EF4-FFF2-40B4-BE49-F238E27FC236}">
-                <a16:creationId xmlns:a16="http://schemas.microsoft.com/office/drawing/2014/main" id="{F846F1BD-7FCB-4283-AEC4-931793609E60}"/>
+                <a16:creationId xmlns:a16="http://schemas.microsoft.com/office/drawing/2014/main" id="{2A19E494-9936-451A-BF6D-29D50118093A}"/>
               </a:ext>
             </a:extLst>
           </p:cNvPr>
@@ -11108,7 +11247,7 @@
           <p:cNvPr id="3" name="Content Placeholder 2">
             <a:extLst>
               <a:ext uri="{FF2B5EF4-FFF2-40B4-BE49-F238E27FC236}">
-                <a16:creationId xmlns:a16="http://schemas.microsoft.com/office/drawing/2014/main" id="{B5919733-7359-4FCE-BBA6-CB2E1BB87C5E}"/>
+                <a16:creationId xmlns:a16="http://schemas.microsoft.com/office/drawing/2014/main" id="{E34877F2-0E42-46CD-89A4-90C23BB090A5}"/>
               </a:ext>
             </a:extLst>
           </p:cNvPr>
@@ -11121,104 +11260,177 @@
         </p:nvSpPr>
         <p:spPr/>
         <p:txBody>
-          <a:bodyPr>
-            <a:normAutofit fontScale="92500" lnSpcReduction="10000"/>
-          </a:bodyPr>
-          <a:lstStyle/>
-          <a:p>
-            <a:r>
-              <a:rPr lang="ru-RU" dirty="0"/>
-              <a:t>Наиболее коварная ошибка</a:t>
-            </a:r>
-            <a:endParaRPr lang="en-US" dirty="0"/>
-          </a:p>
-          <a:p>
-            <a:r>
-              <a:rPr lang="ru-RU" dirty="0"/>
-              <a:t>Очень легко нарушить условия транзитивности</a:t>
-            </a:r>
-            <a:r>
-              <a:rPr lang="en-US" dirty="0"/>
-              <a:t>:</a:t>
-            </a:r>
-            <a:endParaRPr lang="ru-RU" dirty="0"/>
-          </a:p>
-          <a:p>
-            <a:pPr lvl="1"/>
-            <a:r>
-              <a:rPr lang="ru-RU" dirty="0"/>
-              <a:t>если</a:t>
-            </a:r>
-          </a:p>
-          <a:p>
-            <a:pPr marL="914400" lvl="2" indent="0">
-              <a:buNone/>
-            </a:pPr>
-            <a:r>
-              <a:rPr lang="ru-RU" dirty="0"/>
-              <a:t>comp_special(special_obj1, special_obj2) &amp;&amp; comp_normal(special_obj2, normal_obj)</a:t>
-            </a:r>
-          </a:p>
-          <a:p>
-            <a:pPr lvl="1"/>
-            <a:r>
-              <a:rPr lang="ru-RU" dirty="0"/>
-              <a:t>то должно быть</a:t>
-            </a:r>
-          </a:p>
-          <a:p>
-            <a:pPr marL="914400" lvl="2" indent="0">
-              <a:buNone/>
-            </a:pPr>
-            <a:r>
-              <a:rPr lang="ru-RU" dirty="0"/>
-              <a:t>comp_normal(special_obj1, normal_obj)</a:t>
-            </a:r>
-          </a:p>
-          <a:p>
-            <a:r>
-              <a:rPr lang="ru-RU" dirty="0"/>
-              <a:t>Но часто это не выполняется</a:t>
-            </a:r>
-            <a:r>
-              <a:rPr lang="en-US" dirty="0"/>
-              <a:t>:</a:t>
-            </a:r>
-          </a:p>
-          <a:p>
-            <a:pPr lvl="1"/>
-            <a:r>
-              <a:rPr lang="ru-RU" dirty="0"/>
-              <a:t>comp_special и comp_normal как правило логически (и алгоритмически) никак не связаны между собой</a:t>
-            </a:r>
-          </a:p>
-          <a:p>
-            <a:pPr lvl="1"/>
-            <a:r>
-              <a:rPr lang="ru-RU" dirty="0"/>
-              <a:t>обычно они сравнивают совершенно разные поля объектов</a:t>
-            </a:r>
-          </a:p>
-          <a:p>
-            <a:r>
-              <a:rPr lang="ru-RU" dirty="0"/>
-              <a:t>Пример из жизни:</a:t>
-            </a:r>
-            <a:endParaRPr lang="en-US" dirty="0"/>
-          </a:p>
-          <a:p>
-            <a:pPr lvl="1"/>
-            <a:r>
-              <a:rPr lang="ru-RU" dirty="0">
-                <a:hlinkClick r:id="rId2"/>
-              </a:rPr>
-              <a:t>https://gcc.gnu.org/bugzilla/show_bug.cgi?id=68988</a:t>
-            </a:r>
-            <a:r>
-              <a:rPr lang="en-US" dirty="0"/>
-              <a:t> </a:t>
-            </a:r>
-            <a:endParaRPr lang="ru-RU" dirty="0"/>
+          <a:bodyPr/>
+          <a:lstStyle/>
+          <a:p>
+            <a:pPr marL="0" indent="0">
+              <a:buNone/>
+            </a:pPr>
+            <a:r>
+              <a:rPr lang="en-US" sz="2400" dirty="0">
+                <a:solidFill>
+                  <a:prstClr val="black"/>
+                </a:solidFill>
+                <a:latin typeface="Courier New" panose="02070309020205020404" pitchFamily="49" charset="0"/>
+                <a:cs typeface="Courier New" panose="02070309020205020404" pitchFamily="49" charset="0"/>
+              </a:rPr>
+              <a:t>[](Object l, Object r) {</a:t>
+            </a:r>
+          </a:p>
+          <a:p>
+            <a:pPr marL="0" indent="0">
+              <a:buNone/>
+            </a:pPr>
+            <a:r>
+              <a:rPr lang="en-US" sz="2400" dirty="0">
+                <a:solidFill>
+                  <a:srgbClr val="FF0000"/>
+                </a:solidFill>
+                <a:latin typeface="Courier New" panose="02070309020205020404" pitchFamily="49" charset="0"/>
+                <a:cs typeface="Courier New" panose="02070309020205020404" pitchFamily="49" charset="0"/>
+              </a:rPr>
+              <a:t>  if (</a:t>
+            </a:r>
+            <a:r>
+              <a:rPr lang="en-US" sz="2400" dirty="0" err="1">
+                <a:solidFill>
+                  <a:srgbClr val="FF0000"/>
+                </a:solidFill>
+                <a:latin typeface="Courier New" panose="02070309020205020404" pitchFamily="49" charset="0"/>
+                <a:cs typeface="Courier New" panose="02070309020205020404" pitchFamily="49" charset="0"/>
+              </a:rPr>
+              <a:t>is_special</a:t>
+            </a:r>
+            <a:r>
+              <a:rPr lang="en-US" sz="2400" dirty="0">
+                <a:solidFill>
+                  <a:srgbClr val="FF0000"/>
+                </a:solidFill>
+                <a:latin typeface="Courier New" panose="02070309020205020404" pitchFamily="49" charset="0"/>
+                <a:cs typeface="Courier New" panose="02070309020205020404" pitchFamily="49" charset="0"/>
+              </a:rPr>
+              <a:t>(l) &amp;&amp; </a:t>
+            </a:r>
+            <a:r>
+              <a:rPr lang="en-US" sz="2400" dirty="0" err="1">
+                <a:solidFill>
+                  <a:srgbClr val="FF0000"/>
+                </a:solidFill>
+                <a:latin typeface="Courier New" panose="02070309020205020404" pitchFamily="49" charset="0"/>
+                <a:cs typeface="Courier New" panose="02070309020205020404" pitchFamily="49" charset="0"/>
+              </a:rPr>
+              <a:t>is_special</a:t>
+            </a:r>
+            <a:r>
+              <a:rPr lang="en-US" sz="2400" dirty="0">
+                <a:solidFill>
+                  <a:srgbClr val="FF0000"/>
+                </a:solidFill>
+                <a:latin typeface="Courier New" panose="02070309020205020404" pitchFamily="49" charset="0"/>
+                <a:cs typeface="Courier New" panose="02070309020205020404" pitchFamily="49" charset="0"/>
+              </a:rPr>
+              <a:t>(r))</a:t>
+            </a:r>
+          </a:p>
+          <a:p>
+            <a:pPr marL="0" indent="0">
+              <a:buNone/>
+            </a:pPr>
+            <a:r>
+              <a:rPr lang="en-US" sz="2400" dirty="0">
+                <a:solidFill>
+                  <a:srgbClr val="FF0000"/>
+                </a:solidFill>
+                <a:latin typeface="Courier New" panose="02070309020205020404" pitchFamily="49" charset="0"/>
+                <a:cs typeface="Courier New" panose="02070309020205020404" pitchFamily="49" charset="0"/>
+              </a:rPr>
+              <a:t>    return </a:t>
+            </a:r>
+            <a:r>
+              <a:rPr lang="en-US" sz="2400" dirty="0" err="1">
+                <a:solidFill>
+                  <a:srgbClr val="FF0000"/>
+                </a:solidFill>
+                <a:latin typeface="Courier New" panose="02070309020205020404" pitchFamily="49" charset="0"/>
+                <a:cs typeface="Courier New" panose="02070309020205020404" pitchFamily="49" charset="0"/>
+              </a:rPr>
+              <a:t>comp_special</a:t>
+            </a:r>
+            <a:r>
+              <a:rPr lang="en-US" sz="2400" dirty="0">
+                <a:solidFill>
+                  <a:srgbClr val="FF0000"/>
+                </a:solidFill>
+                <a:latin typeface="Courier New" panose="02070309020205020404" pitchFamily="49" charset="0"/>
+                <a:cs typeface="Courier New" panose="02070309020205020404" pitchFamily="49" charset="0"/>
+              </a:rPr>
+              <a:t>(l, r);</a:t>
+            </a:r>
+          </a:p>
+          <a:p>
+            <a:pPr marL="0" indent="0">
+              <a:buNone/>
+            </a:pPr>
+            <a:r>
+              <a:rPr lang="en-US" sz="2400" dirty="0">
+                <a:solidFill>
+                  <a:prstClr val="black"/>
+                </a:solidFill>
+                <a:latin typeface="Courier New" panose="02070309020205020404" pitchFamily="49" charset="0"/>
+                <a:cs typeface="Courier New" panose="02070309020205020404" pitchFamily="49" charset="0"/>
+              </a:rPr>
+              <a:t>  else</a:t>
+            </a:r>
+          </a:p>
+          <a:p>
+            <a:pPr marL="0" indent="0">
+              <a:buNone/>
+            </a:pPr>
+            <a:r>
+              <a:rPr lang="en-US" sz="2400" dirty="0">
+                <a:solidFill>
+                  <a:prstClr val="black"/>
+                </a:solidFill>
+                <a:latin typeface="Courier New" panose="02070309020205020404" pitchFamily="49" charset="0"/>
+                <a:cs typeface="Courier New" panose="02070309020205020404" pitchFamily="49" charset="0"/>
+              </a:rPr>
+              <a:t>    return </a:t>
+            </a:r>
+            <a:r>
+              <a:rPr lang="en-US" sz="2400" dirty="0" err="1">
+                <a:solidFill>
+                  <a:prstClr val="black"/>
+                </a:solidFill>
+                <a:latin typeface="Courier New" panose="02070309020205020404" pitchFamily="49" charset="0"/>
+                <a:cs typeface="Courier New" panose="02070309020205020404" pitchFamily="49" charset="0"/>
+              </a:rPr>
+              <a:t>comp_normal</a:t>
+            </a:r>
+            <a:r>
+              <a:rPr lang="en-US" sz="2400" dirty="0">
+                <a:solidFill>
+                  <a:prstClr val="black"/>
+                </a:solidFill>
+                <a:latin typeface="Courier New" panose="02070309020205020404" pitchFamily="49" charset="0"/>
+                <a:cs typeface="Courier New" panose="02070309020205020404" pitchFamily="49" charset="0"/>
+              </a:rPr>
+              <a:t>(l, r);</a:t>
+            </a:r>
+          </a:p>
+          <a:p>
+            <a:pPr marL="0" indent="0">
+              <a:buNone/>
+            </a:pPr>
+            <a:r>
+              <a:rPr lang="en-US" sz="2400" dirty="0">
+                <a:solidFill>
+                  <a:prstClr val="black"/>
+                </a:solidFill>
+                <a:latin typeface="Courier New" panose="02070309020205020404" pitchFamily="49" charset="0"/>
+                <a:cs typeface="Courier New" panose="02070309020205020404" pitchFamily="49" charset="0"/>
+              </a:rPr>
+              <a:t>}</a:t>
+            </a:r>
           </a:p>
           <a:p>
             <a:endParaRPr lang="en-US" dirty="0"/>
@@ -11228,7 +11440,7 @@
     </p:spTree>
     <p:extLst>
       <p:ext uri="{BB962C8B-B14F-4D97-AF65-F5344CB8AC3E}">
-        <p14:creationId xmlns:p14="http://schemas.microsoft.com/office/powerpoint/2010/main" val="2158512306"/>
+        <p14:creationId xmlns:p14="http://schemas.microsoft.com/office/powerpoint/2010/main" val="1171521156"/>
       </p:ext>
     </p:extLst>
   </p:cSld>
@@ -11260,6 +11472,195 @@
           <p:cNvPr id="2" name="Title 1">
             <a:extLst>
               <a:ext uri="{FF2B5EF4-FFF2-40B4-BE49-F238E27FC236}">
+                <a16:creationId xmlns:a16="http://schemas.microsoft.com/office/drawing/2014/main" id="{F846F1BD-7FCB-4283-AEC4-931793609E60}"/>
+              </a:ext>
+            </a:extLst>
+          </p:cNvPr>
+          <p:cNvSpPr>
+            <a:spLocks noGrp="1"/>
+          </p:cNvSpPr>
+          <p:nvPr>
+            <p:ph type="title"/>
+          </p:nvPr>
+        </p:nvSpPr>
+        <p:spPr/>
+        <p:txBody>
+          <a:bodyPr/>
+          <a:lstStyle/>
+          <a:p>
+            <a:r>
+              <a:rPr lang="ru-RU" dirty="0"/>
+              <a:t>Частые ошибки</a:t>
+            </a:r>
+            <a:r>
+              <a:rPr lang="en-US" dirty="0"/>
+              <a:t>:</a:t>
+            </a:r>
+            <a:r>
+              <a:rPr lang="ru-RU" dirty="0"/>
+              <a:t> сравнение особых объектов отдельным алгоритмом</a:t>
+            </a:r>
+            <a:endParaRPr lang="en-US" dirty="0"/>
+          </a:p>
+        </p:txBody>
+      </p:sp>
+      <p:sp>
+        <p:nvSpPr>
+          <p:cNvPr id="3" name="Content Placeholder 2">
+            <a:extLst>
+              <a:ext uri="{FF2B5EF4-FFF2-40B4-BE49-F238E27FC236}">
+                <a16:creationId xmlns:a16="http://schemas.microsoft.com/office/drawing/2014/main" id="{B5919733-7359-4FCE-BBA6-CB2E1BB87C5E}"/>
+              </a:ext>
+            </a:extLst>
+          </p:cNvPr>
+          <p:cNvSpPr>
+            <a:spLocks noGrp="1"/>
+          </p:cNvSpPr>
+          <p:nvPr>
+            <p:ph idx="1"/>
+          </p:nvPr>
+        </p:nvSpPr>
+        <p:spPr/>
+        <p:txBody>
+          <a:bodyPr>
+            <a:normAutofit fontScale="92500" lnSpcReduction="10000"/>
+          </a:bodyPr>
+          <a:lstStyle/>
+          <a:p>
+            <a:r>
+              <a:rPr lang="ru-RU" dirty="0"/>
+              <a:t>Наиболее коварная ошибка</a:t>
+            </a:r>
+            <a:endParaRPr lang="en-US" dirty="0"/>
+          </a:p>
+          <a:p>
+            <a:r>
+              <a:rPr lang="ru-RU" dirty="0"/>
+              <a:t>Очень легко нарушить условия транзитивности</a:t>
+            </a:r>
+            <a:r>
+              <a:rPr lang="en-US" dirty="0"/>
+              <a:t>:</a:t>
+            </a:r>
+            <a:endParaRPr lang="ru-RU" dirty="0"/>
+          </a:p>
+          <a:p>
+            <a:pPr lvl="1"/>
+            <a:r>
+              <a:rPr lang="ru-RU" dirty="0"/>
+              <a:t>если</a:t>
+            </a:r>
+          </a:p>
+          <a:p>
+            <a:pPr marL="914400" lvl="2" indent="0">
+              <a:buNone/>
+            </a:pPr>
+            <a:r>
+              <a:rPr lang="ru-RU" dirty="0"/>
+              <a:t>comp_special(special_obj1, special_obj2) &amp;&amp; comp_normal(special_obj2, normal_obj)</a:t>
+            </a:r>
+          </a:p>
+          <a:p>
+            <a:pPr lvl="1"/>
+            <a:r>
+              <a:rPr lang="ru-RU" dirty="0"/>
+              <a:t>то должно быть</a:t>
+            </a:r>
+          </a:p>
+          <a:p>
+            <a:pPr marL="914400" lvl="2" indent="0">
+              <a:buNone/>
+            </a:pPr>
+            <a:r>
+              <a:rPr lang="ru-RU" dirty="0"/>
+              <a:t>comp_normal(special_obj1, normal_obj)</a:t>
+            </a:r>
+          </a:p>
+          <a:p>
+            <a:r>
+              <a:rPr lang="ru-RU" dirty="0"/>
+              <a:t>Но часто это не выполняется</a:t>
+            </a:r>
+            <a:r>
+              <a:rPr lang="en-US" dirty="0"/>
+              <a:t>:</a:t>
+            </a:r>
+          </a:p>
+          <a:p>
+            <a:pPr lvl="1"/>
+            <a:r>
+              <a:rPr lang="ru-RU" dirty="0"/>
+              <a:t>comp_special и comp_normal как правило логически (и алгоритмически) никак не связаны между собой</a:t>
+            </a:r>
+          </a:p>
+          <a:p>
+            <a:pPr lvl="1"/>
+            <a:r>
+              <a:rPr lang="ru-RU" dirty="0"/>
+              <a:t>обычно они сравнивают совершенно разные поля объектов</a:t>
+            </a:r>
+          </a:p>
+          <a:p>
+            <a:r>
+              <a:rPr lang="ru-RU" dirty="0"/>
+              <a:t>Пример из жизни:</a:t>
+            </a:r>
+            <a:endParaRPr lang="en-US" dirty="0"/>
+          </a:p>
+          <a:p>
+            <a:pPr lvl="1"/>
+            <a:r>
+              <a:rPr lang="ru-RU" dirty="0">
+                <a:hlinkClick r:id="rId2"/>
+              </a:rPr>
+              <a:t>https://gcc.gnu.org/bugzilla/show_bug.cgi?id=68988</a:t>
+            </a:r>
+            <a:r>
+              <a:rPr lang="en-US" dirty="0"/>
+              <a:t> </a:t>
+            </a:r>
+            <a:endParaRPr lang="ru-RU" dirty="0"/>
+          </a:p>
+          <a:p>
+            <a:endParaRPr lang="en-US" dirty="0"/>
+          </a:p>
+        </p:txBody>
+      </p:sp>
+    </p:spTree>
+    <p:extLst>
+      <p:ext uri="{BB962C8B-B14F-4D97-AF65-F5344CB8AC3E}">
+        <p14:creationId xmlns:p14="http://schemas.microsoft.com/office/powerpoint/2010/main" val="2158512306"/>
+      </p:ext>
+    </p:extLst>
+  </p:cSld>
+  <p:clrMapOvr>
+    <a:masterClrMapping/>
+  </p:clrMapOvr>
+</p:sld>
+</file>
+
+<file path=ppt/slides/slide36.xml><?xml version="1.0" encoding="utf-8"?>
+<p:sld xmlns:a="http://schemas.openxmlformats.org/drawingml/2006/main" xmlns:r="http://schemas.openxmlformats.org/officeDocument/2006/relationships" xmlns:p="http://schemas.openxmlformats.org/presentationml/2006/main">
+  <p:cSld>
+    <p:spTree>
+      <p:nvGrpSpPr>
+        <p:cNvPr id="1" name=""/>
+        <p:cNvGrpSpPr/>
+        <p:nvPr/>
+      </p:nvGrpSpPr>
+      <p:grpSpPr>
+        <a:xfrm>
+          <a:off x="0" y="0"/>
+          <a:ext cx="0" cy="0"/>
+          <a:chOff x="0" y="0"/>
+          <a:chExt cx="0" cy="0"/>
+        </a:xfrm>
+      </p:grpSpPr>
+      <p:sp>
+        <p:nvSpPr>
+          <p:cNvPr id="2" name="Title 1">
+            <a:extLst>
+              <a:ext uri="{FF2B5EF4-FFF2-40B4-BE49-F238E27FC236}">
                 <a16:creationId xmlns:a16="http://schemas.microsoft.com/office/drawing/2014/main" id="{C572B7C5-26C8-417A-B322-BAD4ADCDD4BC}"/>
               </a:ext>
             </a:extLst>
@@ -11647,7 +12048,7 @@
 </p:sld>
 </file>
 
-<file path=ppt/slides/slide36.xml><?xml version="1.0" encoding="utf-8"?>
+<file path=ppt/slides/slide37.xml><?xml version="1.0" encoding="utf-8"?>
 <p:sld xmlns:a="http://schemas.openxmlformats.org/drawingml/2006/main" xmlns:r="http://schemas.openxmlformats.org/officeDocument/2006/relationships" xmlns:p="http://schemas.openxmlformats.org/presentationml/2006/main">
   <p:cSld>
     <p:spTree>
@@ -11799,125 +12200,6 @@
 </p:sld>
 </file>
 
-<file path=ppt/slides/slide37.xml><?xml version="1.0" encoding="utf-8"?>
-<p:sld xmlns:a="http://schemas.openxmlformats.org/drawingml/2006/main" xmlns:r="http://schemas.openxmlformats.org/officeDocument/2006/relationships" xmlns:p="http://schemas.openxmlformats.org/presentationml/2006/main">
-  <p:cSld>
-    <p:spTree>
-      <p:nvGrpSpPr>
-        <p:cNvPr id="1" name=""/>
-        <p:cNvGrpSpPr/>
-        <p:nvPr/>
-      </p:nvGrpSpPr>
-      <p:grpSpPr>
-        <a:xfrm>
-          <a:off x="0" y="0"/>
-          <a:ext cx="0" cy="0"/>
-          <a:chOff x="0" y="0"/>
-          <a:chExt cx="0" cy="0"/>
-        </a:xfrm>
-      </p:grpSpPr>
-      <p:sp>
-        <p:nvSpPr>
-          <p:cNvPr id="2" name="Title 1">
-            <a:extLst>
-              <a:ext uri="{FF2B5EF4-FFF2-40B4-BE49-F238E27FC236}">
-                <a16:creationId xmlns:a16="http://schemas.microsoft.com/office/drawing/2014/main" id="{4779B8ED-1F29-4D30-B331-C3400270FDF0}"/>
-              </a:ext>
-            </a:extLst>
-          </p:cNvPr>
-          <p:cNvSpPr>
-            <a:spLocks noGrp="1"/>
-          </p:cNvSpPr>
-          <p:nvPr>
-            <p:ph type="title"/>
-          </p:nvPr>
-        </p:nvSpPr>
-        <p:spPr/>
-        <p:txBody>
-          <a:bodyPr/>
-          <a:lstStyle/>
-          <a:p>
-            <a:r>
-              <a:rPr lang="ru-RU" dirty="0"/>
-              <a:t>Отладочные средства в тулчейнах</a:t>
-            </a:r>
-            <a:endParaRPr lang="en-US" dirty="0"/>
-          </a:p>
-        </p:txBody>
-      </p:sp>
-      <p:sp>
-        <p:nvSpPr>
-          <p:cNvPr id="3" name="Content Placeholder 2">
-            <a:extLst>
-              <a:ext uri="{FF2B5EF4-FFF2-40B4-BE49-F238E27FC236}">
-                <a16:creationId xmlns:a16="http://schemas.microsoft.com/office/drawing/2014/main" id="{58F9ABFF-6BB7-4FB9-989A-8FA4CD7D38CB}"/>
-              </a:ext>
-            </a:extLst>
-          </p:cNvPr>
-          <p:cNvSpPr>
-            <a:spLocks noGrp="1"/>
-          </p:cNvSpPr>
-          <p:nvPr>
-            <p:ph idx="1"/>
-          </p:nvPr>
-        </p:nvSpPr>
-        <p:spPr/>
-        <p:txBody>
-          <a:bodyPr/>
-          <a:lstStyle/>
-          <a:p>
-            <a:r>
-              <a:rPr lang="ru-RU" dirty="0"/>
-              <a:t>Обе опции имеют существенные (2</a:t>
-            </a:r>
-            <a:r>
-              <a:rPr lang="en-US" dirty="0"/>
-              <a:t>x) </a:t>
-            </a:r>
-            <a:r>
-              <a:rPr lang="ru-RU" dirty="0"/>
-              <a:t>накладные расходы</a:t>
-            </a:r>
-            <a:endParaRPr lang="en-US" dirty="0"/>
-          </a:p>
-          <a:p>
-            <a:r>
-              <a:rPr lang="ru-RU" dirty="0"/>
-              <a:t>Рекомендуется использовать только для тестирования</a:t>
-            </a:r>
-            <a:endParaRPr lang="en-US" dirty="0"/>
-          </a:p>
-          <a:p>
-            <a:r>
-              <a:rPr lang="ru-RU" dirty="0"/>
-              <a:t>Чекеры компараторов не должны менять алгоритмическую сложность алгоритма (O(N*logN)) и поэтому не могут провести полную проверку корректности</a:t>
-            </a:r>
-          </a:p>
-          <a:p>
-            <a:pPr lvl="1"/>
-            <a:r>
-              <a:rPr lang="ru-RU" dirty="0"/>
-              <a:t>Например проверку аксиом транзитивности</a:t>
-            </a:r>
-          </a:p>
-          <a:p>
-            <a:endParaRPr lang="en-US" dirty="0"/>
-          </a:p>
-        </p:txBody>
-      </p:sp>
-    </p:spTree>
-    <p:extLst>
-      <p:ext uri="{BB962C8B-B14F-4D97-AF65-F5344CB8AC3E}">
-        <p14:creationId xmlns:p14="http://schemas.microsoft.com/office/powerpoint/2010/main" val="2928624946"/>
-      </p:ext>
-    </p:extLst>
-  </p:cSld>
-  <p:clrMapOvr>
-    <a:masterClrMapping/>
-  </p:clrMapOvr>
-</p:sld>
-</file>
-
 <file path=ppt/slides/slide38.xml><?xml version="1.0" encoding="utf-8"?>
 <p:sld xmlns:a="http://schemas.openxmlformats.org/drawingml/2006/main" xmlns:r="http://schemas.openxmlformats.org/officeDocument/2006/relationships" xmlns:p="http://schemas.openxmlformats.org/presentationml/2006/main">
   <p:cSld>
@@ -11940,7 +12222,7 @@
           <p:cNvPr id="2" name="Title 1">
             <a:extLst>
               <a:ext uri="{FF2B5EF4-FFF2-40B4-BE49-F238E27FC236}">
-                <a16:creationId xmlns:a16="http://schemas.microsoft.com/office/drawing/2014/main" id="{BC72424F-9AF5-45CD-9C91-874C6DC016AA}"/>
+                <a16:creationId xmlns:a16="http://schemas.microsoft.com/office/drawing/2014/main" id="{4779B8ED-1F29-4D30-B331-C3400270FDF0}"/>
               </a:ext>
             </a:extLst>
           </p:cNvPr>
@@ -11957,8 +12239,8 @@
           <a:lstStyle/>
           <a:p>
             <a:r>
-              <a:rPr lang="en-US" dirty="0" err="1"/>
-              <a:t>SortChecker</a:t>
+              <a:rPr lang="ru-RU" dirty="0"/>
+              <a:t>Отладочные средства в тулчейнах</a:t>
             </a:r>
             <a:endParaRPr lang="en-US" dirty="0"/>
           </a:p>
@@ -11969,7 +12251,7 @@
           <p:cNvPr id="3" name="Content Placeholder 2">
             <a:extLst>
               <a:ext uri="{FF2B5EF4-FFF2-40B4-BE49-F238E27FC236}">
-                <a16:creationId xmlns:a16="http://schemas.microsoft.com/office/drawing/2014/main" id="{436AE089-C978-44EF-9D7D-E8AE6EA68157}"/>
+                <a16:creationId xmlns:a16="http://schemas.microsoft.com/office/drawing/2014/main" id="{58F9ABFF-6BB7-4FB9-989A-8FA4CD7D38CB}"/>
               </a:ext>
             </a:extLst>
           </p:cNvPr>
@@ -11980,175 +12262,43 @@
             <p:ph idx="1"/>
           </p:nvPr>
         </p:nvSpPr>
-        <p:spPr>
-          <a:xfrm>
-            <a:off x="838200" y="1847396"/>
-            <a:ext cx="10515600" cy="4351338"/>
-          </a:xfrm>
-        </p:spPr>
-        <p:txBody>
-          <a:bodyPr>
-            <a:normAutofit fontScale="92500" lnSpcReduction="20000"/>
-          </a:bodyPr>
-          <a:lstStyle/>
-          <a:p>
-            <a:r>
-              <a:rPr lang="ru-RU" dirty="0"/>
-              <a:t>Два простых динамических чекера для проверки корректности в рантайме</a:t>
+        <p:spPr/>
+        <p:txBody>
+          <a:bodyPr/>
+          <a:lstStyle/>
+          <a:p>
+            <a:r>
+              <a:rPr lang="ru-RU" dirty="0"/>
+              <a:t>Обе опции имеют существенные (2</a:t>
+            </a:r>
+            <a:r>
+              <a:rPr lang="en-US" dirty="0"/>
+              <a:t>x) </a:t>
+            </a:r>
+            <a:r>
+              <a:rPr lang="ru-RU" dirty="0"/>
+              <a:t>накладные расходы</a:t>
             </a:r>
             <a:endParaRPr lang="en-US" dirty="0"/>
           </a:p>
           <a:p>
             <a:r>
               <a:rPr lang="ru-RU" dirty="0"/>
-              <a:t>SortChecker (</a:t>
-            </a:r>
-            <a:r>
-              <a:rPr lang="ru-RU" dirty="0">
-                <a:hlinkClick r:id="rId2"/>
-              </a:rPr>
-              <a:t>https://github.com/yugr/sortcheck</a:t>
-            </a:r>
-            <a:r>
-              <a:rPr lang="ru-RU" dirty="0"/>
-              <a:t>)</a:t>
+              <a:t>Рекомендуется использовать только для тестирования</a:t>
+            </a:r>
+            <a:endParaRPr lang="en-US" dirty="0"/>
+          </a:p>
+          <a:p>
+            <a:r>
+              <a:rPr lang="ru-RU" dirty="0"/>
+              <a:t>Чекеры компараторов не должны менять алгоритмическую сложность алгоритма (O(N*logN)) и поэтому не могут провести полную проверку корректности</a:t>
             </a:r>
           </a:p>
           <a:p>
             <a:pPr lvl="1"/>
             <a:r>
               <a:rPr lang="ru-RU" dirty="0"/>
-              <a:t>работает с программами на C</a:t>
-            </a:r>
-          </a:p>
-          <a:p>
-            <a:pPr lvl="1"/>
-            <a:r>
-              <a:rPr lang="ru-RU" dirty="0"/>
-              <a:t>перехватывает и проверяет API типа </a:t>
-            </a:r>
-            <a:r>
-              <a:rPr lang="ru-RU" dirty="0">
-                <a:latin typeface="Courier New" panose="02070309020205020404" pitchFamily="49" charset="0"/>
-                <a:cs typeface="Courier New" panose="02070309020205020404" pitchFamily="49" charset="0"/>
-              </a:rPr>
-              <a:t>qsort</a:t>
-            </a:r>
-            <a:r>
-              <a:rPr lang="ru-RU" dirty="0"/>
-              <a:t> и </a:t>
-            </a:r>
-            <a:r>
-              <a:rPr lang="ru-RU" dirty="0">
-                <a:latin typeface="Courier New" panose="02070309020205020404" pitchFamily="49" charset="0"/>
-                <a:cs typeface="Courier New" panose="02070309020205020404" pitchFamily="49" charset="0"/>
-              </a:rPr>
-              <a:t>bsearch</a:t>
-            </a:r>
-          </a:p>
-          <a:p>
-            <a:pPr lvl="1"/>
-            <a:r>
-              <a:rPr lang="ru-RU" dirty="0"/>
-              <a:t>основан на динамической инструментации (</a:t>
-            </a:r>
-            <a:r>
-              <a:rPr lang="ru-RU" dirty="0">
-                <a:latin typeface="Courier New" panose="02070309020205020404" pitchFamily="49" charset="0"/>
-                <a:cs typeface="Courier New" panose="02070309020205020404" pitchFamily="49" charset="0"/>
-              </a:rPr>
-              <a:t>LD_PRELOAD</a:t>
-            </a:r>
-            <a:r>
-              <a:rPr lang="ru-RU" dirty="0"/>
-              <a:t>)</a:t>
-            </a:r>
-          </a:p>
-          <a:p>
-            <a:pPr lvl="1"/>
-            <a:r>
-              <a:rPr lang="ru-RU" dirty="0"/>
-              <a:t>15 ошибок в различных OSS проектах (GCC, Harfbuzz, etc.)</a:t>
-            </a:r>
-          </a:p>
-          <a:p>
-            <a:r>
-              <a:rPr lang="ru-RU" dirty="0"/>
-              <a:t>SortChecker++ (</a:t>
-            </a:r>
-            <a:r>
-              <a:rPr lang="ru-RU" dirty="0">
-                <a:hlinkClick r:id="rId3"/>
-              </a:rPr>
-              <a:t>https://github.com/yugr/sortcheckxx</a:t>
-            </a:r>
-            <a:r>
-              <a:rPr lang="ru-RU" dirty="0"/>
-              <a:t>)</a:t>
-            </a:r>
-          </a:p>
-          <a:p>
-            <a:pPr lvl="1"/>
-            <a:r>
-              <a:rPr lang="ru-RU" dirty="0"/>
-              <a:t>работает с программами на C++</a:t>
-            </a:r>
-          </a:p>
-          <a:p>
-            <a:pPr lvl="1"/>
-            <a:r>
-              <a:rPr lang="ru-RU" dirty="0"/>
-              <a:t>перехватывает и проверяет API типа </a:t>
-            </a:r>
-            <a:r>
-              <a:rPr lang="ru-RU" dirty="0">
-                <a:latin typeface="Courier New" panose="02070309020205020404" pitchFamily="49" charset="0"/>
-                <a:cs typeface="Courier New" panose="02070309020205020404" pitchFamily="49" charset="0"/>
-              </a:rPr>
-              <a:t>std::sort</a:t>
-            </a:r>
-            <a:r>
-              <a:rPr lang="ru-RU" dirty="0"/>
-              <a:t> и контейнеры типа </a:t>
-            </a:r>
-            <a:r>
-              <a:rPr lang="ru-RU" dirty="0">
-                <a:latin typeface="Courier New" panose="02070309020205020404" pitchFamily="49" charset="0"/>
-                <a:cs typeface="Courier New" panose="02070309020205020404" pitchFamily="49" charset="0"/>
-              </a:rPr>
-              <a:t>std::map</a:t>
-            </a:r>
-          </a:p>
-          <a:p>
-            <a:pPr lvl="1"/>
-            <a:r>
-              <a:rPr lang="ru-RU" dirty="0"/>
-              <a:t>основан на source-to-source инструментации (Clang-based)</a:t>
-            </a:r>
-          </a:p>
-          <a:p>
-            <a:pPr lvl="1"/>
-            <a:r>
-              <a:rPr lang="ru-RU" dirty="0"/>
-              <a:t>5 ошибок в различных OSS проектах</a:t>
-            </a:r>
-          </a:p>
-          <a:p>
-            <a:pPr lvl="1"/>
-            <a:r>
-              <a:rPr lang="ru-RU" dirty="0"/>
-              <a:t>TODO: поддержать все релевантные алгоритмы (</a:t>
-            </a:r>
-            <a:r>
-              <a:rPr lang="ru-RU" dirty="0">
-                <a:latin typeface="Courier New" panose="02070309020205020404" pitchFamily="49" charset="0"/>
-                <a:cs typeface="Courier New" panose="02070309020205020404" pitchFamily="49" charset="0"/>
-              </a:rPr>
-              <a:t>nth_element</a:t>
-            </a:r>
-            <a:r>
-              <a:rPr lang="ru-RU" dirty="0"/>
-              <a:t>, etc.)</a:t>
+              <a:t>Например проверку аксиом транзитивности</a:t>
             </a:r>
           </a:p>
           <a:p>
@@ -12159,7 +12309,7 @@
     </p:spTree>
     <p:extLst>
       <p:ext uri="{BB962C8B-B14F-4D97-AF65-F5344CB8AC3E}">
-        <p14:creationId xmlns:p14="http://schemas.microsoft.com/office/powerpoint/2010/main" val="2659528703"/>
+        <p14:creationId xmlns:p14="http://schemas.microsoft.com/office/powerpoint/2010/main" val="2928624946"/>
       </p:ext>
     </p:extLst>
   </p:cSld>
@@ -12191,7 +12341,7 @@
           <p:cNvPr id="2" name="Title 1">
             <a:extLst>
               <a:ext uri="{FF2B5EF4-FFF2-40B4-BE49-F238E27FC236}">
-                <a16:creationId xmlns:a16="http://schemas.microsoft.com/office/drawing/2014/main" id="{A6FDE828-D233-4535-B53B-9502F549DDB9}"/>
+                <a16:creationId xmlns:a16="http://schemas.microsoft.com/office/drawing/2014/main" id="{BC72424F-9AF5-45CD-9C91-874C6DC016AA}"/>
               </a:ext>
             </a:extLst>
           </p:cNvPr>
@@ -12207,10 +12357,6 @@
           <a:bodyPr/>
           <a:lstStyle/>
           <a:p>
-            <a:r>
-              <a:rPr lang="ru-RU" dirty="0"/>
-              <a:t>Как использовать </a:t>
-            </a:r>
             <a:r>
               <a:rPr lang="en-US" dirty="0" err="1"/>
               <a:t>SortChecker</a:t>
@@ -12224,7 +12370,7 @@
           <p:cNvPr id="3" name="Content Placeholder 2">
             <a:extLst>
               <a:ext uri="{FF2B5EF4-FFF2-40B4-BE49-F238E27FC236}">
-                <a16:creationId xmlns:a16="http://schemas.microsoft.com/office/drawing/2014/main" id="{485A6619-1CBE-4348-961B-BD3FDC8FFEC4}"/>
+                <a16:creationId xmlns:a16="http://schemas.microsoft.com/office/drawing/2014/main" id="{436AE089-C978-44EF-9D7D-E8AE6EA68157}"/>
               </a:ext>
             </a:extLst>
           </p:cNvPr>
@@ -12234,349 +12380,95 @@
           <p:nvPr>
             <p:ph idx="1"/>
           </p:nvPr>
-        </p:nvSpPr>
-        <p:spPr/>
-        <p:txBody>
-          <a:bodyPr>
-            <a:normAutofit lnSpcReduction="10000"/>
-          </a:bodyPr>
-          <a:lstStyle/>
-          <a:p>
-            <a:r>
-              <a:rPr lang="ru-RU" dirty="0"/>
-              <a:t>Вначале инструментируем код:</a:t>
-            </a:r>
-          </a:p>
-          <a:p>
-            <a:pPr marL="457200" lvl="1" indent="0">
-              <a:buNone/>
-            </a:pPr>
-            <a:r>
-              <a:rPr lang="en-US" dirty="0">
-                <a:latin typeface="Courier New" panose="02070309020205020404" pitchFamily="49" charset="0"/>
-                <a:cs typeface="Courier New" panose="02070309020205020404" pitchFamily="49" charset="0"/>
-              </a:rPr>
-              <a:t>$ </a:t>
-            </a:r>
-            <a:r>
-              <a:rPr lang="en-US" dirty="0" err="1">
-                <a:latin typeface="Courier New" panose="02070309020205020404" pitchFamily="49" charset="0"/>
-                <a:cs typeface="Courier New" panose="02070309020205020404" pitchFamily="49" charset="0"/>
-              </a:rPr>
-              <a:t>sortcheckxx</a:t>
-            </a:r>
-            <a:r>
-              <a:rPr lang="en-US" dirty="0">
-                <a:latin typeface="Courier New" panose="02070309020205020404" pitchFamily="49" charset="0"/>
-                <a:cs typeface="Courier New" panose="02070309020205020404" pitchFamily="49" charset="0"/>
-              </a:rPr>
-              <a:t>/bin/</a:t>
-            </a:r>
-            <a:r>
-              <a:rPr lang="en-US" dirty="0" err="1">
-                <a:latin typeface="Courier New" panose="02070309020205020404" pitchFamily="49" charset="0"/>
-                <a:cs typeface="Courier New" panose="02070309020205020404" pitchFamily="49" charset="0"/>
-              </a:rPr>
-              <a:t>SortChecker</a:t>
-            </a:r>
-            <a:r>
-              <a:rPr lang="en-US" dirty="0">
-                <a:latin typeface="Courier New" panose="02070309020205020404" pitchFamily="49" charset="0"/>
-                <a:cs typeface="Courier New" panose="02070309020205020404" pitchFamily="49" charset="0"/>
-              </a:rPr>
-              <a:t> tmp.cc -- -DN=50</a:t>
-            </a:r>
-            <a:endParaRPr lang="en-US" dirty="0"/>
-          </a:p>
-          <a:p>
-            <a:endParaRPr lang="en-US" dirty="0"/>
-          </a:p>
-          <a:p>
-            <a:pPr marL="0" indent="0">
-              <a:buNone/>
-            </a:pPr>
-            <a:endParaRPr lang="en-US" dirty="0"/>
-          </a:p>
-          <a:p>
-            <a:r>
-              <a:rPr lang="ru-RU" dirty="0"/>
-              <a:t>Скомпилируем и запустим инструментированный код из начала презентации</a:t>
-            </a:r>
-            <a:r>
-              <a:rPr lang="en-US" dirty="0"/>
-              <a:t>:</a:t>
-            </a:r>
-            <a:endParaRPr lang="ru-RU" dirty="0"/>
-          </a:p>
-          <a:p>
-            <a:pPr marL="457200" lvl="1" indent="0">
-              <a:buNone/>
-            </a:pPr>
-            <a:r>
-              <a:rPr lang="en-US" dirty="0">
-                <a:latin typeface="Courier New" panose="02070309020205020404" pitchFamily="49" charset="0"/>
-                <a:cs typeface="Courier New" panose="02070309020205020404" pitchFamily="49" charset="0"/>
-              </a:rPr>
-              <a:t>$ g++ -g -DN=50 -I </a:t>
-            </a:r>
-            <a:r>
-              <a:rPr lang="en-US" dirty="0" err="1">
-                <a:latin typeface="Courier New" panose="02070309020205020404" pitchFamily="49" charset="0"/>
-                <a:cs typeface="Courier New" panose="02070309020205020404" pitchFamily="49" charset="0"/>
-              </a:rPr>
-              <a:t>sortcheckxx</a:t>
-            </a:r>
-            <a:r>
-              <a:rPr lang="en-US" dirty="0">
-                <a:latin typeface="Courier New" panose="02070309020205020404" pitchFamily="49" charset="0"/>
-                <a:cs typeface="Courier New" panose="02070309020205020404" pitchFamily="49" charset="0"/>
-              </a:rPr>
-              <a:t>/include tmp.cc &amp;&amp; ./</a:t>
-            </a:r>
-            <a:r>
-              <a:rPr lang="en-US" dirty="0" err="1">
-                <a:latin typeface="Courier New" panose="02070309020205020404" pitchFamily="49" charset="0"/>
-                <a:cs typeface="Courier New" panose="02070309020205020404" pitchFamily="49" charset="0"/>
-              </a:rPr>
-              <a:t>a.out</a:t>
-            </a:r>
-            <a:endParaRPr lang="en-US" dirty="0">
-              <a:latin typeface="Courier New" panose="02070309020205020404" pitchFamily="49" charset="0"/>
-              <a:cs typeface="Courier New" panose="02070309020205020404" pitchFamily="49" charset="0"/>
-            </a:endParaRPr>
-          </a:p>
-          <a:p>
-            <a:pPr marL="457200" lvl="1" indent="0">
-              <a:buNone/>
-            </a:pPr>
-            <a:r>
-              <a:rPr lang="en-US" dirty="0" err="1">
-                <a:latin typeface="Courier New" panose="02070309020205020404" pitchFamily="49" charset="0"/>
-                <a:cs typeface="Courier New" panose="02070309020205020404" pitchFamily="49" charset="0"/>
-              </a:rPr>
-              <a:t>sortcheck</a:t>
-            </a:r>
-            <a:r>
-              <a:rPr lang="en-US" dirty="0">
-                <a:latin typeface="Courier New" panose="02070309020205020404" pitchFamily="49" charset="0"/>
-                <a:cs typeface="Courier New" panose="02070309020205020404" pitchFamily="49" charset="0"/>
-              </a:rPr>
-              <a:t>: tmp.cc:14: irreflexive comparator at position 0</a:t>
-            </a:r>
-          </a:p>
-          <a:p>
-            <a:pPr marL="457200" lvl="1" indent="0">
-              <a:buNone/>
-            </a:pPr>
-            <a:r>
-              <a:rPr lang="en-US" dirty="0">
-                <a:latin typeface="Courier New" panose="02070309020205020404" pitchFamily="49" charset="0"/>
-                <a:cs typeface="Courier New" panose="02070309020205020404" pitchFamily="49" charset="0"/>
-              </a:rPr>
-              <a:t>Aborted</a:t>
-            </a:r>
-          </a:p>
-          <a:p>
-            <a:endParaRPr lang="en-US" dirty="0"/>
-          </a:p>
-        </p:txBody>
-      </p:sp>
-      <p:sp>
-        <p:nvSpPr>
-          <p:cNvPr id="7" name="TextBox 6">
-            <a:extLst>
-              <a:ext uri="{FF2B5EF4-FFF2-40B4-BE49-F238E27FC236}">
-                <a16:creationId xmlns:a16="http://schemas.microsoft.com/office/drawing/2014/main" id="{11123AAB-C400-4176-BD21-92E392527EA3}"/>
-              </a:ext>
-            </a:extLst>
-          </p:cNvPr>
-          <p:cNvSpPr txBox="1"/>
-          <p:nvPr/>
-        </p:nvSpPr>
-        <p:spPr>
-          <a:xfrm flipH="1">
-            <a:off x="655319" y="2847987"/>
-            <a:ext cx="4156167" cy="646331"/>
-          </a:xfrm>
-          <a:prstGeom prst="rect">
-            <a:avLst/>
-          </a:prstGeom>
-          <a:noFill/>
-        </p:spPr>
-        <p:txBody>
-          <a:bodyPr wrap="square" rtlCol="0">
-            <a:spAutoFit/>
-          </a:bodyPr>
-          <a:lstStyle/>
-          <a:p>
-            <a:r>
-              <a:rPr lang="en-US" dirty="0">
-                <a:latin typeface="Courier New" panose="02070309020205020404" pitchFamily="49" charset="0"/>
-                <a:cs typeface="Courier New" panose="02070309020205020404" pitchFamily="49" charset="0"/>
-              </a:rPr>
-              <a:t>std::sort(begin, end, </a:t>
-            </a:r>
-            <a:r>
-              <a:rPr lang="en-US" dirty="0" err="1">
-                <a:latin typeface="Courier New" panose="02070309020205020404" pitchFamily="49" charset="0"/>
-                <a:cs typeface="Courier New" panose="02070309020205020404" pitchFamily="49" charset="0"/>
-              </a:rPr>
-              <a:t>cmp</a:t>
-            </a:r>
-            <a:r>
-              <a:rPr lang="en-US" dirty="0">
-                <a:latin typeface="Courier New" panose="02070309020205020404" pitchFamily="49" charset="0"/>
-                <a:cs typeface="Courier New" panose="02070309020205020404" pitchFamily="49" charset="0"/>
-              </a:rPr>
-              <a:t>);</a:t>
-            </a:r>
-          </a:p>
-          <a:p>
-            <a:endParaRPr lang="en-US" dirty="0"/>
-          </a:p>
-        </p:txBody>
-      </p:sp>
-      <p:sp>
-        <p:nvSpPr>
-          <p:cNvPr id="8" name="TextBox 7">
-            <a:extLst>
-              <a:ext uri="{FF2B5EF4-FFF2-40B4-BE49-F238E27FC236}">
-                <a16:creationId xmlns:a16="http://schemas.microsoft.com/office/drawing/2014/main" id="{9278FD20-2DDE-44DA-87D2-6696BE10DA53}"/>
-              </a:ext>
-            </a:extLst>
-          </p:cNvPr>
-          <p:cNvSpPr txBox="1"/>
-          <p:nvPr/>
         </p:nvSpPr>
         <p:spPr>
           <a:xfrm>
-            <a:off x="6235342" y="2709487"/>
-            <a:ext cx="6128657" cy="923330"/>
+            <a:off x="838200" y="1847396"/>
+            <a:ext cx="10515600" cy="4351338"/>
           </a:xfrm>
-          <a:prstGeom prst="rect">
-            <a:avLst/>
-          </a:prstGeom>
-          <a:noFill/>
         </p:spPr>
         <p:txBody>
-          <a:bodyPr wrap="square" rtlCol="0">
-            <a:spAutoFit/>
+          <a:bodyPr>
+            <a:normAutofit/>
           </a:bodyPr>
           <a:lstStyle/>
           <a:p>
-            <a:pPr marL="457200" lvl="1" indent="0">
-              <a:buNone/>
-            </a:pPr>
-            <a:r>
-              <a:rPr lang="en-US" dirty="0" err="1">
-                <a:latin typeface="Courier New" panose="02070309020205020404" pitchFamily="49" charset="0"/>
-                <a:cs typeface="Courier New" panose="02070309020205020404" pitchFamily="49" charset="0"/>
-              </a:rPr>
-              <a:t>sortcheck</a:t>
-            </a:r>
-            <a:r>
-              <a:rPr lang="en-US" dirty="0">
-                <a:latin typeface="Courier New" panose="02070309020205020404" pitchFamily="49" charset="0"/>
-                <a:cs typeface="Courier New" panose="02070309020205020404" pitchFamily="49" charset="0"/>
-              </a:rPr>
-              <a:t>::</a:t>
-            </a:r>
-            <a:r>
-              <a:rPr lang="en-US" dirty="0" err="1">
-                <a:latin typeface="Courier New" panose="02070309020205020404" pitchFamily="49" charset="0"/>
-                <a:cs typeface="Courier New" panose="02070309020205020404" pitchFamily="49" charset="0"/>
-              </a:rPr>
-              <a:t>sort_checked</a:t>
-            </a:r>
-            <a:r>
-              <a:rPr lang="en-US" dirty="0">
-                <a:latin typeface="Courier New" panose="02070309020205020404" pitchFamily="49" charset="0"/>
-                <a:cs typeface="Courier New" panose="02070309020205020404" pitchFamily="49" charset="0"/>
-              </a:rPr>
-              <a:t>(begin, end,</a:t>
-            </a:r>
-          </a:p>
-          <a:p>
-            <a:pPr marL="457200" lvl="1" indent="0">
-              <a:buNone/>
-            </a:pPr>
-            <a:r>
-              <a:rPr lang="en-US" dirty="0">
-                <a:latin typeface="Courier New" panose="02070309020205020404" pitchFamily="49" charset="0"/>
-                <a:cs typeface="Courier New" panose="02070309020205020404" pitchFamily="49" charset="0"/>
-              </a:rPr>
-              <a:t>  </a:t>
-            </a:r>
-            <a:r>
-              <a:rPr lang="en-US" dirty="0" err="1">
-                <a:latin typeface="Courier New" panose="02070309020205020404" pitchFamily="49" charset="0"/>
-                <a:cs typeface="Courier New" panose="02070309020205020404" pitchFamily="49" charset="0"/>
-              </a:rPr>
-              <a:t>cmp</a:t>
-            </a:r>
-            <a:r>
-              <a:rPr lang="en-US" dirty="0">
-                <a:latin typeface="Courier New" panose="02070309020205020404" pitchFamily="49" charset="0"/>
-                <a:cs typeface="Courier New" panose="02070309020205020404" pitchFamily="49" charset="0"/>
-              </a:rPr>
-              <a:t>, __FILE__, __LINE__);</a:t>
-            </a:r>
-          </a:p>
-          <a:p>
+            <a:r>
+              <a:rPr lang="ru-RU" dirty="0"/>
+              <a:t>SortChecker (</a:t>
+            </a:r>
+            <a:r>
+              <a:rPr lang="ru-RU" dirty="0">
+                <a:hlinkClick r:id="rId2"/>
+              </a:rPr>
+              <a:t>https://github.com/yugr/sortcheck</a:t>
+            </a:r>
+            <a:r>
+              <a:rPr lang="ru-RU" dirty="0"/>
+              <a:t>)</a:t>
+            </a:r>
             <a:endParaRPr lang="en-US" dirty="0"/>
           </a:p>
-        </p:txBody>
-      </p:sp>
-      <p:sp>
-        <p:nvSpPr>
-          <p:cNvPr id="9" name="Arrow: Right 8">
-            <a:extLst>
-              <a:ext uri="{FF2B5EF4-FFF2-40B4-BE49-F238E27FC236}">
-                <a16:creationId xmlns:a16="http://schemas.microsoft.com/office/drawing/2014/main" id="{A27634EB-80E1-4865-ABAC-777D70A2C39D}"/>
-              </a:ext>
-            </a:extLst>
-          </p:cNvPr>
-          <p:cNvSpPr/>
-          <p:nvPr/>
-        </p:nvSpPr>
-        <p:spPr>
-          <a:xfrm>
-            <a:off x="5181602" y="2955475"/>
-            <a:ext cx="914398" cy="223158"/>
-          </a:xfrm>
-          <a:prstGeom prst="rightArrow">
-            <a:avLst/>
-          </a:prstGeom>
-        </p:spPr>
-        <p:style>
-          <a:lnRef idx="2">
-            <a:schemeClr val="accent1">
-              <a:shade val="50000"/>
-            </a:schemeClr>
-          </a:lnRef>
-          <a:fillRef idx="1">
-            <a:schemeClr val="accent1"/>
-          </a:fillRef>
-          <a:effectRef idx="0">
-            <a:schemeClr val="accent1"/>
-          </a:effectRef>
-          <a:fontRef idx="minor">
-            <a:schemeClr val="lt1"/>
-          </a:fontRef>
-        </p:style>
-        <p:txBody>
-          <a:bodyPr rtlCol="0" anchor="ctr"/>
-          <a:lstStyle/>
-          <a:p>
-            <a:pPr algn="ctr"/>
-            <a:endParaRPr lang="en-US"/>
+          <a:p>
+            <a:r>
+              <a:rPr lang="ru-RU" dirty="0"/>
+              <a:t>Простой динамический чекер для проверки корректности программ на Си в рантайме</a:t>
+            </a:r>
+            <a:endParaRPr lang="en-US" dirty="0"/>
+          </a:p>
+          <a:p>
+            <a:r>
+              <a:rPr lang="ru-RU" dirty="0"/>
+              <a:t>Перехватывает и проверяет API типа </a:t>
+            </a:r>
+            <a:r>
+              <a:rPr lang="ru-RU" dirty="0">
+                <a:latin typeface="Courier New" panose="02070309020205020404" pitchFamily="49" charset="0"/>
+                <a:cs typeface="Courier New" panose="02070309020205020404" pitchFamily="49" charset="0"/>
+              </a:rPr>
+              <a:t>qsort</a:t>
+            </a:r>
+            <a:r>
+              <a:rPr lang="ru-RU" dirty="0"/>
+              <a:t> и </a:t>
+            </a:r>
+            <a:r>
+              <a:rPr lang="ru-RU" dirty="0">
+                <a:latin typeface="Courier New" panose="02070309020205020404" pitchFamily="49" charset="0"/>
+                <a:cs typeface="Courier New" panose="02070309020205020404" pitchFamily="49" charset="0"/>
+              </a:rPr>
+              <a:t>bsearch</a:t>
+            </a:r>
+          </a:p>
+          <a:p>
+            <a:r>
+              <a:rPr lang="ru-RU" dirty="0"/>
+              <a:t>Основан на динамической инструментации (</a:t>
+            </a:r>
+            <a:r>
+              <a:rPr lang="ru-RU" dirty="0">
+                <a:latin typeface="Courier New" panose="02070309020205020404" pitchFamily="49" charset="0"/>
+                <a:cs typeface="Courier New" panose="02070309020205020404" pitchFamily="49" charset="0"/>
+              </a:rPr>
+              <a:t>LD_PRELOAD</a:t>
+            </a:r>
+            <a:r>
+              <a:rPr lang="ru-RU" dirty="0"/>
+              <a:t>)</a:t>
+            </a:r>
+          </a:p>
+          <a:p>
+            <a:r>
+              <a:rPr lang="ru-RU" dirty="0"/>
+              <a:t>Нашёл 15 ошибок в различных OSS проектах (GCC, Harfbuzz, etc.)</a:t>
+            </a:r>
           </a:p>
         </p:txBody>
       </p:sp>
     </p:spTree>
     <p:extLst>
       <p:ext uri="{BB962C8B-B14F-4D97-AF65-F5344CB8AC3E}">
-        <p14:creationId xmlns:p14="http://schemas.microsoft.com/office/powerpoint/2010/main" val="1487736242"/>
+        <p14:creationId xmlns:p14="http://schemas.microsoft.com/office/powerpoint/2010/main" val="2659528703"/>
       </p:ext>
     </p:extLst>
   </p:cSld>
@@ -12767,7 +12659,7 @@
           <p:cNvPr id="2" name="Title 1">
             <a:extLst>
               <a:ext uri="{FF2B5EF4-FFF2-40B4-BE49-F238E27FC236}">
-                <a16:creationId xmlns:a16="http://schemas.microsoft.com/office/drawing/2014/main" id="{B6884E62-A92A-47BA-9EF6-78B10084AB0B}"/>
+                <a16:creationId xmlns:a16="http://schemas.microsoft.com/office/drawing/2014/main" id="{BC72424F-9AF5-45CD-9C91-874C6DC016AA}"/>
               </a:ext>
             </a:extLst>
           </p:cNvPr>
@@ -12776,359 +12668,135 @@
           </p:cNvSpPr>
           <p:nvPr>
             <p:ph type="title"/>
+          </p:nvPr>
+        </p:nvSpPr>
+        <p:spPr/>
+        <p:txBody>
+          <a:bodyPr/>
+          <a:lstStyle/>
+          <a:p>
+            <a:r>
+              <a:rPr lang="en-US" dirty="0" err="1"/>
+              <a:t>SortChecker</a:t>
+            </a:r>
+            <a:r>
+              <a:rPr lang="ru-RU" dirty="0"/>
+              <a:t>++</a:t>
+            </a:r>
+            <a:endParaRPr lang="en-US" dirty="0"/>
+          </a:p>
+        </p:txBody>
+      </p:sp>
+      <p:sp>
+        <p:nvSpPr>
+          <p:cNvPr id="3" name="Content Placeholder 2">
+            <a:extLst>
+              <a:ext uri="{FF2B5EF4-FFF2-40B4-BE49-F238E27FC236}">
+                <a16:creationId xmlns:a16="http://schemas.microsoft.com/office/drawing/2014/main" id="{436AE089-C978-44EF-9D7D-E8AE6EA68157}"/>
+              </a:ext>
+            </a:extLst>
+          </p:cNvPr>
+          <p:cNvSpPr>
+            <a:spLocks noGrp="1"/>
+          </p:cNvSpPr>
+          <p:nvPr>
+            <p:ph idx="1"/>
           </p:nvPr>
         </p:nvSpPr>
         <p:spPr>
           <a:xfrm>
-            <a:off x="838200" y="-81189"/>
-            <a:ext cx="10515600" cy="1325563"/>
+            <a:off x="838200" y="1847396"/>
+            <a:ext cx="10515600" cy="4351338"/>
           </a:xfrm>
         </p:spPr>
         <p:txBody>
-          <a:bodyPr/>
-          <a:lstStyle/>
-          <a:p>
-            <a:r>
-              <a:rPr lang="ru-RU" dirty="0"/>
-              <a:t>Псевдокод</a:t>
+          <a:bodyPr>
+            <a:normAutofit/>
+          </a:bodyPr>
+          <a:lstStyle/>
+          <a:p>
+            <a:r>
+              <a:rPr lang="ru-RU" dirty="0"/>
+              <a:t>Простой динамический чекер для проверки корректности программ на </a:t>
+            </a:r>
+            <a:r>
+              <a:rPr lang="en-US" dirty="0"/>
+              <a:t>C++ </a:t>
+            </a:r>
+            <a:r>
+              <a:rPr lang="ru-RU" dirty="0"/>
+              <a:t>в рантайме</a:t>
             </a:r>
             <a:endParaRPr lang="en-US" dirty="0"/>
           </a:p>
-        </p:txBody>
-      </p:sp>
-      <p:sp>
-        <p:nvSpPr>
-          <p:cNvPr id="3" name="Content Placeholder 2">
-            <a:extLst>
-              <a:ext uri="{FF2B5EF4-FFF2-40B4-BE49-F238E27FC236}">
-                <a16:creationId xmlns:a16="http://schemas.microsoft.com/office/drawing/2014/main" id="{AD260025-EBC3-45D0-9B0B-DAA951A03DCC}"/>
-              </a:ext>
-            </a:extLst>
-          </p:cNvPr>
-          <p:cNvSpPr>
-            <a:spLocks noGrp="1"/>
-          </p:cNvSpPr>
-          <p:nvPr>
-            <p:ph idx="1"/>
-          </p:nvPr>
-        </p:nvSpPr>
-        <p:spPr>
-          <a:xfrm>
-            <a:off x="636814" y="1004887"/>
-            <a:ext cx="11261272" cy="5450342"/>
-          </a:xfrm>
-        </p:spPr>
-        <p:txBody>
-          <a:bodyPr>
-            <a:normAutofit fontScale="77500" lnSpcReduction="20000"/>
-          </a:bodyPr>
-          <a:lstStyle/>
-          <a:p>
-            <a:r>
-              <a:rPr lang="ru-RU" dirty="0"/>
-              <a:t>Каждый запуск </a:t>
-            </a:r>
-            <a:r>
-              <a:rPr lang="en-US" dirty="0">
+          <a:p>
+            <a:r>
+              <a:rPr lang="ru-RU" dirty="0"/>
+              <a:t>SortChecker++ (</a:t>
+            </a:r>
+            <a:r>
+              <a:rPr lang="ru-RU" dirty="0">
+                <a:hlinkClick r:id="rId2"/>
+              </a:rPr>
+              <a:t>https://github.com/yugr/sortcheckxx</a:t>
+            </a:r>
+            <a:r>
+              <a:rPr lang="ru-RU" dirty="0"/>
+              <a:t>)</a:t>
+            </a:r>
+          </a:p>
+          <a:p>
+            <a:r>
+              <a:rPr lang="ru-RU" dirty="0"/>
+              <a:t>Перехватывает и проверяет API типа </a:t>
+            </a:r>
+            <a:r>
+              <a:rPr lang="ru-RU" dirty="0">
                 <a:latin typeface="Courier New" panose="02070309020205020404" pitchFamily="49" charset="0"/>
                 <a:cs typeface="Courier New" panose="02070309020205020404" pitchFamily="49" charset="0"/>
               </a:rPr>
               <a:t>std::sort</a:t>
             </a:r>
             <a:r>
-              <a:rPr lang="en-US" dirty="0"/>
-              <a:t> </a:t>
-            </a:r>
-            <a:r>
-              <a:rPr lang="ru-RU" dirty="0"/>
-              <a:t>и аналогичных </a:t>
-            </a:r>
-            <a:r>
-              <a:rPr lang="en-US" dirty="0"/>
-              <a:t>API </a:t>
-            </a:r>
-            <a:r>
-              <a:rPr lang="ru-RU" dirty="0"/>
-              <a:t>предваряется проверками:</a:t>
-            </a:r>
-          </a:p>
-          <a:p>
-            <a:pPr marL="457200" lvl="1" indent="0">
-              <a:buNone/>
-            </a:pPr>
-            <a:r>
-              <a:rPr lang="en-US" sz="2000" dirty="0">
-                <a:latin typeface="Courier New" panose="02070309020205020404" pitchFamily="49" charset="0"/>
-                <a:cs typeface="Courier New" panose="02070309020205020404" pitchFamily="49" charset="0"/>
-              </a:rPr>
-              <a:t>for x in array</a:t>
-            </a:r>
-          </a:p>
-          <a:p>
-            <a:pPr marL="457200" lvl="1" indent="0">
-              <a:buNone/>
-            </a:pPr>
-            <a:r>
-              <a:rPr lang="en-US" sz="2000" dirty="0">
-                <a:latin typeface="Courier New" panose="02070309020205020404" pitchFamily="49" charset="0"/>
-                <a:cs typeface="Courier New" panose="02070309020205020404" pitchFamily="49" charset="0"/>
-              </a:rPr>
-              <a:t>  if comp(x, x)</a:t>
-            </a:r>
-          </a:p>
-          <a:p>
-            <a:pPr marL="457200" lvl="1" indent="0">
-              <a:buNone/>
-            </a:pPr>
-            <a:r>
-              <a:rPr lang="en-US" sz="2000" dirty="0">
-                <a:latin typeface="Courier New" panose="02070309020205020404" pitchFamily="49" charset="0"/>
-                <a:cs typeface="Courier New" panose="02070309020205020404" pitchFamily="49" charset="0"/>
-              </a:rPr>
-              <a:t>    error</a:t>
-            </a:r>
-          </a:p>
-          <a:p>
-            <a:pPr marL="457200" lvl="1" indent="0">
-              <a:buNone/>
-            </a:pPr>
-            <a:endParaRPr lang="en-US" sz="2000" dirty="0">
-              <a:latin typeface="Courier New" panose="02070309020205020404" pitchFamily="49" charset="0"/>
-              <a:cs typeface="Courier New" panose="02070309020205020404" pitchFamily="49" charset="0"/>
-            </a:endParaRPr>
-          </a:p>
-          <a:p>
-            <a:pPr marL="457200" lvl="1" indent="0">
-              <a:buNone/>
-            </a:pPr>
-            <a:r>
-              <a:rPr lang="en-US" sz="2000" dirty="0">
-                <a:latin typeface="Courier New" panose="02070309020205020404" pitchFamily="49" charset="0"/>
-                <a:cs typeface="Courier New" panose="02070309020205020404" pitchFamily="49" charset="0"/>
-              </a:rPr>
-              <a:t>for x, y in array</a:t>
-            </a:r>
-          </a:p>
-          <a:p>
-            <a:pPr marL="457200" lvl="1" indent="0">
-              <a:buNone/>
-            </a:pPr>
-            <a:r>
-              <a:rPr lang="en-US" sz="2000" dirty="0">
-                <a:latin typeface="Courier New" panose="02070309020205020404" pitchFamily="49" charset="0"/>
-                <a:cs typeface="Courier New" panose="02070309020205020404" pitchFamily="49" charset="0"/>
-              </a:rPr>
-              <a:t>  if comp(x, y) != comp(y, x)</a:t>
-            </a:r>
-          </a:p>
-          <a:p>
-            <a:pPr marL="457200" lvl="1" indent="0">
-              <a:buNone/>
-            </a:pPr>
-            <a:r>
-              <a:rPr lang="en-US" sz="2000" dirty="0">
-                <a:latin typeface="Courier New" panose="02070309020205020404" pitchFamily="49" charset="0"/>
-                <a:cs typeface="Courier New" panose="02070309020205020404" pitchFamily="49" charset="0"/>
-              </a:rPr>
-              <a:t>    error</a:t>
-            </a:r>
-          </a:p>
-          <a:p>
-            <a:pPr marL="457200" lvl="1" indent="0">
-              <a:buNone/>
-            </a:pPr>
-            <a:endParaRPr lang="en-US" sz="2000" dirty="0">
-              <a:latin typeface="Courier New" panose="02070309020205020404" pitchFamily="49" charset="0"/>
-              <a:cs typeface="Courier New" panose="02070309020205020404" pitchFamily="49" charset="0"/>
-            </a:endParaRPr>
-          </a:p>
-          <a:p>
-            <a:pPr marL="457200" lvl="1" indent="0">
-              <a:buNone/>
-            </a:pPr>
-            <a:r>
-              <a:rPr lang="en-US" sz="2000" dirty="0">
-                <a:latin typeface="Courier New" panose="02070309020205020404" pitchFamily="49" charset="0"/>
-                <a:cs typeface="Courier New" panose="02070309020205020404" pitchFamily="49" charset="0"/>
-              </a:rPr>
-              <a:t>for x, y, z in array</a:t>
-            </a:r>
-          </a:p>
-          <a:p>
-            <a:pPr marL="457200" lvl="1" indent="0">
-              <a:buNone/>
-            </a:pPr>
-            <a:r>
-              <a:rPr lang="en-US" sz="2000" dirty="0">
-                <a:latin typeface="Courier New" panose="02070309020205020404" pitchFamily="49" charset="0"/>
-                <a:cs typeface="Courier New" panose="02070309020205020404" pitchFamily="49" charset="0"/>
-              </a:rPr>
-              <a:t>  if comp(x, y) &amp;&amp; comp(y, z) &amp;&amp; !comp(x, z)</a:t>
-            </a:r>
-          </a:p>
-          <a:p>
-            <a:pPr marL="457200" lvl="1" indent="0">
-              <a:buNone/>
-            </a:pPr>
-            <a:r>
-              <a:rPr lang="en-US" sz="2000" dirty="0">
-                <a:latin typeface="Courier New" panose="02070309020205020404" pitchFamily="49" charset="0"/>
-                <a:cs typeface="Courier New" panose="02070309020205020404" pitchFamily="49" charset="0"/>
-              </a:rPr>
-              <a:t>    error</a:t>
-            </a:r>
-          </a:p>
-          <a:p>
-            <a:pPr marL="457200" lvl="1" indent="0">
-              <a:buNone/>
-            </a:pPr>
-            <a:endParaRPr lang="en-US" sz="2000" dirty="0">
-              <a:latin typeface="Courier New" panose="02070309020205020404" pitchFamily="49" charset="0"/>
-              <a:cs typeface="Courier New" panose="02070309020205020404" pitchFamily="49" charset="0"/>
-            </a:endParaRPr>
-          </a:p>
-          <a:p>
-            <a:pPr marL="457200" lvl="1" indent="0">
-              <a:buNone/>
-            </a:pPr>
-            <a:r>
-              <a:rPr lang="en-US" sz="2000" dirty="0">
-                <a:latin typeface="Courier New" panose="02070309020205020404" pitchFamily="49" charset="0"/>
-                <a:cs typeface="Courier New" panose="02070309020205020404" pitchFamily="49" charset="0"/>
-              </a:rPr>
-              <a:t>for x, y, z in array</a:t>
-            </a:r>
-          </a:p>
-          <a:p>
-            <a:pPr marL="457200" lvl="1" indent="0">
-              <a:buNone/>
-            </a:pPr>
-            <a:r>
-              <a:rPr lang="en-US" sz="2000" dirty="0">
-                <a:latin typeface="Courier New" panose="02070309020205020404" pitchFamily="49" charset="0"/>
-                <a:cs typeface="Courier New" panose="02070309020205020404" pitchFamily="49" charset="0"/>
-              </a:rPr>
-              <a:t>  if </a:t>
-            </a:r>
-            <a:r>
-              <a:rPr lang="en-US" sz="2000" dirty="0" err="1">
-                <a:latin typeface="Courier New" panose="02070309020205020404" pitchFamily="49" charset="0"/>
-                <a:cs typeface="Courier New" panose="02070309020205020404" pitchFamily="49" charset="0"/>
-              </a:rPr>
-              <a:t>equiv</a:t>
-            </a:r>
-            <a:r>
-              <a:rPr lang="en-US" sz="2000" dirty="0">
-                <a:latin typeface="Courier New" panose="02070309020205020404" pitchFamily="49" charset="0"/>
-                <a:cs typeface="Courier New" panose="02070309020205020404" pitchFamily="49" charset="0"/>
-              </a:rPr>
-              <a:t>(x, y) &amp;&amp; </a:t>
-            </a:r>
-            <a:r>
-              <a:rPr lang="en-US" sz="2000" dirty="0" err="1">
-                <a:latin typeface="Courier New" panose="02070309020205020404" pitchFamily="49" charset="0"/>
-                <a:cs typeface="Courier New" panose="02070309020205020404" pitchFamily="49" charset="0"/>
-              </a:rPr>
-              <a:t>equiv</a:t>
-            </a:r>
-            <a:r>
-              <a:rPr lang="en-US" sz="2000" dirty="0">
-                <a:latin typeface="Courier New" panose="02070309020205020404" pitchFamily="49" charset="0"/>
-                <a:cs typeface="Courier New" panose="02070309020205020404" pitchFamily="49" charset="0"/>
-              </a:rPr>
-              <a:t>(y, z) &amp;&amp; !</a:t>
-            </a:r>
-            <a:r>
-              <a:rPr lang="en-US" sz="2000" dirty="0" err="1">
-                <a:latin typeface="Courier New" panose="02070309020205020404" pitchFamily="49" charset="0"/>
-                <a:cs typeface="Courier New" panose="02070309020205020404" pitchFamily="49" charset="0"/>
-              </a:rPr>
-              <a:t>equiv</a:t>
-            </a:r>
-            <a:r>
-              <a:rPr lang="en-US" sz="2000" dirty="0">
-                <a:latin typeface="Courier New" panose="02070309020205020404" pitchFamily="49" charset="0"/>
-                <a:cs typeface="Courier New" panose="02070309020205020404" pitchFamily="49" charset="0"/>
-              </a:rPr>
-              <a:t>(x, z)</a:t>
-            </a:r>
-          </a:p>
-          <a:p>
-            <a:pPr marL="457200" lvl="1" indent="0">
-              <a:buNone/>
-            </a:pPr>
-            <a:r>
-              <a:rPr lang="en-US" sz="2000" dirty="0">
-                <a:latin typeface="Courier New" panose="02070309020205020404" pitchFamily="49" charset="0"/>
-                <a:cs typeface="Courier New" panose="02070309020205020404" pitchFamily="49" charset="0"/>
-              </a:rPr>
-              <a:t>    error</a:t>
-            </a:r>
-            <a:endParaRPr lang="en-US" dirty="0">
-              <a:latin typeface="Courier New" panose="02070309020205020404" pitchFamily="49" charset="0"/>
-              <a:cs typeface="Courier New" panose="02070309020205020404" pitchFamily="49" charset="0"/>
-            </a:endParaRPr>
-          </a:p>
-          <a:p>
-            <a:r>
-              <a:rPr lang="ru-RU" dirty="0"/>
-              <a:t>Сложность проверок составляет </a:t>
-            </a:r>
-            <a:r>
-              <a:rPr lang="en-US" dirty="0"/>
-              <a:t>O(N^3)</a:t>
-            </a:r>
-            <a:endParaRPr lang="ru-RU" dirty="0"/>
-          </a:p>
-          <a:p>
-            <a:r>
-              <a:rPr lang="en-US" dirty="0"/>
-              <a:t>C</a:t>
-            </a:r>
-            <a:r>
-              <a:rPr lang="ru-RU" dirty="0"/>
-              <a:t>ущественно превосходит даже </a:t>
-            </a:r>
-            <a:r>
-              <a:rPr lang="en-US" dirty="0">
-                <a:latin typeface="Courier New" panose="02070309020205020404" pitchFamily="49" charset="0"/>
-                <a:cs typeface="Courier New" panose="02070309020205020404" pitchFamily="49" charset="0"/>
-              </a:rPr>
-              <a:t>std::sort</a:t>
-            </a:r>
-            <a:r>
-              <a:rPr lang="en-US" dirty="0"/>
-              <a:t>, </a:t>
-            </a:r>
-            <a:r>
-              <a:rPr lang="ru-RU" dirty="0"/>
-              <a:t>не говоря о более быстрых алгоритмах (</a:t>
-            </a:r>
-            <a:r>
-              <a:rPr lang="en-US" dirty="0">
-                <a:latin typeface="Courier New" panose="02070309020205020404" pitchFamily="49" charset="0"/>
-                <a:cs typeface="Courier New" panose="02070309020205020404" pitchFamily="49" charset="0"/>
-              </a:rPr>
-              <a:t>std::</a:t>
-            </a:r>
-            <a:r>
-              <a:rPr lang="en-US" dirty="0" err="1">
-                <a:latin typeface="Courier New" panose="02070309020205020404" pitchFamily="49" charset="0"/>
-                <a:cs typeface="Courier New" panose="02070309020205020404" pitchFamily="49" charset="0"/>
-              </a:rPr>
-              <a:t>max_element</a:t>
-            </a:r>
-            <a:r>
-              <a:rPr lang="en-US" dirty="0"/>
+              <a:rPr lang="ru-RU" dirty="0"/>
+              <a:t> и контейнеры типа </a:t>
+            </a:r>
+            <a:r>
+              <a:rPr lang="ru-RU" dirty="0">
+                <a:latin typeface="Courier New" panose="02070309020205020404" pitchFamily="49" charset="0"/>
+                <a:cs typeface="Courier New" panose="02070309020205020404" pitchFamily="49" charset="0"/>
+              </a:rPr>
+              <a:t>std::map</a:t>
+            </a:r>
+          </a:p>
+          <a:p>
+            <a:r>
+              <a:rPr lang="ru-RU" dirty="0"/>
+              <a:t>Основан на source-to-source инструментации (Clang-based)</a:t>
+            </a:r>
+          </a:p>
+          <a:p>
+            <a:r>
+              <a:rPr lang="ru-RU" dirty="0"/>
+              <a:t>5 ошибок в различных OSS проектах</a:t>
+            </a:r>
+          </a:p>
+          <a:p>
+            <a:r>
+              <a:rPr lang="ru-RU" dirty="0"/>
+              <a:t>TODO: поддержать все релевантные алгоритмы (</a:t>
+            </a:r>
+            <a:r>
+              <a:rPr lang="ru-RU" dirty="0">
+                <a:latin typeface="Courier New" panose="02070309020205020404" pitchFamily="49" charset="0"/>
+                <a:cs typeface="Courier New" panose="02070309020205020404" pitchFamily="49" charset="0"/>
+              </a:rPr>
+              <a:t>nth_element</a:t>
+            </a:r>
+            <a:r>
+              <a:rPr lang="ru-RU" dirty="0"/>
               <a:t>, etc.)</a:t>
             </a:r>
-          </a:p>
-          <a:p>
-            <a:r>
-              <a:rPr lang="ru-RU" dirty="0"/>
-              <a:t>На практике обходится не весь массив, а его небольшое подмножество (20-30 элементов)</a:t>
-            </a:r>
-            <a:endParaRPr lang="en-US" dirty="0"/>
           </a:p>
           <a:p>
             <a:endParaRPr lang="en-US" dirty="0"/>
@@ -13138,7 +12806,7 @@
     </p:spTree>
     <p:extLst>
       <p:ext uri="{BB962C8B-B14F-4D97-AF65-F5344CB8AC3E}">
-        <p14:creationId xmlns:p14="http://schemas.microsoft.com/office/powerpoint/2010/main" val="312233099"/>
+        <p14:creationId xmlns:p14="http://schemas.microsoft.com/office/powerpoint/2010/main" val="1597810612"/>
       </p:ext>
     </p:extLst>
   </p:cSld>
@@ -13170,7 +12838,7 @@
           <p:cNvPr id="2" name="Title 1">
             <a:extLst>
               <a:ext uri="{FF2B5EF4-FFF2-40B4-BE49-F238E27FC236}">
-                <a16:creationId xmlns:a16="http://schemas.microsoft.com/office/drawing/2014/main" id="{29796DE8-2F63-4ED5-8119-3DA4F4CD5511}"/>
+                <a16:creationId xmlns:a16="http://schemas.microsoft.com/office/drawing/2014/main" id="{A6FDE828-D233-4535-B53B-9502F549DDB9}"/>
               </a:ext>
             </a:extLst>
           </p:cNvPr>
@@ -13188,9 +12856,16 @@
           <a:p>
             <a:r>
               <a:rPr lang="ru-RU" dirty="0"/>
-              <a:t>Быстрый алгоритм проверки</a:t>
-            </a:r>
-            <a:endParaRPr lang="en-US" dirty="0"/>
+              <a:t>Как использовать </a:t>
+            </a:r>
+            <a:r>
+              <a:rPr lang="en-US" dirty="0" err="1"/>
+              <a:t>SortChecker</a:t>
+            </a:r>
+            <a:r>
+              <a:rPr lang="en-US" dirty="0"/>
+              <a:t>++</a:t>
+            </a:r>
           </a:p>
         </p:txBody>
       </p:sp>
@@ -13199,7 +12874,7 @@
           <p:cNvPr id="3" name="Content Placeholder 2">
             <a:extLst>
               <a:ext uri="{FF2B5EF4-FFF2-40B4-BE49-F238E27FC236}">
-                <a16:creationId xmlns:a16="http://schemas.microsoft.com/office/drawing/2014/main" id="{A60B7B0C-7980-480B-978A-B65865533741}"/>
+                <a16:creationId xmlns:a16="http://schemas.microsoft.com/office/drawing/2014/main" id="{485A6619-1CBE-4348-961B-BD3FDC8FFEC4}"/>
               </a:ext>
             </a:extLst>
           </p:cNvPr>
@@ -13218,76 +12893,340 @@
           <a:lstStyle/>
           <a:p>
             <a:r>
-              <a:rPr lang="en-US" dirty="0">
-                <a:hlinkClick r:id="rId2"/>
-              </a:rPr>
-              <a:t>https://github.com/danlark1/quadratic_strict_weak_ordering</a:t>
-            </a:r>
-            <a:r>
-              <a:rPr lang="ru-RU" dirty="0"/>
-              <a:t> </a:t>
-            </a:r>
-          </a:p>
-          <a:p>
-            <a:r>
-              <a:rPr lang="ru-RU" dirty="0"/>
-              <a:t>Предложен Д. Кутениным в начале 2023 года</a:t>
-            </a:r>
-          </a:p>
-          <a:p>
-            <a:r>
-              <a:rPr lang="ru-RU" dirty="0"/>
-              <a:t>Идея алгоритма:</a:t>
-            </a:r>
-          </a:p>
-          <a:p>
-            <a:pPr lvl="1"/>
-            <a:r>
-              <a:rPr lang="ru-RU" dirty="0"/>
-              <a:t>Предварительно отсортировать массив устойчивым алгоритмом</a:t>
-            </a:r>
-          </a:p>
-          <a:p>
-            <a:pPr lvl="1"/>
-            <a:r>
-              <a:rPr lang="ru-RU" dirty="0"/>
-              <a:t>Выделять в отсортированном массиве префиксы эквивалентных элементов</a:t>
-            </a:r>
-          </a:p>
-          <a:p>
-            <a:pPr lvl="1"/>
-            <a:r>
-              <a:rPr lang="ru-RU" dirty="0"/>
-              <a:t>И проверять их на транзитивность с оставшейся частью массива</a:t>
-            </a:r>
-          </a:p>
-          <a:p>
-            <a:r>
-              <a:rPr lang="ru-RU" dirty="0"/>
-              <a:t>Снижает сложность до O(N^2) (по прежнему превосходит сложность проверяемых алгоритмов)</a:t>
+              <a:rPr lang="ru-RU" dirty="0"/>
+              <a:t>Вначале инструментируем код:</a:t>
+            </a:r>
+          </a:p>
+          <a:p>
+            <a:pPr marL="457200" lvl="1" indent="0">
+              <a:buNone/>
+            </a:pPr>
+            <a:r>
+              <a:rPr lang="en-US" dirty="0">
+                <a:latin typeface="Courier New" panose="02070309020205020404" pitchFamily="49" charset="0"/>
+                <a:cs typeface="Courier New" panose="02070309020205020404" pitchFamily="49" charset="0"/>
+              </a:rPr>
+              <a:t>$ </a:t>
+            </a:r>
+            <a:r>
+              <a:rPr lang="en-US" dirty="0" err="1">
+                <a:latin typeface="Courier New" panose="02070309020205020404" pitchFamily="49" charset="0"/>
+                <a:cs typeface="Courier New" panose="02070309020205020404" pitchFamily="49" charset="0"/>
+              </a:rPr>
+              <a:t>sortcheckxx</a:t>
+            </a:r>
+            <a:r>
+              <a:rPr lang="en-US" dirty="0">
+                <a:latin typeface="Courier New" panose="02070309020205020404" pitchFamily="49" charset="0"/>
+                <a:cs typeface="Courier New" panose="02070309020205020404" pitchFamily="49" charset="0"/>
+              </a:rPr>
+              <a:t>/bin/</a:t>
+            </a:r>
+            <a:r>
+              <a:rPr lang="en-US" dirty="0" err="1">
+                <a:latin typeface="Courier New" panose="02070309020205020404" pitchFamily="49" charset="0"/>
+                <a:cs typeface="Courier New" panose="02070309020205020404" pitchFamily="49" charset="0"/>
+              </a:rPr>
+              <a:t>SortChecker</a:t>
+            </a:r>
+            <a:r>
+              <a:rPr lang="en-US" dirty="0">
+                <a:latin typeface="Courier New" panose="02070309020205020404" pitchFamily="49" charset="0"/>
+                <a:cs typeface="Courier New" panose="02070309020205020404" pitchFamily="49" charset="0"/>
+              </a:rPr>
+              <a:t> tmp.cc -- -DN=50</a:t>
             </a:r>
             <a:endParaRPr lang="en-US" dirty="0"/>
           </a:p>
           <a:p>
-            <a:r>
-              <a:rPr lang="ru-RU" dirty="0"/>
-              <a:t>Пока не интегрирован в </a:t>
-            </a:r>
-            <a:r>
-              <a:rPr lang="en-US" dirty="0" err="1"/>
-              <a:t>SortChecker</a:t>
+            <a:endParaRPr lang="en-US" dirty="0"/>
+          </a:p>
+          <a:p>
+            <a:pPr marL="0" indent="0">
+              <a:buNone/>
+            </a:pPr>
+            <a:endParaRPr lang="en-US" dirty="0"/>
+          </a:p>
+          <a:p>
+            <a:r>
+              <a:rPr lang="ru-RU" dirty="0"/>
+              <a:t>Скомпилируем и запустим инструментированный код из начала презентации</a:t>
+            </a:r>
+            <a:r>
+              <a:rPr lang="en-US" dirty="0"/>
+              <a:t>:</a:t>
             </a:r>
             <a:endParaRPr lang="ru-RU" dirty="0"/>
           </a:p>
           <a:p>
+            <a:pPr marL="457200" lvl="1" indent="0">
+              <a:buNone/>
+            </a:pPr>
+            <a:r>
+              <a:rPr lang="en-US" dirty="0">
+                <a:latin typeface="Courier New" panose="02070309020205020404" pitchFamily="49" charset="0"/>
+                <a:cs typeface="Courier New" panose="02070309020205020404" pitchFamily="49" charset="0"/>
+              </a:rPr>
+              <a:t>$ g++ -g -DN=50 -I </a:t>
+            </a:r>
+            <a:r>
+              <a:rPr lang="en-US" dirty="0" err="1">
+                <a:latin typeface="Courier New" panose="02070309020205020404" pitchFamily="49" charset="0"/>
+                <a:cs typeface="Courier New" panose="02070309020205020404" pitchFamily="49" charset="0"/>
+              </a:rPr>
+              <a:t>sortcheckxx</a:t>
+            </a:r>
+            <a:r>
+              <a:rPr lang="en-US" dirty="0">
+                <a:latin typeface="Courier New" panose="02070309020205020404" pitchFamily="49" charset="0"/>
+                <a:cs typeface="Courier New" panose="02070309020205020404" pitchFamily="49" charset="0"/>
+              </a:rPr>
+              <a:t>/include tmp.cc &amp;&amp; ./</a:t>
+            </a:r>
+            <a:r>
+              <a:rPr lang="en-US" dirty="0" err="1">
+                <a:latin typeface="Courier New" panose="02070309020205020404" pitchFamily="49" charset="0"/>
+                <a:cs typeface="Courier New" panose="02070309020205020404" pitchFamily="49" charset="0"/>
+              </a:rPr>
+              <a:t>a.out</a:t>
+            </a:r>
+            <a:endParaRPr lang="en-US" dirty="0">
+              <a:latin typeface="Courier New" panose="02070309020205020404" pitchFamily="49" charset="0"/>
+              <a:cs typeface="Courier New" panose="02070309020205020404" pitchFamily="49" charset="0"/>
+            </a:endParaRPr>
+          </a:p>
+          <a:p>
+            <a:pPr marL="457200" lvl="1" indent="0">
+              <a:buNone/>
+            </a:pPr>
+            <a:r>
+              <a:rPr lang="en-US" dirty="0" err="1">
+                <a:latin typeface="Courier New" panose="02070309020205020404" pitchFamily="49" charset="0"/>
+                <a:cs typeface="Courier New" panose="02070309020205020404" pitchFamily="49" charset="0"/>
+              </a:rPr>
+              <a:t>sortcheck</a:t>
+            </a:r>
+            <a:r>
+              <a:rPr lang="en-US" dirty="0">
+                <a:latin typeface="Courier New" panose="02070309020205020404" pitchFamily="49" charset="0"/>
+                <a:cs typeface="Courier New" panose="02070309020205020404" pitchFamily="49" charset="0"/>
+              </a:rPr>
+              <a:t>: tmp.cc:14: irreflexive comparator at position 0</a:t>
+            </a:r>
+          </a:p>
+          <a:p>
+            <a:pPr marL="457200" lvl="1" indent="0">
+              <a:buNone/>
+            </a:pPr>
+            <a:r>
+              <a:rPr lang="en-US" dirty="0">
+                <a:latin typeface="Courier New" panose="02070309020205020404" pitchFamily="49" charset="0"/>
+                <a:cs typeface="Courier New" panose="02070309020205020404" pitchFamily="49" charset="0"/>
+              </a:rPr>
+              <a:t>Aborted</a:t>
+            </a:r>
+          </a:p>
+          <a:p>
             <a:endParaRPr lang="en-US" dirty="0"/>
+          </a:p>
+        </p:txBody>
+      </p:sp>
+      <p:sp>
+        <p:nvSpPr>
+          <p:cNvPr id="7" name="TextBox 6">
+            <a:extLst>
+              <a:ext uri="{FF2B5EF4-FFF2-40B4-BE49-F238E27FC236}">
+                <a16:creationId xmlns:a16="http://schemas.microsoft.com/office/drawing/2014/main" id="{11123AAB-C400-4176-BD21-92E392527EA3}"/>
+              </a:ext>
+            </a:extLst>
+          </p:cNvPr>
+          <p:cNvSpPr txBox="1"/>
+          <p:nvPr/>
+        </p:nvSpPr>
+        <p:spPr>
+          <a:xfrm flipH="1">
+            <a:off x="655319" y="2847987"/>
+            <a:ext cx="4156167" cy="646331"/>
+          </a:xfrm>
+          <a:prstGeom prst="rect">
+            <a:avLst/>
+          </a:prstGeom>
+          <a:noFill/>
+        </p:spPr>
+        <p:txBody>
+          <a:bodyPr wrap="square" rtlCol="0">
+            <a:spAutoFit/>
+          </a:bodyPr>
+          <a:lstStyle/>
+          <a:p>
+            <a:r>
+              <a:rPr lang="en-US" dirty="0">
+                <a:latin typeface="Courier New" panose="02070309020205020404" pitchFamily="49" charset="0"/>
+                <a:cs typeface="Courier New" panose="02070309020205020404" pitchFamily="49" charset="0"/>
+              </a:rPr>
+              <a:t>std::sort(begin, end, </a:t>
+            </a:r>
+            <a:r>
+              <a:rPr lang="en-US" dirty="0" err="1">
+                <a:latin typeface="Courier New" panose="02070309020205020404" pitchFamily="49" charset="0"/>
+                <a:cs typeface="Courier New" panose="02070309020205020404" pitchFamily="49" charset="0"/>
+              </a:rPr>
+              <a:t>cmp</a:t>
+            </a:r>
+            <a:r>
+              <a:rPr lang="en-US" dirty="0">
+                <a:latin typeface="Courier New" panose="02070309020205020404" pitchFamily="49" charset="0"/>
+                <a:cs typeface="Courier New" panose="02070309020205020404" pitchFamily="49" charset="0"/>
+              </a:rPr>
+              <a:t>);</a:t>
+            </a:r>
+          </a:p>
+          <a:p>
+            <a:endParaRPr lang="en-US" dirty="0"/>
+          </a:p>
+        </p:txBody>
+      </p:sp>
+      <p:sp>
+        <p:nvSpPr>
+          <p:cNvPr id="8" name="TextBox 7">
+            <a:extLst>
+              <a:ext uri="{FF2B5EF4-FFF2-40B4-BE49-F238E27FC236}">
+                <a16:creationId xmlns:a16="http://schemas.microsoft.com/office/drawing/2014/main" id="{9278FD20-2DDE-44DA-87D2-6696BE10DA53}"/>
+              </a:ext>
+            </a:extLst>
+          </p:cNvPr>
+          <p:cNvSpPr txBox="1"/>
+          <p:nvPr/>
+        </p:nvSpPr>
+        <p:spPr>
+          <a:xfrm>
+            <a:off x="6235342" y="2709487"/>
+            <a:ext cx="6128657" cy="923330"/>
+          </a:xfrm>
+          <a:prstGeom prst="rect">
+            <a:avLst/>
+          </a:prstGeom>
+          <a:noFill/>
+        </p:spPr>
+        <p:txBody>
+          <a:bodyPr wrap="square" rtlCol="0">
+            <a:spAutoFit/>
+          </a:bodyPr>
+          <a:lstStyle/>
+          <a:p>
+            <a:pPr marL="457200" lvl="1" indent="0">
+              <a:buNone/>
+            </a:pPr>
+            <a:r>
+              <a:rPr lang="en-US" dirty="0" err="1">
+                <a:latin typeface="Courier New" panose="02070309020205020404" pitchFamily="49" charset="0"/>
+                <a:cs typeface="Courier New" panose="02070309020205020404" pitchFamily="49" charset="0"/>
+              </a:rPr>
+              <a:t>sortcheck</a:t>
+            </a:r>
+            <a:r>
+              <a:rPr lang="en-US" dirty="0">
+                <a:latin typeface="Courier New" panose="02070309020205020404" pitchFamily="49" charset="0"/>
+                <a:cs typeface="Courier New" panose="02070309020205020404" pitchFamily="49" charset="0"/>
+              </a:rPr>
+              <a:t>::</a:t>
+            </a:r>
+            <a:r>
+              <a:rPr lang="en-US" dirty="0" err="1">
+                <a:latin typeface="Courier New" panose="02070309020205020404" pitchFamily="49" charset="0"/>
+                <a:cs typeface="Courier New" panose="02070309020205020404" pitchFamily="49" charset="0"/>
+              </a:rPr>
+              <a:t>sort_checked</a:t>
+            </a:r>
+            <a:r>
+              <a:rPr lang="en-US" dirty="0">
+                <a:latin typeface="Courier New" panose="02070309020205020404" pitchFamily="49" charset="0"/>
+                <a:cs typeface="Courier New" panose="02070309020205020404" pitchFamily="49" charset="0"/>
+              </a:rPr>
+              <a:t>(begin, end,</a:t>
+            </a:r>
+          </a:p>
+          <a:p>
+            <a:pPr marL="457200" lvl="1" indent="0">
+              <a:buNone/>
+            </a:pPr>
+            <a:r>
+              <a:rPr lang="en-US" dirty="0">
+                <a:latin typeface="Courier New" panose="02070309020205020404" pitchFamily="49" charset="0"/>
+                <a:cs typeface="Courier New" panose="02070309020205020404" pitchFamily="49" charset="0"/>
+              </a:rPr>
+              <a:t>  </a:t>
+            </a:r>
+            <a:r>
+              <a:rPr lang="en-US" dirty="0" err="1">
+                <a:latin typeface="Courier New" panose="02070309020205020404" pitchFamily="49" charset="0"/>
+                <a:cs typeface="Courier New" panose="02070309020205020404" pitchFamily="49" charset="0"/>
+              </a:rPr>
+              <a:t>cmp</a:t>
+            </a:r>
+            <a:r>
+              <a:rPr lang="en-US" dirty="0">
+                <a:latin typeface="Courier New" panose="02070309020205020404" pitchFamily="49" charset="0"/>
+                <a:cs typeface="Courier New" panose="02070309020205020404" pitchFamily="49" charset="0"/>
+              </a:rPr>
+              <a:t>, __FILE__, __LINE__);</a:t>
+            </a:r>
+          </a:p>
+          <a:p>
+            <a:endParaRPr lang="en-US" dirty="0"/>
+          </a:p>
+        </p:txBody>
+      </p:sp>
+      <p:sp>
+        <p:nvSpPr>
+          <p:cNvPr id="9" name="Arrow: Right 8">
+            <a:extLst>
+              <a:ext uri="{FF2B5EF4-FFF2-40B4-BE49-F238E27FC236}">
+                <a16:creationId xmlns:a16="http://schemas.microsoft.com/office/drawing/2014/main" id="{A27634EB-80E1-4865-ABAC-777D70A2C39D}"/>
+              </a:ext>
+            </a:extLst>
+          </p:cNvPr>
+          <p:cNvSpPr/>
+          <p:nvPr/>
+        </p:nvSpPr>
+        <p:spPr>
+          <a:xfrm>
+            <a:off x="5181602" y="2955475"/>
+            <a:ext cx="914398" cy="223158"/>
+          </a:xfrm>
+          <a:prstGeom prst="rightArrow">
+            <a:avLst/>
+          </a:prstGeom>
+        </p:spPr>
+        <p:style>
+          <a:lnRef idx="2">
+            <a:schemeClr val="accent1">
+              <a:shade val="50000"/>
+            </a:schemeClr>
+          </a:lnRef>
+          <a:fillRef idx="1">
+            <a:schemeClr val="accent1"/>
+          </a:fillRef>
+          <a:effectRef idx="0">
+            <a:schemeClr val="accent1"/>
+          </a:effectRef>
+          <a:fontRef idx="minor">
+            <a:schemeClr val="lt1"/>
+          </a:fontRef>
+        </p:style>
+        <p:txBody>
+          <a:bodyPr rtlCol="0" anchor="ctr"/>
+          <a:lstStyle/>
+          <a:p>
+            <a:pPr algn="ctr"/>
+            <a:endParaRPr lang="en-US"/>
           </a:p>
         </p:txBody>
       </p:sp>
     </p:spTree>
     <p:extLst>
       <p:ext uri="{BB962C8B-B14F-4D97-AF65-F5344CB8AC3E}">
-        <p14:creationId xmlns:p14="http://schemas.microsoft.com/office/powerpoint/2010/main" val="886008562"/>
+        <p14:creationId xmlns:p14="http://schemas.microsoft.com/office/powerpoint/2010/main" val="1487736242"/>
       </p:ext>
     </p:extLst>
   </p:cSld>
@@ -13319,7 +13258,7 @@
           <p:cNvPr id="2" name="Title 1">
             <a:extLst>
               <a:ext uri="{FF2B5EF4-FFF2-40B4-BE49-F238E27FC236}">
-                <a16:creationId xmlns:a16="http://schemas.microsoft.com/office/drawing/2014/main" id="{98837C8A-F603-42F7-AC33-9EBA279193DF}"/>
+                <a16:creationId xmlns:a16="http://schemas.microsoft.com/office/drawing/2014/main" id="{B6884E62-A92A-47BA-9EF6-78B10084AB0B}"/>
               </a:ext>
             </a:extLst>
           </p:cNvPr>
@@ -13330,14 +13269,19 @@
             <p:ph type="title"/>
           </p:nvPr>
         </p:nvSpPr>
-        <p:spPr/>
+        <p:spPr>
+          <a:xfrm>
+            <a:off x="838200" y="-81189"/>
+            <a:ext cx="10515600" cy="1325563"/>
+          </a:xfrm>
+        </p:spPr>
         <p:txBody>
           <a:bodyPr/>
           <a:lstStyle/>
           <a:p>
             <a:r>
               <a:rPr lang="ru-RU" dirty="0"/>
-              <a:t>Что почитать</a:t>
+              <a:t>Псевдокод</a:t>
             </a:r>
             <a:endParaRPr lang="en-US" dirty="0"/>
           </a:p>
@@ -13348,7 +13292,7 @@
           <p:cNvPr id="3" name="Content Placeholder 2">
             <a:extLst>
               <a:ext uri="{FF2B5EF4-FFF2-40B4-BE49-F238E27FC236}">
-                <a16:creationId xmlns:a16="http://schemas.microsoft.com/office/drawing/2014/main" id="{6BEF2B0C-DEB6-403A-A327-A9DABD7F44CE}"/>
+                <a16:creationId xmlns:a16="http://schemas.microsoft.com/office/drawing/2014/main" id="{AD260025-EBC3-45D0-9B0B-DAA951A03DCC}"/>
               </a:ext>
             </a:extLst>
           </p:cNvPr>
@@ -13359,41 +13303,321 @@
             <p:ph idx="1"/>
           </p:nvPr>
         </p:nvSpPr>
-        <p:spPr/>
-        <p:txBody>
-          <a:bodyPr/>
-          <a:lstStyle/>
-          <a:p>
-            <a:r>
-              <a:rPr lang="en-US" dirty="0"/>
-              <a:t>Danila </a:t>
-            </a:r>
-            <a:r>
-              <a:rPr lang="en-US" dirty="0" err="1"/>
-              <a:t>Kutenin</a:t>
+        <p:spPr>
+          <a:xfrm>
+            <a:off x="636814" y="1004887"/>
+            <a:ext cx="11261272" cy="5450342"/>
+          </a:xfrm>
+        </p:spPr>
+        <p:txBody>
+          <a:bodyPr>
+            <a:normAutofit fontScale="77500" lnSpcReduction="20000"/>
+          </a:bodyPr>
+          <a:lstStyle/>
+          <a:p>
+            <a:r>
+              <a:rPr lang="ru-RU" dirty="0"/>
+              <a:t>Каждый запуск </a:t>
+            </a:r>
+            <a:r>
+              <a:rPr lang="en-US" dirty="0">
+                <a:latin typeface="Courier New" panose="02070309020205020404" pitchFamily="49" charset="0"/>
+                <a:cs typeface="Courier New" panose="02070309020205020404" pitchFamily="49" charset="0"/>
+              </a:rPr>
+              <a:t>std::sort</a:t>
             </a:r>
             <a:r>
               <a:rPr lang="en-US" dirty="0"/>
               <a:t> </a:t>
             </a:r>
             <a:r>
-              <a:rPr lang="en-US" dirty="0">
-                <a:hlinkClick r:id="rId2"/>
-              </a:rPr>
-              <a:t>Changing std::sort at Google’s Scale and Beyond</a:t>
-            </a:r>
-            <a:endParaRPr lang="en-US" dirty="0"/>
-          </a:p>
-          <a:p>
+              <a:rPr lang="ru-RU" dirty="0"/>
+              <a:t>и аналогичных </a:t>
+            </a:r>
             <a:r>
               <a:rPr lang="en-US" dirty="0"/>
-              <a:t>Jonathan Müller </a:t>
-            </a:r>
-            <a:r>
-              <a:rPr lang="en-US" dirty="0">
-                <a:hlinkClick r:id="rId3"/>
-              </a:rPr>
-              <a:t>Mathematics behind Comparison</a:t>
+              <a:t>API </a:t>
+            </a:r>
+            <a:r>
+              <a:rPr lang="ru-RU" dirty="0"/>
+              <a:t>предваряется проверками:</a:t>
+            </a:r>
+          </a:p>
+          <a:p>
+            <a:pPr marL="457200" lvl="1" indent="0">
+              <a:buNone/>
+            </a:pPr>
+            <a:r>
+              <a:rPr lang="en-US" sz="2000" dirty="0">
+                <a:latin typeface="Courier New" panose="02070309020205020404" pitchFamily="49" charset="0"/>
+                <a:cs typeface="Courier New" panose="02070309020205020404" pitchFamily="49" charset="0"/>
+              </a:rPr>
+              <a:t>for x in array</a:t>
+            </a:r>
+          </a:p>
+          <a:p>
+            <a:pPr marL="457200" lvl="1" indent="0">
+              <a:buNone/>
+            </a:pPr>
+            <a:r>
+              <a:rPr lang="en-US" sz="2000" dirty="0">
+                <a:latin typeface="Courier New" panose="02070309020205020404" pitchFamily="49" charset="0"/>
+                <a:cs typeface="Courier New" panose="02070309020205020404" pitchFamily="49" charset="0"/>
+              </a:rPr>
+              <a:t>  if comp(x, x)</a:t>
+            </a:r>
+          </a:p>
+          <a:p>
+            <a:pPr marL="457200" lvl="1" indent="0">
+              <a:buNone/>
+            </a:pPr>
+            <a:r>
+              <a:rPr lang="en-US" sz="2000" dirty="0">
+                <a:latin typeface="Courier New" panose="02070309020205020404" pitchFamily="49" charset="0"/>
+                <a:cs typeface="Courier New" panose="02070309020205020404" pitchFamily="49" charset="0"/>
+              </a:rPr>
+              <a:t>    error</a:t>
+            </a:r>
+          </a:p>
+          <a:p>
+            <a:pPr marL="457200" lvl="1" indent="0">
+              <a:buNone/>
+            </a:pPr>
+            <a:endParaRPr lang="en-US" sz="2000" dirty="0">
+              <a:latin typeface="Courier New" panose="02070309020205020404" pitchFamily="49" charset="0"/>
+              <a:cs typeface="Courier New" panose="02070309020205020404" pitchFamily="49" charset="0"/>
+            </a:endParaRPr>
+          </a:p>
+          <a:p>
+            <a:pPr marL="457200" lvl="1" indent="0">
+              <a:buNone/>
+            </a:pPr>
+            <a:r>
+              <a:rPr lang="en-US" sz="2000" dirty="0">
+                <a:latin typeface="Courier New" panose="02070309020205020404" pitchFamily="49" charset="0"/>
+                <a:cs typeface="Courier New" panose="02070309020205020404" pitchFamily="49" charset="0"/>
+              </a:rPr>
+              <a:t>for x, y in array</a:t>
+            </a:r>
+          </a:p>
+          <a:p>
+            <a:pPr marL="457200" lvl="1" indent="0">
+              <a:buNone/>
+            </a:pPr>
+            <a:r>
+              <a:rPr lang="en-US" sz="2000" dirty="0">
+                <a:latin typeface="Courier New" panose="02070309020205020404" pitchFamily="49" charset="0"/>
+                <a:cs typeface="Courier New" panose="02070309020205020404" pitchFamily="49" charset="0"/>
+              </a:rPr>
+              <a:t>  if comp(x, y) != comp(y, x)</a:t>
+            </a:r>
+          </a:p>
+          <a:p>
+            <a:pPr marL="457200" lvl="1" indent="0">
+              <a:buNone/>
+            </a:pPr>
+            <a:r>
+              <a:rPr lang="en-US" sz="2000" dirty="0">
+                <a:latin typeface="Courier New" panose="02070309020205020404" pitchFamily="49" charset="0"/>
+                <a:cs typeface="Courier New" panose="02070309020205020404" pitchFamily="49" charset="0"/>
+              </a:rPr>
+              <a:t>    error</a:t>
+            </a:r>
+          </a:p>
+          <a:p>
+            <a:pPr marL="457200" lvl="1" indent="0">
+              <a:buNone/>
+            </a:pPr>
+            <a:endParaRPr lang="en-US" sz="2000" dirty="0">
+              <a:latin typeface="Courier New" panose="02070309020205020404" pitchFamily="49" charset="0"/>
+              <a:cs typeface="Courier New" panose="02070309020205020404" pitchFamily="49" charset="0"/>
+            </a:endParaRPr>
+          </a:p>
+          <a:p>
+            <a:pPr marL="457200" lvl="1" indent="0">
+              <a:buNone/>
+            </a:pPr>
+            <a:r>
+              <a:rPr lang="en-US" sz="2000" dirty="0">
+                <a:latin typeface="Courier New" panose="02070309020205020404" pitchFamily="49" charset="0"/>
+                <a:cs typeface="Courier New" panose="02070309020205020404" pitchFamily="49" charset="0"/>
+              </a:rPr>
+              <a:t>for x, y, z in array</a:t>
+            </a:r>
+          </a:p>
+          <a:p>
+            <a:pPr marL="457200" lvl="1" indent="0">
+              <a:buNone/>
+            </a:pPr>
+            <a:r>
+              <a:rPr lang="en-US" sz="2000" dirty="0">
+                <a:latin typeface="Courier New" panose="02070309020205020404" pitchFamily="49" charset="0"/>
+                <a:cs typeface="Courier New" panose="02070309020205020404" pitchFamily="49" charset="0"/>
+              </a:rPr>
+              <a:t>  if comp(x, y) &amp;&amp; comp(y, z) &amp;&amp; !comp(x, z)</a:t>
+            </a:r>
+          </a:p>
+          <a:p>
+            <a:pPr marL="457200" lvl="1" indent="0">
+              <a:buNone/>
+            </a:pPr>
+            <a:r>
+              <a:rPr lang="en-US" sz="2000" dirty="0">
+                <a:latin typeface="Courier New" panose="02070309020205020404" pitchFamily="49" charset="0"/>
+                <a:cs typeface="Courier New" panose="02070309020205020404" pitchFamily="49" charset="0"/>
+              </a:rPr>
+              <a:t>    error</a:t>
+            </a:r>
+          </a:p>
+          <a:p>
+            <a:pPr marL="457200" lvl="1" indent="0">
+              <a:buNone/>
+            </a:pPr>
+            <a:endParaRPr lang="en-US" sz="2000" dirty="0">
+              <a:latin typeface="Courier New" panose="02070309020205020404" pitchFamily="49" charset="0"/>
+              <a:cs typeface="Courier New" panose="02070309020205020404" pitchFamily="49" charset="0"/>
+            </a:endParaRPr>
+          </a:p>
+          <a:p>
+            <a:pPr marL="457200" lvl="1" indent="0">
+              <a:buNone/>
+            </a:pPr>
+            <a:r>
+              <a:rPr lang="en-US" sz="2000" dirty="0">
+                <a:latin typeface="Courier New" panose="02070309020205020404" pitchFamily="49" charset="0"/>
+                <a:cs typeface="Courier New" panose="02070309020205020404" pitchFamily="49" charset="0"/>
+              </a:rPr>
+              <a:t>for x, y, z in array</a:t>
+            </a:r>
+          </a:p>
+          <a:p>
+            <a:pPr marL="457200" lvl="1" indent="0">
+              <a:buNone/>
+            </a:pPr>
+            <a:r>
+              <a:rPr lang="en-US" sz="2000" dirty="0">
+                <a:latin typeface="Courier New" panose="02070309020205020404" pitchFamily="49" charset="0"/>
+                <a:cs typeface="Courier New" panose="02070309020205020404" pitchFamily="49" charset="0"/>
+              </a:rPr>
+              <a:t>  if </a:t>
+            </a:r>
+            <a:r>
+              <a:rPr lang="en-US" sz="2000" dirty="0" err="1">
+                <a:latin typeface="Courier New" panose="02070309020205020404" pitchFamily="49" charset="0"/>
+                <a:cs typeface="Courier New" panose="02070309020205020404" pitchFamily="49" charset="0"/>
+              </a:rPr>
+              <a:t>equiv</a:t>
+            </a:r>
+            <a:r>
+              <a:rPr lang="en-US" sz="2000" dirty="0">
+                <a:latin typeface="Courier New" panose="02070309020205020404" pitchFamily="49" charset="0"/>
+                <a:cs typeface="Courier New" panose="02070309020205020404" pitchFamily="49" charset="0"/>
+              </a:rPr>
+              <a:t>(x, y) &amp;&amp; </a:t>
+            </a:r>
+            <a:r>
+              <a:rPr lang="en-US" sz="2000" dirty="0" err="1">
+                <a:latin typeface="Courier New" panose="02070309020205020404" pitchFamily="49" charset="0"/>
+                <a:cs typeface="Courier New" panose="02070309020205020404" pitchFamily="49" charset="0"/>
+              </a:rPr>
+              <a:t>equiv</a:t>
+            </a:r>
+            <a:r>
+              <a:rPr lang="en-US" sz="2000" dirty="0">
+                <a:latin typeface="Courier New" panose="02070309020205020404" pitchFamily="49" charset="0"/>
+                <a:cs typeface="Courier New" panose="02070309020205020404" pitchFamily="49" charset="0"/>
+              </a:rPr>
+              <a:t>(y, z) &amp;&amp; !</a:t>
+            </a:r>
+            <a:r>
+              <a:rPr lang="en-US" sz="2000" dirty="0" err="1">
+                <a:latin typeface="Courier New" panose="02070309020205020404" pitchFamily="49" charset="0"/>
+                <a:cs typeface="Courier New" panose="02070309020205020404" pitchFamily="49" charset="0"/>
+              </a:rPr>
+              <a:t>equiv</a:t>
+            </a:r>
+            <a:r>
+              <a:rPr lang="en-US" sz="2000" dirty="0">
+                <a:latin typeface="Courier New" panose="02070309020205020404" pitchFamily="49" charset="0"/>
+                <a:cs typeface="Courier New" panose="02070309020205020404" pitchFamily="49" charset="0"/>
+              </a:rPr>
+              <a:t>(x, z)</a:t>
+            </a:r>
+          </a:p>
+          <a:p>
+            <a:pPr marL="457200" lvl="1" indent="0">
+              <a:buNone/>
+            </a:pPr>
+            <a:r>
+              <a:rPr lang="en-US" sz="2000" dirty="0">
+                <a:latin typeface="Courier New" panose="02070309020205020404" pitchFamily="49" charset="0"/>
+                <a:cs typeface="Courier New" panose="02070309020205020404" pitchFamily="49" charset="0"/>
+              </a:rPr>
+              <a:t>    error</a:t>
+            </a:r>
+            <a:endParaRPr lang="en-US" dirty="0">
+              <a:latin typeface="Courier New" panose="02070309020205020404" pitchFamily="49" charset="0"/>
+              <a:cs typeface="Courier New" panose="02070309020205020404" pitchFamily="49" charset="0"/>
+            </a:endParaRPr>
+          </a:p>
+          <a:p>
+            <a:r>
+              <a:rPr lang="ru-RU" dirty="0"/>
+              <a:t>Сложность проверок составляет </a:t>
+            </a:r>
+            <a:r>
+              <a:rPr lang="en-US" dirty="0"/>
+              <a:t>O(N^3)</a:t>
+            </a:r>
+            <a:endParaRPr lang="ru-RU" dirty="0"/>
+          </a:p>
+          <a:p>
+            <a:r>
+              <a:rPr lang="en-US" dirty="0"/>
+              <a:t>C</a:t>
+            </a:r>
+            <a:r>
+              <a:rPr lang="ru-RU" dirty="0"/>
+              <a:t>ущественно превосходит даже </a:t>
+            </a:r>
+            <a:r>
+              <a:rPr lang="en-US" dirty="0">
+                <a:latin typeface="Courier New" panose="02070309020205020404" pitchFamily="49" charset="0"/>
+                <a:cs typeface="Courier New" panose="02070309020205020404" pitchFamily="49" charset="0"/>
+              </a:rPr>
+              <a:t>std::sort</a:t>
+            </a:r>
+            <a:r>
+              <a:rPr lang="en-US" dirty="0"/>
+              <a:t>, </a:t>
+            </a:r>
+            <a:r>
+              <a:rPr lang="ru-RU" dirty="0"/>
+              <a:t>не говоря о более быстрых алгоритмах (</a:t>
+            </a:r>
+            <a:r>
+              <a:rPr lang="en-US" dirty="0">
+                <a:latin typeface="Courier New" panose="02070309020205020404" pitchFamily="49" charset="0"/>
+                <a:cs typeface="Courier New" panose="02070309020205020404" pitchFamily="49" charset="0"/>
+              </a:rPr>
+              <a:t>std::</a:t>
+            </a:r>
+            <a:r>
+              <a:rPr lang="en-US" dirty="0" err="1">
+                <a:latin typeface="Courier New" panose="02070309020205020404" pitchFamily="49" charset="0"/>
+                <a:cs typeface="Courier New" panose="02070309020205020404" pitchFamily="49" charset="0"/>
+              </a:rPr>
+              <a:t>max_element</a:t>
+            </a:r>
+            <a:r>
+              <a:rPr lang="en-US" dirty="0"/>
+              <a:t>, etc.)</a:t>
+            </a:r>
+          </a:p>
+          <a:p>
+            <a:r>
+              <a:rPr lang="ru-RU" dirty="0"/>
+              <a:t>На практике обходится не весь массив, а его небольшое подмножество (20-30 элементов)</a:t>
             </a:r>
             <a:endParaRPr lang="en-US" dirty="0"/>
           </a:p>
@@ -13405,7 +13629,7 @@
     </p:spTree>
     <p:extLst>
       <p:ext uri="{BB962C8B-B14F-4D97-AF65-F5344CB8AC3E}">
-        <p14:creationId xmlns:p14="http://schemas.microsoft.com/office/powerpoint/2010/main" val="88266572"/>
+        <p14:creationId xmlns:p14="http://schemas.microsoft.com/office/powerpoint/2010/main" val="312233099"/>
       </p:ext>
     </p:extLst>
   </p:cSld>
@@ -13437,7 +13661,7 @@
           <p:cNvPr id="2" name="Title 1">
             <a:extLst>
               <a:ext uri="{FF2B5EF4-FFF2-40B4-BE49-F238E27FC236}">
-                <a16:creationId xmlns:a16="http://schemas.microsoft.com/office/drawing/2014/main" id="{E3D5795D-7F53-4AE1-BCD3-E31732F4E19B}"/>
+                <a16:creationId xmlns:a16="http://schemas.microsoft.com/office/drawing/2014/main" id="{29796DE8-2F63-4ED5-8119-3DA4F4CD5511}"/>
               </a:ext>
             </a:extLst>
           </p:cNvPr>
@@ -13455,7 +13679,7 @@
           <a:p>
             <a:r>
               <a:rPr lang="ru-RU" dirty="0"/>
-              <a:t>Другие типы ошибок в компараторных API</a:t>
+              <a:t>Быстрый алгоритм проверки</a:t>
             </a:r>
             <a:endParaRPr lang="en-US" dirty="0"/>
           </a:p>
@@ -13466,7 +13690,7 @@
           <p:cNvPr id="3" name="Content Placeholder 2">
             <a:extLst>
               <a:ext uri="{FF2B5EF4-FFF2-40B4-BE49-F238E27FC236}">
-                <a16:creationId xmlns:a16="http://schemas.microsoft.com/office/drawing/2014/main" id="{AA227CD4-DE96-4DD8-81A3-3E6458D822A6}"/>
+                <a16:creationId xmlns:a16="http://schemas.microsoft.com/office/drawing/2014/main" id="{A60B7B0C-7980-480B-978A-B65865533741}"/>
               </a:ext>
             </a:extLst>
           </p:cNvPr>
@@ -13479,105 +13703,74 @@
         </p:nvSpPr>
         <p:spPr/>
         <p:txBody>
-          <a:bodyPr/>
-          <a:lstStyle/>
-          <a:p>
-            <a:r>
-              <a:rPr lang="ru-RU" dirty="0"/>
-              <a:t>Неотсортированные массивы в </a:t>
-            </a:r>
-            <a:r>
-              <a:rPr lang="en-US" dirty="0"/>
-              <a:t>API </a:t>
-            </a:r>
-            <a:r>
-              <a:rPr lang="ru-RU" dirty="0"/>
-              <a:t>типа </a:t>
-            </a:r>
-            <a:r>
-              <a:rPr lang="en-US" dirty="0">
-                <a:latin typeface="Courier New" panose="02070309020205020404" pitchFamily="49" charset="0"/>
-                <a:cs typeface="Courier New" panose="02070309020205020404" pitchFamily="49" charset="0"/>
-              </a:rPr>
-              <a:t>std::</a:t>
-            </a:r>
-            <a:r>
-              <a:rPr lang="en-US" dirty="0" err="1">
-                <a:latin typeface="Courier New" panose="02070309020205020404" pitchFamily="49" charset="0"/>
-                <a:cs typeface="Courier New" panose="02070309020205020404" pitchFamily="49" charset="0"/>
-              </a:rPr>
-              <a:t>binary_search</a:t>
-            </a:r>
-            <a:endParaRPr lang="en-US" dirty="0">
-              <a:latin typeface="Courier New" panose="02070309020205020404" pitchFamily="49" charset="0"/>
-              <a:cs typeface="Courier New" panose="02070309020205020404" pitchFamily="49" charset="0"/>
-            </a:endParaRPr>
+          <a:bodyPr>
+            <a:normAutofit lnSpcReduction="10000"/>
+          </a:bodyPr>
+          <a:lstStyle/>
+          <a:p>
+            <a:r>
+              <a:rPr lang="en-US" dirty="0">
+                <a:hlinkClick r:id="rId2"/>
+              </a:rPr>
+              <a:t>https://github.com/danlark1/quadratic_strict_weak_ordering</a:t>
+            </a:r>
+            <a:r>
+              <a:rPr lang="ru-RU" dirty="0"/>
+              <a:t> </a:t>
+            </a:r>
+          </a:p>
+          <a:p>
+            <a:r>
+              <a:rPr lang="ru-RU" dirty="0"/>
+              <a:t>Предложен Д. Кутениным в начале 2023 года</a:t>
+            </a:r>
+          </a:p>
+          <a:p>
+            <a:r>
+              <a:rPr lang="ru-RU" dirty="0"/>
+              <a:t>Идея алгоритма:</a:t>
+            </a:r>
           </a:p>
           <a:p>
             <a:pPr lvl="1"/>
             <a:r>
               <a:rPr lang="ru-RU" dirty="0"/>
-              <a:t>поддерживается в </a:t>
+              <a:t>Предварительно отсортировать массив устойчивым алгоритмом</a:t>
+            </a:r>
+          </a:p>
+          <a:p>
+            <a:pPr lvl="1"/>
+            <a:r>
+              <a:rPr lang="ru-RU" dirty="0"/>
+              <a:t>Выделять в отсортированном массиве префиксы эквивалентных элементов</a:t>
+            </a:r>
+          </a:p>
+          <a:p>
+            <a:pPr lvl="1"/>
+            <a:r>
+              <a:rPr lang="ru-RU" dirty="0"/>
+              <a:t>И проверять их на транзитивность с оставшейся частью массива</a:t>
+            </a:r>
+          </a:p>
+          <a:p>
+            <a:r>
+              <a:rPr lang="ru-RU" dirty="0"/>
+              <a:t>Снижает сложность до O(N^2) (по прежнему превосходит сложность проверяемых алгоритмов)</a:t>
+            </a:r>
+            <a:endParaRPr lang="en-US" dirty="0"/>
+          </a:p>
+          <a:p>
+            <a:r>
+              <a:rPr lang="ru-RU" dirty="0"/>
+              <a:t>Пока не интегрирован в </a:t>
             </a:r>
             <a:r>
               <a:rPr lang="en-US" dirty="0" err="1"/>
               <a:t>SortChecker</a:t>
             </a:r>
-            <a:r>
-              <a:rPr lang="en-US" dirty="0"/>
-              <a:t>/</a:t>
-            </a:r>
-            <a:r>
-              <a:rPr lang="en-US" dirty="0" err="1"/>
-              <a:t>SortChecker</a:t>
-            </a:r>
-            <a:r>
-              <a:rPr lang="en-US" dirty="0"/>
-              <a:t>++</a:t>
-            </a:r>
-          </a:p>
-          <a:p>
-            <a:r>
-              <a:rPr lang="ru-RU" dirty="0"/>
-              <a:t>Неопределённый порядок сортировки эквивалентных элементов</a:t>
-            </a:r>
-          </a:p>
-          <a:p>
-            <a:pPr lvl="1"/>
-            <a:r>
-              <a:rPr lang="ru-RU" dirty="0"/>
-              <a:t>проверяется в </a:t>
-            </a:r>
-            <a:r>
-              <a:rPr lang="en-US" dirty="0" err="1"/>
-              <a:t>libc</a:t>
-            </a:r>
-            <a:r>
-              <a:rPr lang="en-US" dirty="0"/>
-              <a:t>++ </a:t>
-            </a:r>
-            <a:r>
-              <a:rPr lang="ru-RU" dirty="0"/>
-              <a:t>с помощью рандомизации</a:t>
-            </a:r>
-            <a:endParaRPr lang="en-US" dirty="0"/>
-          </a:p>
-          <a:p>
-            <a:pPr lvl="1"/>
-            <a:r>
-              <a:rPr lang="ru-RU" dirty="0">
-                <a:latin typeface="Courier New" panose="02070309020205020404" pitchFamily="49" charset="0"/>
-                <a:cs typeface="Courier New" panose="02070309020205020404" pitchFamily="49" charset="0"/>
-              </a:rPr>
-              <a:t>-</a:t>
-            </a:r>
-            <a:r>
-              <a:rPr lang="en-US" dirty="0">
-                <a:latin typeface="Courier New" panose="02070309020205020404" pitchFamily="49" charset="0"/>
-                <a:cs typeface="Courier New" panose="02070309020205020404" pitchFamily="49" charset="0"/>
-              </a:rPr>
-              <a:t>D_LIBCPP_DEBUG_RANDOMIZE_UNSPECIFIED_STABILITY_SEED</a:t>
-            </a:r>
+            <a:endParaRPr lang="ru-RU" dirty="0"/>
+          </a:p>
+          <a:p>
             <a:endParaRPr lang="en-US" dirty="0"/>
           </a:p>
         </p:txBody>
@@ -13585,7 +13778,7 @@
     </p:spTree>
     <p:extLst>
       <p:ext uri="{BB962C8B-B14F-4D97-AF65-F5344CB8AC3E}">
-        <p14:creationId xmlns:p14="http://schemas.microsoft.com/office/powerpoint/2010/main" val="453513218"/>
+        <p14:creationId xmlns:p14="http://schemas.microsoft.com/office/powerpoint/2010/main" val="886008562"/>
       </p:ext>
     </p:extLst>
   </p:cSld>
@@ -13617,7 +13810,7 @@
           <p:cNvPr id="2" name="Title 1">
             <a:extLst>
               <a:ext uri="{FF2B5EF4-FFF2-40B4-BE49-F238E27FC236}">
-                <a16:creationId xmlns:a16="http://schemas.microsoft.com/office/drawing/2014/main" id="{FB27C366-F1FD-4880-B503-F75FA2AB3EA0}"/>
+                <a16:creationId xmlns:a16="http://schemas.microsoft.com/office/drawing/2014/main" id="{98837C8A-F603-42F7-AC33-9EBA279193DF}"/>
               </a:ext>
             </a:extLst>
           </p:cNvPr>
@@ -13635,7 +13828,7 @@
           <a:p>
             <a:r>
               <a:rPr lang="ru-RU" dirty="0"/>
-              <a:t>Рекомендации</a:t>
+              <a:t>Что почитать</a:t>
             </a:r>
             <a:endParaRPr lang="en-US" dirty="0"/>
           </a:p>
@@ -13646,7 +13839,7 @@
           <p:cNvPr id="3" name="Content Placeholder 2">
             <a:extLst>
               <a:ext uri="{FF2B5EF4-FFF2-40B4-BE49-F238E27FC236}">
-                <a16:creationId xmlns:a16="http://schemas.microsoft.com/office/drawing/2014/main" id="{B6A123D4-600E-41B8-800A-B2AF29703F6B}"/>
+                <a16:creationId xmlns:a16="http://schemas.microsoft.com/office/drawing/2014/main" id="{6BEF2B0C-DEB6-403A-A327-A9DABD7F44CE}"/>
               </a:ext>
             </a:extLst>
           </p:cNvPr>
@@ -13663,58 +13856,39 @@
           <a:lstStyle/>
           <a:p>
             <a:r>
-              <a:rPr lang="ru-RU" dirty="0"/>
-              <a:t>Избегайте типичных ошибок в работе</a:t>
+              <a:rPr lang="en-US" dirty="0"/>
+              <a:t>Danila </a:t>
+            </a:r>
+            <a:r>
+              <a:rPr lang="en-US" dirty="0" err="1"/>
+              <a:t>Kutenin</a:t>
+            </a:r>
+            <a:r>
+              <a:rPr lang="en-US" dirty="0"/>
+              <a:t> </a:t>
+            </a:r>
+            <a:r>
+              <a:rPr lang="en-US" dirty="0">
+                <a:hlinkClick r:id="rId2"/>
+              </a:rPr>
+              <a:t>Changing std::sort at Google’s Scale and Beyond</a:t>
             </a:r>
             <a:endParaRPr lang="en-US" dirty="0"/>
           </a:p>
           <a:p>
             <a:r>
-              <a:rPr lang="ru-RU" dirty="0"/>
-              <a:t>Включите </a:t>
-            </a:r>
-            <a:r>
-              <a:rPr lang="en-US" dirty="0">
-                <a:latin typeface="Courier New" panose="02070309020205020404" pitchFamily="49" charset="0"/>
-                <a:cs typeface="Courier New" panose="02070309020205020404" pitchFamily="49" charset="0"/>
-              </a:rPr>
-              <a:t>_G</a:t>
-            </a:r>
-            <a:r>
-              <a:rPr lang="ru-RU" dirty="0">
-                <a:latin typeface="Courier New" panose="02070309020205020404" pitchFamily="49" charset="0"/>
-                <a:cs typeface="Courier New" panose="02070309020205020404" pitchFamily="49" charset="0"/>
-              </a:rPr>
-              <a:t>LIBCXX_DEBUG</a:t>
-            </a:r>
-            <a:r>
-              <a:rPr lang="ru-RU" dirty="0"/>
-              <a:t> и </a:t>
-            </a:r>
-            <a:r>
-              <a:rPr lang="ru-RU" dirty="0">
-                <a:latin typeface="Courier New" panose="02070309020205020404" pitchFamily="49" charset="0"/>
-                <a:cs typeface="Courier New" panose="02070309020205020404" pitchFamily="49" charset="0"/>
-              </a:rPr>
-              <a:t>_LIBCPP_ENABLE_DEBUG_MODE</a:t>
-            </a:r>
-            <a:r>
-              <a:rPr lang="ru-RU" dirty="0"/>
-              <a:t> в своём CI</a:t>
-            </a:r>
-          </a:p>
-          <a:p>
-            <a:r>
-              <a:rPr lang="ru-RU" dirty="0"/>
-              <a:t>Примените Sortchecker и Sortchecker++ к своему коду</a:t>
-            </a:r>
-          </a:p>
-          <a:p>
-            <a:pPr lvl="1"/>
-            <a:r>
-              <a:rPr lang="ru-RU" dirty="0"/>
-              <a:t>Сообщения об ошибках и дополнения приветствуются!</a:t>
-            </a:r>
+              <a:rPr lang="en-US" dirty="0"/>
+              <a:t>Jonathan Müller </a:t>
+            </a:r>
+            <a:r>
+              <a:rPr lang="en-US" dirty="0">
+                <a:hlinkClick r:id="rId3"/>
+              </a:rPr>
+              <a:t>Mathematics behind Comparison</a:t>
+            </a:r>
+            <a:endParaRPr lang="en-US" dirty="0"/>
+          </a:p>
+          <a:p>
             <a:endParaRPr lang="en-US" dirty="0"/>
           </a:p>
         </p:txBody>
@@ -13722,7 +13896,7 @@
     </p:spTree>
     <p:extLst>
       <p:ext uri="{BB962C8B-B14F-4D97-AF65-F5344CB8AC3E}">
-        <p14:creationId xmlns:p14="http://schemas.microsoft.com/office/powerpoint/2010/main" val="1454724109"/>
+        <p14:creationId xmlns:p14="http://schemas.microsoft.com/office/powerpoint/2010/main" val="88266572"/>
       </p:ext>
     </p:extLst>
   </p:cSld>
@@ -13754,7 +13928,7 @@
           <p:cNvPr id="2" name="Title 1">
             <a:extLst>
               <a:ext uri="{FF2B5EF4-FFF2-40B4-BE49-F238E27FC236}">
-                <a16:creationId xmlns:a16="http://schemas.microsoft.com/office/drawing/2014/main" id="{AE55B1BF-E6CB-4A61-A19B-EAB2E2F68128}"/>
+                <a16:creationId xmlns:a16="http://schemas.microsoft.com/office/drawing/2014/main" id="{E3D5795D-7F53-4AE1-BCD3-E31732F4E19B}"/>
               </a:ext>
             </a:extLst>
           </p:cNvPr>
@@ -13772,36 +13946,129 @@
           <a:p>
             <a:r>
               <a:rPr lang="ru-RU" dirty="0"/>
-              <a:t>Спасибо за внимание</a:t>
+              <a:t>Другие типы ошибок в компараторных API</a:t>
+            </a:r>
+            <a:endParaRPr lang="en-US" dirty="0"/>
+          </a:p>
+        </p:txBody>
+      </p:sp>
+      <p:sp>
+        <p:nvSpPr>
+          <p:cNvPr id="3" name="Content Placeholder 2">
+            <a:extLst>
+              <a:ext uri="{FF2B5EF4-FFF2-40B4-BE49-F238E27FC236}">
+                <a16:creationId xmlns:a16="http://schemas.microsoft.com/office/drawing/2014/main" id="{AA227CD4-DE96-4DD8-81A3-3E6458D822A6}"/>
+              </a:ext>
+            </a:extLst>
+          </p:cNvPr>
+          <p:cNvSpPr>
+            <a:spLocks noGrp="1"/>
+          </p:cNvSpPr>
+          <p:nvPr>
+            <p:ph idx="1"/>
+          </p:nvPr>
+        </p:nvSpPr>
+        <p:spPr/>
+        <p:txBody>
+          <a:bodyPr/>
+          <a:lstStyle/>
+          <a:p>
+            <a:r>
+              <a:rPr lang="ru-RU" dirty="0"/>
+              <a:t>Неотсортированные массивы в </a:t>
             </a:r>
             <a:r>
               <a:rPr lang="en-US" dirty="0"/>
-              <a:t>!</a:t>
-            </a:r>
-          </a:p>
-        </p:txBody>
-      </p:sp>
-      <p:sp>
-        <p:nvSpPr>
-          <p:cNvPr id="3" name="Content Placeholder 2">
-            <a:extLst>
-              <a:ext uri="{FF2B5EF4-FFF2-40B4-BE49-F238E27FC236}">
-                <a16:creationId xmlns:a16="http://schemas.microsoft.com/office/drawing/2014/main" id="{FDC23327-086B-41AB-AC13-CE5A75450C7E}"/>
-              </a:ext>
-            </a:extLst>
-          </p:cNvPr>
-          <p:cNvSpPr>
-            <a:spLocks noGrp="1"/>
-          </p:cNvSpPr>
-          <p:nvPr>
-            <p:ph idx="1"/>
-          </p:nvPr>
-        </p:nvSpPr>
-        <p:spPr/>
-        <p:txBody>
-          <a:bodyPr/>
-          <a:lstStyle/>
-          <a:p>
+              <a:t>API </a:t>
+            </a:r>
+            <a:r>
+              <a:rPr lang="ru-RU" dirty="0"/>
+              <a:t>типа </a:t>
+            </a:r>
+            <a:r>
+              <a:rPr lang="en-US" dirty="0">
+                <a:latin typeface="Courier New" panose="02070309020205020404" pitchFamily="49" charset="0"/>
+                <a:cs typeface="Courier New" panose="02070309020205020404" pitchFamily="49" charset="0"/>
+              </a:rPr>
+              <a:t>std::</a:t>
+            </a:r>
+            <a:r>
+              <a:rPr lang="en-US" dirty="0" err="1">
+                <a:latin typeface="Courier New" panose="02070309020205020404" pitchFamily="49" charset="0"/>
+                <a:cs typeface="Courier New" panose="02070309020205020404" pitchFamily="49" charset="0"/>
+              </a:rPr>
+              <a:t>binary_search</a:t>
+            </a:r>
+            <a:endParaRPr lang="en-US" dirty="0">
+              <a:latin typeface="Courier New" panose="02070309020205020404" pitchFamily="49" charset="0"/>
+              <a:cs typeface="Courier New" panose="02070309020205020404" pitchFamily="49" charset="0"/>
+            </a:endParaRPr>
+          </a:p>
+          <a:p>
+            <a:pPr lvl="1"/>
+            <a:r>
+              <a:rPr lang="ru-RU" dirty="0"/>
+              <a:t>поддерживается в </a:t>
+            </a:r>
+            <a:r>
+              <a:rPr lang="en-US" dirty="0" err="1"/>
+              <a:t>SortChecker</a:t>
+            </a:r>
+            <a:r>
+              <a:rPr lang="en-US" dirty="0"/>
+              <a:t>/</a:t>
+            </a:r>
+            <a:r>
+              <a:rPr lang="en-US" dirty="0" err="1"/>
+              <a:t>SortChecker</a:t>
+            </a:r>
+            <a:r>
+              <a:rPr lang="en-US" dirty="0"/>
+              <a:t>++</a:t>
+            </a:r>
+          </a:p>
+          <a:p>
+            <a:r>
+              <a:rPr lang="ru-RU" dirty="0"/>
+              <a:t>Неопределённый порядок сортировки эквивалентных элементов</a:t>
+            </a:r>
+          </a:p>
+          <a:p>
+            <a:pPr lvl="1"/>
+            <a:r>
+              <a:rPr lang="ru-RU" dirty="0"/>
+              <a:t>проверяется в </a:t>
+            </a:r>
+            <a:r>
+              <a:rPr lang="en-US" dirty="0" err="1"/>
+              <a:t>libc</a:t>
+            </a:r>
+            <a:r>
+              <a:rPr lang="en-US" dirty="0"/>
+              <a:t>++ </a:t>
+            </a:r>
+            <a:r>
+              <a:rPr lang="ru-RU" dirty="0"/>
+              <a:t>с помощью рандомизации</a:t>
+            </a:r>
+            <a:endParaRPr lang="en-US" dirty="0"/>
+          </a:p>
+          <a:p>
+            <a:pPr lvl="1"/>
+            <a:r>
+              <a:rPr lang="ru-RU" dirty="0">
+                <a:latin typeface="Courier New" panose="02070309020205020404" pitchFamily="49" charset="0"/>
+                <a:cs typeface="Courier New" panose="02070309020205020404" pitchFamily="49" charset="0"/>
+              </a:rPr>
+              <a:t>-</a:t>
+            </a:r>
+            <a:r>
+              <a:rPr lang="en-US" dirty="0">
+                <a:latin typeface="Courier New" panose="02070309020205020404" pitchFamily="49" charset="0"/>
+                <a:cs typeface="Courier New" panose="02070309020205020404" pitchFamily="49" charset="0"/>
+              </a:rPr>
+              <a:t>D_LIBCPP_DEBUG_RANDOMIZE_UNSPECIFIED_STABILITY_SEED</a:t>
+            </a:r>
             <a:endParaRPr lang="en-US" dirty="0"/>
           </a:p>
         </p:txBody>
@@ -13809,7 +14076,7 @@
     </p:spTree>
     <p:extLst>
       <p:ext uri="{BB962C8B-B14F-4D97-AF65-F5344CB8AC3E}">
-        <p14:creationId xmlns:p14="http://schemas.microsoft.com/office/powerpoint/2010/main" val="876813992"/>
+        <p14:creationId xmlns:p14="http://schemas.microsoft.com/office/powerpoint/2010/main" val="453513218"/>
       </p:ext>
     </p:extLst>
   </p:cSld>
@@ -13841,7 +14108,7 @@
           <p:cNvPr id="2" name="Title 1">
             <a:extLst>
               <a:ext uri="{FF2B5EF4-FFF2-40B4-BE49-F238E27FC236}">
-                <a16:creationId xmlns:a16="http://schemas.microsoft.com/office/drawing/2014/main" id="{680D122F-8A3D-4D58-A0A5-9A5AC33760D9}"/>
+                <a16:creationId xmlns:a16="http://schemas.microsoft.com/office/drawing/2014/main" id="{FB27C366-F1FD-4880-B503-F75FA2AB3EA0}"/>
               </a:ext>
             </a:extLst>
           </p:cNvPr>
@@ -13859,15 +14126,7 @@
           <a:p>
             <a:r>
               <a:rPr lang="ru-RU" dirty="0"/>
-              <a:t>Частые ошибки</a:t>
-            </a:r>
-            <a:r>
-              <a:rPr lang="en-US" dirty="0"/>
-              <a:t>: </a:t>
-            </a:r>
-            <a:r>
-              <a:rPr lang="ru-RU" dirty="0"/>
-              <a:t>лексикографический порядок</a:t>
+              <a:t>Рекомендации</a:t>
             </a:r>
             <a:endParaRPr lang="en-US" dirty="0"/>
           </a:p>
@@ -13878,7 +14137,7 @@
           <p:cNvPr id="3" name="Content Placeholder 2">
             <a:extLst>
               <a:ext uri="{FF2B5EF4-FFF2-40B4-BE49-F238E27FC236}">
-                <a16:creationId xmlns:a16="http://schemas.microsoft.com/office/drawing/2014/main" id="{EF38A0C2-67EB-4D5D-A96E-FD883EF4688E}"/>
+                <a16:creationId xmlns:a16="http://schemas.microsoft.com/office/drawing/2014/main" id="{B6A123D4-600E-41B8-800A-B2AF29703F6B}"/>
               </a:ext>
             </a:extLst>
           </p:cNvPr>
@@ -13891,91 +14150,70 @@
         </p:nvSpPr>
         <p:spPr/>
         <p:txBody>
-          <a:bodyPr>
-            <a:normAutofit/>
-          </a:bodyPr>
-          <a:lstStyle/>
-          <a:p>
-            <a:pPr marL="0" indent="0">
-              <a:buNone/>
-            </a:pPr>
-            <a:r>
-              <a:rPr lang="ru-RU" dirty="0"/>
-              <a:t>Примеры со stackoverflow:</a:t>
+          <a:bodyPr/>
+          <a:lstStyle/>
+          <a:p>
+            <a:r>
+              <a:rPr lang="ru-RU" dirty="0"/>
+              <a:t>Избегайте типичных ошибок в работе</a:t>
+            </a:r>
+            <a:endParaRPr lang="en-US" dirty="0"/>
+          </a:p>
+          <a:p>
+            <a:r>
+              <a:rPr lang="ru-RU" dirty="0"/>
+              <a:t>Включите </a:t>
+            </a:r>
+            <a:r>
+              <a:rPr lang="en-US" dirty="0">
+                <a:latin typeface="Courier New" panose="02070309020205020404" pitchFamily="49" charset="0"/>
+                <a:cs typeface="Courier New" panose="02070309020205020404" pitchFamily="49" charset="0"/>
+              </a:rPr>
+              <a:t>_G</a:t>
+            </a:r>
+            <a:r>
+              <a:rPr lang="ru-RU" dirty="0">
+                <a:latin typeface="Courier New" panose="02070309020205020404" pitchFamily="49" charset="0"/>
+                <a:cs typeface="Courier New" panose="02070309020205020404" pitchFamily="49" charset="0"/>
+              </a:rPr>
+              <a:t>LIBCXX_DEBUG</a:t>
+            </a:r>
+            <a:r>
+              <a:rPr lang="ru-RU" dirty="0"/>
+              <a:t> и </a:t>
+            </a:r>
+            <a:r>
+              <a:rPr lang="ru-RU" dirty="0">
+                <a:latin typeface="Courier New" panose="02070309020205020404" pitchFamily="49" charset="0"/>
+                <a:cs typeface="Courier New" panose="02070309020205020404" pitchFamily="49" charset="0"/>
+              </a:rPr>
+              <a:t>_LIBCPP_ENABLE_DEBUG_MODE</a:t>
+            </a:r>
+            <a:r>
+              <a:rPr lang="ru-RU" dirty="0"/>
+              <a:t> в своём CI</a:t>
+            </a:r>
+          </a:p>
+          <a:p>
+            <a:r>
+              <a:rPr lang="ru-RU" dirty="0"/>
+              <a:t>Примените Sortchecker и Sortchecker++ к своему коду</a:t>
             </a:r>
           </a:p>
           <a:p>
             <a:pPr lvl="1"/>
             <a:r>
-              <a:rPr lang="ru-RU" dirty="0">
-                <a:hlinkClick r:id="rId2"/>
-              </a:rPr>
-              <a:t>https://stackoverflow.com/questions/48455244/bug-in-stdsort</a:t>
-            </a:r>
-            <a:r>
-              <a:rPr lang="en-US" dirty="0"/>
-              <a:t> </a:t>
-            </a:r>
-            <a:endParaRPr lang="ru-RU" dirty="0"/>
-          </a:p>
-          <a:p>
-            <a:pPr lvl="1"/>
-            <a:r>
-              <a:rPr lang="ru-RU" dirty="0">
-                <a:hlinkClick r:id="rId3"/>
-              </a:rPr>
-              <a:t>https://stackoverflow.com/questions/53712873/sorting-a-vector-of-a-custom-class-with-stdsort-causes-a-segmentation-fault</a:t>
-            </a:r>
-            <a:r>
-              <a:rPr lang="en-US" dirty="0"/>
-              <a:t> </a:t>
-            </a:r>
-            <a:endParaRPr lang="ru-RU" dirty="0"/>
-          </a:p>
-          <a:p>
-            <a:pPr lvl="1"/>
-            <a:r>
-              <a:rPr lang="ru-RU" dirty="0">
-                <a:hlinkClick r:id="rId4"/>
-              </a:rPr>
-              <a:t>https://stackoverflow.com/questions/68225770/sorting-vector-of-pair-using-lambda-predicate-crashing-with-memory-corruption</a:t>
-            </a:r>
-            <a:r>
-              <a:rPr lang="en-US" dirty="0"/>
-              <a:t> </a:t>
-            </a:r>
-            <a:endParaRPr lang="ru-RU" dirty="0"/>
-          </a:p>
-          <a:p>
-            <a:pPr lvl="1"/>
-            <a:r>
-              <a:rPr lang="ru-RU" dirty="0">
-                <a:hlinkClick r:id="rId5"/>
-              </a:rPr>
-              <a:t>https://stackoverflow.com/questions/72737018/stdsort-results-in-a-segfault</a:t>
-            </a:r>
-            <a:r>
-              <a:rPr lang="en-US" dirty="0"/>
-              <a:t> </a:t>
-            </a:r>
-            <a:endParaRPr lang="ru-RU" dirty="0"/>
-          </a:p>
-          <a:p>
-            <a:pPr lvl="1"/>
-            <a:r>
-              <a:rPr lang="en-US" dirty="0">
-                <a:hlinkClick r:id="rId6"/>
-              </a:rPr>
-              <a:t>https://stackoverflow.com/questions/33547566/strict-weak-ordering-operator-in-c</a:t>
-            </a:r>
-            <a:endParaRPr lang="ru-RU" dirty="0"/>
+              <a:rPr lang="ru-RU" dirty="0"/>
+              <a:t>Сообщения об ошибках и дополнения приветствуются!</a:t>
+            </a:r>
+            <a:endParaRPr lang="en-US" dirty="0"/>
           </a:p>
         </p:txBody>
       </p:sp>
     </p:spTree>
     <p:extLst>
       <p:ext uri="{BB962C8B-B14F-4D97-AF65-F5344CB8AC3E}">
-        <p14:creationId xmlns:p14="http://schemas.microsoft.com/office/powerpoint/2010/main" val="3668881934"/>
+        <p14:creationId xmlns:p14="http://schemas.microsoft.com/office/powerpoint/2010/main" val="1454724109"/>
       </p:ext>
     </p:extLst>
   </p:cSld>
@@ -14007,7 +14245,7 @@
           <p:cNvPr id="2" name="Title 1">
             <a:extLst>
               <a:ext uri="{FF2B5EF4-FFF2-40B4-BE49-F238E27FC236}">
-                <a16:creationId xmlns:a16="http://schemas.microsoft.com/office/drawing/2014/main" id="{092805D2-F357-4985-8786-1E96A3570DCA}"/>
+                <a16:creationId xmlns:a16="http://schemas.microsoft.com/office/drawing/2014/main" id="{AE55B1BF-E6CB-4A61-A19B-EAB2E2F68128}"/>
               </a:ext>
             </a:extLst>
           </p:cNvPr>
@@ -14025,17 +14263,12 @@
           <a:p>
             <a:r>
               <a:rPr lang="ru-RU" dirty="0"/>
-              <a:t>Частые ошибки</a:t>
+              <a:t>Спасибо за внимание</a:t>
             </a:r>
             <a:r>
               <a:rPr lang="en-US" dirty="0"/>
-              <a:t>: </a:t>
-            </a:r>
-            <a:r>
-              <a:rPr lang="ru-RU" dirty="0"/>
-              <a:t>нестрогий порядок</a:t>
-            </a:r>
-            <a:endParaRPr lang="en-US" dirty="0"/>
+              <a:t>!</a:t>
+            </a:r>
           </a:p>
         </p:txBody>
       </p:sp>
@@ -14044,7 +14277,7 @@
           <p:cNvPr id="3" name="Content Placeholder 2">
             <a:extLst>
               <a:ext uri="{FF2B5EF4-FFF2-40B4-BE49-F238E27FC236}">
-                <a16:creationId xmlns:a16="http://schemas.microsoft.com/office/drawing/2014/main" id="{9F877387-845B-4121-913F-2FB574552C9A}"/>
+                <a16:creationId xmlns:a16="http://schemas.microsoft.com/office/drawing/2014/main" id="{FDC23327-086B-41AB-AC13-CE5A75450C7E}"/>
               </a:ext>
             </a:extLst>
           </p:cNvPr>
@@ -14057,94 +14290,8 @@
         </p:nvSpPr>
         <p:spPr/>
         <p:txBody>
-          <a:bodyPr>
-            <a:normAutofit fontScale="85000" lnSpcReduction="20000"/>
-          </a:bodyPr>
-          <a:lstStyle/>
-          <a:p>
-            <a:r>
-              <a:rPr lang="en-US" dirty="0">
-                <a:hlinkClick r:id="rId2"/>
-              </a:rPr>
-              <a:t>https://stackoverflow.com/questions/40483971/program-crash-in-stdsort-sometimes-cant-reproduce</a:t>
-            </a:r>
-            <a:r>
-              <a:rPr lang="en-US" dirty="0"/>
-              <a:t> </a:t>
-            </a:r>
-          </a:p>
-          <a:p>
-            <a:r>
-              <a:rPr lang="en-US" dirty="0">
-                <a:hlinkClick r:id="rId3"/>
-              </a:rPr>
-              <a:t>https://stackoverflow.com/questions/65468629/stl-sort-debug-assertion-failed</a:t>
-            </a:r>
-            <a:r>
-              <a:rPr lang="en-US" dirty="0"/>
-              <a:t> </a:t>
-            </a:r>
-          </a:p>
-          <a:p>
-            <a:r>
-              <a:rPr lang="en-US" dirty="0">
-                <a:hlinkClick r:id="rId4"/>
-              </a:rPr>
-              <a:t>https://stackoverflow.com/questions/18291620/why-will-stdsort-crash-if-the-comparison-function-is-not-as-operator</a:t>
-            </a:r>
-            <a:r>
-              <a:rPr lang="en-US" dirty="0"/>
-              <a:t> </a:t>
-            </a:r>
-          </a:p>
-          <a:p>
-            <a:r>
-              <a:rPr lang="en-US" dirty="0">
-                <a:hlinkClick r:id="rId5"/>
-              </a:rPr>
-              <a:t>https://stackoverflow.com/questions/19757210/stdsort-from-algorithm-crashes</a:t>
-            </a:r>
-            <a:r>
-              <a:rPr lang="en-US" dirty="0"/>
-              <a:t> </a:t>
-            </a:r>
-          </a:p>
-          <a:p>
-            <a:r>
-              <a:rPr lang="en-US" dirty="0">
-                <a:hlinkClick r:id="rId6"/>
-              </a:rPr>
-              <a:t>https://stackoverflow.com/questions/64014782/c-program-crashes-when-trying-to-sort-a-vector-of-strings</a:t>
-            </a:r>
-            <a:r>
-              <a:rPr lang="en-US" dirty="0"/>
-              <a:t> </a:t>
-            </a:r>
-          </a:p>
-          <a:p>
-            <a:r>
-              <a:rPr lang="en-US" dirty="0">
-                <a:hlinkClick r:id="rId7"/>
-              </a:rPr>
-              <a:t>https://stackoverflow.com/questions/70869803/c-code-crashes-when-trying-to-sort-2d-vector</a:t>
-            </a:r>
-            <a:r>
-              <a:rPr lang="en-US" dirty="0"/>
-              <a:t> </a:t>
-            </a:r>
-          </a:p>
-          <a:p>
-            <a:r>
-              <a:rPr lang="en-US" dirty="0">
-                <a:hlinkClick r:id="rId8"/>
-              </a:rPr>
-              <a:t>https://stackoverflow.com/questions/67553073/std-sort-sometimes-throws-seqmention-fault</a:t>
-            </a:r>
-            <a:r>
-              <a:rPr lang="en-US" dirty="0"/>
-              <a:t> </a:t>
-            </a:r>
-          </a:p>
+          <a:bodyPr/>
+          <a:lstStyle/>
           <a:p>
             <a:endParaRPr lang="en-US" dirty="0"/>
           </a:p>
@@ -14153,7 +14300,7 @@
     </p:spTree>
     <p:extLst>
       <p:ext uri="{BB962C8B-B14F-4D97-AF65-F5344CB8AC3E}">
-        <p14:creationId xmlns:p14="http://schemas.microsoft.com/office/powerpoint/2010/main" val="1970220755"/>
+        <p14:creationId xmlns:p14="http://schemas.microsoft.com/office/powerpoint/2010/main" val="876813992"/>
       </p:ext>
     </p:extLst>
   </p:cSld>
@@ -14185,7 +14332,7 @@
           <p:cNvPr id="2" name="Title 1">
             <a:extLst>
               <a:ext uri="{FF2B5EF4-FFF2-40B4-BE49-F238E27FC236}">
-                <a16:creationId xmlns:a16="http://schemas.microsoft.com/office/drawing/2014/main" id="{5B934954-6504-41DD-8948-DC3D99FD6E34}"/>
+                <a16:creationId xmlns:a16="http://schemas.microsoft.com/office/drawing/2014/main" id="{680D122F-8A3D-4D58-A0A5-9A5AC33760D9}"/>
               </a:ext>
             </a:extLst>
           </p:cNvPr>
@@ -14207,11 +14354,11 @@
             </a:r>
             <a:r>
               <a:rPr lang="en-US" dirty="0"/>
-              <a:t>:</a:t>
-            </a:r>
-            <a:r>
-              <a:rPr lang="ru-RU" dirty="0"/>
-              <a:t> некорректная обработка специального случая</a:t>
+              <a:t>: </a:t>
+            </a:r>
+            <a:r>
+              <a:rPr lang="ru-RU" dirty="0"/>
+              <a:t>лексикографический порядок</a:t>
             </a:r>
             <a:endParaRPr lang="en-US" dirty="0"/>
           </a:p>
@@ -14222,7 +14369,7 @@
           <p:cNvPr id="3" name="Content Placeholder 2">
             <a:extLst>
               <a:ext uri="{FF2B5EF4-FFF2-40B4-BE49-F238E27FC236}">
-                <a16:creationId xmlns:a16="http://schemas.microsoft.com/office/drawing/2014/main" id="{B70B7E1B-CF95-4F6A-94BA-64AE9895C4A5}"/>
+                <a16:creationId xmlns:a16="http://schemas.microsoft.com/office/drawing/2014/main" id="{EF38A0C2-67EB-4D5D-A96E-FD883EF4688E}"/>
               </a:ext>
             </a:extLst>
           </p:cNvPr>
@@ -14235,84 +14382,91 @@
         </p:nvSpPr>
         <p:spPr/>
         <p:txBody>
-          <a:bodyPr/>
-          <a:lstStyle/>
-          <a:p>
+          <a:bodyPr>
+            <a:normAutofit/>
+          </a:bodyPr>
+          <a:lstStyle/>
+          <a:p>
+            <a:pPr marL="0" indent="0">
+              <a:buNone/>
+            </a:pPr>
+            <a:r>
+              <a:rPr lang="ru-RU" dirty="0"/>
+              <a:t>Примеры со stackoverflow:</a:t>
+            </a:r>
+          </a:p>
+          <a:p>
+            <a:pPr lvl="1"/>
             <a:r>
               <a:rPr lang="ru-RU" dirty="0">
-                <a:solidFill>
-                  <a:prstClr val="black"/>
-                </a:solidFill>
-                <a:cs typeface="Courier New" panose="02070309020205020404" pitchFamily="49" charset="0"/>
-              </a:rPr>
-              <a:t>Примеры со stackoverflow:</a:t>
-            </a:r>
+                <a:hlinkClick r:id="rId2"/>
+              </a:rPr>
+              <a:t>https://stackoverflow.com/questions/48455244/bug-in-stdsort</a:t>
+            </a:r>
+            <a:r>
+              <a:rPr lang="en-US" dirty="0"/>
+              <a:t> </a:t>
+            </a:r>
+            <a:endParaRPr lang="ru-RU" dirty="0"/>
           </a:p>
           <a:p>
             <a:pPr lvl="1"/>
             <a:r>
               <a:rPr lang="ru-RU" dirty="0">
-                <a:solidFill>
-                  <a:prstClr val="black"/>
-                </a:solidFill>
-                <a:cs typeface="Courier New" panose="02070309020205020404" pitchFamily="49" charset="0"/>
-                <a:hlinkClick r:id="rId2"/>
-              </a:rPr>
-              <a:t>https://stackoverflow.com/questions/55815423/stdsort-crashes-with-strict-weak-ordering-comparing-with-garbage-values</a:t>
-            </a:r>
-            <a:r>
-              <a:rPr lang="en-US" dirty="0">
-                <a:solidFill>
-                  <a:prstClr val="black"/>
-                </a:solidFill>
-                <a:cs typeface="Courier New" panose="02070309020205020404" pitchFamily="49" charset="0"/>
-              </a:rPr>
+                <a:hlinkClick r:id="rId3"/>
+              </a:rPr>
+              <a:t>https://stackoverflow.com/questions/53712873/sorting-a-vector-of-a-custom-class-with-stdsort-causes-a-segmentation-fault</a:t>
+            </a:r>
+            <a:r>
+              <a:rPr lang="en-US" dirty="0"/>
               <a:t> </a:t>
             </a:r>
-            <a:endParaRPr lang="ru-RU" dirty="0">
-              <a:solidFill>
-                <a:prstClr val="black"/>
-              </a:solidFill>
-              <a:cs typeface="Courier New" panose="02070309020205020404" pitchFamily="49" charset="0"/>
-            </a:endParaRPr>
+            <a:endParaRPr lang="ru-RU" dirty="0"/>
           </a:p>
           <a:p>
             <a:pPr lvl="1"/>
             <a:r>
               <a:rPr lang="ru-RU" dirty="0">
-                <a:solidFill>
-                  <a:prstClr val="black"/>
-                </a:solidFill>
-                <a:cs typeface="Courier New" panose="02070309020205020404" pitchFamily="49" charset="0"/>
-                <a:hlinkClick r:id="rId3"/>
-              </a:rPr>
-              <a:t>https://stackoverflow.com/questions/48972158/crash-in-stdsort-sorting-without-strict-weak-ordering</a:t>
-            </a:r>
-            <a:r>
-              <a:rPr lang="en-US" dirty="0">
-                <a:solidFill>
-                  <a:prstClr val="black"/>
-                </a:solidFill>
-                <a:cs typeface="Courier New" panose="02070309020205020404" pitchFamily="49" charset="0"/>
-              </a:rPr>
+                <a:hlinkClick r:id="rId4"/>
+              </a:rPr>
+              <a:t>https://stackoverflow.com/questions/68225770/sorting-vector-of-pair-using-lambda-predicate-crashing-with-memory-corruption</a:t>
+            </a:r>
+            <a:r>
+              <a:rPr lang="en-US" dirty="0"/>
               <a:t> </a:t>
             </a:r>
-            <a:endParaRPr lang="ru-RU" dirty="0">
-              <a:solidFill>
-                <a:prstClr val="black"/>
-              </a:solidFill>
-              <a:cs typeface="Courier New" panose="02070309020205020404" pitchFamily="49" charset="0"/>
-            </a:endParaRPr>
-          </a:p>
-          <a:p>
-            <a:endParaRPr lang="en-US" dirty="0"/>
+            <a:endParaRPr lang="ru-RU" dirty="0"/>
+          </a:p>
+          <a:p>
+            <a:pPr lvl="1"/>
+            <a:r>
+              <a:rPr lang="ru-RU" dirty="0">
+                <a:hlinkClick r:id="rId5"/>
+              </a:rPr>
+              <a:t>https://stackoverflow.com/questions/72737018/stdsort-results-in-a-segfault</a:t>
+            </a:r>
+            <a:r>
+              <a:rPr lang="en-US" dirty="0"/>
+              <a:t> </a:t>
+            </a:r>
+            <a:endParaRPr lang="ru-RU" dirty="0"/>
+          </a:p>
+          <a:p>
+            <a:pPr lvl="1"/>
+            <a:r>
+              <a:rPr lang="en-US" dirty="0">
+                <a:hlinkClick r:id="rId6"/>
+              </a:rPr>
+              <a:t>https://stackoverflow.com/questions/33547566/strict-weak-ordering-operator-in-c</a:t>
+            </a:r>
+            <a:endParaRPr lang="ru-RU" dirty="0"/>
           </a:p>
         </p:txBody>
       </p:sp>
     </p:spTree>
     <p:extLst>
       <p:ext uri="{BB962C8B-B14F-4D97-AF65-F5344CB8AC3E}">
-        <p14:creationId xmlns:p14="http://schemas.microsoft.com/office/powerpoint/2010/main" val="1385981339"/>
+        <p14:creationId xmlns:p14="http://schemas.microsoft.com/office/powerpoint/2010/main" val="3668881934"/>
       </p:ext>
     </p:extLst>
   </p:cSld>
@@ -14344,7 +14498,7 @@
           <p:cNvPr id="2" name="Title 1">
             <a:extLst>
               <a:ext uri="{FF2B5EF4-FFF2-40B4-BE49-F238E27FC236}">
-                <a16:creationId xmlns:a16="http://schemas.microsoft.com/office/drawing/2014/main" id="{7FAC9331-FB0D-46E1-97C7-91D2F53B1F37}"/>
+                <a16:creationId xmlns:a16="http://schemas.microsoft.com/office/drawing/2014/main" id="{092805D2-F357-4985-8786-1E96A3570DCA}"/>
               </a:ext>
             </a:extLst>
           </p:cNvPr>
@@ -14369,8 +14523,8 @@
               <a:t>: </a:t>
             </a:r>
             <a:r>
-              <a:rPr lang="en-US" dirty="0" err="1"/>
-              <a:t>NaN</a:t>
+              <a:rPr lang="ru-RU" dirty="0"/>
+              <a:t>нестрогий порядок</a:t>
             </a:r>
             <a:endParaRPr lang="en-US" dirty="0"/>
           </a:p>
@@ -14381,7 +14535,7 @@
           <p:cNvPr id="3" name="Content Placeholder 2">
             <a:extLst>
               <a:ext uri="{FF2B5EF4-FFF2-40B4-BE49-F238E27FC236}">
-                <a16:creationId xmlns:a16="http://schemas.microsoft.com/office/drawing/2014/main" id="{ACB98A3B-A71D-4E65-8E79-44C3B3EC4169}"/>
+                <a16:creationId xmlns:a16="http://schemas.microsoft.com/office/drawing/2014/main" id="{9F877387-845B-4121-913F-2FB574552C9A}"/>
               </a:ext>
             </a:extLst>
           </p:cNvPr>
@@ -14394,24 +14548,93 @@
         </p:nvSpPr>
         <p:spPr/>
         <p:txBody>
-          <a:bodyPr/>
-          <a:lstStyle/>
-          <a:p>
-            <a:r>
-              <a:rPr lang="ru-RU" dirty="0"/>
-              <a:t>Пример из жизни: </a:t>
-            </a:r>
-            <a:r>
-              <a:rPr lang="ru-RU" dirty="0">
+          <a:bodyPr>
+            <a:normAutofit fontScale="85000" lnSpcReduction="20000"/>
+          </a:bodyPr>
+          <a:lstStyle/>
+          <a:p>
+            <a:r>
+              <a:rPr lang="en-US" dirty="0">
                 <a:hlinkClick r:id="rId2"/>
               </a:rPr>
-              <a:t>https://stackoverflow.com/questions/9244243/strict-weak-ordering-and-stdsort</a:t>
+              <a:t>https://stackoverflow.com/questions/40483971/program-crash-in-stdsort-sometimes-cant-reproduce</a:t>
             </a:r>
             <a:r>
               <a:rPr lang="en-US" dirty="0"/>
               <a:t> </a:t>
             </a:r>
-            <a:endParaRPr lang="ru-RU" dirty="0"/>
+          </a:p>
+          <a:p>
+            <a:r>
+              <a:rPr lang="en-US" dirty="0">
+                <a:hlinkClick r:id="rId3"/>
+              </a:rPr>
+              <a:t>https://stackoverflow.com/questions/65468629/stl-sort-debug-assertion-failed</a:t>
+            </a:r>
+            <a:r>
+              <a:rPr lang="en-US" dirty="0"/>
+              <a:t> </a:t>
+            </a:r>
+          </a:p>
+          <a:p>
+            <a:r>
+              <a:rPr lang="en-US" dirty="0">
+                <a:hlinkClick r:id="rId4"/>
+              </a:rPr>
+              <a:t>https://stackoverflow.com/questions/18291620/why-will-stdsort-crash-if-the-comparison-function-is-not-as-operator</a:t>
+            </a:r>
+            <a:r>
+              <a:rPr lang="en-US" dirty="0"/>
+              <a:t> </a:t>
+            </a:r>
+          </a:p>
+          <a:p>
+            <a:r>
+              <a:rPr lang="en-US" dirty="0">
+                <a:hlinkClick r:id="rId5"/>
+              </a:rPr>
+              <a:t>https://stackoverflow.com/questions/19757210/stdsort-from-algorithm-crashes</a:t>
+            </a:r>
+            <a:r>
+              <a:rPr lang="en-US" dirty="0"/>
+              <a:t> </a:t>
+            </a:r>
+          </a:p>
+          <a:p>
+            <a:r>
+              <a:rPr lang="en-US" dirty="0">
+                <a:hlinkClick r:id="rId6"/>
+              </a:rPr>
+              <a:t>https://stackoverflow.com/questions/64014782/c-program-crashes-when-trying-to-sort-a-vector-of-strings</a:t>
+            </a:r>
+            <a:r>
+              <a:rPr lang="en-US" dirty="0"/>
+              <a:t> </a:t>
+            </a:r>
+          </a:p>
+          <a:p>
+            <a:r>
+              <a:rPr lang="en-US" dirty="0">
+                <a:hlinkClick r:id="rId7"/>
+              </a:rPr>
+              <a:t>https://stackoverflow.com/questions/70869803/c-code-crashes-when-trying-to-sort-2d-vector</a:t>
+            </a:r>
+            <a:r>
+              <a:rPr lang="en-US" dirty="0"/>
+              <a:t> </a:t>
+            </a:r>
+          </a:p>
+          <a:p>
+            <a:r>
+              <a:rPr lang="en-US" dirty="0">
+                <a:hlinkClick r:id="rId8"/>
+              </a:rPr>
+              <a:t>https://stackoverflow.com/questions/67553073/std-sort-sometimes-throws-seqmention-fault</a:t>
+            </a:r>
+            <a:r>
+              <a:rPr lang="en-US" dirty="0"/>
+              <a:t> </a:t>
+            </a:r>
           </a:p>
           <a:p>
             <a:endParaRPr lang="en-US" dirty="0"/>
@@ -14421,7 +14644,7 @@
     </p:spTree>
     <p:extLst>
       <p:ext uri="{BB962C8B-B14F-4D97-AF65-F5344CB8AC3E}">
-        <p14:creationId xmlns:p14="http://schemas.microsoft.com/office/powerpoint/2010/main" val="577564382"/>
+        <p14:creationId xmlns:p14="http://schemas.microsoft.com/office/powerpoint/2010/main" val="1970220755"/>
       </p:ext>
     </p:extLst>
   </p:cSld>
@@ -14705,6 +14928,274 @@
 </file>
 
 <file path=ppt/slides/slide50.xml><?xml version="1.0" encoding="utf-8"?>
+<p:sld xmlns:a="http://schemas.openxmlformats.org/drawingml/2006/main" xmlns:r="http://schemas.openxmlformats.org/officeDocument/2006/relationships" xmlns:p="http://schemas.openxmlformats.org/presentationml/2006/main">
+  <p:cSld>
+    <p:spTree>
+      <p:nvGrpSpPr>
+        <p:cNvPr id="1" name=""/>
+        <p:cNvGrpSpPr/>
+        <p:nvPr/>
+      </p:nvGrpSpPr>
+      <p:grpSpPr>
+        <a:xfrm>
+          <a:off x="0" y="0"/>
+          <a:ext cx="0" cy="0"/>
+          <a:chOff x="0" y="0"/>
+          <a:chExt cx="0" cy="0"/>
+        </a:xfrm>
+      </p:grpSpPr>
+      <p:sp>
+        <p:nvSpPr>
+          <p:cNvPr id="2" name="Title 1">
+            <a:extLst>
+              <a:ext uri="{FF2B5EF4-FFF2-40B4-BE49-F238E27FC236}">
+                <a16:creationId xmlns:a16="http://schemas.microsoft.com/office/drawing/2014/main" id="{5B934954-6504-41DD-8948-DC3D99FD6E34}"/>
+              </a:ext>
+            </a:extLst>
+          </p:cNvPr>
+          <p:cNvSpPr>
+            <a:spLocks noGrp="1"/>
+          </p:cNvSpPr>
+          <p:nvPr>
+            <p:ph type="title"/>
+          </p:nvPr>
+        </p:nvSpPr>
+        <p:spPr/>
+        <p:txBody>
+          <a:bodyPr/>
+          <a:lstStyle/>
+          <a:p>
+            <a:r>
+              <a:rPr lang="ru-RU" dirty="0"/>
+              <a:t>Частые ошибки</a:t>
+            </a:r>
+            <a:r>
+              <a:rPr lang="en-US" dirty="0"/>
+              <a:t>:</a:t>
+            </a:r>
+            <a:r>
+              <a:rPr lang="ru-RU" dirty="0"/>
+              <a:t> некорректная обработка специального случая</a:t>
+            </a:r>
+            <a:endParaRPr lang="en-US" dirty="0"/>
+          </a:p>
+        </p:txBody>
+      </p:sp>
+      <p:sp>
+        <p:nvSpPr>
+          <p:cNvPr id="3" name="Content Placeholder 2">
+            <a:extLst>
+              <a:ext uri="{FF2B5EF4-FFF2-40B4-BE49-F238E27FC236}">
+                <a16:creationId xmlns:a16="http://schemas.microsoft.com/office/drawing/2014/main" id="{B70B7E1B-CF95-4F6A-94BA-64AE9895C4A5}"/>
+              </a:ext>
+            </a:extLst>
+          </p:cNvPr>
+          <p:cNvSpPr>
+            <a:spLocks noGrp="1"/>
+          </p:cNvSpPr>
+          <p:nvPr>
+            <p:ph idx="1"/>
+          </p:nvPr>
+        </p:nvSpPr>
+        <p:spPr/>
+        <p:txBody>
+          <a:bodyPr/>
+          <a:lstStyle/>
+          <a:p>
+            <a:r>
+              <a:rPr lang="ru-RU" dirty="0">
+                <a:solidFill>
+                  <a:prstClr val="black"/>
+                </a:solidFill>
+                <a:cs typeface="Courier New" panose="02070309020205020404" pitchFamily="49" charset="0"/>
+              </a:rPr>
+              <a:t>Примеры со stackoverflow:</a:t>
+            </a:r>
+          </a:p>
+          <a:p>
+            <a:pPr lvl="1"/>
+            <a:r>
+              <a:rPr lang="ru-RU" dirty="0">
+                <a:solidFill>
+                  <a:prstClr val="black"/>
+                </a:solidFill>
+                <a:cs typeface="Courier New" panose="02070309020205020404" pitchFamily="49" charset="0"/>
+                <a:hlinkClick r:id="rId2"/>
+              </a:rPr>
+              <a:t>https://stackoverflow.com/questions/55815423/stdsort-crashes-with-strict-weak-ordering-comparing-with-garbage-values</a:t>
+            </a:r>
+            <a:r>
+              <a:rPr lang="en-US" dirty="0">
+                <a:solidFill>
+                  <a:prstClr val="black"/>
+                </a:solidFill>
+                <a:cs typeface="Courier New" panose="02070309020205020404" pitchFamily="49" charset="0"/>
+              </a:rPr>
+              <a:t> </a:t>
+            </a:r>
+            <a:endParaRPr lang="ru-RU" dirty="0">
+              <a:solidFill>
+                <a:prstClr val="black"/>
+              </a:solidFill>
+              <a:cs typeface="Courier New" panose="02070309020205020404" pitchFamily="49" charset="0"/>
+            </a:endParaRPr>
+          </a:p>
+          <a:p>
+            <a:pPr lvl="1"/>
+            <a:r>
+              <a:rPr lang="ru-RU" dirty="0">
+                <a:solidFill>
+                  <a:prstClr val="black"/>
+                </a:solidFill>
+                <a:cs typeface="Courier New" panose="02070309020205020404" pitchFamily="49" charset="0"/>
+                <a:hlinkClick r:id="rId3"/>
+              </a:rPr>
+              <a:t>https://stackoverflow.com/questions/48972158/crash-in-stdsort-sorting-without-strict-weak-ordering</a:t>
+            </a:r>
+            <a:r>
+              <a:rPr lang="en-US" dirty="0">
+                <a:solidFill>
+                  <a:prstClr val="black"/>
+                </a:solidFill>
+                <a:cs typeface="Courier New" panose="02070309020205020404" pitchFamily="49" charset="0"/>
+              </a:rPr>
+              <a:t> </a:t>
+            </a:r>
+            <a:endParaRPr lang="ru-RU" dirty="0">
+              <a:solidFill>
+                <a:prstClr val="black"/>
+              </a:solidFill>
+              <a:cs typeface="Courier New" panose="02070309020205020404" pitchFamily="49" charset="0"/>
+            </a:endParaRPr>
+          </a:p>
+          <a:p>
+            <a:endParaRPr lang="en-US" dirty="0"/>
+          </a:p>
+        </p:txBody>
+      </p:sp>
+    </p:spTree>
+    <p:extLst>
+      <p:ext uri="{BB962C8B-B14F-4D97-AF65-F5344CB8AC3E}">
+        <p14:creationId xmlns:p14="http://schemas.microsoft.com/office/powerpoint/2010/main" val="1385981339"/>
+      </p:ext>
+    </p:extLst>
+  </p:cSld>
+  <p:clrMapOvr>
+    <a:masterClrMapping/>
+  </p:clrMapOvr>
+</p:sld>
+</file>
+
+<file path=ppt/slides/slide51.xml><?xml version="1.0" encoding="utf-8"?>
+<p:sld xmlns:a="http://schemas.openxmlformats.org/drawingml/2006/main" xmlns:r="http://schemas.openxmlformats.org/officeDocument/2006/relationships" xmlns:p="http://schemas.openxmlformats.org/presentationml/2006/main">
+  <p:cSld>
+    <p:spTree>
+      <p:nvGrpSpPr>
+        <p:cNvPr id="1" name=""/>
+        <p:cNvGrpSpPr/>
+        <p:nvPr/>
+      </p:nvGrpSpPr>
+      <p:grpSpPr>
+        <a:xfrm>
+          <a:off x="0" y="0"/>
+          <a:ext cx="0" cy="0"/>
+          <a:chOff x="0" y="0"/>
+          <a:chExt cx="0" cy="0"/>
+        </a:xfrm>
+      </p:grpSpPr>
+      <p:sp>
+        <p:nvSpPr>
+          <p:cNvPr id="2" name="Title 1">
+            <a:extLst>
+              <a:ext uri="{FF2B5EF4-FFF2-40B4-BE49-F238E27FC236}">
+                <a16:creationId xmlns:a16="http://schemas.microsoft.com/office/drawing/2014/main" id="{7FAC9331-FB0D-46E1-97C7-91D2F53B1F37}"/>
+              </a:ext>
+            </a:extLst>
+          </p:cNvPr>
+          <p:cNvSpPr>
+            <a:spLocks noGrp="1"/>
+          </p:cNvSpPr>
+          <p:nvPr>
+            <p:ph type="title"/>
+          </p:nvPr>
+        </p:nvSpPr>
+        <p:spPr/>
+        <p:txBody>
+          <a:bodyPr/>
+          <a:lstStyle/>
+          <a:p>
+            <a:r>
+              <a:rPr lang="ru-RU" dirty="0"/>
+              <a:t>Частые ошибки</a:t>
+            </a:r>
+            <a:r>
+              <a:rPr lang="en-US" dirty="0"/>
+              <a:t>: </a:t>
+            </a:r>
+            <a:r>
+              <a:rPr lang="en-US" dirty="0" err="1"/>
+              <a:t>NaN</a:t>
+            </a:r>
+            <a:endParaRPr lang="en-US" dirty="0"/>
+          </a:p>
+        </p:txBody>
+      </p:sp>
+      <p:sp>
+        <p:nvSpPr>
+          <p:cNvPr id="3" name="Content Placeholder 2">
+            <a:extLst>
+              <a:ext uri="{FF2B5EF4-FFF2-40B4-BE49-F238E27FC236}">
+                <a16:creationId xmlns:a16="http://schemas.microsoft.com/office/drawing/2014/main" id="{ACB98A3B-A71D-4E65-8E79-44C3B3EC4169}"/>
+              </a:ext>
+            </a:extLst>
+          </p:cNvPr>
+          <p:cNvSpPr>
+            <a:spLocks noGrp="1"/>
+          </p:cNvSpPr>
+          <p:nvPr>
+            <p:ph idx="1"/>
+          </p:nvPr>
+        </p:nvSpPr>
+        <p:spPr/>
+        <p:txBody>
+          <a:bodyPr/>
+          <a:lstStyle/>
+          <a:p>
+            <a:r>
+              <a:rPr lang="ru-RU" dirty="0"/>
+              <a:t>Пример из жизни: </a:t>
+            </a:r>
+            <a:r>
+              <a:rPr lang="ru-RU" dirty="0">
+                <a:hlinkClick r:id="rId2"/>
+              </a:rPr>
+              <a:t>https://stackoverflow.com/questions/9244243/strict-weak-ordering-and-stdsort</a:t>
+            </a:r>
+            <a:r>
+              <a:rPr lang="en-US" dirty="0"/>
+              <a:t> </a:t>
+            </a:r>
+            <a:endParaRPr lang="ru-RU" dirty="0"/>
+          </a:p>
+          <a:p>
+            <a:endParaRPr lang="en-US" dirty="0"/>
+          </a:p>
+        </p:txBody>
+      </p:sp>
+    </p:spTree>
+    <p:extLst>
+      <p:ext uri="{BB962C8B-B14F-4D97-AF65-F5344CB8AC3E}">
+        <p14:creationId xmlns:p14="http://schemas.microsoft.com/office/powerpoint/2010/main" val="577564382"/>
+      </p:ext>
+    </p:extLst>
+  </p:cSld>
+  <p:clrMapOvr>
+    <a:masterClrMapping/>
+  </p:clrMapOvr>
+</p:sld>
+</file>
+
+<file path=ppt/slides/slide52.xml><?xml version="1.0" encoding="utf-8"?>
 <p:sld xmlns:a="http://schemas.openxmlformats.org/drawingml/2006/main" xmlns:r="http://schemas.openxmlformats.org/officeDocument/2006/relationships" xmlns:p="http://schemas.openxmlformats.org/presentationml/2006/main">
   <p:cSld>
     <p:spTree>

--- a/2023/RU.pptx
+++ b/2023/RU.pptx
@@ -260,7 +260,7 @@
           <a:p>
             <a:fld id="{A36A2EB4-42A0-4A9F-94AC-04D10C1F231A}" type="datetimeFigureOut">
               <a:rPr lang="en-US" smtClean="0"/>
-              <a:t>4/23/2023</a:t>
+              <a:t>4/24/2023</a:t>
             </a:fld>
             <a:endParaRPr lang="en-US"/>
           </a:p>
@@ -669,32 +669,88 @@
           <a:p>
             <a:r>
               <a:rPr lang="ru-RU" dirty="0"/>
-              <a:t>С функцией </a:t>
-            </a:r>
-            <a:r>
-              <a:rPr lang="en-US" dirty="0" err="1">
-                <a:latin typeface="Courier New" panose="02070309020205020404" pitchFamily="49" charset="0"/>
-                <a:cs typeface="Courier New" panose="02070309020205020404" pitchFamily="49" charset="0"/>
-              </a:rPr>
-              <a:t>equiv</a:t>
+              <a:t>Что же это за правила</a:t>
             </a:r>
             <a:r>
               <a:rPr lang="en-US" dirty="0"/>
+              <a:t>?</a:t>
+            </a:r>
+          </a:p>
+          <a:p>
+            <a:endParaRPr lang="en-US" dirty="0"/>
+          </a:p>
+          <a:p>
+            <a:r>
+              <a:rPr lang="ru-RU" dirty="0"/>
+              <a:t>Кратко</a:t>
+            </a:r>
+            <a:r>
+              <a:rPr lang="en-US" dirty="0"/>
+              <a:t>: </a:t>
+            </a:r>
+            <a:r>
+              <a:rPr lang="ru-RU" dirty="0"/>
+              <a:t>компаратор ведёт себя как </a:t>
+            </a:r>
+            <a:r>
+              <a:rPr lang="en-US" dirty="0"/>
+              <a:t>“</a:t>
+            </a:r>
+            <a:r>
+              <a:rPr lang="ru-RU" dirty="0"/>
+              <a:t>нормальный</a:t>
+            </a:r>
+            <a:r>
+              <a:rPr lang="en-US" dirty="0"/>
+              <a:t>”</a:t>
+            </a:r>
+            <a:r>
+              <a:rPr lang="ru-RU" dirty="0"/>
               <a:t> </a:t>
             </a:r>
             <a:r>
-              <a:rPr lang="ru-RU" dirty="0"/>
-              <a:t>связана последняя, четвертая аксиома</a:t>
-            </a:r>
+              <a:rPr lang="en-US" dirty="0">
+                <a:latin typeface="Courier New" panose="02070309020205020404" pitchFamily="49" charset="0"/>
+                <a:cs typeface="Courier New" panose="02070309020205020404" pitchFamily="49" charset="0"/>
+              </a:rPr>
+              <a:t>operator&lt;.</a:t>
+            </a:r>
+          </a:p>
+          <a:p>
+            <a:endParaRPr lang="en-US" dirty="0">
+              <a:latin typeface="Courier New" panose="02070309020205020404" pitchFamily="49" charset="0"/>
+              <a:cs typeface="Courier New" panose="02070309020205020404" pitchFamily="49" charset="0"/>
+            </a:endParaRPr>
+          </a:p>
+          <a:p>
+            <a:r>
+              <a:rPr lang="ru-RU" dirty="0"/>
+              <a:t>Можно обойтись двумя аксиомами, но обычно для ясности выписывают все три</a:t>
+            </a:r>
+            <a:r>
+              <a:rPr lang="en-US" dirty="0"/>
+              <a:t>.</a:t>
+            </a:r>
+          </a:p>
+          <a:p>
             <a:endParaRPr lang="en-US" dirty="0"/>
           </a:p>
           <a:p>
-            <a:endParaRPr lang="en-US" dirty="0"/>
-          </a:p>
-          <a:p>
+            <a:r>
+              <a:rPr lang="ru-RU" dirty="0"/>
+              <a:t>Каждая аксиома имеет довольно естественную интерпретацию в реальном мире. Например третья аксиома говорит что нельзя отсортировать элементы в игре камень-ножницы-бумага</a:t>
+            </a:r>
             <a:r>
               <a:rPr lang="en-US" dirty="0"/>
-              <a:t>https://stackoverflow.com/questions/75970396/why-do-we-need-transitivity-of-equivalence</a:t>
+              <a:t> (</a:t>
+            </a:r>
+            <a:r>
+              <a:rPr lang="ru-RU" dirty="0"/>
+              <a:t>там невозможно сформировать возрастающую последовательность элементов)</a:t>
+            </a:r>
+            <a:r>
+              <a:rPr lang="en-US" dirty="0"/>
+              <a:t>.</a:t>
             </a:r>
           </a:p>
         </p:txBody>
@@ -716,7 +772,7 @@
           <a:p>
             <a:fld id="{3AC94D10-082F-46D7-A834-266F9222130F}" type="slidenum">
               <a:rPr lang="en-US" smtClean="0"/>
-              <a:t>16</a:t>
+              <a:t>14</a:t>
             </a:fld>
             <a:endParaRPr lang="en-US"/>
           </a:p>
@@ -725,7 +781,7 @@
     </p:spTree>
     <p:extLst>
       <p:ext uri="{BB962C8B-B14F-4D97-AF65-F5344CB8AC3E}">
-        <p14:creationId xmlns:p14="http://schemas.microsoft.com/office/powerpoint/2010/main" val="1829174851"/>
+        <p14:creationId xmlns:p14="http://schemas.microsoft.com/office/powerpoint/2010/main" val="2917169910"/>
       </p:ext>
     </p:extLst>
   </p:cSld>
@@ -781,15 +837,15 @@
           <a:p>
             <a:r>
               <a:rPr lang="ru-RU" dirty="0"/>
-              <a:t>Объединение всех четырех аксиом называется строгим слабым порядком</a:t>
+              <a:t>Оператор эквивалентности ведёт себя схожим образом с оператором сравнения </a:t>
             </a:r>
             <a:r>
               <a:rPr lang="en-US" dirty="0"/>
-              <a:t>.</a:t>
-            </a:r>
-            <a:r>
-              <a:rPr lang="ru-RU" dirty="0"/>
-              <a:t> На него и даются ссылки в стандарте языка при описании требований к компараторам.</a:t>
+              <a:t>(operator==), </a:t>
+            </a:r>
+            <a:r>
+              <a:rPr lang="ru-RU" dirty="0"/>
+              <a:t>но вообще говоря отличается от него. Например компаратор может сравнивать только подмножество полей класса или сравнивать производные атрибуты класса.</a:t>
             </a:r>
             <a:endParaRPr lang="en-US" dirty="0"/>
           </a:p>
@@ -812,7 +868,7 @@
           <a:p>
             <a:fld id="{3AC94D10-082F-46D7-A834-266F9222130F}" type="slidenum">
               <a:rPr lang="en-US" smtClean="0"/>
-              <a:t>18</a:t>
+              <a:t>15</a:t>
             </a:fld>
             <a:endParaRPr lang="en-US"/>
           </a:p>
@@ -821,7 +877,7 @@
     </p:spTree>
     <p:extLst>
       <p:ext uri="{BB962C8B-B14F-4D97-AF65-F5344CB8AC3E}">
-        <p14:creationId xmlns:p14="http://schemas.microsoft.com/office/powerpoint/2010/main" val="637534043"/>
+        <p14:creationId xmlns:p14="http://schemas.microsoft.com/office/powerpoint/2010/main" val="1756645754"/>
       </p:ext>
     </p:extLst>
   </p:cSld>
@@ -876,6 +932,214 @@
           <a:lstStyle/>
           <a:p>
             <a:r>
+              <a:rPr lang="ru-RU" dirty="0"/>
+              <a:t>С функцией </a:t>
+            </a:r>
+            <a:r>
+              <a:rPr lang="en-US" dirty="0" err="1">
+                <a:latin typeface="Courier New" panose="02070309020205020404" pitchFamily="49" charset="0"/>
+                <a:cs typeface="Courier New" panose="02070309020205020404" pitchFamily="49" charset="0"/>
+              </a:rPr>
+              <a:t>equiv</a:t>
+            </a:r>
+            <a:r>
+              <a:rPr lang="en-US" dirty="0"/>
+              <a:t> </a:t>
+            </a:r>
+            <a:r>
+              <a:rPr lang="ru-RU" dirty="0"/>
+              <a:t>связана последняя, четвертая аксиома</a:t>
+            </a:r>
+            <a:endParaRPr lang="en-US" dirty="0"/>
+          </a:p>
+          <a:p>
+            <a:endParaRPr lang="en-US" dirty="0"/>
+          </a:p>
+          <a:p>
+            <a:r>
+              <a:rPr lang="en-US" dirty="0"/>
+              <a:t>https://stackoverflow.com/questions/75970396/why-do-we-need-transitivity-of-equivalence</a:t>
+            </a:r>
+          </a:p>
+        </p:txBody>
+      </p:sp>
+      <p:sp>
+        <p:nvSpPr>
+          <p:cNvPr id="4" name="Slide Number Placeholder 3"/>
+          <p:cNvSpPr>
+            <a:spLocks noGrp="1"/>
+          </p:cNvSpPr>
+          <p:nvPr>
+            <p:ph type="sldNum" sz="quarter" idx="5"/>
+          </p:nvPr>
+        </p:nvSpPr>
+        <p:spPr/>
+        <p:txBody>
+          <a:bodyPr/>
+          <a:lstStyle/>
+          <a:p>
+            <a:fld id="{3AC94D10-082F-46D7-A834-266F9222130F}" type="slidenum">
+              <a:rPr lang="en-US" smtClean="0"/>
+              <a:t>16</a:t>
+            </a:fld>
+            <a:endParaRPr lang="en-US"/>
+          </a:p>
+        </p:txBody>
+      </p:sp>
+    </p:spTree>
+    <p:extLst>
+      <p:ext uri="{BB962C8B-B14F-4D97-AF65-F5344CB8AC3E}">
+        <p14:creationId xmlns:p14="http://schemas.microsoft.com/office/powerpoint/2010/main" val="1829174851"/>
+      </p:ext>
+    </p:extLst>
+  </p:cSld>
+  <p:clrMapOvr>
+    <a:masterClrMapping/>
+  </p:clrMapOvr>
+</p:notes>
+</file>
+
+<file path=ppt/notesSlides/notesSlide13.xml><?xml version="1.0" encoding="utf-8"?>
+<p:notes xmlns:a="http://schemas.openxmlformats.org/drawingml/2006/main" xmlns:r="http://schemas.openxmlformats.org/officeDocument/2006/relationships" xmlns:p="http://schemas.openxmlformats.org/presentationml/2006/main">
+  <p:cSld>
+    <p:spTree>
+      <p:nvGrpSpPr>
+        <p:cNvPr id="1" name=""/>
+        <p:cNvGrpSpPr/>
+        <p:nvPr/>
+      </p:nvGrpSpPr>
+      <p:grpSpPr>
+        <a:xfrm>
+          <a:off x="0" y="0"/>
+          <a:ext cx="0" cy="0"/>
+          <a:chOff x="0" y="0"/>
+          <a:chExt cx="0" cy="0"/>
+        </a:xfrm>
+      </p:grpSpPr>
+      <p:sp>
+        <p:nvSpPr>
+          <p:cNvPr id="2" name="Slide Image Placeholder 1"/>
+          <p:cNvSpPr>
+            <a:spLocks noGrp="1" noRot="1" noChangeAspect="1"/>
+          </p:cNvSpPr>
+          <p:nvPr>
+            <p:ph type="sldImg"/>
+          </p:nvPr>
+        </p:nvSpPr>
+        <p:spPr/>
+      </p:sp>
+      <p:sp>
+        <p:nvSpPr>
+          <p:cNvPr id="3" name="Notes Placeholder 2"/>
+          <p:cNvSpPr>
+            <a:spLocks noGrp="1"/>
+          </p:cNvSpPr>
+          <p:nvPr>
+            <p:ph type="body" idx="1"/>
+          </p:nvPr>
+        </p:nvSpPr>
+        <p:spPr/>
+        <p:txBody>
+          <a:bodyPr/>
+          <a:lstStyle/>
+          <a:p>
+            <a:r>
+              <a:rPr lang="ru-RU" dirty="0"/>
+              <a:t>Объединение всех четырех аксиом называется строгим слабым порядком</a:t>
+            </a:r>
+            <a:r>
+              <a:rPr lang="en-US" dirty="0"/>
+              <a:t>.</a:t>
+            </a:r>
+            <a:r>
+              <a:rPr lang="ru-RU" dirty="0"/>
+              <a:t> На него и даются ссылки в стандарте языка при описании требований к компараторам.</a:t>
+            </a:r>
+            <a:endParaRPr lang="en-US" dirty="0"/>
+          </a:p>
+        </p:txBody>
+      </p:sp>
+      <p:sp>
+        <p:nvSpPr>
+          <p:cNvPr id="4" name="Slide Number Placeholder 3"/>
+          <p:cNvSpPr>
+            <a:spLocks noGrp="1"/>
+          </p:cNvSpPr>
+          <p:nvPr>
+            <p:ph type="sldNum" sz="quarter" idx="5"/>
+          </p:nvPr>
+        </p:nvSpPr>
+        <p:spPr/>
+        <p:txBody>
+          <a:bodyPr/>
+          <a:lstStyle/>
+          <a:p>
+            <a:fld id="{3AC94D10-082F-46D7-A834-266F9222130F}" type="slidenum">
+              <a:rPr lang="en-US" smtClean="0"/>
+              <a:t>18</a:t>
+            </a:fld>
+            <a:endParaRPr lang="en-US"/>
+          </a:p>
+        </p:txBody>
+      </p:sp>
+    </p:spTree>
+    <p:extLst>
+      <p:ext uri="{BB962C8B-B14F-4D97-AF65-F5344CB8AC3E}">
+        <p14:creationId xmlns:p14="http://schemas.microsoft.com/office/powerpoint/2010/main" val="637534043"/>
+      </p:ext>
+    </p:extLst>
+  </p:cSld>
+  <p:clrMapOvr>
+    <a:masterClrMapping/>
+  </p:clrMapOvr>
+</p:notes>
+</file>
+
+<file path=ppt/notesSlides/notesSlide14.xml><?xml version="1.0" encoding="utf-8"?>
+<p:notes xmlns:a="http://schemas.openxmlformats.org/drawingml/2006/main" xmlns:r="http://schemas.openxmlformats.org/officeDocument/2006/relationships" xmlns:p="http://schemas.openxmlformats.org/presentationml/2006/main">
+  <p:cSld>
+    <p:spTree>
+      <p:nvGrpSpPr>
+        <p:cNvPr id="1" name=""/>
+        <p:cNvGrpSpPr/>
+        <p:nvPr/>
+      </p:nvGrpSpPr>
+      <p:grpSpPr>
+        <a:xfrm>
+          <a:off x="0" y="0"/>
+          <a:ext cx="0" cy="0"/>
+          <a:chOff x="0" y="0"/>
+          <a:chExt cx="0" cy="0"/>
+        </a:xfrm>
+      </p:grpSpPr>
+      <p:sp>
+        <p:nvSpPr>
+          <p:cNvPr id="2" name="Slide Image Placeholder 1"/>
+          <p:cNvSpPr>
+            <a:spLocks noGrp="1" noRot="1" noChangeAspect="1"/>
+          </p:cNvSpPr>
+          <p:nvPr>
+            <p:ph type="sldImg"/>
+          </p:nvPr>
+        </p:nvSpPr>
+        <p:spPr/>
+      </p:sp>
+      <p:sp>
+        <p:nvSpPr>
+          <p:cNvPr id="3" name="Notes Placeholder 2"/>
+          <p:cNvSpPr>
+            <a:spLocks noGrp="1"/>
+          </p:cNvSpPr>
+          <p:nvPr>
+            <p:ph type="body" idx="1"/>
+          </p:nvPr>
+        </p:nvSpPr>
+        <p:spPr/>
+        <p:txBody>
+          <a:bodyPr/>
+          <a:lstStyle/>
+          <a:p>
+            <a:r>
               <a:rPr lang="en-US" dirty="0"/>
               <a:t>https://stackoverflow.com/questions/75770367/implied-meaning-of-ordering-types-in-c20</a:t>
             </a:r>
@@ -918,7 +1182,7 @@
 </p:notes>
 </file>
 
-<file path=ppt/notesSlides/notesSlide13.xml><?xml version="1.0" encoding="utf-8"?>
+<file path=ppt/notesSlides/notesSlide15.xml><?xml version="1.0" encoding="utf-8"?>
 <p:notes xmlns:a="http://schemas.openxmlformats.org/drawingml/2006/main" xmlns:r="http://schemas.openxmlformats.org/officeDocument/2006/relationships" xmlns:p="http://schemas.openxmlformats.org/presentationml/2006/main">
   <p:cSld>
     <p:spTree>
@@ -1057,69 +1321,7 @@
           <a:p>
             <a:r>
               <a:rPr lang="ru-RU" dirty="0"/>
-              <a:t>О чём мы будет говорить в этом докладе</a:t>
-            </a:r>
-            <a:r>
-              <a:rPr lang="en-US" dirty="0"/>
-              <a:t>:</a:t>
-            </a:r>
-          </a:p>
-          <a:p>
-            <a:pPr marL="171450" indent="-171450">
-              <a:buFontTx/>
-              <a:buChar char="-"/>
-            </a:pPr>
-            <a:r>
-              <a:rPr lang="ru-RU" dirty="0"/>
-              <a:t>Вспомним что такое компаратор</a:t>
-            </a:r>
-          </a:p>
-          <a:p>
-            <a:pPr marL="171450" indent="-171450">
-              <a:buFontTx/>
-              <a:buChar char="-"/>
-            </a:pPr>
-            <a:r>
-              <a:rPr lang="ru-RU" dirty="0"/>
-              <a:t>Разберём пример типичной ошибки</a:t>
-            </a:r>
-          </a:p>
-          <a:p>
-            <a:pPr marL="171450" indent="-171450">
-              <a:buFontTx/>
-              <a:buChar char="-"/>
-            </a:pPr>
-            <a:r>
-              <a:rPr lang="ru-RU" dirty="0"/>
-              <a:t>Разберём аксиомы которым должны удовлетворять корректные компараторов</a:t>
-            </a:r>
-          </a:p>
-          <a:p>
-            <a:pPr marL="171450" indent="-171450">
-              <a:buFontTx/>
-              <a:buChar char="-"/>
-            </a:pPr>
-            <a:r>
-              <a:rPr lang="ru-RU" dirty="0"/>
-              <a:t>Посмотрим на типичные нарушения этих аксиом</a:t>
-            </a:r>
-            <a:r>
-              <a:rPr lang="en-US" dirty="0"/>
-              <a:t>, </a:t>
-            </a:r>
-            <a:r>
-              <a:rPr lang="ru-RU" dirty="0"/>
-              <a:t>встречающиеся в реальном коде</a:t>
-            </a:r>
-          </a:p>
-          <a:p>
-            <a:pPr marL="171450" indent="-171450">
-              <a:buFontTx/>
-              <a:buChar char="-"/>
-            </a:pPr>
-            <a:r>
-              <a:rPr lang="ru-RU" dirty="0"/>
-              <a:t>Коснёмся способов обнаружения этих нарушений</a:t>
+              <a:t>Это обязательный слайд. Меня зовут Юрий, я много лет занимаюсь компиляторами и всем что с ними связано.</a:t>
             </a:r>
             <a:endParaRPr lang="en-US" dirty="0"/>
           </a:p>
@@ -1142,7 +1344,7 @@
           <a:p>
             <a:fld id="{3AC94D10-082F-46D7-A834-266F9222130F}" type="slidenum">
               <a:rPr lang="en-US" smtClean="0"/>
-              <a:t>3</a:t>
+              <a:t>2</a:t>
             </a:fld>
             <a:endParaRPr lang="en-US"/>
           </a:p>
@@ -1151,7 +1353,7 @@
     </p:spTree>
     <p:extLst>
       <p:ext uri="{BB962C8B-B14F-4D97-AF65-F5344CB8AC3E}">
-        <p14:creationId xmlns:p14="http://schemas.microsoft.com/office/powerpoint/2010/main" val="1370706223"/>
+        <p14:creationId xmlns:p14="http://schemas.microsoft.com/office/powerpoint/2010/main" val="880199023"/>
       </p:ext>
     </p:extLst>
   </p:cSld>
@@ -1207,40 +1409,69 @@
           <a:p>
             <a:r>
               <a:rPr lang="ru-RU" dirty="0"/>
-              <a:t>Итак что же такое компаратор</a:t>
+              <a:t>О чём мы будет говорить в этом докладе</a:t>
             </a:r>
             <a:r>
               <a:rPr lang="en-US" dirty="0"/>
-              <a:t>? </a:t>
-            </a:r>
-            <a:r>
-              <a:rPr lang="ru-RU" dirty="0"/>
-              <a:t>Это обобщение </a:t>
+              <a:t>:</a:t>
+            </a:r>
+          </a:p>
+          <a:p>
+            <a:pPr marL="171450" indent="-171450">
+              <a:buFontTx/>
+              <a:buChar char="-"/>
+            </a:pPr>
+            <a:r>
+              <a:rPr lang="ru-RU" dirty="0"/>
+              <a:t>Вспомним что такое компаратор</a:t>
+            </a:r>
+          </a:p>
+          <a:p>
+            <a:pPr marL="171450" indent="-171450">
+              <a:buFontTx/>
+              <a:buChar char="-"/>
+            </a:pPr>
+            <a:r>
+              <a:rPr lang="ru-RU" dirty="0"/>
+              <a:t>Разберём пример типичной ошибки</a:t>
+            </a:r>
+          </a:p>
+          <a:p>
+            <a:pPr marL="171450" indent="-171450">
+              <a:buFontTx/>
+              <a:buChar char="-"/>
+            </a:pPr>
+            <a:r>
+              <a:rPr lang="ru-RU" dirty="0"/>
+              <a:t>Разберём аксиомы которым должны удовлетворять корректные компараторов</a:t>
+            </a:r>
+          </a:p>
+          <a:p>
+            <a:pPr marL="171450" indent="-171450">
+              <a:buFontTx/>
+              <a:buChar char="-"/>
+            </a:pPr>
+            <a:r>
+              <a:rPr lang="ru-RU" dirty="0"/>
+              <a:t>Посмотрим на типичные нарушения этих аксиом</a:t>
             </a:r>
             <a:r>
               <a:rPr lang="en-US" dirty="0"/>
-              <a:t>operator&lt;, </a:t>
-            </a:r>
-            <a:r>
-              <a:rPr lang="ru-RU" dirty="0"/>
-              <a:t>т.е. некоторая функция, позволяющая сравнивать объекты классов.</a:t>
-            </a:r>
-          </a:p>
-          <a:p>
-            <a:endParaRPr lang="ru-RU" dirty="0"/>
-          </a:p>
-          <a:p>
-            <a:r>
-              <a:rPr lang="ru-RU" dirty="0"/>
-              <a:t>Компараторы используются алгоритмами и контейнерами </a:t>
-            </a:r>
-            <a:r>
-              <a:rPr lang="en-US" dirty="0"/>
-              <a:t>STL </a:t>
-            </a:r>
-            <a:r>
-              <a:rPr lang="ru-RU" dirty="0"/>
-              <a:t>для сортировки и поиска.</a:t>
+              <a:t>, </a:t>
+            </a:r>
+            <a:r>
+              <a:rPr lang="ru-RU" dirty="0"/>
+              <a:t>встречающиеся в реальном коде</a:t>
+            </a:r>
+          </a:p>
+          <a:p>
+            <a:pPr marL="171450" indent="-171450">
+              <a:buFontTx/>
+              <a:buChar char="-"/>
+            </a:pPr>
+            <a:r>
+              <a:rPr lang="ru-RU" dirty="0"/>
+              <a:t>Коснёмся способов обнаружения этих нарушений</a:t>
             </a:r>
             <a:endParaRPr lang="en-US" dirty="0"/>
           </a:p>
@@ -1263,7 +1494,7 @@
           <a:p>
             <a:fld id="{3AC94D10-082F-46D7-A834-266F9222130F}" type="slidenum">
               <a:rPr lang="en-US" smtClean="0"/>
-              <a:t>4</a:t>
+              <a:t>3</a:t>
             </a:fld>
             <a:endParaRPr lang="en-US"/>
           </a:p>
@@ -1272,7 +1503,7 @@
     </p:spTree>
     <p:extLst>
       <p:ext uri="{BB962C8B-B14F-4D97-AF65-F5344CB8AC3E}">
-        <p14:creationId xmlns:p14="http://schemas.microsoft.com/office/powerpoint/2010/main" val="2560391056"/>
+        <p14:creationId xmlns:p14="http://schemas.microsoft.com/office/powerpoint/2010/main" val="1370706223"/>
       </p:ext>
     </p:extLst>
   </p:cSld>
@@ -1328,28 +1559,48 @@
           <a:p>
             <a:r>
               <a:rPr lang="ru-RU" dirty="0"/>
-              <a:t>Рассмотрим простую программу. Может быть кто-то заметил ошибку</a:t>
+              <a:t>Итак что же такое компаратор</a:t>
             </a:r>
             <a:r>
               <a:rPr lang="en-US" dirty="0"/>
-              <a:t>?</a:t>
-            </a:r>
-          </a:p>
-          <a:p>
-            <a:endParaRPr lang="en-US" dirty="0"/>
-          </a:p>
-          <a:p>
-            <a:r>
-              <a:rPr lang="ru-RU" dirty="0"/>
-              <a:t>Только не говорите, что использовать </a:t>
+              <a:t>? </a:t>
+            </a:r>
+            <a:r>
+              <a:rPr lang="ru-RU" dirty="0"/>
+              <a:t>Это обобщение </a:t>
             </a:r>
             <a:r>
               <a:rPr lang="en-US" dirty="0"/>
-              <a:t>rand </a:t>
-            </a:r>
-            <a:r>
-              <a:rPr lang="ru-RU" dirty="0"/>
-              <a:t>небезопасно, это правда, но доклад не об этом.</a:t>
+              <a:t>operator&lt;, </a:t>
+            </a:r>
+            <a:r>
+              <a:rPr lang="ru-RU" dirty="0"/>
+              <a:t>т.е. некоторая функция, позволяющая сравнивать объекты классов.</a:t>
+            </a:r>
+          </a:p>
+          <a:p>
+            <a:endParaRPr lang="ru-RU" dirty="0"/>
+          </a:p>
+          <a:p>
+            <a:r>
+              <a:rPr lang="ru-RU" dirty="0"/>
+              <a:t>Компараторы используются алгоритмами и контейнерами </a:t>
+            </a:r>
+            <a:r>
+              <a:rPr lang="en-US" dirty="0"/>
+              <a:t>STL </a:t>
+            </a:r>
+            <a:r>
+              <a:rPr lang="ru-RU" dirty="0"/>
+              <a:t>для сортировки и поиска</a:t>
+            </a:r>
+            <a:r>
+              <a:rPr lang="en-US" dirty="0"/>
+              <a:t> </a:t>
+            </a:r>
+            <a:r>
+              <a:rPr lang="ru-RU" dirty="0"/>
+              <a:t>объектов того или иного типа.</a:t>
             </a:r>
             <a:endParaRPr lang="en-US" dirty="0"/>
           </a:p>
@@ -1372,7 +1623,7 @@
           <a:p>
             <a:fld id="{3AC94D10-082F-46D7-A834-266F9222130F}" type="slidenum">
               <a:rPr lang="en-US" smtClean="0"/>
-              <a:t>6</a:t>
+              <a:t>4</a:t>
             </a:fld>
             <a:endParaRPr lang="en-US"/>
           </a:p>
@@ -1381,7 +1632,7 @@
     </p:spTree>
     <p:extLst>
       <p:ext uri="{BB962C8B-B14F-4D97-AF65-F5344CB8AC3E}">
-        <p14:creationId xmlns:p14="http://schemas.microsoft.com/office/powerpoint/2010/main" val="3331518901"/>
+        <p14:creationId xmlns:p14="http://schemas.microsoft.com/office/powerpoint/2010/main" val="2560391056"/>
       </p:ext>
     </p:extLst>
   </p:cSld>
@@ -1437,24 +1688,30 @@
           <a:p>
             <a:r>
               <a:rPr lang="ru-RU" dirty="0"/>
-              <a:t>И если мы запустим программу по санитайзером, то обнаружим источник проблемы – функцию </a:t>
-            </a:r>
-            <a:r>
-              <a:rPr lang="en-US" dirty="0" err="1"/>
-              <a:t>unguarded_paritition</a:t>
+              <a:t>Рассмотрим простую программу. Может быть кто-то заметил ошибку</a:t>
             </a:r>
             <a:r>
               <a:rPr lang="en-US" dirty="0"/>
-              <a:t> </a:t>
-            </a:r>
-            <a:r>
-              <a:rPr lang="ru-RU" dirty="0"/>
-              <a:t>в недрах </a:t>
+              <a:t>?</a:t>
+            </a:r>
+          </a:p>
+          <a:p>
+            <a:endParaRPr lang="en-US" dirty="0"/>
+          </a:p>
+          <a:p>
+            <a:r>
+              <a:rPr lang="ru-RU" dirty="0"/>
+              <a:t>Только не говорите, что использовать </a:t>
             </a:r>
             <a:r>
               <a:rPr lang="en-US" dirty="0"/>
-              <a:t>std::sort.</a:t>
-            </a:r>
+              <a:t>rand </a:t>
+            </a:r>
+            <a:r>
+              <a:rPr lang="ru-RU" dirty="0"/>
+              <a:t>небезопасно, это правда, но доклад не об этом.</a:t>
+            </a:r>
+            <a:endParaRPr lang="en-US" dirty="0"/>
           </a:p>
         </p:txBody>
       </p:sp>
@@ -1475,7 +1732,7 @@
           <a:p>
             <a:fld id="{3AC94D10-082F-46D7-A834-266F9222130F}" type="slidenum">
               <a:rPr lang="en-US" smtClean="0"/>
-              <a:t>9</a:t>
+              <a:t>6</a:t>
             </a:fld>
             <a:endParaRPr lang="en-US"/>
           </a:p>
@@ -1484,7 +1741,7 @@
     </p:spTree>
     <p:extLst>
       <p:ext uri="{BB962C8B-B14F-4D97-AF65-F5344CB8AC3E}">
-        <p14:creationId xmlns:p14="http://schemas.microsoft.com/office/powerpoint/2010/main" val="1425117268"/>
+        <p14:creationId xmlns:p14="http://schemas.microsoft.com/office/powerpoint/2010/main" val="3331518901"/>
       </p:ext>
     </p:extLst>
   </p:cSld>
@@ -1540,44 +1797,24 @@
           <a:p>
             <a:r>
               <a:rPr lang="ru-RU" dirty="0"/>
-              <a:t>Упавший код выполняет основной шаг быстрой сортировки</a:t>
+              <a:t>И если мы запустим программу по санитайзером, то обнаружим источник проблемы – функцию </a:t>
+            </a:r>
+            <a:r>
+              <a:rPr lang="en-US" dirty="0" err="1"/>
+              <a:t>unguarded_paritition</a:t>
             </a:r>
             <a:r>
               <a:rPr lang="en-US" dirty="0"/>
-              <a:t> – </a:t>
-            </a:r>
-            <a:r>
-              <a:rPr lang="ru-RU" dirty="0"/>
-              <a:t>разбиение по опорному элементу </a:t>
+              <a:t> </a:t>
+            </a:r>
+            <a:r>
+              <a:rPr lang="ru-RU" dirty="0"/>
+              <a:t>в недрах </a:t>
             </a:r>
             <a:r>
               <a:rPr lang="en-US" dirty="0"/>
-              <a:t>pivot.</a:t>
-            </a:r>
-          </a:p>
-          <a:p>
-            <a:endParaRPr lang="en-US" dirty="0"/>
-          </a:p>
-          <a:p>
-            <a:r>
-              <a:rPr lang="ru-RU" dirty="0"/>
-              <a:t>Проблема в красном цикле – он корректно завершается только если найдётся элемент массива, не меньший опорного</a:t>
-            </a:r>
-            <a:r>
-              <a:rPr lang="en-US" dirty="0"/>
-              <a:t>.</a:t>
-            </a:r>
-            <a:endParaRPr lang="ru-RU" dirty="0"/>
-          </a:p>
-          <a:p>
-            <a:endParaRPr lang="ru-RU" dirty="0"/>
-          </a:p>
-          <a:p>
-            <a:r>
-              <a:rPr lang="ru-RU" dirty="0"/>
-              <a:t>Если такого элемента на найдётся, то произойдёт переполнение буфера.</a:t>
-            </a:r>
-            <a:endParaRPr lang="en-US" dirty="0"/>
+              <a:t>std::sort.</a:t>
+            </a:r>
           </a:p>
         </p:txBody>
       </p:sp>
@@ -1598,7 +1835,7 @@
           <a:p>
             <a:fld id="{3AC94D10-082F-46D7-A834-266F9222130F}" type="slidenum">
               <a:rPr lang="en-US" smtClean="0"/>
-              <a:t>10</a:t>
+              <a:t>9</a:t>
             </a:fld>
             <a:endParaRPr lang="en-US"/>
           </a:p>
@@ -1607,7 +1844,7 @@
     </p:spTree>
     <p:extLst>
       <p:ext uri="{BB962C8B-B14F-4D97-AF65-F5344CB8AC3E}">
-        <p14:creationId xmlns:p14="http://schemas.microsoft.com/office/powerpoint/2010/main" val="3478420013"/>
+        <p14:creationId xmlns:p14="http://schemas.microsoft.com/office/powerpoint/2010/main" val="1425117268"/>
       </p:ext>
     </p:extLst>
   </p:cSld>
@@ -1663,46 +1900,50 @@
           <a:p>
             <a:r>
               <a:rPr lang="ru-RU" dirty="0"/>
-              <a:t>Почему же цикл должен отработать корректно</a:t>
+              <a:t>Упавший код выполняет основной шаг быстрой сортировки</a:t>
             </a:r>
             <a:r>
               <a:rPr lang="en-US" dirty="0"/>
-              <a:t> </a:t>
-            </a:r>
-            <a:r>
-              <a:rPr lang="ru-RU" dirty="0"/>
-              <a:t>т.е. такой элемент должен найтись</a:t>
+              <a:t> – </a:t>
+            </a:r>
+            <a:r>
+              <a:rPr lang="ru-RU" dirty="0"/>
+              <a:t>разбиение по опорному элементу </a:t>
             </a:r>
             <a:r>
               <a:rPr lang="en-US" dirty="0"/>
-              <a:t>? </a:t>
-            </a:r>
-            <a:r>
-              <a:rPr lang="ru-RU" dirty="0"/>
-              <a:t>Дело в том что опорный элемент выбирается как среднее трех элементов массива</a:t>
+              <a:t>pivot.</a:t>
+            </a:r>
+          </a:p>
+          <a:p>
+            <a:endParaRPr lang="en-US" dirty="0"/>
+          </a:p>
+          <a:p>
+            <a:r>
+              <a:rPr lang="ru-RU" dirty="0"/>
+              <a:t>Проблема в красном цикле</a:t>
+            </a:r>
+            <a:r>
+              <a:rPr lang="en-US" dirty="0"/>
+              <a:t>, </a:t>
+            </a:r>
+            <a:r>
+              <a:rPr lang="ru-RU" dirty="0"/>
+              <a:t>у которого нет явной верхней границы – он корректно завершается только если найдётся элемент массива, не меньший опорного</a:t>
             </a:r>
             <a:r>
               <a:rPr lang="en-US" dirty="0"/>
               <a:t>.</a:t>
             </a:r>
-          </a:p>
-          <a:p>
-            <a:endParaRPr lang="en-US" dirty="0"/>
-          </a:p>
-          <a:p>
-            <a:r>
-              <a:rPr lang="ru-RU" dirty="0"/>
-              <a:t>Поэтому на входе и в процессе выполнения функции всегда выполняется указанное условие.</a:t>
-            </a:r>
-            <a:endParaRPr lang="en-US" dirty="0"/>
-          </a:p>
-          <a:p>
-            <a:endParaRPr lang="en-US" dirty="0"/>
-          </a:p>
-          <a:p>
-            <a:r>
-              <a:rPr lang="ru-RU" dirty="0"/>
-              <a:t>Из него по идее должно следовать ещё одно вспомогательное условие, которое и позволит гарантировать корректность цикла из предыдущего слайда.</a:t>
+            <a:endParaRPr lang="ru-RU" dirty="0"/>
+          </a:p>
+          <a:p>
+            <a:endParaRPr lang="ru-RU" dirty="0"/>
+          </a:p>
+          <a:p>
+            <a:r>
+              <a:rPr lang="ru-RU" dirty="0"/>
+              <a:t>Если такого элемента на найдётся, то произойдёт переполнение буфера.</a:t>
             </a:r>
             <a:endParaRPr lang="en-US" dirty="0"/>
           </a:p>
@@ -1725,7 +1966,7 @@
           <a:p>
             <a:fld id="{3AC94D10-082F-46D7-A834-266F9222130F}" type="slidenum">
               <a:rPr lang="en-US" smtClean="0"/>
-              <a:t>11</a:t>
+              <a:t>10</a:t>
             </a:fld>
             <a:endParaRPr lang="en-US"/>
           </a:p>
@@ -1734,7 +1975,7 @@
     </p:spTree>
     <p:extLst>
       <p:ext uri="{BB962C8B-B14F-4D97-AF65-F5344CB8AC3E}">
-        <p14:creationId xmlns:p14="http://schemas.microsoft.com/office/powerpoint/2010/main" val="23751334"/>
+        <p14:creationId xmlns:p14="http://schemas.microsoft.com/office/powerpoint/2010/main" val="3478420013"/>
       </p:ext>
     </p:extLst>
   </p:cSld>
@@ -1790,51 +2031,67 @@
           <a:p>
             <a:r>
               <a:rPr lang="ru-RU" dirty="0"/>
-              <a:t>Для избежания подобных ошибок компараторы должны удовлетворять набору правил, называемых аксиомами.</a:t>
-            </a:r>
+              <a:t>Почему же цикл должен отработать корректно</a:t>
+            </a:r>
+            <a:r>
+              <a:rPr lang="en-US" dirty="0"/>
+              <a:t> </a:t>
+            </a:r>
+            <a:r>
+              <a:rPr lang="ru-RU" dirty="0"/>
+              <a:t>т.е. такой элемент должен найтись</a:t>
+            </a:r>
+            <a:r>
+              <a:rPr lang="en-US" dirty="0"/>
+              <a:t>? </a:t>
+            </a:r>
+            <a:r>
+              <a:rPr lang="ru-RU" dirty="0"/>
+              <a:t>Дело в том что опорный элемент выбирается как среднее трех элементов массива</a:t>
+            </a:r>
+            <a:r>
+              <a:rPr lang="en-US" dirty="0"/>
+              <a:t>.</a:t>
+            </a:r>
+          </a:p>
+          <a:p>
             <a:endParaRPr lang="en-US" dirty="0"/>
           </a:p>
           <a:p>
+            <a:r>
+              <a:rPr lang="ru-RU" dirty="0"/>
+              <a:t>Поэтому на входе и в процессе выполнения функции всегда выполняется указанное условие.</a:t>
+            </a:r>
             <a:endParaRPr lang="en-US" dirty="0"/>
           </a:p>
           <a:p>
-            <a:r>
-              <a:rPr lang="ru-RU" dirty="0"/>
-              <a:t>По сути эти правила задают минимальные требования, при которых можно непротиворечиво и эффективно упорядочить элементы множества</a:t>
-            </a:r>
             <a:endParaRPr lang="en-US" dirty="0"/>
           </a:p>
           <a:p>
-            <a:endParaRPr lang="en-US" dirty="0"/>
-          </a:p>
-          <a:p>
-            <a:pPr marL="0" marR="0" lvl="0" indent="0" algn="l" defTabSz="914400" rtl="0" eaLnBrk="1" fontAlgn="auto" latinLnBrk="0" hangingPunct="1">
-              <a:lnSpc>
-                <a:spcPct val="100000"/>
-              </a:lnSpc>
-              <a:spcBef>
-                <a:spcPts val="0"/>
-              </a:spcBef>
-              <a:spcAft>
-                <a:spcPts val="0"/>
-              </a:spcAft>
-              <a:buClrTx/>
-              <a:buSzTx/>
-              <a:buFontTx/>
-              <a:buNone/>
-              <a:tabLst/>
-              <a:defRPr/>
-            </a:pPr>
-            <a:r>
-              <a:rPr lang="en-US" dirty="0">
-                <a:hlinkClick r:id="rId3"/>
-              </a:rPr>
-              <a:t>https://en.cppreference.com/w/cpp/named_req/Compare</a:t>
-            </a:r>
-            <a:endParaRPr lang="ru-RU" dirty="0"/>
-          </a:p>
-          <a:p>
-            <a:endParaRPr lang="en-US" dirty="0"/>
+            <a:r>
+              <a:rPr lang="ru-RU" dirty="0"/>
+              <a:t>Из него по идее должно следовать ещё одно вспомогательное условие, которое и позволит гарантировать корректность цикла из предыдущего слайда</a:t>
+            </a:r>
+            <a:r>
+              <a:rPr lang="en-US" dirty="0"/>
+              <a:t>. </a:t>
+            </a:r>
+            <a:r>
+              <a:rPr lang="ru-RU" dirty="0"/>
+              <a:t>Раз у нас есть </a:t>
+            </a:r>
+            <a:r>
+              <a:rPr lang="en-US" dirty="0"/>
+              <a:t>b, </a:t>
+            </a:r>
+            <a:r>
+              <a:rPr lang="ru-RU" dirty="0"/>
+              <a:t>для которого …, то цикл всегда будет завершен</a:t>
+            </a:r>
+            <a:r>
+              <a:rPr lang="en-US" dirty="0"/>
+              <a:t>.</a:t>
+            </a:r>
           </a:p>
         </p:txBody>
       </p:sp>
@@ -1855,7 +2112,7 @@
           <a:p>
             <a:fld id="{3AC94D10-082F-46D7-A834-266F9222130F}" type="slidenum">
               <a:rPr lang="en-US" smtClean="0"/>
-              <a:t>13</a:t>
+              <a:t>11</a:t>
             </a:fld>
             <a:endParaRPr lang="en-US"/>
           </a:p>
@@ -1864,7 +2121,7 @@
     </p:spTree>
     <p:extLst>
       <p:ext uri="{BB962C8B-B14F-4D97-AF65-F5344CB8AC3E}">
-        <p14:creationId xmlns:p14="http://schemas.microsoft.com/office/powerpoint/2010/main" val="3647935431"/>
+        <p14:creationId xmlns:p14="http://schemas.microsoft.com/office/powerpoint/2010/main" val="23751334"/>
       </p:ext>
     </p:extLst>
   </p:cSld>
@@ -1920,89 +2177,51 @@
           <a:p>
             <a:r>
               <a:rPr lang="ru-RU" dirty="0"/>
-              <a:t>Что же это за правила</a:t>
-            </a:r>
-            <a:r>
-              <a:rPr lang="en-US" dirty="0"/>
-              <a:t>?</a:t>
-            </a:r>
-          </a:p>
-          <a:p>
+              <a:t>Для избежания подобных ошибок компараторы должны удовлетворять набору правил, называемых аксиомами.</a:t>
+            </a:r>
             <a:endParaRPr lang="en-US" dirty="0"/>
           </a:p>
           <a:p>
-            <a:r>
-              <a:rPr lang="ru-RU" dirty="0"/>
-              <a:t>Кратко</a:t>
-            </a:r>
-            <a:r>
-              <a:rPr lang="en-US" dirty="0"/>
-              <a:t>: </a:t>
-            </a:r>
-            <a:r>
-              <a:rPr lang="ru-RU" dirty="0"/>
-              <a:t>компаратор ведёт себя как </a:t>
-            </a:r>
-            <a:r>
-              <a:rPr lang="en-US" dirty="0"/>
-              <a:t>“</a:t>
-            </a:r>
-            <a:r>
-              <a:rPr lang="ru-RU" dirty="0"/>
-              <a:t>нормальный</a:t>
-            </a:r>
-            <a:r>
-              <a:rPr lang="en-US" dirty="0"/>
-              <a:t>”</a:t>
-            </a:r>
-            <a:r>
-              <a:rPr lang="ru-RU" dirty="0"/>
-              <a:t> </a:t>
-            </a:r>
-            <a:r>
-              <a:rPr lang="en-US" dirty="0">
-                <a:latin typeface="Courier New" panose="02070309020205020404" pitchFamily="49" charset="0"/>
-                <a:cs typeface="Courier New" panose="02070309020205020404" pitchFamily="49" charset="0"/>
-              </a:rPr>
-              <a:t>operator&lt;.</a:t>
-            </a:r>
-          </a:p>
-          <a:p>
-            <a:endParaRPr lang="en-US" dirty="0">
-              <a:latin typeface="Courier New" panose="02070309020205020404" pitchFamily="49" charset="0"/>
-              <a:cs typeface="Courier New" panose="02070309020205020404" pitchFamily="49" charset="0"/>
-            </a:endParaRPr>
-          </a:p>
-          <a:p>
-            <a:r>
-              <a:rPr lang="ru-RU" dirty="0"/>
-              <a:t>Можно обойтись двумя аксиомами, но обычно для ясности выписывают все три</a:t>
-            </a:r>
-            <a:r>
-              <a:rPr lang="en-US" dirty="0"/>
-              <a:t>.</a:t>
-            </a:r>
-          </a:p>
-          <a:p>
             <a:endParaRPr lang="en-US" dirty="0"/>
           </a:p>
           <a:p>
             <a:r>
               <a:rPr lang="ru-RU" dirty="0"/>
-              <a:t>Каждая аксиома имеет довольно естественную интерпретацию в реальном мире. Например третья аксиома говорит что нельзя отсортировать элементы в игре камень-ножницы-бумага</a:t>
-            </a:r>
-            <a:r>
-              <a:rPr lang="en-US" dirty="0"/>
-              <a:t> (</a:t>
-            </a:r>
-            <a:r>
-              <a:rPr lang="ru-RU" dirty="0"/>
-              <a:t>там невозможно сформировать возрастающую последовательность элементов)</a:t>
-            </a:r>
-            <a:r>
-              <a:rPr lang="en-US" dirty="0"/>
-              <a:t>.</a:t>
-            </a:r>
+              <a:t>По сути эти правила задают минимальные требования, при которых можно непротиворечиво и эффективно упорядочить элементы множества</a:t>
+            </a:r>
+            <a:endParaRPr lang="en-US" dirty="0"/>
+          </a:p>
+          <a:p>
+            <a:endParaRPr lang="en-US" dirty="0"/>
+          </a:p>
+          <a:p>
+            <a:pPr marL="0" marR="0" lvl="0" indent="0" algn="l" defTabSz="914400" rtl="0" eaLnBrk="1" fontAlgn="auto" latinLnBrk="0" hangingPunct="1">
+              <a:lnSpc>
+                <a:spcPct val="100000"/>
+              </a:lnSpc>
+              <a:spcBef>
+                <a:spcPts val="0"/>
+              </a:spcBef>
+              <a:spcAft>
+                <a:spcPts val="0"/>
+              </a:spcAft>
+              <a:buClrTx/>
+              <a:buSzTx/>
+              <a:buFontTx/>
+              <a:buNone/>
+              <a:tabLst/>
+              <a:defRPr/>
+            </a:pPr>
+            <a:r>
+              <a:rPr lang="en-US" dirty="0">
+                <a:hlinkClick r:id="rId3"/>
+              </a:rPr>
+              <a:t>https://en.cppreference.com/w/cpp/named_req/Compare</a:t>
+            </a:r>
+            <a:endParaRPr lang="ru-RU" dirty="0"/>
+          </a:p>
+          <a:p>
+            <a:endParaRPr lang="en-US" dirty="0"/>
           </a:p>
         </p:txBody>
       </p:sp>
@@ -2023,7 +2242,7 @@
           <a:p>
             <a:fld id="{3AC94D10-082F-46D7-A834-266F9222130F}" type="slidenum">
               <a:rPr lang="en-US" smtClean="0"/>
-              <a:t>14</a:t>
+              <a:t>13</a:t>
             </a:fld>
             <a:endParaRPr lang="en-US"/>
           </a:p>
@@ -2032,7 +2251,7 @@
     </p:spTree>
     <p:extLst>
       <p:ext uri="{BB962C8B-B14F-4D97-AF65-F5344CB8AC3E}">
-        <p14:creationId xmlns:p14="http://schemas.microsoft.com/office/powerpoint/2010/main" val="2917169910"/>
+        <p14:creationId xmlns:p14="http://schemas.microsoft.com/office/powerpoint/2010/main" val="3647935431"/>
       </p:ext>
     </p:extLst>
   </p:cSld>
@@ -2189,7 +2408,7 @@
           <a:p>
             <a:fld id="{83D30A23-1FB6-43A1-891F-95145083C4E9}" type="datetime1">
               <a:rPr lang="en-US" smtClean="0"/>
-              <a:t>4/23/2023</a:t>
+              <a:t>4/24/2023</a:t>
             </a:fld>
             <a:endParaRPr lang="en-US"/>
           </a:p>
@@ -2387,7 +2606,7 @@
           <a:p>
             <a:fld id="{A4B03399-60D8-4226-8AC7-3F159D57E860}" type="datetime1">
               <a:rPr lang="en-US" smtClean="0"/>
-              <a:t>4/23/2023</a:t>
+              <a:t>4/24/2023</a:t>
             </a:fld>
             <a:endParaRPr lang="en-US"/>
           </a:p>
@@ -2595,7 +2814,7 @@
           <a:p>
             <a:fld id="{1A646459-A066-416D-8E21-9D451FB1CBED}" type="datetime1">
               <a:rPr lang="en-US" smtClean="0"/>
-              <a:t>4/23/2023</a:t>
+              <a:t>4/24/2023</a:t>
             </a:fld>
             <a:endParaRPr lang="en-US"/>
           </a:p>
@@ -2793,7 +3012,7 @@
           <a:p>
             <a:fld id="{0636B939-1A2A-498F-9013-EEF28820D750}" type="datetime1">
               <a:rPr lang="en-US" smtClean="0"/>
-              <a:t>4/23/2023</a:t>
+              <a:t>4/24/2023</a:t>
             </a:fld>
             <a:endParaRPr lang="en-US"/>
           </a:p>
@@ -3112,7 +3331,7 @@
           <a:p>
             <a:fld id="{97D3760A-E884-42F2-A44C-F32FAA030BF6}" type="datetime1">
               <a:rPr lang="en-US" smtClean="0"/>
-              <a:t>4/23/2023</a:t>
+              <a:t>4/24/2023</a:t>
             </a:fld>
             <a:endParaRPr lang="en-US"/>
           </a:p>
@@ -3377,7 +3596,7 @@
           <a:p>
             <a:fld id="{4FC7535E-ABF1-4A69-B09E-251EF8B13143}" type="datetime1">
               <a:rPr lang="en-US" smtClean="0"/>
-              <a:t>4/23/2023</a:t>
+              <a:t>4/24/2023</a:t>
             </a:fld>
             <a:endParaRPr lang="en-US"/>
           </a:p>
@@ -3789,7 +4008,7 @@
           <a:p>
             <a:fld id="{CE54BCFC-68A7-4C68-9600-D4AAA16CF9A6}" type="datetime1">
               <a:rPr lang="en-US" smtClean="0"/>
-              <a:t>4/23/2023</a:t>
+              <a:t>4/24/2023</a:t>
             </a:fld>
             <a:endParaRPr lang="en-US"/>
           </a:p>
@@ -3930,7 +4149,7 @@
           <a:p>
             <a:fld id="{0F981744-C4F3-4F58-9E0E-AF6C4E78D03B}" type="datetime1">
               <a:rPr lang="en-US" smtClean="0"/>
-              <a:t>4/23/2023</a:t>
+              <a:t>4/24/2023</a:t>
             </a:fld>
             <a:endParaRPr lang="en-US"/>
           </a:p>
@@ -4043,7 +4262,7 @@
           <a:p>
             <a:fld id="{98ED47E1-EA96-4683-9629-E838295B20BC}" type="datetime1">
               <a:rPr lang="en-US" smtClean="0"/>
-              <a:t>4/23/2023</a:t>
+              <a:t>4/24/2023</a:t>
             </a:fld>
             <a:endParaRPr lang="en-US"/>
           </a:p>
@@ -4354,7 +4573,7 @@
           <a:p>
             <a:fld id="{2F2A1627-B435-455B-A0CA-0808E5748D61}" type="datetime1">
               <a:rPr lang="en-US" smtClean="0"/>
-              <a:t>4/23/2023</a:t>
+              <a:t>4/24/2023</a:t>
             </a:fld>
             <a:endParaRPr lang="en-US"/>
           </a:p>
@@ -4642,7 +4861,7 @@
           <a:p>
             <a:fld id="{FE11CB43-EB9E-4C41-ACD2-0EC61FB429F2}" type="datetime1">
               <a:rPr lang="en-US" smtClean="0"/>
-              <a:t>4/23/2023</a:t>
+              <a:t>4/24/2023</a:t>
             </a:fld>
             <a:endParaRPr lang="en-US"/>
           </a:p>
@@ -4883,7 +5102,7 @@
           <a:p>
             <a:fld id="{CC0B8F92-0932-40E4-878B-3E2E4AAA6810}" type="datetime1">
               <a:rPr lang="en-US" smtClean="0"/>
-              <a:t>4/23/2023</a:t>
+              <a:t>4/24/2023</a:t>
             </a:fld>
             <a:endParaRPr lang="en-US"/>
           </a:p>
@@ -7252,7 +7471,15 @@
           <a:p>
             <a:r>
               <a:rPr lang="ru-RU" dirty="0"/>
-              <a:t>Не всем алгоритмам требуется транзитивность эквивалентности</a:t>
+              <a:t>Не всем алгоритмам </a:t>
+            </a:r>
+            <a:r>
+              <a:rPr lang="en-US" dirty="0"/>
+              <a:t>STL </a:t>
+            </a:r>
+            <a:r>
+              <a:rPr lang="ru-RU" dirty="0"/>
+              <a:t>требуется транзитивность эквивалентности</a:t>
             </a:r>
             <a:r>
               <a:rPr lang="en-US" dirty="0"/>
@@ -7854,7 +8081,7 @@
             </a:r>
             <a:r>
               <a:rPr lang="en-US" dirty="0">
-                <a:hlinkClick r:id="rId2"/>
+                <a:hlinkClick r:id="rId3"/>
               </a:rPr>
               <a:t>@the_real_yugr</a:t>
             </a:r>
@@ -7863,18 +8090,18 @@
           <a:p>
             <a:r>
               <a:rPr lang="en-US" dirty="0">
-                <a:hlinkClick r:id="rId3"/>
+                <a:hlinkClick r:id="rId4"/>
               </a:rPr>
               <a:t>https://github.com/yugr</a:t>
             </a:r>
             <a:endParaRPr lang="en-US" dirty="0">
-              <a:hlinkClick r:id="rId4"/>
+              <a:hlinkClick r:id="rId5"/>
             </a:endParaRPr>
           </a:p>
           <a:p>
             <a:r>
               <a:rPr lang="en-US" dirty="0">
-                <a:hlinkClick r:id="rId4"/>
+                <a:hlinkClick r:id="rId5"/>
               </a:rPr>
               <a:t>https://www.linkedin.com/in/yugr/</a:t>
             </a:r>
@@ -7897,7 +8124,7 @@
           <p:nvPr/>
         </p:nvPicPr>
         <p:blipFill>
-          <a:blip r:embed="rId5">
+          <a:blip r:embed="rId6">
             <a:extLst>
               <a:ext uri="{28A0092B-C50C-407E-A947-70E740481C1C}">
                 <a14:useLocalDpi xmlns:a14="http://schemas.microsoft.com/office/drawing/2010/main" val="0"/>
@@ -8210,7 +8437,12 @@
             <p:ph idx="1"/>
           </p:nvPr>
         </p:nvSpPr>
-        <p:spPr/>
+        <p:spPr>
+          <a:xfrm>
+            <a:off x="838200" y="2167731"/>
+            <a:ext cx="10515600" cy="4351338"/>
+          </a:xfrm>
+        </p:spPr>
         <p:txBody>
           <a:bodyPr>
             <a:normAutofit/>

--- a/2023/RU.pptx
+++ b/2023/RU.pptx
@@ -5,7 +5,7 @@
     <p:sldMasterId id="2147483648" r:id="rId1"/>
   </p:sldMasterIdLst>
   <p:notesMasterIdLst>
-    <p:notesMasterId r:id="rId54"/>
+    <p:notesMasterId r:id="rId55"/>
   </p:notesMasterIdLst>
   <p:sldIdLst>
     <p:sldId id="256" r:id="rId2"/>
@@ -20,46 +20,47 @@
     <p:sldId id="263" r:id="rId11"/>
     <p:sldId id="264" r:id="rId12"/>
     <p:sldId id="265" r:id="rId13"/>
-    <p:sldId id="266" r:id="rId14"/>
-    <p:sldId id="267" r:id="rId15"/>
-    <p:sldId id="268" r:id="rId16"/>
-    <p:sldId id="269" r:id="rId17"/>
-    <p:sldId id="306" r:id="rId18"/>
-    <p:sldId id="270" r:id="rId19"/>
-    <p:sldId id="271" r:id="rId20"/>
-    <p:sldId id="272" r:id="rId21"/>
-    <p:sldId id="273" r:id="rId22"/>
-    <p:sldId id="274" r:id="rId23"/>
-    <p:sldId id="275" r:id="rId24"/>
-    <p:sldId id="302" r:id="rId25"/>
-    <p:sldId id="277" r:id="rId26"/>
-    <p:sldId id="279" r:id="rId27"/>
-    <p:sldId id="288" r:id="rId28"/>
+    <p:sldId id="311" r:id="rId14"/>
+    <p:sldId id="266" r:id="rId15"/>
+    <p:sldId id="267" r:id="rId16"/>
+    <p:sldId id="268" r:id="rId17"/>
+    <p:sldId id="269" r:id="rId18"/>
+    <p:sldId id="306" r:id="rId19"/>
+    <p:sldId id="270" r:id="rId20"/>
+    <p:sldId id="271" r:id="rId21"/>
+    <p:sldId id="272" r:id="rId22"/>
+    <p:sldId id="309" r:id="rId23"/>
+    <p:sldId id="274" r:id="rId24"/>
+    <p:sldId id="275" r:id="rId25"/>
+    <p:sldId id="302" r:id="rId26"/>
+    <p:sldId id="277" r:id="rId27"/>
+    <p:sldId id="279" r:id="rId28"/>
     <p:sldId id="280" r:id="rId29"/>
     <p:sldId id="281" r:id="rId30"/>
     <p:sldId id="282" r:id="rId31"/>
     <p:sldId id="283" r:id="rId32"/>
     <p:sldId id="284" r:id="rId33"/>
-    <p:sldId id="285" r:id="rId34"/>
-    <p:sldId id="286" r:id="rId35"/>
-    <p:sldId id="287" r:id="rId36"/>
-    <p:sldId id="289" r:id="rId37"/>
-    <p:sldId id="290" r:id="rId38"/>
-    <p:sldId id="291" r:id="rId39"/>
-    <p:sldId id="292" r:id="rId40"/>
+    <p:sldId id="286" r:id="rId34"/>
+    <p:sldId id="287" r:id="rId35"/>
+    <p:sldId id="285" r:id="rId36"/>
+    <p:sldId id="312" r:id="rId37"/>
+    <p:sldId id="289" r:id="rId38"/>
+    <p:sldId id="290" r:id="rId39"/>
+    <p:sldId id="291" r:id="rId40"/>
     <p:sldId id="307" r:id="rId41"/>
-    <p:sldId id="293" r:id="rId42"/>
-    <p:sldId id="294" r:id="rId43"/>
-    <p:sldId id="295" r:id="rId44"/>
-    <p:sldId id="296" r:id="rId45"/>
+    <p:sldId id="292" r:id="rId42"/>
+    <p:sldId id="293" r:id="rId43"/>
+    <p:sldId id="294" r:id="rId44"/>
+    <p:sldId id="295" r:id="rId45"/>
     <p:sldId id="298" r:id="rId46"/>
-    <p:sldId id="297" r:id="rId47"/>
-    <p:sldId id="299" r:id="rId48"/>
-    <p:sldId id="276" r:id="rId49"/>
-    <p:sldId id="278" r:id="rId50"/>
-    <p:sldId id="303" r:id="rId51"/>
-    <p:sldId id="305" r:id="rId52"/>
-    <p:sldId id="304" r:id="rId53"/>
+    <p:sldId id="296" r:id="rId47"/>
+    <p:sldId id="297" r:id="rId48"/>
+    <p:sldId id="299" r:id="rId49"/>
+    <p:sldId id="276" r:id="rId50"/>
+    <p:sldId id="278" r:id="rId51"/>
+    <p:sldId id="303" r:id="rId52"/>
+    <p:sldId id="305" r:id="rId53"/>
+    <p:sldId id="304" r:id="rId54"/>
   </p:sldIdLst>
   <p:sldSz cx="12192000" cy="6858000"/>
   <p:notesSz cx="6858000" cy="9144000"/>
@@ -260,7 +261,7 @@
           <a:p>
             <a:fld id="{A36A2EB4-42A0-4A9F-94AC-04D10C1F231A}" type="datetimeFigureOut">
               <a:rPr lang="en-US" smtClean="0"/>
-              <a:t>4/24/2023</a:t>
+              <a:t>4/29/2023</a:t>
             </a:fld>
             <a:endParaRPr lang="en-US"/>
           </a:p>
@@ -772,7 +773,7 @@
           <a:p>
             <a:fld id="{3AC94D10-082F-46D7-A834-266F9222130F}" type="slidenum">
               <a:rPr lang="en-US" smtClean="0"/>
-              <a:t>14</a:t>
+              <a:t>15</a:t>
             </a:fld>
             <a:endParaRPr lang="en-US"/>
           </a:p>
@@ -868,7 +869,7 @@
           <a:p>
             <a:fld id="{3AC94D10-082F-46D7-A834-266F9222130F}" type="slidenum">
               <a:rPr lang="en-US" smtClean="0"/>
-              <a:t>15</a:t>
+              <a:t>16</a:t>
             </a:fld>
             <a:endParaRPr lang="en-US"/>
           </a:p>
@@ -980,7 +981,7 @@
           <a:p>
             <a:fld id="{3AC94D10-082F-46D7-A834-266F9222130F}" type="slidenum">
               <a:rPr lang="en-US" smtClean="0"/>
-              <a:t>16</a:t>
+              <a:t>17</a:t>
             </a:fld>
             <a:endParaRPr lang="en-US"/>
           </a:p>
@@ -1076,7 +1077,7 @@
           <a:p>
             <a:fld id="{3AC94D10-082F-46D7-A834-266F9222130F}" type="slidenum">
               <a:rPr lang="en-US" smtClean="0"/>
-              <a:t>18</a:t>
+              <a:t>19</a:t>
             </a:fld>
             <a:endParaRPr lang="en-US"/>
           </a:p>
@@ -1163,7 +1164,7 @@
           <a:p>
             <a:fld id="{3AC94D10-082F-46D7-A834-266F9222130F}" type="slidenum">
               <a:rPr lang="en-US" smtClean="0"/>
-              <a:t>20</a:t>
+              <a:t>21</a:t>
             </a:fld>
             <a:endParaRPr lang="en-US"/>
           </a:p>
@@ -1227,15 +1228,200 @@
           <a:lstStyle/>
           <a:p>
             <a:r>
+              <a:rPr lang="ru-RU" dirty="0"/>
+              <a:t>Теперь, познакомившись с формальными требованиями к компараторам, давайте рассмотрим наиболее частые ошибки при их написании.</a:t>
+            </a:r>
+            <a:endParaRPr lang="en-US" dirty="0"/>
+          </a:p>
+        </p:txBody>
+      </p:sp>
+      <p:sp>
+        <p:nvSpPr>
+          <p:cNvPr id="4" name="Slide Number Placeholder 3"/>
+          <p:cNvSpPr>
+            <a:spLocks noGrp="1"/>
+          </p:cNvSpPr>
+          <p:nvPr>
+            <p:ph type="sldNum" sz="quarter" idx="5"/>
+          </p:nvPr>
+        </p:nvSpPr>
+        <p:spPr/>
+        <p:txBody>
+          <a:bodyPr/>
+          <a:lstStyle/>
+          <a:p>
+            <a:fld id="{3AC94D10-082F-46D7-A834-266F9222130F}" type="slidenum">
+              <a:rPr lang="en-US" smtClean="0"/>
+              <a:t>22</a:t>
+            </a:fld>
+            <a:endParaRPr lang="en-US"/>
+          </a:p>
+        </p:txBody>
+      </p:sp>
+    </p:spTree>
+    <p:extLst>
+      <p:ext uri="{BB962C8B-B14F-4D97-AF65-F5344CB8AC3E}">
+        <p14:creationId xmlns:p14="http://schemas.microsoft.com/office/powerpoint/2010/main" val="3393920227"/>
+      </p:ext>
+    </p:extLst>
+  </p:cSld>
+  <p:clrMapOvr>
+    <a:masterClrMapping/>
+  </p:clrMapOvr>
+</p:notes>
+</file>
+
+<file path=ppt/notesSlides/notesSlide16.xml><?xml version="1.0" encoding="utf-8"?>
+<p:notes xmlns:a="http://schemas.openxmlformats.org/drawingml/2006/main" xmlns:r="http://schemas.openxmlformats.org/officeDocument/2006/relationships" xmlns:p="http://schemas.openxmlformats.org/presentationml/2006/main">
+  <p:cSld>
+    <p:spTree>
+      <p:nvGrpSpPr>
+        <p:cNvPr id="1" name=""/>
+        <p:cNvGrpSpPr/>
+        <p:nvPr/>
+      </p:nvGrpSpPr>
+      <p:grpSpPr>
+        <a:xfrm>
+          <a:off x="0" y="0"/>
+          <a:ext cx="0" cy="0"/>
+          <a:chOff x="0" y="0"/>
+          <a:chExt cx="0" cy="0"/>
+        </a:xfrm>
+      </p:grpSpPr>
+      <p:sp>
+        <p:nvSpPr>
+          <p:cNvPr id="2" name="Slide Image Placeholder 1"/>
+          <p:cNvSpPr>
+            <a:spLocks noGrp="1" noRot="1" noChangeAspect="1"/>
+          </p:cNvSpPr>
+          <p:nvPr>
+            <p:ph type="sldImg"/>
+          </p:nvPr>
+        </p:nvSpPr>
+        <p:spPr/>
+      </p:sp>
+      <p:sp>
+        <p:nvSpPr>
+          <p:cNvPr id="3" name="Notes Placeholder 2"/>
+          <p:cNvSpPr>
+            <a:spLocks noGrp="1"/>
+          </p:cNvSpPr>
+          <p:nvPr>
+            <p:ph type="body" idx="1"/>
+          </p:nvPr>
+        </p:nvSpPr>
+        <p:spPr/>
+        <p:txBody>
+          <a:bodyPr/>
+          <a:lstStyle/>
+          <a:p>
+            <a:r>
+              <a:rPr lang="ru-RU" dirty="0"/>
+              <a:t>Ошибка в том что переходить к сравнению второго поля можно только если первые поля равны.</a:t>
+            </a:r>
+            <a:endParaRPr lang="en-US" dirty="0"/>
+          </a:p>
+        </p:txBody>
+      </p:sp>
+      <p:sp>
+        <p:nvSpPr>
+          <p:cNvPr id="4" name="Slide Number Placeholder 3"/>
+          <p:cNvSpPr>
+            <a:spLocks noGrp="1"/>
+          </p:cNvSpPr>
+          <p:nvPr>
+            <p:ph type="sldNum" sz="quarter" idx="5"/>
+          </p:nvPr>
+        </p:nvSpPr>
+        <p:spPr/>
+        <p:txBody>
+          <a:bodyPr/>
+          <a:lstStyle/>
+          <a:p>
+            <a:fld id="{3AC94D10-082F-46D7-A834-266F9222130F}" type="slidenum">
+              <a:rPr lang="en-US" smtClean="0"/>
+              <a:t>23</a:t>
+            </a:fld>
+            <a:endParaRPr lang="en-US"/>
+          </a:p>
+        </p:txBody>
+      </p:sp>
+    </p:spTree>
+    <p:extLst>
+      <p:ext uri="{BB962C8B-B14F-4D97-AF65-F5344CB8AC3E}">
+        <p14:creationId xmlns:p14="http://schemas.microsoft.com/office/powerpoint/2010/main" val="53595051"/>
+      </p:ext>
+    </p:extLst>
+  </p:cSld>
+  <p:clrMapOvr>
+    <a:masterClrMapping/>
+  </p:clrMapOvr>
+</p:notes>
+</file>
+
+<file path=ppt/notesSlides/notesSlide17.xml><?xml version="1.0" encoding="utf-8"?>
+<p:notes xmlns:a="http://schemas.openxmlformats.org/drawingml/2006/main" xmlns:r="http://schemas.openxmlformats.org/officeDocument/2006/relationships" xmlns:p="http://schemas.openxmlformats.org/presentationml/2006/main">
+  <p:cSld>
+    <p:spTree>
+      <p:nvGrpSpPr>
+        <p:cNvPr id="1" name=""/>
+        <p:cNvGrpSpPr/>
+        <p:nvPr/>
+      </p:nvGrpSpPr>
+      <p:grpSpPr>
+        <a:xfrm>
+          <a:off x="0" y="0"/>
+          <a:ext cx="0" cy="0"/>
+          <a:chOff x="0" y="0"/>
+          <a:chExt cx="0" cy="0"/>
+        </a:xfrm>
+      </p:grpSpPr>
+      <p:sp>
+        <p:nvSpPr>
+          <p:cNvPr id="2" name="Slide Image Placeholder 1"/>
+          <p:cNvSpPr>
+            <a:spLocks noGrp="1" noRot="1" noChangeAspect="1"/>
+          </p:cNvSpPr>
+          <p:nvPr>
+            <p:ph type="sldImg"/>
+          </p:nvPr>
+        </p:nvSpPr>
+        <p:spPr/>
+      </p:sp>
+      <p:sp>
+        <p:nvSpPr>
+          <p:cNvPr id="3" name="Notes Placeholder 2"/>
+          <p:cNvSpPr>
+            <a:spLocks noGrp="1"/>
+          </p:cNvSpPr>
+          <p:nvPr>
+            <p:ph type="body" idx="1"/>
+          </p:nvPr>
+        </p:nvSpPr>
+        <p:spPr/>
+        <p:txBody>
+          <a:bodyPr/>
+          <a:lstStyle/>
+          <a:p>
+            <a:r>
+              <a:rPr lang="ru-RU" dirty="0"/>
+              <a:t>Иногда эта ошибка может быть скрытой как в следующем примере.</a:t>
+            </a:r>
+            <a:endParaRPr lang="en-US" dirty="0"/>
+          </a:p>
+          <a:p>
+            <a:endParaRPr lang="en-US" dirty="0">
+              <a:hlinkClick r:id="rId3"/>
+            </a:endParaRPr>
+          </a:p>
+          <a:p>
+            <a:r>
               <a:rPr lang="ru-RU" dirty="0">
                 <a:hlinkClick r:id="rId3"/>
               </a:rPr>
               <a:t>https://schneide.blog/2010/11/01/bug-hunting-fun-with-stdsort</a:t>
             </a:r>
-            <a:r>
-              <a:rPr lang="en-US" dirty="0"/>
-              <a:t> </a:t>
-            </a:r>
+            <a:endParaRPr lang="en-US" dirty="0"/>
           </a:p>
         </p:txBody>
       </p:sp>
@@ -1256,7 +1442,7 @@
           <a:p>
             <a:fld id="{3AC94D10-082F-46D7-A834-266F9222130F}" type="slidenum">
               <a:rPr lang="en-US" smtClean="0"/>
-              <a:t>26</a:t>
+              <a:t>27</a:t>
             </a:fld>
             <a:endParaRPr lang="en-US"/>
           </a:p>
@@ -1266,6 +1452,182 @@
     <p:extLst>
       <p:ext uri="{BB962C8B-B14F-4D97-AF65-F5344CB8AC3E}">
         <p14:creationId xmlns:p14="http://schemas.microsoft.com/office/powerpoint/2010/main" val="3243504475"/>
+      </p:ext>
+    </p:extLst>
+  </p:cSld>
+  <p:clrMapOvr>
+    <a:masterClrMapping/>
+  </p:clrMapOvr>
+</p:notes>
+</file>
+
+<file path=ppt/notesSlides/notesSlide18.xml><?xml version="1.0" encoding="utf-8"?>
+<p:notes xmlns:a="http://schemas.openxmlformats.org/drawingml/2006/main" xmlns:r="http://schemas.openxmlformats.org/officeDocument/2006/relationships" xmlns:p="http://schemas.openxmlformats.org/presentationml/2006/main">
+  <p:cSld>
+    <p:spTree>
+      <p:nvGrpSpPr>
+        <p:cNvPr id="1" name=""/>
+        <p:cNvGrpSpPr/>
+        <p:nvPr/>
+      </p:nvGrpSpPr>
+      <p:grpSpPr>
+        <a:xfrm>
+          <a:off x="0" y="0"/>
+          <a:ext cx="0" cy="0"/>
+          <a:chOff x="0" y="0"/>
+          <a:chExt cx="0" cy="0"/>
+        </a:xfrm>
+      </p:grpSpPr>
+      <p:sp>
+        <p:nvSpPr>
+          <p:cNvPr id="2" name="Slide Image Placeholder 1"/>
+          <p:cNvSpPr>
+            <a:spLocks noGrp="1" noRot="1" noChangeAspect="1"/>
+          </p:cNvSpPr>
+          <p:nvPr>
+            <p:ph type="sldImg"/>
+          </p:nvPr>
+        </p:nvSpPr>
+        <p:spPr/>
+      </p:sp>
+      <p:sp>
+        <p:nvSpPr>
+          <p:cNvPr id="3" name="Notes Placeholder 2"/>
+          <p:cNvSpPr>
+            <a:spLocks noGrp="1"/>
+          </p:cNvSpPr>
+          <p:nvPr>
+            <p:ph type="body" idx="1"/>
+          </p:nvPr>
+        </p:nvSpPr>
+        <p:spPr/>
+        <p:txBody>
+          <a:bodyPr/>
+          <a:lstStyle/>
+          <a:p>
+            <a:r>
+              <a:rPr lang="ru-RU" dirty="0"/>
+              <a:t>Этот паттерн часто встречается и в других ситуациях.</a:t>
+            </a:r>
+            <a:endParaRPr lang="en-US" dirty="0"/>
+          </a:p>
+        </p:txBody>
+      </p:sp>
+      <p:sp>
+        <p:nvSpPr>
+          <p:cNvPr id="4" name="Slide Number Placeholder 3"/>
+          <p:cNvSpPr>
+            <a:spLocks noGrp="1"/>
+          </p:cNvSpPr>
+          <p:nvPr>
+            <p:ph type="sldNum" sz="quarter" idx="5"/>
+          </p:nvPr>
+        </p:nvSpPr>
+        <p:spPr/>
+        <p:txBody>
+          <a:bodyPr/>
+          <a:lstStyle/>
+          <a:p>
+            <a:fld id="{3AC94D10-082F-46D7-A834-266F9222130F}" type="slidenum">
+              <a:rPr lang="en-US" smtClean="0"/>
+              <a:t>32</a:t>
+            </a:fld>
+            <a:endParaRPr lang="en-US"/>
+          </a:p>
+        </p:txBody>
+      </p:sp>
+    </p:spTree>
+    <p:extLst>
+      <p:ext uri="{BB962C8B-B14F-4D97-AF65-F5344CB8AC3E}">
+        <p14:creationId xmlns:p14="http://schemas.microsoft.com/office/powerpoint/2010/main" val="2149937454"/>
+      </p:ext>
+    </p:extLst>
+  </p:cSld>
+  <p:clrMapOvr>
+    <a:masterClrMapping/>
+  </p:clrMapOvr>
+</p:notes>
+</file>
+
+<file path=ppt/notesSlides/notesSlide19.xml><?xml version="1.0" encoding="utf-8"?>
+<p:notes xmlns:a="http://schemas.openxmlformats.org/drawingml/2006/main" xmlns:r="http://schemas.openxmlformats.org/officeDocument/2006/relationships" xmlns:p="http://schemas.openxmlformats.org/presentationml/2006/main">
+  <p:cSld>
+    <p:spTree>
+      <p:nvGrpSpPr>
+        <p:cNvPr id="1" name=""/>
+        <p:cNvGrpSpPr/>
+        <p:nvPr/>
+      </p:nvGrpSpPr>
+      <p:grpSpPr>
+        <a:xfrm>
+          <a:off x="0" y="0"/>
+          <a:ext cx="0" cy="0"/>
+          <a:chOff x="0" y="0"/>
+          <a:chExt cx="0" cy="0"/>
+        </a:xfrm>
+      </p:grpSpPr>
+      <p:sp>
+        <p:nvSpPr>
+          <p:cNvPr id="2" name="Slide Image Placeholder 1"/>
+          <p:cNvSpPr>
+            <a:spLocks noGrp="1" noRot="1" noChangeAspect="1"/>
+          </p:cNvSpPr>
+          <p:nvPr>
+            <p:ph type="sldImg"/>
+          </p:nvPr>
+        </p:nvSpPr>
+        <p:spPr/>
+      </p:sp>
+      <p:sp>
+        <p:nvSpPr>
+          <p:cNvPr id="3" name="Notes Placeholder 2"/>
+          <p:cNvSpPr>
+            <a:spLocks noGrp="1"/>
+          </p:cNvSpPr>
+          <p:nvPr>
+            <p:ph type="body" idx="1"/>
+          </p:nvPr>
+        </p:nvSpPr>
+        <p:spPr/>
+        <p:txBody>
+          <a:bodyPr/>
+          <a:lstStyle/>
+          <a:p>
+            <a:r>
+              <a:rPr lang="ru-RU" dirty="0"/>
+              <a:t>Поговорив о самых частых ошибках, давайте обсудим средства их обнаружения, предлагаемые современными тулчейнами.</a:t>
+            </a:r>
+            <a:endParaRPr lang="en-US" dirty="0"/>
+          </a:p>
+        </p:txBody>
+      </p:sp>
+      <p:sp>
+        <p:nvSpPr>
+          <p:cNvPr id="4" name="Slide Number Placeholder 3"/>
+          <p:cNvSpPr>
+            <a:spLocks noGrp="1"/>
+          </p:cNvSpPr>
+          <p:nvPr>
+            <p:ph type="sldNum" sz="quarter" idx="5"/>
+          </p:nvPr>
+        </p:nvSpPr>
+        <p:spPr/>
+        <p:txBody>
+          <a:bodyPr/>
+          <a:lstStyle/>
+          <a:p>
+            <a:fld id="{3AC94D10-082F-46D7-A834-266F9222130F}" type="slidenum">
+              <a:rPr lang="en-US" smtClean="0"/>
+              <a:t>36</a:t>
+            </a:fld>
+            <a:endParaRPr lang="en-US"/>
+          </a:p>
+        </p:txBody>
+      </p:sp>
+    </p:spTree>
+    <p:extLst>
+      <p:ext uri="{BB962C8B-B14F-4D97-AF65-F5344CB8AC3E}">
+        <p14:creationId xmlns:p14="http://schemas.microsoft.com/office/powerpoint/2010/main" val="312869855"/>
       </p:ext>
     </p:extLst>
   </p:cSld>
@@ -1354,6 +1716,101 @@
     <p:extLst>
       <p:ext uri="{BB962C8B-B14F-4D97-AF65-F5344CB8AC3E}">
         <p14:creationId xmlns:p14="http://schemas.microsoft.com/office/powerpoint/2010/main" val="880199023"/>
+      </p:ext>
+    </p:extLst>
+  </p:cSld>
+  <p:clrMapOvr>
+    <a:masterClrMapping/>
+  </p:clrMapOvr>
+</p:notes>
+</file>
+
+<file path=ppt/notesSlides/notesSlide20.xml><?xml version="1.0" encoding="utf-8"?>
+<p:notes xmlns:a="http://schemas.openxmlformats.org/drawingml/2006/main" xmlns:r="http://schemas.openxmlformats.org/officeDocument/2006/relationships" xmlns:p="http://schemas.openxmlformats.org/presentationml/2006/main">
+  <p:cSld>
+    <p:spTree>
+      <p:nvGrpSpPr>
+        <p:cNvPr id="1" name=""/>
+        <p:cNvGrpSpPr/>
+        <p:nvPr/>
+      </p:nvGrpSpPr>
+      <p:grpSpPr>
+        <a:xfrm>
+          <a:off x="0" y="0"/>
+          <a:ext cx="0" cy="0"/>
+          <a:chOff x="0" y="0"/>
+          <a:chExt cx="0" cy="0"/>
+        </a:xfrm>
+      </p:grpSpPr>
+      <p:sp>
+        <p:nvSpPr>
+          <p:cNvPr id="2" name="Slide Image Placeholder 1"/>
+          <p:cNvSpPr>
+            <a:spLocks noGrp="1" noRot="1" noChangeAspect="1"/>
+          </p:cNvSpPr>
+          <p:nvPr>
+            <p:ph type="sldImg"/>
+          </p:nvPr>
+        </p:nvSpPr>
+        <p:spPr/>
+      </p:sp>
+      <p:sp>
+        <p:nvSpPr>
+          <p:cNvPr id="3" name="Notes Placeholder 2"/>
+          <p:cNvSpPr>
+            <a:spLocks noGrp="1"/>
+          </p:cNvSpPr>
+          <p:nvPr>
+            <p:ph type="body" idx="1"/>
+          </p:nvPr>
+        </p:nvSpPr>
+        <p:spPr/>
+        <p:txBody>
+          <a:bodyPr/>
+          <a:lstStyle/>
+          <a:p>
+            <a:r>
+              <a:rPr lang="ru-RU" dirty="0"/>
+              <a:t>Для более глубокой проверки можно использовать динамический анализатор </a:t>
+            </a:r>
+            <a:r>
+              <a:rPr lang="en-US" dirty="0" err="1"/>
+              <a:t>SortChecker</a:t>
+            </a:r>
+            <a:r>
+              <a:rPr lang="en-US" dirty="0"/>
+              <a:t>.</a:t>
+            </a:r>
+          </a:p>
+        </p:txBody>
+      </p:sp>
+      <p:sp>
+        <p:nvSpPr>
+          <p:cNvPr id="4" name="Slide Number Placeholder 3"/>
+          <p:cNvSpPr>
+            <a:spLocks noGrp="1"/>
+          </p:cNvSpPr>
+          <p:nvPr>
+            <p:ph type="sldNum" sz="quarter" idx="5"/>
+          </p:nvPr>
+        </p:nvSpPr>
+        <p:spPr/>
+        <p:txBody>
+          <a:bodyPr/>
+          <a:lstStyle/>
+          <a:p>
+            <a:fld id="{3AC94D10-082F-46D7-A834-266F9222130F}" type="slidenum">
+              <a:rPr lang="en-US" smtClean="0"/>
+              <a:t>40</a:t>
+            </a:fld>
+            <a:endParaRPr lang="en-US"/>
+          </a:p>
+        </p:txBody>
+      </p:sp>
+    </p:spTree>
+    <p:extLst>
+      <p:ext uri="{BB962C8B-B14F-4D97-AF65-F5344CB8AC3E}">
+        <p14:creationId xmlns:p14="http://schemas.microsoft.com/office/powerpoint/2010/main" val="3142743702"/>
       </p:ext>
     </p:extLst>
   </p:cSld>
@@ -2090,7 +2547,15 @@
             </a:r>
             <a:r>
               <a:rPr lang="en-US" dirty="0"/>
-              <a:t>.</a:t>
+              <a:t> (</a:t>
+            </a:r>
+            <a:r>
+              <a:rPr lang="ru-RU" dirty="0"/>
+              <a:t>мы выйдем из него дойдя до элемента </a:t>
+            </a:r>
+            <a:r>
+              <a:rPr lang="en-US" dirty="0"/>
+              <a:t>b).</a:t>
             </a:r>
           </a:p>
         </p:txBody>
@@ -2177,7 +2642,20 @@
           <a:p>
             <a:r>
               <a:rPr lang="ru-RU" dirty="0"/>
-              <a:t>Для избежания подобных ошибок компараторы должны удовлетворять набору правил, называемых аксиомами.</a:t>
+              <a:t>Как избежать подобных ошибок</a:t>
+            </a:r>
+            <a:r>
+              <a:rPr lang="en-US" dirty="0"/>
+              <a:t>?</a:t>
+            </a:r>
+          </a:p>
+          <a:p>
+            <a:endParaRPr lang="en-US" dirty="0"/>
+          </a:p>
+          <a:p>
+            <a:r>
+              <a:rPr lang="ru-RU" dirty="0"/>
+              <a:t>Компараторы должны удовлетворять набору правил, называемых аксиомами.</a:t>
             </a:r>
             <a:endParaRPr lang="en-US" dirty="0"/>
           </a:p>
@@ -2242,7 +2720,7 @@
           <a:p>
             <a:fld id="{3AC94D10-082F-46D7-A834-266F9222130F}" type="slidenum">
               <a:rPr lang="en-US" smtClean="0"/>
-              <a:t>13</a:t>
+              <a:t>14</a:t>
             </a:fld>
             <a:endParaRPr lang="en-US"/>
           </a:p>
@@ -2408,7 +2886,7 @@
           <a:p>
             <a:fld id="{83D30A23-1FB6-43A1-891F-95145083C4E9}" type="datetime1">
               <a:rPr lang="en-US" smtClean="0"/>
-              <a:t>4/24/2023</a:t>
+              <a:t>4/29/2023</a:t>
             </a:fld>
             <a:endParaRPr lang="en-US"/>
           </a:p>
@@ -2606,7 +3084,7 @@
           <a:p>
             <a:fld id="{A4B03399-60D8-4226-8AC7-3F159D57E860}" type="datetime1">
               <a:rPr lang="en-US" smtClean="0"/>
-              <a:t>4/24/2023</a:t>
+              <a:t>4/29/2023</a:t>
             </a:fld>
             <a:endParaRPr lang="en-US"/>
           </a:p>
@@ -2814,7 +3292,7 @@
           <a:p>
             <a:fld id="{1A646459-A066-416D-8E21-9D451FB1CBED}" type="datetime1">
               <a:rPr lang="en-US" smtClean="0"/>
-              <a:t>4/24/2023</a:t>
+              <a:t>4/29/2023</a:t>
             </a:fld>
             <a:endParaRPr lang="en-US"/>
           </a:p>
@@ -3012,7 +3490,7 @@
           <a:p>
             <a:fld id="{0636B939-1A2A-498F-9013-EEF28820D750}" type="datetime1">
               <a:rPr lang="en-US" smtClean="0"/>
-              <a:t>4/24/2023</a:t>
+              <a:t>4/29/2023</a:t>
             </a:fld>
             <a:endParaRPr lang="en-US"/>
           </a:p>
@@ -3331,7 +3809,7 @@
           <a:p>
             <a:fld id="{97D3760A-E884-42F2-A44C-F32FAA030BF6}" type="datetime1">
               <a:rPr lang="en-US" smtClean="0"/>
-              <a:t>4/24/2023</a:t>
+              <a:t>4/29/2023</a:t>
             </a:fld>
             <a:endParaRPr lang="en-US"/>
           </a:p>
@@ -3596,7 +4074,7 @@
           <a:p>
             <a:fld id="{4FC7535E-ABF1-4A69-B09E-251EF8B13143}" type="datetime1">
               <a:rPr lang="en-US" smtClean="0"/>
-              <a:t>4/24/2023</a:t>
+              <a:t>4/29/2023</a:t>
             </a:fld>
             <a:endParaRPr lang="en-US"/>
           </a:p>
@@ -4008,7 +4486,7 @@
           <a:p>
             <a:fld id="{CE54BCFC-68A7-4C68-9600-D4AAA16CF9A6}" type="datetime1">
               <a:rPr lang="en-US" smtClean="0"/>
-              <a:t>4/24/2023</a:t>
+              <a:t>4/29/2023</a:t>
             </a:fld>
             <a:endParaRPr lang="en-US"/>
           </a:p>
@@ -4149,7 +4627,7 @@
           <a:p>
             <a:fld id="{0F981744-C4F3-4F58-9E0E-AF6C4E78D03B}" type="datetime1">
               <a:rPr lang="en-US" smtClean="0"/>
-              <a:t>4/24/2023</a:t>
+              <a:t>4/29/2023</a:t>
             </a:fld>
             <a:endParaRPr lang="en-US"/>
           </a:p>
@@ -4262,7 +4740,7 @@
           <a:p>
             <a:fld id="{98ED47E1-EA96-4683-9629-E838295B20BC}" type="datetime1">
               <a:rPr lang="en-US" smtClean="0"/>
-              <a:t>4/24/2023</a:t>
+              <a:t>4/29/2023</a:t>
             </a:fld>
             <a:endParaRPr lang="en-US"/>
           </a:p>
@@ -4573,7 +5051,7 @@
           <a:p>
             <a:fld id="{2F2A1627-B435-455B-A0CA-0808E5748D61}" type="datetime1">
               <a:rPr lang="en-US" smtClean="0"/>
-              <a:t>4/24/2023</a:t>
+              <a:t>4/29/2023</a:t>
             </a:fld>
             <a:endParaRPr lang="en-US"/>
           </a:p>
@@ -4861,7 +5339,7 @@
           <a:p>
             <a:fld id="{FE11CB43-EB9E-4C41-ACD2-0EC61FB429F2}" type="datetime1">
               <a:rPr lang="en-US" smtClean="0"/>
-              <a:t>4/24/2023</a:t>
+              <a:t>4/29/2023</a:t>
             </a:fld>
             <a:endParaRPr lang="en-US"/>
           </a:p>
@@ -5102,7 +5580,7 @@
           <a:p>
             <a:fld id="{CC0B8F92-0932-40E4-878B-3E2E4AAA6810}" type="datetime1">
               <a:rPr lang="en-US" smtClean="0"/>
-              <a:t>4/24/2023</a:t>
+              <a:t>4/29/2023</a:t>
             </a:fld>
             <a:endParaRPr lang="en-US"/>
           </a:p>
@@ -6141,7 +6619,22 @@
           <a:p>
             <a:r>
               <a:rPr lang="ru-RU" dirty="0"/>
-              <a:t>Опорный элемент выбирается как медиана первого, среднего и последнего элемента массива</a:t>
+              <a:t>Опорный элемент </a:t>
+            </a:r>
+            <a:r>
+              <a:rPr lang="en-US" dirty="0">
+                <a:latin typeface="Courier New" panose="02070309020205020404" pitchFamily="49" charset="0"/>
+                <a:cs typeface="Courier New" panose="02070309020205020404" pitchFamily="49" charset="0"/>
+              </a:rPr>
+              <a:t>__pivot</a:t>
+            </a:r>
+            <a:r>
+              <a:rPr lang="en-US" dirty="0"/>
+              <a:t> </a:t>
+            </a:r>
+            <a:r>
+              <a:rPr lang="ru-RU" dirty="0"/>
+              <a:t>выбирается как медиана первого, среднего и последнего элемента массива</a:t>
             </a:r>
             <a:endParaRPr lang="en-US" dirty="0"/>
           </a:p>
@@ -6562,6 +7055,90 @@
           <p:cNvPr id="2" name="Title 1">
             <a:extLst>
               <a:ext uri="{FF2B5EF4-FFF2-40B4-BE49-F238E27FC236}">
+                <a16:creationId xmlns:a16="http://schemas.microsoft.com/office/drawing/2014/main" id="{3EA6E7CB-8E77-4D17-940A-3972F6866788}"/>
+              </a:ext>
+            </a:extLst>
+          </p:cNvPr>
+          <p:cNvSpPr>
+            <a:spLocks noGrp="1"/>
+          </p:cNvSpPr>
+          <p:nvPr>
+            <p:ph type="title"/>
+          </p:nvPr>
+        </p:nvSpPr>
+        <p:spPr/>
+        <p:txBody>
+          <a:bodyPr/>
+          <a:lstStyle/>
+          <a:p>
+            <a:r>
+              <a:rPr lang="ru-RU" dirty="0"/>
+              <a:t>Требования к компараторам</a:t>
+            </a:r>
+            <a:endParaRPr lang="en-US" dirty="0"/>
+          </a:p>
+        </p:txBody>
+      </p:sp>
+      <p:sp>
+        <p:nvSpPr>
+          <p:cNvPr id="3" name="Text Placeholder 2">
+            <a:extLst>
+              <a:ext uri="{FF2B5EF4-FFF2-40B4-BE49-F238E27FC236}">
+                <a16:creationId xmlns:a16="http://schemas.microsoft.com/office/drawing/2014/main" id="{F5B015A5-EA18-454A-A682-9FF9F1AF8E66}"/>
+              </a:ext>
+            </a:extLst>
+          </p:cNvPr>
+          <p:cNvSpPr>
+            <a:spLocks noGrp="1"/>
+          </p:cNvSpPr>
+          <p:nvPr>
+            <p:ph type="body" idx="1"/>
+          </p:nvPr>
+        </p:nvSpPr>
+        <p:spPr/>
+        <p:txBody>
+          <a:bodyPr/>
+          <a:lstStyle/>
+          <a:p>
+            <a:endParaRPr lang="en-US"/>
+          </a:p>
+        </p:txBody>
+      </p:sp>
+    </p:spTree>
+    <p:extLst>
+      <p:ext uri="{BB962C8B-B14F-4D97-AF65-F5344CB8AC3E}">
+        <p14:creationId xmlns:p14="http://schemas.microsoft.com/office/powerpoint/2010/main" val="1525752186"/>
+      </p:ext>
+    </p:extLst>
+  </p:cSld>
+  <p:clrMapOvr>
+    <a:masterClrMapping/>
+  </p:clrMapOvr>
+</p:sld>
+</file>
+
+<file path=ppt/slides/slide14.xml><?xml version="1.0" encoding="utf-8"?>
+<p:sld xmlns:a="http://schemas.openxmlformats.org/drawingml/2006/main" xmlns:r="http://schemas.openxmlformats.org/officeDocument/2006/relationships" xmlns:p="http://schemas.openxmlformats.org/presentationml/2006/main">
+  <p:cSld>
+    <p:spTree>
+      <p:nvGrpSpPr>
+        <p:cNvPr id="1" name=""/>
+        <p:cNvGrpSpPr/>
+        <p:nvPr/>
+      </p:nvGrpSpPr>
+      <p:grpSpPr>
+        <a:xfrm>
+          <a:off x="0" y="0"/>
+          <a:ext cx="0" cy="0"/>
+          <a:chOff x="0" y="0"/>
+          <a:chExt cx="0" cy="0"/>
+        </a:xfrm>
+      </p:grpSpPr>
+      <p:sp>
+        <p:nvSpPr>
+          <p:cNvPr id="2" name="Title 1">
+            <a:extLst>
+              <a:ext uri="{FF2B5EF4-FFF2-40B4-BE49-F238E27FC236}">
                 <a16:creationId xmlns:a16="http://schemas.microsoft.com/office/drawing/2014/main" id="{9057B046-C735-479D-B1B1-8D6B945EB8B4}"/>
               </a:ext>
             </a:extLst>
@@ -6786,213 +7363,6 @@
 </p:sld>
 </file>
 
-<file path=ppt/slides/slide14.xml><?xml version="1.0" encoding="utf-8"?>
-<p:sld xmlns:a="http://schemas.openxmlformats.org/drawingml/2006/main" xmlns:r="http://schemas.openxmlformats.org/officeDocument/2006/relationships" xmlns:p="http://schemas.openxmlformats.org/presentationml/2006/main">
-  <p:cSld>
-    <p:spTree>
-      <p:nvGrpSpPr>
-        <p:cNvPr id="1" name=""/>
-        <p:cNvGrpSpPr/>
-        <p:nvPr/>
-      </p:nvGrpSpPr>
-      <p:grpSpPr>
-        <a:xfrm>
-          <a:off x="0" y="0"/>
-          <a:ext cx="0" cy="0"/>
-          <a:chOff x="0" y="0"/>
-          <a:chExt cx="0" cy="0"/>
-        </a:xfrm>
-      </p:grpSpPr>
-      <p:sp>
-        <p:nvSpPr>
-          <p:cNvPr id="2" name="Title 1">
-            <a:extLst>
-              <a:ext uri="{FF2B5EF4-FFF2-40B4-BE49-F238E27FC236}">
-                <a16:creationId xmlns:a16="http://schemas.microsoft.com/office/drawing/2014/main" id="{76948646-38EE-468C-AB20-1E74975CA4AF}"/>
-              </a:ext>
-            </a:extLst>
-          </p:cNvPr>
-          <p:cNvSpPr>
-            <a:spLocks noGrp="1"/>
-          </p:cNvSpPr>
-          <p:nvPr>
-            <p:ph type="title"/>
-          </p:nvPr>
-        </p:nvSpPr>
-        <p:spPr/>
-        <p:txBody>
-          <a:bodyPr/>
-          <a:lstStyle/>
-          <a:p>
-            <a:r>
-              <a:rPr lang="ru-RU" dirty="0"/>
-              <a:t>Аксиомы строгого частичного порядка</a:t>
-            </a:r>
-            <a:endParaRPr lang="en-US" dirty="0"/>
-          </a:p>
-        </p:txBody>
-      </p:sp>
-      <p:sp>
-        <p:nvSpPr>
-          <p:cNvPr id="3" name="Content Placeholder 2">
-            <a:extLst>
-              <a:ext uri="{FF2B5EF4-FFF2-40B4-BE49-F238E27FC236}">
-                <a16:creationId xmlns:a16="http://schemas.microsoft.com/office/drawing/2014/main" id="{569C8111-38ED-49DE-92F3-DBB34E75F746}"/>
-              </a:ext>
-            </a:extLst>
-          </p:cNvPr>
-          <p:cNvSpPr>
-            <a:spLocks noGrp="1"/>
-          </p:cNvSpPr>
-          <p:nvPr>
-            <p:ph idx="1"/>
-          </p:nvPr>
-        </p:nvSpPr>
-        <p:spPr/>
-        <p:txBody>
-          <a:bodyPr>
-            <a:normAutofit/>
-          </a:bodyPr>
-          <a:lstStyle/>
-          <a:p>
-            <a:r>
-              <a:rPr lang="ru-RU" dirty="0"/>
-              <a:t>Иррефлексивность</a:t>
-            </a:r>
-            <a:r>
-              <a:rPr lang="en-US" dirty="0"/>
-              <a:t>:</a:t>
-            </a:r>
-          </a:p>
-          <a:p>
-            <a:pPr marL="457200" lvl="1" indent="0">
-              <a:buNone/>
-            </a:pPr>
-            <a:r>
-              <a:rPr lang="en-US" dirty="0">
-                <a:latin typeface="Courier New" panose="02070309020205020404" pitchFamily="49" charset="0"/>
-                <a:cs typeface="Courier New" panose="02070309020205020404" pitchFamily="49" charset="0"/>
-              </a:rPr>
-              <a:t>!comp(a, a)</a:t>
-            </a:r>
-            <a:endParaRPr lang="ru-RU" dirty="0">
-              <a:latin typeface="Courier New" panose="02070309020205020404" pitchFamily="49" charset="0"/>
-              <a:cs typeface="Courier New" panose="02070309020205020404" pitchFamily="49" charset="0"/>
-            </a:endParaRPr>
-          </a:p>
-          <a:p>
-            <a:r>
-              <a:rPr lang="ru-RU" dirty="0"/>
-              <a:t>Антисимметричность</a:t>
-            </a:r>
-            <a:r>
-              <a:rPr lang="en-US" dirty="0"/>
-              <a:t>:</a:t>
-            </a:r>
-          </a:p>
-          <a:p>
-            <a:pPr marL="457200" lvl="1" indent="0">
-              <a:buNone/>
-            </a:pPr>
-            <a:r>
-              <a:rPr lang="en-US" dirty="0">
-                <a:latin typeface="Courier New" panose="02070309020205020404" pitchFamily="49" charset="0"/>
-                <a:cs typeface="Courier New" panose="02070309020205020404" pitchFamily="49" charset="0"/>
-              </a:rPr>
-              <a:t>comp(a, b) ⇒ !comp(b, a)</a:t>
-            </a:r>
-            <a:endParaRPr lang="ru-RU" dirty="0">
-              <a:latin typeface="Courier New" panose="02070309020205020404" pitchFamily="49" charset="0"/>
-              <a:cs typeface="Courier New" panose="02070309020205020404" pitchFamily="49" charset="0"/>
-            </a:endParaRPr>
-          </a:p>
-          <a:p>
-            <a:r>
-              <a:rPr lang="ru-RU" dirty="0"/>
-              <a:t>Транзитивность</a:t>
-            </a:r>
-            <a:r>
-              <a:rPr lang="en-US" dirty="0"/>
-              <a:t>:</a:t>
-            </a:r>
-          </a:p>
-          <a:p>
-            <a:pPr marL="457200" lvl="1" indent="0">
-              <a:buNone/>
-            </a:pPr>
-            <a:r>
-              <a:rPr lang="en-US" dirty="0">
-                <a:latin typeface="Courier New" panose="02070309020205020404" pitchFamily="49" charset="0"/>
-                <a:cs typeface="Courier New" panose="02070309020205020404" pitchFamily="49" charset="0"/>
-              </a:rPr>
-              <a:t>comp(a, b) &amp;&amp; comp(b, c) ⇒ comp(a, c)</a:t>
-            </a:r>
-            <a:endParaRPr lang="ru-RU" dirty="0">
-              <a:latin typeface="Courier New" panose="02070309020205020404" pitchFamily="49" charset="0"/>
-              <a:cs typeface="Courier New" panose="02070309020205020404" pitchFamily="49" charset="0"/>
-            </a:endParaRPr>
-          </a:p>
-          <a:p>
-            <a:r>
-              <a:rPr lang="ru-RU" dirty="0"/>
-              <a:t>В алгебре такие компараторы называют </a:t>
-            </a:r>
-            <a:r>
-              <a:rPr lang="ru-RU" i="1" dirty="0"/>
-              <a:t>строгими частичными порядками</a:t>
-            </a:r>
-            <a:r>
-              <a:rPr lang="en-US" dirty="0"/>
-              <a:t>, </a:t>
-            </a:r>
-            <a:r>
-              <a:rPr lang="ru-RU" dirty="0"/>
-              <a:t>а соответствующие множества – </a:t>
-            </a:r>
-            <a:r>
-              <a:rPr lang="ru-RU" i="1" dirty="0"/>
-              <a:t>частично упорядоченными </a:t>
-            </a:r>
-            <a:r>
-              <a:rPr lang="en-US" dirty="0"/>
-              <a:t>(partially ordered)</a:t>
-            </a:r>
-          </a:p>
-          <a:p>
-            <a:pPr lvl="1"/>
-            <a:r>
-              <a:rPr lang="ru-RU" dirty="0"/>
-              <a:t>Кратко</a:t>
-            </a:r>
-            <a:r>
-              <a:rPr lang="en-US" dirty="0"/>
-              <a:t>: </a:t>
-            </a:r>
-            <a:r>
-              <a:rPr lang="ru-RU" dirty="0"/>
-              <a:t>ЧУМ или </a:t>
-            </a:r>
-            <a:r>
-              <a:rPr lang="en-US" dirty="0" err="1"/>
-              <a:t>poset</a:t>
-            </a:r>
-            <a:endParaRPr lang="en-US" dirty="0"/>
-          </a:p>
-        </p:txBody>
-      </p:sp>
-    </p:spTree>
-    <p:extLst>
-      <p:ext uri="{BB962C8B-B14F-4D97-AF65-F5344CB8AC3E}">
-        <p14:creationId xmlns:p14="http://schemas.microsoft.com/office/powerpoint/2010/main" val="386675118"/>
-      </p:ext>
-    </p:extLst>
-  </p:cSld>
-  <p:clrMapOvr>
-    <a:masterClrMapping/>
-  </p:clrMapOvr>
-</p:sld>
-</file>
-
 <file path=ppt/slides/slide15.xml><?xml version="1.0" encoding="utf-8"?>
 <p:sld xmlns:a="http://schemas.openxmlformats.org/drawingml/2006/main" xmlns:r="http://schemas.openxmlformats.org/officeDocument/2006/relationships" xmlns:p="http://schemas.openxmlformats.org/presentationml/2006/main">
   <p:cSld>
@@ -7015,7 +7385,7 @@
           <p:cNvPr id="2" name="Title 1">
             <a:extLst>
               <a:ext uri="{FF2B5EF4-FFF2-40B4-BE49-F238E27FC236}">
-                <a16:creationId xmlns:a16="http://schemas.microsoft.com/office/drawing/2014/main" id="{D9B3EB27-2AB5-476F-A9F9-644BF1B3B0C3}"/>
+                <a16:creationId xmlns:a16="http://schemas.microsoft.com/office/drawing/2014/main" id="{76948646-38EE-468C-AB20-1E74975CA4AF}"/>
               </a:ext>
             </a:extLst>
           </p:cNvPr>
@@ -7033,7 +7403,7 @@
           <a:p>
             <a:r>
               <a:rPr lang="ru-RU" dirty="0"/>
-              <a:t>Отношение эквивалентности</a:t>
+              <a:t>Аксиомы строгого частичного порядка</a:t>
             </a:r>
             <a:endParaRPr lang="en-US" dirty="0"/>
           </a:p>
@@ -7044,7 +7414,7 @@
           <p:cNvPr id="3" name="Content Placeholder 2">
             <a:extLst>
               <a:ext uri="{FF2B5EF4-FFF2-40B4-BE49-F238E27FC236}">
-                <a16:creationId xmlns:a16="http://schemas.microsoft.com/office/drawing/2014/main" id="{F2647FEE-E38A-40B0-8E3E-8FA0D718E0BF}"/>
+                <a16:creationId xmlns:a16="http://schemas.microsoft.com/office/drawing/2014/main" id="{569C8111-38ED-49DE-92F3-DBB34E75F746}"/>
               </a:ext>
             </a:extLst>
           </p:cNvPr>
@@ -7057,28 +7427,14 @@
         </p:nvSpPr>
         <p:spPr/>
         <p:txBody>
-          <a:bodyPr/>
-          <a:lstStyle/>
-          <a:p>
-            <a:r>
-              <a:rPr lang="ru-RU" dirty="0"/>
-              <a:t>С каждым компаратором связана ещё одна функция (</a:t>
-            </a:r>
-            <a:r>
-              <a:rPr lang="en-US" dirty="0"/>
-              <a:t>“</a:t>
-            </a:r>
-            <a:r>
-              <a:rPr lang="ru-RU" dirty="0"/>
-              <a:t>отношение</a:t>
-            </a:r>
-            <a:r>
-              <a:rPr lang="en-US" dirty="0"/>
-              <a:t>” </a:t>
-            </a:r>
-            <a:r>
-              <a:rPr lang="ru-RU" dirty="0"/>
-              <a:t>в терминах алгебры)</a:t>
+          <a:bodyPr>
+            <a:normAutofit/>
+          </a:bodyPr>
+          <a:lstStyle/>
+          <a:p>
+            <a:r>
+              <a:rPr lang="ru-RU" dirty="0"/>
+              <a:t>Иррефлексивность</a:t>
             </a:r>
             <a:r>
               <a:rPr lang="en-US" dirty="0"/>
@@ -7094,21 +7450,21 @@
                 <a:latin typeface="Courier New" panose="02070309020205020404" pitchFamily="49" charset="0"/>
                 <a:cs typeface="Courier New" panose="02070309020205020404" pitchFamily="49" charset="0"/>
               </a:rPr>
-              <a:t>bool </a:t>
-            </a:r>
-            <a:r>
-              <a:rPr lang="en-US" dirty="0" err="1">
-                <a:latin typeface="Courier New" panose="02070309020205020404" pitchFamily="49" charset="0"/>
-                <a:cs typeface="Courier New" panose="02070309020205020404" pitchFamily="49" charset="0"/>
-              </a:rPr>
-              <a:t>equiv</a:t>
-            </a:r>
-            <a:r>
-              <a:rPr lang="en-US" dirty="0">
-                <a:latin typeface="Courier New" panose="02070309020205020404" pitchFamily="49" charset="0"/>
-                <a:cs typeface="Courier New" panose="02070309020205020404" pitchFamily="49" charset="0"/>
-              </a:rPr>
-              <a:t>(T a, T b) {</a:t>
+              <a:t>!comp(a, a)</a:t>
+            </a:r>
+            <a:endParaRPr lang="ru-RU" dirty="0">
+              <a:latin typeface="Courier New" panose="02070309020205020404" pitchFamily="49" charset="0"/>
+              <a:cs typeface="Courier New" panose="02070309020205020404" pitchFamily="49" charset="0"/>
+            </a:endParaRPr>
+          </a:p>
+          <a:p>
+            <a:r>
+              <a:rPr lang="ru-RU" dirty="0"/>
+              <a:t>Антисимметричность</a:t>
+            </a:r>
+            <a:r>
+              <a:rPr lang="en-US" dirty="0"/>
+              <a:t>:</a:t>
             </a:r>
           </a:p>
           <a:p>
@@ -7120,7 +7476,21 @@
                 <a:latin typeface="Courier New" panose="02070309020205020404" pitchFamily="49" charset="0"/>
                 <a:cs typeface="Courier New" panose="02070309020205020404" pitchFamily="49" charset="0"/>
               </a:rPr>
-              <a:t>  return !comp(a, b) &amp;&amp; !comp(b, a);</a:t>
+              <a:t>comp(a, b) ⇒ !comp(b, a)</a:t>
+            </a:r>
+            <a:endParaRPr lang="ru-RU" dirty="0">
+              <a:latin typeface="Courier New" panose="02070309020205020404" pitchFamily="49" charset="0"/>
+              <a:cs typeface="Courier New" panose="02070309020205020404" pitchFamily="49" charset="0"/>
+            </a:endParaRPr>
+          </a:p>
+          <a:p>
+            <a:r>
+              <a:rPr lang="ru-RU" dirty="0"/>
+              <a:t>Транзитивность</a:t>
+            </a:r>
+            <a:r>
+              <a:rPr lang="en-US" dirty="0"/>
+              <a:t>:</a:t>
             </a:r>
           </a:p>
           <a:p>
@@ -7132,55 +7502,57 @@
                 <a:latin typeface="Courier New" panose="02070309020205020404" pitchFamily="49" charset="0"/>
                 <a:cs typeface="Courier New" panose="02070309020205020404" pitchFamily="49" charset="0"/>
               </a:rPr>
-              <a:t>}</a:t>
-            </a:r>
-          </a:p>
-          <a:p>
-            <a:r>
-              <a:rPr lang="ru-RU" dirty="0"/>
-              <a:t>Отношение эквивалентности или несравнимости (</a:t>
-            </a:r>
-            <a:r>
-              <a:rPr lang="en-US" dirty="0"/>
-              <a:t>incomparability)</a:t>
-            </a:r>
-          </a:p>
-          <a:p>
-            <a:r>
-              <a:rPr lang="ru-RU" dirty="0"/>
-              <a:t>Показывает что два элемента </a:t>
-            </a:r>
-            <a:r>
-              <a:rPr lang="en-US" dirty="0"/>
-              <a:t>“</a:t>
-            </a:r>
-            <a:r>
-              <a:rPr lang="ru-RU" dirty="0"/>
-              <a:t>неразличимы</a:t>
-            </a:r>
-            <a:r>
-              <a:rPr lang="en-US" dirty="0"/>
-              <a:t>” </a:t>
-            </a:r>
-            <a:r>
-              <a:rPr lang="ru-RU" dirty="0"/>
-              <a:t>с точки зрения компаратора</a:t>
-            </a:r>
-          </a:p>
-          <a:p>
-            <a:r>
-              <a:rPr lang="ru-RU" dirty="0"/>
-              <a:t>Похоже на оператор равенства, но вообще говоря отличается от </a:t>
-            </a:r>
-            <a:r>
-              <a:rPr lang="en-US" dirty="0">
-                <a:latin typeface="Courier New" panose="02070309020205020404" pitchFamily="49" charset="0"/>
-                <a:cs typeface="Courier New" panose="02070309020205020404" pitchFamily="49" charset="0"/>
-              </a:rPr>
-              <a:t>operator==</a:t>
-            </a:r>
-          </a:p>
-          <a:p>
+              <a:t>comp(a, b) &amp;&amp; comp(b, c) ⇒ comp(a, c)</a:t>
+            </a:r>
+            <a:endParaRPr lang="ru-RU" dirty="0">
+              <a:latin typeface="Courier New" panose="02070309020205020404" pitchFamily="49" charset="0"/>
+              <a:cs typeface="Courier New" panose="02070309020205020404" pitchFamily="49" charset="0"/>
+            </a:endParaRPr>
+          </a:p>
+          <a:p>
+            <a:r>
+              <a:rPr lang="ru-RU" dirty="0"/>
+              <a:t>В алгебре такие компараторы называют </a:t>
+            </a:r>
+            <a:r>
+              <a:rPr lang="ru-RU" i="1" dirty="0"/>
+              <a:t>строгими частичными порядками</a:t>
+            </a:r>
+            <a:r>
+              <a:rPr lang="en-US" dirty="0"/>
+              <a:t>, </a:t>
+            </a:r>
+            <a:r>
+              <a:rPr lang="ru-RU" dirty="0"/>
+              <a:t>а соответствующие множества – </a:t>
+            </a:r>
+            <a:r>
+              <a:rPr lang="ru-RU" i="1" dirty="0"/>
+              <a:t>частично упорядоченными </a:t>
+            </a:r>
+            <a:r>
+              <a:rPr lang="en-US" dirty="0"/>
+              <a:t>(partially ordered)</a:t>
+            </a:r>
+          </a:p>
+          <a:p>
+            <a:pPr lvl="1"/>
+            <a:r>
+              <a:rPr lang="ru-RU" dirty="0"/>
+              <a:t>Кратко</a:t>
+            </a:r>
+            <a:r>
+              <a:rPr lang="en-US" dirty="0"/>
+              <a:t>: </a:t>
+            </a:r>
+            <a:r>
+              <a:rPr lang="ru-RU" dirty="0"/>
+              <a:t>ЧУМ или </a:t>
+            </a:r>
+            <a:r>
+              <a:rPr lang="en-US" dirty="0" err="1"/>
+              <a:t>poset</a:t>
+            </a:r>
             <a:endParaRPr lang="en-US" dirty="0"/>
           </a:p>
         </p:txBody>
@@ -7188,7 +7560,7 @@
     </p:spTree>
     <p:extLst>
       <p:ext uri="{BB962C8B-B14F-4D97-AF65-F5344CB8AC3E}">
-        <p14:creationId xmlns:p14="http://schemas.microsoft.com/office/powerpoint/2010/main" val="414867811"/>
+        <p14:creationId xmlns:p14="http://schemas.microsoft.com/office/powerpoint/2010/main" val="386675118"/>
       </p:ext>
     </p:extLst>
   </p:cSld>
@@ -7220,6 +7592,211 @@
           <p:cNvPr id="2" name="Title 1">
             <a:extLst>
               <a:ext uri="{FF2B5EF4-FFF2-40B4-BE49-F238E27FC236}">
+                <a16:creationId xmlns:a16="http://schemas.microsoft.com/office/drawing/2014/main" id="{D9B3EB27-2AB5-476F-A9F9-644BF1B3B0C3}"/>
+              </a:ext>
+            </a:extLst>
+          </p:cNvPr>
+          <p:cNvSpPr>
+            <a:spLocks noGrp="1"/>
+          </p:cNvSpPr>
+          <p:nvPr>
+            <p:ph type="title"/>
+          </p:nvPr>
+        </p:nvSpPr>
+        <p:spPr/>
+        <p:txBody>
+          <a:bodyPr/>
+          <a:lstStyle/>
+          <a:p>
+            <a:r>
+              <a:rPr lang="ru-RU" dirty="0"/>
+              <a:t>Отношение эквивалентности</a:t>
+            </a:r>
+            <a:endParaRPr lang="en-US" dirty="0"/>
+          </a:p>
+        </p:txBody>
+      </p:sp>
+      <p:sp>
+        <p:nvSpPr>
+          <p:cNvPr id="3" name="Content Placeholder 2">
+            <a:extLst>
+              <a:ext uri="{FF2B5EF4-FFF2-40B4-BE49-F238E27FC236}">
+                <a16:creationId xmlns:a16="http://schemas.microsoft.com/office/drawing/2014/main" id="{F2647FEE-E38A-40B0-8E3E-8FA0D718E0BF}"/>
+              </a:ext>
+            </a:extLst>
+          </p:cNvPr>
+          <p:cNvSpPr>
+            <a:spLocks noGrp="1"/>
+          </p:cNvSpPr>
+          <p:nvPr>
+            <p:ph idx="1"/>
+          </p:nvPr>
+        </p:nvSpPr>
+        <p:spPr/>
+        <p:txBody>
+          <a:bodyPr/>
+          <a:lstStyle/>
+          <a:p>
+            <a:r>
+              <a:rPr lang="ru-RU" dirty="0"/>
+              <a:t>С каждым компаратором связана ещё одна функция (</a:t>
+            </a:r>
+            <a:r>
+              <a:rPr lang="en-US" dirty="0"/>
+              <a:t>“</a:t>
+            </a:r>
+            <a:r>
+              <a:rPr lang="ru-RU" dirty="0"/>
+              <a:t>отношение</a:t>
+            </a:r>
+            <a:r>
+              <a:rPr lang="en-US" dirty="0"/>
+              <a:t>” </a:t>
+            </a:r>
+            <a:r>
+              <a:rPr lang="ru-RU" dirty="0"/>
+              <a:t>в терминах алгебры)</a:t>
+            </a:r>
+            <a:r>
+              <a:rPr lang="en-US" dirty="0"/>
+              <a:t>:</a:t>
+            </a:r>
+          </a:p>
+          <a:p>
+            <a:pPr marL="457200" lvl="1" indent="0">
+              <a:buNone/>
+            </a:pPr>
+            <a:r>
+              <a:rPr lang="en-US" dirty="0">
+                <a:latin typeface="Courier New" panose="02070309020205020404" pitchFamily="49" charset="0"/>
+                <a:cs typeface="Courier New" panose="02070309020205020404" pitchFamily="49" charset="0"/>
+              </a:rPr>
+              <a:t>bool </a:t>
+            </a:r>
+            <a:r>
+              <a:rPr lang="en-US" dirty="0" err="1">
+                <a:latin typeface="Courier New" panose="02070309020205020404" pitchFamily="49" charset="0"/>
+                <a:cs typeface="Courier New" panose="02070309020205020404" pitchFamily="49" charset="0"/>
+              </a:rPr>
+              <a:t>equiv</a:t>
+            </a:r>
+            <a:r>
+              <a:rPr lang="en-US" dirty="0">
+                <a:latin typeface="Courier New" panose="02070309020205020404" pitchFamily="49" charset="0"/>
+                <a:cs typeface="Courier New" panose="02070309020205020404" pitchFamily="49" charset="0"/>
+              </a:rPr>
+              <a:t>(T a, T b) {</a:t>
+            </a:r>
+          </a:p>
+          <a:p>
+            <a:pPr marL="457200" lvl="1" indent="0">
+              <a:buNone/>
+            </a:pPr>
+            <a:r>
+              <a:rPr lang="en-US" dirty="0">
+                <a:latin typeface="Courier New" panose="02070309020205020404" pitchFamily="49" charset="0"/>
+                <a:cs typeface="Courier New" panose="02070309020205020404" pitchFamily="49" charset="0"/>
+              </a:rPr>
+              <a:t>  return !comp(a, b) &amp;&amp; !comp(b, a);</a:t>
+            </a:r>
+          </a:p>
+          <a:p>
+            <a:pPr marL="457200" lvl="1" indent="0">
+              <a:buNone/>
+            </a:pPr>
+            <a:r>
+              <a:rPr lang="en-US" dirty="0">
+                <a:latin typeface="Courier New" panose="02070309020205020404" pitchFamily="49" charset="0"/>
+                <a:cs typeface="Courier New" panose="02070309020205020404" pitchFamily="49" charset="0"/>
+              </a:rPr>
+              <a:t>}</a:t>
+            </a:r>
+          </a:p>
+          <a:p>
+            <a:r>
+              <a:rPr lang="ru-RU" dirty="0"/>
+              <a:t>Отношение эквивалентности или несравнимости (</a:t>
+            </a:r>
+            <a:r>
+              <a:rPr lang="en-US" dirty="0"/>
+              <a:t>incomparability)</a:t>
+            </a:r>
+          </a:p>
+          <a:p>
+            <a:r>
+              <a:rPr lang="ru-RU" dirty="0"/>
+              <a:t>Показывает что два элемента </a:t>
+            </a:r>
+            <a:r>
+              <a:rPr lang="en-US" dirty="0"/>
+              <a:t>“</a:t>
+            </a:r>
+            <a:r>
+              <a:rPr lang="ru-RU" dirty="0"/>
+              <a:t>неразличимы</a:t>
+            </a:r>
+            <a:r>
+              <a:rPr lang="en-US" dirty="0"/>
+              <a:t>” </a:t>
+            </a:r>
+            <a:r>
+              <a:rPr lang="ru-RU" dirty="0"/>
+              <a:t>с точки зрения компаратора</a:t>
+            </a:r>
+          </a:p>
+          <a:p>
+            <a:r>
+              <a:rPr lang="ru-RU" dirty="0"/>
+              <a:t>Похоже на оператор равенства, но вообще говоря отличается от </a:t>
+            </a:r>
+            <a:r>
+              <a:rPr lang="en-US" dirty="0">
+                <a:latin typeface="Courier New" panose="02070309020205020404" pitchFamily="49" charset="0"/>
+                <a:cs typeface="Courier New" panose="02070309020205020404" pitchFamily="49" charset="0"/>
+              </a:rPr>
+              <a:t>operator==</a:t>
+            </a:r>
+          </a:p>
+          <a:p>
+            <a:endParaRPr lang="en-US" dirty="0"/>
+          </a:p>
+        </p:txBody>
+      </p:sp>
+    </p:spTree>
+    <p:extLst>
+      <p:ext uri="{BB962C8B-B14F-4D97-AF65-F5344CB8AC3E}">
+        <p14:creationId xmlns:p14="http://schemas.microsoft.com/office/powerpoint/2010/main" val="414867811"/>
+      </p:ext>
+    </p:extLst>
+  </p:cSld>
+  <p:clrMapOvr>
+    <a:masterClrMapping/>
+  </p:clrMapOvr>
+</p:sld>
+</file>
+
+<file path=ppt/slides/slide17.xml><?xml version="1.0" encoding="utf-8"?>
+<p:sld xmlns:a="http://schemas.openxmlformats.org/drawingml/2006/main" xmlns:r="http://schemas.openxmlformats.org/officeDocument/2006/relationships" xmlns:p="http://schemas.openxmlformats.org/presentationml/2006/main">
+  <p:cSld>
+    <p:spTree>
+      <p:nvGrpSpPr>
+        <p:cNvPr id="1" name=""/>
+        <p:cNvGrpSpPr/>
+        <p:nvPr/>
+      </p:nvGrpSpPr>
+      <p:grpSpPr>
+        <a:xfrm>
+          <a:off x="0" y="0"/>
+          <a:ext cx="0" cy="0"/>
+          <a:chOff x="0" y="0"/>
+          <a:chExt cx="0" cy="0"/>
+        </a:xfrm>
+      </p:grpSpPr>
+      <p:sp>
+        <p:nvSpPr>
+          <p:cNvPr id="2" name="Title 1">
+            <a:extLst>
+              <a:ext uri="{FF2B5EF4-FFF2-40B4-BE49-F238E27FC236}">
                 <a16:creationId xmlns:a16="http://schemas.microsoft.com/office/drawing/2014/main" id="{0FBEC1D7-AEBD-4C51-8317-67C278B2D6D7}"/>
               </a:ext>
             </a:extLst>
@@ -7361,7 +7938,7 @@
 </p:sld>
 </file>
 
-<file path=ppt/slides/slide17.xml><?xml version="1.0" encoding="utf-8"?>
+<file path=ppt/slides/slide18.xml><?xml version="1.0" encoding="utf-8"?>
 <p:sld xmlns:a="http://schemas.openxmlformats.org/drawingml/2006/main" xmlns:r="http://schemas.openxmlformats.org/officeDocument/2006/relationships" xmlns:p="http://schemas.openxmlformats.org/presentationml/2006/main">
   <p:cSld>
     <p:spTree>
@@ -7582,153 +8159,6 @@
 </p:sld>
 </file>
 
-<file path=ppt/slides/slide18.xml><?xml version="1.0" encoding="utf-8"?>
-<p:sld xmlns:a="http://schemas.openxmlformats.org/drawingml/2006/main" xmlns:r="http://schemas.openxmlformats.org/officeDocument/2006/relationships" xmlns:p="http://schemas.openxmlformats.org/presentationml/2006/main">
-  <p:cSld>
-    <p:spTree>
-      <p:nvGrpSpPr>
-        <p:cNvPr id="1" name=""/>
-        <p:cNvGrpSpPr/>
-        <p:nvPr/>
-      </p:nvGrpSpPr>
-      <p:grpSpPr>
-        <a:xfrm>
-          <a:off x="0" y="0"/>
-          <a:ext cx="0" cy="0"/>
-          <a:chOff x="0" y="0"/>
-          <a:chExt cx="0" cy="0"/>
-        </a:xfrm>
-      </p:grpSpPr>
-      <p:sp>
-        <p:nvSpPr>
-          <p:cNvPr id="2" name="Title 1">
-            <a:extLst>
-              <a:ext uri="{FF2B5EF4-FFF2-40B4-BE49-F238E27FC236}">
-                <a16:creationId xmlns:a16="http://schemas.microsoft.com/office/drawing/2014/main" id="{4BA97619-DDC6-4F74-B99B-C800912CE105}"/>
-              </a:ext>
-            </a:extLst>
-          </p:cNvPr>
-          <p:cNvSpPr>
-            <a:spLocks noGrp="1"/>
-          </p:cNvSpPr>
-          <p:nvPr>
-            <p:ph type="title"/>
-          </p:nvPr>
-        </p:nvSpPr>
-        <p:spPr/>
-        <p:txBody>
-          <a:bodyPr/>
-          <a:lstStyle/>
-          <a:p>
-            <a:r>
-              <a:rPr lang="en-US" dirty="0"/>
-              <a:t>Strict weak ordering</a:t>
-            </a:r>
-          </a:p>
-        </p:txBody>
-      </p:sp>
-      <p:sp>
-        <p:nvSpPr>
-          <p:cNvPr id="3" name="Content Placeholder 2">
-            <a:extLst>
-              <a:ext uri="{FF2B5EF4-FFF2-40B4-BE49-F238E27FC236}">
-                <a16:creationId xmlns:a16="http://schemas.microsoft.com/office/drawing/2014/main" id="{1071FC44-D3D9-40D7-B761-835BFC04994F}"/>
-              </a:ext>
-            </a:extLst>
-          </p:cNvPr>
-          <p:cNvSpPr>
-            <a:spLocks noGrp="1"/>
-          </p:cNvSpPr>
-          <p:nvPr>
-            <p:ph idx="1"/>
-          </p:nvPr>
-        </p:nvSpPr>
-        <p:spPr/>
-        <p:txBody>
-          <a:bodyPr>
-            <a:normAutofit/>
-          </a:bodyPr>
-          <a:lstStyle/>
-          <a:p>
-            <a:r>
-              <a:rPr lang="ru-RU" dirty="0"/>
-              <a:t>Частичный порядок + транзитивность эквивалентности = строгий слабый порядок</a:t>
-            </a:r>
-            <a:r>
-              <a:rPr lang="en-US" dirty="0"/>
-              <a:t> (strict weak ordering)</a:t>
-            </a:r>
-            <a:endParaRPr lang="ru-RU" dirty="0"/>
-          </a:p>
-          <a:p>
-            <a:r>
-              <a:rPr lang="ru-RU" dirty="0"/>
-              <a:t>Выдержки из </a:t>
-            </a:r>
-            <a:r>
-              <a:rPr lang="en-US" dirty="0"/>
-              <a:t>n4868:</a:t>
-            </a:r>
-          </a:p>
-          <a:p>
-            <a:pPr lvl="1"/>
-            <a:r>
-              <a:rPr lang="en-US" dirty="0" err="1"/>
-              <a:t>alg.sorting</a:t>
-            </a:r>
-            <a:r>
-              <a:rPr lang="en-US" dirty="0"/>
-              <a:t>:</a:t>
-            </a:r>
-          </a:p>
-          <a:p>
-            <a:pPr lvl="2"/>
-            <a:r>
-              <a:rPr lang="en-US" dirty="0"/>
-              <a:t>For algorithms other than those described in [</a:t>
-            </a:r>
-            <a:r>
-              <a:rPr lang="en-US" dirty="0" err="1"/>
-              <a:t>alg.binary.search</a:t>
-            </a:r>
-            <a:r>
-              <a:rPr lang="en-US" dirty="0"/>
-              <a:t>], comp shall induce a strict weak ordering on the values.</a:t>
-            </a:r>
-          </a:p>
-          <a:p>
-            <a:pPr lvl="1"/>
-            <a:r>
-              <a:rPr lang="en-US" dirty="0" err="1"/>
-              <a:t>utility.arg.requirements</a:t>
-            </a:r>
-            <a:r>
-              <a:rPr lang="en-US" dirty="0"/>
-              <a:t> (Cpp17LessThanComparable):</a:t>
-            </a:r>
-          </a:p>
-          <a:p>
-            <a:pPr lvl="2"/>
-            <a:r>
-              <a:rPr lang="en-US" dirty="0"/>
-              <a:t>&lt; is a strict weak ordering relation</a:t>
-            </a:r>
-          </a:p>
-        </p:txBody>
-      </p:sp>
-    </p:spTree>
-    <p:extLst>
-      <p:ext uri="{BB962C8B-B14F-4D97-AF65-F5344CB8AC3E}">
-        <p14:creationId xmlns:p14="http://schemas.microsoft.com/office/powerpoint/2010/main" val="1531263686"/>
-      </p:ext>
-    </p:extLst>
-  </p:cSld>
-  <p:clrMapOvr>
-    <a:masterClrMapping/>
-  </p:clrMapOvr>
-</p:sld>
-</file>
-
 <file path=ppt/slides/slide19.xml><?xml version="1.0" encoding="utf-8"?>
 <p:sld xmlns:a="http://schemas.openxmlformats.org/drawingml/2006/main" xmlns:r="http://schemas.openxmlformats.org/officeDocument/2006/relationships" xmlns:p="http://schemas.openxmlformats.org/presentationml/2006/main">
   <p:cSld>
@@ -7751,7 +8181,7 @@
           <p:cNvPr id="2" name="Title 1">
             <a:extLst>
               <a:ext uri="{FF2B5EF4-FFF2-40B4-BE49-F238E27FC236}">
-                <a16:creationId xmlns:a16="http://schemas.microsoft.com/office/drawing/2014/main" id="{8688857A-E774-4509-90D8-4A071F2E5E9A}"/>
+                <a16:creationId xmlns:a16="http://schemas.microsoft.com/office/drawing/2014/main" id="{4BA97619-DDC6-4F74-B99B-C800912CE105}"/>
               </a:ext>
             </a:extLst>
           </p:cNvPr>
@@ -7769,15 +8199,7 @@
           <a:p>
             <a:r>
               <a:rPr lang="en-US" dirty="0"/>
-              <a:t>Spaceship-</a:t>
-            </a:r>
-            <a:r>
-              <a:rPr lang="ru-RU" dirty="0"/>
-              <a:t>оператор и другие виды порядков в </a:t>
-            </a:r>
-            <a:r>
-              <a:rPr lang="en-US" dirty="0"/>
-              <a:t>C++20</a:t>
+              <a:t>Strict weak ordering</a:t>
             </a:r>
           </a:p>
         </p:txBody>
@@ -7787,7 +8209,7 @@
           <p:cNvPr id="3" name="Content Placeholder 2">
             <a:extLst>
               <a:ext uri="{FF2B5EF4-FFF2-40B4-BE49-F238E27FC236}">
-                <a16:creationId xmlns:a16="http://schemas.microsoft.com/office/drawing/2014/main" id="{307FF75E-2822-418C-8FC5-721C16E8F14E}"/>
+                <a16:creationId xmlns:a16="http://schemas.microsoft.com/office/drawing/2014/main" id="{1071FC44-D3D9-40D7-B761-835BFC04994F}"/>
               </a:ext>
             </a:extLst>
           </p:cNvPr>
@@ -7801,63 +8223,35 @@
         <p:spPr/>
         <p:txBody>
           <a:bodyPr>
-            <a:normAutofit lnSpcReduction="10000"/>
+            <a:normAutofit/>
           </a:bodyPr>
           <a:lstStyle/>
           <a:p>
             <a:r>
               <a:rPr lang="ru-RU" dirty="0"/>
-              <a:t>Стандарт движется в сторону явного представления понятия порядка в языке</a:t>
-            </a:r>
-          </a:p>
-          <a:p>
-            <a:r>
-              <a:rPr lang="ru-RU" dirty="0"/>
-              <a:t>В </a:t>
-            </a:r>
-            <a:r>
-              <a:rPr lang="en-US" dirty="0"/>
-              <a:t>C++20 </a:t>
-            </a:r>
-            <a:r>
-              <a:rPr lang="ru-RU" dirty="0"/>
-              <a:t>введён новый тип оператор сравнения</a:t>
-            </a:r>
-            <a:r>
-              <a:rPr lang="en-US" dirty="0"/>
-              <a:t>: </a:t>
-            </a:r>
-            <a:r>
-              <a:rPr lang="en-US" dirty="0">
-                <a:latin typeface="Courier New" panose="02070309020205020404" pitchFamily="49" charset="0"/>
-                <a:cs typeface="Courier New" panose="02070309020205020404" pitchFamily="49" charset="0"/>
-              </a:rPr>
-              <a:t>operator&lt;=&gt;</a:t>
+              <a:t>Частичный порядок + транзитивность эквивалентности = строгий слабый порядок</a:t>
+            </a:r>
+            <a:r>
+              <a:rPr lang="en-US" dirty="0"/>
+              <a:t> (strict weak ordering)</a:t>
+            </a:r>
+            <a:endParaRPr lang="ru-RU" dirty="0"/>
+          </a:p>
+          <a:p>
+            <a:r>
+              <a:rPr lang="ru-RU" dirty="0"/>
+              <a:t>Выдержки из </a:t>
+            </a:r>
+            <a:r>
+              <a:rPr lang="en-US" dirty="0"/>
+              <a:t>n4868:</a:t>
             </a:r>
           </a:p>
           <a:p>
             <a:pPr lvl="1"/>
             <a:r>
-              <a:rPr lang="ru-RU" dirty="0"/>
-              <a:t>Сокращает объём кода для реализации всех операторов сравнения (</a:t>
-            </a:r>
-            <a:r>
-              <a:rPr lang="en-US" dirty="0"/>
-              <a:t>==, !=, &lt;, &gt;, &lt;=, &gt;=)</a:t>
-            </a:r>
-          </a:p>
-          <a:p>
-            <a:r>
-              <a:rPr lang="ru-RU" dirty="0"/>
-              <a:t>Может возвращать значение одного из 3 типов</a:t>
-            </a:r>
-            <a:r>
-              <a:rPr lang="en-US" dirty="0"/>
-              <a:t> (comparison categories)</a:t>
-            </a:r>
-            <a:r>
-              <a:rPr lang="ru-RU" dirty="0"/>
-              <a:t> в зависимости от вида порядка, реализуемого классом</a:t>
+              <a:rPr lang="en-US" dirty="0" err="1"/>
+              <a:t>alg.sorting</a:t>
             </a:r>
             <a:r>
               <a:rPr lang="en-US" dirty="0"/>
@@ -7865,121 +8259,44 @@
             </a:r>
           </a:p>
           <a:p>
+            <a:pPr lvl="2"/>
+            <a:r>
+              <a:rPr lang="en-US" dirty="0"/>
+              <a:t>For algorithms other than those described in [</a:t>
+            </a:r>
+            <a:r>
+              <a:rPr lang="en-US" dirty="0" err="1"/>
+              <a:t>alg.binary.search</a:t>
+            </a:r>
+            <a:r>
+              <a:rPr lang="en-US" dirty="0"/>
+              <a:t>], comp shall induce a strict weak ordering on the values.</a:t>
+            </a:r>
+          </a:p>
+          <a:p>
             <a:pPr lvl="1"/>
             <a:r>
-              <a:rPr lang="en-US" dirty="0">
-                <a:latin typeface="Courier New" panose="02070309020205020404" pitchFamily="49" charset="0"/>
-                <a:cs typeface="Courier New" panose="02070309020205020404" pitchFamily="49" charset="0"/>
-              </a:rPr>
-              <a:t>std::</a:t>
-            </a:r>
-            <a:r>
-              <a:rPr lang="en-US" dirty="0" err="1">
-                <a:latin typeface="Courier New" panose="02070309020205020404" pitchFamily="49" charset="0"/>
-                <a:cs typeface="Courier New" panose="02070309020205020404" pitchFamily="49" charset="0"/>
-              </a:rPr>
-              <a:t>partial_ordering</a:t>
-            </a:r>
-            <a:r>
-              <a:rPr lang="en-US" dirty="0">
-                <a:latin typeface="Courier New" panose="02070309020205020404" pitchFamily="49" charset="0"/>
-                <a:cs typeface="Courier New" panose="02070309020205020404" pitchFamily="49" charset="0"/>
-              </a:rPr>
-              <a:t> </a:t>
-            </a:r>
-            <a:r>
-              <a:rPr lang="en-US" dirty="0"/>
-              <a:t>(</a:t>
-            </a:r>
-            <a:r>
-              <a:rPr lang="ru-RU" dirty="0"/>
-              <a:t>первые три аксиомы)</a:t>
-            </a:r>
-            <a:endParaRPr lang="en-US" dirty="0"/>
-          </a:p>
-          <a:p>
-            <a:pPr lvl="1"/>
-            <a:r>
-              <a:rPr lang="en-US" dirty="0">
-                <a:latin typeface="Courier New" panose="02070309020205020404" pitchFamily="49" charset="0"/>
-                <a:cs typeface="Courier New" panose="02070309020205020404" pitchFamily="49" charset="0"/>
-              </a:rPr>
-              <a:t>std::</a:t>
-            </a:r>
-            <a:r>
-              <a:rPr lang="en-US" dirty="0" err="1">
-                <a:latin typeface="Courier New" panose="02070309020205020404" pitchFamily="49" charset="0"/>
-                <a:cs typeface="Courier New" panose="02070309020205020404" pitchFamily="49" charset="0"/>
-              </a:rPr>
-              <a:t>weak_ordering</a:t>
-            </a:r>
-            <a:r>
-              <a:rPr lang="ru-RU" dirty="0">
-                <a:latin typeface="Courier New" panose="02070309020205020404" pitchFamily="49" charset="0"/>
-                <a:cs typeface="Courier New" panose="02070309020205020404" pitchFamily="49" charset="0"/>
-              </a:rPr>
-              <a:t> </a:t>
-            </a:r>
-            <a:r>
-              <a:rPr lang="ru-RU" dirty="0"/>
-              <a:t>(то же + транзитивность эквивалентности)</a:t>
-            </a:r>
-            <a:endParaRPr lang="en-US" dirty="0"/>
-          </a:p>
-          <a:p>
-            <a:pPr lvl="1"/>
-            <a:r>
-              <a:rPr lang="en-US" dirty="0">
-                <a:latin typeface="Courier New" panose="02070309020205020404" pitchFamily="49" charset="0"/>
-                <a:cs typeface="Courier New" panose="02070309020205020404" pitchFamily="49" charset="0"/>
-              </a:rPr>
-              <a:t>std::</a:t>
-            </a:r>
-            <a:r>
-              <a:rPr lang="en-US" dirty="0" err="1">
-                <a:latin typeface="Courier New" panose="02070309020205020404" pitchFamily="49" charset="0"/>
-                <a:cs typeface="Courier New" panose="02070309020205020404" pitchFamily="49" charset="0"/>
-              </a:rPr>
-              <a:t>strong_ordering</a:t>
-            </a:r>
-            <a:r>
-              <a:rPr lang="ru-RU" dirty="0">
-                <a:latin typeface="Courier New" panose="02070309020205020404" pitchFamily="49" charset="0"/>
-                <a:cs typeface="Courier New" panose="02070309020205020404" pitchFamily="49" charset="0"/>
-              </a:rPr>
-              <a:t> </a:t>
-            </a:r>
-            <a:r>
-              <a:rPr lang="ru-RU" dirty="0"/>
-              <a:t>(то же + подстановка </a:t>
-            </a:r>
-            <a:r>
-              <a:rPr lang="en-US" dirty="0"/>
-              <a:t>“</a:t>
-            </a:r>
-            <a:r>
-              <a:rPr lang="ru-RU" dirty="0"/>
-              <a:t>равных</a:t>
-            </a:r>
-            <a:r>
-              <a:rPr lang="en-US" dirty="0"/>
-              <a:t>”</a:t>
-            </a:r>
-            <a:r>
-              <a:rPr lang="ru-RU" dirty="0"/>
-              <a:t> элементов)</a:t>
-            </a:r>
-            <a:endParaRPr lang="en-US" dirty="0"/>
-          </a:p>
-          <a:p>
-            <a:endParaRPr lang="en-US" dirty="0"/>
+              <a:rPr lang="en-US" dirty="0" err="1"/>
+              <a:t>utility.arg.requirements</a:t>
+            </a:r>
+            <a:r>
+              <a:rPr lang="en-US" dirty="0"/>
+              <a:t> (Cpp17LessThanComparable):</a:t>
+            </a:r>
+          </a:p>
+          <a:p>
+            <a:pPr lvl="2"/>
+            <a:r>
+              <a:rPr lang="en-US" dirty="0"/>
+              <a:t>&lt; is a strict weak ordering relation</a:t>
+            </a:r>
           </a:p>
         </p:txBody>
       </p:sp>
     </p:spTree>
     <p:extLst>
       <p:ext uri="{BB962C8B-B14F-4D97-AF65-F5344CB8AC3E}">
-        <p14:creationId xmlns:p14="http://schemas.microsoft.com/office/powerpoint/2010/main" val="630358958"/>
+        <p14:creationId xmlns:p14="http://schemas.microsoft.com/office/powerpoint/2010/main" val="1531263686"/>
       </p:ext>
     </p:extLst>
   </p:cSld>
@@ -8180,6 +8497,266 @@
           <p:cNvPr id="2" name="Title 1">
             <a:extLst>
               <a:ext uri="{FF2B5EF4-FFF2-40B4-BE49-F238E27FC236}">
+                <a16:creationId xmlns:a16="http://schemas.microsoft.com/office/drawing/2014/main" id="{8688857A-E774-4509-90D8-4A071F2E5E9A}"/>
+              </a:ext>
+            </a:extLst>
+          </p:cNvPr>
+          <p:cNvSpPr>
+            <a:spLocks noGrp="1"/>
+          </p:cNvSpPr>
+          <p:nvPr>
+            <p:ph type="title"/>
+          </p:nvPr>
+        </p:nvSpPr>
+        <p:spPr/>
+        <p:txBody>
+          <a:bodyPr/>
+          <a:lstStyle/>
+          <a:p>
+            <a:r>
+              <a:rPr lang="en-US" dirty="0"/>
+              <a:t>Spaceship-</a:t>
+            </a:r>
+            <a:r>
+              <a:rPr lang="ru-RU" dirty="0"/>
+              <a:t>оператор и другие виды порядков в </a:t>
+            </a:r>
+            <a:r>
+              <a:rPr lang="en-US" dirty="0"/>
+              <a:t>C++20</a:t>
+            </a:r>
+          </a:p>
+        </p:txBody>
+      </p:sp>
+      <p:sp>
+        <p:nvSpPr>
+          <p:cNvPr id="3" name="Content Placeholder 2">
+            <a:extLst>
+              <a:ext uri="{FF2B5EF4-FFF2-40B4-BE49-F238E27FC236}">
+                <a16:creationId xmlns:a16="http://schemas.microsoft.com/office/drawing/2014/main" id="{307FF75E-2822-418C-8FC5-721C16E8F14E}"/>
+              </a:ext>
+            </a:extLst>
+          </p:cNvPr>
+          <p:cNvSpPr>
+            <a:spLocks noGrp="1"/>
+          </p:cNvSpPr>
+          <p:nvPr>
+            <p:ph idx="1"/>
+          </p:nvPr>
+        </p:nvSpPr>
+        <p:spPr/>
+        <p:txBody>
+          <a:bodyPr>
+            <a:normAutofit lnSpcReduction="10000"/>
+          </a:bodyPr>
+          <a:lstStyle/>
+          <a:p>
+            <a:r>
+              <a:rPr lang="ru-RU" dirty="0"/>
+              <a:t>Стандарт движется в сторону явного представления понятия порядка в языке</a:t>
+            </a:r>
+          </a:p>
+          <a:p>
+            <a:r>
+              <a:rPr lang="ru-RU" dirty="0"/>
+              <a:t>В </a:t>
+            </a:r>
+            <a:r>
+              <a:rPr lang="en-US" dirty="0"/>
+              <a:t>C++20 </a:t>
+            </a:r>
+            <a:r>
+              <a:rPr lang="ru-RU" dirty="0"/>
+              <a:t>введён новый тип оператор сравнения</a:t>
+            </a:r>
+            <a:r>
+              <a:rPr lang="en-US" dirty="0"/>
+              <a:t>: </a:t>
+            </a:r>
+            <a:r>
+              <a:rPr lang="en-US" dirty="0">
+                <a:latin typeface="Courier New" panose="02070309020205020404" pitchFamily="49" charset="0"/>
+                <a:cs typeface="Courier New" panose="02070309020205020404" pitchFamily="49" charset="0"/>
+              </a:rPr>
+              <a:t>operator&lt;=&gt;</a:t>
+            </a:r>
+          </a:p>
+          <a:p>
+            <a:pPr lvl="1"/>
+            <a:r>
+              <a:rPr lang="ru-RU" dirty="0"/>
+              <a:t>Сокращает объём кода для реализации всех операторов сравнения (</a:t>
+            </a:r>
+            <a:r>
+              <a:rPr lang="en-US" dirty="0"/>
+              <a:t>==, !=, &lt;, &gt;, &lt;=, &gt;=)</a:t>
+            </a:r>
+          </a:p>
+          <a:p>
+            <a:r>
+              <a:rPr lang="ru-RU" dirty="0"/>
+              <a:t>Может возвращать значение одного из 3 типов</a:t>
+            </a:r>
+            <a:r>
+              <a:rPr lang="en-US" dirty="0"/>
+              <a:t> (comparison categories)</a:t>
+            </a:r>
+            <a:r>
+              <a:rPr lang="ru-RU" dirty="0"/>
+              <a:t> в зависимости от вида порядка, реализуемого классом</a:t>
+            </a:r>
+            <a:r>
+              <a:rPr lang="en-US" dirty="0"/>
+              <a:t>:</a:t>
+            </a:r>
+          </a:p>
+          <a:p>
+            <a:pPr lvl="1"/>
+            <a:r>
+              <a:rPr lang="en-US" dirty="0">
+                <a:latin typeface="Courier New" panose="02070309020205020404" pitchFamily="49" charset="0"/>
+                <a:cs typeface="Courier New" panose="02070309020205020404" pitchFamily="49" charset="0"/>
+              </a:rPr>
+              <a:t>std::</a:t>
+            </a:r>
+            <a:r>
+              <a:rPr lang="en-US" dirty="0" err="1">
+                <a:latin typeface="Courier New" panose="02070309020205020404" pitchFamily="49" charset="0"/>
+                <a:cs typeface="Courier New" panose="02070309020205020404" pitchFamily="49" charset="0"/>
+              </a:rPr>
+              <a:t>partial_ordering</a:t>
+            </a:r>
+            <a:r>
+              <a:rPr lang="en-US" dirty="0">
+                <a:latin typeface="Courier New" panose="02070309020205020404" pitchFamily="49" charset="0"/>
+                <a:cs typeface="Courier New" panose="02070309020205020404" pitchFamily="49" charset="0"/>
+              </a:rPr>
+              <a:t> </a:t>
+            </a:r>
+            <a:r>
+              <a:rPr lang="en-US" dirty="0"/>
+              <a:t>(</a:t>
+            </a:r>
+            <a:r>
+              <a:rPr lang="ru-RU" dirty="0"/>
+              <a:t>первые три аксиомы)</a:t>
+            </a:r>
+            <a:endParaRPr lang="en-US" dirty="0"/>
+          </a:p>
+          <a:p>
+            <a:pPr lvl="1"/>
+            <a:r>
+              <a:rPr lang="en-US" dirty="0">
+                <a:latin typeface="Courier New" panose="02070309020205020404" pitchFamily="49" charset="0"/>
+                <a:cs typeface="Courier New" panose="02070309020205020404" pitchFamily="49" charset="0"/>
+              </a:rPr>
+              <a:t>std::</a:t>
+            </a:r>
+            <a:r>
+              <a:rPr lang="en-US" dirty="0" err="1">
+                <a:latin typeface="Courier New" panose="02070309020205020404" pitchFamily="49" charset="0"/>
+                <a:cs typeface="Courier New" panose="02070309020205020404" pitchFamily="49" charset="0"/>
+              </a:rPr>
+              <a:t>weak_ordering</a:t>
+            </a:r>
+            <a:r>
+              <a:rPr lang="ru-RU" dirty="0">
+                <a:latin typeface="Courier New" panose="02070309020205020404" pitchFamily="49" charset="0"/>
+                <a:cs typeface="Courier New" panose="02070309020205020404" pitchFamily="49" charset="0"/>
+              </a:rPr>
+              <a:t> </a:t>
+            </a:r>
+            <a:r>
+              <a:rPr lang="ru-RU" dirty="0"/>
+              <a:t>(то же + транзитивность эквивалентности)</a:t>
+            </a:r>
+            <a:endParaRPr lang="en-US" dirty="0"/>
+          </a:p>
+          <a:p>
+            <a:pPr lvl="1"/>
+            <a:r>
+              <a:rPr lang="en-US" dirty="0">
+                <a:latin typeface="Courier New" panose="02070309020205020404" pitchFamily="49" charset="0"/>
+                <a:cs typeface="Courier New" panose="02070309020205020404" pitchFamily="49" charset="0"/>
+              </a:rPr>
+              <a:t>std::</a:t>
+            </a:r>
+            <a:r>
+              <a:rPr lang="en-US" dirty="0" err="1">
+                <a:latin typeface="Courier New" panose="02070309020205020404" pitchFamily="49" charset="0"/>
+                <a:cs typeface="Courier New" panose="02070309020205020404" pitchFamily="49" charset="0"/>
+              </a:rPr>
+              <a:t>strong_ordering</a:t>
+            </a:r>
+            <a:r>
+              <a:rPr lang="ru-RU" dirty="0">
+                <a:latin typeface="Courier New" panose="02070309020205020404" pitchFamily="49" charset="0"/>
+                <a:cs typeface="Courier New" panose="02070309020205020404" pitchFamily="49" charset="0"/>
+              </a:rPr>
+              <a:t> </a:t>
+            </a:r>
+            <a:r>
+              <a:rPr lang="ru-RU" dirty="0"/>
+              <a:t>(то же + подстановка </a:t>
+            </a:r>
+            <a:r>
+              <a:rPr lang="en-US" dirty="0"/>
+              <a:t>“</a:t>
+            </a:r>
+            <a:r>
+              <a:rPr lang="ru-RU" dirty="0"/>
+              <a:t>равных</a:t>
+            </a:r>
+            <a:r>
+              <a:rPr lang="en-US" dirty="0"/>
+              <a:t>”</a:t>
+            </a:r>
+            <a:r>
+              <a:rPr lang="ru-RU" dirty="0"/>
+              <a:t> элементов)</a:t>
+            </a:r>
+            <a:endParaRPr lang="en-US" dirty="0"/>
+          </a:p>
+          <a:p>
+            <a:endParaRPr lang="en-US" dirty="0"/>
+          </a:p>
+        </p:txBody>
+      </p:sp>
+    </p:spTree>
+    <p:extLst>
+      <p:ext uri="{BB962C8B-B14F-4D97-AF65-F5344CB8AC3E}">
+        <p14:creationId xmlns:p14="http://schemas.microsoft.com/office/powerpoint/2010/main" val="630358958"/>
+      </p:ext>
+    </p:extLst>
+  </p:cSld>
+  <p:clrMapOvr>
+    <a:masterClrMapping/>
+  </p:clrMapOvr>
+</p:sld>
+</file>
+
+<file path=ppt/slides/slide21.xml><?xml version="1.0" encoding="utf-8"?>
+<p:sld xmlns:a="http://schemas.openxmlformats.org/drawingml/2006/main" xmlns:r="http://schemas.openxmlformats.org/officeDocument/2006/relationships" xmlns:p="http://schemas.openxmlformats.org/presentationml/2006/main">
+  <p:cSld>
+    <p:spTree>
+      <p:nvGrpSpPr>
+        <p:cNvPr id="1" name=""/>
+        <p:cNvGrpSpPr/>
+        <p:nvPr/>
+      </p:nvGrpSpPr>
+      <p:grpSpPr>
+        <a:xfrm>
+          <a:off x="0" y="0"/>
+          <a:ext cx="0" cy="0"/>
+          <a:chOff x="0" y="0"/>
+          <a:chExt cx="0" cy="0"/>
+        </a:xfrm>
+      </p:grpSpPr>
+      <p:sp>
+        <p:nvSpPr>
+          <p:cNvPr id="2" name="Title 1">
+            <a:extLst>
+              <a:ext uri="{FF2B5EF4-FFF2-40B4-BE49-F238E27FC236}">
                 <a16:creationId xmlns:a16="http://schemas.microsoft.com/office/drawing/2014/main" id="{949B772E-C0CA-4FD0-AD07-ABE3720E0CD1}"/>
               </a:ext>
             </a:extLst>
@@ -8367,408 +8944,6 @@
 </p:sld>
 </file>
 
-<file path=ppt/slides/slide21.xml><?xml version="1.0" encoding="utf-8"?>
-<p:sld xmlns:a="http://schemas.openxmlformats.org/drawingml/2006/main" xmlns:r="http://schemas.openxmlformats.org/officeDocument/2006/relationships" xmlns:p="http://schemas.openxmlformats.org/presentationml/2006/main">
-  <p:cSld>
-    <p:spTree>
-      <p:nvGrpSpPr>
-        <p:cNvPr id="1" name=""/>
-        <p:cNvGrpSpPr/>
-        <p:nvPr/>
-      </p:nvGrpSpPr>
-      <p:grpSpPr>
-        <a:xfrm>
-          <a:off x="0" y="0"/>
-          <a:ext cx="0" cy="0"/>
-          <a:chOff x="0" y="0"/>
-          <a:chExt cx="0" cy="0"/>
-        </a:xfrm>
-      </p:grpSpPr>
-      <p:sp>
-        <p:nvSpPr>
-          <p:cNvPr id="2" name="Title 1">
-            <a:extLst>
-              <a:ext uri="{FF2B5EF4-FFF2-40B4-BE49-F238E27FC236}">
-                <a16:creationId xmlns:a16="http://schemas.microsoft.com/office/drawing/2014/main" id="{36405CAA-E95E-4454-B8C4-10163A2BFECD}"/>
-              </a:ext>
-            </a:extLst>
-          </p:cNvPr>
-          <p:cNvSpPr>
-            <a:spLocks noGrp="1"/>
-          </p:cNvSpPr>
-          <p:nvPr>
-            <p:ph type="title"/>
-          </p:nvPr>
-        </p:nvSpPr>
-        <p:spPr/>
-        <p:txBody>
-          <a:bodyPr/>
-          <a:lstStyle/>
-          <a:p>
-            <a:r>
-              <a:rPr lang="ru-RU" dirty="0"/>
-              <a:t>Частые ошибки</a:t>
-            </a:r>
-            <a:r>
-              <a:rPr lang="en-US" dirty="0"/>
-              <a:t>: </a:t>
-            </a:r>
-            <a:r>
-              <a:rPr lang="ru-RU" dirty="0"/>
-              <a:t>лексикографический порядок</a:t>
-            </a:r>
-            <a:endParaRPr lang="en-US" dirty="0"/>
-          </a:p>
-        </p:txBody>
-      </p:sp>
-      <p:sp>
-        <p:nvSpPr>
-          <p:cNvPr id="3" name="Content Placeholder 2">
-            <a:extLst>
-              <a:ext uri="{FF2B5EF4-FFF2-40B4-BE49-F238E27FC236}">
-                <a16:creationId xmlns:a16="http://schemas.microsoft.com/office/drawing/2014/main" id="{76990235-3787-491D-84B8-21FE4A61F86A}"/>
-              </a:ext>
-            </a:extLst>
-          </p:cNvPr>
-          <p:cNvSpPr>
-            <a:spLocks noGrp="1"/>
-          </p:cNvSpPr>
-          <p:nvPr>
-            <p:ph idx="1"/>
-          </p:nvPr>
-        </p:nvSpPr>
-        <p:spPr>
-          <a:xfrm>
-            <a:off x="838200" y="2167731"/>
-            <a:ext cx="10515600" cy="4351338"/>
-          </a:xfrm>
-        </p:spPr>
-        <p:txBody>
-          <a:bodyPr>
-            <a:normAutofit/>
-          </a:bodyPr>
-          <a:lstStyle/>
-          <a:p>
-            <a:pPr marL="0" indent="0">
-              <a:buNone/>
-            </a:pPr>
-            <a:r>
-              <a:rPr lang="en-US" sz="2000" dirty="0">
-                <a:solidFill>
-                  <a:prstClr val="black"/>
-                </a:solidFill>
-                <a:latin typeface="Courier New" panose="02070309020205020404" pitchFamily="49" charset="0"/>
-                <a:cs typeface="Courier New" panose="02070309020205020404" pitchFamily="49" charset="0"/>
-              </a:rPr>
-              <a:t>bool operator&lt;(const </a:t>
-            </a:r>
-            <a:r>
-              <a:rPr lang="en-US" sz="2000" dirty="0" err="1">
-                <a:solidFill>
-                  <a:prstClr val="black"/>
-                </a:solidFill>
-                <a:latin typeface="Courier New" panose="02070309020205020404" pitchFamily="49" charset="0"/>
-                <a:cs typeface="Courier New" panose="02070309020205020404" pitchFamily="49" charset="0"/>
-              </a:rPr>
-              <a:t>SomeClass</a:t>
-            </a:r>
-            <a:r>
-              <a:rPr lang="en-US" sz="2000" dirty="0">
-                <a:solidFill>
-                  <a:prstClr val="black"/>
-                </a:solidFill>
-                <a:latin typeface="Courier New" panose="02070309020205020404" pitchFamily="49" charset="0"/>
-                <a:cs typeface="Courier New" panose="02070309020205020404" pitchFamily="49" charset="0"/>
-              </a:rPr>
-              <a:t> &amp;</a:t>
-            </a:r>
-            <a:r>
-              <a:rPr lang="en-US" sz="2000" dirty="0" err="1">
-                <a:solidFill>
-                  <a:prstClr val="black"/>
-                </a:solidFill>
-                <a:latin typeface="Courier New" panose="02070309020205020404" pitchFamily="49" charset="0"/>
-                <a:cs typeface="Courier New" panose="02070309020205020404" pitchFamily="49" charset="0"/>
-              </a:rPr>
-              <a:t>rhs</a:t>
-            </a:r>
-            <a:r>
-              <a:rPr lang="en-US" sz="2000" dirty="0">
-                <a:solidFill>
-                  <a:prstClr val="black"/>
-                </a:solidFill>
-                <a:latin typeface="Courier New" panose="02070309020205020404" pitchFamily="49" charset="0"/>
-                <a:cs typeface="Courier New" panose="02070309020205020404" pitchFamily="49" charset="0"/>
-              </a:rPr>
-              <a:t>) const {</a:t>
-            </a:r>
-          </a:p>
-          <a:p>
-            <a:pPr marL="0" indent="0">
-              <a:buNone/>
-            </a:pPr>
-            <a:r>
-              <a:rPr lang="en-US" sz="2000" dirty="0">
-                <a:solidFill>
-                  <a:prstClr val="black"/>
-                </a:solidFill>
-                <a:latin typeface="Courier New" panose="02070309020205020404" pitchFamily="49" charset="0"/>
-                <a:cs typeface="Courier New" panose="02070309020205020404" pitchFamily="49" charset="0"/>
-              </a:rPr>
-              <a:t>  if (first &lt; </a:t>
-            </a:r>
-            <a:r>
-              <a:rPr lang="en-US" sz="2000" dirty="0" err="1">
-                <a:solidFill>
-                  <a:prstClr val="black"/>
-                </a:solidFill>
-                <a:latin typeface="Courier New" panose="02070309020205020404" pitchFamily="49" charset="0"/>
-                <a:cs typeface="Courier New" panose="02070309020205020404" pitchFamily="49" charset="0"/>
-              </a:rPr>
-              <a:t>rhs.first</a:t>
-            </a:r>
-            <a:r>
-              <a:rPr lang="en-US" sz="2000" dirty="0">
-                <a:solidFill>
-                  <a:prstClr val="black"/>
-                </a:solidFill>
-                <a:latin typeface="Courier New" panose="02070309020205020404" pitchFamily="49" charset="0"/>
-                <a:cs typeface="Courier New" panose="02070309020205020404" pitchFamily="49" charset="0"/>
-              </a:rPr>
-              <a:t>)</a:t>
-            </a:r>
-          </a:p>
-          <a:p>
-            <a:pPr marL="0" indent="0">
-              <a:buNone/>
-            </a:pPr>
-            <a:r>
-              <a:rPr lang="en-US" sz="2000" dirty="0">
-                <a:solidFill>
-                  <a:prstClr val="black"/>
-                </a:solidFill>
-                <a:latin typeface="Courier New" panose="02070309020205020404" pitchFamily="49" charset="0"/>
-                <a:cs typeface="Courier New" panose="02070309020205020404" pitchFamily="49" charset="0"/>
-              </a:rPr>
-              <a:t>    return true;</a:t>
-            </a:r>
-          </a:p>
-          <a:p>
-            <a:pPr marL="0" indent="0">
-              <a:buNone/>
-            </a:pPr>
-            <a:r>
-              <a:rPr lang="en-US" sz="2000" dirty="0">
-                <a:solidFill>
-                  <a:prstClr val="black"/>
-                </a:solidFill>
-                <a:latin typeface="Courier New" panose="02070309020205020404" pitchFamily="49" charset="0"/>
-                <a:cs typeface="Courier New" panose="02070309020205020404" pitchFamily="49" charset="0"/>
-              </a:rPr>
-              <a:t>  else if (second &lt; </a:t>
-            </a:r>
-            <a:r>
-              <a:rPr lang="en-US" sz="2000" dirty="0" err="1">
-                <a:solidFill>
-                  <a:prstClr val="black"/>
-                </a:solidFill>
-                <a:latin typeface="Courier New" panose="02070309020205020404" pitchFamily="49" charset="0"/>
-                <a:cs typeface="Courier New" panose="02070309020205020404" pitchFamily="49" charset="0"/>
-              </a:rPr>
-              <a:t>rhs.second</a:t>
-            </a:r>
-            <a:r>
-              <a:rPr lang="en-US" sz="2000" dirty="0">
-                <a:solidFill>
-                  <a:prstClr val="black"/>
-                </a:solidFill>
-                <a:latin typeface="Courier New" panose="02070309020205020404" pitchFamily="49" charset="0"/>
-                <a:cs typeface="Courier New" panose="02070309020205020404" pitchFamily="49" charset="0"/>
-              </a:rPr>
-              <a:t>) </a:t>
-            </a:r>
-            <a:r>
-              <a:rPr lang="en-US" sz="2000" dirty="0">
-                <a:solidFill>
-                  <a:srgbClr val="FF0000"/>
-                </a:solidFill>
-                <a:latin typeface="Courier New" panose="02070309020205020404" pitchFamily="49" charset="0"/>
-                <a:cs typeface="Courier New" panose="02070309020205020404" pitchFamily="49" charset="0"/>
-              </a:rPr>
-              <a:t>// ЗАБЫЛИ "&amp;&amp; fist == </a:t>
-            </a:r>
-            <a:r>
-              <a:rPr lang="en-US" sz="2000" dirty="0" err="1">
-                <a:solidFill>
-                  <a:srgbClr val="FF0000"/>
-                </a:solidFill>
-                <a:latin typeface="Courier New" panose="02070309020205020404" pitchFamily="49" charset="0"/>
-                <a:cs typeface="Courier New" panose="02070309020205020404" pitchFamily="49" charset="0"/>
-              </a:rPr>
-              <a:t>rhs.first</a:t>
-            </a:r>
-            <a:r>
-              <a:rPr lang="en-US" sz="2000" dirty="0">
-                <a:solidFill>
-                  <a:srgbClr val="FF0000"/>
-                </a:solidFill>
-                <a:latin typeface="Courier New" panose="02070309020205020404" pitchFamily="49" charset="0"/>
-                <a:cs typeface="Courier New" panose="02070309020205020404" pitchFamily="49" charset="0"/>
-              </a:rPr>
-              <a:t>"</a:t>
-            </a:r>
-          </a:p>
-          <a:p>
-            <a:pPr marL="0" indent="0">
-              <a:buNone/>
-            </a:pPr>
-            <a:r>
-              <a:rPr lang="en-US" sz="2000" dirty="0">
-                <a:solidFill>
-                  <a:prstClr val="black"/>
-                </a:solidFill>
-                <a:latin typeface="Courier New" panose="02070309020205020404" pitchFamily="49" charset="0"/>
-                <a:cs typeface="Courier New" panose="02070309020205020404" pitchFamily="49" charset="0"/>
-              </a:rPr>
-              <a:t>    return true;</a:t>
-            </a:r>
-          </a:p>
-          <a:p>
-            <a:pPr marL="0" indent="0">
-              <a:buNone/>
-            </a:pPr>
-            <a:r>
-              <a:rPr lang="en-US" sz="2000" dirty="0">
-                <a:solidFill>
-                  <a:prstClr val="black"/>
-                </a:solidFill>
-                <a:latin typeface="Courier New" panose="02070309020205020404" pitchFamily="49" charset="0"/>
-                <a:cs typeface="Courier New" panose="02070309020205020404" pitchFamily="49" charset="0"/>
-              </a:rPr>
-              <a:t>  else</a:t>
-            </a:r>
-          </a:p>
-          <a:p>
-            <a:pPr marL="0" indent="0">
-              <a:buNone/>
-            </a:pPr>
-            <a:r>
-              <a:rPr lang="en-US" sz="2000" dirty="0">
-                <a:solidFill>
-                  <a:prstClr val="black"/>
-                </a:solidFill>
-                <a:latin typeface="Courier New" panose="02070309020205020404" pitchFamily="49" charset="0"/>
-                <a:cs typeface="Courier New" panose="02070309020205020404" pitchFamily="49" charset="0"/>
-              </a:rPr>
-              <a:t>    return false;</a:t>
-            </a:r>
-          </a:p>
-          <a:p>
-            <a:pPr marL="0" indent="0">
-              <a:buNone/>
-            </a:pPr>
-            <a:r>
-              <a:rPr lang="en-US" sz="2000" dirty="0">
-                <a:solidFill>
-                  <a:prstClr val="black"/>
-                </a:solidFill>
-                <a:latin typeface="Courier New" panose="02070309020205020404" pitchFamily="49" charset="0"/>
-                <a:cs typeface="Courier New" panose="02070309020205020404" pitchFamily="49" charset="0"/>
-              </a:rPr>
-              <a:t>}</a:t>
-            </a:r>
-          </a:p>
-          <a:p>
-            <a:pPr marL="0" indent="0">
-              <a:buNone/>
-            </a:pPr>
-            <a:endParaRPr lang="en-US" sz="3200" dirty="0">
-              <a:latin typeface="Courier New" panose="02070309020205020404" pitchFamily="49" charset="0"/>
-              <a:cs typeface="Courier New" panose="02070309020205020404" pitchFamily="49" charset="0"/>
-            </a:endParaRPr>
-          </a:p>
-        </p:txBody>
-      </p:sp>
-      <p:sp>
-        <p:nvSpPr>
-          <p:cNvPr id="4" name="TextBox 3">
-            <a:extLst>
-              <a:ext uri="{FF2B5EF4-FFF2-40B4-BE49-F238E27FC236}">
-                <a16:creationId xmlns:a16="http://schemas.microsoft.com/office/drawing/2014/main" id="{1A90D972-D758-4696-82BE-FBA97DE63466}"/>
-              </a:ext>
-            </a:extLst>
-          </p:cNvPr>
-          <p:cNvSpPr txBox="1"/>
-          <p:nvPr/>
-        </p:nvSpPr>
-        <p:spPr>
-          <a:xfrm>
-            <a:off x="6955971" y="4343400"/>
-            <a:ext cx="2612571" cy="923330"/>
-          </a:xfrm>
-          <a:prstGeom prst="rect">
-            <a:avLst/>
-          </a:prstGeom>
-          <a:noFill/>
-        </p:spPr>
-        <p:txBody>
-          <a:bodyPr wrap="square" rtlCol="0">
-            <a:spAutoFit/>
-          </a:bodyPr>
-          <a:lstStyle/>
-          <a:p>
-            <a:r>
-              <a:rPr lang="ru-RU" dirty="0">
-                <a:solidFill>
-                  <a:srgbClr val="FF0000"/>
-                </a:solidFill>
-              </a:rPr>
-              <a:t>Противоречие</a:t>
-            </a:r>
-            <a:r>
-              <a:rPr lang="en-US" dirty="0">
-                <a:solidFill>
-                  <a:srgbClr val="FF0000"/>
-                </a:solidFill>
-              </a:rPr>
-              <a:t>:</a:t>
-            </a:r>
-          </a:p>
-          <a:p>
-            <a:r>
-              <a:rPr lang="en-US" dirty="0">
-                <a:solidFill>
-                  <a:srgbClr val="FF0000"/>
-                </a:solidFill>
-              </a:rPr>
-              <a:t>  {1oo, 2} &lt; {200, 1}</a:t>
-            </a:r>
-          </a:p>
-          <a:p>
-            <a:r>
-              <a:rPr lang="en-US" dirty="0">
-                <a:solidFill>
-                  <a:srgbClr val="FF0000"/>
-                </a:solidFill>
-              </a:rPr>
-              <a:t>  {200, 1} &lt; {100, 2}</a:t>
-            </a:r>
-          </a:p>
-        </p:txBody>
-      </p:sp>
-    </p:spTree>
-    <p:extLst>
-      <p:ext uri="{BB962C8B-B14F-4D97-AF65-F5344CB8AC3E}">
-        <p14:creationId xmlns:p14="http://schemas.microsoft.com/office/powerpoint/2010/main" val="284998572"/>
-      </p:ext>
-    </p:extLst>
-  </p:cSld>
-  <p:clrMapOvr>
-    <a:masterClrMapping/>
-  </p:clrMapOvr>
-</p:sld>
-</file>
-
 <file path=ppt/slides/slide22.xml><?xml version="1.0" encoding="utf-8"?>
 <p:sld xmlns:a="http://schemas.openxmlformats.org/drawingml/2006/main" xmlns:r="http://schemas.openxmlformats.org/officeDocument/2006/relationships" xmlns:p="http://schemas.openxmlformats.org/presentationml/2006/main">
   <p:cSld>
@@ -8791,7 +8966,7 @@
           <p:cNvPr id="2" name="Title 1">
             <a:extLst>
               <a:ext uri="{FF2B5EF4-FFF2-40B4-BE49-F238E27FC236}">
-                <a16:creationId xmlns:a16="http://schemas.microsoft.com/office/drawing/2014/main" id="{71AAADCC-D572-4183-8A43-D3D495367A46}"/>
+                <a16:creationId xmlns:a16="http://schemas.microsoft.com/office/drawing/2014/main" id="{63F0E7F5-CFC9-4482-AD61-CF177C1E3F5A}"/>
               </a:ext>
             </a:extLst>
           </p:cNvPr>
@@ -8811,24 +8986,16 @@
               <a:rPr lang="ru-RU" dirty="0"/>
               <a:t>Частые ошибки</a:t>
             </a:r>
-            <a:r>
-              <a:rPr lang="en-US" dirty="0"/>
-              <a:t>: </a:t>
-            </a:r>
-            <a:r>
-              <a:rPr lang="ru-RU" dirty="0"/>
-              <a:t>лексикографический порядок</a:t>
-            </a:r>
             <a:endParaRPr lang="en-US" dirty="0"/>
           </a:p>
         </p:txBody>
       </p:sp>
       <p:sp>
         <p:nvSpPr>
-          <p:cNvPr id="3" name="Content Placeholder 2">
+          <p:cNvPr id="3" name="Text Placeholder 2">
             <a:extLst>
               <a:ext uri="{FF2B5EF4-FFF2-40B4-BE49-F238E27FC236}">
-                <a16:creationId xmlns:a16="http://schemas.microsoft.com/office/drawing/2014/main" id="{39F6D72D-A9F8-4237-805D-7AAE75897D10}"/>
+                <a16:creationId xmlns:a16="http://schemas.microsoft.com/office/drawing/2014/main" id="{E997FA6B-5402-4E2B-8125-7CF016BA752E}"/>
               </a:ext>
             </a:extLst>
           </p:cNvPr>
@@ -8836,7 +9003,7 @@
             <a:spLocks noGrp="1"/>
           </p:cNvSpPr>
           <p:nvPr>
-            <p:ph idx="1"/>
+            <p:ph type="body" idx="1"/>
           </p:nvPr>
         </p:nvSpPr>
         <p:spPr/>
@@ -8844,25 +9011,14 @@
           <a:bodyPr/>
           <a:lstStyle/>
           <a:p>
-            <a:r>
-              <a:rPr lang="ru-RU" dirty="0"/>
-              <a:t>Самая частая ошибка при написании компараторов</a:t>
-            </a:r>
-            <a:endParaRPr lang="en-US" dirty="0"/>
-          </a:p>
-          <a:p>
-            <a:r>
-              <a:rPr lang="ru-RU" dirty="0"/>
-              <a:t>Нарушена аксиома антисимметричности</a:t>
-            </a:r>
-            <a:endParaRPr lang="en-US" dirty="0"/>
+            <a:endParaRPr lang="en-US"/>
           </a:p>
         </p:txBody>
       </p:sp>
     </p:spTree>
     <p:extLst>
       <p:ext uri="{BB962C8B-B14F-4D97-AF65-F5344CB8AC3E}">
-        <p14:creationId xmlns:p14="http://schemas.microsoft.com/office/powerpoint/2010/main" val="1470207012"/>
+        <p14:creationId xmlns:p14="http://schemas.microsoft.com/office/powerpoint/2010/main" val="276924685"/>
       </p:ext>
     </p:extLst>
   </p:cSld>
@@ -8894,7 +9050,7 @@
           <p:cNvPr id="2" name="Title 1">
             <a:extLst>
               <a:ext uri="{FF2B5EF4-FFF2-40B4-BE49-F238E27FC236}">
-                <a16:creationId xmlns:a16="http://schemas.microsoft.com/office/drawing/2014/main" id="{680D122F-8A3D-4D58-A0A5-9A5AC33760D9}"/>
+                <a16:creationId xmlns:a16="http://schemas.microsoft.com/office/drawing/2014/main" id="{71AAADCC-D572-4183-8A43-D3D495367A46}"/>
               </a:ext>
             </a:extLst>
           </p:cNvPr>
@@ -8931,7 +9087,7 @@
           <p:cNvPr id="3" name="Content Placeholder 2">
             <a:extLst>
               <a:ext uri="{FF2B5EF4-FFF2-40B4-BE49-F238E27FC236}">
-                <a16:creationId xmlns:a16="http://schemas.microsoft.com/office/drawing/2014/main" id="{EF38A0C2-67EB-4D5D-A96E-FD883EF4688E}"/>
+                <a16:creationId xmlns:a16="http://schemas.microsoft.com/office/drawing/2014/main" id="{39F6D72D-A9F8-4237-805D-7AAE75897D10}"/>
               </a:ext>
             </a:extLst>
           </p:cNvPr>
@@ -8944,48 +9100,301 @@
         </p:nvSpPr>
         <p:spPr>
           <a:xfrm>
-            <a:off x="838200" y="1825625"/>
-            <a:ext cx="10744200" cy="4667250"/>
+            <a:off x="620485" y="1814739"/>
+            <a:ext cx="5127173" cy="4401004"/>
           </a:xfrm>
         </p:spPr>
         <p:txBody>
-          <a:bodyPr>
+          <a:bodyPr/>
+          <a:lstStyle/>
+          <a:p>
+            <a:r>
+              <a:rPr lang="ru-RU" dirty="0"/>
+              <a:t>Самая частая ошибка при написании компараторов</a:t>
+            </a:r>
+            <a:endParaRPr lang="en-US" dirty="0"/>
+          </a:p>
+          <a:p>
+            <a:r>
+              <a:rPr lang="ru-RU" dirty="0"/>
+              <a:t>Нарушена аксиома антисимметричности</a:t>
+            </a:r>
+            <a:r>
+              <a:rPr lang="en-US" dirty="0"/>
+              <a:t>:</a:t>
+            </a:r>
+          </a:p>
+          <a:p>
+            <a:pPr marL="457200" lvl="1" indent="0">
+              <a:buNone/>
+            </a:pPr>
+            <a:r>
+              <a:rPr lang="en-US" dirty="0">
+                <a:latin typeface="Courier New" panose="02070309020205020404" pitchFamily="49" charset="0"/>
+                <a:cs typeface="Courier New" panose="02070309020205020404" pitchFamily="49" charset="0"/>
+              </a:rPr>
+              <a:t>A(100, 2) &lt; A(200, 1) &amp;&amp; A(200, 1) &lt; A(100, 2)</a:t>
+            </a:r>
+          </a:p>
+        </p:txBody>
+      </p:sp>
+      <p:sp>
+        <p:nvSpPr>
+          <p:cNvPr id="4" name="Content Placeholder 2">
+            <a:extLst>
+              <a:ext uri="{FF2B5EF4-FFF2-40B4-BE49-F238E27FC236}">
+                <a16:creationId xmlns:a16="http://schemas.microsoft.com/office/drawing/2014/main" id="{D378BD51-50A5-421D-9272-B6445CFB0B3F}"/>
+              </a:ext>
+            </a:extLst>
+          </p:cNvPr>
+          <p:cNvSpPr txBox="1">
+            <a:spLocks/>
+          </p:cNvSpPr>
+          <p:nvPr/>
+        </p:nvSpPr>
+        <p:spPr>
+          <a:xfrm>
+            <a:off x="6096000" y="1538287"/>
+            <a:ext cx="5878286" cy="4100513"/>
+          </a:xfrm>
+          <a:prstGeom prst="rect">
+            <a:avLst/>
+          </a:prstGeom>
+        </p:spPr>
+        <p:txBody>
+          <a:bodyPr vert="horz" lIns="91440" tIns="45720" rIns="91440" bIns="45720" rtlCol="0">
             <a:normAutofit/>
           </a:bodyPr>
-          <a:lstStyle/>
-          <a:p>
-            <a:r>
-              <a:rPr lang="ru-RU" dirty="0"/>
-              <a:t>Простое исправление</a:t>
-            </a:r>
-            <a:r>
-              <a:rPr lang="en-US" dirty="0"/>
-              <a:t>:</a:t>
-            </a:r>
-          </a:p>
-          <a:p>
-            <a:endParaRPr lang="en-US" sz="200" dirty="0"/>
-          </a:p>
-          <a:p>
-            <a:pPr marL="457200" lvl="1" indent="0">
-              <a:buNone/>
-            </a:pPr>
-            <a:r>
-              <a:rPr lang="en-US" dirty="0">
-                <a:latin typeface="Courier New" panose="02070309020205020404" pitchFamily="49" charset="0"/>
-                <a:cs typeface="Courier New" panose="02070309020205020404" pitchFamily="49" charset="0"/>
-              </a:rPr>
-              <a:t>if (first &lt; </a:t>
-            </a:r>
-            <a:r>
-              <a:rPr lang="en-US" dirty="0" err="1">
+          <a:lstStyle>
+            <a:lvl1pPr marL="228600" indent="-228600" algn="l" defTabSz="914400" rtl="0" eaLnBrk="1" latinLnBrk="0" hangingPunct="1">
+              <a:lnSpc>
+                <a:spcPct val="90000"/>
+              </a:lnSpc>
+              <a:spcBef>
+                <a:spcPts val="1000"/>
+              </a:spcBef>
+              <a:buFont typeface="Arial" panose="020B0604020202020204" pitchFamily="34" charset="0"/>
+              <a:buChar char="•"/>
+              <a:defRPr sz="2800" kern="1200">
+                <a:solidFill>
+                  <a:schemeClr val="tx1"/>
+                </a:solidFill>
+                <a:latin typeface="+mn-lt"/>
+                <a:ea typeface="+mn-ea"/>
+                <a:cs typeface="+mn-cs"/>
+              </a:defRPr>
+            </a:lvl1pPr>
+            <a:lvl2pPr marL="685800" indent="-228600" algn="l" defTabSz="914400" rtl="0" eaLnBrk="1" latinLnBrk="0" hangingPunct="1">
+              <a:lnSpc>
+                <a:spcPct val="90000"/>
+              </a:lnSpc>
+              <a:spcBef>
+                <a:spcPts val="500"/>
+              </a:spcBef>
+              <a:buFont typeface="Arial" panose="020B0604020202020204" pitchFamily="34" charset="0"/>
+              <a:buChar char="•"/>
+              <a:defRPr sz="2400" kern="1200">
+                <a:solidFill>
+                  <a:schemeClr val="tx1"/>
+                </a:solidFill>
+                <a:latin typeface="+mn-lt"/>
+                <a:ea typeface="+mn-ea"/>
+                <a:cs typeface="+mn-cs"/>
+              </a:defRPr>
+            </a:lvl2pPr>
+            <a:lvl3pPr marL="1143000" indent="-228600" algn="l" defTabSz="914400" rtl="0" eaLnBrk="1" latinLnBrk="0" hangingPunct="1">
+              <a:lnSpc>
+                <a:spcPct val="90000"/>
+              </a:lnSpc>
+              <a:spcBef>
+                <a:spcPts val="500"/>
+              </a:spcBef>
+              <a:buFont typeface="Arial" panose="020B0604020202020204" pitchFamily="34" charset="0"/>
+              <a:buChar char="•"/>
+              <a:defRPr sz="2000" kern="1200">
+                <a:solidFill>
+                  <a:schemeClr val="tx1"/>
+                </a:solidFill>
+                <a:latin typeface="+mn-lt"/>
+                <a:ea typeface="+mn-ea"/>
+                <a:cs typeface="+mn-cs"/>
+              </a:defRPr>
+            </a:lvl3pPr>
+            <a:lvl4pPr marL="1600200" indent="-228600" algn="l" defTabSz="914400" rtl="0" eaLnBrk="1" latinLnBrk="0" hangingPunct="1">
+              <a:lnSpc>
+                <a:spcPct val="90000"/>
+              </a:lnSpc>
+              <a:spcBef>
+                <a:spcPts val="500"/>
+              </a:spcBef>
+              <a:buFont typeface="Arial" panose="020B0604020202020204" pitchFamily="34" charset="0"/>
+              <a:buChar char="•"/>
+              <a:defRPr sz="1800" kern="1200">
+                <a:solidFill>
+                  <a:schemeClr val="tx1"/>
+                </a:solidFill>
+                <a:latin typeface="+mn-lt"/>
+                <a:ea typeface="+mn-ea"/>
+                <a:cs typeface="+mn-cs"/>
+              </a:defRPr>
+            </a:lvl4pPr>
+            <a:lvl5pPr marL="2057400" indent="-228600" algn="l" defTabSz="914400" rtl="0" eaLnBrk="1" latinLnBrk="0" hangingPunct="1">
+              <a:lnSpc>
+                <a:spcPct val="90000"/>
+              </a:lnSpc>
+              <a:spcBef>
+                <a:spcPts val="500"/>
+              </a:spcBef>
+              <a:buFont typeface="Arial" panose="020B0604020202020204" pitchFamily="34" charset="0"/>
+              <a:buChar char="•"/>
+              <a:defRPr sz="1800" kern="1200">
+                <a:solidFill>
+                  <a:schemeClr val="tx1"/>
+                </a:solidFill>
+                <a:latin typeface="+mn-lt"/>
+                <a:ea typeface="+mn-ea"/>
+                <a:cs typeface="+mn-cs"/>
+              </a:defRPr>
+            </a:lvl5pPr>
+            <a:lvl6pPr marL="2514600" indent="-228600" algn="l" defTabSz="914400" rtl="0" eaLnBrk="1" latinLnBrk="0" hangingPunct="1">
+              <a:lnSpc>
+                <a:spcPct val="90000"/>
+              </a:lnSpc>
+              <a:spcBef>
+                <a:spcPts val="500"/>
+              </a:spcBef>
+              <a:buFont typeface="Arial" panose="020B0604020202020204" pitchFamily="34" charset="0"/>
+              <a:buChar char="•"/>
+              <a:defRPr sz="1800" kern="1200">
+                <a:solidFill>
+                  <a:schemeClr val="tx1"/>
+                </a:solidFill>
+                <a:latin typeface="+mn-lt"/>
+                <a:ea typeface="+mn-ea"/>
+                <a:cs typeface="+mn-cs"/>
+              </a:defRPr>
+            </a:lvl6pPr>
+            <a:lvl7pPr marL="2971800" indent="-228600" algn="l" defTabSz="914400" rtl="0" eaLnBrk="1" latinLnBrk="0" hangingPunct="1">
+              <a:lnSpc>
+                <a:spcPct val="90000"/>
+              </a:lnSpc>
+              <a:spcBef>
+                <a:spcPts val="500"/>
+              </a:spcBef>
+              <a:buFont typeface="Arial" panose="020B0604020202020204" pitchFamily="34" charset="0"/>
+              <a:buChar char="•"/>
+              <a:defRPr sz="1800" kern="1200">
+                <a:solidFill>
+                  <a:schemeClr val="tx1"/>
+                </a:solidFill>
+                <a:latin typeface="+mn-lt"/>
+                <a:ea typeface="+mn-ea"/>
+                <a:cs typeface="+mn-cs"/>
+              </a:defRPr>
+            </a:lvl7pPr>
+            <a:lvl8pPr marL="3429000" indent="-228600" algn="l" defTabSz="914400" rtl="0" eaLnBrk="1" latinLnBrk="0" hangingPunct="1">
+              <a:lnSpc>
+                <a:spcPct val="90000"/>
+              </a:lnSpc>
+              <a:spcBef>
+                <a:spcPts val="500"/>
+              </a:spcBef>
+              <a:buFont typeface="Arial" panose="020B0604020202020204" pitchFamily="34" charset="0"/>
+              <a:buChar char="•"/>
+              <a:defRPr sz="1800" kern="1200">
+                <a:solidFill>
+                  <a:schemeClr val="tx1"/>
+                </a:solidFill>
+                <a:latin typeface="+mn-lt"/>
+                <a:ea typeface="+mn-ea"/>
+                <a:cs typeface="+mn-cs"/>
+              </a:defRPr>
+            </a:lvl8pPr>
+            <a:lvl9pPr marL="3886200" indent="-228600" algn="l" defTabSz="914400" rtl="0" eaLnBrk="1" latinLnBrk="0" hangingPunct="1">
+              <a:lnSpc>
+                <a:spcPct val="90000"/>
+              </a:lnSpc>
+              <a:spcBef>
+                <a:spcPts val="500"/>
+              </a:spcBef>
+              <a:buFont typeface="Arial" panose="020B0604020202020204" pitchFamily="34" charset="0"/>
+              <a:buChar char="•"/>
+              <a:defRPr sz="1800" kern="1200">
+                <a:solidFill>
+                  <a:schemeClr val="tx1"/>
+                </a:solidFill>
+                <a:latin typeface="+mn-lt"/>
+                <a:ea typeface="+mn-ea"/>
+                <a:cs typeface="+mn-cs"/>
+              </a:defRPr>
+            </a:lvl9pPr>
+          </a:lstStyle>
+          <a:p>
+            <a:pPr marL="0" indent="0">
+              <a:buFont typeface="Arial" panose="020B0604020202020204" pitchFamily="34" charset="0"/>
+              <a:buNone/>
+            </a:pPr>
+            <a:r>
+              <a:rPr lang="en-US" sz="2400" dirty="0">
+                <a:solidFill>
+                  <a:prstClr val="black"/>
+                </a:solidFill>
+                <a:latin typeface="Courier New" panose="02070309020205020404" pitchFamily="49" charset="0"/>
+                <a:cs typeface="Courier New" panose="02070309020205020404" pitchFamily="49" charset="0"/>
+              </a:rPr>
+              <a:t>bool operator&lt;(const A &amp;</a:t>
+            </a:r>
+            <a:r>
+              <a:rPr lang="en-US" sz="2400" dirty="0" err="1">
+                <a:solidFill>
+                  <a:prstClr val="black"/>
+                </a:solidFill>
+                <a:latin typeface="Courier New" panose="02070309020205020404" pitchFamily="49" charset="0"/>
+                <a:cs typeface="Courier New" panose="02070309020205020404" pitchFamily="49" charset="0"/>
+              </a:rPr>
+              <a:t>rhs</a:t>
+            </a:r>
+            <a:r>
+              <a:rPr lang="en-US" sz="2400" dirty="0">
+                <a:solidFill>
+                  <a:prstClr val="black"/>
+                </a:solidFill>
+                <a:latin typeface="Courier New" panose="02070309020205020404" pitchFamily="49" charset="0"/>
+                <a:cs typeface="Courier New" panose="02070309020205020404" pitchFamily="49" charset="0"/>
+              </a:rPr>
+              <a:t>) {</a:t>
+            </a:r>
+          </a:p>
+          <a:p>
+            <a:pPr marL="0" indent="0">
+              <a:buFont typeface="Arial" panose="020B0604020202020204" pitchFamily="34" charset="0"/>
+              <a:buNone/>
+            </a:pPr>
+            <a:r>
+              <a:rPr lang="en-US" sz="2400" dirty="0">
+                <a:solidFill>
+                  <a:prstClr val="black"/>
+                </a:solidFill>
+                <a:latin typeface="Courier New" panose="02070309020205020404" pitchFamily="49" charset="0"/>
+                <a:cs typeface="Courier New" panose="02070309020205020404" pitchFamily="49" charset="0"/>
+              </a:rPr>
+              <a:t>  if (first &lt; </a:t>
+            </a:r>
+            <a:r>
+              <a:rPr lang="en-US" sz="2400" dirty="0" err="1">
+                <a:solidFill>
+                  <a:prstClr val="black"/>
+                </a:solidFill>
                 <a:latin typeface="Courier New" panose="02070309020205020404" pitchFamily="49" charset="0"/>
                 <a:cs typeface="Courier New" panose="02070309020205020404" pitchFamily="49" charset="0"/>
               </a:rPr>
               <a:t>rhs.first</a:t>
             </a:r>
             <a:r>
-              <a:rPr lang="en-US" dirty="0">
+              <a:rPr lang="en-US" sz="2400" dirty="0">
+                <a:solidFill>
+                  <a:prstClr val="black"/>
+                </a:solidFill>
                 <a:latin typeface="Courier New" panose="02070309020205020404" pitchFamily="49" charset="0"/>
                 <a:cs typeface="Courier New" panose="02070309020205020404" pitchFamily="49" charset="0"/>
               </a:rPr>
@@ -8993,63 +9402,51 @@
             </a:r>
           </a:p>
           <a:p>
-            <a:pPr marL="457200" lvl="1" indent="0">
-              <a:buNone/>
-            </a:pPr>
-            <a:r>
-              <a:rPr lang="en-US" dirty="0">
-                <a:latin typeface="Courier New" panose="02070309020205020404" pitchFamily="49" charset="0"/>
-                <a:cs typeface="Courier New" panose="02070309020205020404" pitchFamily="49" charset="0"/>
-              </a:rPr>
-              <a:t>  return true;</a:t>
-            </a:r>
-          </a:p>
-          <a:p>
-            <a:pPr marL="457200" lvl="1" indent="0">
-              <a:buNone/>
-            </a:pPr>
-            <a:r>
-              <a:rPr lang="en-US" dirty="0">
-                <a:latin typeface="Courier New" panose="02070309020205020404" pitchFamily="49" charset="0"/>
-                <a:cs typeface="Courier New" panose="02070309020205020404" pitchFamily="49" charset="0"/>
-              </a:rPr>
-              <a:t>else if (first == </a:t>
-            </a:r>
-            <a:r>
-              <a:rPr lang="en-US" dirty="0" err="1">
-                <a:latin typeface="Courier New" panose="02070309020205020404" pitchFamily="49" charset="0"/>
-                <a:cs typeface="Courier New" panose="02070309020205020404" pitchFamily="49" charset="0"/>
-              </a:rPr>
-              <a:t>rhs.first</a:t>
-            </a:r>
-            <a:r>
-              <a:rPr lang="en-US" dirty="0">
-                <a:latin typeface="Courier New" panose="02070309020205020404" pitchFamily="49" charset="0"/>
-                <a:cs typeface="Courier New" panose="02070309020205020404" pitchFamily="49" charset="0"/>
-              </a:rPr>
-              <a:t>) {</a:t>
-            </a:r>
-          </a:p>
-          <a:p>
-            <a:pPr marL="457200" lvl="1" indent="0">
-              <a:buNone/>
-            </a:pPr>
-            <a:r>
-              <a:rPr lang="en-US" dirty="0">
-                <a:latin typeface="Courier New" panose="02070309020205020404" pitchFamily="49" charset="0"/>
-                <a:cs typeface="Courier New" panose="02070309020205020404" pitchFamily="49" charset="0"/>
-              </a:rPr>
-              <a:t>  if (second &lt; </a:t>
-            </a:r>
-            <a:r>
-              <a:rPr lang="en-US" dirty="0" err="1">
+            <a:pPr marL="0" indent="0">
+              <a:buFont typeface="Arial" panose="020B0604020202020204" pitchFamily="34" charset="0"/>
+              <a:buNone/>
+            </a:pPr>
+            <a:r>
+              <a:rPr lang="en-US" sz="2400" dirty="0">
+                <a:solidFill>
+                  <a:prstClr val="black"/>
+                </a:solidFill>
+                <a:latin typeface="Courier New" panose="02070309020205020404" pitchFamily="49" charset="0"/>
+                <a:cs typeface="Courier New" panose="02070309020205020404" pitchFamily="49" charset="0"/>
+              </a:rPr>
+              <a:t>    return true;</a:t>
+            </a:r>
+          </a:p>
+          <a:p>
+            <a:pPr marL="0" indent="0">
+              <a:buFont typeface="Arial" panose="020B0604020202020204" pitchFamily="34" charset="0"/>
+              <a:buNone/>
+            </a:pPr>
+            <a:r>
+              <a:rPr lang="en-US" sz="2400" dirty="0">
+                <a:solidFill>
+                  <a:prstClr val="black"/>
+                </a:solidFill>
+                <a:latin typeface="Courier New" panose="02070309020205020404" pitchFamily="49" charset="0"/>
+                <a:cs typeface="Courier New" panose="02070309020205020404" pitchFamily="49" charset="0"/>
+              </a:rPr>
+              <a:t>  else if (second &lt; </a:t>
+            </a:r>
+            <a:r>
+              <a:rPr lang="en-US" sz="2400" dirty="0" err="1">
+                <a:solidFill>
+                  <a:prstClr val="black"/>
+                </a:solidFill>
                 <a:latin typeface="Courier New" panose="02070309020205020404" pitchFamily="49" charset="0"/>
                 <a:cs typeface="Courier New" panose="02070309020205020404" pitchFamily="49" charset="0"/>
               </a:rPr>
               <a:t>rhs.second</a:t>
             </a:r>
             <a:r>
-              <a:rPr lang="en-US" dirty="0">
+              <a:rPr lang="en-US" sz="2400" dirty="0">
+                <a:solidFill>
+                  <a:prstClr val="black"/>
+                </a:solidFill>
                 <a:latin typeface="Courier New" panose="02070309020205020404" pitchFamily="49" charset="0"/>
                 <a:cs typeface="Courier New" panose="02070309020205020404" pitchFamily="49" charset="0"/>
               </a:rPr>
@@ -9057,11 +9454,15 @@
             </a:r>
           </a:p>
           <a:p>
-            <a:pPr marL="457200" lvl="1" indent="0">
-              <a:buNone/>
-            </a:pPr>
-            <a:r>
-              <a:rPr lang="en-US" dirty="0">
+            <a:pPr marL="0" indent="0">
+              <a:buFont typeface="Arial" panose="020B0604020202020204" pitchFamily="34" charset="0"/>
+              <a:buNone/>
+            </a:pPr>
+            <a:r>
+              <a:rPr lang="en-US" sz="2400" dirty="0">
+                <a:solidFill>
+                  <a:prstClr val="black"/>
+                </a:solidFill>
                 <a:latin typeface="Courier New" panose="02070309020205020404" pitchFamily="49" charset="0"/>
                 <a:cs typeface="Courier New" panose="02070309020205020404" pitchFamily="49" charset="0"/>
               </a:rPr>
@@ -9069,11 +9470,15 @@
             </a:r>
           </a:p>
           <a:p>
-            <a:pPr marL="457200" lvl="1" indent="0">
-              <a:buNone/>
-            </a:pPr>
-            <a:r>
-              <a:rPr lang="en-US" dirty="0">
+            <a:pPr marL="0" indent="0">
+              <a:buFont typeface="Arial" panose="020B0604020202020204" pitchFamily="34" charset="0"/>
+              <a:buNone/>
+            </a:pPr>
+            <a:r>
+              <a:rPr lang="en-US" sz="2400" dirty="0">
+                <a:solidFill>
+                  <a:prstClr val="black"/>
+                </a:solidFill>
                 <a:latin typeface="Courier New" panose="02070309020205020404" pitchFamily="49" charset="0"/>
                 <a:cs typeface="Courier New" panose="02070309020205020404" pitchFamily="49" charset="0"/>
               </a:rPr>
@@ -9081,11 +9486,15 @@
             </a:r>
           </a:p>
           <a:p>
-            <a:pPr marL="457200" lvl="1" indent="0">
-              <a:buNone/>
-            </a:pPr>
-            <a:r>
-              <a:rPr lang="en-US" dirty="0">
+            <a:pPr marL="0" indent="0">
+              <a:buFont typeface="Arial" panose="020B0604020202020204" pitchFamily="34" charset="0"/>
+              <a:buNone/>
+            </a:pPr>
+            <a:r>
+              <a:rPr lang="en-US" sz="2400" dirty="0">
+                <a:solidFill>
+                  <a:prstClr val="black"/>
+                </a:solidFill>
                 <a:latin typeface="Courier New" panose="02070309020205020404" pitchFamily="49" charset="0"/>
                 <a:cs typeface="Courier New" panose="02070309020205020404" pitchFamily="49" charset="0"/>
               </a:rPr>
@@ -9093,31 +9502,19 @@
             </a:r>
           </a:p>
           <a:p>
-            <a:pPr marL="457200" lvl="1" indent="0">
-              <a:buNone/>
-            </a:pPr>
-            <a:r>
-              <a:rPr lang="en-US" dirty="0">
+            <a:pPr marL="0" indent="0">
+              <a:buFont typeface="Arial" panose="020B0604020202020204" pitchFamily="34" charset="0"/>
+              <a:buNone/>
+            </a:pPr>
+            <a:r>
+              <a:rPr lang="en-US" sz="2400" dirty="0">
+                <a:solidFill>
+                  <a:prstClr val="black"/>
+                </a:solidFill>
                 <a:latin typeface="Courier New" panose="02070309020205020404" pitchFamily="49" charset="0"/>
                 <a:cs typeface="Courier New" panose="02070309020205020404" pitchFamily="49" charset="0"/>
               </a:rPr>
               <a:t>}</a:t>
-            </a:r>
-            <a:endParaRPr lang="ru-RU" dirty="0">
-              <a:latin typeface="Courier New" panose="02070309020205020404" pitchFamily="49" charset="0"/>
-              <a:cs typeface="Courier New" panose="02070309020205020404" pitchFamily="49" charset="0"/>
-            </a:endParaRPr>
-          </a:p>
-          <a:p>
-            <a:pPr marL="457200" lvl="1" indent="0">
-              <a:buNone/>
-            </a:pPr>
-            <a:r>
-              <a:rPr lang="en-US" dirty="0">
-                <a:latin typeface="Courier New" panose="02070309020205020404" pitchFamily="49" charset="0"/>
-                <a:cs typeface="Courier New" panose="02070309020205020404" pitchFamily="49" charset="0"/>
-              </a:rPr>
-              <a:t>return false;</a:t>
             </a:r>
           </a:p>
         </p:txBody>
@@ -9125,7 +9522,7 @@
     </p:spTree>
     <p:extLst>
       <p:ext uri="{BB962C8B-B14F-4D97-AF65-F5344CB8AC3E}">
-        <p14:creationId xmlns:p14="http://schemas.microsoft.com/office/powerpoint/2010/main" val="1166501009"/>
+        <p14:creationId xmlns:p14="http://schemas.microsoft.com/office/powerpoint/2010/main" val="1470207012"/>
       </p:ext>
     </p:extLst>
   </p:cSld>
@@ -9219,7 +9616,7 @@
           <a:p>
             <a:r>
               <a:rPr lang="ru-RU" dirty="0"/>
-              <a:t>Но лучше</a:t>
+              <a:t>Простое исправление</a:t>
             </a:r>
             <a:r>
               <a:rPr lang="en-US" dirty="0"/>
@@ -9227,131 +9624,120 @@
             </a:r>
           </a:p>
           <a:p>
-            <a:pPr lvl="1"/>
-            <a:r>
-              <a:rPr lang="ru-RU" dirty="0"/>
-              <a:t>использовать `std::tie` и встроенный оператор сравнения кортежей</a:t>
-            </a:r>
-            <a:r>
-              <a:rPr lang="en-US" dirty="0"/>
-              <a:t>:</a:t>
-            </a:r>
-          </a:p>
-          <a:p>
-            <a:pPr marL="0" indent="0">
-              <a:buNone/>
-            </a:pPr>
-            <a:r>
-              <a:rPr lang="en-US" dirty="0">
-                <a:latin typeface="Courier New" panose="02070309020205020404" pitchFamily="49" charset="0"/>
-                <a:cs typeface="Courier New" panose="02070309020205020404" pitchFamily="49" charset="0"/>
-              </a:rPr>
-              <a:t>return std::tie(</a:t>
+            <a:endParaRPr lang="en-US" sz="200" dirty="0"/>
+          </a:p>
+          <a:p>
+            <a:pPr marL="457200" lvl="1" indent="0">
+              <a:buNone/>
+            </a:pPr>
+            <a:r>
+              <a:rPr lang="en-US" dirty="0">
+                <a:latin typeface="Courier New" panose="02070309020205020404" pitchFamily="49" charset="0"/>
+                <a:cs typeface="Courier New" panose="02070309020205020404" pitchFamily="49" charset="0"/>
+              </a:rPr>
+              <a:t>if (first &lt; </a:t>
             </a:r>
             <a:r>
               <a:rPr lang="en-US" dirty="0" err="1">
                 <a:latin typeface="Courier New" panose="02070309020205020404" pitchFamily="49" charset="0"/>
                 <a:cs typeface="Courier New" panose="02070309020205020404" pitchFamily="49" charset="0"/>
               </a:rPr>
-              <a:t>l.first</a:t>
-            </a:r>
-            <a:r>
-              <a:rPr lang="en-US" dirty="0">
-                <a:latin typeface="Courier New" panose="02070309020205020404" pitchFamily="49" charset="0"/>
-                <a:cs typeface="Courier New" panose="02070309020205020404" pitchFamily="49" charset="0"/>
-              </a:rPr>
-              <a:t>, </a:t>
+              <a:t>rhs.first</a:t>
+            </a:r>
+            <a:r>
+              <a:rPr lang="en-US" dirty="0">
+                <a:latin typeface="Courier New" panose="02070309020205020404" pitchFamily="49" charset="0"/>
+                <a:cs typeface="Courier New" panose="02070309020205020404" pitchFamily="49" charset="0"/>
+              </a:rPr>
+              <a:t>)</a:t>
+            </a:r>
+          </a:p>
+          <a:p>
+            <a:pPr marL="457200" lvl="1" indent="0">
+              <a:buNone/>
+            </a:pPr>
+            <a:r>
+              <a:rPr lang="en-US" dirty="0">
+                <a:latin typeface="Courier New" panose="02070309020205020404" pitchFamily="49" charset="0"/>
+                <a:cs typeface="Courier New" panose="02070309020205020404" pitchFamily="49" charset="0"/>
+              </a:rPr>
+              <a:t>  return true;</a:t>
+            </a:r>
+          </a:p>
+          <a:p>
+            <a:pPr marL="457200" lvl="1" indent="0">
+              <a:buNone/>
+            </a:pPr>
+            <a:r>
+              <a:rPr lang="en-US" dirty="0">
+                <a:latin typeface="Courier New" panose="02070309020205020404" pitchFamily="49" charset="0"/>
+                <a:cs typeface="Courier New" panose="02070309020205020404" pitchFamily="49" charset="0"/>
+              </a:rPr>
+              <a:t>else if (first == </a:t>
             </a:r>
             <a:r>
               <a:rPr lang="en-US" dirty="0" err="1">
                 <a:latin typeface="Courier New" panose="02070309020205020404" pitchFamily="49" charset="0"/>
                 <a:cs typeface="Courier New" panose="02070309020205020404" pitchFamily="49" charset="0"/>
               </a:rPr>
-              <a:t>l.second</a:t>
-            </a:r>
-            <a:r>
-              <a:rPr lang="en-US" dirty="0">
-                <a:latin typeface="Courier New" panose="02070309020205020404" pitchFamily="49" charset="0"/>
-                <a:cs typeface="Courier New" panose="02070309020205020404" pitchFamily="49" charset="0"/>
-              </a:rPr>
-              <a:t>) &lt; std::tie(</a:t>
+              <a:t>rhs.first</a:t>
+            </a:r>
+            <a:r>
+              <a:rPr lang="en-US" dirty="0">
+                <a:latin typeface="Courier New" panose="02070309020205020404" pitchFamily="49" charset="0"/>
+                <a:cs typeface="Courier New" panose="02070309020205020404" pitchFamily="49" charset="0"/>
+              </a:rPr>
+              <a:t> &amp;&amp; second &lt; </a:t>
             </a:r>
             <a:r>
               <a:rPr lang="en-US" dirty="0" err="1">
                 <a:latin typeface="Courier New" panose="02070309020205020404" pitchFamily="49" charset="0"/>
                 <a:cs typeface="Courier New" panose="02070309020205020404" pitchFamily="49" charset="0"/>
               </a:rPr>
-              <a:t>r.first</a:t>
-            </a:r>
-            <a:r>
-              <a:rPr lang="en-US" dirty="0">
-                <a:latin typeface="Courier New" panose="02070309020205020404" pitchFamily="49" charset="0"/>
-                <a:cs typeface="Courier New" panose="02070309020205020404" pitchFamily="49" charset="0"/>
-              </a:rPr>
-              <a:t>, </a:t>
-            </a:r>
-            <a:r>
-              <a:rPr lang="en-US" dirty="0" err="1">
-                <a:latin typeface="Courier New" panose="02070309020205020404" pitchFamily="49" charset="0"/>
-                <a:cs typeface="Courier New" panose="02070309020205020404" pitchFamily="49" charset="0"/>
-              </a:rPr>
-              <a:t>r.second</a:t>
-            </a:r>
-            <a:r>
-              <a:rPr lang="en-US" dirty="0">
-                <a:latin typeface="Courier New" panose="02070309020205020404" pitchFamily="49" charset="0"/>
-                <a:cs typeface="Courier New" panose="02070309020205020404" pitchFamily="49" charset="0"/>
-              </a:rPr>
-              <a:t>);</a:t>
-            </a:r>
-          </a:p>
-          <a:p>
-            <a:pPr lvl="1"/>
-            <a:r>
-              <a:rPr lang="en-US" dirty="0"/>
-              <a:t>(</a:t>
-            </a:r>
-            <a:r>
-              <a:rPr lang="ru-RU" dirty="0"/>
-              <a:t>C++20</a:t>
-            </a:r>
-            <a:r>
-              <a:rPr lang="en-US" dirty="0"/>
+              <a:t>rhs.second</a:t>
+            </a:r>
+            <a:r>
+              <a:rPr lang="en-US" dirty="0">
+                <a:latin typeface="Courier New" panose="02070309020205020404" pitchFamily="49" charset="0"/>
+                <a:cs typeface="Courier New" panose="02070309020205020404" pitchFamily="49" charset="0"/>
+              </a:rPr>
               <a:t>)</a:t>
             </a:r>
-            <a:r>
-              <a:rPr lang="ru-RU" dirty="0"/>
-              <a:t> использовать реализацию `operator &lt;=&gt;` по умолчанию</a:t>
-            </a:r>
-            <a:r>
-              <a:rPr lang="en-US" dirty="0"/>
-              <a:t>:</a:t>
-            </a:r>
-          </a:p>
-          <a:p>
-            <a:pPr marL="0" indent="0">
-              <a:buNone/>
-            </a:pPr>
-            <a:r>
-              <a:rPr lang="en-US" dirty="0">
-                <a:latin typeface="Courier New" panose="02070309020205020404" pitchFamily="49" charset="0"/>
-                <a:cs typeface="Courier New" panose="02070309020205020404" pitchFamily="49" charset="0"/>
-              </a:rPr>
-              <a:t>auto operator &lt;=&gt;(const </a:t>
-            </a:r>
-            <a:r>
-              <a:rPr lang="en-US" dirty="0" err="1">
-                <a:latin typeface="Courier New" panose="02070309020205020404" pitchFamily="49" charset="0"/>
-                <a:cs typeface="Courier New" panose="02070309020205020404" pitchFamily="49" charset="0"/>
-              </a:rPr>
-              <a:t>SomeClass</a:t>
-            </a:r>
-            <a:r>
-              <a:rPr lang="en-US" dirty="0">
-                <a:latin typeface="Courier New" panose="02070309020205020404" pitchFamily="49" charset="0"/>
-                <a:cs typeface="Courier New" panose="02070309020205020404" pitchFamily="49" charset="0"/>
-              </a:rPr>
-              <a:t> &amp;) const = default;</a:t>
+          </a:p>
+          <a:p>
+            <a:pPr marL="457200" lvl="1" indent="0">
+              <a:buNone/>
+            </a:pPr>
+            <a:r>
+              <a:rPr lang="en-US" dirty="0">
+                <a:latin typeface="Courier New" panose="02070309020205020404" pitchFamily="49" charset="0"/>
+                <a:cs typeface="Courier New" panose="02070309020205020404" pitchFamily="49" charset="0"/>
+              </a:rPr>
+              <a:t>  return true;</a:t>
+            </a:r>
+          </a:p>
+          <a:p>
+            <a:pPr marL="457200" lvl="1" indent="0">
+              <a:buNone/>
+            </a:pPr>
+            <a:r>
+              <a:rPr lang="en-US" dirty="0">
+                <a:latin typeface="Courier New" panose="02070309020205020404" pitchFamily="49" charset="0"/>
+                <a:cs typeface="Courier New" panose="02070309020205020404" pitchFamily="49" charset="0"/>
+              </a:rPr>
+              <a:t>else</a:t>
+            </a:r>
+          </a:p>
+          <a:p>
+            <a:pPr marL="457200" lvl="1" indent="0">
+              <a:buNone/>
+            </a:pPr>
+            <a:r>
+              <a:rPr lang="en-US" dirty="0">
+                <a:latin typeface="Courier New" panose="02070309020205020404" pitchFamily="49" charset="0"/>
+                <a:cs typeface="Courier New" panose="02070309020205020404" pitchFamily="49" charset="0"/>
+              </a:rPr>
+              <a:t>  return false;</a:t>
             </a:r>
           </a:p>
         </p:txBody>
@@ -9359,7 +9745,7 @@
     </p:spTree>
     <p:extLst>
       <p:ext uri="{BB962C8B-B14F-4D97-AF65-F5344CB8AC3E}">
-        <p14:creationId xmlns:p14="http://schemas.microsoft.com/office/powerpoint/2010/main" val="941950318"/>
+        <p14:creationId xmlns:p14="http://schemas.microsoft.com/office/powerpoint/2010/main" val="1166501009"/>
       </p:ext>
     </p:extLst>
   </p:cSld>
@@ -9391,6 +9777,279 @@
           <p:cNvPr id="2" name="Title 1">
             <a:extLst>
               <a:ext uri="{FF2B5EF4-FFF2-40B4-BE49-F238E27FC236}">
+                <a16:creationId xmlns:a16="http://schemas.microsoft.com/office/drawing/2014/main" id="{680D122F-8A3D-4D58-A0A5-9A5AC33760D9}"/>
+              </a:ext>
+            </a:extLst>
+          </p:cNvPr>
+          <p:cNvSpPr>
+            <a:spLocks noGrp="1"/>
+          </p:cNvSpPr>
+          <p:nvPr>
+            <p:ph type="title"/>
+          </p:nvPr>
+        </p:nvSpPr>
+        <p:spPr/>
+        <p:txBody>
+          <a:bodyPr/>
+          <a:lstStyle/>
+          <a:p>
+            <a:r>
+              <a:rPr lang="ru-RU" dirty="0"/>
+              <a:t>Частые ошибки</a:t>
+            </a:r>
+            <a:r>
+              <a:rPr lang="en-US" dirty="0"/>
+              <a:t>: </a:t>
+            </a:r>
+            <a:r>
+              <a:rPr lang="ru-RU" dirty="0"/>
+              <a:t>лексикографический порядок</a:t>
+            </a:r>
+            <a:endParaRPr lang="en-US" dirty="0"/>
+          </a:p>
+        </p:txBody>
+      </p:sp>
+      <p:sp>
+        <p:nvSpPr>
+          <p:cNvPr id="3" name="Content Placeholder 2">
+            <a:extLst>
+              <a:ext uri="{FF2B5EF4-FFF2-40B4-BE49-F238E27FC236}">
+                <a16:creationId xmlns:a16="http://schemas.microsoft.com/office/drawing/2014/main" id="{EF38A0C2-67EB-4D5D-A96E-FD883EF4688E}"/>
+              </a:ext>
+            </a:extLst>
+          </p:cNvPr>
+          <p:cNvSpPr>
+            <a:spLocks noGrp="1"/>
+          </p:cNvSpPr>
+          <p:nvPr>
+            <p:ph idx="1"/>
+          </p:nvPr>
+        </p:nvSpPr>
+        <p:spPr>
+          <a:xfrm>
+            <a:off x="838200" y="1825625"/>
+            <a:ext cx="10744200" cy="4667250"/>
+          </a:xfrm>
+        </p:spPr>
+        <p:txBody>
+          <a:bodyPr>
+            <a:normAutofit/>
+          </a:bodyPr>
+          <a:lstStyle/>
+          <a:p>
+            <a:r>
+              <a:rPr lang="ru-RU" dirty="0"/>
+              <a:t>Но лучше</a:t>
+            </a:r>
+            <a:r>
+              <a:rPr lang="en-US" dirty="0"/>
+              <a:t>:</a:t>
+            </a:r>
+          </a:p>
+          <a:p>
+            <a:pPr lvl="1"/>
+            <a:r>
+              <a:rPr lang="ru-RU" dirty="0"/>
+              <a:t>использовать </a:t>
+            </a:r>
+            <a:r>
+              <a:rPr lang="ru-RU" dirty="0">
+                <a:latin typeface="Courier New" panose="02070309020205020404" pitchFamily="49" charset="0"/>
+                <a:cs typeface="Courier New" panose="02070309020205020404" pitchFamily="49" charset="0"/>
+              </a:rPr>
+              <a:t>std::tie</a:t>
+            </a:r>
+            <a:r>
+              <a:rPr lang="ru-RU" dirty="0"/>
+              <a:t> и встроенный оператор сравнения кортежей</a:t>
+            </a:r>
+            <a:r>
+              <a:rPr lang="en-US" dirty="0"/>
+              <a:t>:</a:t>
+            </a:r>
+          </a:p>
+          <a:p>
+            <a:pPr lvl="1"/>
+            <a:endParaRPr lang="en-US" dirty="0"/>
+          </a:p>
+          <a:p>
+            <a:pPr marL="0" indent="0">
+              <a:buNone/>
+            </a:pPr>
+            <a:r>
+              <a:rPr lang="en-US" dirty="0">
+                <a:latin typeface="Courier New" panose="02070309020205020404" pitchFamily="49" charset="0"/>
+                <a:cs typeface="Courier New" panose="02070309020205020404" pitchFamily="49" charset="0"/>
+              </a:rPr>
+              <a:t>return std::tie(</a:t>
+            </a:r>
+            <a:r>
+              <a:rPr lang="en-US" dirty="0" err="1">
+                <a:latin typeface="Courier New" panose="02070309020205020404" pitchFamily="49" charset="0"/>
+                <a:cs typeface="Courier New" panose="02070309020205020404" pitchFamily="49" charset="0"/>
+              </a:rPr>
+              <a:t>l.first</a:t>
+            </a:r>
+            <a:r>
+              <a:rPr lang="en-US" dirty="0">
+                <a:latin typeface="Courier New" panose="02070309020205020404" pitchFamily="49" charset="0"/>
+                <a:cs typeface="Courier New" panose="02070309020205020404" pitchFamily="49" charset="0"/>
+              </a:rPr>
+              <a:t>, </a:t>
+            </a:r>
+            <a:r>
+              <a:rPr lang="en-US" dirty="0" err="1">
+                <a:latin typeface="Courier New" panose="02070309020205020404" pitchFamily="49" charset="0"/>
+                <a:cs typeface="Courier New" panose="02070309020205020404" pitchFamily="49" charset="0"/>
+              </a:rPr>
+              <a:t>l.second</a:t>
+            </a:r>
+            <a:r>
+              <a:rPr lang="en-US" dirty="0">
+                <a:latin typeface="Courier New" panose="02070309020205020404" pitchFamily="49" charset="0"/>
+                <a:cs typeface="Courier New" panose="02070309020205020404" pitchFamily="49" charset="0"/>
+              </a:rPr>
+              <a:t>) &lt; std::tie(</a:t>
+            </a:r>
+            <a:r>
+              <a:rPr lang="en-US" dirty="0" err="1">
+                <a:latin typeface="Courier New" panose="02070309020205020404" pitchFamily="49" charset="0"/>
+                <a:cs typeface="Courier New" panose="02070309020205020404" pitchFamily="49" charset="0"/>
+              </a:rPr>
+              <a:t>r.first</a:t>
+            </a:r>
+            <a:r>
+              <a:rPr lang="en-US" dirty="0">
+                <a:latin typeface="Courier New" panose="02070309020205020404" pitchFamily="49" charset="0"/>
+                <a:cs typeface="Courier New" panose="02070309020205020404" pitchFamily="49" charset="0"/>
+              </a:rPr>
+              <a:t>, </a:t>
+            </a:r>
+            <a:r>
+              <a:rPr lang="en-US" dirty="0" err="1">
+                <a:latin typeface="Courier New" panose="02070309020205020404" pitchFamily="49" charset="0"/>
+                <a:cs typeface="Courier New" panose="02070309020205020404" pitchFamily="49" charset="0"/>
+              </a:rPr>
+              <a:t>r.second</a:t>
+            </a:r>
+            <a:r>
+              <a:rPr lang="en-US" dirty="0">
+                <a:latin typeface="Courier New" panose="02070309020205020404" pitchFamily="49" charset="0"/>
+                <a:cs typeface="Courier New" panose="02070309020205020404" pitchFamily="49" charset="0"/>
+              </a:rPr>
+              <a:t>);</a:t>
+            </a:r>
+          </a:p>
+          <a:p>
+            <a:pPr lvl="1"/>
+            <a:endParaRPr lang="en-US" dirty="0"/>
+          </a:p>
+          <a:p>
+            <a:pPr lvl="1"/>
+            <a:r>
+              <a:rPr lang="en-US" dirty="0"/>
+              <a:t>(</a:t>
+            </a:r>
+            <a:r>
+              <a:rPr lang="ru-RU" dirty="0"/>
+              <a:t>C++20</a:t>
+            </a:r>
+            <a:r>
+              <a:rPr lang="en-US" dirty="0"/>
+              <a:t>)</a:t>
+            </a:r>
+            <a:r>
+              <a:rPr lang="ru-RU" dirty="0"/>
+              <a:t> использовать реализацию </a:t>
+            </a:r>
+            <a:r>
+              <a:rPr lang="ru-RU" dirty="0">
+                <a:latin typeface="Courier New" panose="02070309020205020404" pitchFamily="49" charset="0"/>
+                <a:cs typeface="Courier New" panose="02070309020205020404" pitchFamily="49" charset="0"/>
+              </a:rPr>
+              <a:t>operator&lt;=&gt;</a:t>
+            </a:r>
+            <a:r>
+              <a:rPr lang="ru-RU" dirty="0"/>
+              <a:t> по умолчанию</a:t>
+            </a:r>
+            <a:r>
+              <a:rPr lang="en-US" dirty="0"/>
+              <a:t>:</a:t>
+            </a:r>
+          </a:p>
+          <a:p>
+            <a:pPr marL="0" indent="0">
+              <a:buNone/>
+            </a:pPr>
+            <a:endParaRPr lang="en-US" dirty="0">
+              <a:latin typeface="Courier New" panose="02070309020205020404" pitchFamily="49" charset="0"/>
+              <a:cs typeface="Courier New" panose="02070309020205020404" pitchFamily="49" charset="0"/>
+            </a:endParaRPr>
+          </a:p>
+          <a:p>
+            <a:pPr marL="0" indent="0">
+              <a:buNone/>
+            </a:pPr>
+            <a:r>
+              <a:rPr lang="en-US" dirty="0">
+                <a:latin typeface="Courier New" panose="02070309020205020404" pitchFamily="49" charset="0"/>
+                <a:cs typeface="Courier New" panose="02070309020205020404" pitchFamily="49" charset="0"/>
+              </a:rPr>
+              <a:t>auto operator&lt;=&gt;(const </a:t>
+            </a:r>
+            <a:r>
+              <a:rPr lang="en-US" dirty="0" err="1">
+                <a:latin typeface="Courier New" panose="02070309020205020404" pitchFamily="49" charset="0"/>
+                <a:cs typeface="Courier New" panose="02070309020205020404" pitchFamily="49" charset="0"/>
+              </a:rPr>
+              <a:t>SomeClass</a:t>
+            </a:r>
+            <a:r>
+              <a:rPr lang="en-US" dirty="0">
+                <a:latin typeface="Courier New" panose="02070309020205020404" pitchFamily="49" charset="0"/>
+                <a:cs typeface="Courier New" panose="02070309020205020404" pitchFamily="49" charset="0"/>
+              </a:rPr>
+              <a:t> &amp;) const = default;</a:t>
+            </a:r>
+          </a:p>
+        </p:txBody>
+      </p:sp>
+    </p:spTree>
+    <p:extLst>
+      <p:ext uri="{BB962C8B-B14F-4D97-AF65-F5344CB8AC3E}">
+        <p14:creationId xmlns:p14="http://schemas.microsoft.com/office/powerpoint/2010/main" val="941950318"/>
+      </p:ext>
+    </p:extLst>
+  </p:cSld>
+  <p:clrMapOvr>
+    <a:masterClrMapping/>
+  </p:clrMapOvr>
+</p:sld>
+</file>
+
+<file path=ppt/slides/slide26.xml><?xml version="1.0" encoding="utf-8"?>
+<p:sld xmlns:a="http://schemas.openxmlformats.org/drawingml/2006/main" xmlns:r="http://schemas.openxmlformats.org/officeDocument/2006/relationships" xmlns:p="http://schemas.openxmlformats.org/presentationml/2006/main">
+  <p:cSld>
+    <p:spTree>
+      <p:nvGrpSpPr>
+        <p:cNvPr id="1" name=""/>
+        <p:cNvGrpSpPr/>
+        <p:nvPr/>
+      </p:nvGrpSpPr>
+      <p:grpSpPr>
+        <a:xfrm>
+          <a:off x="0" y="0"/>
+          <a:ext cx="0" cy="0"/>
+          <a:chOff x="0" y="0"/>
+          <a:chExt cx="0" cy="0"/>
+        </a:xfrm>
+      </p:grpSpPr>
+      <p:sp>
+        <p:nvSpPr>
+          <p:cNvPr id="2" name="Title 1">
+            <a:extLst>
+              <a:ext uri="{FF2B5EF4-FFF2-40B4-BE49-F238E27FC236}">
                 <a16:creationId xmlns:a16="http://schemas.microsoft.com/office/drawing/2014/main" id="{A9139C6D-A5F5-48C1-AE3E-FAC5A61742CF}"/>
               </a:ext>
             </a:extLst>
@@ -9507,7 +10166,7 @@
 </p:sld>
 </file>
 
-<file path=ppt/slides/slide26.xml><?xml version="1.0" encoding="utf-8"?>
+<file path=ppt/slides/slide27.xml><?xml version="1.0" encoding="utf-8"?>
 <p:sld xmlns:a="http://schemas.openxmlformats.org/drawingml/2006/main" xmlns:r="http://schemas.openxmlformats.org/officeDocument/2006/relationships" xmlns:p="http://schemas.openxmlformats.org/presentationml/2006/main">
   <p:cSld>
     <p:spTree>
@@ -9774,103 +10433,6 @@
 </p:sld>
 </file>
 
-<file path=ppt/slides/slide27.xml><?xml version="1.0" encoding="utf-8"?>
-<p:sld xmlns:a="http://schemas.openxmlformats.org/drawingml/2006/main" xmlns:r="http://schemas.openxmlformats.org/officeDocument/2006/relationships" xmlns:p="http://schemas.openxmlformats.org/presentationml/2006/main">
-  <p:cSld>
-    <p:spTree>
-      <p:nvGrpSpPr>
-        <p:cNvPr id="1" name=""/>
-        <p:cNvGrpSpPr/>
-        <p:nvPr/>
-      </p:nvGrpSpPr>
-      <p:grpSpPr>
-        <a:xfrm>
-          <a:off x="0" y="0"/>
-          <a:ext cx="0" cy="0"/>
-          <a:chOff x="0" y="0"/>
-          <a:chExt cx="0" cy="0"/>
-        </a:xfrm>
-      </p:grpSpPr>
-      <p:sp>
-        <p:nvSpPr>
-          <p:cNvPr id="2" name="Title 1">
-            <a:extLst>
-              <a:ext uri="{FF2B5EF4-FFF2-40B4-BE49-F238E27FC236}">
-                <a16:creationId xmlns:a16="http://schemas.microsoft.com/office/drawing/2014/main" id="{429AD173-F98F-4113-8E49-154B89B75B60}"/>
-              </a:ext>
-            </a:extLst>
-          </p:cNvPr>
-          <p:cNvSpPr>
-            <a:spLocks noGrp="1"/>
-          </p:cNvSpPr>
-          <p:nvPr>
-            <p:ph type="title"/>
-          </p:nvPr>
-        </p:nvSpPr>
-        <p:spPr/>
-        <p:txBody>
-          <a:bodyPr/>
-          <a:lstStyle/>
-          <a:p>
-            <a:r>
-              <a:rPr lang="ru-RU" dirty="0"/>
-              <a:t>Частые ошибки</a:t>
-            </a:r>
-            <a:r>
-              <a:rPr lang="en-US" dirty="0"/>
-              <a:t>: </a:t>
-            </a:r>
-            <a:r>
-              <a:rPr lang="en-US" dirty="0" err="1"/>
-              <a:t>NaN</a:t>
-            </a:r>
-            <a:endParaRPr lang="en-US" dirty="0"/>
-          </a:p>
-        </p:txBody>
-      </p:sp>
-      <p:pic>
-        <p:nvPicPr>
-          <p:cNvPr id="5" name="Picture 4">
-            <a:extLst>
-              <a:ext uri="{FF2B5EF4-FFF2-40B4-BE49-F238E27FC236}">
-                <a16:creationId xmlns:a16="http://schemas.microsoft.com/office/drawing/2014/main" id="{A99C8BA8-7EFC-48FD-B45D-26D429518C43}"/>
-              </a:ext>
-            </a:extLst>
-          </p:cNvPr>
-          <p:cNvPicPr>
-            <a:picLocks noChangeAspect="1"/>
-          </p:cNvPicPr>
-          <p:nvPr/>
-        </p:nvPicPr>
-        <p:blipFill>
-          <a:blip r:embed="rId2"/>
-          <a:stretch>
-            <a:fillRect/>
-          </a:stretch>
-        </p:blipFill>
-        <p:spPr>
-          <a:xfrm>
-            <a:off x="1688646" y="1582509"/>
-            <a:ext cx="8762312" cy="4910365"/>
-          </a:xfrm>
-          <a:prstGeom prst="rect">
-            <a:avLst/>
-          </a:prstGeom>
-        </p:spPr>
-      </p:pic>
-    </p:spTree>
-    <p:extLst>
-      <p:ext uri="{BB962C8B-B14F-4D97-AF65-F5344CB8AC3E}">
-        <p14:creationId xmlns:p14="http://schemas.microsoft.com/office/powerpoint/2010/main" val="815457411"/>
-      </p:ext>
-    </p:extLst>
-  </p:cSld>
-  <p:clrMapOvr>
-    <a:masterClrMapping/>
-  </p:clrMapOvr>
-</p:sld>
-</file>
-
 <file path=ppt/slides/slide28.xml><?xml version="1.0" encoding="utf-8"?>
 <p:sld xmlns:a="http://schemas.openxmlformats.org/drawingml/2006/main" xmlns:r="http://schemas.openxmlformats.org/officeDocument/2006/relationships" xmlns:p="http://schemas.openxmlformats.org/presentationml/2006/main">
   <p:cSld>
@@ -9944,7 +10506,7 @@
         <p:spPr/>
         <p:txBody>
           <a:bodyPr>
-            <a:normAutofit fontScale="62500" lnSpcReduction="20000"/>
+            <a:normAutofit lnSpcReduction="10000"/>
           </a:bodyPr>
           <a:lstStyle/>
           <a:p>
@@ -9980,7 +10542,7 @@
                 <a:latin typeface="Courier New" panose="02070309020205020404" pitchFamily="49" charset="0"/>
                 <a:cs typeface="Courier New" panose="02070309020205020404" pitchFamily="49" charset="0"/>
               </a:rPr>
-              <a:t>    100,</a:t>
+              <a:t>    100, 5, 3, NAN, 200, 11</a:t>
             </a:r>
           </a:p>
           <a:p>
@@ -9992,7 +10554,7 @@
                 <a:latin typeface="Courier New" panose="02070309020205020404" pitchFamily="49" charset="0"/>
                 <a:cs typeface="Courier New" panose="02070309020205020404" pitchFamily="49" charset="0"/>
               </a:rPr>
-              <a:t>    5,</a:t>
+              <a:t>  };</a:t>
             </a:r>
           </a:p>
           <a:p>
@@ -10004,7 +10566,7 @@
                 <a:latin typeface="Courier New" panose="02070309020205020404" pitchFamily="49" charset="0"/>
                 <a:cs typeface="Courier New" panose="02070309020205020404" pitchFamily="49" charset="0"/>
               </a:rPr>
-              <a:t>    3,</a:t>
+              <a:t>  std::sort(&amp;a[0], &amp;a[std::size(a)]);</a:t>
             </a:r>
           </a:p>
           <a:p>
@@ -10016,7 +10578,7 @@
                 <a:latin typeface="Courier New" panose="02070309020205020404" pitchFamily="49" charset="0"/>
                 <a:cs typeface="Courier New" panose="02070309020205020404" pitchFamily="49" charset="0"/>
               </a:rPr>
-              <a:t>    NAN,</a:t>
+              <a:t>  for (auto x : a)</a:t>
             </a:r>
           </a:p>
           <a:p>
@@ -10028,83 +10590,7 @@
                 <a:latin typeface="Courier New" panose="02070309020205020404" pitchFamily="49" charset="0"/>
                 <a:cs typeface="Courier New" panose="02070309020205020404" pitchFamily="49" charset="0"/>
               </a:rPr>
-              <a:t>    200,</a:t>
-            </a:r>
-          </a:p>
-          <a:p>
-            <a:pPr marL="0" indent="0">
-              <a:buNone/>
-            </a:pPr>
-            <a:r>
-              <a:rPr lang="en-US" dirty="0">
-                <a:latin typeface="Courier New" panose="02070309020205020404" pitchFamily="49" charset="0"/>
-                <a:cs typeface="Courier New" panose="02070309020205020404" pitchFamily="49" charset="0"/>
-              </a:rPr>
-              <a:t>    11</a:t>
-            </a:r>
-          </a:p>
-          <a:p>
-            <a:pPr marL="0" indent="0">
-              <a:buNone/>
-            </a:pPr>
-            <a:r>
-              <a:rPr lang="en-US" dirty="0">
-                <a:latin typeface="Courier New" panose="02070309020205020404" pitchFamily="49" charset="0"/>
-                <a:cs typeface="Courier New" panose="02070309020205020404" pitchFamily="49" charset="0"/>
-              </a:rPr>
-              <a:t>  };</a:t>
-            </a:r>
-          </a:p>
-          <a:p>
-            <a:pPr marL="0" indent="0">
-              <a:buNone/>
-            </a:pPr>
-            <a:r>
-              <a:rPr lang="en-US" dirty="0">
-                <a:latin typeface="Courier New" panose="02070309020205020404" pitchFamily="49" charset="0"/>
-                <a:cs typeface="Courier New" panose="02070309020205020404" pitchFamily="49" charset="0"/>
-              </a:rPr>
-              <a:t>  std::sort(&amp;a[0], &amp;a[</a:t>
-            </a:r>
-            <a:r>
-              <a:rPr lang="en-US" dirty="0" err="1">
-                <a:latin typeface="Courier New" panose="02070309020205020404" pitchFamily="49" charset="0"/>
-                <a:cs typeface="Courier New" panose="02070309020205020404" pitchFamily="49" charset="0"/>
-              </a:rPr>
-              <a:t>sizeof</a:t>
-            </a:r>
-            <a:r>
-              <a:rPr lang="en-US" dirty="0">
-                <a:latin typeface="Courier New" panose="02070309020205020404" pitchFamily="49" charset="0"/>
-                <a:cs typeface="Courier New" panose="02070309020205020404" pitchFamily="49" charset="0"/>
-              </a:rPr>
-              <a:t>(a)/</a:t>
-            </a:r>
-            <a:r>
-              <a:rPr lang="en-US" dirty="0" err="1">
-                <a:latin typeface="Courier New" panose="02070309020205020404" pitchFamily="49" charset="0"/>
-                <a:cs typeface="Courier New" panose="02070309020205020404" pitchFamily="49" charset="0"/>
-              </a:rPr>
-              <a:t>sizeof</a:t>
-            </a:r>
-            <a:r>
-              <a:rPr lang="en-US" dirty="0">
-                <a:latin typeface="Courier New" panose="02070309020205020404" pitchFamily="49" charset="0"/>
-                <a:cs typeface="Courier New" panose="02070309020205020404" pitchFamily="49" charset="0"/>
-              </a:rPr>
-              <a:t>(a[0])]);</a:t>
-            </a:r>
-          </a:p>
-          <a:p>
-            <a:pPr marL="0" indent="0">
-              <a:buNone/>
-            </a:pPr>
-            <a:r>
-              <a:rPr lang="en-US" dirty="0">
-                <a:latin typeface="Courier New" panose="02070309020205020404" pitchFamily="49" charset="0"/>
-                <a:cs typeface="Courier New" panose="02070309020205020404" pitchFamily="49" charset="0"/>
-              </a:rPr>
-              <a:t>  for (auto x : a) std::</a:t>
+              <a:t>    std::</a:t>
             </a:r>
             <a:r>
               <a:rPr lang="en-US" dirty="0" err="1">
@@ -10421,8 +10907,13 @@
           <a:p>
             <a:r>
               <a:rPr lang="ru-RU" dirty="0"/>
-              <a:t>Пример ошибки</a:t>
-            </a:r>
+              <a:t>Пример </a:t>
+            </a:r>
+            <a:r>
+              <a:rPr lang="en-US" dirty="0"/>
+              <a:t>UB</a:t>
+            </a:r>
+            <a:endParaRPr lang="ru-RU" dirty="0"/>
           </a:p>
           <a:p>
             <a:r>
@@ -10433,7 +10924,7 @@
           <a:p>
             <a:r>
               <a:rPr lang="ru-RU" dirty="0"/>
-              <a:t>Типичные ошибки</a:t>
+              <a:t>Самые частые ошибки</a:t>
             </a:r>
           </a:p>
           <a:p>
@@ -10778,35 +11269,7 @@
                 <a:latin typeface="Courier New" panose="02070309020205020404" pitchFamily="49" charset="0"/>
                 <a:cs typeface="Courier New" panose="02070309020205020404" pitchFamily="49" charset="0"/>
               </a:rPr>
-              <a:t>                          &amp;a[</a:t>
-            </a:r>
-            <a:r>
-              <a:rPr lang="en-US" dirty="0" err="1">
-                <a:latin typeface="Courier New" panose="02070309020205020404" pitchFamily="49" charset="0"/>
-                <a:cs typeface="Courier New" panose="02070309020205020404" pitchFamily="49" charset="0"/>
-              </a:rPr>
-              <a:t>sizeof</a:t>
-            </a:r>
-            <a:r>
-              <a:rPr lang="en-US" dirty="0">
-                <a:latin typeface="Courier New" panose="02070309020205020404" pitchFamily="49" charset="0"/>
-                <a:cs typeface="Courier New" panose="02070309020205020404" pitchFamily="49" charset="0"/>
-              </a:rPr>
-              <a:t>(a)/</a:t>
-            </a:r>
-            <a:r>
-              <a:rPr lang="en-US" dirty="0" err="1">
-                <a:latin typeface="Courier New" panose="02070309020205020404" pitchFamily="49" charset="0"/>
-                <a:cs typeface="Courier New" panose="02070309020205020404" pitchFamily="49" charset="0"/>
-              </a:rPr>
-              <a:t>sizeof</a:t>
-            </a:r>
-            <a:r>
-              <a:rPr lang="en-US" dirty="0">
-                <a:latin typeface="Courier New" panose="02070309020205020404" pitchFamily="49" charset="0"/>
-                <a:cs typeface="Courier New" panose="02070309020205020404" pitchFamily="49" charset="0"/>
-              </a:rPr>
-              <a:t>(a[0])],</a:t>
+              <a:t>                          &amp;a[std::size(a)],</a:t>
             </a:r>
           </a:p>
           <a:p>
@@ -10947,7 +11410,12 @@
             <p:ph idx="1"/>
           </p:nvPr>
         </p:nvSpPr>
-        <p:spPr/>
+        <p:spPr>
+          <a:xfrm>
+            <a:off x="1055914" y="1923596"/>
+            <a:ext cx="10515600" cy="4351338"/>
+          </a:xfrm>
+        </p:spPr>
         <p:txBody>
           <a:bodyPr>
             <a:normAutofit/>
@@ -10975,7 +11443,7 @@
                 <a:latin typeface="Courier New" panose="02070309020205020404" pitchFamily="49" charset="0"/>
                 <a:cs typeface="Courier New" panose="02070309020205020404" pitchFamily="49" charset="0"/>
               </a:rPr>
-              <a:t>uniq_ptr</a:t>
+              <a:t>unique_ptr</a:t>
             </a:r>
             <a:r>
               <a:rPr lang="en-US" sz="2400" dirty="0">
@@ -11005,7 +11473,22 @@
                 <a:latin typeface="Courier New" panose="02070309020205020404" pitchFamily="49" charset="0"/>
                 <a:cs typeface="Courier New" panose="02070309020205020404" pitchFamily="49" charset="0"/>
               </a:rPr>
-              <a:t>&gt; l, std::</a:t>
+              <a:t>&gt; a,</a:t>
+            </a:r>
+          </a:p>
+          <a:p>
+            <a:pPr marL="0" indent="0">
+              <a:buNone/>
+            </a:pPr>
+            <a:r>
+              <a:rPr lang="en-US" sz="2400" dirty="0">
+                <a:solidFill>
+                  <a:prstClr val="black"/>
+                </a:solidFill>
+                <a:latin typeface="Courier New" panose="02070309020205020404" pitchFamily="49" charset="0"/>
+                <a:cs typeface="Courier New" panose="02070309020205020404" pitchFamily="49" charset="0"/>
+              </a:rPr>
+              <a:t>   std::</a:t>
             </a:r>
             <a:r>
               <a:rPr lang="en-US" sz="2400" dirty="0" err="1">
@@ -11015,7 +11498,7 @@
                 <a:latin typeface="Courier New" panose="02070309020205020404" pitchFamily="49" charset="0"/>
                 <a:cs typeface="Courier New" panose="02070309020205020404" pitchFamily="49" charset="0"/>
               </a:rPr>
-              <a:t>uniq_ptr</a:t>
+              <a:t>unique_ptr</a:t>
             </a:r>
             <a:r>
               <a:rPr lang="en-US" sz="2400" dirty="0">
@@ -11045,7 +11528,7 @@
                 <a:latin typeface="Courier New" panose="02070309020205020404" pitchFamily="49" charset="0"/>
                 <a:cs typeface="Courier New" panose="02070309020205020404" pitchFamily="49" charset="0"/>
               </a:rPr>
-              <a:t>&gt; r) {</a:t>
+              <a:t>&gt; b) {</a:t>
             </a:r>
           </a:p>
           <a:p>
@@ -11070,7 +11553,7 @@
                 <a:latin typeface="Courier New" panose="02070309020205020404" pitchFamily="49" charset="0"/>
                 <a:cs typeface="Courier New" panose="02070309020205020404" pitchFamily="49" charset="0"/>
               </a:rPr>
-              <a:t>l.get</a:t>
+              <a:t>a.get</a:t>
             </a:r>
             <a:r>
               <a:rPr lang="en-US" sz="2400" dirty="0">
@@ -11110,13 +11593,18 @@
                 <a:latin typeface="Courier New" panose="02070309020205020404" pitchFamily="49" charset="0"/>
                 <a:cs typeface="Courier New" panose="02070309020205020404" pitchFamily="49" charset="0"/>
               </a:rPr>
-              <a:t>  else</a:t>
-            </a:r>
-          </a:p>
-          <a:p>
-            <a:pPr marL="0" indent="0">
-              <a:buNone/>
-            </a:pPr>
+              <a:t>  else if (!</a:t>
+            </a:r>
+            <a:r>
+              <a:rPr lang="en-US" sz="2400" dirty="0" err="1">
+                <a:solidFill>
+                  <a:prstClr val="black"/>
+                </a:solidFill>
+                <a:latin typeface="Courier New" panose="02070309020205020404" pitchFamily="49" charset="0"/>
+                <a:cs typeface="Courier New" panose="02070309020205020404" pitchFamily="49" charset="0"/>
+              </a:rPr>
+              <a:t>b.get</a:t>
+            </a:r>
             <a:r>
               <a:rPr lang="en-US" sz="2400" dirty="0">
                 <a:solidFill>
@@ -11125,7 +11613,52 @@
                 <a:latin typeface="Courier New" panose="02070309020205020404" pitchFamily="49" charset="0"/>
                 <a:cs typeface="Courier New" panose="02070309020205020404" pitchFamily="49" charset="0"/>
               </a:rPr>
-              <a:t>    ...</a:t>
+              <a:t>())</a:t>
+            </a:r>
+          </a:p>
+          <a:p>
+            <a:pPr marL="0" indent="0">
+              <a:buNone/>
+            </a:pPr>
+            <a:r>
+              <a:rPr lang="en-US" sz="2400" dirty="0">
+                <a:solidFill>
+                  <a:prstClr val="black"/>
+                </a:solidFill>
+                <a:latin typeface="Courier New" panose="02070309020205020404" pitchFamily="49" charset="0"/>
+                <a:cs typeface="Courier New" panose="02070309020205020404" pitchFamily="49" charset="0"/>
+              </a:rPr>
+              <a:t>    return false;</a:t>
+            </a:r>
+          </a:p>
+          <a:p>
+            <a:pPr marL="0" indent="0">
+              <a:buNone/>
+            </a:pPr>
+            <a:r>
+              <a:rPr lang="en-US" sz="2400" dirty="0">
+                <a:solidFill>
+                  <a:prstClr val="black"/>
+                </a:solidFill>
+                <a:latin typeface="Courier New" panose="02070309020205020404" pitchFamily="49" charset="0"/>
+                <a:cs typeface="Courier New" panose="02070309020205020404" pitchFamily="49" charset="0"/>
+              </a:rPr>
+              <a:t>  else</a:t>
+            </a:r>
+          </a:p>
+          <a:p>
+            <a:pPr marL="0" indent="0">
+              <a:buNone/>
+            </a:pPr>
+            <a:r>
+              <a:rPr lang="en-US" sz="2400" dirty="0">
+                <a:solidFill>
+                  <a:prstClr val="black"/>
+                </a:solidFill>
+                <a:latin typeface="Courier New" panose="02070309020205020404" pitchFamily="49" charset="0"/>
+                <a:cs typeface="Courier New" panose="02070309020205020404" pitchFamily="49" charset="0"/>
+              </a:rPr>
+              <a:t>    return *a &lt; *b;</a:t>
             </a:r>
           </a:p>
           <a:p>
@@ -11151,15 +11684,6 @@
             </a:endParaRPr>
           </a:p>
           <a:p>
-            <a:r>
-              <a:rPr lang="ru-RU" dirty="0">
-                <a:solidFill>
-                  <a:prstClr val="black"/>
-                </a:solidFill>
-                <a:cs typeface="Courier New" panose="02070309020205020404" pitchFamily="49" charset="0"/>
-              </a:rPr>
-              <a:t>Нарушается иррефлексивность и антисимметричность если второй операнд тоже нулевой</a:t>
-            </a:r>
             <a:endParaRPr lang="en-US" dirty="0">
               <a:solidFill>
                 <a:prstClr val="black"/>
@@ -11167,13 +11691,49 @@
               <a:cs typeface="Courier New" panose="02070309020205020404" pitchFamily="49" charset="0"/>
             </a:endParaRPr>
           </a:p>
-          <a:p>
-            <a:endParaRPr lang="en-US" dirty="0">
-              <a:solidFill>
-                <a:prstClr val="black"/>
-              </a:solidFill>
-              <a:cs typeface="Courier New" panose="02070309020205020404" pitchFamily="49" charset="0"/>
-            </a:endParaRPr>
+        </p:txBody>
+      </p:sp>
+      <p:sp>
+        <p:nvSpPr>
+          <p:cNvPr id="4" name="TextBox 3">
+            <a:extLst>
+              <a:ext uri="{FF2B5EF4-FFF2-40B4-BE49-F238E27FC236}">
+                <a16:creationId xmlns:a16="http://schemas.microsoft.com/office/drawing/2014/main" id="{51CFEC94-8D09-4A6E-A1A2-472C761ADA7D}"/>
+              </a:ext>
+            </a:extLst>
+          </p:cNvPr>
+          <p:cNvSpPr txBox="1"/>
+          <p:nvPr/>
+        </p:nvSpPr>
+        <p:spPr>
+          <a:xfrm>
+            <a:off x="8186057" y="2242457"/>
+            <a:ext cx="2362200" cy="1477328"/>
+          </a:xfrm>
+          <a:prstGeom prst="rect">
+            <a:avLst/>
+          </a:prstGeom>
+          <a:noFill/>
+        </p:spPr>
+        <p:txBody>
+          <a:bodyPr wrap="square" rtlCol="0">
+            <a:spAutoFit/>
+          </a:bodyPr>
+          <a:lstStyle/>
+          <a:p>
+            <a:r>
+              <a:rPr lang="ru-RU" dirty="0"/>
+              <a:t>Нарушена иррефлексивность и антисимметричность</a:t>
+            </a:r>
+            <a:r>
+              <a:rPr lang="en-US" dirty="0"/>
+              <a:t> </a:t>
+            </a:r>
+            <a:r>
+              <a:rPr lang="ru-RU" dirty="0"/>
+              <a:t>если оба операнда нулевые</a:t>
+            </a:r>
+            <a:endParaRPr lang="en-US" dirty="0"/>
           </a:p>
         </p:txBody>
       </p:sp>
@@ -11212,7 +11772,7 @@
           <p:cNvPr id="2" name="Title 1">
             <a:extLst>
               <a:ext uri="{FF2B5EF4-FFF2-40B4-BE49-F238E27FC236}">
-                <a16:creationId xmlns:a16="http://schemas.microsoft.com/office/drawing/2014/main" id="{2A113B13-406F-410B-BFB5-9599BB8FA280}"/>
+                <a16:creationId xmlns:a16="http://schemas.microsoft.com/office/drawing/2014/main" id="{2A19E494-9936-451A-BF6D-29D50118093A}"/>
               </a:ext>
             </a:extLst>
           </p:cNvPr>
@@ -11238,7 +11798,7 @@
             </a:r>
             <a:r>
               <a:rPr lang="ru-RU" dirty="0"/>
-              <a:t> приближенные сравнения</a:t>
+              <a:t> сравнение особых объектов отдельным алгоритмом</a:t>
             </a:r>
             <a:endParaRPr lang="en-US" dirty="0"/>
           </a:p>
@@ -11249,7 +11809,7 @@
           <p:cNvPr id="3" name="Content Placeholder 2">
             <a:extLst>
               <a:ext uri="{FF2B5EF4-FFF2-40B4-BE49-F238E27FC236}">
-                <a16:creationId xmlns:a16="http://schemas.microsoft.com/office/drawing/2014/main" id="{92E789BC-A1A6-4768-97BD-DC69CFA3A8F6}"/>
+                <a16:creationId xmlns:a16="http://schemas.microsoft.com/office/drawing/2014/main" id="{E34877F2-0E42-46CD-89A4-90C23BB090A5}"/>
               </a:ext>
             </a:extLst>
           </p:cNvPr>
@@ -11262,73 +11822,161 @@
         </p:nvSpPr>
         <p:spPr/>
         <p:txBody>
-          <a:bodyPr>
-            <a:normAutofit lnSpcReduction="10000"/>
-          </a:bodyPr>
+          <a:bodyPr/>
           <a:lstStyle/>
           <a:p>
             <a:pPr marL="0" indent="0">
               <a:buNone/>
             </a:pPr>
             <a:r>
-              <a:rPr lang="en-US" sz="2600" dirty="0">
+              <a:rPr lang="en-US" sz="2400" dirty="0">
                 <a:solidFill>
                   <a:prstClr val="black"/>
                 </a:solidFill>
                 <a:latin typeface="Courier New" panose="02070309020205020404" pitchFamily="49" charset="0"/>
                 <a:cs typeface="Courier New" panose="02070309020205020404" pitchFamily="49" charset="0"/>
               </a:rPr>
-              <a:t>bool </a:t>
-            </a:r>
-            <a:r>
-              <a:rPr lang="en-US" sz="2600" dirty="0" err="1">
+              <a:t>[](Object a, Object b) {</a:t>
+            </a:r>
+          </a:p>
+          <a:p>
+            <a:pPr marL="0" indent="0">
+              <a:buNone/>
+            </a:pPr>
+            <a:r>
+              <a:rPr lang="en-US" sz="2400" dirty="0">
+                <a:solidFill>
+                  <a:srgbClr val="FF0000"/>
+                </a:solidFill>
+                <a:latin typeface="Courier New" panose="02070309020205020404" pitchFamily="49" charset="0"/>
+                <a:cs typeface="Courier New" panose="02070309020205020404" pitchFamily="49" charset="0"/>
+              </a:rPr>
+              <a:t>  if (</a:t>
+            </a:r>
+            <a:r>
+              <a:rPr lang="en-US" sz="2400" dirty="0" err="1">
+                <a:solidFill>
+                  <a:srgbClr val="FF0000"/>
+                </a:solidFill>
+                <a:latin typeface="Courier New" panose="02070309020205020404" pitchFamily="49" charset="0"/>
+                <a:cs typeface="Courier New" panose="02070309020205020404" pitchFamily="49" charset="0"/>
+              </a:rPr>
+              <a:t>is_special</a:t>
+            </a:r>
+            <a:r>
+              <a:rPr lang="en-US" sz="2400" dirty="0">
+                <a:solidFill>
+                  <a:srgbClr val="FF0000"/>
+                </a:solidFill>
+                <a:latin typeface="Courier New" panose="02070309020205020404" pitchFamily="49" charset="0"/>
+                <a:cs typeface="Courier New" panose="02070309020205020404" pitchFamily="49" charset="0"/>
+              </a:rPr>
+              <a:t>(a) &amp;&amp; </a:t>
+            </a:r>
+            <a:r>
+              <a:rPr lang="en-US" sz="2400" dirty="0" err="1">
+                <a:solidFill>
+                  <a:srgbClr val="FF0000"/>
+                </a:solidFill>
+                <a:latin typeface="Courier New" panose="02070309020205020404" pitchFamily="49" charset="0"/>
+                <a:cs typeface="Courier New" panose="02070309020205020404" pitchFamily="49" charset="0"/>
+              </a:rPr>
+              <a:t>is_special</a:t>
+            </a:r>
+            <a:r>
+              <a:rPr lang="en-US" sz="2400" dirty="0">
+                <a:solidFill>
+                  <a:srgbClr val="FF0000"/>
+                </a:solidFill>
+                <a:latin typeface="Courier New" panose="02070309020205020404" pitchFamily="49" charset="0"/>
+                <a:cs typeface="Courier New" panose="02070309020205020404" pitchFamily="49" charset="0"/>
+              </a:rPr>
+              <a:t>(b))</a:t>
+            </a:r>
+          </a:p>
+          <a:p>
+            <a:pPr marL="0" indent="0">
+              <a:buNone/>
+            </a:pPr>
+            <a:r>
+              <a:rPr lang="en-US" sz="2400" dirty="0">
+                <a:solidFill>
+                  <a:srgbClr val="FF0000"/>
+                </a:solidFill>
+                <a:latin typeface="Courier New" panose="02070309020205020404" pitchFamily="49" charset="0"/>
+                <a:cs typeface="Courier New" panose="02070309020205020404" pitchFamily="49" charset="0"/>
+              </a:rPr>
+              <a:t>    return </a:t>
+            </a:r>
+            <a:r>
+              <a:rPr lang="en-US" sz="2400" dirty="0" err="1">
+                <a:solidFill>
+                  <a:srgbClr val="FF0000"/>
+                </a:solidFill>
+                <a:latin typeface="Courier New" panose="02070309020205020404" pitchFamily="49" charset="0"/>
+                <a:cs typeface="Courier New" panose="02070309020205020404" pitchFamily="49" charset="0"/>
+              </a:rPr>
+              <a:t>comp_special</a:t>
+            </a:r>
+            <a:r>
+              <a:rPr lang="en-US" sz="2400" dirty="0">
+                <a:solidFill>
+                  <a:srgbClr val="FF0000"/>
+                </a:solidFill>
+                <a:latin typeface="Courier New" panose="02070309020205020404" pitchFamily="49" charset="0"/>
+                <a:cs typeface="Courier New" panose="02070309020205020404" pitchFamily="49" charset="0"/>
+              </a:rPr>
+              <a:t>(a, b);</a:t>
+            </a:r>
+          </a:p>
+          <a:p>
+            <a:pPr marL="0" indent="0">
+              <a:buNone/>
+            </a:pPr>
+            <a:r>
+              <a:rPr lang="en-US" sz="2400" dirty="0">
                 <a:solidFill>
                   <a:prstClr val="black"/>
                 </a:solidFill>
                 <a:latin typeface="Courier New" panose="02070309020205020404" pitchFamily="49" charset="0"/>
                 <a:cs typeface="Courier New" panose="02070309020205020404" pitchFamily="49" charset="0"/>
               </a:rPr>
-              <a:t>cmp</a:t>
-            </a:r>
-            <a:r>
-              <a:rPr lang="en-US" sz="2600" dirty="0">
+              <a:t>  else</a:t>
+            </a:r>
+          </a:p>
+          <a:p>
+            <a:pPr marL="0" indent="0">
+              <a:buNone/>
+            </a:pPr>
+            <a:r>
+              <a:rPr lang="en-US" sz="2400" dirty="0">
                 <a:solidFill>
                   <a:prstClr val="black"/>
                 </a:solidFill>
                 <a:latin typeface="Courier New" panose="02070309020205020404" pitchFamily="49" charset="0"/>
                 <a:cs typeface="Courier New" panose="02070309020205020404" pitchFamily="49" charset="0"/>
               </a:rPr>
-              <a:t>(double a, double b) {</a:t>
-            </a:r>
-          </a:p>
-          <a:p>
-            <a:pPr marL="0" indent="0">
-              <a:buNone/>
-            </a:pPr>
-            <a:r>
-              <a:rPr lang="en-US" sz="2600" dirty="0">
+              <a:t>    return </a:t>
+            </a:r>
+            <a:r>
+              <a:rPr lang="en-US" sz="2400" dirty="0" err="1">
                 <a:solidFill>
                   <a:prstClr val="black"/>
                 </a:solidFill>
                 <a:latin typeface="Courier New" panose="02070309020205020404" pitchFamily="49" charset="0"/>
                 <a:cs typeface="Courier New" panose="02070309020205020404" pitchFamily="49" charset="0"/>
               </a:rPr>
-              <a:t>    if (abs(a - b) &lt; eps) return false;</a:t>
-            </a:r>
-          </a:p>
-          <a:p>
-            <a:pPr marL="0" indent="0">
-              <a:buNone/>
-            </a:pPr>
-            <a:r>
-              <a:rPr lang="en-US" sz="2600" dirty="0">
+              <a:t>comp_default</a:t>
+            </a:r>
+            <a:r>
+              <a:rPr lang="en-US" sz="2400" dirty="0">
                 <a:solidFill>
                   <a:prstClr val="black"/>
                 </a:solidFill>
                 <a:latin typeface="Courier New" panose="02070309020205020404" pitchFamily="49" charset="0"/>
                 <a:cs typeface="Courier New" panose="02070309020205020404" pitchFamily="49" charset="0"/>
               </a:rPr>
-              <a:t>    return a &lt; b;</a:t>
+              <a:t>(a, b);</a:t>
             </a:r>
           </a:p>
           <a:p>
@@ -11336,7 +11984,7 @@
               <a:buNone/>
             </a:pPr>
             <a:r>
-              <a:rPr lang="en-US" sz="2600" dirty="0">
+              <a:rPr lang="en-US" sz="2400" dirty="0">
                 <a:solidFill>
                   <a:prstClr val="black"/>
                 </a:solidFill>
@@ -11347,62 +11995,6 @@
             </a:r>
           </a:p>
           <a:p>
-            <a:r>
-              <a:rPr lang="ru-RU" dirty="0"/>
-              <a:t>Программист хотел чтобы "близкие" элементы рассматривались как эквивалентные</a:t>
-            </a:r>
-          </a:p>
-          <a:p>
-            <a:r>
-              <a:rPr lang="ru-RU" dirty="0"/>
-              <a:t>Но при этом нарушил аксиому транзитивности эквивалентности:</a:t>
-            </a:r>
-          </a:p>
-          <a:p>
-            <a:pPr marL="457200" lvl="1" indent="0">
-              <a:buNone/>
-            </a:pPr>
-            <a:r>
-              <a:rPr lang="ru-RU" dirty="0">
-                <a:latin typeface="Courier New" panose="02070309020205020404" pitchFamily="49" charset="0"/>
-                <a:cs typeface="Courier New" panose="02070309020205020404" pitchFamily="49" charset="0"/>
-              </a:rPr>
-              <a:t>equiv(0, 0.5 * eps) == true</a:t>
-            </a:r>
-            <a:endParaRPr lang="en-US" dirty="0">
-              <a:latin typeface="Courier New" panose="02070309020205020404" pitchFamily="49" charset="0"/>
-              <a:cs typeface="Courier New" panose="02070309020205020404" pitchFamily="49" charset="0"/>
-            </a:endParaRPr>
-          </a:p>
-          <a:p>
-            <a:pPr marL="457200" lvl="1" indent="0">
-              <a:buNone/>
-            </a:pPr>
-            <a:r>
-              <a:rPr lang="ru-RU" dirty="0">
-                <a:latin typeface="Courier New" panose="02070309020205020404" pitchFamily="49" charset="0"/>
-                <a:cs typeface="Courier New" panose="02070309020205020404" pitchFamily="49" charset="0"/>
-              </a:rPr>
-              <a:t>equiv(0.5 * eps, eps) == true</a:t>
-            </a:r>
-            <a:endParaRPr lang="en-US" dirty="0">
-              <a:latin typeface="Courier New" panose="02070309020205020404" pitchFamily="49" charset="0"/>
-              <a:cs typeface="Courier New" panose="02070309020205020404" pitchFamily="49" charset="0"/>
-            </a:endParaRPr>
-          </a:p>
-          <a:p>
-            <a:pPr marL="457200" lvl="1" indent="0">
-              <a:buNone/>
-            </a:pPr>
-            <a:r>
-              <a:rPr lang="ru-RU" dirty="0">
-                <a:latin typeface="Courier New" panose="02070309020205020404" pitchFamily="49" charset="0"/>
-                <a:cs typeface="Courier New" panose="02070309020205020404" pitchFamily="49" charset="0"/>
-              </a:rPr>
-              <a:t>cmp(0, eps) == false</a:t>
-            </a:r>
-          </a:p>
-          <a:p>
             <a:endParaRPr lang="en-US" dirty="0"/>
           </a:p>
         </p:txBody>
@@ -11410,7 +12002,7 @@
     </p:spTree>
     <p:extLst>
       <p:ext uri="{BB962C8B-B14F-4D97-AF65-F5344CB8AC3E}">
-        <p14:creationId xmlns:p14="http://schemas.microsoft.com/office/powerpoint/2010/main" val="325765568"/>
+        <p14:creationId xmlns:p14="http://schemas.microsoft.com/office/powerpoint/2010/main" val="1171521156"/>
       </p:ext>
     </p:extLst>
   </p:cSld>
@@ -11442,7 +12034,7 @@
           <p:cNvPr id="2" name="Title 1">
             <a:extLst>
               <a:ext uri="{FF2B5EF4-FFF2-40B4-BE49-F238E27FC236}">
-                <a16:creationId xmlns:a16="http://schemas.microsoft.com/office/drawing/2014/main" id="{2A19E494-9936-451A-BF6D-29D50118093A}"/>
+                <a16:creationId xmlns:a16="http://schemas.microsoft.com/office/drawing/2014/main" id="{F846F1BD-7FCB-4283-AEC4-931793609E60}"/>
               </a:ext>
             </a:extLst>
           </p:cNvPr>
@@ -11479,7 +12071,7 @@
           <p:cNvPr id="3" name="Content Placeholder 2">
             <a:extLst>
               <a:ext uri="{FF2B5EF4-FFF2-40B4-BE49-F238E27FC236}">
-                <a16:creationId xmlns:a16="http://schemas.microsoft.com/office/drawing/2014/main" id="{E34877F2-0E42-46CD-89A4-90C23BB090A5}"/>
+                <a16:creationId xmlns:a16="http://schemas.microsoft.com/office/drawing/2014/main" id="{B5919733-7359-4FCE-BBA6-CB2E1BB87C5E}"/>
               </a:ext>
             </a:extLst>
           </p:cNvPr>
@@ -11492,177 +12084,128 @@
         </p:nvSpPr>
         <p:spPr/>
         <p:txBody>
-          <a:bodyPr/>
-          <a:lstStyle/>
-          <a:p>
-            <a:pPr marL="0" indent="0">
-              <a:buNone/>
-            </a:pPr>
-            <a:r>
-              <a:rPr lang="en-US" sz="2400" dirty="0">
-                <a:solidFill>
-                  <a:prstClr val="black"/>
-                </a:solidFill>
-                <a:latin typeface="Courier New" panose="02070309020205020404" pitchFamily="49" charset="0"/>
-                <a:cs typeface="Courier New" panose="02070309020205020404" pitchFamily="49" charset="0"/>
-              </a:rPr>
-              <a:t>[](Object l, Object r) {</a:t>
-            </a:r>
-          </a:p>
-          <a:p>
-            <a:pPr marL="0" indent="0">
-              <a:buNone/>
-            </a:pPr>
-            <a:r>
-              <a:rPr lang="en-US" sz="2400" dirty="0">
-                <a:solidFill>
-                  <a:srgbClr val="FF0000"/>
-                </a:solidFill>
-                <a:latin typeface="Courier New" panose="02070309020205020404" pitchFamily="49" charset="0"/>
-                <a:cs typeface="Courier New" panose="02070309020205020404" pitchFamily="49" charset="0"/>
-              </a:rPr>
-              <a:t>  if (</a:t>
-            </a:r>
-            <a:r>
-              <a:rPr lang="en-US" sz="2400" dirty="0" err="1">
-                <a:solidFill>
-                  <a:srgbClr val="FF0000"/>
-                </a:solidFill>
-                <a:latin typeface="Courier New" panose="02070309020205020404" pitchFamily="49" charset="0"/>
-                <a:cs typeface="Courier New" panose="02070309020205020404" pitchFamily="49" charset="0"/>
-              </a:rPr>
-              <a:t>is_special</a:t>
-            </a:r>
-            <a:r>
-              <a:rPr lang="en-US" sz="2400" dirty="0">
-                <a:solidFill>
-                  <a:srgbClr val="FF0000"/>
-                </a:solidFill>
-                <a:latin typeface="Courier New" panose="02070309020205020404" pitchFamily="49" charset="0"/>
-                <a:cs typeface="Courier New" panose="02070309020205020404" pitchFamily="49" charset="0"/>
-              </a:rPr>
-              <a:t>(l) &amp;&amp; </a:t>
-            </a:r>
-            <a:r>
-              <a:rPr lang="en-US" sz="2400" dirty="0" err="1">
-                <a:solidFill>
-                  <a:srgbClr val="FF0000"/>
-                </a:solidFill>
-                <a:latin typeface="Courier New" panose="02070309020205020404" pitchFamily="49" charset="0"/>
-                <a:cs typeface="Courier New" panose="02070309020205020404" pitchFamily="49" charset="0"/>
-              </a:rPr>
-              <a:t>is_special</a:t>
-            </a:r>
-            <a:r>
-              <a:rPr lang="en-US" sz="2400" dirty="0">
-                <a:solidFill>
-                  <a:srgbClr val="FF0000"/>
-                </a:solidFill>
-                <a:latin typeface="Courier New" panose="02070309020205020404" pitchFamily="49" charset="0"/>
-                <a:cs typeface="Courier New" panose="02070309020205020404" pitchFamily="49" charset="0"/>
-              </a:rPr>
-              <a:t>(r))</a:t>
-            </a:r>
-          </a:p>
-          <a:p>
-            <a:pPr marL="0" indent="0">
-              <a:buNone/>
-            </a:pPr>
-            <a:r>
-              <a:rPr lang="en-US" sz="2400" dirty="0">
-                <a:solidFill>
-                  <a:srgbClr val="FF0000"/>
-                </a:solidFill>
-                <a:latin typeface="Courier New" panose="02070309020205020404" pitchFamily="49" charset="0"/>
-                <a:cs typeface="Courier New" panose="02070309020205020404" pitchFamily="49" charset="0"/>
-              </a:rPr>
-              <a:t>    return </a:t>
-            </a:r>
-            <a:r>
-              <a:rPr lang="en-US" sz="2400" dirty="0" err="1">
-                <a:solidFill>
-                  <a:srgbClr val="FF0000"/>
-                </a:solidFill>
-                <a:latin typeface="Courier New" panose="02070309020205020404" pitchFamily="49" charset="0"/>
-                <a:cs typeface="Courier New" panose="02070309020205020404" pitchFamily="49" charset="0"/>
-              </a:rPr>
-              <a:t>comp_special</a:t>
-            </a:r>
-            <a:r>
-              <a:rPr lang="en-US" sz="2400" dirty="0">
-                <a:solidFill>
-                  <a:srgbClr val="FF0000"/>
-                </a:solidFill>
-                <a:latin typeface="Courier New" panose="02070309020205020404" pitchFamily="49" charset="0"/>
-                <a:cs typeface="Courier New" panose="02070309020205020404" pitchFamily="49" charset="0"/>
-              </a:rPr>
-              <a:t>(l, r);</a:t>
-            </a:r>
-          </a:p>
-          <a:p>
-            <a:pPr marL="0" indent="0">
-              <a:buNone/>
-            </a:pPr>
-            <a:r>
-              <a:rPr lang="en-US" sz="2400" dirty="0">
-                <a:solidFill>
-                  <a:prstClr val="black"/>
-                </a:solidFill>
-                <a:latin typeface="Courier New" panose="02070309020205020404" pitchFamily="49" charset="0"/>
-                <a:cs typeface="Courier New" panose="02070309020205020404" pitchFamily="49" charset="0"/>
-              </a:rPr>
-              <a:t>  else</a:t>
-            </a:r>
-          </a:p>
-          <a:p>
-            <a:pPr marL="0" indent="0">
-              <a:buNone/>
-            </a:pPr>
-            <a:r>
-              <a:rPr lang="en-US" sz="2400" dirty="0">
-                <a:solidFill>
-                  <a:prstClr val="black"/>
-                </a:solidFill>
-                <a:latin typeface="Courier New" panose="02070309020205020404" pitchFamily="49" charset="0"/>
-                <a:cs typeface="Courier New" panose="02070309020205020404" pitchFamily="49" charset="0"/>
-              </a:rPr>
-              <a:t>    return </a:t>
-            </a:r>
-            <a:r>
-              <a:rPr lang="en-US" sz="2400" dirty="0" err="1">
-                <a:solidFill>
-                  <a:prstClr val="black"/>
-                </a:solidFill>
-                <a:latin typeface="Courier New" panose="02070309020205020404" pitchFamily="49" charset="0"/>
-                <a:cs typeface="Courier New" panose="02070309020205020404" pitchFamily="49" charset="0"/>
-              </a:rPr>
-              <a:t>comp_normal</a:t>
-            </a:r>
-            <a:r>
-              <a:rPr lang="en-US" sz="2400" dirty="0">
-                <a:solidFill>
-                  <a:prstClr val="black"/>
-                </a:solidFill>
-                <a:latin typeface="Courier New" panose="02070309020205020404" pitchFamily="49" charset="0"/>
-                <a:cs typeface="Courier New" panose="02070309020205020404" pitchFamily="49" charset="0"/>
-              </a:rPr>
-              <a:t>(l, r);</a:t>
-            </a:r>
-          </a:p>
-          <a:p>
-            <a:pPr marL="0" indent="0">
-              <a:buNone/>
-            </a:pPr>
-            <a:r>
-              <a:rPr lang="en-US" sz="2400" dirty="0">
-                <a:solidFill>
-                  <a:prstClr val="black"/>
-                </a:solidFill>
-                <a:latin typeface="Courier New" panose="02070309020205020404" pitchFamily="49" charset="0"/>
-                <a:cs typeface="Courier New" panose="02070309020205020404" pitchFamily="49" charset="0"/>
-              </a:rPr>
-              <a:t>}</a:t>
-            </a:r>
+          <a:bodyPr>
+            <a:normAutofit fontScale="92500" lnSpcReduction="10000"/>
+          </a:bodyPr>
+          <a:lstStyle/>
+          <a:p>
+            <a:r>
+              <a:rPr lang="ru-RU" dirty="0"/>
+              <a:t>Наиболее коварная ошибка</a:t>
+            </a:r>
+            <a:endParaRPr lang="en-US" dirty="0"/>
+          </a:p>
+          <a:p>
+            <a:r>
+              <a:rPr lang="ru-RU" dirty="0"/>
+              <a:t>Очень легко нарушить условия транзитивности</a:t>
+            </a:r>
+            <a:r>
+              <a:rPr lang="en-US" dirty="0"/>
+              <a:t>:</a:t>
+            </a:r>
+            <a:endParaRPr lang="ru-RU" dirty="0"/>
+          </a:p>
+          <a:p>
+            <a:pPr lvl="1"/>
+            <a:r>
+              <a:rPr lang="ru-RU" dirty="0"/>
+              <a:t>если</a:t>
+            </a:r>
+          </a:p>
+          <a:p>
+            <a:pPr marL="914400" lvl="2" indent="0">
+              <a:buNone/>
+            </a:pPr>
+            <a:r>
+              <a:rPr lang="ru-RU" dirty="0"/>
+              <a:t>comp_special(special_obj1, special_obj2) &amp;&amp; comp_</a:t>
+            </a:r>
+            <a:r>
+              <a:rPr lang="en-US" dirty="0"/>
+              <a:t>default</a:t>
+            </a:r>
+            <a:r>
+              <a:rPr lang="ru-RU" dirty="0"/>
+              <a:t>(special_obj2, normal_obj)</a:t>
+            </a:r>
+          </a:p>
+          <a:p>
+            <a:pPr lvl="1"/>
+            <a:r>
+              <a:rPr lang="ru-RU" dirty="0"/>
+              <a:t>то должно быть</a:t>
+            </a:r>
+          </a:p>
+          <a:p>
+            <a:pPr marL="914400" lvl="2" indent="0">
+              <a:buNone/>
+            </a:pPr>
+            <a:r>
+              <a:rPr lang="ru-RU" dirty="0"/>
+              <a:t>comp_</a:t>
+            </a:r>
+            <a:r>
+              <a:rPr lang="en-US" dirty="0"/>
+              <a:t>default</a:t>
+            </a:r>
+            <a:r>
+              <a:rPr lang="ru-RU" dirty="0"/>
+              <a:t>(special_obj1, normal_obj)</a:t>
+            </a:r>
+          </a:p>
+          <a:p>
+            <a:r>
+              <a:rPr lang="ru-RU" dirty="0"/>
+              <a:t>Но часто это не выполняется</a:t>
+            </a:r>
+            <a:r>
+              <a:rPr lang="en-US" dirty="0"/>
+              <a:t>:</a:t>
+            </a:r>
+          </a:p>
+          <a:p>
+            <a:pPr lvl="1"/>
+            <a:r>
+              <a:rPr lang="ru-RU" dirty="0"/>
+              <a:t>comp_special и comp_</a:t>
+            </a:r>
+            <a:r>
+              <a:rPr lang="en-US" dirty="0"/>
+              <a:t>default</a:t>
+            </a:r>
+            <a:r>
+              <a:rPr lang="ru-RU" dirty="0"/>
+              <a:t> как правило логически (и алгоритмически) никак не связаны между собой</a:t>
+            </a:r>
+          </a:p>
+          <a:p>
+            <a:pPr lvl="1"/>
+            <a:r>
+              <a:rPr lang="ru-RU" dirty="0"/>
+              <a:t>обычно они сравнивают совершенно разные поля объектов</a:t>
+            </a:r>
+          </a:p>
+          <a:p>
+            <a:r>
+              <a:rPr lang="ru-RU" dirty="0"/>
+              <a:t>Пример из жизни:</a:t>
+            </a:r>
+            <a:endParaRPr lang="en-US" dirty="0"/>
+          </a:p>
+          <a:p>
+            <a:pPr lvl="1"/>
+            <a:r>
+              <a:rPr lang="ru-RU" dirty="0">
+                <a:hlinkClick r:id="rId2"/>
+              </a:rPr>
+              <a:t>https://gcc.gnu.org/bugzilla/show_bug.cgi?id=68988</a:t>
+            </a:r>
+            <a:r>
+              <a:rPr lang="en-US" dirty="0"/>
+              <a:t> </a:t>
+            </a:r>
+            <a:endParaRPr lang="ru-RU" dirty="0"/>
           </a:p>
           <a:p>
             <a:endParaRPr lang="en-US" dirty="0"/>
@@ -11672,7 +12215,7 @@
     </p:spTree>
     <p:extLst>
       <p:ext uri="{BB962C8B-B14F-4D97-AF65-F5344CB8AC3E}">
-        <p14:creationId xmlns:p14="http://schemas.microsoft.com/office/powerpoint/2010/main" val="1171521156"/>
+        <p14:creationId xmlns:p14="http://schemas.microsoft.com/office/powerpoint/2010/main" val="2158512306"/>
       </p:ext>
     </p:extLst>
   </p:cSld>
@@ -11704,7 +12247,7 @@
           <p:cNvPr id="2" name="Title 1">
             <a:extLst>
               <a:ext uri="{FF2B5EF4-FFF2-40B4-BE49-F238E27FC236}">
-                <a16:creationId xmlns:a16="http://schemas.microsoft.com/office/drawing/2014/main" id="{F846F1BD-7FCB-4283-AEC4-931793609E60}"/>
+                <a16:creationId xmlns:a16="http://schemas.microsoft.com/office/drawing/2014/main" id="{2A113B13-406F-410B-BFB5-9599BB8FA280}"/>
               </a:ext>
             </a:extLst>
           </p:cNvPr>
@@ -11730,7 +12273,7 @@
             </a:r>
             <a:r>
               <a:rPr lang="ru-RU" dirty="0"/>
-              <a:t> сравнение особых объектов отдельным алгоритмом</a:t>
+              <a:t> приближенные сравнения</a:t>
             </a:r>
             <a:endParaRPr lang="en-US" dirty="0"/>
           </a:p>
@@ -11741,7 +12284,7 @@
           <p:cNvPr id="3" name="Content Placeholder 2">
             <a:extLst>
               <a:ext uri="{FF2B5EF4-FFF2-40B4-BE49-F238E27FC236}">
-                <a16:creationId xmlns:a16="http://schemas.microsoft.com/office/drawing/2014/main" id="{B5919733-7359-4FCE-BBA6-CB2E1BB87C5E}"/>
+                <a16:creationId xmlns:a16="http://schemas.microsoft.com/office/drawing/2014/main" id="{92E789BC-A1A6-4768-97BD-DC69CFA3A8F6}"/>
               </a:ext>
             </a:extLst>
           </p:cNvPr>
@@ -11755,103 +12298,144 @@
         <p:spPr/>
         <p:txBody>
           <a:bodyPr>
-            <a:normAutofit fontScale="92500" lnSpcReduction="10000"/>
+            <a:normAutofit lnSpcReduction="10000"/>
           </a:bodyPr>
           <a:lstStyle/>
           <a:p>
-            <a:r>
-              <a:rPr lang="ru-RU" dirty="0"/>
-              <a:t>Наиболее коварная ошибка</a:t>
-            </a:r>
-            <a:endParaRPr lang="en-US" dirty="0"/>
-          </a:p>
-          <a:p>
-            <a:r>
-              <a:rPr lang="ru-RU" dirty="0"/>
-              <a:t>Очень легко нарушить условия транзитивности</a:t>
-            </a:r>
-            <a:r>
-              <a:rPr lang="en-US" dirty="0"/>
-              <a:t>:</a:t>
-            </a:r>
-            <a:endParaRPr lang="ru-RU" dirty="0"/>
-          </a:p>
-          <a:p>
-            <a:pPr lvl="1"/>
-            <a:r>
-              <a:rPr lang="ru-RU" dirty="0"/>
-              <a:t>если</a:t>
-            </a:r>
-          </a:p>
-          <a:p>
-            <a:pPr marL="914400" lvl="2" indent="0">
-              <a:buNone/>
-            </a:pPr>
-            <a:r>
-              <a:rPr lang="ru-RU" dirty="0"/>
-              <a:t>comp_special(special_obj1, special_obj2) &amp;&amp; comp_normal(special_obj2, normal_obj)</a:t>
-            </a:r>
-          </a:p>
-          <a:p>
-            <a:pPr lvl="1"/>
-            <a:r>
-              <a:rPr lang="ru-RU" dirty="0"/>
-              <a:t>то должно быть</a:t>
-            </a:r>
-          </a:p>
-          <a:p>
-            <a:pPr marL="914400" lvl="2" indent="0">
-              <a:buNone/>
-            </a:pPr>
-            <a:r>
-              <a:rPr lang="ru-RU" dirty="0"/>
-              <a:t>comp_normal(special_obj1, normal_obj)</a:t>
-            </a:r>
-          </a:p>
-          <a:p>
-            <a:r>
-              <a:rPr lang="ru-RU" dirty="0"/>
-              <a:t>Но часто это не выполняется</a:t>
-            </a:r>
-            <a:r>
-              <a:rPr lang="en-US" dirty="0"/>
-              <a:t>:</a:t>
-            </a:r>
-          </a:p>
-          <a:p>
-            <a:pPr lvl="1"/>
-            <a:r>
-              <a:rPr lang="ru-RU" dirty="0"/>
-              <a:t>comp_special и comp_normal как правило логически (и алгоритмически) никак не связаны между собой</a:t>
-            </a:r>
-          </a:p>
-          <a:p>
-            <a:pPr lvl="1"/>
-            <a:r>
-              <a:rPr lang="ru-RU" dirty="0"/>
-              <a:t>обычно они сравнивают совершенно разные поля объектов</a:t>
-            </a:r>
-          </a:p>
-          <a:p>
-            <a:r>
-              <a:rPr lang="ru-RU" dirty="0"/>
-              <a:t>Пример из жизни:</a:t>
-            </a:r>
-            <a:endParaRPr lang="en-US" dirty="0"/>
-          </a:p>
-          <a:p>
-            <a:pPr lvl="1"/>
+            <a:pPr marL="0" indent="0">
+              <a:buNone/>
+            </a:pPr>
+            <a:r>
+              <a:rPr lang="en-US" sz="2600" dirty="0">
+                <a:solidFill>
+                  <a:prstClr val="black"/>
+                </a:solidFill>
+                <a:latin typeface="Courier New" panose="02070309020205020404" pitchFamily="49" charset="0"/>
+                <a:cs typeface="Courier New" panose="02070309020205020404" pitchFamily="49" charset="0"/>
+              </a:rPr>
+              <a:t>bool </a:t>
+            </a:r>
+            <a:r>
+              <a:rPr lang="en-US" sz="2600" dirty="0" err="1">
+                <a:solidFill>
+                  <a:prstClr val="black"/>
+                </a:solidFill>
+                <a:latin typeface="Courier New" panose="02070309020205020404" pitchFamily="49" charset="0"/>
+                <a:cs typeface="Courier New" panose="02070309020205020404" pitchFamily="49" charset="0"/>
+              </a:rPr>
+              <a:t>cmp</a:t>
+            </a:r>
+            <a:r>
+              <a:rPr lang="en-US" sz="2600" dirty="0">
+                <a:solidFill>
+                  <a:prstClr val="black"/>
+                </a:solidFill>
+                <a:latin typeface="Courier New" panose="02070309020205020404" pitchFamily="49" charset="0"/>
+                <a:cs typeface="Courier New" panose="02070309020205020404" pitchFamily="49" charset="0"/>
+              </a:rPr>
+              <a:t>(double a, double b) {</a:t>
+            </a:r>
+          </a:p>
+          <a:p>
+            <a:pPr marL="0" indent="0">
+              <a:buNone/>
+            </a:pPr>
+            <a:r>
+              <a:rPr lang="en-US" sz="2600" dirty="0">
+                <a:solidFill>
+                  <a:prstClr val="black"/>
+                </a:solidFill>
+                <a:latin typeface="Courier New" panose="02070309020205020404" pitchFamily="49" charset="0"/>
+                <a:cs typeface="Courier New" panose="02070309020205020404" pitchFamily="49" charset="0"/>
+              </a:rPr>
+              <a:t>    if (abs(a - b) &lt; eps) return false;</a:t>
+            </a:r>
+          </a:p>
+          <a:p>
+            <a:pPr marL="0" indent="0">
+              <a:buNone/>
+            </a:pPr>
+            <a:r>
+              <a:rPr lang="en-US" sz="2600" dirty="0">
+                <a:solidFill>
+                  <a:prstClr val="black"/>
+                </a:solidFill>
+                <a:latin typeface="Courier New" panose="02070309020205020404" pitchFamily="49" charset="0"/>
+                <a:cs typeface="Courier New" panose="02070309020205020404" pitchFamily="49" charset="0"/>
+              </a:rPr>
+              <a:t>    return a &lt; b;</a:t>
+            </a:r>
+          </a:p>
+          <a:p>
+            <a:pPr marL="0" indent="0">
+              <a:buNone/>
+            </a:pPr>
+            <a:r>
+              <a:rPr lang="en-US" sz="2600" dirty="0">
+                <a:solidFill>
+                  <a:prstClr val="black"/>
+                </a:solidFill>
+                <a:latin typeface="Courier New" panose="02070309020205020404" pitchFamily="49" charset="0"/>
+                <a:cs typeface="Courier New" panose="02070309020205020404" pitchFamily="49" charset="0"/>
+              </a:rPr>
+              <a:t>}</a:t>
+            </a:r>
+          </a:p>
+          <a:p>
+            <a:r>
+              <a:rPr lang="ru-RU" dirty="0"/>
+              <a:t>Программист хотел чтобы "близкие" элементы рассматривались как эквивалентные</a:t>
+            </a:r>
+          </a:p>
+          <a:p>
+            <a:r>
+              <a:rPr lang="ru-RU" dirty="0"/>
+              <a:t>Но при этом нарушил аксиому транзитивности эквивалентности:</a:t>
+            </a:r>
+          </a:p>
+          <a:p>
+            <a:pPr marL="457200" lvl="1" indent="0">
+              <a:buNone/>
+            </a:pPr>
             <a:r>
               <a:rPr lang="ru-RU" dirty="0">
-                <a:hlinkClick r:id="rId2"/>
-              </a:rPr>
-              <a:t>https://gcc.gnu.org/bugzilla/show_bug.cgi?id=68988</a:t>
-            </a:r>
-            <a:r>
-              <a:rPr lang="en-US" dirty="0"/>
-              <a:t> </a:t>
-            </a:r>
-            <a:endParaRPr lang="ru-RU" dirty="0"/>
+                <a:latin typeface="Courier New" panose="02070309020205020404" pitchFamily="49" charset="0"/>
+                <a:cs typeface="Courier New" panose="02070309020205020404" pitchFamily="49" charset="0"/>
+              </a:rPr>
+              <a:t>equiv(0, 0.5 * eps) == true</a:t>
+            </a:r>
+            <a:endParaRPr lang="en-US" dirty="0">
+              <a:latin typeface="Courier New" panose="02070309020205020404" pitchFamily="49" charset="0"/>
+              <a:cs typeface="Courier New" panose="02070309020205020404" pitchFamily="49" charset="0"/>
+            </a:endParaRPr>
+          </a:p>
+          <a:p>
+            <a:pPr marL="457200" lvl="1" indent="0">
+              <a:buNone/>
+            </a:pPr>
+            <a:r>
+              <a:rPr lang="ru-RU" dirty="0">
+                <a:latin typeface="Courier New" panose="02070309020205020404" pitchFamily="49" charset="0"/>
+                <a:cs typeface="Courier New" panose="02070309020205020404" pitchFamily="49" charset="0"/>
+              </a:rPr>
+              <a:t>equiv(0.5 * eps, eps) == true</a:t>
+            </a:r>
+            <a:endParaRPr lang="en-US" dirty="0">
+              <a:latin typeface="Courier New" panose="02070309020205020404" pitchFamily="49" charset="0"/>
+              <a:cs typeface="Courier New" panose="02070309020205020404" pitchFamily="49" charset="0"/>
+            </a:endParaRPr>
+          </a:p>
+          <a:p>
+            <a:pPr marL="457200" lvl="1" indent="0">
+              <a:buNone/>
+            </a:pPr>
+            <a:r>
+              <a:rPr lang="ru-RU" dirty="0">
+                <a:latin typeface="Courier New" panose="02070309020205020404" pitchFamily="49" charset="0"/>
+                <a:cs typeface="Courier New" panose="02070309020205020404" pitchFamily="49" charset="0"/>
+              </a:rPr>
+              <a:t>cmp(0, eps) == false</a:t>
+            </a:r>
           </a:p>
           <a:p>
             <a:endParaRPr lang="en-US" dirty="0"/>
@@ -11861,7 +12445,7 @@
     </p:spTree>
     <p:extLst>
       <p:ext uri="{BB962C8B-B14F-4D97-AF65-F5344CB8AC3E}">
-        <p14:creationId xmlns:p14="http://schemas.microsoft.com/office/powerpoint/2010/main" val="2158512306"/>
+        <p14:creationId xmlns:p14="http://schemas.microsoft.com/office/powerpoint/2010/main" val="325765568"/>
       </p:ext>
     </p:extLst>
   </p:cSld>
@@ -11893,6 +12477,90 @@
           <p:cNvPr id="2" name="Title 1">
             <a:extLst>
               <a:ext uri="{FF2B5EF4-FFF2-40B4-BE49-F238E27FC236}">
+                <a16:creationId xmlns:a16="http://schemas.microsoft.com/office/drawing/2014/main" id="{25BF1C1D-74B1-43B6-9285-943AA8732D44}"/>
+              </a:ext>
+            </a:extLst>
+          </p:cNvPr>
+          <p:cNvSpPr>
+            <a:spLocks noGrp="1"/>
+          </p:cNvSpPr>
+          <p:nvPr>
+            <p:ph type="title"/>
+          </p:nvPr>
+        </p:nvSpPr>
+        <p:spPr/>
+        <p:txBody>
+          <a:bodyPr/>
+          <a:lstStyle/>
+          <a:p>
+            <a:r>
+              <a:rPr lang="ru-RU" dirty="0"/>
+              <a:t>Инструменты</a:t>
+            </a:r>
+            <a:endParaRPr lang="en-US" dirty="0"/>
+          </a:p>
+        </p:txBody>
+      </p:sp>
+      <p:sp>
+        <p:nvSpPr>
+          <p:cNvPr id="3" name="Text Placeholder 2">
+            <a:extLst>
+              <a:ext uri="{FF2B5EF4-FFF2-40B4-BE49-F238E27FC236}">
+                <a16:creationId xmlns:a16="http://schemas.microsoft.com/office/drawing/2014/main" id="{AC5F0C72-B3D0-49D2-B84B-FEA8654EEF04}"/>
+              </a:ext>
+            </a:extLst>
+          </p:cNvPr>
+          <p:cNvSpPr>
+            <a:spLocks noGrp="1"/>
+          </p:cNvSpPr>
+          <p:nvPr>
+            <p:ph type="body" idx="1"/>
+          </p:nvPr>
+        </p:nvSpPr>
+        <p:spPr/>
+        <p:txBody>
+          <a:bodyPr/>
+          <a:lstStyle/>
+          <a:p>
+            <a:endParaRPr lang="en-US"/>
+          </a:p>
+        </p:txBody>
+      </p:sp>
+    </p:spTree>
+    <p:extLst>
+      <p:ext uri="{BB962C8B-B14F-4D97-AF65-F5344CB8AC3E}">
+        <p14:creationId xmlns:p14="http://schemas.microsoft.com/office/powerpoint/2010/main" val="576864691"/>
+      </p:ext>
+    </p:extLst>
+  </p:cSld>
+  <p:clrMapOvr>
+    <a:masterClrMapping/>
+  </p:clrMapOvr>
+</p:sld>
+</file>
+
+<file path=ppt/slides/slide37.xml><?xml version="1.0" encoding="utf-8"?>
+<p:sld xmlns:a="http://schemas.openxmlformats.org/drawingml/2006/main" xmlns:r="http://schemas.openxmlformats.org/officeDocument/2006/relationships" xmlns:p="http://schemas.openxmlformats.org/presentationml/2006/main">
+  <p:cSld>
+    <p:spTree>
+      <p:nvGrpSpPr>
+        <p:cNvPr id="1" name=""/>
+        <p:cNvGrpSpPr/>
+        <p:nvPr/>
+      </p:nvGrpSpPr>
+      <p:grpSpPr>
+        <a:xfrm>
+          <a:off x="0" y="0"/>
+          <a:ext cx="0" cy="0"/>
+          <a:chOff x="0" y="0"/>
+          <a:chExt cx="0" cy="0"/>
+        </a:xfrm>
+      </p:grpSpPr>
+      <p:sp>
+        <p:nvSpPr>
+          <p:cNvPr id="2" name="Title 1">
+            <a:extLst>
+              <a:ext uri="{FF2B5EF4-FFF2-40B4-BE49-F238E27FC236}">
                 <a16:creationId xmlns:a16="http://schemas.microsoft.com/office/drawing/2014/main" id="{C572B7C5-26C8-417A-B322-BAD4ADCDD4BC}"/>
               </a:ext>
             </a:extLst>
@@ -12280,7 +12948,7 @@
 </p:sld>
 </file>
 
-<file path=ppt/slides/slide37.xml><?xml version="1.0" encoding="utf-8"?>
+<file path=ppt/slides/slide38.xml><?xml version="1.0" encoding="utf-8"?>
 <p:sld xmlns:a="http://schemas.openxmlformats.org/drawingml/2006/main" xmlns:r="http://schemas.openxmlformats.org/officeDocument/2006/relationships" xmlns:p="http://schemas.openxmlformats.org/presentationml/2006/main">
   <p:cSld>
     <p:spTree>
@@ -12432,125 +13100,6 @@
 </p:sld>
 </file>
 
-<file path=ppt/slides/slide38.xml><?xml version="1.0" encoding="utf-8"?>
-<p:sld xmlns:a="http://schemas.openxmlformats.org/drawingml/2006/main" xmlns:r="http://schemas.openxmlformats.org/officeDocument/2006/relationships" xmlns:p="http://schemas.openxmlformats.org/presentationml/2006/main">
-  <p:cSld>
-    <p:spTree>
-      <p:nvGrpSpPr>
-        <p:cNvPr id="1" name=""/>
-        <p:cNvGrpSpPr/>
-        <p:nvPr/>
-      </p:nvGrpSpPr>
-      <p:grpSpPr>
-        <a:xfrm>
-          <a:off x="0" y="0"/>
-          <a:ext cx="0" cy="0"/>
-          <a:chOff x="0" y="0"/>
-          <a:chExt cx="0" cy="0"/>
-        </a:xfrm>
-      </p:grpSpPr>
-      <p:sp>
-        <p:nvSpPr>
-          <p:cNvPr id="2" name="Title 1">
-            <a:extLst>
-              <a:ext uri="{FF2B5EF4-FFF2-40B4-BE49-F238E27FC236}">
-                <a16:creationId xmlns:a16="http://schemas.microsoft.com/office/drawing/2014/main" id="{4779B8ED-1F29-4D30-B331-C3400270FDF0}"/>
-              </a:ext>
-            </a:extLst>
-          </p:cNvPr>
-          <p:cNvSpPr>
-            <a:spLocks noGrp="1"/>
-          </p:cNvSpPr>
-          <p:nvPr>
-            <p:ph type="title"/>
-          </p:nvPr>
-        </p:nvSpPr>
-        <p:spPr/>
-        <p:txBody>
-          <a:bodyPr/>
-          <a:lstStyle/>
-          <a:p>
-            <a:r>
-              <a:rPr lang="ru-RU" dirty="0"/>
-              <a:t>Отладочные средства в тулчейнах</a:t>
-            </a:r>
-            <a:endParaRPr lang="en-US" dirty="0"/>
-          </a:p>
-        </p:txBody>
-      </p:sp>
-      <p:sp>
-        <p:nvSpPr>
-          <p:cNvPr id="3" name="Content Placeholder 2">
-            <a:extLst>
-              <a:ext uri="{FF2B5EF4-FFF2-40B4-BE49-F238E27FC236}">
-                <a16:creationId xmlns:a16="http://schemas.microsoft.com/office/drawing/2014/main" id="{58F9ABFF-6BB7-4FB9-989A-8FA4CD7D38CB}"/>
-              </a:ext>
-            </a:extLst>
-          </p:cNvPr>
-          <p:cNvSpPr>
-            <a:spLocks noGrp="1"/>
-          </p:cNvSpPr>
-          <p:nvPr>
-            <p:ph idx="1"/>
-          </p:nvPr>
-        </p:nvSpPr>
-        <p:spPr/>
-        <p:txBody>
-          <a:bodyPr/>
-          <a:lstStyle/>
-          <a:p>
-            <a:r>
-              <a:rPr lang="ru-RU" dirty="0"/>
-              <a:t>Обе опции имеют существенные (2</a:t>
-            </a:r>
-            <a:r>
-              <a:rPr lang="en-US" dirty="0"/>
-              <a:t>x) </a:t>
-            </a:r>
-            <a:r>
-              <a:rPr lang="ru-RU" dirty="0"/>
-              <a:t>накладные расходы</a:t>
-            </a:r>
-            <a:endParaRPr lang="en-US" dirty="0"/>
-          </a:p>
-          <a:p>
-            <a:r>
-              <a:rPr lang="ru-RU" dirty="0"/>
-              <a:t>Рекомендуется использовать только для тестирования</a:t>
-            </a:r>
-            <a:endParaRPr lang="en-US" dirty="0"/>
-          </a:p>
-          <a:p>
-            <a:r>
-              <a:rPr lang="ru-RU" dirty="0"/>
-              <a:t>Чекеры компараторов не должны менять алгоритмическую сложность алгоритма (O(N*logN)) и поэтому не могут провести полную проверку корректности</a:t>
-            </a:r>
-          </a:p>
-          <a:p>
-            <a:pPr lvl="1"/>
-            <a:r>
-              <a:rPr lang="ru-RU" dirty="0"/>
-              <a:t>Например проверку аксиом транзитивности</a:t>
-            </a:r>
-          </a:p>
-          <a:p>
-            <a:endParaRPr lang="en-US" dirty="0"/>
-          </a:p>
-        </p:txBody>
-      </p:sp>
-    </p:spTree>
-    <p:extLst>
-      <p:ext uri="{BB962C8B-B14F-4D97-AF65-F5344CB8AC3E}">
-        <p14:creationId xmlns:p14="http://schemas.microsoft.com/office/powerpoint/2010/main" val="2928624946"/>
-      </p:ext>
-    </p:extLst>
-  </p:cSld>
-  <p:clrMapOvr>
-    <a:masterClrMapping/>
-  </p:clrMapOvr>
-</p:sld>
-</file>
-
 <file path=ppt/slides/slide39.xml><?xml version="1.0" encoding="utf-8"?>
 <p:sld xmlns:a="http://schemas.openxmlformats.org/drawingml/2006/main" xmlns:r="http://schemas.openxmlformats.org/officeDocument/2006/relationships" xmlns:p="http://schemas.openxmlformats.org/presentationml/2006/main">
   <p:cSld>
@@ -12573,7 +13122,7 @@
           <p:cNvPr id="2" name="Title 1">
             <a:extLst>
               <a:ext uri="{FF2B5EF4-FFF2-40B4-BE49-F238E27FC236}">
-                <a16:creationId xmlns:a16="http://schemas.microsoft.com/office/drawing/2014/main" id="{BC72424F-9AF5-45CD-9C91-874C6DC016AA}"/>
+                <a16:creationId xmlns:a16="http://schemas.microsoft.com/office/drawing/2014/main" id="{4779B8ED-1F29-4D30-B331-C3400270FDF0}"/>
               </a:ext>
             </a:extLst>
           </p:cNvPr>
@@ -12590,8 +13139,8 @@
           <a:lstStyle/>
           <a:p>
             <a:r>
-              <a:rPr lang="en-US" dirty="0" err="1"/>
-              <a:t>SortChecker</a:t>
+              <a:rPr lang="ru-RU" dirty="0"/>
+              <a:t>Отладочные средства в тулчейнах</a:t>
             </a:r>
             <a:endParaRPr lang="en-US" dirty="0"/>
           </a:p>
@@ -12602,7 +13151,7 @@
           <p:cNvPr id="3" name="Content Placeholder 2">
             <a:extLst>
               <a:ext uri="{FF2B5EF4-FFF2-40B4-BE49-F238E27FC236}">
-                <a16:creationId xmlns:a16="http://schemas.microsoft.com/office/drawing/2014/main" id="{436AE089-C978-44EF-9D7D-E8AE6EA68157}"/>
+                <a16:creationId xmlns:a16="http://schemas.microsoft.com/office/drawing/2014/main" id="{58F9ABFF-6BB7-4FB9-989A-8FA4CD7D38CB}"/>
               </a:ext>
             </a:extLst>
           </p:cNvPr>
@@ -12613,94 +13162,54 @@
             <p:ph idx="1"/>
           </p:nvPr>
         </p:nvSpPr>
-        <p:spPr>
-          <a:xfrm>
-            <a:off x="838200" y="1847396"/>
-            <a:ext cx="10515600" cy="4351338"/>
-          </a:xfrm>
-        </p:spPr>
-        <p:txBody>
-          <a:bodyPr>
-            <a:normAutofit/>
-          </a:bodyPr>
-          <a:lstStyle/>
-          <a:p>
-            <a:r>
-              <a:rPr lang="ru-RU" dirty="0"/>
-              <a:t>SortChecker (</a:t>
-            </a:r>
-            <a:r>
-              <a:rPr lang="ru-RU" dirty="0">
-                <a:hlinkClick r:id="rId2"/>
-              </a:rPr>
-              <a:t>https://github.com/yugr/sortcheck</a:t>
-            </a:r>
-            <a:r>
-              <a:rPr lang="ru-RU" dirty="0"/>
-              <a:t>)</a:t>
+        <p:spPr/>
+        <p:txBody>
+          <a:bodyPr/>
+          <a:lstStyle/>
+          <a:p>
+            <a:r>
+              <a:rPr lang="ru-RU" dirty="0"/>
+              <a:t>Обе опции имеют существенные (2</a:t>
+            </a:r>
+            <a:r>
+              <a:rPr lang="en-US" dirty="0"/>
+              <a:t>x) </a:t>
+            </a:r>
+            <a:r>
+              <a:rPr lang="ru-RU" dirty="0"/>
+              <a:t>накладные расходы</a:t>
             </a:r>
             <a:endParaRPr lang="en-US" dirty="0"/>
           </a:p>
           <a:p>
             <a:r>
               <a:rPr lang="ru-RU" dirty="0"/>
-              <a:t>Простой динамический чекер для проверки корректности программ на Си в рантайме</a:t>
+              <a:t>Рекомендуется использовать только для тестирования</a:t>
             </a:r>
             <a:endParaRPr lang="en-US" dirty="0"/>
           </a:p>
           <a:p>
             <a:r>
               <a:rPr lang="ru-RU" dirty="0"/>
-              <a:t>Перехватывает и проверяет API типа </a:t>
-            </a:r>
-            <a:r>
-              <a:rPr lang="ru-RU" dirty="0">
-                <a:latin typeface="Courier New" panose="02070309020205020404" pitchFamily="49" charset="0"/>
-                <a:cs typeface="Courier New" panose="02070309020205020404" pitchFamily="49" charset="0"/>
-              </a:rPr>
-              <a:t>qsort</a:t>
-            </a:r>
-            <a:r>
-              <a:rPr lang="ru-RU" dirty="0"/>
-              <a:t> и </a:t>
-            </a:r>
-            <a:r>
-              <a:rPr lang="ru-RU" dirty="0">
-                <a:latin typeface="Courier New" panose="02070309020205020404" pitchFamily="49" charset="0"/>
-                <a:cs typeface="Courier New" panose="02070309020205020404" pitchFamily="49" charset="0"/>
-              </a:rPr>
-              <a:t>bsearch</a:t>
-            </a:r>
-          </a:p>
-          <a:p>
-            <a:r>
-              <a:rPr lang="ru-RU" dirty="0"/>
-              <a:t>Основан на динамической инструментации (</a:t>
-            </a:r>
-            <a:r>
-              <a:rPr lang="ru-RU" dirty="0">
-                <a:latin typeface="Courier New" panose="02070309020205020404" pitchFamily="49" charset="0"/>
-                <a:cs typeface="Courier New" panose="02070309020205020404" pitchFamily="49" charset="0"/>
-              </a:rPr>
-              <a:t>LD_PRELOAD</a:t>
-            </a:r>
-            <a:r>
-              <a:rPr lang="ru-RU" dirty="0"/>
-              <a:t>)</a:t>
-            </a:r>
-          </a:p>
-          <a:p>
-            <a:r>
-              <a:rPr lang="ru-RU" dirty="0"/>
-              <a:t>Нашёл 15 ошибок в различных OSS проектах (GCC, Harfbuzz, etc.)</a:t>
-            </a:r>
+              <a:t>Чекеры компараторов не должны менять алгоритмическую сложность алгоритма (O(N*logN)) и поэтому не могут провести полную проверку корректности</a:t>
+            </a:r>
+          </a:p>
+          <a:p>
+            <a:pPr lvl="1"/>
+            <a:r>
+              <a:rPr lang="ru-RU" dirty="0"/>
+              <a:t>Например проверку аксиом транзитивности</a:t>
+            </a:r>
+          </a:p>
+          <a:p>
+            <a:endParaRPr lang="en-US" dirty="0"/>
           </a:p>
         </p:txBody>
       </p:sp>
     </p:spTree>
     <p:extLst>
       <p:ext uri="{BB962C8B-B14F-4D97-AF65-F5344CB8AC3E}">
-        <p14:creationId xmlns:p14="http://schemas.microsoft.com/office/powerpoint/2010/main" val="2659528703"/>
+        <p14:creationId xmlns:p14="http://schemas.microsoft.com/office/powerpoint/2010/main" val="2928624946"/>
       </p:ext>
     </p:extLst>
   </p:cSld>
@@ -12803,7 +13312,7 @@
           <a:p>
             <a:r>
               <a:rPr lang="ru-RU" dirty="0"/>
-              <a:t>Используются различными алгоритмами и контейнерами стандартной библиотеки для упорядочения объектов типа</a:t>
+              <a:t>Используются различными алгоритмами и контейнерами стандартной библиотеки для упорядочения объектов</a:t>
             </a:r>
             <a:endParaRPr lang="en-US" dirty="0"/>
           </a:p>
@@ -12948,39 +13457,35 @@
           <a:lstStyle/>
           <a:p>
             <a:r>
-              <a:rPr lang="ru-RU" dirty="0"/>
-              <a:t>Простой динамический чекер для проверки корректности программ на </a:t>
-            </a:r>
-            <a:r>
-              <a:rPr lang="en-US" dirty="0"/>
-              <a:t>C++ </a:t>
-            </a:r>
-            <a:r>
-              <a:rPr lang="ru-RU" dirty="0"/>
-              <a:t>в рантайме</a:t>
+              <a:rPr lang="ru-RU" dirty="0">
+                <a:hlinkClick r:id="rId3"/>
+              </a:rPr>
+              <a:t>https://github.com/yugr/sortcheckxx</a:t>
             </a:r>
             <a:endParaRPr lang="en-US" dirty="0"/>
           </a:p>
           <a:p>
             <a:r>
               <a:rPr lang="ru-RU" dirty="0"/>
-              <a:t>SortChecker++ (</a:t>
-            </a:r>
-            <a:r>
-              <a:rPr lang="ru-RU" dirty="0">
-                <a:hlinkClick r:id="rId2"/>
-              </a:rPr>
-              <a:t>https://github.com/yugr/sortcheckxx</a:t>
-            </a:r>
-            <a:r>
-              <a:rPr lang="ru-RU" dirty="0"/>
-              <a:t>)</a:t>
-            </a:r>
-          </a:p>
-          <a:p>
-            <a:r>
-              <a:rPr lang="ru-RU" dirty="0"/>
-              <a:t>Перехватывает и проверяет API типа </a:t>
+              <a:t>Динамический чекер для проверки компараторов в программах на </a:t>
+            </a:r>
+            <a:r>
+              <a:rPr lang="en-US" dirty="0"/>
+              <a:t>C++</a:t>
+            </a:r>
+          </a:p>
+          <a:p>
+            <a:r>
+              <a:rPr lang="ru-RU" dirty="0"/>
+              <a:t>Перехватывает и проверяет </a:t>
+            </a:r>
+            <a:r>
+              <a:rPr lang="en-US" dirty="0"/>
+              <a:t>STL </a:t>
+            </a:r>
+            <a:r>
+              <a:rPr lang="ru-RU" dirty="0"/>
+              <a:t>API типа </a:t>
             </a:r>
             <a:r>
               <a:rPr lang="ru-RU" dirty="0">
@@ -13070,7 +13575,7 @@
           <p:cNvPr id="2" name="Title 1">
             <a:extLst>
               <a:ext uri="{FF2B5EF4-FFF2-40B4-BE49-F238E27FC236}">
-                <a16:creationId xmlns:a16="http://schemas.microsoft.com/office/drawing/2014/main" id="{A6FDE828-D233-4535-B53B-9502F549DDB9}"/>
+                <a16:creationId xmlns:a16="http://schemas.microsoft.com/office/drawing/2014/main" id="{BC72424F-9AF5-45CD-9C91-874C6DC016AA}"/>
               </a:ext>
             </a:extLst>
           </p:cNvPr>
@@ -13086,18 +13591,11 @@
           <a:bodyPr/>
           <a:lstStyle/>
           <a:p>
-            <a:r>
-              <a:rPr lang="ru-RU" dirty="0"/>
-              <a:t>Как использовать </a:t>
-            </a:r>
             <a:r>
               <a:rPr lang="en-US" dirty="0" err="1"/>
               <a:t>SortChecker</a:t>
             </a:r>
-            <a:r>
-              <a:rPr lang="en-US" dirty="0"/>
-              <a:t>++</a:t>
-            </a:r>
+            <a:endParaRPr lang="en-US" dirty="0"/>
           </a:p>
         </p:txBody>
       </p:sp>
@@ -13106,7 +13604,7 @@
           <p:cNvPr id="3" name="Content Placeholder 2">
             <a:extLst>
               <a:ext uri="{FF2B5EF4-FFF2-40B4-BE49-F238E27FC236}">
-                <a16:creationId xmlns:a16="http://schemas.microsoft.com/office/drawing/2014/main" id="{485A6619-1CBE-4348-961B-BD3FDC8FFEC4}"/>
+                <a16:creationId xmlns:a16="http://schemas.microsoft.com/office/drawing/2014/main" id="{436AE089-C978-44EF-9D7D-E8AE6EA68157}"/>
               </a:ext>
             </a:extLst>
           </p:cNvPr>
@@ -13116,349 +13614,99 @@
           <p:nvPr>
             <p:ph idx="1"/>
           </p:nvPr>
-        </p:nvSpPr>
-        <p:spPr/>
-        <p:txBody>
-          <a:bodyPr>
-            <a:normAutofit lnSpcReduction="10000"/>
-          </a:bodyPr>
-          <a:lstStyle/>
-          <a:p>
-            <a:r>
-              <a:rPr lang="ru-RU" dirty="0"/>
-              <a:t>Вначале инструментируем код:</a:t>
-            </a:r>
-          </a:p>
-          <a:p>
-            <a:pPr marL="457200" lvl="1" indent="0">
-              <a:buNone/>
-            </a:pPr>
-            <a:r>
-              <a:rPr lang="en-US" dirty="0">
-                <a:latin typeface="Courier New" panose="02070309020205020404" pitchFamily="49" charset="0"/>
-                <a:cs typeface="Courier New" panose="02070309020205020404" pitchFamily="49" charset="0"/>
-              </a:rPr>
-              <a:t>$ </a:t>
-            </a:r>
-            <a:r>
-              <a:rPr lang="en-US" dirty="0" err="1">
-                <a:latin typeface="Courier New" panose="02070309020205020404" pitchFamily="49" charset="0"/>
-                <a:cs typeface="Courier New" panose="02070309020205020404" pitchFamily="49" charset="0"/>
-              </a:rPr>
-              <a:t>sortcheckxx</a:t>
-            </a:r>
-            <a:r>
-              <a:rPr lang="en-US" dirty="0">
-                <a:latin typeface="Courier New" panose="02070309020205020404" pitchFamily="49" charset="0"/>
-                <a:cs typeface="Courier New" panose="02070309020205020404" pitchFamily="49" charset="0"/>
-              </a:rPr>
-              <a:t>/bin/</a:t>
-            </a:r>
-            <a:r>
-              <a:rPr lang="en-US" dirty="0" err="1">
-                <a:latin typeface="Courier New" panose="02070309020205020404" pitchFamily="49" charset="0"/>
-                <a:cs typeface="Courier New" panose="02070309020205020404" pitchFamily="49" charset="0"/>
-              </a:rPr>
-              <a:t>SortChecker</a:t>
-            </a:r>
-            <a:r>
-              <a:rPr lang="en-US" dirty="0">
-                <a:latin typeface="Courier New" panose="02070309020205020404" pitchFamily="49" charset="0"/>
-                <a:cs typeface="Courier New" panose="02070309020205020404" pitchFamily="49" charset="0"/>
-              </a:rPr>
-              <a:t> tmp.cc -- -DN=50</a:t>
-            </a:r>
-            <a:endParaRPr lang="en-US" dirty="0"/>
-          </a:p>
-          <a:p>
-            <a:endParaRPr lang="en-US" dirty="0"/>
-          </a:p>
-          <a:p>
-            <a:pPr marL="0" indent="0">
-              <a:buNone/>
-            </a:pPr>
-            <a:endParaRPr lang="en-US" dirty="0"/>
-          </a:p>
-          <a:p>
-            <a:r>
-              <a:rPr lang="ru-RU" dirty="0"/>
-              <a:t>Скомпилируем и запустим инструментированный код из начала презентации</a:t>
-            </a:r>
-            <a:r>
-              <a:rPr lang="en-US" dirty="0"/>
-              <a:t>:</a:t>
-            </a:r>
-            <a:endParaRPr lang="ru-RU" dirty="0"/>
-          </a:p>
-          <a:p>
-            <a:pPr marL="457200" lvl="1" indent="0">
-              <a:buNone/>
-            </a:pPr>
-            <a:r>
-              <a:rPr lang="en-US" dirty="0">
-                <a:latin typeface="Courier New" panose="02070309020205020404" pitchFamily="49" charset="0"/>
-                <a:cs typeface="Courier New" panose="02070309020205020404" pitchFamily="49" charset="0"/>
-              </a:rPr>
-              <a:t>$ g++ -g -DN=50 -I </a:t>
-            </a:r>
-            <a:r>
-              <a:rPr lang="en-US" dirty="0" err="1">
-                <a:latin typeface="Courier New" panose="02070309020205020404" pitchFamily="49" charset="0"/>
-                <a:cs typeface="Courier New" panose="02070309020205020404" pitchFamily="49" charset="0"/>
-              </a:rPr>
-              <a:t>sortcheckxx</a:t>
-            </a:r>
-            <a:r>
-              <a:rPr lang="en-US" dirty="0">
-                <a:latin typeface="Courier New" panose="02070309020205020404" pitchFamily="49" charset="0"/>
-                <a:cs typeface="Courier New" panose="02070309020205020404" pitchFamily="49" charset="0"/>
-              </a:rPr>
-              <a:t>/include tmp.cc &amp;&amp; ./</a:t>
-            </a:r>
-            <a:r>
-              <a:rPr lang="en-US" dirty="0" err="1">
-                <a:latin typeface="Courier New" panose="02070309020205020404" pitchFamily="49" charset="0"/>
-                <a:cs typeface="Courier New" panose="02070309020205020404" pitchFamily="49" charset="0"/>
-              </a:rPr>
-              <a:t>a.out</a:t>
-            </a:r>
-            <a:endParaRPr lang="en-US" dirty="0">
-              <a:latin typeface="Courier New" panose="02070309020205020404" pitchFamily="49" charset="0"/>
-              <a:cs typeface="Courier New" panose="02070309020205020404" pitchFamily="49" charset="0"/>
-            </a:endParaRPr>
-          </a:p>
-          <a:p>
-            <a:pPr marL="457200" lvl="1" indent="0">
-              <a:buNone/>
-            </a:pPr>
-            <a:r>
-              <a:rPr lang="en-US" dirty="0" err="1">
-                <a:latin typeface="Courier New" panose="02070309020205020404" pitchFamily="49" charset="0"/>
-                <a:cs typeface="Courier New" panose="02070309020205020404" pitchFamily="49" charset="0"/>
-              </a:rPr>
-              <a:t>sortcheck</a:t>
-            </a:r>
-            <a:r>
-              <a:rPr lang="en-US" dirty="0">
-                <a:latin typeface="Courier New" panose="02070309020205020404" pitchFamily="49" charset="0"/>
-                <a:cs typeface="Courier New" panose="02070309020205020404" pitchFamily="49" charset="0"/>
-              </a:rPr>
-              <a:t>: tmp.cc:14: irreflexive comparator at position 0</a:t>
-            </a:r>
-          </a:p>
-          <a:p>
-            <a:pPr marL="457200" lvl="1" indent="0">
-              <a:buNone/>
-            </a:pPr>
-            <a:r>
-              <a:rPr lang="en-US" dirty="0">
-                <a:latin typeface="Courier New" panose="02070309020205020404" pitchFamily="49" charset="0"/>
-                <a:cs typeface="Courier New" panose="02070309020205020404" pitchFamily="49" charset="0"/>
-              </a:rPr>
-              <a:t>Aborted</a:t>
-            </a:r>
-          </a:p>
-          <a:p>
-            <a:endParaRPr lang="en-US" dirty="0"/>
-          </a:p>
-        </p:txBody>
-      </p:sp>
-      <p:sp>
-        <p:nvSpPr>
-          <p:cNvPr id="7" name="TextBox 6">
-            <a:extLst>
-              <a:ext uri="{FF2B5EF4-FFF2-40B4-BE49-F238E27FC236}">
-                <a16:creationId xmlns:a16="http://schemas.microsoft.com/office/drawing/2014/main" id="{11123AAB-C400-4176-BD21-92E392527EA3}"/>
-              </a:ext>
-            </a:extLst>
-          </p:cNvPr>
-          <p:cNvSpPr txBox="1"/>
-          <p:nvPr/>
-        </p:nvSpPr>
-        <p:spPr>
-          <a:xfrm flipH="1">
-            <a:off x="655319" y="2847987"/>
-            <a:ext cx="4156167" cy="646331"/>
-          </a:xfrm>
-          <a:prstGeom prst="rect">
-            <a:avLst/>
-          </a:prstGeom>
-          <a:noFill/>
-        </p:spPr>
-        <p:txBody>
-          <a:bodyPr wrap="square" rtlCol="0">
-            <a:spAutoFit/>
-          </a:bodyPr>
-          <a:lstStyle/>
-          <a:p>
-            <a:r>
-              <a:rPr lang="en-US" dirty="0">
-                <a:latin typeface="Courier New" panose="02070309020205020404" pitchFamily="49" charset="0"/>
-                <a:cs typeface="Courier New" panose="02070309020205020404" pitchFamily="49" charset="0"/>
-              </a:rPr>
-              <a:t>std::sort(begin, end, </a:t>
-            </a:r>
-            <a:r>
-              <a:rPr lang="en-US" dirty="0" err="1">
-                <a:latin typeface="Courier New" panose="02070309020205020404" pitchFamily="49" charset="0"/>
-                <a:cs typeface="Courier New" panose="02070309020205020404" pitchFamily="49" charset="0"/>
-              </a:rPr>
-              <a:t>cmp</a:t>
-            </a:r>
-            <a:r>
-              <a:rPr lang="en-US" dirty="0">
-                <a:latin typeface="Courier New" panose="02070309020205020404" pitchFamily="49" charset="0"/>
-                <a:cs typeface="Courier New" panose="02070309020205020404" pitchFamily="49" charset="0"/>
-              </a:rPr>
-              <a:t>);</a:t>
-            </a:r>
-          </a:p>
-          <a:p>
-            <a:endParaRPr lang="en-US" dirty="0"/>
-          </a:p>
-        </p:txBody>
-      </p:sp>
-      <p:sp>
-        <p:nvSpPr>
-          <p:cNvPr id="8" name="TextBox 7">
-            <a:extLst>
-              <a:ext uri="{FF2B5EF4-FFF2-40B4-BE49-F238E27FC236}">
-                <a16:creationId xmlns:a16="http://schemas.microsoft.com/office/drawing/2014/main" id="{9278FD20-2DDE-44DA-87D2-6696BE10DA53}"/>
-              </a:ext>
-            </a:extLst>
-          </p:cNvPr>
-          <p:cNvSpPr txBox="1"/>
-          <p:nvPr/>
         </p:nvSpPr>
         <p:spPr>
           <a:xfrm>
-            <a:off x="6235342" y="2709487"/>
-            <a:ext cx="6128657" cy="923330"/>
+            <a:off x="838200" y="1847396"/>
+            <a:ext cx="10515600" cy="4351338"/>
           </a:xfrm>
-          <a:prstGeom prst="rect">
-            <a:avLst/>
-          </a:prstGeom>
-          <a:noFill/>
         </p:spPr>
         <p:txBody>
-          <a:bodyPr wrap="square" rtlCol="0">
-            <a:spAutoFit/>
+          <a:bodyPr>
+            <a:normAutofit/>
           </a:bodyPr>
           <a:lstStyle/>
           <a:p>
-            <a:pPr marL="457200" lvl="1" indent="0">
-              <a:buNone/>
-            </a:pPr>
-            <a:r>
-              <a:rPr lang="en-US" dirty="0" err="1">
-                <a:latin typeface="Courier New" panose="02070309020205020404" pitchFamily="49" charset="0"/>
-                <a:cs typeface="Courier New" panose="02070309020205020404" pitchFamily="49" charset="0"/>
-              </a:rPr>
-              <a:t>sortcheck</a:t>
-            </a:r>
-            <a:r>
-              <a:rPr lang="en-US" dirty="0">
-                <a:latin typeface="Courier New" panose="02070309020205020404" pitchFamily="49" charset="0"/>
-                <a:cs typeface="Courier New" panose="02070309020205020404" pitchFamily="49" charset="0"/>
-              </a:rPr>
-              <a:t>::</a:t>
-            </a:r>
-            <a:r>
-              <a:rPr lang="en-US" dirty="0" err="1">
-                <a:latin typeface="Courier New" panose="02070309020205020404" pitchFamily="49" charset="0"/>
-                <a:cs typeface="Courier New" panose="02070309020205020404" pitchFamily="49" charset="0"/>
-              </a:rPr>
-              <a:t>sort_checked</a:t>
-            </a:r>
-            <a:r>
-              <a:rPr lang="en-US" dirty="0">
-                <a:latin typeface="Courier New" panose="02070309020205020404" pitchFamily="49" charset="0"/>
-                <a:cs typeface="Courier New" panose="02070309020205020404" pitchFamily="49" charset="0"/>
-              </a:rPr>
-              <a:t>(begin, end,</a:t>
-            </a:r>
-          </a:p>
-          <a:p>
-            <a:pPr marL="457200" lvl="1" indent="0">
-              <a:buNone/>
-            </a:pPr>
-            <a:r>
-              <a:rPr lang="en-US" dirty="0">
-                <a:latin typeface="Courier New" panose="02070309020205020404" pitchFamily="49" charset="0"/>
-                <a:cs typeface="Courier New" panose="02070309020205020404" pitchFamily="49" charset="0"/>
-              </a:rPr>
-              <a:t>  </a:t>
-            </a:r>
-            <a:r>
-              <a:rPr lang="en-US" dirty="0" err="1">
-                <a:latin typeface="Courier New" panose="02070309020205020404" pitchFamily="49" charset="0"/>
-                <a:cs typeface="Courier New" panose="02070309020205020404" pitchFamily="49" charset="0"/>
-              </a:rPr>
-              <a:t>cmp</a:t>
-            </a:r>
-            <a:r>
-              <a:rPr lang="en-US" dirty="0">
-                <a:latin typeface="Courier New" panose="02070309020205020404" pitchFamily="49" charset="0"/>
-                <a:cs typeface="Courier New" panose="02070309020205020404" pitchFamily="49" charset="0"/>
-              </a:rPr>
-              <a:t>, __FILE__, __LINE__);</a:t>
-            </a:r>
-          </a:p>
-          <a:p>
+            <a:r>
+              <a:rPr lang="ru-RU" dirty="0">
+                <a:hlinkClick r:id="rId2"/>
+              </a:rPr>
+              <a:t>https://github.com/yugr/sortcheck</a:t>
+            </a:r>
             <a:endParaRPr lang="en-US" dirty="0"/>
           </a:p>
-        </p:txBody>
-      </p:sp>
-      <p:sp>
-        <p:nvSpPr>
-          <p:cNvPr id="9" name="Arrow: Right 8">
-            <a:extLst>
-              <a:ext uri="{FF2B5EF4-FFF2-40B4-BE49-F238E27FC236}">
-                <a16:creationId xmlns:a16="http://schemas.microsoft.com/office/drawing/2014/main" id="{A27634EB-80E1-4865-ABAC-777D70A2C39D}"/>
-              </a:ext>
-            </a:extLst>
-          </p:cNvPr>
-          <p:cNvSpPr/>
-          <p:nvPr/>
-        </p:nvSpPr>
-        <p:spPr>
-          <a:xfrm>
-            <a:off x="5181602" y="2955475"/>
-            <a:ext cx="914398" cy="223158"/>
-          </a:xfrm>
-          <a:prstGeom prst="rightArrow">
-            <a:avLst/>
-          </a:prstGeom>
-        </p:spPr>
-        <p:style>
-          <a:lnRef idx="2">
-            <a:schemeClr val="accent1">
-              <a:shade val="50000"/>
-            </a:schemeClr>
-          </a:lnRef>
-          <a:fillRef idx="1">
-            <a:schemeClr val="accent1"/>
-          </a:fillRef>
-          <a:effectRef idx="0">
-            <a:schemeClr val="accent1"/>
-          </a:effectRef>
-          <a:fontRef idx="minor">
-            <a:schemeClr val="lt1"/>
-          </a:fontRef>
-        </p:style>
-        <p:txBody>
-          <a:bodyPr rtlCol="0" anchor="ctr"/>
-          <a:lstStyle/>
-          <a:p>
-            <a:pPr algn="ctr"/>
-            <a:endParaRPr lang="en-US"/>
+          <a:p>
+            <a:r>
+              <a:rPr lang="ru-RU" dirty="0"/>
+              <a:t>Динамический чекер для проверки компараторов в программах на Си</a:t>
+            </a:r>
+            <a:endParaRPr lang="en-US" dirty="0"/>
+          </a:p>
+          <a:p>
+            <a:r>
+              <a:rPr lang="ru-RU" dirty="0"/>
+              <a:t>Перехватывает и проверяет </a:t>
+            </a:r>
+            <a:r>
+              <a:rPr lang="en-US" dirty="0" err="1"/>
+              <a:t>libc</a:t>
+            </a:r>
+            <a:r>
+              <a:rPr lang="en-US" dirty="0"/>
+              <a:t> </a:t>
+            </a:r>
+            <a:r>
+              <a:rPr lang="ru-RU" dirty="0"/>
+              <a:t>API типа </a:t>
+            </a:r>
+            <a:r>
+              <a:rPr lang="ru-RU" dirty="0">
+                <a:latin typeface="Courier New" panose="02070309020205020404" pitchFamily="49" charset="0"/>
+                <a:cs typeface="Courier New" panose="02070309020205020404" pitchFamily="49" charset="0"/>
+              </a:rPr>
+              <a:t>qsort</a:t>
+            </a:r>
+            <a:r>
+              <a:rPr lang="ru-RU" dirty="0"/>
+              <a:t> и </a:t>
+            </a:r>
+            <a:r>
+              <a:rPr lang="ru-RU" dirty="0">
+                <a:latin typeface="Courier New" panose="02070309020205020404" pitchFamily="49" charset="0"/>
+                <a:cs typeface="Courier New" panose="02070309020205020404" pitchFamily="49" charset="0"/>
+              </a:rPr>
+              <a:t>bsearch</a:t>
+            </a:r>
+          </a:p>
+          <a:p>
+            <a:r>
+              <a:rPr lang="ru-RU" dirty="0"/>
+              <a:t>Основан на динамической инструментации (</a:t>
+            </a:r>
+            <a:r>
+              <a:rPr lang="ru-RU" dirty="0">
+                <a:latin typeface="Courier New" panose="02070309020205020404" pitchFamily="49" charset="0"/>
+                <a:cs typeface="Courier New" panose="02070309020205020404" pitchFamily="49" charset="0"/>
+              </a:rPr>
+              <a:t>LD_PRELOAD</a:t>
+            </a:r>
+            <a:r>
+              <a:rPr lang="ru-RU" dirty="0"/>
+              <a:t>)</a:t>
+            </a:r>
+          </a:p>
+          <a:p>
+            <a:r>
+              <a:rPr lang="ru-RU" dirty="0"/>
+              <a:t>Нашёл 15 ошибок в различных OSS проектах (GCC, Harfbuzz, etc.)</a:t>
+            </a:r>
           </a:p>
         </p:txBody>
       </p:sp>
     </p:spTree>
     <p:extLst>
       <p:ext uri="{BB962C8B-B14F-4D97-AF65-F5344CB8AC3E}">
-        <p14:creationId xmlns:p14="http://schemas.microsoft.com/office/powerpoint/2010/main" val="1487736242"/>
+        <p14:creationId xmlns:p14="http://schemas.microsoft.com/office/powerpoint/2010/main" val="2659528703"/>
       </p:ext>
     </p:extLst>
   </p:cSld>
@@ -13490,7 +13738,7 @@
           <p:cNvPr id="2" name="Title 1">
             <a:extLst>
               <a:ext uri="{FF2B5EF4-FFF2-40B4-BE49-F238E27FC236}">
-                <a16:creationId xmlns:a16="http://schemas.microsoft.com/office/drawing/2014/main" id="{B6884E62-A92A-47BA-9EF6-78B10084AB0B}"/>
+                <a16:creationId xmlns:a16="http://schemas.microsoft.com/office/drawing/2014/main" id="{A6FDE828-D233-4535-B53B-9502F549DDB9}"/>
               </a:ext>
             </a:extLst>
           </p:cNvPr>
@@ -13501,291 +13749,146 @@
             <p:ph type="title"/>
           </p:nvPr>
         </p:nvSpPr>
-        <p:spPr>
-          <a:xfrm>
-            <a:off x="838200" y="-81189"/>
-            <a:ext cx="10515600" cy="1325563"/>
-          </a:xfrm>
-        </p:spPr>
+        <p:spPr/>
         <p:txBody>
           <a:bodyPr/>
           <a:lstStyle/>
           <a:p>
             <a:r>
               <a:rPr lang="ru-RU" dirty="0"/>
-              <a:t>Псевдокод</a:t>
+              <a:t>Как использовать </a:t>
+            </a:r>
+            <a:r>
+              <a:rPr lang="en-US" dirty="0" err="1"/>
+              <a:t>SortChecker</a:t>
+            </a:r>
+            <a:r>
+              <a:rPr lang="en-US" dirty="0"/>
+              <a:t>++</a:t>
+            </a:r>
+          </a:p>
+        </p:txBody>
+      </p:sp>
+      <p:sp>
+        <p:nvSpPr>
+          <p:cNvPr id="3" name="Content Placeholder 2">
+            <a:extLst>
+              <a:ext uri="{FF2B5EF4-FFF2-40B4-BE49-F238E27FC236}">
+                <a16:creationId xmlns:a16="http://schemas.microsoft.com/office/drawing/2014/main" id="{485A6619-1CBE-4348-961B-BD3FDC8FFEC4}"/>
+              </a:ext>
+            </a:extLst>
+          </p:cNvPr>
+          <p:cNvSpPr>
+            <a:spLocks noGrp="1"/>
+          </p:cNvSpPr>
+          <p:nvPr>
+            <p:ph idx="1"/>
+          </p:nvPr>
+        </p:nvSpPr>
+        <p:spPr/>
+        <p:txBody>
+          <a:bodyPr>
+            <a:normAutofit lnSpcReduction="10000"/>
+          </a:bodyPr>
+          <a:lstStyle/>
+          <a:p>
+            <a:r>
+              <a:rPr lang="ru-RU" dirty="0"/>
+              <a:t>Вначале инструментируем код:</a:t>
+            </a:r>
+          </a:p>
+          <a:p>
+            <a:pPr marL="457200" lvl="1" indent="0">
+              <a:buNone/>
+            </a:pPr>
+            <a:r>
+              <a:rPr lang="en-US" dirty="0">
+                <a:latin typeface="Courier New" panose="02070309020205020404" pitchFamily="49" charset="0"/>
+                <a:cs typeface="Courier New" panose="02070309020205020404" pitchFamily="49" charset="0"/>
+              </a:rPr>
+              <a:t>$ </a:t>
+            </a:r>
+            <a:r>
+              <a:rPr lang="en-US" dirty="0" err="1">
+                <a:latin typeface="Courier New" panose="02070309020205020404" pitchFamily="49" charset="0"/>
+                <a:cs typeface="Courier New" panose="02070309020205020404" pitchFamily="49" charset="0"/>
+              </a:rPr>
+              <a:t>sortcheckxx</a:t>
+            </a:r>
+            <a:r>
+              <a:rPr lang="en-US" dirty="0">
+                <a:latin typeface="Courier New" panose="02070309020205020404" pitchFamily="49" charset="0"/>
+                <a:cs typeface="Courier New" panose="02070309020205020404" pitchFamily="49" charset="0"/>
+              </a:rPr>
+              <a:t>/bin/</a:t>
+            </a:r>
+            <a:r>
+              <a:rPr lang="en-US" dirty="0" err="1">
+                <a:latin typeface="Courier New" panose="02070309020205020404" pitchFamily="49" charset="0"/>
+                <a:cs typeface="Courier New" panose="02070309020205020404" pitchFamily="49" charset="0"/>
+              </a:rPr>
+              <a:t>SortChecker</a:t>
+            </a:r>
+            <a:r>
+              <a:rPr lang="en-US" dirty="0">
+                <a:latin typeface="Courier New" panose="02070309020205020404" pitchFamily="49" charset="0"/>
+                <a:cs typeface="Courier New" panose="02070309020205020404" pitchFamily="49" charset="0"/>
+              </a:rPr>
+              <a:t> tmp.cc -- -DN=50</a:t>
             </a:r>
             <a:endParaRPr lang="en-US" dirty="0"/>
           </a:p>
-        </p:txBody>
-      </p:sp>
-      <p:sp>
-        <p:nvSpPr>
-          <p:cNvPr id="3" name="Content Placeholder 2">
-            <a:extLst>
-              <a:ext uri="{FF2B5EF4-FFF2-40B4-BE49-F238E27FC236}">
-                <a16:creationId xmlns:a16="http://schemas.microsoft.com/office/drawing/2014/main" id="{AD260025-EBC3-45D0-9B0B-DAA951A03DCC}"/>
-              </a:ext>
-            </a:extLst>
-          </p:cNvPr>
-          <p:cNvSpPr>
-            <a:spLocks noGrp="1"/>
-          </p:cNvSpPr>
-          <p:nvPr>
-            <p:ph idx="1"/>
-          </p:nvPr>
-        </p:nvSpPr>
-        <p:spPr>
-          <a:xfrm>
-            <a:off x="636814" y="1004887"/>
-            <a:ext cx="11261272" cy="5450342"/>
-          </a:xfrm>
-        </p:spPr>
-        <p:txBody>
-          <a:bodyPr>
-            <a:normAutofit fontScale="77500" lnSpcReduction="20000"/>
-          </a:bodyPr>
-          <a:lstStyle/>
-          <a:p>
-            <a:r>
-              <a:rPr lang="ru-RU" dirty="0"/>
-              <a:t>Каждый запуск </a:t>
-            </a:r>
-            <a:r>
-              <a:rPr lang="en-US" dirty="0">
-                <a:latin typeface="Courier New" panose="02070309020205020404" pitchFamily="49" charset="0"/>
-                <a:cs typeface="Courier New" panose="02070309020205020404" pitchFamily="49" charset="0"/>
-              </a:rPr>
-              <a:t>std::sort</a:t>
-            </a:r>
-            <a:r>
-              <a:rPr lang="en-US" dirty="0"/>
-              <a:t> </a:t>
-            </a:r>
-            <a:r>
-              <a:rPr lang="ru-RU" dirty="0"/>
-              <a:t>и аналогичных </a:t>
-            </a:r>
-            <a:r>
-              <a:rPr lang="en-US" dirty="0"/>
-              <a:t>API </a:t>
-            </a:r>
-            <a:r>
-              <a:rPr lang="ru-RU" dirty="0"/>
-              <a:t>предваряется проверками:</a:t>
-            </a:r>
+          <a:p>
+            <a:endParaRPr lang="en-US" dirty="0"/>
+          </a:p>
+          <a:p>
+            <a:pPr marL="0" indent="0">
+              <a:buNone/>
+            </a:pPr>
+            <a:endParaRPr lang="en-US" dirty="0"/>
+          </a:p>
+          <a:p>
+            <a:r>
+              <a:rPr lang="ru-RU" dirty="0"/>
+              <a:t>Скомпилируем и запустим инструментированный код из начала презентации</a:t>
+            </a:r>
+            <a:r>
+              <a:rPr lang="en-US" dirty="0"/>
+              <a:t>:</a:t>
+            </a:r>
+            <a:endParaRPr lang="ru-RU" dirty="0"/>
           </a:p>
           <a:p>
             <a:pPr marL="457200" lvl="1" indent="0">
               <a:buNone/>
             </a:pPr>
             <a:r>
-              <a:rPr lang="en-US" sz="2000" dirty="0">
-                <a:latin typeface="Courier New" panose="02070309020205020404" pitchFamily="49" charset="0"/>
-                <a:cs typeface="Courier New" panose="02070309020205020404" pitchFamily="49" charset="0"/>
-              </a:rPr>
-              <a:t>for x in array</a:t>
-            </a:r>
-          </a:p>
-          <a:p>
-            <a:pPr marL="457200" lvl="1" indent="0">
-              <a:buNone/>
-            </a:pPr>
-            <a:r>
-              <a:rPr lang="en-US" sz="2000" dirty="0">
-                <a:latin typeface="Courier New" panose="02070309020205020404" pitchFamily="49" charset="0"/>
-                <a:cs typeface="Courier New" panose="02070309020205020404" pitchFamily="49" charset="0"/>
-              </a:rPr>
-              <a:t>  if comp(x, x)</a:t>
-            </a:r>
-          </a:p>
-          <a:p>
-            <a:pPr marL="457200" lvl="1" indent="0">
-              <a:buNone/>
-            </a:pPr>
-            <a:r>
-              <a:rPr lang="en-US" sz="2000" dirty="0">
-                <a:latin typeface="Courier New" panose="02070309020205020404" pitchFamily="49" charset="0"/>
-                <a:cs typeface="Courier New" panose="02070309020205020404" pitchFamily="49" charset="0"/>
-              </a:rPr>
-              <a:t>    error</a:t>
-            </a:r>
-          </a:p>
-          <a:p>
-            <a:pPr marL="457200" lvl="1" indent="0">
-              <a:buNone/>
-            </a:pPr>
-            <a:endParaRPr lang="en-US" sz="2000" dirty="0">
-              <a:latin typeface="Courier New" panose="02070309020205020404" pitchFamily="49" charset="0"/>
-              <a:cs typeface="Courier New" panose="02070309020205020404" pitchFamily="49" charset="0"/>
-            </a:endParaRPr>
-          </a:p>
-          <a:p>
-            <a:pPr marL="457200" lvl="1" indent="0">
-              <a:buNone/>
-            </a:pPr>
-            <a:r>
-              <a:rPr lang="en-US" sz="2000" dirty="0">
-                <a:latin typeface="Courier New" panose="02070309020205020404" pitchFamily="49" charset="0"/>
-                <a:cs typeface="Courier New" panose="02070309020205020404" pitchFamily="49" charset="0"/>
-              </a:rPr>
-              <a:t>for x, y in array</a:t>
-            </a:r>
-          </a:p>
-          <a:p>
-            <a:pPr marL="457200" lvl="1" indent="0">
-              <a:buNone/>
-            </a:pPr>
-            <a:r>
-              <a:rPr lang="en-US" sz="2000" dirty="0">
-                <a:latin typeface="Courier New" panose="02070309020205020404" pitchFamily="49" charset="0"/>
-                <a:cs typeface="Courier New" panose="02070309020205020404" pitchFamily="49" charset="0"/>
-              </a:rPr>
-              <a:t>  if comp(x, y) != comp(y, x)</a:t>
-            </a:r>
-          </a:p>
-          <a:p>
-            <a:pPr marL="457200" lvl="1" indent="0">
-              <a:buNone/>
-            </a:pPr>
-            <a:r>
-              <a:rPr lang="en-US" sz="2000" dirty="0">
-                <a:latin typeface="Courier New" panose="02070309020205020404" pitchFamily="49" charset="0"/>
-                <a:cs typeface="Courier New" panose="02070309020205020404" pitchFamily="49" charset="0"/>
-              </a:rPr>
-              <a:t>    error</a:t>
-            </a:r>
-          </a:p>
-          <a:p>
-            <a:pPr marL="457200" lvl="1" indent="0">
-              <a:buNone/>
-            </a:pPr>
-            <a:endParaRPr lang="en-US" sz="2000" dirty="0">
-              <a:latin typeface="Courier New" panose="02070309020205020404" pitchFamily="49" charset="0"/>
-              <a:cs typeface="Courier New" panose="02070309020205020404" pitchFamily="49" charset="0"/>
-            </a:endParaRPr>
-          </a:p>
-          <a:p>
-            <a:pPr marL="457200" lvl="1" indent="0">
-              <a:buNone/>
-            </a:pPr>
-            <a:r>
-              <a:rPr lang="en-US" sz="2000" dirty="0">
-                <a:latin typeface="Courier New" panose="02070309020205020404" pitchFamily="49" charset="0"/>
-                <a:cs typeface="Courier New" panose="02070309020205020404" pitchFamily="49" charset="0"/>
-              </a:rPr>
-              <a:t>for x, y, z in array</a:t>
-            </a:r>
-          </a:p>
-          <a:p>
-            <a:pPr marL="457200" lvl="1" indent="0">
-              <a:buNone/>
-            </a:pPr>
-            <a:r>
-              <a:rPr lang="en-US" sz="2000" dirty="0">
-                <a:latin typeface="Courier New" panose="02070309020205020404" pitchFamily="49" charset="0"/>
-                <a:cs typeface="Courier New" panose="02070309020205020404" pitchFamily="49" charset="0"/>
-              </a:rPr>
-              <a:t>  if comp(x, y) &amp;&amp; comp(y, z) &amp;&amp; !comp(x, z)</a:t>
-            </a:r>
-          </a:p>
-          <a:p>
-            <a:pPr marL="457200" lvl="1" indent="0">
-              <a:buNone/>
-            </a:pPr>
-            <a:r>
-              <a:rPr lang="en-US" sz="2000" dirty="0">
-                <a:latin typeface="Courier New" panose="02070309020205020404" pitchFamily="49" charset="0"/>
-                <a:cs typeface="Courier New" panose="02070309020205020404" pitchFamily="49" charset="0"/>
-              </a:rPr>
-              <a:t>    error</a:t>
-            </a:r>
-          </a:p>
-          <a:p>
-            <a:pPr marL="457200" lvl="1" indent="0">
-              <a:buNone/>
-            </a:pPr>
-            <a:endParaRPr lang="en-US" sz="2000" dirty="0">
-              <a:latin typeface="Courier New" panose="02070309020205020404" pitchFamily="49" charset="0"/>
-              <a:cs typeface="Courier New" panose="02070309020205020404" pitchFamily="49" charset="0"/>
-            </a:endParaRPr>
-          </a:p>
-          <a:p>
-            <a:pPr marL="457200" lvl="1" indent="0">
-              <a:buNone/>
-            </a:pPr>
-            <a:r>
-              <a:rPr lang="en-US" sz="2000" dirty="0">
-                <a:latin typeface="Courier New" panose="02070309020205020404" pitchFamily="49" charset="0"/>
-                <a:cs typeface="Courier New" panose="02070309020205020404" pitchFamily="49" charset="0"/>
-              </a:rPr>
-              <a:t>for x, y, z in array</a:t>
-            </a:r>
-          </a:p>
-          <a:p>
-            <a:pPr marL="457200" lvl="1" indent="0">
-              <a:buNone/>
-            </a:pPr>
-            <a:r>
-              <a:rPr lang="en-US" sz="2000" dirty="0">
-                <a:latin typeface="Courier New" panose="02070309020205020404" pitchFamily="49" charset="0"/>
-                <a:cs typeface="Courier New" panose="02070309020205020404" pitchFamily="49" charset="0"/>
-              </a:rPr>
-              <a:t>  if </a:t>
-            </a:r>
-            <a:r>
-              <a:rPr lang="en-US" sz="2000" dirty="0" err="1">
-                <a:latin typeface="Courier New" panose="02070309020205020404" pitchFamily="49" charset="0"/>
-                <a:cs typeface="Courier New" panose="02070309020205020404" pitchFamily="49" charset="0"/>
-              </a:rPr>
-              <a:t>equiv</a:t>
-            </a:r>
-            <a:r>
-              <a:rPr lang="en-US" sz="2000" dirty="0">
-                <a:latin typeface="Courier New" panose="02070309020205020404" pitchFamily="49" charset="0"/>
-                <a:cs typeface="Courier New" panose="02070309020205020404" pitchFamily="49" charset="0"/>
-              </a:rPr>
-              <a:t>(x, y) &amp;&amp; </a:t>
-            </a:r>
-            <a:r>
-              <a:rPr lang="en-US" sz="2000" dirty="0" err="1">
-                <a:latin typeface="Courier New" panose="02070309020205020404" pitchFamily="49" charset="0"/>
-                <a:cs typeface="Courier New" panose="02070309020205020404" pitchFamily="49" charset="0"/>
-              </a:rPr>
-              <a:t>equiv</a:t>
-            </a:r>
-            <a:r>
-              <a:rPr lang="en-US" sz="2000" dirty="0">
-                <a:latin typeface="Courier New" panose="02070309020205020404" pitchFamily="49" charset="0"/>
-                <a:cs typeface="Courier New" panose="02070309020205020404" pitchFamily="49" charset="0"/>
-              </a:rPr>
-              <a:t>(y, z) &amp;&amp; !</a:t>
-            </a:r>
-            <a:r>
-              <a:rPr lang="en-US" sz="2000" dirty="0" err="1">
-                <a:latin typeface="Courier New" panose="02070309020205020404" pitchFamily="49" charset="0"/>
-                <a:cs typeface="Courier New" panose="02070309020205020404" pitchFamily="49" charset="0"/>
-              </a:rPr>
-              <a:t>equiv</a:t>
-            </a:r>
-            <a:r>
-              <a:rPr lang="en-US" sz="2000" dirty="0">
-                <a:latin typeface="Courier New" panose="02070309020205020404" pitchFamily="49" charset="0"/>
-                <a:cs typeface="Courier New" panose="02070309020205020404" pitchFamily="49" charset="0"/>
-              </a:rPr>
-              <a:t>(x, z)</a:t>
-            </a:r>
-          </a:p>
-          <a:p>
-            <a:pPr marL="457200" lvl="1" indent="0">
-              <a:buNone/>
-            </a:pPr>
-            <a:r>
-              <a:rPr lang="en-US" sz="2000" dirty="0">
-                <a:latin typeface="Courier New" panose="02070309020205020404" pitchFamily="49" charset="0"/>
-                <a:cs typeface="Courier New" panose="02070309020205020404" pitchFamily="49" charset="0"/>
-              </a:rPr>
-              <a:t>    error</a:t>
+              <a:rPr lang="en-US" dirty="0">
+                <a:latin typeface="Courier New" panose="02070309020205020404" pitchFamily="49" charset="0"/>
+                <a:cs typeface="Courier New" panose="02070309020205020404" pitchFamily="49" charset="0"/>
+              </a:rPr>
+              <a:t>$ g++ -g -DN=50 -</a:t>
+            </a:r>
+            <a:r>
+              <a:rPr lang="en-US" dirty="0" err="1">
+                <a:latin typeface="Courier New" panose="02070309020205020404" pitchFamily="49" charset="0"/>
+                <a:cs typeface="Courier New" panose="02070309020205020404" pitchFamily="49" charset="0"/>
+              </a:rPr>
+              <a:t>Isortcheckxx</a:t>
+            </a:r>
+            <a:r>
+              <a:rPr lang="en-US" dirty="0">
+                <a:latin typeface="Courier New" panose="02070309020205020404" pitchFamily="49" charset="0"/>
+                <a:cs typeface="Courier New" panose="02070309020205020404" pitchFamily="49" charset="0"/>
+              </a:rPr>
+              <a:t>/include tmp.cc &amp;&amp; ./</a:t>
+            </a:r>
+            <a:r>
+              <a:rPr lang="en-US" dirty="0" err="1">
+                <a:latin typeface="Courier New" panose="02070309020205020404" pitchFamily="49" charset="0"/>
+                <a:cs typeface="Courier New" panose="02070309020205020404" pitchFamily="49" charset="0"/>
+              </a:rPr>
+              <a:t>a.out</a:t>
             </a:r>
             <a:endParaRPr lang="en-US" dirty="0">
               <a:latin typeface="Courier New" panose="02070309020205020404" pitchFamily="49" charset="0"/>
@@ -13793,75 +13896,237 @@
             </a:endParaRPr>
           </a:p>
           <a:p>
-            <a:r>
-              <a:rPr lang="ru-RU" dirty="0"/>
-              <a:t>Сложность проверок составляет </a:t>
-            </a:r>
-            <a:r>
-              <a:rPr lang="en-US" dirty="0"/>
-              <a:t>O(N^3)</a:t>
-            </a:r>
-            <a:endParaRPr lang="ru-RU" dirty="0"/>
-          </a:p>
-          <a:p>
-            <a:r>
-              <a:rPr lang="en-US" dirty="0"/>
-              <a:t>C</a:t>
-            </a:r>
-            <a:r>
-              <a:rPr lang="ru-RU" dirty="0"/>
-              <a:t>ущественно превосходит даже </a:t>
-            </a:r>
-            <a:r>
-              <a:rPr lang="en-US" dirty="0">
-                <a:latin typeface="Courier New" panose="02070309020205020404" pitchFamily="49" charset="0"/>
-                <a:cs typeface="Courier New" panose="02070309020205020404" pitchFamily="49" charset="0"/>
-              </a:rPr>
-              <a:t>std::sort</a:t>
-            </a:r>
-            <a:r>
-              <a:rPr lang="en-US" dirty="0"/>
-              <a:t>, </a:t>
-            </a:r>
-            <a:r>
-              <a:rPr lang="ru-RU" dirty="0"/>
-              <a:t>не говоря о более быстрых алгоритмах (</a:t>
-            </a:r>
-            <a:r>
-              <a:rPr lang="en-US" dirty="0">
-                <a:latin typeface="Courier New" panose="02070309020205020404" pitchFamily="49" charset="0"/>
-                <a:cs typeface="Courier New" panose="02070309020205020404" pitchFamily="49" charset="0"/>
-              </a:rPr>
-              <a:t>std::</a:t>
-            </a:r>
+            <a:pPr marL="457200" lvl="1" indent="0">
+              <a:buNone/>
+            </a:pPr>
             <a:r>
               <a:rPr lang="en-US" dirty="0" err="1">
                 <a:latin typeface="Courier New" panose="02070309020205020404" pitchFamily="49" charset="0"/>
                 <a:cs typeface="Courier New" panose="02070309020205020404" pitchFamily="49" charset="0"/>
               </a:rPr>
-              <a:t>max_element</a:t>
-            </a:r>
-            <a:r>
-              <a:rPr lang="en-US" dirty="0"/>
-              <a:t>, etc.)</a:t>
-            </a:r>
-          </a:p>
-          <a:p>
-            <a:r>
-              <a:rPr lang="ru-RU" dirty="0"/>
-              <a:t>На практике обходится не весь массив, а его небольшое подмножество (20-30 элементов)</a:t>
-            </a:r>
+              <a:t>sortcheck</a:t>
+            </a:r>
+            <a:r>
+              <a:rPr lang="en-US" dirty="0">
+                <a:latin typeface="Courier New" panose="02070309020205020404" pitchFamily="49" charset="0"/>
+                <a:cs typeface="Courier New" panose="02070309020205020404" pitchFamily="49" charset="0"/>
+              </a:rPr>
+              <a:t>: tmp.cc:14: irreflexive comparator at position 0</a:t>
+            </a:r>
+          </a:p>
+          <a:p>
+            <a:pPr marL="457200" lvl="1" indent="0">
+              <a:buNone/>
+            </a:pPr>
+            <a:r>
+              <a:rPr lang="en-US" dirty="0">
+                <a:latin typeface="Courier New" panose="02070309020205020404" pitchFamily="49" charset="0"/>
+                <a:cs typeface="Courier New" panose="02070309020205020404" pitchFamily="49" charset="0"/>
+              </a:rPr>
+              <a:t>Aborted</a:t>
+            </a:r>
+          </a:p>
+          <a:p>
             <a:endParaRPr lang="en-US" dirty="0"/>
           </a:p>
+        </p:txBody>
+      </p:sp>
+      <p:sp>
+        <p:nvSpPr>
+          <p:cNvPr id="7" name="TextBox 6">
+            <a:extLst>
+              <a:ext uri="{FF2B5EF4-FFF2-40B4-BE49-F238E27FC236}">
+                <a16:creationId xmlns:a16="http://schemas.microsoft.com/office/drawing/2014/main" id="{11123AAB-C400-4176-BD21-92E392527EA3}"/>
+              </a:ext>
+            </a:extLst>
+          </p:cNvPr>
+          <p:cNvSpPr txBox="1"/>
+          <p:nvPr/>
+        </p:nvSpPr>
+        <p:spPr>
+          <a:xfrm flipH="1">
+            <a:off x="655319" y="2847987"/>
+            <a:ext cx="4156167" cy="646331"/>
+          </a:xfrm>
+          <a:prstGeom prst="rect">
+            <a:avLst/>
+          </a:prstGeom>
+          <a:noFill/>
+        </p:spPr>
+        <p:txBody>
+          <a:bodyPr wrap="square" rtlCol="0">
+            <a:spAutoFit/>
+          </a:bodyPr>
+          <a:lstStyle/>
+          <a:p>
+            <a:r>
+              <a:rPr lang="en-US" dirty="0">
+                <a:latin typeface="Courier New" panose="02070309020205020404" pitchFamily="49" charset="0"/>
+                <a:cs typeface="Courier New" panose="02070309020205020404" pitchFamily="49" charset="0"/>
+              </a:rPr>
+              <a:t>std::sort(begin, end, </a:t>
+            </a:r>
+            <a:r>
+              <a:rPr lang="en-US" dirty="0" err="1">
+                <a:latin typeface="Courier New" panose="02070309020205020404" pitchFamily="49" charset="0"/>
+                <a:cs typeface="Courier New" panose="02070309020205020404" pitchFamily="49" charset="0"/>
+              </a:rPr>
+              <a:t>cmp</a:t>
+            </a:r>
+            <a:r>
+              <a:rPr lang="en-US" dirty="0">
+                <a:latin typeface="Courier New" panose="02070309020205020404" pitchFamily="49" charset="0"/>
+                <a:cs typeface="Courier New" panose="02070309020205020404" pitchFamily="49" charset="0"/>
+              </a:rPr>
+              <a:t>);</a:t>
+            </a:r>
+          </a:p>
           <a:p>
             <a:endParaRPr lang="en-US" dirty="0"/>
+          </a:p>
+        </p:txBody>
+      </p:sp>
+      <p:sp>
+        <p:nvSpPr>
+          <p:cNvPr id="8" name="TextBox 7">
+            <a:extLst>
+              <a:ext uri="{FF2B5EF4-FFF2-40B4-BE49-F238E27FC236}">
+                <a16:creationId xmlns:a16="http://schemas.microsoft.com/office/drawing/2014/main" id="{9278FD20-2DDE-44DA-87D2-6696BE10DA53}"/>
+              </a:ext>
+            </a:extLst>
+          </p:cNvPr>
+          <p:cNvSpPr txBox="1"/>
+          <p:nvPr/>
+        </p:nvSpPr>
+        <p:spPr>
+          <a:xfrm>
+            <a:off x="6235342" y="2709487"/>
+            <a:ext cx="6128657" cy="923330"/>
+          </a:xfrm>
+          <a:prstGeom prst="rect">
+            <a:avLst/>
+          </a:prstGeom>
+          <a:noFill/>
+        </p:spPr>
+        <p:txBody>
+          <a:bodyPr wrap="square" rtlCol="0">
+            <a:spAutoFit/>
+          </a:bodyPr>
+          <a:lstStyle/>
+          <a:p>
+            <a:pPr marL="457200" lvl="1" indent="0">
+              <a:buNone/>
+            </a:pPr>
+            <a:r>
+              <a:rPr lang="en-US" dirty="0" err="1">
+                <a:latin typeface="Courier New" panose="02070309020205020404" pitchFamily="49" charset="0"/>
+                <a:cs typeface="Courier New" panose="02070309020205020404" pitchFamily="49" charset="0"/>
+              </a:rPr>
+              <a:t>sortcheck</a:t>
+            </a:r>
+            <a:r>
+              <a:rPr lang="en-US" dirty="0">
+                <a:latin typeface="Courier New" panose="02070309020205020404" pitchFamily="49" charset="0"/>
+                <a:cs typeface="Courier New" panose="02070309020205020404" pitchFamily="49" charset="0"/>
+              </a:rPr>
+              <a:t>::</a:t>
+            </a:r>
+            <a:r>
+              <a:rPr lang="en-US" dirty="0" err="1">
+                <a:latin typeface="Courier New" panose="02070309020205020404" pitchFamily="49" charset="0"/>
+                <a:cs typeface="Courier New" panose="02070309020205020404" pitchFamily="49" charset="0"/>
+              </a:rPr>
+              <a:t>sort_checked</a:t>
+            </a:r>
+            <a:r>
+              <a:rPr lang="en-US" dirty="0">
+                <a:latin typeface="Courier New" panose="02070309020205020404" pitchFamily="49" charset="0"/>
+                <a:cs typeface="Courier New" panose="02070309020205020404" pitchFamily="49" charset="0"/>
+              </a:rPr>
+              <a:t>(begin, end,</a:t>
+            </a:r>
+          </a:p>
+          <a:p>
+            <a:pPr marL="457200" lvl="1" indent="0">
+              <a:buNone/>
+            </a:pPr>
+            <a:r>
+              <a:rPr lang="en-US" dirty="0">
+                <a:latin typeface="Courier New" panose="02070309020205020404" pitchFamily="49" charset="0"/>
+                <a:cs typeface="Courier New" panose="02070309020205020404" pitchFamily="49" charset="0"/>
+              </a:rPr>
+              <a:t>  </a:t>
+            </a:r>
+            <a:r>
+              <a:rPr lang="en-US" dirty="0" err="1">
+                <a:latin typeface="Courier New" panose="02070309020205020404" pitchFamily="49" charset="0"/>
+                <a:cs typeface="Courier New" panose="02070309020205020404" pitchFamily="49" charset="0"/>
+              </a:rPr>
+              <a:t>cmp</a:t>
+            </a:r>
+            <a:r>
+              <a:rPr lang="en-US" dirty="0">
+                <a:latin typeface="Courier New" panose="02070309020205020404" pitchFamily="49" charset="0"/>
+                <a:cs typeface="Courier New" panose="02070309020205020404" pitchFamily="49" charset="0"/>
+              </a:rPr>
+              <a:t>, __FILE__, __LINE__);</a:t>
+            </a:r>
+          </a:p>
+          <a:p>
+            <a:endParaRPr lang="en-US" dirty="0"/>
+          </a:p>
+        </p:txBody>
+      </p:sp>
+      <p:sp>
+        <p:nvSpPr>
+          <p:cNvPr id="9" name="Arrow: Right 8">
+            <a:extLst>
+              <a:ext uri="{FF2B5EF4-FFF2-40B4-BE49-F238E27FC236}">
+                <a16:creationId xmlns:a16="http://schemas.microsoft.com/office/drawing/2014/main" id="{A27634EB-80E1-4865-ABAC-777D70A2C39D}"/>
+              </a:ext>
+            </a:extLst>
+          </p:cNvPr>
+          <p:cNvSpPr/>
+          <p:nvPr/>
+        </p:nvSpPr>
+        <p:spPr>
+          <a:xfrm>
+            <a:off x="5181602" y="2955475"/>
+            <a:ext cx="914398" cy="223158"/>
+          </a:xfrm>
+          <a:prstGeom prst="rightArrow">
+            <a:avLst/>
+          </a:prstGeom>
+        </p:spPr>
+        <p:style>
+          <a:lnRef idx="2">
+            <a:schemeClr val="accent1">
+              <a:shade val="50000"/>
+            </a:schemeClr>
+          </a:lnRef>
+          <a:fillRef idx="1">
+            <a:schemeClr val="accent1"/>
+          </a:fillRef>
+          <a:effectRef idx="0">
+            <a:schemeClr val="accent1"/>
+          </a:effectRef>
+          <a:fontRef idx="minor">
+            <a:schemeClr val="lt1"/>
+          </a:fontRef>
+        </p:style>
+        <p:txBody>
+          <a:bodyPr rtlCol="0" anchor="ctr"/>
+          <a:lstStyle/>
+          <a:p>
+            <a:pPr algn="ctr"/>
+            <a:endParaRPr lang="en-US"/>
           </a:p>
         </p:txBody>
       </p:sp>
     </p:spTree>
     <p:extLst>
       <p:ext uri="{BB962C8B-B14F-4D97-AF65-F5344CB8AC3E}">
-        <p14:creationId xmlns:p14="http://schemas.microsoft.com/office/powerpoint/2010/main" val="312233099"/>
+        <p14:creationId xmlns:p14="http://schemas.microsoft.com/office/powerpoint/2010/main" val="1487736242"/>
       </p:ext>
     </p:extLst>
   </p:cSld>
@@ -13893,7 +14158,7 @@
           <p:cNvPr id="2" name="Title 1">
             <a:extLst>
               <a:ext uri="{FF2B5EF4-FFF2-40B4-BE49-F238E27FC236}">
-                <a16:creationId xmlns:a16="http://schemas.microsoft.com/office/drawing/2014/main" id="{29796DE8-2F63-4ED5-8119-3DA4F4CD5511}"/>
+                <a16:creationId xmlns:a16="http://schemas.microsoft.com/office/drawing/2014/main" id="{B6884E62-A92A-47BA-9EF6-78B10084AB0B}"/>
               </a:ext>
             </a:extLst>
           </p:cNvPr>
@@ -13904,14 +14169,19 @@
             <p:ph type="title"/>
           </p:nvPr>
         </p:nvSpPr>
-        <p:spPr/>
+        <p:spPr>
+          <a:xfrm>
+            <a:off x="838200" y="-81189"/>
+            <a:ext cx="10515600" cy="1325563"/>
+          </a:xfrm>
+        </p:spPr>
         <p:txBody>
           <a:bodyPr/>
           <a:lstStyle/>
           <a:p>
             <a:r>
               <a:rPr lang="ru-RU" dirty="0"/>
-              <a:t>Быстрый алгоритм проверки</a:t>
+              <a:t>Псевдокод</a:t>
             </a:r>
             <a:endParaRPr lang="en-US" dirty="0"/>
           </a:p>
@@ -13922,7 +14192,7 @@
           <p:cNvPr id="3" name="Content Placeholder 2">
             <a:extLst>
               <a:ext uri="{FF2B5EF4-FFF2-40B4-BE49-F238E27FC236}">
-                <a16:creationId xmlns:a16="http://schemas.microsoft.com/office/drawing/2014/main" id="{A60B7B0C-7980-480B-978A-B65865533741}"/>
+                <a16:creationId xmlns:a16="http://schemas.microsoft.com/office/drawing/2014/main" id="{AD260025-EBC3-45D0-9B0B-DAA951A03DCC}"/>
               </a:ext>
             </a:extLst>
           </p:cNvPr>
@@ -13933,74 +14203,323 @@
             <p:ph idx="1"/>
           </p:nvPr>
         </p:nvSpPr>
-        <p:spPr/>
+        <p:spPr>
+          <a:xfrm>
+            <a:off x="636814" y="1004887"/>
+            <a:ext cx="11261272" cy="5450342"/>
+          </a:xfrm>
+        </p:spPr>
         <p:txBody>
           <a:bodyPr>
-            <a:normAutofit lnSpcReduction="10000"/>
+            <a:normAutofit fontScale="77500" lnSpcReduction="20000"/>
           </a:bodyPr>
           <a:lstStyle/>
           <a:p>
             <a:r>
-              <a:rPr lang="en-US" dirty="0">
-                <a:hlinkClick r:id="rId2"/>
-              </a:rPr>
-              <a:t>https://github.com/danlark1/quadratic_strict_weak_ordering</a:t>
-            </a:r>
-            <a:r>
-              <a:rPr lang="ru-RU" dirty="0"/>
+              <a:rPr lang="ru-RU" dirty="0"/>
+              <a:t>Каждый запуск </a:t>
+            </a:r>
+            <a:r>
+              <a:rPr lang="en-US" dirty="0">
+                <a:latin typeface="Courier New" panose="02070309020205020404" pitchFamily="49" charset="0"/>
+                <a:cs typeface="Courier New" panose="02070309020205020404" pitchFamily="49" charset="0"/>
+              </a:rPr>
+              <a:t>std::sort</a:t>
+            </a:r>
+            <a:r>
+              <a:rPr lang="en-US" dirty="0"/>
               <a:t> </a:t>
             </a:r>
-          </a:p>
-          <a:p>
-            <a:r>
-              <a:rPr lang="ru-RU" dirty="0"/>
-              <a:t>Предложен Д. Кутениным в начале 2023 года</a:t>
-            </a:r>
-          </a:p>
-          <a:p>
-            <a:r>
-              <a:rPr lang="ru-RU" dirty="0"/>
-              <a:t>Идея алгоритма:</a:t>
-            </a:r>
-          </a:p>
-          <a:p>
-            <a:pPr lvl="1"/>
-            <a:r>
-              <a:rPr lang="ru-RU" dirty="0"/>
-              <a:t>Предварительно отсортировать массив устойчивым алгоритмом</a:t>
-            </a:r>
-          </a:p>
-          <a:p>
-            <a:pPr lvl="1"/>
-            <a:r>
-              <a:rPr lang="ru-RU" dirty="0"/>
-              <a:t>Выделять в отсортированном массиве префиксы эквивалентных элементов</a:t>
-            </a:r>
-          </a:p>
-          <a:p>
-            <a:pPr lvl="1"/>
-            <a:r>
-              <a:rPr lang="ru-RU" dirty="0"/>
-              <a:t>И проверять их на транзитивность с оставшейся частью массива</a:t>
-            </a:r>
-          </a:p>
-          <a:p>
-            <a:r>
-              <a:rPr lang="ru-RU" dirty="0"/>
-              <a:t>Снижает сложность до O(N^2) (по прежнему превосходит сложность проверяемых алгоритмов)</a:t>
+            <a:r>
+              <a:rPr lang="ru-RU" dirty="0"/>
+              <a:t>и аналогичных </a:t>
+            </a:r>
+            <a:r>
+              <a:rPr lang="en-US" dirty="0"/>
+              <a:t>API </a:t>
+            </a:r>
+            <a:r>
+              <a:rPr lang="ru-RU" dirty="0"/>
+              <a:t>предваряется проверками:</a:t>
+            </a:r>
+          </a:p>
+          <a:p>
+            <a:pPr marL="457200" lvl="1" indent="0">
+              <a:buNone/>
+            </a:pPr>
+            <a:r>
+              <a:rPr lang="en-US" sz="2000" dirty="0">
+                <a:latin typeface="Courier New" panose="02070309020205020404" pitchFamily="49" charset="0"/>
+                <a:cs typeface="Courier New" panose="02070309020205020404" pitchFamily="49" charset="0"/>
+              </a:rPr>
+              <a:t>for x in array</a:t>
+            </a:r>
+          </a:p>
+          <a:p>
+            <a:pPr marL="457200" lvl="1" indent="0">
+              <a:buNone/>
+            </a:pPr>
+            <a:r>
+              <a:rPr lang="en-US" sz="2000" dirty="0">
+                <a:latin typeface="Courier New" panose="02070309020205020404" pitchFamily="49" charset="0"/>
+                <a:cs typeface="Courier New" panose="02070309020205020404" pitchFamily="49" charset="0"/>
+              </a:rPr>
+              <a:t>  if comp(x, x)</a:t>
+            </a:r>
+          </a:p>
+          <a:p>
+            <a:pPr marL="457200" lvl="1" indent="0">
+              <a:buNone/>
+            </a:pPr>
+            <a:r>
+              <a:rPr lang="en-US" sz="2000" dirty="0">
+                <a:latin typeface="Courier New" panose="02070309020205020404" pitchFamily="49" charset="0"/>
+                <a:cs typeface="Courier New" panose="02070309020205020404" pitchFamily="49" charset="0"/>
+              </a:rPr>
+              <a:t>    error</a:t>
+            </a:r>
+          </a:p>
+          <a:p>
+            <a:pPr marL="457200" lvl="1" indent="0">
+              <a:buNone/>
+            </a:pPr>
+            <a:endParaRPr lang="en-US" sz="2000" dirty="0">
+              <a:latin typeface="Courier New" panose="02070309020205020404" pitchFamily="49" charset="0"/>
+              <a:cs typeface="Courier New" panose="02070309020205020404" pitchFamily="49" charset="0"/>
+            </a:endParaRPr>
+          </a:p>
+          <a:p>
+            <a:pPr marL="457200" lvl="1" indent="0">
+              <a:buNone/>
+            </a:pPr>
+            <a:r>
+              <a:rPr lang="en-US" sz="2000" dirty="0">
+                <a:latin typeface="Courier New" panose="02070309020205020404" pitchFamily="49" charset="0"/>
+                <a:cs typeface="Courier New" panose="02070309020205020404" pitchFamily="49" charset="0"/>
+              </a:rPr>
+              <a:t>for x, y in array</a:t>
+            </a:r>
+          </a:p>
+          <a:p>
+            <a:pPr marL="457200" lvl="1" indent="0">
+              <a:buNone/>
+            </a:pPr>
+            <a:r>
+              <a:rPr lang="en-US" sz="2000" dirty="0">
+                <a:latin typeface="Courier New" panose="02070309020205020404" pitchFamily="49" charset="0"/>
+                <a:cs typeface="Courier New" panose="02070309020205020404" pitchFamily="49" charset="0"/>
+              </a:rPr>
+              <a:t>  if comp(x, y) != comp(y, x)</a:t>
+            </a:r>
+          </a:p>
+          <a:p>
+            <a:pPr marL="457200" lvl="1" indent="0">
+              <a:buNone/>
+            </a:pPr>
+            <a:r>
+              <a:rPr lang="en-US" sz="2000" dirty="0">
+                <a:latin typeface="Courier New" panose="02070309020205020404" pitchFamily="49" charset="0"/>
+                <a:cs typeface="Courier New" panose="02070309020205020404" pitchFamily="49" charset="0"/>
+              </a:rPr>
+              <a:t>    error</a:t>
+            </a:r>
+          </a:p>
+          <a:p>
+            <a:pPr marL="457200" lvl="1" indent="0">
+              <a:buNone/>
+            </a:pPr>
+            <a:endParaRPr lang="en-US" sz="2000" dirty="0">
+              <a:latin typeface="Courier New" panose="02070309020205020404" pitchFamily="49" charset="0"/>
+              <a:cs typeface="Courier New" panose="02070309020205020404" pitchFamily="49" charset="0"/>
+            </a:endParaRPr>
+          </a:p>
+          <a:p>
+            <a:pPr marL="457200" lvl="1" indent="0">
+              <a:buNone/>
+            </a:pPr>
+            <a:r>
+              <a:rPr lang="en-US" sz="2000" dirty="0">
+                <a:latin typeface="Courier New" panose="02070309020205020404" pitchFamily="49" charset="0"/>
+                <a:cs typeface="Courier New" panose="02070309020205020404" pitchFamily="49" charset="0"/>
+              </a:rPr>
+              <a:t>for x, y, z in array</a:t>
+            </a:r>
+          </a:p>
+          <a:p>
+            <a:pPr marL="457200" lvl="1" indent="0">
+              <a:buNone/>
+            </a:pPr>
+            <a:r>
+              <a:rPr lang="en-US" sz="2000" dirty="0">
+                <a:latin typeface="Courier New" panose="02070309020205020404" pitchFamily="49" charset="0"/>
+                <a:cs typeface="Courier New" panose="02070309020205020404" pitchFamily="49" charset="0"/>
+              </a:rPr>
+              <a:t>  if comp(x, y) &amp;&amp; comp(y, z) &amp;&amp; !comp(x, z)</a:t>
+            </a:r>
+          </a:p>
+          <a:p>
+            <a:pPr marL="457200" lvl="1" indent="0">
+              <a:buNone/>
+            </a:pPr>
+            <a:r>
+              <a:rPr lang="en-US" sz="2000" dirty="0">
+                <a:latin typeface="Courier New" panose="02070309020205020404" pitchFamily="49" charset="0"/>
+                <a:cs typeface="Courier New" panose="02070309020205020404" pitchFamily="49" charset="0"/>
+              </a:rPr>
+              <a:t>    error</a:t>
+            </a:r>
+          </a:p>
+          <a:p>
+            <a:pPr marL="457200" lvl="1" indent="0">
+              <a:buNone/>
+            </a:pPr>
+            <a:endParaRPr lang="en-US" sz="2000" dirty="0">
+              <a:latin typeface="Courier New" panose="02070309020205020404" pitchFamily="49" charset="0"/>
+              <a:cs typeface="Courier New" panose="02070309020205020404" pitchFamily="49" charset="0"/>
+            </a:endParaRPr>
+          </a:p>
+          <a:p>
+            <a:pPr marL="457200" lvl="1" indent="0">
+              <a:buNone/>
+            </a:pPr>
+            <a:r>
+              <a:rPr lang="en-US" sz="2000" dirty="0">
+                <a:latin typeface="Courier New" panose="02070309020205020404" pitchFamily="49" charset="0"/>
+                <a:cs typeface="Courier New" panose="02070309020205020404" pitchFamily="49" charset="0"/>
+              </a:rPr>
+              <a:t>for x, y, z in array</a:t>
+            </a:r>
+          </a:p>
+          <a:p>
+            <a:pPr marL="457200" lvl="1" indent="0">
+              <a:buNone/>
+            </a:pPr>
+            <a:r>
+              <a:rPr lang="en-US" sz="2000" dirty="0">
+                <a:latin typeface="Courier New" panose="02070309020205020404" pitchFamily="49" charset="0"/>
+                <a:cs typeface="Courier New" panose="02070309020205020404" pitchFamily="49" charset="0"/>
+              </a:rPr>
+              <a:t>  if </a:t>
+            </a:r>
+            <a:r>
+              <a:rPr lang="en-US" sz="2000" dirty="0" err="1">
+                <a:latin typeface="Courier New" panose="02070309020205020404" pitchFamily="49" charset="0"/>
+                <a:cs typeface="Courier New" panose="02070309020205020404" pitchFamily="49" charset="0"/>
+              </a:rPr>
+              <a:t>equiv</a:t>
+            </a:r>
+            <a:r>
+              <a:rPr lang="en-US" sz="2000" dirty="0">
+                <a:latin typeface="Courier New" panose="02070309020205020404" pitchFamily="49" charset="0"/>
+                <a:cs typeface="Courier New" panose="02070309020205020404" pitchFamily="49" charset="0"/>
+              </a:rPr>
+              <a:t>(x, y) &amp;&amp; </a:t>
+            </a:r>
+            <a:r>
+              <a:rPr lang="en-US" sz="2000" dirty="0" err="1">
+                <a:latin typeface="Courier New" panose="02070309020205020404" pitchFamily="49" charset="0"/>
+                <a:cs typeface="Courier New" panose="02070309020205020404" pitchFamily="49" charset="0"/>
+              </a:rPr>
+              <a:t>equiv</a:t>
+            </a:r>
+            <a:r>
+              <a:rPr lang="en-US" sz="2000" dirty="0">
+                <a:latin typeface="Courier New" panose="02070309020205020404" pitchFamily="49" charset="0"/>
+                <a:cs typeface="Courier New" panose="02070309020205020404" pitchFamily="49" charset="0"/>
+              </a:rPr>
+              <a:t>(y, z) &amp;&amp; !</a:t>
+            </a:r>
+            <a:r>
+              <a:rPr lang="en-US" sz="2000" dirty="0" err="1">
+                <a:latin typeface="Courier New" panose="02070309020205020404" pitchFamily="49" charset="0"/>
+                <a:cs typeface="Courier New" panose="02070309020205020404" pitchFamily="49" charset="0"/>
+              </a:rPr>
+              <a:t>equiv</a:t>
+            </a:r>
+            <a:r>
+              <a:rPr lang="en-US" sz="2000" dirty="0">
+                <a:latin typeface="Courier New" panose="02070309020205020404" pitchFamily="49" charset="0"/>
+                <a:cs typeface="Courier New" panose="02070309020205020404" pitchFamily="49" charset="0"/>
+              </a:rPr>
+              <a:t>(x, z)</a:t>
+            </a:r>
+          </a:p>
+          <a:p>
+            <a:pPr marL="457200" lvl="1" indent="0">
+              <a:buNone/>
+            </a:pPr>
+            <a:r>
+              <a:rPr lang="en-US" sz="2000" dirty="0">
+                <a:latin typeface="Courier New" panose="02070309020205020404" pitchFamily="49" charset="0"/>
+                <a:cs typeface="Courier New" panose="02070309020205020404" pitchFamily="49" charset="0"/>
+              </a:rPr>
+              <a:t>    error</a:t>
+            </a:r>
+            <a:endParaRPr lang="en-US" dirty="0">
+              <a:latin typeface="Courier New" panose="02070309020205020404" pitchFamily="49" charset="0"/>
+              <a:cs typeface="Courier New" panose="02070309020205020404" pitchFamily="49" charset="0"/>
+            </a:endParaRPr>
+          </a:p>
+          <a:p>
+            <a:r>
+              <a:rPr lang="ru-RU" dirty="0"/>
+              <a:t>Сложность проверок составляет </a:t>
+            </a:r>
+            <a:r>
+              <a:rPr lang="en-US" dirty="0"/>
+              <a:t>O(N^3)</a:t>
+            </a:r>
+            <a:endParaRPr lang="ru-RU" dirty="0"/>
+          </a:p>
+          <a:p>
+            <a:r>
+              <a:rPr lang="en-US" dirty="0"/>
+              <a:t>C</a:t>
+            </a:r>
+            <a:r>
+              <a:rPr lang="ru-RU" dirty="0"/>
+              <a:t>ущественно превосходит даже </a:t>
+            </a:r>
+            <a:r>
+              <a:rPr lang="en-US" dirty="0">
+                <a:latin typeface="Courier New" panose="02070309020205020404" pitchFamily="49" charset="0"/>
+                <a:cs typeface="Courier New" panose="02070309020205020404" pitchFamily="49" charset="0"/>
+              </a:rPr>
+              <a:t>std::sort</a:t>
+            </a:r>
+            <a:r>
+              <a:rPr lang="en-US" dirty="0"/>
+              <a:t>, </a:t>
+            </a:r>
+            <a:r>
+              <a:rPr lang="ru-RU" dirty="0"/>
+              <a:t>не говоря о более быстрых алгоритмах (</a:t>
+            </a:r>
+            <a:r>
+              <a:rPr lang="en-US" dirty="0">
+                <a:latin typeface="Courier New" panose="02070309020205020404" pitchFamily="49" charset="0"/>
+                <a:cs typeface="Courier New" panose="02070309020205020404" pitchFamily="49" charset="0"/>
+              </a:rPr>
+              <a:t>std::</a:t>
+            </a:r>
+            <a:r>
+              <a:rPr lang="en-US" dirty="0" err="1">
+                <a:latin typeface="Courier New" panose="02070309020205020404" pitchFamily="49" charset="0"/>
+                <a:cs typeface="Courier New" panose="02070309020205020404" pitchFamily="49" charset="0"/>
+              </a:rPr>
+              <a:t>max_element</a:t>
+            </a:r>
+            <a:r>
+              <a:rPr lang="en-US" dirty="0"/>
+              <a:t>, etc.)</a:t>
+            </a:r>
+          </a:p>
+          <a:p>
+            <a:r>
+              <a:rPr lang="ru-RU" dirty="0"/>
+              <a:t>На практике обходится не весь массив, а его небольшое подмножество (20-30 элементов)</a:t>
             </a:r>
             <a:endParaRPr lang="en-US" dirty="0"/>
-          </a:p>
-          <a:p>
-            <a:r>
-              <a:rPr lang="ru-RU" dirty="0"/>
-              <a:t>Пока не интегрирован в </a:t>
-            </a:r>
-            <a:r>
-              <a:rPr lang="en-US" dirty="0" err="1"/>
-              <a:t>SortChecker</a:t>
-            </a:r>
-            <a:endParaRPr lang="ru-RU" dirty="0"/>
           </a:p>
           <a:p>
             <a:endParaRPr lang="en-US" dirty="0"/>
@@ -14010,7 +14529,7 @@
     </p:spTree>
     <p:extLst>
       <p:ext uri="{BB962C8B-B14F-4D97-AF65-F5344CB8AC3E}">
-        <p14:creationId xmlns:p14="http://schemas.microsoft.com/office/powerpoint/2010/main" val="886008562"/>
+        <p14:creationId xmlns:p14="http://schemas.microsoft.com/office/powerpoint/2010/main" val="312233099"/>
       </p:ext>
     </p:extLst>
   </p:cSld>
@@ -14042,7 +14561,7 @@
           <p:cNvPr id="2" name="Title 1">
             <a:extLst>
               <a:ext uri="{FF2B5EF4-FFF2-40B4-BE49-F238E27FC236}">
-                <a16:creationId xmlns:a16="http://schemas.microsoft.com/office/drawing/2014/main" id="{98837C8A-F603-42F7-AC33-9EBA279193DF}"/>
+                <a16:creationId xmlns:a16="http://schemas.microsoft.com/office/drawing/2014/main" id="{29796DE8-2F63-4ED5-8119-3DA4F4CD5511}"/>
               </a:ext>
             </a:extLst>
           </p:cNvPr>
@@ -14060,7 +14579,7 @@
           <a:p>
             <a:r>
               <a:rPr lang="ru-RU" dirty="0"/>
-              <a:t>Что почитать</a:t>
+              <a:t>Быстрый алгоритм проверки</a:t>
             </a:r>
             <a:endParaRPr lang="en-US" dirty="0"/>
           </a:p>
@@ -14071,7 +14590,7 @@
           <p:cNvPr id="3" name="Content Placeholder 2">
             <a:extLst>
               <a:ext uri="{FF2B5EF4-FFF2-40B4-BE49-F238E27FC236}">
-                <a16:creationId xmlns:a16="http://schemas.microsoft.com/office/drawing/2014/main" id="{6BEF2B0C-DEB6-403A-A327-A9DABD7F44CE}"/>
+                <a16:creationId xmlns:a16="http://schemas.microsoft.com/office/drawing/2014/main" id="{A60B7B0C-7980-480B-978A-B65865533741}"/>
               </a:ext>
             </a:extLst>
           </p:cNvPr>
@@ -14084,41 +14603,87 @@
         </p:nvSpPr>
         <p:spPr/>
         <p:txBody>
-          <a:bodyPr/>
-          <a:lstStyle/>
-          <a:p>
-            <a:r>
-              <a:rPr lang="en-US" dirty="0"/>
-              <a:t>Danila </a:t>
+          <a:bodyPr>
+            <a:normAutofit fontScale="92500"/>
+          </a:bodyPr>
+          <a:lstStyle/>
+          <a:p>
+            <a:r>
+              <a:rPr lang="en-US" dirty="0">
+                <a:hlinkClick r:id="rId2"/>
+              </a:rPr>
+              <a:t>https://github.com/danlark1/quadratic_strict_weak_ordering</a:t>
+            </a:r>
+            <a:r>
+              <a:rPr lang="ru-RU" dirty="0"/>
+              <a:t> </a:t>
+            </a:r>
+          </a:p>
+          <a:p>
+            <a:r>
+              <a:rPr lang="ru-RU" dirty="0"/>
+              <a:t>Предложен Д. Кутениным в начале 2023 года</a:t>
+            </a:r>
+          </a:p>
+          <a:p>
+            <a:r>
+              <a:rPr lang="ru-RU" dirty="0"/>
+              <a:t>Идея алгоритма:</a:t>
+            </a:r>
+          </a:p>
+          <a:p>
+            <a:pPr lvl="1"/>
+            <a:r>
+              <a:rPr lang="ru-RU" dirty="0"/>
+              <a:t>Предварительно отсортировать массив устойчивым алгоритмом</a:t>
+            </a:r>
+          </a:p>
+          <a:p>
+            <a:pPr lvl="1"/>
+            <a:r>
+              <a:rPr lang="ru-RU" dirty="0"/>
+              <a:t>Выделять в отсортированном массиве префиксы эквивалентных элементов</a:t>
+            </a:r>
+          </a:p>
+          <a:p>
+            <a:pPr lvl="1"/>
+            <a:r>
+              <a:rPr lang="ru-RU" dirty="0"/>
+              <a:t>И проверять их на транзитивность с оставшейся частью массива</a:t>
+            </a:r>
+          </a:p>
+          <a:p>
+            <a:r>
+              <a:rPr lang="ru-RU" dirty="0"/>
+              <a:t>Снижает сложность до O(N^2) (по прежнему превосходит сложность проверяемых алгоритмов)</a:t>
+            </a:r>
+            <a:endParaRPr lang="en-US" dirty="0"/>
+          </a:p>
+          <a:p>
+            <a:r>
+              <a:rPr lang="ru-RU" dirty="0"/>
+              <a:t>Пока не интегрирован в </a:t>
             </a:r>
             <a:r>
               <a:rPr lang="en-US" dirty="0" err="1"/>
-              <a:t>Kutenin</a:t>
-            </a:r>
-            <a:r>
-              <a:rPr lang="en-US" dirty="0"/>
-              <a:t> </a:t>
-            </a:r>
-            <a:r>
-              <a:rPr lang="en-US" dirty="0">
-                <a:hlinkClick r:id="rId2"/>
-              </a:rPr>
-              <a:t>Changing std::sort at Google’s Scale and Beyond</a:t>
+              <a:t>SortChecker</a:t>
             </a:r>
             <a:endParaRPr lang="en-US" dirty="0"/>
           </a:p>
           <a:p>
             <a:r>
-              <a:rPr lang="en-US" dirty="0"/>
-              <a:t>Jonathan Müller </a:t>
-            </a:r>
-            <a:r>
-              <a:rPr lang="en-US" dirty="0">
-                <a:hlinkClick r:id="rId3"/>
-              </a:rPr>
-              <a:t>Mathematics behind Comparison</a:t>
-            </a:r>
-            <a:endParaRPr lang="en-US" dirty="0"/>
+              <a:rPr lang="ru-RU" dirty="0"/>
+              <a:t>Возможно будет интегрирован в </a:t>
+            </a:r>
+            <a:r>
+              <a:rPr lang="en-US" dirty="0" err="1"/>
+              <a:t>libc</a:t>
+            </a:r>
+            <a:r>
+              <a:rPr lang="en-US" dirty="0"/>
+              <a:t>++</a:t>
+            </a:r>
+            <a:endParaRPr lang="ru-RU" dirty="0"/>
           </a:p>
           <a:p>
             <a:endParaRPr lang="en-US" dirty="0"/>
@@ -14128,7 +14693,7 @@
     </p:spTree>
     <p:extLst>
       <p:ext uri="{BB962C8B-B14F-4D97-AF65-F5344CB8AC3E}">
-        <p14:creationId xmlns:p14="http://schemas.microsoft.com/office/powerpoint/2010/main" val="88266572"/>
+        <p14:creationId xmlns:p14="http://schemas.microsoft.com/office/powerpoint/2010/main" val="886008562"/>
       </p:ext>
     </p:extLst>
   </p:cSld>
@@ -14340,7 +14905,7 @@
           <p:cNvPr id="2" name="Title 1">
             <a:extLst>
               <a:ext uri="{FF2B5EF4-FFF2-40B4-BE49-F238E27FC236}">
-                <a16:creationId xmlns:a16="http://schemas.microsoft.com/office/drawing/2014/main" id="{FB27C366-F1FD-4880-B503-F75FA2AB3EA0}"/>
+                <a16:creationId xmlns:a16="http://schemas.microsoft.com/office/drawing/2014/main" id="{98837C8A-F603-42F7-AC33-9EBA279193DF}"/>
               </a:ext>
             </a:extLst>
           </p:cNvPr>
@@ -14358,7 +14923,7 @@
           <a:p>
             <a:r>
               <a:rPr lang="ru-RU" dirty="0"/>
-              <a:t>Рекомендации</a:t>
+              <a:t>Что почитать</a:t>
             </a:r>
             <a:endParaRPr lang="en-US" dirty="0"/>
           </a:p>
@@ -14369,7 +14934,7 @@
           <p:cNvPr id="3" name="Content Placeholder 2">
             <a:extLst>
               <a:ext uri="{FF2B5EF4-FFF2-40B4-BE49-F238E27FC236}">
-                <a16:creationId xmlns:a16="http://schemas.microsoft.com/office/drawing/2014/main" id="{B6A123D4-600E-41B8-800A-B2AF29703F6B}"/>
+                <a16:creationId xmlns:a16="http://schemas.microsoft.com/office/drawing/2014/main" id="{6BEF2B0C-DEB6-403A-A327-A9DABD7F44CE}"/>
               </a:ext>
             </a:extLst>
           </p:cNvPr>
@@ -14386,58 +14951,39 @@
           <a:lstStyle/>
           <a:p>
             <a:r>
-              <a:rPr lang="ru-RU" dirty="0"/>
-              <a:t>Избегайте типичных ошибок в работе</a:t>
+              <a:rPr lang="en-US" dirty="0"/>
+              <a:t>Danila </a:t>
+            </a:r>
+            <a:r>
+              <a:rPr lang="en-US" dirty="0" err="1"/>
+              <a:t>Kutenin</a:t>
+            </a:r>
+            <a:r>
+              <a:rPr lang="en-US" dirty="0"/>
+              <a:t> </a:t>
+            </a:r>
+            <a:r>
+              <a:rPr lang="en-US" dirty="0">
+                <a:hlinkClick r:id="rId2"/>
+              </a:rPr>
+              <a:t>Changing std::sort at Google’s Scale and Beyond</a:t>
             </a:r>
             <a:endParaRPr lang="en-US" dirty="0"/>
           </a:p>
           <a:p>
             <a:r>
-              <a:rPr lang="ru-RU" dirty="0"/>
-              <a:t>Включите </a:t>
-            </a:r>
-            <a:r>
-              <a:rPr lang="en-US" dirty="0">
-                <a:latin typeface="Courier New" panose="02070309020205020404" pitchFamily="49" charset="0"/>
-                <a:cs typeface="Courier New" panose="02070309020205020404" pitchFamily="49" charset="0"/>
-              </a:rPr>
-              <a:t>_G</a:t>
-            </a:r>
-            <a:r>
-              <a:rPr lang="ru-RU" dirty="0">
-                <a:latin typeface="Courier New" panose="02070309020205020404" pitchFamily="49" charset="0"/>
-                <a:cs typeface="Courier New" panose="02070309020205020404" pitchFamily="49" charset="0"/>
-              </a:rPr>
-              <a:t>LIBCXX_DEBUG</a:t>
-            </a:r>
-            <a:r>
-              <a:rPr lang="ru-RU" dirty="0"/>
-              <a:t> и </a:t>
-            </a:r>
-            <a:r>
-              <a:rPr lang="ru-RU" dirty="0">
-                <a:latin typeface="Courier New" panose="02070309020205020404" pitchFamily="49" charset="0"/>
-                <a:cs typeface="Courier New" panose="02070309020205020404" pitchFamily="49" charset="0"/>
-              </a:rPr>
-              <a:t>_LIBCPP_ENABLE_DEBUG_MODE</a:t>
-            </a:r>
-            <a:r>
-              <a:rPr lang="ru-RU" dirty="0"/>
-              <a:t> в своём CI</a:t>
-            </a:r>
-          </a:p>
-          <a:p>
-            <a:r>
-              <a:rPr lang="ru-RU" dirty="0"/>
-              <a:t>Примените Sortchecker и Sortchecker++ к своему коду</a:t>
-            </a:r>
-          </a:p>
-          <a:p>
-            <a:pPr lvl="1"/>
-            <a:r>
-              <a:rPr lang="ru-RU" dirty="0"/>
-              <a:t>Сообщения об ошибках и дополнения приветствуются!</a:t>
-            </a:r>
+              <a:rPr lang="en-US" dirty="0"/>
+              <a:t>Jonathan Müller </a:t>
+            </a:r>
+            <a:r>
+              <a:rPr lang="en-US" dirty="0">
+                <a:hlinkClick r:id="rId3"/>
+              </a:rPr>
+              <a:t>Mathematics behind Comparison</a:t>
+            </a:r>
+            <a:endParaRPr lang="en-US" dirty="0"/>
+          </a:p>
+          <a:p>
             <a:endParaRPr lang="en-US" dirty="0"/>
           </a:p>
         </p:txBody>
@@ -14445,7 +14991,7 @@
     </p:spTree>
     <p:extLst>
       <p:ext uri="{BB962C8B-B14F-4D97-AF65-F5344CB8AC3E}">
-        <p14:creationId xmlns:p14="http://schemas.microsoft.com/office/powerpoint/2010/main" val="1454724109"/>
+        <p14:creationId xmlns:p14="http://schemas.microsoft.com/office/powerpoint/2010/main" val="88266572"/>
       </p:ext>
     </p:extLst>
   </p:cSld>
@@ -14477,7 +15023,7 @@
           <p:cNvPr id="2" name="Title 1">
             <a:extLst>
               <a:ext uri="{FF2B5EF4-FFF2-40B4-BE49-F238E27FC236}">
-                <a16:creationId xmlns:a16="http://schemas.microsoft.com/office/drawing/2014/main" id="{AE55B1BF-E6CB-4A61-A19B-EAB2E2F68128}"/>
+                <a16:creationId xmlns:a16="http://schemas.microsoft.com/office/drawing/2014/main" id="{FB27C366-F1FD-4880-B503-F75FA2AB3EA0}"/>
               </a:ext>
             </a:extLst>
           </p:cNvPr>
@@ -14495,12 +15041,9 @@
           <a:p>
             <a:r>
               <a:rPr lang="ru-RU" dirty="0"/>
-              <a:t>Спасибо за внимание</a:t>
-            </a:r>
-            <a:r>
-              <a:rPr lang="en-US" dirty="0"/>
-              <a:t>!</a:t>
-            </a:r>
+              <a:t>Рекомендации</a:t>
+            </a:r>
+            <a:endParaRPr lang="en-US" dirty="0"/>
           </a:p>
         </p:txBody>
       </p:sp>
@@ -14509,7 +15052,7 @@
           <p:cNvPr id="3" name="Content Placeholder 2">
             <a:extLst>
               <a:ext uri="{FF2B5EF4-FFF2-40B4-BE49-F238E27FC236}">
-                <a16:creationId xmlns:a16="http://schemas.microsoft.com/office/drawing/2014/main" id="{FDC23327-086B-41AB-AC13-CE5A75450C7E}"/>
+                <a16:creationId xmlns:a16="http://schemas.microsoft.com/office/drawing/2014/main" id="{B6A123D4-600E-41B8-800A-B2AF29703F6B}"/>
               </a:ext>
             </a:extLst>
           </p:cNvPr>
@@ -14525,6 +15068,75 @@
           <a:bodyPr/>
           <a:lstStyle/>
           <a:p>
+            <a:r>
+              <a:rPr lang="ru-RU" dirty="0"/>
+              <a:t>Избегайте типичных ошибок в работе</a:t>
+            </a:r>
+            <a:endParaRPr lang="en-US" dirty="0"/>
+          </a:p>
+          <a:p>
+            <a:r>
+              <a:rPr lang="ru-RU" dirty="0"/>
+              <a:t>Включите </a:t>
+            </a:r>
+            <a:r>
+              <a:rPr lang="en-US" dirty="0">
+                <a:latin typeface="Courier New" panose="02070309020205020404" pitchFamily="49" charset="0"/>
+                <a:cs typeface="Courier New" panose="02070309020205020404" pitchFamily="49" charset="0"/>
+              </a:rPr>
+              <a:t>_G</a:t>
+            </a:r>
+            <a:r>
+              <a:rPr lang="ru-RU" dirty="0">
+                <a:latin typeface="Courier New" panose="02070309020205020404" pitchFamily="49" charset="0"/>
+                <a:cs typeface="Courier New" panose="02070309020205020404" pitchFamily="49" charset="0"/>
+              </a:rPr>
+              <a:t>LIBCXX_DEBUG</a:t>
+            </a:r>
+            <a:r>
+              <a:rPr lang="ru-RU" dirty="0"/>
+              <a:t> и </a:t>
+            </a:r>
+            <a:r>
+              <a:rPr lang="ru-RU" dirty="0">
+                <a:latin typeface="Courier New" panose="02070309020205020404" pitchFamily="49" charset="0"/>
+                <a:cs typeface="Courier New" panose="02070309020205020404" pitchFamily="49" charset="0"/>
+              </a:rPr>
+              <a:t>_LIBCPP_ENABLE_DEBUG_MODE</a:t>
+            </a:r>
+            <a:r>
+              <a:rPr lang="ru-RU" dirty="0"/>
+              <a:t> в своём CI</a:t>
+            </a:r>
+          </a:p>
+          <a:p>
+            <a:r>
+              <a:rPr lang="ru-RU" dirty="0"/>
+              <a:t>Примените Sort</a:t>
+            </a:r>
+            <a:r>
+              <a:rPr lang="en-US" dirty="0"/>
+              <a:t>C</a:t>
+            </a:r>
+            <a:r>
+              <a:rPr lang="ru-RU" dirty="0"/>
+              <a:t>hecker и Sort</a:t>
+            </a:r>
+            <a:r>
+              <a:rPr lang="en-US" dirty="0"/>
+              <a:t>C</a:t>
+            </a:r>
+            <a:r>
+              <a:rPr lang="ru-RU" dirty="0"/>
+              <a:t>hecker++ к своему коду</a:t>
+            </a:r>
+          </a:p>
+          <a:p>
+            <a:pPr lvl="1"/>
+            <a:r>
+              <a:rPr lang="ru-RU" dirty="0"/>
+              <a:t>Сообщения об ошибках и дополнения приветствуются!</a:t>
+            </a:r>
             <a:endParaRPr lang="en-US" dirty="0"/>
           </a:p>
         </p:txBody>
@@ -14532,7 +15144,7 @@
     </p:spTree>
     <p:extLst>
       <p:ext uri="{BB962C8B-B14F-4D97-AF65-F5344CB8AC3E}">
-        <p14:creationId xmlns:p14="http://schemas.microsoft.com/office/powerpoint/2010/main" val="876813992"/>
+        <p14:creationId xmlns:p14="http://schemas.microsoft.com/office/powerpoint/2010/main" val="1454724109"/>
       </p:ext>
     </p:extLst>
   </p:cSld>
@@ -14564,7 +15176,7 @@
           <p:cNvPr id="2" name="Title 1">
             <a:extLst>
               <a:ext uri="{FF2B5EF4-FFF2-40B4-BE49-F238E27FC236}">
-                <a16:creationId xmlns:a16="http://schemas.microsoft.com/office/drawing/2014/main" id="{680D122F-8A3D-4D58-A0A5-9A5AC33760D9}"/>
+                <a16:creationId xmlns:a16="http://schemas.microsoft.com/office/drawing/2014/main" id="{AE55B1BF-E6CB-4A61-A19B-EAB2E2F68128}"/>
               </a:ext>
             </a:extLst>
           </p:cNvPr>
@@ -14582,123 +15194,44 @@
           <a:p>
             <a:r>
               <a:rPr lang="ru-RU" dirty="0"/>
-              <a:t>Частые ошибки</a:t>
-            </a:r>
-            <a:r>
-              <a:rPr lang="en-US" dirty="0"/>
-              <a:t>: </a:t>
-            </a:r>
-            <a:r>
-              <a:rPr lang="ru-RU" dirty="0"/>
-              <a:t>лексикографический порядок</a:t>
-            </a:r>
+              <a:t>Спасибо за внимание</a:t>
+            </a:r>
+            <a:r>
+              <a:rPr lang="en-US" dirty="0"/>
+              <a:t>!</a:t>
+            </a:r>
+          </a:p>
+        </p:txBody>
+      </p:sp>
+      <p:sp>
+        <p:nvSpPr>
+          <p:cNvPr id="3" name="Content Placeholder 2">
+            <a:extLst>
+              <a:ext uri="{FF2B5EF4-FFF2-40B4-BE49-F238E27FC236}">
+                <a16:creationId xmlns:a16="http://schemas.microsoft.com/office/drawing/2014/main" id="{FDC23327-086B-41AB-AC13-CE5A75450C7E}"/>
+              </a:ext>
+            </a:extLst>
+          </p:cNvPr>
+          <p:cNvSpPr>
+            <a:spLocks noGrp="1"/>
+          </p:cNvSpPr>
+          <p:nvPr>
+            <p:ph idx="1"/>
+          </p:nvPr>
+        </p:nvSpPr>
+        <p:spPr/>
+        <p:txBody>
+          <a:bodyPr/>
+          <a:lstStyle/>
+          <a:p>
             <a:endParaRPr lang="en-US" dirty="0"/>
-          </a:p>
-        </p:txBody>
-      </p:sp>
-      <p:sp>
-        <p:nvSpPr>
-          <p:cNvPr id="3" name="Content Placeholder 2">
-            <a:extLst>
-              <a:ext uri="{FF2B5EF4-FFF2-40B4-BE49-F238E27FC236}">
-                <a16:creationId xmlns:a16="http://schemas.microsoft.com/office/drawing/2014/main" id="{EF38A0C2-67EB-4D5D-A96E-FD883EF4688E}"/>
-              </a:ext>
-            </a:extLst>
-          </p:cNvPr>
-          <p:cNvSpPr>
-            <a:spLocks noGrp="1"/>
-          </p:cNvSpPr>
-          <p:nvPr>
-            <p:ph idx="1"/>
-          </p:nvPr>
-        </p:nvSpPr>
-        <p:spPr/>
-        <p:txBody>
-          <a:bodyPr>
-            <a:normAutofit/>
-          </a:bodyPr>
-          <a:lstStyle/>
-          <a:p>
-            <a:pPr marL="0" indent="0">
-              <a:buNone/>
-            </a:pPr>
-            <a:r>
-              <a:rPr lang="ru-RU" dirty="0"/>
-              <a:t>Примеры со stackoverflow:</a:t>
-            </a:r>
-          </a:p>
-          <a:p>
-            <a:pPr lvl="1"/>
-            <a:r>
-              <a:rPr lang="ru-RU" dirty="0">
-                <a:hlinkClick r:id="rId2"/>
-              </a:rPr>
-              <a:t>https://stackoverflow.com/questions/48455244/bug-in-stdsort</a:t>
-            </a:r>
-            <a:r>
-              <a:rPr lang="en-US" dirty="0"/>
-              <a:t> </a:t>
-            </a:r>
-            <a:endParaRPr lang="ru-RU" dirty="0"/>
-          </a:p>
-          <a:p>
-            <a:pPr lvl="1"/>
-            <a:r>
-              <a:rPr lang="ru-RU" dirty="0">
-                <a:hlinkClick r:id="rId3"/>
-              </a:rPr>
-              <a:t>https://stackoverflow.com/questions/53712873/sorting-a-vector-of-a-custom-class-with-stdsort-causes-a-segmentation-fault</a:t>
-            </a:r>
-            <a:r>
-              <a:rPr lang="en-US" dirty="0"/>
-              <a:t> </a:t>
-            </a:r>
-            <a:endParaRPr lang="ru-RU" dirty="0"/>
-          </a:p>
-          <a:p>
-            <a:pPr lvl="1"/>
-            <a:r>
-              <a:rPr lang="ru-RU" dirty="0">
-                <a:hlinkClick r:id="rId4"/>
-              </a:rPr>
-              <a:t>https://stackoverflow.com/questions/68225770/sorting-vector-of-pair-using-lambda-predicate-crashing-with-memory-corruption</a:t>
-            </a:r>
-            <a:r>
-              <a:rPr lang="en-US" dirty="0"/>
-              <a:t> </a:t>
-            </a:r>
-            <a:endParaRPr lang="ru-RU" dirty="0"/>
-          </a:p>
-          <a:p>
-            <a:pPr lvl="1"/>
-            <a:r>
-              <a:rPr lang="ru-RU" dirty="0">
-                <a:hlinkClick r:id="rId5"/>
-              </a:rPr>
-              <a:t>https://stackoverflow.com/questions/72737018/stdsort-results-in-a-segfault</a:t>
-            </a:r>
-            <a:r>
-              <a:rPr lang="en-US" dirty="0"/>
-              <a:t> </a:t>
-            </a:r>
-            <a:endParaRPr lang="ru-RU" dirty="0"/>
-          </a:p>
-          <a:p>
-            <a:pPr lvl="1"/>
-            <a:r>
-              <a:rPr lang="en-US" dirty="0">
-                <a:hlinkClick r:id="rId6"/>
-              </a:rPr>
-              <a:t>https://stackoverflow.com/questions/33547566/strict-weak-ordering-operator-in-c</a:t>
-            </a:r>
-            <a:endParaRPr lang="ru-RU" dirty="0"/>
           </a:p>
         </p:txBody>
       </p:sp>
     </p:spTree>
     <p:extLst>
       <p:ext uri="{BB962C8B-B14F-4D97-AF65-F5344CB8AC3E}">
-        <p14:creationId xmlns:p14="http://schemas.microsoft.com/office/powerpoint/2010/main" val="3668881934"/>
+        <p14:creationId xmlns:p14="http://schemas.microsoft.com/office/powerpoint/2010/main" val="876813992"/>
       </p:ext>
     </p:extLst>
   </p:cSld>
@@ -14730,7 +15263,7 @@
           <p:cNvPr id="2" name="Title 1">
             <a:extLst>
               <a:ext uri="{FF2B5EF4-FFF2-40B4-BE49-F238E27FC236}">
-                <a16:creationId xmlns:a16="http://schemas.microsoft.com/office/drawing/2014/main" id="{092805D2-F357-4985-8786-1E96A3570DCA}"/>
+                <a16:creationId xmlns:a16="http://schemas.microsoft.com/office/drawing/2014/main" id="{680D122F-8A3D-4D58-A0A5-9A5AC33760D9}"/>
               </a:ext>
             </a:extLst>
           </p:cNvPr>
@@ -14756,7 +15289,7 @@
             </a:r>
             <a:r>
               <a:rPr lang="ru-RU" dirty="0"/>
-              <a:t>нестрогий порядок</a:t>
+              <a:t>лексикографический порядок</a:t>
             </a:r>
             <a:endParaRPr lang="en-US" dirty="0"/>
           </a:p>
@@ -14767,7 +15300,7 @@
           <p:cNvPr id="3" name="Content Placeholder 2">
             <a:extLst>
               <a:ext uri="{FF2B5EF4-FFF2-40B4-BE49-F238E27FC236}">
-                <a16:creationId xmlns:a16="http://schemas.microsoft.com/office/drawing/2014/main" id="{9F877387-845B-4121-913F-2FB574552C9A}"/>
+                <a16:creationId xmlns:a16="http://schemas.microsoft.com/office/drawing/2014/main" id="{EF38A0C2-67EB-4D5D-A96E-FD883EF4688E}"/>
               </a:ext>
             </a:extLst>
           </p:cNvPr>
@@ -14781,102 +15314,90 @@
         <p:spPr/>
         <p:txBody>
           <a:bodyPr>
-            <a:normAutofit fontScale="85000" lnSpcReduction="20000"/>
+            <a:normAutofit/>
           </a:bodyPr>
           <a:lstStyle/>
           <a:p>
-            <a:r>
-              <a:rPr lang="en-US" dirty="0">
+            <a:pPr marL="0" indent="0">
+              <a:buNone/>
+            </a:pPr>
+            <a:r>
+              <a:rPr lang="ru-RU" dirty="0"/>
+              <a:t>Примеры со stackoverflow:</a:t>
+            </a:r>
+          </a:p>
+          <a:p>
+            <a:pPr lvl="1"/>
+            <a:r>
+              <a:rPr lang="ru-RU" dirty="0">
                 <a:hlinkClick r:id="rId2"/>
               </a:rPr>
-              <a:t>https://stackoverflow.com/questions/40483971/program-crash-in-stdsort-sometimes-cant-reproduce</a:t>
+              <a:t>https://stackoverflow.com/questions/48455244/bug-in-stdsort</a:t>
             </a:r>
             <a:r>
               <a:rPr lang="en-US" dirty="0"/>
               <a:t> </a:t>
             </a:r>
-          </a:p>
-          <a:p>
-            <a:r>
-              <a:rPr lang="en-US" dirty="0">
+            <a:endParaRPr lang="ru-RU" dirty="0"/>
+          </a:p>
+          <a:p>
+            <a:pPr lvl="1"/>
+            <a:r>
+              <a:rPr lang="ru-RU" dirty="0">
                 <a:hlinkClick r:id="rId3"/>
               </a:rPr>
-              <a:t>https://stackoverflow.com/questions/65468629/stl-sort-debug-assertion-failed</a:t>
+              <a:t>https://stackoverflow.com/questions/53712873/sorting-a-vector-of-a-custom-class-with-stdsort-causes-a-segmentation-fault</a:t>
             </a:r>
             <a:r>
               <a:rPr lang="en-US" dirty="0"/>
               <a:t> </a:t>
             </a:r>
-          </a:p>
-          <a:p>
-            <a:r>
-              <a:rPr lang="en-US" dirty="0">
+            <a:endParaRPr lang="ru-RU" dirty="0"/>
+          </a:p>
+          <a:p>
+            <a:pPr lvl="1"/>
+            <a:r>
+              <a:rPr lang="ru-RU" dirty="0">
                 <a:hlinkClick r:id="rId4"/>
               </a:rPr>
-              <a:t>https://stackoverflow.com/questions/18291620/why-will-stdsort-crash-if-the-comparison-function-is-not-as-operator</a:t>
+              <a:t>https://stackoverflow.com/questions/68225770/sorting-vector-of-pair-using-lambda-predicate-crashing-with-memory-corruption</a:t>
             </a:r>
             <a:r>
               <a:rPr lang="en-US" dirty="0"/>
               <a:t> </a:t>
             </a:r>
-          </a:p>
-          <a:p>
-            <a:r>
-              <a:rPr lang="en-US" dirty="0">
+            <a:endParaRPr lang="ru-RU" dirty="0"/>
+          </a:p>
+          <a:p>
+            <a:pPr lvl="1"/>
+            <a:r>
+              <a:rPr lang="ru-RU" dirty="0">
                 <a:hlinkClick r:id="rId5"/>
               </a:rPr>
-              <a:t>https://stackoverflow.com/questions/19757210/stdsort-from-algorithm-crashes</a:t>
+              <a:t>https://stackoverflow.com/questions/72737018/stdsort-results-in-a-segfault</a:t>
             </a:r>
             <a:r>
               <a:rPr lang="en-US" dirty="0"/>
               <a:t> </a:t>
             </a:r>
-          </a:p>
-          <a:p>
+            <a:endParaRPr lang="ru-RU" dirty="0"/>
+          </a:p>
+          <a:p>
+            <a:pPr lvl="1"/>
             <a:r>
               <a:rPr lang="en-US" dirty="0">
                 <a:hlinkClick r:id="rId6"/>
               </a:rPr>
-              <a:t>https://stackoverflow.com/questions/64014782/c-program-crashes-when-trying-to-sort-a-vector-of-strings</a:t>
-            </a:r>
-            <a:r>
-              <a:rPr lang="en-US" dirty="0"/>
-              <a:t> </a:t>
-            </a:r>
-          </a:p>
-          <a:p>
-            <a:r>
-              <a:rPr lang="en-US" dirty="0">
-                <a:hlinkClick r:id="rId7"/>
-              </a:rPr>
-              <a:t>https://stackoverflow.com/questions/70869803/c-code-crashes-when-trying-to-sort-2d-vector</a:t>
-            </a:r>
-            <a:r>
-              <a:rPr lang="en-US" dirty="0"/>
-              <a:t> </a:t>
-            </a:r>
-          </a:p>
-          <a:p>
-            <a:r>
-              <a:rPr lang="en-US" dirty="0">
-                <a:hlinkClick r:id="rId8"/>
-              </a:rPr>
-              <a:t>https://stackoverflow.com/questions/67553073/std-sort-sometimes-throws-seqmention-fault</a:t>
-            </a:r>
-            <a:r>
-              <a:rPr lang="en-US" dirty="0"/>
-              <a:t> </a:t>
-            </a:r>
-          </a:p>
-          <a:p>
-            <a:endParaRPr lang="en-US" dirty="0"/>
+              <a:t>https://stackoverflow.com/questions/33547566/strict-weak-ordering-operator-in-c</a:t>
+            </a:r>
+            <a:endParaRPr lang="ru-RU" dirty="0"/>
           </a:p>
         </p:txBody>
       </p:sp>
     </p:spTree>
     <p:extLst>
       <p:ext uri="{BB962C8B-B14F-4D97-AF65-F5344CB8AC3E}">
-        <p14:creationId xmlns:p14="http://schemas.microsoft.com/office/powerpoint/2010/main" val="1970220755"/>
+        <p14:creationId xmlns:p14="http://schemas.microsoft.com/office/powerpoint/2010/main" val="3668881934"/>
       </p:ext>
     </p:extLst>
   </p:cSld>
@@ -15181,7 +15702,7 @@
           <p:cNvPr id="2" name="Title 1">
             <a:extLst>
               <a:ext uri="{FF2B5EF4-FFF2-40B4-BE49-F238E27FC236}">
-                <a16:creationId xmlns:a16="http://schemas.microsoft.com/office/drawing/2014/main" id="{5B934954-6504-41DD-8948-DC3D99FD6E34}"/>
+                <a16:creationId xmlns:a16="http://schemas.microsoft.com/office/drawing/2014/main" id="{092805D2-F357-4985-8786-1E96A3570DCA}"/>
               </a:ext>
             </a:extLst>
           </p:cNvPr>
@@ -15203,11 +15724,11 @@
             </a:r>
             <a:r>
               <a:rPr lang="en-US" dirty="0"/>
-              <a:t>:</a:t>
-            </a:r>
-            <a:r>
-              <a:rPr lang="ru-RU" dirty="0"/>
-              <a:t> некорректная обработка специального случая</a:t>
+              <a:t>: </a:t>
+            </a:r>
+            <a:r>
+              <a:rPr lang="ru-RU" dirty="0"/>
+              <a:t>нестрогий порядок</a:t>
             </a:r>
             <a:endParaRPr lang="en-US" dirty="0"/>
           </a:p>
@@ -15218,7 +15739,7 @@
           <p:cNvPr id="3" name="Content Placeholder 2">
             <a:extLst>
               <a:ext uri="{FF2B5EF4-FFF2-40B4-BE49-F238E27FC236}">
-                <a16:creationId xmlns:a16="http://schemas.microsoft.com/office/drawing/2014/main" id="{B70B7E1B-CF95-4F6A-94BA-64AE9895C4A5}"/>
+                <a16:creationId xmlns:a16="http://schemas.microsoft.com/office/drawing/2014/main" id="{9F877387-845B-4121-913F-2FB574552C9A}"/>
               </a:ext>
             </a:extLst>
           </p:cNvPr>
@@ -15231,74 +15752,93 @@
         </p:nvSpPr>
         <p:spPr/>
         <p:txBody>
-          <a:bodyPr/>
-          <a:lstStyle/>
-          <a:p>
-            <a:r>
-              <a:rPr lang="ru-RU" dirty="0">
-                <a:solidFill>
-                  <a:prstClr val="black"/>
-                </a:solidFill>
-                <a:cs typeface="Courier New" panose="02070309020205020404" pitchFamily="49" charset="0"/>
-              </a:rPr>
-              <a:t>Примеры со stackoverflow:</a:t>
-            </a:r>
-          </a:p>
-          <a:p>
-            <a:pPr lvl="1"/>
-            <a:r>
-              <a:rPr lang="ru-RU" dirty="0">
-                <a:solidFill>
-                  <a:prstClr val="black"/>
-                </a:solidFill>
-                <a:cs typeface="Courier New" panose="02070309020205020404" pitchFamily="49" charset="0"/>
+          <a:bodyPr>
+            <a:normAutofit fontScale="85000" lnSpcReduction="20000"/>
+          </a:bodyPr>
+          <a:lstStyle/>
+          <a:p>
+            <a:r>
+              <a:rPr lang="en-US" dirty="0">
                 <a:hlinkClick r:id="rId2"/>
               </a:rPr>
-              <a:t>https://stackoverflow.com/questions/55815423/stdsort-crashes-with-strict-weak-ordering-comparing-with-garbage-values</a:t>
-            </a:r>
-            <a:r>
-              <a:rPr lang="en-US" dirty="0">
-                <a:solidFill>
-                  <a:prstClr val="black"/>
-                </a:solidFill>
-                <a:cs typeface="Courier New" panose="02070309020205020404" pitchFamily="49" charset="0"/>
-              </a:rPr>
+              <a:t>https://stackoverflow.com/questions/40483971/program-crash-in-stdsort-sometimes-cant-reproduce</a:t>
+            </a:r>
+            <a:r>
+              <a:rPr lang="en-US" dirty="0"/>
               <a:t> </a:t>
             </a:r>
-            <a:endParaRPr lang="ru-RU" dirty="0">
-              <a:solidFill>
-                <a:prstClr val="black"/>
-              </a:solidFill>
-              <a:cs typeface="Courier New" panose="02070309020205020404" pitchFamily="49" charset="0"/>
-            </a:endParaRPr>
-          </a:p>
-          <a:p>
-            <a:pPr lvl="1"/>
-            <a:r>
-              <a:rPr lang="ru-RU" dirty="0">
-                <a:solidFill>
-                  <a:prstClr val="black"/>
-                </a:solidFill>
-                <a:cs typeface="Courier New" panose="02070309020205020404" pitchFamily="49" charset="0"/>
+          </a:p>
+          <a:p>
+            <a:r>
+              <a:rPr lang="en-US" dirty="0">
                 <a:hlinkClick r:id="rId3"/>
               </a:rPr>
-              <a:t>https://stackoverflow.com/questions/48972158/crash-in-stdsort-sorting-without-strict-weak-ordering</a:t>
-            </a:r>
-            <a:r>
-              <a:rPr lang="en-US" dirty="0">
-                <a:solidFill>
-                  <a:prstClr val="black"/>
-                </a:solidFill>
-                <a:cs typeface="Courier New" panose="02070309020205020404" pitchFamily="49" charset="0"/>
-              </a:rPr>
+              <a:t>https://stackoverflow.com/questions/65468629/stl-sort-debug-assertion-failed</a:t>
+            </a:r>
+            <a:r>
+              <a:rPr lang="en-US" dirty="0"/>
               <a:t> </a:t>
             </a:r>
-            <a:endParaRPr lang="ru-RU" dirty="0">
-              <a:solidFill>
-                <a:prstClr val="black"/>
-              </a:solidFill>
-              <a:cs typeface="Courier New" panose="02070309020205020404" pitchFamily="49" charset="0"/>
-            </a:endParaRPr>
+          </a:p>
+          <a:p>
+            <a:r>
+              <a:rPr lang="en-US" dirty="0">
+                <a:hlinkClick r:id="rId4"/>
+              </a:rPr>
+              <a:t>https://stackoverflow.com/questions/18291620/why-will-stdsort-crash-if-the-comparison-function-is-not-as-operator</a:t>
+            </a:r>
+            <a:r>
+              <a:rPr lang="en-US" dirty="0"/>
+              <a:t> </a:t>
+            </a:r>
+          </a:p>
+          <a:p>
+            <a:r>
+              <a:rPr lang="en-US" dirty="0">
+                <a:hlinkClick r:id="rId5"/>
+              </a:rPr>
+              <a:t>https://stackoverflow.com/questions/19757210/stdsort-from-algorithm-crashes</a:t>
+            </a:r>
+            <a:r>
+              <a:rPr lang="en-US" dirty="0"/>
+              <a:t> </a:t>
+            </a:r>
+          </a:p>
+          <a:p>
+            <a:r>
+              <a:rPr lang="en-US" dirty="0">
+                <a:hlinkClick r:id="rId6"/>
+              </a:rPr>
+              <a:t>https://stackoverflow.com/questions/64014782/c-program-crashes-when-trying-to-sort-a-vector-of-strings</a:t>
+            </a:r>
+            <a:r>
+              <a:rPr lang="en-US" dirty="0"/>
+              <a:t> </a:t>
+            </a:r>
+          </a:p>
+          <a:p>
+            <a:r>
+              <a:rPr lang="en-US" dirty="0">
+                <a:hlinkClick r:id="rId7"/>
+              </a:rPr>
+              <a:t>https://stackoverflow.com/questions/70869803/c-code-crashes-when-trying-to-sort-2d-vector</a:t>
+            </a:r>
+            <a:r>
+              <a:rPr lang="en-US" dirty="0"/>
+              <a:t> </a:t>
+            </a:r>
+          </a:p>
+          <a:p>
+            <a:r>
+              <a:rPr lang="en-US" dirty="0">
+                <a:hlinkClick r:id="rId8"/>
+              </a:rPr>
+              <a:t>https://stackoverflow.com/questions/67553073/std-sort-sometimes-throws-seqmention-fault</a:t>
+            </a:r>
+            <a:r>
+              <a:rPr lang="en-US" dirty="0"/>
+              <a:t> </a:t>
+            </a:r>
           </a:p>
           <a:p>
             <a:endParaRPr lang="en-US" dirty="0"/>
@@ -15308,7 +15848,7 @@
     </p:spTree>
     <p:extLst>
       <p:ext uri="{BB962C8B-B14F-4D97-AF65-F5344CB8AC3E}">
-        <p14:creationId xmlns:p14="http://schemas.microsoft.com/office/powerpoint/2010/main" val="1385981339"/>
+        <p14:creationId xmlns:p14="http://schemas.microsoft.com/office/powerpoint/2010/main" val="1970220755"/>
       </p:ext>
     </p:extLst>
   </p:cSld>
@@ -15340,6 +15880,165 @@
           <p:cNvPr id="2" name="Title 1">
             <a:extLst>
               <a:ext uri="{FF2B5EF4-FFF2-40B4-BE49-F238E27FC236}">
+                <a16:creationId xmlns:a16="http://schemas.microsoft.com/office/drawing/2014/main" id="{5B934954-6504-41DD-8948-DC3D99FD6E34}"/>
+              </a:ext>
+            </a:extLst>
+          </p:cNvPr>
+          <p:cNvSpPr>
+            <a:spLocks noGrp="1"/>
+          </p:cNvSpPr>
+          <p:nvPr>
+            <p:ph type="title"/>
+          </p:nvPr>
+        </p:nvSpPr>
+        <p:spPr/>
+        <p:txBody>
+          <a:bodyPr/>
+          <a:lstStyle/>
+          <a:p>
+            <a:r>
+              <a:rPr lang="ru-RU" dirty="0"/>
+              <a:t>Частые ошибки</a:t>
+            </a:r>
+            <a:r>
+              <a:rPr lang="en-US" dirty="0"/>
+              <a:t>:</a:t>
+            </a:r>
+            <a:r>
+              <a:rPr lang="ru-RU" dirty="0"/>
+              <a:t> некорректная обработка специального случая</a:t>
+            </a:r>
+            <a:endParaRPr lang="en-US" dirty="0"/>
+          </a:p>
+        </p:txBody>
+      </p:sp>
+      <p:sp>
+        <p:nvSpPr>
+          <p:cNvPr id="3" name="Content Placeholder 2">
+            <a:extLst>
+              <a:ext uri="{FF2B5EF4-FFF2-40B4-BE49-F238E27FC236}">
+                <a16:creationId xmlns:a16="http://schemas.microsoft.com/office/drawing/2014/main" id="{B70B7E1B-CF95-4F6A-94BA-64AE9895C4A5}"/>
+              </a:ext>
+            </a:extLst>
+          </p:cNvPr>
+          <p:cNvSpPr>
+            <a:spLocks noGrp="1"/>
+          </p:cNvSpPr>
+          <p:nvPr>
+            <p:ph idx="1"/>
+          </p:nvPr>
+        </p:nvSpPr>
+        <p:spPr/>
+        <p:txBody>
+          <a:bodyPr/>
+          <a:lstStyle/>
+          <a:p>
+            <a:r>
+              <a:rPr lang="ru-RU" dirty="0">
+                <a:solidFill>
+                  <a:prstClr val="black"/>
+                </a:solidFill>
+                <a:cs typeface="Courier New" panose="02070309020205020404" pitchFamily="49" charset="0"/>
+              </a:rPr>
+              <a:t>Примеры со stackoverflow:</a:t>
+            </a:r>
+          </a:p>
+          <a:p>
+            <a:pPr lvl="1"/>
+            <a:r>
+              <a:rPr lang="ru-RU" dirty="0">
+                <a:solidFill>
+                  <a:prstClr val="black"/>
+                </a:solidFill>
+                <a:cs typeface="Courier New" panose="02070309020205020404" pitchFamily="49" charset="0"/>
+                <a:hlinkClick r:id="rId2"/>
+              </a:rPr>
+              <a:t>https://stackoverflow.com/questions/55815423/stdsort-crashes-with-strict-weak-ordering-comparing-with-garbage-values</a:t>
+            </a:r>
+            <a:r>
+              <a:rPr lang="en-US" dirty="0">
+                <a:solidFill>
+                  <a:prstClr val="black"/>
+                </a:solidFill>
+                <a:cs typeface="Courier New" panose="02070309020205020404" pitchFamily="49" charset="0"/>
+              </a:rPr>
+              <a:t> </a:t>
+            </a:r>
+            <a:endParaRPr lang="ru-RU" dirty="0">
+              <a:solidFill>
+                <a:prstClr val="black"/>
+              </a:solidFill>
+              <a:cs typeface="Courier New" panose="02070309020205020404" pitchFamily="49" charset="0"/>
+            </a:endParaRPr>
+          </a:p>
+          <a:p>
+            <a:pPr lvl="1"/>
+            <a:r>
+              <a:rPr lang="ru-RU" dirty="0">
+                <a:solidFill>
+                  <a:prstClr val="black"/>
+                </a:solidFill>
+                <a:cs typeface="Courier New" panose="02070309020205020404" pitchFamily="49" charset="0"/>
+                <a:hlinkClick r:id="rId3"/>
+              </a:rPr>
+              <a:t>https://stackoverflow.com/questions/48972158/crash-in-stdsort-sorting-without-strict-weak-ordering</a:t>
+            </a:r>
+            <a:r>
+              <a:rPr lang="en-US" dirty="0">
+                <a:solidFill>
+                  <a:prstClr val="black"/>
+                </a:solidFill>
+                <a:cs typeface="Courier New" panose="02070309020205020404" pitchFamily="49" charset="0"/>
+              </a:rPr>
+              <a:t> </a:t>
+            </a:r>
+            <a:endParaRPr lang="ru-RU" dirty="0">
+              <a:solidFill>
+                <a:prstClr val="black"/>
+              </a:solidFill>
+              <a:cs typeface="Courier New" panose="02070309020205020404" pitchFamily="49" charset="0"/>
+            </a:endParaRPr>
+          </a:p>
+          <a:p>
+            <a:endParaRPr lang="en-US" dirty="0"/>
+          </a:p>
+        </p:txBody>
+      </p:sp>
+    </p:spTree>
+    <p:extLst>
+      <p:ext uri="{BB962C8B-B14F-4D97-AF65-F5344CB8AC3E}">
+        <p14:creationId xmlns:p14="http://schemas.microsoft.com/office/powerpoint/2010/main" val="1385981339"/>
+      </p:ext>
+    </p:extLst>
+  </p:cSld>
+  <p:clrMapOvr>
+    <a:masterClrMapping/>
+  </p:clrMapOvr>
+</p:sld>
+</file>
+
+<file path=ppt/slides/slide52.xml><?xml version="1.0" encoding="utf-8"?>
+<p:sld xmlns:a="http://schemas.openxmlformats.org/drawingml/2006/main" xmlns:r="http://schemas.openxmlformats.org/officeDocument/2006/relationships" xmlns:p="http://schemas.openxmlformats.org/presentationml/2006/main">
+  <p:cSld>
+    <p:spTree>
+      <p:nvGrpSpPr>
+        <p:cNvPr id="1" name=""/>
+        <p:cNvGrpSpPr/>
+        <p:nvPr/>
+      </p:nvGrpSpPr>
+      <p:grpSpPr>
+        <a:xfrm>
+          <a:off x="0" y="0"/>
+          <a:ext cx="0" cy="0"/>
+          <a:chOff x="0" y="0"/>
+          <a:chExt cx="0" cy="0"/>
+        </a:xfrm>
+      </p:grpSpPr>
+      <p:sp>
+        <p:nvSpPr>
+          <p:cNvPr id="2" name="Title 1">
+            <a:extLst>
+              <a:ext uri="{FF2B5EF4-FFF2-40B4-BE49-F238E27FC236}">
                 <a16:creationId xmlns:a16="http://schemas.microsoft.com/office/drawing/2014/main" id="{7FAC9331-FB0D-46E1-97C7-91D2F53B1F37}"/>
               </a:ext>
             </a:extLst>
@@ -15427,7 +16126,7 @@
 </p:sld>
 </file>
 
-<file path=ppt/slides/slide52.xml><?xml version="1.0" encoding="utf-8"?>
+<file path=ppt/slides/slide53.xml><?xml version="1.0" encoding="utf-8"?>
 <p:sld xmlns:a="http://schemas.openxmlformats.org/drawingml/2006/main" xmlns:r="http://schemas.openxmlformats.org/officeDocument/2006/relationships" xmlns:p="http://schemas.openxmlformats.org/presentationml/2006/main">
   <p:cSld>
     <p:spTree>

--- a/2023/RU.pptx
+++ b/2023/RU.pptx
@@ -52,9 +52,9 @@
     <p:sldId id="293" r:id="rId43"/>
     <p:sldId id="294" r:id="rId44"/>
     <p:sldId id="295" r:id="rId45"/>
-    <p:sldId id="298" r:id="rId46"/>
-    <p:sldId id="296" r:id="rId47"/>
-    <p:sldId id="297" r:id="rId48"/>
+    <p:sldId id="296" r:id="rId46"/>
+    <p:sldId id="297" r:id="rId47"/>
+    <p:sldId id="298" r:id="rId48"/>
     <p:sldId id="299" r:id="rId49"/>
     <p:sldId id="276" r:id="rId50"/>
     <p:sldId id="278" r:id="rId51"/>
@@ -261,7 +261,7 @@
           <a:p>
             <a:fld id="{A36A2EB4-42A0-4A9F-94AC-04D10C1F231A}" type="datetimeFigureOut">
               <a:rPr lang="en-US" smtClean="0"/>
-              <a:t>4/29/2023</a:t>
+              <a:t>4/30/2023</a:t>
             </a:fld>
             <a:endParaRPr lang="en-US"/>
           </a:p>
@@ -574,7 +574,15 @@
           <a:p>
             <a:r>
               <a:rPr lang="ru-RU" dirty="0"/>
-              <a:t>Наш доклад посвящен тому как правильно писать компараторы</a:t>
+              <a:t>Наш доклад посвящен тому </a:t>
+            </a:r>
+            <a:r>
+              <a:rPr lang="en-US" dirty="0"/>
+              <a:t>(</a:t>
+            </a:r>
+            <a:r>
+              <a:rPr lang="ru-RU" dirty="0"/>
+              <a:t>мы поговорим о том) как правильно писать компараторы</a:t>
             </a:r>
             <a:r>
               <a:rPr lang="en-US" dirty="0"/>
@@ -838,6 +846,16 @@
           <a:p>
             <a:r>
               <a:rPr lang="ru-RU" dirty="0"/>
+              <a:t>Перед тем как ввести четвертую аксиому введём ещё одно понятние – отношение эквивалентности, связанное с компаратором. Два элемента считаются эквивалентными, если ни один их ниъ не меньше другого.</a:t>
+            </a:r>
+            <a:endParaRPr lang="en-US" dirty="0"/>
+          </a:p>
+          <a:p>
+            <a:endParaRPr lang="en-US" dirty="0"/>
+          </a:p>
+          <a:p>
+            <a:r>
+              <a:rPr lang="ru-RU" dirty="0"/>
               <a:t>Оператор эквивалентности ведёт себя схожим образом с оператором сравнения </a:t>
             </a:r>
             <a:r>
@@ -951,16 +969,20 @@
               <a:rPr lang="ru-RU" dirty="0"/>
               <a:t>связана последняя, четвертая аксиома</a:t>
             </a:r>
+            <a:r>
+              <a:rPr lang="en-US" dirty="0"/>
+              <a:t>.</a:t>
+            </a:r>
+          </a:p>
+          <a:p>
             <a:endParaRPr lang="en-US" dirty="0"/>
           </a:p>
           <a:p>
+            <a:r>
+              <a:rPr lang="ru-RU" dirty="0"/>
+              <a:t>Физический смысл отношения эквивалентности не столь очевиден.</a:t>
+            </a:r>
             <a:endParaRPr lang="en-US" dirty="0"/>
-          </a:p>
-          <a:p>
-            <a:r>
-              <a:rPr lang="en-US" dirty="0"/>
-              <a:t>https://stackoverflow.com/questions/75970396/why-do-we-need-transitivity-of-equivalence</a:t>
-            </a:r>
           </a:p>
         </p:txBody>
       </p:sp>
@@ -1044,18 +1066,29 @@
           <a:bodyPr/>
           <a:lstStyle/>
           <a:p>
-            <a:r>
-              <a:rPr lang="ru-RU" dirty="0"/>
-              <a:t>Объединение всех четырех аксиом называется строгим слабым порядком</a:t>
-            </a:r>
-            <a:r>
-              <a:rPr lang="en-US" dirty="0"/>
-              <a:t>.</a:t>
-            </a:r>
-            <a:r>
-              <a:rPr lang="ru-RU" dirty="0"/>
-              <a:t> На него и даются ссылки в стандарте языка при описании требований к компараторам.</a:t>
-            </a:r>
+            <a:pPr marL="0" marR="0" lvl="0" indent="0" algn="l" defTabSz="914400" rtl="0" eaLnBrk="1" fontAlgn="auto" latinLnBrk="0" hangingPunct="1">
+              <a:lnSpc>
+                <a:spcPct val="100000"/>
+              </a:lnSpc>
+              <a:spcBef>
+                <a:spcPts val="0"/>
+              </a:spcBef>
+              <a:spcAft>
+                <a:spcPts val="0"/>
+              </a:spcAft>
+              <a:buClrTx/>
+              <a:buSzTx/>
+              <a:buFontTx/>
+              <a:buNone/>
+              <a:tabLst/>
+              <a:defRPr/>
+            </a:pPr>
+            <a:r>
+              <a:rPr lang="en-US" dirty="0"/>
+              <a:t>https://stackoverflow.com/questions/75970396/why-do-we-need-transitivity-of-equivalence</a:t>
+            </a:r>
+          </a:p>
+          <a:p>
             <a:endParaRPr lang="en-US" dirty="0"/>
           </a:p>
         </p:txBody>
@@ -1077,7 +1110,7 @@
           <a:p>
             <a:fld id="{3AC94D10-082F-46D7-A834-266F9222130F}" type="slidenum">
               <a:rPr lang="en-US" smtClean="0"/>
-              <a:t>19</a:t>
+              <a:t>18</a:t>
             </a:fld>
             <a:endParaRPr lang="en-US"/>
           </a:p>
@@ -1086,7 +1119,7 @@
     </p:spTree>
     <p:extLst>
       <p:ext uri="{BB962C8B-B14F-4D97-AF65-F5344CB8AC3E}">
-        <p14:creationId xmlns:p14="http://schemas.microsoft.com/office/powerpoint/2010/main" val="637534043"/>
+        <p14:creationId xmlns:p14="http://schemas.microsoft.com/office/powerpoint/2010/main" val="2515960574"/>
       </p:ext>
     </p:extLst>
   </p:cSld>
@@ -1141,9 +1174,18 @@
           <a:lstStyle/>
           <a:p>
             <a:r>
-              <a:rPr lang="en-US" dirty="0"/>
-              <a:t>https://stackoverflow.com/questions/75770367/implied-meaning-of-ordering-types-in-c20</a:t>
-            </a:r>
+              <a:rPr lang="ru-RU" dirty="0"/>
+              <a:t>Объединение всех четырех аксиом называется строгим слабым порядком</a:t>
+            </a:r>
+            <a:r>
+              <a:rPr lang="en-US" dirty="0"/>
+              <a:t>.</a:t>
+            </a:r>
+            <a:r>
+              <a:rPr lang="ru-RU" dirty="0"/>
+              <a:t> На него и даются ссылки в стандарте языка при описании требований к компараторам.</a:t>
+            </a:r>
+            <a:endParaRPr lang="en-US" dirty="0"/>
           </a:p>
         </p:txBody>
       </p:sp>
@@ -1164,7 +1206,7 @@
           <a:p>
             <a:fld id="{3AC94D10-082F-46D7-A834-266F9222130F}" type="slidenum">
               <a:rPr lang="en-US" smtClean="0"/>
-              <a:t>21</a:t>
+              <a:t>19</a:t>
             </a:fld>
             <a:endParaRPr lang="en-US"/>
           </a:p>
@@ -1173,7 +1215,7 @@
     </p:spTree>
     <p:extLst>
       <p:ext uri="{BB962C8B-B14F-4D97-AF65-F5344CB8AC3E}">
-        <p14:creationId xmlns:p14="http://schemas.microsoft.com/office/powerpoint/2010/main" val="4281307461"/>
+        <p14:creationId xmlns:p14="http://schemas.microsoft.com/office/powerpoint/2010/main" val="637534043"/>
       </p:ext>
     </p:extLst>
   </p:cSld>
@@ -1228,10 +1270,9 @@
           <a:lstStyle/>
           <a:p>
             <a:r>
-              <a:rPr lang="ru-RU" dirty="0"/>
-              <a:t>Теперь, познакомившись с формальными требованиями к компараторам, давайте рассмотрим наиболее частые ошибки при их написании.</a:t>
-            </a:r>
-            <a:endParaRPr lang="en-US" dirty="0"/>
+              <a:rPr lang="en-US" dirty="0"/>
+              <a:t>TODO</a:t>
+            </a:r>
           </a:p>
         </p:txBody>
       </p:sp>
@@ -1252,7 +1293,7 @@
           <a:p>
             <a:fld id="{3AC94D10-082F-46D7-A834-266F9222130F}" type="slidenum">
               <a:rPr lang="en-US" smtClean="0"/>
-              <a:t>22</a:t>
+              <a:t>20</a:t>
             </a:fld>
             <a:endParaRPr lang="en-US"/>
           </a:p>
@@ -1261,7 +1302,7 @@
     </p:spTree>
     <p:extLst>
       <p:ext uri="{BB962C8B-B14F-4D97-AF65-F5344CB8AC3E}">
-        <p14:creationId xmlns:p14="http://schemas.microsoft.com/office/powerpoint/2010/main" val="3393920227"/>
+        <p14:creationId xmlns:p14="http://schemas.microsoft.com/office/powerpoint/2010/main" val="3201459978"/>
       </p:ext>
     </p:extLst>
   </p:cSld>
@@ -1316,10 +1357,9 @@
           <a:lstStyle/>
           <a:p>
             <a:r>
-              <a:rPr lang="ru-RU" dirty="0"/>
-              <a:t>Ошибка в том что переходить к сравнению второго поля можно только если первые поля равны.</a:t>
-            </a:r>
-            <a:endParaRPr lang="en-US" dirty="0"/>
+              <a:rPr lang="en-US" dirty="0"/>
+              <a:t>https://stackoverflow.com/questions/75770367/implied-meaning-of-ordering-types-in-c20</a:t>
+            </a:r>
           </a:p>
         </p:txBody>
       </p:sp>
@@ -1340,7 +1380,7 @@
           <a:p>
             <a:fld id="{3AC94D10-082F-46D7-A834-266F9222130F}" type="slidenum">
               <a:rPr lang="en-US" smtClean="0"/>
-              <a:t>23</a:t>
+              <a:t>21</a:t>
             </a:fld>
             <a:endParaRPr lang="en-US"/>
           </a:p>
@@ -1349,7 +1389,7 @@
     </p:spTree>
     <p:extLst>
       <p:ext uri="{BB962C8B-B14F-4D97-AF65-F5344CB8AC3E}">
-        <p14:creationId xmlns:p14="http://schemas.microsoft.com/office/powerpoint/2010/main" val="53595051"/>
+        <p14:creationId xmlns:p14="http://schemas.microsoft.com/office/powerpoint/2010/main" val="4281307461"/>
       </p:ext>
     </p:extLst>
   </p:cSld>
@@ -1405,21 +1445,7 @@
           <a:p>
             <a:r>
               <a:rPr lang="ru-RU" dirty="0"/>
-              <a:t>Иногда эта ошибка может быть скрытой как в следующем примере.</a:t>
-            </a:r>
-            <a:endParaRPr lang="en-US" dirty="0"/>
-          </a:p>
-          <a:p>
-            <a:endParaRPr lang="en-US" dirty="0">
-              <a:hlinkClick r:id="rId3"/>
-            </a:endParaRPr>
-          </a:p>
-          <a:p>
-            <a:r>
-              <a:rPr lang="ru-RU" dirty="0">
-                <a:hlinkClick r:id="rId3"/>
-              </a:rPr>
-              <a:t>https://schneide.blog/2010/11/01/bug-hunting-fun-with-stdsort</a:t>
+              <a:t>Теперь, познакомившись с формальными требованиями к компараторам, давайте разберём наиболее частые ошибки при их написании.</a:t>
             </a:r>
             <a:endParaRPr lang="en-US" dirty="0"/>
           </a:p>
@@ -1442,7 +1468,7 @@
           <a:p>
             <a:fld id="{3AC94D10-082F-46D7-A834-266F9222130F}" type="slidenum">
               <a:rPr lang="en-US" smtClean="0"/>
-              <a:t>27</a:t>
+              <a:t>22</a:t>
             </a:fld>
             <a:endParaRPr lang="en-US"/>
           </a:p>
@@ -1451,7 +1477,7 @@
     </p:spTree>
     <p:extLst>
       <p:ext uri="{BB962C8B-B14F-4D97-AF65-F5344CB8AC3E}">
-        <p14:creationId xmlns:p14="http://schemas.microsoft.com/office/powerpoint/2010/main" val="3243504475"/>
+        <p14:creationId xmlns:p14="http://schemas.microsoft.com/office/powerpoint/2010/main" val="3393920227"/>
       </p:ext>
     </p:extLst>
   </p:cSld>
@@ -1507,7 +1533,7 @@
           <a:p>
             <a:r>
               <a:rPr lang="ru-RU" dirty="0"/>
-              <a:t>Этот паттерн часто встречается и в других ситуациях.</a:t>
+              <a:t>Ошибка в том что переходить к сравнению второго поля можно только если первые поля равны.</a:t>
             </a:r>
             <a:endParaRPr lang="en-US" dirty="0"/>
           </a:p>
@@ -1530,7 +1556,7 @@
           <a:p>
             <a:fld id="{3AC94D10-082F-46D7-A834-266F9222130F}" type="slidenum">
               <a:rPr lang="en-US" smtClean="0"/>
-              <a:t>32</a:t>
+              <a:t>23</a:t>
             </a:fld>
             <a:endParaRPr lang="en-US"/>
           </a:p>
@@ -1539,7 +1565,7 @@
     </p:spTree>
     <p:extLst>
       <p:ext uri="{BB962C8B-B14F-4D97-AF65-F5344CB8AC3E}">
-        <p14:creationId xmlns:p14="http://schemas.microsoft.com/office/powerpoint/2010/main" val="2149937454"/>
+        <p14:creationId xmlns:p14="http://schemas.microsoft.com/office/powerpoint/2010/main" val="53595051"/>
       </p:ext>
     </p:extLst>
   </p:cSld>
@@ -1595,7 +1621,21 @@
           <a:p>
             <a:r>
               <a:rPr lang="ru-RU" dirty="0"/>
-              <a:t>Поговорив о самых частых ошибках, давайте обсудим средства их обнаружения, предлагаемые современными тулчейнами.</a:t>
+              <a:t>Иногда эта ошибка может быть скрытой как в следующем примере.</a:t>
+            </a:r>
+            <a:endParaRPr lang="en-US" dirty="0"/>
+          </a:p>
+          <a:p>
+            <a:endParaRPr lang="en-US" dirty="0">
+              <a:hlinkClick r:id="rId3"/>
+            </a:endParaRPr>
+          </a:p>
+          <a:p>
+            <a:r>
+              <a:rPr lang="ru-RU" dirty="0">
+                <a:hlinkClick r:id="rId3"/>
+              </a:rPr>
+              <a:t>https://schneide.blog/2010/11/01/bug-hunting-fun-with-stdsort</a:t>
             </a:r>
             <a:endParaRPr lang="en-US" dirty="0"/>
           </a:p>
@@ -1618,7 +1658,7 @@
           <a:p>
             <a:fld id="{3AC94D10-082F-46D7-A834-266F9222130F}" type="slidenum">
               <a:rPr lang="en-US" smtClean="0"/>
-              <a:t>36</a:t>
+              <a:t>27</a:t>
             </a:fld>
             <a:endParaRPr lang="en-US"/>
           </a:p>
@@ -1627,7 +1667,7 @@
     </p:spTree>
     <p:extLst>
       <p:ext uri="{BB962C8B-B14F-4D97-AF65-F5344CB8AC3E}">
-        <p14:creationId xmlns:p14="http://schemas.microsoft.com/office/powerpoint/2010/main" val="312869855"/>
+        <p14:creationId xmlns:p14="http://schemas.microsoft.com/office/powerpoint/2010/main" val="3243504475"/>
       </p:ext>
     </p:extLst>
   </p:cSld>
@@ -1771,6 +1811,579 @@
           <a:p>
             <a:r>
               <a:rPr lang="ru-RU" dirty="0"/>
+              <a:t>Ещё одной частой ошибкой является сортировка массивов чисел с плавающей точкой, содержащих </a:t>
+            </a:r>
+            <a:r>
+              <a:rPr lang="en-US" dirty="0" err="1"/>
+              <a:t>NaN</a:t>
+            </a:r>
+            <a:r>
+              <a:rPr lang="en-US" dirty="0"/>
+              <a:t>.</a:t>
+            </a:r>
+          </a:p>
+        </p:txBody>
+      </p:sp>
+      <p:sp>
+        <p:nvSpPr>
+          <p:cNvPr id="4" name="Slide Number Placeholder 3"/>
+          <p:cNvSpPr>
+            <a:spLocks noGrp="1"/>
+          </p:cNvSpPr>
+          <p:nvPr>
+            <p:ph type="sldNum" sz="quarter" idx="5"/>
+          </p:nvPr>
+        </p:nvSpPr>
+        <p:spPr/>
+        <p:txBody>
+          <a:bodyPr/>
+          <a:lstStyle/>
+          <a:p>
+            <a:fld id="{3AC94D10-082F-46D7-A834-266F9222130F}" type="slidenum">
+              <a:rPr lang="en-US" smtClean="0"/>
+              <a:t>28</a:t>
+            </a:fld>
+            <a:endParaRPr lang="en-US"/>
+          </a:p>
+        </p:txBody>
+      </p:sp>
+    </p:spTree>
+    <p:extLst>
+      <p:ext uri="{BB962C8B-B14F-4D97-AF65-F5344CB8AC3E}">
+        <p14:creationId xmlns:p14="http://schemas.microsoft.com/office/powerpoint/2010/main" val="413774514"/>
+      </p:ext>
+    </p:extLst>
+  </p:cSld>
+  <p:clrMapOvr>
+    <a:masterClrMapping/>
+  </p:clrMapOvr>
+</p:notes>
+</file>
+
+<file path=ppt/notesSlides/notesSlide21.xml><?xml version="1.0" encoding="utf-8"?>
+<p:notes xmlns:a="http://schemas.openxmlformats.org/drawingml/2006/main" xmlns:r="http://schemas.openxmlformats.org/officeDocument/2006/relationships" xmlns:p="http://schemas.openxmlformats.org/presentationml/2006/main">
+  <p:cSld>
+    <p:spTree>
+      <p:nvGrpSpPr>
+        <p:cNvPr id="1" name=""/>
+        <p:cNvGrpSpPr/>
+        <p:nvPr/>
+      </p:nvGrpSpPr>
+      <p:grpSpPr>
+        <a:xfrm>
+          <a:off x="0" y="0"/>
+          <a:ext cx="0" cy="0"/>
+          <a:chOff x="0" y="0"/>
+          <a:chExt cx="0" cy="0"/>
+        </a:xfrm>
+      </p:grpSpPr>
+      <p:sp>
+        <p:nvSpPr>
+          <p:cNvPr id="2" name="Slide Image Placeholder 1"/>
+          <p:cNvSpPr>
+            <a:spLocks noGrp="1" noRot="1" noChangeAspect="1"/>
+          </p:cNvSpPr>
+          <p:nvPr>
+            <p:ph type="sldImg"/>
+          </p:nvPr>
+        </p:nvSpPr>
+        <p:spPr/>
+      </p:sp>
+      <p:sp>
+        <p:nvSpPr>
+          <p:cNvPr id="3" name="Notes Placeholder 2"/>
+          <p:cNvSpPr>
+            <a:spLocks noGrp="1"/>
+          </p:cNvSpPr>
+          <p:nvPr>
+            <p:ph type="body" idx="1"/>
+          </p:nvPr>
+        </p:nvSpPr>
+        <p:spPr/>
+        <p:txBody>
+          <a:bodyPr/>
+          <a:lstStyle/>
+          <a:p>
+            <a:pPr marL="0" marR="0" lvl="0" indent="0" algn="l" defTabSz="914400" rtl="0" eaLnBrk="1" fontAlgn="auto" latinLnBrk="0" hangingPunct="1">
+              <a:lnSpc>
+                <a:spcPct val="100000"/>
+              </a:lnSpc>
+              <a:spcBef>
+                <a:spcPts val="0"/>
+              </a:spcBef>
+              <a:spcAft>
+                <a:spcPts val="0"/>
+              </a:spcAft>
+              <a:buClrTx/>
+              <a:buSzTx/>
+              <a:buFontTx/>
+              <a:buNone/>
+              <a:tabLst/>
+              <a:defRPr/>
+            </a:pPr>
+            <a:r>
+              <a:rPr lang="ru-RU" dirty="0"/>
+              <a:t>Как мы видим нарушение четвертой аксиомы на практике это приводит к неправильной сортировке массивов содержащих NaNs.</a:t>
+            </a:r>
+          </a:p>
+        </p:txBody>
+      </p:sp>
+      <p:sp>
+        <p:nvSpPr>
+          <p:cNvPr id="4" name="Slide Number Placeholder 3"/>
+          <p:cNvSpPr>
+            <a:spLocks noGrp="1"/>
+          </p:cNvSpPr>
+          <p:nvPr>
+            <p:ph type="sldNum" sz="quarter" idx="5"/>
+          </p:nvPr>
+        </p:nvSpPr>
+        <p:spPr/>
+        <p:txBody>
+          <a:bodyPr/>
+          <a:lstStyle/>
+          <a:p>
+            <a:fld id="{3AC94D10-082F-46D7-A834-266F9222130F}" type="slidenum">
+              <a:rPr lang="en-US" smtClean="0"/>
+              <a:t>30</a:t>
+            </a:fld>
+            <a:endParaRPr lang="en-US"/>
+          </a:p>
+        </p:txBody>
+      </p:sp>
+    </p:spTree>
+    <p:extLst>
+      <p:ext uri="{BB962C8B-B14F-4D97-AF65-F5344CB8AC3E}">
+        <p14:creationId xmlns:p14="http://schemas.microsoft.com/office/powerpoint/2010/main" val="3564716342"/>
+      </p:ext>
+    </p:extLst>
+  </p:cSld>
+  <p:clrMapOvr>
+    <a:masterClrMapping/>
+  </p:clrMapOvr>
+</p:notes>
+</file>
+
+<file path=ppt/notesSlides/notesSlide22.xml><?xml version="1.0" encoding="utf-8"?>
+<p:notes xmlns:a="http://schemas.openxmlformats.org/drawingml/2006/main" xmlns:r="http://schemas.openxmlformats.org/officeDocument/2006/relationships" xmlns:p="http://schemas.openxmlformats.org/presentationml/2006/main">
+  <p:cSld>
+    <p:spTree>
+      <p:nvGrpSpPr>
+        <p:cNvPr id="1" name=""/>
+        <p:cNvGrpSpPr/>
+        <p:nvPr/>
+      </p:nvGrpSpPr>
+      <p:grpSpPr>
+        <a:xfrm>
+          <a:off x="0" y="0"/>
+          <a:ext cx="0" cy="0"/>
+          <a:chOff x="0" y="0"/>
+          <a:chExt cx="0" cy="0"/>
+        </a:xfrm>
+      </p:grpSpPr>
+      <p:sp>
+        <p:nvSpPr>
+          <p:cNvPr id="2" name="Slide Image Placeholder 1"/>
+          <p:cNvSpPr>
+            <a:spLocks noGrp="1" noRot="1" noChangeAspect="1"/>
+          </p:cNvSpPr>
+          <p:nvPr>
+            <p:ph type="sldImg"/>
+          </p:nvPr>
+        </p:nvSpPr>
+        <p:spPr/>
+      </p:sp>
+      <p:sp>
+        <p:nvSpPr>
+          <p:cNvPr id="3" name="Notes Placeholder 2"/>
+          <p:cNvSpPr>
+            <a:spLocks noGrp="1"/>
+          </p:cNvSpPr>
+          <p:nvPr>
+            <p:ph type="body" idx="1"/>
+          </p:nvPr>
+        </p:nvSpPr>
+        <p:spPr/>
+        <p:txBody>
+          <a:bodyPr/>
+          <a:lstStyle/>
+          <a:p>
+            <a:r>
+              <a:rPr lang="ru-RU" dirty="0"/>
+              <a:t>Этот паттерн часто встречается и в других ситуациях.</a:t>
+            </a:r>
+            <a:endParaRPr lang="en-US" dirty="0"/>
+          </a:p>
+        </p:txBody>
+      </p:sp>
+      <p:sp>
+        <p:nvSpPr>
+          <p:cNvPr id="4" name="Slide Number Placeholder 3"/>
+          <p:cNvSpPr>
+            <a:spLocks noGrp="1"/>
+          </p:cNvSpPr>
+          <p:nvPr>
+            <p:ph type="sldNum" sz="quarter" idx="5"/>
+          </p:nvPr>
+        </p:nvSpPr>
+        <p:spPr/>
+        <p:txBody>
+          <a:bodyPr/>
+          <a:lstStyle/>
+          <a:p>
+            <a:fld id="{3AC94D10-082F-46D7-A834-266F9222130F}" type="slidenum">
+              <a:rPr lang="en-US" smtClean="0"/>
+              <a:t>32</a:t>
+            </a:fld>
+            <a:endParaRPr lang="en-US"/>
+          </a:p>
+        </p:txBody>
+      </p:sp>
+    </p:spTree>
+    <p:extLst>
+      <p:ext uri="{BB962C8B-B14F-4D97-AF65-F5344CB8AC3E}">
+        <p14:creationId xmlns:p14="http://schemas.microsoft.com/office/powerpoint/2010/main" val="2149937454"/>
+      </p:ext>
+    </p:extLst>
+  </p:cSld>
+  <p:clrMapOvr>
+    <a:masterClrMapping/>
+  </p:clrMapOvr>
+</p:notes>
+</file>
+
+<file path=ppt/notesSlides/notesSlide23.xml><?xml version="1.0" encoding="utf-8"?>
+<p:notes xmlns:a="http://schemas.openxmlformats.org/drawingml/2006/main" xmlns:r="http://schemas.openxmlformats.org/officeDocument/2006/relationships" xmlns:p="http://schemas.openxmlformats.org/presentationml/2006/main">
+  <p:cSld>
+    <p:spTree>
+      <p:nvGrpSpPr>
+        <p:cNvPr id="1" name=""/>
+        <p:cNvGrpSpPr/>
+        <p:nvPr/>
+      </p:nvGrpSpPr>
+      <p:grpSpPr>
+        <a:xfrm>
+          <a:off x="0" y="0"/>
+          <a:ext cx="0" cy="0"/>
+          <a:chOff x="0" y="0"/>
+          <a:chExt cx="0" cy="0"/>
+        </a:xfrm>
+      </p:grpSpPr>
+      <p:sp>
+        <p:nvSpPr>
+          <p:cNvPr id="2" name="Slide Image Placeholder 1"/>
+          <p:cNvSpPr>
+            <a:spLocks noGrp="1" noRot="1" noChangeAspect="1"/>
+          </p:cNvSpPr>
+          <p:nvPr>
+            <p:ph type="sldImg"/>
+          </p:nvPr>
+        </p:nvSpPr>
+        <p:spPr/>
+      </p:sp>
+      <p:sp>
+        <p:nvSpPr>
+          <p:cNvPr id="3" name="Notes Placeholder 2"/>
+          <p:cNvSpPr>
+            <a:spLocks noGrp="1"/>
+          </p:cNvSpPr>
+          <p:nvPr>
+            <p:ph type="body" idx="1"/>
+          </p:nvPr>
+        </p:nvSpPr>
+        <p:spPr/>
+        <p:txBody>
+          <a:bodyPr/>
+          <a:lstStyle/>
+          <a:p>
+            <a:r>
+              <a:rPr lang="en-US" dirty="0"/>
+              <a:t>TODO</a:t>
+            </a:r>
+          </a:p>
+        </p:txBody>
+      </p:sp>
+      <p:sp>
+        <p:nvSpPr>
+          <p:cNvPr id="4" name="Slide Number Placeholder 3"/>
+          <p:cNvSpPr>
+            <a:spLocks noGrp="1"/>
+          </p:cNvSpPr>
+          <p:nvPr>
+            <p:ph type="sldNum" sz="quarter" idx="5"/>
+          </p:nvPr>
+        </p:nvSpPr>
+        <p:spPr/>
+        <p:txBody>
+          <a:bodyPr/>
+          <a:lstStyle/>
+          <a:p>
+            <a:fld id="{3AC94D10-082F-46D7-A834-266F9222130F}" type="slidenum">
+              <a:rPr lang="en-US" smtClean="0"/>
+              <a:t>33</a:t>
+            </a:fld>
+            <a:endParaRPr lang="en-US"/>
+          </a:p>
+        </p:txBody>
+      </p:sp>
+    </p:spTree>
+    <p:extLst>
+      <p:ext uri="{BB962C8B-B14F-4D97-AF65-F5344CB8AC3E}">
+        <p14:creationId xmlns:p14="http://schemas.microsoft.com/office/powerpoint/2010/main" val="465010158"/>
+      </p:ext>
+    </p:extLst>
+  </p:cSld>
+  <p:clrMapOvr>
+    <a:masterClrMapping/>
+  </p:clrMapOvr>
+</p:notes>
+</file>
+
+<file path=ppt/notesSlides/notesSlide24.xml><?xml version="1.0" encoding="utf-8"?>
+<p:notes xmlns:a="http://schemas.openxmlformats.org/drawingml/2006/main" xmlns:r="http://schemas.openxmlformats.org/officeDocument/2006/relationships" xmlns:p="http://schemas.openxmlformats.org/presentationml/2006/main">
+  <p:cSld>
+    <p:spTree>
+      <p:nvGrpSpPr>
+        <p:cNvPr id="1" name=""/>
+        <p:cNvGrpSpPr/>
+        <p:nvPr/>
+      </p:nvGrpSpPr>
+      <p:grpSpPr>
+        <a:xfrm>
+          <a:off x="0" y="0"/>
+          <a:ext cx="0" cy="0"/>
+          <a:chOff x="0" y="0"/>
+          <a:chExt cx="0" cy="0"/>
+        </a:xfrm>
+      </p:grpSpPr>
+      <p:sp>
+        <p:nvSpPr>
+          <p:cNvPr id="2" name="Slide Image Placeholder 1"/>
+          <p:cNvSpPr>
+            <a:spLocks noGrp="1" noRot="1" noChangeAspect="1"/>
+          </p:cNvSpPr>
+          <p:nvPr>
+            <p:ph type="sldImg"/>
+          </p:nvPr>
+        </p:nvSpPr>
+        <p:spPr/>
+      </p:sp>
+      <p:sp>
+        <p:nvSpPr>
+          <p:cNvPr id="3" name="Notes Placeholder 2"/>
+          <p:cNvSpPr>
+            <a:spLocks noGrp="1"/>
+          </p:cNvSpPr>
+          <p:nvPr>
+            <p:ph type="body" idx="1"/>
+          </p:nvPr>
+        </p:nvSpPr>
+        <p:spPr/>
+        <p:txBody>
+          <a:bodyPr/>
+          <a:lstStyle/>
+          <a:p>
+            <a:r>
+              <a:rPr lang="ru-RU" dirty="0"/>
+              <a:t>Поговорив о столь многочисленных ошибках, давайте обсудим средства их обнаружения, предлагаемые современными тулчейнами.</a:t>
+            </a:r>
+            <a:endParaRPr lang="en-US" dirty="0"/>
+          </a:p>
+        </p:txBody>
+      </p:sp>
+      <p:sp>
+        <p:nvSpPr>
+          <p:cNvPr id="4" name="Slide Number Placeholder 3"/>
+          <p:cNvSpPr>
+            <a:spLocks noGrp="1"/>
+          </p:cNvSpPr>
+          <p:nvPr>
+            <p:ph type="sldNum" sz="quarter" idx="5"/>
+          </p:nvPr>
+        </p:nvSpPr>
+        <p:spPr/>
+        <p:txBody>
+          <a:bodyPr/>
+          <a:lstStyle/>
+          <a:p>
+            <a:fld id="{3AC94D10-082F-46D7-A834-266F9222130F}" type="slidenum">
+              <a:rPr lang="en-US" smtClean="0"/>
+              <a:t>36</a:t>
+            </a:fld>
+            <a:endParaRPr lang="en-US"/>
+          </a:p>
+        </p:txBody>
+      </p:sp>
+    </p:spTree>
+    <p:extLst>
+      <p:ext uri="{BB962C8B-B14F-4D97-AF65-F5344CB8AC3E}">
+        <p14:creationId xmlns:p14="http://schemas.microsoft.com/office/powerpoint/2010/main" val="312869855"/>
+      </p:ext>
+    </p:extLst>
+  </p:cSld>
+  <p:clrMapOvr>
+    <a:masterClrMapping/>
+  </p:clrMapOvr>
+</p:notes>
+</file>
+
+<file path=ppt/notesSlides/notesSlide25.xml><?xml version="1.0" encoding="utf-8"?>
+<p:notes xmlns:a="http://schemas.openxmlformats.org/drawingml/2006/main" xmlns:r="http://schemas.openxmlformats.org/officeDocument/2006/relationships" xmlns:p="http://schemas.openxmlformats.org/presentationml/2006/main">
+  <p:cSld>
+    <p:spTree>
+      <p:nvGrpSpPr>
+        <p:cNvPr id="1" name=""/>
+        <p:cNvGrpSpPr/>
+        <p:nvPr/>
+      </p:nvGrpSpPr>
+      <p:grpSpPr>
+        <a:xfrm>
+          <a:off x="0" y="0"/>
+          <a:ext cx="0" cy="0"/>
+          <a:chOff x="0" y="0"/>
+          <a:chExt cx="0" cy="0"/>
+        </a:xfrm>
+      </p:grpSpPr>
+      <p:sp>
+        <p:nvSpPr>
+          <p:cNvPr id="2" name="Slide Image Placeholder 1"/>
+          <p:cNvSpPr>
+            <a:spLocks noGrp="1" noRot="1" noChangeAspect="1"/>
+          </p:cNvSpPr>
+          <p:nvPr>
+            <p:ph type="sldImg"/>
+          </p:nvPr>
+        </p:nvSpPr>
+        <p:spPr/>
+      </p:sp>
+      <p:sp>
+        <p:nvSpPr>
+          <p:cNvPr id="3" name="Notes Placeholder 2"/>
+          <p:cNvSpPr>
+            <a:spLocks noGrp="1"/>
+          </p:cNvSpPr>
+          <p:nvPr>
+            <p:ph type="body" idx="1"/>
+          </p:nvPr>
+        </p:nvSpPr>
+        <p:spPr/>
+        <p:txBody>
+          <a:bodyPr/>
+          <a:lstStyle/>
+          <a:p>
+            <a:r>
+              <a:rPr lang="en-US" dirty="0"/>
+              <a:t>TODO: </a:t>
+            </a:r>
+            <a:r>
+              <a:rPr lang="ru-RU" dirty="0"/>
+              <a:t>как соотносятся </a:t>
+            </a:r>
+            <a:r>
+              <a:rPr lang="en-US" dirty="0" err="1"/>
+              <a:t>libstdc</a:t>
+            </a:r>
+            <a:r>
+              <a:rPr lang="en-US" dirty="0"/>
+              <a:t>++ </a:t>
+            </a:r>
+            <a:r>
+              <a:rPr lang="ru-RU" dirty="0"/>
+              <a:t>и </a:t>
+            </a:r>
+            <a:r>
+              <a:rPr lang="en-US" dirty="0" err="1"/>
+              <a:t>libc</a:t>
+            </a:r>
+            <a:r>
+              <a:rPr lang="en-US" dirty="0"/>
+              <a:t>++</a:t>
+            </a:r>
+          </a:p>
+        </p:txBody>
+      </p:sp>
+      <p:sp>
+        <p:nvSpPr>
+          <p:cNvPr id="4" name="Slide Number Placeholder 3"/>
+          <p:cNvSpPr>
+            <a:spLocks noGrp="1"/>
+          </p:cNvSpPr>
+          <p:nvPr>
+            <p:ph type="sldNum" sz="quarter" idx="5"/>
+          </p:nvPr>
+        </p:nvSpPr>
+        <p:spPr/>
+        <p:txBody>
+          <a:bodyPr/>
+          <a:lstStyle/>
+          <a:p>
+            <a:fld id="{3AC94D10-082F-46D7-A834-266F9222130F}" type="slidenum">
+              <a:rPr lang="en-US" smtClean="0"/>
+              <a:t>37</a:t>
+            </a:fld>
+            <a:endParaRPr lang="en-US"/>
+          </a:p>
+        </p:txBody>
+      </p:sp>
+    </p:spTree>
+    <p:extLst>
+      <p:ext uri="{BB962C8B-B14F-4D97-AF65-F5344CB8AC3E}">
+        <p14:creationId xmlns:p14="http://schemas.microsoft.com/office/powerpoint/2010/main" val="1396074007"/>
+      </p:ext>
+    </p:extLst>
+  </p:cSld>
+  <p:clrMapOvr>
+    <a:masterClrMapping/>
+  </p:clrMapOvr>
+</p:notes>
+</file>
+
+<file path=ppt/notesSlides/notesSlide26.xml><?xml version="1.0" encoding="utf-8"?>
+<p:notes xmlns:a="http://schemas.openxmlformats.org/drawingml/2006/main" xmlns:r="http://schemas.openxmlformats.org/officeDocument/2006/relationships" xmlns:p="http://schemas.openxmlformats.org/presentationml/2006/main">
+  <p:cSld>
+    <p:spTree>
+      <p:nvGrpSpPr>
+        <p:cNvPr id="1" name=""/>
+        <p:cNvGrpSpPr/>
+        <p:nvPr/>
+      </p:nvGrpSpPr>
+      <p:grpSpPr>
+        <a:xfrm>
+          <a:off x="0" y="0"/>
+          <a:ext cx="0" cy="0"/>
+          <a:chOff x="0" y="0"/>
+          <a:chExt cx="0" cy="0"/>
+        </a:xfrm>
+      </p:grpSpPr>
+      <p:sp>
+        <p:nvSpPr>
+          <p:cNvPr id="2" name="Slide Image Placeholder 1"/>
+          <p:cNvSpPr>
+            <a:spLocks noGrp="1" noRot="1" noChangeAspect="1"/>
+          </p:cNvSpPr>
+          <p:nvPr>
+            <p:ph type="sldImg"/>
+          </p:nvPr>
+        </p:nvSpPr>
+        <p:spPr/>
+      </p:sp>
+      <p:sp>
+        <p:nvSpPr>
+          <p:cNvPr id="3" name="Notes Placeholder 2"/>
+          <p:cNvSpPr>
+            <a:spLocks noGrp="1"/>
+          </p:cNvSpPr>
+          <p:nvPr>
+            <p:ph type="body" idx="1"/>
+          </p:nvPr>
+        </p:nvSpPr>
+        <p:spPr/>
+        <p:txBody>
+          <a:bodyPr/>
+          <a:lstStyle/>
+          <a:p>
+            <a:r>
+              <a:rPr lang="ru-RU" dirty="0"/>
               <a:t>Для более глубокой проверки можно использовать динамический анализатор </a:t>
             </a:r>
             <a:r>
@@ -2886,7 +3499,7 @@
           <a:p>
             <a:fld id="{83D30A23-1FB6-43A1-891F-95145083C4E9}" type="datetime1">
               <a:rPr lang="en-US" smtClean="0"/>
-              <a:t>4/29/2023</a:t>
+              <a:t>4/30/2023</a:t>
             </a:fld>
             <a:endParaRPr lang="en-US"/>
           </a:p>
@@ -3084,7 +3697,7 @@
           <a:p>
             <a:fld id="{A4B03399-60D8-4226-8AC7-3F159D57E860}" type="datetime1">
               <a:rPr lang="en-US" smtClean="0"/>
-              <a:t>4/29/2023</a:t>
+              <a:t>4/30/2023</a:t>
             </a:fld>
             <a:endParaRPr lang="en-US"/>
           </a:p>
@@ -3292,7 +3905,7 @@
           <a:p>
             <a:fld id="{1A646459-A066-416D-8E21-9D451FB1CBED}" type="datetime1">
               <a:rPr lang="en-US" smtClean="0"/>
-              <a:t>4/29/2023</a:t>
+              <a:t>4/30/2023</a:t>
             </a:fld>
             <a:endParaRPr lang="en-US"/>
           </a:p>
@@ -3490,7 +4103,7 @@
           <a:p>
             <a:fld id="{0636B939-1A2A-498F-9013-EEF28820D750}" type="datetime1">
               <a:rPr lang="en-US" smtClean="0"/>
-              <a:t>4/29/2023</a:t>
+              <a:t>4/30/2023</a:t>
             </a:fld>
             <a:endParaRPr lang="en-US"/>
           </a:p>
@@ -3584,13 +4197,8 @@
             </a:fld>
             <a:r>
               <a:rPr lang="en-US" dirty="0"/>
-              <a:t>/4</a:t>
-            </a:r>
-            <a:r>
-              <a:rPr lang="ru-RU" dirty="0"/>
-              <a:t>7</a:t>
-            </a:r>
-            <a:endParaRPr lang="en-US" dirty="0"/>
+              <a:t>/48</a:t>
+            </a:r>
           </a:p>
         </p:txBody>
       </p:sp>
@@ -3809,7 +4417,7 @@
           <a:p>
             <a:fld id="{97D3760A-E884-42F2-A44C-F32FAA030BF6}" type="datetime1">
               <a:rPr lang="en-US" smtClean="0"/>
-              <a:t>4/29/2023</a:t>
+              <a:t>4/30/2023</a:t>
             </a:fld>
             <a:endParaRPr lang="en-US"/>
           </a:p>
@@ -4074,7 +4682,7 @@
           <a:p>
             <a:fld id="{4FC7535E-ABF1-4A69-B09E-251EF8B13143}" type="datetime1">
               <a:rPr lang="en-US" smtClean="0"/>
-              <a:t>4/29/2023</a:t>
+              <a:t>4/30/2023</a:t>
             </a:fld>
             <a:endParaRPr lang="en-US"/>
           </a:p>
@@ -4486,7 +5094,7 @@
           <a:p>
             <a:fld id="{CE54BCFC-68A7-4C68-9600-D4AAA16CF9A6}" type="datetime1">
               <a:rPr lang="en-US" smtClean="0"/>
-              <a:t>4/29/2023</a:t>
+              <a:t>4/30/2023</a:t>
             </a:fld>
             <a:endParaRPr lang="en-US"/>
           </a:p>
@@ -4627,7 +5235,7 @@
           <a:p>
             <a:fld id="{0F981744-C4F3-4F58-9E0E-AF6C4E78D03B}" type="datetime1">
               <a:rPr lang="en-US" smtClean="0"/>
-              <a:t>4/29/2023</a:t>
+              <a:t>4/30/2023</a:t>
             </a:fld>
             <a:endParaRPr lang="en-US"/>
           </a:p>
@@ -4740,7 +5348,7 @@
           <a:p>
             <a:fld id="{98ED47E1-EA96-4683-9629-E838295B20BC}" type="datetime1">
               <a:rPr lang="en-US" smtClean="0"/>
-              <a:t>4/29/2023</a:t>
+              <a:t>4/30/2023</a:t>
             </a:fld>
             <a:endParaRPr lang="en-US"/>
           </a:p>
@@ -5051,7 +5659,7 @@
           <a:p>
             <a:fld id="{2F2A1627-B435-455B-A0CA-0808E5748D61}" type="datetime1">
               <a:rPr lang="en-US" smtClean="0"/>
-              <a:t>4/29/2023</a:t>
+              <a:t>4/30/2023</a:t>
             </a:fld>
             <a:endParaRPr lang="en-US"/>
           </a:p>
@@ -5339,7 +5947,7 @@
           <a:p>
             <a:fld id="{FE11CB43-EB9E-4C41-ACD2-0EC61FB429F2}" type="datetime1">
               <a:rPr lang="en-US" smtClean="0"/>
-              <a:t>4/29/2023</a:t>
+              <a:t>4/30/2023</a:t>
             </a:fld>
             <a:endParaRPr lang="en-US"/>
           </a:p>
@@ -5580,7 +6188,7 @@
           <a:p>
             <a:fld id="{CC0B8F92-0932-40E4-878B-3E2E4AAA6810}" type="datetime1">
               <a:rPr lang="en-US" smtClean="0"/>
-              <a:t>4/29/2023</a:t>
+              <a:t>4/30/2023</a:t>
             </a:fld>
             <a:endParaRPr lang="en-US"/>
           </a:p>
@@ -8036,7 +8644,7 @@
             </a:r>
             <a:r>
               <a:rPr lang="en-US" dirty="0">
-                <a:hlinkClick r:id="rId2"/>
+                <a:hlinkClick r:id="rId3"/>
               </a:rPr>
               <a:t>bit.ly/41VN01X</a:t>
             </a:r>
@@ -8125,7 +8733,7 @@
           <p:nvPr/>
         </p:nvPicPr>
         <p:blipFill>
-          <a:blip r:embed="rId3">
+          <a:blip r:embed="rId4">
             <a:extLst>
               <a:ext uri="{28A0092B-C50C-407E-A947-70E740481C1C}">
                 <a14:useLocalDpi xmlns:a14="http://schemas.microsoft.com/office/drawing/2010/main" val="0"/>
@@ -8229,13 +8837,19 @@
           <a:p>
             <a:r>
               <a:rPr lang="ru-RU" dirty="0"/>
-              <a:t>Частичный порядок + транзитивность эквивалентности = строгий слабый порядок</a:t>
+              <a:t>Строгий слабый порядок</a:t>
             </a:r>
             <a:r>
               <a:rPr lang="en-US" dirty="0"/>
               <a:t> (strict weak ordering)</a:t>
             </a:r>
-            <a:endParaRPr lang="ru-RU" dirty="0"/>
+          </a:p>
+          <a:p>
+            <a:pPr lvl="1"/>
+            <a:r>
+              <a:rPr lang="ru-RU" dirty="0"/>
+              <a:t>Частичный порядок + транзитивность эквивалентности</a:t>
+            </a:r>
           </a:p>
           <a:p>
             <a:r>
@@ -9909,7 +10523,19 @@
                 <a:latin typeface="Courier New" panose="02070309020205020404" pitchFamily="49" charset="0"/>
                 <a:cs typeface="Courier New" panose="02070309020205020404" pitchFamily="49" charset="0"/>
               </a:rPr>
-              <a:t>) &lt; std::tie(</a:t>
+              <a:t>) &lt;</a:t>
+            </a:r>
+          </a:p>
+          <a:p>
+            <a:pPr marL="0" indent="0">
+              <a:buNone/>
+            </a:pPr>
+            <a:r>
+              <a:rPr lang="en-US" dirty="0">
+                <a:latin typeface="Courier New" panose="02070309020205020404" pitchFamily="49" charset="0"/>
+                <a:cs typeface="Courier New" panose="02070309020205020404" pitchFamily="49" charset="0"/>
+              </a:rPr>
+              <a:t>  std::tie(</a:t>
             </a:r>
             <a:r>
               <a:rPr lang="en-US" dirty="0" err="1">
@@ -11022,7 +11648,7 @@
         <p:spPr/>
         <p:txBody>
           <a:bodyPr>
-            <a:normAutofit fontScale="92500" lnSpcReduction="10000"/>
+            <a:normAutofit/>
           </a:bodyPr>
           <a:lstStyle/>
           <a:p>
@@ -11119,12 +11745,6 @@
               <a:t>1.0 ~ 2.0</a:t>
             </a:r>
             <a:endParaRPr lang="ru-RU" dirty="0"/>
-          </a:p>
-          <a:p>
-            <a:r>
-              <a:rPr lang="ru-RU" dirty="0"/>
-              <a:t>На практике это приводит к неправильной сортировке массивов содержащих NaNs</a:t>
-            </a:r>
           </a:p>
           <a:p>
             <a:endParaRPr lang="en-US" dirty="0"/>
@@ -11249,6 +11869,9 @@
             </a:r>
           </a:p>
           <a:p>
+            <a:endParaRPr lang="en-US" dirty="0"/>
+          </a:p>
+          <a:p>
             <a:pPr marL="457200" lvl="1" indent="0">
               <a:buNone/>
             </a:pPr>
@@ -11820,7 +12443,12 @@
             <p:ph idx="1"/>
           </p:nvPr>
         </p:nvSpPr>
-        <p:spPr/>
+        <p:spPr>
+          <a:xfrm>
+            <a:off x="838200" y="2293711"/>
+            <a:ext cx="10515600" cy="4351338"/>
+          </a:xfrm>
+        </p:spPr>
         <p:txBody>
           <a:bodyPr/>
           <a:lstStyle/>
@@ -11836,7 +12464,7 @@
                 <a:latin typeface="Courier New" panose="02070309020205020404" pitchFamily="49" charset="0"/>
                 <a:cs typeface="Courier New" panose="02070309020205020404" pitchFamily="49" charset="0"/>
               </a:rPr>
-              <a:t>[](Object a, Object b) {</a:t>
+              <a:t>auto comp = [](Object a, Object b) {</a:t>
             </a:r>
           </a:p>
           <a:p>
@@ -12085,16 +12713,9 @@
         <p:spPr/>
         <p:txBody>
           <a:bodyPr>
-            <a:normAutofit fontScale="92500" lnSpcReduction="10000"/>
+            <a:normAutofit lnSpcReduction="10000"/>
           </a:bodyPr>
           <a:lstStyle/>
-          <a:p>
-            <a:r>
-              <a:rPr lang="ru-RU" dirty="0"/>
-              <a:t>Наиболее коварная ошибка</a:t>
-            </a:r>
-            <a:endParaRPr lang="en-US" dirty="0"/>
-          </a:p>
           <a:p>
             <a:r>
               <a:rPr lang="ru-RU" dirty="0"/>
@@ -13191,7 +13812,14 @@
           <a:p>
             <a:r>
               <a:rPr lang="ru-RU" dirty="0"/>
-              <a:t>Чекеры компараторов не должны менять алгоритмическую сложность алгоритма (O(N*logN)) и поэтому не могут провести полную проверку корректности</a:t>
+              <a:t>Чекеры компараторов не должны менять алгоритмическую сложность алгоритма O(N*logN)</a:t>
+            </a:r>
+            <a:endParaRPr lang="en-US" dirty="0"/>
+          </a:p>
+          <a:p>
+            <a:r>
+              <a:rPr lang="ru-RU" dirty="0"/>
+              <a:t>И поэтому не могут провести полную проверку корректности</a:t>
             </a:r>
           </a:p>
           <a:p>
@@ -14247,6 +14875,15 @@
             <a:pPr marL="457200" lvl="1" indent="0">
               <a:buNone/>
             </a:pPr>
+            <a:endParaRPr lang="en-US" sz="2000" dirty="0">
+              <a:latin typeface="Courier New" panose="02070309020205020404" pitchFamily="49" charset="0"/>
+              <a:cs typeface="Courier New" panose="02070309020205020404" pitchFamily="49" charset="0"/>
+            </a:endParaRPr>
+          </a:p>
+          <a:p>
+            <a:pPr marL="457200" lvl="1" indent="0">
+              <a:buNone/>
+            </a:pPr>
             <a:r>
               <a:rPr lang="en-US" sz="2000" dirty="0">
                 <a:latin typeface="Courier New" panose="02070309020205020404" pitchFamily="49" charset="0"/>
@@ -14604,7 +15241,7 @@
         <p:spPr/>
         <p:txBody>
           <a:bodyPr>
-            <a:normAutofit fontScale="92500"/>
+            <a:normAutofit lnSpcReduction="10000"/>
           </a:bodyPr>
           <a:lstStyle/>
           <a:p>
@@ -14662,26 +15299,23 @@
           <a:p>
             <a:r>
               <a:rPr lang="ru-RU" dirty="0"/>
-              <a:t>Пока не интегрирован в </a:t>
+              <a:t>Возможно будет интегрирован в </a:t>
+            </a:r>
+            <a:r>
+              <a:rPr lang="en-US" dirty="0" err="1"/>
+              <a:t>libc</a:t>
+            </a:r>
+            <a:r>
+              <a:rPr lang="en-US" dirty="0"/>
+              <a:t>++ </a:t>
+            </a:r>
+            <a:r>
+              <a:rPr lang="ru-RU" dirty="0"/>
+              <a:t>и </a:t>
             </a:r>
             <a:r>
               <a:rPr lang="en-US" dirty="0" err="1"/>
               <a:t>SortChecker</a:t>
-            </a:r>
-            <a:endParaRPr lang="en-US" dirty="0"/>
-          </a:p>
-          <a:p>
-            <a:r>
-              <a:rPr lang="ru-RU" dirty="0"/>
-              <a:t>Возможно будет интегрирован в </a:t>
-            </a:r>
-            <a:r>
-              <a:rPr lang="en-US" dirty="0" err="1"/>
-              <a:t>libc</a:t>
-            </a:r>
-            <a:r>
-              <a:rPr lang="en-US" dirty="0"/>
-              <a:t>++</a:t>
             </a:r>
             <a:endParaRPr lang="ru-RU" dirty="0"/>
           </a:p>
@@ -14725,7 +15359,7 @@
           <p:cNvPr id="2" name="Title 1">
             <a:extLst>
               <a:ext uri="{FF2B5EF4-FFF2-40B4-BE49-F238E27FC236}">
-                <a16:creationId xmlns:a16="http://schemas.microsoft.com/office/drawing/2014/main" id="{E3D5795D-7F53-4AE1-BCD3-E31732F4E19B}"/>
+                <a16:creationId xmlns:a16="http://schemas.microsoft.com/office/drawing/2014/main" id="{98837C8A-F603-42F7-AC33-9EBA279193DF}"/>
               </a:ext>
             </a:extLst>
           </p:cNvPr>
@@ -14743,7 +15377,7 @@
           <a:p>
             <a:r>
               <a:rPr lang="ru-RU" dirty="0"/>
-              <a:t>Другие типы ошибок в компараторных API</a:t>
+              <a:t>Что почитать</a:t>
             </a:r>
             <a:endParaRPr lang="en-US" dirty="0"/>
           </a:p>
@@ -14754,7 +15388,7 @@
           <p:cNvPr id="3" name="Content Placeholder 2">
             <a:extLst>
               <a:ext uri="{FF2B5EF4-FFF2-40B4-BE49-F238E27FC236}">
-                <a16:creationId xmlns:a16="http://schemas.microsoft.com/office/drawing/2014/main" id="{AA227CD4-DE96-4DD8-81A3-3E6458D822A6}"/>
+                <a16:creationId xmlns:a16="http://schemas.microsoft.com/office/drawing/2014/main" id="{6BEF2B0C-DEB6-403A-A327-A9DABD7F44CE}"/>
               </a:ext>
             </a:extLst>
           </p:cNvPr>
@@ -14771,101 +15405,39 @@
           <a:lstStyle/>
           <a:p>
             <a:r>
-              <a:rPr lang="ru-RU" dirty="0"/>
-              <a:t>Неотсортированные массивы в </a:t>
-            </a:r>
-            <a:r>
-              <a:rPr lang="en-US" dirty="0"/>
-              <a:t>API </a:t>
-            </a:r>
-            <a:r>
-              <a:rPr lang="ru-RU" dirty="0"/>
-              <a:t>типа </a:t>
-            </a:r>
-            <a:r>
-              <a:rPr lang="en-US" dirty="0">
-                <a:latin typeface="Courier New" panose="02070309020205020404" pitchFamily="49" charset="0"/>
-                <a:cs typeface="Courier New" panose="02070309020205020404" pitchFamily="49" charset="0"/>
-              </a:rPr>
-              <a:t>std::</a:t>
-            </a:r>
-            <a:r>
-              <a:rPr lang="en-US" dirty="0" err="1">
-                <a:latin typeface="Courier New" panose="02070309020205020404" pitchFamily="49" charset="0"/>
-                <a:cs typeface="Courier New" panose="02070309020205020404" pitchFamily="49" charset="0"/>
-              </a:rPr>
-              <a:t>binary_search</a:t>
-            </a:r>
-            <a:endParaRPr lang="en-US" dirty="0">
-              <a:latin typeface="Courier New" panose="02070309020205020404" pitchFamily="49" charset="0"/>
-              <a:cs typeface="Courier New" panose="02070309020205020404" pitchFamily="49" charset="0"/>
-            </a:endParaRPr>
-          </a:p>
-          <a:p>
-            <a:pPr lvl="1"/>
-            <a:r>
-              <a:rPr lang="ru-RU" dirty="0"/>
-              <a:t>поддерживается в </a:t>
+              <a:rPr lang="en-US" dirty="0"/>
+              <a:t>Danila </a:t>
             </a:r>
             <a:r>
               <a:rPr lang="en-US" dirty="0" err="1"/>
-              <a:t>SortChecker</a:t>
-            </a:r>
-            <a:r>
-              <a:rPr lang="en-US" dirty="0"/>
-              <a:t>/</a:t>
-            </a:r>
-            <a:r>
-              <a:rPr lang="en-US" dirty="0" err="1"/>
-              <a:t>SortChecker</a:t>
-            </a:r>
-            <a:r>
-              <a:rPr lang="en-US" dirty="0"/>
-              <a:t>++</a:t>
-            </a:r>
-          </a:p>
-          <a:p>
-            <a:r>
-              <a:rPr lang="ru-RU" dirty="0"/>
-              <a:t>Неопределённый порядок сортировки эквивалентных элементов</a:t>
-            </a:r>
-          </a:p>
-          <a:p>
-            <a:pPr lvl="1"/>
-            <a:r>
-              <a:rPr lang="ru-RU" dirty="0"/>
-              <a:t>проверяется в </a:t>
-            </a:r>
-            <a:r>
-              <a:rPr lang="en-US" dirty="0" err="1"/>
-              <a:t>libc</a:t>
-            </a:r>
-            <a:r>
-              <a:rPr lang="en-US" dirty="0"/>
-              <a:t>++ </a:t>
-            </a:r>
-            <a:r>
-              <a:rPr lang="ru-RU" dirty="0"/>
-              <a:t>с помощью рандомизации</a:t>
+              <a:t>Kutenin</a:t>
+            </a:r>
+            <a:r>
+              <a:rPr lang="en-US" dirty="0"/>
+              <a:t> </a:t>
+            </a:r>
+            <a:r>
+              <a:rPr lang="en-US" dirty="0">
+                <a:hlinkClick r:id="rId2"/>
+              </a:rPr>
+              <a:t>Changing std::sort at Google’s Scale and Beyond</a:t>
             </a:r>
             <a:endParaRPr lang="en-US" dirty="0"/>
           </a:p>
           <a:p>
-            <a:pPr lvl="1"/>
-            <a:r>
-              <a:rPr lang="ru-RU" dirty="0">
-                <a:latin typeface="Courier New" panose="02070309020205020404" pitchFamily="49" charset="0"/>
-                <a:cs typeface="Courier New" panose="02070309020205020404" pitchFamily="49" charset="0"/>
-              </a:rPr>
-              <a:t>-</a:t>
-            </a:r>
-            <a:r>
-              <a:rPr lang="en-US" dirty="0">
-                <a:latin typeface="Courier New" panose="02070309020205020404" pitchFamily="49" charset="0"/>
-                <a:cs typeface="Courier New" panose="02070309020205020404" pitchFamily="49" charset="0"/>
-              </a:rPr>
-              <a:t>D_LIBCPP_DEBUG_RANDOMIZE_UNSPECIFIED_STABILITY_SEED</a:t>
-            </a:r>
+            <a:r>
+              <a:rPr lang="en-US" dirty="0"/>
+              <a:t>Jonathan Müller </a:t>
+            </a:r>
+            <a:r>
+              <a:rPr lang="en-US" dirty="0">
+                <a:hlinkClick r:id="rId3"/>
+              </a:rPr>
+              <a:t>Mathematics behind Comparison</a:t>
+            </a:r>
+            <a:endParaRPr lang="en-US" dirty="0"/>
+          </a:p>
+          <a:p>
             <a:endParaRPr lang="en-US" dirty="0"/>
           </a:p>
         </p:txBody>
@@ -14873,7 +15445,7 @@
     </p:spTree>
     <p:extLst>
       <p:ext uri="{BB962C8B-B14F-4D97-AF65-F5344CB8AC3E}">
-        <p14:creationId xmlns:p14="http://schemas.microsoft.com/office/powerpoint/2010/main" val="453513218"/>
+        <p14:creationId xmlns:p14="http://schemas.microsoft.com/office/powerpoint/2010/main" val="88266572"/>
       </p:ext>
     </p:extLst>
   </p:cSld>
@@ -14905,7 +15477,7 @@
           <p:cNvPr id="2" name="Title 1">
             <a:extLst>
               <a:ext uri="{FF2B5EF4-FFF2-40B4-BE49-F238E27FC236}">
-                <a16:creationId xmlns:a16="http://schemas.microsoft.com/office/drawing/2014/main" id="{98837C8A-F603-42F7-AC33-9EBA279193DF}"/>
+                <a16:creationId xmlns:a16="http://schemas.microsoft.com/office/drawing/2014/main" id="{FB27C366-F1FD-4880-B503-F75FA2AB3EA0}"/>
               </a:ext>
             </a:extLst>
           </p:cNvPr>
@@ -14923,7 +15495,7 @@
           <a:p>
             <a:r>
               <a:rPr lang="ru-RU" dirty="0"/>
-              <a:t>Что почитать</a:t>
+              <a:t>Рекомендации</a:t>
             </a:r>
             <a:endParaRPr lang="en-US" dirty="0"/>
           </a:p>
@@ -14934,7 +15506,7 @@
           <p:cNvPr id="3" name="Content Placeholder 2">
             <a:extLst>
               <a:ext uri="{FF2B5EF4-FFF2-40B4-BE49-F238E27FC236}">
-                <a16:creationId xmlns:a16="http://schemas.microsoft.com/office/drawing/2014/main" id="{6BEF2B0C-DEB6-403A-A327-A9DABD7F44CE}"/>
+                <a16:creationId xmlns:a16="http://schemas.microsoft.com/office/drawing/2014/main" id="{B6A123D4-600E-41B8-800A-B2AF29703F6B}"/>
               </a:ext>
             </a:extLst>
           </p:cNvPr>
@@ -14951,39 +15523,74 @@
           <a:lstStyle/>
           <a:p>
             <a:r>
-              <a:rPr lang="en-US" dirty="0"/>
-              <a:t>Danila </a:t>
-            </a:r>
-            <a:r>
-              <a:rPr lang="en-US" dirty="0" err="1"/>
-              <a:t>Kutenin</a:t>
-            </a:r>
-            <a:r>
-              <a:rPr lang="en-US" dirty="0"/>
-              <a:t> </a:t>
-            </a:r>
-            <a:r>
-              <a:rPr lang="en-US" dirty="0">
-                <a:hlinkClick r:id="rId2"/>
-              </a:rPr>
-              <a:t>Changing std::sort at Google’s Scale and Beyond</a:t>
+              <a:rPr lang="ru-RU" dirty="0"/>
+              <a:t>Избегайте типичных ошибок в работе</a:t>
             </a:r>
             <a:endParaRPr lang="en-US" dirty="0"/>
           </a:p>
           <a:p>
             <a:r>
-              <a:rPr lang="en-US" dirty="0"/>
-              <a:t>Jonathan Müller </a:t>
-            </a:r>
-            <a:r>
-              <a:rPr lang="en-US" dirty="0">
-                <a:hlinkClick r:id="rId3"/>
-              </a:rPr>
-              <a:t>Mathematics behind Comparison</a:t>
-            </a:r>
-            <a:endParaRPr lang="en-US" dirty="0"/>
-          </a:p>
-          <a:p>
+              <a:rPr lang="ru-RU" dirty="0"/>
+              <a:t>Включите </a:t>
+            </a:r>
+            <a:r>
+              <a:rPr lang="en-US" dirty="0">
+                <a:latin typeface="Courier New" panose="02070309020205020404" pitchFamily="49" charset="0"/>
+                <a:cs typeface="Courier New" panose="02070309020205020404" pitchFamily="49" charset="0"/>
+              </a:rPr>
+              <a:t>_G</a:t>
+            </a:r>
+            <a:r>
+              <a:rPr lang="ru-RU" dirty="0">
+                <a:latin typeface="Courier New" panose="02070309020205020404" pitchFamily="49" charset="0"/>
+                <a:cs typeface="Courier New" panose="02070309020205020404" pitchFamily="49" charset="0"/>
+              </a:rPr>
+              <a:t>LIBCXX_DEBUG</a:t>
+            </a:r>
+            <a:r>
+              <a:rPr lang="ru-RU" dirty="0"/>
+              <a:t> и </a:t>
+            </a:r>
+            <a:r>
+              <a:rPr lang="ru-RU" dirty="0">
+                <a:latin typeface="Courier New" panose="02070309020205020404" pitchFamily="49" charset="0"/>
+                <a:cs typeface="Courier New" panose="02070309020205020404" pitchFamily="49" charset="0"/>
+              </a:rPr>
+              <a:t>_LIBCPP_ENABLE_DEBUG_MODE</a:t>
+            </a:r>
+            <a:r>
+              <a:rPr lang="ru-RU" dirty="0"/>
+              <a:t> в своём CI</a:t>
+            </a:r>
+          </a:p>
+          <a:p>
+            <a:r>
+              <a:rPr lang="ru-RU" dirty="0"/>
+              <a:t>Примените Sort</a:t>
+            </a:r>
+            <a:r>
+              <a:rPr lang="en-US" dirty="0"/>
+              <a:t>C</a:t>
+            </a:r>
+            <a:r>
+              <a:rPr lang="ru-RU" dirty="0"/>
+              <a:t>hecker и Sort</a:t>
+            </a:r>
+            <a:r>
+              <a:rPr lang="en-US" dirty="0"/>
+              <a:t>C</a:t>
+            </a:r>
+            <a:r>
+              <a:rPr lang="ru-RU" dirty="0"/>
+              <a:t>hecker++ к своему коду</a:t>
+            </a:r>
+          </a:p>
+          <a:p>
+            <a:pPr lvl="1"/>
+            <a:r>
+              <a:rPr lang="ru-RU" dirty="0"/>
+              <a:t>Сообщения об ошибках и дополнения приветствуются!</a:t>
+            </a:r>
             <a:endParaRPr lang="en-US" dirty="0"/>
           </a:p>
         </p:txBody>
@@ -14991,7 +15598,7 @@
     </p:spTree>
     <p:extLst>
       <p:ext uri="{BB962C8B-B14F-4D97-AF65-F5344CB8AC3E}">
-        <p14:creationId xmlns:p14="http://schemas.microsoft.com/office/powerpoint/2010/main" val="88266572"/>
+        <p14:creationId xmlns:p14="http://schemas.microsoft.com/office/powerpoint/2010/main" val="1454724109"/>
       </p:ext>
     </p:extLst>
   </p:cSld>
@@ -15023,7 +15630,7 @@
           <p:cNvPr id="2" name="Title 1">
             <a:extLst>
               <a:ext uri="{FF2B5EF4-FFF2-40B4-BE49-F238E27FC236}">
-                <a16:creationId xmlns:a16="http://schemas.microsoft.com/office/drawing/2014/main" id="{FB27C366-F1FD-4880-B503-F75FA2AB3EA0}"/>
+                <a16:creationId xmlns:a16="http://schemas.microsoft.com/office/drawing/2014/main" id="{E3D5795D-7F53-4AE1-BCD3-E31732F4E19B}"/>
               </a:ext>
             </a:extLst>
           </p:cNvPr>
@@ -15041,7 +15648,7 @@
           <a:p>
             <a:r>
               <a:rPr lang="ru-RU" dirty="0"/>
-              <a:t>Рекомендации</a:t>
+              <a:t>Другие типы ошибок в компараторных API</a:t>
             </a:r>
             <a:endParaRPr lang="en-US" dirty="0"/>
           </a:p>
@@ -15052,7 +15659,7 @@
           <p:cNvPr id="3" name="Content Placeholder 2">
             <a:extLst>
               <a:ext uri="{FF2B5EF4-FFF2-40B4-BE49-F238E27FC236}">
-                <a16:creationId xmlns:a16="http://schemas.microsoft.com/office/drawing/2014/main" id="{B6A123D4-600E-41B8-800A-B2AF29703F6B}"/>
+                <a16:creationId xmlns:a16="http://schemas.microsoft.com/office/drawing/2014/main" id="{AA227CD4-DE96-4DD8-81A3-3E6458D822A6}"/>
               </a:ext>
             </a:extLst>
           </p:cNvPr>
@@ -15070,72 +15677,99 @@
           <a:p>
             <a:r>
               <a:rPr lang="ru-RU" dirty="0"/>
-              <a:t>Избегайте типичных ошибок в работе</a:t>
+              <a:t>Неотсортированные массивы в </a:t>
+            </a:r>
+            <a:r>
+              <a:rPr lang="en-US" dirty="0"/>
+              <a:t>API </a:t>
+            </a:r>
+            <a:r>
+              <a:rPr lang="ru-RU" dirty="0"/>
+              <a:t>типа </a:t>
+            </a:r>
+            <a:r>
+              <a:rPr lang="en-US" dirty="0">
+                <a:latin typeface="Courier New" panose="02070309020205020404" pitchFamily="49" charset="0"/>
+                <a:cs typeface="Courier New" panose="02070309020205020404" pitchFamily="49" charset="0"/>
+              </a:rPr>
+              <a:t>std::</a:t>
+            </a:r>
+            <a:r>
+              <a:rPr lang="en-US" dirty="0" err="1">
+                <a:latin typeface="Courier New" panose="02070309020205020404" pitchFamily="49" charset="0"/>
+                <a:cs typeface="Courier New" panose="02070309020205020404" pitchFamily="49" charset="0"/>
+              </a:rPr>
+              <a:t>binary_search</a:t>
+            </a:r>
+            <a:endParaRPr lang="en-US" dirty="0">
+              <a:latin typeface="Courier New" panose="02070309020205020404" pitchFamily="49" charset="0"/>
+              <a:cs typeface="Courier New" panose="02070309020205020404" pitchFamily="49" charset="0"/>
+            </a:endParaRPr>
+          </a:p>
+          <a:p>
+            <a:pPr lvl="1"/>
+            <a:r>
+              <a:rPr lang="ru-RU" dirty="0"/>
+              <a:t>поддерживается в </a:t>
+            </a:r>
+            <a:r>
+              <a:rPr lang="en-US" dirty="0" err="1"/>
+              <a:t>SortChecker</a:t>
+            </a:r>
+            <a:r>
+              <a:rPr lang="en-US" dirty="0"/>
+              <a:t>/</a:t>
+            </a:r>
+            <a:r>
+              <a:rPr lang="en-US" dirty="0" err="1"/>
+              <a:t>SortChecker</a:t>
+            </a:r>
+            <a:r>
+              <a:rPr lang="en-US" dirty="0"/>
+              <a:t>++</a:t>
+            </a:r>
+          </a:p>
+          <a:p>
+            <a:r>
+              <a:rPr lang="ru-RU" dirty="0"/>
+              <a:t>Неопределённый порядок сортировки эквивалентных элементов</a:t>
+            </a:r>
+          </a:p>
+          <a:p>
+            <a:pPr lvl="1"/>
+            <a:r>
+              <a:rPr lang="ru-RU" dirty="0"/>
+              <a:t>проверяется в </a:t>
+            </a:r>
+            <a:r>
+              <a:rPr lang="en-US" dirty="0" err="1"/>
+              <a:t>libc</a:t>
+            </a:r>
+            <a:r>
+              <a:rPr lang="en-US" dirty="0"/>
+              <a:t>++ </a:t>
+            </a:r>
+            <a:r>
+              <a:rPr lang="ru-RU" dirty="0"/>
+              <a:t>с помощью рандомизации</a:t>
             </a:r>
             <a:endParaRPr lang="en-US" dirty="0"/>
           </a:p>
           <a:p>
-            <a:r>
-              <a:rPr lang="ru-RU" dirty="0"/>
-              <a:t>Включите </a:t>
-            </a:r>
-            <a:r>
-              <a:rPr lang="en-US" dirty="0">
-                <a:latin typeface="Courier New" panose="02070309020205020404" pitchFamily="49" charset="0"/>
-                <a:cs typeface="Courier New" panose="02070309020205020404" pitchFamily="49" charset="0"/>
-              </a:rPr>
-              <a:t>_G</a:t>
-            </a:r>
+            <a:pPr lvl="1"/>
             <a:r>
               <a:rPr lang="ru-RU" dirty="0">
                 <a:latin typeface="Courier New" panose="02070309020205020404" pitchFamily="49" charset="0"/>
                 <a:cs typeface="Courier New" panose="02070309020205020404" pitchFamily="49" charset="0"/>
               </a:rPr>
-              <a:t>LIBCXX_DEBUG</a:t>
-            </a:r>
-            <a:r>
-              <a:rPr lang="ru-RU" dirty="0"/>
-              <a:t> и </a:t>
-            </a:r>
-            <a:r>
-              <a:rPr lang="ru-RU" dirty="0">
-                <a:latin typeface="Courier New" panose="02070309020205020404" pitchFamily="49" charset="0"/>
-                <a:cs typeface="Courier New" panose="02070309020205020404" pitchFamily="49" charset="0"/>
-              </a:rPr>
-              <a:t>_LIBCPP_ENABLE_DEBUG_MODE</a:t>
-            </a:r>
-            <a:r>
-              <a:rPr lang="ru-RU" dirty="0"/>
-              <a:t> в своём CI</a:t>
-            </a:r>
-          </a:p>
-          <a:p>
-            <a:r>
-              <a:rPr lang="ru-RU" dirty="0"/>
-              <a:t>Примените Sort</a:t>
-            </a:r>
-            <a:r>
-              <a:rPr lang="en-US" dirty="0"/>
-              <a:t>C</a:t>
-            </a:r>
-            <a:r>
-              <a:rPr lang="ru-RU" dirty="0"/>
-              <a:t>hecker и Sort</a:t>
-            </a:r>
-            <a:r>
-              <a:rPr lang="en-US" dirty="0"/>
-              <a:t>C</a:t>
-            </a:r>
-            <a:r>
-              <a:rPr lang="ru-RU" dirty="0"/>
-              <a:t>hecker++ к своему коду</a:t>
-            </a:r>
-          </a:p>
-          <a:p>
-            <a:pPr lvl="1"/>
-            <a:r>
-              <a:rPr lang="ru-RU" dirty="0"/>
-              <a:t>Сообщения об ошибках и дополнения приветствуются!</a:t>
+              <a:t>-</a:t>
+            </a:r>
+            <a:r>
+              <a:rPr lang="en-US" dirty="0">
+                <a:latin typeface="Courier New" panose="02070309020205020404" pitchFamily="49" charset="0"/>
+                <a:cs typeface="Courier New" panose="02070309020205020404" pitchFamily="49" charset="0"/>
+              </a:rPr>
+              <a:t>D_LIBCPP_DEBUG_RANDOMIZE_UNSPECIFIED_STABILITY_SEED</a:t>
             </a:r>
             <a:endParaRPr lang="en-US" dirty="0"/>
           </a:p>
@@ -15144,7 +15778,7 @@
     </p:spTree>
     <p:extLst>
       <p:ext uri="{BB962C8B-B14F-4D97-AF65-F5344CB8AC3E}">
-        <p14:creationId xmlns:p14="http://schemas.microsoft.com/office/powerpoint/2010/main" val="1454724109"/>
+        <p14:creationId xmlns:p14="http://schemas.microsoft.com/office/powerpoint/2010/main" val="453513218"/>
       </p:ext>
     </p:extLst>
   </p:cSld>
@@ -16303,7 +16937,7 @@
         <p:spPr/>
         <p:txBody>
           <a:bodyPr>
-            <a:normAutofit fontScale="85000" lnSpcReduction="20000"/>
+            <a:normAutofit fontScale="77500" lnSpcReduction="20000"/>
           </a:bodyPr>
           <a:lstStyle/>
           <a:p>
@@ -16542,7 +17176,19 @@
                 <a:latin typeface="Courier New" panose="02070309020205020404" pitchFamily="49" charset="0"/>
                 <a:cs typeface="Courier New" panose="02070309020205020404" pitchFamily="49" charset="0"/>
               </a:rPr>
-              <a:t>) std::</a:t>
+              <a:t>)</a:t>
+            </a:r>
+          </a:p>
+          <a:p>
+            <a:pPr marL="0" indent="0">
+              <a:buNone/>
+            </a:pPr>
+            <a:r>
+              <a:rPr lang="en-US" dirty="0">
+                <a:latin typeface="Courier New" panose="02070309020205020404" pitchFamily="49" charset="0"/>
+                <a:cs typeface="Courier New" panose="02070309020205020404" pitchFamily="49" charset="0"/>
+              </a:rPr>
+              <a:t>    std::</a:t>
             </a:r>
             <a:r>
               <a:rPr lang="en-US" dirty="0" err="1">

--- a/2023/RU.pptx
+++ b/2023/RU.pptx
@@ -261,7 +261,7 @@
           <a:p>
             <a:fld id="{A36A2EB4-42A0-4A9F-94AC-04D10C1F231A}" type="datetimeFigureOut">
               <a:rPr lang="en-US" smtClean="0"/>
-              <a:t>4/30/2023</a:t>
+              <a:t>5/1/2023</a:t>
             </a:fld>
             <a:endParaRPr lang="en-US"/>
           </a:p>
@@ -747,7 +747,16 @@
           <a:p>
             <a:r>
               <a:rPr lang="ru-RU" dirty="0"/>
-              <a:t>Каждая аксиома имеет довольно естественную интерпретацию в реальном мире. Например третья аксиома говорит что нельзя отсортировать элементы в игре камень-ножницы-бумага</a:t>
+              <a:t>Каждая аксиома имеет довольно естественную интерпретацию в реальном мире. Если они не выполняются, то сортировка просто не имеет смысла.</a:t>
+            </a:r>
+          </a:p>
+          <a:p>
+            <a:endParaRPr lang="ru-RU" dirty="0"/>
+          </a:p>
+          <a:p>
+            <a:r>
+              <a:rPr lang="ru-RU" dirty="0"/>
+              <a:t>Например третья аксиома говорит что нельзя отсортировать элементы в игре камень-ножницы-бумага</a:t>
             </a:r>
             <a:r>
               <a:rPr lang="en-US" dirty="0"/>
@@ -982,6 +991,15 @@
               <a:rPr lang="ru-RU" dirty="0"/>
               <a:t>Физический смысл отношения эквивалентности не столь очевиден.</a:t>
             </a:r>
+          </a:p>
+          <a:p>
+            <a:endParaRPr lang="ru-RU" dirty="0"/>
+          </a:p>
+          <a:p>
+            <a:r>
+              <a:rPr lang="ru-RU" dirty="0"/>
+              <a:t>Как мы увидим в дальнейшем, транзитивность эквивалентности легко нарушить на практике.</a:t>
+            </a:r>
             <a:endParaRPr lang="en-US" dirty="0"/>
           </a:p>
         </p:txBody>
@@ -1270,8 +1288,12 @@
           <a:lstStyle/>
           <a:p>
             <a:r>
-              <a:rPr lang="en-US" dirty="0"/>
-              <a:t>TODO</a:t>
+              <a:rPr lang="ru-RU" dirty="0"/>
+              <a:t>Что ещё стоит добавить про аксиоматику компараторов</a:t>
+            </a:r>
+            <a:r>
+              <a:rPr lang="en-US" dirty="0"/>
+              <a:t>?</a:t>
             </a:r>
           </a:p>
         </p:txBody>
@@ -2010,7 +2032,15 @@
           <a:p>
             <a:r>
               <a:rPr lang="ru-RU" dirty="0"/>
-              <a:t>Этот паттерн часто встречается и в других ситуациях.</a:t>
+              <a:t>Этот паттерн часто встречается и в других ситуациях</a:t>
+            </a:r>
+            <a:r>
+              <a:rPr lang="en-US" dirty="0"/>
+              <a:t> </a:t>
+            </a:r>
+            <a:r>
+              <a:rPr lang="ru-RU" dirty="0"/>
+              <a:t>в более завуалированной форме.</a:t>
             </a:r>
             <a:endParaRPr lang="en-US" dirty="0"/>
           </a:p>
@@ -3499,7 +3529,7 @@
           <a:p>
             <a:fld id="{83D30A23-1FB6-43A1-891F-95145083C4E9}" type="datetime1">
               <a:rPr lang="en-US" smtClean="0"/>
-              <a:t>4/30/2023</a:t>
+              <a:t>5/1/2023</a:t>
             </a:fld>
             <a:endParaRPr lang="en-US"/>
           </a:p>
@@ -3697,7 +3727,7 @@
           <a:p>
             <a:fld id="{A4B03399-60D8-4226-8AC7-3F159D57E860}" type="datetime1">
               <a:rPr lang="en-US" smtClean="0"/>
-              <a:t>4/30/2023</a:t>
+              <a:t>5/1/2023</a:t>
             </a:fld>
             <a:endParaRPr lang="en-US"/>
           </a:p>
@@ -3905,7 +3935,7 @@
           <a:p>
             <a:fld id="{1A646459-A066-416D-8E21-9D451FB1CBED}" type="datetime1">
               <a:rPr lang="en-US" smtClean="0"/>
-              <a:t>4/30/2023</a:t>
+              <a:t>5/1/2023</a:t>
             </a:fld>
             <a:endParaRPr lang="en-US"/>
           </a:p>
@@ -4103,7 +4133,7 @@
           <a:p>
             <a:fld id="{0636B939-1A2A-498F-9013-EEF28820D750}" type="datetime1">
               <a:rPr lang="en-US" smtClean="0"/>
-              <a:t>4/30/2023</a:t>
+              <a:t>5/1/2023</a:t>
             </a:fld>
             <a:endParaRPr lang="en-US"/>
           </a:p>
@@ -4417,7 +4447,7 @@
           <a:p>
             <a:fld id="{97D3760A-E884-42F2-A44C-F32FAA030BF6}" type="datetime1">
               <a:rPr lang="en-US" smtClean="0"/>
-              <a:t>4/30/2023</a:t>
+              <a:t>5/1/2023</a:t>
             </a:fld>
             <a:endParaRPr lang="en-US"/>
           </a:p>
@@ -4682,7 +4712,7 @@
           <a:p>
             <a:fld id="{4FC7535E-ABF1-4A69-B09E-251EF8B13143}" type="datetime1">
               <a:rPr lang="en-US" smtClean="0"/>
-              <a:t>4/30/2023</a:t>
+              <a:t>5/1/2023</a:t>
             </a:fld>
             <a:endParaRPr lang="en-US"/>
           </a:p>
@@ -5094,7 +5124,7 @@
           <a:p>
             <a:fld id="{CE54BCFC-68A7-4C68-9600-D4AAA16CF9A6}" type="datetime1">
               <a:rPr lang="en-US" smtClean="0"/>
-              <a:t>4/30/2023</a:t>
+              <a:t>5/1/2023</a:t>
             </a:fld>
             <a:endParaRPr lang="en-US"/>
           </a:p>
@@ -5235,7 +5265,7 @@
           <a:p>
             <a:fld id="{0F981744-C4F3-4F58-9E0E-AF6C4E78D03B}" type="datetime1">
               <a:rPr lang="en-US" smtClean="0"/>
-              <a:t>4/30/2023</a:t>
+              <a:t>5/1/2023</a:t>
             </a:fld>
             <a:endParaRPr lang="en-US"/>
           </a:p>
@@ -5348,7 +5378,7 @@
           <a:p>
             <a:fld id="{98ED47E1-EA96-4683-9629-E838295B20BC}" type="datetime1">
               <a:rPr lang="en-US" smtClean="0"/>
-              <a:t>4/30/2023</a:t>
+              <a:t>5/1/2023</a:t>
             </a:fld>
             <a:endParaRPr lang="en-US"/>
           </a:p>
@@ -5659,7 +5689,7 @@
           <a:p>
             <a:fld id="{2F2A1627-B435-455B-A0CA-0808E5748D61}" type="datetime1">
               <a:rPr lang="en-US" smtClean="0"/>
-              <a:t>4/30/2023</a:t>
+              <a:t>5/1/2023</a:t>
             </a:fld>
             <a:endParaRPr lang="en-US"/>
           </a:p>
@@ -5947,7 +5977,7 @@
           <a:p>
             <a:fld id="{FE11CB43-EB9E-4C41-ACD2-0EC61FB429F2}" type="datetime1">
               <a:rPr lang="en-US" smtClean="0"/>
-              <a:t>4/30/2023</a:t>
+              <a:t>5/1/2023</a:t>
             </a:fld>
             <a:endParaRPr lang="en-US"/>
           </a:p>
@@ -6188,7 +6218,7 @@
           <a:p>
             <a:fld id="{CC0B8F92-0932-40E4-878B-3E2E4AAA6810}" type="datetime1">
               <a:rPr lang="en-US" smtClean="0"/>
-              <a:t>4/30/2023</a:t>
+              <a:t>5/1/2023</a:t>
             </a:fld>
             <a:endParaRPr lang="en-US"/>
           </a:p>
@@ -9768,7 +9798,7 @@
         </p:nvSpPr>
         <p:spPr>
           <a:xfrm>
-            <a:off x="6096000" y="1538287"/>
+            <a:off x="6096000" y="1690688"/>
             <a:ext cx="5878286" cy="4100513"/>
           </a:xfrm>
           <a:prstGeom prst="rect">
@@ -13940,7 +13970,15 @@
           <a:p>
             <a:r>
               <a:rPr lang="ru-RU" dirty="0"/>
-              <a:t>Используются различными алгоритмами и контейнерами стандартной библиотеки для упорядочения объектов</a:t>
+              <a:t>Используются различными алгоритмами и контейнерами стандартной библиотеки для упорядочения</a:t>
+            </a:r>
+            <a:r>
+              <a:rPr lang="en-US" dirty="0"/>
+              <a:t>/</a:t>
+            </a:r>
+            <a:r>
+              <a:rPr lang="ru-RU" dirty="0"/>
+              <a:t>поиска объектов</a:t>
             </a:r>
             <a:endParaRPr lang="en-US" dirty="0"/>
           </a:p>

--- a/2023/RU.pptx
+++ b/2023/RU.pptx
@@ -261,7 +261,7 @@
           <a:p>
             <a:fld id="{A36A2EB4-42A0-4A9F-94AC-04D10C1F231A}" type="datetimeFigureOut">
               <a:rPr lang="en-US" smtClean="0"/>
-              <a:t>5/1/2023</a:t>
+              <a:t>5/2/2023</a:t>
             </a:fld>
             <a:endParaRPr lang="en-US"/>
           </a:p>
@@ -678,7 +678,7 @@
           <a:p>
             <a:r>
               <a:rPr lang="ru-RU" dirty="0"/>
-              <a:t>Что же это за правила</a:t>
+              <a:t>Как избежать подобных ошибок</a:t>
             </a:r>
             <a:r>
               <a:rPr lang="en-US" dirty="0"/>
@@ -691,85 +691,51 @@
           <a:p>
             <a:r>
               <a:rPr lang="ru-RU" dirty="0"/>
-              <a:t>Кратко</a:t>
-            </a:r>
-            <a:r>
-              <a:rPr lang="en-US" dirty="0"/>
-              <a:t>: </a:t>
-            </a:r>
-            <a:r>
-              <a:rPr lang="ru-RU" dirty="0"/>
-              <a:t>компаратор ведёт себя как </a:t>
-            </a:r>
-            <a:r>
-              <a:rPr lang="en-US" dirty="0"/>
-              <a:t>“</a:t>
-            </a:r>
-            <a:r>
-              <a:rPr lang="ru-RU" dirty="0"/>
-              <a:t>нормальный</a:t>
-            </a:r>
-            <a:r>
-              <a:rPr lang="en-US" dirty="0"/>
-              <a:t>”</a:t>
-            </a:r>
-            <a:r>
-              <a:rPr lang="ru-RU" dirty="0"/>
-              <a:t> </a:t>
-            </a:r>
-            <a:r>
-              <a:rPr lang="en-US" dirty="0">
-                <a:latin typeface="Courier New" panose="02070309020205020404" pitchFamily="49" charset="0"/>
-                <a:cs typeface="Courier New" panose="02070309020205020404" pitchFamily="49" charset="0"/>
-              </a:rPr>
-              <a:t>operator&lt;.</a:t>
-            </a:r>
-          </a:p>
-          <a:p>
-            <a:endParaRPr lang="en-US" dirty="0">
-              <a:latin typeface="Courier New" panose="02070309020205020404" pitchFamily="49" charset="0"/>
-              <a:cs typeface="Courier New" panose="02070309020205020404" pitchFamily="49" charset="0"/>
-            </a:endParaRPr>
-          </a:p>
-          <a:p>
-            <a:r>
-              <a:rPr lang="ru-RU" dirty="0"/>
-              <a:t>Можно обойтись двумя аксиомами, но обычно для ясности выписывают все три</a:t>
-            </a:r>
-            <a:r>
-              <a:rPr lang="en-US" dirty="0"/>
-              <a:t>.</a:t>
-            </a:r>
-          </a:p>
-          <a:p>
+              <a:t>Компараторы должны удовлетворять набору правил, называемых аксиомами.</a:t>
+            </a:r>
             <a:endParaRPr lang="en-US" dirty="0"/>
           </a:p>
           <a:p>
-            <a:r>
-              <a:rPr lang="ru-RU" dirty="0"/>
-              <a:t>Каждая аксиома имеет довольно естественную интерпретацию в реальном мире. Если они не выполняются, то сортировка просто не имеет смысла.</a:t>
-            </a:r>
-          </a:p>
-          <a:p>
+            <a:endParaRPr lang="en-US" dirty="0"/>
+          </a:p>
+          <a:p>
+            <a:r>
+              <a:rPr lang="ru-RU" dirty="0"/>
+              <a:t>По сути эти правила задают минимальные требования, при которых можно непротиворечиво и эффективно упорядочить элементы множества</a:t>
+            </a:r>
+            <a:endParaRPr lang="en-US" dirty="0"/>
+          </a:p>
+          <a:p>
+            <a:endParaRPr lang="en-US" dirty="0"/>
+          </a:p>
+          <a:p>
+            <a:pPr marL="0" marR="0" lvl="0" indent="0" algn="l" defTabSz="914400" rtl="0" eaLnBrk="1" fontAlgn="auto" latinLnBrk="0" hangingPunct="1">
+              <a:lnSpc>
+                <a:spcPct val="100000"/>
+              </a:lnSpc>
+              <a:spcBef>
+                <a:spcPts val="0"/>
+              </a:spcBef>
+              <a:spcAft>
+                <a:spcPts val="0"/>
+              </a:spcAft>
+              <a:buClrTx/>
+              <a:buSzTx/>
+              <a:buFontTx/>
+              <a:buNone/>
+              <a:tabLst/>
+              <a:defRPr/>
+            </a:pPr>
+            <a:r>
+              <a:rPr lang="en-US" dirty="0">
+                <a:hlinkClick r:id="rId3"/>
+              </a:rPr>
+              <a:t>https://en.cppreference.com/w/cpp/named_req/Compare</a:t>
+            </a:r>
             <a:endParaRPr lang="ru-RU" dirty="0"/>
           </a:p>
           <a:p>
-            <a:r>
-              <a:rPr lang="ru-RU" dirty="0"/>
-              <a:t>Например третья аксиома говорит что нельзя отсортировать элементы в игре камень-ножницы-бумага</a:t>
-            </a:r>
-            <a:r>
-              <a:rPr lang="en-US" dirty="0"/>
-              <a:t> (</a:t>
-            </a:r>
-            <a:r>
-              <a:rPr lang="ru-RU" dirty="0"/>
-              <a:t>там невозможно сформировать возрастающую последовательность элементов)</a:t>
-            </a:r>
-            <a:r>
-              <a:rPr lang="en-US" dirty="0"/>
-              <a:t>.</a:t>
-            </a:r>
+            <a:endParaRPr lang="en-US" dirty="0"/>
           </a:p>
         </p:txBody>
       </p:sp>
@@ -790,7 +756,7 @@
           <a:p>
             <a:fld id="{3AC94D10-082F-46D7-A834-266F9222130F}" type="slidenum">
               <a:rPr lang="en-US" smtClean="0"/>
-              <a:t>15</a:t>
+              <a:t>14</a:t>
             </a:fld>
             <a:endParaRPr lang="en-US"/>
           </a:p>
@@ -799,7 +765,7 @@
     </p:spTree>
     <p:extLst>
       <p:ext uri="{BB962C8B-B14F-4D97-AF65-F5344CB8AC3E}">
-        <p14:creationId xmlns:p14="http://schemas.microsoft.com/office/powerpoint/2010/main" val="2917169910"/>
+        <p14:creationId xmlns:p14="http://schemas.microsoft.com/office/powerpoint/2010/main" val="3647935431"/>
       </p:ext>
     </p:extLst>
   </p:cSld>
@@ -855,27 +821,98 @@
           <a:p>
             <a:r>
               <a:rPr lang="ru-RU" dirty="0"/>
-              <a:t>Перед тем как ввести четвертую аксиому введём ещё одно понятние – отношение эквивалентности, связанное с компаратором. Два элемента считаются эквивалентными, если ни один их ниъ не меньше другого.</a:t>
-            </a:r>
+              <a:t>Что же это за правила</a:t>
+            </a:r>
+            <a:r>
+              <a:rPr lang="en-US" dirty="0"/>
+              <a:t>?</a:t>
+            </a:r>
+          </a:p>
+          <a:p>
             <a:endParaRPr lang="en-US" dirty="0"/>
           </a:p>
           <a:p>
+            <a:r>
+              <a:rPr lang="ru-RU" dirty="0"/>
+              <a:t>Кратко</a:t>
+            </a:r>
+            <a:r>
+              <a:rPr lang="en-US" dirty="0"/>
+              <a:t>: </a:t>
+            </a:r>
+            <a:r>
+              <a:rPr lang="ru-RU" dirty="0"/>
+              <a:t>компаратор ведёт себя как </a:t>
+            </a:r>
+            <a:r>
+              <a:rPr lang="en-US" dirty="0"/>
+              <a:t>“</a:t>
+            </a:r>
+            <a:r>
+              <a:rPr lang="ru-RU" dirty="0"/>
+              <a:t>нормальный</a:t>
+            </a:r>
+            <a:r>
+              <a:rPr lang="en-US" dirty="0"/>
+              <a:t>”</a:t>
+            </a:r>
+            <a:r>
+              <a:rPr lang="ru-RU" dirty="0"/>
+              <a:t> </a:t>
+            </a:r>
+            <a:r>
+              <a:rPr lang="en-US" dirty="0">
+                <a:latin typeface="Courier New" panose="02070309020205020404" pitchFamily="49" charset="0"/>
+                <a:cs typeface="Courier New" panose="02070309020205020404" pitchFamily="49" charset="0"/>
+              </a:rPr>
+              <a:t>operator&lt;.</a:t>
+            </a:r>
+          </a:p>
+          <a:p>
+            <a:endParaRPr lang="en-US" dirty="0">
+              <a:latin typeface="Courier New" panose="02070309020205020404" pitchFamily="49" charset="0"/>
+              <a:cs typeface="Courier New" panose="02070309020205020404" pitchFamily="49" charset="0"/>
+            </a:endParaRPr>
+          </a:p>
+          <a:p>
+            <a:r>
+              <a:rPr lang="ru-RU" dirty="0"/>
+              <a:t>Можно обойтись двумя аксиомами, но обычно для ясности выписывают все три</a:t>
+            </a:r>
+            <a:r>
+              <a:rPr lang="en-US" dirty="0"/>
+              <a:t>.</a:t>
+            </a:r>
+          </a:p>
+          <a:p>
             <a:endParaRPr lang="en-US" dirty="0"/>
           </a:p>
           <a:p>
             <a:r>
               <a:rPr lang="ru-RU" dirty="0"/>
-              <a:t>Оператор эквивалентности ведёт себя схожим образом с оператором сравнения </a:t>
-            </a:r>
-            <a:r>
-              <a:rPr lang="en-US" dirty="0"/>
-              <a:t>(operator==), </a:t>
-            </a:r>
-            <a:r>
-              <a:rPr lang="ru-RU" dirty="0"/>
-              <a:t>но вообще говоря отличается от него. Например компаратор может сравнивать только подмножество полей класса или сравнивать производные атрибуты класса.</a:t>
-            </a:r>
-            <a:endParaRPr lang="en-US" dirty="0"/>
+              <a:t>Каждая аксиома имеет довольно естественную интерпретацию в реальном мире. Если они не выполняются, то сортировка просто не имеет смысла.</a:t>
+            </a:r>
+          </a:p>
+          <a:p>
+            <a:endParaRPr lang="ru-RU" dirty="0"/>
+          </a:p>
+          <a:p>
+            <a:r>
+              <a:rPr lang="ru-RU" dirty="0"/>
+              <a:t>Например третья аксиома говорит что нельзя отсортировать элементы в игре камень-ножницы-бумага</a:t>
+            </a:r>
+            <a:r>
+              <a:rPr lang="en-US" dirty="0"/>
+              <a:t> (</a:t>
+            </a:r>
+            <a:r>
+              <a:rPr lang="ru-RU" dirty="0"/>
+              <a:t>там невозможно сформировать возрастающую последовательность элементов)</a:t>
+            </a:r>
+            <a:r>
+              <a:rPr lang="en-US" dirty="0"/>
+              <a:t>.</a:t>
+            </a:r>
           </a:p>
         </p:txBody>
       </p:sp>
@@ -896,7 +933,7 @@
           <a:p>
             <a:fld id="{3AC94D10-082F-46D7-A834-266F9222130F}" type="slidenum">
               <a:rPr lang="en-US" smtClean="0"/>
-              <a:t>16</a:t>
+              <a:t>15</a:t>
             </a:fld>
             <a:endParaRPr lang="en-US"/>
           </a:p>
@@ -905,7 +942,7 @@
     </p:spTree>
     <p:extLst>
       <p:ext uri="{BB962C8B-B14F-4D97-AF65-F5344CB8AC3E}">
-        <p14:creationId xmlns:p14="http://schemas.microsoft.com/office/powerpoint/2010/main" val="1756645754"/>
+        <p14:creationId xmlns:p14="http://schemas.microsoft.com/office/powerpoint/2010/main" val="2917169910"/>
       </p:ext>
     </p:extLst>
   </p:cSld>
@@ -961,44 +998,25 @@
           <a:p>
             <a:r>
               <a:rPr lang="ru-RU" dirty="0"/>
-              <a:t>С функцией </a:t>
-            </a:r>
-            <a:r>
-              <a:rPr lang="en-US" dirty="0" err="1">
-                <a:latin typeface="Courier New" panose="02070309020205020404" pitchFamily="49" charset="0"/>
-                <a:cs typeface="Courier New" panose="02070309020205020404" pitchFamily="49" charset="0"/>
-              </a:rPr>
-              <a:t>equiv</a:t>
-            </a:r>
-            <a:r>
-              <a:rPr lang="en-US" dirty="0"/>
-              <a:t> </a:t>
-            </a:r>
-            <a:r>
-              <a:rPr lang="ru-RU" dirty="0"/>
-              <a:t>связана последняя, четвертая аксиома</a:t>
-            </a:r>
-            <a:r>
-              <a:rPr lang="en-US" dirty="0"/>
-              <a:t>.</a:t>
-            </a:r>
-          </a:p>
-          <a:p>
+              <a:t>Перед тем как ввести четвертую аксиому введём ещё одно понятние – отношение эквивалентности, связанное с компаратором. Два элемента считаются эквивалентными, если ни один их ниъ не меньше другого.</a:t>
+            </a:r>
             <a:endParaRPr lang="en-US" dirty="0"/>
           </a:p>
           <a:p>
-            <a:r>
-              <a:rPr lang="ru-RU" dirty="0"/>
-              <a:t>Физический смысл отношения эквивалентности не столь очевиден.</a:t>
-            </a:r>
-          </a:p>
-          <a:p>
-            <a:endParaRPr lang="ru-RU" dirty="0"/>
-          </a:p>
-          <a:p>
-            <a:r>
-              <a:rPr lang="ru-RU" dirty="0"/>
-              <a:t>Как мы увидим в дальнейшем, транзитивность эквивалентности легко нарушить на практике.</a:t>
+            <a:endParaRPr lang="en-US" dirty="0"/>
+          </a:p>
+          <a:p>
+            <a:r>
+              <a:rPr lang="ru-RU" dirty="0"/>
+              <a:t>Оператор эквивалентности ведёт себя схожим образом с оператором сравнения </a:t>
+            </a:r>
+            <a:r>
+              <a:rPr lang="en-US" dirty="0"/>
+              <a:t>(operator==), </a:t>
+            </a:r>
+            <a:r>
+              <a:rPr lang="ru-RU" dirty="0"/>
+              <a:t>но вообще говоря отличается от него. Например компаратор может сравнивать только подмножество полей класса или сравнивать производные атрибуты класса.</a:t>
             </a:r>
             <a:endParaRPr lang="en-US" dirty="0"/>
           </a:p>
@@ -1021,7 +1039,7 @@
           <a:p>
             <a:fld id="{3AC94D10-082F-46D7-A834-266F9222130F}" type="slidenum">
               <a:rPr lang="en-US" smtClean="0"/>
-              <a:t>17</a:t>
+              <a:t>16</a:t>
             </a:fld>
             <a:endParaRPr lang="en-US"/>
           </a:p>
@@ -1030,7 +1048,7 @@
     </p:spTree>
     <p:extLst>
       <p:ext uri="{BB962C8B-B14F-4D97-AF65-F5344CB8AC3E}">
-        <p14:creationId xmlns:p14="http://schemas.microsoft.com/office/powerpoint/2010/main" val="1829174851"/>
+        <p14:creationId xmlns:p14="http://schemas.microsoft.com/office/powerpoint/2010/main" val="1756645754"/>
       </p:ext>
     </p:extLst>
   </p:cSld>
@@ -1084,29 +1102,47 @@
           <a:bodyPr/>
           <a:lstStyle/>
           <a:p>
-            <a:pPr marL="0" marR="0" lvl="0" indent="0" algn="l" defTabSz="914400" rtl="0" eaLnBrk="1" fontAlgn="auto" latinLnBrk="0" hangingPunct="1">
-              <a:lnSpc>
-                <a:spcPct val="100000"/>
-              </a:lnSpc>
-              <a:spcBef>
-                <a:spcPts val="0"/>
-              </a:spcBef>
-              <a:spcAft>
-                <a:spcPts val="0"/>
-              </a:spcAft>
-              <a:buClrTx/>
-              <a:buSzTx/>
-              <a:buFontTx/>
-              <a:buNone/>
-              <a:tabLst/>
-              <a:defRPr/>
-            </a:pPr>
-            <a:r>
-              <a:rPr lang="en-US" dirty="0"/>
-              <a:t>https://stackoverflow.com/questions/75970396/why-do-we-need-transitivity-of-equivalence</a:t>
-            </a:r>
-          </a:p>
-          <a:p>
+            <a:r>
+              <a:rPr lang="ru-RU" dirty="0"/>
+              <a:t>С функцией </a:t>
+            </a:r>
+            <a:r>
+              <a:rPr lang="en-US" dirty="0" err="1">
+                <a:latin typeface="Courier New" panose="02070309020205020404" pitchFamily="49" charset="0"/>
+                <a:cs typeface="Courier New" panose="02070309020205020404" pitchFamily="49" charset="0"/>
+              </a:rPr>
+              <a:t>equiv</a:t>
+            </a:r>
+            <a:r>
+              <a:rPr lang="en-US" dirty="0"/>
+              <a:t> </a:t>
+            </a:r>
+            <a:r>
+              <a:rPr lang="ru-RU" dirty="0"/>
+              <a:t>связана последняя, четвертая аксиома</a:t>
+            </a:r>
+            <a:r>
+              <a:rPr lang="en-US" dirty="0"/>
+              <a:t>.</a:t>
+            </a:r>
+          </a:p>
+          <a:p>
+            <a:endParaRPr lang="en-US" dirty="0"/>
+          </a:p>
+          <a:p>
+            <a:r>
+              <a:rPr lang="ru-RU" dirty="0"/>
+              <a:t>Физический смысл отношения эквивалентности не столь очевиден.</a:t>
+            </a:r>
+          </a:p>
+          <a:p>
+            <a:endParaRPr lang="ru-RU" dirty="0"/>
+          </a:p>
+          <a:p>
+            <a:r>
+              <a:rPr lang="ru-RU" dirty="0"/>
+              <a:t>Как мы увидим в дальнейшем, транзитивность эквивалентности легко нарушить на практике.</a:t>
+            </a:r>
             <a:endParaRPr lang="en-US" dirty="0"/>
           </a:p>
         </p:txBody>
@@ -1128,7 +1164,7 @@
           <a:p>
             <a:fld id="{3AC94D10-082F-46D7-A834-266F9222130F}" type="slidenum">
               <a:rPr lang="en-US" smtClean="0"/>
-              <a:t>18</a:t>
+              <a:t>17</a:t>
             </a:fld>
             <a:endParaRPr lang="en-US"/>
           </a:p>
@@ -1137,7 +1173,7 @@
     </p:spTree>
     <p:extLst>
       <p:ext uri="{BB962C8B-B14F-4D97-AF65-F5344CB8AC3E}">
-        <p14:creationId xmlns:p14="http://schemas.microsoft.com/office/powerpoint/2010/main" val="2515960574"/>
+        <p14:creationId xmlns:p14="http://schemas.microsoft.com/office/powerpoint/2010/main" val="1829174851"/>
       </p:ext>
     </p:extLst>
   </p:cSld>
@@ -1191,18 +1227,39 @@
           <a:bodyPr/>
           <a:lstStyle/>
           <a:p>
-            <a:r>
-              <a:rPr lang="ru-RU" dirty="0"/>
-              <a:t>Объединение всех четырех аксиом называется строгим слабым порядком</a:t>
-            </a:r>
-            <a:r>
-              <a:rPr lang="en-US" dirty="0"/>
-              <a:t>.</a:t>
-            </a:r>
-            <a:r>
-              <a:rPr lang="ru-RU" dirty="0"/>
-              <a:t> На него и даются ссылки в стандарте языка при описании требований к компараторам.</a:t>
-            </a:r>
+            <a:pPr marL="0" marR="0" lvl="0" indent="0" algn="l" defTabSz="914400" rtl="0" eaLnBrk="1" fontAlgn="auto" latinLnBrk="0" hangingPunct="1">
+              <a:lnSpc>
+                <a:spcPct val="100000"/>
+              </a:lnSpc>
+              <a:spcBef>
+                <a:spcPts val="0"/>
+              </a:spcBef>
+              <a:spcAft>
+                <a:spcPts val="0"/>
+              </a:spcAft>
+              <a:buClrTx/>
+              <a:buSzTx/>
+              <a:buFontTx/>
+              <a:buNone/>
+              <a:tabLst/>
+              <a:defRPr/>
+            </a:pPr>
+            <a:r>
+              <a:rPr lang="en-US" dirty="0"/>
+              <a:t>https://stackoverflow.com/questions/75970396/why-do-we-need-transitivity-of-equivalence (</a:t>
+            </a:r>
+            <a:r>
+              <a:rPr lang="en-US" dirty="0">
+                <a:hlinkClick r:id="rId3"/>
+              </a:rPr>
+              <a:t>bit.ly/41VN01X</a:t>
+            </a:r>
+            <a:r>
+              <a:rPr lang="en-US" dirty="0"/>
+              <a:t>)</a:t>
+            </a:r>
+          </a:p>
+          <a:p>
             <a:endParaRPr lang="en-US" dirty="0"/>
           </a:p>
         </p:txBody>
@@ -1224,7 +1281,7 @@
           <a:p>
             <a:fld id="{3AC94D10-082F-46D7-A834-266F9222130F}" type="slidenum">
               <a:rPr lang="en-US" smtClean="0"/>
-              <a:t>19</a:t>
+              <a:t>18</a:t>
             </a:fld>
             <a:endParaRPr lang="en-US"/>
           </a:p>
@@ -1233,7 +1290,7 @@
     </p:spTree>
     <p:extLst>
       <p:ext uri="{BB962C8B-B14F-4D97-AF65-F5344CB8AC3E}">
-        <p14:creationId xmlns:p14="http://schemas.microsoft.com/office/powerpoint/2010/main" val="637534043"/>
+        <p14:creationId xmlns:p14="http://schemas.microsoft.com/office/powerpoint/2010/main" val="2515960574"/>
       </p:ext>
     </p:extLst>
   </p:cSld>
@@ -1289,12 +1346,17 @@
           <a:p>
             <a:r>
               <a:rPr lang="ru-RU" dirty="0"/>
-              <a:t>Что ещё стоит добавить про аксиоматику компараторов</a:t>
-            </a:r>
-            <a:r>
-              <a:rPr lang="en-US" dirty="0"/>
-              <a:t>?</a:t>
-            </a:r>
+              <a:t>Объединение всех четырех аксиом называется строгим слабым порядком</a:t>
+            </a:r>
+            <a:r>
+              <a:rPr lang="en-US" dirty="0"/>
+              <a:t>.</a:t>
+            </a:r>
+            <a:r>
+              <a:rPr lang="ru-RU" dirty="0"/>
+              <a:t> На него и даются ссылки в стандарте языка при описании требований к компараторам.</a:t>
+            </a:r>
+            <a:endParaRPr lang="en-US" dirty="0"/>
           </a:p>
         </p:txBody>
       </p:sp>
@@ -1315,7 +1377,7 @@
           <a:p>
             <a:fld id="{3AC94D10-082F-46D7-A834-266F9222130F}" type="slidenum">
               <a:rPr lang="en-US" smtClean="0"/>
-              <a:t>20</a:t>
+              <a:t>19</a:t>
             </a:fld>
             <a:endParaRPr lang="en-US"/>
           </a:p>
@@ -1324,7 +1386,7 @@
     </p:spTree>
     <p:extLst>
       <p:ext uri="{BB962C8B-B14F-4D97-AF65-F5344CB8AC3E}">
-        <p14:creationId xmlns:p14="http://schemas.microsoft.com/office/powerpoint/2010/main" val="3201459978"/>
+        <p14:creationId xmlns:p14="http://schemas.microsoft.com/office/powerpoint/2010/main" val="637534043"/>
       </p:ext>
     </p:extLst>
   </p:cSld>
@@ -1379,8 +1441,12 @@
           <a:lstStyle/>
           <a:p>
             <a:r>
-              <a:rPr lang="en-US" dirty="0"/>
-              <a:t>https://stackoverflow.com/questions/75770367/implied-meaning-of-ordering-types-in-c20</a:t>
+              <a:rPr lang="ru-RU" dirty="0"/>
+              <a:t>Что ещё стоит добавить про аксиоматику компараторов</a:t>
+            </a:r>
+            <a:r>
+              <a:rPr lang="en-US" dirty="0"/>
+              <a:t>?</a:t>
             </a:r>
           </a:p>
         </p:txBody>
@@ -1402,7 +1468,7 @@
           <a:p>
             <a:fld id="{3AC94D10-082F-46D7-A834-266F9222130F}" type="slidenum">
               <a:rPr lang="en-US" smtClean="0"/>
-              <a:t>21</a:t>
+              <a:t>20</a:t>
             </a:fld>
             <a:endParaRPr lang="en-US"/>
           </a:p>
@@ -1411,7 +1477,7 @@
     </p:spTree>
     <p:extLst>
       <p:ext uri="{BB962C8B-B14F-4D97-AF65-F5344CB8AC3E}">
-        <p14:creationId xmlns:p14="http://schemas.microsoft.com/office/powerpoint/2010/main" val="4281307461"/>
+        <p14:creationId xmlns:p14="http://schemas.microsoft.com/office/powerpoint/2010/main" val="3201459978"/>
       </p:ext>
     </p:extLst>
   </p:cSld>
@@ -1466,10 +1532,19 @@
           <a:lstStyle/>
           <a:p>
             <a:r>
-              <a:rPr lang="ru-RU" dirty="0"/>
-              <a:t>Теперь, познакомившись с формальными требованиями к компараторам, давайте разберём наиболее частые ошибки при их написании.</a:t>
-            </a:r>
-            <a:endParaRPr lang="en-US" dirty="0"/>
+              <a:rPr lang="en-US" dirty="0"/>
+              <a:t>https://stackoverflow.com/questions/75770367/implied-meaning-of-ordering-types-in-c20 (</a:t>
+            </a:r>
+            <a:r>
+              <a:rPr lang="en-US" dirty="0">
+                <a:hlinkClick r:id="rId3"/>
+              </a:rPr>
+              <a:t>bit.ly/40z4tMv</a:t>
+            </a:r>
+            <a:r>
+              <a:rPr lang="en-US" dirty="0"/>
+              <a:t>)</a:t>
+            </a:r>
           </a:p>
         </p:txBody>
       </p:sp>
@@ -1490,7 +1565,7 @@
           <a:p>
             <a:fld id="{3AC94D10-082F-46D7-A834-266F9222130F}" type="slidenum">
               <a:rPr lang="en-US" smtClean="0"/>
-              <a:t>22</a:t>
+              <a:t>21</a:t>
             </a:fld>
             <a:endParaRPr lang="en-US"/>
           </a:p>
@@ -1499,7 +1574,7 @@
     </p:spTree>
     <p:extLst>
       <p:ext uri="{BB962C8B-B14F-4D97-AF65-F5344CB8AC3E}">
-        <p14:creationId xmlns:p14="http://schemas.microsoft.com/office/powerpoint/2010/main" val="3393920227"/>
+        <p14:creationId xmlns:p14="http://schemas.microsoft.com/office/powerpoint/2010/main" val="4281307461"/>
       </p:ext>
     </p:extLst>
   </p:cSld>
@@ -1555,7 +1630,7 @@
           <a:p>
             <a:r>
               <a:rPr lang="ru-RU" dirty="0"/>
-              <a:t>Ошибка в том что переходить к сравнению второго поля можно только если первые поля равны.</a:t>
+              <a:t>Теперь, познакомившись с формальными требованиями к компараторам, давайте разберём наиболее частые ошибки при их написании.</a:t>
             </a:r>
             <a:endParaRPr lang="en-US" dirty="0"/>
           </a:p>
@@ -1578,7 +1653,7 @@
           <a:p>
             <a:fld id="{3AC94D10-082F-46D7-A834-266F9222130F}" type="slidenum">
               <a:rPr lang="en-US" smtClean="0"/>
-              <a:t>23</a:t>
+              <a:t>22</a:t>
             </a:fld>
             <a:endParaRPr lang="en-US"/>
           </a:p>
@@ -1587,7 +1662,7 @@
     </p:spTree>
     <p:extLst>
       <p:ext uri="{BB962C8B-B14F-4D97-AF65-F5344CB8AC3E}">
-        <p14:creationId xmlns:p14="http://schemas.microsoft.com/office/powerpoint/2010/main" val="53595051"/>
+        <p14:creationId xmlns:p14="http://schemas.microsoft.com/office/powerpoint/2010/main" val="3393920227"/>
       </p:ext>
     </p:extLst>
   </p:cSld>
@@ -1643,21 +1718,7 @@
           <a:p>
             <a:r>
               <a:rPr lang="ru-RU" dirty="0"/>
-              <a:t>Иногда эта ошибка может быть скрытой как в следующем примере.</a:t>
-            </a:r>
-            <a:endParaRPr lang="en-US" dirty="0"/>
-          </a:p>
-          <a:p>
-            <a:endParaRPr lang="en-US" dirty="0">
-              <a:hlinkClick r:id="rId3"/>
-            </a:endParaRPr>
-          </a:p>
-          <a:p>
-            <a:r>
-              <a:rPr lang="ru-RU" dirty="0">
-                <a:hlinkClick r:id="rId3"/>
-              </a:rPr>
-              <a:t>https://schneide.blog/2010/11/01/bug-hunting-fun-with-stdsort</a:t>
+              <a:t>Ошибка в том что переходить к сравнению второго поля можно только если первые поля равны.</a:t>
             </a:r>
             <a:endParaRPr lang="en-US" dirty="0"/>
           </a:p>
@@ -1680,7 +1741,7 @@
           <a:p>
             <a:fld id="{3AC94D10-082F-46D7-A834-266F9222130F}" type="slidenum">
               <a:rPr lang="en-US" smtClean="0"/>
-              <a:t>27</a:t>
+              <a:t>23</a:t>
             </a:fld>
             <a:endParaRPr lang="en-US"/>
           </a:p>
@@ -1689,7 +1750,7 @@
     </p:spTree>
     <p:extLst>
       <p:ext uri="{BB962C8B-B14F-4D97-AF65-F5344CB8AC3E}">
-        <p14:creationId xmlns:p14="http://schemas.microsoft.com/office/powerpoint/2010/main" val="3243504475"/>
+        <p14:creationId xmlns:p14="http://schemas.microsoft.com/office/powerpoint/2010/main" val="53595051"/>
       </p:ext>
     </p:extLst>
   </p:cSld>
@@ -1833,16 +1894,54 @@
           <a:p>
             <a:r>
               <a:rPr lang="ru-RU" dirty="0"/>
-              <a:t>Ещё одной частой ошибкой является сортировка массивов чисел с плавающей точкой, содержащих </a:t>
-            </a:r>
-            <a:r>
-              <a:rPr lang="en-US" dirty="0" err="1"/>
-              <a:t>NaN</a:t>
-            </a:r>
-            <a:r>
-              <a:rPr lang="en-US" dirty="0"/>
-              <a:t>.</a:t>
-            </a:r>
+              <a:t>Иногда эта ошибка может быть скрытой как в следующем примере.</a:t>
+            </a:r>
+            <a:endParaRPr lang="en-US" dirty="0"/>
+          </a:p>
+          <a:p>
+            <a:endParaRPr lang="en-US" dirty="0">
+              <a:hlinkClick r:id="rId3"/>
+            </a:endParaRPr>
+          </a:p>
+          <a:p>
+            <a:pPr marL="0" marR="0" lvl="0" indent="0" algn="l" defTabSz="914400" rtl="0" eaLnBrk="1" fontAlgn="auto" latinLnBrk="0" hangingPunct="1">
+              <a:lnSpc>
+                <a:spcPct val="100000"/>
+              </a:lnSpc>
+              <a:spcBef>
+                <a:spcPts val="0"/>
+              </a:spcBef>
+              <a:spcAft>
+                <a:spcPts val="0"/>
+              </a:spcAft>
+              <a:buClrTx/>
+              <a:buSzTx/>
+              <a:buFontTx/>
+              <a:buNone/>
+              <a:tabLst/>
+              <a:defRPr/>
+            </a:pPr>
+            <a:r>
+              <a:rPr lang="ru-RU" dirty="0">
+                <a:hlinkClick r:id="rId3"/>
+              </a:rPr>
+              <a:t>https://schneide.blog/2010/11/01/bug-hunting-fun-with-stdsort</a:t>
+            </a:r>
+            <a:r>
+              <a:rPr lang="en-US" dirty="0"/>
+              <a:t> (</a:t>
+            </a:r>
+            <a:r>
+              <a:rPr lang="en-US" dirty="0">
+                <a:hlinkClick r:id="rId4"/>
+              </a:rPr>
+              <a:t>bit.ly/3NpcO2v</a:t>
+            </a:r>
+            <a:r>
+              <a:rPr lang="en-US" dirty="0"/>
+              <a:t>)</a:t>
+            </a:r>
+            <a:endParaRPr lang="ru-RU" dirty="0"/>
           </a:p>
         </p:txBody>
       </p:sp>
@@ -1863,7 +1962,7 @@
           <a:p>
             <a:fld id="{3AC94D10-082F-46D7-A834-266F9222130F}" type="slidenum">
               <a:rPr lang="en-US" smtClean="0"/>
-              <a:t>28</a:t>
+              <a:t>27</a:t>
             </a:fld>
             <a:endParaRPr lang="en-US"/>
           </a:p>
@@ -1872,7 +1971,7 @@
     </p:spTree>
     <p:extLst>
       <p:ext uri="{BB962C8B-B14F-4D97-AF65-F5344CB8AC3E}">
-        <p14:creationId xmlns:p14="http://schemas.microsoft.com/office/powerpoint/2010/main" val="413774514"/>
+        <p14:creationId xmlns:p14="http://schemas.microsoft.com/office/powerpoint/2010/main" val="3243504475"/>
       </p:ext>
     </p:extLst>
   </p:cSld>
@@ -1926,26 +2025,17 @@
           <a:bodyPr/>
           <a:lstStyle/>
           <a:p>
-            <a:pPr marL="0" marR="0" lvl="0" indent="0" algn="l" defTabSz="914400" rtl="0" eaLnBrk="1" fontAlgn="auto" latinLnBrk="0" hangingPunct="1">
-              <a:lnSpc>
-                <a:spcPct val="100000"/>
-              </a:lnSpc>
-              <a:spcBef>
-                <a:spcPts val="0"/>
-              </a:spcBef>
-              <a:spcAft>
-                <a:spcPts val="0"/>
-              </a:spcAft>
-              <a:buClrTx/>
-              <a:buSzTx/>
-              <a:buFontTx/>
-              <a:buNone/>
-              <a:tabLst/>
-              <a:defRPr/>
-            </a:pPr>
-            <a:r>
-              <a:rPr lang="ru-RU" dirty="0"/>
-              <a:t>Как мы видим нарушение четвертой аксиомы на практике это приводит к неправильной сортировке массивов содержащих NaNs.</a:t>
+            <a:r>
+              <a:rPr lang="ru-RU" dirty="0"/>
+              <a:t>Ещё одной частой ошибкой является сортировка массивов чисел с плавающей точкой, содержащих </a:t>
+            </a:r>
+            <a:r>
+              <a:rPr lang="en-US" dirty="0" err="1"/>
+              <a:t>NaN</a:t>
+            </a:r>
+            <a:r>
+              <a:rPr lang="en-US" dirty="0"/>
+              <a:t>.</a:t>
             </a:r>
           </a:p>
         </p:txBody>
@@ -1967,7 +2057,7 @@
           <a:p>
             <a:fld id="{3AC94D10-082F-46D7-A834-266F9222130F}" type="slidenum">
               <a:rPr lang="en-US" smtClean="0"/>
-              <a:t>30</a:t>
+              <a:t>28</a:t>
             </a:fld>
             <a:endParaRPr lang="en-US"/>
           </a:p>
@@ -1976,7 +2066,7 @@
     </p:spTree>
     <p:extLst>
       <p:ext uri="{BB962C8B-B14F-4D97-AF65-F5344CB8AC3E}">
-        <p14:creationId xmlns:p14="http://schemas.microsoft.com/office/powerpoint/2010/main" val="3564716342"/>
+        <p14:creationId xmlns:p14="http://schemas.microsoft.com/office/powerpoint/2010/main" val="413774514"/>
       </p:ext>
     </p:extLst>
   </p:cSld>
@@ -2030,19 +2120,27 @@
           <a:bodyPr/>
           <a:lstStyle/>
           <a:p>
-            <a:r>
-              <a:rPr lang="ru-RU" dirty="0"/>
-              <a:t>Этот паттерн часто встречается и в других ситуациях</a:t>
-            </a:r>
-            <a:r>
-              <a:rPr lang="en-US" dirty="0"/>
-              <a:t> </a:t>
-            </a:r>
-            <a:r>
-              <a:rPr lang="ru-RU" dirty="0"/>
-              <a:t>в более завуалированной форме.</a:t>
-            </a:r>
-            <a:endParaRPr lang="en-US" dirty="0"/>
+            <a:pPr marL="0" marR="0" lvl="0" indent="0" algn="l" defTabSz="914400" rtl="0" eaLnBrk="1" fontAlgn="auto" latinLnBrk="0" hangingPunct="1">
+              <a:lnSpc>
+                <a:spcPct val="100000"/>
+              </a:lnSpc>
+              <a:spcBef>
+                <a:spcPts val="0"/>
+              </a:spcBef>
+              <a:spcAft>
+                <a:spcPts val="0"/>
+              </a:spcAft>
+              <a:buClrTx/>
+              <a:buSzTx/>
+              <a:buFontTx/>
+              <a:buNone/>
+              <a:tabLst/>
+              <a:defRPr/>
+            </a:pPr>
+            <a:r>
+              <a:rPr lang="ru-RU" dirty="0"/>
+              <a:t>Как мы видим нарушение четвертой аксиомы на практике это приводит к неправильной сортировке массивов содержащих NaNs.</a:t>
+            </a:r>
           </a:p>
         </p:txBody>
       </p:sp>
@@ -2063,7 +2161,7 @@
           <a:p>
             <a:fld id="{3AC94D10-082F-46D7-A834-266F9222130F}" type="slidenum">
               <a:rPr lang="en-US" smtClean="0"/>
-              <a:t>32</a:t>
+              <a:t>30</a:t>
             </a:fld>
             <a:endParaRPr lang="en-US"/>
           </a:p>
@@ -2072,7 +2170,7 @@
     </p:spTree>
     <p:extLst>
       <p:ext uri="{BB962C8B-B14F-4D97-AF65-F5344CB8AC3E}">
-        <p14:creationId xmlns:p14="http://schemas.microsoft.com/office/powerpoint/2010/main" val="2149937454"/>
+        <p14:creationId xmlns:p14="http://schemas.microsoft.com/office/powerpoint/2010/main" val="3564716342"/>
       </p:ext>
     </p:extLst>
   </p:cSld>
@@ -2127,9 +2225,18 @@
           <a:lstStyle/>
           <a:p>
             <a:r>
-              <a:rPr lang="en-US" dirty="0"/>
-              <a:t>TODO</a:t>
-            </a:r>
+              <a:rPr lang="ru-RU" dirty="0"/>
+              <a:t>Этот паттерн часто встречается и в других ситуациях</a:t>
+            </a:r>
+            <a:r>
+              <a:rPr lang="en-US" dirty="0"/>
+              <a:t> </a:t>
+            </a:r>
+            <a:r>
+              <a:rPr lang="ru-RU" dirty="0"/>
+              <a:t>в более завуалированной форме.</a:t>
+            </a:r>
+            <a:endParaRPr lang="en-US" dirty="0"/>
           </a:p>
         </p:txBody>
       </p:sp>
@@ -2150,7 +2257,7 @@
           <a:p>
             <a:fld id="{3AC94D10-082F-46D7-A834-266F9222130F}" type="slidenum">
               <a:rPr lang="en-US" smtClean="0"/>
-              <a:t>33</a:t>
+              <a:t>32</a:t>
             </a:fld>
             <a:endParaRPr lang="en-US"/>
           </a:p>
@@ -2159,7 +2266,7 @@
     </p:spTree>
     <p:extLst>
       <p:ext uri="{BB962C8B-B14F-4D97-AF65-F5344CB8AC3E}">
-        <p14:creationId xmlns:p14="http://schemas.microsoft.com/office/powerpoint/2010/main" val="465010158"/>
+        <p14:creationId xmlns:p14="http://schemas.microsoft.com/office/powerpoint/2010/main" val="2149937454"/>
       </p:ext>
     </p:extLst>
   </p:cSld>
@@ -2214,10 +2321,9 @@
           <a:lstStyle/>
           <a:p>
             <a:r>
-              <a:rPr lang="ru-RU" dirty="0"/>
-              <a:t>Поговорив о столь многочисленных ошибках, давайте обсудим средства их обнаружения, предлагаемые современными тулчейнами.</a:t>
-            </a:r>
-            <a:endParaRPr lang="en-US" dirty="0"/>
+              <a:rPr lang="en-US" dirty="0"/>
+              <a:t>TODO</a:t>
+            </a:r>
           </a:p>
         </p:txBody>
       </p:sp>
@@ -2238,7 +2344,7 @@
           <a:p>
             <a:fld id="{3AC94D10-082F-46D7-A834-266F9222130F}" type="slidenum">
               <a:rPr lang="en-US" smtClean="0"/>
-              <a:t>36</a:t>
+              <a:t>33</a:t>
             </a:fld>
             <a:endParaRPr lang="en-US"/>
           </a:p>
@@ -2247,7 +2353,7 @@
     </p:spTree>
     <p:extLst>
       <p:ext uri="{BB962C8B-B14F-4D97-AF65-F5344CB8AC3E}">
-        <p14:creationId xmlns:p14="http://schemas.microsoft.com/office/powerpoint/2010/main" val="312869855"/>
+        <p14:creationId xmlns:p14="http://schemas.microsoft.com/office/powerpoint/2010/main" val="465010158"/>
       </p:ext>
     </p:extLst>
   </p:cSld>
@@ -2302,6 +2408,187 @@
           <a:lstStyle/>
           <a:p>
             <a:r>
+              <a:rPr lang="ru-RU" dirty="0">
+                <a:hlinkClick r:id="rId3"/>
+              </a:rPr>
+              <a:t>https://gcc.gnu.org/bugzilla/show_bug.cgi?id=68988</a:t>
+            </a:r>
+            <a:r>
+              <a:rPr lang="en-US" dirty="0"/>
+              <a:t> (https://bit.ly/3LprRq7)</a:t>
+            </a:r>
+          </a:p>
+        </p:txBody>
+      </p:sp>
+      <p:sp>
+        <p:nvSpPr>
+          <p:cNvPr id="4" name="Slide Number Placeholder 3"/>
+          <p:cNvSpPr>
+            <a:spLocks noGrp="1"/>
+          </p:cNvSpPr>
+          <p:nvPr>
+            <p:ph type="sldNum" sz="quarter" idx="5"/>
+          </p:nvPr>
+        </p:nvSpPr>
+        <p:spPr/>
+        <p:txBody>
+          <a:bodyPr/>
+          <a:lstStyle/>
+          <a:p>
+            <a:fld id="{3AC94D10-082F-46D7-A834-266F9222130F}" type="slidenum">
+              <a:rPr lang="en-US" smtClean="0"/>
+              <a:t>34</a:t>
+            </a:fld>
+            <a:endParaRPr lang="en-US"/>
+          </a:p>
+        </p:txBody>
+      </p:sp>
+    </p:spTree>
+    <p:extLst>
+      <p:ext uri="{BB962C8B-B14F-4D97-AF65-F5344CB8AC3E}">
+        <p14:creationId xmlns:p14="http://schemas.microsoft.com/office/powerpoint/2010/main" val="3157134868"/>
+      </p:ext>
+    </p:extLst>
+  </p:cSld>
+  <p:clrMapOvr>
+    <a:masterClrMapping/>
+  </p:clrMapOvr>
+</p:notes>
+</file>
+
+<file path=ppt/notesSlides/notesSlide26.xml><?xml version="1.0" encoding="utf-8"?>
+<p:notes xmlns:a="http://schemas.openxmlformats.org/drawingml/2006/main" xmlns:r="http://schemas.openxmlformats.org/officeDocument/2006/relationships" xmlns:p="http://schemas.openxmlformats.org/presentationml/2006/main">
+  <p:cSld>
+    <p:spTree>
+      <p:nvGrpSpPr>
+        <p:cNvPr id="1" name=""/>
+        <p:cNvGrpSpPr/>
+        <p:nvPr/>
+      </p:nvGrpSpPr>
+      <p:grpSpPr>
+        <a:xfrm>
+          <a:off x="0" y="0"/>
+          <a:ext cx="0" cy="0"/>
+          <a:chOff x="0" y="0"/>
+          <a:chExt cx="0" cy="0"/>
+        </a:xfrm>
+      </p:grpSpPr>
+      <p:sp>
+        <p:nvSpPr>
+          <p:cNvPr id="2" name="Slide Image Placeholder 1"/>
+          <p:cNvSpPr>
+            <a:spLocks noGrp="1" noRot="1" noChangeAspect="1"/>
+          </p:cNvSpPr>
+          <p:nvPr>
+            <p:ph type="sldImg"/>
+          </p:nvPr>
+        </p:nvSpPr>
+        <p:spPr/>
+      </p:sp>
+      <p:sp>
+        <p:nvSpPr>
+          <p:cNvPr id="3" name="Notes Placeholder 2"/>
+          <p:cNvSpPr>
+            <a:spLocks noGrp="1"/>
+          </p:cNvSpPr>
+          <p:nvPr>
+            <p:ph type="body" idx="1"/>
+          </p:nvPr>
+        </p:nvSpPr>
+        <p:spPr/>
+        <p:txBody>
+          <a:bodyPr/>
+          <a:lstStyle/>
+          <a:p>
+            <a:r>
+              <a:rPr lang="ru-RU" dirty="0"/>
+              <a:t>Поговорив о столь многочисленных ошибках, давайте обсудим средства их обнаружения, предлагаемые современными тулчейнами.</a:t>
+            </a:r>
+            <a:endParaRPr lang="en-US" dirty="0"/>
+          </a:p>
+        </p:txBody>
+      </p:sp>
+      <p:sp>
+        <p:nvSpPr>
+          <p:cNvPr id="4" name="Slide Number Placeholder 3"/>
+          <p:cNvSpPr>
+            <a:spLocks noGrp="1"/>
+          </p:cNvSpPr>
+          <p:nvPr>
+            <p:ph type="sldNum" sz="quarter" idx="5"/>
+          </p:nvPr>
+        </p:nvSpPr>
+        <p:spPr/>
+        <p:txBody>
+          <a:bodyPr/>
+          <a:lstStyle/>
+          <a:p>
+            <a:fld id="{3AC94D10-082F-46D7-A834-266F9222130F}" type="slidenum">
+              <a:rPr lang="en-US" smtClean="0"/>
+              <a:t>36</a:t>
+            </a:fld>
+            <a:endParaRPr lang="en-US"/>
+          </a:p>
+        </p:txBody>
+      </p:sp>
+    </p:spTree>
+    <p:extLst>
+      <p:ext uri="{BB962C8B-B14F-4D97-AF65-F5344CB8AC3E}">
+        <p14:creationId xmlns:p14="http://schemas.microsoft.com/office/powerpoint/2010/main" val="312869855"/>
+      </p:ext>
+    </p:extLst>
+  </p:cSld>
+  <p:clrMapOvr>
+    <a:masterClrMapping/>
+  </p:clrMapOvr>
+</p:notes>
+</file>
+
+<file path=ppt/notesSlides/notesSlide27.xml><?xml version="1.0" encoding="utf-8"?>
+<p:notes xmlns:a="http://schemas.openxmlformats.org/drawingml/2006/main" xmlns:r="http://schemas.openxmlformats.org/officeDocument/2006/relationships" xmlns:p="http://schemas.openxmlformats.org/presentationml/2006/main">
+  <p:cSld>
+    <p:spTree>
+      <p:nvGrpSpPr>
+        <p:cNvPr id="1" name=""/>
+        <p:cNvGrpSpPr/>
+        <p:nvPr/>
+      </p:nvGrpSpPr>
+      <p:grpSpPr>
+        <a:xfrm>
+          <a:off x="0" y="0"/>
+          <a:ext cx="0" cy="0"/>
+          <a:chOff x="0" y="0"/>
+          <a:chExt cx="0" cy="0"/>
+        </a:xfrm>
+      </p:grpSpPr>
+      <p:sp>
+        <p:nvSpPr>
+          <p:cNvPr id="2" name="Slide Image Placeholder 1"/>
+          <p:cNvSpPr>
+            <a:spLocks noGrp="1" noRot="1" noChangeAspect="1"/>
+          </p:cNvSpPr>
+          <p:nvPr>
+            <p:ph type="sldImg"/>
+          </p:nvPr>
+        </p:nvSpPr>
+        <p:spPr/>
+      </p:sp>
+      <p:sp>
+        <p:nvSpPr>
+          <p:cNvPr id="3" name="Notes Placeholder 2"/>
+          <p:cNvSpPr>
+            <a:spLocks noGrp="1"/>
+          </p:cNvSpPr>
+          <p:nvPr>
+            <p:ph type="body" idx="1"/>
+          </p:nvPr>
+        </p:nvSpPr>
+        <p:spPr/>
+        <p:txBody>
+          <a:bodyPr/>
+          <a:lstStyle/>
+          <a:p>
+            <a:r>
               <a:rPr lang="en-US" dirty="0"/>
               <a:t>TODO: </a:t>
             </a:r>
@@ -2368,7 +2655,7 @@
 </p:notes>
 </file>
 
-<file path=ppt/notesSlides/notesSlide26.xml><?xml version="1.0" encoding="utf-8"?>
+<file path=ppt/notesSlides/notesSlide28.xml><?xml version="1.0" encoding="utf-8"?>
 <p:notes xmlns:a="http://schemas.openxmlformats.org/drawingml/2006/main" xmlns:r="http://schemas.openxmlformats.org/officeDocument/2006/relationships" xmlns:p="http://schemas.openxmlformats.org/presentationml/2006/main">
   <p:cSld>
     <p:spTree>
@@ -3285,64 +3572,12 @@
           <a:p>
             <a:r>
               <a:rPr lang="ru-RU" dirty="0"/>
-              <a:t>Как избежать подобных ошибок</a:t>
+              <a:t>Таким образом мы видим что компаратор не может быть совсем произвольной функцией. Какие же к нему предъявляются требования</a:t>
             </a:r>
             <a:r>
               <a:rPr lang="en-US" dirty="0"/>
               <a:t>?</a:t>
             </a:r>
-          </a:p>
-          <a:p>
-            <a:endParaRPr lang="en-US" dirty="0"/>
-          </a:p>
-          <a:p>
-            <a:r>
-              <a:rPr lang="ru-RU" dirty="0"/>
-              <a:t>Компараторы должны удовлетворять набору правил, называемых аксиомами.</a:t>
-            </a:r>
-            <a:endParaRPr lang="en-US" dirty="0"/>
-          </a:p>
-          <a:p>
-            <a:endParaRPr lang="en-US" dirty="0"/>
-          </a:p>
-          <a:p>
-            <a:r>
-              <a:rPr lang="ru-RU" dirty="0"/>
-              <a:t>По сути эти правила задают минимальные требования, при которых можно непротиворечиво и эффективно упорядочить элементы множества</a:t>
-            </a:r>
-            <a:endParaRPr lang="en-US" dirty="0"/>
-          </a:p>
-          <a:p>
-            <a:endParaRPr lang="en-US" dirty="0"/>
-          </a:p>
-          <a:p>
-            <a:pPr marL="0" marR="0" lvl="0" indent="0" algn="l" defTabSz="914400" rtl="0" eaLnBrk="1" fontAlgn="auto" latinLnBrk="0" hangingPunct="1">
-              <a:lnSpc>
-                <a:spcPct val="100000"/>
-              </a:lnSpc>
-              <a:spcBef>
-                <a:spcPts val="0"/>
-              </a:spcBef>
-              <a:spcAft>
-                <a:spcPts val="0"/>
-              </a:spcAft>
-              <a:buClrTx/>
-              <a:buSzTx/>
-              <a:buFontTx/>
-              <a:buNone/>
-              <a:tabLst/>
-              <a:defRPr/>
-            </a:pPr>
-            <a:r>
-              <a:rPr lang="en-US" dirty="0">
-                <a:hlinkClick r:id="rId3"/>
-              </a:rPr>
-              <a:t>https://en.cppreference.com/w/cpp/named_req/Compare</a:t>
-            </a:r>
-            <a:endParaRPr lang="ru-RU" dirty="0"/>
-          </a:p>
-          <a:p>
-            <a:endParaRPr lang="en-US" dirty="0"/>
           </a:p>
         </p:txBody>
       </p:sp>
@@ -3363,7 +3598,7 @@
           <a:p>
             <a:fld id="{3AC94D10-082F-46D7-A834-266F9222130F}" type="slidenum">
               <a:rPr lang="en-US" smtClean="0"/>
-              <a:t>14</a:t>
+              <a:t>13</a:t>
             </a:fld>
             <a:endParaRPr lang="en-US"/>
           </a:p>
@@ -3372,7 +3607,7 @@
     </p:spTree>
     <p:extLst>
       <p:ext uri="{BB962C8B-B14F-4D97-AF65-F5344CB8AC3E}">
-        <p14:creationId xmlns:p14="http://schemas.microsoft.com/office/powerpoint/2010/main" val="3647935431"/>
+        <p14:creationId xmlns:p14="http://schemas.microsoft.com/office/powerpoint/2010/main" val="4091956521"/>
       </p:ext>
     </p:extLst>
   </p:cSld>
@@ -3529,7 +3764,7 @@
           <a:p>
             <a:fld id="{83D30A23-1FB6-43A1-891F-95145083C4E9}" type="datetime1">
               <a:rPr lang="en-US" smtClean="0"/>
-              <a:t>5/1/2023</a:t>
+              <a:t>5/2/2023</a:t>
             </a:fld>
             <a:endParaRPr lang="en-US"/>
           </a:p>
@@ -3727,7 +3962,7 @@
           <a:p>
             <a:fld id="{A4B03399-60D8-4226-8AC7-3F159D57E860}" type="datetime1">
               <a:rPr lang="en-US" smtClean="0"/>
-              <a:t>5/1/2023</a:t>
+              <a:t>5/2/2023</a:t>
             </a:fld>
             <a:endParaRPr lang="en-US"/>
           </a:p>
@@ -3935,7 +4170,7 @@
           <a:p>
             <a:fld id="{1A646459-A066-416D-8E21-9D451FB1CBED}" type="datetime1">
               <a:rPr lang="en-US" smtClean="0"/>
-              <a:t>5/1/2023</a:t>
+              <a:t>5/2/2023</a:t>
             </a:fld>
             <a:endParaRPr lang="en-US"/>
           </a:p>
@@ -4133,7 +4368,7 @@
           <a:p>
             <a:fld id="{0636B939-1A2A-498F-9013-EEF28820D750}" type="datetime1">
               <a:rPr lang="en-US" smtClean="0"/>
-              <a:t>5/1/2023</a:t>
+              <a:t>5/2/2023</a:t>
             </a:fld>
             <a:endParaRPr lang="en-US"/>
           </a:p>
@@ -4447,7 +4682,7 @@
           <a:p>
             <a:fld id="{97D3760A-E884-42F2-A44C-F32FAA030BF6}" type="datetime1">
               <a:rPr lang="en-US" smtClean="0"/>
-              <a:t>5/1/2023</a:t>
+              <a:t>5/2/2023</a:t>
             </a:fld>
             <a:endParaRPr lang="en-US"/>
           </a:p>
@@ -4712,7 +4947,7 @@
           <a:p>
             <a:fld id="{4FC7535E-ABF1-4A69-B09E-251EF8B13143}" type="datetime1">
               <a:rPr lang="en-US" smtClean="0"/>
-              <a:t>5/1/2023</a:t>
+              <a:t>5/2/2023</a:t>
             </a:fld>
             <a:endParaRPr lang="en-US"/>
           </a:p>
@@ -5124,7 +5359,7 @@
           <a:p>
             <a:fld id="{CE54BCFC-68A7-4C68-9600-D4AAA16CF9A6}" type="datetime1">
               <a:rPr lang="en-US" smtClean="0"/>
-              <a:t>5/1/2023</a:t>
+              <a:t>5/2/2023</a:t>
             </a:fld>
             <a:endParaRPr lang="en-US"/>
           </a:p>
@@ -5265,7 +5500,7 @@
           <a:p>
             <a:fld id="{0F981744-C4F3-4F58-9E0E-AF6C4E78D03B}" type="datetime1">
               <a:rPr lang="en-US" smtClean="0"/>
-              <a:t>5/1/2023</a:t>
+              <a:t>5/2/2023</a:t>
             </a:fld>
             <a:endParaRPr lang="en-US"/>
           </a:p>
@@ -5378,7 +5613,7 @@
           <a:p>
             <a:fld id="{98ED47E1-EA96-4683-9629-E838295B20BC}" type="datetime1">
               <a:rPr lang="en-US" smtClean="0"/>
-              <a:t>5/1/2023</a:t>
+              <a:t>5/2/2023</a:t>
             </a:fld>
             <a:endParaRPr lang="en-US"/>
           </a:p>
@@ -5689,7 +5924,7 @@
           <a:p>
             <a:fld id="{2F2A1627-B435-455B-A0CA-0808E5748D61}" type="datetime1">
               <a:rPr lang="en-US" smtClean="0"/>
-              <a:t>5/1/2023</a:t>
+              <a:t>5/2/2023</a:t>
             </a:fld>
             <a:endParaRPr lang="en-US"/>
           </a:p>
@@ -5977,7 +6212,7 @@
           <a:p>
             <a:fld id="{FE11CB43-EB9E-4C41-ACD2-0EC61FB429F2}" type="datetime1">
               <a:rPr lang="en-US" smtClean="0"/>
-              <a:t>5/1/2023</a:t>
+              <a:t>5/2/2023</a:t>
             </a:fld>
             <a:endParaRPr lang="en-US"/>
           </a:p>
@@ -6218,7 +6453,7 @@
           <a:p>
             <a:fld id="{CC0B8F92-0932-40E4-878B-3E2E4AAA6810}" type="datetime1">
               <a:rPr lang="en-US" smtClean="0"/>
-              <a:t>5/1/2023</a:t>
+              <a:t>5/2/2023</a:t>
             </a:fld>
             <a:endParaRPr lang="en-US"/>
           </a:p>
@@ -8668,20 +8903,17 @@
               <a:rPr lang="ru-RU" dirty="0"/>
               <a:t>алгоритмов сортировки</a:t>
             </a:r>
-            <a:r>
-              <a:rPr lang="en-US" dirty="0"/>
-              <a:t> (</a:t>
-            </a:r>
+            <a:endParaRPr lang="en-US" dirty="0"/>
+          </a:p>
+          <a:p>
+            <a:pPr lvl="1"/>
             <a:r>
               <a:rPr lang="en-US" dirty="0">
                 <a:hlinkClick r:id="rId3"/>
               </a:rPr>
-              <a:t>bit.ly/41VN01X</a:t>
-            </a:r>
-            <a:r>
-              <a:rPr lang="en-US" dirty="0"/>
-              <a:t>)</a:t>
-            </a:r>
+              <a:t>Why do we need transitivity of equivalence</a:t>
+            </a:r>
+            <a:endParaRPr lang="en-US" dirty="0"/>
           </a:p>
           <a:p>
             <a:r>
@@ -8776,8 +9008,8 @@
         </p:blipFill>
         <p:spPr>
           <a:xfrm>
-            <a:off x="9938657" y="1462088"/>
-            <a:ext cx="1578429" cy="1578429"/>
+            <a:off x="7217229" y="2228395"/>
+            <a:ext cx="1023258" cy="1023258"/>
           </a:xfrm>
           <a:prstGeom prst="rect">
             <a:avLst/>
@@ -9529,12 +9761,16 @@
             <a:endParaRPr lang="en-US" dirty="0"/>
           </a:p>
           <a:p>
+            <a:pPr lvl="1"/>
             <a:r>
               <a:rPr lang="en-US" dirty="0">
                 <a:hlinkClick r:id="rId3"/>
               </a:rPr>
-              <a:t>bit.ly/40z4tMv</a:t>
-            </a:r>
+              <a:t>Implied meaning of ordering types</a:t>
+            </a:r>
+            <a:endParaRPr lang="en-US" dirty="0"/>
+          </a:p>
+          <a:p>
             <a:endParaRPr lang="en-US" dirty="0"/>
           </a:p>
         </p:txBody>
@@ -9567,8 +9803,8 @@
         </p:blipFill>
         <p:spPr>
           <a:xfrm>
-            <a:off x="4299858" y="4963885"/>
-            <a:ext cx="1698172" cy="1698172"/>
+            <a:off x="6357258" y="4859792"/>
+            <a:ext cx="1317171" cy="1317171"/>
           </a:xfrm>
           <a:prstGeom prst="rect">
             <a:avLst/>
@@ -11025,15 +11261,25 @@
           <a:p>
             <a:r>
               <a:rPr lang="ru-RU" dirty="0"/>
-              <a:t>Пример из жизни: </a:t>
-            </a:r>
+              <a:t>Пример из жизни:</a:t>
+            </a:r>
+            <a:endParaRPr lang="en-US" dirty="0"/>
+          </a:p>
+          <a:p>
+            <a:pPr lvl="1"/>
             <a:r>
               <a:rPr lang="en-US" dirty="0">
                 <a:hlinkClick r:id="rId3"/>
               </a:rPr>
-              <a:t>bit.ly/3NpcO2v</a:t>
-            </a:r>
-            <a:endParaRPr lang="ru-RU" dirty="0"/>
+              <a:t>Bug hunting fun with std::sort</a:t>
+            </a:r>
+            <a:endParaRPr lang="en-US" dirty="0"/>
+          </a:p>
+          <a:p>
+            <a:pPr lvl="1"/>
+            <a:endParaRPr lang="en-US" dirty="0">
+              <a:hlinkClick r:id="rId4"/>
+            </a:endParaRPr>
           </a:p>
           <a:p>
             <a:endParaRPr lang="en-US" dirty="0"/>
@@ -11055,7 +11301,7 @@
           <p:nvPr/>
         </p:nvPicPr>
         <p:blipFill>
-          <a:blip r:embed="rId4">
+          <a:blip r:embed="rId5">
             <a:extLst>
               <a:ext uri="{28A0092B-C50C-407E-A947-70E740481C1C}">
                 <a14:useLocalDpi xmlns:a14="http://schemas.microsoft.com/office/drawing/2010/main" val="0"/>
@@ -11068,8 +11314,8 @@
         </p:blipFill>
         <p:spPr>
           <a:xfrm>
-            <a:off x="8033657" y="3918857"/>
-            <a:ext cx="1959429" cy="1959429"/>
+            <a:off x="5671457" y="4424363"/>
+            <a:ext cx="1469571" cy="1469571"/>
           </a:xfrm>
           <a:prstGeom prst="rect">
             <a:avLst/>
@@ -12847,14 +13093,10 @@
           <a:p>
             <a:pPr lvl="1"/>
             <a:r>
-              <a:rPr lang="ru-RU" dirty="0">
-                <a:hlinkClick r:id="rId2"/>
-              </a:rPr>
-              <a:t>https://gcc.gnu.org/bugzilla/show_bug.cgi?id=68988</a:t>
-            </a:r>
-            <a:r>
-              <a:rPr lang="en-US" dirty="0"/>
-              <a:t> </a:t>
+              <a:rPr lang="en-US" dirty="0">
+                <a:hlinkClick r:id="rId3"/>
+              </a:rPr>
+              <a:t>GCC Bugzilla #68988</a:t>
             </a:r>
             <a:endParaRPr lang="ru-RU" dirty="0"/>
           </a:p>
@@ -12863,6 +13105,42 @@
           </a:p>
         </p:txBody>
       </p:sp>
+      <p:pic>
+        <p:nvPicPr>
+          <p:cNvPr id="5" name="Picture 4">
+            <a:extLst>
+              <a:ext uri="{FF2B5EF4-FFF2-40B4-BE49-F238E27FC236}">
+                <a16:creationId xmlns:a16="http://schemas.microsoft.com/office/drawing/2014/main" id="{BD4DE0CF-ECA9-4273-B464-85D2AFDAFB9C}"/>
+              </a:ext>
+            </a:extLst>
+          </p:cNvPr>
+          <p:cNvPicPr>
+            <a:picLocks noChangeAspect="1"/>
+          </p:cNvPicPr>
+          <p:nvPr/>
+        </p:nvPicPr>
+        <p:blipFill>
+          <a:blip r:embed="rId4">
+            <a:extLst>
+              <a:ext uri="{28A0092B-C50C-407E-A947-70E740481C1C}">
+                <a14:useLocalDpi xmlns:a14="http://schemas.microsoft.com/office/drawing/2010/main" val="0"/>
+              </a:ext>
+            </a:extLst>
+          </a:blip>
+          <a:stretch>
+            <a:fillRect/>
+          </a:stretch>
+        </p:blipFill>
+        <p:spPr>
+          <a:xfrm>
+            <a:off x="4463144" y="5225142"/>
+            <a:ext cx="1371600" cy="1371600"/>
+          </a:xfrm>
+          <a:prstGeom prst="rect">
+            <a:avLst/>
+          </a:prstGeom>
+        </p:spPr>
+      </p:pic>
     </p:spTree>
     <p:extLst>
       <p:ext uri="{BB962C8B-B14F-4D97-AF65-F5344CB8AC3E}">
@@ -16950,7 +17228,7 @@
           <a:p>
             <a:r>
               <a:rPr lang="ru-RU" dirty="0"/>
-              <a:t>Пример ошибки в компараторе</a:t>
+              <a:t>Пример использования компаратора</a:t>
             </a:r>
             <a:endParaRPr lang="en-US" dirty="0"/>
           </a:p>

--- a/2023/RU.pptx
+++ b/2023/RU.pptx
@@ -261,7 +261,7 @@
           <a:p>
             <a:fld id="{A36A2EB4-42A0-4A9F-94AC-04D10C1F231A}" type="datetimeFigureOut">
               <a:rPr lang="en-US" smtClean="0"/>
-              <a:t>5/2/2023</a:t>
+              <a:t>5/4/2023</a:t>
             </a:fld>
             <a:endParaRPr lang="en-US"/>
           </a:p>
@@ -2750,6 +2750,94 @@
 </p:notes>
 </file>
 
+<file path=ppt/notesSlides/notesSlide29.xml><?xml version="1.0" encoding="utf-8"?>
+<p:notes xmlns:a="http://schemas.openxmlformats.org/drawingml/2006/main" xmlns:r="http://schemas.openxmlformats.org/officeDocument/2006/relationships" xmlns:p="http://schemas.openxmlformats.org/presentationml/2006/main">
+  <p:cSld>
+    <p:spTree>
+      <p:nvGrpSpPr>
+        <p:cNvPr id="1" name=""/>
+        <p:cNvGrpSpPr/>
+        <p:nvPr/>
+      </p:nvGrpSpPr>
+      <p:grpSpPr>
+        <a:xfrm>
+          <a:off x="0" y="0"/>
+          <a:ext cx="0" cy="0"/>
+          <a:chOff x="0" y="0"/>
+          <a:chExt cx="0" cy="0"/>
+        </a:xfrm>
+      </p:grpSpPr>
+      <p:sp>
+        <p:nvSpPr>
+          <p:cNvPr id="2" name="Slide Image Placeholder 1"/>
+          <p:cNvSpPr>
+            <a:spLocks noGrp="1" noRot="1" noChangeAspect="1"/>
+          </p:cNvSpPr>
+          <p:nvPr>
+            <p:ph type="sldImg"/>
+          </p:nvPr>
+        </p:nvSpPr>
+        <p:spPr/>
+      </p:sp>
+      <p:sp>
+        <p:nvSpPr>
+          <p:cNvPr id="3" name="Notes Placeholder 2"/>
+          <p:cNvSpPr>
+            <a:spLocks noGrp="1"/>
+          </p:cNvSpPr>
+          <p:nvPr>
+            <p:ph type="body" idx="1"/>
+          </p:nvPr>
+        </p:nvSpPr>
+        <p:spPr/>
+        <p:txBody>
+          <a:bodyPr/>
+          <a:lstStyle/>
+          <a:p>
+            <a:r>
+              <a:rPr lang="ru-RU" dirty="0"/>
+              <a:t>Рандомизация также помогает находить больше ошибок в компараторах за счёт расширения покрытия тестируемых элементов.</a:t>
+            </a:r>
+            <a:endParaRPr lang="en-US" dirty="0"/>
+          </a:p>
+        </p:txBody>
+      </p:sp>
+      <p:sp>
+        <p:nvSpPr>
+          <p:cNvPr id="4" name="Slide Number Placeholder 3"/>
+          <p:cNvSpPr>
+            <a:spLocks noGrp="1"/>
+          </p:cNvSpPr>
+          <p:nvPr>
+            <p:ph type="sldNum" sz="quarter" idx="5"/>
+          </p:nvPr>
+        </p:nvSpPr>
+        <p:spPr/>
+        <p:txBody>
+          <a:bodyPr/>
+          <a:lstStyle/>
+          <a:p>
+            <a:fld id="{3AC94D10-082F-46D7-A834-266F9222130F}" type="slidenum">
+              <a:rPr lang="en-US" smtClean="0"/>
+              <a:t>47</a:t>
+            </a:fld>
+            <a:endParaRPr lang="en-US"/>
+          </a:p>
+        </p:txBody>
+      </p:sp>
+    </p:spTree>
+    <p:extLst>
+      <p:ext uri="{BB962C8B-B14F-4D97-AF65-F5344CB8AC3E}">
+        <p14:creationId xmlns:p14="http://schemas.microsoft.com/office/powerpoint/2010/main" val="196796120"/>
+      </p:ext>
+    </p:extLst>
+  </p:cSld>
+  <p:clrMapOvr>
+    <a:masterClrMapping/>
+  </p:clrMapOvr>
+</p:notes>
+</file>
+
 <file path=ppt/notesSlides/notesSlide3.xml><?xml version="1.0" encoding="utf-8"?>
 <p:notes xmlns:a="http://schemas.openxmlformats.org/drawingml/2006/main" xmlns:r="http://schemas.openxmlformats.org/officeDocument/2006/relationships" xmlns:p="http://schemas.openxmlformats.org/presentationml/2006/main">
   <p:cSld>
@@ -3764,7 +3852,7 @@
           <a:p>
             <a:fld id="{83D30A23-1FB6-43A1-891F-95145083C4E9}" type="datetime1">
               <a:rPr lang="en-US" smtClean="0"/>
-              <a:t>5/2/2023</a:t>
+              <a:t>5/4/2023</a:t>
             </a:fld>
             <a:endParaRPr lang="en-US"/>
           </a:p>
@@ -3962,7 +4050,7 @@
           <a:p>
             <a:fld id="{A4B03399-60D8-4226-8AC7-3F159D57E860}" type="datetime1">
               <a:rPr lang="en-US" smtClean="0"/>
-              <a:t>5/2/2023</a:t>
+              <a:t>5/4/2023</a:t>
             </a:fld>
             <a:endParaRPr lang="en-US"/>
           </a:p>
@@ -4170,7 +4258,7 @@
           <a:p>
             <a:fld id="{1A646459-A066-416D-8E21-9D451FB1CBED}" type="datetime1">
               <a:rPr lang="en-US" smtClean="0"/>
-              <a:t>5/2/2023</a:t>
+              <a:t>5/4/2023</a:t>
             </a:fld>
             <a:endParaRPr lang="en-US"/>
           </a:p>
@@ -4368,7 +4456,7 @@
           <a:p>
             <a:fld id="{0636B939-1A2A-498F-9013-EEF28820D750}" type="datetime1">
               <a:rPr lang="en-US" smtClean="0"/>
-              <a:t>5/2/2023</a:t>
+              <a:t>5/4/2023</a:t>
             </a:fld>
             <a:endParaRPr lang="en-US"/>
           </a:p>
@@ -4682,7 +4770,7 @@
           <a:p>
             <a:fld id="{97D3760A-E884-42F2-A44C-F32FAA030BF6}" type="datetime1">
               <a:rPr lang="en-US" smtClean="0"/>
-              <a:t>5/2/2023</a:t>
+              <a:t>5/4/2023</a:t>
             </a:fld>
             <a:endParaRPr lang="en-US"/>
           </a:p>
@@ -4947,7 +5035,7 @@
           <a:p>
             <a:fld id="{4FC7535E-ABF1-4A69-B09E-251EF8B13143}" type="datetime1">
               <a:rPr lang="en-US" smtClean="0"/>
-              <a:t>5/2/2023</a:t>
+              <a:t>5/4/2023</a:t>
             </a:fld>
             <a:endParaRPr lang="en-US"/>
           </a:p>
@@ -5359,7 +5447,7 @@
           <a:p>
             <a:fld id="{CE54BCFC-68A7-4C68-9600-D4AAA16CF9A6}" type="datetime1">
               <a:rPr lang="en-US" smtClean="0"/>
-              <a:t>5/2/2023</a:t>
+              <a:t>5/4/2023</a:t>
             </a:fld>
             <a:endParaRPr lang="en-US"/>
           </a:p>
@@ -5500,7 +5588,7 @@
           <a:p>
             <a:fld id="{0F981744-C4F3-4F58-9E0E-AF6C4E78D03B}" type="datetime1">
               <a:rPr lang="en-US" smtClean="0"/>
-              <a:t>5/2/2023</a:t>
+              <a:t>5/4/2023</a:t>
             </a:fld>
             <a:endParaRPr lang="en-US"/>
           </a:p>
@@ -5613,7 +5701,7 @@
           <a:p>
             <a:fld id="{98ED47E1-EA96-4683-9629-E838295B20BC}" type="datetime1">
               <a:rPr lang="en-US" smtClean="0"/>
-              <a:t>5/2/2023</a:t>
+              <a:t>5/4/2023</a:t>
             </a:fld>
             <a:endParaRPr lang="en-US"/>
           </a:p>
@@ -5924,7 +6012,7 @@
           <a:p>
             <a:fld id="{2F2A1627-B435-455B-A0CA-0808E5748D61}" type="datetime1">
               <a:rPr lang="en-US" smtClean="0"/>
-              <a:t>5/2/2023</a:t>
+              <a:t>5/4/2023</a:t>
             </a:fld>
             <a:endParaRPr lang="en-US"/>
           </a:p>
@@ -6212,7 +6300,7 @@
           <a:p>
             <a:fld id="{FE11CB43-EB9E-4C41-ACD2-0EC61FB429F2}" type="datetime1">
               <a:rPr lang="en-US" smtClean="0"/>
-              <a:t>5/2/2023</a:t>
+              <a:t>5/4/2023</a:t>
             </a:fld>
             <a:endParaRPr lang="en-US"/>
           </a:p>
@@ -6453,7 +6541,7 @@
           <a:p>
             <a:fld id="{CC0B8F92-0932-40E4-878B-3E2E4AAA6810}" type="datetime1">
               <a:rPr lang="en-US" smtClean="0"/>
-              <a:t>5/2/2023</a:t>
+              <a:t>5/4/2023</a:t>
             </a:fld>
             <a:endParaRPr lang="en-US"/>
           </a:p>
@@ -9943,7 +10031,9 @@
         </p:nvSpPr>
         <p:spPr/>
         <p:txBody>
-          <a:bodyPr/>
+          <a:bodyPr>
+            <a:normAutofit/>
+          </a:bodyPr>
           <a:lstStyle/>
           <a:p>
             <a:r>
@@ -9956,7 +10046,7 @@
             </a:r>
             <a:r>
               <a:rPr lang="ru-RU" dirty="0"/>
-              <a:t>лексикографический порядок</a:t>
+              <a:t>неправильный лексикографический порядок</a:t>
             </a:r>
             <a:endParaRPr lang="en-US" dirty="0"/>
           </a:p>
@@ -9980,7 +10070,7 @@
         </p:nvSpPr>
         <p:spPr>
           <a:xfrm>
-            <a:off x="620485" y="1814739"/>
+            <a:off x="620485" y="1901827"/>
             <a:ext cx="5127173" cy="4401004"/>
           </a:xfrm>
         </p:spPr>
@@ -10034,7 +10124,7 @@
         </p:nvSpPr>
         <p:spPr>
           <a:xfrm>
-            <a:off x="6096000" y="1690688"/>
+            <a:off x="6096000" y="1777776"/>
             <a:ext cx="5878286" cy="4100513"/>
           </a:xfrm>
           <a:prstGeom prst="rect">
@@ -14241,7 +14331,7 @@
           <a:p>
             <a:r>
               <a:rPr lang="ru-RU" dirty="0"/>
-              <a:t>Функции-предикаты для сравнения элементов какого-либо типа</a:t>
+              <a:t>Функторы-предикаты для сравнения элементов какого-либо типа</a:t>
             </a:r>
             <a:endParaRPr lang="en-US" dirty="0"/>
           </a:p>
@@ -14778,7 +14868,7 @@
                 <a:latin typeface="Courier New" panose="02070309020205020404" pitchFamily="49" charset="0"/>
                 <a:cs typeface="Courier New" panose="02070309020205020404" pitchFamily="49" charset="0"/>
               </a:rPr>
-              <a:t> tmp.cc -- -DN=50</a:t>
+              <a:t> tmp.cc -- -DSIZE=50</a:t>
             </a:r>
             <a:endParaRPr lang="en-US" dirty="0"/>
           </a:p>
@@ -14811,7 +14901,7 @@
                 <a:latin typeface="Courier New" panose="02070309020205020404" pitchFamily="49" charset="0"/>
                 <a:cs typeface="Courier New" panose="02070309020205020404" pitchFamily="49" charset="0"/>
               </a:rPr>
-              <a:t>$ g++ -g -DN=50 -</a:t>
+              <a:t>$ g++ -g -DSIZE=50 -</a:t>
             </a:r>
             <a:r>
               <a:rPr lang="en-US" dirty="0" err="1">
@@ -16048,14 +16138,14 @@
           <a:p>
             <a:r>
               <a:rPr lang="ru-RU" dirty="0"/>
-              <a:t>Неопределённый порядок сортировки эквивалентных элементов</a:t>
+              <a:t>Расчёт на определённый порядок сортировки эквивалентных элементов</a:t>
             </a:r>
           </a:p>
           <a:p>
             <a:pPr lvl="1"/>
             <a:r>
               <a:rPr lang="ru-RU" dirty="0"/>
-              <a:t>проверяется в </a:t>
+              <a:t>проверяется в отладочной </a:t>
             </a:r>
             <a:r>
               <a:rPr lang="en-US" dirty="0" err="1"/>
@@ -16067,25 +16157,15 @@
             </a:r>
             <a:r>
               <a:rPr lang="ru-RU" dirty="0"/>
+              <a:t>(-</a:t>
+            </a:r>
+            <a:r>
+              <a:rPr lang="en-US" dirty="0"/>
+              <a:t>D_LIBCPP_ENABLE_DEBUG_MODE) </a:t>
+            </a:r>
+            <a:r>
+              <a:rPr lang="ru-RU" dirty="0"/>
               <a:t>с помощью рандомизации</a:t>
-            </a:r>
-            <a:endParaRPr lang="en-US" dirty="0"/>
-          </a:p>
-          <a:p>
-            <a:pPr lvl="1"/>
-            <a:r>
-              <a:rPr lang="ru-RU" dirty="0">
-                <a:latin typeface="Courier New" panose="02070309020205020404" pitchFamily="49" charset="0"/>
-                <a:cs typeface="Courier New" panose="02070309020205020404" pitchFamily="49" charset="0"/>
-              </a:rPr>
-              <a:t>-</a:t>
-            </a:r>
-            <a:r>
-              <a:rPr lang="en-US" dirty="0">
-                <a:latin typeface="Courier New" panose="02070309020205020404" pitchFamily="49" charset="0"/>
-                <a:cs typeface="Courier New" panose="02070309020205020404" pitchFamily="49" charset="0"/>
-              </a:rPr>
-              <a:t>D_LIBCPP_DEBUG_RANDOMIZE_UNSPECIFIED_STABILITY_SEED</a:t>
             </a:r>
             <a:endParaRPr lang="en-US" dirty="0"/>
           </a:p>
@@ -17374,7 +17454,7 @@
                 <a:latin typeface="Courier New" panose="02070309020205020404" pitchFamily="49" charset="0"/>
                 <a:cs typeface="Courier New" panose="02070309020205020404" pitchFamily="49" charset="0"/>
               </a:rPr>
-              <a:t> &lt; N; ++</a:t>
+              <a:t> &lt; SIZE; ++</a:t>
             </a:r>
             <a:r>
               <a:rPr lang="en-US" dirty="0" err="1">
@@ -17640,7 +17720,7 @@
                 <a:latin typeface="Courier New" panose="02070309020205020404" pitchFamily="49" charset="0"/>
                 <a:cs typeface="Courier New" panose="02070309020205020404" pitchFamily="49" charset="0"/>
               </a:rPr>
-              <a:t>$ g++ -g -DN=10 bad.cc &amp;&amp; ./</a:t>
+              <a:t>$ g++ -g -DSIZE=10 bad.cc &amp;&amp; ./</a:t>
             </a:r>
             <a:r>
               <a:rPr lang="en-US" dirty="0" err="1">
@@ -17866,7 +17946,7 @@
                 <a:latin typeface="Courier New" panose="02070309020205020404" pitchFamily="49" charset="0"/>
                 <a:cs typeface="Courier New" panose="02070309020205020404" pitchFamily="49" charset="0"/>
               </a:rPr>
-              <a:t>$ g++ -g -DN=50 bad.cc &amp;&amp; ./</a:t>
+              <a:t>$ g++ -g -DSIZE=50 bad.cc &amp;&amp; ./</a:t>
             </a:r>
             <a:r>
               <a:rPr lang="en-US" dirty="0" err="1">
@@ -18101,7 +18181,7 @@
                 <a:latin typeface="Courier New" panose="02070309020205020404" pitchFamily="49" charset="0"/>
                 <a:cs typeface="Courier New" panose="02070309020205020404" pitchFamily="49" charset="0"/>
               </a:rPr>
-              <a:t>$ g++ -g -DN=50 -</a:t>
+              <a:t>$ g++ -g -DSIZE=50 -</a:t>
             </a:r>
             <a:r>
               <a:rPr lang="en-US" sz="1200" dirty="0" err="1">

--- a/2023/RU.pptx
+++ b/2023/RU.pptx
@@ -5,7 +5,7 @@
     <p:sldMasterId id="2147483648" r:id="rId1"/>
   </p:sldMasterIdLst>
   <p:notesMasterIdLst>
-    <p:notesMasterId r:id="rId55"/>
+    <p:notesMasterId r:id="rId57"/>
   </p:notesMasterIdLst>
   <p:sldIdLst>
     <p:sldId id="256" r:id="rId2"/>
@@ -40,27 +40,29 @@
     <p:sldId id="282" r:id="rId31"/>
     <p:sldId id="283" r:id="rId32"/>
     <p:sldId id="284" r:id="rId33"/>
-    <p:sldId id="286" r:id="rId34"/>
-    <p:sldId id="287" r:id="rId35"/>
-    <p:sldId id="285" r:id="rId36"/>
-    <p:sldId id="312" r:id="rId37"/>
-    <p:sldId id="289" r:id="rId38"/>
-    <p:sldId id="290" r:id="rId39"/>
-    <p:sldId id="291" r:id="rId40"/>
-    <p:sldId id="307" r:id="rId41"/>
-    <p:sldId id="292" r:id="rId42"/>
-    <p:sldId id="293" r:id="rId43"/>
-    <p:sldId id="294" r:id="rId44"/>
-    <p:sldId id="295" r:id="rId45"/>
-    <p:sldId id="296" r:id="rId46"/>
-    <p:sldId id="297" r:id="rId47"/>
-    <p:sldId id="298" r:id="rId48"/>
-    <p:sldId id="299" r:id="rId49"/>
-    <p:sldId id="276" r:id="rId50"/>
-    <p:sldId id="278" r:id="rId51"/>
-    <p:sldId id="303" r:id="rId52"/>
-    <p:sldId id="305" r:id="rId53"/>
-    <p:sldId id="304" r:id="rId54"/>
+    <p:sldId id="313" r:id="rId34"/>
+    <p:sldId id="314" r:id="rId35"/>
+    <p:sldId id="315" r:id="rId36"/>
+    <p:sldId id="286" r:id="rId37"/>
+    <p:sldId id="285" r:id="rId38"/>
+    <p:sldId id="312" r:id="rId39"/>
+    <p:sldId id="289" r:id="rId40"/>
+    <p:sldId id="290" r:id="rId41"/>
+    <p:sldId id="291" r:id="rId42"/>
+    <p:sldId id="307" r:id="rId43"/>
+    <p:sldId id="292" r:id="rId44"/>
+    <p:sldId id="293" r:id="rId45"/>
+    <p:sldId id="294" r:id="rId46"/>
+    <p:sldId id="295" r:id="rId47"/>
+    <p:sldId id="296" r:id="rId48"/>
+    <p:sldId id="297" r:id="rId49"/>
+    <p:sldId id="298" r:id="rId50"/>
+    <p:sldId id="299" r:id="rId51"/>
+    <p:sldId id="276" r:id="rId52"/>
+    <p:sldId id="278" r:id="rId53"/>
+    <p:sldId id="303" r:id="rId54"/>
+    <p:sldId id="305" r:id="rId55"/>
+    <p:sldId id="304" r:id="rId56"/>
   </p:sldIdLst>
   <p:sldSz cx="12192000" cy="6858000"/>
   <p:notesSz cx="6858000" cy="9144000"/>
@@ -261,7 +263,7 @@
           <a:p>
             <a:fld id="{A36A2EB4-42A0-4A9F-94AC-04D10C1F231A}" type="datetimeFigureOut">
               <a:rPr lang="en-US" smtClean="0"/>
-              <a:t>5/4/2023</a:t>
+              <a:t>5/7/2023</a:t>
             </a:fld>
             <a:endParaRPr lang="en-US"/>
           </a:p>
@@ -2321,9 +2323,18 @@
           <a:lstStyle/>
           <a:p>
             <a:r>
+              <a:rPr lang="ru-RU" dirty="0"/>
+              <a:t>Этот паттерн часто встречается и в других ситуациях</a:t>
+            </a:r>
+            <a:r>
               <a:rPr lang="en-US" dirty="0"/>
-              <a:t>TODO</a:t>
-            </a:r>
+              <a:t> </a:t>
+            </a:r>
+            <a:r>
+              <a:rPr lang="ru-RU" dirty="0"/>
+              <a:t>в более завуалированной форме.</a:t>
+            </a:r>
+            <a:endParaRPr lang="en-US" dirty="0"/>
           </a:p>
         </p:txBody>
       </p:sp>
@@ -2353,7 +2364,7 @@
     </p:spTree>
     <p:extLst>
       <p:ext uri="{BB962C8B-B14F-4D97-AF65-F5344CB8AC3E}">
-        <p14:creationId xmlns:p14="http://schemas.microsoft.com/office/powerpoint/2010/main" val="465010158"/>
+        <p14:creationId xmlns:p14="http://schemas.microsoft.com/office/powerpoint/2010/main" val="1004655974"/>
       </p:ext>
     </p:extLst>
   </p:cSld>
@@ -2408,14 +2419,24 @@
           <a:lstStyle/>
           <a:p>
             <a:r>
-              <a:rPr lang="ru-RU" dirty="0">
-                <a:hlinkClick r:id="rId3"/>
-              </a:rPr>
-              <a:t>https://gcc.gnu.org/bugzilla/show_bug.cgi?id=68988</a:t>
+              <a:rPr lang="ru-RU" dirty="0"/>
+              <a:t>Очень легко нарушить условия транзитивности</a:t>
             </a:r>
             <a:r>
               <a:rPr lang="en-US" dirty="0"/>
-              <a:t> (https://bit.ly/3LprRq7)</a:t>
+              <a:t>, </a:t>
+            </a:r>
+            <a:r>
+              <a:rPr lang="ru-RU" dirty="0"/>
+              <a:t>т.к. comp_special и comp_</a:t>
+            </a:r>
+            <a:r>
+              <a:rPr lang="en-US" dirty="0"/>
+              <a:t>default</a:t>
+            </a:r>
+            <a:r>
+              <a:rPr lang="ru-RU" dirty="0"/>
+              <a:t> как правило логически (и алгоритмически) никак не связаны между собой. Обычно они сравнивают совершенно разные поля объектов.</a:t>
             </a:r>
           </a:p>
         </p:txBody>
@@ -2437,7 +2458,7 @@
           <a:p>
             <a:fld id="{3AC94D10-082F-46D7-A834-266F9222130F}" type="slidenum">
               <a:rPr lang="en-US" smtClean="0"/>
-              <a:t>34</a:t>
+              <a:t>36</a:t>
             </a:fld>
             <a:endParaRPr lang="en-US"/>
           </a:p>
@@ -2446,7 +2467,7 @@
     </p:spTree>
     <p:extLst>
       <p:ext uri="{BB962C8B-B14F-4D97-AF65-F5344CB8AC3E}">
-        <p14:creationId xmlns:p14="http://schemas.microsoft.com/office/powerpoint/2010/main" val="3157134868"/>
+        <p14:creationId xmlns:p14="http://schemas.microsoft.com/office/powerpoint/2010/main" val="465010158"/>
       </p:ext>
     </p:extLst>
   </p:cSld>
@@ -2525,7 +2546,7 @@
           <a:p>
             <a:fld id="{3AC94D10-082F-46D7-A834-266F9222130F}" type="slidenum">
               <a:rPr lang="en-US" smtClean="0"/>
-              <a:t>36</a:t>
+              <a:t>38</a:t>
             </a:fld>
             <a:endParaRPr lang="en-US"/>
           </a:p>
@@ -2636,7 +2657,7 @@
           <a:p>
             <a:fld id="{3AC94D10-082F-46D7-A834-266F9222130F}" type="slidenum">
               <a:rPr lang="en-US" smtClean="0"/>
-              <a:t>37</a:t>
+              <a:t>39</a:t>
             </a:fld>
             <a:endParaRPr lang="en-US"/>
           </a:p>
@@ -2731,7 +2752,7 @@
           <a:p>
             <a:fld id="{3AC94D10-082F-46D7-A834-266F9222130F}" type="slidenum">
               <a:rPr lang="en-US" smtClean="0"/>
-              <a:t>40</a:t>
+              <a:t>42</a:t>
             </a:fld>
             <a:endParaRPr lang="en-US"/>
           </a:p>
@@ -2819,7 +2840,7 @@
           <a:p>
             <a:fld id="{3AC94D10-082F-46D7-A834-266F9222130F}" type="slidenum">
               <a:rPr lang="en-US" smtClean="0"/>
-              <a:t>47</a:t>
+              <a:t>49</a:t>
             </a:fld>
             <a:endParaRPr lang="en-US"/>
           </a:p>
@@ -3852,7 +3873,7 @@
           <a:p>
             <a:fld id="{83D30A23-1FB6-43A1-891F-95145083C4E9}" type="datetime1">
               <a:rPr lang="en-US" smtClean="0"/>
-              <a:t>5/4/2023</a:t>
+              <a:t>5/7/2023</a:t>
             </a:fld>
             <a:endParaRPr lang="en-US"/>
           </a:p>
@@ -4050,7 +4071,7 @@
           <a:p>
             <a:fld id="{A4B03399-60D8-4226-8AC7-3F159D57E860}" type="datetime1">
               <a:rPr lang="en-US" smtClean="0"/>
-              <a:t>5/4/2023</a:t>
+              <a:t>5/7/2023</a:t>
             </a:fld>
             <a:endParaRPr lang="en-US"/>
           </a:p>
@@ -4258,7 +4279,7 @@
           <a:p>
             <a:fld id="{1A646459-A066-416D-8E21-9D451FB1CBED}" type="datetime1">
               <a:rPr lang="en-US" smtClean="0"/>
-              <a:t>5/4/2023</a:t>
+              <a:t>5/7/2023</a:t>
             </a:fld>
             <a:endParaRPr lang="en-US"/>
           </a:p>
@@ -4456,7 +4477,7 @@
           <a:p>
             <a:fld id="{0636B939-1A2A-498F-9013-EEF28820D750}" type="datetime1">
               <a:rPr lang="en-US" smtClean="0"/>
-              <a:t>5/4/2023</a:t>
+              <a:t>5/7/2023</a:t>
             </a:fld>
             <a:endParaRPr lang="en-US"/>
           </a:p>
@@ -4770,7 +4791,7 @@
           <a:p>
             <a:fld id="{97D3760A-E884-42F2-A44C-F32FAA030BF6}" type="datetime1">
               <a:rPr lang="en-US" smtClean="0"/>
-              <a:t>5/4/2023</a:t>
+              <a:t>5/7/2023</a:t>
             </a:fld>
             <a:endParaRPr lang="en-US"/>
           </a:p>
@@ -5035,7 +5056,7 @@
           <a:p>
             <a:fld id="{4FC7535E-ABF1-4A69-B09E-251EF8B13143}" type="datetime1">
               <a:rPr lang="en-US" smtClean="0"/>
-              <a:t>5/4/2023</a:t>
+              <a:t>5/7/2023</a:t>
             </a:fld>
             <a:endParaRPr lang="en-US"/>
           </a:p>
@@ -5447,7 +5468,7 @@
           <a:p>
             <a:fld id="{CE54BCFC-68A7-4C68-9600-D4AAA16CF9A6}" type="datetime1">
               <a:rPr lang="en-US" smtClean="0"/>
-              <a:t>5/4/2023</a:t>
+              <a:t>5/7/2023</a:t>
             </a:fld>
             <a:endParaRPr lang="en-US"/>
           </a:p>
@@ -5588,7 +5609,7 @@
           <a:p>
             <a:fld id="{0F981744-C4F3-4F58-9E0E-AF6C4E78D03B}" type="datetime1">
               <a:rPr lang="en-US" smtClean="0"/>
-              <a:t>5/4/2023</a:t>
+              <a:t>5/7/2023</a:t>
             </a:fld>
             <a:endParaRPr lang="en-US"/>
           </a:p>
@@ -5701,7 +5722,7 @@
           <a:p>
             <a:fld id="{98ED47E1-EA96-4683-9629-E838295B20BC}" type="datetime1">
               <a:rPr lang="en-US" smtClean="0"/>
-              <a:t>5/4/2023</a:t>
+              <a:t>5/7/2023</a:t>
             </a:fld>
             <a:endParaRPr lang="en-US"/>
           </a:p>
@@ -6012,7 +6033,7 @@
           <a:p>
             <a:fld id="{2F2A1627-B435-455B-A0CA-0808E5748D61}" type="datetime1">
               <a:rPr lang="en-US" smtClean="0"/>
-              <a:t>5/4/2023</a:t>
+              <a:t>5/7/2023</a:t>
             </a:fld>
             <a:endParaRPr lang="en-US"/>
           </a:p>
@@ -6300,7 +6321,7 @@
           <a:p>
             <a:fld id="{FE11CB43-EB9E-4C41-ACD2-0EC61FB429F2}" type="datetime1">
               <a:rPr lang="en-US" smtClean="0"/>
-              <a:t>5/4/2023</a:t>
+              <a:t>5/7/2023</a:t>
             </a:fld>
             <a:endParaRPr lang="en-US"/>
           </a:p>
@@ -6541,7 +6562,7 @@
           <a:p>
             <a:fld id="{CC0B8F92-0932-40E4-878B-3E2E4AAA6810}" type="datetime1">
               <a:rPr lang="en-US" smtClean="0"/>
-              <a:t>5/4/2023</a:t>
+              <a:t>5/7/2023</a:t>
             </a:fld>
             <a:endParaRPr lang="en-US"/>
           </a:p>
@@ -12235,9 +12256,6 @@
             </a:r>
           </a:p>
           <a:p>
-            <a:endParaRPr lang="en-US" dirty="0"/>
-          </a:p>
-          <a:p>
             <a:pPr marL="457200" lvl="1" indent="0">
               <a:buNone/>
             </a:pPr>
@@ -12312,7 +12330,22 @@
             </a:r>
           </a:p>
           <a:p>
-            <a:endParaRPr lang="en-US" dirty="0"/>
+            <a:r>
+              <a:rPr lang="ru-RU" dirty="0"/>
+              <a:t>В случае </a:t>
+            </a:r>
+            <a:r>
+              <a:rPr lang="en-US" dirty="0"/>
+              <a:t>std::map </a:t>
+            </a:r>
+            <a:r>
+              <a:rPr lang="ru-RU" dirty="0"/>
+              <a:t>сделать классс-обёртку над </a:t>
+            </a:r>
+            <a:r>
+              <a:rPr lang="en-US" dirty="0"/>
+              <a:t>float</a:t>
+            </a:r>
           </a:p>
         </p:txBody>
       </p:sp>
@@ -12761,7 +12794,7 @@
           <p:cNvPr id="2" name="Title 1">
             <a:extLst>
               <a:ext uri="{FF2B5EF4-FFF2-40B4-BE49-F238E27FC236}">
-                <a16:creationId xmlns:a16="http://schemas.microsoft.com/office/drawing/2014/main" id="{2A19E494-9936-451A-BF6D-29D50118093A}"/>
+                <a16:creationId xmlns:a16="http://schemas.microsoft.com/office/drawing/2014/main" id="{897E4EB9-3E73-4D16-A267-2453B3C7723C}"/>
               </a:ext>
             </a:extLst>
           </p:cNvPr>
@@ -12787,7 +12820,7 @@
             </a:r>
             <a:r>
               <a:rPr lang="ru-RU" dirty="0"/>
-              <a:t> сравнение особых объектов отдельным алгоритмом</a:t>
+              <a:t> некорректная обработка специального случая</a:t>
             </a:r>
             <a:endParaRPr lang="en-US" dirty="0"/>
           </a:p>
@@ -12798,7 +12831,7 @@
           <p:cNvPr id="3" name="Content Placeholder 2">
             <a:extLst>
               <a:ext uri="{FF2B5EF4-FFF2-40B4-BE49-F238E27FC236}">
-                <a16:creationId xmlns:a16="http://schemas.microsoft.com/office/drawing/2014/main" id="{E34877F2-0E42-46CD-89A4-90C23BB090A5}"/>
+                <a16:creationId xmlns:a16="http://schemas.microsoft.com/office/drawing/2014/main" id="{1A1AB472-A844-4C1B-A37F-F4A1D7E62846}"/>
               </a:ext>
             </a:extLst>
           </p:cNvPr>
@@ -12811,12 +12844,14 @@
         </p:nvSpPr>
         <p:spPr>
           <a:xfrm>
-            <a:off x="838200" y="2293711"/>
-            <a:ext cx="10515600" cy="4351338"/>
+            <a:off x="1034143" y="2892427"/>
+            <a:ext cx="6596743" cy="2572204"/>
           </a:xfrm>
         </p:spPr>
         <p:txBody>
-          <a:bodyPr/>
+          <a:bodyPr>
+            <a:normAutofit/>
+          </a:bodyPr>
           <a:lstStyle/>
           <a:p>
             <a:pPr marL="0" indent="0">
@@ -12830,103 +12865,18 @@
                 <a:latin typeface="Courier New" panose="02070309020205020404" pitchFamily="49" charset="0"/>
                 <a:cs typeface="Courier New" panose="02070309020205020404" pitchFamily="49" charset="0"/>
               </a:rPr>
-              <a:t>auto comp = [](Object a, Object b) {</a:t>
-            </a:r>
-          </a:p>
-          <a:p>
-            <a:pPr marL="0" indent="0">
-              <a:buNone/>
-            </a:pPr>
-            <a:r>
-              <a:rPr lang="en-US" sz="2400" dirty="0">
-                <a:solidFill>
-                  <a:srgbClr val="FF0000"/>
-                </a:solidFill>
-                <a:latin typeface="Courier New" panose="02070309020205020404" pitchFamily="49" charset="0"/>
-                <a:cs typeface="Courier New" panose="02070309020205020404" pitchFamily="49" charset="0"/>
-              </a:rPr>
-              <a:t>  if (</a:t>
+              <a:t>[](A </a:t>
             </a:r>
             <a:r>
               <a:rPr lang="en-US" sz="2400" dirty="0" err="1">
                 <a:solidFill>
-                  <a:srgbClr val="FF0000"/>
+                  <a:prstClr val="black"/>
                 </a:solidFill>
                 <a:latin typeface="Courier New" panose="02070309020205020404" pitchFamily="49" charset="0"/>
                 <a:cs typeface="Courier New" panose="02070309020205020404" pitchFamily="49" charset="0"/>
               </a:rPr>
-              <a:t>is_special</a:t>
-            </a:r>
-            <a:r>
-              <a:rPr lang="en-US" sz="2400" dirty="0">
-                <a:solidFill>
-                  <a:srgbClr val="FF0000"/>
-                </a:solidFill>
-                <a:latin typeface="Courier New" panose="02070309020205020404" pitchFamily="49" charset="0"/>
-                <a:cs typeface="Courier New" panose="02070309020205020404" pitchFamily="49" charset="0"/>
-              </a:rPr>
-              <a:t>(a) &amp;&amp; </a:t>
-            </a:r>
-            <a:r>
-              <a:rPr lang="en-US" sz="2400" dirty="0" err="1">
-                <a:solidFill>
-                  <a:srgbClr val="FF0000"/>
-                </a:solidFill>
-                <a:latin typeface="Courier New" panose="02070309020205020404" pitchFamily="49" charset="0"/>
-                <a:cs typeface="Courier New" panose="02070309020205020404" pitchFamily="49" charset="0"/>
-              </a:rPr>
-              <a:t>is_special</a:t>
-            </a:r>
-            <a:r>
-              <a:rPr lang="en-US" sz="2400" dirty="0">
-                <a:solidFill>
-                  <a:srgbClr val="FF0000"/>
-                </a:solidFill>
-                <a:latin typeface="Courier New" panose="02070309020205020404" pitchFamily="49" charset="0"/>
-                <a:cs typeface="Courier New" panose="02070309020205020404" pitchFamily="49" charset="0"/>
-              </a:rPr>
-              <a:t>(b))</a:t>
-            </a:r>
-          </a:p>
-          <a:p>
-            <a:pPr marL="0" indent="0">
-              <a:buNone/>
-            </a:pPr>
-            <a:r>
-              <a:rPr lang="en-US" sz="2400" dirty="0">
-                <a:solidFill>
-                  <a:srgbClr val="FF0000"/>
-                </a:solidFill>
-                <a:latin typeface="Courier New" panose="02070309020205020404" pitchFamily="49" charset="0"/>
-                <a:cs typeface="Courier New" panose="02070309020205020404" pitchFamily="49" charset="0"/>
-              </a:rPr>
-              <a:t>    return </a:t>
-            </a:r>
-            <a:r>
-              <a:rPr lang="en-US" sz="2400" dirty="0" err="1">
-                <a:solidFill>
-                  <a:srgbClr val="FF0000"/>
-                </a:solidFill>
-                <a:latin typeface="Courier New" panose="02070309020205020404" pitchFamily="49" charset="0"/>
-                <a:cs typeface="Courier New" panose="02070309020205020404" pitchFamily="49" charset="0"/>
-              </a:rPr>
-              <a:t>comp_special</a:t>
-            </a:r>
-            <a:r>
-              <a:rPr lang="en-US" sz="2400" dirty="0">
-                <a:solidFill>
-                  <a:srgbClr val="FF0000"/>
-                </a:solidFill>
-                <a:latin typeface="Courier New" panose="02070309020205020404" pitchFamily="49" charset="0"/>
-                <a:cs typeface="Courier New" panose="02070309020205020404" pitchFamily="49" charset="0"/>
-              </a:rPr>
-              <a:t>(a, b);</a:t>
-            </a:r>
-          </a:p>
-          <a:p>
-            <a:pPr marL="0" indent="0">
-              <a:buNone/>
-            </a:pPr>
+              <a:t>lhs</a:t>
+            </a:r>
             <a:r>
               <a:rPr lang="en-US" sz="2400" dirty="0">
                 <a:solidFill>
@@ -12935,13 +12885,18 @@
                 <a:latin typeface="Courier New" panose="02070309020205020404" pitchFamily="49" charset="0"/>
                 <a:cs typeface="Courier New" panose="02070309020205020404" pitchFamily="49" charset="0"/>
               </a:rPr>
-              <a:t>  else</a:t>
-            </a:r>
-          </a:p>
-          <a:p>
-            <a:pPr marL="0" indent="0">
-              <a:buNone/>
-            </a:pPr>
+              <a:t>, A </a:t>
+            </a:r>
+            <a:r>
+              <a:rPr lang="en-US" sz="2400" dirty="0" err="1">
+                <a:solidFill>
+                  <a:prstClr val="black"/>
+                </a:solidFill>
+                <a:latin typeface="Courier New" panose="02070309020205020404" pitchFamily="49" charset="0"/>
+                <a:cs typeface="Courier New" panose="02070309020205020404" pitchFamily="49" charset="0"/>
+              </a:rPr>
+              <a:t>rhs</a:t>
+            </a:r>
             <a:r>
               <a:rPr lang="en-US" sz="2400" dirty="0">
                 <a:solidFill>
@@ -12950,7 +12905,22 @@
                 <a:latin typeface="Courier New" panose="02070309020205020404" pitchFamily="49" charset="0"/>
                 <a:cs typeface="Courier New" panose="02070309020205020404" pitchFamily="49" charset="0"/>
               </a:rPr>
-              <a:t>    return </a:t>
+              <a:t>) {</a:t>
+            </a:r>
+          </a:p>
+          <a:p>
+            <a:pPr marL="0" indent="0">
+              <a:buNone/>
+            </a:pPr>
+            <a:r>
+              <a:rPr lang="en-US" sz="2400" dirty="0">
+                <a:solidFill>
+                  <a:prstClr val="black"/>
+                </a:solidFill>
+                <a:latin typeface="Courier New" panose="02070309020205020404" pitchFamily="49" charset="0"/>
+                <a:cs typeface="Courier New" panose="02070309020205020404" pitchFamily="49" charset="0"/>
+              </a:rPr>
+              <a:t>  if (predicate(</a:t>
             </a:r>
             <a:r>
               <a:rPr lang="en-US" sz="2400" dirty="0" err="1">
@@ -12960,7 +12930,7 @@
                 <a:latin typeface="Courier New" panose="02070309020205020404" pitchFamily="49" charset="0"/>
                 <a:cs typeface="Courier New" panose="02070309020205020404" pitchFamily="49" charset="0"/>
               </a:rPr>
-              <a:t>comp_default</a:t>
+              <a:t>lhs</a:t>
             </a:r>
             <a:r>
               <a:rPr lang="en-US" sz="2400" dirty="0">
@@ -12970,7 +12940,7 @@
                 <a:latin typeface="Courier New" panose="02070309020205020404" pitchFamily="49" charset="0"/>
                 <a:cs typeface="Courier New" panose="02070309020205020404" pitchFamily="49" charset="0"/>
               </a:rPr>
-              <a:t>(a, b);</a:t>
+              <a:t>))</a:t>
             </a:r>
           </a:p>
           <a:p>
@@ -12985,18 +12955,99 @@
                 <a:latin typeface="Courier New" panose="02070309020205020404" pitchFamily="49" charset="0"/>
                 <a:cs typeface="Courier New" panose="02070309020205020404" pitchFamily="49" charset="0"/>
               </a:rPr>
+              <a:t>    return true;</a:t>
+            </a:r>
+          </a:p>
+          <a:p>
+            <a:pPr marL="0" indent="0">
+              <a:buNone/>
+            </a:pPr>
+            <a:r>
+              <a:rPr lang="en-US" sz="2400" dirty="0">
+                <a:solidFill>
+                  <a:prstClr val="black"/>
+                </a:solidFill>
+                <a:latin typeface="Courier New" panose="02070309020205020404" pitchFamily="49" charset="0"/>
+                <a:cs typeface="Courier New" panose="02070309020205020404" pitchFamily="49" charset="0"/>
+              </a:rPr>
+              <a:t>  ...</a:t>
+            </a:r>
+          </a:p>
+          <a:p>
+            <a:pPr marL="0" indent="0">
+              <a:buNone/>
+            </a:pPr>
+            <a:r>
+              <a:rPr lang="en-US" sz="2400" dirty="0">
+                <a:solidFill>
+                  <a:prstClr val="black"/>
+                </a:solidFill>
+                <a:latin typeface="Courier New" panose="02070309020205020404" pitchFamily="49" charset="0"/>
+                <a:cs typeface="Courier New" panose="02070309020205020404" pitchFamily="49" charset="0"/>
+              </a:rPr>
               <a:t>}</a:t>
             </a:r>
-          </a:p>
-          <a:p>
-            <a:endParaRPr lang="en-US" dirty="0"/>
+            <a:endParaRPr lang="ru-RU" sz="2400" dirty="0">
+              <a:solidFill>
+                <a:prstClr val="black"/>
+              </a:solidFill>
+              <a:latin typeface="Courier New" panose="02070309020205020404" pitchFamily="49" charset="0"/>
+              <a:cs typeface="Courier New" panose="02070309020205020404" pitchFamily="49" charset="0"/>
+            </a:endParaRPr>
+          </a:p>
+          <a:p>
+            <a:endParaRPr lang="en-US" dirty="0">
+              <a:solidFill>
+                <a:prstClr val="black"/>
+              </a:solidFill>
+              <a:cs typeface="Courier New" panose="02070309020205020404" pitchFamily="49" charset="0"/>
+            </a:endParaRPr>
+          </a:p>
+        </p:txBody>
+      </p:sp>
+      <p:sp>
+        <p:nvSpPr>
+          <p:cNvPr id="5" name="TextBox 4">
+            <a:extLst>
+              <a:ext uri="{FF2B5EF4-FFF2-40B4-BE49-F238E27FC236}">
+                <a16:creationId xmlns:a16="http://schemas.microsoft.com/office/drawing/2014/main" id="{05DB17C6-D01F-4315-BE03-49586B6D82A7}"/>
+              </a:ext>
+            </a:extLst>
+          </p:cNvPr>
+          <p:cNvSpPr txBox="1"/>
+          <p:nvPr/>
+        </p:nvSpPr>
+        <p:spPr>
+          <a:xfrm>
+            <a:off x="870857" y="1981202"/>
+            <a:ext cx="5225143" cy="523220"/>
+          </a:xfrm>
+          <a:prstGeom prst="rect">
+            <a:avLst/>
+          </a:prstGeom>
+          <a:noFill/>
+        </p:spPr>
+        <p:txBody>
+          <a:bodyPr wrap="square" rtlCol="0">
+            <a:spAutoFit/>
+          </a:bodyPr>
+          <a:lstStyle/>
+          <a:p>
+            <a:r>
+              <a:rPr lang="ru-RU" sz="2800" dirty="0"/>
+              <a:t>Общий паттерн ошибки</a:t>
+            </a:r>
+            <a:r>
+              <a:rPr lang="en-US" sz="2800" dirty="0"/>
+              <a:t>:</a:t>
+            </a:r>
           </a:p>
         </p:txBody>
       </p:sp>
     </p:spTree>
     <p:extLst>
       <p:ext uri="{BB962C8B-B14F-4D97-AF65-F5344CB8AC3E}">
-        <p14:creationId xmlns:p14="http://schemas.microsoft.com/office/powerpoint/2010/main" val="1171521156"/>
+        <p14:creationId xmlns:p14="http://schemas.microsoft.com/office/powerpoint/2010/main" val="2020453401"/>
       </p:ext>
     </p:extLst>
   </p:cSld>
@@ -13028,7 +13079,7 @@
           <p:cNvPr id="2" name="Title 1">
             <a:extLst>
               <a:ext uri="{FF2B5EF4-FFF2-40B4-BE49-F238E27FC236}">
-                <a16:creationId xmlns:a16="http://schemas.microsoft.com/office/drawing/2014/main" id="{F846F1BD-7FCB-4283-AEC4-931793609E60}"/>
+                <a16:creationId xmlns:a16="http://schemas.microsoft.com/office/drawing/2014/main" id="{815D733E-D82D-47D2-9079-A9C225DAED3C}"/>
               </a:ext>
             </a:extLst>
           </p:cNvPr>
@@ -13065,7 +13116,7 @@
           <p:cNvPr id="3" name="Content Placeholder 2">
             <a:extLst>
               <a:ext uri="{FF2B5EF4-FFF2-40B4-BE49-F238E27FC236}">
-                <a16:creationId xmlns:a16="http://schemas.microsoft.com/office/drawing/2014/main" id="{B5919733-7359-4FCE-BBA6-CB2E1BB87C5E}"/>
+                <a16:creationId xmlns:a16="http://schemas.microsoft.com/office/drawing/2014/main" id="{E5077498-8028-4E15-8383-9AF8BE96859D}"/>
               </a:ext>
             </a:extLst>
           </p:cNvPr>
@@ -13076,122 +13127,501 @@
             <p:ph idx="1"/>
           </p:nvPr>
         </p:nvSpPr>
-        <p:spPr/>
-        <p:txBody>
-          <a:bodyPr>
-            <a:normAutofit lnSpcReduction="10000"/>
-          </a:bodyPr>
-          <a:lstStyle/>
-          <a:p>
-            <a:r>
-              <a:rPr lang="ru-RU" dirty="0"/>
-              <a:t>Очень легко нарушить условия транзитивности</a:t>
+        <p:spPr>
+          <a:xfrm>
+            <a:off x="685800" y="1847396"/>
+            <a:ext cx="4811486" cy="4351338"/>
+          </a:xfrm>
+        </p:spPr>
+        <p:txBody>
+          <a:bodyPr/>
+          <a:lstStyle/>
+          <a:p>
+            <a:r>
+              <a:rPr lang="ru-RU" dirty="0"/>
+              <a:t>Нарушена транзитивность</a:t>
             </a:r>
             <a:r>
               <a:rPr lang="en-US" dirty="0"/>
               <a:t>:</a:t>
             </a:r>
+          </a:p>
+          <a:p>
+            <a:pPr lvl="1"/>
+            <a:r>
+              <a:rPr lang="en-US" dirty="0">
+                <a:latin typeface="Courier New" panose="02070309020205020404" pitchFamily="49" charset="0"/>
+                <a:cs typeface="Courier New" panose="02070309020205020404" pitchFamily="49" charset="0"/>
+              </a:rPr>
+              <a:t>A(true, 1, 2) &lt; A(true, 2, 1)</a:t>
+            </a:r>
+          </a:p>
+          <a:p>
+            <a:pPr lvl="1"/>
+            <a:r>
+              <a:rPr lang="en-US" dirty="0">
+                <a:latin typeface="Courier New" panose="02070309020205020404" pitchFamily="49" charset="0"/>
+                <a:cs typeface="Courier New" panose="02070309020205020404" pitchFamily="49" charset="0"/>
+              </a:rPr>
+              <a:t>A(true, 2, 1) &lt; A(false, 1, 2)</a:t>
+            </a:r>
+          </a:p>
+          <a:p>
+            <a:pPr lvl="1"/>
+            <a:r>
+              <a:rPr lang="en-US" dirty="0">
+                <a:latin typeface="Courier New" panose="02070309020205020404" pitchFamily="49" charset="0"/>
+                <a:cs typeface="Courier New" panose="02070309020205020404" pitchFamily="49" charset="0"/>
+              </a:rPr>
+              <a:t>! A(true, 1, 2) &lt; A(false, 1, 2)</a:t>
+            </a:r>
+          </a:p>
+          <a:p>
+            <a:r>
+              <a:rPr lang="ru-RU" dirty="0"/>
+              <a:t>Пример из жизни:</a:t>
+            </a:r>
+            <a:endParaRPr lang="en-US" dirty="0"/>
+          </a:p>
+          <a:p>
+            <a:pPr lvl="1"/>
+            <a:r>
+              <a:rPr lang="en-US" dirty="0">
+                <a:hlinkClick r:id="rId2"/>
+              </a:rPr>
+              <a:t>GCC Bugzilla #68988</a:t>
+            </a:r>
             <a:endParaRPr lang="ru-RU" dirty="0"/>
           </a:p>
           <a:p>
-            <a:pPr lvl="1"/>
-            <a:r>
-              <a:rPr lang="ru-RU" dirty="0"/>
-              <a:t>если</a:t>
-            </a:r>
-          </a:p>
-          <a:p>
-            <a:pPr marL="914400" lvl="2" indent="0">
-              <a:buNone/>
-            </a:pPr>
-            <a:r>
-              <a:rPr lang="ru-RU" dirty="0"/>
-              <a:t>comp_special(special_obj1, special_obj2) &amp;&amp; comp_</a:t>
-            </a:r>
-            <a:r>
-              <a:rPr lang="en-US" dirty="0"/>
-              <a:t>default</a:t>
-            </a:r>
-            <a:r>
-              <a:rPr lang="ru-RU" dirty="0"/>
-              <a:t>(special_obj2, normal_obj)</a:t>
-            </a:r>
-          </a:p>
-          <a:p>
-            <a:pPr lvl="1"/>
-            <a:r>
-              <a:rPr lang="ru-RU" dirty="0"/>
-              <a:t>то должно быть</a:t>
-            </a:r>
-          </a:p>
-          <a:p>
-            <a:pPr marL="914400" lvl="2" indent="0">
-              <a:buNone/>
-            </a:pPr>
-            <a:r>
-              <a:rPr lang="ru-RU" dirty="0"/>
-              <a:t>comp_</a:t>
-            </a:r>
-            <a:r>
-              <a:rPr lang="en-US" dirty="0"/>
-              <a:t>default</a:t>
-            </a:r>
-            <a:r>
-              <a:rPr lang="ru-RU" dirty="0"/>
-              <a:t>(special_obj1, normal_obj)</a:t>
-            </a:r>
-          </a:p>
-          <a:p>
-            <a:r>
-              <a:rPr lang="ru-RU" dirty="0"/>
-              <a:t>Но часто это не выполняется</a:t>
-            </a:r>
-            <a:r>
-              <a:rPr lang="en-US" dirty="0"/>
-              <a:t>:</a:t>
-            </a:r>
-          </a:p>
-          <a:p>
-            <a:pPr lvl="1"/>
-            <a:r>
-              <a:rPr lang="ru-RU" dirty="0"/>
-              <a:t>comp_special и comp_</a:t>
-            </a:r>
-            <a:r>
-              <a:rPr lang="en-US" dirty="0"/>
-              <a:t>default</a:t>
-            </a:r>
-            <a:r>
-              <a:rPr lang="ru-RU" dirty="0"/>
-              <a:t> как правило логически (и алгоритмически) никак не связаны между собой</a:t>
-            </a:r>
-          </a:p>
-          <a:p>
-            <a:pPr lvl="1"/>
-            <a:r>
-              <a:rPr lang="ru-RU" dirty="0"/>
-              <a:t>обычно они сравнивают совершенно разные поля объектов</a:t>
-            </a:r>
-          </a:p>
-          <a:p>
-            <a:r>
-              <a:rPr lang="ru-RU" dirty="0"/>
-              <a:t>Пример из жизни:</a:t>
-            </a:r>
-            <a:endParaRPr lang="en-US" dirty="0"/>
-          </a:p>
-          <a:p>
-            <a:pPr lvl="1"/>
-            <a:r>
-              <a:rPr lang="en-US" dirty="0">
-                <a:hlinkClick r:id="rId3"/>
-              </a:rPr>
-              <a:t>GCC Bugzilla #68988</a:t>
-            </a:r>
-            <a:endParaRPr lang="ru-RU" dirty="0"/>
-          </a:p>
-          <a:p>
-            <a:endParaRPr lang="en-US" dirty="0"/>
+            <a:endParaRPr lang="en-US" dirty="0">
+              <a:latin typeface="Courier New" panose="02070309020205020404" pitchFamily="49" charset="0"/>
+              <a:cs typeface="Courier New" panose="02070309020205020404" pitchFamily="49" charset="0"/>
+            </a:endParaRPr>
+          </a:p>
+        </p:txBody>
+      </p:sp>
+      <p:sp>
+        <p:nvSpPr>
+          <p:cNvPr id="4" name="Content Placeholder 2">
+            <a:extLst>
+              <a:ext uri="{FF2B5EF4-FFF2-40B4-BE49-F238E27FC236}">
+                <a16:creationId xmlns:a16="http://schemas.microsoft.com/office/drawing/2014/main" id="{89E43806-8DD8-471C-8E72-4EEE34929A59}"/>
+              </a:ext>
+            </a:extLst>
+          </p:cNvPr>
+          <p:cNvSpPr txBox="1">
+            <a:spLocks/>
+          </p:cNvSpPr>
+          <p:nvPr/>
+        </p:nvSpPr>
+        <p:spPr>
+          <a:xfrm>
+            <a:off x="5812972" y="1847396"/>
+            <a:ext cx="6248400" cy="4351338"/>
+          </a:xfrm>
+          <a:prstGeom prst="rect">
+            <a:avLst/>
+          </a:prstGeom>
+        </p:spPr>
+        <p:txBody>
+          <a:bodyPr vert="horz" lIns="91440" tIns="45720" rIns="91440" bIns="45720" rtlCol="0">
+            <a:normAutofit/>
+          </a:bodyPr>
+          <a:lstStyle>
+            <a:lvl1pPr marL="228600" indent="-228600" algn="l" defTabSz="914400" rtl="0" eaLnBrk="1" latinLnBrk="0" hangingPunct="1">
+              <a:lnSpc>
+                <a:spcPct val="90000"/>
+              </a:lnSpc>
+              <a:spcBef>
+                <a:spcPts val="1000"/>
+              </a:spcBef>
+              <a:buFont typeface="Arial" panose="020B0604020202020204" pitchFamily="34" charset="0"/>
+              <a:buChar char="•"/>
+              <a:defRPr sz="2800" kern="1200">
+                <a:solidFill>
+                  <a:schemeClr val="tx1"/>
+                </a:solidFill>
+                <a:latin typeface="+mn-lt"/>
+                <a:ea typeface="+mn-ea"/>
+                <a:cs typeface="+mn-cs"/>
+              </a:defRPr>
+            </a:lvl1pPr>
+            <a:lvl2pPr marL="685800" indent="-228600" algn="l" defTabSz="914400" rtl="0" eaLnBrk="1" latinLnBrk="0" hangingPunct="1">
+              <a:lnSpc>
+                <a:spcPct val="90000"/>
+              </a:lnSpc>
+              <a:spcBef>
+                <a:spcPts val="500"/>
+              </a:spcBef>
+              <a:buFont typeface="Arial" panose="020B0604020202020204" pitchFamily="34" charset="0"/>
+              <a:buChar char="•"/>
+              <a:defRPr sz="2400" kern="1200">
+                <a:solidFill>
+                  <a:schemeClr val="tx1"/>
+                </a:solidFill>
+                <a:latin typeface="+mn-lt"/>
+                <a:ea typeface="+mn-ea"/>
+                <a:cs typeface="+mn-cs"/>
+              </a:defRPr>
+            </a:lvl2pPr>
+            <a:lvl3pPr marL="1143000" indent="-228600" algn="l" defTabSz="914400" rtl="0" eaLnBrk="1" latinLnBrk="0" hangingPunct="1">
+              <a:lnSpc>
+                <a:spcPct val="90000"/>
+              </a:lnSpc>
+              <a:spcBef>
+                <a:spcPts val="500"/>
+              </a:spcBef>
+              <a:buFont typeface="Arial" panose="020B0604020202020204" pitchFamily="34" charset="0"/>
+              <a:buChar char="•"/>
+              <a:defRPr sz="2000" kern="1200">
+                <a:solidFill>
+                  <a:schemeClr val="tx1"/>
+                </a:solidFill>
+                <a:latin typeface="+mn-lt"/>
+                <a:ea typeface="+mn-ea"/>
+                <a:cs typeface="+mn-cs"/>
+              </a:defRPr>
+            </a:lvl3pPr>
+            <a:lvl4pPr marL="1600200" indent="-228600" algn="l" defTabSz="914400" rtl="0" eaLnBrk="1" latinLnBrk="0" hangingPunct="1">
+              <a:lnSpc>
+                <a:spcPct val="90000"/>
+              </a:lnSpc>
+              <a:spcBef>
+                <a:spcPts val="500"/>
+              </a:spcBef>
+              <a:buFont typeface="Arial" panose="020B0604020202020204" pitchFamily="34" charset="0"/>
+              <a:buChar char="•"/>
+              <a:defRPr sz="1800" kern="1200">
+                <a:solidFill>
+                  <a:schemeClr val="tx1"/>
+                </a:solidFill>
+                <a:latin typeface="+mn-lt"/>
+                <a:ea typeface="+mn-ea"/>
+                <a:cs typeface="+mn-cs"/>
+              </a:defRPr>
+            </a:lvl4pPr>
+            <a:lvl5pPr marL="2057400" indent="-228600" algn="l" defTabSz="914400" rtl="0" eaLnBrk="1" latinLnBrk="0" hangingPunct="1">
+              <a:lnSpc>
+                <a:spcPct val="90000"/>
+              </a:lnSpc>
+              <a:spcBef>
+                <a:spcPts val="500"/>
+              </a:spcBef>
+              <a:buFont typeface="Arial" panose="020B0604020202020204" pitchFamily="34" charset="0"/>
+              <a:buChar char="•"/>
+              <a:defRPr sz="1800" kern="1200">
+                <a:solidFill>
+                  <a:schemeClr val="tx1"/>
+                </a:solidFill>
+                <a:latin typeface="+mn-lt"/>
+                <a:ea typeface="+mn-ea"/>
+                <a:cs typeface="+mn-cs"/>
+              </a:defRPr>
+            </a:lvl5pPr>
+            <a:lvl6pPr marL="2514600" indent="-228600" algn="l" defTabSz="914400" rtl="0" eaLnBrk="1" latinLnBrk="0" hangingPunct="1">
+              <a:lnSpc>
+                <a:spcPct val="90000"/>
+              </a:lnSpc>
+              <a:spcBef>
+                <a:spcPts val="500"/>
+              </a:spcBef>
+              <a:buFont typeface="Arial" panose="020B0604020202020204" pitchFamily="34" charset="0"/>
+              <a:buChar char="•"/>
+              <a:defRPr sz="1800" kern="1200">
+                <a:solidFill>
+                  <a:schemeClr val="tx1"/>
+                </a:solidFill>
+                <a:latin typeface="+mn-lt"/>
+                <a:ea typeface="+mn-ea"/>
+                <a:cs typeface="+mn-cs"/>
+              </a:defRPr>
+            </a:lvl6pPr>
+            <a:lvl7pPr marL="2971800" indent="-228600" algn="l" defTabSz="914400" rtl="0" eaLnBrk="1" latinLnBrk="0" hangingPunct="1">
+              <a:lnSpc>
+                <a:spcPct val="90000"/>
+              </a:lnSpc>
+              <a:spcBef>
+                <a:spcPts val="500"/>
+              </a:spcBef>
+              <a:buFont typeface="Arial" panose="020B0604020202020204" pitchFamily="34" charset="0"/>
+              <a:buChar char="•"/>
+              <a:defRPr sz="1800" kern="1200">
+                <a:solidFill>
+                  <a:schemeClr val="tx1"/>
+                </a:solidFill>
+                <a:latin typeface="+mn-lt"/>
+                <a:ea typeface="+mn-ea"/>
+                <a:cs typeface="+mn-cs"/>
+              </a:defRPr>
+            </a:lvl7pPr>
+            <a:lvl8pPr marL="3429000" indent="-228600" algn="l" defTabSz="914400" rtl="0" eaLnBrk="1" latinLnBrk="0" hangingPunct="1">
+              <a:lnSpc>
+                <a:spcPct val="90000"/>
+              </a:lnSpc>
+              <a:spcBef>
+                <a:spcPts val="500"/>
+              </a:spcBef>
+              <a:buFont typeface="Arial" panose="020B0604020202020204" pitchFamily="34" charset="0"/>
+              <a:buChar char="•"/>
+              <a:defRPr sz="1800" kern="1200">
+                <a:solidFill>
+                  <a:schemeClr val="tx1"/>
+                </a:solidFill>
+                <a:latin typeface="+mn-lt"/>
+                <a:ea typeface="+mn-ea"/>
+                <a:cs typeface="+mn-cs"/>
+              </a:defRPr>
+            </a:lvl8pPr>
+            <a:lvl9pPr marL="3886200" indent="-228600" algn="l" defTabSz="914400" rtl="0" eaLnBrk="1" latinLnBrk="0" hangingPunct="1">
+              <a:lnSpc>
+                <a:spcPct val="90000"/>
+              </a:lnSpc>
+              <a:spcBef>
+                <a:spcPts val="500"/>
+              </a:spcBef>
+              <a:buFont typeface="Arial" panose="020B0604020202020204" pitchFamily="34" charset="0"/>
+              <a:buChar char="•"/>
+              <a:defRPr sz="1800" kern="1200">
+                <a:solidFill>
+                  <a:schemeClr val="tx1"/>
+                </a:solidFill>
+                <a:latin typeface="+mn-lt"/>
+                <a:ea typeface="+mn-ea"/>
+                <a:cs typeface="+mn-cs"/>
+              </a:defRPr>
+            </a:lvl9pPr>
+          </a:lstStyle>
+          <a:p>
+            <a:pPr marL="0" indent="0">
+              <a:buFont typeface="Arial" panose="020B0604020202020204" pitchFamily="34" charset="0"/>
+              <a:buNone/>
+            </a:pPr>
+            <a:r>
+              <a:rPr lang="en-US" sz="2400" dirty="0">
+                <a:solidFill>
+                  <a:prstClr val="black"/>
+                </a:solidFill>
+                <a:latin typeface="Courier New" panose="02070309020205020404" pitchFamily="49" charset="0"/>
+                <a:cs typeface="Courier New" panose="02070309020205020404" pitchFamily="49" charset="0"/>
+              </a:rPr>
+              <a:t>class A {</a:t>
+            </a:r>
+          </a:p>
+          <a:p>
+            <a:pPr marL="0" indent="0">
+              <a:buFont typeface="Arial" panose="020B0604020202020204" pitchFamily="34" charset="0"/>
+              <a:buNone/>
+            </a:pPr>
+            <a:r>
+              <a:rPr lang="en-US" sz="2400" dirty="0">
+                <a:solidFill>
+                  <a:prstClr val="black"/>
+                </a:solidFill>
+                <a:latin typeface="Courier New" panose="02070309020205020404" pitchFamily="49" charset="0"/>
+                <a:cs typeface="Courier New" panose="02070309020205020404" pitchFamily="49" charset="0"/>
+              </a:rPr>
+              <a:t>  bool special;</a:t>
+            </a:r>
+          </a:p>
+          <a:p>
+            <a:pPr marL="0" indent="0">
+              <a:buFont typeface="Arial" panose="020B0604020202020204" pitchFamily="34" charset="0"/>
+              <a:buNone/>
+            </a:pPr>
+            <a:r>
+              <a:rPr lang="en-US" sz="2400" dirty="0">
+                <a:solidFill>
+                  <a:prstClr val="black"/>
+                </a:solidFill>
+                <a:latin typeface="Courier New" panose="02070309020205020404" pitchFamily="49" charset="0"/>
+                <a:cs typeface="Courier New" panose="02070309020205020404" pitchFamily="49" charset="0"/>
+              </a:rPr>
+              <a:t>  int x, y;</a:t>
+            </a:r>
+          </a:p>
+          <a:p>
+            <a:pPr marL="0" indent="0">
+              <a:buFont typeface="Arial" panose="020B0604020202020204" pitchFamily="34" charset="0"/>
+              <a:buNone/>
+            </a:pPr>
+            <a:r>
+              <a:rPr lang="en-US" sz="2400" dirty="0">
+                <a:solidFill>
+                  <a:prstClr val="black"/>
+                </a:solidFill>
+                <a:latin typeface="Courier New" panose="02070309020205020404" pitchFamily="49" charset="0"/>
+                <a:cs typeface="Courier New" panose="02070309020205020404" pitchFamily="49" charset="0"/>
+              </a:rPr>
+              <a:t>  bool operator&lt;(A </a:t>
+            </a:r>
+            <a:r>
+              <a:rPr lang="en-US" sz="2400" dirty="0" err="1">
+                <a:solidFill>
+                  <a:prstClr val="black"/>
+                </a:solidFill>
+                <a:latin typeface="Courier New" panose="02070309020205020404" pitchFamily="49" charset="0"/>
+                <a:cs typeface="Courier New" panose="02070309020205020404" pitchFamily="49" charset="0"/>
+              </a:rPr>
+              <a:t>rhs</a:t>
+            </a:r>
+            <a:r>
+              <a:rPr lang="en-US" sz="2400" dirty="0">
+                <a:solidFill>
+                  <a:prstClr val="black"/>
+                </a:solidFill>
+                <a:latin typeface="Courier New" panose="02070309020205020404" pitchFamily="49" charset="0"/>
+                <a:cs typeface="Courier New" panose="02070309020205020404" pitchFamily="49" charset="0"/>
+              </a:rPr>
+              <a:t>) {</a:t>
+            </a:r>
+          </a:p>
+          <a:p>
+            <a:pPr marL="0" indent="0">
+              <a:buFont typeface="Arial" panose="020B0604020202020204" pitchFamily="34" charset="0"/>
+              <a:buNone/>
+            </a:pPr>
+            <a:r>
+              <a:rPr lang="en-US" sz="2400" dirty="0">
+                <a:solidFill>
+                  <a:prstClr val="black"/>
+                </a:solidFill>
+                <a:latin typeface="Courier New" panose="02070309020205020404" pitchFamily="49" charset="0"/>
+                <a:cs typeface="Courier New" panose="02070309020205020404" pitchFamily="49" charset="0"/>
+              </a:rPr>
+              <a:t>    if (special &amp;&amp; </a:t>
+            </a:r>
+            <a:r>
+              <a:rPr lang="en-US" sz="2400" dirty="0" err="1">
+                <a:solidFill>
+                  <a:prstClr val="black"/>
+                </a:solidFill>
+                <a:latin typeface="Courier New" panose="02070309020205020404" pitchFamily="49" charset="0"/>
+                <a:cs typeface="Courier New" panose="02070309020205020404" pitchFamily="49" charset="0"/>
+              </a:rPr>
+              <a:t>rhs.special</a:t>
+            </a:r>
+            <a:r>
+              <a:rPr lang="en-US" sz="2400" dirty="0">
+                <a:solidFill>
+                  <a:prstClr val="black"/>
+                </a:solidFill>
+                <a:latin typeface="Courier New" panose="02070309020205020404" pitchFamily="49" charset="0"/>
+                <a:cs typeface="Courier New" panose="02070309020205020404" pitchFamily="49" charset="0"/>
+              </a:rPr>
+              <a:t>)</a:t>
+            </a:r>
+          </a:p>
+          <a:p>
+            <a:pPr marL="0" indent="0">
+              <a:buFont typeface="Arial" panose="020B0604020202020204" pitchFamily="34" charset="0"/>
+              <a:buNone/>
+            </a:pPr>
+            <a:r>
+              <a:rPr lang="en-US" sz="2400" dirty="0">
+                <a:solidFill>
+                  <a:prstClr val="black"/>
+                </a:solidFill>
+                <a:latin typeface="Courier New" panose="02070309020205020404" pitchFamily="49" charset="0"/>
+                <a:cs typeface="Courier New" panose="02070309020205020404" pitchFamily="49" charset="0"/>
+              </a:rPr>
+              <a:t>      return x &lt; </a:t>
+            </a:r>
+            <a:r>
+              <a:rPr lang="en-US" sz="2400" dirty="0" err="1">
+                <a:solidFill>
+                  <a:prstClr val="black"/>
+                </a:solidFill>
+                <a:latin typeface="Courier New" panose="02070309020205020404" pitchFamily="49" charset="0"/>
+                <a:cs typeface="Courier New" panose="02070309020205020404" pitchFamily="49" charset="0"/>
+              </a:rPr>
+              <a:t>rhs.y</a:t>
+            </a:r>
+            <a:r>
+              <a:rPr lang="en-US" sz="2400" dirty="0">
+                <a:solidFill>
+                  <a:prstClr val="black"/>
+                </a:solidFill>
+                <a:latin typeface="Courier New" panose="02070309020205020404" pitchFamily="49" charset="0"/>
+                <a:cs typeface="Courier New" panose="02070309020205020404" pitchFamily="49" charset="0"/>
+              </a:rPr>
+              <a:t>;</a:t>
+            </a:r>
+          </a:p>
+          <a:p>
+            <a:pPr marL="0" indent="0">
+              <a:buFont typeface="Arial" panose="020B0604020202020204" pitchFamily="34" charset="0"/>
+              <a:buNone/>
+            </a:pPr>
+            <a:r>
+              <a:rPr lang="en-US" sz="2400" dirty="0">
+                <a:solidFill>
+                  <a:prstClr val="black"/>
+                </a:solidFill>
+                <a:latin typeface="Courier New" panose="02070309020205020404" pitchFamily="49" charset="0"/>
+                <a:cs typeface="Courier New" panose="02070309020205020404" pitchFamily="49" charset="0"/>
+              </a:rPr>
+              <a:t>    return y &lt; </a:t>
+            </a:r>
+            <a:r>
+              <a:rPr lang="en-US" sz="2400" dirty="0" err="1">
+                <a:solidFill>
+                  <a:prstClr val="black"/>
+                </a:solidFill>
+                <a:latin typeface="Courier New" panose="02070309020205020404" pitchFamily="49" charset="0"/>
+                <a:cs typeface="Courier New" panose="02070309020205020404" pitchFamily="49" charset="0"/>
+              </a:rPr>
+              <a:t>rhs.y</a:t>
+            </a:r>
+            <a:r>
+              <a:rPr lang="en-US" sz="2400" dirty="0">
+                <a:solidFill>
+                  <a:prstClr val="black"/>
+                </a:solidFill>
+                <a:latin typeface="Courier New" panose="02070309020205020404" pitchFamily="49" charset="0"/>
+                <a:cs typeface="Courier New" panose="02070309020205020404" pitchFamily="49" charset="0"/>
+              </a:rPr>
+              <a:t>;</a:t>
+            </a:r>
+          </a:p>
+          <a:p>
+            <a:pPr marL="0" indent="0">
+              <a:buFont typeface="Arial" panose="020B0604020202020204" pitchFamily="34" charset="0"/>
+              <a:buNone/>
+            </a:pPr>
+            <a:r>
+              <a:rPr lang="en-US" sz="2400" dirty="0">
+                <a:solidFill>
+                  <a:prstClr val="black"/>
+                </a:solidFill>
+                <a:latin typeface="Courier New" panose="02070309020205020404" pitchFamily="49" charset="0"/>
+                <a:cs typeface="Courier New" panose="02070309020205020404" pitchFamily="49" charset="0"/>
+              </a:rPr>
+              <a:t>  }</a:t>
+            </a:r>
+          </a:p>
+          <a:p>
+            <a:pPr marL="0" indent="0">
+              <a:buFont typeface="Arial" panose="020B0604020202020204" pitchFamily="34" charset="0"/>
+              <a:buNone/>
+            </a:pPr>
+            <a:r>
+              <a:rPr lang="en-US" sz="2400" dirty="0">
+                <a:solidFill>
+                  <a:prstClr val="black"/>
+                </a:solidFill>
+                <a:latin typeface="Courier New" panose="02070309020205020404" pitchFamily="49" charset="0"/>
+                <a:cs typeface="Courier New" panose="02070309020205020404" pitchFamily="49" charset="0"/>
+              </a:rPr>
+              <a:t>};</a:t>
+            </a:r>
+            <a:endParaRPr lang="ru-RU" sz="2400" dirty="0">
+              <a:solidFill>
+                <a:prstClr val="black"/>
+              </a:solidFill>
+              <a:latin typeface="Courier New" panose="02070309020205020404" pitchFamily="49" charset="0"/>
+              <a:cs typeface="Courier New" panose="02070309020205020404" pitchFamily="49" charset="0"/>
+            </a:endParaRPr>
           </a:p>
         </p:txBody>
       </p:sp>
@@ -13200,7 +13630,7 @@
           <p:cNvPr id="5" name="Picture 4">
             <a:extLst>
               <a:ext uri="{FF2B5EF4-FFF2-40B4-BE49-F238E27FC236}">
-                <a16:creationId xmlns:a16="http://schemas.microsoft.com/office/drawing/2014/main" id="{BD4DE0CF-ECA9-4273-B464-85D2AFDAFB9C}"/>
+                <a16:creationId xmlns:a16="http://schemas.microsoft.com/office/drawing/2014/main" id="{88D1EA25-0B2C-4EF5-B639-CEEB6BC7024C}"/>
               </a:ext>
             </a:extLst>
           </p:cNvPr>
@@ -13210,7 +13640,7 @@
           <p:nvPr/>
         </p:nvPicPr>
         <p:blipFill>
-          <a:blip r:embed="rId4">
+          <a:blip r:embed="rId3">
             <a:extLst>
               <a:ext uri="{28A0092B-C50C-407E-A947-70E740481C1C}">
                 <a14:useLocalDpi xmlns:a14="http://schemas.microsoft.com/office/drawing/2010/main" val="0"/>
@@ -13223,7 +13653,7 @@
         </p:blipFill>
         <p:spPr>
           <a:xfrm>
-            <a:off x="4463144" y="5225142"/>
+            <a:off x="4125686" y="4452257"/>
             <a:ext cx="1371600" cy="1371600"/>
           </a:xfrm>
           <a:prstGeom prst="rect">
@@ -13234,7 +13664,7 @@
     </p:spTree>
     <p:extLst>
       <p:ext uri="{BB962C8B-B14F-4D97-AF65-F5344CB8AC3E}">
-        <p14:creationId xmlns:p14="http://schemas.microsoft.com/office/powerpoint/2010/main" val="2158512306"/>
+        <p14:creationId xmlns:p14="http://schemas.microsoft.com/office/powerpoint/2010/main" val="4124994477"/>
       </p:ext>
     </p:extLst>
   </p:cSld>
@@ -13266,7 +13696,7 @@
           <p:cNvPr id="2" name="Title 1">
             <a:extLst>
               <a:ext uri="{FF2B5EF4-FFF2-40B4-BE49-F238E27FC236}">
-                <a16:creationId xmlns:a16="http://schemas.microsoft.com/office/drawing/2014/main" id="{2A113B13-406F-410B-BFB5-9599BB8FA280}"/>
+                <a16:creationId xmlns:a16="http://schemas.microsoft.com/office/drawing/2014/main" id="{815D733E-D82D-47D2-9079-A9C225DAED3C}"/>
               </a:ext>
             </a:extLst>
           </p:cNvPr>
@@ -13292,7 +13722,7 @@
             </a:r>
             <a:r>
               <a:rPr lang="ru-RU" dirty="0"/>
-              <a:t> приближенные сравнения</a:t>
+              <a:t> сравнение особых объектов отдельным алгоритмом</a:t>
             </a:r>
             <a:endParaRPr lang="en-US" dirty="0"/>
           </a:p>
@@ -13300,171 +13730,504 @@
       </p:sp>
       <p:sp>
         <p:nvSpPr>
-          <p:cNvPr id="3" name="Content Placeholder 2">
+          <p:cNvPr id="4" name="Content Placeholder 2">
             <a:extLst>
               <a:ext uri="{FF2B5EF4-FFF2-40B4-BE49-F238E27FC236}">
-                <a16:creationId xmlns:a16="http://schemas.microsoft.com/office/drawing/2014/main" id="{92E789BC-A1A6-4768-97BD-DC69CFA3A8F6}"/>
+                <a16:creationId xmlns:a16="http://schemas.microsoft.com/office/drawing/2014/main" id="{89E43806-8DD8-471C-8E72-4EEE34929A59}"/>
               </a:ext>
             </a:extLst>
           </p:cNvPr>
-          <p:cNvSpPr>
-            <a:spLocks noGrp="1"/>
-          </p:cNvSpPr>
-          <p:nvPr>
-            <p:ph idx="1"/>
-          </p:nvPr>
-        </p:nvSpPr>
-        <p:spPr/>
-        <p:txBody>
-          <a:bodyPr>
-            <a:normAutofit lnSpcReduction="10000"/>
+          <p:cNvSpPr txBox="1">
+            <a:spLocks/>
+          </p:cNvSpPr>
+          <p:nvPr/>
+        </p:nvSpPr>
+        <p:spPr>
+          <a:xfrm>
+            <a:off x="1338943" y="1858282"/>
+            <a:ext cx="8229600" cy="4351338"/>
+          </a:xfrm>
+          <a:prstGeom prst="rect">
+            <a:avLst/>
+          </a:prstGeom>
+        </p:spPr>
+        <p:txBody>
+          <a:bodyPr vert="horz" lIns="91440" tIns="45720" rIns="91440" bIns="45720" rtlCol="0">
+            <a:normAutofit fontScale="92500" lnSpcReduction="10000"/>
           </a:bodyPr>
-          <a:lstStyle/>
+          <a:lstStyle>
+            <a:lvl1pPr marL="228600" indent="-228600" algn="l" defTabSz="914400" rtl="0" eaLnBrk="1" latinLnBrk="0" hangingPunct="1">
+              <a:lnSpc>
+                <a:spcPct val="90000"/>
+              </a:lnSpc>
+              <a:spcBef>
+                <a:spcPts val="1000"/>
+              </a:spcBef>
+              <a:buFont typeface="Arial" panose="020B0604020202020204" pitchFamily="34" charset="0"/>
+              <a:buChar char="•"/>
+              <a:defRPr sz="2800" kern="1200">
+                <a:solidFill>
+                  <a:schemeClr val="tx1"/>
+                </a:solidFill>
+                <a:latin typeface="+mn-lt"/>
+                <a:ea typeface="+mn-ea"/>
+                <a:cs typeface="+mn-cs"/>
+              </a:defRPr>
+            </a:lvl1pPr>
+            <a:lvl2pPr marL="685800" indent="-228600" algn="l" defTabSz="914400" rtl="0" eaLnBrk="1" latinLnBrk="0" hangingPunct="1">
+              <a:lnSpc>
+                <a:spcPct val="90000"/>
+              </a:lnSpc>
+              <a:spcBef>
+                <a:spcPts val="500"/>
+              </a:spcBef>
+              <a:buFont typeface="Arial" panose="020B0604020202020204" pitchFamily="34" charset="0"/>
+              <a:buChar char="•"/>
+              <a:defRPr sz="2400" kern="1200">
+                <a:solidFill>
+                  <a:schemeClr val="tx1"/>
+                </a:solidFill>
+                <a:latin typeface="+mn-lt"/>
+                <a:ea typeface="+mn-ea"/>
+                <a:cs typeface="+mn-cs"/>
+              </a:defRPr>
+            </a:lvl2pPr>
+            <a:lvl3pPr marL="1143000" indent="-228600" algn="l" defTabSz="914400" rtl="0" eaLnBrk="1" latinLnBrk="0" hangingPunct="1">
+              <a:lnSpc>
+                <a:spcPct val="90000"/>
+              </a:lnSpc>
+              <a:spcBef>
+                <a:spcPts val="500"/>
+              </a:spcBef>
+              <a:buFont typeface="Arial" panose="020B0604020202020204" pitchFamily="34" charset="0"/>
+              <a:buChar char="•"/>
+              <a:defRPr sz="2000" kern="1200">
+                <a:solidFill>
+                  <a:schemeClr val="tx1"/>
+                </a:solidFill>
+                <a:latin typeface="+mn-lt"/>
+                <a:ea typeface="+mn-ea"/>
+                <a:cs typeface="+mn-cs"/>
+              </a:defRPr>
+            </a:lvl3pPr>
+            <a:lvl4pPr marL="1600200" indent="-228600" algn="l" defTabSz="914400" rtl="0" eaLnBrk="1" latinLnBrk="0" hangingPunct="1">
+              <a:lnSpc>
+                <a:spcPct val="90000"/>
+              </a:lnSpc>
+              <a:spcBef>
+                <a:spcPts val="500"/>
+              </a:spcBef>
+              <a:buFont typeface="Arial" panose="020B0604020202020204" pitchFamily="34" charset="0"/>
+              <a:buChar char="•"/>
+              <a:defRPr sz="1800" kern="1200">
+                <a:solidFill>
+                  <a:schemeClr val="tx1"/>
+                </a:solidFill>
+                <a:latin typeface="+mn-lt"/>
+                <a:ea typeface="+mn-ea"/>
+                <a:cs typeface="+mn-cs"/>
+              </a:defRPr>
+            </a:lvl4pPr>
+            <a:lvl5pPr marL="2057400" indent="-228600" algn="l" defTabSz="914400" rtl="0" eaLnBrk="1" latinLnBrk="0" hangingPunct="1">
+              <a:lnSpc>
+                <a:spcPct val="90000"/>
+              </a:lnSpc>
+              <a:spcBef>
+                <a:spcPts val="500"/>
+              </a:spcBef>
+              <a:buFont typeface="Arial" panose="020B0604020202020204" pitchFamily="34" charset="0"/>
+              <a:buChar char="•"/>
+              <a:defRPr sz="1800" kern="1200">
+                <a:solidFill>
+                  <a:schemeClr val="tx1"/>
+                </a:solidFill>
+                <a:latin typeface="+mn-lt"/>
+                <a:ea typeface="+mn-ea"/>
+                <a:cs typeface="+mn-cs"/>
+              </a:defRPr>
+            </a:lvl5pPr>
+            <a:lvl6pPr marL="2514600" indent="-228600" algn="l" defTabSz="914400" rtl="0" eaLnBrk="1" latinLnBrk="0" hangingPunct="1">
+              <a:lnSpc>
+                <a:spcPct val="90000"/>
+              </a:lnSpc>
+              <a:spcBef>
+                <a:spcPts val="500"/>
+              </a:spcBef>
+              <a:buFont typeface="Arial" panose="020B0604020202020204" pitchFamily="34" charset="0"/>
+              <a:buChar char="•"/>
+              <a:defRPr sz="1800" kern="1200">
+                <a:solidFill>
+                  <a:schemeClr val="tx1"/>
+                </a:solidFill>
+                <a:latin typeface="+mn-lt"/>
+                <a:ea typeface="+mn-ea"/>
+                <a:cs typeface="+mn-cs"/>
+              </a:defRPr>
+            </a:lvl6pPr>
+            <a:lvl7pPr marL="2971800" indent="-228600" algn="l" defTabSz="914400" rtl="0" eaLnBrk="1" latinLnBrk="0" hangingPunct="1">
+              <a:lnSpc>
+                <a:spcPct val="90000"/>
+              </a:lnSpc>
+              <a:spcBef>
+                <a:spcPts val="500"/>
+              </a:spcBef>
+              <a:buFont typeface="Arial" panose="020B0604020202020204" pitchFamily="34" charset="0"/>
+              <a:buChar char="•"/>
+              <a:defRPr sz="1800" kern="1200">
+                <a:solidFill>
+                  <a:schemeClr val="tx1"/>
+                </a:solidFill>
+                <a:latin typeface="+mn-lt"/>
+                <a:ea typeface="+mn-ea"/>
+                <a:cs typeface="+mn-cs"/>
+              </a:defRPr>
+            </a:lvl7pPr>
+            <a:lvl8pPr marL="3429000" indent="-228600" algn="l" defTabSz="914400" rtl="0" eaLnBrk="1" latinLnBrk="0" hangingPunct="1">
+              <a:lnSpc>
+                <a:spcPct val="90000"/>
+              </a:lnSpc>
+              <a:spcBef>
+                <a:spcPts val="500"/>
+              </a:spcBef>
+              <a:buFont typeface="Arial" panose="020B0604020202020204" pitchFamily="34" charset="0"/>
+              <a:buChar char="•"/>
+              <a:defRPr sz="1800" kern="1200">
+                <a:solidFill>
+                  <a:schemeClr val="tx1"/>
+                </a:solidFill>
+                <a:latin typeface="+mn-lt"/>
+                <a:ea typeface="+mn-ea"/>
+                <a:cs typeface="+mn-cs"/>
+              </a:defRPr>
+            </a:lvl8pPr>
+            <a:lvl9pPr marL="3886200" indent="-228600" algn="l" defTabSz="914400" rtl="0" eaLnBrk="1" latinLnBrk="0" hangingPunct="1">
+              <a:lnSpc>
+                <a:spcPct val="90000"/>
+              </a:lnSpc>
+              <a:spcBef>
+                <a:spcPts val="500"/>
+              </a:spcBef>
+              <a:buFont typeface="Arial" panose="020B0604020202020204" pitchFamily="34" charset="0"/>
+              <a:buChar char="•"/>
+              <a:defRPr sz="1800" kern="1200">
+                <a:solidFill>
+                  <a:schemeClr val="tx1"/>
+                </a:solidFill>
+                <a:latin typeface="+mn-lt"/>
+                <a:ea typeface="+mn-ea"/>
+                <a:cs typeface="+mn-cs"/>
+              </a:defRPr>
+            </a:lvl9pPr>
+          </a:lstStyle>
           <a:p>
             <a:pPr marL="0" indent="0">
-              <a:buNone/>
-            </a:pPr>
-            <a:r>
-              <a:rPr lang="en-US" sz="2600" dirty="0">
+              <a:buFont typeface="Arial" panose="020B0604020202020204" pitchFamily="34" charset="0"/>
+              <a:buNone/>
+            </a:pPr>
+            <a:r>
+              <a:rPr lang="en-US" sz="2400" dirty="0">
                 <a:solidFill>
                   <a:prstClr val="black"/>
                 </a:solidFill>
                 <a:latin typeface="Courier New" panose="02070309020205020404" pitchFamily="49" charset="0"/>
                 <a:cs typeface="Courier New" panose="02070309020205020404" pitchFamily="49" charset="0"/>
               </a:rPr>
-              <a:t>bool </a:t>
-            </a:r>
-            <a:r>
-              <a:rPr lang="en-US" sz="2600" dirty="0" err="1">
+              <a:t>class A {</a:t>
+            </a:r>
+          </a:p>
+          <a:p>
+            <a:pPr marL="0" indent="0">
+              <a:buFont typeface="Arial" panose="020B0604020202020204" pitchFamily="34" charset="0"/>
+              <a:buNone/>
+            </a:pPr>
+            <a:r>
+              <a:rPr lang="en-US" sz="2400" dirty="0">
                 <a:solidFill>
                   <a:prstClr val="black"/>
                 </a:solidFill>
                 <a:latin typeface="Courier New" panose="02070309020205020404" pitchFamily="49" charset="0"/>
                 <a:cs typeface="Courier New" panose="02070309020205020404" pitchFamily="49" charset="0"/>
               </a:rPr>
-              <a:t>cmp</a:t>
-            </a:r>
-            <a:r>
-              <a:rPr lang="en-US" sz="2600" dirty="0">
+              <a:t>  bool special;</a:t>
+            </a:r>
+          </a:p>
+          <a:p>
+            <a:pPr marL="0" indent="0">
+              <a:buFont typeface="Arial" panose="020B0604020202020204" pitchFamily="34" charset="0"/>
+              <a:buNone/>
+            </a:pPr>
+            <a:r>
+              <a:rPr lang="en-US" sz="2400" dirty="0">
                 <a:solidFill>
                   <a:prstClr val="black"/>
                 </a:solidFill>
                 <a:latin typeface="Courier New" panose="02070309020205020404" pitchFamily="49" charset="0"/>
                 <a:cs typeface="Courier New" panose="02070309020205020404" pitchFamily="49" charset="0"/>
               </a:rPr>
-              <a:t>(double a, double b) {</a:t>
+              <a:t>  int x, y;</a:t>
             </a:r>
           </a:p>
           <a:p>
             <a:pPr marL="0" indent="0">
-              <a:buNone/>
-            </a:pPr>
-            <a:r>
-              <a:rPr lang="en-US" sz="2600" dirty="0">
+              <a:buFont typeface="Arial" panose="020B0604020202020204" pitchFamily="34" charset="0"/>
+              <a:buNone/>
+            </a:pPr>
+            <a:r>
+              <a:rPr lang="en-US" sz="2400" dirty="0">
                 <a:solidFill>
                   <a:prstClr val="black"/>
                 </a:solidFill>
                 <a:latin typeface="Courier New" panose="02070309020205020404" pitchFamily="49" charset="0"/>
                 <a:cs typeface="Courier New" panose="02070309020205020404" pitchFamily="49" charset="0"/>
               </a:rPr>
-              <a:t>    if (abs(a - b) &lt; eps) return false;</a:t>
-            </a:r>
-          </a:p>
-          <a:p>
-            <a:pPr marL="0" indent="0">
-              <a:buNone/>
-            </a:pPr>
-            <a:r>
-              <a:rPr lang="en-US" sz="2600" dirty="0">
+              <a:t>  bool operator&lt;(A </a:t>
+            </a:r>
+            <a:r>
+              <a:rPr lang="en-US" sz="2400" dirty="0" err="1">
                 <a:solidFill>
                   <a:prstClr val="black"/>
                 </a:solidFill>
                 <a:latin typeface="Courier New" panose="02070309020205020404" pitchFamily="49" charset="0"/>
                 <a:cs typeface="Courier New" panose="02070309020205020404" pitchFamily="49" charset="0"/>
               </a:rPr>
-              <a:t>    return a &lt; b;</a:t>
-            </a:r>
-          </a:p>
-          <a:p>
-            <a:pPr marL="0" indent="0">
-              <a:buNone/>
-            </a:pPr>
-            <a:r>
-              <a:rPr lang="en-US" sz="2600" dirty="0">
+              <a:t>rhs</a:t>
+            </a:r>
+            <a:r>
+              <a:rPr lang="en-US" sz="2400" dirty="0">
                 <a:solidFill>
                   <a:prstClr val="black"/>
                 </a:solidFill>
                 <a:latin typeface="Courier New" panose="02070309020205020404" pitchFamily="49" charset="0"/>
                 <a:cs typeface="Courier New" panose="02070309020205020404" pitchFamily="49" charset="0"/>
               </a:rPr>
-              <a:t>}</a:t>
-            </a:r>
-          </a:p>
-          <a:p>
-            <a:r>
-              <a:rPr lang="ru-RU" dirty="0"/>
-              <a:t>Программист хотел чтобы "близкие" элементы рассматривались как эквивалентные</a:t>
-            </a:r>
-          </a:p>
-          <a:p>
-            <a:r>
-              <a:rPr lang="ru-RU" dirty="0"/>
-              <a:t>Но при этом нарушил аксиому транзитивности эквивалентности:</a:t>
-            </a:r>
-          </a:p>
-          <a:p>
-            <a:pPr marL="457200" lvl="1" indent="0">
-              <a:buNone/>
-            </a:pPr>
-            <a:r>
-              <a:rPr lang="ru-RU" dirty="0">
-                <a:latin typeface="Courier New" panose="02070309020205020404" pitchFamily="49" charset="0"/>
-                <a:cs typeface="Courier New" panose="02070309020205020404" pitchFamily="49" charset="0"/>
-              </a:rPr>
-              <a:t>equiv(0, 0.5 * eps) == true</a:t>
-            </a:r>
-            <a:endParaRPr lang="en-US" dirty="0">
+              <a:t>) {</a:t>
+            </a:r>
+          </a:p>
+          <a:p>
+            <a:pPr marL="0" indent="0">
+              <a:buFont typeface="Arial" panose="020B0604020202020204" pitchFamily="34" charset="0"/>
+              <a:buNone/>
+            </a:pPr>
+            <a:r>
+              <a:rPr lang="en-US" sz="2400" dirty="0">
+                <a:solidFill>
+                  <a:srgbClr val="FF0000"/>
+                </a:solidFill>
+                <a:latin typeface="Courier New" panose="02070309020205020404" pitchFamily="49" charset="0"/>
+                <a:cs typeface="Courier New" panose="02070309020205020404" pitchFamily="49" charset="0"/>
+              </a:rPr>
+              <a:t>    if (special != </a:t>
+            </a:r>
+            <a:r>
+              <a:rPr lang="en-US" sz="2400" dirty="0" err="1">
+                <a:solidFill>
+                  <a:srgbClr val="FF0000"/>
+                </a:solidFill>
+                <a:latin typeface="Courier New" panose="02070309020205020404" pitchFamily="49" charset="0"/>
+                <a:cs typeface="Courier New" panose="02070309020205020404" pitchFamily="49" charset="0"/>
+              </a:rPr>
+              <a:t>rhs.special</a:t>
+            </a:r>
+            <a:r>
+              <a:rPr lang="en-US" sz="2400" dirty="0">
+                <a:solidFill>
+                  <a:srgbClr val="FF0000"/>
+                </a:solidFill>
+                <a:latin typeface="Courier New" panose="02070309020205020404" pitchFamily="49" charset="0"/>
+                <a:cs typeface="Courier New" panose="02070309020205020404" pitchFamily="49" charset="0"/>
+              </a:rPr>
+              <a:t>)</a:t>
+            </a:r>
+          </a:p>
+          <a:p>
+            <a:pPr marL="0" indent="0">
+              <a:buFont typeface="Arial" panose="020B0604020202020204" pitchFamily="34" charset="0"/>
+              <a:buNone/>
+            </a:pPr>
+            <a:r>
+              <a:rPr lang="en-US" sz="2400" dirty="0">
+                <a:solidFill>
+                  <a:srgbClr val="FF0000"/>
+                </a:solidFill>
+                <a:latin typeface="Courier New" panose="02070309020205020404" pitchFamily="49" charset="0"/>
+                <a:cs typeface="Courier New" panose="02070309020205020404" pitchFamily="49" charset="0"/>
+              </a:rPr>
+              <a:t>      return special &lt; </a:t>
+            </a:r>
+            <a:r>
+              <a:rPr lang="en-US" sz="2400" dirty="0" err="1">
+                <a:solidFill>
+                  <a:srgbClr val="FF0000"/>
+                </a:solidFill>
+                <a:latin typeface="Courier New" panose="02070309020205020404" pitchFamily="49" charset="0"/>
+                <a:cs typeface="Courier New" panose="02070309020205020404" pitchFamily="49" charset="0"/>
+              </a:rPr>
+              <a:t>rhs.special</a:t>
+            </a:r>
+            <a:r>
+              <a:rPr lang="en-US" sz="2400" dirty="0">
+                <a:solidFill>
+                  <a:srgbClr val="FF0000"/>
+                </a:solidFill>
+                <a:latin typeface="Courier New" panose="02070309020205020404" pitchFamily="49" charset="0"/>
+                <a:cs typeface="Courier New" panose="02070309020205020404" pitchFamily="49" charset="0"/>
+              </a:rPr>
+              <a:t>;</a:t>
+            </a:r>
+          </a:p>
+          <a:p>
+            <a:pPr marL="0" indent="0">
+              <a:buFont typeface="Arial" panose="020B0604020202020204" pitchFamily="34" charset="0"/>
+              <a:buNone/>
+            </a:pPr>
+            <a:r>
+              <a:rPr lang="en-US" sz="2400" dirty="0">
+                <a:solidFill>
+                  <a:prstClr val="black"/>
+                </a:solidFill>
+                <a:latin typeface="Courier New" panose="02070309020205020404" pitchFamily="49" charset="0"/>
+                <a:cs typeface="Courier New" panose="02070309020205020404" pitchFamily="49" charset="0"/>
+              </a:rPr>
+              <a:t>    if (special &amp;&amp; </a:t>
+            </a:r>
+            <a:r>
+              <a:rPr lang="en-US" sz="2400" dirty="0" err="1">
+                <a:solidFill>
+                  <a:prstClr val="black"/>
+                </a:solidFill>
+                <a:latin typeface="Courier New" panose="02070309020205020404" pitchFamily="49" charset="0"/>
+                <a:cs typeface="Courier New" panose="02070309020205020404" pitchFamily="49" charset="0"/>
+              </a:rPr>
+              <a:t>rhs.special</a:t>
+            </a:r>
+            <a:r>
+              <a:rPr lang="en-US" sz="2400" dirty="0">
+                <a:solidFill>
+                  <a:prstClr val="black"/>
+                </a:solidFill>
+                <a:latin typeface="Courier New" panose="02070309020205020404" pitchFamily="49" charset="0"/>
+                <a:cs typeface="Courier New" panose="02070309020205020404" pitchFamily="49" charset="0"/>
+              </a:rPr>
+              <a:t>)</a:t>
+            </a:r>
+          </a:p>
+          <a:p>
+            <a:pPr marL="0" indent="0">
+              <a:buFont typeface="Arial" panose="020B0604020202020204" pitchFamily="34" charset="0"/>
+              <a:buNone/>
+            </a:pPr>
+            <a:r>
+              <a:rPr lang="en-US" sz="2400" dirty="0">
+                <a:solidFill>
+                  <a:prstClr val="black"/>
+                </a:solidFill>
+                <a:latin typeface="Courier New" panose="02070309020205020404" pitchFamily="49" charset="0"/>
+                <a:cs typeface="Courier New" panose="02070309020205020404" pitchFamily="49" charset="0"/>
+              </a:rPr>
+              <a:t>      return x &lt; </a:t>
+            </a:r>
+            <a:r>
+              <a:rPr lang="en-US" sz="2400" dirty="0" err="1">
+                <a:solidFill>
+                  <a:prstClr val="black"/>
+                </a:solidFill>
+                <a:latin typeface="Courier New" panose="02070309020205020404" pitchFamily="49" charset="0"/>
+                <a:cs typeface="Courier New" panose="02070309020205020404" pitchFamily="49" charset="0"/>
+              </a:rPr>
+              <a:t>rhs.y</a:t>
+            </a:r>
+            <a:r>
+              <a:rPr lang="en-US" sz="2400" dirty="0">
+                <a:solidFill>
+                  <a:prstClr val="black"/>
+                </a:solidFill>
+                <a:latin typeface="Courier New" panose="02070309020205020404" pitchFamily="49" charset="0"/>
+                <a:cs typeface="Courier New" panose="02070309020205020404" pitchFamily="49" charset="0"/>
+              </a:rPr>
+              <a:t>;</a:t>
+            </a:r>
+          </a:p>
+          <a:p>
+            <a:pPr marL="0" indent="0">
+              <a:buFont typeface="Arial" panose="020B0604020202020204" pitchFamily="34" charset="0"/>
+              <a:buNone/>
+            </a:pPr>
+            <a:r>
+              <a:rPr lang="en-US" sz="2400" dirty="0">
+                <a:solidFill>
+                  <a:prstClr val="black"/>
+                </a:solidFill>
+                <a:latin typeface="Courier New" panose="02070309020205020404" pitchFamily="49" charset="0"/>
+                <a:cs typeface="Courier New" panose="02070309020205020404" pitchFamily="49" charset="0"/>
+              </a:rPr>
+              <a:t>    return y &lt; </a:t>
+            </a:r>
+            <a:r>
+              <a:rPr lang="en-US" sz="2400" dirty="0" err="1">
+                <a:solidFill>
+                  <a:prstClr val="black"/>
+                </a:solidFill>
+                <a:latin typeface="Courier New" panose="02070309020205020404" pitchFamily="49" charset="0"/>
+                <a:cs typeface="Courier New" panose="02070309020205020404" pitchFamily="49" charset="0"/>
+              </a:rPr>
+              <a:t>rhs.y</a:t>
+            </a:r>
+            <a:r>
+              <a:rPr lang="en-US" sz="2400" dirty="0">
+                <a:solidFill>
+                  <a:prstClr val="black"/>
+                </a:solidFill>
+                <a:latin typeface="Courier New" panose="02070309020205020404" pitchFamily="49" charset="0"/>
+                <a:cs typeface="Courier New" panose="02070309020205020404" pitchFamily="49" charset="0"/>
+              </a:rPr>
+              <a:t>;</a:t>
+            </a:r>
+          </a:p>
+          <a:p>
+            <a:pPr marL="0" indent="0">
+              <a:buFont typeface="Arial" panose="020B0604020202020204" pitchFamily="34" charset="0"/>
+              <a:buNone/>
+            </a:pPr>
+            <a:r>
+              <a:rPr lang="en-US" sz="2400" dirty="0">
+                <a:solidFill>
+                  <a:prstClr val="black"/>
+                </a:solidFill>
+                <a:latin typeface="Courier New" panose="02070309020205020404" pitchFamily="49" charset="0"/>
+                <a:cs typeface="Courier New" panose="02070309020205020404" pitchFamily="49" charset="0"/>
+              </a:rPr>
+              <a:t>  }</a:t>
+            </a:r>
+          </a:p>
+          <a:p>
+            <a:pPr marL="0" indent="0">
+              <a:buFont typeface="Arial" panose="020B0604020202020204" pitchFamily="34" charset="0"/>
+              <a:buNone/>
+            </a:pPr>
+            <a:r>
+              <a:rPr lang="en-US" sz="2400" dirty="0">
+                <a:solidFill>
+                  <a:prstClr val="black"/>
+                </a:solidFill>
+                <a:latin typeface="Courier New" panose="02070309020205020404" pitchFamily="49" charset="0"/>
+                <a:cs typeface="Courier New" panose="02070309020205020404" pitchFamily="49" charset="0"/>
+              </a:rPr>
+              <a:t>};</a:t>
+            </a:r>
+            <a:endParaRPr lang="ru-RU" sz="2400" dirty="0">
+              <a:solidFill>
+                <a:prstClr val="black"/>
+              </a:solidFill>
               <a:latin typeface="Courier New" panose="02070309020205020404" pitchFamily="49" charset="0"/>
               <a:cs typeface="Courier New" panose="02070309020205020404" pitchFamily="49" charset="0"/>
             </a:endParaRPr>
           </a:p>
-          <a:p>
-            <a:pPr marL="457200" lvl="1" indent="0">
-              <a:buNone/>
-            </a:pPr>
-            <a:r>
-              <a:rPr lang="ru-RU" dirty="0">
-                <a:latin typeface="Courier New" panose="02070309020205020404" pitchFamily="49" charset="0"/>
-                <a:cs typeface="Courier New" panose="02070309020205020404" pitchFamily="49" charset="0"/>
-              </a:rPr>
-              <a:t>equiv(0.5 * eps, eps) == true</a:t>
-            </a:r>
-            <a:endParaRPr lang="en-US" dirty="0">
-              <a:latin typeface="Courier New" panose="02070309020205020404" pitchFamily="49" charset="0"/>
-              <a:cs typeface="Courier New" panose="02070309020205020404" pitchFamily="49" charset="0"/>
-            </a:endParaRPr>
-          </a:p>
-          <a:p>
-            <a:pPr marL="457200" lvl="1" indent="0">
-              <a:buNone/>
-            </a:pPr>
-            <a:r>
-              <a:rPr lang="ru-RU" dirty="0">
-                <a:latin typeface="Courier New" panose="02070309020205020404" pitchFamily="49" charset="0"/>
-                <a:cs typeface="Courier New" panose="02070309020205020404" pitchFamily="49" charset="0"/>
-              </a:rPr>
-              <a:t>cmp(0, eps) == false</a:t>
-            </a:r>
-          </a:p>
-          <a:p>
-            <a:endParaRPr lang="en-US" dirty="0"/>
-          </a:p>
         </p:txBody>
       </p:sp>
     </p:spTree>
     <p:extLst>
       <p:ext uri="{BB962C8B-B14F-4D97-AF65-F5344CB8AC3E}">
-        <p14:creationId xmlns:p14="http://schemas.microsoft.com/office/powerpoint/2010/main" val="325765568"/>
+        <p14:creationId xmlns:p14="http://schemas.microsoft.com/office/powerpoint/2010/main" val="323606430"/>
       </p:ext>
     </p:extLst>
   </p:cSld>
@@ -13496,7 +14259,7 @@
           <p:cNvPr id="2" name="Title 1">
             <a:extLst>
               <a:ext uri="{FF2B5EF4-FFF2-40B4-BE49-F238E27FC236}">
-                <a16:creationId xmlns:a16="http://schemas.microsoft.com/office/drawing/2014/main" id="{25BF1C1D-74B1-43B6-9285-943AA8732D44}"/>
+                <a16:creationId xmlns:a16="http://schemas.microsoft.com/office/drawing/2014/main" id="{2A19E494-9936-451A-BF6D-29D50118093A}"/>
               </a:ext>
             </a:extLst>
           </p:cNvPr>
@@ -13514,7 +14277,15 @@
           <a:p>
             <a:r>
               <a:rPr lang="ru-RU" dirty="0"/>
-              <a:t>Инструменты</a:t>
+              <a:t>Частые ошибки</a:t>
+            </a:r>
+            <a:r>
+              <a:rPr lang="en-US" dirty="0"/>
+              <a:t>:</a:t>
+            </a:r>
+            <a:r>
+              <a:rPr lang="ru-RU" dirty="0"/>
+              <a:t> сравнение особых объектов отдельным алгоритмом</a:t>
             </a:r>
             <a:endParaRPr lang="en-US" dirty="0"/>
           </a:p>
@@ -13522,10 +14293,10 @@
       </p:sp>
       <p:sp>
         <p:nvSpPr>
-          <p:cNvPr id="3" name="Text Placeholder 2">
+          <p:cNvPr id="3" name="Content Placeholder 2">
             <a:extLst>
               <a:ext uri="{FF2B5EF4-FFF2-40B4-BE49-F238E27FC236}">
-                <a16:creationId xmlns:a16="http://schemas.microsoft.com/office/drawing/2014/main" id="{AC5F0C72-B3D0-49D2-B84B-FEA8654EEF04}"/>
+                <a16:creationId xmlns:a16="http://schemas.microsoft.com/office/drawing/2014/main" id="{E34877F2-0E42-46CD-89A4-90C23BB090A5}"/>
               </a:ext>
             </a:extLst>
           </p:cNvPr>
@@ -13533,22 +14304,212 @@
             <a:spLocks noGrp="1"/>
           </p:cNvSpPr>
           <p:nvPr>
-            <p:ph type="body" idx="1"/>
-          </p:nvPr>
-        </p:nvSpPr>
-        <p:spPr/>
+            <p:ph idx="1"/>
+          </p:nvPr>
+        </p:nvSpPr>
+        <p:spPr>
+          <a:xfrm>
+            <a:off x="838200" y="2446111"/>
+            <a:ext cx="10515600" cy="4351338"/>
+          </a:xfrm>
+        </p:spPr>
         <p:txBody>
           <a:bodyPr/>
           <a:lstStyle/>
           <a:p>
-            <a:endParaRPr lang="en-US"/>
+            <a:pPr marL="0" indent="0">
+              <a:buNone/>
+            </a:pPr>
+            <a:r>
+              <a:rPr lang="en-US" sz="2400" dirty="0">
+                <a:solidFill>
+                  <a:prstClr val="black"/>
+                </a:solidFill>
+                <a:latin typeface="Courier New" panose="02070309020205020404" pitchFamily="49" charset="0"/>
+                <a:cs typeface="Courier New" panose="02070309020205020404" pitchFamily="49" charset="0"/>
+              </a:rPr>
+              <a:t>auto comp = [](Object a, Object b) {</a:t>
+            </a:r>
+          </a:p>
+          <a:p>
+            <a:pPr marL="0" indent="0">
+              <a:buNone/>
+            </a:pPr>
+            <a:r>
+              <a:rPr lang="en-US" sz="2400" dirty="0">
+                <a:latin typeface="Courier New" panose="02070309020205020404" pitchFamily="49" charset="0"/>
+                <a:cs typeface="Courier New" panose="02070309020205020404" pitchFamily="49" charset="0"/>
+              </a:rPr>
+              <a:t>  if (</a:t>
+            </a:r>
+            <a:r>
+              <a:rPr lang="en-US" sz="2400" dirty="0" err="1">
+                <a:latin typeface="Courier New" panose="02070309020205020404" pitchFamily="49" charset="0"/>
+                <a:cs typeface="Courier New" panose="02070309020205020404" pitchFamily="49" charset="0"/>
+              </a:rPr>
+              <a:t>is_special</a:t>
+            </a:r>
+            <a:r>
+              <a:rPr lang="en-US" sz="2400" dirty="0">
+                <a:latin typeface="Courier New" panose="02070309020205020404" pitchFamily="49" charset="0"/>
+                <a:cs typeface="Courier New" panose="02070309020205020404" pitchFamily="49" charset="0"/>
+              </a:rPr>
+              <a:t>(a) &amp;&amp; </a:t>
+            </a:r>
+            <a:r>
+              <a:rPr lang="en-US" sz="2400" dirty="0" err="1">
+                <a:latin typeface="Courier New" panose="02070309020205020404" pitchFamily="49" charset="0"/>
+                <a:cs typeface="Courier New" panose="02070309020205020404" pitchFamily="49" charset="0"/>
+              </a:rPr>
+              <a:t>is_special</a:t>
+            </a:r>
+            <a:r>
+              <a:rPr lang="en-US" sz="2400" dirty="0">
+                <a:latin typeface="Courier New" panose="02070309020205020404" pitchFamily="49" charset="0"/>
+                <a:cs typeface="Courier New" panose="02070309020205020404" pitchFamily="49" charset="0"/>
+              </a:rPr>
+              <a:t>(b))</a:t>
+            </a:r>
+          </a:p>
+          <a:p>
+            <a:pPr marL="0" indent="0">
+              <a:buNone/>
+            </a:pPr>
+            <a:r>
+              <a:rPr lang="en-US" sz="2400" dirty="0">
+                <a:latin typeface="Courier New" panose="02070309020205020404" pitchFamily="49" charset="0"/>
+                <a:cs typeface="Courier New" panose="02070309020205020404" pitchFamily="49" charset="0"/>
+              </a:rPr>
+              <a:t>    return </a:t>
+            </a:r>
+            <a:r>
+              <a:rPr lang="en-US" sz="2400" dirty="0" err="1">
+                <a:latin typeface="Courier New" panose="02070309020205020404" pitchFamily="49" charset="0"/>
+                <a:cs typeface="Courier New" panose="02070309020205020404" pitchFamily="49" charset="0"/>
+              </a:rPr>
+              <a:t>comp_special</a:t>
+            </a:r>
+            <a:r>
+              <a:rPr lang="en-US" sz="2400" dirty="0">
+                <a:latin typeface="Courier New" panose="02070309020205020404" pitchFamily="49" charset="0"/>
+                <a:cs typeface="Courier New" panose="02070309020205020404" pitchFamily="49" charset="0"/>
+              </a:rPr>
+              <a:t>(a, b);</a:t>
+            </a:r>
+          </a:p>
+          <a:p>
+            <a:pPr marL="0" indent="0">
+              <a:buNone/>
+            </a:pPr>
+            <a:r>
+              <a:rPr lang="en-US" sz="2400" dirty="0">
+                <a:solidFill>
+                  <a:prstClr val="black"/>
+                </a:solidFill>
+                <a:latin typeface="Courier New" panose="02070309020205020404" pitchFamily="49" charset="0"/>
+                <a:cs typeface="Courier New" panose="02070309020205020404" pitchFamily="49" charset="0"/>
+              </a:rPr>
+              <a:t>  else</a:t>
+            </a:r>
+          </a:p>
+          <a:p>
+            <a:pPr marL="0" indent="0">
+              <a:buNone/>
+            </a:pPr>
+            <a:r>
+              <a:rPr lang="en-US" sz="2400" dirty="0">
+                <a:solidFill>
+                  <a:prstClr val="black"/>
+                </a:solidFill>
+                <a:latin typeface="Courier New" panose="02070309020205020404" pitchFamily="49" charset="0"/>
+                <a:cs typeface="Courier New" panose="02070309020205020404" pitchFamily="49" charset="0"/>
+              </a:rPr>
+              <a:t>    return </a:t>
+            </a:r>
+            <a:r>
+              <a:rPr lang="en-US" sz="2400" dirty="0" err="1">
+                <a:solidFill>
+                  <a:prstClr val="black"/>
+                </a:solidFill>
+                <a:latin typeface="Courier New" panose="02070309020205020404" pitchFamily="49" charset="0"/>
+                <a:cs typeface="Courier New" panose="02070309020205020404" pitchFamily="49" charset="0"/>
+              </a:rPr>
+              <a:t>comp_default</a:t>
+            </a:r>
+            <a:r>
+              <a:rPr lang="en-US" sz="2400" dirty="0">
+                <a:solidFill>
+                  <a:prstClr val="black"/>
+                </a:solidFill>
+                <a:latin typeface="Courier New" panose="02070309020205020404" pitchFamily="49" charset="0"/>
+                <a:cs typeface="Courier New" panose="02070309020205020404" pitchFamily="49" charset="0"/>
+              </a:rPr>
+              <a:t>(a, b);</a:t>
+            </a:r>
+          </a:p>
+          <a:p>
+            <a:pPr marL="0" indent="0">
+              <a:buNone/>
+            </a:pPr>
+            <a:r>
+              <a:rPr lang="en-US" sz="2400" dirty="0">
+                <a:solidFill>
+                  <a:prstClr val="black"/>
+                </a:solidFill>
+                <a:latin typeface="Courier New" panose="02070309020205020404" pitchFamily="49" charset="0"/>
+                <a:cs typeface="Courier New" panose="02070309020205020404" pitchFamily="49" charset="0"/>
+              </a:rPr>
+              <a:t>}</a:t>
+            </a:r>
+          </a:p>
+          <a:p>
+            <a:endParaRPr lang="en-US" dirty="0"/>
+          </a:p>
+        </p:txBody>
+      </p:sp>
+      <p:sp>
+        <p:nvSpPr>
+          <p:cNvPr id="4" name="TextBox 3">
+            <a:extLst>
+              <a:ext uri="{FF2B5EF4-FFF2-40B4-BE49-F238E27FC236}">
+                <a16:creationId xmlns:a16="http://schemas.microsoft.com/office/drawing/2014/main" id="{51C4FFE5-4F27-41FF-8A45-33B8796CA465}"/>
+              </a:ext>
+            </a:extLst>
+          </p:cNvPr>
+          <p:cNvSpPr txBox="1"/>
+          <p:nvPr/>
+        </p:nvSpPr>
+        <p:spPr>
+          <a:xfrm>
+            <a:off x="838200" y="1882989"/>
+            <a:ext cx="5225143" cy="523220"/>
+          </a:xfrm>
+          <a:prstGeom prst="rect">
+            <a:avLst/>
+          </a:prstGeom>
+          <a:noFill/>
+        </p:spPr>
+        <p:txBody>
+          <a:bodyPr wrap="square" rtlCol="0">
+            <a:spAutoFit/>
+          </a:bodyPr>
+          <a:lstStyle/>
+          <a:p>
+            <a:r>
+              <a:rPr lang="ru-RU" sz="2800" dirty="0"/>
+              <a:t>Общий паттерн ошибки</a:t>
+            </a:r>
+            <a:r>
+              <a:rPr lang="en-US" sz="2800" dirty="0"/>
+              <a:t>:</a:t>
+            </a:r>
           </a:p>
         </p:txBody>
       </p:sp>
     </p:spTree>
     <p:extLst>
       <p:ext uri="{BB962C8B-B14F-4D97-AF65-F5344CB8AC3E}">
-        <p14:creationId xmlns:p14="http://schemas.microsoft.com/office/powerpoint/2010/main" val="576864691"/>
+        <p14:creationId xmlns:p14="http://schemas.microsoft.com/office/powerpoint/2010/main" val="1171521156"/>
       </p:ext>
     </p:extLst>
   </p:cSld>
@@ -13580,6 +14541,320 @@
           <p:cNvPr id="2" name="Title 1">
             <a:extLst>
               <a:ext uri="{FF2B5EF4-FFF2-40B4-BE49-F238E27FC236}">
+                <a16:creationId xmlns:a16="http://schemas.microsoft.com/office/drawing/2014/main" id="{2A113B13-406F-410B-BFB5-9599BB8FA280}"/>
+              </a:ext>
+            </a:extLst>
+          </p:cNvPr>
+          <p:cNvSpPr>
+            <a:spLocks noGrp="1"/>
+          </p:cNvSpPr>
+          <p:nvPr>
+            <p:ph type="title"/>
+          </p:nvPr>
+        </p:nvSpPr>
+        <p:spPr/>
+        <p:txBody>
+          <a:bodyPr/>
+          <a:lstStyle/>
+          <a:p>
+            <a:r>
+              <a:rPr lang="ru-RU" dirty="0"/>
+              <a:t>Частые ошибки</a:t>
+            </a:r>
+            <a:r>
+              <a:rPr lang="en-US" dirty="0"/>
+              <a:t>:</a:t>
+            </a:r>
+            <a:r>
+              <a:rPr lang="ru-RU" dirty="0"/>
+              <a:t> приближенные сравнения</a:t>
+            </a:r>
+            <a:endParaRPr lang="en-US" dirty="0"/>
+          </a:p>
+        </p:txBody>
+      </p:sp>
+      <p:sp>
+        <p:nvSpPr>
+          <p:cNvPr id="3" name="Content Placeholder 2">
+            <a:extLst>
+              <a:ext uri="{FF2B5EF4-FFF2-40B4-BE49-F238E27FC236}">
+                <a16:creationId xmlns:a16="http://schemas.microsoft.com/office/drawing/2014/main" id="{92E789BC-A1A6-4768-97BD-DC69CFA3A8F6}"/>
+              </a:ext>
+            </a:extLst>
+          </p:cNvPr>
+          <p:cNvSpPr>
+            <a:spLocks noGrp="1"/>
+          </p:cNvSpPr>
+          <p:nvPr>
+            <p:ph idx="1"/>
+          </p:nvPr>
+        </p:nvSpPr>
+        <p:spPr/>
+        <p:txBody>
+          <a:bodyPr>
+            <a:normAutofit lnSpcReduction="10000"/>
+          </a:bodyPr>
+          <a:lstStyle/>
+          <a:p>
+            <a:pPr marL="0" indent="0">
+              <a:buNone/>
+            </a:pPr>
+            <a:r>
+              <a:rPr lang="en-US" sz="2600" dirty="0">
+                <a:solidFill>
+                  <a:prstClr val="black"/>
+                </a:solidFill>
+                <a:latin typeface="Courier New" panose="02070309020205020404" pitchFamily="49" charset="0"/>
+                <a:cs typeface="Courier New" panose="02070309020205020404" pitchFamily="49" charset="0"/>
+              </a:rPr>
+              <a:t>bool </a:t>
+            </a:r>
+            <a:r>
+              <a:rPr lang="en-US" sz="2600" dirty="0" err="1">
+                <a:solidFill>
+                  <a:prstClr val="black"/>
+                </a:solidFill>
+                <a:latin typeface="Courier New" panose="02070309020205020404" pitchFamily="49" charset="0"/>
+                <a:cs typeface="Courier New" panose="02070309020205020404" pitchFamily="49" charset="0"/>
+              </a:rPr>
+              <a:t>cmp</a:t>
+            </a:r>
+            <a:r>
+              <a:rPr lang="en-US" sz="2600" dirty="0">
+                <a:solidFill>
+                  <a:prstClr val="black"/>
+                </a:solidFill>
+                <a:latin typeface="Courier New" panose="02070309020205020404" pitchFamily="49" charset="0"/>
+                <a:cs typeface="Courier New" panose="02070309020205020404" pitchFamily="49" charset="0"/>
+              </a:rPr>
+              <a:t>(double a, double b) {</a:t>
+            </a:r>
+          </a:p>
+          <a:p>
+            <a:pPr marL="0" indent="0">
+              <a:buNone/>
+            </a:pPr>
+            <a:r>
+              <a:rPr lang="en-US" sz="2600" dirty="0">
+                <a:solidFill>
+                  <a:prstClr val="black"/>
+                </a:solidFill>
+                <a:latin typeface="Courier New" panose="02070309020205020404" pitchFamily="49" charset="0"/>
+                <a:cs typeface="Courier New" panose="02070309020205020404" pitchFamily="49" charset="0"/>
+              </a:rPr>
+              <a:t>    if (abs(a - b) &lt; eps) return false;</a:t>
+            </a:r>
+          </a:p>
+          <a:p>
+            <a:pPr marL="0" indent="0">
+              <a:buNone/>
+            </a:pPr>
+            <a:r>
+              <a:rPr lang="en-US" sz="2600" dirty="0">
+                <a:solidFill>
+                  <a:prstClr val="black"/>
+                </a:solidFill>
+                <a:latin typeface="Courier New" panose="02070309020205020404" pitchFamily="49" charset="0"/>
+                <a:cs typeface="Courier New" panose="02070309020205020404" pitchFamily="49" charset="0"/>
+              </a:rPr>
+              <a:t>    return a &lt; b;</a:t>
+            </a:r>
+          </a:p>
+          <a:p>
+            <a:pPr marL="0" indent="0">
+              <a:buNone/>
+            </a:pPr>
+            <a:r>
+              <a:rPr lang="en-US" sz="2600" dirty="0">
+                <a:solidFill>
+                  <a:prstClr val="black"/>
+                </a:solidFill>
+                <a:latin typeface="Courier New" panose="02070309020205020404" pitchFamily="49" charset="0"/>
+                <a:cs typeface="Courier New" panose="02070309020205020404" pitchFamily="49" charset="0"/>
+              </a:rPr>
+              <a:t>}</a:t>
+            </a:r>
+          </a:p>
+          <a:p>
+            <a:r>
+              <a:rPr lang="ru-RU" dirty="0"/>
+              <a:t>Программист хотел чтобы "близкие" элементы рассматривались как эквивалентные</a:t>
+            </a:r>
+          </a:p>
+          <a:p>
+            <a:r>
+              <a:rPr lang="ru-RU" dirty="0"/>
+              <a:t>Но при этом нарушил аксиому транзитивности эквивалентности:</a:t>
+            </a:r>
+          </a:p>
+          <a:p>
+            <a:pPr marL="457200" lvl="1" indent="0">
+              <a:buNone/>
+            </a:pPr>
+            <a:r>
+              <a:rPr lang="ru-RU" dirty="0">
+                <a:latin typeface="Courier New" panose="02070309020205020404" pitchFamily="49" charset="0"/>
+                <a:cs typeface="Courier New" panose="02070309020205020404" pitchFamily="49" charset="0"/>
+              </a:rPr>
+              <a:t>equiv(0, 0.5 * eps) == true</a:t>
+            </a:r>
+            <a:endParaRPr lang="en-US" dirty="0">
+              <a:latin typeface="Courier New" panose="02070309020205020404" pitchFamily="49" charset="0"/>
+              <a:cs typeface="Courier New" panose="02070309020205020404" pitchFamily="49" charset="0"/>
+            </a:endParaRPr>
+          </a:p>
+          <a:p>
+            <a:pPr marL="457200" lvl="1" indent="0">
+              <a:buNone/>
+            </a:pPr>
+            <a:r>
+              <a:rPr lang="ru-RU" dirty="0">
+                <a:latin typeface="Courier New" panose="02070309020205020404" pitchFamily="49" charset="0"/>
+                <a:cs typeface="Courier New" panose="02070309020205020404" pitchFamily="49" charset="0"/>
+              </a:rPr>
+              <a:t>equiv(0.5 * eps, eps) == true</a:t>
+            </a:r>
+            <a:endParaRPr lang="en-US" dirty="0">
+              <a:latin typeface="Courier New" panose="02070309020205020404" pitchFamily="49" charset="0"/>
+              <a:cs typeface="Courier New" panose="02070309020205020404" pitchFamily="49" charset="0"/>
+            </a:endParaRPr>
+          </a:p>
+          <a:p>
+            <a:pPr marL="457200" lvl="1" indent="0">
+              <a:buNone/>
+            </a:pPr>
+            <a:r>
+              <a:rPr lang="ru-RU" dirty="0">
+                <a:latin typeface="Courier New" panose="02070309020205020404" pitchFamily="49" charset="0"/>
+                <a:cs typeface="Courier New" panose="02070309020205020404" pitchFamily="49" charset="0"/>
+              </a:rPr>
+              <a:t>cmp(0, eps) == false</a:t>
+            </a:r>
+          </a:p>
+          <a:p>
+            <a:endParaRPr lang="en-US" dirty="0"/>
+          </a:p>
+        </p:txBody>
+      </p:sp>
+    </p:spTree>
+    <p:extLst>
+      <p:ext uri="{BB962C8B-B14F-4D97-AF65-F5344CB8AC3E}">
+        <p14:creationId xmlns:p14="http://schemas.microsoft.com/office/powerpoint/2010/main" val="325765568"/>
+      </p:ext>
+    </p:extLst>
+  </p:cSld>
+  <p:clrMapOvr>
+    <a:masterClrMapping/>
+  </p:clrMapOvr>
+</p:sld>
+</file>
+
+<file path=ppt/slides/slide38.xml><?xml version="1.0" encoding="utf-8"?>
+<p:sld xmlns:a="http://schemas.openxmlformats.org/drawingml/2006/main" xmlns:r="http://schemas.openxmlformats.org/officeDocument/2006/relationships" xmlns:p="http://schemas.openxmlformats.org/presentationml/2006/main">
+  <p:cSld>
+    <p:spTree>
+      <p:nvGrpSpPr>
+        <p:cNvPr id="1" name=""/>
+        <p:cNvGrpSpPr/>
+        <p:nvPr/>
+      </p:nvGrpSpPr>
+      <p:grpSpPr>
+        <a:xfrm>
+          <a:off x="0" y="0"/>
+          <a:ext cx="0" cy="0"/>
+          <a:chOff x="0" y="0"/>
+          <a:chExt cx="0" cy="0"/>
+        </a:xfrm>
+      </p:grpSpPr>
+      <p:sp>
+        <p:nvSpPr>
+          <p:cNvPr id="2" name="Title 1">
+            <a:extLst>
+              <a:ext uri="{FF2B5EF4-FFF2-40B4-BE49-F238E27FC236}">
+                <a16:creationId xmlns:a16="http://schemas.microsoft.com/office/drawing/2014/main" id="{25BF1C1D-74B1-43B6-9285-943AA8732D44}"/>
+              </a:ext>
+            </a:extLst>
+          </p:cNvPr>
+          <p:cNvSpPr>
+            <a:spLocks noGrp="1"/>
+          </p:cNvSpPr>
+          <p:nvPr>
+            <p:ph type="title"/>
+          </p:nvPr>
+        </p:nvSpPr>
+        <p:spPr/>
+        <p:txBody>
+          <a:bodyPr/>
+          <a:lstStyle/>
+          <a:p>
+            <a:r>
+              <a:rPr lang="ru-RU" dirty="0"/>
+              <a:t>Инструменты</a:t>
+            </a:r>
+            <a:endParaRPr lang="en-US" dirty="0"/>
+          </a:p>
+        </p:txBody>
+      </p:sp>
+      <p:sp>
+        <p:nvSpPr>
+          <p:cNvPr id="3" name="Text Placeholder 2">
+            <a:extLst>
+              <a:ext uri="{FF2B5EF4-FFF2-40B4-BE49-F238E27FC236}">
+                <a16:creationId xmlns:a16="http://schemas.microsoft.com/office/drawing/2014/main" id="{AC5F0C72-B3D0-49D2-B84B-FEA8654EEF04}"/>
+              </a:ext>
+            </a:extLst>
+          </p:cNvPr>
+          <p:cNvSpPr>
+            <a:spLocks noGrp="1"/>
+          </p:cNvSpPr>
+          <p:nvPr>
+            <p:ph type="body" idx="1"/>
+          </p:nvPr>
+        </p:nvSpPr>
+        <p:spPr/>
+        <p:txBody>
+          <a:bodyPr/>
+          <a:lstStyle/>
+          <a:p>
+            <a:endParaRPr lang="en-US"/>
+          </a:p>
+        </p:txBody>
+      </p:sp>
+    </p:spTree>
+    <p:extLst>
+      <p:ext uri="{BB962C8B-B14F-4D97-AF65-F5344CB8AC3E}">
+        <p14:creationId xmlns:p14="http://schemas.microsoft.com/office/powerpoint/2010/main" val="576864691"/>
+      </p:ext>
+    </p:extLst>
+  </p:cSld>
+  <p:clrMapOvr>
+    <a:masterClrMapping/>
+  </p:clrMapOvr>
+</p:sld>
+</file>
+
+<file path=ppt/slides/slide39.xml><?xml version="1.0" encoding="utf-8"?>
+<p:sld xmlns:a="http://schemas.openxmlformats.org/drawingml/2006/main" xmlns:r="http://schemas.openxmlformats.org/officeDocument/2006/relationships" xmlns:p="http://schemas.openxmlformats.org/presentationml/2006/main">
+  <p:cSld>
+    <p:spTree>
+      <p:nvGrpSpPr>
+        <p:cNvPr id="1" name=""/>
+        <p:cNvGrpSpPr/>
+        <p:nvPr/>
+      </p:nvGrpSpPr>
+      <p:grpSpPr>
+        <a:xfrm>
+          <a:off x="0" y="0"/>
+          <a:ext cx="0" cy="0"/>
+          <a:chOff x="0" y="0"/>
+          <a:chExt cx="0" cy="0"/>
+        </a:xfrm>
+      </p:grpSpPr>
+      <p:sp>
+        <p:nvSpPr>
+          <p:cNvPr id="2" name="Title 1">
+            <a:extLst>
+              <a:ext uri="{FF2B5EF4-FFF2-40B4-BE49-F238E27FC236}">
                 <a16:creationId xmlns:a16="http://schemas.microsoft.com/office/drawing/2014/main" id="{C572B7C5-26C8-417A-B322-BAD4ADCDD4BC}"/>
               </a:ext>
             </a:extLst>
@@ -13967,7 +15242,174 @@
 </p:sld>
 </file>
 
-<file path=ppt/slides/slide38.xml><?xml version="1.0" encoding="utf-8"?>
+<file path=ppt/slides/slide4.xml><?xml version="1.0" encoding="utf-8"?>
+<p:sld xmlns:a="http://schemas.openxmlformats.org/drawingml/2006/main" xmlns:r="http://schemas.openxmlformats.org/officeDocument/2006/relationships" xmlns:p="http://schemas.openxmlformats.org/presentationml/2006/main">
+  <p:cSld>
+    <p:spTree>
+      <p:nvGrpSpPr>
+        <p:cNvPr id="1" name=""/>
+        <p:cNvGrpSpPr/>
+        <p:nvPr/>
+      </p:nvGrpSpPr>
+      <p:grpSpPr>
+        <a:xfrm>
+          <a:off x="0" y="0"/>
+          <a:ext cx="0" cy="0"/>
+          <a:chOff x="0" y="0"/>
+          <a:chExt cx="0" cy="0"/>
+        </a:xfrm>
+      </p:grpSpPr>
+      <p:sp>
+        <p:nvSpPr>
+          <p:cNvPr id="2" name="Title 1">
+            <a:extLst>
+              <a:ext uri="{FF2B5EF4-FFF2-40B4-BE49-F238E27FC236}">
+                <a16:creationId xmlns:a16="http://schemas.microsoft.com/office/drawing/2014/main" id="{D2279289-7D14-4AF9-9364-2CDFD2C84676}"/>
+              </a:ext>
+            </a:extLst>
+          </p:cNvPr>
+          <p:cNvSpPr>
+            <a:spLocks noGrp="1"/>
+          </p:cNvSpPr>
+          <p:nvPr>
+            <p:ph type="title"/>
+          </p:nvPr>
+        </p:nvSpPr>
+        <p:spPr/>
+        <p:txBody>
+          <a:bodyPr/>
+          <a:lstStyle/>
+          <a:p>
+            <a:r>
+              <a:rPr lang="ru-RU" dirty="0"/>
+              <a:t>Компараторы</a:t>
+            </a:r>
+            <a:endParaRPr lang="en-US" dirty="0"/>
+          </a:p>
+        </p:txBody>
+      </p:sp>
+      <p:sp>
+        <p:nvSpPr>
+          <p:cNvPr id="3" name="Content Placeholder 2">
+            <a:extLst>
+              <a:ext uri="{FF2B5EF4-FFF2-40B4-BE49-F238E27FC236}">
+                <a16:creationId xmlns:a16="http://schemas.microsoft.com/office/drawing/2014/main" id="{9269AF0C-D81B-40B7-93CD-858A670C0A0C}"/>
+              </a:ext>
+            </a:extLst>
+          </p:cNvPr>
+          <p:cNvSpPr>
+            <a:spLocks noGrp="1"/>
+          </p:cNvSpPr>
+          <p:nvPr>
+            <p:ph idx="1"/>
+          </p:nvPr>
+        </p:nvSpPr>
+        <p:spPr/>
+        <p:txBody>
+          <a:bodyPr/>
+          <a:lstStyle/>
+          <a:p>
+            <a:r>
+              <a:rPr lang="ru-RU" dirty="0"/>
+              <a:t>Обобщение </a:t>
+            </a:r>
+            <a:r>
+              <a:rPr lang="en-US" dirty="0">
+                <a:latin typeface="Courier New" panose="02070309020205020404" pitchFamily="49" charset="0"/>
+                <a:cs typeface="Courier New" panose="02070309020205020404" pitchFamily="49" charset="0"/>
+              </a:rPr>
+              <a:t>operator&lt;</a:t>
+            </a:r>
+            <a:endParaRPr lang="ru-RU" dirty="0">
+              <a:latin typeface="Courier New" panose="02070309020205020404" pitchFamily="49" charset="0"/>
+              <a:cs typeface="Courier New" panose="02070309020205020404" pitchFamily="49" charset="0"/>
+            </a:endParaRPr>
+          </a:p>
+          <a:p>
+            <a:r>
+              <a:rPr lang="ru-RU" dirty="0"/>
+              <a:t>Функторы-предикаты для сравнения элементов какого-либо типа</a:t>
+            </a:r>
+            <a:endParaRPr lang="en-US" dirty="0"/>
+          </a:p>
+          <a:p>
+            <a:r>
+              <a:rPr lang="ru-RU" dirty="0"/>
+              <a:t>Используются различными алгоритмами и контейнерами стандартной библиотеки для упорядочения</a:t>
+            </a:r>
+            <a:r>
+              <a:rPr lang="en-US" dirty="0"/>
+              <a:t>/</a:t>
+            </a:r>
+            <a:r>
+              <a:rPr lang="ru-RU" dirty="0"/>
+              <a:t>поиска объектов</a:t>
+            </a:r>
+            <a:endParaRPr lang="en-US" dirty="0"/>
+          </a:p>
+          <a:p>
+            <a:endParaRPr lang="ru-RU" sz="1200" dirty="0"/>
+          </a:p>
+          <a:p>
+            <a:pPr marL="457200" lvl="1" indent="0">
+              <a:buNone/>
+            </a:pPr>
+            <a:r>
+              <a:rPr lang="en-US" dirty="0">
+                <a:latin typeface="Courier New" panose="02070309020205020404" pitchFamily="49" charset="0"/>
+                <a:cs typeface="Courier New" panose="02070309020205020404" pitchFamily="49" charset="0"/>
+              </a:rPr>
+              <a:t>std::sort(begin, end, comp);</a:t>
+            </a:r>
+          </a:p>
+          <a:p>
+            <a:pPr marL="457200" lvl="1" indent="0">
+              <a:buNone/>
+            </a:pPr>
+            <a:r>
+              <a:rPr lang="en-US" dirty="0">
+                <a:latin typeface="Courier New" panose="02070309020205020404" pitchFamily="49" charset="0"/>
+                <a:cs typeface="Courier New" panose="02070309020205020404" pitchFamily="49" charset="0"/>
+              </a:rPr>
+              <a:t>std::sort(begin, end);  // </a:t>
+            </a:r>
+            <a:r>
+              <a:rPr lang="ru-RU" dirty="0">
+                <a:latin typeface="Courier New" panose="02070309020205020404" pitchFamily="49" charset="0"/>
+                <a:cs typeface="Courier New" panose="02070309020205020404" pitchFamily="49" charset="0"/>
+              </a:rPr>
+              <a:t>Используется </a:t>
+            </a:r>
+            <a:r>
+              <a:rPr lang="en-US" dirty="0">
+                <a:latin typeface="Courier New" panose="02070309020205020404" pitchFamily="49" charset="0"/>
+                <a:cs typeface="Courier New" panose="02070309020205020404" pitchFamily="49" charset="0"/>
+              </a:rPr>
+              <a:t>operator&lt;</a:t>
+            </a:r>
+          </a:p>
+          <a:p>
+            <a:pPr marL="0" indent="0">
+              <a:buNone/>
+            </a:pPr>
+            <a:endParaRPr lang="en-US" dirty="0"/>
+          </a:p>
+        </p:txBody>
+      </p:sp>
+    </p:spTree>
+    <p:extLst>
+      <p:ext uri="{BB962C8B-B14F-4D97-AF65-F5344CB8AC3E}">
+        <p14:creationId xmlns:p14="http://schemas.microsoft.com/office/powerpoint/2010/main" val="689987346"/>
+      </p:ext>
+    </p:extLst>
+  </p:cSld>
+  <p:clrMapOvr>
+    <a:masterClrMapping/>
+  </p:clrMapOvr>
+</p:sld>
+</file>
+
+<file path=ppt/slides/slide40.xml><?xml version="1.0" encoding="utf-8"?>
 <p:sld xmlns:a="http://schemas.openxmlformats.org/drawingml/2006/main" xmlns:r="http://schemas.openxmlformats.org/officeDocument/2006/relationships" xmlns:p="http://schemas.openxmlformats.org/presentationml/2006/main">
   <p:cSld>
     <p:spTree>
@@ -14119,474 +15561,6 @@
 </p:sld>
 </file>
 
-<file path=ppt/slides/slide39.xml><?xml version="1.0" encoding="utf-8"?>
-<p:sld xmlns:a="http://schemas.openxmlformats.org/drawingml/2006/main" xmlns:r="http://schemas.openxmlformats.org/officeDocument/2006/relationships" xmlns:p="http://schemas.openxmlformats.org/presentationml/2006/main">
-  <p:cSld>
-    <p:spTree>
-      <p:nvGrpSpPr>
-        <p:cNvPr id="1" name=""/>
-        <p:cNvGrpSpPr/>
-        <p:nvPr/>
-      </p:nvGrpSpPr>
-      <p:grpSpPr>
-        <a:xfrm>
-          <a:off x="0" y="0"/>
-          <a:ext cx="0" cy="0"/>
-          <a:chOff x="0" y="0"/>
-          <a:chExt cx="0" cy="0"/>
-        </a:xfrm>
-      </p:grpSpPr>
-      <p:sp>
-        <p:nvSpPr>
-          <p:cNvPr id="2" name="Title 1">
-            <a:extLst>
-              <a:ext uri="{FF2B5EF4-FFF2-40B4-BE49-F238E27FC236}">
-                <a16:creationId xmlns:a16="http://schemas.microsoft.com/office/drawing/2014/main" id="{4779B8ED-1F29-4D30-B331-C3400270FDF0}"/>
-              </a:ext>
-            </a:extLst>
-          </p:cNvPr>
-          <p:cNvSpPr>
-            <a:spLocks noGrp="1"/>
-          </p:cNvSpPr>
-          <p:nvPr>
-            <p:ph type="title"/>
-          </p:nvPr>
-        </p:nvSpPr>
-        <p:spPr/>
-        <p:txBody>
-          <a:bodyPr/>
-          <a:lstStyle/>
-          <a:p>
-            <a:r>
-              <a:rPr lang="ru-RU" dirty="0"/>
-              <a:t>Отладочные средства в тулчейнах</a:t>
-            </a:r>
-            <a:endParaRPr lang="en-US" dirty="0"/>
-          </a:p>
-        </p:txBody>
-      </p:sp>
-      <p:sp>
-        <p:nvSpPr>
-          <p:cNvPr id="3" name="Content Placeholder 2">
-            <a:extLst>
-              <a:ext uri="{FF2B5EF4-FFF2-40B4-BE49-F238E27FC236}">
-                <a16:creationId xmlns:a16="http://schemas.microsoft.com/office/drawing/2014/main" id="{58F9ABFF-6BB7-4FB9-989A-8FA4CD7D38CB}"/>
-              </a:ext>
-            </a:extLst>
-          </p:cNvPr>
-          <p:cNvSpPr>
-            <a:spLocks noGrp="1"/>
-          </p:cNvSpPr>
-          <p:nvPr>
-            <p:ph idx="1"/>
-          </p:nvPr>
-        </p:nvSpPr>
-        <p:spPr/>
-        <p:txBody>
-          <a:bodyPr/>
-          <a:lstStyle/>
-          <a:p>
-            <a:r>
-              <a:rPr lang="ru-RU" dirty="0"/>
-              <a:t>Обе опции имеют существенные (2</a:t>
-            </a:r>
-            <a:r>
-              <a:rPr lang="en-US" dirty="0"/>
-              <a:t>x) </a:t>
-            </a:r>
-            <a:r>
-              <a:rPr lang="ru-RU" dirty="0"/>
-              <a:t>накладные расходы</a:t>
-            </a:r>
-            <a:endParaRPr lang="en-US" dirty="0"/>
-          </a:p>
-          <a:p>
-            <a:r>
-              <a:rPr lang="ru-RU" dirty="0"/>
-              <a:t>Рекомендуется использовать только для тестирования</a:t>
-            </a:r>
-            <a:endParaRPr lang="en-US" dirty="0"/>
-          </a:p>
-          <a:p>
-            <a:r>
-              <a:rPr lang="ru-RU" dirty="0"/>
-              <a:t>Чекеры компараторов не должны менять алгоритмическую сложность алгоритма O(N*logN)</a:t>
-            </a:r>
-            <a:endParaRPr lang="en-US" dirty="0"/>
-          </a:p>
-          <a:p>
-            <a:r>
-              <a:rPr lang="ru-RU" dirty="0"/>
-              <a:t>И поэтому не могут провести полную проверку корректности</a:t>
-            </a:r>
-          </a:p>
-          <a:p>
-            <a:pPr lvl="1"/>
-            <a:r>
-              <a:rPr lang="ru-RU" dirty="0"/>
-              <a:t>Например проверку аксиом транзитивности</a:t>
-            </a:r>
-          </a:p>
-          <a:p>
-            <a:endParaRPr lang="en-US" dirty="0"/>
-          </a:p>
-        </p:txBody>
-      </p:sp>
-    </p:spTree>
-    <p:extLst>
-      <p:ext uri="{BB962C8B-B14F-4D97-AF65-F5344CB8AC3E}">
-        <p14:creationId xmlns:p14="http://schemas.microsoft.com/office/powerpoint/2010/main" val="2928624946"/>
-      </p:ext>
-    </p:extLst>
-  </p:cSld>
-  <p:clrMapOvr>
-    <a:masterClrMapping/>
-  </p:clrMapOvr>
-</p:sld>
-</file>
-
-<file path=ppt/slides/slide4.xml><?xml version="1.0" encoding="utf-8"?>
-<p:sld xmlns:a="http://schemas.openxmlformats.org/drawingml/2006/main" xmlns:r="http://schemas.openxmlformats.org/officeDocument/2006/relationships" xmlns:p="http://schemas.openxmlformats.org/presentationml/2006/main">
-  <p:cSld>
-    <p:spTree>
-      <p:nvGrpSpPr>
-        <p:cNvPr id="1" name=""/>
-        <p:cNvGrpSpPr/>
-        <p:nvPr/>
-      </p:nvGrpSpPr>
-      <p:grpSpPr>
-        <a:xfrm>
-          <a:off x="0" y="0"/>
-          <a:ext cx="0" cy="0"/>
-          <a:chOff x="0" y="0"/>
-          <a:chExt cx="0" cy="0"/>
-        </a:xfrm>
-      </p:grpSpPr>
-      <p:sp>
-        <p:nvSpPr>
-          <p:cNvPr id="2" name="Title 1">
-            <a:extLst>
-              <a:ext uri="{FF2B5EF4-FFF2-40B4-BE49-F238E27FC236}">
-                <a16:creationId xmlns:a16="http://schemas.microsoft.com/office/drawing/2014/main" id="{D2279289-7D14-4AF9-9364-2CDFD2C84676}"/>
-              </a:ext>
-            </a:extLst>
-          </p:cNvPr>
-          <p:cNvSpPr>
-            <a:spLocks noGrp="1"/>
-          </p:cNvSpPr>
-          <p:nvPr>
-            <p:ph type="title"/>
-          </p:nvPr>
-        </p:nvSpPr>
-        <p:spPr/>
-        <p:txBody>
-          <a:bodyPr/>
-          <a:lstStyle/>
-          <a:p>
-            <a:r>
-              <a:rPr lang="ru-RU" dirty="0"/>
-              <a:t>Компараторы</a:t>
-            </a:r>
-            <a:endParaRPr lang="en-US" dirty="0"/>
-          </a:p>
-        </p:txBody>
-      </p:sp>
-      <p:sp>
-        <p:nvSpPr>
-          <p:cNvPr id="3" name="Content Placeholder 2">
-            <a:extLst>
-              <a:ext uri="{FF2B5EF4-FFF2-40B4-BE49-F238E27FC236}">
-                <a16:creationId xmlns:a16="http://schemas.microsoft.com/office/drawing/2014/main" id="{9269AF0C-D81B-40B7-93CD-858A670C0A0C}"/>
-              </a:ext>
-            </a:extLst>
-          </p:cNvPr>
-          <p:cNvSpPr>
-            <a:spLocks noGrp="1"/>
-          </p:cNvSpPr>
-          <p:nvPr>
-            <p:ph idx="1"/>
-          </p:nvPr>
-        </p:nvSpPr>
-        <p:spPr/>
-        <p:txBody>
-          <a:bodyPr/>
-          <a:lstStyle/>
-          <a:p>
-            <a:r>
-              <a:rPr lang="ru-RU" dirty="0"/>
-              <a:t>Обобщение </a:t>
-            </a:r>
-            <a:r>
-              <a:rPr lang="en-US" dirty="0">
-                <a:latin typeface="Courier New" panose="02070309020205020404" pitchFamily="49" charset="0"/>
-                <a:cs typeface="Courier New" panose="02070309020205020404" pitchFamily="49" charset="0"/>
-              </a:rPr>
-              <a:t>operator&lt;</a:t>
-            </a:r>
-            <a:endParaRPr lang="ru-RU" dirty="0">
-              <a:latin typeface="Courier New" panose="02070309020205020404" pitchFamily="49" charset="0"/>
-              <a:cs typeface="Courier New" panose="02070309020205020404" pitchFamily="49" charset="0"/>
-            </a:endParaRPr>
-          </a:p>
-          <a:p>
-            <a:r>
-              <a:rPr lang="ru-RU" dirty="0"/>
-              <a:t>Функторы-предикаты для сравнения элементов какого-либо типа</a:t>
-            </a:r>
-            <a:endParaRPr lang="en-US" dirty="0"/>
-          </a:p>
-          <a:p>
-            <a:r>
-              <a:rPr lang="ru-RU" dirty="0"/>
-              <a:t>Используются различными алгоритмами и контейнерами стандартной библиотеки для упорядочения</a:t>
-            </a:r>
-            <a:r>
-              <a:rPr lang="en-US" dirty="0"/>
-              <a:t>/</a:t>
-            </a:r>
-            <a:r>
-              <a:rPr lang="ru-RU" dirty="0"/>
-              <a:t>поиска объектов</a:t>
-            </a:r>
-            <a:endParaRPr lang="en-US" dirty="0"/>
-          </a:p>
-          <a:p>
-            <a:endParaRPr lang="ru-RU" sz="1200" dirty="0"/>
-          </a:p>
-          <a:p>
-            <a:pPr marL="457200" lvl="1" indent="0">
-              <a:buNone/>
-            </a:pPr>
-            <a:r>
-              <a:rPr lang="en-US" dirty="0">
-                <a:latin typeface="Courier New" panose="02070309020205020404" pitchFamily="49" charset="0"/>
-                <a:cs typeface="Courier New" panose="02070309020205020404" pitchFamily="49" charset="0"/>
-              </a:rPr>
-              <a:t>std::sort(begin, end, comp);</a:t>
-            </a:r>
-          </a:p>
-          <a:p>
-            <a:pPr marL="457200" lvl="1" indent="0">
-              <a:buNone/>
-            </a:pPr>
-            <a:r>
-              <a:rPr lang="en-US" dirty="0">
-                <a:latin typeface="Courier New" panose="02070309020205020404" pitchFamily="49" charset="0"/>
-                <a:cs typeface="Courier New" panose="02070309020205020404" pitchFamily="49" charset="0"/>
-              </a:rPr>
-              <a:t>std::sort(begin, end);  // </a:t>
-            </a:r>
-            <a:r>
-              <a:rPr lang="ru-RU" dirty="0">
-                <a:latin typeface="Courier New" panose="02070309020205020404" pitchFamily="49" charset="0"/>
-                <a:cs typeface="Courier New" panose="02070309020205020404" pitchFamily="49" charset="0"/>
-              </a:rPr>
-              <a:t>Используется </a:t>
-            </a:r>
-            <a:r>
-              <a:rPr lang="en-US" dirty="0">
-                <a:latin typeface="Courier New" panose="02070309020205020404" pitchFamily="49" charset="0"/>
-                <a:cs typeface="Courier New" panose="02070309020205020404" pitchFamily="49" charset="0"/>
-              </a:rPr>
-              <a:t>operator&lt;</a:t>
-            </a:r>
-          </a:p>
-          <a:p>
-            <a:pPr marL="0" indent="0">
-              <a:buNone/>
-            </a:pPr>
-            <a:endParaRPr lang="en-US" dirty="0"/>
-          </a:p>
-        </p:txBody>
-      </p:sp>
-    </p:spTree>
-    <p:extLst>
-      <p:ext uri="{BB962C8B-B14F-4D97-AF65-F5344CB8AC3E}">
-        <p14:creationId xmlns:p14="http://schemas.microsoft.com/office/powerpoint/2010/main" val="689987346"/>
-      </p:ext>
-    </p:extLst>
-  </p:cSld>
-  <p:clrMapOvr>
-    <a:masterClrMapping/>
-  </p:clrMapOvr>
-</p:sld>
-</file>
-
-<file path=ppt/slides/slide40.xml><?xml version="1.0" encoding="utf-8"?>
-<p:sld xmlns:a="http://schemas.openxmlformats.org/drawingml/2006/main" xmlns:r="http://schemas.openxmlformats.org/officeDocument/2006/relationships" xmlns:p="http://schemas.openxmlformats.org/presentationml/2006/main">
-  <p:cSld>
-    <p:spTree>
-      <p:nvGrpSpPr>
-        <p:cNvPr id="1" name=""/>
-        <p:cNvGrpSpPr/>
-        <p:nvPr/>
-      </p:nvGrpSpPr>
-      <p:grpSpPr>
-        <a:xfrm>
-          <a:off x="0" y="0"/>
-          <a:ext cx="0" cy="0"/>
-          <a:chOff x="0" y="0"/>
-          <a:chExt cx="0" cy="0"/>
-        </a:xfrm>
-      </p:grpSpPr>
-      <p:sp>
-        <p:nvSpPr>
-          <p:cNvPr id="2" name="Title 1">
-            <a:extLst>
-              <a:ext uri="{FF2B5EF4-FFF2-40B4-BE49-F238E27FC236}">
-                <a16:creationId xmlns:a16="http://schemas.microsoft.com/office/drawing/2014/main" id="{BC72424F-9AF5-45CD-9C91-874C6DC016AA}"/>
-              </a:ext>
-            </a:extLst>
-          </p:cNvPr>
-          <p:cNvSpPr>
-            <a:spLocks noGrp="1"/>
-          </p:cNvSpPr>
-          <p:nvPr>
-            <p:ph type="title"/>
-          </p:nvPr>
-        </p:nvSpPr>
-        <p:spPr/>
-        <p:txBody>
-          <a:bodyPr/>
-          <a:lstStyle/>
-          <a:p>
-            <a:r>
-              <a:rPr lang="en-US" dirty="0" err="1"/>
-              <a:t>SortChecker</a:t>
-            </a:r>
-            <a:r>
-              <a:rPr lang="ru-RU" dirty="0"/>
-              <a:t>++</a:t>
-            </a:r>
-            <a:endParaRPr lang="en-US" dirty="0"/>
-          </a:p>
-        </p:txBody>
-      </p:sp>
-      <p:sp>
-        <p:nvSpPr>
-          <p:cNvPr id="3" name="Content Placeholder 2">
-            <a:extLst>
-              <a:ext uri="{FF2B5EF4-FFF2-40B4-BE49-F238E27FC236}">
-                <a16:creationId xmlns:a16="http://schemas.microsoft.com/office/drawing/2014/main" id="{436AE089-C978-44EF-9D7D-E8AE6EA68157}"/>
-              </a:ext>
-            </a:extLst>
-          </p:cNvPr>
-          <p:cNvSpPr>
-            <a:spLocks noGrp="1"/>
-          </p:cNvSpPr>
-          <p:nvPr>
-            <p:ph idx="1"/>
-          </p:nvPr>
-        </p:nvSpPr>
-        <p:spPr>
-          <a:xfrm>
-            <a:off x="838200" y="1847396"/>
-            <a:ext cx="10515600" cy="4351338"/>
-          </a:xfrm>
-        </p:spPr>
-        <p:txBody>
-          <a:bodyPr>
-            <a:normAutofit/>
-          </a:bodyPr>
-          <a:lstStyle/>
-          <a:p>
-            <a:r>
-              <a:rPr lang="ru-RU" dirty="0">
-                <a:hlinkClick r:id="rId3"/>
-              </a:rPr>
-              <a:t>https://github.com/yugr/sortcheckxx</a:t>
-            </a:r>
-            <a:endParaRPr lang="en-US" dirty="0"/>
-          </a:p>
-          <a:p>
-            <a:r>
-              <a:rPr lang="ru-RU" dirty="0"/>
-              <a:t>Динамический чекер для проверки компараторов в программах на </a:t>
-            </a:r>
-            <a:r>
-              <a:rPr lang="en-US" dirty="0"/>
-              <a:t>C++</a:t>
-            </a:r>
-          </a:p>
-          <a:p>
-            <a:r>
-              <a:rPr lang="ru-RU" dirty="0"/>
-              <a:t>Перехватывает и проверяет </a:t>
-            </a:r>
-            <a:r>
-              <a:rPr lang="en-US" dirty="0"/>
-              <a:t>STL </a:t>
-            </a:r>
-            <a:r>
-              <a:rPr lang="ru-RU" dirty="0"/>
-              <a:t>API типа </a:t>
-            </a:r>
-            <a:r>
-              <a:rPr lang="ru-RU" dirty="0">
-                <a:latin typeface="Courier New" panose="02070309020205020404" pitchFamily="49" charset="0"/>
-                <a:cs typeface="Courier New" panose="02070309020205020404" pitchFamily="49" charset="0"/>
-              </a:rPr>
-              <a:t>std::sort</a:t>
-            </a:r>
-            <a:r>
-              <a:rPr lang="ru-RU" dirty="0"/>
-              <a:t> и контейнеры типа </a:t>
-            </a:r>
-            <a:r>
-              <a:rPr lang="ru-RU" dirty="0">
-                <a:latin typeface="Courier New" panose="02070309020205020404" pitchFamily="49" charset="0"/>
-                <a:cs typeface="Courier New" panose="02070309020205020404" pitchFamily="49" charset="0"/>
-              </a:rPr>
-              <a:t>std::map</a:t>
-            </a:r>
-          </a:p>
-          <a:p>
-            <a:r>
-              <a:rPr lang="ru-RU" dirty="0"/>
-              <a:t>Основан на source-to-source инструментации (Clang-based)</a:t>
-            </a:r>
-          </a:p>
-          <a:p>
-            <a:r>
-              <a:rPr lang="ru-RU" dirty="0"/>
-              <a:t>5 ошибок в различных OSS проектах</a:t>
-            </a:r>
-          </a:p>
-          <a:p>
-            <a:r>
-              <a:rPr lang="ru-RU" dirty="0"/>
-              <a:t>TODO: поддержать все релевантные алгоритмы (</a:t>
-            </a:r>
-            <a:r>
-              <a:rPr lang="ru-RU" dirty="0">
-                <a:latin typeface="Courier New" panose="02070309020205020404" pitchFamily="49" charset="0"/>
-                <a:cs typeface="Courier New" panose="02070309020205020404" pitchFamily="49" charset="0"/>
-              </a:rPr>
-              <a:t>nth_element</a:t>
-            </a:r>
-            <a:r>
-              <a:rPr lang="ru-RU" dirty="0"/>
-              <a:t>, etc.)</a:t>
-            </a:r>
-          </a:p>
-          <a:p>
-            <a:endParaRPr lang="en-US" dirty="0"/>
-          </a:p>
-        </p:txBody>
-      </p:sp>
-    </p:spTree>
-    <p:extLst>
-      <p:ext uri="{BB962C8B-B14F-4D97-AF65-F5344CB8AC3E}">
-        <p14:creationId xmlns:p14="http://schemas.microsoft.com/office/powerpoint/2010/main" val="1597810612"/>
-      </p:ext>
-    </p:extLst>
-  </p:cSld>
-  <p:clrMapOvr>
-    <a:masterClrMapping/>
-  </p:clrMapOvr>
-</p:sld>
-</file>
-
 <file path=ppt/slides/slide41.xml><?xml version="1.0" encoding="utf-8"?>
 <p:sld xmlns:a="http://schemas.openxmlformats.org/drawingml/2006/main" xmlns:r="http://schemas.openxmlformats.org/officeDocument/2006/relationships" xmlns:p="http://schemas.openxmlformats.org/presentationml/2006/main">
   <p:cSld>
@@ -14609,7 +15583,7 @@
           <p:cNvPr id="2" name="Title 1">
             <a:extLst>
               <a:ext uri="{FF2B5EF4-FFF2-40B4-BE49-F238E27FC236}">
-                <a16:creationId xmlns:a16="http://schemas.microsoft.com/office/drawing/2014/main" id="{BC72424F-9AF5-45CD-9C91-874C6DC016AA}"/>
+                <a16:creationId xmlns:a16="http://schemas.microsoft.com/office/drawing/2014/main" id="{4779B8ED-1F29-4D30-B331-C3400270FDF0}"/>
               </a:ext>
             </a:extLst>
           </p:cNvPr>
@@ -14626,8 +15600,8 @@
           <a:lstStyle/>
           <a:p>
             <a:r>
-              <a:rPr lang="en-US" dirty="0" err="1"/>
-              <a:t>SortChecker</a:t>
+              <a:rPr lang="ru-RU" dirty="0"/>
+              <a:t>Отладочные средства в тулчейнах</a:t>
             </a:r>
             <a:endParaRPr lang="en-US" dirty="0"/>
           </a:p>
@@ -14638,7 +15612,7 @@
           <p:cNvPr id="3" name="Content Placeholder 2">
             <a:extLst>
               <a:ext uri="{FF2B5EF4-FFF2-40B4-BE49-F238E27FC236}">
-                <a16:creationId xmlns:a16="http://schemas.microsoft.com/office/drawing/2014/main" id="{436AE089-C978-44EF-9D7D-E8AE6EA68157}"/>
+                <a16:creationId xmlns:a16="http://schemas.microsoft.com/office/drawing/2014/main" id="{58F9ABFF-6BB7-4FB9-989A-8FA4CD7D38CB}"/>
               </a:ext>
             </a:extLst>
           </p:cNvPr>
@@ -14649,98 +15623,61 @@
             <p:ph idx="1"/>
           </p:nvPr>
         </p:nvSpPr>
-        <p:spPr>
-          <a:xfrm>
-            <a:off x="838200" y="1847396"/>
-            <a:ext cx="10515600" cy="4351338"/>
-          </a:xfrm>
-        </p:spPr>
-        <p:txBody>
-          <a:bodyPr>
-            <a:normAutofit/>
-          </a:bodyPr>
-          <a:lstStyle/>
-          <a:p>
-            <a:r>
-              <a:rPr lang="ru-RU" dirty="0">
-                <a:hlinkClick r:id="rId2"/>
-              </a:rPr>
-              <a:t>https://github.com/yugr/sortcheck</a:t>
+        <p:spPr/>
+        <p:txBody>
+          <a:bodyPr/>
+          <a:lstStyle/>
+          <a:p>
+            <a:r>
+              <a:rPr lang="ru-RU" dirty="0"/>
+              <a:t>Обе опции имеют существенные (2</a:t>
+            </a:r>
+            <a:r>
+              <a:rPr lang="en-US" dirty="0"/>
+              <a:t>x) </a:t>
+            </a:r>
+            <a:r>
+              <a:rPr lang="ru-RU" dirty="0"/>
+              <a:t>накладные расходы</a:t>
             </a:r>
             <a:endParaRPr lang="en-US" dirty="0"/>
           </a:p>
           <a:p>
             <a:r>
               <a:rPr lang="ru-RU" dirty="0"/>
-              <a:t>Динамический чекер для проверки компараторов в программах на Си</a:t>
+              <a:t>Рекомендуется использовать только для тестирования</a:t>
             </a:r>
             <a:endParaRPr lang="en-US" dirty="0"/>
           </a:p>
           <a:p>
             <a:r>
               <a:rPr lang="ru-RU" dirty="0"/>
-              <a:t>Перехватывает и проверяет </a:t>
-            </a:r>
-            <a:r>
-              <a:rPr lang="en-US" dirty="0" err="1"/>
-              <a:t>libc</a:t>
-            </a:r>
-            <a:r>
-              <a:rPr lang="en-US" dirty="0"/>
-              <a:t> </a:t>
-            </a:r>
-            <a:r>
-              <a:rPr lang="ru-RU" dirty="0"/>
-              <a:t>API типа </a:t>
-            </a:r>
-            <a:r>
-              <a:rPr lang="ru-RU" dirty="0">
-                <a:latin typeface="Courier New" panose="02070309020205020404" pitchFamily="49" charset="0"/>
-                <a:cs typeface="Courier New" panose="02070309020205020404" pitchFamily="49" charset="0"/>
-              </a:rPr>
-              <a:t>qsort</a:t>
-            </a:r>
-            <a:r>
-              <a:rPr lang="ru-RU" dirty="0"/>
-              <a:t> и </a:t>
-            </a:r>
-            <a:r>
-              <a:rPr lang="ru-RU" dirty="0">
-                <a:latin typeface="Courier New" panose="02070309020205020404" pitchFamily="49" charset="0"/>
-                <a:cs typeface="Courier New" panose="02070309020205020404" pitchFamily="49" charset="0"/>
-              </a:rPr>
-              <a:t>bsearch</a:t>
-            </a:r>
-          </a:p>
-          <a:p>
-            <a:r>
-              <a:rPr lang="ru-RU" dirty="0"/>
-              <a:t>Основан на динамической инструментации (</a:t>
-            </a:r>
-            <a:r>
-              <a:rPr lang="ru-RU" dirty="0">
-                <a:latin typeface="Courier New" panose="02070309020205020404" pitchFamily="49" charset="0"/>
-                <a:cs typeface="Courier New" panose="02070309020205020404" pitchFamily="49" charset="0"/>
-              </a:rPr>
-              <a:t>LD_PRELOAD</a:t>
-            </a:r>
-            <a:r>
-              <a:rPr lang="ru-RU" dirty="0"/>
-              <a:t>)</a:t>
-            </a:r>
-          </a:p>
-          <a:p>
-            <a:r>
-              <a:rPr lang="ru-RU" dirty="0"/>
-              <a:t>Нашёл 15 ошибок в различных OSS проектах (GCC, Harfbuzz, etc.)</a:t>
-            </a:r>
+              <a:t>Чекеры компараторов не должны менять алгоритмическую сложность алгоритма O(N*logN)</a:t>
+            </a:r>
+            <a:endParaRPr lang="en-US" dirty="0"/>
+          </a:p>
+          <a:p>
+            <a:r>
+              <a:rPr lang="ru-RU" dirty="0"/>
+              <a:t>И поэтому не могут провести полную проверку корректности</a:t>
+            </a:r>
+          </a:p>
+          <a:p>
+            <a:pPr lvl="1"/>
+            <a:r>
+              <a:rPr lang="ru-RU" dirty="0"/>
+              <a:t>Например проверку аксиом транзитивности</a:t>
+            </a:r>
+          </a:p>
+          <a:p>
+            <a:endParaRPr lang="en-US" dirty="0"/>
           </a:p>
         </p:txBody>
       </p:sp>
     </p:spTree>
     <p:extLst>
       <p:ext uri="{BB962C8B-B14F-4D97-AF65-F5344CB8AC3E}">
-        <p14:creationId xmlns:p14="http://schemas.microsoft.com/office/powerpoint/2010/main" val="2659528703"/>
+        <p14:creationId xmlns:p14="http://schemas.microsoft.com/office/powerpoint/2010/main" val="2928624946"/>
       </p:ext>
     </p:extLst>
   </p:cSld>
@@ -14772,7 +15709,7 @@
           <p:cNvPr id="2" name="Title 1">
             <a:extLst>
               <a:ext uri="{FF2B5EF4-FFF2-40B4-BE49-F238E27FC236}">
-                <a16:creationId xmlns:a16="http://schemas.microsoft.com/office/drawing/2014/main" id="{A6FDE828-D233-4535-B53B-9502F549DDB9}"/>
+                <a16:creationId xmlns:a16="http://schemas.microsoft.com/office/drawing/2014/main" id="{BC72424F-9AF5-45CD-9C91-874C6DC016AA}"/>
               </a:ext>
             </a:extLst>
           </p:cNvPr>
@@ -14789,17 +15726,14 @@
           <a:lstStyle/>
           <a:p>
             <a:r>
-              <a:rPr lang="ru-RU" dirty="0"/>
-              <a:t>Как использовать </a:t>
-            </a:r>
-            <a:r>
               <a:rPr lang="en-US" dirty="0" err="1"/>
               <a:t>SortChecker</a:t>
             </a:r>
             <a:r>
-              <a:rPr lang="en-US" dirty="0"/>
+              <a:rPr lang="ru-RU" dirty="0"/>
               <a:t>++</a:t>
             </a:r>
+            <a:endParaRPr lang="en-US" dirty="0"/>
           </a:p>
         </p:txBody>
       </p:sp>
@@ -14808,7 +15742,7 @@
           <p:cNvPr id="3" name="Content Placeholder 2">
             <a:extLst>
               <a:ext uri="{FF2B5EF4-FFF2-40B4-BE49-F238E27FC236}">
-                <a16:creationId xmlns:a16="http://schemas.microsoft.com/office/drawing/2014/main" id="{485A6619-1CBE-4348-961B-BD3FDC8FFEC4}"/>
+                <a16:creationId xmlns:a16="http://schemas.microsoft.com/office/drawing/2014/main" id="{436AE089-C978-44EF-9D7D-E8AE6EA68157}"/>
               </a:ext>
             </a:extLst>
           </p:cNvPr>
@@ -14819,348 +15753,106 @@
             <p:ph idx="1"/>
           </p:nvPr>
         </p:nvSpPr>
-        <p:spPr/>
-        <p:txBody>
-          <a:bodyPr>
-            <a:normAutofit lnSpcReduction="10000"/>
-          </a:bodyPr>
-          <a:lstStyle/>
-          <a:p>
-            <a:r>
-              <a:rPr lang="ru-RU" dirty="0"/>
-              <a:t>Вначале инструментируем код:</a:t>
-            </a:r>
-          </a:p>
-          <a:p>
-            <a:pPr marL="457200" lvl="1" indent="0">
-              <a:buNone/>
-            </a:pPr>
-            <a:r>
-              <a:rPr lang="en-US" dirty="0">
-                <a:latin typeface="Courier New" panose="02070309020205020404" pitchFamily="49" charset="0"/>
-                <a:cs typeface="Courier New" panose="02070309020205020404" pitchFamily="49" charset="0"/>
-              </a:rPr>
-              <a:t>$ </a:t>
-            </a:r>
-            <a:r>
-              <a:rPr lang="en-US" dirty="0" err="1">
-                <a:latin typeface="Courier New" panose="02070309020205020404" pitchFamily="49" charset="0"/>
-                <a:cs typeface="Courier New" panose="02070309020205020404" pitchFamily="49" charset="0"/>
-              </a:rPr>
-              <a:t>sortcheckxx</a:t>
-            </a:r>
-            <a:r>
-              <a:rPr lang="en-US" dirty="0">
-                <a:latin typeface="Courier New" panose="02070309020205020404" pitchFamily="49" charset="0"/>
-                <a:cs typeface="Courier New" panose="02070309020205020404" pitchFamily="49" charset="0"/>
-              </a:rPr>
-              <a:t>/bin/</a:t>
-            </a:r>
-            <a:r>
-              <a:rPr lang="en-US" dirty="0" err="1">
-                <a:latin typeface="Courier New" panose="02070309020205020404" pitchFamily="49" charset="0"/>
-                <a:cs typeface="Courier New" panose="02070309020205020404" pitchFamily="49" charset="0"/>
-              </a:rPr>
-              <a:t>SortChecker</a:t>
-            </a:r>
-            <a:r>
-              <a:rPr lang="en-US" dirty="0">
-                <a:latin typeface="Courier New" panose="02070309020205020404" pitchFamily="49" charset="0"/>
-                <a:cs typeface="Courier New" panose="02070309020205020404" pitchFamily="49" charset="0"/>
-              </a:rPr>
-              <a:t> tmp.cc -- -DSIZE=50</a:t>
-            </a:r>
-            <a:endParaRPr lang="en-US" dirty="0"/>
-          </a:p>
-          <a:p>
-            <a:endParaRPr lang="en-US" dirty="0"/>
-          </a:p>
-          <a:p>
-            <a:pPr marL="0" indent="0">
-              <a:buNone/>
-            </a:pPr>
-            <a:endParaRPr lang="en-US" dirty="0"/>
-          </a:p>
-          <a:p>
-            <a:r>
-              <a:rPr lang="ru-RU" dirty="0"/>
-              <a:t>Скомпилируем и запустим инструментированный код из начала презентации</a:t>
-            </a:r>
-            <a:r>
-              <a:rPr lang="en-US" dirty="0"/>
-              <a:t>:</a:t>
-            </a:r>
-            <a:endParaRPr lang="ru-RU" dirty="0"/>
-          </a:p>
-          <a:p>
-            <a:pPr marL="457200" lvl="1" indent="0">
-              <a:buNone/>
-            </a:pPr>
-            <a:r>
-              <a:rPr lang="en-US" dirty="0">
-                <a:latin typeface="Courier New" panose="02070309020205020404" pitchFamily="49" charset="0"/>
-                <a:cs typeface="Courier New" panose="02070309020205020404" pitchFamily="49" charset="0"/>
-              </a:rPr>
-              <a:t>$ g++ -g -DSIZE=50 -</a:t>
-            </a:r>
-            <a:r>
-              <a:rPr lang="en-US" dirty="0" err="1">
-                <a:latin typeface="Courier New" panose="02070309020205020404" pitchFamily="49" charset="0"/>
-                <a:cs typeface="Courier New" panose="02070309020205020404" pitchFamily="49" charset="0"/>
-              </a:rPr>
-              <a:t>Isortcheckxx</a:t>
-            </a:r>
-            <a:r>
-              <a:rPr lang="en-US" dirty="0">
-                <a:latin typeface="Courier New" panose="02070309020205020404" pitchFamily="49" charset="0"/>
-                <a:cs typeface="Courier New" panose="02070309020205020404" pitchFamily="49" charset="0"/>
-              </a:rPr>
-              <a:t>/include tmp.cc &amp;&amp; ./</a:t>
-            </a:r>
-            <a:r>
-              <a:rPr lang="en-US" dirty="0" err="1">
-                <a:latin typeface="Courier New" panose="02070309020205020404" pitchFamily="49" charset="0"/>
-                <a:cs typeface="Courier New" panose="02070309020205020404" pitchFamily="49" charset="0"/>
-              </a:rPr>
-              <a:t>a.out</a:t>
-            </a:r>
-            <a:endParaRPr lang="en-US" dirty="0">
-              <a:latin typeface="Courier New" panose="02070309020205020404" pitchFamily="49" charset="0"/>
-              <a:cs typeface="Courier New" panose="02070309020205020404" pitchFamily="49" charset="0"/>
-            </a:endParaRPr>
-          </a:p>
-          <a:p>
-            <a:pPr marL="457200" lvl="1" indent="0">
-              <a:buNone/>
-            </a:pPr>
-            <a:r>
-              <a:rPr lang="en-US" dirty="0" err="1">
-                <a:latin typeface="Courier New" panose="02070309020205020404" pitchFamily="49" charset="0"/>
-                <a:cs typeface="Courier New" panose="02070309020205020404" pitchFamily="49" charset="0"/>
-              </a:rPr>
-              <a:t>sortcheck</a:t>
-            </a:r>
-            <a:r>
-              <a:rPr lang="en-US" dirty="0">
-                <a:latin typeface="Courier New" panose="02070309020205020404" pitchFamily="49" charset="0"/>
-                <a:cs typeface="Courier New" panose="02070309020205020404" pitchFamily="49" charset="0"/>
-              </a:rPr>
-              <a:t>: tmp.cc:14: irreflexive comparator at position 0</a:t>
-            </a:r>
-          </a:p>
-          <a:p>
-            <a:pPr marL="457200" lvl="1" indent="0">
-              <a:buNone/>
-            </a:pPr>
-            <a:r>
-              <a:rPr lang="en-US" dirty="0">
-                <a:latin typeface="Courier New" panose="02070309020205020404" pitchFamily="49" charset="0"/>
-                <a:cs typeface="Courier New" panose="02070309020205020404" pitchFamily="49" charset="0"/>
-              </a:rPr>
-              <a:t>Aborted</a:t>
-            </a:r>
-          </a:p>
-          <a:p>
-            <a:endParaRPr lang="en-US" dirty="0"/>
-          </a:p>
-        </p:txBody>
-      </p:sp>
-      <p:sp>
-        <p:nvSpPr>
-          <p:cNvPr id="7" name="TextBox 6">
-            <a:extLst>
-              <a:ext uri="{FF2B5EF4-FFF2-40B4-BE49-F238E27FC236}">
-                <a16:creationId xmlns:a16="http://schemas.microsoft.com/office/drawing/2014/main" id="{11123AAB-C400-4176-BD21-92E392527EA3}"/>
-              </a:ext>
-            </a:extLst>
-          </p:cNvPr>
-          <p:cNvSpPr txBox="1"/>
-          <p:nvPr/>
-        </p:nvSpPr>
-        <p:spPr>
-          <a:xfrm flipH="1">
-            <a:off x="655319" y="2847987"/>
-            <a:ext cx="4156167" cy="646331"/>
-          </a:xfrm>
-          <a:prstGeom prst="rect">
-            <a:avLst/>
-          </a:prstGeom>
-          <a:noFill/>
-        </p:spPr>
-        <p:txBody>
-          <a:bodyPr wrap="square" rtlCol="0">
-            <a:spAutoFit/>
-          </a:bodyPr>
-          <a:lstStyle/>
-          <a:p>
-            <a:r>
-              <a:rPr lang="en-US" dirty="0">
-                <a:latin typeface="Courier New" panose="02070309020205020404" pitchFamily="49" charset="0"/>
-                <a:cs typeface="Courier New" panose="02070309020205020404" pitchFamily="49" charset="0"/>
-              </a:rPr>
-              <a:t>std::sort(begin, end, </a:t>
-            </a:r>
-            <a:r>
-              <a:rPr lang="en-US" dirty="0" err="1">
-                <a:latin typeface="Courier New" panose="02070309020205020404" pitchFamily="49" charset="0"/>
-                <a:cs typeface="Courier New" panose="02070309020205020404" pitchFamily="49" charset="0"/>
-              </a:rPr>
-              <a:t>cmp</a:t>
-            </a:r>
-            <a:r>
-              <a:rPr lang="en-US" dirty="0">
-                <a:latin typeface="Courier New" panose="02070309020205020404" pitchFamily="49" charset="0"/>
-                <a:cs typeface="Courier New" panose="02070309020205020404" pitchFamily="49" charset="0"/>
-              </a:rPr>
-              <a:t>);</a:t>
-            </a:r>
-          </a:p>
-          <a:p>
-            <a:endParaRPr lang="en-US" dirty="0"/>
-          </a:p>
-        </p:txBody>
-      </p:sp>
-      <p:sp>
-        <p:nvSpPr>
-          <p:cNvPr id="8" name="TextBox 7">
-            <a:extLst>
-              <a:ext uri="{FF2B5EF4-FFF2-40B4-BE49-F238E27FC236}">
-                <a16:creationId xmlns:a16="http://schemas.microsoft.com/office/drawing/2014/main" id="{9278FD20-2DDE-44DA-87D2-6696BE10DA53}"/>
-              </a:ext>
-            </a:extLst>
-          </p:cNvPr>
-          <p:cNvSpPr txBox="1"/>
-          <p:nvPr/>
-        </p:nvSpPr>
         <p:spPr>
           <a:xfrm>
-            <a:off x="6235342" y="2709487"/>
-            <a:ext cx="6128657" cy="923330"/>
+            <a:off x="838200" y="1847396"/>
+            <a:ext cx="10515600" cy="4351338"/>
           </a:xfrm>
-          <a:prstGeom prst="rect">
-            <a:avLst/>
-          </a:prstGeom>
-          <a:noFill/>
         </p:spPr>
         <p:txBody>
-          <a:bodyPr wrap="square" rtlCol="0">
-            <a:spAutoFit/>
+          <a:bodyPr>
+            <a:normAutofit/>
           </a:bodyPr>
           <a:lstStyle/>
           <a:p>
-            <a:pPr marL="457200" lvl="1" indent="0">
-              <a:buNone/>
-            </a:pPr>
-            <a:r>
-              <a:rPr lang="en-US" dirty="0" err="1">
-                <a:latin typeface="Courier New" panose="02070309020205020404" pitchFamily="49" charset="0"/>
-                <a:cs typeface="Courier New" panose="02070309020205020404" pitchFamily="49" charset="0"/>
-              </a:rPr>
-              <a:t>sortcheck</a:t>
-            </a:r>
-            <a:r>
-              <a:rPr lang="en-US" dirty="0">
-                <a:latin typeface="Courier New" panose="02070309020205020404" pitchFamily="49" charset="0"/>
-                <a:cs typeface="Courier New" panose="02070309020205020404" pitchFamily="49" charset="0"/>
-              </a:rPr>
-              <a:t>::</a:t>
-            </a:r>
-            <a:r>
-              <a:rPr lang="en-US" dirty="0" err="1">
-                <a:latin typeface="Courier New" panose="02070309020205020404" pitchFamily="49" charset="0"/>
-                <a:cs typeface="Courier New" panose="02070309020205020404" pitchFamily="49" charset="0"/>
-              </a:rPr>
-              <a:t>sort_checked</a:t>
-            </a:r>
-            <a:r>
-              <a:rPr lang="en-US" dirty="0">
-                <a:latin typeface="Courier New" panose="02070309020205020404" pitchFamily="49" charset="0"/>
-                <a:cs typeface="Courier New" panose="02070309020205020404" pitchFamily="49" charset="0"/>
-              </a:rPr>
-              <a:t>(begin, end,</a:t>
-            </a:r>
-          </a:p>
-          <a:p>
-            <a:pPr marL="457200" lvl="1" indent="0">
-              <a:buNone/>
-            </a:pPr>
-            <a:r>
-              <a:rPr lang="en-US" dirty="0">
-                <a:latin typeface="Courier New" panose="02070309020205020404" pitchFamily="49" charset="0"/>
-                <a:cs typeface="Courier New" panose="02070309020205020404" pitchFamily="49" charset="0"/>
-              </a:rPr>
-              <a:t>  </a:t>
-            </a:r>
-            <a:r>
-              <a:rPr lang="en-US" dirty="0" err="1">
-                <a:latin typeface="Courier New" panose="02070309020205020404" pitchFamily="49" charset="0"/>
-                <a:cs typeface="Courier New" panose="02070309020205020404" pitchFamily="49" charset="0"/>
-              </a:rPr>
-              <a:t>cmp</a:t>
-            </a:r>
-            <a:r>
-              <a:rPr lang="en-US" dirty="0">
-                <a:latin typeface="Courier New" panose="02070309020205020404" pitchFamily="49" charset="0"/>
-                <a:cs typeface="Courier New" panose="02070309020205020404" pitchFamily="49" charset="0"/>
-              </a:rPr>
-              <a:t>, __FILE__, __LINE__);</a:t>
-            </a:r>
-          </a:p>
-          <a:p>
+            <a:r>
+              <a:rPr lang="ru-RU" dirty="0">
+                <a:hlinkClick r:id="rId3"/>
+              </a:rPr>
+              <a:t>https://github.com/yugr/sortcheckxx</a:t>
+            </a:r>
             <a:endParaRPr lang="en-US" dirty="0"/>
           </a:p>
-        </p:txBody>
-      </p:sp>
-      <p:sp>
-        <p:nvSpPr>
-          <p:cNvPr id="9" name="Arrow: Right 8">
-            <a:extLst>
-              <a:ext uri="{FF2B5EF4-FFF2-40B4-BE49-F238E27FC236}">
-                <a16:creationId xmlns:a16="http://schemas.microsoft.com/office/drawing/2014/main" id="{A27634EB-80E1-4865-ABAC-777D70A2C39D}"/>
-              </a:ext>
-            </a:extLst>
-          </p:cNvPr>
-          <p:cNvSpPr/>
-          <p:nvPr/>
-        </p:nvSpPr>
-        <p:spPr>
-          <a:xfrm>
-            <a:off x="5181602" y="2955475"/>
-            <a:ext cx="914398" cy="223158"/>
-          </a:xfrm>
-          <a:prstGeom prst="rightArrow">
-            <a:avLst/>
-          </a:prstGeom>
-        </p:spPr>
-        <p:style>
-          <a:lnRef idx="2">
-            <a:schemeClr val="accent1">
-              <a:shade val="50000"/>
-            </a:schemeClr>
-          </a:lnRef>
-          <a:fillRef idx="1">
-            <a:schemeClr val="accent1"/>
-          </a:fillRef>
-          <a:effectRef idx="0">
-            <a:schemeClr val="accent1"/>
-          </a:effectRef>
-          <a:fontRef idx="minor">
-            <a:schemeClr val="lt1"/>
-          </a:fontRef>
-        </p:style>
-        <p:txBody>
-          <a:bodyPr rtlCol="0" anchor="ctr"/>
-          <a:lstStyle/>
-          <a:p>
-            <a:pPr algn="ctr"/>
-            <a:endParaRPr lang="en-US"/>
+          <a:p>
+            <a:r>
+              <a:rPr lang="ru-RU" dirty="0"/>
+              <a:t>Динамический чекер для проверки компараторов в программах на </a:t>
+            </a:r>
+            <a:r>
+              <a:rPr lang="en-US" dirty="0"/>
+              <a:t>C++</a:t>
+            </a:r>
+          </a:p>
+          <a:p>
+            <a:r>
+              <a:rPr lang="ru-RU" dirty="0"/>
+              <a:t>Перехватывает и проверяет </a:t>
+            </a:r>
+            <a:r>
+              <a:rPr lang="en-US" dirty="0"/>
+              <a:t>STL </a:t>
+            </a:r>
+            <a:r>
+              <a:rPr lang="ru-RU" dirty="0"/>
+              <a:t>API типа </a:t>
+            </a:r>
+            <a:r>
+              <a:rPr lang="ru-RU" dirty="0">
+                <a:latin typeface="Courier New" panose="02070309020205020404" pitchFamily="49" charset="0"/>
+                <a:cs typeface="Courier New" panose="02070309020205020404" pitchFamily="49" charset="0"/>
+              </a:rPr>
+              <a:t>std::sort</a:t>
+            </a:r>
+            <a:r>
+              <a:rPr lang="ru-RU" dirty="0"/>
+              <a:t> и контейнеры типа </a:t>
+            </a:r>
+            <a:r>
+              <a:rPr lang="ru-RU" dirty="0">
+                <a:latin typeface="Courier New" panose="02070309020205020404" pitchFamily="49" charset="0"/>
+                <a:cs typeface="Courier New" panose="02070309020205020404" pitchFamily="49" charset="0"/>
+              </a:rPr>
+              <a:t>std::map</a:t>
+            </a:r>
+          </a:p>
+          <a:p>
+            <a:r>
+              <a:rPr lang="ru-RU" dirty="0"/>
+              <a:t>Основан на source-to-source инструментации (Clang-based)</a:t>
+            </a:r>
+          </a:p>
+          <a:p>
+            <a:r>
+              <a:rPr lang="ru-RU" dirty="0"/>
+              <a:t>5 ошибок в различных OSS проектах</a:t>
+            </a:r>
+          </a:p>
+          <a:p>
+            <a:r>
+              <a:rPr lang="ru-RU" dirty="0"/>
+              <a:t>TODO: поддержать все релевантные алгоритмы (</a:t>
+            </a:r>
+            <a:r>
+              <a:rPr lang="ru-RU" dirty="0">
+                <a:latin typeface="Courier New" panose="02070309020205020404" pitchFamily="49" charset="0"/>
+                <a:cs typeface="Courier New" panose="02070309020205020404" pitchFamily="49" charset="0"/>
+              </a:rPr>
+              <a:t>nth_element</a:t>
+            </a:r>
+            <a:r>
+              <a:rPr lang="ru-RU" dirty="0"/>
+              <a:t>, etc.)</a:t>
+            </a:r>
+          </a:p>
+          <a:p>
+            <a:endParaRPr lang="en-US" dirty="0"/>
           </a:p>
         </p:txBody>
       </p:sp>
     </p:spTree>
     <p:extLst>
       <p:ext uri="{BB962C8B-B14F-4D97-AF65-F5344CB8AC3E}">
-        <p14:creationId xmlns:p14="http://schemas.microsoft.com/office/powerpoint/2010/main" val="1487736242"/>
+        <p14:creationId xmlns:p14="http://schemas.microsoft.com/office/powerpoint/2010/main" val="1597810612"/>
       </p:ext>
     </p:extLst>
   </p:cSld>
@@ -15192,7 +15884,7 @@
           <p:cNvPr id="2" name="Title 1">
             <a:extLst>
               <a:ext uri="{FF2B5EF4-FFF2-40B4-BE49-F238E27FC236}">
-                <a16:creationId xmlns:a16="http://schemas.microsoft.com/office/drawing/2014/main" id="{B6884E62-A92A-47BA-9EF6-78B10084AB0B}"/>
+                <a16:creationId xmlns:a16="http://schemas.microsoft.com/office/drawing/2014/main" id="{BC72424F-9AF5-45CD-9C91-874C6DC016AA}"/>
               </a:ext>
             </a:extLst>
           </p:cNvPr>
@@ -15203,19 +15895,14 @@
             <p:ph type="title"/>
           </p:nvPr>
         </p:nvSpPr>
-        <p:spPr>
-          <a:xfrm>
-            <a:off x="838200" y="-81189"/>
-            <a:ext cx="10515600" cy="1325563"/>
-          </a:xfrm>
-        </p:spPr>
+        <p:spPr/>
         <p:txBody>
           <a:bodyPr/>
           <a:lstStyle/>
           <a:p>
             <a:r>
-              <a:rPr lang="ru-RU" dirty="0"/>
-              <a:t>Псевдокод</a:t>
+              <a:rPr lang="en-US" dirty="0" err="1"/>
+              <a:t>SortChecker</a:t>
             </a:r>
             <a:endParaRPr lang="en-US" dirty="0"/>
           </a:p>
@@ -15226,7 +15913,7 @@
           <p:cNvPr id="3" name="Content Placeholder 2">
             <a:extLst>
               <a:ext uri="{FF2B5EF4-FFF2-40B4-BE49-F238E27FC236}">
-                <a16:creationId xmlns:a16="http://schemas.microsoft.com/office/drawing/2014/main" id="{AD260025-EBC3-45D0-9B0B-DAA951A03DCC}"/>
+                <a16:creationId xmlns:a16="http://schemas.microsoft.com/office/drawing/2014/main" id="{436AE089-C978-44EF-9D7D-E8AE6EA68157}"/>
               </a:ext>
             </a:extLst>
           </p:cNvPr>
@@ -15239,26 +15926,39 @@
         </p:nvSpPr>
         <p:spPr>
           <a:xfrm>
-            <a:off x="636814" y="1004887"/>
-            <a:ext cx="11261272" cy="5450342"/>
+            <a:off x="838200" y="1847396"/>
+            <a:ext cx="10515600" cy="4351338"/>
           </a:xfrm>
         </p:spPr>
         <p:txBody>
           <a:bodyPr>
-            <a:normAutofit fontScale="77500" lnSpcReduction="20000"/>
+            <a:normAutofit/>
           </a:bodyPr>
           <a:lstStyle/>
           <a:p>
             <a:r>
-              <a:rPr lang="ru-RU" dirty="0"/>
-              <a:t>Каждый запуск </a:t>
-            </a:r>
-            <a:r>
-              <a:rPr lang="en-US" dirty="0">
-                <a:latin typeface="Courier New" panose="02070309020205020404" pitchFamily="49" charset="0"/>
-                <a:cs typeface="Courier New" panose="02070309020205020404" pitchFamily="49" charset="0"/>
-              </a:rPr>
-              <a:t>std::sort</a:t>
+              <a:rPr lang="ru-RU" dirty="0">
+                <a:hlinkClick r:id="rId2"/>
+              </a:rPr>
+              <a:t>https://github.com/yugr/sortcheck</a:t>
+            </a:r>
+            <a:endParaRPr lang="en-US" dirty="0"/>
+          </a:p>
+          <a:p>
+            <a:r>
+              <a:rPr lang="ru-RU" dirty="0"/>
+              <a:t>Динамический чекер для проверки компараторов в программах на Си</a:t>
+            </a:r>
+            <a:endParaRPr lang="en-US" dirty="0"/>
+          </a:p>
+          <a:p>
+            <a:r>
+              <a:rPr lang="ru-RU" dirty="0"/>
+              <a:t>Перехватывает и проверяет </a:t>
+            </a:r>
+            <a:r>
+              <a:rPr lang="en-US" dirty="0" err="1"/>
+              <a:t>libc</a:t>
             </a:r>
             <a:r>
               <a:rPr lang="en-US" dirty="0"/>
@@ -15266,313 +15966,56 @@
             </a:r>
             <a:r>
               <a:rPr lang="ru-RU" dirty="0"/>
-              <a:t>и аналогичных </a:t>
-            </a:r>
-            <a:r>
-              <a:rPr lang="en-US" dirty="0"/>
-              <a:t>API </a:t>
-            </a:r>
-            <a:r>
-              <a:rPr lang="ru-RU" dirty="0"/>
-              <a:t>предваряется проверками:</a:t>
-            </a:r>
-          </a:p>
-          <a:p>
-            <a:pPr marL="457200" lvl="1" indent="0">
-              <a:buNone/>
-            </a:pPr>
-            <a:endParaRPr lang="en-US" sz="2000" dirty="0">
-              <a:latin typeface="Courier New" panose="02070309020205020404" pitchFamily="49" charset="0"/>
-              <a:cs typeface="Courier New" panose="02070309020205020404" pitchFamily="49" charset="0"/>
-            </a:endParaRPr>
-          </a:p>
-          <a:p>
-            <a:pPr marL="457200" lvl="1" indent="0">
-              <a:buNone/>
-            </a:pPr>
-            <a:r>
-              <a:rPr lang="en-US" sz="2000" dirty="0">
-                <a:latin typeface="Courier New" panose="02070309020205020404" pitchFamily="49" charset="0"/>
-                <a:cs typeface="Courier New" panose="02070309020205020404" pitchFamily="49" charset="0"/>
-              </a:rPr>
-              <a:t>for x in array</a:t>
-            </a:r>
-          </a:p>
-          <a:p>
-            <a:pPr marL="457200" lvl="1" indent="0">
-              <a:buNone/>
-            </a:pPr>
-            <a:r>
-              <a:rPr lang="en-US" sz="2000" dirty="0">
-                <a:latin typeface="Courier New" panose="02070309020205020404" pitchFamily="49" charset="0"/>
-                <a:cs typeface="Courier New" panose="02070309020205020404" pitchFamily="49" charset="0"/>
-              </a:rPr>
-              <a:t>  if comp(x, x)</a:t>
-            </a:r>
-          </a:p>
-          <a:p>
-            <a:pPr marL="457200" lvl="1" indent="0">
-              <a:buNone/>
-            </a:pPr>
-            <a:r>
-              <a:rPr lang="en-US" sz="2000" dirty="0">
-                <a:latin typeface="Courier New" panose="02070309020205020404" pitchFamily="49" charset="0"/>
-                <a:cs typeface="Courier New" panose="02070309020205020404" pitchFamily="49" charset="0"/>
-              </a:rPr>
-              <a:t>    error</a:t>
-            </a:r>
-          </a:p>
-          <a:p>
-            <a:pPr marL="457200" lvl="1" indent="0">
-              <a:buNone/>
-            </a:pPr>
-            <a:endParaRPr lang="en-US" sz="2000" dirty="0">
-              <a:latin typeface="Courier New" panose="02070309020205020404" pitchFamily="49" charset="0"/>
-              <a:cs typeface="Courier New" panose="02070309020205020404" pitchFamily="49" charset="0"/>
-            </a:endParaRPr>
-          </a:p>
-          <a:p>
-            <a:pPr marL="457200" lvl="1" indent="0">
-              <a:buNone/>
-            </a:pPr>
-            <a:r>
-              <a:rPr lang="en-US" sz="2000" dirty="0">
-                <a:latin typeface="Courier New" panose="02070309020205020404" pitchFamily="49" charset="0"/>
-                <a:cs typeface="Courier New" panose="02070309020205020404" pitchFamily="49" charset="0"/>
-              </a:rPr>
-              <a:t>for x, y in array</a:t>
-            </a:r>
-          </a:p>
-          <a:p>
-            <a:pPr marL="457200" lvl="1" indent="0">
-              <a:buNone/>
-            </a:pPr>
-            <a:r>
-              <a:rPr lang="en-US" sz="2000" dirty="0">
-                <a:latin typeface="Courier New" panose="02070309020205020404" pitchFamily="49" charset="0"/>
-                <a:cs typeface="Courier New" panose="02070309020205020404" pitchFamily="49" charset="0"/>
-              </a:rPr>
-              <a:t>  if comp(x, y) != comp(y, x)</a:t>
-            </a:r>
-          </a:p>
-          <a:p>
-            <a:pPr marL="457200" lvl="1" indent="0">
-              <a:buNone/>
-            </a:pPr>
-            <a:r>
-              <a:rPr lang="en-US" sz="2000" dirty="0">
-                <a:latin typeface="Courier New" panose="02070309020205020404" pitchFamily="49" charset="0"/>
-                <a:cs typeface="Courier New" panose="02070309020205020404" pitchFamily="49" charset="0"/>
-              </a:rPr>
-              <a:t>    error</a:t>
-            </a:r>
-          </a:p>
-          <a:p>
-            <a:pPr marL="457200" lvl="1" indent="0">
-              <a:buNone/>
-            </a:pPr>
-            <a:endParaRPr lang="en-US" sz="2000" dirty="0">
-              <a:latin typeface="Courier New" panose="02070309020205020404" pitchFamily="49" charset="0"/>
-              <a:cs typeface="Courier New" panose="02070309020205020404" pitchFamily="49" charset="0"/>
-            </a:endParaRPr>
-          </a:p>
-          <a:p>
-            <a:pPr marL="457200" lvl="1" indent="0">
-              <a:buNone/>
-            </a:pPr>
-            <a:r>
-              <a:rPr lang="en-US" sz="2000" dirty="0">
-                <a:latin typeface="Courier New" panose="02070309020205020404" pitchFamily="49" charset="0"/>
-                <a:cs typeface="Courier New" panose="02070309020205020404" pitchFamily="49" charset="0"/>
-              </a:rPr>
-              <a:t>for x, y, z in array</a:t>
-            </a:r>
-          </a:p>
-          <a:p>
-            <a:pPr marL="457200" lvl="1" indent="0">
-              <a:buNone/>
-            </a:pPr>
-            <a:r>
-              <a:rPr lang="en-US" sz="2000" dirty="0">
-                <a:latin typeface="Courier New" panose="02070309020205020404" pitchFamily="49" charset="0"/>
-                <a:cs typeface="Courier New" panose="02070309020205020404" pitchFamily="49" charset="0"/>
-              </a:rPr>
-              <a:t>  if comp(x, y) &amp;&amp; comp(y, z) &amp;&amp; !comp(x, z)</a:t>
-            </a:r>
-          </a:p>
-          <a:p>
-            <a:pPr marL="457200" lvl="1" indent="0">
-              <a:buNone/>
-            </a:pPr>
-            <a:r>
-              <a:rPr lang="en-US" sz="2000" dirty="0">
-                <a:latin typeface="Courier New" panose="02070309020205020404" pitchFamily="49" charset="0"/>
-                <a:cs typeface="Courier New" panose="02070309020205020404" pitchFamily="49" charset="0"/>
-              </a:rPr>
-              <a:t>    error</a:t>
-            </a:r>
-          </a:p>
-          <a:p>
-            <a:pPr marL="457200" lvl="1" indent="0">
-              <a:buNone/>
-            </a:pPr>
-            <a:endParaRPr lang="en-US" sz="2000" dirty="0">
-              <a:latin typeface="Courier New" panose="02070309020205020404" pitchFamily="49" charset="0"/>
-              <a:cs typeface="Courier New" panose="02070309020205020404" pitchFamily="49" charset="0"/>
-            </a:endParaRPr>
-          </a:p>
-          <a:p>
-            <a:pPr marL="457200" lvl="1" indent="0">
-              <a:buNone/>
-            </a:pPr>
-            <a:r>
-              <a:rPr lang="en-US" sz="2000" dirty="0">
-                <a:latin typeface="Courier New" panose="02070309020205020404" pitchFamily="49" charset="0"/>
-                <a:cs typeface="Courier New" panose="02070309020205020404" pitchFamily="49" charset="0"/>
-              </a:rPr>
-              <a:t>for x, y, z in array</a:t>
-            </a:r>
-          </a:p>
-          <a:p>
-            <a:pPr marL="457200" lvl="1" indent="0">
-              <a:buNone/>
-            </a:pPr>
-            <a:r>
-              <a:rPr lang="en-US" sz="2000" dirty="0">
-                <a:latin typeface="Courier New" panose="02070309020205020404" pitchFamily="49" charset="0"/>
-                <a:cs typeface="Courier New" panose="02070309020205020404" pitchFamily="49" charset="0"/>
-              </a:rPr>
-              <a:t>  if </a:t>
-            </a:r>
-            <a:r>
-              <a:rPr lang="en-US" sz="2000" dirty="0" err="1">
-                <a:latin typeface="Courier New" panose="02070309020205020404" pitchFamily="49" charset="0"/>
-                <a:cs typeface="Courier New" panose="02070309020205020404" pitchFamily="49" charset="0"/>
-              </a:rPr>
-              <a:t>equiv</a:t>
-            </a:r>
-            <a:r>
-              <a:rPr lang="en-US" sz="2000" dirty="0">
-                <a:latin typeface="Courier New" panose="02070309020205020404" pitchFamily="49" charset="0"/>
-                <a:cs typeface="Courier New" panose="02070309020205020404" pitchFamily="49" charset="0"/>
-              </a:rPr>
-              <a:t>(x, y) &amp;&amp; </a:t>
-            </a:r>
-            <a:r>
-              <a:rPr lang="en-US" sz="2000" dirty="0" err="1">
-                <a:latin typeface="Courier New" panose="02070309020205020404" pitchFamily="49" charset="0"/>
-                <a:cs typeface="Courier New" panose="02070309020205020404" pitchFamily="49" charset="0"/>
-              </a:rPr>
-              <a:t>equiv</a:t>
-            </a:r>
-            <a:r>
-              <a:rPr lang="en-US" sz="2000" dirty="0">
-                <a:latin typeface="Courier New" panose="02070309020205020404" pitchFamily="49" charset="0"/>
-                <a:cs typeface="Courier New" panose="02070309020205020404" pitchFamily="49" charset="0"/>
-              </a:rPr>
-              <a:t>(y, z) &amp;&amp; !</a:t>
-            </a:r>
-            <a:r>
-              <a:rPr lang="en-US" sz="2000" dirty="0" err="1">
-                <a:latin typeface="Courier New" panose="02070309020205020404" pitchFamily="49" charset="0"/>
-                <a:cs typeface="Courier New" panose="02070309020205020404" pitchFamily="49" charset="0"/>
-              </a:rPr>
-              <a:t>equiv</a:t>
-            </a:r>
-            <a:r>
-              <a:rPr lang="en-US" sz="2000" dirty="0">
-                <a:latin typeface="Courier New" panose="02070309020205020404" pitchFamily="49" charset="0"/>
-                <a:cs typeface="Courier New" panose="02070309020205020404" pitchFamily="49" charset="0"/>
-              </a:rPr>
-              <a:t>(x, z)</a:t>
-            </a:r>
-          </a:p>
-          <a:p>
-            <a:pPr marL="457200" lvl="1" indent="0">
-              <a:buNone/>
-            </a:pPr>
-            <a:r>
-              <a:rPr lang="en-US" sz="2000" dirty="0">
-                <a:latin typeface="Courier New" panose="02070309020205020404" pitchFamily="49" charset="0"/>
-                <a:cs typeface="Courier New" panose="02070309020205020404" pitchFamily="49" charset="0"/>
-              </a:rPr>
-              <a:t>    error</a:t>
-            </a:r>
-            <a:endParaRPr lang="en-US" dirty="0">
-              <a:latin typeface="Courier New" panose="02070309020205020404" pitchFamily="49" charset="0"/>
-              <a:cs typeface="Courier New" panose="02070309020205020404" pitchFamily="49" charset="0"/>
-            </a:endParaRPr>
-          </a:p>
-          <a:p>
-            <a:r>
-              <a:rPr lang="ru-RU" dirty="0"/>
-              <a:t>Сложность проверок составляет </a:t>
-            </a:r>
-            <a:r>
-              <a:rPr lang="en-US" dirty="0"/>
-              <a:t>O(N^3)</a:t>
-            </a:r>
-            <a:endParaRPr lang="ru-RU" dirty="0"/>
-          </a:p>
-          <a:p>
-            <a:r>
-              <a:rPr lang="en-US" dirty="0"/>
-              <a:t>C</a:t>
-            </a:r>
-            <a:r>
-              <a:rPr lang="ru-RU" dirty="0"/>
-              <a:t>ущественно превосходит даже </a:t>
-            </a:r>
-            <a:r>
-              <a:rPr lang="en-US" dirty="0">
-                <a:latin typeface="Courier New" panose="02070309020205020404" pitchFamily="49" charset="0"/>
-                <a:cs typeface="Courier New" panose="02070309020205020404" pitchFamily="49" charset="0"/>
-              </a:rPr>
-              <a:t>std::sort</a:t>
-            </a:r>
-            <a:r>
-              <a:rPr lang="en-US" dirty="0"/>
-              <a:t>, </a:t>
-            </a:r>
-            <a:r>
-              <a:rPr lang="ru-RU" dirty="0"/>
-              <a:t>не говоря о более быстрых алгоритмах (</a:t>
-            </a:r>
-            <a:r>
-              <a:rPr lang="en-US" dirty="0">
-                <a:latin typeface="Courier New" panose="02070309020205020404" pitchFamily="49" charset="0"/>
-                <a:cs typeface="Courier New" panose="02070309020205020404" pitchFamily="49" charset="0"/>
-              </a:rPr>
-              <a:t>std::</a:t>
-            </a:r>
-            <a:r>
-              <a:rPr lang="en-US" dirty="0" err="1">
-                <a:latin typeface="Courier New" panose="02070309020205020404" pitchFamily="49" charset="0"/>
-                <a:cs typeface="Courier New" panose="02070309020205020404" pitchFamily="49" charset="0"/>
-              </a:rPr>
-              <a:t>max_element</a:t>
-            </a:r>
-            <a:r>
-              <a:rPr lang="en-US" dirty="0"/>
-              <a:t>, etc.)</a:t>
-            </a:r>
-          </a:p>
-          <a:p>
-            <a:r>
-              <a:rPr lang="ru-RU" dirty="0"/>
-              <a:t>На практике обходится не весь массив, а его небольшое подмножество (20-30 элементов)</a:t>
-            </a:r>
-            <a:endParaRPr lang="en-US" dirty="0"/>
-          </a:p>
-          <a:p>
-            <a:endParaRPr lang="en-US" dirty="0"/>
+              <a:t>API типа </a:t>
+            </a:r>
+            <a:r>
+              <a:rPr lang="ru-RU" dirty="0">
+                <a:latin typeface="Courier New" panose="02070309020205020404" pitchFamily="49" charset="0"/>
+                <a:cs typeface="Courier New" panose="02070309020205020404" pitchFamily="49" charset="0"/>
+              </a:rPr>
+              <a:t>qsort</a:t>
+            </a:r>
+            <a:r>
+              <a:rPr lang="ru-RU" dirty="0"/>
+              <a:t> и </a:t>
+            </a:r>
+            <a:r>
+              <a:rPr lang="ru-RU" dirty="0">
+                <a:latin typeface="Courier New" panose="02070309020205020404" pitchFamily="49" charset="0"/>
+                <a:cs typeface="Courier New" panose="02070309020205020404" pitchFamily="49" charset="0"/>
+              </a:rPr>
+              <a:t>bsearch</a:t>
+            </a:r>
+          </a:p>
+          <a:p>
+            <a:r>
+              <a:rPr lang="ru-RU" dirty="0"/>
+              <a:t>Основан на динамической инструментации (</a:t>
+            </a:r>
+            <a:r>
+              <a:rPr lang="ru-RU" dirty="0">
+                <a:latin typeface="Courier New" panose="02070309020205020404" pitchFamily="49" charset="0"/>
+                <a:cs typeface="Courier New" panose="02070309020205020404" pitchFamily="49" charset="0"/>
+              </a:rPr>
+              <a:t>LD_PRELOAD</a:t>
+            </a:r>
+            <a:r>
+              <a:rPr lang="ru-RU" dirty="0"/>
+              <a:t>)</a:t>
+            </a:r>
+          </a:p>
+          <a:p>
+            <a:r>
+              <a:rPr lang="ru-RU" dirty="0"/>
+              <a:t>Нашёл 15 ошибок в различных OSS проектах (GCC, Harfbuzz, etc.)</a:t>
+            </a:r>
           </a:p>
         </p:txBody>
       </p:sp>
     </p:spTree>
     <p:extLst>
       <p:ext uri="{BB962C8B-B14F-4D97-AF65-F5344CB8AC3E}">
-        <p14:creationId xmlns:p14="http://schemas.microsoft.com/office/powerpoint/2010/main" val="312233099"/>
+        <p14:creationId xmlns:p14="http://schemas.microsoft.com/office/powerpoint/2010/main" val="2659528703"/>
       </p:ext>
     </p:extLst>
   </p:cSld>
@@ -15604,7 +16047,7 @@
           <p:cNvPr id="2" name="Title 1">
             <a:extLst>
               <a:ext uri="{FF2B5EF4-FFF2-40B4-BE49-F238E27FC236}">
-                <a16:creationId xmlns:a16="http://schemas.microsoft.com/office/drawing/2014/main" id="{29796DE8-2F63-4ED5-8119-3DA4F4CD5511}"/>
+                <a16:creationId xmlns:a16="http://schemas.microsoft.com/office/drawing/2014/main" id="{A6FDE828-D233-4535-B53B-9502F549DDB9}"/>
               </a:ext>
             </a:extLst>
           </p:cNvPr>
@@ -15622,9 +16065,16 @@
           <a:p>
             <a:r>
               <a:rPr lang="ru-RU" dirty="0"/>
-              <a:t>Быстрый алгоритм проверки</a:t>
-            </a:r>
-            <a:endParaRPr lang="en-US" dirty="0"/>
+              <a:t>Как использовать </a:t>
+            </a:r>
+            <a:r>
+              <a:rPr lang="en-US" dirty="0" err="1"/>
+              <a:t>SortChecker</a:t>
+            </a:r>
+            <a:r>
+              <a:rPr lang="en-US" dirty="0"/>
+              <a:t>++</a:t>
+            </a:r>
           </a:p>
         </p:txBody>
       </p:sp>
@@ -15633,7 +16083,7 @@
           <p:cNvPr id="3" name="Content Placeholder 2">
             <a:extLst>
               <a:ext uri="{FF2B5EF4-FFF2-40B4-BE49-F238E27FC236}">
-                <a16:creationId xmlns:a16="http://schemas.microsoft.com/office/drawing/2014/main" id="{A60B7B0C-7980-480B-978A-B65865533741}"/>
+                <a16:creationId xmlns:a16="http://schemas.microsoft.com/office/drawing/2014/main" id="{485A6619-1CBE-4348-961B-BD3FDC8FFEC4}"/>
               </a:ext>
             </a:extLst>
           </p:cNvPr>
@@ -15652,88 +16102,340 @@
           <a:lstStyle/>
           <a:p>
             <a:r>
-              <a:rPr lang="en-US" dirty="0">
-                <a:hlinkClick r:id="rId2"/>
-              </a:rPr>
-              <a:t>https://github.com/danlark1/quadratic_strict_weak_ordering</a:t>
-            </a:r>
-            <a:r>
-              <a:rPr lang="ru-RU" dirty="0"/>
-              <a:t> </a:t>
-            </a:r>
-          </a:p>
-          <a:p>
-            <a:r>
-              <a:rPr lang="ru-RU" dirty="0"/>
-              <a:t>Предложен Д. Кутениным в начале 2023 года</a:t>
-            </a:r>
-          </a:p>
-          <a:p>
-            <a:r>
-              <a:rPr lang="ru-RU" dirty="0"/>
-              <a:t>Идея алгоритма:</a:t>
-            </a:r>
-          </a:p>
-          <a:p>
-            <a:pPr lvl="1"/>
-            <a:r>
-              <a:rPr lang="ru-RU" dirty="0"/>
-              <a:t>Предварительно отсортировать массив устойчивым алгоритмом</a:t>
-            </a:r>
-          </a:p>
-          <a:p>
-            <a:pPr lvl="1"/>
-            <a:r>
-              <a:rPr lang="ru-RU" dirty="0"/>
-              <a:t>Выделять в отсортированном массиве префиксы эквивалентных элементов</a:t>
-            </a:r>
-          </a:p>
-          <a:p>
-            <a:pPr lvl="1"/>
-            <a:r>
-              <a:rPr lang="ru-RU" dirty="0"/>
-              <a:t>И проверять их на транзитивность с оставшейся частью массива</a:t>
-            </a:r>
-          </a:p>
-          <a:p>
-            <a:r>
-              <a:rPr lang="ru-RU" dirty="0"/>
-              <a:t>Снижает сложность до O(N^2) (по прежнему превосходит сложность проверяемых алгоритмов)</a:t>
+              <a:rPr lang="ru-RU" dirty="0"/>
+              <a:t>Вначале инструментируем код:</a:t>
+            </a:r>
+          </a:p>
+          <a:p>
+            <a:pPr marL="457200" lvl="1" indent="0">
+              <a:buNone/>
+            </a:pPr>
+            <a:r>
+              <a:rPr lang="en-US" dirty="0">
+                <a:latin typeface="Courier New" panose="02070309020205020404" pitchFamily="49" charset="0"/>
+                <a:cs typeface="Courier New" panose="02070309020205020404" pitchFamily="49" charset="0"/>
+              </a:rPr>
+              <a:t>$ </a:t>
+            </a:r>
+            <a:r>
+              <a:rPr lang="en-US" dirty="0" err="1">
+                <a:latin typeface="Courier New" panose="02070309020205020404" pitchFamily="49" charset="0"/>
+                <a:cs typeface="Courier New" panose="02070309020205020404" pitchFamily="49" charset="0"/>
+              </a:rPr>
+              <a:t>sortcheckxx</a:t>
+            </a:r>
+            <a:r>
+              <a:rPr lang="en-US" dirty="0">
+                <a:latin typeface="Courier New" panose="02070309020205020404" pitchFamily="49" charset="0"/>
+                <a:cs typeface="Courier New" panose="02070309020205020404" pitchFamily="49" charset="0"/>
+              </a:rPr>
+              <a:t>/bin/</a:t>
+            </a:r>
+            <a:r>
+              <a:rPr lang="en-US" dirty="0" err="1">
+                <a:latin typeface="Courier New" panose="02070309020205020404" pitchFamily="49" charset="0"/>
+                <a:cs typeface="Courier New" panose="02070309020205020404" pitchFamily="49" charset="0"/>
+              </a:rPr>
+              <a:t>SortChecker</a:t>
+            </a:r>
+            <a:r>
+              <a:rPr lang="en-US" dirty="0">
+                <a:latin typeface="Courier New" panose="02070309020205020404" pitchFamily="49" charset="0"/>
+                <a:cs typeface="Courier New" panose="02070309020205020404" pitchFamily="49" charset="0"/>
+              </a:rPr>
+              <a:t> tmp.cc -- -DSIZE=50</a:t>
             </a:r>
             <a:endParaRPr lang="en-US" dirty="0"/>
           </a:p>
           <a:p>
-            <a:r>
-              <a:rPr lang="ru-RU" dirty="0"/>
-              <a:t>Возможно будет интегрирован в </a:t>
-            </a:r>
-            <a:r>
-              <a:rPr lang="en-US" dirty="0" err="1"/>
-              <a:t>libc</a:t>
+            <a:endParaRPr lang="en-US" dirty="0"/>
+          </a:p>
+          <a:p>
+            <a:pPr marL="0" indent="0">
+              <a:buNone/>
+            </a:pPr>
+            <a:endParaRPr lang="en-US" dirty="0"/>
+          </a:p>
+          <a:p>
+            <a:r>
+              <a:rPr lang="ru-RU" dirty="0"/>
+              <a:t>Скомпилируем и запустим инструментированный код из начала презентации</a:t>
             </a:r>
             <a:r>
               <a:rPr lang="en-US" dirty="0"/>
-              <a:t>++ </a:t>
-            </a:r>
-            <a:r>
-              <a:rPr lang="ru-RU" dirty="0"/>
-              <a:t>и </a:t>
-            </a:r>
-            <a:r>
-              <a:rPr lang="en-US" dirty="0" err="1"/>
-              <a:t>SortChecker</a:t>
+              <a:t>:</a:t>
             </a:r>
             <a:endParaRPr lang="ru-RU" dirty="0"/>
           </a:p>
           <a:p>
+            <a:pPr marL="457200" lvl="1" indent="0">
+              <a:buNone/>
+            </a:pPr>
+            <a:r>
+              <a:rPr lang="en-US" dirty="0">
+                <a:latin typeface="Courier New" panose="02070309020205020404" pitchFamily="49" charset="0"/>
+                <a:cs typeface="Courier New" panose="02070309020205020404" pitchFamily="49" charset="0"/>
+              </a:rPr>
+              <a:t>$ g++ -g -DSIZE=50 -</a:t>
+            </a:r>
+            <a:r>
+              <a:rPr lang="en-US" dirty="0" err="1">
+                <a:latin typeface="Courier New" panose="02070309020205020404" pitchFamily="49" charset="0"/>
+                <a:cs typeface="Courier New" panose="02070309020205020404" pitchFamily="49" charset="0"/>
+              </a:rPr>
+              <a:t>Isortcheckxx</a:t>
+            </a:r>
+            <a:r>
+              <a:rPr lang="en-US" dirty="0">
+                <a:latin typeface="Courier New" panose="02070309020205020404" pitchFamily="49" charset="0"/>
+                <a:cs typeface="Courier New" panose="02070309020205020404" pitchFamily="49" charset="0"/>
+              </a:rPr>
+              <a:t>/include tmp.cc &amp;&amp; ./</a:t>
+            </a:r>
+            <a:r>
+              <a:rPr lang="en-US" dirty="0" err="1">
+                <a:latin typeface="Courier New" panose="02070309020205020404" pitchFamily="49" charset="0"/>
+                <a:cs typeface="Courier New" panose="02070309020205020404" pitchFamily="49" charset="0"/>
+              </a:rPr>
+              <a:t>a.out</a:t>
+            </a:r>
+            <a:endParaRPr lang="en-US" dirty="0">
+              <a:latin typeface="Courier New" panose="02070309020205020404" pitchFamily="49" charset="0"/>
+              <a:cs typeface="Courier New" panose="02070309020205020404" pitchFamily="49" charset="0"/>
+            </a:endParaRPr>
+          </a:p>
+          <a:p>
+            <a:pPr marL="457200" lvl="1" indent="0">
+              <a:buNone/>
+            </a:pPr>
+            <a:r>
+              <a:rPr lang="en-US" dirty="0" err="1">
+                <a:latin typeface="Courier New" panose="02070309020205020404" pitchFamily="49" charset="0"/>
+                <a:cs typeface="Courier New" panose="02070309020205020404" pitchFamily="49" charset="0"/>
+              </a:rPr>
+              <a:t>sortcheck</a:t>
+            </a:r>
+            <a:r>
+              <a:rPr lang="en-US" dirty="0">
+                <a:latin typeface="Courier New" panose="02070309020205020404" pitchFamily="49" charset="0"/>
+                <a:cs typeface="Courier New" panose="02070309020205020404" pitchFamily="49" charset="0"/>
+              </a:rPr>
+              <a:t>: tmp.cc:14: irreflexive comparator at position 0</a:t>
+            </a:r>
+          </a:p>
+          <a:p>
+            <a:pPr marL="457200" lvl="1" indent="0">
+              <a:buNone/>
+            </a:pPr>
+            <a:r>
+              <a:rPr lang="en-US" dirty="0">
+                <a:latin typeface="Courier New" panose="02070309020205020404" pitchFamily="49" charset="0"/>
+                <a:cs typeface="Courier New" panose="02070309020205020404" pitchFamily="49" charset="0"/>
+              </a:rPr>
+              <a:t>Aborted</a:t>
+            </a:r>
+          </a:p>
+          <a:p>
             <a:endParaRPr lang="en-US" dirty="0"/>
+          </a:p>
+        </p:txBody>
+      </p:sp>
+      <p:sp>
+        <p:nvSpPr>
+          <p:cNvPr id="7" name="TextBox 6">
+            <a:extLst>
+              <a:ext uri="{FF2B5EF4-FFF2-40B4-BE49-F238E27FC236}">
+                <a16:creationId xmlns:a16="http://schemas.microsoft.com/office/drawing/2014/main" id="{11123AAB-C400-4176-BD21-92E392527EA3}"/>
+              </a:ext>
+            </a:extLst>
+          </p:cNvPr>
+          <p:cNvSpPr txBox="1"/>
+          <p:nvPr/>
+        </p:nvSpPr>
+        <p:spPr>
+          <a:xfrm flipH="1">
+            <a:off x="655319" y="2847987"/>
+            <a:ext cx="4156167" cy="646331"/>
+          </a:xfrm>
+          <a:prstGeom prst="rect">
+            <a:avLst/>
+          </a:prstGeom>
+          <a:noFill/>
+        </p:spPr>
+        <p:txBody>
+          <a:bodyPr wrap="square" rtlCol="0">
+            <a:spAutoFit/>
+          </a:bodyPr>
+          <a:lstStyle/>
+          <a:p>
+            <a:r>
+              <a:rPr lang="en-US" dirty="0">
+                <a:latin typeface="Courier New" panose="02070309020205020404" pitchFamily="49" charset="0"/>
+                <a:cs typeface="Courier New" panose="02070309020205020404" pitchFamily="49" charset="0"/>
+              </a:rPr>
+              <a:t>std::sort(begin, end, </a:t>
+            </a:r>
+            <a:r>
+              <a:rPr lang="en-US" dirty="0" err="1">
+                <a:latin typeface="Courier New" panose="02070309020205020404" pitchFamily="49" charset="0"/>
+                <a:cs typeface="Courier New" panose="02070309020205020404" pitchFamily="49" charset="0"/>
+              </a:rPr>
+              <a:t>cmp</a:t>
+            </a:r>
+            <a:r>
+              <a:rPr lang="en-US" dirty="0">
+                <a:latin typeface="Courier New" panose="02070309020205020404" pitchFamily="49" charset="0"/>
+                <a:cs typeface="Courier New" panose="02070309020205020404" pitchFamily="49" charset="0"/>
+              </a:rPr>
+              <a:t>);</a:t>
+            </a:r>
+          </a:p>
+          <a:p>
+            <a:endParaRPr lang="en-US" dirty="0"/>
+          </a:p>
+        </p:txBody>
+      </p:sp>
+      <p:sp>
+        <p:nvSpPr>
+          <p:cNvPr id="8" name="TextBox 7">
+            <a:extLst>
+              <a:ext uri="{FF2B5EF4-FFF2-40B4-BE49-F238E27FC236}">
+                <a16:creationId xmlns:a16="http://schemas.microsoft.com/office/drawing/2014/main" id="{9278FD20-2DDE-44DA-87D2-6696BE10DA53}"/>
+              </a:ext>
+            </a:extLst>
+          </p:cNvPr>
+          <p:cNvSpPr txBox="1"/>
+          <p:nvPr/>
+        </p:nvSpPr>
+        <p:spPr>
+          <a:xfrm>
+            <a:off x="6235342" y="2709487"/>
+            <a:ext cx="6128657" cy="923330"/>
+          </a:xfrm>
+          <a:prstGeom prst="rect">
+            <a:avLst/>
+          </a:prstGeom>
+          <a:noFill/>
+        </p:spPr>
+        <p:txBody>
+          <a:bodyPr wrap="square" rtlCol="0">
+            <a:spAutoFit/>
+          </a:bodyPr>
+          <a:lstStyle/>
+          <a:p>
+            <a:pPr marL="457200" lvl="1" indent="0">
+              <a:buNone/>
+            </a:pPr>
+            <a:r>
+              <a:rPr lang="en-US" dirty="0" err="1">
+                <a:latin typeface="Courier New" panose="02070309020205020404" pitchFamily="49" charset="0"/>
+                <a:cs typeface="Courier New" panose="02070309020205020404" pitchFamily="49" charset="0"/>
+              </a:rPr>
+              <a:t>sortcheck</a:t>
+            </a:r>
+            <a:r>
+              <a:rPr lang="en-US" dirty="0">
+                <a:latin typeface="Courier New" panose="02070309020205020404" pitchFamily="49" charset="0"/>
+                <a:cs typeface="Courier New" panose="02070309020205020404" pitchFamily="49" charset="0"/>
+              </a:rPr>
+              <a:t>::</a:t>
+            </a:r>
+            <a:r>
+              <a:rPr lang="en-US" dirty="0" err="1">
+                <a:latin typeface="Courier New" panose="02070309020205020404" pitchFamily="49" charset="0"/>
+                <a:cs typeface="Courier New" panose="02070309020205020404" pitchFamily="49" charset="0"/>
+              </a:rPr>
+              <a:t>sort_checked</a:t>
+            </a:r>
+            <a:r>
+              <a:rPr lang="en-US" dirty="0">
+                <a:latin typeface="Courier New" panose="02070309020205020404" pitchFamily="49" charset="0"/>
+                <a:cs typeface="Courier New" panose="02070309020205020404" pitchFamily="49" charset="0"/>
+              </a:rPr>
+              <a:t>(begin, end,</a:t>
+            </a:r>
+          </a:p>
+          <a:p>
+            <a:pPr marL="457200" lvl="1" indent="0">
+              <a:buNone/>
+            </a:pPr>
+            <a:r>
+              <a:rPr lang="en-US" dirty="0">
+                <a:latin typeface="Courier New" panose="02070309020205020404" pitchFamily="49" charset="0"/>
+                <a:cs typeface="Courier New" panose="02070309020205020404" pitchFamily="49" charset="0"/>
+              </a:rPr>
+              <a:t>  </a:t>
+            </a:r>
+            <a:r>
+              <a:rPr lang="en-US" dirty="0" err="1">
+                <a:latin typeface="Courier New" panose="02070309020205020404" pitchFamily="49" charset="0"/>
+                <a:cs typeface="Courier New" panose="02070309020205020404" pitchFamily="49" charset="0"/>
+              </a:rPr>
+              <a:t>cmp</a:t>
+            </a:r>
+            <a:r>
+              <a:rPr lang="en-US" dirty="0">
+                <a:latin typeface="Courier New" panose="02070309020205020404" pitchFamily="49" charset="0"/>
+                <a:cs typeface="Courier New" panose="02070309020205020404" pitchFamily="49" charset="0"/>
+              </a:rPr>
+              <a:t>, __FILE__, __LINE__);</a:t>
+            </a:r>
+          </a:p>
+          <a:p>
+            <a:endParaRPr lang="en-US" dirty="0"/>
+          </a:p>
+        </p:txBody>
+      </p:sp>
+      <p:sp>
+        <p:nvSpPr>
+          <p:cNvPr id="9" name="Arrow: Right 8">
+            <a:extLst>
+              <a:ext uri="{FF2B5EF4-FFF2-40B4-BE49-F238E27FC236}">
+                <a16:creationId xmlns:a16="http://schemas.microsoft.com/office/drawing/2014/main" id="{A27634EB-80E1-4865-ABAC-777D70A2C39D}"/>
+              </a:ext>
+            </a:extLst>
+          </p:cNvPr>
+          <p:cNvSpPr/>
+          <p:nvPr/>
+        </p:nvSpPr>
+        <p:spPr>
+          <a:xfrm>
+            <a:off x="5181602" y="2955475"/>
+            <a:ext cx="914398" cy="223158"/>
+          </a:xfrm>
+          <a:prstGeom prst="rightArrow">
+            <a:avLst/>
+          </a:prstGeom>
+        </p:spPr>
+        <p:style>
+          <a:lnRef idx="2">
+            <a:schemeClr val="accent1">
+              <a:shade val="50000"/>
+            </a:schemeClr>
+          </a:lnRef>
+          <a:fillRef idx="1">
+            <a:schemeClr val="accent1"/>
+          </a:fillRef>
+          <a:effectRef idx="0">
+            <a:schemeClr val="accent1"/>
+          </a:effectRef>
+          <a:fontRef idx="minor">
+            <a:schemeClr val="lt1"/>
+          </a:fontRef>
+        </p:style>
+        <p:txBody>
+          <a:bodyPr rtlCol="0" anchor="ctr"/>
+          <a:lstStyle/>
+          <a:p>
+            <a:pPr algn="ctr"/>
+            <a:endParaRPr lang="en-US"/>
           </a:p>
         </p:txBody>
       </p:sp>
     </p:spTree>
     <p:extLst>
       <p:ext uri="{BB962C8B-B14F-4D97-AF65-F5344CB8AC3E}">
-        <p14:creationId xmlns:p14="http://schemas.microsoft.com/office/powerpoint/2010/main" val="886008562"/>
+        <p14:creationId xmlns:p14="http://schemas.microsoft.com/office/powerpoint/2010/main" val="1487736242"/>
       </p:ext>
     </p:extLst>
   </p:cSld>
@@ -15765,7 +16467,7 @@
           <p:cNvPr id="2" name="Title 1">
             <a:extLst>
               <a:ext uri="{FF2B5EF4-FFF2-40B4-BE49-F238E27FC236}">
-                <a16:creationId xmlns:a16="http://schemas.microsoft.com/office/drawing/2014/main" id="{98837C8A-F603-42F7-AC33-9EBA279193DF}"/>
+                <a16:creationId xmlns:a16="http://schemas.microsoft.com/office/drawing/2014/main" id="{B6884E62-A92A-47BA-9EF6-78B10084AB0B}"/>
               </a:ext>
             </a:extLst>
           </p:cNvPr>
@@ -15776,14 +16478,19 @@
             <p:ph type="title"/>
           </p:nvPr>
         </p:nvSpPr>
-        <p:spPr/>
+        <p:spPr>
+          <a:xfrm>
+            <a:off x="838200" y="-81189"/>
+            <a:ext cx="10515600" cy="1325563"/>
+          </a:xfrm>
+        </p:spPr>
         <p:txBody>
           <a:bodyPr/>
           <a:lstStyle/>
           <a:p>
             <a:r>
               <a:rPr lang="ru-RU" dirty="0"/>
-              <a:t>Что почитать</a:t>
+              <a:t>Псевдокод</a:t>
             </a:r>
             <a:endParaRPr lang="en-US" dirty="0"/>
           </a:p>
@@ -15794,7 +16501,7 @@
           <p:cNvPr id="3" name="Content Placeholder 2">
             <a:extLst>
               <a:ext uri="{FF2B5EF4-FFF2-40B4-BE49-F238E27FC236}">
-                <a16:creationId xmlns:a16="http://schemas.microsoft.com/office/drawing/2014/main" id="{6BEF2B0C-DEB6-403A-A327-A9DABD7F44CE}"/>
+                <a16:creationId xmlns:a16="http://schemas.microsoft.com/office/drawing/2014/main" id="{AD260025-EBC3-45D0-9B0B-DAA951A03DCC}"/>
               </a:ext>
             </a:extLst>
           </p:cNvPr>
@@ -15805,41 +16512,330 @@
             <p:ph idx="1"/>
           </p:nvPr>
         </p:nvSpPr>
-        <p:spPr/>
-        <p:txBody>
-          <a:bodyPr/>
-          <a:lstStyle/>
-          <a:p>
-            <a:r>
-              <a:rPr lang="en-US" dirty="0"/>
-              <a:t>Danila </a:t>
-            </a:r>
-            <a:r>
-              <a:rPr lang="en-US" dirty="0" err="1"/>
-              <a:t>Kutenin</a:t>
+        <p:spPr>
+          <a:xfrm>
+            <a:off x="636814" y="1004887"/>
+            <a:ext cx="11261272" cy="5450342"/>
+          </a:xfrm>
+        </p:spPr>
+        <p:txBody>
+          <a:bodyPr>
+            <a:normAutofit fontScale="77500" lnSpcReduction="20000"/>
+          </a:bodyPr>
+          <a:lstStyle/>
+          <a:p>
+            <a:r>
+              <a:rPr lang="ru-RU" dirty="0"/>
+              <a:t>Каждый запуск </a:t>
+            </a:r>
+            <a:r>
+              <a:rPr lang="en-US" dirty="0">
+                <a:latin typeface="Courier New" panose="02070309020205020404" pitchFamily="49" charset="0"/>
+                <a:cs typeface="Courier New" panose="02070309020205020404" pitchFamily="49" charset="0"/>
+              </a:rPr>
+              <a:t>std::sort</a:t>
             </a:r>
             <a:r>
               <a:rPr lang="en-US" dirty="0"/>
               <a:t> </a:t>
             </a:r>
             <a:r>
-              <a:rPr lang="en-US" dirty="0">
-                <a:hlinkClick r:id="rId2"/>
-              </a:rPr>
-              <a:t>Changing std::sort at Google’s Scale and Beyond</a:t>
-            </a:r>
-            <a:endParaRPr lang="en-US" dirty="0"/>
-          </a:p>
-          <a:p>
+              <a:rPr lang="ru-RU" dirty="0"/>
+              <a:t>и аналогичных </a:t>
+            </a:r>
             <a:r>
               <a:rPr lang="en-US" dirty="0"/>
-              <a:t>Jonathan Müller </a:t>
-            </a:r>
-            <a:r>
-              <a:rPr lang="en-US" dirty="0">
-                <a:hlinkClick r:id="rId3"/>
-              </a:rPr>
-              <a:t>Mathematics behind Comparison</a:t>
+              <a:t>API </a:t>
+            </a:r>
+            <a:r>
+              <a:rPr lang="ru-RU" dirty="0"/>
+              <a:t>предваряется проверками:</a:t>
+            </a:r>
+          </a:p>
+          <a:p>
+            <a:pPr marL="457200" lvl="1" indent="0">
+              <a:buNone/>
+            </a:pPr>
+            <a:endParaRPr lang="en-US" sz="2000" dirty="0">
+              <a:latin typeface="Courier New" panose="02070309020205020404" pitchFamily="49" charset="0"/>
+              <a:cs typeface="Courier New" panose="02070309020205020404" pitchFamily="49" charset="0"/>
+            </a:endParaRPr>
+          </a:p>
+          <a:p>
+            <a:pPr marL="457200" lvl="1" indent="0">
+              <a:buNone/>
+            </a:pPr>
+            <a:r>
+              <a:rPr lang="en-US" sz="2000" dirty="0">
+                <a:latin typeface="Courier New" panose="02070309020205020404" pitchFamily="49" charset="0"/>
+                <a:cs typeface="Courier New" panose="02070309020205020404" pitchFamily="49" charset="0"/>
+              </a:rPr>
+              <a:t>for x in array</a:t>
+            </a:r>
+          </a:p>
+          <a:p>
+            <a:pPr marL="457200" lvl="1" indent="0">
+              <a:buNone/>
+            </a:pPr>
+            <a:r>
+              <a:rPr lang="en-US" sz="2000" dirty="0">
+                <a:latin typeface="Courier New" panose="02070309020205020404" pitchFamily="49" charset="0"/>
+                <a:cs typeface="Courier New" panose="02070309020205020404" pitchFamily="49" charset="0"/>
+              </a:rPr>
+              <a:t>  if comp(x, x)</a:t>
+            </a:r>
+          </a:p>
+          <a:p>
+            <a:pPr marL="457200" lvl="1" indent="0">
+              <a:buNone/>
+            </a:pPr>
+            <a:r>
+              <a:rPr lang="en-US" sz="2000" dirty="0">
+                <a:latin typeface="Courier New" panose="02070309020205020404" pitchFamily="49" charset="0"/>
+                <a:cs typeface="Courier New" panose="02070309020205020404" pitchFamily="49" charset="0"/>
+              </a:rPr>
+              <a:t>    error</a:t>
+            </a:r>
+          </a:p>
+          <a:p>
+            <a:pPr marL="457200" lvl="1" indent="0">
+              <a:buNone/>
+            </a:pPr>
+            <a:endParaRPr lang="en-US" sz="2000" dirty="0">
+              <a:latin typeface="Courier New" panose="02070309020205020404" pitchFamily="49" charset="0"/>
+              <a:cs typeface="Courier New" panose="02070309020205020404" pitchFamily="49" charset="0"/>
+            </a:endParaRPr>
+          </a:p>
+          <a:p>
+            <a:pPr marL="457200" lvl="1" indent="0">
+              <a:buNone/>
+            </a:pPr>
+            <a:r>
+              <a:rPr lang="en-US" sz="2000" dirty="0">
+                <a:latin typeface="Courier New" panose="02070309020205020404" pitchFamily="49" charset="0"/>
+                <a:cs typeface="Courier New" panose="02070309020205020404" pitchFamily="49" charset="0"/>
+              </a:rPr>
+              <a:t>for x, y in array</a:t>
+            </a:r>
+          </a:p>
+          <a:p>
+            <a:pPr marL="457200" lvl="1" indent="0">
+              <a:buNone/>
+            </a:pPr>
+            <a:r>
+              <a:rPr lang="en-US" sz="2000" dirty="0">
+                <a:latin typeface="Courier New" panose="02070309020205020404" pitchFamily="49" charset="0"/>
+                <a:cs typeface="Courier New" panose="02070309020205020404" pitchFamily="49" charset="0"/>
+              </a:rPr>
+              <a:t>  if comp(x, y) != comp(y, x)</a:t>
+            </a:r>
+          </a:p>
+          <a:p>
+            <a:pPr marL="457200" lvl="1" indent="0">
+              <a:buNone/>
+            </a:pPr>
+            <a:r>
+              <a:rPr lang="en-US" sz="2000" dirty="0">
+                <a:latin typeface="Courier New" panose="02070309020205020404" pitchFamily="49" charset="0"/>
+                <a:cs typeface="Courier New" panose="02070309020205020404" pitchFamily="49" charset="0"/>
+              </a:rPr>
+              <a:t>    error</a:t>
+            </a:r>
+          </a:p>
+          <a:p>
+            <a:pPr marL="457200" lvl="1" indent="0">
+              <a:buNone/>
+            </a:pPr>
+            <a:endParaRPr lang="en-US" sz="2000" dirty="0">
+              <a:latin typeface="Courier New" panose="02070309020205020404" pitchFamily="49" charset="0"/>
+              <a:cs typeface="Courier New" panose="02070309020205020404" pitchFamily="49" charset="0"/>
+            </a:endParaRPr>
+          </a:p>
+          <a:p>
+            <a:pPr marL="457200" lvl="1" indent="0">
+              <a:buNone/>
+            </a:pPr>
+            <a:r>
+              <a:rPr lang="en-US" sz="2000" dirty="0">
+                <a:latin typeface="Courier New" panose="02070309020205020404" pitchFamily="49" charset="0"/>
+                <a:cs typeface="Courier New" panose="02070309020205020404" pitchFamily="49" charset="0"/>
+              </a:rPr>
+              <a:t>for x, y, z in array</a:t>
+            </a:r>
+          </a:p>
+          <a:p>
+            <a:pPr marL="457200" lvl="1" indent="0">
+              <a:buNone/>
+            </a:pPr>
+            <a:r>
+              <a:rPr lang="en-US" sz="2000" dirty="0">
+                <a:latin typeface="Courier New" panose="02070309020205020404" pitchFamily="49" charset="0"/>
+                <a:cs typeface="Courier New" panose="02070309020205020404" pitchFamily="49" charset="0"/>
+              </a:rPr>
+              <a:t>  if comp(x, y) &amp;&amp; comp(y, z) &amp;&amp; !comp(x, z)</a:t>
+            </a:r>
+          </a:p>
+          <a:p>
+            <a:pPr marL="457200" lvl="1" indent="0">
+              <a:buNone/>
+            </a:pPr>
+            <a:r>
+              <a:rPr lang="en-US" sz="2000" dirty="0">
+                <a:latin typeface="Courier New" panose="02070309020205020404" pitchFamily="49" charset="0"/>
+                <a:cs typeface="Courier New" panose="02070309020205020404" pitchFamily="49" charset="0"/>
+              </a:rPr>
+              <a:t>    error</a:t>
+            </a:r>
+          </a:p>
+          <a:p>
+            <a:pPr marL="457200" lvl="1" indent="0">
+              <a:buNone/>
+            </a:pPr>
+            <a:endParaRPr lang="en-US" sz="2000" dirty="0">
+              <a:latin typeface="Courier New" panose="02070309020205020404" pitchFamily="49" charset="0"/>
+              <a:cs typeface="Courier New" panose="02070309020205020404" pitchFamily="49" charset="0"/>
+            </a:endParaRPr>
+          </a:p>
+          <a:p>
+            <a:pPr marL="457200" lvl="1" indent="0">
+              <a:buNone/>
+            </a:pPr>
+            <a:r>
+              <a:rPr lang="en-US" sz="2000" dirty="0">
+                <a:latin typeface="Courier New" panose="02070309020205020404" pitchFamily="49" charset="0"/>
+                <a:cs typeface="Courier New" panose="02070309020205020404" pitchFamily="49" charset="0"/>
+              </a:rPr>
+              <a:t>for x, y, z in array</a:t>
+            </a:r>
+          </a:p>
+          <a:p>
+            <a:pPr marL="457200" lvl="1" indent="0">
+              <a:buNone/>
+            </a:pPr>
+            <a:r>
+              <a:rPr lang="en-US" sz="2000" dirty="0">
+                <a:latin typeface="Courier New" panose="02070309020205020404" pitchFamily="49" charset="0"/>
+                <a:cs typeface="Courier New" panose="02070309020205020404" pitchFamily="49" charset="0"/>
+              </a:rPr>
+              <a:t>  if </a:t>
+            </a:r>
+            <a:r>
+              <a:rPr lang="en-US" sz="2000" dirty="0" err="1">
+                <a:latin typeface="Courier New" panose="02070309020205020404" pitchFamily="49" charset="0"/>
+                <a:cs typeface="Courier New" panose="02070309020205020404" pitchFamily="49" charset="0"/>
+              </a:rPr>
+              <a:t>equiv</a:t>
+            </a:r>
+            <a:r>
+              <a:rPr lang="en-US" sz="2000" dirty="0">
+                <a:latin typeface="Courier New" panose="02070309020205020404" pitchFamily="49" charset="0"/>
+                <a:cs typeface="Courier New" panose="02070309020205020404" pitchFamily="49" charset="0"/>
+              </a:rPr>
+              <a:t>(x, y) &amp;&amp; </a:t>
+            </a:r>
+            <a:r>
+              <a:rPr lang="en-US" sz="2000" dirty="0" err="1">
+                <a:latin typeface="Courier New" panose="02070309020205020404" pitchFamily="49" charset="0"/>
+                <a:cs typeface="Courier New" panose="02070309020205020404" pitchFamily="49" charset="0"/>
+              </a:rPr>
+              <a:t>equiv</a:t>
+            </a:r>
+            <a:r>
+              <a:rPr lang="en-US" sz="2000" dirty="0">
+                <a:latin typeface="Courier New" panose="02070309020205020404" pitchFamily="49" charset="0"/>
+                <a:cs typeface="Courier New" panose="02070309020205020404" pitchFamily="49" charset="0"/>
+              </a:rPr>
+              <a:t>(y, z) &amp;&amp; !</a:t>
+            </a:r>
+            <a:r>
+              <a:rPr lang="en-US" sz="2000" dirty="0" err="1">
+                <a:latin typeface="Courier New" panose="02070309020205020404" pitchFamily="49" charset="0"/>
+                <a:cs typeface="Courier New" panose="02070309020205020404" pitchFamily="49" charset="0"/>
+              </a:rPr>
+              <a:t>equiv</a:t>
+            </a:r>
+            <a:r>
+              <a:rPr lang="en-US" sz="2000" dirty="0">
+                <a:latin typeface="Courier New" panose="02070309020205020404" pitchFamily="49" charset="0"/>
+                <a:cs typeface="Courier New" panose="02070309020205020404" pitchFamily="49" charset="0"/>
+              </a:rPr>
+              <a:t>(x, z)</a:t>
+            </a:r>
+          </a:p>
+          <a:p>
+            <a:pPr marL="457200" lvl="1" indent="0">
+              <a:buNone/>
+            </a:pPr>
+            <a:r>
+              <a:rPr lang="en-US" sz="2000" dirty="0">
+                <a:latin typeface="Courier New" panose="02070309020205020404" pitchFamily="49" charset="0"/>
+                <a:cs typeface="Courier New" panose="02070309020205020404" pitchFamily="49" charset="0"/>
+              </a:rPr>
+              <a:t>    error</a:t>
+            </a:r>
+            <a:endParaRPr lang="en-US" dirty="0">
+              <a:latin typeface="Courier New" panose="02070309020205020404" pitchFamily="49" charset="0"/>
+              <a:cs typeface="Courier New" panose="02070309020205020404" pitchFamily="49" charset="0"/>
+            </a:endParaRPr>
+          </a:p>
+          <a:p>
+            <a:r>
+              <a:rPr lang="ru-RU" dirty="0"/>
+              <a:t>Сложность проверок составляет </a:t>
+            </a:r>
+            <a:r>
+              <a:rPr lang="en-US" dirty="0"/>
+              <a:t>O(N^3)</a:t>
+            </a:r>
+            <a:endParaRPr lang="ru-RU" dirty="0"/>
+          </a:p>
+          <a:p>
+            <a:r>
+              <a:rPr lang="en-US" dirty="0"/>
+              <a:t>C</a:t>
+            </a:r>
+            <a:r>
+              <a:rPr lang="ru-RU" dirty="0"/>
+              <a:t>ущественно превосходит даже </a:t>
+            </a:r>
+            <a:r>
+              <a:rPr lang="en-US" dirty="0">
+                <a:latin typeface="Courier New" panose="02070309020205020404" pitchFamily="49" charset="0"/>
+                <a:cs typeface="Courier New" panose="02070309020205020404" pitchFamily="49" charset="0"/>
+              </a:rPr>
+              <a:t>std::sort</a:t>
+            </a:r>
+            <a:r>
+              <a:rPr lang="en-US" dirty="0"/>
+              <a:t>, </a:t>
+            </a:r>
+            <a:r>
+              <a:rPr lang="ru-RU" dirty="0"/>
+              <a:t>не говоря о более быстрых алгоритмах (</a:t>
+            </a:r>
+            <a:r>
+              <a:rPr lang="en-US" dirty="0">
+                <a:latin typeface="Courier New" panose="02070309020205020404" pitchFamily="49" charset="0"/>
+                <a:cs typeface="Courier New" panose="02070309020205020404" pitchFamily="49" charset="0"/>
+              </a:rPr>
+              <a:t>std::</a:t>
+            </a:r>
+            <a:r>
+              <a:rPr lang="en-US" dirty="0" err="1">
+                <a:latin typeface="Courier New" panose="02070309020205020404" pitchFamily="49" charset="0"/>
+                <a:cs typeface="Courier New" panose="02070309020205020404" pitchFamily="49" charset="0"/>
+              </a:rPr>
+              <a:t>max_element</a:t>
+            </a:r>
+            <a:r>
+              <a:rPr lang="en-US" dirty="0"/>
+              <a:t>, etc.)</a:t>
+            </a:r>
+          </a:p>
+          <a:p>
+            <a:r>
+              <a:rPr lang="ru-RU" dirty="0"/>
+              <a:t>На практике обходится не весь массив, а его небольшое подмножество (20-30 элементов)</a:t>
             </a:r>
             <a:endParaRPr lang="en-US" dirty="0"/>
           </a:p>
@@ -15851,7 +16847,7 @@
     </p:spTree>
     <p:extLst>
       <p:ext uri="{BB962C8B-B14F-4D97-AF65-F5344CB8AC3E}">
-        <p14:creationId xmlns:p14="http://schemas.microsoft.com/office/powerpoint/2010/main" val="88266572"/>
+        <p14:creationId xmlns:p14="http://schemas.microsoft.com/office/powerpoint/2010/main" val="312233099"/>
       </p:ext>
     </p:extLst>
   </p:cSld>
@@ -15883,7 +16879,7 @@
           <p:cNvPr id="2" name="Title 1">
             <a:extLst>
               <a:ext uri="{FF2B5EF4-FFF2-40B4-BE49-F238E27FC236}">
-                <a16:creationId xmlns:a16="http://schemas.microsoft.com/office/drawing/2014/main" id="{FB27C366-F1FD-4880-B503-F75FA2AB3EA0}"/>
+                <a16:creationId xmlns:a16="http://schemas.microsoft.com/office/drawing/2014/main" id="{29796DE8-2F63-4ED5-8119-3DA4F4CD5511}"/>
               </a:ext>
             </a:extLst>
           </p:cNvPr>
@@ -15901,7 +16897,7 @@
           <a:p>
             <a:r>
               <a:rPr lang="ru-RU" dirty="0"/>
-              <a:t>Рекомендации</a:t>
+              <a:t>Быстрый алгоритм проверки</a:t>
             </a:r>
             <a:endParaRPr lang="en-US" dirty="0"/>
           </a:p>
@@ -15912,7 +16908,7 @@
           <p:cNvPr id="3" name="Content Placeholder 2">
             <a:extLst>
               <a:ext uri="{FF2B5EF4-FFF2-40B4-BE49-F238E27FC236}">
-                <a16:creationId xmlns:a16="http://schemas.microsoft.com/office/drawing/2014/main" id="{B6A123D4-600E-41B8-800A-B2AF29703F6B}"/>
+                <a16:creationId xmlns:a16="http://schemas.microsoft.com/office/drawing/2014/main" id="{A60B7B0C-7980-480B-978A-B65865533741}"/>
               </a:ext>
             </a:extLst>
           </p:cNvPr>
@@ -15925,78 +16921,86 @@
         </p:nvSpPr>
         <p:spPr/>
         <p:txBody>
-          <a:bodyPr/>
-          <a:lstStyle/>
-          <a:p>
-            <a:r>
-              <a:rPr lang="ru-RU" dirty="0"/>
-              <a:t>Избегайте типичных ошибок в работе</a:t>
+          <a:bodyPr>
+            <a:normAutofit lnSpcReduction="10000"/>
+          </a:bodyPr>
+          <a:lstStyle/>
+          <a:p>
+            <a:r>
+              <a:rPr lang="en-US" dirty="0">
+                <a:hlinkClick r:id="rId2"/>
+              </a:rPr>
+              <a:t>https://github.com/danlark1/quadratic_strict_weak_ordering</a:t>
+            </a:r>
+            <a:r>
+              <a:rPr lang="ru-RU" dirty="0"/>
+              <a:t> </a:t>
+            </a:r>
+          </a:p>
+          <a:p>
+            <a:r>
+              <a:rPr lang="ru-RU" dirty="0"/>
+              <a:t>Предложен Д. Кутениным в начале 2023 года</a:t>
+            </a:r>
+          </a:p>
+          <a:p>
+            <a:r>
+              <a:rPr lang="ru-RU" dirty="0"/>
+              <a:t>Идея алгоритма:</a:t>
+            </a:r>
+          </a:p>
+          <a:p>
+            <a:pPr lvl="1"/>
+            <a:r>
+              <a:rPr lang="ru-RU" dirty="0"/>
+              <a:t>Предварительно отсортировать массив устойчивым алгоритмом</a:t>
+            </a:r>
+          </a:p>
+          <a:p>
+            <a:pPr lvl="1"/>
+            <a:r>
+              <a:rPr lang="ru-RU" dirty="0"/>
+              <a:t>Выделять в отсортированном массиве префиксы эквивалентных элементов</a:t>
+            </a:r>
+          </a:p>
+          <a:p>
+            <a:pPr lvl="1"/>
+            <a:r>
+              <a:rPr lang="ru-RU" dirty="0"/>
+              <a:t>И проверять их на транзитивность с оставшейся частью массива</a:t>
+            </a:r>
+          </a:p>
+          <a:p>
+            <a:r>
+              <a:rPr lang="ru-RU" dirty="0"/>
+              <a:t>Снижает сложность до O(N^2) (по прежнему превосходит сложность проверяемых алгоритмов)</a:t>
             </a:r>
             <a:endParaRPr lang="en-US" dirty="0"/>
           </a:p>
           <a:p>
             <a:r>
               <a:rPr lang="ru-RU" dirty="0"/>
-              <a:t>Включите </a:t>
-            </a:r>
-            <a:r>
-              <a:rPr lang="en-US" dirty="0">
-                <a:latin typeface="Courier New" panose="02070309020205020404" pitchFamily="49" charset="0"/>
-                <a:cs typeface="Courier New" panose="02070309020205020404" pitchFamily="49" charset="0"/>
-              </a:rPr>
-              <a:t>_G</a:t>
-            </a:r>
-            <a:r>
-              <a:rPr lang="ru-RU" dirty="0">
-                <a:latin typeface="Courier New" panose="02070309020205020404" pitchFamily="49" charset="0"/>
-                <a:cs typeface="Courier New" panose="02070309020205020404" pitchFamily="49" charset="0"/>
-              </a:rPr>
-              <a:t>LIBCXX_DEBUG</a:t>
-            </a:r>
-            <a:r>
-              <a:rPr lang="ru-RU" dirty="0"/>
-              <a:t> и </a:t>
-            </a:r>
-            <a:r>
-              <a:rPr lang="ru-RU" dirty="0">
-                <a:latin typeface="Courier New" panose="02070309020205020404" pitchFamily="49" charset="0"/>
-                <a:cs typeface="Courier New" panose="02070309020205020404" pitchFamily="49" charset="0"/>
-              </a:rPr>
-              <a:t>_LIBCPP_ENABLE_DEBUG_MODE</a:t>
-            </a:r>
-            <a:r>
-              <a:rPr lang="ru-RU" dirty="0"/>
-              <a:t> в своём CI</a:t>
-            </a:r>
-          </a:p>
-          <a:p>
-            <a:r>
-              <a:rPr lang="ru-RU" dirty="0"/>
-              <a:t>Примените Sort</a:t>
+              <a:t>Возможно будет интегрирован в </a:t>
+            </a:r>
+            <a:r>
+              <a:rPr lang="en-US" dirty="0" err="1"/>
+              <a:t>libc</a:t>
             </a:r>
             <a:r>
               <a:rPr lang="en-US" dirty="0"/>
-              <a:t>C</a:t>
-            </a:r>
-            <a:r>
-              <a:rPr lang="ru-RU" dirty="0"/>
-              <a:t>hecker и Sort</a:t>
-            </a:r>
-            <a:r>
-              <a:rPr lang="en-US" dirty="0"/>
-              <a:t>C</a:t>
-            </a:r>
-            <a:r>
-              <a:rPr lang="ru-RU" dirty="0"/>
-              <a:t>hecker++ к своему коду</a:t>
-            </a:r>
-          </a:p>
-          <a:p>
-            <a:pPr lvl="1"/>
-            <a:r>
-              <a:rPr lang="ru-RU" dirty="0"/>
-              <a:t>Сообщения об ошибках и дополнения приветствуются!</a:t>
-            </a:r>
+              <a:t>++ </a:t>
+            </a:r>
+            <a:r>
+              <a:rPr lang="ru-RU" dirty="0"/>
+              <a:t>и </a:t>
+            </a:r>
+            <a:r>
+              <a:rPr lang="en-US" dirty="0" err="1"/>
+              <a:t>SortChecker</a:t>
+            </a:r>
+            <a:endParaRPr lang="ru-RU" dirty="0"/>
+          </a:p>
+          <a:p>
             <a:endParaRPr lang="en-US" dirty="0"/>
           </a:p>
         </p:txBody>
@@ -16004,7 +17008,7 @@
     </p:spTree>
     <p:extLst>
       <p:ext uri="{BB962C8B-B14F-4D97-AF65-F5344CB8AC3E}">
-        <p14:creationId xmlns:p14="http://schemas.microsoft.com/office/powerpoint/2010/main" val="1454724109"/>
+        <p14:creationId xmlns:p14="http://schemas.microsoft.com/office/powerpoint/2010/main" val="886008562"/>
       </p:ext>
     </p:extLst>
   </p:cSld>
@@ -16036,7 +17040,7 @@
           <p:cNvPr id="2" name="Title 1">
             <a:extLst>
               <a:ext uri="{FF2B5EF4-FFF2-40B4-BE49-F238E27FC236}">
-                <a16:creationId xmlns:a16="http://schemas.microsoft.com/office/drawing/2014/main" id="{E3D5795D-7F53-4AE1-BCD3-E31732F4E19B}"/>
+                <a16:creationId xmlns:a16="http://schemas.microsoft.com/office/drawing/2014/main" id="{98837C8A-F603-42F7-AC33-9EBA279193DF}"/>
               </a:ext>
             </a:extLst>
           </p:cNvPr>
@@ -16054,7 +17058,7 @@
           <a:p>
             <a:r>
               <a:rPr lang="ru-RU" dirty="0"/>
-              <a:t>Другие типы ошибок в компараторных API</a:t>
+              <a:t>Что почитать</a:t>
             </a:r>
             <a:endParaRPr lang="en-US" dirty="0"/>
           </a:p>
@@ -16065,7 +17069,7 @@
           <p:cNvPr id="3" name="Content Placeholder 2">
             <a:extLst>
               <a:ext uri="{FF2B5EF4-FFF2-40B4-BE49-F238E27FC236}">
-                <a16:creationId xmlns:a16="http://schemas.microsoft.com/office/drawing/2014/main" id="{AA227CD4-DE96-4DD8-81A3-3E6458D822A6}"/>
+                <a16:creationId xmlns:a16="http://schemas.microsoft.com/office/drawing/2014/main" id="{6BEF2B0C-DEB6-403A-A327-A9DABD7F44CE}"/>
               </a:ext>
             </a:extLst>
           </p:cNvPr>
@@ -16082,91 +17086,39 @@
           <a:lstStyle/>
           <a:p>
             <a:r>
-              <a:rPr lang="ru-RU" dirty="0"/>
-              <a:t>Неотсортированные массивы в </a:t>
-            </a:r>
-            <a:r>
               <a:rPr lang="en-US" dirty="0"/>
-              <a:t>API </a:t>
-            </a:r>
-            <a:r>
-              <a:rPr lang="ru-RU" dirty="0"/>
-              <a:t>типа </a:t>
-            </a:r>
-            <a:r>
-              <a:rPr lang="en-US" dirty="0">
-                <a:latin typeface="Courier New" panose="02070309020205020404" pitchFamily="49" charset="0"/>
-                <a:cs typeface="Courier New" panose="02070309020205020404" pitchFamily="49" charset="0"/>
-              </a:rPr>
-              <a:t>std::</a:t>
-            </a:r>
-            <a:r>
-              <a:rPr lang="en-US" dirty="0" err="1">
-                <a:latin typeface="Courier New" panose="02070309020205020404" pitchFamily="49" charset="0"/>
-                <a:cs typeface="Courier New" panose="02070309020205020404" pitchFamily="49" charset="0"/>
-              </a:rPr>
-              <a:t>binary_search</a:t>
-            </a:r>
-            <a:endParaRPr lang="en-US" dirty="0">
-              <a:latin typeface="Courier New" panose="02070309020205020404" pitchFamily="49" charset="0"/>
-              <a:cs typeface="Courier New" panose="02070309020205020404" pitchFamily="49" charset="0"/>
-            </a:endParaRPr>
-          </a:p>
-          <a:p>
-            <a:pPr lvl="1"/>
-            <a:r>
-              <a:rPr lang="ru-RU" dirty="0"/>
-              <a:t>поддерживается в </a:t>
+              <a:t>Danila </a:t>
             </a:r>
             <a:r>
               <a:rPr lang="en-US" dirty="0" err="1"/>
-              <a:t>SortChecker</a:t>
+              <a:t>Kutenin</a:t>
             </a:r>
             <a:r>
               <a:rPr lang="en-US" dirty="0"/>
-              <a:t>/</a:t>
-            </a:r>
-            <a:r>
-              <a:rPr lang="en-US" dirty="0" err="1"/>
-              <a:t>SortChecker</a:t>
-            </a:r>
+              <a:t> </a:t>
+            </a:r>
+            <a:r>
+              <a:rPr lang="en-US" dirty="0">
+                <a:hlinkClick r:id="rId2"/>
+              </a:rPr>
+              <a:t>Changing std::sort at Google’s Scale and Beyond</a:t>
+            </a:r>
+            <a:endParaRPr lang="en-US" dirty="0"/>
+          </a:p>
+          <a:p>
             <a:r>
               <a:rPr lang="en-US" dirty="0"/>
-              <a:t>++</a:t>
-            </a:r>
-          </a:p>
-          <a:p>
-            <a:r>
-              <a:rPr lang="ru-RU" dirty="0"/>
-              <a:t>Расчёт на определённый порядок сортировки эквивалентных элементов</a:t>
-            </a:r>
-          </a:p>
-          <a:p>
-            <a:pPr lvl="1"/>
-            <a:r>
-              <a:rPr lang="ru-RU" dirty="0"/>
-              <a:t>проверяется в отладочной </a:t>
-            </a:r>
-            <a:r>
-              <a:rPr lang="en-US" dirty="0" err="1"/>
-              <a:t>libc</a:t>
-            </a:r>
-            <a:r>
-              <a:rPr lang="en-US" dirty="0"/>
-              <a:t>++ </a:t>
-            </a:r>
-            <a:r>
-              <a:rPr lang="ru-RU" dirty="0"/>
-              <a:t>(-</a:t>
-            </a:r>
-            <a:r>
-              <a:rPr lang="en-US" dirty="0"/>
-              <a:t>D_LIBCPP_ENABLE_DEBUG_MODE) </a:t>
-            </a:r>
-            <a:r>
-              <a:rPr lang="ru-RU" dirty="0"/>
-              <a:t>с помощью рандомизации</a:t>
-            </a:r>
+              <a:t>Jonathan Müller </a:t>
+            </a:r>
+            <a:r>
+              <a:rPr lang="en-US" dirty="0">
+                <a:hlinkClick r:id="rId3"/>
+              </a:rPr>
+              <a:t>Mathematics behind Comparison</a:t>
+            </a:r>
+            <a:endParaRPr lang="en-US" dirty="0"/>
+          </a:p>
+          <a:p>
             <a:endParaRPr lang="en-US" dirty="0"/>
           </a:p>
         </p:txBody>
@@ -16174,7 +17126,7 @@
     </p:spTree>
     <p:extLst>
       <p:ext uri="{BB962C8B-B14F-4D97-AF65-F5344CB8AC3E}">
-        <p14:creationId xmlns:p14="http://schemas.microsoft.com/office/powerpoint/2010/main" val="453513218"/>
+        <p14:creationId xmlns:p14="http://schemas.microsoft.com/office/powerpoint/2010/main" val="88266572"/>
       </p:ext>
     </p:extLst>
   </p:cSld>
@@ -16206,7 +17158,7 @@
           <p:cNvPr id="2" name="Title 1">
             <a:extLst>
               <a:ext uri="{FF2B5EF4-FFF2-40B4-BE49-F238E27FC236}">
-                <a16:creationId xmlns:a16="http://schemas.microsoft.com/office/drawing/2014/main" id="{AE55B1BF-E6CB-4A61-A19B-EAB2E2F68128}"/>
+                <a16:creationId xmlns:a16="http://schemas.microsoft.com/office/drawing/2014/main" id="{FB27C366-F1FD-4880-B503-F75FA2AB3EA0}"/>
               </a:ext>
             </a:extLst>
           </p:cNvPr>
@@ -16224,12 +17176,9 @@
           <a:p>
             <a:r>
               <a:rPr lang="ru-RU" dirty="0"/>
-              <a:t>Спасибо за внимание</a:t>
-            </a:r>
-            <a:r>
-              <a:rPr lang="en-US" dirty="0"/>
-              <a:t>!</a:t>
-            </a:r>
+              <a:t>Рекомендации</a:t>
+            </a:r>
+            <a:endParaRPr lang="en-US" dirty="0"/>
           </a:p>
         </p:txBody>
       </p:sp>
@@ -16238,7 +17187,7 @@
           <p:cNvPr id="3" name="Content Placeholder 2">
             <a:extLst>
               <a:ext uri="{FF2B5EF4-FFF2-40B4-BE49-F238E27FC236}">
-                <a16:creationId xmlns:a16="http://schemas.microsoft.com/office/drawing/2014/main" id="{FDC23327-086B-41AB-AC13-CE5A75450C7E}"/>
+                <a16:creationId xmlns:a16="http://schemas.microsoft.com/office/drawing/2014/main" id="{B6A123D4-600E-41B8-800A-B2AF29703F6B}"/>
               </a:ext>
             </a:extLst>
           </p:cNvPr>
@@ -16254,6 +17203,75 @@
           <a:bodyPr/>
           <a:lstStyle/>
           <a:p>
+            <a:r>
+              <a:rPr lang="ru-RU" dirty="0"/>
+              <a:t>Избегайте типичных ошибок в работе</a:t>
+            </a:r>
+            <a:endParaRPr lang="en-US" dirty="0"/>
+          </a:p>
+          <a:p>
+            <a:r>
+              <a:rPr lang="ru-RU" dirty="0"/>
+              <a:t>Включите </a:t>
+            </a:r>
+            <a:r>
+              <a:rPr lang="en-US" dirty="0">
+                <a:latin typeface="Courier New" panose="02070309020205020404" pitchFamily="49" charset="0"/>
+                <a:cs typeface="Courier New" panose="02070309020205020404" pitchFamily="49" charset="0"/>
+              </a:rPr>
+              <a:t>_G</a:t>
+            </a:r>
+            <a:r>
+              <a:rPr lang="ru-RU" dirty="0">
+                <a:latin typeface="Courier New" panose="02070309020205020404" pitchFamily="49" charset="0"/>
+                <a:cs typeface="Courier New" panose="02070309020205020404" pitchFamily="49" charset="0"/>
+              </a:rPr>
+              <a:t>LIBCXX_DEBUG</a:t>
+            </a:r>
+            <a:r>
+              <a:rPr lang="ru-RU" dirty="0"/>
+              <a:t> и </a:t>
+            </a:r>
+            <a:r>
+              <a:rPr lang="ru-RU" dirty="0">
+                <a:latin typeface="Courier New" panose="02070309020205020404" pitchFamily="49" charset="0"/>
+                <a:cs typeface="Courier New" panose="02070309020205020404" pitchFamily="49" charset="0"/>
+              </a:rPr>
+              <a:t>_LIBCPP_ENABLE_DEBUG_MODE</a:t>
+            </a:r>
+            <a:r>
+              <a:rPr lang="ru-RU" dirty="0"/>
+              <a:t> в своём CI</a:t>
+            </a:r>
+          </a:p>
+          <a:p>
+            <a:r>
+              <a:rPr lang="ru-RU" dirty="0"/>
+              <a:t>Примените Sort</a:t>
+            </a:r>
+            <a:r>
+              <a:rPr lang="en-US" dirty="0"/>
+              <a:t>C</a:t>
+            </a:r>
+            <a:r>
+              <a:rPr lang="ru-RU" dirty="0"/>
+              <a:t>hecker и Sort</a:t>
+            </a:r>
+            <a:r>
+              <a:rPr lang="en-US" dirty="0"/>
+              <a:t>C</a:t>
+            </a:r>
+            <a:r>
+              <a:rPr lang="ru-RU" dirty="0"/>
+              <a:t>hecker++ к своему коду</a:t>
+            </a:r>
+          </a:p>
+          <a:p>
+            <a:pPr lvl="1"/>
+            <a:r>
+              <a:rPr lang="ru-RU" dirty="0"/>
+              <a:t>Сообщения об ошибках и дополнения приветствуются!</a:t>
+            </a:r>
             <a:endParaRPr lang="en-US" dirty="0"/>
           </a:p>
         </p:txBody>
@@ -16261,7 +17279,7 @@
     </p:spTree>
     <p:extLst>
       <p:ext uri="{BB962C8B-B14F-4D97-AF65-F5344CB8AC3E}">
-        <p14:creationId xmlns:p14="http://schemas.microsoft.com/office/powerpoint/2010/main" val="876813992"/>
+        <p14:creationId xmlns:p14="http://schemas.microsoft.com/office/powerpoint/2010/main" val="1454724109"/>
       </p:ext>
     </p:extLst>
   </p:cSld>
@@ -16293,7 +17311,7 @@
           <p:cNvPr id="2" name="Title 1">
             <a:extLst>
               <a:ext uri="{FF2B5EF4-FFF2-40B4-BE49-F238E27FC236}">
-                <a16:creationId xmlns:a16="http://schemas.microsoft.com/office/drawing/2014/main" id="{680D122F-8A3D-4D58-A0A5-9A5AC33760D9}"/>
+                <a16:creationId xmlns:a16="http://schemas.microsoft.com/office/drawing/2014/main" id="{E3D5795D-7F53-4AE1-BCD3-E31732F4E19B}"/>
               </a:ext>
             </a:extLst>
           </p:cNvPr>
@@ -16311,15 +17329,7 @@
           <a:p>
             <a:r>
               <a:rPr lang="ru-RU" dirty="0"/>
-              <a:t>Частые ошибки</a:t>
-            </a:r>
-            <a:r>
-              <a:rPr lang="en-US" dirty="0"/>
-              <a:t>: </a:t>
-            </a:r>
-            <a:r>
-              <a:rPr lang="ru-RU" dirty="0"/>
-              <a:t>лексикографический порядок</a:t>
+              <a:t>Другие типы ошибок в компараторных API</a:t>
             </a:r>
             <a:endParaRPr lang="en-US" dirty="0"/>
           </a:p>
@@ -16330,7 +17340,7 @@
           <p:cNvPr id="3" name="Content Placeholder 2">
             <a:extLst>
               <a:ext uri="{FF2B5EF4-FFF2-40B4-BE49-F238E27FC236}">
-                <a16:creationId xmlns:a16="http://schemas.microsoft.com/office/drawing/2014/main" id="{EF38A0C2-67EB-4D5D-A96E-FD883EF4688E}"/>
+                <a16:creationId xmlns:a16="http://schemas.microsoft.com/office/drawing/2014/main" id="{AA227CD4-DE96-4DD8-81A3-3E6458D822A6}"/>
               </a:ext>
             </a:extLst>
           </p:cNvPr>
@@ -16343,91 +17353,103 @@
         </p:nvSpPr>
         <p:spPr/>
         <p:txBody>
-          <a:bodyPr>
-            <a:normAutofit/>
-          </a:bodyPr>
-          <a:lstStyle/>
-          <a:p>
-            <a:pPr marL="0" indent="0">
-              <a:buNone/>
-            </a:pPr>
-            <a:r>
-              <a:rPr lang="ru-RU" dirty="0"/>
-              <a:t>Примеры со stackoverflow:</a:t>
-            </a:r>
+          <a:bodyPr/>
+          <a:lstStyle/>
+          <a:p>
+            <a:r>
+              <a:rPr lang="ru-RU" dirty="0"/>
+              <a:t>Неотсортированные массивы в </a:t>
+            </a:r>
+            <a:r>
+              <a:rPr lang="en-US" dirty="0"/>
+              <a:t>API </a:t>
+            </a:r>
+            <a:r>
+              <a:rPr lang="ru-RU" dirty="0"/>
+              <a:t>типа </a:t>
+            </a:r>
+            <a:r>
+              <a:rPr lang="en-US" dirty="0">
+                <a:latin typeface="Courier New" panose="02070309020205020404" pitchFamily="49" charset="0"/>
+                <a:cs typeface="Courier New" panose="02070309020205020404" pitchFamily="49" charset="0"/>
+              </a:rPr>
+              <a:t>std::</a:t>
+            </a:r>
+            <a:r>
+              <a:rPr lang="en-US" dirty="0" err="1">
+                <a:latin typeface="Courier New" panose="02070309020205020404" pitchFamily="49" charset="0"/>
+                <a:cs typeface="Courier New" panose="02070309020205020404" pitchFamily="49" charset="0"/>
+              </a:rPr>
+              <a:t>binary_search</a:t>
+            </a:r>
+            <a:endParaRPr lang="en-US" dirty="0">
+              <a:latin typeface="Courier New" panose="02070309020205020404" pitchFamily="49" charset="0"/>
+              <a:cs typeface="Courier New" panose="02070309020205020404" pitchFamily="49" charset="0"/>
+            </a:endParaRPr>
           </a:p>
           <a:p>
             <a:pPr lvl="1"/>
             <a:r>
-              <a:rPr lang="ru-RU" dirty="0">
-                <a:hlinkClick r:id="rId2"/>
-              </a:rPr>
-              <a:t>https://stackoverflow.com/questions/48455244/bug-in-stdsort</a:t>
+              <a:rPr lang="ru-RU" dirty="0"/>
+              <a:t>поддерживается в </a:t>
+            </a:r>
+            <a:r>
+              <a:rPr lang="en-US" dirty="0" err="1"/>
+              <a:t>SortChecker</a:t>
             </a:r>
             <a:r>
               <a:rPr lang="en-US" dirty="0"/>
-              <a:t> </a:t>
-            </a:r>
-            <a:endParaRPr lang="ru-RU" dirty="0"/>
+              <a:t>/</a:t>
+            </a:r>
+            <a:r>
+              <a:rPr lang="en-US" dirty="0" err="1"/>
+              <a:t>SortChecker</a:t>
+            </a:r>
+            <a:r>
+              <a:rPr lang="en-US" dirty="0"/>
+              <a:t>++</a:t>
+            </a:r>
+          </a:p>
+          <a:p>
+            <a:r>
+              <a:rPr lang="ru-RU" dirty="0"/>
+              <a:t>Расчёт на определённый порядок сортировки эквивалентных элементов</a:t>
+            </a:r>
           </a:p>
           <a:p>
             <a:pPr lvl="1"/>
             <a:r>
-              <a:rPr lang="ru-RU" dirty="0">
-                <a:hlinkClick r:id="rId3"/>
-              </a:rPr>
-              <a:t>https://stackoverflow.com/questions/53712873/sorting-a-vector-of-a-custom-class-with-stdsort-causes-a-segmentation-fault</a:t>
+              <a:rPr lang="ru-RU" dirty="0"/>
+              <a:t>проверяется в отладочной </a:t>
+            </a:r>
+            <a:r>
+              <a:rPr lang="en-US" dirty="0" err="1"/>
+              <a:t>libc</a:t>
             </a:r>
             <a:r>
               <a:rPr lang="en-US" dirty="0"/>
-              <a:t> </a:t>
-            </a:r>
-            <a:endParaRPr lang="ru-RU" dirty="0"/>
-          </a:p>
-          <a:p>
-            <a:pPr lvl="1"/>
-            <a:r>
-              <a:rPr lang="ru-RU" dirty="0">
-                <a:hlinkClick r:id="rId4"/>
-              </a:rPr>
-              <a:t>https://stackoverflow.com/questions/68225770/sorting-vector-of-pair-using-lambda-predicate-crashing-with-memory-corruption</a:t>
+              <a:t>++ </a:t>
+            </a:r>
+            <a:r>
+              <a:rPr lang="ru-RU" dirty="0"/>
+              <a:t>(-</a:t>
             </a:r>
             <a:r>
               <a:rPr lang="en-US" dirty="0"/>
-              <a:t> </a:t>
-            </a:r>
-            <a:endParaRPr lang="ru-RU" dirty="0"/>
-          </a:p>
-          <a:p>
-            <a:pPr lvl="1"/>
-            <a:r>
-              <a:rPr lang="ru-RU" dirty="0">
-                <a:hlinkClick r:id="rId5"/>
-              </a:rPr>
-              <a:t>https://stackoverflow.com/questions/72737018/stdsort-results-in-a-segfault</a:t>
-            </a:r>
-            <a:r>
-              <a:rPr lang="en-US" dirty="0"/>
-              <a:t> </a:t>
-            </a:r>
-            <a:endParaRPr lang="ru-RU" dirty="0"/>
-          </a:p>
-          <a:p>
-            <a:pPr lvl="1"/>
-            <a:r>
-              <a:rPr lang="en-US" dirty="0">
-                <a:hlinkClick r:id="rId6"/>
-              </a:rPr>
-              <a:t>https://stackoverflow.com/questions/33547566/strict-weak-ordering-operator-in-c</a:t>
-            </a:r>
-            <a:endParaRPr lang="ru-RU" dirty="0"/>
+              <a:t>D_LIBCPP_ENABLE_DEBUG_MODE) </a:t>
+            </a:r>
+            <a:r>
+              <a:rPr lang="ru-RU" dirty="0"/>
+              <a:t>с помощью рандомизации</a:t>
+            </a:r>
+            <a:endParaRPr lang="en-US" dirty="0"/>
           </a:p>
         </p:txBody>
       </p:sp>
     </p:spTree>
     <p:extLst>
       <p:ext uri="{BB962C8B-B14F-4D97-AF65-F5344CB8AC3E}">
-        <p14:creationId xmlns:p14="http://schemas.microsoft.com/office/powerpoint/2010/main" val="3668881934"/>
+        <p14:creationId xmlns:p14="http://schemas.microsoft.com/office/powerpoint/2010/main" val="453513218"/>
       </p:ext>
     </p:extLst>
   </p:cSld>
@@ -16732,7 +17754,7 @@
           <p:cNvPr id="2" name="Title 1">
             <a:extLst>
               <a:ext uri="{FF2B5EF4-FFF2-40B4-BE49-F238E27FC236}">
-                <a16:creationId xmlns:a16="http://schemas.microsoft.com/office/drawing/2014/main" id="{092805D2-F357-4985-8786-1E96A3570DCA}"/>
+                <a16:creationId xmlns:a16="http://schemas.microsoft.com/office/drawing/2014/main" id="{AE55B1BF-E6CB-4A61-A19B-EAB2E2F68128}"/>
               </a:ext>
             </a:extLst>
           </p:cNvPr>
@@ -16750,17 +17772,12 @@
           <a:p>
             <a:r>
               <a:rPr lang="ru-RU" dirty="0"/>
-              <a:t>Частые ошибки</a:t>
+              <a:t>Спасибо за внимание</a:t>
             </a:r>
             <a:r>
               <a:rPr lang="en-US" dirty="0"/>
-              <a:t>: </a:t>
-            </a:r>
-            <a:r>
-              <a:rPr lang="ru-RU" dirty="0"/>
-              <a:t>нестрогий порядок</a:t>
-            </a:r>
-            <a:endParaRPr lang="en-US" dirty="0"/>
+              <a:t>!</a:t>
+            </a:r>
           </a:p>
         </p:txBody>
       </p:sp>
@@ -16769,7 +17786,7 @@
           <p:cNvPr id="3" name="Content Placeholder 2">
             <a:extLst>
               <a:ext uri="{FF2B5EF4-FFF2-40B4-BE49-F238E27FC236}">
-                <a16:creationId xmlns:a16="http://schemas.microsoft.com/office/drawing/2014/main" id="{9F877387-845B-4121-913F-2FB574552C9A}"/>
+                <a16:creationId xmlns:a16="http://schemas.microsoft.com/office/drawing/2014/main" id="{FDC23327-086B-41AB-AC13-CE5A75450C7E}"/>
               </a:ext>
             </a:extLst>
           </p:cNvPr>
@@ -16782,94 +17799,8 @@
         </p:nvSpPr>
         <p:spPr/>
         <p:txBody>
-          <a:bodyPr>
-            <a:normAutofit fontScale="85000" lnSpcReduction="20000"/>
-          </a:bodyPr>
-          <a:lstStyle/>
-          <a:p>
-            <a:r>
-              <a:rPr lang="en-US" dirty="0">
-                <a:hlinkClick r:id="rId2"/>
-              </a:rPr>
-              <a:t>https://stackoverflow.com/questions/40483971/program-crash-in-stdsort-sometimes-cant-reproduce</a:t>
-            </a:r>
-            <a:r>
-              <a:rPr lang="en-US" dirty="0"/>
-              <a:t> </a:t>
-            </a:r>
-          </a:p>
-          <a:p>
-            <a:r>
-              <a:rPr lang="en-US" dirty="0">
-                <a:hlinkClick r:id="rId3"/>
-              </a:rPr>
-              <a:t>https://stackoverflow.com/questions/65468629/stl-sort-debug-assertion-failed</a:t>
-            </a:r>
-            <a:r>
-              <a:rPr lang="en-US" dirty="0"/>
-              <a:t> </a:t>
-            </a:r>
-          </a:p>
-          <a:p>
-            <a:r>
-              <a:rPr lang="en-US" dirty="0">
-                <a:hlinkClick r:id="rId4"/>
-              </a:rPr>
-              <a:t>https://stackoverflow.com/questions/18291620/why-will-stdsort-crash-if-the-comparison-function-is-not-as-operator</a:t>
-            </a:r>
-            <a:r>
-              <a:rPr lang="en-US" dirty="0"/>
-              <a:t> </a:t>
-            </a:r>
-          </a:p>
-          <a:p>
-            <a:r>
-              <a:rPr lang="en-US" dirty="0">
-                <a:hlinkClick r:id="rId5"/>
-              </a:rPr>
-              <a:t>https://stackoverflow.com/questions/19757210/stdsort-from-algorithm-crashes</a:t>
-            </a:r>
-            <a:r>
-              <a:rPr lang="en-US" dirty="0"/>
-              <a:t> </a:t>
-            </a:r>
-          </a:p>
-          <a:p>
-            <a:r>
-              <a:rPr lang="en-US" dirty="0">
-                <a:hlinkClick r:id="rId6"/>
-              </a:rPr>
-              <a:t>https://stackoverflow.com/questions/64014782/c-program-crashes-when-trying-to-sort-a-vector-of-strings</a:t>
-            </a:r>
-            <a:r>
-              <a:rPr lang="en-US" dirty="0"/>
-              <a:t> </a:t>
-            </a:r>
-          </a:p>
-          <a:p>
-            <a:r>
-              <a:rPr lang="en-US" dirty="0">
-                <a:hlinkClick r:id="rId7"/>
-              </a:rPr>
-              <a:t>https://stackoverflow.com/questions/70869803/c-code-crashes-when-trying-to-sort-2d-vector</a:t>
-            </a:r>
-            <a:r>
-              <a:rPr lang="en-US" dirty="0"/>
-              <a:t> </a:t>
-            </a:r>
-          </a:p>
-          <a:p>
-            <a:r>
-              <a:rPr lang="en-US" dirty="0">
-                <a:hlinkClick r:id="rId8"/>
-              </a:rPr>
-              <a:t>https://stackoverflow.com/questions/67553073/std-sort-sometimes-throws-seqmention-fault</a:t>
-            </a:r>
-            <a:r>
-              <a:rPr lang="en-US" dirty="0"/>
-              <a:t> </a:t>
-            </a:r>
-          </a:p>
+          <a:bodyPr/>
+          <a:lstStyle/>
           <a:p>
             <a:endParaRPr lang="en-US" dirty="0"/>
           </a:p>
@@ -16878,7 +17809,7 @@
     </p:spTree>
     <p:extLst>
       <p:ext uri="{BB962C8B-B14F-4D97-AF65-F5344CB8AC3E}">
-        <p14:creationId xmlns:p14="http://schemas.microsoft.com/office/powerpoint/2010/main" val="1970220755"/>
+        <p14:creationId xmlns:p14="http://schemas.microsoft.com/office/powerpoint/2010/main" val="876813992"/>
       </p:ext>
     </p:extLst>
   </p:cSld>
@@ -16910,7 +17841,7 @@
           <p:cNvPr id="2" name="Title 1">
             <a:extLst>
               <a:ext uri="{FF2B5EF4-FFF2-40B4-BE49-F238E27FC236}">
-                <a16:creationId xmlns:a16="http://schemas.microsoft.com/office/drawing/2014/main" id="{5B934954-6504-41DD-8948-DC3D99FD6E34}"/>
+                <a16:creationId xmlns:a16="http://schemas.microsoft.com/office/drawing/2014/main" id="{680D122F-8A3D-4D58-A0A5-9A5AC33760D9}"/>
               </a:ext>
             </a:extLst>
           </p:cNvPr>
@@ -16932,11 +17863,11 @@
             </a:r>
             <a:r>
               <a:rPr lang="en-US" dirty="0"/>
-              <a:t>:</a:t>
-            </a:r>
-            <a:r>
-              <a:rPr lang="ru-RU" dirty="0"/>
-              <a:t> некорректная обработка специального случая</a:t>
+              <a:t>: </a:t>
+            </a:r>
+            <a:r>
+              <a:rPr lang="ru-RU" dirty="0"/>
+              <a:t>лексикографический порядок</a:t>
             </a:r>
             <a:endParaRPr lang="en-US" dirty="0"/>
           </a:p>
@@ -16947,7 +17878,7 @@
           <p:cNvPr id="3" name="Content Placeholder 2">
             <a:extLst>
               <a:ext uri="{FF2B5EF4-FFF2-40B4-BE49-F238E27FC236}">
-                <a16:creationId xmlns:a16="http://schemas.microsoft.com/office/drawing/2014/main" id="{B70B7E1B-CF95-4F6A-94BA-64AE9895C4A5}"/>
+                <a16:creationId xmlns:a16="http://schemas.microsoft.com/office/drawing/2014/main" id="{EF38A0C2-67EB-4D5D-A96E-FD883EF4688E}"/>
               </a:ext>
             </a:extLst>
           </p:cNvPr>
@@ -16960,84 +17891,91 @@
         </p:nvSpPr>
         <p:spPr/>
         <p:txBody>
-          <a:bodyPr/>
-          <a:lstStyle/>
-          <a:p>
+          <a:bodyPr>
+            <a:normAutofit/>
+          </a:bodyPr>
+          <a:lstStyle/>
+          <a:p>
+            <a:pPr marL="0" indent="0">
+              <a:buNone/>
+            </a:pPr>
+            <a:r>
+              <a:rPr lang="ru-RU" dirty="0"/>
+              <a:t>Примеры со stackoverflow:</a:t>
+            </a:r>
+          </a:p>
+          <a:p>
+            <a:pPr lvl="1"/>
             <a:r>
               <a:rPr lang="ru-RU" dirty="0">
-                <a:solidFill>
-                  <a:prstClr val="black"/>
-                </a:solidFill>
-                <a:cs typeface="Courier New" panose="02070309020205020404" pitchFamily="49" charset="0"/>
-              </a:rPr>
-              <a:t>Примеры со stackoverflow:</a:t>
-            </a:r>
+                <a:hlinkClick r:id="rId2"/>
+              </a:rPr>
+              <a:t>https://stackoverflow.com/questions/48455244/bug-in-stdsort</a:t>
+            </a:r>
+            <a:r>
+              <a:rPr lang="en-US" dirty="0"/>
+              <a:t> </a:t>
+            </a:r>
+            <a:endParaRPr lang="ru-RU" dirty="0"/>
           </a:p>
           <a:p>
             <a:pPr lvl="1"/>
             <a:r>
               <a:rPr lang="ru-RU" dirty="0">
-                <a:solidFill>
-                  <a:prstClr val="black"/>
-                </a:solidFill>
-                <a:cs typeface="Courier New" panose="02070309020205020404" pitchFamily="49" charset="0"/>
-                <a:hlinkClick r:id="rId2"/>
-              </a:rPr>
-              <a:t>https://stackoverflow.com/questions/55815423/stdsort-crashes-with-strict-weak-ordering-comparing-with-garbage-values</a:t>
-            </a:r>
-            <a:r>
-              <a:rPr lang="en-US" dirty="0">
-                <a:solidFill>
-                  <a:prstClr val="black"/>
-                </a:solidFill>
-                <a:cs typeface="Courier New" panose="02070309020205020404" pitchFamily="49" charset="0"/>
-              </a:rPr>
+                <a:hlinkClick r:id="rId3"/>
+              </a:rPr>
+              <a:t>https://stackoverflow.com/questions/53712873/sorting-a-vector-of-a-custom-class-with-stdsort-causes-a-segmentation-fault</a:t>
+            </a:r>
+            <a:r>
+              <a:rPr lang="en-US" dirty="0"/>
               <a:t> </a:t>
             </a:r>
-            <a:endParaRPr lang="ru-RU" dirty="0">
-              <a:solidFill>
-                <a:prstClr val="black"/>
-              </a:solidFill>
-              <a:cs typeface="Courier New" panose="02070309020205020404" pitchFamily="49" charset="0"/>
-            </a:endParaRPr>
+            <a:endParaRPr lang="ru-RU" dirty="0"/>
           </a:p>
           <a:p>
             <a:pPr lvl="1"/>
             <a:r>
               <a:rPr lang="ru-RU" dirty="0">
-                <a:solidFill>
-                  <a:prstClr val="black"/>
-           